--- a/MMS 2017 - Windows Upgrade Readiness.pptx
+++ b/MMS 2017 - Windows Upgrade Readiness.pptx
@@ -5,7 +5,7 @@
     <p:sldMasterId id="2147483648" r:id="rId1"/>
   </p:sldMasterIdLst>
   <p:notesMasterIdLst>
-    <p:notesMasterId r:id="rId40"/>
+    <p:notesMasterId r:id="rId41"/>
   </p:notesMasterIdLst>
   <p:sldIdLst>
     <p:sldId id="256" r:id="rId2"/>
@@ -19,33 +19,34 @@
     <p:sldId id="292" r:id="rId10"/>
     <p:sldId id="282" r:id="rId11"/>
     <p:sldId id="280" r:id="rId12"/>
-    <p:sldId id="290" r:id="rId13"/>
-    <p:sldId id="283" r:id="rId14"/>
-    <p:sldId id="289" r:id="rId15"/>
-    <p:sldId id="296" r:id="rId16"/>
-    <p:sldId id="287" r:id="rId17"/>
-    <p:sldId id="294" r:id="rId18"/>
-    <p:sldId id="286" r:id="rId19"/>
-    <p:sldId id="295" r:id="rId20"/>
-    <p:sldId id="259" r:id="rId21"/>
-    <p:sldId id="279" r:id="rId22"/>
-    <p:sldId id="260" r:id="rId23"/>
-    <p:sldId id="278" r:id="rId24"/>
-    <p:sldId id="262" r:id="rId25"/>
-    <p:sldId id="263" r:id="rId26"/>
-    <p:sldId id="264" r:id="rId27"/>
-    <p:sldId id="265" r:id="rId28"/>
-    <p:sldId id="266" r:id="rId29"/>
-    <p:sldId id="267" r:id="rId30"/>
-    <p:sldId id="268" r:id="rId31"/>
-    <p:sldId id="269" r:id="rId32"/>
-    <p:sldId id="270" r:id="rId33"/>
-    <p:sldId id="271" r:id="rId34"/>
-    <p:sldId id="272" r:id="rId35"/>
-    <p:sldId id="273" r:id="rId36"/>
-    <p:sldId id="274" r:id="rId37"/>
-    <p:sldId id="275" r:id="rId38"/>
-    <p:sldId id="276" r:id="rId39"/>
+    <p:sldId id="299" r:id="rId13"/>
+    <p:sldId id="290" r:id="rId14"/>
+    <p:sldId id="283" r:id="rId15"/>
+    <p:sldId id="289" r:id="rId16"/>
+    <p:sldId id="296" r:id="rId17"/>
+    <p:sldId id="287" r:id="rId18"/>
+    <p:sldId id="294" r:id="rId19"/>
+    <p:sldId id="286" r:id="rId20"/>
+    <p:sldId id="295" r:id="rId21"/>
+    <p:sldId id="259" r:id="rId22"/>
+    <p:sldId id="279" r:id="rId23"/>
+    <p:sldId id="260" r:id="rId24"/>
+    <p:sldId id="278" r:id="rId25"/>
+    <p:sldId id="262" r:id="rId26"/>
+    <p:sldId id="263" r:id="rId27"/>
+    <p:sldId id="264" r:id="rId28"/>
+    <p:sldId id="265" r:id="rId29"/>
+    <p:sldId id="266" r:id="rId30"/>
+    <p:sldId id="267" r:id="rId31"/>
+    <p:sldId id="268" r:id="rId32"/>
+    <p:sldId id="269" r:id="rId33"/>
+    <p:sldId id="270" r:id="rId34"/>
+    <p:sldId id="271" r:id="rId35"/>
+    <p:sldId id="272" r:id="rId36"/>
+    <p:sldId id="273" r:id="rId37"/>
+    <p:sldId id="274" r:id="rId38"/>
+    <p:sldId id="275" r:id="rId39"/>
+    <p:sldId id="276" r:id="rId40"/>
   </p:sldIdLst>
   <p:sldSz cx="12192000" cy="6858000"/>
   <p:notesSz cx="6858000" cy="9144000"/>
@@ -164,6 +165,7 @@
             <p14:sldId id="292"/>
             <p14:sldId id="282"/>
             <p14:sldId id="280"/>
+            <p14:sldId id="299"/>
             <p14:sldId id="290"/>
             <p14:sldId id="283"/>
             <p14:sldId id="289"/>
@@ -296,7 +298,7 @@
           <a:p>
             <a:fld id="{5AC68C86-161C-47A6-9A61-C529F6A6AC98}" type="datetimeFigureOut">
               <a:rPr lang="en-US" smtClean="0"/>
-              <a:t>3/28/2017</a:t>
+              <a:t>4/6/2017</a:t>
             </a:fld>
             <a:endParaRPr lang="en-US"/>
           </a:p>
@@ -607,88 +609,7 @@
           <a:bodyPr/>
           <a:lstStyle/>
           <a:p>
-            <a:r>
-              <a:rPr lang="en-US" dirty="0"/>
-              <a:t>Anyone who wants to can log into a live Windows  Upgrade Readiness instance. </a:t>
-            </a:r>
-            <a:r>
-              <a:rPr lang="en-US" baseline="0" dirty="0"/>
-              <a:t> mm</a:t>
-            </a:r>
-            <a:endParaRPr lang="en-US" dirty="0"/>
-          </a:p>
-          <a:p>
-            <a:r>
-              <a:rPr lang="en-US" dirty="0"/>
-              <a:t>Who</a:t>
-            </a:r>
-            <a:r>
-              <a:rPr lang="en-US" baseline="0" dirty="0"/>
-              <a:t> is currently using it?  Who know </a:t>
-            </a:r>
-            <a:r>
-              <a:rPr lang="en-US" baseline="0" dirty="0" err="1"/>
-              <a:t>whast</a:t>
-            </a:r>
-            <a:r>
-              <a:rPr lang="en-US" baseline="0" dirty="0"/>
-              <a:t> it is?  Who has set it up?  </a:t>
-            </a:r>
-          </a:p>
-          <a:p>
-            <a:endParaRPr lang="en-US" dirty="0"/>
-          </a:p>
-          <a:p>
-            <a:r>
-              <a:rPr lang="en-US" dirty="0"/>
-              <a:t>What is Windows </a:t>
-            </a:r>
-            <a:r>
-              <a:rPr lang="en-US" dirty="0" err="1"/>
-              <a:t>Upgrad</a:t>
-            </a:r>
-            <a:r>
-              <a:rPr lang="en-US" dirty="0"/>
-              <a:t> Readiness?  BIG DATA.</a:t>
-            </a:r>
-            <a:r>
-              <a:rPr lang="en-US" baseline="0" dirty="0"/>
-              <a:t>  Microsoft can you let you know with a high degree of certainty what devices in your environment are ready for a windows 10 upgrade or servicing.  There isn’t too much too </a:t>
-            </a:r>
-            <a:r>
-              <a:rPr lang="en-US" baseline="0" dirty="0" err="1"/>
-              <a:t>WindowsUpgrade</a:t>
-            </a:r>
-            <a:r>
-              <a:rPr lang="en-US" baseline="0" dirty="0"/>
-              <a:t> Readiness.  It can be setup and configured quickly and cheaply.</a:t>
-            </a:r>
-          </a:p>
-          <a:p>
-            <a:endParaRPr lang="en-US" baseline="0" dirty="0"/>
-          </a:p>
-          <a:p>
-            <a:r>
-              <a:rPr lang="en-US" baseline="0" dirty="0"/>
-              <a:t>Telemetry </a:t>
-            </a:r>
-            <a:r>
-              <a:rPr lang="en-US" baseline="0" dirty="0" err="1"/>
-              <a:t>telemetry</a:t>
-            </a:r>
-            <a:r>
-              <a:rPr lang="en-US" baseline="0" dirty="0"/>
-              <a:t> </a:t>
-            </a:r>
-            <a:r>
-              <a:rPr lang="en-US" baseline="0" dirty="0" err="1"/>
-              <a:t>telemetry</a:t>
-            </a:r>
-            <a:r>
-              <a:rPr lang="en-US" baseline="0" dirty="0"/>
-              <a:t>.  If you are not sharing your telemetry data you can’t complain when the product changes but doesn’t address your needs. This is the new normal, adapt.</a:t>
-            </a:r>
-            <a:endParaRPr lang="en-US" dirty="0"/>
+            <a:endParaRPr lang="en-US"/>
           </a:p>
         </p:txBody>
       </p:sp>
@@ -709,7 +630,7 @@
           <a:p>
             <a:fld id="{6AD7C417-D302-4BDC-AE7D-6A9679C5A3F5}" type="slidenum">
               <a:rPr lang="en-US" smtClean="0"/>
-              <a:t>4</a:t>
+              <a:t>1</a:t>
             </a:fld>
             <a:endParaRPr lang="en-US"/>
           </a:p>
@@ -718,7 +639,7 @@
     </p:spTree>
     <p:extLst>
       <p:ext uri="{BB962C8B-B14F-4D97-AF65-F5344CB8AC3E}">
-        <p14:creationId xmlns:p14="http://schemas.microsoft.com/office/powerpoint/2010/main" val="1476037109"/>
+        <p14:creationId xmlns:p14="http://schemas.microsoft.com/office/powerpoint/2010/main" val="1154620875"/>
       </p:ext>
     </p:extLst>
   </p:cSld>
@@ -774,11 +695,45 @@
           <a:p>
             <a:r>
               <a:rPr lang="en-US" dirty="0"/>
-              <a:t>If</a:t>
+              <a:t>When doing an</a:t>
             </a:r>
             <a:r>
               <a:rPr lang="en-US" baseline="0" dirty="0"/>
-              <a:t> you want to look at a migration project as a time breakdown, application packaging and rationalization should be take 90% of your time.  The task sequence or deployment method is easy, its been done a thousand times by a thousand different people.  You WILL figure out whatever you need to do deploy the actual operating system.  Trust me when I say that is the easy part.   </a:t>
+              <a:t> upgrade project the most important thing to consider is your applications. Everything else is secondary.  Users get work done and generate revenue because of the applications they are using, not the OS or the hardware.  Ok, so what does Upgrade Readiness get us to help with applications!?  An automatically maintained and detailed list.  Who used Excel or SharePoint during windows 7 migration project?  This can either be your source of truth or can be used to cross reference what you think your source of truth is.  Use this data as your application rationalization start.  Cross reference this against your ConfigMgr app library.  Identify your application owners, etc.</a:t>
+            </a:r>
+          </a:p>
+          <a:p>
+            <a:r>
+              <a:rPr lang="en-US" baseline="0" dirty="0"/>
+              <a:t>Using the telemetry gained from millions of windows 10 upgrades you also are given amazing </a:t>
+            </a:r>
+            <a:r>
+              <a:rPr lang="en-US" baseline="0" dirty="0" err="1"/>
+              <a:t>insite</a:t>
+            </a:r>
+            <a:r>
+              <a:rPr lang="en-US" baseline="0" dirty="0"/>
+              <a:t> into whether or nothing application will work on your </a:t>
+            </a:r>
+            <a:r>
+              <a:rPr lang="en-US" baseline="0" dirty="0" err="1"/>
+              <a:t>winows</a:t>
+            </a:r>
+            <a:r>
+              <a:rPr lang="en-US" baseline="0" dirty="0"/>
+              <a:t> 10 upgrade or servicing.</a:t>
+            </a:r>
+          </a:p>
+          <a:p>
+            <a:r>
+              <a:rPr lang="en-US" baseline="0" dirty="0"/>
+              <a:t> </a:t>
+            </a:r>
+          </a:p>
+          <a:p>
+            <a:r>
+              <a:rPr lang="en-US" baseline="0" dirty="0"/>
+              <a:t>You can assign importance levels and upgrade decision on these applications, meaning you can run your entire windows 10 application readiness from this portal if you want. Set the application to review in process to indicate it is being worked on.</a:t>
             </a:r>
             <a:endParaRPr lang="en-US" dirty="0"/>
           </a:p>
@@ -801,7 +756,7 @@
           <a:p>
             <a:fld id="{6AD7C417-D302-4BDC-AE7D-6A9679C5A3F5}" type="slidenum">
               <a:rPr lang="en-US" smtClean="0"/>
-              <a:t>13</a:t>
+              <a:t>12</a:t>
             </a:fld>
             <a:endParaRPr lang="en-US"/>
           </a:p>
@@ -810,7 +765,7 @@
     </p:spTree>
     <p:extLst>
       <p:ext uri="{BB962C8B-B14F-4D97-AF65-F5344CB8AC3E}">
-        <p14:creationId xmlns:p14="http://schemas.microsoft.com/office/powerpoint/2010/main" val="794720649"/>
+        <p14:creationId xmlns:p14="http://schemas.microsoft.com/office/powerpoint/2010/main" val="856091211"/>
       </p:ext>
     </p:extLst>
   </p:cSld>
@@ -866,36 +821,11 @@
           <a:p>
             <a:r>
               <a:rPr lang="en-US" dirty="0"/>
-              <a:t>Available</a:t>
+              <a:t>The app owner</a:t>
             </a:r>
             <a:r>
               <a:rPr lang="en-US" baseline="0" dirty="0"/>
-              <a:t> in 1610.  Easy to integrate, can take days for information to show in the console.</a:t>
-            </a:r>
-          </a:p>
-          <a:p>
-            <a:endParaRPr lang="en-US" baseline="0" dirty="0"/>
-          </a:p>
-          <a:p>
-            <a:r>
-              <a:rPr lang="en-US" baseline="0" dirty="0"/>
-              <a:t>Use </a:t>
-            </a:r>
-            <a:r>
-              <a:rPr lang="en-US" baseline="0" dirty="0" err="1"/>
-              <a:t>configmgr</a:t>
-            </a:r>
-            <a:r>
-              <a:rPr lang="en-US" baseline="0" dirty="0"/>
-              <a:t> with windows readiness integration to further dissect your windows 10 upgrade eligible devices.  i.e. UEFI w/ </a:t>
-            </a:r>
-            <a:r>
-              <a:rPr lang="en-US" baseline="0" dirty="0" err="1"/>
-              <a:t>SecureBoot</a:t>
-            </a:r>
-            <a:r>
-              <a:rPr lang="en-US" baseline="0" dirty="0"/>
-              <a:t> and TPM AND ready according to Windows Readiness. </a:t>
+              <a:t> is important here.  Yu don’t own the application, only its deployment.  Get an app owner to validate and QA it.  Asking the app owner to validate has to be hardest job in the business.   You are essentially asking someone to carve out time for you when they have zero incentive to do it.  And they have a non-trivial risk associated with upgraded their applications… they may have non-trivial cost and security risks too.  This is a job best suited for a business analyst if you can have the resources.  Your problems here are non-technical.  Most very non-technical.  The path to success here is to be an annoying nag.  And have easily accessible test VMs.  This is hard work, plan accordingly!  </a:t>
             </a:r>
           </a:p>
         </p:txBody>
@@ -917,7 +847,7 @@
           <a:p>
             <a:fld id="{6AD7C417-D302-4BDC-AE7D-6A9679C5A3F5}" type="slidenum">
               <a:rPr lang="en-US" smtClean="0"/>
-              <a:t>14</a:t>
+              <a:t>13</a:t>
             </a:fld>
             <a:endParaRPr lang="en-US"/>
           </a:p>
@@ -926,7 +856,7 @@
     </p:spTree>
     <p:extLst>
       <p:ext uri="{BB962C8B-B14F-4D97-AF65-F5344CB8AC3E}">
-        <p14:creationId xmlns:p14="http://schemas.microsoft.com/office/powerpoint/2010/main" val="1504100041"/>
+        <p14:creationId xmlns:p14="http://schemas.microsoft.com/office/powerpoint/2010/main" val="4028412828"/>
       </p:ext>
     </p:extLst>
   </p:cSld>
@@ -982,11 +912,11 @@
           <a:p>
             <a:r>
               <a:rPr lang="en-US" dirty="0"/>
-              <a:t>The app owner</a:t>
+              <a:t>If</a:t>
             </a:r>
             <a:r>
               <a:rPr lang="en-US" baseline="0" dirty="0"/>
-              <a:t> is important here.  Yu don’t own the application, only its deployment.  Get an app owner to validate and QA it.</a:t>
+              <a:t> you want to look at a migration project as a time breakdown, application packaging and rationalization should be take 90% of your time.  The task sequence or deployment method is easy, its been done a thousand times by a thousand different people.  You WILL figure out whatever you need to do deploy the actual operating system.  Trust me when I say that is the easy part.   </a:t>
             </a:r>
             <a:endParaRPr lang="en-US" dirty="0"/>
           </a:p>
@@ -1009,7 +939,7 @@
           <a:p>
             <a:fld id="{6AD7C417-D302-4BDC-AE7D-6A9679C5A3F5}" type="slidenum">
               <a:rPr lang="en-US" smtClean="0"/>
-              <a:t>15</a:t>
+              <a:t>14</a:t>
             </a:fld>
             <a:endParaRPr lang="en-US"/>
           </a:p>
@@ -1018,7 +948,7 @@
     </p:spTree>
     <p:extLst>
       <p:ext uri="{BB962C8B-B14F-4D97-AF65-F5344CB8AC3E}">
-        <p14:creationId xmlns:p14="http://schemas.microsoft.com/office/powerpoint/2010/main" val="3465912176"/>
+        <p14:creationId xmlns:p14="http://schemas.microsoft.com/office/powerpoint/2010/main" val="794720649"/>
       </p:ext>
     </p:extLst>
   </p:cSld>
@@ -1074,13 +1004,37 @@
           <a:p>
             <a:r>
               <a:rPr lang="en-US" dirty="0"/>
-              <a:t>If</a:t>
+              <a:t>Available</a:t>
             </a:r>
             <a:r>
               <a:rPr lang="en-US" baseline="0" dirty="0"/>
-              <a:t> you want to look at a migration project as a time breakdown, application packaging and rationalization should be take 90% of your time.  The task sequence or deployment method is easy, its been done a thousand times by a thousand different people.  You WILL figure out whatever you need to do deploy the actual operating system.  Trust me when I say that is the easy part.   </a:t>
-            </a:r>
-            <a:endParaRPr lang="en-US" dirty="0"/>
+              <a:t> in 1610.  Easy to integrate, can take days for information to show in the console.</a:t>
+            </a:r>
+          </a:p>
+          <a:p>
+            <a:endParaRPr lang="en-US" baseline="0" dirty="0"/>
+          </a:p>
+          <a:p>
+            <a:r>
+              <a:rPr lang="en-US" baseline="0" dirty="0"/>
+              <a:t>Use </a:t>
+            </a:r>
+            <a:r>
+              <a:rPr lang="en-US" baseline="0" dirty="0" err="1"/>
+              <a:t>configmgr</a:t>
+            </a:r>
+            <a:r>
+              <a:rPr lang="en-US" baseline="0" dirty="0"/>
+              <a:t> with windows readiness integration to further dissect your windows 10 upgrade eligible devices.  i.e. UEFI w/ </a:t>
+            </a:r>
+            <a:r>
+              <a:rPr lang="en-US" baseline="0" dirty="0" err="1"/>
+              <a:t>SecureBoot</a:t>
+            </a:r>
+            <a:r>
+              <a:rPr lang="en-US" baseline="0" dirty="0"/>
+              <a:t> and TPM AND ready according to Windows Readiness. </a:t>
+            </a:r>
           </a:p>
         </p:txBody>
       </p:sp>
@@ -1101,7 +1055,7 @@
           <a:p>
             <a:fld id="{6AD7C417-D302-4BDC-AE7D-6A9679C5A3F5}" type="slidenum">
               <a:rPr lang="en-US" smtClean="0"/>
-              <a:t>16</a:t>
+              <a:t>15</a:t>
             </a:fld>
             <a:endParaRPr lang="en-US"/>
           </a:p>
@@ -1110,7 +1064,7 @@
     </p:spTree>
     <p:extLst>
       <p:ext uri="{BB962C8B-B14F-4D97-AF65-F5344CB8AC3E}">
-        <p14:creationId xmlns:p14="http://schemas.microsoft.com/office/powerpoint/2010/main" val="793046230"/>
+        <p14:creationId xmlns:p14="http://schemas.microsoft.com/office/powerpoint/2010/main" val="1504100041"/>
       </p:ext>
     </p:extLst>
   </p:cSld>
@@ -1193,7 +1147,7 @@
           <a:p>
             <a:fld id="{6AD7C417-D302-4BDC-AE7D-6A9679C5A3F5}" type="slidenum">
               <a:rPr lang="en-US" smtClean="0"/>
-              <a:t>17</a:t>
+              <a:t>16</a:t>
             </a:fld>
             <a:endParaRPr lang="en-US"/>
           </a:p>
@@ -1202,7 +1156,7 @@
     </p:spTree>
     <p:extLst>
       <p:ext uri="{BB962C8B-B14F-4D97-AF65-F5344CB8AC3E}">
-        <p14:creationId xmlns:p14="http://schemas.microsoft.com/office/powerpoint/2010/main" val="3246521007"/>
+        <p14:creationId xmlns:p14="http://schemas.microsoft.com/office/powerpoint/2010/main" val="3465912176"/>
       </p:ext>
     </p:extLst>
   </p:cSld>
@@ -1285,7 +1239,7 @@
           <a:p>
             <a:fld id="{6AD7C417-D302-4BDC-AE7D-6A9679C5A3F5}" type="slidenum">
               <a:rPr lang="en-US" smtClean="0"/>
-              <a:t>18</a:t>
+              <a:t>17</a:t>
             </a:fld>
             <a:endParaRPr lang="en-US"/>
           </a:p>
@@ -1294,7 +1248,7 @@
     </p:spTree>
     <p:extLst>
       <p:ext uri="{BB962C8B-B14F-4D97-AF65-F5344CB8AC3E}">
-        <p14:creationId xmlns:p14="http://schemas.microsoft.com/office/powerpoint/2010/main" val="1806650894"/>
+        <p14:creationId xmlns:p14="http://schemas.microsoft.com/office/powerpoint/2010/main" val="793046230"/>
       </p:ext>
     </p:extLst>
   </p:cSld>
@@ -1350,43 +1304,11 @@
           <a:p>
             <a:r>
               <a:rPr lang="en-US" dirty="0"/>
-              <a:t>All the </a:t>
-            </a:r>
-            <a:r>
-              <a:rPr lang="en-US" dirty="0" err="1"/>
-              <a:t>powershell</a:t>
-            </a:r>
-            <a:r>
-              <a:rPr lang="en-US" dirty="0"/>
-              <a:t> is</a:t>
+              <a:t>The app owner</a:t>
             </a:r>
             <a:r>
               <a:rPr lang="en-US" baseline="0" dirty="0"/>
-              <a:t> </a:t>
-            </a:r>
-            <a:r>
-              <a:rPr lang="en-US" baseline="0" dirty="0" smtClean="0"/>
-              <a:t>really </a:t>
-            </a:r>
-            <a:r>
-              <a:rPr lang="en-US" baseline="0" dirty="0"/>
-              <a:t>just another </a:t>
-            </a:r>
-            <a:r>
-              <a:rPr lang="en-US" baseline="0" dirty="0" smtClean="0"/>
-              <a:t>way </a:t>
-            </a:r>
-            <a:r>
-              <a:rPr lang="en-US" baseline="0" dirty="0"/>
-              <a:t>to report or display data.  The power is being able to use that data </a:t>
-            </a:r>
-            <a:r>
-              <a:rPr lang="en-US" baseline="0"/>
-              <a:t>and </a:t>
-            </a:r>
-            <a:r>
-              <a:rPr lang="en-US" baseline="0" smtClean="0"/>
-              <a:t>integrate.  </a:t>
+              <a:t> is important here.  Yu don’t own the application, only its deployment.  Get an app owner to validate and QA it.</a:t>
             </a:r>
             <a:endParaRPr lang="en-US" dirty="0"/>
           </a:p>
@@ -1409,7 +1331,203 @@
           <a:p>
             <a:fld id="{6AD7C417-D302-4BDC-AE7D-6A9679C5A3F5}" type="slidenum">
               <a:rPr lang="en-US" smtClean="0"/>
+              <a:t>18</a:t>
+            </a:fld>
+            <a:endParaRPr lang="en-US"/>
+          </a:p>
+        </p:txBody>
+      </p:sp>
+    </p:spTree>
+    <p:extLst>
+      <p:ext uri="{BB962C8B-B14F-4D97-AF65-F5344CB8AC3E}">
+        <p14:creationId xmlns:p14="http://schemas.microsoft.com/office/powerpoint/2010/main" val="3246521007"/>
+      </p:ext>
+    </p:extLst>
+  </p:cSld>
+  <p:clrMapOvr>
+    <a:masterClrMapping/>
+  </p:clrMapOvr>
+</p:notes>
+</file>
+
+<file path=ppt/notesSlides/notesSlide17.xml><?xml version="1.0" encoding="utf-8"?>
+<p:notes xmlns:a="http://schemas.openxmlformats.org/drawingml/2006/main" xmlns:r="http://schemas.openxmlformats.org/officeDocument/2006/relationships" xmlns:p="http://schemas.openxmlformats.org/presentationml/2006/main">
+  <p:cSld>
+    <p:spTree>
+      <p:nvGrpSpPr>
+        <p:cNvPr id="1" name=""/>
+        <p:cNvGrpSpPr/>
+        <p:nvPr/>
+      </p:nvGrpSpPr>
+      <p:grpSpPr>
+        <a:xfrm>
+          <a:off x="0" y="0"/>
+          <a:ext cx="0" cy="0"/>
+          <a:chOff x="0" y="0"/>
+          <a:chExt cx="0" cy="0"/>
+        </a:xfrm>
+      </p:grpSpPr>
+      <p:sp>
+        <p:nvSpPr>
+          <p:cNvPr id="2" name="Slide Image Placeholder 1"/>
+          <p:cNvSpPr>
+            <a:spLocks noGrp="1" noRot="1" noChangeAspect="1"/>
+          </p:cNvSpPr>
+          <p:nvPr>
+            <p:ph type="sldImg"/>
+          </p:nvPr>
+        </p:nvSpPr>
+        <p:spPr/>
+      </p:sp>
+      <p:sp>
+        <p:nvSpPr>
+          <p:cNvPr id="3" name="Notes Placeholder 2"/>
+          <p:cNvSpPr>
+            <a:spLocks noGrp="1"/>
+          </p:cNvSpPr>
+          <p:nvPr>
+            <p:ph type="body" idx="1"/>
+          </p:nvPr>
+        </p:nvSpPr>
+        <p:spPr/>
+        <p:txBody>
+          <a:bodyPr/>
+          <a:lstStyle/>
+          <a:p>
+            <a:r>
+              <a:rPr lang="en-US" dirty="0"/>
+              <a:t>If</a:t>
+            </a:r>
+            <a:r>
+              <a:rPr lang="en-US" baseline="0" dirty="0"/>
+              <a:t> you want to look at a migration project as a time breakdown, application packaging and rationalization should be take 90% of your time.  The task sequence or deployment method is easy, its been done a thousand times by a thousand different people.  You WILL figure out whatever you need to do deploy the actual operating system.  Trust me when I say that is the easy part.   </a:t>
+            </a:r>
+            <a:endParaRPr lang="en-US" dirty="0"/>
+          </a:p>
+        </p:txBody>
+      </p:sp>
+      <p:sp>
+        <p:nvSpPr>
+          <p:cNvPr id="4" name="Slide Number Placeholder 3"/>
+          <p:cNvSpPr>
+            <a:spLocks noGrp="1"/>
+          </p:cNvSpPr>
+          <p:nvPr>
+            <p:ph type="sldNum" sz="quarter" idx="10"/>
+          </p:nvPr>
+        </p:nvSpPr>
+        <p:spPr/>
+        <p:txBody>
+          <a:bodyPr/>
+          <a:lstStyle/>
+          <a:p>
+            <a:fld id="{6AD7C417-D302-4BDC-AE7D-6A9679C5A3F5}" type="slidenum">
+              <a:rPr lang="en-US" smtClean="0"/>
               <a:t>19</a:t>
+            </a:fld>
+            <a:endParaRPr lang="en-US"/>
+          </a:p>
+        </p:txBody>
+      </p:sp>
+    </p:spTree>
+    <p:extLst>
+      <p:ext uri="{BB962C8B-B14F-4D97-AF65-F5344CB8AC3E}">
+        <p14:creationId xmlns:p14="http://schemas.microsoft.com/office/powerpoint/2010/main" val="1806650894"/>
+      </p:ext>
+    </p:extLst>
+  </p:cSld>
+  <p:clrMapOvr>
+    <a:masterClrMapping/>
+  </p:clrMapOvr>
+</p:notes>
+</file>
+
+<file path=ppt/notesSlides/notesSlide18.xml><?xml version="1.0" encoding="utf-8"?>
+<p:notes xmlns:a="http://schemas.openxmlformats.org/drawingml/2006/main" xmlns:r="http://schemas.openxmlformats.org/officeDocument/2006/relationships" xmlns:p="http://schemas.openxmlformats.org/presentationml/2006/main">
+  <p:cSld>
+    <p:spTree>
+      <p:nvGrpSpPr>
+        <p:cNvPr id="1" name=""/>
+        <p:cNvGrpSpPr/>
+        <p:nvPr/>
+      </p:nvGrpSpPr>
+      <p:grpSpPr>
+        <a:xfrm>
+          <a:off x="0" y="0"/>
+          <a:ext cx="0" cy="0"/>
+          <a:chOff x="0" y="0"/>
+          <a:chExt cx="0" cy="0"/>
+        </a:xfrm>
+      </p:grpSpPr>
+      <p:sp>
+        <p:nvSpPr>
+          <p:cNvPr id="2" name="Slide Image Placeholder 1"/>
+          <p:cNvSpPr>
+            <a:spLocks noGrp="1" noRot="1" noChangeAspect="1"/>
+          </p:cNvSpPr>
+          <p:nvPr>
+            <p:ph type="sldImg"/>
+          </p:nvPr>
+        </p:nvSpPr>
+        <p:spPr/>
+      </p:sp>
+      <p:sp>
+        <p:nvSpPr>
+          <p:cNvPr id="3" name="Notes Placeholder 2"/>
+          <p:cNvSpPr>
+            <a:spLocks noGrp="1"/>
+          </p:cNvSpPr>
+          <p:nvPr>
+            <p:ph type="body" idx="1"/>
+          </p:nvPr>
+        </p:nvSpPr>
+        <p:spPr/>
+        <p:txBody>
+          <a:bodyPr/>
+          <a:lstStyle/>
+          <a:p>
+            <a:r>
+              <a:rPr lang="en-US" dirty="0"/>
+              <a:t>All the </a:t>
+            </a:r>
+            <a:r>
+              <a:rPr lang="en-US" dirty="0" err="1"/>
+              <a:t>powershell</a:t>
+            </a:r>
+            <a:r>
+              <a:rPr lang="en-US" dirty="0"/>
+              <a:t> is</a:t>
+            </a:r>
+            <a:r>
+              <a:rPr lang="en-US" baseline="0" dirty="0"/>
+              <a:t> really just another way to report or display data.  The power is being able to use that data </a:t>
+            </a:r>
+            <a:r>
+              <a:rPr lang="en-US" baseline="0"/>
+              <a:t>and integrate.  </a:t>
+            </a:r>
+            <a:endParaRPr lang="en-US" dirty="0"/>
+          </a:p>
+        </p:txBody>
+      </p:sp>
+      <p:sp>
+        <p:nvSpPr>
+          <p:cNvPr id="4" name="Slide Number Placeholder 3"/>
+          <p:cNvSpPr>
+            <a:spLocks noGrp="1"/>
+          </p:cNvSpPr>
+          <p:nvPr>
+            <p:ph type="sldNum" sz="quarter" idx="10"/>
+          </p:nvPr>
+        </p:nvSpPr>
+        <p:spPr/>
+        <p:txBody>
+          <a:bodyPr/>
+          <a:lstStyle/>
+          <a:p>
+            <a:fld id="{6AD7C417-D302-4BDC-AE7D-6A9679C5A3F5}" type="slidenum">
+              <a:rPr lang="en-US" smtClean="0"/>
+              <a:t>20</a:t>
             </a:fld>
             <a:endParaRPr lang="en-US"/>
           </a:p>
@@ -1474,11 +1592,59 @@
           <a:p>
             <a:r>
               <a:rPr lang="en-US" dirty="0"/>
-              <a:t>That’s it. No azure AD needed, but it is</a:t>
+              <a:t>Anyone who wants to can log into a live Windows  Upgrade Readiness instance. </a:t>
             </a:r>
             <a:r>
               <a:rPr lang="en-US" baseline="0" dirty="0"/>
-              <a:t> nice to tie to a directory,  Without azure AD you are using all personal Microsoft accounts.</a:t>
+              <a:t> mm</a:t>
+            </a:r>
+            <a:endParaRPr lang="en-US" dirty="0"/>
+          </a:p>
+          <a:p>
+            <a:r>
+              <a:rPr lang="en-US" dirty="0"/>
+              <a:t>Who</a:t>
+            </a:r>
+            <a:r>
+              <a:rPr lang="en-US" baseline="0" dirty="0"/>
+              <a:t> is currently using it?  Who know </a:t>
+            </a:r>
+            <a:r>
+              <a:rPr lang="en-US" baseline="0" dirty="0" err="1"/>
+              <a:t>whast</a:t>
+            </a:r>
+            <a:r>
+              <a:rPr lang="en-US" baseline="0" dirty="0"/>
+              <a:t> it is?  Who has set it up?  </a:t>
+            </a:r>
+          </a:p>
+          <a:p>
+            <a:endParaRPr lang="en-US" dirty="0"/>
+          </a:p>
+          <a:p>
+            <a:r>
+              <a:rPr lang="en-US" dirty="0"/>
+              <a:t>What is Windows </a:t>
+            </a:r>
+            <a:r>
+              <a:rPr lang="en-US" dirty="0" err="1"/>
+              <a:t>Upgrad</a:t>
+            </a:r>
+            <a:r>
+              <a:rPr lang="en-US" dirty="0"/>
+              <a:t> Readiness?  BIG DATA.</a:t>
+            </a:r>
+            <a:r>
+              <a:rPr lang="en-US" baseline="0" dirty="0"/>
+              <a:t>  Microsoft can you let you know with a high degree of certainty what devices in your environment are ready for a windows 10 upgrade or servicing.  There isn’t too much too </a:t>
+            </a:r>
+            <a:r>
+              <a:rPr lang="en-US" baseline="0" dirty="0" err="1"/>
+              <a:t>WindowsUpgrade</a:t>
+            </a:r>
+            <a:r>
+              <a:rPr lang="en-US" baseline="0" dirty="0"/>
+              <a:t> Readiness.  It can be setup and configured quickly and cheaply.</a:t>
             </a:r>
           </a:p>
           <a:p>
@@ -1487,24 +1653,25 @@
           <a:p>
             <a:r>
               <a:rPr lang="en-US" baseline="0" dirty="0"/>
-              <a:t>Getting started – </a:t>
-            </a:r>
-          </a:p>
-          <a:p>
+              <a:t>Telemetry </a:t>
+            </a:r>
+            <a:r>
+              <a:rPr lang="en-US" baseline="0" dirty="0" err="1"/>
+              <a:t>telemetry</a:t>
+            </a:r>
             <a:r>
               <a:rPr lang="en-US" baseline="0" dirty="0"/>
-              <a:t>https://www.microsoft.com/en-us/WindowsForBusiness/upgrade-analytics</a:t>
-            </a:r>
-          </a:p>
-          <a:p>
-            <a:endParaRPr lang="en-US" baseline="0" dirty="0" smtClean="0"/>
-          </a:p>
-          <a:p>
-            <a:r>
-              <a:rPr lang="en-US" baseline="0" dirty="0" smtClean="0"/>
-              <a:t>When creating the workspace from Azure it is called Log Analytics.  Remember, Log Analytics is part of the OMS Suite. OMS itself is not a product. When you add log analytics  to a resource group, it creates the Operational Insights workspace.  Windows Upgrade Readiness is just an extension of Log Analytics.  </a:t>
-            </a:r>
-            <a:endParaRPr lang="en-US" baseline="0" dirty="0"/>
+              <a:t> </a:t>
+            </a:r>
+            <a:r>
+              <a:rPr lang="en-US" baseline="0" dirty="0" err="1"/>
+              <a:t>telemetry</a:t>
+            </a:r>
+            <a:r>
+              <a:rPr lang="en-US" baseline="0" dirty="0"/>
+              <a:t>.  If you are not sharing your telemetry data you can’t complain when the product changes but doesn’t address your needs. This is the new normal, adapt.</a:t>
+            </a:r>
+            <a:endParaRPr lang="en-US" dirty="0"/>
           </a:p>
         </p:txBody>
       </p:sp>
@@ -1525,7 +1692,7 @@
           <a:p>
             <a:fld id="{6AD7C417-D302-4BDC-AE7D-6A9679C5A3F5}" type="slidenum">
               <a:rPr lang="en-US" smtClean="0"/>
-              <a:t>5</a:t>
+              <a:t>4</a:t>
             </a:fld>
             <a:endParaRPr lang="en-US"/>
           </a:p>
@@ -1534,7 +1701,7 @@
     </p:spTree>
     <p:extLst>
       <p:ext uri="{BB962C8B-B14F-4D97-AF65-F5344CB8AC3E}">
-        <p14:creationId xmlns:p14="http://schemas.microsoft.com/office/powerpoint/2010/main" val="1826862816"/>
+        <p14:creationId xmlns:p14="http://schemas.microsoft.com/office/powerpoint/2010/main" val="1476037109"/>
       </p:ext>
     </p:extLst>
   </p:cSld>
@@ -1594,55 +1761,31 @@
             </a:r>
             <a:r>
               <a:rPr lang="en-US" baseline="0" dirty="0"/>
-              <a:t> nice to tie to a directory,  Without azure AD you are using all personal Microsoft accounts</a:t>
-            </a:r>
-            <a:r>
-              <a:rPr lang="en-US" baseline="0" dirty="0" smtClean="0"/>
-              <a:t>. You will need azure AD if you are going to do PowerShell though, since you cannot authenticate to an azure subscription via PowerShell with a MS account, you need an organization account.  You do not need a custom domain though.  Blahblah.onmicrosoft.com works fine.</a:t>
-            </a:r>
+              <a:t> nice to tie to a directory,  Without azure AD you are using all personal Microsoft accounts.</a:t>
+            </a:r>
+          </a:p>
+          <a:p>
             <a:endParaRPr lang="en-US" baseline="0" dirty="0"/>
           </a:p>
           <a:p>
+            <a:r>
+              <a:rPr lang="en-US" baseline="0" dirty="0"/>
+              <a:t>Getting started – </a:t>
+            </a:r>
+          </a:p>
+          <a:p>
+            <a:r>
+              <a:rPr lang="en-US" baseline="0" dirty="0"/>
+              <a:t>https://www.microsoft.com/en-us/WindowsForBusiness/upgrade-analytics</a:t>
+            </a:r>
+          </a:p>
+          <a:p>
             <a:endParaRPr lang="en-US" baseline="0" dirty="0"/>
           </a:p>
           <a:p>
             <a:r>
               <a:rPr lang="en-US" baseline="0" dirty="0"/>
-              <a:t>End points – </a:t>
-            </a:r>
-          </a:p>
-          <a:p>
-            <a:r>
-              <a:rPr lang="en-US" dirty="0"/>
-              <a:t>https://v10.vortex-win.data.microsoft.com/collect/v1</a:t>
-            </a:r>
-            <a:br>
-              <a:rPr lang="en-US" dirty="0"/>
-            </a:br>
-            <a:r>
-              <a:rPr lang="en-US" dirty="0"/>
-              <a:t>https://vortex-win.data.microsoft.com/health/keepalive</a:t>
-            </a:r>
-            <a:br>
-              <a:rPr lang="en-US" dirty="0"/>
-            </a:br>
-            <a:r>
-              <a:rPr lang="en-US" dirty="0"/>
-              <a:t>https://settings.data.microsoft.com/qos</a:t>
-            </a:r>
-            <a:br>
-              <a:rPr lang="en-US" dirty="0"/>
-            </a:br>
-            <a:r>
-              <a:rPr lang="en-US" dirty="0"/>
-              <a:t>https://go.microsoft.com/fwlink/?LinkID=544713</a:t>
-            </a:r>
-            <a:br>
-              <a:rPr lang="en-US" dirty="0"/>
-            </a:br>
-            <a:r>
-              <a:rPr lang="en-US" dirty="0"/>
-              <a:t>https://compatexchange1.trafficmanager.net/CompatibilityExchangeService.svc</a:t>
+              <a:t>When creating the workspace from Azure it is called Log Analytics.  Remember, Log Analytics is part of the OMS Suite. OMS itself is not a product. When you add log analytics  to a resource group, it creates the Operational Insights workspace.  Windows Upgrade Readiness is just an extension of Log Analytics.  </a:t>
             </a:r>
           </a:p>
         </p:txBody>
@@ -1664,7 +1807,7 @@
           <a:p>
             <a:fld id="{6AD7C417-D302-4BDC-AE7D-6A9679C5A3F5}" type="slidenum">
               <a:rPr lang="en-US" smtClean="0"/>
-              <a:t>6</a:t>
+              <a:t>5</a:t>
             </a:fld>
             <a:endParaRPr lang="en-US"/>
           </a:p>
@@ -1673,7 +1816,7 @@
     </p:spTree>
     <p:extLst>
       <p:ext uri="{BB962C8B-B14F-4D97-AF65-F5344CB8AC3E}">
-        <p14:creationId xmlns:p14="http://schemas.microsoft.com/office/powerpoint/2010/main" val="890526929"/>
+        <p14:creationId xmlns:p14="http://schemas.microsoft.com/office/powerpoint/2010/main" val="1826862816"/>
       </p:ext>
     </p:extLst>
   </p:cSld>
@@ -1728,39 +1871,56 @@
           <a:lstStyle/>
           <a:p>
             <a:r>
-              <a:rPr lang="en-US" dirty="0" smtClean="0"/>
-              <a:t>You do NOT need the OMS agent installed</a:t>
-            </a:r>
-            <a:r>
-              <a:rPr lang="en-US" baseline="0" dirty="0" smtClean="0"/>
-              <a:t> on devices you wish to obtain telemetry from.  This is very important distinction.  </a:t>
-            </a:r>
-            <a:endParaRPr lang="en-US" dirty="0" smtClean="0"/>
-          </a:p>
-          <a:p>
-            <a:r>
-              <a:rPr lang="en-US" dirty="0" smtClean="0"/>
-              <a:t>The </a:t>
-            </a:r>
-            <a:r>
-              <a:rPr lang="en-US" dirty="0" err="1" smtClean="0"/>
-              <a:t>Commerical</a:t>
-            </a:r>
-            <a:r>
-              <a:rPr lang="en-US" dirty="0" smtClean="0"/>
-              <a:t> ID is located in the OMS workspace web portal.</a:t>
-            </a:r>
-          </a:p>
-          <a:p>
-            <a:r>
-              <a:rPr lang="en-US" dirty="0" smtClean="0"/>
-              <a:t>You don’t really have to enable telemetry.  If you run the</a:t>
-            </a:r>
-            <a:r>
-              <a:rPr lang="en-US" baseline="0" dirty="0" smtClean="0"/>
-              <a:t> deployment script and it can communicate to MS end points, you have enabled telemetry.  Even if you have a GPO in place to block it.</a:t>
-            </a:r>
-            <a:endParaRPr lang="en-US" dirty="0"/>
+              <a:rPr lang="en-US" dirty="0"/>
+              <a:t>That’s it. No azure AD needed, but it is</a:t>
+            </a:r>
+            <a:r>
+              <a:rPr lang="en-US" baseline="0" dirty="0"/>
+              <a:t> nice to tie to a directory,  Without azure AD you are using all personal Microsoft accounts. You will need azure AD if you are going to do PowerShell though, since you cannot authenticate to an azure subscription via PowerShell with a MS account, you need an organization account.  You do not need a custom domain though.  Blahblah.onmicrosoft.com works fine.</a:t>
+            </a:r>
+          </a:p>
+          <a:p>
+            <a:endParaRPr lang="en-US" baseline="0" dirty="0"/>
+          </a:p>
+          <a:p>
+            <a:r>
+              <a:rPr lang="en-US" baseline="0" dirty="0"/>
+              <a:t>End points – </a:t>
+            </a:r>
+          </a:p>
+          <a:p>
+            <a:r>
+              <a:rPr lang="en-US" dirty="0"/>
+              <a:t>https://v10.vortex-win.data.microsoft.com/collect/v1</a:t>
+            </a:r>
+            <a:br>
+              <a:rPr lang="en-US" dirty="0"/>
+            </a:br>
+            <a:r>
+              <a:rPr lang="en-US" dirty="0"/>
+              <a:t>https://vortex-win.data.microsoft.com/health/keepalive</a:t>
+            </a:r>
+            <a:br>
+              <a:rPr lang="en-US" dirty="0"/>
+            </a:br>
+            <a:r>
+              <a:rPr lang="en-US" dirty="0"/>
+              <a:t>https://settings.data.microsoft.com/qos</a:t>
+            </a:r>
+            <a:br>
+              <a:rPr lang="en-US" dirty="0"/>
+            </a:br>
+            <a:r>
+              <a:rPr lang="en-US" dirty="0"/>
+              <a:t>https://go.microsoft.com/fwlink/?LinkID=544713</a:t>
+            </a:r>
+            <a:br>
+              <a:rPr lang="en-US" dirty="0"/>
+            </a:br>
+            <a:r>
+              <a:rPr lang="en-US" dirty="0"/>
+              <a:t>https://compatexchange1.trafficmanager.net/CompatibilityExchangeService.svc</a:t>
+            </a:r>
           </a:p>
         </p:txBody>
       </p:sp>
@@ -1781,7 +1941,7 @@
           <a:p>
             <a:fld id="{6AD7C417-D302-4BDC-AE7D-6A9679C5A3F5}" type="slidenum">
               <a:rPr lang="en-US" smtClean="0"/>
-              <a:t>7</a:t>
+              <a:t>6</a:t>
             </a:fld>
             <a:endParaRPr lang="en-US"/>
           </a:p>
@@ -1790,7 +1950,7 @@
     </p:spTree>
     <p:extLst>
       <p:ext uri="{BB962C8B-B14F-4D97-AF65-F5344CB8AC3E}">
-        <p14:creationId xmlns:p14="http://schemas.microsoft.com/office/powerpoint/2010/main" val="372212266"/>
+        <p14:creationId xmlns:p14="http://schemas.microsoft.com/office/powerpoint/2010/main" val="890526929"/>
       </p:ext>
     </p:extLst>
   </p:cSld>
@@ -1846,17 +2006,36 @@
           <a:p>
             <a:r>
               <a:rPr lang="en-US" dirty="0"/>
-              <a:t>It is not an intense amount of data that gets sent, </a:t>
+              <a:t>You do NOT need the OMS agent installed</a:t>
             </a:r>
             <a:r>
               <a:rPr lang="en-US" baseline="0" dirty="0"/>
-              <a:t> how often is your environment changing?  Monthly is probably OK… </a:t>
-            </a:r>
-          </a:p>
-          <a:p>
+              <a:t> on devices you wish to obtain telemetry from.  This is very important distinction.  </a:t>
+            </a:r>
+            <a:endParaRPr lang="en-US" dirty="0"/>
+          </a:p>
+          <a:p>
+            <a:r>
+              <a:rPr lang="en-US" dirty="0"/>
+              <a:t>The </a:t>
+            </a:r>
+            <a:r>
+              <a:rPr lang="en-US" dirty="0" err="1"/>
+              <a:t>Commerical</a:t>
+            </a:r>
+            <a:r>
+              <a:rPr lang="en-US" dirty="0"/>
+              <a:t> ID is located in the OMS workspace web portal.</a:t>
+            </a:r>
+          </a:p>
+          <a:p>
+            <a:r>
+              <a:rPr lang="en-US" dirty="0"/>
+              <a:t>You don’t really have to enable telemetry.  If you run the</a:t>
+            </a:r>
             <a:r>
               <a:rPr lang="en-US" baseline="0" dirty="0"/>
-              <a:t>If you run the telemetry script, this will enable telemetry regardless of what you set your GPO to. </a:t>
+              <a:t> deployment script and it can communicate to MS end points, you have enabled telemetry.  Even if you have a GPO in place to block it.</a:t>
             </a:r>
             <a:endParaRPr lang="en-US" dirty="0"/>
           </a:p>
@@ -1879,7 +2058,7 @@
           <a:p>
             <a:fld id="{6AD7C417-D302-4BDC-AE7D-6A9679C5A3F5}" type="slidenum">
               <a:rPr lang="en-US" smtClean="0"/>
-              <a:t>8</a:t>
+              <a:t>7</a:t>
             </a:fld>
             <a:endParaRPr lang="en-US"/>
           </a:p>
@@ -1888,7 +2067,7 @@
     </p:spTree>
     <p:extLst>
       <p:ext uri="{BB962C8B-B14F-4D97-AF65-F5344CB8AC3E}">
-        <p14:creationId xmlns:p14="http://schemas.microsoft.com/office/powerpoint/2010/main" val="3845951105"/>
+        <p14:creationId xmlns:p14="http://schemas.microsoft.com/office/powerpoint/2010/main" val="372212266"/>
       </p:ext>
     </p:extLst>
   </p:cSld>
@@ -1944,11 +2123,32 @@
           <a:p>
             <a:r>
               <a:rPr lang="en-US" dirty="0"/>
-              <a:t>Simple example.   This installs the min hotfixes</a:t>
+              <a:t>The KB articles update fairly regularly.  Be prepared</a:t>
             </a:r>
             <a:r>
               <a:rPr lang="en-US" baseline="0" dirty="0"/>
-              <a:t> if needed, schedules the analytics to run monthly and run the analytics one time.  Logs can be seen in c:\windows\WUA\</a:t>
+              <a:t> to keep deploying them.  This is helpful if you plan on using this product, and why not keep using it?  Windows 10 will continue to need to </a:t>
+            </a:r>
+            <a:r>
+              <a:rPr lang="en-US" baseline="0"/>
+              <a:t>be serviced.</a:t>
+            </a:r>
+            <a:endParaRPr lang="en-US"/>
+          </a:p>
+          <a:p>
+            <a:r>
+              <a:rPr lang="en-US" dirty="0"/>
+              <a:t>It is not an intense amount of data that gets sent, </a:t>
+            </a:r>
+            <a:r>
+              <a:rPr lang="en-US" baseline="0" dirty="0"/>
+              <a:t> how often is your environment changing?  Monthly is probably OK… </a:t>
+            </a:r>
+          </a:p>
+          <a:p>
+            <a:r>
+              <a:rPr lang="en-US" baseline="0" dirty="0"/>
+              <a:t>If you run the telemetry script, this will enable telemetry regardless of what you set your GPO to. </a:t>
             </a:r>
             <a:endParaRPr lang="en-US" dirty="0"/>
           </a:p>
@@ -1971,7 +2171,7 @@
           <a:p>
             <a:fld id="{6AD7C417-D302-4BDC-AE7D-6A9679C5A3F5}" type="slidenum">
               <a:rPr lang="en-US" smtClean="0"/>
-              <a:t>9</a:t>
+              <a:t>8</a:t>
             </a:fld>
             <a:endParaRPr lang="en-US"/>
           </a:p>
@@ -1980,7 +2180,7 @@
     </p:spTree>
     <p:extLst>
       <p:ext uri="{BB962C8B-B14F-4D97-AF65-F5344CB8AC3E}">
-        <p14:creationId xmlns:p14="http://schemas.microsoft.com/office/powerpoint/2010/main" val="2438063335"/>
+        <p14:creationId xmlns:p14="http://schemas.microsoft.com/office/powerpoint/2010/main" val="3845951105"/>
       </p:ext>
     </p:extLst>
   </p:cSld>
@@ -2036,27 +2236,11 @@
           <a:p>
             <a:r>
               <a:rPr lang="en-US" dirty="0"/>
-              <a:t>If</a:t>
+              <a:t>Simple example.   This installs the min hotfixes</a:t>
             </a:r>
             <a:r>
               <a:rPr lang="en-US" baseline="0" dirty="0"/>
-              <a:t> you want to look at a migration project as a time breakdown, application packaging and rationalization should be take 90% of your time.  The task sequence or deployment method is easy, its been done a thousand times by a thousand different people.  You WILL figure out whatever you need to do deploy the actual operating system.  Trust me when I say that is the easy part.   During the windows 7 migration project, what tooling was available for this?  Way too much validation time?  Long QA procedures?  Other tools to test for </a:t>
-            </a:r>
-            <a:r>
-              <a:rPr lang="en-US" baseline="0" dirty="0" err="1"/>
-              <a:t>appcompat</a:t>
-            </a:r>
-            <a:r>
-              <a:rPr lang="en-US" baseline="0" dirty="0"/>
-              <a:t>?  It was hard work.  Anyone use the ACT?  Pretty cool huh?  Also, pretty labor intensive and complex. It took a </a:t>
-            </a:r>
-            <a:r>
-              <a:rPr lang="en-US" baseline="0" dirty="0" err="1"/>
-              <a:t>jr.</a:t>
-            </a:r>
-            <a:r>
-              <a:rPr lang="en-US" baseline="0" dirty="0"/>
-              <a:t> data scientist to get good information from that tool and tools of its like.  Windows Readiness does all that work for you and with far better results that are actionable.  </a:t>
+              <a:t> if needed, schedules the analytics to run monthly and run the analytics one time.  Logs can be seen in c:\windows\WUA\</a:t>
             </a:r>
             <a:endParaRPr lang="en-US" dirty="0"/>
           </a:p>
@@ -2079,7 +2263,7 @@
           <a:p>
             <a:fld id="{6AD7C417-D302-4BDC-AE7D-6A9679C5A3F5}" type="slidenum">
               <a:rPr lang="en-US" smtClean="0"/>
-              <a:t>10</a:t>
+              <a:t>9</a:t>
             </a:fld>
             <a:endParaRPr lang="en-US"/>
           </a:p>
@@ -2088,7 +2272,7 @@
     </p:spTree>
     <p:extLst>
       <p:ext uri="{BB962C8B-B14F-4D97-AF65-F5344CB8AC3E}">
-        <p14:creationId xmlns:p14="http://schemas.microsoft.com/office/powerpoint/2010/main" val="975069012"/>
+        <p14:creationId xmlns:p14="http://schemas.microsoft.com/office/powerpoint/2010/main" val="2438063335"/>
       </p:ext>
     </p:extLst>
   </p:cSld>
@@ -2144,69 +2328,27 @@
           <a:p>
             <a:r>
               <a:rPr lang="en-US" dirty="0"/>
-              <a:t>When doing an</a:t>
+              <a:t>If</a:t>
             </a:r>
             <a:r>
               <a:rPr lang="en-US" baseline="0" dirty="0"/>
-              <a:t> upgrade project the most important thing to consider is your applications. </a:t>
-            </a:r>
-            <a:r>
-              <a:rPr lang="en-US" baseline="0" dirty="0" smtClean="0"/>
-              <a:t>Everything </a:t>
+              <a:t> you want to look at a migration project as a time breakdown, application packaging and rationalization should be take 90% of your time.  The task sequence or deployment method is easy, its been done a thousand times by a thousand different people.  You WILL figure out whatever you need to do deploy the actual operating system.  Trust me when I say that is the easy part.   During the windows 7 migration project, what tooling was available for this?  Way too much validation time?  Long QA procedures?  Other tools to test for </a:t>
+            </a:r>
+            <a:r>
+              <a:rPr lang="en-US" baseline="0" dirty="0" err="1"/>
+              <a:t>appcompat</a:t>
             </a:r>
             <a:r>
               <a:rPr lang="en-US" baseline="0" dirty="0"/>
-              <a:t>else is secondary.  Users get work done and generate revenue because of the applications they are using, not the OS or the hardware.  Ok, so what does Upgrade Readiness get us to help with applications!?  An automatically maintained and detailed list.  Who used Excel </a:t>
-            </a:r>
-            <a:r>
-              <a:rPr lang="en-US" baseline="0" dirty="0" smtClean="0"/>
-              <a:t>or SharePoint </a:t>
+              <a:t>?  It was hard work.  Anyone use the ACT?  Pretty cool huh?  Also, pretty labor intensive and complex. It took a </a:t>
+            </a:r>
+            <a:r>
+              <a:rPr lang="en-US" baseline="0" dirty="0" err="1"/>
+              <a:t>jr.</a:t>
             </a:r>
             <a:r>
               <a:rPr lang="en-US" baseline="0" dirty="0"/>
-              <a:t>during windows 7 migration project?  This can either be your source of truth or can be used to cross reference what you think your source of truth is.  Use this data as your application rationalization start.  Cross reference this against your ConfigMgr app library.  Identify your application owners, etc.</a:t>
-            </a:r>
-          </a:p>
-          <a:p>
-            <a:r>
-              <a:rPr lang="en-US" baseline="0" dirty="0"/>
-              <a:t>Using the telemetry gained from millions of windows 10 upgrades you also are given amazing </a:t>
-            </a:r>
-            <a:r>
-              <a:rPr lang="en-US" baseline="0" dirty="0" err="1"/>
-              <a:t>insite</a:t>
-            </a:r>
-            <a:r>
-              <a:rPr lang="en-US" baseline="0" dirty="0"/>
-              <a:t> into </a:t>
-            </a:r>
-            <a:r>
-              <a:rPr lang="en-US" baseline="0" dirty="0" smtClean="0"/>
-              <a:t>whether </a:t>
-            </a:r>
-            <a:r>
-              <a:rPr lang="en-US" baseline="0" dirty="0"/>
-              <a:t>or nothing application will work on your </a:t>
-            </a:r>
-            <a:r>
-              <a:rPr lang="en-US" baseline="0" dirty="0" err="1"/>
-              <a:t>winows</a:t>
-            </a:r>
-            <a:r>
-              <a:rPr lang="en-US" baseline="0" dirty="0"/>
-              <a:t> 10 upgrade or servicing.</a:t>
-            </a:r>
-          </a:p>
-          <a:p>
-            <a:r>
-              <a:rPr lang="en-US" baseline="0" dirty="0"/>
-              <a:t> </a:t>
-            </a:r>
-          </a:p>
-          <a:p>
-            <a:r>
-              <a:rPr lang="en-US" baseline="0" dirty="0"/>
-              <a:t>You can assign importance levels and upgrade decision on these applications, meaning you can run your entire windows 10 application readiness from this portal if you want. Set the application to review in process to indicate it is being worked on.</a:t>
+              <a:t> data scientist to get good information from that tool and tools of its like.  Windows Readiness does all that work for you and with far better results that are actionable.  </a:t>
             </a:r>
             <a:endParaRPr lang="en-US" dirty="0"/>
           </a:p>
@@ -2229,7 +2371,7 @@
           <a:p>
             <a:fld id="{6AD7C417-D302-4BDC-AE7D-6A9679C5A3F5}" type="slidenum">
               <a:rPr lang="en-US" smtClean="0"/>
-              <a:t>11</a:t>
+              <a:t>10</a:t>
             </a:fld>
             <a:endParaRPr lang="en-US"/>
           </a:p>
@@ -2238,7 +2380,7 @@
     </p:spTree>
     <p:extLst>
       <p:ext uri="{BB962C8B-B14F-4D97-AF65-F5344CB8AC3E}">
-        <p14:creationId xmlns:p14="http://schemas.microsoft.com/office/powerpoint/2010/main" val="1881802043"/>
+        <p14:creationId xmlns:p14="http://schemas.microsoft.com/office/powerpoint/2010/main" val="975069012"/>
       </p:ext>
     </p:extLst>
   </p:cSld>
@@ -2294,16 +2436,13 @@
           <a:p>
             <a:r>
               <a:rPr lang="en-US" dirty="0"/>
-              <a:t>The app owner</a:t>
-            </a:r>
-            <a:r>
-              <a:rPr lang="en-US" baseline="0" dirty="0"/>
-              <a:t> is important here.  Yu don’t own the application, only its deployment.  Get an app owner to validate and QA it</a:t>
-            </a:r>
-            <a:r>
-              <a:rPr lang="en-US" baseline="0" dirty="0" smtClean="0"/>
-              <a:t>.  Asking the app owner to validate has to be hardest job in the business.   You are essentially asking someone to carve out time for you when they have zero incentive to do it.  And they have a non-trivial risk associated with upgraded their applications… they may have non-trivial cost and security risks too.  This is a job best suited for a business analyst if you can have the resources.  Your problems here are non-technical.  Most very non-technical.  The path to success here is to be an annoying nag.  And have easily accessible test VMs.  This is hard work, plan accordingly!  </a:t>
-            </a:r>
+              <a:t>I THINK this is a comprehensive list of </a:t>
+            </a:r>
+            <a:r>
+              <a:rPr lang="en-US"/>
+              <a:t>application issues.</a:t>
+            </a:r>
+            <a:endParaRPr lang="en-US" dirty="0"/>
           </a:p>
         </p:txBody>
       </p:sp>
@@ -2324,7 +2463,7 @@
           <a:p>
             <a:fld id="{6AD7C417-D302-4BDC-AE7D-6A9679C5A3F5}" type="slidenum">
               <a:rPr lang="en-US" smtClean="0"/>
-              <a:t>12</a:t>
+              <a:t>11</a:t>
             </a:fld>
             <a:endParaRPr lang="en-US"/>
           </a:p>
@@ -2333,7 +2472,7 @@
     </p:spTree>
     <p:extLst>
       <p:ext uri="{BB962C8B-B14F-4D97-AF65-F5344CB8AC3E}">
-        <p14:creationId xmlns:p14="http://schemas.microsoft.com/office/powerpoint/2010/main" val="4028412828"/>
+        <p14:creationId xmlns:p14="http://schemas.microsoft.com/office/powerpoint/2010/main" val="1881802043"/>
       </p:ext>
     </p:extLst>
   </p:cSld>
@@ -7211,7 +7350,7 @@
           <a:p>
             <a:r>
               <a:rPr lang="en-US" dirty="0">
-                <a:hlinkClick r:id="rId2"/>
+                <a:hlinkClick r:id="rId3"/>
               </a:rPr>
               <a:t>fred@mnscug.org</a:t>
             </a:r>
@@ -7434,54 +7573,11 @@
           <a:bodyPr/>
           <a:lstStyle/>
           <a:p>
-            <a:r>
-              <a:rPr lang="en-US" dirty="0"/>
-              <a:t>So much good data to get here…</a:t>
-            </a:r>
-          </a:p>
-          <a:p>
             <a:pPr lvl="1"/>
             <a:r>
               <a:rPr lang="en-US" dirty="0"/>
-              <a:t>List of applications in the environment</a:t>
-            </a:r>
-          </a:p>
-          <a:p>
-            <a:pPr lvl="2"/>
-            <a:r>
-              <a:rPr lang="en-US" dirty="0"/>
-              <a:t>Install Count</a:t>
-            </a:r>
-          </a:p>
-          <a:p>
-            <a:pPr lvl="2"/>
-            <a:r>
-              <a:rPr lang="en-US" dirty="0"/>
-              <a:t>What devices have the applications</a:t>
-            </a:r>
-          </a:p>
-          <a:p>
-            <a:pPr lvl="2"/>
-            <a:r>
-              <a:rPr lang="en-US" dirty="0"/>
-              <a:t>Detailed version information</a:t>
-            </a:r>
-          </a:p>
-          <a:p>
-            <a:pPr lvl="4"/>
-            <a:endParaRPr lang="en-US" dirty="0"/>
-          </a:p>
-          <a:p>
-            <a:r>
-              <a:rPr lang="en-US" dirty="0"/>
-              <a:t>Importance and Upgrade Decision</a:t>
-            </a:r>
-          </a:p>
-          <a:p>
-            <a:pPr marL="0" indent="0">
-              <a:buNone/>
-            </a:pPr>
-            <a:endParaRPr lang="en-US" dirty="0"/>
+              <a:t>Application Issue Status</a:t>
+            </a:r>
           </a:p>
           <a:p>
             <a:pPr lvl="1"/>
@@ -7491,7 +7587,7 @@
       </p:sp>
       <p:pic>
         <p:nvPicPr>
-          <p:cNvPr id="4" name="Picture 3"/>
+          <p:cNvPr id="5" name="Picture 4"/>
           <p:cNvPicPr>
             <a:picLocks noChangeAspect="1"/>
           </p:cNvPicPr>
@@ -7505,8 +7601,8 @@
         </p:blipFill>
         <p:spPr>
           <a:xfrm>
-            <a:off x="1844299" y="4085459"/>
-            <a:ext cx="3093461" cy="1232013"/>
+            <a:off x="1417299" y="1847850"/>
+            <a:ext cx="3228975" cy="3619500"/>
           </a:xfrm>
           <a:prstGeom prst="rect">
             <a:avLst/>
@@ -7560,7 +7656,7 @@
           <a:p>
             <a:r>
               <a:rPr lang="en-US" dirty="0"/>
-              <a:t>Will the app work!?</a:t>
+              <a:t>Upgrade Readiness - Applications</a:t>
             </a:r>
           </a:p>
         </p:txBody>
@@ -7582,83 +7678,87 @@
           <a:p>
             <a:r>
               <a:rPr lang="en-US" dirty="0"/>
-              <a:t>Still unsure?</a:t>
+              <a:t>So much good data to get here…</a:t>
             </a:r>
           </a:p>
           <a:p>
             <a:pPr lvl="1"/>
             <a:r>
               <a:rPr lang="en-US" dirty="0"/>
-              <a:t>Contact the vendor and ask.</a:t>
-            </a:r>
-          </a:p>
-          <a:p>
-            <a:pPr lvl="1"/>
-            <a:r>
-              <a:rPr lang="en-US" dirty="0"/>
-              <a:t>Ready for Windows</a:t>
+              <a:t>List of applications in the environment</a:t>
             </a:r>
           </a:p>
           <a:p>
             <a:pPr lvl="2"/>
             <a:r>
-              <a:rPr lang="en-US" dirty="0">
-                <a:hlinkClick r:id="rId3"/>
-              </a:rPr>
-              <a:t>https://developer.microsoft.com/en-us/windows/ready-for-windows#/</a:t>
-            </a:r>
+              <a:rPr lang="en-US" dirty="0"/>
+              <a:t>Install Count</a:t>
+            </a:r>
+          </a:p>
+          <a:p>
+            <a:pPr lvl="2"/>
+            <a:r>
+              <a:rPr lang="en-US" dirty="0"/>
+              <a:t>What devices have the applications</a:t>
+            </a:r>
+          </a:p>
+          <a:p>
+            <a:pPr lvl="2"/>
+            <a:r>
+              <a:rPr lang="en-US" dirty="0"/>
+              <a:t>Detailed version information</a:t>
+            </a:r>
+          </a:p>
+          <a:p>
+            <a:pPr lvl="4"/>
             <a:endParaRPr lang="en-US" dirty="0"/>
           </a:p>
           <a:p>
-            <a:pPr lvl="1"/>
-            <a:r>
-              <a:rPr lang="en-US" dirty="0"/>
-              <a:t>Application Compatibility Factory</a:t>
-            </a:r>
-          </a:p>
-          <a:p>
-            <a:pPr lvl="2"/>
-            <a:r>
-              <a:rPr lang="en-US" dirty="0">
-                <a:hlinkClick r:id="rId4"/>
-              </a:rPr>
-              <a:t>https://technet.microsoft.com/en-us/windows/application-compatibility-factory-program.aspx</a:t>
-            </a:r>
-            <a:endParaRPr lang="en-US" dirty="0"/>
-          </a:p>
-          <a:p>
-            <a:pPr lvl="1"/>
-            <a:r>
-              <a:rPr lang="en-US" dirty="0"/>
-              <a:t>Ask the app owner to validate</a:t>
-            </a:r>
-            <a:r>
-              <a:rPr lang="en-US" dirty="0" smtClean="0"/>
-              <a:t>. </a:t>
-            </a:r>
+            <a:r>
+              <a:rPr lang="en-US" dirty="0"/>
+              <a:t>Importance and Upgrade Decision</a:t>
+            </a:r>
+          </a:p>
+          <a:p>
+            <a:pPr marL="0" indent="0">
+              <a:buNone/>
+            </a:pPr>
             <a:endParaRPr lang="en-US" dirty="0"/>
           </a:p>
           <a:p>
             <a:pPr lvl="1"/>
             <a:endParaRPr lang="en-US" dirty="0"/>
           </a:p>
-          <a:p>
-            <a:pPr lvl="1"/>
-            <a:r>
-              <a:rPr lang="en-US" dirty="0" smtClean="0"/>
-              <a:t>Retire / Replace / Rationalize</a:t>
-            </a:r>
-          </a:p>
-          <a:p>
-            <a:pPr lvl="1"/>
-            <a:endParaRPr lang="en-US" dirty="0"/>
-          </a:p>
         </p:txBody>
       </p:sp>
+      <p:pic>
+        <p:nvPicPr>
+          <p:cNvPr id="4" name="Picture 3"/>
+          <p:cNvPicPr>
+            <a:picLocks noChangeAspect="1"/>
+          </p:cNvPicPr>
+          <p:nvPr/>
+        </p:nvPicPr>
+        <p:blipFill>
+          <a:blip r:embed="rId3"/>
+          <a:stretch>
+            <a:fillRect/>
+          </a:stretch>
+        </p:blipFill>
+        <p:spPr>
+          <a:xfrm>
+            <a:off x="1844299" y="4085459"/>
+            <a:ext cx="3093461" cy="1232013"/>
+          </a:xfrm>
+          <a:prstGeom prst="rect">
+            <a:avLst/>
+          </a:prstGeom>
+        </p:spPr>
+      </p:pic>
     </p:spTree>
     <p:extLst>
       <p:ext uri="{BB962C8B-B14F-4D97-AF65-F5344CB8AC3E}">
-        <p14:creationId xmlns:p14="http://schemas.microsoft.com/office/powerpoint/2010/main" val="3989008472"/>
+        <p14:creationId xmlns:p14="http://schemas.microsoft.com/office/powerpoint/2010/main" val="4030451786"/>
       </p:ext>
     </p:extLst>
   </p:cSld>
@@ -7687,7 +7787,7 @@
       </p:grpSpPr>
       <p:sp>
         <p:nvSpPr>
-          <p:cNvPr id="4" name="Title 3"/>
+          <p:cNvPr id="2" name="Title 1"/>
           <p:cNvSpPr>
             <a:spLocks noGrp="1"/>
           </p:cNvSpPr>
@@ -7702,33 +7802,19 @@
           <a:p>
             <a:r>
               <a:rPr lang="en-US" dirty="0"/>
-              <a:t>Drivers, </a:t>
-            </a:r>
-            <a:br>
-              <a:rPr lang="en-US" dirty="0"/>
-            </a:br>
-            <a:r>
-              <a:rPr lang="en-US" dirty="0"/>
-              <a:t>Office Add-Ons, </a:t>
-            </a:r>
-            <a:br>
-              <a:rPr lang="en-US" dirty="0"/>
-            </a:br>
-            <a:r>
-              <a:rPr lang="en-US" dirty="0"/>
-              <a:t>Web Applications</a:t>
+              <a:t>Will the app work!?</a:t>
             </a:r>
           </a:p>
         </p:txBody>
       </p:sp>
       <p:sp>
         <p:nvSpPr>
-          <p:cNvPr id="5" name="Text Placeholder 4"/>
+          <p:cNvPr id="3" name="Content Placeholder 2"/>
           <p:cNvSpPr>
             <a:spLocks noGrp="1"/>
           </p:cNvSpPr>
           <p:nvPr>
-            <p:ph type="body" idx="1"/>
+            <p:ph idx="1"/>
           </p:nvPr>
         </p:nvSpPr>
         <p:spPr/>
@@ -7738,15 +7824,78 @@
           <a:p>
             <a:r>
               <a:rPr lang="en-US" dirty="0"/>
-              <a:t>The bonus materials.</a:t>
-            </a:r>
+              <a:t>Still unsure?</a:t>
+            </a:r>
+          </a:p>
+          <a:p>
+            <a:pPr lvl="1"/>
+            <a:r>
+              <a:rPr lang="en-US" dirty="0"/>
+              <a:t>Contact the vendor and ask.</a:t>
+            </a:r>
+          </a:p>
+          <a:p>
+            <a:pPr lvl="1"/>
+            <a:r>
+              <a:rPr lang="en-US" dirty="0"/>
+              <a:t>Ready for Windows</a:t>
+            </a:r>
+          </a:p>
+          <a:p>
+            <a:pPr lvl="2"/>
+            <a:r>
+              <a:rPr lang="en-US" dirty="0">
+                <a:hlinkClick r:id="rId3"/>
+              </a:rPr>
+              <a:t>https://developer.microsoft.com/en-us/windows/ready-for-windows#/</a:t>
+            </a:r>
+            <a:endParaRPr lang="en-US" dirty="0"/>
+          </a:p>
+          <a:p>
+            <a:pPr lvl="1"/>
+            <a:r>
+              <a:rPr lang="en-US" dirty="0"/>
+              <a:t>Application Compatibility Factory</a:t>
+            </a:r>
+          </a:p>
+          <a:p>
+            <a:pPr lvl="2"/>
+            <a:r>
+              <a:rPr lang="en-US" dirty="0">
+                <a:hlinkClick r:id="rId4"/>
+              </a:rPr>
+              <a:t>https://technet.microsoft.com/en-us/windows/application-compatibility-factory-program.aspx</a:t>
+            </a:r>
+            <a:endParaRPr lang="en-US" dirty="0"/>
+          </a:p>
+          <a:p>
+            <a:pPr lvl="1"/>
+            <a:r>
+              <a:rPr lang="en-US" dirty="0"/>
+              <a:t>Ask the app owner to validate. </a:t>
+            </a:r>
+          </a:p>
+          <a:p>
+            <a:pPr lvl="1"/>
+            <a:endParaRPr lang="en-US" dirty="0"/>
+          </a:p>
+          <a:p>
+            <a:pPr lvl="1"/>
+            <a:r>
+              <a:rPr lang="en-US" dirty="0"/>
+              <a:t>Retire / Replace / Rationalize</a:t>
+            </a:r>
+          </a:p>
+          <a:p>
+            <a:pPr lvl="1"/>
+            <a:endParaRPr lang="en-US" dirty="0"/>
           </a:p>
         </p:txBody>
       </p:sp>
     </p:spTree>
     <p:extLst>
       <p:ext uri="{BB962C8B-B14F-4D97-AF65-F5344CB8AC3E}">
-        <p14:creationId xmlns:p14="http://schemas.microsoft.com/office/powerpoint/2010/main" val="1374891558"/>
+        <p14:creationId xmlns:p14="http://schemas.microsoft.com/office/powerpoint/2010/main" val="3989008472"/>
       </p:ext>
     </p:extLst>
   </p:cSld>
@@ -7790,6 +7939,94 @@
           <a:p>
             <a:r>
               <a:rPr lang="en-US" dirty="0"/>
+              <a:t>Drivers, </a:t>
+            </a:r>
+            <a:br>
+              <a:rPr lang="en-US" dirty="0"/>
+            </a:br>
+            <a:r>
+              <a:rPr lang="en-US" dirty="0"/>
+              <a:t>Office Add-Ons, </a:t>
+            </a:r>
+            <a:br>
+              <a:rPr lang="en-US" dirty="0"/>
+            </a:br>
+            <a:r>
+              <a:rPr lang="en-US" dirty="0"/>
+              <a:t>Web Applications</a:t>
+            </a:r>
+          </a:p>
+        </p:txBody>
+      </p:sp>
+      <p:sp>
+        <p:nvSpPr>
+          <p:cNvPr id="5" name="Text Placeholder 4"/>
+          <p:cNvSpPr>
+            <a:spLocks noGrp="1"/>
+          </p:cNvSpPr>
+          <p:nvPr>
+            <p:ph type="body" idx="1"/>
+          </p:nvPr>
+        </p:nvSpPr>
+        <p:spPr/>
+        <p:txBody>
+          <a:bodyPr/>
+          <a:lstStyle/>
+          <a:p>
+            <a:r>
+              <a:rPr lang="en-US" dirty="0"/>
+              <a:t>The bonus materials.</a:t>
+            </a:r>
+          </a:p>
+        </p:txBody>
+      </p:sp>
+    </p:spTree>
+    <p:extLst>
+      <p:ext uri="{BB962C8B-B14F-4D97-AF65-F5344CB8AC3E}">
+        <p14:creationId xmlns:p14="http://schemas.microsoft.com/office/powerpoint/2010/main" val="1374891558"/>
+      </p:ext>
+    </p:extLst>
+  </p:cSld>
+  <p:clrMapOvr>
+    <a:masterClrMapping/>
+  </p:clrMapOvr>
+</p:sld>
+</file>
+
+<file path=ppt/slides/slide15.xml><?xml version="1.0" encoding="utf-8"?>
+<p:sld xmlns:a="http://schemas.openxmlformats.org/drawingml/2006/main" xmlns:r="http://schemas.openxmlformats.org/officeDocument/2006/relationships" xmlns:p="http://schemas.openxmlformats.org/presentationml/2006/main">
+  <p:cSld>
+    <p:spTree>
+      <p:nvGrpSpPr>
+        <p:cNvPr id="1" name=""/>
+        <p:cNvGrpSpPr/>
+        <p:nvPr/>
+      </p:nvGrpSpPr>
+      <p:grpSpPr>
+        <a:xfrm>
+          <a:off x="0" y="0"/>
+          <a:ext cx="0" cy="0"/>
+          <a:chOff x="0" y="0"/>
+          <a:chExt cx="0" cy="0"/>
+        </a:xfrm>
+      </p:grpSpPr>
+      <p:sp>
+        <p:nvSpPr>
+          <p:cNvPr id="4" name="Title 3"/>
+          <p:cNvSpPr>
+            <a:spLocks noGrp="1"/>
+          </p:cNvSpPr>
+          <p:nvPr>
+            <p:ph type="title"/>
+          </p:nvPr>
+        </p:nvSpPr>
+        <p:spPr/>
+        <p:txBody>
+          <a:bodyPr/>
+          <a:lstStyle/>
+          <a:p>
+            <a:r>
+              <a:rPr lang="en-US" dirty="0"/>
               <a:t>ConfigMgr Integration</a:t>
             </a:r>
           </a:p>
@@ -7835,7 +8072,7 @@
 </p:sld>
 </file>
 
-<file path=ppt/slides/slide15.xml><?xml version="1.0" encoding="utf-8"?>
+<file path=ppt/slides/slide16.xml><?xml version="1.0" encoding="utf-8"?>
 <p:sld xmlns:a="http://schemas.openxmlformats.org/drawingml/2006/main" xmlns:r="http://schemas.openxmlformats.org/officeDocument/2006/relationships" xmlns:p="http://schemas.openxmlformats.org/presentationml/2006/main">
   <p:cSld>
     <p:spTree>
@@ -8035,7 +8272,7 @@
 </p:sld>
 </file>
 
-<file path=ppt/slides/slide16.xml><?xml version="1.0" encoding="utf-8"?>
+<file path=ppt/slides/slide17.xml><?xml version="1.0" encoding="utf-8"?>
 <p:sld xmlns:a="http://schemas.openxmlformats.org/drawingml/2006/main" xmlns:r="http://schemas.openxmlformats.org/officeDocument/2006/relationships" xmlns:p="http://schemas.openxmlformats.org/presentationml/2006/main">
   <p:cSld>
     <p:spTree>
@@ -8121,7 +8358,7 @@
 </p:sld>
 </file>
 
-<file path=ppt/slides/slide17.xml><?xml version="1.0" encoding="utf-8"?>
+<file path=ppt/slides/slide18.xml><?xml version="1.0" encoding="utf-8"?>
 <p:sld xmlns:a="http://schemas.openxmlformats.org/drawingml/2006/main" xmlns:r="http://schemas.openxmlformats.org/officeDocument/2006/relationships" xmlns:p="http://schemas.openxmlformats.org/presentationml/2006/main">
   <p:cSld>
     <p:spTree>
@@ -8415,7 +8652,7 @@
 </p:sld>
 </file>
 
-<file path=ppt/slides/slide18.xml><?xml version="1.0" encoding="utf-8"?>
+<file path=ppt/slides/slide19.xml><?xml version="1.0" encoding="utf-8"?>
 <p:sld xmlns:a="http://schemas.openxmlformats.org/drawingml/2006/main" xmlns:r="http://schemas.openxmlformats.org/officeDocument/2006/relationships" xmlns:p="http://schemas.openxmlformats.org/presentationml/2006/main">
   <p:cSld>
     <p:spTree>
@@ -8480,161 +8717,6 @@
     <p:extLst>
       <p:ext uri="{BB962C8B-B14F-4D97-AF65-F5344CB8AC3E}">
         <p14:creationId xmlns:p14="http://schemas.microsoft.com/office/powerpoint/2010/main" val="4025223944"/>
-      </p:ext>
-    </p:extLst>
-  </p:cSld>
-  <p:clrMapOvr>
-    <a:masterClrMapping/>
-  </p:clrMapOvr>
-</p:sld>
-</file>
-
-<file path=ppt/slides/slide19.xml><?xml version="1.0" encoding="utf-8"?>
-<p:sld xmlns:a="http://schemas.openxmlformats.org/drawingml/2006/main" xmlns:r="http://schemas.openxmlformats.org/officeDocument/2006/relationships" xmlns:p="http://schemas.openxmlformats.org/presentationml/2006/main">
-  <p:cSld>
-    <p:spTree>
-      <p:nvGrpSpPr>
-        <p:cNvPr id="1" name=""/>
-        <p:cNvGrpSpPr/>
-        <p:nvPr/>
-      </p:nvGrpSpPr>
-      <p:grpSpPr>
-        <a:xfrm>
-          <a:off x="0" y="0"/>
-          <a:ext cx="0" cy="0"/>
-          <a:chOff x="0" y="0"/>
-          <a:chExt cx="0" cy="0"/>
-        </a:xfrm>
-      </p:grpSpPr>
-      <p:sp>
-        <p:nvSpPr>
-          <p:cNvPr id="2" name="Title 1"/>
-          <p:cNvSpPr>
-            <a:spLocks noGrp="1"/>
-          </p:cNvSpPr>
-          <p:nvPr>
-            <p:ph type="title"/>
-          </p:nvPr>
-        </p:nvSpPr>
-        <p:spPr/>
-        <p:txBody>
-          <a:bodyPr/>
-          <a:lstStyle/>
-          <a:p>
-            <a:r>
-              <a:rPr lang="en-US" dirty="0"/>
-              <a:t>PowerShell</a:t>
-            </a:r>
-          </a:p>
-        </p:txBody>
-      </p:sp>
-      <p:sp>
-        <p:nvSpPr>
-          <p:cNvPr id="3" name="Content Placeholder 2"/>
-          <p:cNvSpPr>
-            <a:spLocks noGrp="1"/>
-          </p:cNvSpPr>
-          <p:nvPr>
-            <p:ph idx="1"/>
-          </p:nvPr>
-        </p:nvSpPr>
-        <p:spPr/>
-        <p:txBody>
-          <a:bodyPr/>
-          <a:lstStyle/>
-          <a:p>
-            <a:r>
-              <a:rPr lang="en-US" dirty="0"/>
-              <a:t>Requirements </a:t>
-            </a:r>
-          </a:p>
-          <a:p>
-            <a:pPr lvl="1"/>
-            <a:r>
-              <a:rPr lang="en-US" dirty="0"/>
-              <a:t>Read access to the </a:t>
-            </a:r>
-            <a:r>
-              <a:rPr lang="en-US" dirty="0" smtClean="0"/>
-              <a:t>Resource </a:t>
-            </a:r>
-            <a:r>
-              <a:rPr lang="en-US" dirty="0"/>
-              <a:t>Group in Azure.</a:t>
-            </a:r>
-          </a:p>
-          <a:p>
-            <a:pPr lvl="1"/>
-            <a:r>
-              <a:rPr lang="en-US" dirty="0"/>
-              <a:t>OMS Search API PowerShell Module</a:t>
-            </a:r>
-          </a:p>
-          <a:p>
-            <a:pPr lvl="1"/>
-            <a:r>
-              <a:rPr lang="en-US" dirty="0"/>
-              <a:t>An organizational account!  Not a MS account.</a:t>
-            </a:r>
-          </a:p>
-          <a:p>
-            <a:pPr lvl="2"/>
-            <a:r>
-              <a:rPr lang="en-US" dirty="0"/>
-              <a:t>(Azure AD)</a:t>
-            </a:r>
-          </a:p>
-          <a:p>
-            <a:pPr marL="0" indent="0">
-              <a:buNone/>
-            </a:pPr>
-            <a:endParaRPr lang="en-US" dirty="0"/>
-          </a:p>
-          <a:p>
-            <a:pPr lvl="1"/>
-            <a:r>
-              <a:rPr lang="en-US" dirty="0"/>
-              <a:t>All the work is just Operation Insights queries, there is nothing Upgrade Readiness specific</a:t>
-            </a:r>
-            <a:r>
-              <a:rPr lang="en-US" dirty="0" smtClean="0"/>
-              <a:t>.</a:t>
-            </a:r>
-            <a:br>
-              <a:rPr lang="en-US" dirty="0" smtClean="0"/>
-            </a:br>
-            <a:endParaRPr lang="en-US" dirty="0" smtClean="0"/>
-          </a:p>
-          <a:p>
-            <a:pPr marL="457200" lvl="1" indent="0">
-              <a:buNone/>
-            </a:pPr>
-            <a:r>
-              <a:rPr lang="en-US" dirty="0">
-                <a:hlinkClick r:id="rId3"/>
-              </a:rPr>
-              <a:t>https://</a:t>
-            </a:r>
-            <a:r>
-              <a:rPr lang="en-US" dirty="0" smtClean="0">
-                <a:hlinkClick r:id="rId3"/>
-              </a:rPr>
-              <a:t>github.com/fredbainbridge/WindowsUpgradeReadiness</a:t>
-            </a:r>
-            <a:endParaRPr lang="en-US" dirty="0" smtClean="0"/>
-          </a:p>
-          <a:p>
-            <a:pPr marL="457200" lvl="1" indent="0">
-              <a:buNone/>
-            </a:pPr>
-            <a:endParaRPr lang="en-US" dirty="0"/>
-          </a:p>
-        </p:txBody>
-      </p:sp>
-    </p:spTree>
-    <p:extLst>
-      <p:ext uri="{BB962C8B-B14F-4D97-AF65-F5344CB8AC3E}">
-        <p14:creationId xmlns:p14="http://schemas.microsoft.com/office/powerpoint/2010/main" val="3759384893"/>
       </p:ext>
     </p:extLst>
   </p:cSld>
@@ -8924,10 +9006,117 @@
           <a:chExt cx="0" cy="0"/>
         </a:xfrm>
       </p:grpSpPr>
+      <p:sp>
+        <p:nvSpPr>
+          <p:cNvPr id="2" name="Title 1"/>
+          <p:cNvSpPr>
+            <a:spLocks noGrp="1"/>
+          </p:cNvSpPr>
+          <p:nvPr>
+            <p:ph type="title"/>
+          </p:nvPr>
+        </p:nvSpPr>
+        <p:spPr/>
+        <p:txBody>
+          <a:bodyPr/>
+          <a:lstStyle/>
+          <a:p>
+            <a:r>
+              <a:rPr lang="en-US" dirty="0"/>
+              <a:t>PowerShell</a:t>
+            </a:r>
+          </a:p>
+        </p:txBody>
+      </p:sp>
+      <p:sp>
+        <p:nvSpPr>
+          <p:cNvPr id="3" name="Content Placeholder 2"/>
+          <p:cNvSpPr>
+            <a:spLocks noGrp="1"/>
+          </p:cNvSpPr>
+          <p:nvPr>
+            <p:ph idx="1"/>
+          </p:nvPr>
+        </p:nvSpPr>
+        <p:spPr/>
+        <p:txBody>
+          <a:bodyPr/>
+          <a:lstStyle/>
+          <a:p>
+            <a:r>
+              <a:rPr lang="en-US" dirty="0"/>
+              <a:t>Requirements </a:t>
+            </a:r>
+          </a:p>
+          <a:p>
+            <a:pPr lvl="1"/>
+            <a:r>
+              <a:rPr lang="en-US" dirty="0"/>
+              <a:t>Read access to the Resource Group in Azure.</a:t>
+            </a:r>
+          </a:p>
+          <a:p>
+            <a:pPr lvl="1"/>
+            <a:r>
+              <a:rPr lang="en-US" dirty="0"/>
+              <a:t>OMS Search API PowerShell Module</a:t>
+            </a:r>
+          </a:p>
+          <a:p>
+            <a:pPr lvl="1"/>
+            <a:r>
+              <a:rPr lang="en-US" dirty="0"/>
+              <a:t>An organizational account!  Not a MS account.</a:t>
+            </a:r>
+          </a:p>
+          <a:p>
+            <a:pPr lvl="2"/>
+            <a:r>
+              <a:rPr lang="en-US" dirty="0"/>
+              <a:t>(Azure AD)</a:t>
+            </a:r>
+          </a:p>
+          <a:p>
+            <a:pPr marL="0" indent="0">
+              <a:buNone/>
+            </a:pPr>
+            <a:endParaRPr lang="en-US" dirty="0"/>
+          </a:p>
+          <a:p>
+            <a:pPr lvl="1"/>
+            <a:r>
+              <a:rPr lang="en-US" dirty="0"/>
+              <a:t>All the work is just Operation Insights queries, there is nothing Upgrade Readiness specific.</a:t>
+            </a:r>
+            <a:br>
+              <a:rPr lang="en-US" dirty="0"/>
+            </a:br>
+            <a:endParaRPr lang="en-US" dirty="0"/>
+          </a:p>
+          <a:p>
+            <a:pPr marL="457200" lvl="1" indent="0">
+              <a:buNone/>
+            </a:pPr>
+            <a:r>
+              <a:rPr lang="en-US" dirty="0">
+                <a:hlinkClick r:id="rId3"/>
+              </a:rPr>
+              <a:t>https://github.com/fredbainbridge/WindowsUpgradeReadiness</a:t>
+            </a:r>
+            <a:endParaRPr lang="en-US" dirty="0"/>
+          </a:p>
+          <a:p>
+            <a:pPr marL="457200" lvl="1" indent="0">
+              <a:buNone/>
+            </a:pPr>
+            <a:endParaRPr lang="en-US" dirty="0"/>
+          </a:p>
+        </p:txBody>
+      </p:sp>
     </p:spTree>
     <p:extLst>
       <p:ext uri="{BB962C8B-B14F-4D97-AF65-F5344CB8AC3E}">
-        <p14:creationId xmlns:p14="http://schemas.microsoft.com/office/powerpoint/2010/main" val="4063178677"/>
+        <p14:creationId xmlns:p14="http://schemas.microsoft.com/office/powerpoint/2010/main" val="3759384893"/>
       </p:ext>
     </p:extLst>
   </p:cSld>
@@ -8954,6 +9143,36 @@
           <a:chExt cx="0" cy="0"/>
         </a:xfrm>
       </p:grpSpPr>
+    </p:spTree>
+    <p:extLst>
+      <p:ext uri="{BB962C8B-B14F-4D97-AF65-F5344CB8AC3E}">
+        <p14:creationId xmlns:p14="http://schemas.microsoft.com/office/powerpoint/2010/main" val="4063178677"/>
+      </p:ext>
+    </p:extLst>
+  </p:cSld>
+  <p:clrMapOvr>
+    <a:masterClrMapping/>
+  </p:clrMapOvr>
+</p:sld>
+</file>
+
+<file path=ppt/slides/slide22.xml><?xml version="1.0" encoding="utf-8"?>
+<p:sld xmlns:a="http://schemas.openxmlformats.org/drawingml/2006/main" xmlns:r="http://schemas.openxmlformats.org/officeDocument/2006/relationships" xmlns:p="http://schemas.openxmlformats.org/presentationml/2006/main">
+  <p:cSld>
+    <p:spTree>
+      <p:nvGrpSpPr>
+        <p:cNvPr id="1" name=""/>
+        <p:cNvGrpSpPr/>
+        <p:nvPr/>
+      </p:nvGrpSpPr>
+      <p:grpSpPr>
+        <a:xfrm>
+          <a:off x="0" y="0"/>
+          <a:ext cx="0" cy="0"/>
+          <a:chOff x="0" y="0"/>
+          <a:chExt cx="0" cy="0"/>
+        </a:xfrm>
+      </p:grpSpPr>
       <p:pic>
         <p:nvPicPr>
           <p:cNvPr id="6" name="Picture 5"/>
@@ -9043,7 +9262,7 @@
 </p:sld>
 </file>
 
-<file path=ppt/slides/slide22.xml><?xml version="1.0" encoding="utf-8"?>
+<file path=ppt/slides/slide23.xml><?xml version="1.0" encoding="utf-8"?>
 <p:sld xmlns:a="http://schemas.openxmlformats.org/drawingml/2006/main" xmlns:r="http://schemas.openxmlformats.org/officeDocument/2006/relationships" xmlns:p="http://schemas.openxmlformats.org/presentationml/2006/main" show="0">
   <p:cSld>
     <p:spTree>
@@ -9114,18 +9333,10 @@
   <p:clrMapOvr>
     <a:masterClrMapping/>
   </p:clrMapOvr>
-  <mc:AlternateContent xmlns:mc="http://schemas.openxmlformats.org/markup-compatibility/2006">
-    <mc:Choice xmlns:p14="http://schemas.microsoft.com/office/powerpoint/2010/main" Requires="p14">
-      <p:transition spd="slow" p14:dur="2000"/>
-    </mc:Choice>
-    <mc:Fallback>
-      <p:transition spd="slow"/>
-    </mc:Fallback>
-  </mc:AlternateContent>
 </p:sld>
 </file>
 
-<file path=ppt/slides/slide23.xml><?xml version="1.0" encoding="utf-8"?>
+<file path=ppt/slides/slide24.xml><?xml version="1.0" encoding="utf-8"?>
 <p:sld xmlns:a="http://schemas.openxmlformats.org/drawingml/2006/main" xmlns:r="http://schemas.openxmlformats.org/officeDocument/2006/relationships" xmlns:p="http://schemas.openxmlformats.org/presentationml/2006/main" show="0">
   <p:cSld>
     <p:spTree>
@@ -9220,18 +9431,10 @@
   <p:clrMapOvr>
     <a:masterClrMapping/>
   </p:clrMapOvr>
-  <mc:AlternateContent xmlns:mc="http://schemas.openxmlformats.org/markup-compatibility/2006">
-    <mc:Choice xmlns:p14="http://schemas.microsoft.com/office/powerpoint/2010/main" Requires="p14">
-      <p:transition spd="slow" p14:dur="2000"/>
-    </mc:Choice>
-    <mc:Fallback>
-      <p:transition spd="slow"/>
-    </mc:Fallback>
-  </mc:AlternateContent>
 </p:sld>
 </file>
 
-<file path=ppt/slides/slide24.xml><?xml version="1.0" encoding="utf-8"?>
+<file path=ppt/slides/slide25.xml><?xml version="1.0" encoding="utf-8"?>
 <p:sld xmlns:a="http://schemas.openxmlformats.org/drawingml/2006/main" xmlns:r="http://schemas.openxmlformats.org/officeDocument/2006/relationships" xmlns:p="http://schemas.openxmlformats.org/presentationml/2006/main" show="0">
   <p:cSld>
     <p:spTree>
@@ -9302,18 +9505,10 @@
   <p:clrMapOvr>
     <a:masterClrMapping/>
   </p:clrMapOvr>
-  <mc:AlternateContent xmlns:mc="http://schemas.openxmlformats.org/markup-compatibility/2006">
-    <mc:Choice xmlns:p14="http://schemas.microsoft.com/office/powerpoint/2010/main" Requires="p14">
-      <p:transition spd="slow" p14:dur="2000"/>
-    </mc:Choice>
-    <mc:Fallback>
-      <p:transition spd="slow"/>
-    </mc:Fallback>
-  </mc:AlternateContent>
 </p:sld>
 </file>
 
-<file path=ppt/slides/slide25.xml><?xml version="1.0" encoding="utf-8"?>
+<file path=ppt/slides/slide26.xml><?xml version="1.0" encoding="utf-8"?>
 <p:sld xmlns:a="http://schemas.openxmlformats.org/drawingml/2006/main" xmlns:r="http://schemas.openxmlformats.org/officeDocument/2006/relationships" xmlns:p="http://schemas.openxmlformats.org/presentationml/2006/main" show="0">
   <p:cSld>
     <p:spTree>
@@ -9383,18 +9578,10 @@
   <p:clrMapOvr>
     <a:masterClrMapping/>
   </p:clrMapOvr>
-  <mc:AlternateContent xmlns:mc="http://schemas.openxmlformats.org/markup-compatibility/2006">
-    <mc:Choice xmlns:p14="http://schemas.microsoft.com/office/powerpoint/2010/main" Requires="p14">
-      <p:transition spd="slow" p14:dur="2000"/>
-    </mc:Choice>
-    <mc:Fallback>
-      <p:transition spd="slow"/>
-    </mc:Fallback>
-  </mc:AlternateContent>
 </p:sld>
 </file>
 
-<file path=ppt/slides/slide26.xml><?xml version="1.0" encoding="utf-8"?>
+<file path=ppt/slides/slide27.xml><?xml version="1.0" encoding="utf-8"?>
 <p:sld xmlns:a="http://schemas.openxmlformats.org/drawingml/2006/main" xmlns:r="http://schemas.openxmlformats.org/officeDocument/2006/relationships" xmlns:p="http://schemas.openxmlformats.org/presentationml/2006/main" show="0">
   <p:cSld>
     <p:spTree>
@@ -9464,18 +9651,10 @@
   <p:clrMapOvr>
     <a:masterClrMapping/>
   </p:clrMapOvr>
-  <mc:AlternateContent xmlns:mc="http://schemas.openxmlformats.org/markup-compatibility/2006">
-    <mc:Choice xmlns:p14="http://schemas.microsoft.com/office/powerpoint/2010/main" Requires="p14">
-      <p:transition spd="slow" p14:dur="2000"/>
-    </mc:Choice>
-    <mc:Fallback>
-      <p:transition spd="slow"/>
-    </mc:Fallback>
-  </mc:AlternateContent>
 </p:sld>
 </file>
 
-<file path=ppt/slides/slide27.xml><?xml version="1.0" encoding="utf-8"?>
+<file path=ppt/slides/slide28.xml><?xml version="1.0" encoding="utf-8"?>
 <p:sld xmlns:a="http://schemas.openxmlformats.org/drawingml/2006/main" xmlns:r="http://schemas.openxmlformats.org/officeDocument/2006/relationships" xmlns:p="http://schemas.openxmlformats.org/presentationml/2006/main" show="0">
   <p:cSld>
     <p:spTree>
@@ -9616,18 +9795,10 @@
   <p:clrMapOvr>
     <a:masterClrMapping/>
   </p:clrMapOvr>
-  <mc:AlternateContent xmlns:mc="http://schemas.openxmlformats.org/markup-compatibility/2006">
-    <mc:Choice xmlns:p14="http://schemas.microsoft.com/office/powerpoint/2010/main" Requires="p14">
-      <p:transition spd="slow" p14:dur="2000"/>
-    </mc:Choice>
-    <mc:Fallback>
-      <p:transition spd="slow"/>
-    </mc:Fallback>
-  </mc:AlternateContent>
 </p:sld>
 </file>
 
-<file path=ppt/slides/slide28.xml><?xml version="1.0" encoding="utf-8"?>
+<file path=ppt/slides/slide29.xml><?xml version="1.0" encoding="utf-8"?>
 <p:sld xmlns:a="http://schemas.openxmlformats.org/drawingml/2006/main" xmlns:r="http://schemas.openxmlformats.org/officeDocument/2006/relationships" xmlns:p="http://schemas.openxmlformats.org/presentationml/2006/main" show="0">
   <p:cSld>
     <p:spTree>
@@ -9812,74 +9983,6 @@
   <p:clrMapOvr>
     <a:masterClrMapping/>
   </p:clrMapOvr>
-  <mc:AlternateContent xmlns:mc="http://schemas.openxmlformats.org/markup-compatibility/2006">
-    <mc:Choice xmlns:p14="http://schemas.microsoft.com/office/powerpoint/2010/main" Requires="p14">
-      <p:transition spd="slow" p14:dur="2000"/>
-    </mc:Choice>
-    <mc:Fallback>
-      <p:transition spd="slow"/>
-    </mc:Fallback>
-  </mc:AlternateContent>
-</p:sld>
-</file>
-
-<file path=ppt/slides/slide29.xml><?xml version="1.0" encoding="utf-8"?>
-<p:sld xmlns:a="http://schemas.openxmlformats.org/drawingml/2006/main" xmlns:r="http://schemas.openxmlformats.org/officeDocument/2006/relationships" xmlns:p="http://schemas.openxmlformats.org/presentationml/2006/main" show="0">
-  <p:cSld>
-    <p:spTree>
-      <p:nvGrpSpPr>
-        <p:cNvPr id="1" name=""/>
-        <p:cNvGrpSpPr/>
-        <p:nvPr/>
-      </p:nvGrpSpPr>
-      <p:grpSpPr>
-        <a:xfrm>
-          <a:off x="0" y="0"/>
-          <a:ext cx="0" cy="0"/>
-          <a:chOff x="0" y="0"/>
-          <a:chExt cx="0" cy="0"/>
-        </a:xfrm>
-      </p:grpSpPr>
-      <p:sp>
-        <p:nvSpPr>
-          <p:cNvPr id="7" name="Text Placeholder 6"/>
-          <p:cNvSpPr>
-            <a:spLocks noGrp="1"/>
-          </p:cNvSpPr>
-          <p:nvPr>
-            <p:ph type="body" idx="1"/>
-          </p:nvPr>
-        </p:nvSpPr>
-        <p:spPr/>
-        <p:txBody>
-          <a:bodyPr/>
-          <a:lstStyle/>
-          <a:p>
-            <a:r>
-              <a:rPr lang="en-US" dirty="0"/>
-              <a:t>Demo Title</a:t>
-            </a:r>
-          </a:p>
-        </p:txBody>
-      </p:sp>
-    </p:spTree>
-    <p:extLst>
-      <p:ext uri="{BB962C8B-B14F-4D97-AF65-F5344CB8AC3E}">
-        <p14:creationId xmlns:p14="http://schemas.microsoft.com/office/powerpoint/2010/main" val="3216050713"/>
-      </p:ext>
-    </p:extLst>
-  </p:cSld>
-  <p:clrMapOvr>
-    <a:masterClrMapping/>
-  </p:clrMapOvr>
-  <mc:AlternateContent xmlns:mc="http://schemas.openxmlformats.org/markup-compatibility/2006">
-    <mc:Choice xmlns:p14="http://schemas.microsoft.com/office/powerpoint/2010/main" Requires="p14">
-      <p:transition spd="slow" p14:dur="2000"/>
-    </mc:Choice>
-    <mc:Fallback>
-      <p:transition spd="slow"/>
-    </mc:Fallback>
-  </mc:AlternateContent>
 </p:sld>
 </file>
 
@@ -9977,889 +10080,38 @@
           <a:chExt cx="0" cy="0"/>
         </a:xfrm>
       </p:grpSpPr>
-      <p:pic>
-        <p:nvPicPr>
-          <p:cNvPr id="11" name="Picture 10"/>
-          <p:cNvPicPr>
-            <a:picLocks noChangeAspect="1"/>
-          </p:cNvPicPr>
-          <p:nvPr/>
-        </p:nvPicPr>
-        <p:blipFill>
-          <a:blip r:embed="rId2">
-            <a:extLst>
-              <a:ext uri="{28A0092B-C50C-407E-A947-70E740481C1C}">
-                <a14:useLocalDpi xmlns:a14="http://schemas.microsoft.com/office/drawing/2010/main" val="0"/>
-              </a:ext>
-            </a:extLst>
-          </a:blip>
-          <a:stretch>
-            <a:fillRect/>
-          </a:stretch>
-        </p:blipFill>
-        <p:spPr>
-          <a:xfrm>
-            <a:off x="2207458" y="453313"/>
-            <a:ext cx="457200" cy="457200"/>
-          </a:xfrm>
-          <a:prstGeom prst="rect">
-            <a:avLst/>
-          </a:prstGeom>
-        </p:spPr>
-      </p:pic>
-      <p:pic>
-        <p:nvPicPr>
-          <p:cNvPr id="12" name="Picture 11"/>
-          <p:cNvPicPr>
-            <a:picLocks noChangeAspect="1"/>
-          </p:cNvPicPr>
-          <p:nvPr/>
-        </p:nvPicPr>
-        <p:blipFill>
-          <a:blip r:embed="rId3">
-            <a:extLst>
-              <a:ext uri="{28A0092B-C50C-407E-A947-70E740481C1C}">
-                <a14:useLocalDpi xmlns:a14="http://schemas.microsoft.com/office/drawing/2010/main" val="0"/>
-              </a:ext>
-            </a:extLst>
-          </a:blip>
-          <a:stretch>
-            <a:fillRect/>
-          </a:stretch>
-        </p:blipFill>
-        <p:spPr>
-          <a:xfrm>
-            <a:off x="1294229" y="453399"/>
-            <a:ext cx="457200" cy="457200"/>
-          </a:xfrm>
-          <a:prstGeom prst="rect">
-            <a:avLst/>
-          </a:prstGeom>
-        </p:spPr>
-      </p:pic>
-      <p:pic>
-        <p:nvPicPr>
-          <p:cNvPr id="13" name="Picture 12"/>
-          <p:cNvPicPr>
-            <a:picLocks noChangeAspect="1"/>
-          </p:cNvPicPr>
-          <p:nvPr/>
-        </p:nvPicPr>
-        <p:blipFill>
-          <a:blip r:embed="rId4">
-            <a:extLst>
-              <a:ext uri="{28A0092B-C50C-407E-A947-70E740481C1C}">
-                <a14:useLocalDpi xmlns:a14="http://schemas.microsoft.com/office/drawing/2010/main" val="0"/>
-              </a:ext>
-            </a:extLst>
-          </a:blip>
-          <a:stretch>
-            <a:fillRect/>
-          </a:stretch>
-        </p:blipFill>
-        <p:spPr>
-          <a:xfrm>
-            <a:off x="381000" y="453399"/>
-            <a:ext cx="457200" cy="457200"/>
-          </a:xfrm>
-          <a:prstGeom prst="rect">
-            <a:avLst/>
-          </a:prstGeom>
-        </p:spPr>
-      </p:pic>
-      <p:pic>
-        <p:nvPicPr>
-          <p:cNvPr id="15" name="Picture 14"/>
-          <p:cNvPicPr>
-            <a:picLocks noChangeAspect="1"/>
-          </p:cNvPicPr>
-          <p:nvPr/>
-        </p:nvPicPr>
-        <p:blipFill>
-          <a:blip r:embed="rId5">
-            <a:lum bright="70000" contrast="-70000"/>
-            <a:extLst>
-              <a:ext uri="{28A0092B-C50C-407E-A947-70E740481C1C}">
-                <a14:useLocalDpi xmlns:a14="http://schemas.microsoft.com/office/drawing/2010/main" val="0"/>
-              </a:ext>
-            </a:extLst>
-          </a:blip>
-          <a:stretch>
-            <a:fillRect/>
-          </a:stretch>
-        </p:blipFill>
-        <p:spPr>
-          <a:xfrm>
-            <a:off x="303629" y="1070428"/>
-            <a:ext cx="1219200" cy="1219200"/>
-          </a:xfrm>
-          <a:prstGeom prst="rect">
-            <a:avLst/>
-          </a:prstGeom>
-        </p:spPr>
-      </p:pic>
-      <p:pic>
-        <p:nvPicPr>
-          <p:cNvPr id="279" name="Picture 278"/>
-          <p:cNvPicPr>
-            <a:picLocks noChangeAspect="1"/>
-          </p:cNvPicPr>
-          <p:nvPr/>
-        </p:nvPicPr>
-        <p:blipFill>
-          <a:blip r:embed="rId6">
-            <a:lum bright="70000" contrast="-70000"/>
-            <a:extLst>
-              <a:ext uri="{28A0092B-C50C-407E-A947-70E740481C1C}">
-                <a14:useLocalDpi xmlns:a14="http://schemas.microsoft.com/office/drawing/2010/main" val="0"/>
-              </a:ext>
-            </a:extLst>
-          </a:blip>
-          <a:stretch>
-            <a:fillRect/>
-          </a:stretch>
-        </p:blipFill>
-        <p:spPr>
-          <a:xfrm>
-            <a:off x="2950029" y="1070428"/>
-            <a:ext cx="1219200" cy="1219200"/>
-          </a:xfrm>
-          <a:prstGeom prst="rect">
-            <a:avLst/>
-          </a:prstGeom>
-        </p:spPr>
-      </p:pic>
-      <p:pic>
-        <p:nvPicPr>
-          <p:cNvPr id="280" name="Picture 279"/>
-          <p:cNvPicPr>
-            <a:picLocks noChangeAspect="1"/>
-          </p:cNvPicPr>
-          <p:nvPr/>
-        </p:nvPicPr>
-        <p:blipFill>
-          <a:blip r:embed="rId7">
-            <a:lum bright="70000" contrast="-70000"/>
-            <a:extLst>
-              <a:ext uri="{28A0092B-C50C-407E-A947-70E740481C1C}">
-                <a14:useLocalDpi xmlns:a14="http://schemas.microsoft.com/office/drawing/2010/main" val="0"/>
-              </a:ext>
-            </a:extLst>
-          </a:blip>
-          <a:stretch>
-            <a:fillRect/>
-          </a:stretch>
-        </p:blipFill>
-        <p:spPr>
-          <a:xfrm>
-            <a:off x="1626829" y="1070428"/>
-            <a:ext cx="1219200" cy="1219200"/>
-          </a:xfrm>
-          <a:prstGeom prst="rect">
-            <a:avLst/>
-          </a:prstGeom>
-        </p:spPr>
-      </p:pic>
-      <p:pic>
-        <p:nvPicPr>
-          <p:cNvPr id="281" name="Picture 280"/>
-          <p:cNvPicPr>
-            <a:picLocks noChangeAspect="1"/>
-          </p:cNvPicPr>
-          <p:nvPr/>
-        </p:nvPicPr>
-        <p:blipFill>
-          <a:blip r:embed="rId8">
-            <a:lum bright="70000" contrast="-70000"/>
-            <a:extLst>
-              <a:ext uri="{28A0092B-C50C-407E-A947-70E740481C1C}">
-                <a14:useLocalDpi xmlns:a14="http://schemas.microsoft.com/office/drawing/2010/main" val="0"/>
-              </a:ext>
-            </a:extLst>
-          </a:blip>
-          <a:stretch>
-            <a:fillRect/>
-          </a:stretch>
-        </p:blipFill>
-        <p:spPr>
-          <a:xfrm>
-            <a:off x="5596429" y="1107999"/>
-            <a:ext cx="1219200" cy="1219200"/>
-          </a:xfrm>
-          <a:prstGeom prst="rect">
-            <a:avLst/>
-          </a:prstGeom>
-        </p:spPr>
-      </p:pic>
-      <p:pic>
-        <p:nvPicPr>
-          <p:cNvPr id="282" name="Picture 281"/>
-          <p:cNvPicPr>
-            <a:picLocks noChangeAspect="1"/>
-          </p:cNvPicPr>
-          <p:nvPr/>
-        </p:nvPicPr>
-        <p:blipFill>
-          <a:blip r:embed="rId9">
-            <a:lum bright="70000" contrast="-70000"/>
-            <a:extLst>
-              <a:ext uri="{28A0092B-C50C-407E-A947-70E740481C1C}">
-                <a14:useLocalDpi xmlns:a14="http://schemas.microsoft.com/office/drawing/2010/main" val="0"/>
-              </a:ext>
-            </a:extLst>
-          </a:blip>
-          <a:stretch>
-            <a:fillRect/>
-          </a:stretch>
-        </p:blipFill>
-        <p:spPr>
-          <a:xfrm>
-            <a:off x="4273229" y="1070428"/>
-            <a:ext cx="1219200" cy="1219200"/>
-          </a:xfrm>
-          <a:prstGeom prst="rect">
-            <a:avLst/>
-          </a:prstGeom>
-        </p:spPr>
-      </p:pic>
-      <p:pic>
-        <p:nvPicPr>
-          <p:cNvPr id="283" name="Picture 282"/>
-          <p:cNvPicPr>
-            <a:picLocks noChangeAspect="1"/>
-          </p:cNvPicPr>
-          <p:nvPr/>
-        </p:nvPicPr>
-        <p:blipFill>
-          <a:blip r:embed="rId10">
-            <a:lum bright="70000" contrast="-70000"/>
-            <a:extLst>
-              <a:ext uri="{28A0092B-C50C-407E-A947-70E740481C1C}">
-                <a14:useLocalDpi xmlns:a14="http://schemas.microsoft.com/office/drawing/2010/main" val="0"/>
-              </a:ext>
-            </a:extLst>
-          </a:blip>
-          <a:stretch>
-            <a:fillRect/>
-          </a:stretch>
-        </p:blipFill>
-        <p:spPr>
-          <a:xfrm>
-            <a:off x="6919629" y="1107999"/>
-            <a:ext cx="1219200" cy="1219200"/>
-          </a:xfrm>
-          <a:prstGeom prst="rect">
-            <a:avLst/>
-          </a:prstGeom>
-        </p:spPr>
-      </p:pic>
-      <p:pic>
-        <p:nvPicPr>
-          <p:cNvPr id="284" name="Picture 283"/>
-          <p:cNvPicPr>
-            <a:picLocks noChangeAspect="1"/>
-          </p:cNvPicPr>
-          <p:nvPr/>
-        </p:nvPicPr>
-        <p:blipFill>
-          <a:blip r:embed="rId11">
-            <a:lum bright="70000" contrast="-70000"/>
-            <a:extLst>
-              <a:ext uri="{28A0092B-C50C-407E-A947-70E740481C1C}">
-                <a14:useLocalDpi xmlns:a14="http://schemas.microsoft.com/office/drawing/2010/main" val="0"/>
-              </a:ext>
-            </a:extLst>
-          </a:blip>
-          <a:stretch>
-            <a:fillRect/>
-          </a:stretch>
-        </p:blipFill>
-        <p:spPr>
-          <a:xfrm>
-            <a:off x="9105600" y="1070428"/>
-            <a:ext cx="1219200" cy="1219200"/>
-          </a:xfrm>
-          <a:prstGeom prst="rect">
-            <a:avLst/>
-          </a:prstGeom>
-        </p:spPr>
-      </p:pic>
-      <p:pic>
-        <p:nvPicPr>
-          <p:cNvPr id="285" name="Picture 284"/>
-          <p:cNvPicPr>
-            <a:picLocks noChangeAspect="1"/>
-          </p:cNvPicPr>
-          <p:nvPr/>
-        </p:nvPicPr>
-        <p:blipFill>
-          <a:blip r:embed="rId12">
-            <a:lum bright="70000" contrast="-70000"/>
-            <a:extLst>
-              <a:ext uri="{28A0092B-C50C-407E-A947-70E740481C1C}">
-                <a14:useLocalDpi xmlns:a14="http://schemas.microsoft.com/office/drawing/2010/main" val="0"/>
-              </a:ext>
-            </a:extLst>
-          </a:blip>
-          <a:stretch>
-            <a:fillRect/>
-          </a:stretch>
-        </p:blipFill>
-        <p:spPr>
-          <a:xfrm>
-            <a:off x="7988286" y="1070428"/>
-            <a:ext cx="1219200" cy="1219200"/>
-          </a:xfrm>
-          <a:prstGeom prst="rect">
-            <a:avLst/>
-          </a:prstGeom>
-        </p:spPr>
-      </p:pic>
-      <p:pic>
-        <p:nvPicPr>
-          <p:cNvPr id="286" name="Picture 285"/>
-          <p:cNvPicPr>
-            <a:picLocks noChangeAspect="1"/>
-          </p:cNvPicPr>
-          <p:nvPr/>
-        </p:nvPicPr>
-        <p:blipFill>
-          <a:blip r:embed="rId13">
-            <a:lum bright="70000" contrast="-70000"/>
-            <a:extLst>
-              <a:ext uri="{28A0092B-C50C-407E-A947-70E740481C1C}">
-                <a14:useLocalDpi xmlns:a14="http://schemas.microsoft.com/office/drawing/2010/main" val="0"/>
-              </a:ext>
-            </a:extLst>
-          </a:blip>
-          <a:stretch>
-            <a:fillRect/>
-          </a:stretch>
-        </p:blipFill>
-        <p:spPr>
-          <a:xfrm>
-            <a:off x="303629" y="2185742"/>
-            <a:ext cx="1219200" cy="1219200"/>
-          </a:xfrm>
-          <a:prstGeom prst="rect">
-            <a:avLst/>
-          </a:prstGeom>
-        </p:spPr>
-      </p:pic>
-      <p:pic>
-        <p:nvPicPr>
-          <p:cNvPr id="287" name="Picture 286"/>
-          <p:cNvPicPr>
-            <a:picLocks noChangeAspect="1"/>
-          </p:cNvPicPr>
-          <p:nvPr/>
-        </p:nvPicPr>
-        <p:blipFill>
-          <a:blip r:embed="rId14">
-            <a:lum bright="70000" contrast="-70000"/>
-            <a:extLst>
-              <a:ext uri="{28A0092B-C50C-407E-A947-70E740481C1C}">
-                <a14:useLocalDpi xmlns:a14="http://schemas.microsoft.com/office/drawing/2010/main" val="0"/>
-              </a:ext>
-            </a:extLst>
-          </a:blip>
-          <a:stretch>
-            <a:fillRect/>
-          </a:stretch>
-        </p:blipFill>
-        <p:spPr>
-          <a:xfrm>
-            <a:off x="10484143" y="1070428"/>
-            <a:ext cx="1219200" cy="1219200"/>
-          </a:xfrm>
-          <a:prstGeom prst="rect">
-            <a:avLst/>
-          </a:prstGeom>
-        </p:spPr>
-      </p:pic>
-      <p:pic>
-        <p:nvPicPr>
-          <p:cNvPr id="288" name="Picture 287"/>
-          <p:cNvPicPr>
-            <a:picLocks noChangeAspect="1"/>
-          </p:cNvPicPr>
-          <p:nvPr/>
-        </p:nvPicPr>
-        <p:blipFill>
-          <a:blip r:embed="rId15">
-            <a:lum bright="70000" contrast="-70000"/>
-            <a:extLst>
-              <a:ext uri="{28A0092B-C50C-407E-A947-70E740481C1C}">
-                <a14:useLocalDpi xmlns:a14="http://schemas.microsoft.com/office/drawing/2010/main" val="0"/>
-              </a:ext>
-            </a:extLst>
-          </a:blip>
-          <a:stretch>
-            <a:fillRect/>
-          </a:stretch>
-        </p:blipFill>
-        <p:spPr>
-          <a:xfrm>
-            <a:off x="2923629" y="2421599"/>
-            <a:ext cx="1219200" cy="1219200"/>
-          </a:xfrm>
-          <a:prstGeom prst="rect">
-            <a:avLst/>
-          </a:prstGeom>
-        </p:spPr>
-      </p:pic>
-      <p:pic>
-        <p:nvPicPr>
-          <p:cNvPr id="289" name="Picture 288"/>
-          <p:cNvPicPr>
-            <a:picLocks noChangeAspect="1"/>
-          </p:cNvPicPr>
-          <p:nvPr/>
-        </p:nvPicPr>
-        <p:blipFill>
-          <a:blip r:embed="rId16">
-            <a:lum bright="70000" contrast="-70000"/>
-            <a:extLst>
-              <a:ext uri="{28A0092B-C50C-407E-A947-70E740481C1C}">
-                <a14:useLocalDpi xmlns:a14="http://schemas.microsoft.com/office/drawing/2010/main" val="0"/>
-              </a:ext>
-            </a:extLst>
-          </a:blip>
-          <a:stretch>
-            <a:fillRect/>
-          </a:stretch>
-        </p:blipFill>
-        <p:spPr>
-          <a:xfrm>
-            <a:off x="4273229" y="2454485"/>
-            <a:ext cx="1219200" cy="1219200"/>
-          </a:xfrm>
-          <a:prstGeom prst="rect">
-            <a:avLst/>
-          </a:prstGeom>
-        </p:spPr>
-      </p:pic>
-      <p:pic>
-        <p:nvPicPr>
-          <p:cNvPr id="290" name="Picture 289"/>
-          <p:cNvPicPr>
-            <a:picLocks noChangeAspect="1"/>
-          </p:cNvPicPr>
-          <p:nvPr/>
-        </p:nvPicPr>
-        <p:blipFill>
-          <a:blip r:embed="rId17">
-            <a:lum bright="70000" contrast="-70000"/>
-            <a:extLst>
-              <a:ext uri="{28A0092B-C50C-407E-A947-70E740481C1C}">
-                <a14:useLocalDpi xmlns:a14="http://schemas.microsoft.com/office/drawing/2010/main" val="0"/>
-              </a:ext>
-            </a:extLst>
-          </a:blip>
-          <a:stretch>
-            <a:fillRect/>
-          </a:stretch>
-        </p:blipFill>
-        <p:spPr>
-          <a:xfrm>
-            <a:off x="1704429" y="2421599"/>
-            <a:ext cx="1219200" cy="1219200"/>
-          </a:xfrm>
-          <a:prstGeom prst="rect">
-            <a:avLst/>
-          </a:prstGeom>
-        </p:spPr>
-      </p:pic>
-      <p:pic>
-        <p:nvPicPr>
-          <p:cNvPr id="291" name="Picture 290"/>
-          <p:cNvPicPr>
-            <a:picLocks noChangeAspect="1"/>
-          </p:cNvPicPr>
-          <p:nvPr/>
-        </p:nvPicPr>
-        <p:blipFill>
-          <a:blip r:embed="rId18">
-            <a:lum bright="70000" contrast="-70000"/>
-            <a:extLst>
-              <a:ext uri="{28A0092B-C50C-407E-A947-70E740481C1C}">
-                <a14:useLocalDpi xmlns:a14="http://schemas.microsoft.com/office/drawing/2010/main" val="0"/>
-              </a:ext>
-            </a:extLst>
-          </a:blip>
-          <a:stretch>
-            <a:fillRect/>
-          </a:stretch>
-        </p:blipFill>
-        <p:spPr>
-          <a:xfrm>
-            <a:off x="6976800" y="2439628"/>
-            <a:ext cx="1219200" cy="1219200"/>
-          </a:xfrm>
-          <a:prstGeom prst="rect">
-            <a:avLst/>
-          </a:prstGeom>
-        </p:spPr>
-      </p:pic>
-      <p:pic>
-        <p:nvPicPr>
-          <p:cNvPr id="292" name="Picture 291"/>
-          <p:cNvPicPr>
-            <a:picLocks noChangeAspect="1"/>
-          </p:cNvPicPr>
-          <p:nvPr/>
-        </p:nvPicPr>
-        <p:blipFill>
-          <a:blip r:embed="rId19">
-            <a:lum bright="70000" contrast="-70000"/>
-            <a:extLst>
-              <a:ext uri="{28A0092B-C50C-407E-A947-70E740481C1C}">
-                <a14:useLocalDpi xmlns:a14="http://schemas.microsoft.com/office/drawing/2010/main" val="0"/>
-              </a:ext>
-            </a:extLst>
-          </a:blip>
-          <a:stretch>
-            <a:fillRect/>
-          </a:stretch>
-        </p:blipFill>
-        <p:spPr>
-          <a:xfrm>
-            <a:off x="5622829" y="2454485"/>
-            <a:ext cx="1219200" cy="1219200"/>
-          </a:xfrm>
-          <a:prstGeom prst="rect">
-            <a:avLst/>
-          </a:prstGeom>
-        </p:spPr>
-      </p:pic>
-      <p:pic>
-        <p:nvPicPr>
-          <p:cNvPr id="293" name="Picture 292"/>
-          <p:cNvPicPr>
-            <a:picLocks noChangeAspect="1"/>
-          </p:cNvPicPr>
-          <p:nvPr/>
-        </p:nvPicPr>
-        <p:blipFill>
-          <a:blip r:embed="rId20">
-            <a:lum bright="70000" contrast="-70000"/>
-            <a:extLst>
-              <a:ext uri="{28A0092B-C50C-407E-A947-70E740481C1C}">
-                <a14:useLocalDpi xmlns:a14="http://schemas.microsoft.com/office/drawing/2010/main" val="0"/>
-              </a:ext>
-            </a:extLst>
-          </a:blip>
-          <a:stretch>
-            <a:fillRect/>
-          </a:stretch>
-        </p:blipFill>
-        <p:spPr>
-          <a:xfrm>
-            <a:off x="8336400" y="2534314"/>
-            <a:ext cx="1219200" cy="1219200"/>
-          </a:xfrm>
-          <a:prstGeom prst="rect">
-            <a:avLst/>
-          </a:prstGeom>
-        </p:spPr>
-      </p:pic>
-      <p:pic>
-        <p:nvPicPr>
-          <p:cNvPr id="294" name="Picture 293"/>
-          <p:cNvPicPr>
-            <a:picLocks noChangeAspect="1"/>
-          </p:cNvPicPr>
-          <p:nvPr/>
-        </p:nvPicPr>
-        <p:blipFill>
-          <a:blip r:embed="rId21">
-            <a:lum bright="70000" contrast="-70000"/>
-            <a:extLst>
-              <a:ext uri="{28A0092B-C50C-407E-A947-70E740481C1C}">
-                <a14:useLocalDpi xmlns:a14="http://schemas.microsoft.com/office/drawing/2010/main" val="0"/>
-              </a:ext>
-            </a:extLst>
-          </a:blip>
-          <a:stretch>
-            <a:fillRect/>
-          </a:stretch>
-        </p:blipFill>
-        <p:spPr>
-          <a:xfrm>
-            <a:off x="1522829" y="3910656"/>
-            <a:ext cx="1219200" cy="1219200"/>
-          </a:xfrm>
-          <a:prstGeom prst="rect">
-            <a:avLst/>
-          </a:prstGeom>
-        </p:spPr>
-      </p:pic>
-      <p:pic>
-        <p:nvPicPr>
-          <p:cNvPr id="295" name="Picture 294"/>
-          <p:cNvPicPr>
-            <a:picLocks noChangeAspect="1"/>
-          </p:cNvPicPr>
-          <p:nvPr/>
-        </p:nvPicPr>
-        <p:blipFill>
-          <a:blip r:embed="rId22">
-            <a:lum bright="70000" contrast="-70000"/>
-            <a:extLst>
-              <a:ext uri="{28A0092B-C50C-407E-A947-70E740481C1C}">
-                <a14:useLocalDpi xmlns:a14="http://schemas.microsoft.com/office/drawing/2010/main" val="0"/>
-              </a:ext>
-            </a:extLst>
-          </a:blip>
-          <a:stretch>
-            <a:fillRect/>
-          </a:stretch>
-        </p:blipFill>
-        <p:spPr>
-          <a:xfrm>
-            <a:off x="303629" y="4021971"/>
-            <a:ext cx="1219200" cy="1219200"/>
-          </a:xfrm>
-          <a:prstGeom prst="rect">
-            <a:avLst/>
-          </a:prstGeom>
-        </p:spPr>
-      </p:pic>
-      <p:pic>
-        <p:nvPicPr>
-          <p:cNvPr id="296" name="Picture 295"/>
-          <p:cNvPicPr>
-            <a:picLocks noChangeAspect="1"/>
-          </p:cNvPicPr>
-          <p:nvPr/>
-        </p:nvPicPr>
-        <p:blipFill>
-          <a:blip r:embed="rId23">
-            <a:lum bright="70000" contrast="-70000"/>
-            <a:extLst>
-              <a:ext uri="{28A0092B-C50C-407E-A947-70E740481C1C}">
-                <a14:useLocalDpi xmlns:a14="http://schemas.microsoft.com/office/drawing/2010/main" val="0"/>
-              </a:ext>
-            </a:extLst>
-          </a:blip>
-          <a:stretch>
-            <a:fillRect/>
-          </a:stretch>
-        </p:blipFill>
-        <p:spPr>
-          <a:xfrm>
-            <a:off x="9762315" y="2534314"/>
-            <a:ext cx="1219200" cy="1219200"/>
-          </a:xfrm>
-          <a:prstGeom prst="rect">
-            <a:avLst/>
-          </a:prstGeom>
-        </p:spPr>
-      </p:pic>
-      <p:pic>
-        <p:nvPicPr>
-          <p:cNvPr id="297" name="Picture 296"/>
-          <p:cNvPicPr>
-            <a:picLocks noChangeAspect="1"/>
-          </p:cNvPicPr>
-          <p:nvPr/>
-        </p:nvPicPr>
-        <p:blipFill>
-          <a:blip r:embed="rId24">
-            <a:lum bright="70000" contrast="-70000"/>
-            <a:extLst>
-              <a:ext uri="{28A0092B-C50C-407E-A947-70E740481C1C}">
-                <a14:useLocalDpi xmlns:a14="http://schemas.microsoft.com/office/drawing/2010/main" val="0"/>
-              </a:ext>
-            </a:extLst>
-          </a:blip>
-          <a:stretch>
-            <a:fillRect/>
-          </a:stretch>
-        </p:blipFill>
-        <p:spPr>
-          <a:xfrm>
-            <a:off x="5998771" y="4004171"/>
-            <a:ext cx="1219200" cy="1219200"/>
-          </a:xfrm>
-          <a:prstGeom prst="rect">
-            <a:avLst/>
-          </a:prstGeom>
-        </p:spPr>
-      </p:pic>
-      <p:pic>
-        <p:nvPicPr>
-          <p:cNvPr id="298" name="Picture 297"/>
-          <p:cNvPicPr>
-            <a:picLocks noChangeAspect="1"/>
-          </p:cNvPicPr>
-          <p:nvPr/>
-        </p:nvPicPr>
-        <p:blipFill>
-          <a:blip r:embed="rId25">
-            <a:lum bright="70000" contrast="-70000"/>
-            <a:extLst>
-              <a:ext uri="{28A0092B-C50C-407E-A947-70E740481C1C}">
-                <a14:useLocalDpi xmlns:a14="http://schemas.microsoft.com/office/drawing/2010/main" val="0"/>
-              </a:ext>
-            </a:extLst>
-          </a:blip>
-          <a:stretch>
-            <a:fillRect/>
-          </a:stretch>
-        </p:blipFill>
-        <p:spPr>
-          <a:xfrm>
-            <a:off x="4526400" y="4021971"/>
-            <a:ext cx="1219200" cy="1219200"/>
-          </a:xfrm>
-          <a:prstGeom prst="rect">
-            <a:avLst/>
-          </a:prstGeom>
-        </p:spPr>
-      </p:pic>
-      <p:pic>
-        <p:nvPicPr>
-          <p:cNvPr id="299" name="Picture 298"/>
-          <p:cNvPicPr>
-            <a:picLocks noChangeAspect="1"/>
-          </p:cNvPicPr>
-          <p:nvPr/>
-        </p:nvPicPr>
-        <p:blipFill>
-          <a:blip r:embed="rId26">
-            <a:lum bright="70000" contrast="-70000"/>
-            <a:extLst>
-              <a:ext uri="{28A0092B-C50C-407E-A947-70E740481C1C}">
-                <a14:useLocalDpi xmlns:a14="http://schemas.microsoft.com/office/drawing/2010/main" val="0"/>
-              </a:ext>
-            </a:extLst>
-          </a:blip>
-          <a:stretch>
-            <a:fillRect/>
-          </a:stretch>
-        </p:blipFill>
-        <p:spPr>
-          <a:xfrm>
-            <a:off x="3054029" y="4021971"/>
-            <a:ext cx="1219200" cy="1219200"/>
-          </a:xfrm>
-          <a:prstGeom prst="rect">
-            <a:avLst/>
-          </a:prstGeom>
-        </p:spPr>
-      </p:pic>
-      <p:pic>
-        <p:nvPicPr>
-          <p:cNvPr id="300" name="Picture 299"/>
-          <p:cNvPicPr>
-            <a:picLocks noChangeAspect="1"/>
-          </p:cNvPicPr>
-          <p:nvPr/>
-        </p:nvPicPr>
-        <p:blipFill>
-          <a:blip r:embed="rId27">
-            <a:lum bright="70000" contrast="-70000"/>
-            <a:extLst>
-              <a:ext uri="{28A0092B-C50C-407E-A947-70E740481C1C}">
-                <a14:useLocalDpi xmlns:a14="http://schemas.microsoft.com/office/drawing/2010/main" val="0"/>
-              </a:ext>
-            </a:extLst>
-          </a:blip>
-          <a:stretch>
-            <a:fillRect/>
-          </a:stretch>
-        </p:blipFill>
-        <p:spPr>
-          <a:xfrm>
-            <a:off x="10221542" y="4145971"/>
-            <a:ext cx="1219200" cy="1219200"/>
-          </a:xfrm>
-          <a:prstGeom prst="rect">
-            <a:avLst/>
-          </a:prstGeom>
-        </p:spPr>
-      </p:pic>
-      <p:pic>
-        <p:nvPicPr>
-          <p:cNvPr id="301" name="Picture 300"/>
-          <p:cNvPicPr>
-            <a:picLocks noChangeAspect="1"/>
-          </p:cNvPicPr>
-          <p:nvPr/>
-        </p:nvPicPr>
-        <p:blipFill>
-          <a:blip r:embed="rId28">
-            <a:lum bright="70000" contrast="-70000"/>
-            <a:extLst>
-              <a:ext uri="{28A0092B-C50C-407E-A947-70E740481C1C}">
-                <a14:useLocalDpi xmlns:a14="http://schemas.microsoft.com/office/drawing/2010/main" val="0"/>
-              </a:ext>
-            </a:extLst>
-          </a:blip>
-          <a:stretch>
-            <a:fillRect/>
-          </a:stretch>
-        </p:blipFill>
-        <p:spPr>
-          <a:xfrm>
-            <a:off x="8858971" y="4120114"/>
-            <a:ext cx="1219200" cy="1219200"/>
-          </a:xfrm>
-          <a:prstGeom prst="rect">
-            <a:avLst/>
-          </a:prstGeom>
-        </p:spPr>
-      </p:pic>
-      <p:pic>
-        <p:nvPicPr>
-          <p:cNvPr id="302" name="Picture 301"/>
-          <p:cNvPicPr>
-            <a:picLocks noChangeAspect="1"/>
-          </p:cNvPicPr>
-          <p:nvPr/>
-        </p:nvPicPr>
-        <p:blipFill>
-          <a:blip r:embed="rId29">
-            <a:lum bright="70000" contrast="-70000"/>
-            <a:extLst>
-              <a:ext uri="{28A0092B-C50C-407E-A947-70E740481C1C}">
-                <a14:useLocalDpi xmlns:a14="http://schemas.microsoft.com/office/drawing/2010/main" val="0"/>
-              </a:ext>
-            </a:extLst>
-          </a:blip>
-          <a:stretch>
-            <a:fillRect/>
-          </a:stretch>
-        </p:blipFill>
-        <p:spPr>
-          <a:xfrm>
-            <a:off x="7471142" y="4120114"/>
-            <a:ext cx="1219200" cy="1219200"/>
-          </a:xfrm>
-          <a:prstGeom prst="rect">
-            <a:avLst/>
-          </a:prstGeom>
-        </p:spPr>
-      </p:pic>
+      <p:sp>
+        <p:nvSpPr>
+          <p:cNvPr id="7" name="Text Placeholder 6"/>
+          <p:cNvSpPr>
+            <a:spLocks noGrp="1"/>
+          </p:cNvSpPr>
+          <p:nvPr>
+            <p:ph type="body" idx="1"/>
+          </p:nvPr>
+        </p:nvSpPr>
+        <p:spPr/>
+        <p:txBody>
+          <a:bodyPr/>
+          <a:lstStyle/>
+          <a:p>
+            <a:r>
+              <a:rPr lang="en-US" dirty="0"/>
+              <a:t>Demo Title</a:t>
+            </a:r>
+          </a:p>
+        </p:txBody>
+      </p:sp>
     </p:spTree>
     <p:extLst>
       <p:ext uri="{BB962C8B-B14F-4D97-AF65-F5344CB8AC3E}">
-        <p14:creationId xmlns:p14="http://schemas.microsoft.com/office/powerpoint/2010/main" val="2451305448"/>
+        <p14:creationId xmlns:p14="http://schemas.microsoft.com/office/powerpoint/2010/main" val="3216050713"/>
       </p:ext>
     </p:extLst>
   </p:cSld>
   <p:clrMapOvr>
     <a:masterClrMapping/>
   </p:clrMapOvr>
-  <mc:AlternateContent xmlns:mc="http://schemas.openxmlformats.org/markup-compatibility/2006">
-    <mc:Choice xmlns:p14="http://schemas.microsoft.com/office/powerpoint/2010/main" Requires="p14">
-      <p:transition spd="slow" p14:dur="2000"/>
-    </mc:Choice>
-    <mc:Fallback>
-      <p:transition spd="slow"/>
-    </mc:Fallback>
-  </mc:AlternateContent>
 </p:sld>
 </file>
 
@@ -10882,7 +10134,7 @@
       </p:grpSpPr>
       <p:pic>
         <p:nvPicPr>
-          <p:cNvPr id="2" name="Picture 1"/>
+          <p:cNvPr id="11" name="Picture 10"/>
           <p:cNvPicPr>
             <a:picLocks noChangeAspect="1"/>
           </p:cNvPicPr>
@@ -10890,30 +10142,29 @@
         </p:nvPicPr>
         <p:blipFill>
           <a:blip r:embed="rId2">
-            <a:lum bright="70000" contrast="-70000"/>
-            <a:extLst>
-              <a:ext uri="{28A0092B-C50C-407E-A947-70E740481C1C}">
-                <a14:useLocalDpi xmlns:a14="http://schemas.microsoft.com/office/drawing/2010/main" val="0"/>
-              </a:ext>
-            </a:extLst>
-          </a:blip>
-          <a:stretch>
-            <a:fillRect/>
-          </a:stretch>
-        </p:blipFill>
-        <p:spPr>
-          <a:xfrm>
-            <a:off x="322686" y="250829"/>
-            <a:ext cx="1219200" cy="1219200"/>
-          </a:xfrm>
-          <a:prstGeom prst="rect">
-            <a:avLst/>
-          </a:prstGeom>
-        </p:spPr>
-      </p:pic>
-      <p:pic>
-        <p:nvPicPr>
-          <p:cNvPr id="3" name="Picture 2"/>
+            <a:extLst>
+              <a:ext uri="{28A0092B-C50C-407E-A947-70E740481C1C}">
+                <a14:useLocalDpi xmlns:a14="http://schemas.microsoft.com/office/drawing/2010/main" val="0"/>
+              </a:ext>
+            </a:extLst>
+          </a:blip>
+          <a:stretch>
+            <a:fillRect/>
+          </a:stretch>
+        </p:blipFill>
+        <p:spPr>
+          <a:xfrm>
+            <a:off x="2207458" y="453313"/>
+            <a:ext cx="457200" cy="457200"/>
+          </a:xfrm>
+          <a:prstGeom prst="rect">
+            <a:avLst/>
+          </a:prstGeom>
+        </p:spPr>
+      </p:pic>
+      <p:pic>
+        <p:nvPicPr>
+          <p:cNvPr id="12" name="Picture 11"/>
           <p:cNvPicPr>
             <a:picLocks noChangeAspect="1"/>
           </p:cNvPicPr>
@@ -10921,30 +10172,29 @@
         </p:nvPicPr>
         <p:blipFill>
           <a:blip r:embed="rId3">
-            <a:lum bright="70000" contrast="-70000"/>
-            <a:extLst>
-              <a:ext uri="{28A0092B-C50C-407E-A947-70E740481C1C}">
-                <a14:useLocalDpi xmlns:a14="http://schemas.microsoft.com/office/drawing/2010/main" val="0"/>
-              </a:ext>
-            </a:extLst>
-          </a:blip>
-          <a:stretch>
-            <a:fillRect/>
-          </a:stretch>
-        </p:blipFill>
-        <p:spPr>
-          <a:xfrm>
-            <a:off x="1841371" y="306486"/>
-            <a:ext cx="1219200" cy="1219200"/>
-          </a:xfrm>
-          <a:prstGeom prst="rect">
-            <a:avLst/>
-          </a:prstGeom>
-        </p:spPr>
-      </p:pic>
-      <p:pic>
-        <p:nvPicPr>
-          <p:cNvPr id="4" name="Picture 3"/>
+            <a:extLst>
+              <a:ext uri="{28A0092B-C50C-407E-A947-70E740481C1C}">
+                <a14:useLocalDpi xmlns:a14="http://schemas.microsoft.com/office/drawing/2010/main" val="0"/>
+              </a:ext>
+            </a:extLst>
+          </a:blip>
+          <a:stretch>
+            <a:fillRect/>
+          </a:stretch>
+        </p:blipFill>
+        <p:spPr>
+          <a:xfrm>
+            <a:off x="1294229" y="453399"/>
+            <a:ext cx="457200" cy="457200"/>
+          </a:xfrm>
+          <a:prstGeom prst="rect">
+            <a:avLst/>
+          </a:prstGeom>
+        </p:spPr>
+      </p:pic>
+      <p:pic>
+        <p:nvPicPr>
+          <p:cNvPr id="13" name="Picture 12"/>
           <p:cNvPicPr>
             <a:picLocks noChangeAspect="1"/>
           </p:cNvPicPr>
@@ -10952,30 +10202,29 @@
         </p:nvPicPr>
         <p:blipFill>
           <a:blip r:embed="rId4">
-            <a:lum bright="70000" contrast="-70000"/>
-            <a:extLst>
-              <a:ext uri="{28A0092B-C50C-407E-A947-70E740481C1C}">
-                <a14:useLocalDpi xmlns:a14="http://schemas.microsoft.com/office/drawing/2010/main" val="0"/>
-              </a:ext>
-            </a:extLst>
-          </a:blip>
-          <a:stretch>
-            <a:fillRect/>
-          </a:stretch>
-        </p:blipFill>
-        <p:spPr>
-          <a:xfrm>
-            <a:off x="3360056" y="250829"/>
-            <a:ext cx="1219200" cy="1219200"/>
-          </a:xfrm>
-          <a:prstGeom prst="rect">
-            <a:avLst/>
-          </a:prstGeom>
-        </p:spPr>
-      </p:pic>
-      <p:pic>
-        <p:nvPicPr>
-          <p:cNvPr id="5" name="Picture 4"/>
+            <a:extLst>
+              <a:ext uri="{28A0092B-C50C-407E-A947-70E740481C1C}">
+                <a14:useLocalDpi xmlns:a14="http://schemas.microsoft.com/office/drawing/2010/main" val="0"/>
+              </a:ext>
+            </a:extLst>
+          </a:blip>
+          <a:stretch>
+            <a:fillRect/>
+          </a:stretch>
+        </p:blipFill>
+        <p:spPr>
+          <a:xfrm>
+            <a:off x="381000" y="453399"/>
+            <a:ext cx="457200" cy="457200"/>
+          </a:xfrm>
+          <a:prstGeom prst="rect">
+            <a:avLst/>
+          </a:prstGeom>
+        </p:spPr>
+      </p:pic>
+      <p:pic>
+        <p:nvPicPr>
+          <p:cNvPr id="15" name="Picture 14"/>
           <p:cNvPicPr>
             <a:picLocks noChangeAspect="1"/>
           </p:cNvPicPr>
@@ -10996,17 +10245,17 @@
         </p:blipFill>
         <p:spPr>
           <a:xfrm>
-            <a:off x="4878741" y="249715"/>
-            <a:ext cx="1219200" cy="1219200"/>
-          </a:xfrm>
-          <a:prstGeom prst="rect">
-            <a:avLst/>
-          </a:prstGeom>
-        </p:spPr>
-      </p:pic>
-      <p:pic>
-        <p:nvPicPr>
-          <p:cNvPr id="6" name="Picture 5"/>
+            <a:off x="303629" y="1070428"/>
+            <a:ext cx="1219200" cy="1219200"/>
+          </a:xfrm>
+          <a:prstGeom prst="rect">
+            <a:avLst/>
+          </a:prstGeom>
+        </p:spPr>
+      </p:pic>
+      <p:pic>
+        <p:nvPicPr>
+          <p:cNvPr id="279" name="Picture 278"/>
           <p:cNvPicPr>
             <a:picLocks noChangeAspect="1"/>
           </p:cNvPicPr>
@@ -11027,17 +10276,17 @@
         </p:blipFill>
         <p:spPr>
           <a:xfrm>
-            <a:off x="7736400" y="249715"/>
-            <a:ext cx="1219200" cy="1219200"/>
-          </a:xfrm>
-          <a:prstGeom prst="rect">
-            <a:avLst/>
-          </a:prstGeom>
-        </p:spPr>
-      </p:pic>
-      <p:pic>
-        <p:nvPicPr>
-          <p:cNvPr id="7" name="Picture 6"/>
+            <a:off x="2950029" y="1070428"/>
+            <a:ext cx="1219200" cy="1219200"/>
+          </a:xfrm>
+          <a:prstGeom prst="rect">
+            <a:avLst/>
+          </a:prstGeom>
+        </p:spPr>
+      </p:pic>
+      <p:pic>
+        <p:nvPicPr>
+          <p:cNvPr id="280" name="Picture 279"/>
           <p:cNvPicPr>
             <a:picLocks noChangeAspect="1"/>
           </p:cNvPicPr>
@@ -11058,17 +10307,17 @@
         </p:blipFill>
         <p:spPr>
           <a:xfrm>
-            <a:off x="6396057" y="249715"/>
-            <a:ext cx="1219200" cy="1219200"/>
-          </a:xfrm>
-          <a:prstGeom prst="rect">
-            <a:avLst/>
-          </a:prstGeom>
-        </p:spPr>
-      </p:pic>
-      <p:pic>
-        <p:nvPicPr>
-          <p:cNvPr id="8" name="Picture 7"/>
+            <a:off x="1626829" y="1070428"/>
+            <a:ext cx="1219200" cy="1219200"/>
+          </a:xfrm>
+          <a:prstGeom prst="rect">
+            <a:avLst/>
+          </a:prstGeom>
+        </p:spPr>
+      </p:pic>
+      <p:pic>
+        <p:nvPicPr>
+          <p:cNvPr id="281" name="Picture 280"/>
           <p:cNvPicPr>
             <a:picLocks noChangeAspect="1"/>
           </p:cNvPicPr>
@@ -11089,17 +10338,17 @@
         </p:blipFill>
         <p:spPr>
           <a:xfrm>
-            <a:off x="322686" y="1525686"/>
-            <a:ext cx="1219200" cy="1219200"/>
-          </a:xfrm>
-          <a:prstGeom prst="rect">
-            <a:avLst/>
-          </a:prstGeom>
-        </p:spPr>
-      </p:pic>
-      <p:pic>
-        <p:nvPicPr>
-          <p:cNvPr id="9" name="Picture 8"/>
+            <a:off x="5596429" y="1107999"/>
+            <a:ext cx="1219200" cy="1219200"/>
+          </a:xfrm>
+          <a:prstGeom prst="rect">
+            <a:avLst/>
+          </a:prstGeom>
+        </p:spPr>
+      </p:pic>
+      <p:pic>
+        <p:nvPicPr>
+          <p:cNvPr id="282" name="Picture 281"/>
           <p:cNvPicPr>
             <a:picLocks noChangeAspect="1"/>
           </p:cNvPicPr>
@@ -11120,17 +10369,17 @@
         </p:blipFill>
         <p:spPr>
           <a:xfrm>
-            <a:off x="9120229" y="275315"/>
-            <a:ext cx="1219200" cy="1219200"/>
-          </a:xfrm>
-          <a:prstGeom prst="rect">
-            <a:avLst/>
-          </a:prstGeom>
-        </p:spPr>
-      </p:pic>
-      <p:pic>
-        <p:nvPicPr>
-          <p:cNvPr id="10" name="Picture 9"/>
+            <a:off x="4273229" y="1070428"/>
+            <a:ext cx="1219200" cy="1219200"/>
+          </a:xfrm>
+          <a:prstGeom prst="rect">
+            <a:avLst/>
+          </a:prstGeom>
+        </p:spPr>
+      </p:pic>
+      <p:pic>
+        <p:nvPicPr>
+          <p:cNvPr id="283" name="Picture 282"/>
           <p:cNvPicPr>
             <a:picLocks noChangeAspect="1"/>
           </p:cNvPicPr>
@@ -11151,17 +10400,17 @@
         </p:blipFill>
         <p:spPr>
           <a:xfrm>
-            <a:off x="10460572" y="306486"/>
-            <a:ext cx="1219200" cy="1219200"/>
-          </a:xfrm>
-          <a:prstGeom prst="rect">
-            <a:avLst/>
-          </a:prstGeom>
-        </p:spPr>
-      </p:pic>
-      <p:pic>
-        <p:nvPicPr>
-          <p:cNvPr id="11" name="Picture 10"/>
+            <a:off x="6919629" y="1107999"/>
+            <a:ext cx="1219200" cy="1219200"/>
+          </a:xfrm>
+          <a:prstGeom prst="rect">
+            <a:avLst/>
+          </a:prstGeom>
+        </p:spPr>
+      </p:pic>
+      <p:pic>
+        <p:nvPicPr>
+          <p:cNvPr id="284" name="Picture 283"/>
           <p:cNvPicPr>
             <a:picLocks noChangeAspect="1"/>
           </p:cNvPicPr>
@@ -11182,17 +10431,17 @@
         </p:blipFill>
         <p:spPr>
           <a:xfrm>
-            <a:off x="3179485" y="1494515"/>
-            <a:ext cx="1219200" cy="1219200"/>
-          </a:xfrm>
-          <a:prstGeom prst="rect">
-            <a:avLst/>
-          </a:prstGeom>
-        </p:spPr>
-      </p:pic>
-      <p:pic>
-        <p:nvPicPr>
-          <p:cNvPr id="12" name="Picture 11"/>
+            <a:off x="9105600" y="1070428"/>
+            <a:ext cx="1219200" cy="1219200"/>
+          </a:xfrm>
+          <a:prstGeom prst="rect">
+            <a:avLst/>
+          </a:prstGeom>
+        </p:spPr>
+      </p:pic>
+      <p:pic>
+        <p:nvPicPr>
+          <p:cNvPr id="285" name="Picture 284"/>
           <p:cNvPicPr>
             <a:picLocks noChangeAspect="1"/>
           </p:cNvPicPr>
@@ -11213,17 +10462,17 @@
         </p:blipFill>
         <p:spPr>
           <a:xfrm>
-            <a:off x="1841371" y="1525686"/>
-            <a:ext cx="1219200" cy="1219200"/>
-          </a:xfrm>
-          <a:prstGeom prst="rect">
-            <a:avLst/>
-          </a:prstGeom>
-        </p:spPr>
-      </p:pic>
-      <p:pic>
-        <p:nvPicPr>
-          <p:cNvPr id="13" name="Picture 12"/>
+            <a:off x="7988286" y="1070428"/>
+            <a:ext cx="1219200" cy="1219200"/>
+          </a:xfrm>
+          <a:prstGeom prst="rect">
+            <a:avLst/>
+          </a:prstGeom>
+        </p:spPr>
+      </p:pic>
+      <p:pic>
+        <p:nvPicPr>
+          <p:cNvPr id="286" name="Picture 285"/>
           <p:cNvPicPr>
             <a:picLocks noChangeAspect="1"/>
           </p:cNvPicPr>
@@ -11244,17 +10493,17 @@
         </p:blipFill>
         <p:spPr>
           <a:xfrm>
-            <a:off x="4728943" y="1468915"/>
-            <a:ext cx="1219200" cy="1219200"/>
-          </a:xfrm>
-          <a:prstGeom prst="rect">
-            <a:avLst/>
-          </a:prstGeom>
-        </p:spPr>
-      </p:pic>
-      <p:pic>
-        <p:nvPicPr>
-          <p:cNvPr id="14" name="Picture 13"/>
+            <a:off x="303629" y="2185742"/>
+            <a:ext cx="1219200" cy="1219200"/>
+          </a:xfrm>
+          <a:prstGeom prst="rect">
+            <a:avLst/>
+          </a:prstGeom>
+        </p:spPr>
+      </p:pic>
+      <p:pic>
+        <p:nvPicPr>
+          <p:cNvPr id="287" name="Picture 286"/>
           <p:cNvPicPr>
             <a:picLocks noChangeAspect="1"/>
           </p:cNvPicPr>
@@ -11275,17 +10524,17 @@
         </p:blipFill>
         <p:spPr>
           <a:xfrm>
-            <a:off x="7809086" y="1525686"/>
-            <a:ext cx="1219200" cy="1219200"/>
-          </a:xfrm>
-          <a:prstGeom prst="rect">
-            <a:avLst/>
-          </a:prstGeom>
-        </p:spPr>
-      </p:pic>
-      <p:pic>
-        <p:nvPicPr>
-          <p:cNvPr id="15" name="Picture 14"/>
+            <a:off x="10484143" y="1070428"/>
+            <a:ext cx="1219200" cy="1219200"/>
+          </a:xfrm>
+          <a:prstGeom prst="rect">
+            <a:avLst/>
+          </a:prstGeom>
+        </p:spPr>
+      </p:pic>
+      <p:pic>
+        <p:nvPicPr>
+          <p:cNvPr id="288" name="Picture 287"/>
           <p:cNvPicPr>
             <a:picLocks noChangeAspect="1"/>
           </p:cNvPicPr>
@@ -11306,17 +10555,17 @@
         </p:blipFill>
         <p:spPr>
           <a:xfrm>
-            <a:off x="6376800" y="1525686"/>
-            <a:ext cx="1219200" cy="1219200"/>
-          </a:xfrm>
-          <a:prstGeom prst="rect">
-            <a:avLst/>
-          </a:prstGeom>
-        </p:spPr>
-      </p:pic>
-      <p:pic>
-        <p:nvPicPr>
-          <p:cNvPr id="16" name="Picture 15"/>
+            <a:off x="2923629" y="2421599"/>
+            <a:ext cx="1219200" cy="1219200"/>
+          </a:xfrm>
+          <a:prstGeom prst="rect">
+            <a:avLst/>
+          </a:prstGeom>
+        </p:spPr>
+      </p:pic>
+      <p:pic>
+        <p:nvPicPr>
+          <p:cNvPr id="289" name="Picture 288"/>
           <p:cNvPicPr>
             <a:picLocks noChangeAspect="1"/>
           </p:cNvPicPr>
@@ -11337,17 +10586,17 @@
         </p:blipFill>
         <p:spPr>
           <a:xfrm>
-            <a:off x="9237900" y="1525686"/>
-            <a:ext cx="1219200" cy="1219200"/>
-          </a:xfrm>
-          <a:prstGeom prst="rect">
-            <a:avLst/>
-          </a:prstGeom>
-        </p:spPr>
-      </p:pic>
-      <p:pic>
-        <p:nvPicPr>
-          <p:cNvPr id="17" name="Picture 16"/>
+            <a:off x="4273229" y="2454485"/>
+            <a:ext cx="1219200" cy="1219200"/>
+          </a:xfrm>
+          <a:prstGeom prst="rect">
+            <a:avLst/>
+          </a:prstGeom>
+        </p:spPr>
+      </p:pic>
+      <p:pic>
+        <p:nvPicPr>
+          <p:cNvPr id="290" name="Picture 289"/>
           <p:cNvPicPr>
             <a:picLocks noChangeAspect="1"/>
           </p:cNvPicPr>
@@ -11368,17 +10617,17 @@
         </p:blipFill>
         <p:spPr>
           <a:xfrm>
-            <a:off x="10404571" y="1519943"/>
-            <a:ext cx="1219200" cy="1219200"/>
-          </a:xfrm>
-          <a:prstGeom prst="rect">
-            <a:avLst/>
-          </a:prstGeom>
-        </p:spPr>
-      </p:pic>
-      <p:pic>
-        <p:nvPicPr>
-          <p:cNvPr id="18" name="Picture 17"/>
+            <a:off x="1704429" y="2421599"/>
+            <a:ext cx="1219200" cy="1219200"/>
+          </a:xfrm>
+          <a:prstGeom prst="rect">
+            <a:avLst/>
+          </a:prstGeom>
+        </p:spPr>
+      </p:pic>
+      <p:pic>
+        <p:nvPicPr>
+          <p:cNvPr id="291" name="Picture 290"/>
           <p:cNvPicPr>
             <a:picLocks noChangeAspect="1"/>
           </p:cNvPicPr>
@@ -11399,17 +10648,17 @@
         </p:blipFill>
         <p:spPr>
           <a:xfrm>
-            <a:off x="1841371" y="3030143"/>
-            <a:ext cx="1219200" cy="1219200"/>
-          </a:xfrm>
-          <a:prstGeom prst="rect">
-            <a:avLst/>
-          </a:prstGeom>
-        </p:spPr>
-      </p:pic>
-      <p:pic>
-        <p:nvPicPr>
-          <p:cNvPr id="19" name="Picture 18"/>
+            <a:off x="6976800" y="2439628"/>
+            <a:ext cx="1219200" cy="1219200"/>
+          </a:xfrm>
+          <a:prstGeom prst="rect">
+            <a:avLst/>
+          </a:prstGeom>
+        </p:spPr>
+      </p:pic>
+      <p:pic>
+        <p:nvPicPr>
+          <p:cNvPr id="292" name="Picture 291"/>
           <p:cNvPicPr>
             <a:picLocks noChangeAspect="1"/>
           </p:cNvPicPr>
@@ -11430,17 +10679,17 @@
         </p:blipFill>
         <p:spPr>
           <a:xfrm>
-            <a:off x="322686" y="3030143"/>
-            <a:ext cx="1219200" cy="1219200"/>
-          </a:xfrm>
-          <a:prstGeom prst="rect">
-            <a:avLst/>
-          </a:prstGeom>
-        </p:spPr>
-      </p:pic>
-      <p:pic>
-        <p:nvPicPr>
-          <p:cNvPr id="20" name="Picture 19"/>
+            <a:off x="5622829" y="2454485"/>
+            <a:ext cx="1219200" cy="1219200"/>
+          </a:xfrm>
+          <a:prstGeom prst="rect">
+            <a:avLst/>
+          </a:prstGeom>
+        </p:spPr>
+      </p:pic>
+      <p:pic>
+        <p:nvPicPr>
+          <p:cNvPr id="293" name="Picture 292"/>
           <p:cNvPicPr>
             <a:picLocks noChangeAspect="1"/>
           </p:cNvPicPr>
@@ -11461,17 +10710,17 @@
         </p:blipFill>
         <p:spPr>
           <a:xfrm>
-            <a:off x="4728943" y="3030143"/>
-            <a:ext cx="1219200" cy="1219200"/>
-          </a:xfrm>
-          <a:prstGeom prst="rect">
-            <a:avLst/>
-          </a:prstGeom>
-        </p:spPr>
-      </p:pic>
-      <p:pic>
-        <p:nvPicPr>
-          <p:cNvPr id="21" name="Picture 20"/>
+            <a:off x="8336400" y="2534314"/>
+            <a:ext cx="1219200" cy="1219200"/>
+          </a:xfrm>
+          <a:prstGeom prst="rect">
+            <a:avLst/>
+          </a:prstGeom>
+        </p:spPr>
+      </p:pic>
+      <p:pic>
+        <p:nvPicPr>
+          <p:cNvPr id="294" name="Picture 293"/>
           <p:cNvPicPr>
             <a:picLocks noChangeAspect="1"/>
           </p:cNvPicPr>
@@ -11492,17 +10741,17 @@
         </p:blipFill>
         <p:spPr>
           <a:xfrm>
-            <a:off x="3338570" y="3030143"/>
-            <a:ext cx="1219200" cy="1219200"/>
-          </a:xfrm>
-          <a:prstGeom prst="rect">
-            <a:avLst/>
-          </a:prstGeom>
-        </p:spPr>
-      </p:pic>
-      <p:pic>
-        <p:nvPicPr>
-          <p:cNvPr id="22" name="Picture 21"/>
+            <a:off x="1522829" y="3910656"/>
+            <a:ext cx="1219200" cy="1219200"/>
+          </a:xfrm>
+          <a:prstGeom prst="rect">
+            <a:avLst/>
+          </a:prstGeom>
+        </p:spPr>
+      </p:pic>
+      <p:pic>
+        <p:nvPicPr>
+          <p:cNvPr id="295" name="Picture 294"/>
           <p:cNvPicPr>
             <a:picLocks noChangeAspect="1"/>
           </p:cNvPicPr>
@@ -11523,17 +10772,17 @@
         </p:blipFill>
         <p:spPr>
           <a:xfrm>
-            <a:off x="1835343" y="4534600"/>
-            <a:ext cx="1219200" cy="1219200"/>
-          </a:xfrm>
-          <a:prstGeom prst="rect">
-            <a:avLst/>
-          </a:prstGeom>
-        </p:spPr>
-      </p:pic>
-      <p:pic>
-        <p:nvPicPr>
-          <p:cNvPr id="23" name="Picture 22"/>
+            <a:off x="303629" y="4021971"/>
+            <a:ext cx="1219200" cy="1219200"/>
+          </a:xfrm>
+          <a:prstGeom prst="rect">
+            <a:avLst/>
+          </a:prstGeom>
+        </p:spPr>
+      </p:pic>
+      <p:pic>
+        <p:nvPicPr>
+          <p:cNvPr id="296" name="Picture 295"/>
           <p:cNvPicPr>
             <a:picLocks noChangeAspect="1"/>
           </p:cNvPicPr>
@@ -11554,17 +10803,17 @@
         </p:blipFill>
         <p:spPr>
           <a:xfrm>
-            <a:off x="322686" y="4534600"/>
-            <a:ext cx="1219200" cy="1219200"/>
-          </a:xfrm>
-          <a:prstGeom prst="rect">
-            <a:avLst/>
-          </a:prstGeom>
-        </p:spPr>
-      </p:pic>
-      <p:pic>
-        <p:nvPicPr>
-          <p:cNvPr id="24" name="Picture 23"/>
+            <a:off x="9762315" y="2534314"/>
+            <a:ext cx="1219200" cy="1219200"/>
+          </a:xfrm>
+          <a:prstGeom prst="rect">
+            <a:avLst/>
+          </a:prstGeom>
+        </p:spPr>
+      </p:pic>
+      <p:pic>
+        <p:nvPicPr>
+          <p:cNvPr id="297" name="Picture 296"/>
           <p:cNvPicPr>
             <a:picLocks noChangeAspect="1"/>
           </p:cNvPicPr>
@@ -11585,17 +10834,17 @@
         </p:blipFill>
         <p:spPr>
           <a:xfrm>
-            <a:off x="6376800" y="3162943"/>
-            <a:ext cx="1219200" cy="1219200"/>
-          </a:xfrm>
-          <a:prstGeom prst="rect">
-            <a:avLst/>
-          </a:prstGeom>
-        </p:spPr>
-      </p:pic>
-      <p:pic>
-        <p:nvPicPr>
-          <p:cNvPr id="25" name="Picture 24"/>
+            <a:off x="5998771" y="4004171"/>
+            <a:ext cx="1219200" cy="1219200"/>
+          </a:xfrm>
+          <a:prstGeom prst="rect">
+            <a:avLst/>
+          </a:prstGeom>
+        </p:spPr>
+      </p:pic>
+      <p:pic>
+        <p:nvPicPr>
+          <p:cNvPr id="298" name="Picture 297"/>
           <p:cNvPicPr>
             <a:picLocks noChangeAspect="1"/>
           </p:cNvPicPr>
@@ -11616,17 +10865,17 @@
         </p:blipFill>
         <p:spPr>
           <a:xfrm>
-            <a:off x="10404571" y="3109800"/>
-            <a:ext cx="1219200" cy="1219200"/>
-          </a:xfrm>
-          <a:prstGeom prst="rect">
-            <a:avLst/>
-          </a:prstGeom>
-        </p:spPr>
-      </p:pic>
-      <p:pic>
-        <p:nvPicPr>
-          <p:cNvPr id="26" name="Picture 25"/>
+            <a:off x="4526400" y="4021971"/>
+            <a:ext cx="1219200" cy="1219200"/>
+          </a:xfrm>
+          <a:prstGeom prst="rect">
+            <a:avLst/>
+          </a:prstGeom>
+        </p:spPr>
+      </p:pic>
+      <p:pic>
+        <p:nvPicPr>
+          <p:cNvPr id="299" name="Picture 298"/>
           <p:cNvPicPr>
             <a:picLocks noChangeAspect="1"/>
           </p:cNvPicPr>
@@ -11647,17 +10896,17 @@
         </p:blipFill>
         <p:spPr>
           <a:xfrm>
-            <a:off x="3338570" y="4534600"/>
-            <a:ext cx="1219200" cy="1219200"/>
-          </a:xfrm>
-          <a:prstGeom prst="rect">
-            <a:avLst/>
-          </a:prstGeom>
-        </p:spPr>
-      </p:pic>
-      <p:pic>
-        <p:nvPicPr>
-          <p:cNvPr id="27" name="Picture 26"/>
+            <a:off x="3054029" y="4021971"/>
+            <a:ext cx="1219200" cy="1219200"/>
+          </a:xfrm>
+          <a:prstGeom prst="rect">
+            <a:avLst/>
+          </a:prstGeom>
+        </p:spPr>
+      </p:pic>
+      <p:pic>
+        <p:nvPicPr>
+          <p:cNvPr id="300" name="Picture 299"/>
           <p:cNvPicPr>
             <a:picLocks noChangeAspect="1"/>
           </p:cNvPicPr>
@@ -11678,17 +10927,17 @@
         </p:blipFill>
         <p:spPr>
           <a:xfrm>
-            <a:off x="4831171" y="4560286"/>
-            <a:ext cx="1219200" cy="1219200"/>
-          </a:xfrm>
-          <a:prstGeom prst="rect">
-            <a:avLst/>
-          </a:prstGeom>
-        </p:spPr>
-      </p:pic>
-      <p:pic>
-        <p:nvPicPr>
-          <p:cNvPr id="28" name="Picture 27"/>
+            <a:off x="10221542" y="4145971"/>
+            <a:ext cx="1219200" cy="1219200"/>
+          </a:xfrm>
+          <a:prstGeom prst="rect">
+            <a:avLst/>
+          </a:prstGeom>
+        </p:spPr>
+      </p:pic>
+      <p:pic>
+        <p:nvPicPr>
+          <p:cNvPr id="301" name="Picture 300"/>
           <p:cNvPicPr>
             <a:picLocks noChangeAspect="1"/>
           </p:cNvPicPr>
@@ -11709,17 +10958,17 @@
         </p:blipFill>
         <p:spPr>
           <a:xfrm>
-            <a:off x="9028286" y="4560286"/>
-            <a:ext cx="1219200" cy="1219200"/>
-          </a:xfrm>
-          <a:prstGeom prst="rect">
-            <a:avLst/>
-          </a:prstGeom>
-        </p:spPr>
-      </p:pic>
-      <p:pic>
-        <p:nvPicPr>
-          <p:cNvPr id="29" name="Picture 28"/>
+            <a:off x="8858971" y="4120114"/>
+            <a:ext cx="1219200" cy="1219200"/>
+          </a:xfrm>
+          <a:prstGeom prst="rect">
+            <a:avLst/>
+          </a:prstGeom>
+        </p:spPr>
+      </p:pic>
+      <p:pic>
+        <p:nvPicPr>
+          <p:cNvPr id="302" name="Picture 301"/>
           <p:cNvPicPr>
             <a:picLocks noChangeAspect="1"/>
           </p:cNvPicPr>
@@ -11740,38 +10989,7 @@
         </p:blipFill>
         <p:spPr>
           <a:xfrm>
-            <a:off x="8955600" y="3315400"/>
-            <a:ext cx="1219200" cy="1219200"/>
-          </a:xfrm>
-          <a:prstGeom prst="rect">
-            <a:avLst/>
-          </a:prstGeom>
-        </p:spPr>
-      </p:pic>
-      <p:pic>
-        <p:nvPicPr>
-          <p:cNvPr id="30" name="Picture 29"/>
-          <p:cNvPicPr>
-            <a:picLocks noChangeAspect="1"/>
-          </p:cNvPicPr>
-          <p:nvPr/>
-        </p:nvPicPr>
-        <p:blipFill>
-          <a:blip r:embed="rId30">
-            <a:lum bright="70000" contrast="-70000"/>
-            <a:extLst>
-              <a:ext uri="{28A0092B-C50C-407E-A947-70E740481C1C}">
-                <a14:useLocalDpi xmlns:a14="http://schemas.microsoft.com/office/drawing/2010/main" val="0"/>
-              </a:ext>
-            </a:extLst>
-          </a:blip>
-          <a:stretch>
-            <a:fillRect/>
-          </a:stretch>
-        </p:blipFill>
-        <p:spPr>
-          <a:xfrm>
-            <a:off x="10457100" y="4534600"/>
+            <a:off x="7471142" y="4120114"/>
             <a:ext cx="1219200" cy="1219200"/>
           </a:xfrm>
           <a:prstGeom prst="rect">
@@ -11782,21 +11000,13 @@
     </p:spTree>
     <p:extLst>
       <p:ext uri="{BB962C8B-B14F-4D97-AF65-F5344CB8AC3E}">
-        <p14:creationId xmlns:p14="http://schemas.microsoft.com/office/powerpoint/2010/main" val="823657930"/>
+        <p14:creationId xmlns:p14="http://schemas.microsoft.com/office/powerpoint/2010/main" val="2451305448"/>
       </p:ext>
     </p:extLst>
   </p:cSld>
   <p:clrMapOvr>
     <a:masterClrMapping/>
   </p:clrMapOvr>
-  <mc:AlternateContent xmlns:mc="http://schemas.openxmlformats.org/markup-compatibility/2006">
-    <mc:Choice xmlns:p14="http://schemas.microsoft.com/office/powerpoint/2010/main" Requires="p14">
-      <p:transition spd="slow" p14:dur="2000"/>
-    </mc:Choice>
-    <mc:Fallback>
-      <p:transition spd="slow"/>
-    </mc:Fallback>
-  </mc:AlternateContent>
 </p:sld>
 </file>
 
@@ -11840,7 +11050,7 @@
         </p:blipFill>
         <p:spPr>
           <a:xfrm>
-            <a:off x="130628" y="359229"/>
+            <a:off x="322686" y="250829"/>
             <a:ext cx="1219200" cy="1219200"/>
           </a:xfrm>
           <a:prstGeom prst="rect">
@@ -11871,7 +11081,7 @@
         </p:blipFill>
         <p:spPr>
           <a:xfrm>
-            <a:off x="94399" y="4550571"/>
+            <a:off x="1841371" y="306486"/>
             <a:ext cx="1219200" cy="1219200"/>
           </a:xfrm>
           <a:prstGeom prst="rect">
@@ -11902,7 +11112,7 @@
         </p:blipFill>
         <p:spPr>
           <a:xfrm>
-            <a:off x="94399" y="3153457"/>
+            <a:off x="3360056" y="250829"/>
             <a:ext cx="1219200" cy="1219200"/>
           </a:xfrm>
           <a:prstGeom prst="rect">
@@ -11933,7 +11143,7 @@
         </p:blipFill>
         <p:spPr>
           <a:xfrm>
-            <a:off x="94399" y="1756343"/>
+            <a:off x="4878741" y="249715"/>
             <a:ext cx="1219200" cy="1219200"/>
           </a:xfrm>
           <a:prstGeom prst="rect">
@@ -11964,7 +11174,7 @@
         </p:blipFill>
         <p:spPr>
           <a:xfrm>
-            <a:off x="1652285" y="359229"/>
+            <a:off x="7736400" y="249715"/>
             <a:ext cx="1219200" cy="1219200"/>
           </a:xfrm>
           <a:prstGeom prst="rect">
@@ -11995,7 +11205,7 @@
         </p:blipFill>
         <p:spPr>
           <a:xfrm>
-            <a:off x="1652285" y="1756343"/>
+            <a:off x="6396057" y="249715"/>
             <a:ext cx="1219200" cy="1219200"/>
           </a:xfrm>
           <a:prstGeom prst="rect">
@@ -12026,7 +11236,7 @@
         </p:blipFill>
         <p:spPr>
           <a:xfrm>
-            <a:off x="1652285" y="4550571"/>
+            <a:off x="322686" y="1525686"/>
             <a:ext cx="1219200" cy="1219200"/>
           </a:xfrm>
           <a:prstGeom prst="rect">
@@ -12057,7 +11267,7 @@
         </p:blipFill>
         <p:spPr>
           <a:xfrm>
-            <a:off x="1613599" y="3153457"/>
+            <a:off x="9120229" y="275315"/>
             <a:ext cx="1219200" cy="1219200"/>
           </a:xfrm>
           <a:prstGeom prst="rect">
@@ -12088,7 +11298,7 @@
         </p:blipFill>
         <p:spPr>
           <a:xfrm>
-            <a:off x="3173942" y="1813229"/>
+            <a:off x="10460572" y="306486"/>
             <a:ext cx="1219200" cy="1219200"/>
           </a:xfrm>
           <a:prstGeom prst="rect">
@@ -12119,7 +11329,7 @@
         </p:blipFill>
         <p:spPr>
           <a:xfrm>
-            <a:off x="3173942" y="359229"/>
+            <a:off x="3179485" y="1494515"/>
             <a:ext cx="1219200" cy="1219200"/>
           </a:xfrm>
           <a:prstGeom prst="rect">
@@ -12150,7 +11360,7 @@
         </p:blipFill>
         <p:spPr>
           <a:xfrm>
-            <a:off x="3198342" y="3153457"/>
+            <a:off x="1841371" y="1525686"/>
             <a:ext cx="1219200" cy="1219200"/>
           </a:xfrm>
           <a:prstGeom prst="rect">
@@ -12181,7 +11391,7 @@
         </p:blipFill>
         <p:spPr>
           <a:xfrm>
-            <a:off x="3157485" y="4607457"/>
+            <a:off x="4728943" y="1468915"/>
             <a:ext cx="1219200" cy="1219200"/>
           </a:xfrm>
           <a:prstGeom prst="rect">
@@ -12212,7 +11422,7 @@
         </p:blipFill>
         <p:spPr>
           <a:xfrm>
-            <a:off x="4695599" y="1756343"/>
+            <a:off x="7809086" y="1525686"/>
             <a:ext cx="1219200" cy="1219200"/>
           </a:xfrm>
           <a:prstGeom prst="rect">
@@ -12243,7 +11453,7 @@
         </p:blipFill>
         <p:spPr>
           <a:xfrm>
-            <a:off x="4727399" y="360686"/>
+            <a:off x="6376800" y="1525686"/>
             <a:ext cx="1219200" cy="1219200"/>
           </a:xfrm>
           <a:prstGeom prst="rect">
@@ -12274,7 +11484,7 @@
         </p:blipFill>
         <p:spPr>
           <a:xfrm>
-            <a:off x="6280856" y="359229"/>
+            <a:off x="9237900" y="1525686"/>
             <a:ext cx="1219200" cy="1219200"/>
           </a:xfrm>
           <a:prstGeom prst="rect">
@@ -12305,7 +11515,7 @@
         </p:blipFill>
         <p:spPr>
           <a:xfrm>
-            <a:off x="4783085" y="3247857"/>
+            <a:off x="10404571" y="1519943"/>
             <a:ext cx="1219200" cy="1219200"/>
           </a:xfrm>
           <a:prstGeom prst="rect">
@@ -12336,7 +11546,7 @@
         </p:blipFill>
         <p:spPr>
           <a:xfrm>
-            <a:off x="4826685" y="4643514"/>
+            <a:off x="1841371" y="3030143"/>
             <a:ext cx="1219200" cy="1219200"/>
           </a:xfrm>
           <a:prstGeom prst="rect">
@@ -12367,7 +11577,7 @@
         </p:blipFill>
         <p:spPr>
           <a:xfrm>
-            <a:off x="6280856" y="3247857"/>
+            <a:off x="322686" y="3030143"/>
             <a:ext cx="1219200" cy="1219200"/>
           </a:xfrm>
           <a:prstGeom prst="rect">
@@ -12398,7 +11608,7 @@
         </p:blipFill>
         <p:spPr>
           <a:xfrm>
-            <a:off x="6217256" y="1813229"/>
+            <a:off x="4728943" y="3030143"/>
             <a:ext cx="1219200" cy="1219200"/>
           </a:xfrm>
           <a:prstGeom prst="rect">
@@ -12429,7 +11639,7 @@
         </p:blipFill>
         <p:spPr>
           <a:xfrm>
-            <a:off x="7804999" y="1938286"/>
+            <a:off x="3338570" y="3030143"/>
             <a:ext cx="1219200" cy="1219200"/>
           </a:xfrm>
           <a:prstGeom prst="rect">
@@ -12460,7 +11670,7 @@
         </p:blipFill>
         <p:spPr>
           <a:xfrm>
-            <a:off x="7804999" y="412829"/>
+            <a:off x="1835343" y="4534600"/>
             <a:ext cx="1219200" cy="1219200"/>
           </a:xfrm>
           <a:prstGeom prst="rect">
@@ -12491,7 +11701,7 @@
         </p:blipFill>
         <p:spPr>
           <a:xfrm>
-            <a:off x="6280856" y="4607457"/>
+            <a:off x="322686" y="4534600"/>
             <a:ext cx="1219200" cy="1219200"/>
           </a:xfrm>
           <a:prstGeom prst="rect">
@@ -12522,7 +11732,7 @@
         </p:blipFill>
         <p:spPr>
           <a:xfrm>
-            <a:off x="9324170" y="412829"/>
+            <a:off x="6376800" y="3162943"/>
             <a:ext cx="1219200" cy="1219200"/>
           </a:xfrm>
           <a:prstGeom prst="rect">
@@ -12553,7 +11763,7 @@
         </p:blipFill>
         <p:spPr>
           <a:xfrm>
-            <a:off x="7778627" y="3247857"/>
+            <a:off x="10404571" y="3109800"/>
             <a:ext cx="1219200" cy="1219200"/>
           </a:xfrm>
           <a:prstGeom prst="rect">
@@ -12584,7 +11794,7 @@
         </p:blipFill>
         <p:spPr>
           <a:xfrm>
-            <a:off x="7804999" y="4683628"/>
+            <a:off x="3338570" y="4534600"/>
             <a:ext cx="1219200" cy="1219200"/>
           </a:xfrm>
           <a:prstGeom prst="rect">
@@ -12615,7 +11825,7 @@
         </p:blipFill>
         <p:spPr>
           <a:xfrm>
-            <a:off x="9392742" y="3247857"/>
+            <a:off x="4831171" y="4560286"/>
             <a:ext cx="1219200" cy="1219200"/>
           </a:xfrm>
           <a:prstGeom prst="rect">
@@ -12646,7 +11856,69 @@
         </p:blipFill>
         <p:spPr>
           <a:xfrm>
-            <a:off x="9392742" y="1813229"/>
+            <a:off x="9028286" y="4560286"/>
+            <a:ext cx="1219200" cy="1219200"/>
+          </a:xfrm>
+          <a:prstGeom prst="rect">
+            <a:avLst/>
+          </a:prstGeom>
+        </p:spPr>
+      </p:pic>
+      <p:pic>
+        <p:nvPicPr>
+          <p:cNvPr id="29" name="Picture 28"/>
+          <p:cNvPicPr>
+            <a:picLocks noChangeAspect="1"/>
+          </p:cNvPicPr>
+          <p:nvPr/>
+        </p:nvPicPr>
+        <p:blipFill>
+          <a:blip r:embed="rId29">
+            <a:lum bright="70000" contrast="-70000"/>
+            <a:extLst>
+              <a:ext uri="{28A0092B-C50C-407E-A947-70E740481C1C}">
+                <a14:useLocalDpi xmlns:a14="http://schemas.microsoft.com/office/drawing/2010/main" val="0"/>
+              </a:ext>
+            </a:extLst>
+          </a:blip>
+          <a:stretch>
+            <a:fillRect/>
+          </a:stretch>
+        </p:blipFill>
+        <p:spPr>
+          <a:xfrm>
+            <a:off x="8955600" y="3315400"/>
+            <a:ext cx="1219200" cy="1219200"/>
+          </a:xfrm>
+          <a:prstGeom prst="rect">
+            <a:avLst/>
+          </a:prstGeom>
+        </p:spPr>
+      </p:pic>
+      <p:pic>
+        <p:nvPicPr>
+          <p:cNvPr id="30" name="Picture 29"/>
+          <p:cNvPicPr>
+            <a:picLocks noChangeAspect="1"/>
+          </p:cNvPicPr>
+          <p:nvPr/>
+        </p:nvPicPr>
+        <p:blipFill>
+          <a:blip r:embed="rId30">
+            <a:lum bright="70000" contrast="-70000"/>
+            <a:extLst>
+              <a:ext uri="{28A0092B-C50C-407E-A947-70E740481C1C}">
+                <a14:useLocalDpi xmlns:a14="http://schemas.microsoft.com/office/drawing/2010/main" val="0"/>
+              </a:ext>
+            </a:extLst>
+          </a:blip>
+          <a:stretch>
+            <a:fillRect/>
+          </a:stretch>
+        </p:blipFill>
+        <p:spPr>
+          <a:xfrm>
+            <a:off x="10457100" y="4534600"/>
             <a:ext cx="1219200" cy="1219200"/>
           </a:xfrm>
           <a:prstGeom prst="rect">
@@ -12657,21 +11929,13 @@
     </p:spTree>
     <p:extLst>
       <p:ext uri="{BB962C8B-B14F-4D97-AF65-F5344CB8AC3E}">
-        <p14:creationId xmlns:p14="http://schemas.microsoft.com/office/powerpoint/2010/main" val="3126433562"/>
+        <p14:creationId xmlns:p14="http://schemas.microsoft.com/office/powerpoint/2010/main" val="823657930"/>
       </p:ext>
     </p:extLst>
   </p:cSld>
   <p:clrMapOvr>
     <a:masterClrMapping/>
   </p:clrMapOvr>
-  <mc:AlternateContent xmlns:mc="http://schemas.openxmlformats.org/markup-compatibility/2006">
-    <mc:Choice xmlns:p14="http://schemas.microsoft.com/office/powerpoint/2010/main" Requires="p14">
-      <p:transition spd="slow" p14:dur="2000"/>
-    </mc:Choice>
-    <mc:Fallback>
-      <p:transition spd="slow"/>
-    </mc:Fallback>
-  </mc:AlternateContent>
 </p:sld>
 </file>
 
@@ -12715,7 +11979,7 @@
         </p:blipFill>
         <p:spPr>
           <a:xfrm>
-            <a:off x="643486" y="520286"/>
+            <a:off x="130628" y="359229"/>
             <a:ext cx="1219200" cy="1219200"/>
           </a:xfrm>
           <a:prstGeom prst="rect">
@@ -12746,7 +12010,7 @@
         </p:blipFill>
         <p:spPr>
           <a:xfrm>
-            <a:off x="654401" y="3364486"/>
+            <a:off x="94399" y="4550571"/>
             <a:ext cx="1219200" cy="1219200"/>
           </a:xfrm>
           <a:prstGeom prst="rect">
@@ -12777,7 +12041,7 @@
         </p:blipFill>
         <p:spPr>
           <a:xfrm>
-            <a:off x="571600" y="4830522"/>
+            <a:off x="94399" y="3153457"/>
             <a:ext cx="1219200" cy="1219200"/>
           </a:xfrm>
           <a:prstGeom prst="rect">
@@ -12808,7 +12072,7 @@
         </p:blipFill>
         <p:spPr>
           <a:xfrm>
-            <a:off x="2286800" y="4852844"/>
+            <a:off x="94399" y="1756343"/>
             <a:ext cx="1219200" cy="1219200"/>
           </a:xfrm>
           <a:prstGeom prst="rect">
@@ -12839,7 +12103,7 @@
         </p:blipFill>
         <p:spPr>
           <a:xfrm>
-            <a:off x="2155658" y="3397482"/>
+            <a:off x="1652285" y="359229"/>
             <a:ext cx="1219200" cy="1219200"/>
           </a:xfrm>
           <a:prstGeom prst="rect">
@@ -12870,7 +12134,7 @@
         </p:blipFill>
         <p:spPr>
           <a:xfrm>
-            <a:off x="2303086" y="1959441"/>
+            <a:off x="1652285" y="1756343"/>
             <a:ext cx="1219200" cy="1219200"/>
           </a:xfrm>
           <a:prstGeom prst="rect">
@@ -12901,7 +12165,7 @@
         </p:blipFill>
         <p:spPr>
           <a:xfrm>
-            <a:off x="2303086" y="521400"/>
+            <a:off x="1652285" y="4550571"/>
             <a:ext cx="1219200" cy="1219200"/>
           </a:xfrm>
           <a:prstGeom prst="rect">
@@ -12932,7 +12196,7 @@
         </p:blipFill>
         <p:spPr>
           <a:xfrm>
-            <a:off x="3878400" y="4868530"/>
+            <a:off x="1613599" y="3153457"/>
             <a:ext cx="1219200" cy="1219200"/>
           </a:xfrm>
           <a:prstGeom prst="rect">
@@ -12963,7 +12227,7 @@
         </p:blipFill>
         <p:spPr>
           <a:xfrm>
-            <a:off x="3907314" y="3421143"/>
+            <a:off x="3173942" y="1813229"/>
             <a:ext cx="1219200" cy="1219200"/>
           </a:xfrm>
           <a:prstGeom prst="rect">
@@ -12994,7 +12258,7 @@
         </p:blipFill>
         <p:spPr>
           <a:xfrm>
-            <a:off x="3907314" y="1750200"/>
+            <a:off x="3173942" y="359229"/>
             <a:ext cx="1219200" cy="1219200"/>
           </a:xfrm>
           <a:prstGeom prst="rect">
@@ -13025,7 +12289,7 @@
         </p:blipFill>
         <p:spPr>
           <a:xfrm>
-            <a:off x="4074799" y="371400"/>
+            <a:off x="3198342" y="3153457"/>
             <a:ext cx="1219200" cy="1219200"/>
           </a:xfrm>
           <a:prstGeom prst="rect">
@@ -13056,7 +12320,7 @@
         </p:blipFill>
         <p:spPr>
           <a:xfrm>
-            <a:off x="5554400" y="4868530"/>
+            <a:off x="3157485" y="4607457"/>
             <a:ext cx="1219200" cy="1219200"/>
           </a:xfrm>
           <a:prstGeom prst="rect">
@@ -13087,7 +12351,7 @@
         </p:blipFill>
         <p:spPr>
           <a:xfrm>
-            <a:off x="5554400" y="3364486"/>
+            <a:off x="4695599" y="1756343"/>
             <a:ext cx="1219200" cy="1219200"/>
           </a:xfrm>
           <a:prstGeom prst="rect">
@@ -13118,7 +12382,7 @@
         </p:blipFill>
         <p:spPr>
           <a:xfrm>
-            <a:off x="5554400" y="1750200"/>
+            <a:off x="4727399" y="360686"/>
             <a:ext cx="1219200" cy="1219200"/>
           </a:xfrm>
           <a:prstGeom prst="rect">
@@ -13149,7 +12413,7 @@
         </p:blipFill>
         <p:spPr>
           <a:xfrm>
-            <a:off x="5734399" y="361800"/>
+            <a:off x="6280856" y="359229"/>
             <a:ext cx="1219200" cy="1219200"/>
           </a:xfrm>
           <a:prstGeom prst="rect">
@@ -13180,7 +12444,7 @@
         </p:blipFill>
         <p:spPr>
           <a:xfrm>
-            <a:off x="7228400" y="4868530"/>
+            <a:off x="4783085" y="3247857"/>
             <a:ext cx="1219200" cy="1219200"/>
           </a:xfrm>
           <a:prstGeom prst="rect">
@@ -13211,7 +12475,7 @@
         </p:blipFill>
         <p:spPr>
           <a:xfrm>
-            <a:off x="8984800" y="4872758"/>
+            <a:off x="4826685" y="4643514"/>
             <a:ext cx="1219200" cy="1219200"/>
           </a:xfrm>
           <a:prstGeom prst="rect">
@@ -13242,7 +12506,7 @@
         </p:blipFill>
         <p:spPr>
           <a:xfrm>
-            <a:off x="10576400" y="4872758"/>
+            <a:off x="6280856" y="3247857"/>
             <a:ext cx="1219200" cy="1219200"/>
           </a:xfrm>
           <a:prstGeom prst="rect">
@@ -13273,7 +12537,7 @@
         </p:blipFill>
         <p:spPr>
           <a:xfrm>
-            <a:off x="7337714" y="3421143"/>
+            <a:off x="6217256" y="1813229"/>
             <a:ext cx="1219200" cy="1219200"/>
           </a:xfrm>
           <a:prstGeom prst="rect">
@@ -13304,7 +12568,7 @@
         </p:blipFill>
         <p:spPr>
           <a:xfrm>
-            <a:off x="7337714" y="1791156"/>
+            <a:off x="7804999" y="1938286"/>
             <a:ext cx="1219200" cy="1219200"/>
           </a:xfrm>
           <a:prstGeom prst="rect">
@@ -13335,7 +12599,7 @@
         </p:blipFill>
         <p:spPr>
           <a:xfrm>
-            <a:off x="7337714" y="435085"/>
+            <a:off x="7804999" y="412829"/>
             <a:ext cx="1219200" cy="1219200"/>
           </a:xfrm>
           <a:prstGeom prst="rect">
@@ -13366,7 +12630,7 @@
         </p:blipFill>
         <p:spPr>
           <a:xfrm>
-            <a:off x="8953200" y="3384857"/>
+            <a:off x="6280856" y="4607457"/>
             <a:ext cx="1219200" cy="1219200"/>
           </a:xfrm>
           <a:prstGeom prst="rect">
@@ -13397,7 +12661,7 @@
         </p:blipFill>
         <p:spPr>
           <a:xfrm>
-            <a:off x="8984800" y="1816042"/>
+            <a:off x="9324170" y="412829"/>
             <a:ext cx="1219200" cy="1219200"/>
           </a:xfrm>
           <a:prstGeom prst="rect">
@@ -13428,7 +12692,7 @@
         </p:blipFill>
         <p:spPr>
           <a:xfrm>
-            <a:off x="10683085" y="3400200"/>
+            <a:off x="7778627" y="3247857"/>
             <a:ext cx="1219200" cy="1219200"/>
           </a:xfrm>
           <a:prstGeom prst="rect">
@@ -13459,7 +12723,7 @@
         </p:blipFill>
         <p:spPr>
           <a:xfrm>
-            <a:off x="8984800" y="326114"/>
+            <a:off x="7804999" y="4683628"/>
             <a:ext cx="1219200" cy="1219200"/>
           </a:xfrm>
           <a:prstGeom prst="rect">
@@ -13490,7 +12754,7 @@
         </p:blipFill>
         <p:spPr>
           <a:xfrm>
-            <a:off x="10504000" y="1927642"/>
+            <a:off x="9392742" y="3247857"/>
             <a:ext cx="1219200" cy="1219200"/>
           </a:xfrm>
           <a:prstGeom prst="rect">
@@ -13521,7 +12785,7 @@
         </p:blipFill>
         <p:spPr>
           <a:xfrm>
-            <a:off x="10504000" y="314828"/>
+            <a:off x="9392742" y="1813229"/>
             <a:ext cx="1219200" cy="1219200"/>
           </a:xfrm>
           <a:prstGeom prst="rect">
@@ -13532,21 +12796,13 @@
     </p:spTree>
     <p:extLst>
       <p:ext uri="{BB962C8B-B14F-4D97-AF65-F5344CB8AC3E}">
-        <p14:creationId xmlns:p14="http://schemas.microsoft.com/office/powerpoint/2010/main" val="399454265"/>
+        <p14:creationId xmlns:p14="http://schemas.microsoft.com/office/powerpoint/2010/main" val="3126433562"/>
       </p:ext>
     </p:extLst>
   </p:cSld>
   <p:clrMapOvr>
     <a:masterClrMapping/>
   </p:clrMapOvr>
-  <mc:AlternateContent xmlns:mc="http://schemas.openxmlformats.org/markup-compatibility/2006">
-    <mc:Choice xmlns:p14="http://schemas.microsoft.com/office/powerpoint/2010/main" Requires="p14">
-      <p:transition spd="slow" p14:dur="2000"/>
-    </mc:Choice>
-    <mc:Fallback>
-      <p:transition spd="slow"/>
-    </mc:Fallback>
-  </mc:AlternateContent>
 </p:sld>
 </file>
 
@@ -13590,7 +12846,7 @@
         </p:blipFill>
         <p:spPr>
           <a:xfrm>
-            <a:off x="166914" y="286715"/>
+            <a:off x="643486" y="520286"/>
             <a:ext cx="1219200" cy="1219200"/>
           </a:xfrm>
           <a:prstGeom prst="rect">
@@ -13621,7 +12877,7 @@
         </p:blipFill>
         <p:spPr>
           <a:xfrm>
-            <a:off x="166914" y="4395429"/>
+            <a:off x="654401" y="3364486"/>
             <a:ext cx="1219200" cy="1219200"/>
           </a:xfrm>
           <a:prstGeom prst="rect">
@@ -13652,7 +12908,7 @@
         </p:blipFill>
         <p:spPr>
           <a:xfrm>
-            <a:off x="166914" y="3069944"/>
+            <a:off x="571600" y="4830522"/>
             <a:ext cx="1219200" cy="1219200"/>
           </a:xfrm>
           <a:prstGeom prst="rect">
@@ -13683,7 +12939,7 @@
         </p:blipFill>
         <p:spPr>
           <a:xfrm>
-            <a:off x="254057" y="1744459"/>
+            <a:off x="2286800" y="4852844"/>
             <a:ext cx="1219200" cy="1219200"/>
           </a:xfrm>
           <a:prstGeom prst="rect">
@@ -13714,7 +12970,7 @@
         </p:blipFill>
         <p:spPr>
           <a:xfrm>
-            <a:off x="2114343" y="1662173"/>
+            <a:off x="2155658" y="3397482"/>
             <a:ext cx="1219200" cy="1219200"/>
           </a:xfrm>
           <a:prstGeom prst="rect">
@@ -13745,7 +13001,7 @@
         </p:blipFill>
         <p:spPr>
           <a:xfrm>
-            <a:off x="2114343" y="286715"/>
+            <a:off x="2303086" y="1959441"/>
             <a:ext cx="1219200" cy="1219200"/>
           </a:xfrm>
           <a:prstGeom prst="rect">
@@ -13776,7 +13032,7 @@
         </p:blipFill>
         <p:spPr>
           <a:xfrm>
-            <a:off x="2114343" y="3037631"/>
+            <a:off x="2303086" y="521400"/>
             <a:ext cx="1219200" cy="1219200"/>
           </a:xfrm>
           <a:prstGeom prst="rect">
@@ -13807,7 +13063,7 @@
         </p:blipFill>
         <p:spPr>
           <a:xfrm>
-            <a:off x="3873029" y="286715"/>
+            <a:off x="3878400" y="4868530"/>
             <a:ext cx="1219200" cy="1219200"/>
           </a:xfrm>
           <a:prstGeom prst="rect">
@@ -13838,7 +13094,7 @@
         </p:blipFill>
         <p:spPr>
           <a:xfrm>
-            <a:off x="2040743" y="4414490"/>
+            <a:off x="3907314" y="3421143"/>
             <a:ext cx="1219200" cy="1219200"/>
           </a:xfrm>
           <a:prstGeom prst="rect">
@@ -13869,7 +13125,7 @@
         </p:blipFill>
         <p:spPr>
           <a:xfrm>
-            <a:off x="3733828" y="4505915"/>
+            <a:off x="3907314" y="1750200"/>
             <a:ext cx="1219200" cy="1219200"/>
           </a:xfrm>
           <a:prstGeom prst="rect">
@@ -13900,7 +13156,7 @@
         </p:blipFill>
         <p:spPr>
           <a:xfrm>
-            <a:off x="3873029" y="1636715"/>
+            <a:off x="4074799" y="371400"/>
             <a:ext cx="1219200" cy="1219200"/>
           </a:xfrm>
           <a:prstGeom prst="rect">
@@ -13931,7 +13187,7 @@
         </p:blipFill>
         <p:spPr>
           <a:xfrm>
-            <a:off x="3899200" y="3136715"/>
+            <a:off x="5554400" y="4868530"/>
             <a:ext cx="1219200" cy="1219200"/>
           </a:xfrm>
           <a:prstGeom prst="rect">
@@ -13962,7 +13218,7 @@
         </p:blipFill>
         <p:spPr>
           <a:xfrm>
-            <a:off x="7286457" y="286715"/>
+            <a:off x="5554400" y="3364486"/>
             <a:ext cx="1219200" cy="1219200"/>
           </a:xfrm>
           <a:prstGeom prst="rect">
@@ -13993,7 +13249,7 @@
         </p:blipFill>
         <p:spPr>
           <a:xfrm>
-            <a:off x="5634543" y="1636715"/>
+            <a:off x="5554400" y="1750200"/>
             <a:ext cx="1219200" cy="1219200"/>
           </a:xfrm>
           <a:prstGeom prst="rect">
@@ -14024,7 +13280,7 @@
         </p:blipFill>
         <p:spPr>
           <a:xfrm>
-            <a:off x="10680457" y="3202203"/>
+            <a:off x="5734399" y="361800"/>
             <a:ext cx="1219200" cy="1219200"/>
           </a:xfrm>
           <a:prstGeom prst="rect">
@@ -14055,7 +13311,7 @@
         </p:blipFill>
         <p:spPr>
           <a:xfrm>
-            <a:off x="9215543" y="1744459"/>
+            <a:off x="7228400" y="4868530"/>
             <a:ext cx="1219200" cy="1219200"/>
           </a:xfrm>
           <a:prstGeom prst="rect">
@@ -14086,7 +13342,7 @@
         </p:blipFill>
         <p:spPr>
           <a:xfrm>
-            <a:off x="7396057" y="1805915"/>
+            <a:off x="8984800" y="4872758"/>
             <a:ext cx="1219200" cy="1219200"/>
           </a:xfrm>
           <a:prstGeom prst="rect">
@@ -14117,7 +13373,7 @@
         </p:blipFill>
         <p:spPr>
           <a:xfrm>
-            <a:off x="9167543" y="286715"/>
+            <a:off x="10576400" y="4872758"/>
             <a:ext cx="1219200" cy="1219200"/>
           </a:xfrm>
           <a:prstGeom prst="rect">
@@ -14148,7 +13404,7 @@
         </p:blipFill>
         <p:spPr>
           <a:xfrm>
-            <a:off x="10680457" y="1744459"/>
+            <a:off x="7337714" y="3421143"/>
             <a:ext cx="1219200" cy="1219200"/>
           </a:xfrm>
           <a:prstGeom prst="rect">
@@ -14179,7 +13435,7 @@
         </p:blipFill>
         <p:spPr>
           <a:xfrm>
-            <a:off x="10680457" y="286715"/>
+            <a:off x="7337714" y="1791156"/>
             <a:ext cx="1219200" cy="1219200"/>
           </a:xfrm>
           <a:prstGeom prst="rect">
@@ -14210,7 +13466,7 @@
         </p:blipFill>
         <p:spPr>
           <a:xfrm>
-            <a:off x="7396057" y="3202203"/>
+            <a:off x="7337714" y="435085"/>
             <a:ext cx="1219200" cy="1219200"/>
           </a:xfrm>
           <a:prstGeom prst="rect">
@@ -14241,7 +13497,7 @@
         </p:blipFill>
         <p:spPr>
           <a:xfrm>
-            <a:off x="9285314" y="3202203"/>
+            <a:off x="8953200" y="3384857"/>
             <a:ext cx="1219200" cy="1219200"/>
           </a:xfrm>
           <a:prstGeom prst="rect">
@@ -14272,7 +13528,7 @@
         </p:blipFill>
         <p:spPr>
           <a:xfrm>
-            <a:off x="7396057" y="4665515"/>
+            <a:off x="8984800" y="1816042"/>
             <a:ext cx="1219200" cy="1219200"/>
           </a:xfrm>
           <a:prstGeom prst="rect">
@@ -14303,7 +13559,7 @@
         </p:blipFill>
         <p:spPr>
           <a:xfrm>
-            <a:off x="9279343" y="4665515"/>
+            <a:off x="10683085" y="3400200"/>
             <a:ext cx="1219200" cy="1219200"/>
           </a:xfrm>
           <a:prstGeom prst="rect">
@@ -14334,7 +13590,7 @@
         </p:blipFill>
         <p:spPr>
           <a:xfrm>
-            <a:off x="10694114" y="4665515"/>
+            <a:off x="8984800" y="326114"/>
             <a:ext cx="1219200" cy="1219200"/>
           </a:xfrm>
           <a:prstGeom prst="rect">
@@ -14365,7 +13621,7 @@
         </p:blipFill>
         <p:spPr>
           <a:xfrm>
-            <a:off x="5634543" y="3176229"/>
+            <a:off x="10504000" y="1927642"/>
             <a:ext cx="1219200" cy="1219200"/>
           </a:xfrm>
           <a:prstGeom prst="rect">
@@ -14396,7 +13652,7 @@
         </p:blipFill>
         <p:spPr>
           <a:xfrm>
-            <a:off x="5634543" y="286715"/>
+            <a:off x="10504000" y="314828"/>
             <a:ext cx="1219200" cy="1219200"/>
           </a:xfrm>
           <a:prstGeom prst="rect">
@@ -14407,21 +13663,13 @@
     </p:spTree>
     <p:extLst>
       <p:ext uri="{BB962C8B-B14F-4D97-AF65-F5344CB8AC3E}">
-        <p14:creationId xmlns:p14="http://schemas.microsoft.com/office/powerpoint/2010/main" val="3324423259"/>
+        <p14:creationId xmlns:p14="http://schemas.microsoft.com/office/powerpoint/2010/main" val="399454265"/>
       </p:ext>
     </p:extLst>
   </p:cSld>
   <p:clrMapOvr>
     <a:masterClrMapping/>
   </p:clrMapOvr>
-  <mc:AlternateContent xmlns:mc="http://schemas.openxmlformats.org/markup-compatibility/2006">
-    <mc:Choice xmlns:p14="http://schemas.microsoft.com/office/powerpoint/2010/main" Requires="p14">
-      <p:transition spd="slow" p14:dur="2000"/>
-    </mc:Choice>
-    <mc:Fallback>
-      <p:transition spd="slow"/>
-    </mc:Fallback>
-  </mc:AlternateContent>
 </p:sld>
 </file>
 
@@ -14465,7 +13713,7 @@
         </p:blipFill>
         <p:spPr>
           <a:xfrm>
-            <a:off x="2066300" y="4482743"/>
+            <a:off x="166914" y="286715"/>
             <a:ext cx="1219200" cy="1219200"/>
           </a:xfrm>
           <a:prstGeom prst="rect">
@@ -14496,7 +13744,7 @@
         </p:blipFill>
         <p:spPr>
           <a:xfrm>
-            <a:off x="3544387" y="3100200"/>
+            <a:off x="166914" y="4395429"/>
             <a:ext cx="1219200" cy="1219200"/>
           </a:xfrm>
           <a:prstGeom prst="rect">
@@ -14527,7 +13775,7 @@
         </p:blipFill>
         <p:spPr>
           <a:xfrm>
-            <a:off x="1959644" y="3077257"/>
+            <a:off x="166914" y="3069944"/>
             <a:ext cx="1219200" cy="1219200"/>
           </a:xfrm>
           <a:prstGeom prst="rect">
@@ -14558,7 +13806,7 @@
         </p:blipFill>
         <p:spPr>
           <a:xfrm>
-            <a:off x="220687" y="3077257"/>
+            <a:off x="254057" y="1744459"/>
             <a:ext cx="1219200" cy="1219200"/>
           </a:xfrm>
           <a:prstGeom prst="rect">
@@ -14589,7 +13837,7 @@
         </p:blipFill>
         <p:spPr>
           <a:xfrm>
-            <a:off x="252087" y="4629000"/>
+            <a:off x="2114343" y="1662173"/>
             <a:ext cx="1219200" cy="1219200"/>
           </a:xfrm>
           <a:prstGeom prst="rect">
@@ -14620,7 +13868,7 @@
         </p:blipFill>
         <p:spPr>
           <a:xfrm>
-            <a:off x="1959644" y="1565771"/>
+            <a:off x="2114343" y="286715"/>
             <a:ext cx="1219200" cy="1219200"/>
           </a:xfrm>
           <a:prstGeom prst="rect">
@@ -14651,7 +13899,7 @@
         </p:blipFill>
         <p:spPr>
           <a:xfrm>
-            <a:off x="3652987" y="4539457"/>
+            <a:off x="2114343" y="3037631"/>
             <a:ext cx="1219200" cy="1219200"/>
           </a:xfrm>
           <a:prstGeom prst="rect">
@@ -14682,7 +13930,7 @@
         </p:blipFill>
         <p:spPr>
           <a:xfrm>
-            <a:off x="2066300" y="346571"/>
+            <a:off x="3873029" y="286715"/>
             <a:ext cx="1219200" cy="1219200"/>
           </a:xfrm>
           <a:prstGeom prst="rect">
@@ -14713,7 +13961,7 @@
         </p:blipFill>
         <p:spPr>
           <a:xfrm>
-            <a:off x="5317644" y="358887"/>
+            <a:off x="2040743" y="4414490"/>
             <a:ext cx="1219200" cy="1219200"/>
           </a:xfrm>
           <a:prstGeom prst="rect">
@@ -14744,7 +13992,7 @@
         </p:blipFill>
         <p:spPr>
           <a:xfrm>
-            <a:off x="3638644" y="1685343"/>
+            <a:off x="3733828" y="4505915"/>
             <a:ext cx="1219200" cy="1219200"/>
           </a:xfrm>
           <a:prstGeom prst="rect">
@@ -14775,7 +14023,7 @@
         </p:blipFill>
         <p:spPr>
           <a:xfrm>
-            <a:off x="3638644" y="368315"/>
+            <a:off x="3873029" y="1636715"/>
             <a:ext cx="1219200" cy="1219200"/>
           </a:xfrm>
           <a:prstGeom prst="rect">
@@ -14806,7 +14054,7 @@
         </p:blipFill>
         <p:spPr>
           <a:xfrm>
-            <a:off x="5317644" y="4609800"/>
+            <a:off x="3899200" y="3136715"/>
             <a:ext cx="1219200" cy="1219200"/>
           </a:xfrm>
           <a:prstGeom prst="rect">
@@ -14837,7 +14085,7 @@
         </p:blipFill>
         <p:spPr>
           <a:xfrm>
-            <a:off x="5317644" y="1823228"/>
+            <a:off x="7286457" y="286715"/>
             <a:ext cx="1219200" cy="1219200"/>
           </a:xfrm>
           <a:prstGeom prst="rect">
@@ -14868,7 +14116,7 @@
         </p:blipFill>
         <p:spPr>
           <a:xfrm>
-            <a:off x="5317644" y="3208114"/>
+            <a:off x="5634543" y="1636715"/>
             <a:ext cx="1219200" cy="1219200"/>
           </a:xfrm>
           <a:prstGeom prst="rect">
@@ -14899,7 +14147,7 @@
         </p:blipFill>
         <p:spPr>
           <a:xfrm>
-            <a:off x="7078800" y="368315"/>
+            <a:off x="10680457" y="3202203"/>
             <a:ext cx="1219200" cy="1219200"/>
           </a:xfrm>
           <a:prstGeom prst="rect">
@@ -14930,7 +14178,7 @@
         </p:blipFill>
         <p:spPr>
           <a:xfrm>
-            <a:off x="7129600" y="1793142"/>
+            <a:off x="9215543" y="1744459"/>
             <a:ext cx="1219200" cy="1219200"/>
           </a:xfrm>
           <a:prstGeom prst="rect">
@@ -14961,7 +14209,7 @@
         </p:blipFill>
         <p:spPr>
           <a:xfrm>
-            <a:off x="7129600" y="3320257"/>
+            <a:off x="7396057" y="1805915"/>
             <a:ext cx="1219200" cy="1219200"/>
           </a:xfrm>
           <a:prstGeom prst="rect">
@@ -14992,7 +14240,7 @@
         </p:blipFill>
         <p:spPr>
           <a:xfrm>
-            <a:off x="7192200" y="4609800"/>
+            <a:off x="9167543" y="286715"/>
             <a:ext cx="1219200" cy="1219200"/>
           </a:xfrm>
           <a:prstGeom prst="rect">
@@ -15023,7 +14271,7 @@
         </p:blipFill>
         <p:spPr>
           <a:xfrm>
-            <a:off x="8757800" y="466143"/>
+            <a:off x="10680457" y="1744459"/>
             <a:ext cx="1219200" cy="1219200"/>
           </a:xfrm>
           <a:prstGeom prst="rect">
@@ -15054,7 +14302,7 @@
         </p:blipFill>
         <p:spPr>
           <a:xfrm>
-            <a:off x="8736429" y="3349857"/>
+            <a:off x="10680457" y="286715"/>
             <a:ext cx="1219200" cy="1219200"/>
           </a:xfrm>
           <a:prstGeom prst="rect">
@@ -15085,7 +14333,7 @@
         </p:blipFill>
         <p:spPr>
           <a:xfrm>
-            <a:off x="8786400" y="1865429"/>
+            <a:off x="7396057" y="3202203"/>
             <a:ext cx="1219200" cy="1219200"/>
           </a:xfrm>
           <a:prstGeom prst="rect">
@@ -15116,7 +14364,7 @@
         </p:blipFill>
         <p:spPr>
           <a:xfrm>
-            <a:off x="8729630" y="4750200"/>
+            <a:off x="9285314" y="3202203"/>
             <a:ext cx="1219200" cy="1219200"/>
           </a:xfrm>
           <a:prstGeom prst="rect">
@@ -15147,7 +14395,7 @@
         </p:blipFill>
         <p:spPr>
           <a:xfrm>
-            <a:off x="10436800" y="3320257"/>
+            <a:off x="7396057" y="4665515"/>
             <a:ext cx="1219200" cy="1219200"/>
           </a:xfrm>
           <a:prstGeom prst="rect">
@@ -15178,7 +14426,7 @@
         </p:blipFill>
         <p:spPr>
           <a:xfrm>
-            <a:off x="10525357" y="1988914"/>
+            <a:off x="9279343" y="4665515"/>
             <a:ext cx="1219200" cy="1219200"/>
           </a:xfrm>
           <a:prstGeom prst="rect">
@@ -15209,7 +14457,7 @@
         </p:blipFill>
         <p:spPr>
           <a:xfrm>
-            <a:off x="10436800" y="466143"/>
+            <a:off x="10694114" y="4665515"/>
             <a:ext cx="1219200" cy="1219200"/>
           </a:xfrm>
           <a:prstGeom prst="rect">
@@ -15240,7 +14488,7 @@
         </p:blipFill>
         <p:spPr>
           <a:xfrm>
-            <a:off x="249658" y="1685343"/>
+            <a:off x="5634543" y="3176229"/>
             <a:ext cx="1219200" cy="1219200"/>
           </a:xfrm>
           <a:prstGeom prst="rect">
@@ -15271,7 +14519,7 @@
         </p:blipFill>
         <p:spPr>
           <a:xfrm>
-            <a:off x="249658" y="325857"/>
+            <a:off x="5634543" y="286715"/>
             <a:ext cx="1219200" cy="1219200"/>
           </a:xfrm>
           <a:prstGeom prst="rect">
@@ -15282,21 +14530,13 @@
     </p:spTree>
     <p:extLst>
       <p:ext uri="{BB962C8B-B14F-4D97-AF65-F5344CB8AC3E}">
-        <p14:creationId xmlns:p14="http://schemas.microsoft.com/office/powerpoint/2010/main" val="438152526"/>
+        <p14:creationId xmlns:p14="http://schemas.microsoft.com/office/powerpoint/2010/main" val="3324423259"/>
       </p:ext>
     </p:extLst>
   </p:cSld>
   <p:clrMapOvr>
     <a:masterClrMapping/>
   </p:clrMapOvr>
-  <mc:AlternateContent xmlns:mc="http://schemas.openxmlformats.org/markup-compatibility/2006">
-    <mc:Choice xmlns:p14="http://schemas.microsoft.com/office/powerpoint/2010/main" Requires="p14">
-      <p:transition spd="slow" p14:dur="2000"/>
-    </mc:Choice>
-    <mc:Fallback>
-      <p:transition spd="slow"/>
-    </mc:Fallback>
-  </mc:AlternateContent>
 </p:sld>
 </file>
 
@@ -15340,7 +14580,7 @@
         </p:blipFill>
         <p:spPr>
           <a:xfrm>
-            <a:off x="297543" y="293914"/>
+            <a:off x="2066300" y="4482743"/>
             <a:ext cx="1219200" cy="1219200"/>
           </a:xfrm>
           <a:prstGeom prst="rect">
@@ -15371,7 +14611,7 @@
         </p:blipFill>
         <p:spPr>
           <a:xfrm>
-            <a:off x="297543" y="1670372"/>
+            <a:off x="3544387" y="3100200"/>
             <a:ext cx="1219200" cy="1219200"/>
           </a:xfrm>
           <a:prstGeom prst="rect">
@@ -15402,7 +14642,7 @@
         </p:blipFill>
         <p:spPr>
           <a:xfrm>
-            <a:off x="375086" y="4580546"/>
+            <a:off x="1959644" y="3077257"/>
             <a:ext cx="1219200" cy="1219200"/>
           </a:xfrm>
           <a:prstGeom prst="rect">
@@ -15433,7 +14673,7 @@
         </p:blipFill>
         <p:spPr>
           <a:xfrm>
-            <a:off x="355657" y="3046830"/>
+            <a:off x="220687" y="3077257"/>
             <a:ext cx="1219200" cy="1219200"/>
           </a:xfrm>
           <a:prstGeom prst="rect">
@@ -15464,7 +14704,7 @@
         </p:blipFill>
         <p:spPr>
           <a:xfrm>
-            <a:off x="2065943" y="219000"/>
+            <a:off x="252087" y="4629000"/>
             <a:ext cx="1219200" cy="1219200"/>
           </a:xfrm>
           <a:prstGeom prst="rect">
@@ -15495,7 +14735,7 @@
         </p:blipFill>
         <p:spPr>
           <a:xfrm>
-            <a:off x="2065943" y="3100200"/>
+            <a:off x="1959644" y="1565771"/>
             <a:ext cx="1219200" cy="1219200"/>
           </a:xfrm>
           <a:prstGeom prst="rect">
@@ -15526,7 +14766,7 @@
         </p:blipFill>
         <p:spPr>
           <a:xfrm>
-            <a:off x="1974058" y="1670372"/>
+            <a:off x="3652987" y="4539457"/>
             <a:ext cx="1219200" cy="1219200"/>
           </a:xfrm>
           <a:prstGeom prst="rect">
@@ -15557,7 +14797,7 @@
         </p:blipFill>
         <p:spPr>
           <a:xfrm>
-            <a:off x="2030971" y="4594343"/>
+            <a:off x="2066300" y="346571"/>
             <a:ext cx="1219200" cy="1219200"/>
           </a:xfrm>
           <a:prstGeom prst="rect">
@@ -15588,7 +14828,7 @@
         </p:blipFill>
         <p:spPr>
           <a:xfrm>
-            <a:off x="3834343" y="219000"/>
+            <a:off x="5317644" y="358887"/>
             <a:ext cx="1219200" cy="1219200"/>
           </a:xfrm>
           <a:prstGeom prst="rect">
@@ -15619,7 +14859,7 @@
         </p:blipFill>
         <p:spPr>
           <a:xfrm>
-            <a:off x="3939743" y="4580546"/>
+            <a:off x="3638644" y="1685343"/>
             <a:ext cx="1219200" cy="1219200"/>
           </a:xfrm>
           <a:prstGeom prst="rect">
@@ -15650,7 +14890,7 @@
         </p:blipFill>
         <p:spPr>
           <a:xfrm>
-            <a:off x="3894857" y="1708115"/>
+            <a:off x="3638644" y="368315"/>
             <a:ext cx="1219200" cy="1219200"/>
           </a:xfrm>
           <a:prstGeom prst="rect">
@@ -15681,7 +14921,7 @@
         </p:blipFill>
         <p:spPr>
           <a:xfrm>
-            <a:off x="3941886" y="3046830"/>
+            <a:off x="5317644" y="4609800"/>
             <a:ext cx="1219200" cy="1219200"/>
           </a:xfrm>
           <a:prstGeom prst="rect">
@@ -15712,7 +14952,7 @@
         </p:blipFill>
         <p:spPr>
           <a:xfrm>
-            <a:off x="5571372" y="1767343"/>
+            <a:off x="5317644" y="1823228"/>
             <a:ext cx="1219200" cy="1219200"/>
           </a:xfrm>
           <a:prstGeom prst="rect">
@@ -15743,7 +14983,7 @@
         </p:blipFill>
         <p:spPr>
           <a:xfrm>
-            <a:off x="5602743" y="293914"/>
+            <a:off x="5317644" y="3208114"/>
             <a:ext cx="1219200" cy="1219200"/>
           </a:xfrm>
           <a:prstGeom prst="rect">
@@ -15774,7 +15014,7 @@
         </p:blipFill>
         <p:spPr>
           <a:xfrm>
-            <a:off x="5571372" y="3240772"/>
+            <a:off x="7078800" y="368315"/>
             <a:ext cx="1219200" cy="1219200"/>
           </a:xfrm>
           <a:prstGeom prst="rect">
@@ -15805,7 +15045,7 @@
         </p:blipFill>
         <p:spPr>
           <a:xfrm>
-            <a:off x="7117200" y="388543"/>
+            <a:off x="7129600" y="1793142"/>
             <a:ext cx="1219200" cy="1219200"/>
           </a:xfrm>
           <a:prstGeom prst="rect">
@@ -15836,7 +15076,7 @@
         </p:blipFill>
         <p:spPr>
           <a:xfrm>
-            <a:off x="7211944" y="1819487"/>
+            <a:off x="7129600" y="3320257"/>
             <a:ext cx="1219200" cy="1219200"/>
           </a:xfrm>
           <a:prstGeom prst="rect">
@@ -15867,7 +15107,7 @@
         </p:blipFill>
         <p:spPr>
           <a:xfrm>
-            <a:off x="5624857" y="4609800"/>
+            <a:off x="7192200" y="4609800"/>
             <a:ext cx="1219200" cy="1219200"/>
           </a:xfrm>
           <a:prstGeom prst="rect">
@@ -15898,7 +15138,7 @@
         </p:blipFill>
         <p:spPr>
           <a:xfrm>
-            <a:off x="7284514" y="3295545"/>
+            <a:off x="8757800" y="466143"/>
             <a:ext cx="1219200" cy="1219200"/>
           </a:xfrm>
           <a:prstGeom prst="rect">
@@ -15929,7 +15169,7 @@
         </p:blipFill>
         <p:spPr>
           <a:xfrm>
-            <a:off x="7309971" y="4675172"/>
+            <a:off x="8736429" y="3349857"/>
             <a:ext cx="1219200" cy="1219200"/>
           </a:xfrm>
           <a:prstGeom prst="rect">
@@ -15960,7 +15200,7 @@
         </p:blipFill>
         <p:spPr>
           <a:xfrm>
-            <a:off x="8636400" y="399829"/>
+            <a:off x="8786400" y="1865429"/>
             <a:ext cx="1219200" cy="1219200"/>
           </a:xfrm>
           <a:prstGeom prst="rect">
@@ -15991,7 +15231,7 @@
         </p:blipFill>
         <p:spPr>
           <a:xfrm>
-            <a:off x="10392629" y="488915"/>
+            <a:off x="8729630" y="4750200"/>
             <a:ext cx="1219200" cy="1219200"/>
           </a:xfrm>
           <a:prstGeom prst="rect">
@@ -16022,7 +15262,7 @@
         </p:blipFill>
         <p:spPr>
           <a:xfrm>
-            <a:off x="8731257" y="1827630"/>
+            <a:off x="10436800" y="3320257"/>
             <a:ext cx="1219200" cy="1219200"/>
           </a:xfrm>
           <a:prstGeom prst="rect">
@@ -16053,7 +15293,7 @@
         </p:blipFill>
         <p:spPr>
           <a:xfrm>
-            <a:off x="8784057" y="4774428"/>
+            <a:off x="10525357" y="1988914"/>
             <a:ext cx="1219200" cy="1219200"/>
           </a:xfrm>
           <a:prstGeom prst="rect">
@@ -16084,7 +15324,7 @@
         </p:blipFill>
         <p:spPr>
           <a:xfrm>
-            <a:off x="10396399" y="3390600"/>
+            <a:off x="10436800" y="466143"/>
             <a:ext cx="1219200" cy="1219200"/>
           </a:xfrm>
           <a:prstGeom prst="rect">
@@ -16115,7 +15355,7 @@
         </p:blipFill>
         <p:spPr>
           <a:xfrm>
-            <a:off x="10349658" y="2076345"/>
+            <a:off x="249658" y="1685343"/>
             <a:ext cx="1219200" cy="1219200"/>
           </a:xfrm>
           <a:prstGeom prst="rect">
@@ -16146,7 +15386,7 @@
         </p:blipFill>
         <p:spPr>
           <a:xfrm>
-            <a:off x="8773943" y="3438915"/>
+            <a:off x="249658" y="325857"/>
             <a:ext cx="1219200" cy="1219200"/>
           </a:xfrm>
           <a:prstGeom prst="rect">
@@ -16157,21 +15397,13 @@
     </p:spTree>
     <p:extLst>
       <p:ext uri="{BB962C8B-B14F-4D97-AF65-F5344CB8AC3E}">
-        <p14:creationId xmlns:p14="http://schemas.microsoft.com/office/powerpoint/2010/main" val="214978686"/>
+        <p14:creationId xmlns:p14="http://schemas.microsoft.com/office/powerpoint/2010/main" val="438152526"/>
       </p:ext>
     </p:extLst>
   </p:cSld>
   <p:clrMapOvr>
     <a:masterClrMapping/>
   </p:clrMapOvr>
-  <mc:AlternateContent xmlns:mc="http://schemas.openxmlformats.org/markup-compatibility/2006">
-    <mc:Choice xmlns:p14="http://schemas.microsoft.com/office/powerpoint/2010/main" Requires="p14">
-      <p:transition spd="slow" p14:dur="2000"/>
-    </mc:Choice>
-    <mc:Fallback>
-      <p:transition spd="slow"/>
-    </mc:Fallback>
-  </mc:AlternateContent>
 </p:sld>
 </file>
 
@@ -16215,7 +15447,7 @@
         </p:blipFill>
         <p:spPr>
           <a:xfrm>
-            <a:off x="304800" y="373743"/>
+            <a:off x="297543" y="293914"/>
             <a:ext cx="1219200" cy="1219200"/>
           </a:xfrm>
           <a:prstGeom prst="rect">
@@ -16246,7 +15478,7 @@
         </p:blipFill>
         <p:spPr>
           <a:xfrm>
-            <a:off x="304800" y="2022400"/>
+            <a:off x="297543" y="1670372"/>
             <a:ext cx="1219200" cy="1219200"/>
           </a:xfrm>
           <a:prstGeom prst="rect">
@@ -16277,7 +15509,7 @@
         </p:blipFill>
         <p:spPr>
           <a:xfrm>
-            <a:off x="304800" y="3400200"/>
+            <a:off x="375086" y="4580546"/>
             <a:ext cx="1219200" cy="1219200"/>
           </a:xfrm>
           <a:prstGeom prst="rect">
@@ -16308,7 +15540,7 @@
         </p:blipFill>
         <p:spPr>
           <a:xfrm>
-            <a:off x="304800" y="4779000"/>
+            <a:off x="355657" y="3046830"/>
             <a:ext cx="1219200" cy="1219200"/>
           </a:xfrm>
           <a:prstGeom prst="rect">
@@ -16339,7 +15571,7 @@
         </p:blipFill>
         <p:spPr>
           <a:xfrm>
-            <a:off x="1942572" y="373743"/>
+            <a:off x="2065943" y="219000"/>
             <a:ext cx="1219200" cy="1219200"/>
           </a:xfrm>
           <a:prstGeom prst="rect">
@@ -16370,7 +15602,7 @@
         </p:blipFill>
         <p:spPr>
           <a:xfrm>
-            <a:off x="2020000" y="1907514"/>
+            <a:off x="2065943" y="3100200"/>
             <a:ext cx="1219200" cy="1219200"/>
           </a:xfrm>
           <a:prstGeom prst="rect">
@@ -16401,7 +15633,7 @@
         </p:blipFill>
         <p:spPr>
           <a:xfrm>
-            <a:off x="1838629" y="3400200"/>
+            <a:off x="1974058" y="1670372"/>
             <a:ext cx="1219200" cy="1219200"/>
           </a:xfrm>
           <a:prstGeom prst="rect">
@@ -16432,7 +15664,7 @@
         </p:blipFill>
         <p:spPr>
           <a:xfrm>
-            <a:off x="1976400" y="4787771"/>
+            <a:off x="2030971" y="4594343"/>
             <a:ext cx="1219200" cy="1219200"/>
           </a:xfrm>
           <a:prstGeom prst="rect">
@@ -16463,7 +15695,7 @@
         </p:blipFill>
         <p:spPr>
           <a:xfrm>
-            <a:off x="3580515" y="2022400"/>
+            <a:off x="3834343" y="219000"/>
             <a:ext cx="1219200" cy="1219200"/>
           </a:xfrm>
           <a:prstGeom prst="rect">
@@ -16494,7 +15726,7 @@
         </p:blipFill>
         <p:spPr>
           <a:xfrm>
-            <a:off x="3580515" y="373743"/>
+            <a:off x="3939743" y="4580546"/>
             <a:ext cx="1219200" cy="1219200"/>
           </a:xfrm>
           <a:prstGeom prst="rect">
@@ -16525,7 +15757,7 @@
         </p:blipFill>
         <p:spPr>
           <a:xfrm>
-            <a:off x="3517486" y="3400200"/>
+            <a:off x="3894857" y="1708115"/>
             <a:ext cx="1219200" cy="1219200"/>
           </a:xfrm>
           <a:prstGeom prst="rect">
@@ -16556,7 +15788,7 @@
         </p:blipFill>
         <p:spPr>
           <a:xfrm>
-            <a:off x="3580515" y="4742285"/>
+            <a:off x="3941886" y="3046830"/>
             <a:ext cx="1219200" cy="1219200"/>
           </a:xfrm>
           <a:prstGeom prst="rect">
@@ -16587,7 +15819,7 @@
         </p:blipFill>
         <p:spPr>
           <a:xfrm>
-            <a:off x="5476972" y="3584256"/>
+            <a:off x="5571372" y="1767343"/>
             <a:ext cx="1219200" cy="1219200"/>
           </a:xfrm>
           <a:prstGeom prst="rect">
@@ -16618,7 +15850,7 @@
         </p:blipFill>
         <p:spPr>
           <a:xfrm>
-            <a:off x="5476972" y="458658"/>
+            <a:off x="5602743" y="293914"/>
             <a:ext cx="1219200" cy="1219200"/>
           </a:xfrm>
           <a:prstGeom prst="rect">
@@ -16649,7 +15881,7 @@
         </p:blipFill>
         <p:spPr>
           <a:xfrm>
-            <a:off x="5476972" y="2021457"/>
+            <a:off x="5571372" y="3240772"/>
             <a:ext cx="1219200" cy="1219200"/>
           </a:xfrm>
           <a:prstGeom prst="rect">
@@ -16680,7 +15912,7 @@
         </p:blipFill>
         <p:spPr>
           <a:xfrm>
-            <a:off x="5476972" y="4909800"/>
+            <a:off x="7117200" y="388543"/>
             <a:ext cx="1219200" cy="1219200"/>
           </a:xfrm>
           <a:prstGeom prst="rect">
@@ -16711,7 +15943,7 @@
         </p:blipFill>
         <p:spPr>
           <a:xfrm>
-            <a:off x="7291771" y="505572"/>
+            <a:off x="7211944" y="1819487"/>
             <a:ext cx="1219200" cy="1219200"/>
           </a:xfrm>
           <a:prstGeom prst="rect">
@@ -16742,7 +15974,7 @@
         </p:blipFill>
         <p:spPr>
           <a:xfrm>
-            <a:off x="7373429" y="2021457"/>
+            <a:off x="5624857" y="4609800"/>
             <a:ext cx="1219200" cy="1219200"/>
           </a:xfrm>
           <a:prstGeom prst="rect">
@@ -16773,7 +16005,7 @@
         </p:blipFill>
         <p:spPr>
           <a:xfrm>
-            <a:off x="7496971" y="4953456"/>
+            <a:off x="7284514" y="3295545"/>
             <a:ext cx="1219200" cy="1219200"/>
           </a:xfrm>
           <a:prstGeom prst="rect">
@@ -16804,7 +16036,7 @@
         </p:blipFill>
         <p:spPr>
           <a:xfrm>
-            <a:off x="7357257" y="3584256"/>
+            <a:off x="7309971" y="4675172"/>
             <a:ext cx="1219200" cy="1219200"/>
           </a:xfrm>
           <a:prstGeom prst="rect">
@@ -16835,7 +16067,7 @@
         </p:blipFill>
         <p:spPr>
           <a:xfrm>
-            <a:off x="9106570" y="505572"/>
+            <a:off x="8636400" y="399829"/>
             <a:ext cx="1219200" cy="1219200"/>
           </a:xfrm>
           <a:prstGeom prst="rect">
@@ -16866,7 +16098,162 @@
         </p:blipFill>
         <p:spPr>
           <a:xfrm>
-            <a:off x="9106570" y="2021457"/>
+            <a:off x="10392629" y="488915"/>
+            <a:ext cx="1219200" cy="1219200"/>
+          </a:xfrm>
+          <a:prstGeom prst="rect">
+            <a:avLst/>
+          </a:prstGeom>
+        </p:spPr>
+      </p:pic>
+      <p:pic>
+        <p:nvPicPr>
+          <p:cNvPr id="24" name="Picture 23"/>
+          <p:cNvPicPr>
+            <a:picLocks noChangeAspect="1"/>
+          </p:cNvPicPr>
+          <p:nvPr/>
+        </p:nvPicPr>
+        <p:blipFill>
+          <a:blip r:embed="rId24">
+            <a:lum bright="70000" contrast="-70000"/>
+            <a:extLst>
+              <a:ext uri="{28A0092B-C50C-407E-A947-70E740481C1C}">
+                <a14:useLocalDpi xmlns:a14="http://schemas.microsoft.com/office/drawing/2010/main" val="0"/>
+              </a:ext>
+            </a:extLst>
+          </a:blip>
+          <a:stretch>
+            <a:fillRect/>
+          </a:stretch>
+        </p:blipFill>
+        <p:spPr>
+          <a:xfrm>
+            <a:off x="8731257" y="1827630"/>
+            <a:ext cx="1219200" cy="1219200"/>
+          </a:xfrm>
+          <a:prstGeom prst="rect">
+            <a:avLst/>
+          </a:prstGeom>
+        </p:spPr>
+      </p:pic>
+      <p:pic>
+        <p:nvPicPr>
+          <p:cNvPr id="25" name="Picture 24"/>
+          <p:cNvPicPr>
+            <a:picLocks noChangeAspect="1"/>
+          </p:cNvPicPr>
+          <p:nvPr/>
+        </p:nvPicPr>
+        <p:blipFill>
+          <a:blip r:embed="rId25">
+            <a:lum bright="70000" contrast="-70000"/>
+            <a:extLst>
+              <a:ext uri="{28A0092B-C50C-407E-A947-70E740481C1C}">
+                <a14:useLocalDpi xmlns:a14="http://schemas.microsoft.com/office/drawing/2010/main" val="0"/>
+              </a:ext>
+            </a:extLst>
+          </a:blip>
+          <a:stretch>
+            <a:fillRect/>
+          </a:stretch>
+        </p:blipFill>
+        <p:spPr>
+          <a:xfrm>
+            <a:off x="8784057" y="4774428"/>
+            <a:ext cx="1219200" cy="1219200"/>
+          </a:xfrm>
+          <a:prstGeom prst="rect">
+            <a:avLst/>
+          </a:prstGeom>
+        </p:spPr>
+      </p:pic>
+      <p:pic>
+        <p:nvPicPr>
+          <p:cNvPr id="26" name="Picture 25"/>
+          <p:cNvPicPr>
+            <a:picLocks noChangeAspect="1"/>
+          </p:cNvPicPr>
+          <p:nvPr/>
+        </p:nvPicPr>
+        <p:blipFill>
+          <a:blip r:embed="rId26">
+            <a:lum bright="70000" contrast="-70000"/>
+            <a:extLst>
+              <a:ext uri="{28A0092B-C50C-407E-A947-70E740481C1C}">
+                <a14:useLocalDpi xmlns:a14="http://schemas.microsoft.com/office/drawing/2010/main" val="0"/>
+              </a:ext>
+            </a:extLst>
+          </a:blip>
+          <a:stretch>
+            <a:fillRect/>
+          </a:stretch>
+        </p:blipFill>
+        <p:spPr>
+          <a:xfrm>
+            <a:off x="10396399" y="3390600"/>
+            <a:ext cx="1219200" cy="1219200"/>
+          </a:xfrm>
+          <a:prstGeom prst="rect">
+            <a:avLst/>
+          </a:prstGeom>
+        </p:spPr>
+      </p:pic>
+      <p:pic>
+        <p:nvPicPr>
+          <p:cNvPr id="27" name="Picture 26"/>
+          <p:cNvPicPr>
+            <a:picLocks noChangeAspect="1"/>
+          </p:cNvPicPr>
+          <p:nvPr/>
+        </p:nvPicPr>
+        <p:blipFill>
+          <a:blip r:embed="rId27">
+            <a:lum bright="70000" contrast="-70000"/>
+            <a:extLst>
+              <a:ext uri="{28A0092B-C50C-407E-A947-70E740481C1C}">
+                <a14:useLocalDpi xmlns:a14="http://schemas.microsoft.com/office/drawing/2010/main" val="0"/>
+              </a:ext>
+            </a:extLst>
+          </a:blip>
+          <a:stretch>
+            <a:fillRect/>
+          </a:stretch>
+        </p:blipFill>
+        <p:spPr>
+          <a:xfrm>
+            <a:off x="10349658" y="2076345"/>
+            <a:ext cx="1219200" cy="1219200"/>
+          </a:xfrm>
+          <a:prstGeom prst="rect">
+            <a:avLst/>
+          </a:prstGeom>
+        </p:spPr>
+      </p:pic>
+      <p:pic>
+        <p:nvPicPr>
+          <p:cNvPr id="28" name="Picture 27"/>
+          <p:cNvPicPr>
+            <a:picLocks noChangeAspect="1"/>
+          </p:cNvPicPr>
+          <p:nvPr/>
+        </p:nvPicPr>
+        <p:blipFill>
+          <a:blip r:embed="rId28">
+            <a:lum bright="70000" contrast="-70000"/>
+            <a:extLst>
+              <a:ext uri="{28A0092B-C50C-407E-A947-70E740481C1C}">
+                <a14:useLocalDpi xmlns:a14="http://schemas.microsoft.com/office/drawing/2010/main" val="0"/>
+              </a:ext>
+            </a:extLst>
+          </a:blip>
+          <a:stretch>
+            <a:fillRect/>
+          </a:stretch>
+        </p:blipFill>
+        <p:spPr>
+          <a:xfrm>
+            <a:off x="8773943" y="3438915"/>
             <a:ext cx="1219200" cy="1219200"/>
           </a:xfrm>
           <a:prstGeom prst="rect">
@@ -16877,21 +16264,13 @@
     </p:spTree>
     <p:extLst>
       <p:ext uri="{BB962C8B-B14F-4D97-AF65-F5344CB8AC3E}">
-        <p14:creationId xmlns:p14="http://schemas.microsoft.com/office/powerpoint/2010/main" val="3555470181"/>
+        <p14:creationId xmlns:p14="http://schemas.microsoft.com/office/powerpoint/2010/main" val="214978686"/>
       </p:ext>
     </p:extLst>
   </p:cSld>
   <p:clrMapOvr>
     <a:masterClrMapping/>
   </p:clrMapOvr>
-  <mc:AlternateContent xmlns:mc="http://schemas.openxmlformats.org/markup-compatibility/2006">
-    <mc:Choice xmlns:p14="http://schemas.microsoft.com/office/powerpoint/2010/main" Requires="p14">
-      <p:transition spd="slow" p14:dur="2000"/>
-    </mc:Choice>
-    <mc:Fallback>
-      <p:transition spd="slow"/>
-    </mc:Fallback>
-  </mc:AlternateContent>
 </p:sld>
 </file>
 
@@ -16935,6 +16314,718 @@
         </p:blipFill>
         <p:spPr>
           <a:xfrm>
+            <a:off x="304800" y="373743"/>
+            <a:ext cx="1219200" cy="1219200"/>
+          </a:xfrm>
+          <a:prstGeom prst="rect">
+            <a:avLst/>
+          </a:prstGeom>
+        </p:spPr>
+      </p:pic>
+      <p:pic>
+        <p:nvPicPr>
+          <p:cNvPr id="3" name="Picture 2"/>
+          <p:cNvPicPr>
+            <a:picLocks noChangeAspect="1"/>
+          </p:cNvPicPr>
+          <p:nvPr/>
+        </p:nvPicPr>
+        <p:blipFill>
+          <a:blip r:embed="rId3">
+            <a:lum bright="70000" contrast="-70000"/>
+            <a:extLst>
+              <a:ext uri="{28A0092B-C50C-407E-A947-70E740481C1C}">
+                <a14:useLocalDpi xmlns:a14="http://schemas.microsoft.com/office/drawing/2010/main" val="0"/>
+              </a:ext>
+            </a:extLst>
+          </a:blip>
+          <a:stretch>
+            <a:fillRect/>
+          </a:stretch>
+        </p:blipFill>
+        <p:spPr>
+          <a:xfrm>
+            <a:off x="304800" y="2022400"/>
+            <a:ext cx="1219200" cy="1219200"/>
+          </a:xfrm>
+          <a:prstGeom prst="rect">
+            <a:avLst/>
+          </a:prstGeom>
+        </p:spPr>
+      </p:pic>
+      <p:pic>
+        <p:nvPicPr>
+          <p:cNvPr id="4" name="Picture 3"/>
+          <p:cNvPicPr>
+            <a:picLocks noChangeAspect="1"/>
+          </p:cNvPicPr>
+          <p:nvPr/>
+        </p:nvPicPr>
+        <p:blipFill>
+          <a:blip r:embed="rId4">
+            <a:lum bright="70000" contrast="-70000"/>
+            <a:extLst>
+              <a:ext uri="{28A0092B-C50C-407E-A947-70E740481C1C}">
+                <a14:useLocalDpi xmlns:a14="http://schemas.microsoft.com/office/drawing/2010/main" val="0"/>
+              </a:ext>
+            </a:extLst>
+          </a:blip>
+          <a:stretch>
+            <a:fillRect/>
+          </a:stretch>
+        </p:blipFill>
+        <p:spPr>
+          <a:xfrm>
+            <a:off x="304800" y="3400200"/>
+            <a:ext cx="1219200" cy="1219200"/>
+          </a:xfrm>
+          <a:prstGeom prst="rect">
+            <a:avLst/>
+          </a:prstGeom>
+        </p:spPr>
+      </p:pic>
+      <p:pic>
+        <p:nvPicPr>
+          <p:cNvPr id="5" name="Picture 4"/>
+          <p:cNvPicPr>
+            <a:picLocks noChangeAspect="1"/>
+          </p:cNvPicPr>
+          <p:nvPr/>
+        </p:nvPicPr>
+        <p:blipFill>
+          <a:blip r:embed="rId5">
+            <a:lum bright="70000" contrast="-70000"/>
+            <a:extLst>
+              <a:ext uri="{28A0092B-C50C-407E-A947-70E740481C1C}">
+                <a14:useLocalDpi xmlns:a14="http://schemas.microsoft.com/office/drawing/2010/main" val="0"/>
+              </a:ext>
+            </a:extLst>
+          </a:blip>
+          <a:stretch>
+            <a:fillRect/>
+          </a:stretch>
+        </p:blipFill>
+        <p:spPr>
+          <a:xfrm>
+            <a:off x="304800" y="4779000"/>
+            <a:ext cx="1219200" cy="1219200"/>
+          </a:xfrm>
+          <a:prstGeom prst="rect">
+            <a:avLst/>
+          </a:prstGeom>
+        </p:spPr>
+      </p:pic>
+      <p:pic>
+        <p:nvPicPr>
+          <p:cNvPr id="6" name="Picture 5"/>
+          <p:cNvPicPr>
+            <a:picLocks noChangeAspect="1"/>
+          </p:cNvPicPr>
+          <p:nvPr/>
+        </p:nvPicPr>
+        <p:blipFill>
+          <a:blip r:embed="rId6">
+            <a:lum bright="70000" contrast="-70000"/>
+            <a:extLst>
+              <a:ext uri="{28A0092B-C50C-407E-A947-70E740481C1C}">
+                <a14:useLocalDpi xmlns:a14="http://schemas.microsoft.com/office/drawing/2010/main" val="0"/>
+              </a:ext>
+            </a:extLst>
+          </a:blip>
+          <a:stretch>
+            <a:fillRect/>
+          </a:stretch>
+        </p:blipFill>
+        <p:spPr>
+          <a:xfrm>
+            <a:off x="1942572" y="373743"/>
+            <a:ext cx="1219200" cy="1219200"/>
+          </a:xfrm>
+          <a:prstGeom prst="rect">
+            <a:avLst/>
+          </a:prstGeom>
+        </p:spPr>
+      </p:pic>
+      <p:pic>
+        <p:nvPicPr>
+          <p:cNvPr id="7" name="Picture 6"/>
+          <p:cNvPicPr>
+            <a:picLocks noChangeAspect="1"/>
+          </p:cNvPicPr>
+          <p:nvPr/>
+        </p:nvPicPr>
+        <p:blipFill>
+          <a:blip r:embed="rId7">
+            <a:lum bright="70000" contrast="-70000"/>
+            <a:extLst>
+              <a:ext uri="{28A0092B-C50C-407E-A947-70E740481C1C}">
+                <a14:useLocalDpi xmlns:a14="http://schemas.microsoft.com/office/drawing/2010/main" val="0"/>
+              </a:ext>
+            </a:extLst>
+          </a:blip>
+          <a:stretch>
+            <a:fillRect/>
+          </a:stretch>
+        </p:blipFill>
+        <p:spPr>
+          <a:xfrm>
+            <a:off x="2020000" y="1907514"/>
+            <a:ext cx="1219200" cy="1219200"/>
+          </a:xfrm>
+          <a:prstGeom prst="rect">
+            <a:avLst/>
+          </a:prstGeom>
+        </p:spPr>
+      </p:pic>
+      <p:pic>
+        <p:nvPicPr>
+          <p:cNvPr id="8" name="Picture 7"/>
+          <p:cNvPicPr>
+            <a:picLocks noChangeAspect="1"/>
+          </p:cNvPicPr>
+          <p:nvPr/>
+        </p:nvPicPr>
+        <p:blipFill>
+          <a:blip r:embed="rId8">
+            <a:lum bright="70000" contrast="-70000"/>
+            <a:extLst>
+              <a:ext uri="{28A0092B-C50C-407E-A947-70E740481C1C}">
+                <a14:useLocalDpi xmlns:a14="http://schemas.microsoft.com/office/drawing/2010/main" val="0"/>
+              </a:ext>
+            </a:extLst>
+          </a:blip>
+          <a:stretch>
+            <a:fillRect/>
+          </a:stretch>
+        </p:blipFill>
+        <p:spPr>
+          <a:xfrm>
+            <a:off x="1838629" y="3400200"/>
+            <a:ext cx="1219200" cy="1219200"/>
+          </a:xfrm>
+          <a:prstGeom prst="rect">
+            <a:avLst/>
+          </a:prstGeom>
+        </p:spPr>
+      </p:pic>
+      <p:pic>
+        <p:nvPicPr>
+          <p:cNvPr id="9" name="Picture 8"/>
+          <p:cNvPicPr>
+            <a:picLocks noChangeAspect="1"/>
+          </p:cNvPicPr>
+          <p:nvPr/>
+        </p:nvPicPr>
+        <p:blipFill>
+          <a:blip r:embed="rId9">
+            <a:lum bright="70000" contrast="-70000"/>
+            <a:extLst>
+              <a:ext uri="{28A0092B-C50C-407E-A947-70E740481C1C}">
+                <a14:useLocalDpi xmlns:a14="http://schemas.microsoft.com/office/drawing/2010/main" val="0"/>
+              </a:ext>
+            </a:extLst>
+          </a:blip>
+          <a:stretch>
+            <a:fillRect/>
+          </a:stretch>
+        </p:blipFill>
+        <p:spPr>
+          <a:xfrm>
+            <a:off x="1976400" y="4787771"/>
+            <a:ext cx="1219200" cy="1219200"/>
+          </a:xfrm>
+          <a:prstGeom prst="rect">
+            <a:avLst/>
+          </a:prstGeom>
+        </p:spPr>
+      </p:pic>
+      <p:pic>
+        <p:nvPicPr>
+          <p:cNvPr id="10" name="Picture 9"/>
+          <p:cNvPicPr>
+            <a:picLocks noChangeAspect="1"/>
+          </p:cNvPicPr>
+          <p:nvPr/>
+        </p:nvPicPr>
+        <p:blipFill>
+          <a:blip r:embed="rId10">
+            <a:lum bright="70000" contrast="-70000"/>
+            <a:extLst>
+              <a:ext uri="{28A0092B-C50C-407E-A947-70E740481C1C}">
+                <a14:useLocalDpi xmlns:a14="http://schemas.microsoft.com/office/drawing/2010/main" val="0"/>
+              </a:ext>
+            </a:extLst>
+          </a:blip>
+          <a:stretch>
+            <a:fillRect/>
+          </a:stretch>
+        </p:blipFill>
+        <p:spPr>
+          <a:xfrm>
+            <a:off x="3580515" y="2022400"/>
+            <a:ext cx="1219200" cy="1219200"/>
+          </a:xfrm>
+          <a:prstGeom prst="rect">
+            <a:avLst/>
+          </a:prstGeom>
+        </p:spPr>
+      </p:pic>
+      <p:pic>
+        <p:nvPicPr>
+          <p:cNvPr id="11" name="Picture 10"/>
+          <p:cNvPicPr>
+            <a:picLocks noChangeAspect="1"/>
+          </p:cNvPicPr>
+          <p:nvPr/>
+        </p:nvPicPr>
+        <p:blipFill>
+          <a:blip r:embed="rId11">
+            <a:lum bright="70000" contrast="-70000"/>
+            <a:extLst>
+              <a:ext uri="{28A0092B-C50C-407E-A947-70E740481C1C}">
+                <a14:useLocalDpi xmlns:a14="http://schemas.microsoft.com/office/drawing/2010/main" val="0"/>
+              </a:ext>
+            </a:extLst>
+          </a:blip>
+          <a:stretch>
+            <a:fillRect/>
+          </a:stretch>
+        </p:blipFill>
+        <p:spPr>
+          <a:xfrm>
+            <a:off x="3580515" y="373743"/>
+            <a:ext cx="1219200" cy="1219200"/>
+          </a:xfrm>
+          <a:prstGeom prst="rect">
+            <a:avLst/>
+          </a:prstGeom>
+        </p:spPr>
+      </p:pic>
+      <p:pic>
+        <p:nvPicPr>
+          <p:cNvPr id="12" name="Picture 11"/>
+          <p:cNvPicPr>
+            <a:picLocks noChangeAspect="1"/>
+          </p:cNvPicPr>
+          <p:nvPr/>
+        </p:nvPicPr>
+        <p:blipFill>
+          <a:blip r:embed="rId12">
+            <a:lum bright="70000" contrast="-70000"/>
+            <a:extLst>
+              <a:ext uri="{28A0092B-C50C-407E-A947-70E740481C1C}">
+                <a14:useLocalDpi xmlns:a14="http://schemas.microsoft.com/office/drawing/2010/main" val="0"/>
+              </a:ext>
+            </a:extLst>
+          </a:blip>
+          <a:stretch>
+            <a:fillRect/>
+          </a:stretch>
+        </p:blipFill>
+        <p:spPr>
+          <a:xfrm>
+            <a:off x="3517486" y="3400200"/>
+            <a:ext cx="1219200" cy="1219200"/>
+          </a:xfrm>
+          <a:prstGeom prst="rect">
+            <a:avLst/>
+          </a:prstGeom>
+        </p:spPr>
+      </p:pic>
+      <p:pic>
+        <p:nvPicPr>
+          <p:cNvPr id="13" name="Picture 12"/>
+          <p:cNvPicPr>
+            <a:picLocks noChangeAspect="1"/>
+          </p:cNvPicPr>
+          <p:nvPr/>
+        </p:nvPicPr>
+        <p:blipFill>
+          <a:blip r:embed="rId13">
+            <a:lum bright="70000" contrast="-70000"/>
+            <a:extLst>
+              <a:ext uri="{28A0092B-C50C-407E-A947-70E740481C1C}">
+                <a14:useLocalDpi xmlns:a14="http://schemas.microsoft.com/office/drawing/2010/main" val="0"/>
+              </a:ext>
+            </a:extLst>
+          </a:blip>
+          <a:stretch>
+            <a:fillRect/>
+          </a:stretch>
+        </p:blipFill>
+        <p:spPr>
+          <a:xfrm>
+            <a:off x="3580515" y="4742285"/>
+            <a:ext cx="1219200" cy="1219200"/>
+          </a:xfrm>
+          <a:prstGeom prst="rect">
+            <a:avLst/>
+          </a:prstGeom>
+        </p:spPr>
+      </p:pic>
+      <p:pic>
+        <p:nvPicPr>
+          <p:cNvPr id="14" name="Picture 13"/>
+          <p:cNvPicPr>
+            <a:picLocks noChangeAspect="1"/>
+          </p:cNvPicPr>
+          <p:nvPr/>
+        </p:nvPicPr>
+        <p:blipFill>
+          <a:blip r:embed="rId14">
+            <a:lum bright="70000" contrast="-70000"/>
+            <a:extLst>
+              <a:ext uri="{28A0092B-C50C-407E-A947-70E740481C1C}">
+                <a14:useLocalDpi xmlns:a14="http://schemas.microsoft.com/office/drawing/2010/main" val="0"/>
+              </a:ext>
+            </a:extLst>
+          </a:blip>
+          <a:stretch>
+            <a:fillRect/>
+          </a:stretch>
+        </p:blipFill>
+        <p:spPr>
+          <a:xfrm>
+            <a:off x="5476972" y="3584256"/>
+            <a:ext cx="1219200" cy="1219200"/>
+          </a:xfrm>
+          <a:prstGeom prst="rect">
+            <a:avLst/>
+          </a:prstGeom>
+        </p:spPr>
+      </p:pic>
+      <p:pic>
+        <p:nvPicPr>
+          <p:cNvPr id="15" name="Picture 14"/>
+          <p:cNvPicPr>
+            <a:picLocks noChangeAspect="1"/>
+          </p:cNvPicPr>
+          <p:nvPr/>
+        </p:nvPicPr>
+        <p:blipFill>
+          <a:blip r:embed="rId15">
+            <a:lum bright="70000" contrast="-70000"/>
+            <a:extLst>
+              <a:ext uri="{28A0092B-C50C-407E-A947-70E740481C1C}">
+                <a14:useLocalDpi xmlns:a14="http://schemas.microsoft.com/office/drawing/2010/main" val="0"/>
+              </a:ext>
+            </a:extLst>
+          </a:blip>
+          <a:stretch>
+            <a:fillRect/>
+          </a:stretch>
+        </p:blipFill>
+        <p:spPr>
+          <a:xfrm>
+            <a:off x="5476972" y="458658"/>
+            <a:ext cx="1219200" cy="1219200"/>
+          </a:xfrm>
+          <a:prstGeom prst="rect">
+            <a:avLst/>
+          </a:prstGeom>
+        </p:spPr>
+      </p:pic>
+      <p:pic>
+        <p:nvPicPr>
+          <p:cNvPr id="16" name="Picture 15"/>
+          <p:cNvPicPr>
+            <a:picLocks noChangeAspect="1"/>
+          </p:cNvPicPr>
+          <p:nvPr/>
+        </p:nvPicPr>
+        <p:blipFill>
+          <a:blip r:embed="rId16">
+            <a:lum bright="70000" contrast="-70000"/>
+            <a:extLst>
+              <a:ext uri="{28A0092B-C50C-407E-A947-70E740481C1C}">
+                <a14:useLocalDpi xmlns:a14="http://schemas.microsoft.com/office/drawing/2010/main" val="0"/>
+              </a:ext>
+            </a:extLst>
+          </a:blip>
+          <a:stretch>
+            <a:fillRect/>
+          </a:stretch>
+        </p:blipFill>
+        <p:spPr>
+          <a:xfrm>
+            <a:off x="5476972" y="2021457"/>
+            <a:ext cx="1219200" cy="1219200"/>
+          </a:xfrm>
+          <a:prstGeom prst="rect">
+            <a:avLst/>
+          </a:prstGeom>
+        </p:spPr>
+      </p:pic>
+      <p:pic>
+        <p:nvPicPr>
+          <p:cNvPr id="17" name="Picture 16"/>
+          <p:cNvPicPr>
+            <a:picLocks noChangeAspect="1"/>
+          </p:cNvPicPr>
+          <p:nvPr/>
+        </p:nvPicPr>
+        <p:blipFill>
+          <a:blip r:embed="rId17">
+            <a:lum bright="70000" contrast="-70000"/>
+            <a:extLst>
+              <a:ext uri="{28A0092B-C50C-407E-A947-70E740481C1C}">
+                <a14:useLocalDpi xmlns:a14="http://schemas.microsoft.com/office/drawing/2010/main" val="0"/>
+              </a:ext>
+            </a:extLst>
+          </a:blip>
+          <a:stretch>
+            <a:fillRect/>
+          </a:stretch>
+        </p:blipFill>
+        <p:spPr>
+          <a:xfrm>
+            <a:off x="5476972" y="4909800"/>
+            <a:ext cx="1219200" cy="1219200"/>
+          </a:xfrm>
+          <a:prstGeom prst="rect">
+            <a:avLst/>
+          </a:prstGeom>
+        </p:spPr>
+      </p:pic>
+      <p:pic>
+        <p:nvPicPr>
+          <p:cNvPr id="18" name="Picture 17"/>
+          <p:cNvPicPr>
+            <a:picLocks noChangeAspect="1"/>
+          </p:cNvPicPr>
+          <p:nvPr/>
+        </p:nvPicPr>
+        <p:blipFill>
+          <a:blip r:embed="rId18">
+            <a:lum bright="70000" contrast="-70000"/>
+            <a:extLst>
+              <a:ext uri="{28A0092B-C50C-407E-A947-70E740481C1C}">
+                <a14:useLocalDpi xmlns:a14="http://schemas.microsoft.com/office/drawing/2010/main" val="0"/>
+              </a:ext>
+            </a:extLst>
+          </a:blip>
+          <a:stretch>
+            <a:fillRect/>
+          </a:stretch>
+        </p:blipFill>
+        <p:spPr>
+          <a:xfrm>
+            <a:off x="7291771" y="505572"/>
+            <a:ext cx="1219200" cy="1219200"/>
+          </a:xfrm>
+          <a:prstGeom prst="rect">
+            <a:avLst/>
+          </a:prstGeom>
+        </p:spPr>
+      </p:pic>
+      <p:pic>
+        <p:nvPicPr>
+          <p:cNvPr id="19" name="Picture 18"/>
+          <p:cNvPicPr>
+            <a:picLocks noChangeAspect="1"/>
+          </p:cNvPicPr>
+          <p:nvPr/>
+        </p:nvPicPr>
+        <p:blipFill>
+          <a:blip r:embed="rId19">
+            <a:lum bright="70000" contrast="-70000"/>
+            <a:extLst>
+              <a:ext uri="{28A0092B-C50C-407E-A947-70E740481C1C}">
+                <a14:useLocalDpi xmlns:a14="http://schemas.microsoft.com/office/drawing/2010/main" val="0"/>
+              </a:ext>
+            </a:extLst>
+          </a:blip>
+          <a:stretch>
+            <a:fillRect/>
+          </a:stretch>
+        </p:blipFill>
+        <p:spPr>
+          <a:xfrm>
+            <a:off x="7373429" y="2021457"/>
+            <a:ext cx="1219200" cy="1219200"/>
+          </a:xfrm>
+          <a:prstGeom prst="rect">
+            <a:avLst/>
+          </a:prstGeom>
+        </p:spPr>
+      </p:pic>
+      <p:pic>
+        <p:nvPicPr>
+          <p:cNvPr id="20" name="Picture 19"/>
+          <p:cNvPicPr>
+            <a:picLocks noChangeAspect="1"/>
+          </p:cNvPicPr>
+          <p:nvPr/>
+        </p:nvPicPr>
+        <p:blipFill>
+          <a:blip r:embed="rId20">
+            <a:lum bright="70000" contrast="-70000"/>
+            <a:extLst>
+              <a:ext uri="{28A0092B-C50C-407E-A947-70E740481C1C}">
+                <a14:useLocalDpi xmlns:a14="http://schemas.microsoft.com/office/drawing/2010/main" val="0"/>
+              </a:ext>
+            </a:extLst>
+          </a:blip>
+          <a:stretch>
+            <a:fillRect/>
+          </a:stretch>
+        </p:blipFill>
+        <p:spPr>
+          <a:xfrm>
+            <a:off x="7496971" y="4953456"/>
+            <a:ext cx="1219200" cy="1219200"/>
+          </a:xfrm>
+          <a:prstGeom prst="rect">
+            <a:avLst/>
+          </a:prstGeom>
+        </p:spPr>
+      </p:pic>
+      <p:pic>
+        <p:nvPicPr>
+          <p:cNvPr id="21" name="Picture 20"/>
+          <p:cNvPicPr>
+            <a:picLocks noChangeAspect="1"/>
+          </p:cNvPicPr>
+          <p:nvPr/>
+        </p:nvPicPr>
+        <p:blipFill>
+          <a:blip r:embed="rId21">
+            <a:lum bright="70000" contrast="-70000"/>
+            <a:extLst>
+              <a:ext uri="{28A0092B-C50C-407E-A947-70E740481C1C}">
+                <a14:useLocalDpi xmlns:a14="http://schemas.microsoft.com/office/drawing/2010/main" val="0"/>
+              </a:ext>
+            </a:extLst>
+          </a:blip>
+          <a:stretch>
+            <a:fillRect/>
+          </a:stretch>
+        </p:blipFill>
+        <p:spPr>
+          <a:xfrm>
+            <a:off x="7357257" y="3584256"/>
+            <a:ext cx="1219200" cy="1219200"/>
+          </a:xfrm>
+          <a:prstGeom prst="rect">
+            <a:avLst/>
+          </a:prstGeom>
+        </p:spPr>
+      </p:pic>
+      <p:pic>
+        <p:nvPicPr>
+          <p:cNvPr id="22" name="Picture 21"/>
+          <p:cNvPicPr>
+            <a:picLocks noChangeAspect="1"/>
+          </p:cNvPicPr>
+          <p:nvPr/>
+        </p:nvPicPr>
+        <p:blipFill>
+          <a:blip r:embed="rId22">
+            <a:lum bright="70000" contrast="-70000"/>
+            <a:extLst>
+              <a:ext uri="{28A0092B-C50C-407E-A947-70E740481C1C}">
+                <a14:useLocalDpi xmlns:a14="http://schemas.microsoft.com/office/drawing/2010/main" val="0"/>
+              </a:ext>
+            </a:extLst>
+          </a:blip>
+          <a:stretch>
+            <a:fillRect/>
+          </a:stretch>
+        </p:blipFill>
+        <p:spPr>
+          <a:xfrm>
+            <a:off x="9106570" y="505572"/>
+            <a:ext cx="1219200" cy="1219200"/>
+          </a:xfrm>
+          <a:prstGeom prst="rect">
+            <a:avLst/>
+          </a:prstGeom>
+        </p:spPr>
+      </p:pic>
+      <p:pic>
+        <p:nvPicPr>
+          <p:cNvPr id="23" name="Picture 22"/>
+          <p:cNvPicPr>
+            <a:picLocks noChangeAspect="1"/>
+          </p:cNvPicPr>
+          <p:nvPr/>
+        </p:nvPicPr>
+        <p:blipFill>
+          <a:blip r:embed="rId23">
+            <a:lum bright="70000" contrast="-70000"/>
+            <a:extLst>
+              <a:ext uri="{28A0092B-C50C-407E-A947-70E740481C1C}">
+                <a14:useLocalDpi xmlns:a14="http://schemas.microsoft.com/office/drawing/2010/main" val="0"/>
+              </a:ext>
+            </a:extLst>
+          </a:blip>
+          <a:stretch>
+            <a:fillRect/>
+          </a:stretch>
+        </p:blipFill>
+        <p:spPr>
+          <a:xfrm>
+            <a:off x="9106570" y="2021457"/>
+            <a:ext cx="1219200" cy="1219200"/>
+          </a:xfrm>
+          <a:prstGeom prst="rect">
+            <a:avLst/>
+          </a:prstGeom>
+        </p:spPr>
+      </p:pic>
+    </p:spTree>
+    <p:extLst>
+      <p:ext uri="{BB962C8B-B14F-4D97-AF65-F5344CB8AC3E}">
+        <p14:creationId xmlns:p14="http://schemas.microsoft.com/office/powerpoint/2010/main" val="3555470181"/>
+      </p:ext>
+    </p:extLst>
+  </p:cSld>
+  <p:clrMapOvr>
+    <a:masterClrMapping/>
+  </p:clrMapOvr>
+</p:sld>
+</file>
+
+<file path=ppt/slides/slide39.xml><?xml version="1.0" encoding="utf-8"?>
+<p:sld xmlns:a="http://schemas.openxmlformats.org/drawingml/2006/main" xmlns:r="http://schemas.openxmlformats.org/officeDocument/2006/relationships" xmlns:p="http://schemas.openxmlformats.org/presentationml/2006/main" show="0">
+  <p:cSld>
+    <p:spTree>
+      <p:nvGrpSpPr>
+        <p:cNvPr id="1" name=""/>
+        <p:cNvGrpSpPr/>
+        <p:nvPr/>
+      </p:nvGrpSpPr>
+      <p:grpSpPr>
+        <a:xfrm>
+          <a:off x="0" y="0"/>
+          <a:ext cx="0" cy="0"/>
+          <a:chOff x="0" y="0"/>
+          <a:chExt cx="0" cy="0"/>
+        </a:xfrm>
+      </p:grpSpPr>
+      <p:pic>
+        <p:nvPicPr>
+          <p:cNvPr id="2" name="Picture 1"/>
+          <p:cNvPicPr>
+            <a:picLocks noChangeAspect="1"/>
+          </p:cNvPicPr>
+          <p:nvPr/>
+        </p:nvPicPr>
+        <p:blipFill>
+          <a:blip r:embed="rId2">
+            <a:lum bright="70000" contrast="-70000"/>
+            <a:extLst>
+              <a:ext uri="{28A0092B-C50C-407E-A947-70E740481C1C}">
+                <a14:useLocalDpi xmlns:a14="http://schemas.microsoft.com/office/drawing/2010/main" val="0"/>
+              </a:ext>
+            </a:extLst>
+          </a:blip>
+          <a:stretch>
+            <a:fillRect/>
+          </a:stretch>
+        </p:blipFill>
+        <p:spPr>
+          <a:xfrm>
             <a:off x="4100286" y="3807714"/>
             <a:ext cx="1219200" cy="1219200"/>
           </a:xfrm>
@@ -17423,14 +17514,6 @@
   <p:clrMapOvr>
     <a:masterClrMapping/>
   </p:clrMapOvr>
-  <mc:AlternateContent xmlns:mc="http://schemas.openxmlformats.org/markup-compatibility/2006">
-    <mc:Choice xmlns:p14="http://schemas.microsoft.com/office/powerpoint/2010/main" Requires="p14">
-      <p:transition spd="slow" p14:dur="2000"/>
-    </mc:Choice>
-    <mc:Fallback>
-      <p:transition spd="slow"/>
-    </mc:Fallback>
-  </mc:AlternateContent>
 </p:sld>
 </file>
 
@@ -17600,19 +17683,11 @@
           <a:p>
             <a:r>
               <a:rPr lang="en-US" dirty="0"/>
-              <a:t>Log Analytics / </a:t>
-            </a:r>
-            <a:r>
-              <a:rPr lang="en-US" dirty="0" smtClean="0"/>
-              <a:t>Operational Insight </a:t>
-            </a:r>
-            <a:r>
-              <a:rPr lang="en-US" dirty="0"/>
-              <a:t>Workspace</a:t>
-            </a:r>
-          </a:p>
-          <a:p>
-            <a:endParaRPr lang="en-US" dirty="0" smtClean="0"/>
+              <a:t>Log Analytics / Operational Insight Workspace</a:t>
+            </a:r>
+          </a:p>
+          <a:p>
+            <a:endParaRPr lang="en-US" dirty="0"/>
           </a:p>
           <a:p>
             <a:endParaRPr lang="en-US" dirty="0"/>
@@ -17714,16 +17789,12 @@
           <a:bodyPr/>
           <a:lstStyle/>
           <a:p>
-            <a:endParaRPr lang="en-US" dirty="0" smtClean="0"/>
-          </a:p>
-          <a:p>
-            <a:r>
-              <a:rPr lang="en-US" dirty="0" smtClean="0"/>
-              <a:t>Azure </a:t>
-            </a:r>
-            <a:r>
-              <a:rPr lang="en-US" dirty="0"/>
-              <a:t>AD not needed, but can be used if available.</a:t>
+            <a:endParaRPr lang="en-US" dirty="0"/>
+          </a:p>
+          <a:p>
+            <a:r>
+              <a:rPr lang="en-US" dirty="0"/>
+              <a:t>Azure AD not needed, but can be used if available.</a:t>
             </a:r>
           </a:p>
           <a:p>
@@ -17859,7 +17930,7 @@
             </a:r>
           </a:p>
           <a:p>
-            <a:endParaRPr lang="en-US" dirty="0" smtClean="0"/>
+            <a:endParaRPr lang="en-US" dirty="0"/>
           </a:p>
           <a:p>
             <a:pPr lvl="1"/>
@@ -17958,75 +18029,47 @@
           <a:bodyPr/>
           <a:lstStyle/>
           <a:p>
-            <a:endParaRPr lang="en-US" dirty="0" smtClean="0"/>
-          </a:p>
-          <a:p>
-            <a:r>
-              <a:rPr lang="en-US" dirty="0" smtClean="0"/>
-              <a:t>Make </a:t>
-            </a:r>
-            <a:r>
-              <a:rPr lang="en-US" dirty="0"/>
-              <a:t>sure your devices are </a:t>
-            </a:r>
-            <a:r>
-              <a:rPr lang="en-US" dirty="0" smtClean="0"/>
-              <a:t>patched</a:t>
+            <a:endParaRPr lang="en-US" dirty="0"/>
+          </a:p>
+          <a:p>
+            <a:r>
+              <a:rPr lang="en-US" dirty="0"/>
+              <a:t>Make sure your devices are patched</a:t>
             </a:r>
           </a:p>
           <a:p>
             <a:pPr lvl="1"/>
-            <a:r>
-              <a:rPr lang="en-US" dirty="0" smtClean="0">
-                <a:hlinkClick r:id="rId3"/>
-              </a:rPr>
-              <a:t>KB </a:t>
-            </a:r>
             <a:r>
               <a:rPr lang="en-US" dirty="0">
                 <a:hlinkClick r:id="rId3"/>
               </a:rPr>
-              <a:t>2952664</a:t>
+              <a:t>KB 2952664</a:t>
             </a:r>
             <a:r>
               <a:rPr lang="en-US" dirty="0"/>
               <a:t> for Windows 7 machines; </a:t>
             </a:r>
-            <a:endParaRPr lang="en-US" dirty="0" smtClean="0"/>
           </a:p>
           <a:p>
             <a:pPr lvl="1"/>
-            <a:r>
-              <a:rPr lang="en-US" dirty="0" smtClean="0">
-                <a:hlinkClick r:id="rId4"/>
-              </a:rPr>
-              <a:t>KB </a:t>
-            </a:r>
             <a:r>
               <a:rPr lang="en-US" dirty="0">
                 <a:hlinkClick r:id="rId4"/>
               </a:rPr>
-              <a:t>2976978</a:t>
+              <a:t>KB 2976978</a:t>
             </a:r>
             <a:r>
               <a:rPr lang="en-US" dirty="0"/>
               <a:t> for Windows 8.1 machines; </a:t>
             </a:r>
-            <a:endParaRPr lang="en-US" dirty="0" smtClean="0"/>
           </a:p>
           <a:p>
             <a:pPr lvl="1"/>
-            <a:r>
-              <a:rPr lang="en-US" dirty="0" smtClean="0">
-                <a:hlinkClick r:id="rId5"/>
-              </a:rPr>
-              <a:t>latest </a:t>
-            </a:r>
             <a:r>
               <a:rPr lang="en-US" dirty="0">
                 <a:hlinkClick r:id="rId5"/>
               </a:rPr>
-              <a:t>cumulative update</a:t>
+              <a:t>latest cumulative update</a:t>
             </a:r>
             <a:r>
               <a:rPr lang="en-US" dirty="0"/>
@@ -18034,13 +18077,18 @@
             </a:r>
           </a:p>
           <a:p>
-            <a:r>
-              <a:rPr lang="en-US" dirty="0" smtClean="0"/>
-              <a:t>Upgrade </a:t>
-            </a:r>
-            <a:r>
-              <a:rPr lang="en-US" dirty="0"/>
-              <a:t>Readiness Scripts </a:t>
+            <a:pPr marL="0" indent="0">
+              <a:buNone/>
+            </a:pPr>
+            <a:r>
+              <a:rPr lang="en-US" dirty="0"/>
+              <a:t>	These update frequently!</a:t>
+            </a:r>
+          </a:p>
+          <a:p>
+            <a:r>
+              <a:rPr lang="en-US" dirty="0"/>
+              <a:t>Upgrade Readiness Scripts </a:t>
             </a:r>
           </a:p>
           <a:p>

--- a/MMS 2017 - Windows Upgrade Readiness.pptx
+++ b/MMS 2017 - Windows Upgrade Readiness.pptx
@@ -5,7 +5,7 @@
     <p:sldMasterId id="2147483648" r:id="rId1"/>
   </p:sldMasterIdLst>
   <p:notesMasterIdLst>
-    <p:notesMasterId r:id="rId41"/>
+    <p:notesMasterId r:id="rId42"/>
   </p:notesMasterIdLst>
   <p:sldIdLst>
     <p:sldId id="256" r:id="rId2"/>
@@ -19,34 +19,35 @@
     <p:sldId id="292" r:id="rId10"/>
     <p:sldId id="282" r:id="rId11"/>
     <p:sldId id="280" r:id="rId12"/>
-    <p:sldId id="299" r:id="rId13"/>
-    <p:sldId id="290" r:id="rId14"/>
-    <p:sldId id="283" r:id="rId15"/>
-    <p:sldId id="289" r:id="rId16"/>
-    <p:sldId id="296" r:id="rId17"/>
-    <p:sldId id="287" r:id="rId18"/>
-    <p:sldId id="294" r:id="rId19"/>
-    <p:sldId id="286" r:id="rId20"/>
-    <p:sldId id="295" r:id="rId21"/>
-    <p:sldId id="259" r:id="rId22"/>
-    <p:sldId id="279" r:id="rId23"/>
-    <p:sldId id="260" r:id="rId24"/>
-    <p:sldId id="278" r:id="rId25"/>
-    <p:sldId id="262" r:id="rId26"/>
-    <p:sldId id="263" r:id="rId27"/>
-    <p:sldId id="264" r:id="rId28"/>
-    <p:sldId id="265" r:id="rId29"/>
-    <p:sldId id="266" r:id="rId30"/>
-    <p:sldId id="267" r:id="rId31"/>
-    <p:sldId id="268" r:id="rId32"/>
-    <p:sldId id="269" r:id="rId33"/>
-    <p:sldId id="270" r:id="rId34"/>
-    <p:sldId id="271" r:id="rId35"/>
-    <p:sldId id="272" r:id="rId36"/>
-    <p:sldId id="273" r:id="rId37"/>
-    <p:sldId id="274" r:id="rId38"/>
-    <p:sldId id="275" r:id="rId39"/>
-    <p:sldId id="276" r:id="rId40"/>
+    <p:sldId id="300" r:id="rId13"/>
+    <p:sldId id="299" r:id="rId14"/>
+    <p:sldId id="290" r:id="rId15"/>
+    <p:sldId id="283" r:id="rId16"/>
+    <p:sldId id="289" r:id="rId17"/>
+    <p:sldId id="296" r:id="rId18"/>
+    <p:sldId id="287" r:id="rId19"/>
+    <p:sldId id="294" r:id="rId20"/>
+    <p:sldId id="286" r:id="rId21"/>
+    <p:sldId id="295" r:id="rId22"/>
+    <p:sldId id="259" r:id="rId23"/>
+    <p:sldId id="279" r:id="rId24"/>
+    <p:sldId id="260" r:id="rId25"/>
+    <p:sldId id="278" r:id="rId26"/>
+    <p:sldId id="262" r:id="rId27"/>
+    <p:sldId id="263" r:id="rId28"/>
+    <p:sldId id="264" r:id="rId29"/>
+    <p:sldId id="265" r:id="rId30"/>
+    <p:sldId id="266" r:id="rId31"/>
+    <p:sldId id="267" r:id="rId32"/>
+    <p:sldId id="268" r:id="rId33"/>
+    <p:sldId id="269" r:id="rId34"/>
+    <p:sldId id="270" r:id="rId35"/>
+    <p:sldId id="271" r:id="rId36"/>
+    <p:sldId id="272" r:id="rId37"/>
+    <p:sldId id="273" r:id="rId38"/>
+    <p:sldId id="274" r:id="rId39"/>
+    <p:sldId id="275" r:id="rId40"/>
+    <p:sldId id="276" r:id="rId41"/>
   </p:sldIdLst>
   <p:sldSz cx="12192000" cy="6858000"/>
   <p:notesSz cx="6858000" cy="9144000"/>
@@ -165,6 +166,7 @@
             <p14:sldId id="292"/>
             <p14:sldId id="282"/>
             <p14:sldId id="280"/>
+            <p14:sldId id="300"/>
             <p14:sldId id="299"/>
             <p14:sldId id="290"/>
             <p14:sldId id="283"/>
@@ -695,47 +697,8 @@
           <a:p>
             <a:r>
               <a:rPr lang="en-US" dirty="0"/>
-              <a:t>When doing an</a:t>
-            </a:r>
-            <a:r>
-              <a:rPr lang="en-US" baseline="0" dirty="0"/>
-              <a:t> upgrade project the most important thing to consider is your applications. Everything else is secondary.  Users get work done and generate revenue because of the applications they are using, not the OS or the hardware.  Ok, so what does Upgrade Readiness get us to help with applications!?  An automatically maintained and detailed list.  Who used Excel or SharePoint during windows 7 migration project?  This can either be your source of truth or can be used to cross reference what you think your source of truth is.  Use this data as your application rationalization start.  Cross reference this against your ConfigMgr app library.  Identify your application owners, etc.</a:t>
-            </a:r>
-          </a:p>
-          <a:p>
-            <a:r>
-              <a:rPr lang="en-US" baseline="0" dirty="0"/>
-              <a:t>Using the telemetry gained from millions of windows 10 upgrades you also are given amazing </a:t>
-            </a:r>
-            <a:r>
-              <a:rPr lang="en-US" baseline="0" dirty="0" err="1"/>
-              <a:t>insite</a:t>
-            </a:r>
-            <a:r>
-              <a:rPr lang="en-US" baseline="0" dirty="0"/>
-              <a:t> into whether or nothing application will work on your </a:t>
-            </a:r>
-            <a:r>
-              <a:rPr lang="en-US" baseline="0" dirty="0" err="1"/>
-              <a:t>winows</a:t>
-            </a:r>
-            <a:r>
-              <a:rPr lang="en-US" baseline="0" dirty="0"/>
-              <a:t> 10 upgrade or servicing.</a:t>
-            </a:r>
-          </a:p>
-          <a:p>
-            <a:r>
-              <a:rPr lang="en-US" baseline="0" dirty="0"/>
-              <a:t> </a:t>
-            </a:r>
-          </a:p>
-          <a:p>
-            <a:r>
-              <a:rPr lang="en-US" baseline="0" dirty="0"/>
-              <a:t>You can assign importance levels and upgrade decision on these applications, meaning you can run your entire windows 10 application readiness from this portal if you want. Set the application to review in process to indicate it is being worked on.</a:t>
-            </a:r>
-            <a:endParaRPr lang="en-US" dirty="0"/>
+              <a:t>I THINK this is a comprehensive list of application issues.</a:t>
+            </a:r>
           </a:p>
         </p:txBody>
       </p:sp>
@@ -765,7 +728,7 @@
     </p:spTree>
     <p:extLst>
       <p:ext uri="{BB962C8B-B14F-4D97-AF65-F5344CB8AC3E}">
-        <p14:creationId xmlns:p14="http://schemas.microsoft.com/office/powerpoint/2010/main" val="856091211"/>
+        <p14:creationId xmlns:p14="http://schemas.microsoft.com/office/powerpoint/2010/main" val="2627278351"/>
       </p:ext>
     </p:extLst>
   </p:cSld>
@@ -821,12 +784,47 @@
           <a:p>
             <a:r>
               <a:rPr lang="en-US" dirty="0"/>
-              <a:t>The app owner</a:t>
+              <a:t>When doing an</a:t>
             </a:r>
             <a:r>
               <a:rPr lang="en-US" baseline="0" dirty="0"/>
-              <a:t> is important here.  Yu don’t own the application, only its deployment.  Get an app owner to validate and QA it.  Asking the app owner to validate has to be hardest job in the business.   You are essentially asking someone to carve out time for you when they have zero incentive to do it.  And they have a non-trivial risk associated with upgraded their applications… they may have non-trivial cost and security risks too.  This is a job best suited for a business analyst if you can have the resources.  Your problems here are non-technical.  Most very non-technical.  The path to success here is to be an annoying nag.  And have easily accessible test VMs.  This is hard work, plan accordingly!  </a:t>
-            </a:r>
+              <a:t> upgrade project the most important thing to consider is your applications. Everything else is secondary.  Users get work done and generate revenue because of the applications they are using, not the OS or the hardware.  Ok, so what does Upgrade Readiness get us to help with applications!?  An automatically maintained and detailed list.  Who used Excel or SharePoint during windows 7 migration project?  This can either be your source of truth or can be used to cross reference what you think your source of truth is.  Use this data as your application rationalization start.  Cross reference this against your ConfigMgr app library.  Identify your application owners, etc.</a:t>
+            </a:r>
+          </a:p>
+          <a:p>
+            <a:r>
+              <a:rPr lang="en-US" baseline="0" dirty="0"/>
+              <a:t>Using the telemetry gained from millions of windows 10 upgrades you also are given amazing </a:t>
+            </a:r>
+            <a:r>
+              <a:rPr lang="en-US" baseline="0" dirty="0" err="1"/>
+              <a:t>insite</a:t>
+            </a:r>
+            <a:r>
+              <a:rPr lang="en-US" baseline="0" dirty="0"/>
+              <a:t> into whether or nothing application will work on your </a:t>
+            </a:r>
+            <a:r>
+              <a:rPr lang="en-US" baseline="0" dirty="0" err="1"/>
+              <a:t>winows</a:t>
+            </a:r>
+            <a:r>
+              <a:rPr lang="en-US" baseline="0" dirty="0"/>
+              <a:t> 10 upgrade or servicing.</a:t>
+            </a:r>
+          </a:p>
+          <a:p>
+            <a:r>
+              <a:rPr lang="en-US" baseline="0" dirty="0"/>
+              <a:t> </a:t>
+            </a:r>
+          </a:p>
+          <a:p>
+            <a:r>
+              <a:rPr lang="en-US" baseline="0" dirty="0"/>
+              <a:t>You can assign importance levels and upgrade decision on these applications, meaning you can run your entire windows 10 application readiness from this portal if you want. Set the application to review in process to indicate it is being worked on.</a:t>
+            </a:r>
+            <a:endParaRPr lang="en-US" dirty="0"/>
           </a:p>
         </p:txBody>
       </p:sp>
@@ -856,7 +854,7 @@
     </p:spTree>
     <p:extLst>
       <p:ext uri="{BB962C8B-B14F-4D97-AF65-F5344CB8AC3E}">
-        <p14:creationId xmlns:p14="http://schemas.microsoft.com/office/powerpoint/2010/main" val="4028412828"/>
+        <p14:creationId xmlns:p14="http://schemas.microsoft.com/office/powerpoint/2010/main" val="856091211"/>
       </p:ext>
     </p:extLst>
   </p:cSld>
@@ -912,13 +910,12 @@
           <a:p>
             <a:r>
               <a:rPr lang="en-US" dirty="0"/>
-              <a:t>If</a:t>
+              <a:t>The app owner</a:t>
             </a:r>
             <a:r>
               <a:rPr lang="en-US" baseline="0" dirty="0"/>
-              <a:t> you want to look at a migration project as a time breakdown, application packaging and rationalization should be take 90% of your time.  The task sequence or deployment method is easy, its been done a thousand times by a thousand different people.  You WILL figure out whatever you need to do deploy the actual operating system.  Trust me when I say that is the easy part.   </a:t>
-            </a:r>
-            <a:endParaRPr lang="en-US" dirty="0"/>
+              <a:t> is important here.  Yu don’t own the application, only its deployment.  Get an app owner to validate and QA it.  Asking the app owner to validate has to be hardest job in the business.   You are essentially asking someone to carve out time for you when they have zero incentive to do it.  And they have a non-trivial risk associated with upgraded their applications… they may have non-trivial cost and security risks too.  This is a job best suited for a business analyst if you can have the resources.  Your problems here are non-technical.  Most very non-technical.  The path to success here is to be an annoying nag.  And have easily accessible test VMs.  This is hard work, plan accordingly!  </a:t>
+            </a:r>
           </a:p>
         </p:txBody>
       </p:sp>
@@ -948,7 +945,7 @@
     </p:spTree>
     <p:extLst>
       <p:ext uri="{BB962C8B-B14F-4D97-AF65-F5344CB8AC3E}">
-        <p14:creationId xmlns:p14="http://schemas.microsoft.com/office/powerpoint/2010/main" val="794720649"/>
+        <p14:creationId xmlns:p14="http://schemas.microsoft.com/office/powerpoint/2010/main" val="4028412828"/>
       </p:ext>
     </p:extLst>
   </p:cSld>
@@ -1004,37 +1001,13 @@
           <a:p>
             <a:r>
               <a:rPr lang="en-US" dirty="0"/>
-              <a:t>Available</a:t>
+              <a:t>If</a:t>
             </a:r>
             <a:r>
               <a:rPr lang="en-US" baseline="0" dirty="0"/>
-              <a:t> in 1610.  Easy to integrate, can take days for information to show in the console.</a:t>
-            </a:r>
-          </a:p>
-          <a:p>
-            <a:endParaRPr lang="en-US" baseline="0" dirty="0"/>
-          </a:p>
-          <a:p>
-            <a:r>
-              <a:rPr lang="en-US" baseline="0" dirty="0"/>
-              <a:t>Use </a:t>
-            </a:r>
-            <a:r>
-              <a:rPr lang="en-US" baseline="0" dirty="0" err="1"/>
-              <a:t>configmgr</a:t>
-            </a:r>
-            <a:r>
-              <a:rPr lang="en-US" baseline="0" dirty="0"/>
-              <a:t> with windows readiness integration to further dissect your windows 10 upgrade eligible devices.  i.e. UEFI w/ </a:t>
-            </a:r>
-            <a:r>
-              <a:rPr lang="en-US" baseline="0" dirty="0" err="1"/>
-              <a:t>SecureBoot</a:t>
-            </a:r>
-            <a:r>
-              <a:rPr lang="en-US" baseline="0" dirty="0"/>
-              <a:t> and TPM AND ready according to Windows Readiness. </a:t>
-            </a:r>
+              <a:t> you want to look at a migration project as a time breakdown, application packaging and rationalization should be take 90% of your time.  The task sequence or deployment method is easy, its been done a thousand times by a thousand different people.  You WILL figure out whatever you need to do deploy the actual operating system.  Trust me when I say that is the easy part.   </a:t>
+            </a:r>
+            <a:endParaRPr lang="en-US" dirty="0"/>
           </a:p>
         </p:txBody>
       </p:sp>
@@ -1064,7 +1037,7 @@
     </p:spTree>
     <p:extLst>
       <p:ext uri="{BB962C8B-B14F-4D97-AF65-F5344CB8AC3E}">
-        <p14:creationId xmlns:p14="http://schemas.microsoft.com/office/powerpoint/2010/main" val="1504100041"/>
+        <p14:creationId xmlns:p14="http://schemas.microsoft.com/office/powerpoint/2010/main" val="794720649"/>
       </p:ext>
     </p:extLst>
   </p:cSld>
@@ -1120,13 +1093,37 @@
           <a:p>
             <a:r>
               <a:rPr lang="en-US" dirty="0"/>
-              <a:t>The app owner</a:t>
+              <a:t>Available</a:t>
             </a:r>
             <a:r>
               <a:rPr lang="en-US" baseline="0" dirty="0"/>
-              <a:t> is important here.  Yu don’t own the application, only its deployment.  Get an app owner to validate and QA it.</a:t>
-            </a:r>
-            <a:endParaRPr lang="en-US" dirty="0"/>
+              <a:t> in 1610.  Easy to integrate, can take days for information to show in the console.</a:t>
+            </a:r>
+          </a:p>
+          <a:p>
+            <a:endParaRPr lang="en-US" baseline="0" dirty="0"/>
+          </a:p>
+          <a:p>
+            <a:r>
+              <a:rPr lang="en-US" baseline="0" dirty="0"/>
+              <a:t>Use </a:t>
+            </a:r>
+            <a:r>
+              <a:rPr lang="en-US" baseline="0" dirty="0" err="1"/>
+              <a:t>configmgr</a:t>
+            </a:r>
+            <a:r>
+              <a:rPr lang="en-US" baseline="0" dirty="0"/>
+              <a:t> with windows readiness integration to further dissect your windows 10 upgrade eligible devices.  i.e. UEFI w/ </a:t>
+            </a:r>
+            <a:r>
+              <a:rPr lang="en-US" baseline="0" dirty="0" err="1"/>
+              <a:t>SecureBoot</a:t>
+            </a:r>
+            <a:r>
+              <a:rPr lang="en-US" baseline="0" dirty="0"/>
+              <a:t> and TPM AND ready according to Windows Readiness. </a:t>
+            </a:r>
           </a:p>
         </p:txBody>
       </p:sp>
@@ -1156,7 +1153,7 @@
     </p:spTree>
     <p:extLst>
       <p:ext uri="{BB962C8B-B14F-4D97-AF65-F5344CB8AC3E}">
-        <p14:creationId xmlns:p14="http://schemas.microsoft.com/office/powerpoint/2010/main" val="3465912176"/>
+        <p14:creationId xmlns:p14="http://schemas.microsoft.com/office/powerpoint/2010/main" val="1504100041"/>
       </p:ext>
     </p:extLst>
   </p:cSld>
@@ -1212,11 +1209,11 @@
           <a:p>
             <a:r>
               <a:rPr lang="en-US" dirty="0"/>
-              <a:t>If</a:t>
+              <a:t>The app owner</a:t>
             </a:r>
             <a:r>
               <a:rPr lang="en-US" baseline="0" dirty="0"/>
-              <a:t> you want to look at a migration project as a time breakdown, application packaging and rationalization should be take 90% of your time.  The task sequence or deployment method is easy, its been done a thousand times by a thousand different people.  You WILL figure out whatever you need to do deploy the actual operating system.  Trust me when I say that is the easy part.   </a:t>
+              <a:t> is important here.  Yu don’t own the application, only its deployment.  Get an app owner to validate and QA it.</a:t>
             </a:r>
             <a:endParaRPr lang="en-US" dirty="0"/>
           </a:p>
@@ -1248,7 +1245,7 @@
     </p:spTree>
     <p:extLst>
       <p:ext uri="{BB962C8B-B14F-4D97-AF65-F5344CB8AC3E}">
-        <p14:creationId xmlns:p14="http://schemas.microsoft.com/office/powerpoint/2010/main" val="793046230"/>
+        <p14:creationId xmlns:p14="http://schemas.microsoft.com/office/powerpoint/2010/main" val="3465912176"/>
       </p:ext>
     </p:extLst>
   </p:cSld>
@@ -1304,11 +1301,11 @@
           <a:p>
             <a:r>
               <a:rPr lang="en-US" dirty="0"/>
-              <a:t>The app owner</a:t>
+              <a:t>If</a:t>
             </a:r>
             <a:r>
               <a:rPr lang="en-US" baseline="0" dirty="0"/>
-              <a:t> is important here.  Yu don’t own the application, only its deployment.  Get an app owner to validate and QA it.</a:t>
+              <a:t> you want to look at a migration project as a time breakdown, application packaging and rationalization should be take 90% of your time.  The task sequence or deployment method is easy, its been done a thousand times by a thousand different people.  You WILL figure out whatever you need to do deploy the actual operating system.  Trust me when I say that is the easy part.   </a:t>
             </a:r>
             <a:endParaRPr lang="en-US" dirty="0"/>
           </a:p>
@@ -1340,7 +1337,7 @@
     </p:spTree>
     <p:extLst>
       <p:ext uri="{BB962C8B-B14F-4D97-AF65-F5344CB8AC3E}">
-        <p14:creationId xmlns:p14="http://schemas.microsoft.com/office/powerpoint/2010/main" val="3246521007"/>
+        <p14:creationId xmlns:p14="http://schemas.microsoft.com/office/powerpoint/2010/main" val="793046230"/>
       </p:ext>
     </p:extLst>
   </p:cSld>
@@ -1396,11 +1393,11 @@
           <a:p>
             <a:r>
               <a:rPr lang="en-US" dirty="0"/>
-              <a:t>If</a:t>
+              <a:t>The app owner</a:t>
             </a:r>
             <a:r>
               <a:rPr lang="en-US" baseline="0" dirty="0"/>
-              <a:t> you want to look at a migration project as a time breakdown, application packaging and rationalization should be take 90% of your time.  The task sequence or deployment method is easy, its been done a thousand times by a thousand different people.  You WILL figure out whatever you need to do deploy the actual operating system.  Trust me when I say that is the easy part.   </a:t>
+              <a:t> is important here.  Yu don’t own the application, only its deployment.  Get an app owner to validate and QA it.</a:t>
             </a:r>
             <a:endParaRPr lang="en-US" dirty="0"/>
           </a:p>
@@ -1432,7 +1429,7 @@
     </p:spTree>
     <p:extLst>
       <p:ext uri="{BB962C8B-B14F-4D97-AF65-F5344CB8AC3E}">
-        <p14:creationId xmlns:p14="http://schemas.microsoft.com/office/powerpoint/2010/main" val="1806650894"/>
+        <p14:creationId xmlns:p14="http://schemas.microsoft.com/office/powerpoint/2010/main" val="3246521007"/>
       </p:ext>
     </p:extLst>
   </p:cSld>
@@ -1488,23 +1485,11 @@
           <a:p>
             <a:r>
               <a:rPr lang="en-US" dirty="0"/>
-              <a:t>All the </a:t>
-            </a:r>
-            <a:r>
-              <a:rPr lang="en-US" dirty="0" err="1"/>
-              <a:t>powershell</a:t>
-            </a:r>
-            <a:r>
-              <a:rPr lang="en-US" dirty="0"/>
-              <a:t> is</a:t>
+              <a:t>If</a:t>
             </a:r>
             <a:r>
               <a:rPr lang="en-US" baseline="0" dirty="0"/>
-              <a:t> really just another way to report or display data.  The power is being able to use that data </a:t>
-            </a:r>
-            <a:r>
-              <a:rPr lang="en-US" baseline="0"/>
-              <a:t>and integrate.  </a:t>
+              <a:t> you want to look at a migration project as a time breakdown, application packaging and rationalization should be take 90% of your time.  The task sequence or deployment method is easy, its been done a thousand times by a thousand different people.  You WILL figure out whatever you need to do deploy the actual operating system.  Trust me when I say that is the easy part.   </a:t>
             </a:r>
             <a:endParaRPr lang="en-US" dirty="0"/>
           </a:p>
@@ -1528,6 +1513,110 @@
             <a:fld id="{6AD7C417-D302-4BDC-AE7D-6A9679C5A3F5}" type="slidenum">
               <a:rPr lang="en-US" smtClean="0"/>
               <a:t>20</a:t>
+            </a:fld>
+            <a:endParaRPr lang="en-US"/>
+          </a:p>
+        </p:txBody>
+      </p:sp>
+    </p:spTree>
+    <p:extLst>
+      <p:ext uri="{BB962C8B-B14F-4D97-AF65-F5344CB8AC3E}">
+        <p14:creationId xmlns:p14="http://schemas.microsoft.com/office/powerpoint/2010/main" val="1806650894"/>
+      </p:ext>
+    </p:extLst>
+  </p:cSld>
+  <p:clrMapOvr>
+    <a:masterClrMapping/>
+  </p:clrMapOvr>
+</p:notes>
+</file>
+
+<file path=ppt/notesSlides/notesSlide19.xml><?xml version="1.0" encoding="utf-8"?>
+<p:notes xmlns:a="http://schemas.openxmlformats.org/drawingml/2006/main" xmlns:r="http://schemas.openxmlformats.org/officeDocument/2006/relationships" xmlns:p="http://schemas.openxmlformats.org/presentationml/2006/main">
+  <p:cSld>
+    <p:spTree>
+      <p:nvGrpSpPr>
+        <p:cNvPr id="1" name=""/>
+        <p:cNvGrpSpPr/>
+        <p:nvPr/>
+      </p:nvGrpSpPr>
+      <p:grpSpPr>
+        <a:xfrm>
+          <a:off x="0" y="0"/>
+          <a:ext cx="0" cy="0"/>
+          <a:chOff x="0" y="0"/>
+          <a:chExt cx="0" cy="0"/>
+        </a:xfrm>
+      </p:grpSpPr>
+      <p:sp>
+        <p:nvSpPr>
+          <p:cNvPr id="2" name="Slide Image Placeholder 1"/>
+          <p:cNvSpPr>
+            <a:spLocks noGrp="1" noRot="1" noChangeAspect="1"/>
+          </p:cNvSpPr>
+          <p:nvPr>
+            <p:ph type="sldImg"/>
+          </p:nvPr>
+        </p:nvSpPr>
+        <p:spPr/>
+      </p:sp>
+      <p:sp>
+        <p:nvSpPr>
+          <p:cNvPr id="3" name="Notes Placeholder 2"/>
+          <p:cNvSpPr>
+            <a:spLocks noGrp="1"/>
+          </p:cNvSpPr>
+          <p:nvPr>
+            <p:ph type="body" idx="1"/>
+          </p:nvPr>
+        </p:nvSpPr>
+        <p:spPr/>
+        <p:txBody>
+          <a:bodyPr/>
+          <a:lstStyle/>
+          <a:p>
+            <a:r>
+              <a:rPr lang="en-US" dirty="0"/>
+              <a:t>All the </a:t>
+            </a:r>
+            <a:r>
+              <a:rPr lang="en-US" dirty="0" err="1"/>
+              <a:t>powershell</a:t>
+            </a:r>
+            <a:r>
+              <a:rPr lang="en-US" dirty="0"/>
+              <a:t> is</a:t>
+            </a:r>
+            <a:r>
+              <a:rPr lang="en-US" baseline="0" dirty="0"/>
+              <a:t> really just another way to report or display data.  The power is being able to use that data </a:t>
+            </a:r>
+            <a:r>
+              <a:rPr lang="en-US" baseline="0"/>
+              <a:t>and integrate.  </a:t>
+            </a:r>
+            <a:endParaRPr lang="en-US" dirty="0"/>
+          </a:p>
+        </p:txBody>
+      </p:sp>
+      <p:sp>
+        <p:nvSpPr>
+          <p:cNvPr id="4" name="Slide Number Placeholder 3"/>
+          <p:cNvSpPr>
+            <a:spLocks noGrp="1"/>
+          </p:cNvSpPr>
+          <p:nvPr>
+            <p:ph type="sldNum" sz="quarter" idx="10"/>
+          </p:nvPr>
+        </p:nvSpPr>
+        <p:spPr/>
+        <p:txBody>
+          <a:bodyPr/>
+          <a:lstStyle/>
+          <a:p>
+            <a:fld id="{6AD7C417-D302-4BDC-AE7D-6A9679C5A3F5}" type="slidenum">
+              <a:rPr lang="en-US" smtClean="0"/>
+              <a:t>21</a:t>
             </a:fld>
             <a:endParaRPr lang="en-US"/>
           </a:p>
@@ -2436,11 +2525,11 @@
           <a:p>
             <a:r>
               <a:rPr lang="en-US" dirty="0"/>
-              <a:t>I THINK this is a comprehensive list of </a:t>
-            </a:r>
-            <a:r>
-              <a:rPr lang="en-US"/>
-              <a:t>application issues.</a:t>
+              <a:t>If</a:t>
+            </a:r>
+            <a:r>
+              <a:rPr lang="en-US" baseline="0" dirty="0"/>
+              <a:t> your add/remove programs has custom strings in it, WU can handle that.  It determines what the actual application is independent of the Add Remove Programs.</a:t>
             </a:r>
             <a:endParaRPr lang="en-US" dirty="0"/>
           </a:p>
@@ -7576,39 +7665,110 @@
             <a:pPr lvl="1"/>
             <a:r>
               <a:rPr lang="en-US" dirty="0"/>
-              <a:t>Application Issue Status</a:t>
+              <a:t>What is actually gathered?	</a:t>
+            </a:r>
+          </a:p>
+          <a:p>
+            <a:pPr lvl="2"/>
+            <a:r>
+              <a:rPr lang="en-US" dirty="0"/>
+              <a:t>Add Remove Programs (32 and 64)</a:t>
+            </a:r>
+          </a:p>
+          <a:p>
+            <a:pPr lvl="1"/>
+            <a:r>
+              <a:rPr lang="en-US" dirty="0"/>
+              <a:t>There is some kind of rationalization happening on the back end.</a:t>
             </a:r>
           </a:p>
           <a:p>
             <a:pPr lvl="1"/>
             <a:endParaRPr lang="en-US" dirty="0"/>
           </a:p>
+          <a:p>
+            <a:pPr lvl="1"/>
+            <a:r>
+              <a:rPr lang="en-US" dirty="0"/>
+              <a:t>Does it get everything?  YES</a:t>
+            </a:r>
+          </a:p>
+          <a:p>
+            <a:pPr marL="457200" lvl="1" indent="0">
+              <a:buNone/>
+            </a:pPr>
+            <a:r>
+              <a:rPr lang="en-US" dirty="0"/>
+              <a:t>	Prove it!</a:t>
+            </a:r>
+          </a:p>
+          <a:p>
+            <a:pPr marL="457200" lvl="1" indent="0">
+              <a:buNone/>
+            </a:pPr>
+            <a:r>
+              <a:rPr lang="en-US" dirty="0"/>
+              <a:t>	Analyzing </a:t>
+            </a:r>
+            <a:r>
+              <a:rPr lang="en-US" dirty="0" err="1"/>
+              <a:t>ConfigMgr</a:t>
+            </a:r>
+            <a:r>
+              <a:rPr lang="en-US" dirty="0"/>
+              <a:t> Installed Applications vs. Windows Upgrade Readiness showed shocking 	accuracy.  </a:t>
+            </a:r>
+          </a:p>
+          <a:p>
+            <a:pPr marL="457200" lvl="1" indent="0">
+              <a:buNone/>
+            </a:pPr>
+            <a:r>
+              <a:rPr lang="en-US" dirty="0"/>
+              <a:t>	Security Updates are not included in WU</a:t>
+            </a:r>
+          </a:p>
+          <a:p>
+            <a:pPr marL="457200" lvl="1" indent="0">
+              <a:buNone/>
+            </a:pPr>
+            <a:r>
+              <a:rPr lang="en-US" dirty="0"/>
+              <a:t>	Microsoft Office shows only one time.</a:t>
+            </a:r>
+          </a:p>
+          <a:p>
+            <a:pPr marL="457200" lvl="1" indent="0">
+              <a:buNone/>
+            </a:pPr>
+            <a:r>
+              <a:rPr lang="en-US" dirty="0"/>
+              <a:t>	Windows </a:t>
+            </a:r>
+            <a:r>
+              <a:rPr lang="en-US" dirty="0" err="1"/>
+              <a:t>Updgrade</a:t>
+            </a:r>
+            <a:r>
+              <a:rPr lang="en-US" dirty="0"/>
+              <a:t> Readiness may finds things that </a:t>
+            </a:r>
+            <a:r>
+              <a:rPr lang="en-US" dirty="0" err="1"/>
+              <a:t>ConfigMgr</a:t>
+            </a:r>
+            <a:r>
+              <a:rPr lang="en-US"/>
+              <a:t> did not.  </a:t>
+            </a:r>
+            <a:endParaRPr lang="en-US" dirty="0"/>
+          </a:p>
+          <a:p>
+            <a:pPr lvl="1"/>
+            <a:endParaRPr lang="en-US" dirty="0"/>
+          </a:p>
         </p:txBody>
       </p:sp>
-      <p:pic>
-        <p:nvPicPr>
-          <p:cNvPr id="5" name="Picture 4"/>
-          <p:cNvPicPr>
-            <a:picLocks noChangeAspect="1"/>
-          </p:cNvPicPr>
-          <p:nvPr/>
-        </p:nvPicPr>
-        <p:blipFill>
-          <a:blip r:embed="rId3"/>
-          <a:stretch>
-            <a:fillRect/>
-          </a:stretch>
-        </p:blipFill>
-        <p:spPr>
-          <a:xfrm>
-            <a:off x="1417299" y="1847850"/>
-            <a:ext cx="3228975" cy="3619500"/>
-          </a:xfrm>
-          <a:prstGeom prst="rect">
-            <a:avLst/>
-          </a:prstGeom>
-        </p:spPr>
-      </p:pic>
     </p:spTree>
     <p:extLst>
       <p:ext uri="{BB962C8B-B14F-4D97-AF65-F5344CB8AC3E}">
@@ -7676,54 +7836,11 @@
           <a:bodyPr/>
           <a:lstStyle/>
           <a:p>
-            <a:r>
-              <a:rPr lang="en-US" dirty="0"/>
-              <a:t>So much good data to get here…</a:t>
-            </a:r>
-          </a:p>
-          <a:p>
             <a:pPr lvl="1"/>
             <a:r>
               <a:rPr lang="en-US" dirty="0"/>
-              <a:t>List of applications in the environment</a:t>
-            </a:r>
-          </a:p>
-          <a:p>
-            <a:pPr lvl="2"/>
-            <a:r>
-              <a:rPr lang="en-US" dirty="0"/>
-              <a:t>Install Count</a:t>
-            </a:r>
-          </a:p>
-          <a:p>
-            <a:pPr lvl="2"/>
-            <a:r>
-              <a:rPr lang="en-US" dirty="0"/>
-              <a:t>What devices have the applications</a:t>
-            </a:r>
-          </a:p>
-          <a:p>
-            <a:pPr lvl="2"/>
-            <a:r>
-              <a:rPr lang="en-US" dirty="0"/>
-              <a:t>Detailed version information</a:t>
-            </a:r>
-          </a:p>
-          <a:p>
-            <a:pPr lvl="4"/>
-            <a:endParaRPr lang="en-US" dirty="0"/>
-          </a:p>
-          <a:p>
-            <a:r>
-              <a:rPr lang="en-US" dirty="0"/>
-              <a:t>Importance and Upgrade Decision</a:t>
-            </a:r>
-          </a:p>
-          <a:p>
-            <a:pPr marL="0" indent="0">
-              <a:buNone/>
-            </a:pPr>
-            <a:endParaRPr lang="en-US" dirty="0"/>
+              <a:t>Application Issue Status</a:t>
+            </a:r>
           </a:p>
           <a:p>
             <a:pPr lvl="1"/>
@@ -7733,7 +7850,7 @@
       </p:sp>
       <p:pic>
         <p:nvPicPr>
-          <p:cNvPr id="4" name="Picture 3"/>
+          <p:cNvPr id="5" name="Picture 4"/>
           <p:cNvPicPr>
             <a:picLocks noChangeAspect="1"/>
           </p:cNvPicPr>
@@ -7747,8 +7864,8 @@
         </p:blipFill>
         <p:spPr>
           <a:xfrm>
-            <a:off x="1844299" y="4085459"/>
-            <a:ext cx="3093461" cy="1232013"/>
+            <a:off x="1417299" y="1847850"/>
+            <a:ext cx="3228975" cy="3619500"/>
           </a:xfrm>
           <a:prstGeom prst="rect">
             <a:avLst/>
@@ -7758,7 +7875,7 @@
     </p:spTree>
     <p:extLst>
       <p:ext uri="{BB962C8B-B14F-4D97-AF65-F5344CB8AC3E}">
-        <p14:creationId xmlns:p14="http://schemas.microsoft.com/office/powerpoint/2010/main" val="4030451786"/>
+        <p14:creationId xmlns:p14="http://schemas.microsoft.com/office/powerpoint/2010/main" val="3789629055"/>
       </p:ext>
     </p:extLst>
   </p:cSld>
@@ -7802,7 +7919,7 @@
           <a:p>
             <a:r>
               <a:rPr lang="en-US" dirty="0"/>
-              <a:t>Will the app work!?</a:t>
+              <a:t>Upgrade Readiness - Applications</a:t>
             </a:r>
           </a:p>
         </p:txBody>
@@ -7824,78 +7941,87 @@
           <a:p>
             <a:r>
               <a:rPr lang="en-US" dirty="0"/>
-              <a:t>Still unsure?</a:t>
+              <a:t>So much good data to get here…</a:t>
             </a:r>
           </a:p>
           <a:p>
             <a:pPr lvl="1"/>
             <a:r>
               <a:rPr lang="en-US" dirty="0"/>
-              <a:t>Contact the vendor and ask.</a:t>
-            </a:r>
-          </a:p>
-          <a:p>
-            <a:pPr lvl="1"/>
-            <a:r>
-              <a:rPr lang="en-US" dirty="0"/>
-              <a:t>Ready for Windows</a:t>
+              <a:t>List of applications in the environment</a:t>
             </a:r>
           </a:p>
           <a:p>
             <a:pPr lvl="2"/>
             <a:r>
-              <a:rPr lang="en-US" dirty="0">
-                <a:hlinkClick r:id="rId3"/>
-              </a:rPr>
-              <a:t>https://developer.microsoft.com/en-us/windows/ready-for-windows#/</a:t>
-            </a:r>
+              <a:rPr lang="en-US" dirty="0"/>
+              <a:t>Install Count</a:t>
+            </a:r>
+          </a:p>
+          <a:p>
+            <a:pPr lvl="2"/>
+            <a:r>
+              <a:rPr lang="en-US" dirty="0"/>
+              <a:t>What devices have the applications</a:t>
+            </a:r>
+          </a:p>
+          <a:p>
+            <a:pPr lvl="2"/>
+            <a:r>
+              <a:rPr lang="en-US" dirty="0"/>
+              <a:t>Detailed version information</a:t>
+            </a:r>
+          </a:p>
+          <a:p>
+            <a:pPr lvl="4"/>
             <a:endParaRPr lang="en-US" dirty="0"/>
           </a:p>
           <a:p>
-            <a:pPr lvl="1"/>
-            <a:r>
-              <a:rPr lang="en-US" dirty="0"/>
-              <a:t>Application Compatibility Factory</a:t>
-            </a:r>
-          </a:p>
-          <a:p>
-            <a:pPr lvl="2"/>
-            <a:r>
-              <a:rPr lang="en-US" dirty="0">
-                <a:hlinkClick r:id="rId4"/>
-              </a:rPr>
-              <a:t>https://technet.microsoft.com/en-us/windows/application-compatibility-factory-program.aspx</a:t>
-            </a:r>
+            <a:r>
+              <a:rPr lang="en-US" dirty="0"/>
+              <a:t>Importance and Upgrade Decision</a:t>
+            </a:r>
+          </a:p>
+          <a:p>
+            <a:pPr marL="0" indent="0">
+              <a:buNone/>
+            </a:pPr>
             <a:endParaRPr lang="en-US" dirty="0"/>
-          </a:p>
-          <a:p>
-            <a:pPr lvl="1"/>
-            <a:r>
-              <a:rPr lang="en-US" dirty="0"/>
-              <a:t>Ask the app owner to validate. </a:t>
-            </a:r>
           </a:p>
           <a:p>
             <a:pPr lvl="1"/>
             <a:endParaRPr lang="en-US" dirty="0"/>
           </a:p>
-          <a:p>
-            <a:pPr lvl="1"/>
-            <a:r>
-              <a:rPr lang="en-US" dirty="0"/>
-              <a:t>Retire / Replace / Rationalize</a:t>
-            </a:r>
-          </a:p>
-          <a:p>
-            <a:pPr lvl="1"/>
-            <a:endParaRPr lang="en-US" dirty="0"/>
-          </a:p>
         </p:txBody>
       </p:sp>
+      <p:pic>
+        <p:nvPicPr>
+          <p:cNvPr id="4" name="Picture 3"/>
+          <p:cNvPicPr>
+            <a:picLocks noChangeAspect="1"/>
+          </p:cNvPicPr>
+          <p:nvPr/>
+        </p:nvPicPr>
+        <p:blipFill>
+          <a:blip r:embed="rId3"/>
+          <a:stretch>
+            <a:fillRect/>
+          </a:stretch>
+        </p:blipFill>
+        <p:spPr>
+          <a:xfrm>
+            <a:off x="1844299" y="4085459"/>
+            <a:ext cx="3093461" cy="1232013"/>
+          </a:xfrm>
+          <a:prstGeom prst="rect">
+            <a:avLst/>
+          </a:prstGeom>
+        </p:spPr>
+      </p:pic>
     </p:spTree>
     <p:extLst>
       <p:ext uri="{BB962C8B-B14F-4D97-AF65-F5344CB8AC3E}">
-        <p14:creationId xmlns:p14="http://schemas.microsoft.com/office/powerpoint/2010/main" val="3989008472"/>
+        <p14:creationId xmlns:p14="http://schemas.microsoft.com/office/powerpoint/2010/main" val="4030451786"/>
       </p:ext>
     </p:extLst>
   </p:cSld>
@@ -7924,7 +8050,7 @@
       </p:grpSpPr>
       <p:sp>
         <p:nvSpPr>
-          <p:cNvPr id="4" name="Title 3"/>
+          <p:cNvPr id="2" name="Title 1"/>
           <p:cNvSpPr>
             <a:spLocks noGrp="1"/>
           </p:cNvSpPr>
@@ -7939,33 +8065,19 @@
           <a:p>
             <a:r>
               <a:rPr lang="en-US" dirty="0"/>
-              <a:t>Drivers, </a:t>
-            </a:r>
-            <a:br>
-              <a:rPr lang="en-US" dirty="0"/>
-            </a:br>
-            <a:r>
-              <a:rPr lang="en-US" dirty="0"/>
-              <a:t>Office Add-Ons, </a:t>
-            </a:r>
-            <a:br>
-              <a:rPr lang="en-US" dirty="0"/>
-            </a:br>
-            <a:r>
-              <a:rPr lang="en-US" dirty="0"/>
-              <a:t>Web Applications</a:t>
+              <a:t>Will the app work!?</a:t>
             </a:r>
           </a:p>
         </p:txBody>
       </p:sp>
       <p:sp>
         <p:nvSpPr>
-          <p:cNvPr id="5" name="Text Placeholder 4"/>
+          <p:cNvPr id="3" name="Content Placeholder 2"/>
           <p:cNvSpPr>
             <a:spLocks noGrp="1"/>
           </p:cNvSpPr>
           <p:nvPr>
-            <p:ph type="body" idx="1"/>
+            <p:ph idx="1"/>
           </p:nvPr>
         </p:nvSpPr>
         <p:spPr/>
@@ -7975,15 +8087,78 @@
           <a:p>
             <a:r>
               <a:rPr lang="en-US" dirty="0"/>
-              <a:t>The bonus materials.</a:t>
-            </a:r>
+              <a:t>Still unsure?</a:t>
+            </a:r>
+          </a:p>
+          <a:p>
+            <a:pPr lvl="1"/>
+            <a:r>
+              <a:rPr lang="en-US" dirty="0"/>
+              <a:t>Contact the vendor and ask.</a:t>
+            </a:r>
+          </a:p>
+          <a:p>
+            <a:pPr lvl="1"/>
+            <a:r>
+              <a:rPr lang="en-US" dirty="0"/>
+              <a:t>Ready for Windows</a:t>
+            </a:r>
+          </a:p>
+          <a:p>
+            <a:pPr lvl="2"/>
+            <a:r>
+              <a:rPr lang="en-US" dirty="0">
+                <a:hlinkClick r:id="rId3"/>
+              </a:rPr>
+              <a:t>https://developer.microsoft.com/en-us/windows/ready-for-windows#/</a:t>
+            </a:r>
+            <a:endParaRPr lang="en-US" dirty="0"/>
+          </a:p>
+          <a:p>
+            <a:pPr lvl="1"/>
+            <a:r>
+              <a:rPr lang="en-US" dirty="0"/>
+              <a:t>Application Compatibility Factory</a:t>
+            </a:r>
+          </a:p>
+          <a:p>
+            <a:pPr lvl="2"/>
+            <a:r>
+              <a:rPr lang="en-US" dirty="0">
+                <a:hlinkClick r:id="rId4"/>
+              </a:rPr>
+              <a:t>https://technet.microsoft.com/en-us/windows/application-compatibility-factory-program.aspx</a:t>
+            </a:r>
+            <a:endParaRPr lang="en-US" dirty="0"/>
+          </a:p>
+          <a:p>
+            <a:pPr lvl="1"/>
+            <a:r>
+              <a:rPr lang="en-US" dirty="0"/>
+              <a:t>Ask the app owner to validate. </a:t>
+            </a:r>
+          </a:p>
+          <a:p>
+            <a:pPr lvl="1"/>
+            <a:endParaRPr lang="en-US" dirty="0"/>
+          </a:p>
+          <a:p>
+            <a:pPr lvl="1"/>
+            <a:r>
+              <a:rPr lang="en-US" dirty="0"/>
+              <a:t>Retire / Replace / Rationalize</a:t>
+            </a:r>
+          </a:p>
+          <a:p>
+            <a:pPr lvl="1"/>
+            <a:endParaRPr lang="en-US" dirty="0"/>
           </a:p>
         </p:txBody>
       </p:sp>
     </p:spTree>
     <p:extLst>
       <p:ext uri="{BB962C8B-B14F-4D97-AF65-F5344CB8AC3E}">
-        <p14:creationId xmlns:p14="http://schemas.microsoft.com/office/powerpoint/2010/main" val="1374891558"/>
+        <p14:creationId xmlns:p14="http://schemas.microsoft.com/office/powerpoint/2010/main" val="3989008472"/>
       </p:ext>
     </p:extLst>
   </p:cSld>
@@ -8027,7 +8202,21 @@
           <a:p>
             <a:r>
               <a:rPr lang="en-US" dirty="0"/>
-              <a:t>ConfigMgr Integration</a:t>
+              <a:t>Drivers, </a:t>
+            </a:r>
+            <a:br>
+              <a:rPr lang="en-US" dirty="0"/>
+            </a:br>
+            <a:r>
+              <a:rPr lang="en-US" dirty="0"/>
+              <a:t>Office Add-Ons, </a:t>
+            </a:r>
+            <a:br>
+              <a:rPr lang="en-US" dirty="0"/>
+            </a:br>
+            <a:r>
+              <a:rPr lang="en-US" dirty="0"/>
+              <a:t>Web Applications</a:t>
             </a:r>
           </a:p>
         </p:txBody>
@@ -8042,19 +8231,14 @@
             <p:ph type="body" idx="1"/>
           </p:nvPr>
         </p:nvSpPr>
-        <p:spPr>
-          <a:xfrm>
-            <a:off x="620966" y="4495800"/>
-            <a:ext cx="8609013" cy="1498600"/>
-          </a:xfrm>
-        </p:spPr>
+        <p:spPr/>
         <p:txBody>
           <a:bodyPr/>
           <a:lstStyle/>
           <a:p>
             <a:r>
               <a:rPr lang="en-US" dirty="0"/>
-              <a:t>Simple yet useful integration.</a:t>
+              <a:t>The bonus materials.</a:t>
             </a:r>
           </a:p>
         </p:txBody>
@@ -8062,7 +8246,7 @@
     </p:spTree>
     <p:extLst>
       <p:ext uri="{BB962C8B-B14F-4D97-AF65-F5344CB8AC3E}">
-        <p14:creationId xmlns:p14="http://schemas.microsoft.com/office/powerpoint/2010/main" val="3148029186"/>
+        <p14:creationId xmlns:p14="http://schemas.microsoft.com/office/powerpoint/2010/main" val="1374891558"/>
       </p:ext>
     </p:extLst>
   </p:cSld>
@@ -8091,7 +8275,7 @@
       </p:grpSpPr>
       <p:sp>
         <p:nvSpPr>
-          <p:cNvPr id="2" name="Title 1"/>
+          <p:cNvPr id="4" name="Title 3"/>
           <p:cNvSpPr>
             <a:spLocks noGrp="1"/>
           </p:cNvSpPr>
@@ -8105,164 +8289,43 @@
           <a:lstStyle/>
           <a:p>
             <a:r>
-              <a:rPr lang="en-US" dirty="0" err="1"/>
-              <a:t>Configmgr</a:t>
-            </a:r>
-            <a:r>
-              <a:rPr lang="en-US" dirty="0"/>
-              <a:t> Integration	</a:t>
+              <a:rPr lang="en-US" dirty="0"/>
+              <a:t>ConfigMgr Integration</a:t>
             </a:r>
           </a:p>
         </p:txBody>
       </p:sp>
       <p:sp>
         <p:nvSpPr>
-          <p:cNvPr id="3" name="Content Placeholder 2"/>
+          <p:cNvPr id="5" name="Text Placeholder 4"/>
           <p:cNvSpPr>
             <a:spLocks noGrp="1"/>
           </p:cNvSpPr>
           <p:nvPr>
-            <p:ph idx="1"/>
+            <p:ph type="body" idx="1"/>
           </p:nvPr>
         </p:nvSpPr>
-        <p:spPr/>
+        <p:spPr>
+          <a:xfrm>
+            <a:off x="620966" y="4495800"/>
+            <a:ext cx="8609013" cy="1498600"/>
+          </a:xfrm>
+        </p:spPr>
         <p:txBody>
-          <a:bodyPr>
-            <a:normAutofit fontScale="92500" lnSpcReduction="20000"/>
-          </a:bodyPr>
+          <a:bodyPr/>
           <a:lstStyle/>
           <a:p>
             <a:r>
               <a:rPr lang="en-US" dirty="0"/>
-              <a:t>Shows % of devices reporting telemetry</a:t>
-            </a:r>
-          </a:p>
-          <a:p>
-            <a:endParaRPr lang="en-US" dirty="0"/>
-          </a:p>
-          <a:p>
-            <a:r>
-              <a:rPr lang="en-US" dirty="0"/>
-              <a:t>WQL - Upgrade Analytics Status</a:t>
-            </a:r>
-          </a:p>
-          <a:p>
-            <a:pPr marL="0" indent="0">
-              <a:buNone/>
-            </a:pPr>
-            <a:endParaRPr lang="en-US" dirty="0"/>
-          </a:p>
-          <a:p>
-            <a:r>
-              <a:rPr lang="en-US" dirty="0"/>
-              <a:t>SQL View</a:t>
-            </a:r>
-          </a:p>
-          <a:p>
-            <a:pPr lvl="1"/>
-            <a:r>
-              <a:rPr lang="en-US" dirty="0" err="1"/>
-              <a:t>SMS_G_System_UAComputerStatus</a:t>
-            </a:r>
-            <a:endParaRPr lang="en-US" dirty="0"/>
-          </a:p>
-          <a:p>
-            <a:endParaRPr lang="en-US" dirty="0"/>
-          </a:p>
-          <a:p>
-            <a:r>
-              <a:rPr lang="en-US" dirty="0"/>
-              <a:t>Status – 4=failed</a:t>
-            </a:r>
-          </a:p>
-          <a:p>
-            <a:endParaRPr lang="en-US" dirty="0"/>
-          </a:p>
-          <a:p>
-            <a:endParaRPr lang="en-US" dirty="0"/>
-          </a:p>
-          <a:p>
-            <a:endParaRPr lang="en-US" dirty="0"/>
-          </a:p>
-          <a:p>
-            <a:pPr marL="0" indent="0">
-              <a:buNone/>
-            </a:pPr>
-            <a:r>
-              <a:rPr lang="en-US" dirty="0"/>
-              <a:t>select *  from  </a:t>
-            </a:r>
-            <a:r>
-              <a:rPr lang="en-US" dirty="0" err="1"/>
-              <a:t>SMS_R_System</a:t>
-            </a:r>
-            <a:r>
-              <a:rPr lang="en-US" dirty="0"/>
-              <a:t> inner join </a:t>
-            </a:r>
-            <a:r>
-              <a:rPr lang="en-US" dirty="0" err="1"/>
-              <a:t>SMS_G_System_UAComputerStatus</a:t>
-            </a:r>
-            <a:r>
-              <a:rPr lang="en-US" dirty="0"/>
-              <a:t> on </a:t>
-            </a:r>
-            <a:r>
-              <a:rPr lang="en-US" dirty="0" err="1"/>
-              <a:t>SMS_G_System_UAComputerStatus.ResourceId</a:t>
-            </a:r>
-            <a:r>
-              <a:rPr lang="en-US" dirty="0"/>
-              <a:t> = </a:t>
-            </a:r>
-            <a:r>
-              <a:rPr lang="en-US" dirty="0" err="1"/>
-              <a:t>SMS_R_System.ResourceId</a:t>
-            </a:r>
-            <a:r>
-              <a:rPr lang="en-US" dirty="0"/>
-              <a:t> where </a:t>
-            </a:r>
-            <a:r>
-              <a:rPr lang="en-US" dirty="0" err="1"/>
-              <a:t>SMS_G_System_UAComputerStatus.UpgradeAnalyticsStatus</a:t>
-            </a:r>
-            <a:r>
-              <a:rPr lang="en-US" dirty="0"/>
-              <a:t>="2"</a:t>
+              <a:t>Simple yet useful integration.</a:t>
             </a:r>
           </a:p>
         </p:txBody>
       </p:sp>
-      <p:pic>
-        <p:nvPicPr>
-          <p:cNvPr id="4" name="Picture 3"/>
-          <p:cNvPicPr>
-            <a:picLocks noChangeAspect="1"/>
-          </p:cNvPicPr>
-          <p:nvPr/>
-        </p:nvPicPr>
-        <p:blipFill>
-          <a:blip r:embed="rId3"/>
-          <a:stretch>
-            <a:fillRect/>
-          </a:stretch>
-        </p:blipFill>
-        <p:spPr>
-          <a:xfrm>
-            <a:off x="6872678" y="1694658"/>
-            <a:ext cx="4709722" cy="2912783"/>
-          </a:xfrm>
-          <a:prstGeom prst="rect">
-            <a:avLst/>
-          </a:prstGeom>
-        </p:spPr>
-      </p:pic>
     </p:spTree>
     <p:extLst>
       <p:ext uri="{BB962C8B-B14F-4D97-AF65-F5344CB8AC3E}">
-        <p14:creationId xmlns:p14="http://schemas.microsoft.com/office/powerpoint/2010/main" val="463857322"/>
+        <p14:creationId xmlns:p14="http://schemas.microsoft.com/office/powerpoint/2010/main" val="3148029186"/>
       </p:ext>
     </p:extLst>
   </p:cSld>
@@ -8291,7 +8354,7 @@
       </p:grpSpPr>
       <p:sp>
         <p:nvSpPr>
-          <p:cNvPr id="4" name="Title 3"/>
+          <p:cNvPr id="2" name="Title 1"/>
           <p:cNvSpPr>
             <a:spLocks noGrp="1"/>
           </p:cNvSpPr>
@@ -8305,50 +8368,164 @@
           <a:lstStyle/>
           <a:p>
             <a:r>
-              <a:rPr lang="en-US" dirty="0"/>
-              <a:t>Queries</a:t>
+              <a:rPr lang="en-US" dirty="0" err="1"/>
+              <a:t>Configmgr</a:t>
+            </a:r>
+            <a:r>
+              <a:rPr lang="en-US" dirty="0"/>
+              <a:t> Integration	</a:t>
             </a:r>
           </a:p>
         </p:txBody>
       </p:sp>
       <p:sp>
         <p:nvSpPr>
-          <p:cNvPr id="5" name="Text Placeholder 4"/>
+          <p:cNvPr id="3" name="Content Placeholder 2"/>
           <p:cNvSpPr>
             <a:spLocks noGrp="1"/>
           </p:cNvSpPr>
           <p:nvPr>
-            <p:ph type="body" idx="1"/>
+            <p:ph idx="1"/>
           </p:nvPr>
         </p:nvSpPr>
         <p:spPr/>
         <p:txBody>
-          <a:bodyPr/>
+          <a:bodyPr>
+            <a:normAutofit fontScale="92500" lnSpcReduction="20000"/>
+          </a:bodyPr>
           <a:lstStyle/>
           <a:p>
             <a:r>
+              <a:rPr lang="en-US" dirty="0"/>
+              <a:t>Shows % of devices reporting telemetry</a:t>
+            </a:r>
+          </a:p>
+          <a:p>
+            <a:endParaRPr lang="en-US" dirty="0"/>
+          </a:p>
+          <a:p>
+            <a:r>
+              <a:rPr lang="en-US" dirty="0"/>
+              <a:t>WQL - Upgrade Analytics Status</a:t>
+            </a:r>
+          </a:p>
+          <a:p>
+            <a:pPr marL="0" indent="0">
+              <a:buNone/>
+            </a:pPr>
+            <a:endParaRPr lang="en-US" dirty="0"/>
+          </a:p>
+          <a:p>
+            <a:r>
+              <a:rPr lang="en-US" dirty="0"/>
+              <a:t>SQL View</a:t>
+            </a:r>
+          </a:p>
+          <a:p>
+            <a:pPr lvl="1"/>
+            <a:r>
               <a:rPr lang="en-US" dirty="0" err="1"/>
-              <a:t>CaSE</a:t>
-            </a:r>
-            <a:r>
-              <a:rPr lang="en-US" dirty="0"/>
-              <a:t> </a:t>
+              <a:t>SMS_G_System_UAComputerStatus</a:t>
+            </a:r>
+            <a:endParaRPr lang="en-US" dirty="0"/>
+          </a:p>
+          <a:p>
+            <a:endParaRPr lang="en-US" dirty="0"/>
+          </a:p>
+          <a:p>
+            <a:r>
+              <a:rPr lang="en-US" dirty="0"/>
+              <a:t>Status – 4=failed</a:t>
+            </a:r>
+          </a:p>
+          <a:p>
+            <a:endParaRPr lang="en-US" dirty="0"/>
+          </a:p>
+          <a:p>
+            <a:endParaRPr lang="en-US" dirty="0"/>
+          </a:p>
+          <a:p>
+            <a:endParaRPr lang="en-US" dirty="0"/>
+          </a:p>
+          <a:p>
+            <a:pPr marL="0" indent="0">
+              <a:buNone/>
+            </a:pPr>
+            <a:r>
+              <a:rPr lang="en-US" dirty="0"/>
+              <a:t>select *  from  </a:t>
             </a:r>
             <a:r>
               <a:rPr lang="en-US" dirty="0" err="1"/>
-              <a:t>sEnSiTiVE</a:t>
-            </a:r>
-            <a:r>
-              <a:rPr lang="en-US" dirty="0"/>
-              <a:t>!</a:t>
+              <a:t>SMS_R_System</a:t>
+            </a:r>
+            <a:r>
+              <a:rPr lang="en-US" dirty="0"/>
+              <a:t> inner join </a:t>
+            </a:r>
+            <a:r>
+              <a:rPr lang="en-US" dirty="0" err="1"/>
+              <a:t>SMS_G_System_UAComputerStatus</a:t>
+            </a:r>
+            <a:r>
+              <a:rPr lang="en-US" dirty="0"/>
+              <a:t> on </a:t>
+            </a:r>
+            <a:r>
+              <a:rPr lang="en-US" dirty="0" err="1"/>
+              <a:t>SMS_G_System_UAComputerStatus.ResourceId</a:t>
+            </a:r>
+            <a:r>
+              <a:rPr lang="en-US" dirty="0"/>
+              <a:t> = </a:t>
+            </a:r>
+            <a:r>
+              <a:rPr lang="en-US" dirty="0" err="1"/>
+              <a:t>SMS_R_System.ResourceId</a:t>
+            </a:r>
+            <a:r>
+              <a:rPr lang="en-US" dirty="0"/>
+              <a:t> where </a:t>
+            </a:r>
+            <a:r>
+              <a:rPr lang="en-US" dirty="0" err="1"/>
+              <a:t>SMS_G_System_UAComputerStatus.UpgradeAnalyticsStatus</a:t>
+            </a:r>
+            <a:r>
+              <a:rPr lang="en-US" dirty="0"/>
+              <a:t>="2"</a:t>
             </a:r>
           </a:p>
         </p:txBody>
       </p:sp>
+      <p:pic>
+        <p:nvPicPr>
+          <p:cNvPr id="4" name="Picture 3"/>
+          <p:cNvPicPr>
+            <a:picLocks noChangeAspect="1"/>
+          </p:cNvPicPr>
+          <p:nvPr/>
+        </p:nvPicPr>
+        <p:blipFill>
+          <a:blip r:embed="rId3"/>
+          <a:stretch>
+            <a:fillRect/>
+          </a:stretch>
+        </p:blipFill>
+        <p:spPr>
+          <a:xfrm>
+            <a:off x="6872678" y="1694658"/>
+            <a:ext cx="4709722" cy="2912783"/>
+          </a:xfrm>
+          <a:prstGeom prst="rect">
+            <a:avLst/>
+          </a:prstGeom>
+        </p:spPr>
+      </p:pic>
     </p:spTree>
     <p:extLst>
       <p:ext uri="{BB962C8B-B14F-4D97-AF65-F5344CB8AC3E}">
-        <p14:creationId xmlns:p14="http://schemas.microsoft.com/office/powerpoint/2010/main" val="3216903800"/>
+        <p14:creationId xmlns:p14="http://schemas.microsoft.com/office/powerpoint/2010/main" val="463857322"/>
       </p:ext>
     </p:extLst>
   </p:cSld>
@@ -8377,7 +8554,7 @@
       </p:grpSpPr>
       <p:sp>
         <p:nvSpPr>
-          <p:cNvPr id="2" name="Title 1"/>
+          <p:cNvPr id="4" name="Title 3"/>
           <p:cNvSpPr>
             <a:spLocks noGrp="1"/>
           </p:cNvSpPr>
@@ -8392,19 +8569,19 @@
           <a:p>
             <a:r>
               <a:rPr lang="en-US" dirty="0"/>
-              <a:t>Query Examples</a:t>
+              <a:t>Queries</a:t>
             </a:r>
           </a:p>
         </p:txBody>
       </p:sp>
       <p:sp>
         <p:nvSpPr>
-          <p:cNvPr id="3" name="Content Placeholder 2"/>
+          <p:cNvPr id="5" name="Text Placeholder 4"/>
           <p:cNvSpPr>
             <a:spLocks noGrp="1"/>
           </p:cNvSpPr>
           <p:nvPr>
-            <p:ph idx="1"/>
+            <p:ph type="body" idx="1"/>
           </p:nvPr>
         </p:nvSpPr>
         <p:spPr/>
@@ -8412,25 +8589,9 @@
           <a:bodyPr/>
           <a:lstStyle/>
           <a:p>
-            <a:pPr marL="1371600" lvl="3" indent="0">
-              <a:buNone/>
-            </a:pPr>
-            <a:r>
-              <a:rPr lang="en-US" dirty="0"/>
-              <a:t>Upgrade Issues with a specific device</a:t>
-            </a:r>
-          </a:p>
-          <a:p>
-            <a:pPr marL="1371600" lvl="3" indent="0">
-              <a:buNone/>
-            </a:pPr>
-            <a:r>
-              <a:rPr lang="en-US" dirty="0"/>
-              <a:t>Computer=WIN7-05 Type=</a:t>
-            </a:r>
             <a:r>
               <a:rPr lang="en-US" dirty="0" err="1"/>
-              <a:t>UASysReqIssue</a:t>
+              <a:t>CaSE</a:t>
             </a:r>
             <a:r>
               <a:rPr lang="en-US" dirty="0"/>
@@ -8438,211 +8599,19 @@
             </a:r>
             <a:r>
               <a:rPr lang="en-US" dirty="0" err="1"/>
-              <a:t>UpgradeAssessment</a:t>
-            </a:r>
-            <a:r>
-              <a:rPr lang="en-US" dirty="0"/>
-              <a:t>!="Seamless upgrade" </a:t>
-            </a:r>
-            <a:r>
-              <a:rPr lang="en-US" dirty="0" err="1"/>
-              <a:t>UpgradeAssessment</a:t>
-            </a:r>
-            <a:r>
-              <a:rPr lang="en-US" dirty="0"/>
-              <a:t>!="No known issues“</a:t>
-            </a:r>
-          </a:p>
-          <a:p>
-            <a:pPr marL="1371600" lvl="3" indent="0">
-              <a:buNone/>
-            </a:pPr>
-            <a:endParaRPr lang="en-US" dirty="0"/>
-          </a:p>
-          <a:p>
-            <a:pPr marL="1371600" lvl="3" indent="0">
-              <a:buNone/>
-            </a:pPr>
-            <a:r>
-              <a:rPr lang="en-US" dirty="0"/>
-              <a:t>Install Counts of Applications</a:t>
-            </a:r>
-          </a:p>
-          <a:p>
-            <a:pPr marL="1371600" lvl="3" indent="0">
-              <a:buNone/>
-            </a:pPr>
-            <a:r>
-              <a:rPr lang="en-US" dirty="0" err="1"/>
-              <a:t>UpgradeAssessment</a:t>
-            </a:r>
-            <a:r>
-              <a:rPr lang="en-US" dirty="0"/>
-              <a:t>="Attention needed" Type=</a:t>
-            </a:r>
-            <a:r>
-              <a:rPr lang="en-US" dirty="0" err="1"/>
-              <a:t>UAApp</a:t>
-            </a:r>
-            <a:r>
-              <a:rPr lang="en-US" dirty="0"/>
-              <a:t> </a:t>
-            </a:r>
-            <a:r>
-              <a:rPr lang="en-US" dirty="0" err="1"/>
-              <a:t>IsRollup</a:t>
-            </a:r>
-            <a:r>
-              <a:rPr lang="en-US" dirty="0"/>
-              <a:t>=true </a:t>
-            </a:r>
-            <a:r>
-              <a:rPr lang="en-US" dirty="0" err="1"/>
-              <a:t>RollupLevel</a:t>
-            </a:r>
-            <a:r>
-              <a:rPr lang="en-US" dirty="0"/>
-              <a:t>=Granular Issue &lt;&gt; "No known </a:t>
-            </a:r>
-            <a:r>
-              <a:rPr lang="en-US" dirty="0" err="1"/>
-              <a:t>i</a:t>
-            </a:r>
-            <a:endParaRPr lang="en-US" dirty="0"/>
-          </a:p>
-          <a:p>
-            <a:pPr marL="1371600" lvl="3" indent="0">
-              <a:buNone/>
-            </a:pPr>
-            <a:r>
-              <a:rPr lang="en-US" dirty="0" err="1"/>
-              <a:t>ssues</a:t>
-            </a:r>
-            <a:r>
-              <a:rPr lang="en-US" dirty="0"/>
-              <a:t>" | measure count() by </a:t>
-            </a:r>
-            <a:r>
-              <a:rPr lang="en-US" dirty="0" err="1"/>
-              <a:t>AppName</a:t>
-            </a:r>
-            <a:endParaRPr lang="en-US" dirty="0"/>
-          </a:p>
-          <a:p>
-            <a:pPr marL="1371600" lvl="3" indent="0">
-              <a:buNone/>
-            </a:pPr>
-            <a:endParaRPr lang="en-US" dirty="0"/>
-          </a:p>
-          <a:p>
-            <a:pPr marL="1371600" lvl="3" indent="0">
-              <a:buNone/>
-            </a:pPr>
-            <a:r>
-              <a:rPr lang="en-US" dirty="0"/>
-              <a:t>Count of Issues</a:t>
-            </a:r>
-          </a:p>
-          <a:p>
-            <a:pPr marL="1371600" lvl="3" indent="0">
-              <a:buNone/>
-            </a:pPr>
-            <a:r>
-              <a:rPr lang="en-US" dirty="0" err="1"/>
-              <a:t>UpgradeAssessment</a:t>
-            </a:r>
-            <a:r>
-              <a:rPr lang="en-US" dirty="0"/>
-              <a:t>="Attention needed" Type=</a:t>
-            </a:r>
-            <a:r>
-              <a:rPr lang="en-US" dirty="0" err="1"/>
-              <a:t>UAApp</a:t>
-            </a:r>
-            <a:r>
-              <a:rPr lang="en-US" dirty="0"/>
-              <a:t> </a:t>
-            </a:r>
-            <a:r>
-              <a:rPr lang="en-US" dirty="0" err="1"/>
-              <a:t>IsRollup</a:t>
-            </a:r>
-            <a:r>
-              <a:rPr lang="en-US" dirty="0"/>
-              <a:t>=true </a:t>
-            </a:r>
-            <a:r>
-              <a:rPr lang="en-US" dirty="0" err="1"/>
-              <a:t>RollupLevel</a:t>
-            </a:r>
-            <a:r>
-              <a:rPr lang="en-US" dirty="0"/>
-              <a:t>=Granular Issue &lt;&gt; "No known issues" | measure count() by Issue</a:t>
-            </a:r>
-          </a:p>
-          <a:p>
-            <a:pPr marL="1371600" lvl="3" indent="0">
-              <a:buNone/>
-            </a:pPr>
-            <a:endParaRPr lang="en-US" dirty="0"/>
-          </a:p>
-          <a:p>
-            <a:pPr marL="1371600" lvl="3" indent="0">
-              <a:buNone/>
-            </a:pPr>
-            <a:r>
-              <a:rPr lang="en-US" dirty="0"/>
-              <a:t>Apps Blocking Upgrades</a:t>
-            </a:r>
-          </a:p>
-          <a:p>
-            <a:pPr marL="1371600" lvl="3" indent="0">
-              <a:buNone/>
-            </a:pPr>
-            <a:r>
-              <a:rPr lang="en-US" dirty="0" err="1"/>
-              <a:t>UpgradeAssessment</a:t>
-            </a:r>
-            <a:r>
-              <a:rPr lang="en-US" dirty="0"/>
-              <a:t>="Attention needed" Type=</a:t>
-            </a:r>
-            <a:r>
-              <a:rPr lang="en-US" dirty="0" err="1"/>
-              <a:t>UAApp</a:t>
-            </a:r>
-            <a:r>
-              <a:rPr lang="en-US" dirty="0"/>
-              <a:t> </a:t>
-            </a:r>
-            <a:r>
-              <a:rPr lang="en-US" dirty="0" err="1"/>
-              <a:t>IsRollup</a:t>
-            </a:r>
-            <a:r>
-              <a:rPr lang="en-US" dirty="0"/>
-              <a:t>=true </a:t>
-            </a:r>
-            <a:r>
-              <a:rPr lang="en-US" dirty="0" err="1"/>
-              <a:t>RollupLevel</a:t>
-            </a:r>
-            <a:r>
-              <a:rPr lang="en-US" dirty="0"/>
-              <a:t>=Granular Issue = "Blocking upgrade"  | measure count() by </a:t>
-            </a:r>
-            <a:r>
-              <a:rPr lang="en-US" dirty="0" err="1"/>
-              <a:t>AppName</a:t>
-            </a:r>
-            <a:endParaRPr lang="en-US" dirty="0"/>
+              <a:t>sEnSiTiVE</a:t>
+            </a:r>
+            <a:r>
+              <a:rPr lang="en-US" dirty="0"/>
+              <a:t>!</a:t>
+            </a:r>
           </a:p>
         </p:txBody>
       </p:sp>
     </p:spTree>
     <p:extLst>
       <p:ext uri="{BB962C8B-B14F-4D97-AF65-F5344CB8AC3E}">
-        <p14:creationId xmlns:p14="http://schemas.microsoft.com/office/powerpoint/2010/main" val="2748779231"/>
+        <p14:creationId xmlns:p14="http://schemas.microsoft.com/office/powerpoint/2010/main" val="3216903800"/>
       </p:ext>
     </p:extLst>
   </p:cSld>
@@ -8671,7 +8640,7 @@
       </p:grpSpPr>
       <p:sp>
         <p:nvSpPr>
-          <p:cNvPr id="4" name="Title 3"/>
+          <p:cNvPr id="2" name="Title 1"/>
           <p:cNvSpPr>
             <a:spLocks noGrp="1"/>
           </p:cNvSpPr>
@@ -8686,19 +8655,19 @@
           <a:p>
             <a:r>
               <a:rPr lang="en-US" dirty="0"/>
-              <a:t>PowerShell and Automation</a:t>
+              <a:t>Query Examples</a:t>
             </a:r>
           </a:p>
         </p:txBody>
       </p:sp>
       <p:sp>
         <p:nvSpPr>
-          <p:cNvPr id="5" name="Text Placeholder 4"/>
+          <p:cNvPr id="3" name="Content Placeholder 2"/>
           <p:cNvSpPr>
             <a:spLocks noGrp="1"/>
           </p:cNvSpPr>
           <p:nvPr>
-            <p:ph type="body" idx="1"/>
+            <p:ph idx="1"/>
           </p:nvPr>
         </p:nvSpPr>
         <p:spPr/>
@@ -8706,17 +8675,237 @@
           <a:bodyPr/>
           <a:lstStyle/>
           <a:p>
-            <a:r>
-              <a:rPr lang="en-US" dirty="0"/>
-              <a:t>The way to get extra credit on your migration project.</a:t>
-            </a:r>
+            <a:pPr marL="1371600" lvl="3" indent="0">
+              <a:buNone/>
+            </a:pPr>
+            <a:r>
+              <a:rPr lang="en-US" dirty="0"/>
+              <a:t>Upgrade Issues with a specific device</a:t>
+            </a:r>
+          </a:p>
+          <a:p>
+            <a:pPr marL="1371600" lvl="3" indent="0">
+              <a:buNone/>
+            </a:pPr>
+            <a:r>
+              <a:rPr lang="en-US" dirty="0"/>
+              <a:t>Computer=WIN7-05 Type=</a:t>
+            </a:r>
+            <a:r>
+              <a:rPr lang="en-US" dirty="0" err="1"/>
+              <a:t>UASysReqIssue</a:t>
+            </a:r>
+            <a:r>
+              <a:rPr lang="en-US" dirty="0"/>
+              <a:t> </a:t>
+            </a:r>
+            <a:r>
+              <a:rPr lang="en-US" dirty="0" err="1"/>
+              <a:t>UpgradeAssessment</a:t>
+            </a:r>
+            <a:r>
+              <a:rPr lang="en-US" dirty="0"/>
+              <a:t>!="Seamless upgrade" </a:t>
+            </a:r>
+            <a:r>
+              <a:rPr lang="en-US" dirty="0" err="1"/>
+              <a:t>UpgradeAssessment</a:t>
+            </a:r>
+            <a:r>
+              <a:rPr lang="en-US" dirty="0"/>
+              <a:t>!="No known issues“</a:t>
+            </a:r>
+          </a:p>
+          <a:p>
+            <a:pPr marL="1371600" lvl="3" indent="0">
+              <a:buNone/>
+            </a:pPr>
+            <a:endParaRPr lang="en-US" dirty="0"/>
+          </a:p>
+          <a:p>
+            <a:pPr marL="1371600" lvl="3" indent="0">
+              <a:buNone/>
+            </a:pPr>
+            <a:r>
+              <a:rPr lang="en-US" dirty="0"/>
+              <a:t>Install Counts of Applications</a:t>
+            </a:r>
+          </a:p>
+          <a:p>
+            <a:pPr marL="1371600" lvl="3" indent="0">
+              <a:buNone/>
+            </a:pPr>
+            <a:r>
+              <a:rPr lang="en-US" dirty="0" err="1"/>
+              <a:t>UpgradeAssessment</a:t>
+            </a:r>
+            <a:r>
+              <a:rPr lang="en-US" dirty="0"/>
+              <a:t>="Attention needed" Type=</a:t>
+            </a:r>
+            <a:r>
+              <a:rPr lang="en-US" dirty="0" err="1"/>
+              <a:t>UAApp</a:t>
+            </a:r>
+            <a:r>
+              <a:rPr lang="en-US" dirty="0"/>
+              <a:t> </a:t>
+            </a:r>
+            <a:r>
+              <a:rPr lang="en-US" dirty="0" err="1"/>
+              <a:t>IsRollup</a:t>
+            </a:r>
+            <a:r>
+              <a:rPr lang="en-US" dirty="0"/>
+              <a:t>=true </a:t>
+            </a:r>
+            <a:r>
+              <a:rPr lang="en-US" dirty="0" err="1"/>
+              <a:t>RollupLevel</a:t>
+            </a:r>
+            <a:r>
+              <a:rPr lang="en-US" dirty="0"/>
+              <a:t>=Granular Issue &lt;&gt; "No known </a:t>
+            </a:r>
+            <a:r>
+              <a:rPr lang="en-US" dirty="0" err="1"/>
+              <a:t>i</a:t>
+            </a:r>
+            <a:endParaRPr lang="en-US" dirty="0"/>
+          </a:p>
+          <a:p>
+            <a:pPr marL="1371600" lvl="3" indent="0">
+              <a:buNone/>
+            </a:pPr>
+            <a:r>
+              <a:rPr lang="en-US" dirty="0" err="1"/>
+              <a:t>ssues</a:t>
+            </a:r>
+            <a:r>
+              <a:rPr lang="en-US" dirty="0"/>
+              <a:t>" | measure count() by </a:t>
+            </a:r>
+            <a:r>
+              <a:rPr lang="en-US" dirty="0" err="1"/>
+              <a:t>AppName</a:t>
+            </a:r>
+            <a:endParaRPr lang="en-US" dirty="0"/>
+          </a:p>
+          <a:p>
+            <a:pPr marL="1371600" lvl="3" indent="0">
+              <a:buNone/>
+            </a:pPr>
+            <a:endParaRPr lang="en-US" dirty="0"/>
+          </a:p>
+          <a:p>
+            <a:pPr marL="1371600" lvl="3" indent="0">
+              <a:buNone/>
+            </a:pPr>
+            <a:r>
+              <a:rPr lang="en-US" dirty="0"/>
+              <a:t>Count of Issues</a:t>
+            </a:r>
+          </a:p>
+          <a:p>
+            <a:pPr marL="1371600" lvl="3" indent="0">
+              <a:buNone/>
+            </a:pPr>
+            <a:r>
+              <a:rPr lang="en-US" dirty="0" err="1"/>
+              <a:t>UpgradeAssessment</a:t>
+            </a:r>
+            <a:r>
+              <a:rPr lang="en-US" dirty="0"/>
+              <a:t>="Attention needed" Type=</a:t>
+            </a:r>
+            <a:r>
+              <a:rPr lang="en-US" dirty="0" err="1"/>
+              <a:t>UAApp</a:t>
+            </a:r>
+            <a:r>
+              <a:rPr lang="en-US" dirty="0"/>
+              <a:t> </a:t>
+            </a:r>
+            <a:r>
+              <a:rPr lang="en-US" dirty="0" err="1"/>
+              <a:t>IsRollup</a:t>
+            </a:r>
+            <a:r>
+              <a:rPr lang="en-US" dirty="0"/>
+              <a:t>=true </a:t>
+            </a:r>
+            <a:r>
+              <a:rPr lang="en-US" dirty="0" err="1"/>
+              <a:t>RollupLevel</a:t>
+            </a:r>
+            <a:r>
+              <a:rPr lang="en-US" dirty="0"/>
+              <a:t>=Granular Issue &lt;&gt; "No known issues" | measure count() by Issue</a:t>
+            </a:r>
+          </a:p>
+          <a:p>
+            <a:pPr marL="1371600" lvl="3" indent="0">
+              <a:buNone/>
+            </a:pPr>
+            <a:endParaRPr lang="en-US" dirty="0"/>
+          </a:p>
+          <a:p>
+            <a:pPr marL="1371600" lvl="3" indent="0">
+              <a:buNone/>
+            </a:pPr>
+            <a:r>
+              <a:rPr lang="en-US" dirty="0"/>
+              <a:t>Apps Blocking Upgrades</a:t>
+            </a:r>
+          </a:p>
+          <a:p>
+            <a:pPr marL="1371600" lvl="3" indent="0">
+              <a:buNone/>
+            </a:pPr>
+            <a:r>
+              <a:rPr lang="en-US" dirty="0" err="1"/>
+              <a:t>UpgradeAssessment</a:t>
+            </a:r>
+            <a:r>
+              <a:rPr lang="en-US" dirty="0"/>
+              <a:t>="Attention needed" Type=</a:t>
+            </a:r>
+            <a:r>
+              <a:rPr lang="en-US" dirty="0" err="1"/>
+              <a:t>UAApp</a:t>
+            </a:r>
+            <a:r>
+              <a:rPr lang="en-US" dirty="0"/>
+              <a:t> </a:t>
+            </a:r>
+            <a:r>
+              <a:rPr lang="en-US" dirty="0" err="1"/>
+              <a:t>IsRollup</a:t>
+            </a:r>
+            <a:r>
+              <a:rPr lang="en-US" dirty="0"/>
+              <a:t>=true </a:t>
+            </a:r>
+            <a:r>
+              <a:rPr lang="en-US" dirty="0" err="1"/>
+              <a:t>RollupLevel</a:t>
+            </a:r>
+            <a:r>
+              <a:rPr lang="en-US" dirty="0"/>
+              <a:t>=Granular Issue = "Blocking upgrade"  | measure count() by </a:t>
+            </a:r>
+            <a:r>
+              <a:rPr lang="en-US" dirty="0" err="1"/>
+              <a:t>AppName</a:t>
+            </a:r>
+            <a:endParaRPr lang="en-US" dirty="0"/>
           </a:p>
         </p:txBody>
       </p:sp>
     </p:spTree>
     <p:extLst>
       <p:ext uri="{BB962C8B-B14F-4D97-AF65-F5344CB8AC3E}">
-        <p14:creationId xmlns:p14="http://schemas.microsoft.com/office/powerpoint/2010/main" val="4025223944"/>
+        <p14:creationId xmlns:p14="http://schemas.microsoft.com/office/powerpoint/2010/main" val="2748779231"/>
       </p:ext>
     </p:extLst>
   </p:cSld>
@@ -9008,6 +9197,80 @@
       </p:grpSpPr>
       <p:sp>
         <p:nvSpPr>
+          <p:cNvPr id="4" name="Title 3"/>
+          <p:cNvSpPr>
+            <a:spLocks noGrp="1"/>
+          </p:cNvSpPr>
+          <p:nvPr>
+            <p:ph type="title"/>
+          </p:nvPr>
+        </p:nvSpPr>
+        <p:spPr/>
+        <p:txBody>
+          <a:bodyPr/>
+          <a:lstStyle/>
+          <a:p>
+            <a:r>
+              <a:rPr lang="en-US" dirty="0"/>
+              <a:t>PowerShell and Automation</a:t>
+            </a:r>
+          </a:p>
+        </p:txBody>
+      </p:sp>
+      <p:sp>
+        <p:nvSpPr>
+          <p:cNvPr id="5" name="Text Placeholder 4"/>
+          <p:cNvSpPr>
+            <a:spLocks noGrp="1"/>
+          </p:cNvSpPr>
+          <p:nvPr>
+            <p:ph type="body" idx="1"/>
+          </p:nvPr>
+        </p:nvSpPr>
+        <p:spPr/>
+        <p:txBody>
+          <a:bodyPr/>
+          <a:lstStyle/>
+          <a:p>
+            <a:r>
+              <a:rPr lang="en-US" dirty="0"/>
+              <a:t>The way to get extra credit on your migration project.</a:t>
+            </a:r>
+          </a:p>
+        </p:txBody>
+      </p:sp>
+    </p:spTree>
+    <p:extLst>
+      <p:ext uri="{BB962C8B-B14F-4D97-AF65-F5344CB8AC3E}">
+        <p14:creationId xmlns:p14="http://schemas.microsoft.com/office/powerpoint/2010/main" val="4025223944"/>
+      </p:ext>
+    </p:extLst>
+  </p:cSld>
+  <p:clrMapOvr>
+    <a:masterClrMapping/>
+  </p:clrMapOvr>
+</p:sld>
+</file>
+
+<file path=ppt/slides/slide21.xml><?xml version="1.0" encoding="utf-8"?>
+<p:sld xmlns:a="http://schemas.openxmlformats.org/drawingml/2006/main" xmlns:r="http://schemas.openxmlformats.org/officeDocument/2006/relationships" xmlns:p="http://schemas.openxmlformats.org/presentationml/2006/main">
+  <p:cSld>
+    <p:spTree>
+      <p:nvGrpSpPr>
+        <p:cNvPr id="1" name=""/>
+        <p:cNvGrpSpPr/>
+        <p:nvPr/>
+      </p:nvGrpSpPr>
+      <p:grpSpPr>
+        <a:xfrm>
+          <a:off x="0" y="0"/>
+          <a:ext cx="0" cy="0"/>
+          <a:chOff x="0" y="0"/>
+          <a:chExt cx="0" cy="0"/>
+        </a:xfrm>
+      </p:grpSpPr>
+      <p:sp>
+        <p:nvSpPr>
           <p:cNvPr id="2" name="Title 1"/>
           <p:cNvSpPr>
             <a:spLocks noGrp="1"/>
@@ -9126,7 +9389,7 @@
 </p:sld>
 </file>
 
-<file path=ppt/slides/slide21.xml><?xml version="1.0" encoding="utf-8"?>
+<file path=ppt/slides/slide22.xml><?xml version="1.0" encoding="utf-8"?>
 <p:sld xmlns:a="http://schemas.openxmlformats.org/drawingml/2006/main" xmlns:r="http://schemas.openxmlformats.org/officeDocument/2006/relationships" xmlns:p="http://schemas.openxmlformats.org/presentationml/2006/main">
   <p:cSld>
     <p:spTree>
@@ -9156,7 +9419,7 @@
 </p:sld>
 </file>
 
-<file path=ppt/slides/slide22.xml><?xml version="1.0" encoding="utf-8"?>
+<file path=ppt/slides/slide23.xml><?xml version="1.0" encoding="utf-8"?>
 <p:sld xmlns:a="http://schemas.openxmlformats.org/drawingml/2006/main" xmlns:r="http://schemas.openxmlformats.org/officeDocument/2006/relationships" xmlns:p="http://schemas.openxmlformats.org/presentationml/2006/main">
   <p:cSld>
     <p:spTree>
@@ -9253,80 +9516,6 @@
     <p:extLst>
       <p:ext uri="{BB962C8B-B14F-4D97-AF65-F5344CB8AC3E}">
         <p14:creationId xmlns:p14="http://schemas.microsoft.com/office/powerpoint/2010/main" val="525927402"/>
-      </p:ext>
-    </p:extLst>
-  </p:cSld>
-  <p:clrMapOvr>
-    <a:masterClrMapping/>
-  </p:clrMapOvr>
-</p:sld>
-</file>
-
-<file path=ppt/slides/slide23.xml><?xml version="1.0" encoding="utf-8"?>
-<p:sld xmlns:a="http://schemas.openxmlformats.org/drawingml/2006/main" xmlns:r="http://schemas.openxmlformats.org/officeDocument/2006/relationships" xmlns:p="http://schemas.openxmlformats.org/presentationml/2006/main" show="0">
-  <p:cSld>
-    <p:spTree>
-      <p:nvGrpSpPr>
-        <p:cNvPr id="1" name=""/>
-        <p:cNvGrpSpPr/>
-        <p:nvPr/>
-      </p:nvGrpSpPr>
-      <p:grpSpPr>
-        <a:xfrm>
-          <a:off x="0" y="0"/>
-          <a:ext cx="0" cy="0"/>
-          <a:chOff x="0" y="0"/>
-          <a:chExt cx="0" cy="0"/>
-        </a:xfrm>
-      </p:grpSpPr>
-      <p:sp>
-        <p:nvSpPr>
-          <p:cNvPr id="4" name="Title 3"/>
-          <p:cNvSpPr>
-            <a:spLocks noGrp="1"/>
-          </p:cNvSpPr>
-          <p:nvPr>
-            <p:ph type="title"/>
-          </p:nvPr>
-        </p:nvSpPr>
-        <p:spPr/>
-        <p:txBody>
-          <a:bodyPr/>
-          <a:lstStyle/>
-          <a:p>
-            <a:r>
-              <a:rPr lang="en-US" dirty="0"/>
-              <a:t>Section Header</a:t>
-            </a:r>
-          </a:p>
-        </p:txBody>
-      </p:sp>
-      <p:sp>
-        <p:nvSpPr>
-          <p:cNvPr id="5" name="Text Placeholder 4"/>
-          <p:cNvSpPr>
-            <a:spLocks noGrp="1"/>
-          </p:cNvSpPr>
-          <p:nvPr>
-            <p:ph type="body" idx="1"/>
-          </p:nvPr>
-        </p:nvSpPr>
-        <p:spPr/>
-        <p:txBody>
-          <a:bodyPr/>
-          <a:lstStyle/>
-          <a:p>
-            <a:r>
-              <a:rPr lang="en-US" dirty="0"/>
-              <a:t>This is the next section</a:t>
-            </a:r>
-          </a:p>
-        </p:txBody>
-      </p:sp>
-    </p:spTree>
-    <p:extLst>
-      <p:ext uri="{BB962C8B-B14F-4D97-AF65-F5344CB8AC3E}">
-        <p14:creationId xmlns:p14="http://schemas.microsoft.com/office/powerpoint/2010/main" val="1657553323"/>
       </p:ext>
     </p:extLst>
   </p:cSld>
@@ -9355,7 +9544,7 @@
       </p:grpSpPr>
       <p:sp>
         <p:nvSpPr>
-          <p:cNvPr id="2" name="Title 1"/>
+          <p:cNvPr id="4" name="Title 3"/>
           <p:cNvSpPr>
             <a:spLocks noGrp="1"/>
           </p:cNvSpPr>
@@ -9370,19 +9559,19 @@
           <a:p>
             <a:r>
               <a:rPr lang="en-US" dirty="0"/>
-              <a:t>Title</a:t>
+              <a:t>Section Header</a:t>
             </a:r>
           </a:p>
         </p:txBody>
       </p:sp>
       <p:sp>
         <p:nvSpPr>
-          <p:cNvPr id="3" name="Content Placeholder 2"/>
+          <p:cNvPr id="5" name="Text Placeholder 4"/>
           <p:cNvSpPr>
             <a:spLocks noGrp="1"/>
           </p:cNvSpPr>
           <p:nvPr>
-            <p:ph idx="1"/>
+            <p:ph type="body" idx="1"/>
           </p:nvPr>
         </p:nvSpPr>
         <p:spPr/>
@@ -9392,39 +9581,15 @@
           <a:p>
             <a:r>
               <a:rPr lang="en-US" dirty="0"/>
-              <a:t>Line1</a:t>
-            </a:r>
-          </a:p>
-          <a:p>
-            <a:pPr lvl="1"/>
-            <a:r>
-              <a:rPr lang="en-US" dirty="0"/>
-              <a:t>Bullet Level 1</a:t>
-            </a:r>
-          </a:p>
-          <a:p>
-            <a:pPr lvl="2"/>
-            <a:r>
-              <a:rPr lang="en-US" dirty="0"/>
-              <a:t>Bullet Level 2</a:t>
-            </a:r>
-          </a:p>
-          <a:p>
-            <a:pPr lvl="3"/>
-            <a:r>
-              <a:rPr lang="en-US" dirty="0"/>
-              <a:t>Bullet Level 3</a:t>
-            </a:r>
-          </a:p>
-          <a:p>
-            <a:endParaRPr lang="en-US" dirty="0"/>
+              <a:t>This is the next section</a:t>
+            </a:r>
           </a:p>
         </p:txBody>
       </p:sp>
     </p:spTree>
     <p:extLst>
       <p:ext uri="{BB962C8B-B14F-4D97-AF65-F5344CB8AC3E}">
-        <p14:creationId xmlns:p14="http://schemas.microsoft.com/office/powerpoint/2010/main" val="912164160"/>
+        <p14:creationId xmlns:p14="http://schemas.microsoft.com/office/powerpoint/2010/main" val="1657553323"/>
       </p:ext>
     </p:extLst>
   </p:cSld>
@@ -9453,7 +9618,7 @@
       </p:grpSpPr>
       <p:sp>
         <p:nvSpPr>
-          <p:cNvPr id="4" name="Title 3"/>
+          <p:cNvPr id="2" name="Title 1"/>
           <p:cNvSpPr>
             <a:spLocks noGrp="1"/>
           </p:cNvSpPr>
@@ -9475,7 +9640,7 @@
       </p:sp>
       <p:sp>
         <p:nvSpPr>
-          <p:cNvPr id="5" name="Content Placeholder 4"/>
+          <p:cNvPr id="3" name="Content Placeholder 2"/>
           <p:cNvSpPr>
             <a:spLocks noGrp="1"/>
           </p:cNvSpPr>
@@ -9490,15 +9655,39 @@
           <a:p>
             <a:r>
               <a:rPr lang="en-US" dirty="0"/>
-              <a:t>Code</a:t>
-            </a:r>
+              <a:t>Line1</a:t>
+            </a:r>
+          </a:p>
+          <a:p>
+            <a:pPr lvl="1"/>
+            <a:r>
+              <a:rPr lang="en-US" dirty="0"/>
+              <a:t>Bullet Level 1</a:t>
+            </a:r>
+          </a:p>
+          <a:p>
+            <a:pPr lvl="2"/>
+            <a:r>
+              <a:rPr lang="en-US" dirty="0"/>
+              <a:t>Bullet Level 2</a:t>
+            </a:r>
+          </a:p>
+          <a:p>
+            <a:pPr lvl="3"/>
+            <a:r>
+              <a:rPr lang="en-US" dirty="0"/>
+              <a:t>Bullet Level 3</a:t>
+            </a:r>
+          </a:p>
+          <a:p>
+            <a:endParaRPr lang="en-US" dirty="0"/>
           </a:p>
         </p:txBody>
       </p:sp>
     </p:spTree>
     <p:extLst>
       <p:ext uri="{BB962C8B-B14F-4D97-AF65-F5344CB8AC3E}">
-        <p14:creationId xmlns:p14="http://schemas.microsoft.com/office/powerpoint/2010/main" val="1895725814"/>
+        <p14:creationId xmlns:p14="http://schemas.microsoft.com/office/powerpoint/2010/main" val="912164160"/>
       </p:ext>
     </p:extLst>
   </p:cSld>
@@ -9527,7 +9716,29 @@
       </p:grpSpPr>
       <p:sp>
         <p:nvSpPr>
-          <p:cNvPr id="4" name="Content Placeholder 3"/>
+          <p:cNvPr id="4" name="Title 3"/>
+          <p:cNvSpPr>
+            <a:spLocks noGrp="1"/>
+          </p:cNvSpPr>
+          <p:nvPr>
+            <p:ph type="title"/>
+          </p:nvPr>
+        </p:nvSpPr>
+        <p:spPr/>
+        <p:txBody>
+          <a:bodyPr/>
+          <a:lstStyle/>
+          <a:p>
+            <a:r>
+              <a:rPr lang="en-US" dirty="0"/>
+              <a:t>Title</a:t>
+            </a:r>
+          </a:p>
+        </p:txBody>
+      </p:sp>
+      <p:sp>
+        <p:nvSpPr>
+          <p:cNvPr id="5" name="Content Placeholder 4"/>
           <p:cNvSpPr>
             <a:spLocks noGrp="1"/>
           </p:cNvSpPr>
@@ -9542,28 +9753,7 @@
           <a:p>
             <a:r>
               <a:rPr lang="en-US" dirty="0"/>
-              <a:t>Text Only with Border</a:t>
-            </a:r>
-          </a:p>
-          <a:p>
-            <a:pPr lvl="1"/>
-            <a:r>
-              <a:rPr lang="en-US" dirty="0"/>
-              <a:t>Level 1</a:t>
-            </a:r>
-          </a:p>
-          <a:p>
-            <a:pPr lvl="2"/>
-            <a:r>
-              <a:rPr lang="en-US" dirty="0"/>
-              <a:t>Level 2 </a:t>
-            </a:r>
-          </a:p>
-          <a:p>
-            <a:pPr lvl="3"/>
-            <a:r>
-              <a:rPr lang="en-US" dirty="0"/>
-              <a:t>Level 3</a:t>
+              <a:t>Code</a:t>
             </a:r>
           </a:p>
         </p:txBody>
@@ -9571,7 +9761,7 @@
     </p:spTree>
     <p:extLst>
       <p:ext uri="{BB962C8B-B14F-4D97-AF65-F5344CB8AC3E}">
-        <p14:creationId xmlns:p14="http://schemas.microsoft.com/office/powerpoint/2010/main" val="659284950"/>
+        <p14:creationId xmlns:p14="http://schemas.microsoft.com/office/powerpoint/2010/main" val="1895725814"/>
       </p:ext>
     </p:extLst>
   </p:cSld>
@@ -9600,7 +9790,7 @@
       </p:grpSpPr>
       <p:sp>
         <p:nvSpPr>
-          <p:cNvPr id="3" name="Content Placeholder 2"/>
+          <p:cNvPr id="4" name="Content Placeholder 3"/>
           <p:cNvSpPr>
             <a:spLocks noGrp="1"/>
           </p:cNvSpPr>
@@ -9615,7 +9805,7 @@
           <a:p>
             <a:r>
               <a:rPr lang="en-US" dirty="0"/>
-              <a:t>Text Only (Red)</a:t>
+              <a:t>Text Only with Border</a:t>
             </a:r>
           </a:p>
           <a:p>
@@ -9629,7 +9819,7 @@
             <a:pPr lvl="2"/>
             <a:r>
               <a:rPr lang="en-US" dirty="0"/>
-              <a:t>Level 2</a:t>
+              <a:t>Level 2 </a:t>
             </a:r>
           </a:p>
           <a:p>
@@ -9644,7 +9834,7 @@
     </p:spTree>
     <p:extLst>
       <p:ext uri="{BB962C8B-B14F-4D97-AF65-F5344CB8AC3E}">
-        <p14:creationId xmlns:p14="http://schemas.microsoft.com/office/powerpoint/2010/main" val="2094311673"/>
+        <p14:creationId xmlns:p14="http://schemas.microsoft.com/office/powerpoint/2010/main" val="659284950"/>
       </p:ext>
     </p:extLst>
   </p:cSld>
@@ -9673,12 +9863,12 @@
       </p:grpSpPr>
       <p:sp>
         <p:nvSpPr>
-          <p:cNvPr id="3" name="Title 2"/>
+          <p:cNvPr id="3" name="Content Placeholder 2"/>
           <p:cNvSpPr>
             <a:spLocks noGrp="1"/>
           </p:cNvSpPr>
           <p:nvPr>
-            <p:ph type="title"/>
+            <p:ph idx="1"/>
           </p:nvPr>
         </p:nvSpPr>
         <p:spPr/>
@@ -9688,29 +9878,7 @@
           <a:p>
             <a:r>
               <a:rPr lang="en-US" dirty="0"/>
-              <a:t>Title</a:t>
-            </a:r>
-          </a:p>
-        </p:txBody>
-      </p:sp>
-      <p:sp>
-        <p:nvSpPr>
-          <p:cNvPr id="4" name="Content Placeholder 3"/>
-          <p:cNvSpPr>
-            <a:spLocks noGrp="1"/>
-          </p:cNvSpPr>
-          <p:nvPr>
-            <p:ph sz="half" idx="1"/>
-          </p:nvPr>
-        </p:nvSpPr>
-        <p:spPr/>
-        <p:txBody>
-          <a:bodyPr/>
-          <a:lstStyle/>
-          <a:p>
-            <a:r>
-              <a:rPr lang="en-US" dirty="0"/>
-              <a:t>Text 1</a:t>
+              <a:t>Text Only (Red)</a:t>
             </a:r>
           </a:p>
           <a:p>
@@ -9733,62 +9901,13 @@
               <a:rPr lang="en-US" dirty="0"/>
               <a:t>Level 3</a:t>
             </a:r>
-          </a:p>
-          <a:p>
-            <a:endParaRPr lang="en-US" dirty="0"/>
-          </a:p>
-        </p:txBody>
-      </p:sp>
-      <p:sp>
-        <p:nvSpPr>
-          <p:cNvPr id="5" name="Content Placeholder 4"/>
-          <p:cNvSpPr>
-            <a:spLocks noGrp="1"/>
-          </p:cNvSpPr>
-          <p:nvPr>
-            <p:ph sz="half" idx="2"/>
-          </p:nvPr>
-        </p:nvSpPr>
-        <p:spPr/>
-        <p:txBody>
-          <a:bodyPr/>
-          <a:lstStyle/>
-          <a:p>
-            <a:r>
-              <a:rPr lang="en-US" dirty="0"/>
-              <a:t>Text 2</a:t>
-            </a:r>
-          </a:p>
-          <a:p>
-            <a:pPr lvl="1"/>
-            <a:r>
-              <a:rPr lang="en-US" dirty="0"/>
-              <a:t>Level 1</a:t>
-            </a:r>
-          </a:p>
-          <a:p>
-            <a:pPr lvl="2"/>
-            <a:r>
-              <a:rPr lang="en-US" dirty="0"/>
-              <a:t>Level 2</a:t>
-            </a:r>
-          </a:p>
-          <a:p>
-            <a:pPr lvl="3"/>
-            <a:r>
-              <a:rPr lang="en-US" dirty="0"/>
-              <a:t>Level 3</a:t>
-            </a:r>
-          </a:p>
-          <a:p>
-            <a:endParaRPr lang="en-US" dirty="0"/>
           </a:p>
         </p:txBody>
       </p:sp>
     </p:spTree>
     <p:extLst>
       <p:ext uri="{BB962C8B-B14F-4D97-AF65-F5344CB8AC3E}">
-        <p14:creationId xmlns:p14="http://schemas.microsoft.com/office/powerpoint/2010/main" val="2554539812"/>
+        <p14:creationId xmlns:p14="http://schemas.microsoft.com/office/powerpoint/2010/main" val="2094311673"/>
       </p:ext>
     </p:extLst>
   </p:cSld>
@@ -9817,12 +9936,12 @@
       </p:grpSpPr>
       <p:sp>
         <p:nvSpPr>
-          <p:cNvPr id="6" name="Text Placeholder 5"/>
+          <p:cNvPr id="3" name="Title 2"/>
           <p:cNvSpPr>
             <a:spLocks noGrp="1"/>
           </p:cNvSpPr>
           <p:nvPr>
-            <p:ph type="body" idx="1"/>
+            <p:ph type="title"/>
           </p:nvPr>
         </p:nvSpPr>
         <p:spPr/>
@@ -9832,14 +9951,60 @@
           <a:p>
             <a:r>
               <a:rPr lang="en-US" dirty="0"/>
-              <a:t>Section 1</a:t>
+              <a:t>Title</a:t>
             </a:r>
           </a:p>
         </p:txBody>
       </p:sp>
       <p:sp>
         <p:nvSpPr>
-          <p:cNvPr id="7" name="Content Placeholder 6"/>
+          <p:cNvPr id="4" name="Content Placeholder 3"/>
+          <p:cNvSpPr>
+            <a:spLocks noGrp="1"/>
+          </p:cNvSpPr>
+          <p:nvPr>
+            <p:ph sz="half" idx="1"/>
+          </p:nvPr>
+        </p:nvSpPr>
+        <p:spPr/>
+        <p:txBody>
+          <a:bodyPr/>
+          <a:lstStyle/>
+          <a:p>
+            <a:r>
+              <a:rPr lang="en-US" dirty="0"/>
+              <a:t>Text 1</a:t>
+            </a:r>
+          </a:p>
+          <a:p>
+            <a:pPr lvl="1"/>
+            <a:r>
+              <a:rPr lang="en-US" dirty="0"/>
+              <a:t>Level 1</a:t>
+            </a:r>
+          </a:p>
+          <a:p>
+            <a:pPr lvl="2"/>
+            <a:r>
+              <a:rPr lang="en-US" dirty="0"/>
+              <a:t>Level 2</a:t>
+            </a:r>
+          </a:p>
+          <a:p>
+            <a:pPr lvl="3"/>
+            <a:r>
+              <a:rPr lang="en-US" dirty="0"/>
+              <a:t>Level 3</a:t>
+            </a:r>
+          </a:p>
+          <a:p>
+            <a:endParaRPr lang="en-US" dirty="0"/>
+          </a:p>
+        </p:txBody>
+      </p:sp>
+      <p:sp>
+        <p:nvSpPr>
+          <p:cNvPr id="5" name="Content Placeholder 4"/>
           <p:cNvSpPr>
             <a:spLocks noGrp="1"/>
           </p:cNvSpPr>
@@ -9854,7 +10019,7 @@
           <a:p>
             <a:r>
               <a:rPr lang="en-US" dirty="0"/>
-              <a:t>Text</a:t>
+              <a:t>Text 2</a:t>
             </a:r>
           </a:p>
           <a:p>
@@ -9880,103 +10045,13 @@
           </a:p>
           <a:p>
             <a:endParaRPr lang="en-US" dirty="0"/>
-          </a:p>
-        </p:txBody>
-      </p:sp>
-      <p:sp>
-        <p:nvSpPr>
-          <p:cNvPr id="8" name="Text Placeholder 7"/>
-          <p:cNvSpPr>
-            <a:spLocks noGrp="1"/>
-          </p:cNvSpPr>
-          <p:nvPr>
-            <p:ph type="body" sz="quarter" idx="3"/>
-          </p:nvPr>
-        </p:nvSpPr>
-        <p:spPr/>
-        <p:txBody>
-          <a:bodyPr/>
-          <a:lstStyle/>
-          <a:p>
-            <a:r>
-              <a:rPr lang="en-US" dirty="0"/>
-              <a:t>Section 2</a:t>
-            </a:r>
-          </a:p>
-        </p:txBody>
-      </p:sp>
-      <p:sp>
-        <p:nvSpPr>
-          <p:cNvPr id="9" name="Content Placeholder 8"/>
-          <p:cNvSpPr>
-            <a:spLocks noGrp="1"/>
-          </p:cNvSpPr>
-          <p:nvPr>
-            <p:ph sz="quarter" idx="4"/>
-          </p:nvPr>
-        </p:nvSpPr>
-        <p:spPr/>
-        <p:txBody>
-          <a:bodyPr/>
-          <a:lstStyle/>
-          <a:p>
-            <a:r>
-              <a:rPr lang="en-US" dirty="0"/>
-              <a:t>Text</a:t>
-            </a:r>
-          </a:p>
-          <a:p>
-            <a:pPr lvl="1"/>
-            <a:r>
-              <a:rPr lang="en-US" dirty="0"/>
-              <a:t>Level 1</a:t>
-            </a:r>
-          </a:p>
-          <a:p>
-            <a:pPr lvl="2"/>
-            <a:r>
-              <a:rPr lang="en-US" dirty="0"/>
-              <a:t>Level 2</a:t>
-            </a:r>
-          </a:p>
-          <a:p>
-            <a:pPr lvl="3"/>
-            <a:r>
-              <a:rPr lang="en-US" dirty="0"/>
-              <a:t>Level 3</a:t>
-            </a:r>
-          </a:p>
-          <a:p>
-            <a:endParaRPr lang="en-US" dirty="0"/>
-          </a:p>
-        </p:txBody>
-      </p:sp>
-      <p:sp>
-        <p:nvSpPr>
-          <p:cNvPr id="5" name="Title 4"/>
-          <p:cNvSpPr>
-            <a:spLocks noGrp="1"/>
-          </p:cNvSpPr>
-          <p:nvPr>
-            <p:ph type="title"/>
-          </p:nvPr>
-        </p:nvSpPr>
-        <p:spPr/>
-        <p:txBody>
-          <a:bodyPr/>
-          <a:lstStyle/>
-          <a:p>
-            <a:r>
-              <a:rPr lang="en-US" dirty="0"/>
-              <a:t>Title</a:t>
-            </a:r>
           </a:p>
         </p:txBody>
       </p:sp>
     </p:spTree>
     <p:extLst>
       <p:ext uri="{BB962C8B-B14F-4D97-AF65-F5344CB8AC3E}">
-        <p14:creationId xmlns:p14="http://schemas.microsoft.com/office/powerpoint/2010/main" val="3003455065"/>
+        <p14:creationId xmlns:p14="http://schemas.microsoft.com/office/powerpoint/2010/main" val="2554539812"/>
       </p:ext>
     </p:extLst>
   </p:cSld>
@@ -10082,7 +10157,7 @@
       </p:grpSpPr>
       <p:sp>
         <p:nvSpPr>
-          <p:cNvPr id="7" name="Text Placeholder 6"/>
+          <p:cNvPr id="6" name="Text Placeholder 5"/>
           <p:cNvSpPr>
             <a:spLocks noGrp="1"/>
           </p:cNvSpPr>
@@ -10097,7 +10172,143 @@
           <a:p>
             <a:r>
               <a:rPr lang="en-US" dirty="0"/>
-              <a:t>Demo Title</a:t>
+              <a:t>Section 1</a:t>
+            </a:r>
+          </a:p>
+        </p:txBody>
+      </p:sp>
+      <p:sp>
+        <p:nvSpPr>
+          <p:cNvPr id="7" name="Content Placeholder 6"/>
+          <p:cNvSpPr>
+            <a:spLocks noGrp="1"/>
+          </p:cNvSpPr>
+          <p:nvPr>
+            <p:ph sz="half" idx="2"/>
+          </p:nvPr>
+        </p:nvSpPr>
+        <p:spPr/>
+        <p:txBody>
+          <a:bodyPr/>
+          <a:lstStyle/>
+          <a:p>
+            <a:r>
+              <a:rPr lang="en-US" dirty="0"/>
+              <a:t>Text</a:t>
+            </a:r>
+          </a:p>
+          <a:p>
+            <a:pPr lvl="1"/>
+            <a:r>
+              <a:rPr lang="en-US" dirty="0"/>
+              <a:t>Level 1</a:t>
+            </a:r>
+          </a:p>
+          <a:p>
+            <a:pPr lvl="2"/>
+            <a:r>
+              <a:rPr lang="en-US" dirty="0"/>
+              <a:t>Level 2</a:t>
+            </a:r>
+          </a:p>
+          <a:p>
+            <a:pPr lvl="3"/>
+            <a:r>
+              <a:rPr lang="en-US" dirty="0"/>
+              <a:t>Level 3</a:t>
+            </a:r>
+          </a:p>
+          <a:p>
+            <a:endParaRPr lang="en-US" dirty="0"/>
+          </a:p>
+        </p:txBody>
+      </p:sp>
+      <p:sp>
+        <p:nvSpPr>
+          <p:cNvPr id="8" name="Text Placeholder 7"/>
+          <p:cNvSpPr>
+            <a:spLocks noGrp="1"/>
+          </p:cNvSpPr>
+          <p:nvPr>
+            <p:ph type="body" sz="quarter" idx="3"/>
+          </p:nvPr>
+        </p:nvSpPr>
+        <p:spPr/>
+        <p:txBody>
+          <a:bodyPr/>
+          <a:lstStyle/>
+          <a:p>
+            <a:r>
+              <a:rPr lang="en-US" dirty="0"/>
+              <a:t>Section 2</a:t>
+            </a:r>
+          </a:p>
+        </p:txBody>
+      </p:sp>
+      <p:sp>
+        <p:nvSpPr>
+          <p:cNvPr id="9" name="Content Placeholder 8"/>
+          <p:cNvSpPr>
+            <a:spLocks noGrp="1"/>
+          </p:cNvSpPr>
+          <p:nvPr>
+            <p:ph sz="quarter" idx="4"/>
+          </p:nvPr>
+        </p:nvSpPr>
+        <p:spPr/>
+        <p:txBody>
+          <a:bodyPr/>
+          <a:lstStyle/>
+          <a:p>
+            <a:r>
+              <a:rPr lang="en-US" dirty="0"/>
+              <a:t>Text</a:t>
+            </a:r>
+          </a:p>
+          <a:p>
+            <a:pPr lvl="1"/>
+            <a:r>
+              <a:rPr lang="en-US" dirty="0"/>
+              <a:t>Level 1</a:t>
+            </a:r>
+          </a:p>
+          <a:p>
+            <a:pPr lvl="2"/>
+            <a:r>
+              <a:rPr lang="en-US" dirty="0"/>
+              <a:t>Level 2</a:t>
+            </a:r>
+          </a:p>
+          <a:p>
+            <a:pPr lvl="3"/>
+            <a:r>
+              <a:rPr lang="en-US" dirty="0"/>
+              <a:t>Level 3</a:t>
+            </a:r>
+          </a:p>
+          <a:p>
+            <a:endParaRPr lang="en-US" dirty="0"/>
+          </a:p>
+        </p:txBody>
+      </p:sp>
+      <p:sp>
+        <p:nvSpPr>
+          <p:cNvPr id="5" name="Title 4"/>
+          <p:cNvSpPr>
+            <a:spLocks noGrp="1"/>
+          </p:cNvSpPr>
+          <p:nvPr>
+            <p:ph type="title"/>
+          </p:nvPr>
+        </p:nvSpPr>
+        <p:spPr/>
+        <p:txBody>
+          <a:bodyPr/>
+          <a:lstStyle/>
+          <a:p>
+            <a:r>
+              <a:rPr lang="en-US" dirty="0"/>
+              <a:t>Title</a:t>
             </a:r>
           </a:p>
         </p:txBody>
@@ -10105,7 +10316,7 @@
     </p:spTree>
     <p:extLst>
       <p:ext uri="{BB962C8B-B14F-4D97-AF65-F5344CB8AC3E}">
-        <p14:creationId xmlns:p14="http://schemas.microsoft.com/office/powerpoint/2010/main" val="3216050713"/>
+        <p14:creationId xmlns:p14="http://schemas.microsoft.com/office/powerpoint/2010/main" val="3003455065"/>
       </p:ext>
     </p:extLst>
   </p:cSld>
@@ -10132,875 +10343,32 @@
           <a:chExt cx="0" cy="0"/>
         </a:xfrm>
       </p:grpSpPr>
-      <p:pic>
-        <p:nvPicPr>
-          <p:cNvPr id="11" name="Picture 10"/>
-          <p:cNvPicPr>
-            <a:picLocks noChangeAspect="1"/>
-          </p:cNvPicPr>
-          <p:nvPr/>
-        </p:nvPicPr>
-        <p:blipFill>
-          <a:blip r:embed="rId2">
-            <a:extLst>
-              <a:ext uri="{28A0092B-C50C-407E-A947-70E740481C1C}">
-                <a14:useLocalDpi xmlns:a14="http://schemas.microsoft.com/office/drawing/2010/main" val="0"/>
-              </a:ext>
-            </a:extLst>
-          </a:blip>
-          <a:stretch>
-            <a:fillRect/>
-          </a:stretch>
-        </p:blipFill>
-        <p:spPr>
-          <a:xfrm>
-            <a:off x="2207458" y="453313"/>
-            <a:ext cx="457200" cy="457200"/>
-          </a:xfrm>
-          <a:prstGeom prst="rect">
-            <a:avLst/>
-          </a:prstGeom>
-        </p:spPr>
-      </p:pic>
-      <p:pic>
-        <p:nvPicPr>
-          <p:cNvPr id="12" name="Picture 11"/>
-          <p:cNvPicPr>
-            <a:picLocks noChangeAspect="1"/>
-          </p:cNvPicPr>
-          <p:nvPr/>
-        </p:nvPicPr>
-        <p:blipFill>
-          <a:blip r:embed="rId3">
-            <a:extLst>
-              <a:ext uri="{28A0092B-C50C-407E-A947-70E740481C1C}">
-                <a14:useLocalDpi xmlns:a14="http://schemas.microsoft.com/office/drawing/2010/main" val="0"/>
-              </a:ext>
-            </a:extLst>
-          </a:blip>
-          <a:stretch>
-            <a:fillRect/>
-          </a:stretch>
-        </p:blipFill>
-        <p:spPr>
-          <a:xfrm>
-            <a:off x="1294229" y="453399"/>
-            <a:ext cx="457200" cy="457200"/>
-          </a:xfrm>
-          <a:prstGeom prst="rect">
-            <a:avLst/>
-          </a:prstGeom>
-        </p:spPr>
-      </p:pic>
-      <p:pic>
-        <p:nvPicPr>
-          <p:cNvPr id="13" name="Picture 12"/>
-          <p:cNvPicPr>
-            <a:picLocks noChangeAspect="1"/>
-          </p:cNvPicPr>
-          <p:nvPr/>
-        </p:nvPicPr>
-        <p:blipFill>
-          <a:blip r:embed="rId4">
-            <a:extLst>
-              <a:ext uri="{28A0092B-C50C-407E-A947-70E740481C1C}">
-                <a14:useLocalDpi xmlns:a14="http://schemas.microsoft.com/office/drawing/2010/main" val="0"/>
-              </a:ext>
-            </a:extLst>
-          </a:blip>
-          <a:stretch>
-            <a:fillRect/>
-          </a:stretch>
-        </p:blipFill>
-        <p:spPr>
-          <a:xfrm>
-            <a:off x="381000" y="453399"/>
-            <a:ext cx="457200" cy="457200"/>
-          </a:xfrm>
-          <a:prstGeom prst="rect">
-            <a:avLst/>
-          </a:prstGeom>
-        </p:spPr>
-      </p:pic>
-      <p:pic>
-        <p:nvPicPr>
-          <p:cNvPr id="15" name="Picture 14"/>
-          <p:cNvPicPr>
-            <a:picLocks noChangeAspect="1"/>
-          </p:cNvPicPr>
-          <p:nvPr/>
-        </p:nvPicPr>
-        <p:blipFill>
-          <a:blip r:embed="rId5">
-            <a:lum bright="70000" contrast="-70000"/>
-            <a:extLst>
-              <a:ext uri="{28A0092B-C50C-407E-A947-70E740481C1C}">
-                <a14:useLocalDpi xmlns:a14="http://schemas.microsoft.com/office/drawing/2010/main" val="0"/>
-              </a:ext>
-            </a:extLst>
-          </a:blip>
-          <a:stretch>
-            <a:fillRect/>
-          </a:stretch>
-        </p:blipFill>
-        <p:spPr>
-          <a:xfrm>
-            <a:off x="303629" y="1070428"/>
-            <a:ext cx="1219200" cy="1219200"/>
-          </a:xfrm>
-          <a:prstGeom prst="rect">
-            <a:avLst/>
-          </a:prstGeom>
-        </p:spPr>
-      </p:pic>
-      <p:pic>
-        <p:nvPicPr>
-          <p:cNvPr id="279" name="Picture 278"/>
-          <p:cNvPicPr>
-            <a:picLocks noChangeAspect="1"/>
-          </p:cNvPicPr>
-          <p:nvPr/>
-        </p:nvPicPr>
-        <p:blipFill>
-          <a:blip r:embed="rId6">
-            <a:lum bright="70000" contrast="-70000"/>
-            <a:extLst>
-              <a:ext uri="{28A0092B-C50C-407E-A947-70E740481C1C}">
-                <a14:useLocalDpi xmlns:a14="http://schemas.microsoft.com/office/drawing/2010/main" val="0"/>
-              </a:ext>
-            </a:extLst>
-          </a:blip>
-          <a:stretch>
-            <a:fillRect/>
-          </a:stretch>
-        </p:blipFill>
-        <p:spPr>
-          <a:xfrm>
-            <a:off x="2950029" y="1070428"/>
-            <a:ext cx="1219200" cy="1219200"/>
-          </a:xfrm>
-          <a:prstGeom prst="rect">
-            <a:avLst/>
-          </a:prstGeom>
-        </p:spPr>
-      </p:pic>
-      <p:pic>
-        <p:nvPicPr>
-          <p:cNvPr id="280" name="Picture 279"/>
-          <p:cNvPicPr>
-            <a:picLocks noChangeAspect="1"/>
-          </p:cNvPicPr>
-          <p:nvPr/>
-        </p:nvPicPr>
-        <p:blipFill>
-          <a:blip r:embed="rId7">
-            <a:lum bright="70000" contrast="-70000"/>
-            <a:extLst>
-              <a:ext uri="{28A0092B-C50C-407E-A947-70E740481C1C}">
-                <a14:useLocalDpi xmlns:a14="http://schemas.microsoft.com/office/drawing/2010/main" val="0"/>
-              </a:ext>
-            </a:extLst>
-          </a:blip>
-          <a:stretch>
-            <a:fillRect/>
-          </a:stretch>
-        </p:blipFill>
-        <p:spPr>
-          <a:xfrm>
-            <a:off x="1626829" y="1070428"/>
-            <a:ext cx="1219200" cy="1219200"/>
-          </a:xfrm>
-          <a:prstGeom prst="rect">
-            <a:avLst/>
-          </a:prstGeom>
-        </p:spPr>
-      </p:pic>
-      <p:pic>
-        <p:nvPicPr>
-          <p:cNvPr id="281" name="Picture 280"/>
-          <p:cNvPicPr>
-            <a:picLocks noChangeAspect="1"/>
-          </p:cNvPicPr>
-          <p:nvPr/>
-        </p:nvPicPr>
-        <p:blipFill>
-          <a:blip r:embed="rId8">
-            <a:lum bright="70000" contrast="-70000"/>
-            <a:extLst>
-              <a:ext uri="{28A0092B-C50C-407E-A947-70E740481C1C}">
-                <a14:useLocalDpi xmlns:a14="http://schemas.microsoft.com/office/drawing/2010/main" val="0"/>
-              </a:ext>
-            </a:extLst>
-          </a:blip>
-          <a:stretch>
-            <a:fillRect/>
-          </a:stretch>
-        </p:blipFill>
-        <p:spPr>
-          <a:xfrm>
-            <a:off x="5596429" y="1107999"/>
-            <a:ext cx="1219200" cy="1219200"/>
-          </a:xfrm>
-          <a:prstGeom prst="rect">
-            <a:avLst/>
-          </a:prstGeom>
-        </p:spPr>
-      </p:pic>
-      <p:pic>
-        <p:nvPicPr>
-          <p:cNvPr id="282" name="Picture 281"/>
-          <p:cNvPicPr>
-            <a:picLocks noChangeAspect="1"/>
-          </p:cNvPicPr>
-          <p:nvPr/>
-        </p:nvPicPr>
-        <p:blipFill>
-          <a:blip r:embed="rId9">
-            <a:lum bright="70000" contrast="-70000"/>
-            <a:extLst>
-              <a:ext uri="{28A0092B-C50C-407E-A947-70E740481C1C}">
-                <a14:useLocalDpi xmlns:a14="http://schemas.microsoft.com/office/drawing/2010/main" val="0"/>
-              </a:ext>
-            </a:extLst>
-          </a:blip>
-          <a:stretch>
-            <a:fillRect/>
-          </a:stretch>
-        </p:blipFill>
-        <p:spPr>
-          <a:xfrm>
-            <a:off x="4273229" y="1070428"/>
-            <a:ext cx="1219200" cy="1219200"/>
-          </a:xfrm>
-          <a:prstGeom prst="rect">
-            <a:avLst/>
-          </a:prstGeom>
-        </p:spPr>
-      </p:pic>
-      <p:pic>
-        <p:nvPicPr>
-          <p:cNvPr id="283" name="Picture 282"/>
-          <p:cNvPicPr>
-            <a:picLocks noChangeAspect="1"/>
-          </p:cNvPicPr>
-          <p:nvPr/>
-        </p:nvPicPr>
-        <p:blipFill>
-          <a:blip r:embed="rId10">
-            <a:lum bright="70000" contrast="-70000"/>
-            <a:extLst>
-              <a:ext uri="{28A0092B-C50C-407E-A947-70E740481C1C}">
-                <a14:useLocalDpi xmlns:a14="http://schemas.microsoft.com/office/drawing/2010/main" val="0"/>
-              </a:ext>
-            </a:extLst>
-          </a:blip>
-          <a:stretch>
-            <a:fillRect/>
-          </a:stretch>
-        </p:blipFill>
-        <p:spPr>
-          <a:xfrm>
-            <a:off x="6919629" y="1107999"/>
-            <a:ext cx="1219200" cy="1219200"/>
-          </a:xfrm>
-          <a:prstGeom prst="rect">
-            <a:avLst/>
-          </a:prstGeom>
-        </p:spPr>
-      </p:pic>
-      <p:pic>
-        <p:nvPicPr>
-          <p:cNvPr id="284" name="Picture 283"/>
-          <p:cNvPicPr>
-            <a:picLocks noChangeAspect="1"/>
-          </p:cNvPicPr>
-          <p:nvPr/>
-        </p:nvPicPr>
-        <p:blipFill>
-          <a:blip r:embed="rId11">
-            <a:lum bright="70000" contrast="-70000"/>
-            <a:extLst>
-              <a:ext uri="{28A0092B-C50C-407E-A947-70E740481C1C}">
-                <a14:useLocalDpi xmlns:a14="http://schemas.microsoft.com/office/drawing/2010/main" val="0"/>
-              </a:ext>
-            </a:extLst>
-          </a:blip>
-          <a:stretch>
-            <a:fillRect/>
-          </a:stretch>
-        </p:blipFill>
-        <p:spPr>
-          <a:xfrm>
-            <a:off x="9105600" y="1070428"/>
-            <a:ext cx="1219200" cy="1219200"/>
-          </a:xfrm>
-          <a:prstGeom prst="rect">
-            <a:avLst/>
-          </a:prstGeom>
-        </p:spPr>
-      </p:pic>
-      <p:pic>
-        <p:nvPicPr>
-          <p:cNvPr id="285" name="Picture 284"/>
-          <p:cNvPicPr>
-            <a:picLocks noChangeAspect="1"/>
-          </p:cNvPicPr>
-          <p:nvPr/>
-        </p:nvPicPr>
-        <p:blipFill>
-          <a:blip r:embed="rId12">
-            <a:lum bright="70000" contrast="-70000"/>
-            <a:extLst>
-              <a:ext uri="{28A0092B-C50C-407E-A947-70E740481C1C}">
-                <a14:useLocalDpi xmlns:a14="http://schemas.microsoft.com/office/drawing/2010/main" val="0"/>
-              </a:ext>
-            </a:extLst>
-          </a:blip>
-          <a:stretch>
-            <a:fillRect/>
-          </a:stretch>
-        </p:blipFill>
-        <p:spPr>
-          <a:xfrm>
-            <a:off x="7988286" y="1070428"/>
-            <a:ext cx="1219200" cy="1219200"/>
-          </a:xfrm>
-          <a:prstGeom prst="rect">
-            <a:avLst/>
-          </a:prstGeom>
-        </p:spPr>
-      </p:pic>
-      <p:pic>
-        <p:nvPicPr>
-          <p:cNvPr id="286" name="Picture 285"/>
-          <p:cNvPicPr>
-            <a:picLocks noChangeAspect="1"/>
-          </p:cNvPicPr>
-          <p:nvPr/>
-        </p:nvPicPr>
-        <p:blipFill>
-          <a:blip r:embed="rId13">
-            <a:lum bright="70000" contrast="-70000"/>
-            <a:extLst>
-              <a:ext uri="{28A0092B-C50C-407E-A947-70E740481C1C}">
-                <a14:useLocalDpi xmlns:a14="http://schemas.microsoft.com/office/drawing/2010/main" val="0"/>
-              </a:ext>
-            </a:extLst>
-          </a:blip>
-          <a:stretch>
-            <a:fillRect/>
-          </a:stretch>
-        </p:blipFill>
-        <p:spPr>
-          <a:xfrm>
-            <a:off x="303629" y="2185742"/>
-            <a:ext cx="1219200" cy="1219200"/>
-          </a:xfrm>
-          <a:prstGeom prst="rect">
-            <a:avLst/>
-          </a:prstGeom>
-        </p:spPr>
-      </p:pic>
-      <p:pic>
-        <p:nvPicPr>
-          <p:cNvPr id="287" name="Picture 286"/>
-          <p:cNvPicPr>
-            <a:picLocks noChangeAspect="1"/>
-          </p:cNvPicPr>
-          <p:nvPr/>
-        </p:nvPicPr>
-        <p:blipFill>
-          <a:blip r:embed="rId14">
-            <a:lum bright="70000" contrast="-70000"/>
-            <a:extLst>
-              <a:ext uri="{28A0092B-C50C-407E-A947-70E740481C1C}">
-                <a14:useLocalDpi xmlns:a14="http://schemas.microsoft.com/office/drawing/2010/main" val="0"/>
-              </a:ext>
-            </a:extLst>
-          </a:blip>
-          <a:stretch>
-            <a:fillRect/>
-          </a:stretch>
-        </p:blipFill>
-        <p:spPr>
-          <a:xfrm>
-            <a:off x="10484143" y="1070428"/>
-            <a:ext cx="1219200" cy="1219200"/>
-          </a:xfrm>
-          <a:prstGeom prst="rect">
-            <a:avLst/>
-          </a:prstGeom>
-        </p:spPr>
-      </p:pic>
-      <p:pic>
-        <p:nvPicPr>
-          <p:cNvPr id="288" name="Picture 287"/>
-          <p:cNvPicPr>
-            <a:picLocks noChangeAspect="1"/>
-          </p:cNvPicPr>
-          <p:nvPr/>
-        </p:nvPicPr>
-        <p:blipFill>
-          <a:blip r:embed="rId15">
-            <a:lum bright="70000" contrast="-70000"/>
-            <a:extLst>
-              <a:ext uri="{28A0092B-C50C-407E-A947-70E740481C1C}">
-                <a14:useLocalDpi xmlns:a14="http://schemas.microsoft.com/office/drawing/2010/main" val="0"/>
-              </a:ext>
-            </a:extLst>
-          </a:blip>
-          <a:stretch>
-            <a:fillRect/>
-          </a:stretch>
-        </p:blipFill>
-        <p:spPr>
-          <a:xfrm>
-            <a:off x="2923629" y="2421599"/>
-            <a:ext cx="1219200" cy="1219200"/>
-          </a:xfrm>
-          <a:prstGeom prst="rect">
-            <a:avLst/>
-          </a:prstGeom>
-        </p:spPr>
-      </p:pic>
-      <p:pic>
-        <p:nvPicPr>
-          <p:cNvPr id="289" name="Picture 288"/>
-          <p:cNvPicPr>
-            <a:picLocks noChangeAspect="1"/>
-          </p:cNvPicPr>
-          <p:nvPr/>
-        </p:nvPicPr>
-        <p:blipFill>
-          <a:blip r:embed="rId16">
-            <a:lum bright="70000" contrast="-70000"/>
-            <a:extLst>
-              <a:ext uri="{28A0092B-C50C-407E-A947-70E740481C1C}">
-                <a14:useLocalDpi xmlns:a14="http://schemas.microsoft.com/office/drawing/2010/main" val="0"/>
-              </a:ext>
-            </a:extLst>
-          </a:blip>
-          <a:stretch>
-            <a:fillRect/>
-          </a:stretch>
-        </p:blipFill>
-        <p:spPr>
-          <a:xfrm>
-            <a:off x="4273229" y="2454485"/>
-            <a:ext cx="1219200" cy="1219200"/>
-          </a:xfrm>
-          <a:prstGeom prst="rect">
-            <a:avLst/>
-          </a:prstGeom>
-        </p:spPr>
-      </p:pic>
-      <p:pic>
-        <p:nvPicPr>
-          <p:cNvPr id="290" name="Picture 289"/>
-          <p:cNvPicPr>
-            <a:picLocks noChangeAspect="1"/>
-          </p:cNvPicPr>
-          <p:nvPr/>
-        </p:nvPicPr>
-        <p:blipFill>
-          <a:blip r:embed="rId17">
-            <a:lum bright="70000" contrast="-70000"/>
-            <a:extLst>
-              <a:ext uri="{28A0092B-C50C-407E-A947-70E740481C1C}">
-                <a14:useLocalDpi xmlns:a14="http://schemas.microsoft.com/office/drawing/2010/main" val="0"/>
-              </a:ext>
-            </a:extLst>
-          </a:blip>
-          <a:stretch>
-            <a:fillRect/>
-          </a:stretch>
-        </p:blipFill>
-        <p:spPr>
-          <a:xfrm>
-            <a:off x="1704429" y="2421599"/>
-            <a:ext cx="1219200" cy="1219200"/>
-          </a:xfrm>
-          <a:prstGeom prst="rect">
-            <a:avLst/>
-          </a:prstGeom>
-        </p:spPr>
-      </p:pic>
-      <p:pic>
-        <p:nvPicPr>
-          <p:cNvPr id="291" name="Picture 290"/>
-          <p:cNvPicPr>
-            <a:picLocks noChangeAspect="1"/>
-          </p:cNvPicPr>
-          <p:nvPr/>
-        </p:nvPicPr>
-        <p:blipFill>
-          <a:blip r:embed="rId18">
-            <a:lum bright="70000" contrast="-70000"/>
-            <a:extLst>
-              <a:ext uri="{28A0092B-C50C-407E-A947-70E740481C1C}">
-                <a14:useLocalDpi xmlns:a14="http://schemas.microsoft.com/office/drawing/2010/main" val="0"/>
-              </a:ext>
-            </a:extLst>
-          </a:blip>
-          <a:stretch>
-            <a:fillRect/>
-          </a:stretch>
-        </p:blipFill>
-        <p:spPr>
-          <a:xfrm>
-            <a:off x="6976800" y="2439628"/>
-            <a:ext cx="1219200" cy="1219200"/>
-          </a:xfrm>
-          <a:prstGeom prst="rect">
-            <a:avLst/>
-          </a:prstGeom>
-        </p:spPr>
-      </p:pic>
-      <p:pic>
-        <p:nvPicPr>
-          <p:cNvPr id="292" name="Picture 291"/>
-          <p:cNvPicPr>
-            <a:picLocks noChangeAspect="1"/>
-          </p:cNvPicPr>
-          <p:nvPr/>
-        </p:nvPicPr>
-        <p:blipFill>
-          <a:blip r:embed="rId19">
-            <a:lum bright="70000" contrast="-70000"/>
-            <a:extLst>
-              <a:ext uri="{28A0092B-C50C-407E-A947-70E740481C1C}">
-                <a14:useLocalDpi xmlns:a14="http://schemas.microsoft.com/office/drawing/2010/main" val="0"/>
-              </a:ext>
-            </a:extLst>
-          </a:blip>
-          <a:stretch>
-            <a:fillRect/>
-          </a:stretch>
-        </p:blipFill>
-        <p:spPr>
-          <a:xfrm>
-            <a:off x="5622829" y="2454485"/>
-            <a:ext cx="1219200" cy="1219200"/>
-          </a:xfrm>
-          <a:prstGeom prst="rect">
-            <a:avLst/>
-          </a:prstGeom>
-        </p:spPr>
-      </p:pic>
-      <p:pic>
-        <p:nvPicPr>
-          <p:cNvPr id="293" name="Picture 292"/>
-          <p:cNvPicPr>
-            <a:picLocks noChangeAspect="1"/>
-          </p:cNvPicPr>
-          <p:nvPr/>
-        </p:nvPicPr>
-        <p:blipFill>
-          <a:blip r:embed="rId20">
-            <a:lum bright="70000" contrast="-70000"/>
-            <a:extLst>
-              <a:ext uri="{28A0092B-C50C-407E-A947-70E740481C1C}">
-                <a14:useLocalDpi xmlns:a14="http://schemas.microsoft.com/office/drawing/2010/main" val="0"/>
-              </a:ext>
-            </a:extLst>
-          </a:blip>
-          <a:stretch>
-            <a:fillRect/>
-          </a:stretch>
-        </p:blipFill>
-        <p:spPr>
-          <a:xfrm>
-            <a:off x="8336400" y="2534314"/>
-            <a:ext cx="1219200" cy="1219200"/>
-          </a:xfrm>
-          <a:prstGeom prst="rect">
-            <a:avLst/>
-          </a:prstGeom>
-        </p:spPr>
-      </p:pic>
-      <p:pic>
-        <p:nvPicPr>
-          <p:cNvPr id="294" name="Picture 293"/>
-          <p:cNvPicPr>
-            <a:picLocks noChangeAspect="1"/>
-          </p:cNvPicPr>
-          <p:nvPr/>
-        </p:nvPicPr>
-        <p:blipFill>
-          <a:blip r:embed="rId21">
-            <a:lum bright="70000" contrast="-70000"/>
-            <a:extLst>
-              <a:ext uri="{28A0092B-C50C-407E-A947-70E740481C1C}">
-                <a14:useLocalDpi xmlns:a14="http://schemas.microsoft.com/office/drawing/2010/main" val="0"/>
-              </a:ext>
-            </a:extLst>
-          </a:blip>
-          <a:stretch>
-            <a:fillRect/>
-          </a:stretch>
-        </p:blipFill>
-        <p:spPr>
-          <a:xfrm>
-            <a:off x="1522829" y="3910656"/>
-            <a:ext cx="1219200" cy="1219200"/>
-          </a:xfrm>
-          <a:prstGeom prst="rect">
-            <a:avLst/>
-          </a:prstGeom>
-        </p:spPr>
-      </p:pic>
-      <p:pic>
-        <p:nvPicPr>
-          <p:cNvPr id="295" name="Picture 294"/>
-          <p:cNvPicPr>
-            <a:picLocks noChangeAspect="1"/>
-          </p:cNvPicPr>
-          <p:nvPr/>
-        </p:nvPicPr>
-        <p:blipFill>
-          <a:blip r:embed="rId22">
-            <a:lum bright="70000" contrast="-70000"/>
-            <a:extLst>
-              <a:ext uri="{28A0092B-C50C-407E-A947-70E740481C1C}">
-                <a14:useLocalDpi xmlns:a14="http://schemas.microsoft.com/office/drawing/2010/main" val="0"/>
-              </a:ext>
-            </a:extLst>
-          </a:blip>
-          <a:stretch>
-            <a:fillRect/>
-          </a:stretch>
-        </p:blipFill>
-        <p:spPr>
-          <a:xfrm>
-            <a:off x="303629" y="4021971"/>
-            <a:ext cx="1219200" cy="1219200"/>
-          </a:xfrm>
-          <a:prstGeom prst="rect">
-            <a:avLst/>
-          </a:prstGeom>
-        </p:spPr>
-      </p:pic>
-      <p:pic>
-        <p:nvPicPr>
-          <p:cNvPr id="296" name="Picture 295"/>
-          <p:cNvPicPr>
-            <a:picLocks noChangeAspect="1"/>
-          </p:cNvPicPr>
-          <p:nvPr/>
-        </p:nvPicPr>
-        <p:blipFill>
-          <a:blip r:embed="rId23">
-            <a:lum bright="70000" contrast="-70000"/>
-            <a:extLst>
-              <a:ext uri="{28A0092B-C50C-407E-A947-70E740481C1C}">
-                <a14:useLocalDpi xmlns:a14="http://schemas.microsoft.com/office/drawing/2010/main" val="0"/>
-              </a:ext>
-            </a:extLst>
-          </a:blip>
-          <a:stretch>
-            <a:fillRect/>
-          </a:stretch>
-        </p:blipFill>
-        <p:spPr>
-          <a:xfrm>
-            <a:off x="9762315" y="2534314"/>
-            <a:ext cx="1219200" cy="1219200"/>
-          </a:xfrm>
-          <a:prstGeom prst="rect">
-            <a:avLst/>
-          </a:prstGeom>
-        </p:spPr>
-      </p:pic>
-      <p:pic>
-        <p:nvPicPr>
-          <p:cNvPr id="297" name="Picture 296"/>
-          <p:cNvPicPr>
-            <a:picLocks noChangeAspect="1"/>
-          </p:cNvPicPr>
-          <p:nvPr/>
-        </p:nvPicPr>
-        <p:blipFill>
-          <a:blip r:embed="rId24">
-            <a:lum bright="70000" contrast="-70000"/>
-            <a:extLst>
-              <a:ext uri="{28A0092B-C50C-407E-A947-70E740481C1C}">
-                <a14:useLocalDpi xmlns:a14="http://schemas.microsoft.com/office/drawing/2010/main" val="0"/>
-              </a:ext>
-            </a:extLst>
-          </a:blip>
-          <a:stretch>
-            <a:fillRect/>
-          </a:stretch>
-        </p:blipFill>
-        <p:spPr>
-          <a:xfrm>
-            <a:off x="5998771" y="4004171"/>
-            <a:ext cx="1219200" cy="1219200"/>
-          </a:xfrm>
-          <a:prstGeom prst="rect">
-            <a:avLst/>
-          </a:prstGeom>
-        </p:spPr>
-      </p:pic>
-      <p:pic>
-        <p:nvPicPr>
-          <p:cNvPr id="298" name="Picture 297"/>
-          <p:cNvPicPr>
-            <a:picLocks noChangeAspect="1"/>
-          </p:cNvPicPr>
-          <p:nvPr/>
-        </p:nvPicPr>
-        <p:blipFill>
-          <a:blip r:embed="rId25">
-            <a:lum bright="70000" contrast="-70000"/>
-            <a:extLst>
-              <a:ext uri="{28A0092B-C50C-407E-A947-70E740481C1C}">
-                <a14:useLocalDpi xmlns:a14="http://schemas.microsoft.com/office/drawing/2010/main" val="0"/>
-              </a:ext>
-            </a:extLst>
-          </a:blip>
-          <a:stretch>
-            <a:fillRect/>
-          </a:stretch>
-        </p:blipFill>
-        <p:spPr>
-          <a:xfrm>
-            <a:off x="4526400" y="4021971"/>
-            <a:ext cx="1219200" cy="1219200"/>
-          </a:xfrm>
-          <a:prstGeom prst="rect">
-            <a:avLst/>
-          </a:prstGeom>
-        </p:spPr>
-      </p:pic>
-      <p:pic>
-        <p:nvPicPr>
-          <p:cNvPr id="299" name="Picture 298"/>
-          <p:cNvPicPr>
-            <a:picLocks noChangeAspect="1"/>
-          </p:cNvPicPr>
-          <p:nvPr/>
-        </p:nvPicPr>
-        <p:blipFill>
-          <a:blip r:embed="rId26">
-            <a:lum bright="70000" contrast="-70000"/>
-            <a:extLst>
-              <a:ext uri="{28A0092B-C50C-407E-A947-70E740481C1C}">
-                <a14:useLocalDpi xmlns:a14="http://schemas.microsoft.com/office/drawing/2010/main" val="0"/>
-              </a:ext>
-            </a:extLst>
-          </a:blip>
-          <a:stretch>
-            <a:fillRect/>
-          </a:stretch>
-        </p:blipFill>
-        <p:spPr>
-          <a:xfrm>
-            <a:off x="3054029" y="4021971"/>
-            <a:ext cx="1219200" cy="1219200"/>
-          </a:xfrm>
-          <a:prstGeom prst="rect">
-            <a:avLst/>
-          </a:prstGeom>
-        </p:spPr>
-      </p:pic>
-      <p:pic>
-        <p:nvPicPr>
-          <p:cNvPr id="300" name="Picture 299"/>
-          <p:cNvPicPr>
-            <a:picLocks noChangeAspect="1"/>
-          </p:cNvPicPr>
-          <p:nvPr/>
-        </p:nvPicPr>
-        <p:blipFill>
-          <a:blip r:embed="rId27">
-            <a:lum bright="70000" contrast="-70000"/>
-            <a:extLst>
-              <a:ext uri="{28A0092B-C50C-407E-A947-70E740481C1C}">
-                <a14:useLocalDpi xmlns:a14="http://schemas.microsoft.com/office/drawing/2010/main" val="0"/>
-              </a:ext>
-            </a:extLst>
-          </a:blip>
-          <a:stretch>
-            <a:fillRect/>
-          </a:stretch>
-        </p:blipFill>
-        <p:spPr>
-          <a:xfrm>
-            <a:off x="10221542" y="4145971"/>
-            <a:ext cx="1219200" cy="1219200"/>
-          </a:xfrm>
-          <a:prstGeom prst="rect">
-            <a:avLst/>
-          </a:prstGeom>
-        </p:spPr>
-      </p:pic>
-      <p:pic>
-        <p:nvPicPr>
-          <p:cNvPr id="301" name="Picture 300"/>
-          <p:cNvPicPr>
-            <a:picLocks noChangeAspect="1"/>
-          </p:cNvPicPr>
-          <p:nvPr/>
-        </p:nvPicPr>
-        <p:blipFill>
-          <a:blip r:embed="rId28">
-            <a:lum bright="70000" contrast="-70000"/>
-            <a:extLst>
-              <a:ext uri="{28A0092B-C50C-407E-A947-70E740481C1C}">
-                <a14:useLocalDpi xmlns:a14="http://schemas.microsoft.com/office/drawing/2010/main" val="0"/>
-              </a:ext>
-            </a:extLst>
-          </a:blip>
-          <a:stretch>
-            <a:fillRect/>
-          </a:stretch>
-        </p:blipFill>
-        <p:spPr>
-          <a:xfrm>
-            <a:off x="8858971" y="4120114"/>
-            <a:ext cx="1219200" cy="1219200"/>
-          </a:xfrm>
-          <a:prstGeom prst="rect">
-            <a:avLst/>
-          </a:prstGeom>
-        </p:spPr>
-      </p:pic>
-      <p:pic>
-        <p:nvPicPr>
-          <p:cNvPr id="302" name="Picture 301"/>
-          <p:cNvPicPr>
-            <a:picLocks noChangeAspect="1"/>
-          </p:cNvPicPr>
-          <p:nvPr/>
-        </p:nvPicPr>
-        <p:blipFill>
-          <a:blip r:embed="rId29">
-            <a:lum bright="70000" contrast="-70000"/>
-            <a:extLst>
-              <a:ext uri="{28A0092B-C50C-407E-A947-70E740481C1C}">
-                <a14:useLocalDpi xmlns:a14="http://schemas.microsoft.com/office/drawing/2010/main" val="0"/>
-              </a:ext>
-            </a:extLst>
-          </a:blip>
-          <a:stretch>
-            <a:fillRect/>
-          </a:stretch>
-        </p:blipFill>
-        <p:spPr>
-          <a:xfrm>
-            <a:off x="7471142" y="4120114"/>
-            <a:ext cx="1219200" cy="1219200"/>
-          </a:xfrm>
-          <a:prstGeom prst="rect">
-            <a:avLst/>
-          </a:prstGeom>
-        </p:spPr>
-      </p:pic>
+      <p:sp>
+        <p:nvSpPr>
+          <p:cNvPr id="7" name="Text Placeholder 6"/>
+          <p:cNvSpPr>
+            <a:spLocks noGrp="1"/>
+          </p:cNvSpPr>
+          <p:nvPr>
+            <p:ph type="body" idx="1"/>
+          </p:nvPr>
+        </p:nvSpPr>
+        <p:spPr/>
+        <p:txBody>
+          <a:bodyPr/>
+          <a:lstStyle/>
+          <a:p>
+            <a:r>
+              <a:rPr lang="en-US" dirty="0"/>
+              <a:t>Demo Title</a:t>
+            </a:r>
+          </a:p>
+        </p:txBody>
+      </p:sp>
     </p:spTree>
     <p:extLst>
       <p:ext uri="{BB962C8B-B14F-4D97-AF65-F5344CB8AC3E}">
-        <p14:creationId xmlns:p14="http://schemas.microsoft.com/office/powerpoint/2010/main" val="2451305448"/>
+        <p14:creationId xmlns:p14="http://schemas.microsoft.com/office/powerpoint/2010/main" val="3216050713"/>
       </p:ext>
     </p:extLst>
   </p:cSld>
@@ -11029,7 +10397,7 @@
       </p:grpSpPr>
       <p:pic>
         <p:nvPicPr>
-          <p:cNvPr id="2" name="Picture 1"/>
+          <p:cNvPr id="11" name="Picture 10"/>
           <p:cNvPicPr>
             <a:picLocks noChangeAspect="1"/>
           </p:cNvPicPr>
@@ -11037,30 +10405,29 @@
         </p:nvPicPr>
         <p:blipFill>
           <a:blip r:embed="rId2">
-            <a:lum bright="70000" contrast="-70000"/>
-            <a:extLst>
-              <a:ext uri="{28A0092B-C50C-407E-A947-70E740481C1C}">
-                <a14:useLocalDpi xmlns:a14="http://schemas.microsoft.com/office/drawing/2010/main" val="0"/>
-              </a:ext>
-            </a:extLst>
-          </a:blip>
-          <a:stretch>
-            <a:fillRect/>
-          </a:stretch>
-        </p:blipFill>
-        <p:spPr>
-          <a:xfrm>
-            <a:off x="322686" y="250829"/>
-            <a:ext cx="1219200" cy="1219200"/>
-          </a:xfrm>
-          <a:prstGeom prst="rect">
-            <a:avLst/>
-          </a:prstGeom>
-        </p:spPr>
-      </p:pic>
-      <p:pic>
-        <p:nvPicPr>
-          <p:cNvPr id="3" name="Picture 2"/>
+            <a:extLst>
+              <a:ext uri="{28A0092B-C50C-407E-A947-70E740481C1C}">
+                <a14:useLocalDpi xmlns:a14="http://schemas.microsoft.com/office/drawing/2010/main" val="0"/>
+              </a:ext>
+            </a:extLst>
+          </a:blip>
+          <a:stretch>
+            <a:fillRect/>
+          </a:stretch>
+        </p:blipFill>
+        <p:spPr>
+          <a:xfrm>
+            <a:off x="2207458" y="453313"/>
+            <a:ext cx="457200" cy="457200"/>
+          </a:xfrm>
+          <a:prstGeom prst="rect">
+            <a:avLst/>
+          </a:prstGeom>
+        </p:spPr>
+      </p:pic>
+      <p:pic>
+        <p:nvPicPr>
+          <p:cNvPr id="12" name="Picture 11"/>
           <p:cNvPicPr>
             <a:picLocks noChangeAspect="1"/>
           </p:cNvPicPr>
@@ -11068,30 +10435,29 @@
         </p:nvPicPr>
         <p:blipFill>
           <a:blip r:embed="rId3">
-            <a:lum bright="70000" contrast="-70000"/>
-            <a:extLst>
-              <a:ext uri="{28A0092B-C50C-407E-A947-70E740481C1C}">
-                <a14:useLocalDpi xmlns:a14="http://schemas.microsoft.com/office/drawing/2010/main" val="0"/>
-              </a:ext>
-            </a:extLst>
-          </a:blip>
-          <a:stretch>
-            <a:fillRect/>
-          </a:stretch>
-        </p:blipFill>
-        <p:spPr>
-          <a:xfrm>
-            <a:off x="1841371" y="306486"/>
-            <a:ext cx="1219200" cy="1219200"/>
-          </a:xfrm>
-          <a:prstGeom prst="rect">
-            <a:avLst/>
-          </a:prstGeom>
-        </p:spPr>
-      </p:pic>
-      <p:pic>
-        <p:nvPicPr>
-          <p:cNvPr id="4" name="Picture 3"/>
+            <a:extLst>
+              <a:ext uri="{28A0092B-C50C-407E-A947-70E740481C1C}">
+                <a14:useLocalDpi xmlns:a14="http://schemas.microsoft.com/office/drawing/2010/main" val="0"/>
+              </a:ext>
+            </a:extLst>
+          </a:blip>
+          <a:stretch>
+            <a:fillRect/>
+          </a:stretch>
+        </p:blipFill>
+        <p:spPr>
+          <a:xfrm>
+            <a:off x="1294229" y="453399"/>
+            <a:ext cx="457200" cy="457200"/>
+          </a:xfrm>
+          <a:prstGeom prst="rect">
+            <a:avLst/>
+          </a:prstGeom>
+        </p:spPr>
+      </p:pic>
+      <p:pic>
+        <p:nvPicPr>
+          <p:cNvPr id="13" name="Picture 12"/>
           <p:cNvPicPr>
             <a:picLocks noChangeAspect="1"/>
           </p:cNvPicPr>
@@ -11099,30 +10465,29 @@
         </p:nvPicPr>
         <p:blipFill>
           <a:blip r:embed="rId4">
-            <a:lum bright="70000" contrast="-70000"/>
-            <a:extLst>
-              <a:ext uri="{28A0092B-C50C-407E-A947-70E740481C1C}">
-                <a14:useLocalDpi xmlns:a14="http://schemas.microsoft.com/office/drawing/2010/main" val="0"/>
-              </a:ext>
-            </a:extLst>
-          </a:blip>
-          <a:stretch>
-            <a:fillRect/>
-          </a:stretch>
-        </p:blipFill>
-        <p:spPr>
-          <a:xfrm>
-            <a:off x="3360056" y="250829"/>
-            <a:ext cx="1219200" cy="1219200"/>
-          </a:xfrm>
-          <a:prstGeom prst="rect">
-            <a:avLst/>
-          </a:prstGeom>
-        </p:spPr>
-      </p:pic>
-      <p:pic>
-        <p:nvPicPr>
-          <p:cNvPr id="5" name="Picture 4"/>
+            <a:extLst>
+              <a:ext uri="{28A0092B-C50C-407E-A947-70E740481C1C}">
+                <a14:useLocalDpi xmlns:a14="http://schemas.microsoft.com/office/drawing/2010/main" val="0"/>
+              </a:ext>
+            </a:extLst>
+          </a:blip>
+          <a:stretch>
+            <a:fillRect/>
+          </a:stretch>
+        </p:blipFill>
+        <p:spPr>
+          <a:xfrm>
+            <a:off x="381000" y="453399"/>
+            <a:ext cx="457200" cy="457200"/>
+          </a:xfrm>
+          <a:prstGeom prst="rect">
+            <a:avLst/>
+          </a:prstGeom>
+        </p:spPr>
+      </p:pic>
+      <p:pic>
+        <p:nvPicPr>
+          <p:cNvPr id="15" name="Picture 14"/>
           <p:cNvPicPr>
             <a:picLocks noChangeAspect="1"/>
           </p:cNvPicPr>
@@ -11143,17 +10508,17 @@
         </p:blipFill>
         <p:spPr>
           <a:xfrm>
-            <a:off x="4878741" y="249715"/>
-            <a:ext cx="1219200" cy="1219200"/>
-          </a:xfrm>
-          <a:prstGeom prst="rect">
-            <a:avLst/>
-          </a:prstGeom>
-        </p:spPr>
-      </p:pic>
-      <p:pic>
-        <p:nvPicPr>
-          <p:cNvPr id="6" name="Picture 5"/>
+            <a:off x="303629" y="1070428"/>
+            <a:ext cx="1219200" cy="1219200"/>
+          </a:xfrm>
+          <a:prstGeom prst="rect">
+            <a:avLst/>
+          </a:prstGeom>
+        </p:spPr>
+      </p:pic>
+      <p:pic>
+        <p:nvPicPr>
+          <p:cNvPr id="279" name="Picture 278"/>
           <p:cNvPicPr>
             <a:picLocks noChangeAspect="1"/>
           </p:cNvPicPr>
@@ -11174,17 +10539,17 @@
         </p:blipFill>
         <p:spPr>
           <a:xfrm>
-            <a:off x="7736400" y="249715"/>
-            <a:ext cx="1219200" cy="1219200"/>
-          </a:xfrm>
-          <a:prstGeom prst="rect">
-            <a:avLst/>
-          </a:prstGeom>
-        </p:spPr>
-      </p:pic>
-      <p:pic>
-        <p:nvPicPr>
-          <p:cNvPr id="7" name="Picture 6"/>
+            <a:off x="2950029" y="1070428"/>
+            <a:ext cx="1219200" cy="1219200"/>
+          </a:xfrm>
+          <a:prstGeom prst="rect">
+            <a:avLst/>
+          </a:prstGeom>
+        </p:spPr>
+      </p:pic>
+      <p:pic>
+        <p:nvPicPr>
+          <p:cNvPr id="280" name="Picture 279"/>
           <p:cNvPicPr>
             <a:picLocks noChangeAspect="1"/>
           </p:cNvPicPr>
@@ -11205,17 +10570,17 @@
         </p:blipFill>
         <p:spPr>
           <a:xfrm>
-            <a:off x="6396057" y="249715"/>
-            <a:ext cx="1219200" cy="1219200"/>
-          </a:xfrm>
-          <a:prstGeom prst="rect">
-            <a:avLst/>
-          </a:prstGeom>
-        </p:spPr>
-      </p:pic>
-      <p:pic>
-        <p:nvPicPr>
-          <p:cNvPr id="8" name="Picture 7"/>
+            <a:off x="1626829" y="1070428"/>
+            <a:ext cx="1219200" cy="1219200"/>
+          </a:xfrm>
+          <a:prstGeom prst="rect">
+            <a:avLst/>
+          </a:prstGeom>
+        </p:spPr>
+      </p:pic>
+      <p:pic>
+        <p:nvPicPr>
+          <p:cNvPr id="281" name="Picture 280"/>
           <p:cNvPicPr>
             <a:picLocks noChangeAspect="1"/>
           </p:cNvPicPr>
@@ -11236,17 +10601,17 @@
         </p:blipFill>
         <p:spPr>
           <a:xfrm>
-            <a:off x="322686" y="1525686"/>
-            <a:ext cx="1219200" cy="1219200"/>
-          </a:xfrm>
-          <a:prstGeom prst="rect">
-            <a:avLst/>
-          </a:prstGeom>
-        </p:spPr>
-      </p:pic>
-      <p:pic>
-        <p:nvPicPr>
-          <p:cNvPr id="9" name="Picture 8"/>
+            <a:off x="5596429" y="1107999"/>
+            <a:ext cx="1219200" cy="1219200"/>
+          </a:xfrm>
+          <a:prstGeom prst="rect">
+            <a:avLst/>
+          </a:prstGeom>
+        </p:spPr>
+      </p:pic>
+      <p:pic>
+        <p:nvPicPr>
+          <p:cNvPr id="282" name="Picture 281"/>
           <p:cNvPicPr>
             <a:picLocks noChangeAspect="1"/>
           </p:cNvPicPr>
@@ -11267,17 +10632,17 @@
         </p:blipFill>
         <p:spPr>
           <a:xfrm>
-            <a:off x="9120229" y="275315"/>
-            <a:ext cx="1219200" cy="1219200"/>
-          </a:xfrm>
-          <a:prstGeom prst="rect">
-            <a:avLst/>
-          </a:prstGeom>
-        </p:spPr>
-      </p:pic>
-      <p:pic>
-        <p:nvPicPr>
-          <p:cNvPr id="10" name="Picture 9"/>
+            <a:off x="4273229" y="1070428"/>
+            <a:ext cx="1219200" cy="1219200"/>
+          </a:xfrm>
+          <a:prstGeom prst="rect">
+            <a:avLst/>
+          </a:prstGeom>
+        </p:spPr>
+      </p:pic>
+      <p:pic>
+        <p:nvPicPr>
+          <p:cNvPr id="283" name="Picture 282"/>
           <p:cNvPicPr>
             <a:picLocks noChangeAspect="1"/>
           </p:cNvPicPr>
@@ -11298,17 +10663,17 @@
         </p:blipFill>
         <p:spPr>
           <a:xfrm>
-            <a:off x="10460572" y="306486"/>
-            <a:ext cx="1219200" cy="1219200"/>
-          </a:xfrm>
-          <a:prstGeom prst="rect">
-            <a:avLst/>
-          </a:prstGeom>
-        </p:spPr>
-      </p:pic>
-      <p:pic>
-        <p:nvPicPr>
-          <p:cNvPr id="11" name="Picture 10"/>
+            <a:off x="6919629" y="1107999"/>
+            <a:ext cx="1219200" cy="1219200"/>
+          </a:xfrm>
+          <a:prstGeom prst="rect">
+            <a:avLst/>
+          </a:prstGeom>
+        </p:spPr>
+      </p:pic>
+      <p:pic>
+        <p:nvPicPr>
+          <p:cNvPr id="284" name="Picture 283"/>
           <p:cNvPicPr>
             <a:picLocks noChangeAspect="1"/>
           </p:cNvPicPr>
@@ -11329,17 +10694,17 @@
         </p:blipFill>
         <p:spPr>
           <a:xfrm>
-            <a:off x="3179485" y="1494515"/>
-            <a:ext cx="1219200" cy="1219200"/>
-          </a:xfrm>
-          <a:prstGeom prst="rect">
-            <a:avLst/>
-          </a:prstGeom>
-        </p:spPr>
-      </p:pic>
-      <p:pic>
-        <p:nvPicPr>
-          <p:cNvPr id="12" name="Picture 11"/>
+            <a:off x="9105600" y="1070428"/>
+            <a:ext cx="1219200" cy="1219200"/>
+          </a:xfrm>
+          <a:prstGeom prst="rect">
+            <a:avLst/>
+          </a:prstGeom>
+        </p:spPr>
+      </p:pic>
+      <p:pic>
+        <p:nvPicPr>
+          <p:cNvPr id="285" name="Picture 284"/>
           <p:cNvPicPr>
             <a:picLocks noChangeAspect="1"/>
           </p:cNvPicPr>
@@ -11360,17 +10725,17 @@
         </p:blipFill>
         <p:spPr>
           <a:xfrm>
-            <a:off x="1841371" y="1525686"/>
-            <a:ext cx="1219200" cy="1219200"/>
-          </a:xfrm>
-          <a:prstGeom prst="rect">
-            <a:avLst/>
-          </a:prstGeom>
-        </p:spPr>
-      </p:pic>
-      <p:pic>
-        <p:nvPicPr>
-          <p:cNvPr id="13" name="Picture 12"/>
+            <a:off x="7988286" y="1070428"/>
+            <a:ext cx="1219200" cy="1219200"/>
+          </a:xfrm>
+          <a:prstGeom prst="rect">
+            <a:avLst/>
+          </a:prstGeom>
+        </p:spPr>
+      </p:pic>
+      <p:pic>
+        <p:nvPicPr>
+          <p:cNvPr id="286" name="Picture 285"/>
           <p:cNvPicPr>
             <a:picLocks noChangeAspect="1"/>
           </p:cNvPicPr>
@@ -11391,17 +10756,17 @@
         </p:blipFill>
         <p:spPr>
           <a:xfrm>
-            <a:off x="4728943" y="1468915"/>
-            <a:ext cx="1219200" cy="1219200"/>
-          </a:xfrm>
-          <a:prstGeom prst="rect">
-            <a:avLst/>
-          </a:prstGeom>
-        </p:spPr>
-      </p:pic>
-      <p:pic>
-        <p:nvPicPr>
-          <p:cNvPr id="14" name="Picture 13"/>
+            <a:off x="303629" y="2185742"/>
+            <a:ext cx="1219200" cy="1219200"/>
+          </a:xfrm>
+          <a:prstGeom prst="rect">
+            <a:avLst/>
+          </a:prstGeom>
+        </p:spPr>
+      </p:pic>
+      <p:pic>
+        <p:nvPicPr>
+          <p:cNvPr id="287" name="Picture 286"/>
           <p:cNvPicPr>
             <a:picLocks noChangeAspect="1"/>
           </p:cNvPicPr>
@@ -11422,17 +10787,17 @@
         </p:blipFill>
         <p:spPr>
           <a:xfrm>
-            <a:off x="7809086" y="1525686"/>
-            <a:ext cx="1219200" cy="1219200"/>
-          </a:xfrm>
-          <a:prstGeom prst="rect">
-            <a:avLst/>
-          </a:prstGeom>
-        </p:spPr>
-      </p:pic>
-      <p:pic>
-        <p:nvPicPr>
-          <p:cNvPr id="15" name="Picture 14"/>
+            <a:off x="10484143" y="1070428"/>
+            <a:ext cx="1219200" cy="1219200"/>
+          </a:xfrm>
+          <a:prstGeom prst="rect">
+            <a:avLst/>
+          </a:prstGeom>
+        </p:spPr>
+      </p:pic>
+      <p:pic>
+        <p:nvPicPr>
+          <p:cNvPr id="288" name="Picture 287"/>
           <p:cNvPicPr>
             <a:picLocks noChangeAspect="1"/>
           </p:cNvPicPr>
@@ -11453,17 +10818,17 @@
         </p:blipFill>
         <p:spPr>
           <a:xfrm>
-            <a:off x="6376800" y="1525686"/>
-            <a:ext cx="1219200" cy="1219200"/>
-          </a:xfrm>
-          <a:prstGeom prst="rect">
-            <a:avLst/>
-          </a:prstGeom>
-        </p:spPr>
-      </p:pic>
-      <p:pic>
-        <p:nvPicPr>
-          <p:cNvPr id="16" name="Picture 15"/>
+            <a:off x="2923629" y="2421599"/>
+            <a:ext cx="1219200" cy="1219200"/>
+          </a:xfrm>
+          <a:prstGeom prst="rect">
+            <a:avLst/>
+          </a:prstGeom>
+        </p:spPr>
+      </p:pic>
+      <p:pic>
+        <p:nvPicPr>
+          <p:cNvPr id="289" name="Picture 288"/>
           <p:cNvPicPr>
             <a:picLocks noChangeAspect="1"/>
           </p:cNvPicPr>
@@ -11484,17 +10849,17 @@
         </p:blipFill>
         <p:spPr>
           <a:xfrm>
-            <a:off x="9237900" y="1525686"/>
-            <a:ext cx="1219200" cy="1219200"/>
-          </a:xfrm>
-          <a:prstGeom prst="rect">
-            <a:avLst/>
-          </a:prstGeom>
-        </p:spPr>
-      </p:pic>
-      <p:pic>
-        <p:nvPicPr>
-          <p:cNvPr id="17" name="Picture 16"/>
+            <a:off x="4273229" y="2454485"/>
+            <a:ext cx="1219200" cy="1219200"/>
+          </a:xfrm>
+          <a:prstGeom prst="rect">
+            <a:avLst/>
+          </a:prstGeom>
+        </p:spPr>
+      </p:pic>
+      <p:pic>
+        <p:nvPicPr>
+          <p:cNvPr id="290" name="Picture 289"/>
           <p:cNvPicPr>
             <a:picLocks noChangeAspect="1"/>
           </p:cNvPicPr>
@@ -11515,17 +10880,17 @@
         </p:blipFill>
         <p:spPr>
           <a:xfrm>
-            <a:off x="10404571" y="1519943"/>
-            <a:ext cx="1219200" cy="1219200"/>
-          </a:xfrm>
-          <a:prstGeom prst="rect">
-            <a:avLst/>
-          </a:prstGeom>
-        </p:spPr>
-      </p:pic>
-      <p:pic>
-        <p:nvPicPr>
-          <p:cNvPr id="18" name="Picture 17"/>
+            <a:off x="1704429" y="2421599"/>
+            <a:ext cx="1219200" cy="1219200"/>
+          </a:xfrm>
+          <a:prstGeom prst="rect">
+            <a:avLst/>
+          </a:prstGeom>
+        </p:spPr>
+      </p:pic>
+      <p:pic>
+        <p:nvPicPr>
+          <p:cNvPr id="291" name="Picture 290"/>
           <p:cNvPicPr>
             <a:picLocks noChangeAspect="1"/>
           </p:cNvPicPr>
@@ -11546,17 +10911,17 @@
         </p:blipFill>
         <p:spPr>
           <a:xfrm>
-            <a:off x="1841371" y="3030143"/>
-            <a:ext cx="1219200" cy="1219200"/>
-          </a:xfrm>
-          <a:prstGeom prst="rect">
-            <a:avLst/>
-          </a:prstGeom>
-        </p:spPr>
-      </p:pic>
-      <p:pic>
-        <p:nvPicPr>
-          <p:cNvPr id="19" name="Picture 18"/>
+            <a:off x="6976800" y="2439628"/>
+            <a:ext cx="1219200" cy="1219200"/>
+          </a:xfrm>
+          <a:prstGeom prst="rect">
+            <a:avLst/>
+          </a:prstGeom>
+        </p:spPr>
+      </p:pic>
+      <p:pic>
+        <p:nvPicPr>
+          <p:cNvPr id="292" name="Picture 291"/>
           <p:cNvPicPr>
             <a:picLocks noChangeAspect="1"/>
           </p:cNvPicPr>
@@ -11577,17 +10942,17 @@
         </p:blipFill>
         <p:spPr>
           <a:xfrm>
-            <a:off x="322686" y="3030143"/>
-            <a:ext cx="1219200" cy="1219200"/>
-          </a:xfrm>
-          <a:prstGeom prst="rect">
-            <a:avLst/>
-          </a:prstGeom>
-        </p:spPr>
-      </p:pic>
-      <p:pic>
-        <p:nvPicPr>
-          <p:cNvPr id="20" name="Picture 19"/>
+            <a:off x="5622829" y="2454485"/>
+            <a:ext cx="1219200" cy="1219200"/>
+          </a:xfrm>
+          <a:prstGeom prst="rect">
+            <a:avLst/>
+          </a:prstGeom>
+        </p:spPr>
+      </p:pic>
+      <p:pic>
+        <p:nvPicPr>
+          <p:cNvPr id="293" name="Picture 292"/>
           <p:cNvPicPr>
             <a:picLocks noChangeAspect="1"/>
           </p:cNvPicPr>
@@ -11608,17 +10973,17 @@
         </p:blipFill>
         <p:spPr>
           <a:xfrm>
-            <a:off x="4728943" y="3030143"/>
-            <a:ext cx="1219200" cy="1219200"/>
-          </a:xfrm>
-          <a:prstGeom prst="rect">
-            <a:avLst/>
-          </a:prstGeom>
-        </p:spPr>
-      </p:pic>
-      <p:pic>
-        <p:nvPicPr>
-          <p:cNvPr id="21" name="Picture 20"/>
+            <a:off x="8336400" y="2534314"/>
+            <a:ext cx="1219200" cy="1219200"/>
+          </a:xfrm>
+          <a:prstGeom prst="rect">
+            <a:avLst/>
+          </a:prstGeom>
+        </p:spPr>
+      </p:pic>
+      <p:pic>
+        <p:nvPicPr>
+          <p:cNvPr id="294" name="Picture 293"/>
           <p:cNvPicPr>
             <a:picLocks noChangeAspect="1"/>
           </p:cNvPicPr>
@@ -11639,17 +11004,17 @@
         </p:blipFill>
         <p:spPr>
           <a:xfrm>
-            <a:off x="3338570" y="3030143"/>
-            <a:ext cx="1219200" cy="1219200"/>
-          </a:xfrm>
-          <a:prstGeom prst="rect">
-            <a:avLst/>
-          </a:prstGeom>
-        </p:spPr>
-      </p:pic>
-      <p:pic>
-        <p:nvPicPr>
-          <p:cNvPr id="22" name="Picture 21"/>
+            <a:off x="1522829" y="3910656"/>
+            <a:ext cx="1219200" cy="1219200"/>
+          </a:xfrm>
+          <a:prstGeom prst="rect">
+            <a:avLst/>
+          </a:prstGeom>
+        </p:spPr>
+      </p:pic>
+      <p:pic>
+        <p:nvPicPr>
+          <p:cNvPr id="295" name="Picture 294"/>
           <p:cNvPicPr>
             <a:picLocks noChangeAspect="1"/>
           </p:cNvPicPr>
@@ -11670,17 +11035,17 @@
         </p:blipFill>
         <p:spPr>
           <a:xfrm>
-            <a:off x="1835343" y="4534600"/>
-            <a:ext cx="1219200" cy="1219200"/>
-          </a:xfrm>
-          <a:prstGeom prst="rect">
-            <a:avLst/>
-          </a:prstGeom>
-        </p:spPr>
-      </p:pic>
-      <p:pic>
-        <p:nvPicPr>
-          <p:cNvPr id="23" name="Picture 22"/>
+            <a:off x="303629" y="4021971"/>
+            <a:ext cx="1219200" cy="1219200"/>
+          </a:xfrm>
+          <a:prstGeom prst="rect">
+            <a:avLst/>
+          </a:prstGeom>
+        </p:spPr>
+      </p:pic>
+      <p:pic>
+        <p:nvPicPr>
+          <p:cNvPr id="296" name="Picture 295"/>
           <p:cNvPicPr>
             <a:picLocks noChangeAspect="1"/>
           </p:cNvPicPr>
@@ -11701,17 +11066,17 @@
         </p:blipFill>
         <p:spPr>
           <a:xfrm>
-            <a:off x="322686" y="4534600"/>
-            <a:ext cx="1219200" cy="1219200"/>
-          </a:xfrm>
-          <a:prstGeom prst="rect">
-            <a:avLst/>
-          </a:prstGeom>
-        </p:spPr>
-      </p:pic>
-      <p:pic>
-        <p:nvPicPr>
-          <p:cNvPr id="24" name="Picture 23"/>
+            <a:off x="9762315" y="2534314"/>
+            <a:ext cx="1219200" cy="1219200"/>
+          </a:xfrm>
+          <a:prstGeom prst="rect">
+            <a:avLst/>
+          </a:prstGeom>
+        </p:spPr>
+      </p:pic>
+      <p:pic>
+        <p:nvPicPr>
+          <p:cNvPr id="297" name="Picture 296"/>
           <p:cNvPicPr>
             <a:picLocks noChangeAspect="1"/>
           </p:cNvPicPr>
@@ -11732,17 +11097,17 @@
         </p:blipFill>
         <p:spPr>
           <a:xfrm>
-            <a:off x="6376800" y="3162943"/>
-            <a:ext cx="1219200" cy="1219200"/>
-          </a:xfrm>
-          <a:prstGeom prst="rect">
-            <a:avLst/>
-          </a:prstGeom>
-        </p:spPr>
-      </p:pic>
-      <p:pic>
-        <p:nvPicPr>
-          <p:cNvPr id="25" name="Picture 24"/>
+            <a:off x="5998771" y="4004171"/>
+            <a:ext cx="1219200" cy="1219200"/>
+          </a:xfrm>
+          <a:prstGeom prst="rect">
+            <a:avLst/>
+          </a:prstGeom>
+        </p:spPr>
+      </p:pic>
+      <p:pic>
+        <p:nvPicPr>
+          <p:cNvPr id="298" name="Picture 297"/>
           <p:cNvPicPr>
             <a:picLocks noChangeAspect="1"/>
           </p:cNvPicPr>
@@ -11763,17 +11128,17 @@
         </p:blipFill>
         <p:spPr>
           <a:xfrm>
-            <a:off x="10404571" y="3109800"/>
-            <a:ext cx="1219200" cy="1219200"/>
-          </a:xfrm>
-          <a:prstGeom prst="rect">
-            <a:avLst/>
-          </a:prstGeom>
-        </p:spPr>
-      </p:pic>
-      <p:pic>
-        <p:nvPicPr>
-          <p:cNvPr id="26" name="Picture 25"/>
+            <a:off x="4526400" y="4021971"/>
+            <a:ext cx="1219200" cy="1219200"/>
+          </a:xfrm>
+          <a:prstGeom prst="rect">
+            <a:avLst/>
+          </a:prstGeom>
+        </p:spPr>
+      </p:pic>
+      <p:pic>
+        <p:nvPicPr>
+          <p:cNvPr id="299" name="Picture 298"/>
           <p:cNvPicPr>
             <a:picLocks noChangeAspect="1"/>
           </p:cNvPicPr>
@@ -11794,17 +11159,17 @@
         </p:blipFill>
         <p:spPr>
           <a:xfrm>
-            <a:off x="3338570" y="4534600"/>
-            <a:ext cx="1219200" cy="1219200"/>
-          </a:xfrm>
-          <a:prstGeom prst="rect">
-            <a:avLst/>
-          </a:prstGeom>
-        </p:spPr>
-      </p:pic>
-      <p:pic>
-        <p:nvPicPr>
-          <p:cNvPr id="27" name="Picture 26"/>
+            <a:off x="3054029" y="4021971"/>
+            <a:ext cx="1219200" cy="1219200"/>
+          </a:xfrm>
+          <a:prstGeom prst="rect">
+            <a:avLst/>
+          </a:prstGeom>
+        </p:spPr>
+      </p:pic>
+      <p:pic>
+        <p:nvPicPr>
+          <p:cNvPr id="300" name="Picture 299"/>
           <p:cNvPicPr>
             <a:picLocks noChangeAspect="1"/>
           </p:cNvPicPr>
@@ -11825,17 +11190,17 @@
         </p:blipFill>
         <p:spPr>
           <a:xfrm>
-            <a:off x="4831171" y="4560286"/>
-            <a:ext cx="1219200" cy="1219200"/>
-          </a:xfrm>
-          <a:prstGeom prst="rect">
-            <a:avLst/>
-          </a:prstGeom>
-        </p:spPr>
-      </p:pic>
-      <p:pic>
-        <p:nvPicPr>
-          <p:cNvPr id="28" name="Picture 27"/>
+            <a:off x="10221542" y="4145971"/>
+            <a:ext cx="1219200" cy="1219200"/>
+          </a:xfrm>
+          <a:prstGeom prst="rect">
+            <a:avLst/>
+          </a:prstGeom>
+        </p:spPr>
+      </p:pic>
+      <p:pic>
+        <p:nvPicPr>
+          <p:cNvPr id="301" name="Picture 300"/>
           <p:cNvPicPr>
             <a:picLocks noChangeAspect="1"/>
           </p:cNvPicPr>
@@ -11856,17 +11221,17 @@
         </p:blipFill>
         <p:spPr>
           <a:xfrm>
-            <a:off x="9028286" y="4560286"/>
-            <a:ext cx="1219200" cy="1219200"/>
-          </a:xfrm>
-          <a:prstGeom prst="rect">
-            <a:avLst/>
-          </a:prstGeom>
-        </p:spPr>
-      </p:pic>
-      <p:pic>
-        <p:nvPicPr>
-          <p:cNvPr id="29" name="Picture 28"/>
+            <a:off x="8858971" y="4120114"/>
+            <a:ext cx="1219200" cy="1219200"/>
+          </a:xfrm>
+          <a:prstGeom prst="rect">
+            <a:avLst/>
+          </a:prstGeom>
+        </p:spPr>
+      </p:pic>
+      <p:pic>
+        <p:nvPicPr>
+          <p:cNvPr id="302" name="Picture 301"/>
           <p:cNvPicPr>
             <a:picLocks noChangeAspect="1"/>
           </p:cNvPicPr>
@@ -11887,38 +11252,7 @@
         </p:blipFill>
         <p:spPr>
           <a:xfrm>
-            <a:off x="8955600" y="3315400"/>
-            <a:ext cx="1219200" cy="1219200"/>
-          </a:xfrm>
-          <a:prstGeom prst="rect">
-            <a:avLst/>
-          </a:prstGeom>
-        </p:spPr>
-      </p:pic>
-      <p:pic>
-        <p:nvPicPr>
-          <p:cNvPr id="30" name="Picture 29"/>
-          <p:cNvPicPr>
-            <a:picLocks noChangeAspect="1"/>
-          </p:cNvPicPr>
-          <p:nvPr/>
-        </p:nvPicPr>
-        <p:blipFill>
-          <a:blip r:embed="rId30">
-            <a:lum bright="70000" contrast="-70000"/>
-            <a:extLst>
-              <a:ext uri="{28A0092B-C50C-407E-A947-70E740481C1C}">
-                <a14:useLocalDpi xmlns:a14="http://schemas.microsoft.com/office/drawing/2010/main" val="0"/>
-              </a:ext>
-            </a:extLst>
-          </a:blip>
-          <a:stretch>
-            <a:fillRect/>
-          </a:stretch>
-        </p:blipFill>
-        <p:spPr>
-          <a:xfrm>
-            <a:off x="10457100" y="4534600"/>
+            <a:off x="7471142" y="4120114"/>
             <a:ext cx="1219200" cy="1219200"/>
           </a:xfrm>
           <a:prstGeom prst="rect">
@@ -11929,7 +11263,7 @@
     </p:spTree>
     <p:extLst>
       <p:ext uri="{BB962C8B-B14F-4D97-AF65-F5344CB8AC3E}">
-        <p14:creationId xmlns:p14="http://schemas.microsoft.com/office/powerpoint/2010/main" val="823657930"/>
+        <p14:creationId xmlns:p14="http://schemas.microsoft.com/office/powerpoint/2010/main" val="2451305448"/>
       </p:ext>
     </p:extLst>
   </p:cSld>
@@ -11979,7 +11313,7 @@
         </p:blipFill>
         <p:spPr>
           <a:xfrm>
-            <a:off x="130628" y="359229"/>
+            <a:off x="322686" y="250829"/>
             <a:ext cx="1219200" cy="1219200"/>
           </a:xfrm>
           <a:prstGeom prst="rect">
@@ -12010,7 +11344,7 @@
         </p:blipFill>
         <p:spPr>
           <a:xfrm>
-            <a:off x="94399" y="4550571"/>
+            <a:off x="1841371" y="306486"/>
             <a:ext cx="1219200" cy="1219200"/>
           </a:xfrm>
           <a:prstGeom prst="rect">
@@ -12041,7 +11375,7 @@
         </p:blipFill>
         <p:spPr>
           <a:xfrm>
-            <a:off x="94399" y="3153457"/>
+            <a:off x="3360056" y="250829"/>
             <a:ext cx="1219200" cy="1219200"/>
           </a:xfrm>
           <a:prstGeom prst="rect">
@@ -12072,7 +11406,7 @@
         </p:blipFill>
         <p:spPr>
           <a:xfrm>
-            <a:off x="94399" y="1756343"/>
+            <a:off x="4878741" y="249715"/>
             <a:ext cx="1219200" cy="1219200"/>
           </a:xfrm>
           <a:prstGeom prst="rect">
@@ -12103,7 +11437,7 @@
         </p:blipFill>
         <p:spPr>
           <a:xfrm>
-            <a:off x="1652285" y="359229"/>
+            <a:off x="7736400" y="249715"/>
             <a:ext cx="1219200" cy="1219200"/>
           </a:xfrm>
           <a:prstGeom prst="rect">
@@ -12134,7 +11468,7 @@
         </p:blipFill>
         <p:spPr>
           <a:xfrm>
-            <a:off x="1652285" y="1756343"/>
+            <a:off x="6396057" y="249715"/>
             <a:ext cx="1219200" cy="1219200"/>
           </a:xfrm>
           <a:prstGeom prst="rect">
@@ -12165,7 +11499,7 @@
         </p:blipFill>
         <p:spPr>
           <a:xfrm>
-            <a:off x="1652285" y="4550571"/>
+            <a:off x="322686" y="1525686"/>
             <a:ext cx="1219200" cy="1219200"/>
           </a:xfrm>
           <a:prstGeom prst="rect">
@@ -12196,7 +11530,7 @@
         </p:blipFill>
         <p:spPr>
           <a:xfrm>
-            <a:off x="1613599" y="3153457"/>
+            <a:off x="9120229" y="275315"/>
             <a:ext cx="1219200" cy="1219200"/>
           </a:xfrm>
           <a:prstGeom prst="rect">
@@ -12227,7 +11561,7 @@
         </p:blipFill>
         <p:spPr>
           <a:xfrm>
-            <a:off x="3173942" y="1813229"/>
+            <a:off x="10460572" y="306486"/>
             <a:ext cx="1219200" cy="1219200"/>
           </a:xfrm>
           <a:prstGeom prst="rect">
@@ -12258,7 +11592,7 @@
         </p:blipFill>
         <p:spPr>
           <a:xfrm>
-            <a:off x="3173942" y="359229"/>
+            <a:off x="3179485" y="1494515"/>
             <a:ext cx="1219200" cy="1219200"/>
           </a:xfrm>
           <a:prstGeom prst="rect">
@@ -12289,7 +11623,7 @@
         </p:blipFill>
         <p:spPr>
           <a:xfrm>
-            <a:off x="3198342" y="3153457"/>
+            <a:off x="1841371" y="1525686"/>
             <a:ext cx="1219200" cy="1219200"/>
           </a:xfrm>
           <a:prstGeom prst="rect">
@@ -12320,7 +11654,7 @@
         </p:blipFill>
         <p:spPr>
           <a:xfrm>
-            <a:off x="3157485" y="4607457"/>
+            <a:off x="4728943" y="1468915"/>
             <a:ext cx="1219200" cy="1219200"/>
           </a:xfrm>
           <a:prstGeom prst="rect">
@@ -12351,7 +11685,7 @@
         </p:blipFill>
         <p:spPr>
           <a:xfrm>
-            <a:off x="4695599" y="1756343"/>
+            <a:off x="7809086" y="1525686"/>
             <a:ext cx="1219200" cy="1219200"/>
           </a:xfrm>
           <a:prstGeom prst="rect">
@@ -12382,7 +11716,7 @@
         </p:blipFill>
         <p:spPr>
           <a:xfrm>
-            <a:off x="4727399" y="360686"/>
+            <a:off x="6376800" y="1525686"/>
             <a:ext cx="1219200" cy="1219200"/>
           </a:xfrm>
           <a:prstGeom prst="rect">
@@ -12413,7 +11747,7 @@
         </p:blipFill>
         <p:spPr>
           <a:xfrm>
-            <a:off x="6280856" y="359229"/>
+            <a:off x="9237900" y="1525686"/>
             <a:ext cx="1219200" cy="1219200"/>
           </a:xfrm>
           <a:prstGeom prst="rect">
@@ -12444,7 +11778,7 @@
         </p:blipFill>
         <p:spPr>
           <a:xfrm>
-            <a:off x="4783085" y="3247857"/>
+            <a:off x="10404571" y="1519943"/>
             <a:ext cx="1219200" cy="1219200"/>
           </a:xfrm>
           <a:prstGeom prst="rect">
@@ -12475,7 +11809,7 @@
         </p:blipFill>
         <p:spPr>
           <a:xfrm>
-            <a:off x="4826685" y="4643514"/>
+            <a:off x="1841371" y="3030143"/>
             <a:ext cx="1219200" cy="1219200"/>
           </a:xfrm>
           <a:prstGeom prst="rect">
@@ -12506,7 +11840,7 @@
         </p:blipFill>
         <p:spPr>
           <a:xfrm>
-            <a:off x="6280856" y="3247857"/>
+            <a:off x="322686" y="3030143"/>
             <a:ext cx="1219200" cy="1219200"/>
           </a:xfrm>
           <a:prstGeom prst="rect">
@@ -12537,7 +11871,7 @@
         </p:blipFill>
         <p:spPr>
           <a:xfrm>
-            <a:off x="6217256" y="1813229"/>
+            <a:off x="4728943" y="3030143"/>
             <a:ext cx="1219200" cy="1219200"/>
           </a:xfrm>
           <a:prstGeom prst="rect">
@@ -12568,7 +11902,7 @@
         </p:blipFill>
         <p:spPr>
           <a:xfrm>
-            <a:off x="7804999" y="1938286"/>
+            <a:off x="3338570" y="3030143"/>
             <a:ext cx="1219200" cy="1219200"/>
           </a:xfrm>
           <a:prstGeom prst="rect">
@@ -12599,7 +11933,7 @@
         </p:blipFill>
         <p:spPr>
           <a:xfrm>
-            <a:off x="7804999" y="412829"/>
+            <a:off x="1835343" y="4534600"/>
             <a:ext cx="1219200" cy="1219200"/>
           </a:xfrm>
           <a:prstGeom prst="rect">
@@ -12630,7 +11964,7 @@
         </p:blipFill>
         <p:spPr>
           <a:xfrm>
-            <a:off x="6280856" y="4607457"/>
+            <a:off x="322686" y="4534600"/>
             <a:ext cx="1219200" cy="1219200"/>
           </a:xfrm>
           <a:prstGeom prst="rect">
@@ -12661,7 +11995,7 @@
         </p:blipFill>
         <p:spPr>
           <a:xfrm>
-            <a:off x="9324170" y="412829"/>
+            <a:off x="6376800" y="3162943"/>
             <a:ext cx="1219200" cy="1219200"/>
           </a:xfrm>
           <a:prstGeom prst="rect">
@@ -12692,7 +12026,7 @@
         </p:blipFill>
         <p:spPr>
           <a:xfrm>
-            <a:off x="7778627" y="3247857"/>
+            <a:off x="10404571" y="3109800"/>
             <a:ext cx="1219200" cy="1219200"/>
           </a:xfrm>
           <a:prstGeom prst="rect">
@@ -12723,7 +12057,7 @@
         </p:blipFill>
         <p:spPr>
           <a:xfrm>
-            <a:off x="7804999" y="4683628"/>
+            <a:off x="3338570" y="4534600"/>
             <a:ext cx="1219200" cy="1219200"/>
           </a:xfrm>
           <a:prstGeom prst="rect">
@@ -12754,7 +12088,7 @@
         </p:blipFill>
         <p:spPr>
           <a:xfrm>
-            <a:off x="9392742" y="3247857"/>
+            <a:off x="4831171" y="4560286"/>
             <a:ext cx="1219200" cy="1219200"/>
           </a:xfrm>
           <a:prstGeom prst="rect">
@@ -12785,7 +12119,69 @@
         </p:blipFill>
         <p:spPr>
           <a:xfrm>
-            <a:off x="9392742" y="1813229"/>
+            <a:off x="9028286" y="4560286"/>
+            <a:ext cx="1219200" cy="1219200"/>
+          </a:xfrm>
+          <a:prstGeom prst="rect">
+            <a:avLst/>
+          </a:prstGeom>
+        </p:spPr>
+      </p:pic>
+      <p:pic>
+        <p:nvPicPr>
+          <p:cNvPr id="29" name="Picture 28"/>
+          <p:cNvPicPr>
+            <a:picLocks noChangeAspect="1"/>
+          </p:cNvPicPr>
+          <p:nvPr/>
+        </p:nvPicPr>
+        <p:blipFill>
+          <a:blip r:embed="rId29">
+            <a:lum bright="70000" contrast="-70000"/>
+            <a:extLst>
+              <a:ext uri="{28A0092B-C50C-407E-A947-70E740481C1C}">
+                <a14:useLocalDpi xmlns:a14="http://schemas.microsoft.com/office/drawing/2010/main" val="0"/>
+              </a:ext>
+            </a:extLst>
+          </a:blip>
+          <a:stretch>
+            <a:fillRect/>
+          </a:stretch>
+        </p:blipFill>
+        <p:spPr>
+          <a:xfrm>
+            <a:off x="8955600" y="3315400"/>
+            <a:ext cx="1219200" cy="1219200"/>
+          </a:xfrm>
+          <a:prstGeom prst="rect">
+            <a:avLst/>
+          </a:prstGeom>
+        </p:spPr>
+      </p:pic>
+      <p:pic>
+        <p:nvPicPr>
+          <p:cNvPr id="30" name="Picture 29"/>
+          <p:cNvPicPr>
+            <a:picLocks noChangeAspect="1"/>
+          </p:cNvPicPr>
+          <p:nvPr/>
+        </p:nvPicPr>
+        <p:blipFill>
+          <a:blip r:embed="rId30">
+            <a:lum bright="70000" contrast="-70000"/>
+            <a:extLst>
+              <a:ext uri="{28A0092B-C50C-407E-A947-70E740481C1C}">
+                <a14:useLocalDpi xmlns:a14="http://schemas.microsoft.com/office/drawing/2010/main" val="0"/>
+              </a:ext>
+            </a:extLst>
+          </a:blip>
+          <a:stretch>
+            <a:fillRect/>
+          </a:stretch>
+        </p:blipFill>
+        <p:spPr>
+          <a:xfrm>
+            <a:off x="10457100" y="4534600"/>
             <a:ext cx="1219200" cy="1219200"/>
           </a:xfrm>
           <a:prstGeom prst="rect">
@@ -12796,7 +12192,7 @@
     </p:spTree>
     <p:extLst>
       <p:ext uri="{BB962C8B-B14F-4D97-AF65-F5344CB8AC3E}">
-        <p14:creationId xmlns:p14="http://schemas.microsoft.com/office/powerpoint/2010/main" val="3126433562"/>
+        <p14:creationId xmlns:p14="http://schemas.microsoft.com/office/powerpoint/2010/main" val="823657930"/>
       </p:ext>
     </p:extLst>
   </p:cSld>
@@ -12846,7 +12242,7 @@
         </p:blipFill>
         <p:spPr>
           <a:xfrm>
-            <a:off x="643486" y="520286"/>
+            <a:off x="130628" y="359229"/>
             <a:ext cx="1219200" cy="1219200"/>
           </a:xfrm>
           <a:prstGeom prst="rect">
@@ -12877,7 +12273,7 @@
         </p:blipFill>
         <p:spPr>
           <a:xfrm>
-            <a:off x="654401" y="3364486"/>
+            <a:off x="94399" y="4550571"/>
             <a:ext cx="1219200" cy="1219200"/>
           </a:xfrm>
           <a:prstGeom prst="rect">
@@ -12908,7 +12304,7 @@
         </p:blipFill>
         <p:spPr>
           <a:xfrm>
-            <a:off x="571600" y="4830522"/>
+            <a:off x="94399" y="3153457"/>
             <a:ext cx="1219200" cy="1219200"/>
           </a:xfrm>
           <a:prstGeom prst="rect">
@@ -12939,7 +12335,7 @@
         </p:blipFill>
         <p:spPr>
           <a:xfrm>
-            <a:off x="2286800" y="4852844"/>
+            <a:off x="94399" y="1756343"/>
             <a:ext cx="1219200" cy="1219200"/>
           </a:xfrm>
           <a:prstGeom prst="rect">
@@ -12970,7 +12366,7 @@
         </p:blipFill>
         <p:spPr>
           <a:xfrm>
-            <a:off x="2155658" y="3397482"/>
+            <a:off x="1652285" y="359229"/>
             <a:ext cx="1219200" cy="1219200"/>
           </a:xfrm>
           <a:prstGeom prst="rect">
@@ -13001,7 +12397,7 @@
         </p:blipFill>
         <p:spPr>
           <a:xfrm>
-            <a:off x="2303086" y="1959441"/>
+            <a:off x="1652285" y="1756343"/>
             <a:ext cx="1219200" cy="1219200"/>
           </a:xfrm>
           <a:prstGeom prst="rect">
@@ -13032,7 +12428,7 @@
         </p:blipFill>
         <p:spPr>
           <a:xfrm>
-            <a:off x="2303086" y="521400"/>
+            <a:off x="1652285" y="4550571"/>
             <a:ext cx="1219200" cy="1219200"/>
           </a:xfrm>
           <a:prstGeom prst="rect">
@@ -13063,7 +12459,7 @@
         </p:blipFill>
         <p:spPr>
           <a:xfrm>
-            <a:off x="3878400" y="4868530"/>
+            <a:off x="1613599" y="3153457"/>
             <a:ext cx="1219200" cy="1219200"/>
           </a:xfrm>
           <a:prstGeom prst="rect">
@@ -13094,7 +12490,7 @@
         </p:blipFill>
         <p:spPr>
           <a:xfrm>
-            <a:off x="3907314" y="3421143"/>
+            <a:off x="3173942" y="1813229"/>
             <a:ext cx="1219200" cy="1219200"/>
           </a:xfrm>
           <a:prstGeom prst="rect">
@@ -13125,7 +12521,7 @@
         </p:blipFill>
         <p:spPr>
           <a:xfrm>
-            <a:off x="3907314" y="1750200"/>
+            <a:off x="3173942" y="359229"/>
             <a:ext cx="1219200" cy="1219200"/>
           </a:xfrm>
           <a:prstGeom prst="rect">
@@ -13156,7 +12552,7 @@
         </p:blipFill>
         <p:spPr>
           <a:xfrm>
-            <a:off x="4074799" y="371400"/>
+            <a:off x="3198342" y="3153457"/>
             <a:ext cx="1219200" cy="1219200"/>
           </a:xfrm>
           <a:prstGeom prst="rect">
@@ -13187,7 +12583,7 @@
         </p:blipFill>
         <p:spPr>
           <a:xfrm>
-            <a:off x="5554400" y="4868530"/>
+            <a:off x="3157485" y="4607457"/>
             <a:ext cx="1219200" cy="1219200"/>
           </a:xfrm>
           <a:prstGeom prst="rect">
@@ -13218,7 +12614,7 @@
         </p:blipFill>
         <p:spPr>
           <a:xfrm>
-            <a:off x="5554400" y="3364486"/>
+            <a:off x="4695599" y="1756343"/>
             <a:ext cx="1219200" cy="1219200"/>
           </a:xfrm>
           <a:prstGeom prst="rect">
@@ -13249,7 +12645,7 @@
         </p:blipFill>
         <p:spPr>
           <a:xfrm>
-            <a:off x="5554400" y="1750200"/>
+            <a:off x="4727399" y="360686"/>
             <a:ext cx="1219200" cy="1219200"/>
           </a:xfrm>
           <a:prstGeom prst="rect">
@@ -13280,7 +12676,7 @@
         </p:blipFill>
         <p:spPr>
           <a:xfrm>
-            <a:off x="5734399" y="361800"/>
+            <a:off x="6280856" y="359229"/>
             <a:ext cx="1219200" cy="1219200"/>
           </a:xfrm>
           <a:prstGeom prst="rect">
@@ -13311,7 +12707,7 @@
         </p:blipFill>
         <p:spPr>
           <a:xfrm>
-            <a:off x="7228400" y="4868530"/>
+            <a:off x="4783085" y="3247857"/>
             <a:ext cx="1219200" cy="1219200"/>
           </a:xfrm>
           <a:prstGeom prst="rect">
@@ -13342,7 +12738,7 @@
         </p:blipFill>
         <p:spPr>
           <a:xfrm>
-            <a:off x="8984800" y="4872758"/>
+            <a:off x="4826685" y="4643514"/>
             <a:ext cx="1219200" cy="1219200"/>
           </a:xfrm>
           <a:prstGeom prst="rect">
@@ -13373,7 +12769,7 @@
         </p:blipFill>
         <p:spPr>
           <a:xfrm>
-            <a:off x="10576400" y="4872758"/>
+            <a:off x="6280856" y="3247857"/>
             <a:ext cx="1219200" cy="1219200"/>
           </a:xfrm>
           <a:prstGeom prst="rect">
@@ -13404,7 +12800,7 @@
         </p:blipFill>
         <p:spPr>
           <a:xfrm>
-            <a:off x="7337714" y="3421143"/>
+            <a:off x="6217256" y="1813229"/>
             <a:ext cx="1219200" cy="1219200"/>
           </a:xfrm>
           <a:prstGeom prst="rect">
@@ -13435,7 +12831,7 @@
         </p:blipFill>
         <p:spPr>
           <a:xfrm>
-            <a:off x="7337714" y="1791156"/>
+            <a:off x="7804999" y="1938286"/>
             <a:ext cx="1219200" cy="1219200"/>
           </a:xfrm>
           <a:prstGeom prst="rect">
@@ -13466,7 +12862,7 @@
         </p:blipFill>
         <p:spPr>
           <a:xfrm>
-            <a:off x="7337714" y="435085"/>
+            <a:off x="7804999" y="412829"/>
             <a:ext cx="1219200" cy="1219200"/>
           </a:xfrm>
           <a:prstGeom prst="rect">
@@ -13497,7 +12893,7 @@
         </p:blipFill>
         <p:spPr>
           <a:xfrm>
-            <a:off x="8953200" y="3384857"/>
+            <a:off x="6280856" y="4607457"/>
             <a:ext cx="1219200" cy="1219200"/>
           </a:xfrm>
           <a:prstGeom prst="rect">
@@ -13528,7 +12924,7 @@
         </p:blipFill>
         <p:spPr>
           <a:xfrm>
-            <a:off x="8984800" y="1816042"/>
+            <a:off x="9324170" y="412829"/>
             <a:ext cx="1219200" cy="1219200"/>
           </a:xfrm>
           <a:prstGeom prst="rect">
@@ -13559,7 +12955,7 @@
         </p:blipFill>
         <p:spPr>
           <a:xfrm>
-            <a:off x="10683085" y="3400200"/>
+            <a:off x="7778627" y="3247857"/>
             <a:ext cx="1219200" cy="1219200"/>
           </a:xfrm>
           <a:prstGeom prst="rect">
@@ -13590,7 +12986,7 @@
         </p:blipFill>
         <p:spPr>
           <a:xfrm>
-            <a:off x="8984800" y="326114"/>
+            <a:off x="7804999" y="4683628"/>
             <a:ext cx="1219200" cy="1219200"/>
           </a:xfrm>
           <a:prstGeom prst="rect">
@@ -13621,7 +13017,7 @@
         </p:blipFill>
         <p:spPr>
           <a:xfrm>
-            <a:off x="10504000" y="1927642"/>
+            <a:off x="9392742" y="3247857"/>
             <a:ext cx="1219200" cy="1219200"/>
           </a:xfrm>
           <a:prstGeom prst="rect">
@@ -13652,7 +13048,7 @@
         </p:blipFill>
         <p:spPr>
           <a:xfrm>
-            <a:off x="10504000" y="314828"/>
+            <a:off x="9392742" y="1813229"/>
             <a:ext cx="1219200" cy="1219200"/>
           </a:xfrm>
           <a:prstGeom prst="rect">
@@ -13663,7 +13059,7 @@
     </p:spTree>
     <p:extLst>
       <p:ext uri="{BB962C8B-B14F-4D97-AF65-F5344CB8AC3E}">
-        <p14:creationId xmlns:p14="http://schemas.microsoft.com/office/powerpoint/2010/main" val="399454265"/>
+        <p14:creationId xmlns:p14="http://schemas.microsoft.com/office/powerpoint/2010/main" val="3126433562"/>
       </p:ext>
     </p:extLst>
   </p:cSld>
@@ -13713,7 +13109,7 @@
         </p:blipFill>
         <p:spPr>
           <a:xfrm>
-            <a:off x="166914" y="286715"/>
+            <a:off x="643486" y="520286"/>
             <a:ext cx="1219200" cy="1219200"/>
           </a:xfrm>
           <a:prstGeom prst="rect">
@@ -13744,7 +13140,7 @@
         </p:blipFill>
         <p:spPr>
           <a:xfrm>
-            <a:off x="166914" y="4395429"/>
+            <a:off x="654401" y="3364486"/>
             <a:ext cx="1219200" cy="1219200"/>
           </a:xfrm>
           <a:prstGeom prst="rect">
@@ -13775,7 +13171,7 @@
         </p:blipFill>
         <p:spPr>
           <a:xfrm>
-            <a:off x="166914" y="3069944"/>
+            <a:off x="571600" y="4830522"/>
             <a:ext cx="1219200" cy="1219200"/>
           </a:xfrm>
           <a:prstGeom prst="rect">
@@ -13806,7 +13202,7 @@
         </p:blipFill>
         <p:spPr>
           <a:xfrm>
-            <a:off x="254057" y="1744459"/>
+            <a:off x="2286800" y="4852844"/>
             <a:ext cx="1219200" cy="1219200"/>
           </a:xfrm>
           <a:prstGeom prst="rect">
@@ -13837,7 +13233,7 @@
         </p:blipFill>
         <p:spPr>
           <a:xfrm>
-            <a:off x="2114343" y="1662173"/>
+            <a:off x="2155658" y="3397482"/>
             <a:ext cx="1219200" cy="1219200"/>
           </a:xfrm>
           <a:prstGeom prst="rect">
@@ -13868,7 +13264,7 @@
         </p:blipFill>
         <p:spPr>
           <a:xfrm>
-            <a:off x="2114343" y="286715"/>
+            <a:off x="2303086" y="1959441"/>
             <a:ext cx="1219200" cy="1219200"/>
           </a:xfrm>
           <a:prstGeom prst="rect">
@@ -13899,7 +13295,7 @@
         </p:blipFill>
         <p:spPr>
           <a:xfrm>
-            <a:off x="2114343" y="3037631"/>
+            <a:off x="2303086" y="521400"/>
             <a:ext cx="1219200" cy="1219200"/>
           </a:xfrm>
           <a:prstGeom prst="rect">
@@ -13930,7 +13326,7 @@
         </p:blipFill>
         <p:spPr>
           <a:xfrm>
-            <a:off x="3873029" y="286715"/>
+            <a:off x="3878400" y="4868530"/>
             <a:ext cx="1219200" cy="1219200"/>
           </a:xfrm>
           <a:prstGeom prst="rect">
@@ -13961,7 +13357,7 @@
         </p:blipFill>
         <p:spPr>
           <a:xfrm>
-            <a:off x="2040743" y="4414490"/>
+            <a:off x="3907314" y="3421143"/>
             <a:ext cx="1219200" cy="1219200"/>
           </a:xfrm>
           <a:prstGeom prst="rect">
@@ -13992,7 +13388,7 @@
         </p:blipFill>
         <p:spPr>
           <a:xfrm>
-            <a:off x="3733828" y="4505915"/>
+            <a:off x="3907314" y="1750200"/>
             <a:ext cx="1219200" cy="1219200"/>
           </a:xfrm>
           <a:prstGeom prst="rect">
@@ -14023,7 +13419,7 @@
         </p:blipFill>
         <p:spPr>
           <a:xfrm>
-            <a:off x="3873029" y="1636715"/>
+            <a:off x="4074799" y="371400"/>
             <a:ext cx="1219200" cy="1219200"/>
           </a:xfrm>
           <a:prstGeom prst="rect">
@@ -14054,7 +13450,7 @@
         </p:blipFill>
         <p:spPr>
           <a:xfrm>
-            <a:off x="3899200" y="3136715"/>
+            <a:off x="5554400" y="4868530"/>
             <a:ext cx="1219200" cy="1219200"/>
           </a:xfrm>
           <a:prstGeom prst="rect">
@@ -14085,7 +13481,7 @@
         </p:blipFill>
         <p:spPr>
           <a:xfrm>
-            <a:off x="7286457" y="286715"/>
+            <a:off x="5554400" y="3364486"/>
             <a:ext cx="1219200" cy="1219200"/>
           </a:xfrm>
           <a:prstGeom prst="rect">
@@ -14116,7 +13512,7 @@
         </p:blipFill>
         <p:spPr>
           <a:xfrm>
-            <a:off x="5634543" y="1636715"/>
+            <a:off x="5554400" y="1750200"/>
             <a:ext cx="1219200" cy="1219200"/>
           </a:xfrm>
           <a:prstGeom prst="rect">
@@ -14147,7 +13543,7 @@
         </p:blipFill>
         <p:spPr>
           <a:xfrm>
-            <a:off x="10680457" y="3202203"/>
+            <a:off x="5734399" y="361800"/>
             <a:ext cx="1219200" cy="1219200"/>
           </a:xfrm>
           <a:prstGeom prst="rect">
@@ -14178,7 +13574,7 @@
         </p:blipFill>
         <p:spPr>
           <a:xfrm>
-            <a:off x="9215543" y="1744459"/>
+            <a:off x="7228400" y="4868530"/>
             <a:ext cx="1219200" cy="1219200"/>
           </a:xfrm>
           <a:prstGeom prst="rect">
@@ -14209,7 +13605,7 @@
         </p:blipFill>
         <p:spPr>
           <a:xfrm>
-            <a:off x="7396057" y="1805915"/>
+            <a:off x="8984800" y="4872758"/>
             <a:ext cx="1219200" cy="1219200"/>
           </a:xfrm>
           <a:prstGeom prst="rect">
@@ -14240,7 +13636,7 @@
         </p:blipFill>
         <p:spPr>
           <a:xfrm>
-            <a:off x="9167543" y="286715"/>
+            <a:off x="10576400" y="4872758"/>
             <a:ext cx="1219200" cy="1219200"/>
           </a:xfrm>
           <a:prstGeom prst="rect">
@@ -14271,7 +13667,7 @@
         </p:blipFill>
         <p:spPr>
           <a:xfrm>
-            <a:off x="10680457" y="1744459"/>
+            <a:off x="7337714" y="3421143"/>
             <a:ext cx="1219200" cy="1219200"/>
           </a:xfrm>
           <a:prstGeom prst="rect">
@@ -14302,7 +13698,7 @@
         </p:blipFill>
         <p:spPr>
           <a:xfrm>
-            <a:off x="10680457" y="286715"/>
+            <a:off x="7337714" y="1791156"/>
             <a:ext cx="1219200" cy="1219200"/>
           </a:xfrm>
           <a:prstGeom prst="rect">
@@ -14333,7 +13729,7 @@
         </p:blipFill>
         <p:spPr>
           <a:xfrm>
-            <a:off x="7396057" y="3202203"/>
+            <a:off x="7337714" y="435085"/>
             <a:ext cx="1219200" cy="1219200"/>
           </a:xfrm>
           <a:prstGeom prst="rect">
@@ -14364,7 +13760,7 @@
         </p:blipFill>
         <p:spPr>
           <a:xfrm>
-            <a:off x="9285314" y="3202203"/>
+            <a:off x="8953200" y="3384857"/>
             <a:ext cx="1219200" cy="1219200"/>
           </a:xfrm>
           <a:prstGeom prst="rect">
@@ -14395,7 +13791,7 @@
         </p:blipFill>
         <p:spPr>
           <a:xfrm>
-            <a:off x="7396057" y="4665515"/>
+            <a:off x="8984800" y="1816042"/>
             <a:ext cx="1219200" cy="1219200"/>
           </a:xfrm>
           <a:prstGeom prst="rect">
@@ -14426,7 +13822,7 @@
         </p:blipFill>
         <p:spPr>
           <a:xfrm>
-            <a:off x="9279343" y="4665515"/>
+            <a:off x="10683085" y="3400200"/>
             <a:ext cx="1219200" cy="1219200"/>
           </a:xfrm>
           <a:prstGeom prst="rect">
@@ -14457,7 +13853,7 @@
         </p:blipFill>
         <p:spPr>
           <a:xfrm>
-            <a:off x="10694114" y="4665515"/>
+            <a:off x="8984800" y="326114"/>
             <a:ext cx="1219200" cy="1219200"/>
           </a:xfrm>
           <a:prstGeom prst="rect">
@@ -14488,7 +13884,7 @@
         </p:blipFill>
         <p:spPr>
           <a:xfrm>
-            <a:off x="5634543" y="3176229"/>
+            <a:off x="10504000" y="1927642"/>
             <a:ext cx="1219200" cy="1219200"/>
           </a:xfrm>
           <a:prstGeom prst="rect">
@@ -14519,7 +13915,7 @@
         </p:blipFill>
         <p:spPr>
           <a:xfrm>
-            <a:off x="5634543" y="286715"/>
+            <a:off x="10504000" y="314828"/>
             <a:ext cx="1219200" cy="1219200"/>
           </a:xfrm>
           <a:prstGeom prst="rect">
@@ -14530,7 +13926,7 @@
     </p:spTree>
     <p:extLst>
       <p:ext uri="{BB962C8B-B14F-4D97-AF65-F5344CB8AC3E}">
-        <p14:creationId xmlns:p14="http://schemas.microsoft.com/office/powerpoint/2010/main" val="3324423259"/>
+        <p14:creationId xmlns:p14="http://schemas.microsoft.com/office/powerpoint/2010/main" val="399454265"/>
       </p:ext>
     </p:extLst>
   </p:cSld>
@@ -14580,7 +13976,7 @@
         </p:blipFill>
         <p:spPr>
           <a:xfrm>
-            <a:off x="2066300" y="4482743"/>
+            <a:off x="166914" y="286715"/>
             <a:ext cx="1219200" cy="1219200"/>
           </a:xfrm>
           <a:prstGeom prst="rect">
@@ -14611,7 +14007,7 @@
         </p:blipFill>
         <p:spPr>
           <a:xfrm>
-            <a:off x="3544387" y="3100200"/>
+            <a:off x="166914" y="4395429"/>
             <a:ext cx="1219200" cy="1219200"/>
           </a:xfrm>
           <a:prstGeom prst="rect">
@@ -14642,7 +14038,7 @@
         </p:blipFill>
         <p:spPr>
           <a:xfrm>
-            <a:off x="1959644" y="3077257"/>
+            <a:off x="166914" y="3069944"/>
             <a:ext cx="1219200" cy="1219200"/>
           </a:xfrm>
           <a:prstGeom prst="rect">
@@ -14673,7 +14069,7 @@
         </p:blipFill>
         <p:spPr>
           <a:xfrm>
-            <a:off x="220687" y="3077257"/>
+            <a:off x="254057" y="1744459"/>
             <a:ext cx="1219200" cy="1219200"/>
           </a:xfrm>
           <a:prstGeom prst="rect">
@@ -14704,7 +14100,7 @@
         </p:blipFill>
         <p:spPr>
           <a:xfrm>
-            <a:off x="252087" y="4629000"/>
+            <a:off x="2114343" y="1662173"/>
             <a:ext cx="1219200" cy="1219200"/>
           </a:xfrm>
           <a:prstGeom prst="rect">
@@ -14735,7 +14131,7 @@
         </p:blipFill>
         <p:spPr>
           <a:xfrm>
-            <a:off x="1959644" y="1565771"/>
+            <a:off x="2114343" y="286715"/>
             <a:ext cx="1219200" cy="1219200"/>
           </a:xfrm>
           <a:prstGeom prst="rect">
@@ -14766,7 +14162,7 @@
         </p:blipFill>
         <p:spPr>
           <a:xfrm>
-            <a:off x="3652987" y="4539457"/>
+            <a:off x="2114343" y="3037631"/>
             <a:ext cx="1219200" cy="1219200"/>
           </a:xfrm>
           <a:prstGeom prst="rect">
@@ -14797,7 +14193,7 @@
         </p:blipFill>
         <p:spPr>
           <a:xfrm>
-            <a:off x="2066300" y="346571"/>
+            <a:off x="3873029" y="286715"/>
             <a:ext cx="1219200" cy="1219200"/>
           </a:xfrm>
           <a:prstGeom prst="rect">
@@ -14828,7 +14224,7 @@
         </p:blipFill>
         <p:spPr>
           <a:xfrm>
-            <a:off x="5317644" y="358887"/>
+            <a:off x="2040743" y="4414490"/>
             <a:ext cx="1219200" cy="1219200"/>
           </a:xfrm>
           <a:prstGeom prst="rect">
@@ -14859,7 +14255,7 @@
         </p:blipFill>
         <p:spPr>
           <a:xfrm>
-            <a:off x="3638644" y="1685343"/>
+            <a:off x="3733828" y="4505915"/>
             <a:ext cx="1219200" cy="1219200"/>
           </a:xfrm>
           <a:prstGeom prst="rect">
@@ -14890,7 +14286,7 @@
         </p:blipFill>
         <p:spPr>
           <a:xfrm>
-            <a:off x="3638644" y="368315"/>
+            <a:off x="3873029" y="1636715"/>
             <a:ext cx="1219200" cy="1219200"/>
           </a:xfrm>
           <a:prstGeom prst="rect">
@@ -14921,7 +14317,7 @@
         </p:blipFill>
         <p:spPr>
           <a:xfrm>
-            <a:off x="5317644" y="4609800"/>
+            <a:off x="3899200" y="3136715"/>
             <a:ext cx="1219200" cy="1219200"/>
           </a:xfrm>
           <a:prstGeom prst="rect">
@@ -14952,7 +14348,7 @@
         </p:blipFill>
         <p:spPr>
           <a:xfrm>
-            <a:off x="5317644" y="1823228"/>
+            <a:off x="7286457" y="286715"/>
             <a:ext cx="1219200" cy="1219200"/>
           </a:xfrm>
           <a:prstGeom prst="rect">
@@ -14983,7 +14379,7 @@
         </p:blipFill>
         <p:spPr>
           <a:xfrm>
-            <a:off x="5317644" y="3208114"/>
+            <a:off x="5634543" y="1636715"/>
             <a:ext cx="1219200" cy="1219200"/>
           </a:xfrm>
           <a:prstGeom prst="rect">
@@ -15014,7 +14410,7 @@
         </p:blipFill>
         <p:spPr>
           <a:xfrm>
-            <a:off x="7078800" y="368315"/>
+            <a:off x="10680457" y="3202203"/>
             <a:ext cx="1219200" cy="1219200"/>
           </a:xfrm>
           <a:prstGeom prst="rect">
@@ -15045,7 +14441,7 @@
         </p:blipFill>
         <p:spPr>
           <a:xfrm>
-            <a:off x="7129600" y="1793142"/>
+            <a:off x="9215543" y="1744459"/>
             <a:ext cx="1219200" cy="1219200"/>
           </a:xfrm>
           <a:prstGeom prst="rect">
@@ -15076,7 +14472,7 @@
         </p:blipFill>
         <p:spPr>
           <a:xfrm>
-            <a:off x="7129600" y="3320257"/>
+            <a:off x="7396057" y="1805915"/>
             <a:ext cx="1219200" cy="1219200"/>
           </a:xfrm>
           <a:prstGeom prst="rect">
@@ -15107,7 +14503,7 @@
         </p:blipFill>
         <p:spPr>
           <a:xfrm>
-            <a:off x="7192200" y="4609800"/>
+            <a:off x="9167543" y="286715"/>
             <a:ext cx="1219200" cy="1219200"/>
           </a:xfrm>
           <a:prstGeom prst="rect">
@@ -15138,7 +14534,7 @@
         </p:blipFill>
         <p:spPr>
           <a:xfrm>
-            <a:off x="8757800" y="466143"/>
+            <a:off x="10680457" y="1744459"/>
             <a:ext cx="1219200" cy="1219200"/>
           </a:xfrm>
           <a:prstGeom prst="rect">
@@ -15169,7 +14565,7 @@
         </p:blipFill>
         <p:spPr>
           <a:xfrm>
-            <a:off x="8736429" y="3349857"/>
+            <a:off x="10680457" y="286715"/>
             <a:ext cx="1219200" cy="1219200"/>
           </a:xfrm>
           <a:prstGeom prst="rect">
@@ -15200,7 +14596,7 @@
         </p:blipFill>
         <p:spPr>
           <a:xfrm>
-            <a:off x="8786400" y="1865429"/>
+            <a:off x="7396057" y="3202203"/>
             <a:ext cx="1219200" cy="1219200"/>
           </a:xfrm>
           <a:prstGeom prst="rect">
@@ -15231,7 +14627,7 @@
         </p:blipFill>
         <p:spPr>
           <a:xfrm>
-            <a:off x="8729630" y="4750200"/>
+            <a:off x="9285314" y="3202203"/>
             <a:ext cx="1219200" cy="1219200"/>
           </a:xfrm>
           <a:prstGeom prst="rect">
@@ -15262,7 +14658,7 @@
         </p:blipFill>
         <p:spPr>
           <a:xfrm>
-            <a:off x="10436800" y="3320257"/>
+            <a:off x="7396057" y="4665515"/>
             <a:ext cx="1219200" cy="1219200"/>
           </a:xfrm>
           <a:prstGeom prst="rect">
@@ -15293,7 +14689,7 @@
         </p:blipFill>
         <p:spPr>
           <a:xfrm>
-            <a:off x="10525357" y="1988914"/>
+            <a:off x="9279343" y="4665515"/>
             <a:ext cx="1219200" cy="1219200"/>
           </a:xfrm>
           <a:prstGeom prst="rect">
@@ -15324,7 +14720,7 @@
         </p:blipFill>
         <p:spPr>
           <a:xfrm>
-            <a:off x="10436800" y="466143"/>
+            <a:off x="10694114" y="4665515"/>
             <a:ext cx="1219200" cy="1219200"/>
           </a:xfrm>
           <a:prstGeom prst="rect">
@@ -15355,7 +14751,7 @@
         </p:blipFill>
         <p:spPr>
           <a:xfrm>
-            <a:off x="249658" y="1685343"/>
+            <a:off x="5634543" y="3176229"/>
             <a:ext cx="1219200" cy="1219200"/>
           </a:xfrm>
           <a:prstGeom prst="rect">
@@ -15386,7 +14782,7 @@
         </p:blipFill>
         <p:spPr>
           <a:xfrm>
-            <a:off x="249658" y="325857"/>
+            <a:off x="5634543" y="286715"/>
             <a:ext cx="1219200" cy="1219200"/>
           </a:xfrm>
           <a:prstGeom prst="rect">
@@ -15397,7 +14793,7 @@
     </p:spTree>
     <p:extLst>
       <p:ext uri="{BB962C8B-B14F-4D97-AF65-F5344CB8AC3E}">
-        <p14:creationId xmlns:p14="http://schemas.microsoft.com/office/powerpoint/2010/main" val="438152526"/>
+        <p14:creationId xmlns:p14="http://schemas.microsoft.com/office/powerpoint/2010/main" val="3324423259"/>
       </p:ext>
     </p:extLst>
   </p:cSld>
@@ -15447,7 +14843,7 @@
         </p:blipFill>
         <p:spPr>
           <a:xfrm>
-            <a:off x="297543" y="293914"/>
+            <a:off x="2066300" y="4482743"/>
             <a:ext cx="1219200" cy="1219200"/>
           </a:xfrm>
           <a:prstGeom prst="rect">
@@ -15478,7 +14874,7 @@
         </p:blipFill>
         <p:spPr>
           <a:xfrm>
-            <a:off x="297543" y="1670372"/>
+            <a:off x="3544387" y="3100200"/>
             <a:ext cx="1219200" cy="1219200"/>
           </a:xfrm>
           <a:prstGeom prst="rect">
@@ -15509,7 +14905,7 @@
         </p:blipFill>
         <p:spPr>
           <a:xfrm>
-            <a:off x="375086" y="4580546"/>
+            <a:off x="1959644" y="3077257"/>
             <a:ext cx="1219200" cy="1219200"/>
           </a:xfrm>
           <a:prstGeom prst="rect">
@@ -15540,7 +14936,7 @@
         </p:blipFill>
         <p:spPr>
           <a:xfrm>
-            <a:off x="355657" y="3046830"/>
+            <a:off x="220687" y="3077257"/>
             <a:ext cx="1219200" cy="1219200"/>
           </a:xfrm>
           <a:prstGeom prst="rect">
@@ -15571,7 +14967,7 @@
         </p:blipFill>
         <p:spPr>
           <a:xfrm>
-            <a:off x="2065943" y="219000"/>
+            <a:off x="252087" y="4629000"/>
             <a:ext cx="1219200" cy="1219200"/>
           </a:xfrm>
           <a:prstGeom prst="rect">
@@ -15602,7 +14998,7 @@
         </p:blipFill>
         <p:spPr>
           <a:xfrm>
-            <a:off x="2065943" y="3100200"/>
+            <a:off x="1959644" y="1565771"/>
             <a:ext cx="1219200" cy="1219200"/>
           </a:xfrm>
           <a:prstGeom prst="rect">
@@ -15633,7 +15029,7 @@
         </p:blipFill>
         <p:spPr>
           <a:xfrm>
-            <a:off x="1974058" y="1670372"/>
+            <a:off x="3652987" y="4539457"/>
             <a:ext cx="1219200" cy="1219200"/>
           </a:xfrm>
           <a:prstGeom prst="rect">
@@ -15664,7 +15060,7 @@
         </p:blipFill>
         <p:spPr>
           <a:xfrm>
-            <a:off x="2030971" y="4594343"/>
+            <a:off x="2066300" y="346571"/>
             <a:ext cx="1219200" cy="1219200"/>
           </a:xfrm>
           <a:prstGeom prst="rect">
@@ -15695,7 +15091,7 @@
         </p:blipFill>
         <p:spPr>
           <a:xfrm>
-            <a:off x="3834343" y="219000"/>
+            <a:off x="5317644" y="358887"/>
             <a:ext cx="1219200" cy="1219200"/>
           </a:xfrm>
           <a:prstGeom prst="rect">
@@ -15726,7 +15122,7 @@
         </p:blipFill>
         <p:spPr>
           <a:xfrm>
-            <a:off x="3939743" y="4580546"/>
+            <a:off x="3638644" y="1685343"/>
             <a:ext cx="1219200" cy="1219200"/>
           </a:xfrm>
           <a:prstGeom prst="rect">
@@ -15757,7 +15153,7 @@
         </p:blipFill>
         <p:spPr>
           <a:xfrm>
-            <a:off x="3894857" y="1708115"/>
+            <a:off x="3638644" y="368315"/>
             <a:ext cx="1219200" cy="1219200"/>
           </a:xfrm>
           <a:prstGeom prst="rect">
@@ -15788,7 +15184,7 @@
         </p:blipFill>
         <p:spPr>
           <a:xfrm>
-            <a:off x="3941886" y="3046830"/>
+            <a:off x="5317644" y="4609800"/>
             <a:ext cx="1219200" cy="1219200"/>
           </a:xfrm>
           <a:prstGeom prst="rect">
@@ -15819,7 +15215,7 @@
         </p:blipFill>
         <p:spPr>
           <a:xfrm>
-            <a:off x="5571372" y="1767343"/>
+            <a:off x="5317644" y="1823228"/>
             <a:ext cx="1219200" cy="1219200"/>
           </a:xfrm>
           <a:prstGeom prst="rect">
@@ -15850,7 +15246,7 @@
         </p:blipFill>
         <p:spPr>
           <a:xfrm>
-            <a:off x="5602743" y="293914"/>
+            <a:off x="5317644" y="3208114"/>
             <a:ext cx="1219200" cy="1219200"/>
           </a:xfrm>
           <a:prstGeom prst="rect">
@@ -15881,7 +15277,7 @@
         </p:blipFill>
         <p:spPr>
           <a:xfrm>
-            <a:off x="5571372" y="3240772"/>
+            <a:off x="7078800" y="368315"/>
             <a:ext cx="1219200" cy="1219200"/>
           </a:xfrm>
           <a:prstGeom prst="rect">
@@ -15912,7 +15308,7 @@
         </p:blipFill>
         <p:spPr>
           <a:xfrm>
-            <a:off x="7117200" y="388543"/>
+            <a:off x="7129600" y="1793142"/>
             <a:ext cx="1219200" cy="1219200"/>
           </a:xfrm>
           <a:prstGeom prst="rect">
@@ -15943,7 +15339,7 @@
         </p:blipFill>
         <p:spPr>
           <a:xfrm>
-            <a:off x="7211944" y="1819487"/>
+            <a:off x="7129600" y="3320257"/>
             <a:ext cx="1219200" cy="1219200"/>
           </a:xfrm>
           <a:prstGeom prst="rect">
@@ -15974,7 +15370,7 @@
         </p:blipFill>
         <p:spPr>
           <a:xfrm>
-            <a:off x="5624857" y="4609800"/>
+            <a:off x="7192200" y="4609800"/>
             <a:ext cx="1219200" cy="1219200"/>
           </a:xfrm>
           <a:prstGeom prst="rect">
@@ -16005,7 +15401,7 @@
         </p:blipFill>
         <p:spPr>
           <a:xfrm>
-            <a:off x="7284514" y="3295545"/>
+            <a:off x="8757800" y="466143"/>
             <a:ext cx="1219200" cy="1219200"/>
           </a:xfrm>
           <a:prstGeom prst="rect">
@@ -16036,7 +15432,7 @@
         </p:blipFill>
         <p:spPr>
           <a:xfrm>
-            <a:off x="7309971" y="4675172"/>
+            <a:off x="8736429" y="3349857"/>
             <a:ext cx="1219200" cy="1219200"/>
           </a:xfrm>
           <a:prstGeom prst="rect">
@@ -16067,7 +15463,7 @@
         </p:blipFill>
         <p:spPr>
           <a:xfrm>
-            <a:off x="8636400" y="399829"/>
+            <a:off x="8786400" y="1865429"/>
             <a:ext cx="1219200" cy="1219200"/>
           </a:xfrm>
           <a:prstGeom prst="rect">
@@ -16098,7 +15494,7 @@
         </p:blipFill>
         <p:spPr>
           <a:xfrm>
-            <a:off x="10392629" y="488915"/>
+            <a:off x="8729630" y="4750200"/>
             <a:ext cx="1219200" cy="1219200"/>
           </a:xfrm>
           <a:prstGeom prst="rect">
@@ -16129,7 +15525,7 @@
         </p:blipFill>
         <p:spPr>
           <a:xfrm>
-            <a:off x="8731257" y="1827630"/>
+            <a:off x="10436800" y="3320257"/>
             <a:ext cx="1219200" cy="1219200"/>
           </a:xfrm>
           <a:prstGeom prst="rect">
@@ -16160,7 +15556,7 @@
         </p:blipFill>
         <p:spPr>
           <a:xfrm>
-            <a:off x="8784057" y="4774428"/>
+            <a:off x="10525357" y="1988914"/>
             <a:ext cx="1219200" cy="1219200"/>
           </a:xfrm>
           <a:prstGeom prst="rect">
@@ -16191,7 +15587,7 @@
         </p:blipFill>
         <p:spPr>
           <a:xfrm>
-            <a:off x="10396399" y="3390600"/>
+            <a:off x="10436800" y="466143"/>
             <a:ext cx="1219200" cy="1219200"/>
           </a:xfrm>
           <a:prstGeom prst="rect">
@@ -16222,7 +15618,7 @@
         </p:blipFill>
         <p:spPr>
           <a:xfrm>
-            <a:off x="10349658" y="2076345"/>
+            <a:off x="249658" y="1685343"/>
             <a:ext cx="1219200" cy="1219200"/>
           </a:xfrm>
           <a:prstGeom prst="rect">
@@ -16253,7 +15649,7 @@
         </p:blipFill>
         <p:spPr>
           <a:xfrm>
-            <a:off x="8773943" y="3438915"/>
+            <a:off x="249658" y="325857"/>
             <a:ext cx="1219200" cy="1219200"/>
           </a:xfrm>
           <a:prstGeom prst="rect">
@@ -16264,7 +15660,7 @@
     </p:spTree>
     <p:extLst>
       <p:ext uri="{BB962C8B-B14F-4D97-AF65-F5344CB8AC3E}">
-        <p14:creationId xmlns:p14="http://schemas.microsoft.com/office/powerpoint/2010/main" val="214978686"/>
+        <p14:creationId xmlns:p14="http://schemas.microsoft.com/office/powerpoint/2010/main" val="438152526"/>
       </p:ext>
     </p:extLst>
   </p:cSld>
@@ -16314,7 +15710,7 @@
         </p:blipFill>
         <p:spPr>
           <a:xfrm>
-            <a:off x="304800" y="373743"/>
+            <a:off x="297543" y="293914"/>
             <a:ext cx="1219200" cy="1219200"/>
           </a:xfrm>
           <a:prstGeom prst="rect">
@@ -16345,7 +15741,7 @@
         </p:blipFill>
         <p:spPr>
           <a:xfrm>
-            <a:off x="304800" y="2022400"/>
+            <a:off x="297543" y="1670372"/>
             <a:ext cx="1219200" cy="1219200"/>
           </a:xfrm>
           <a:prstGeom prst="rect">
@@ -16376,7 +15772,7 @@
         </p:blipFill>
         <p:spPr>
           <a:xfrm>
-            <a:off x="304800" y="3400200"/>
+            <a:off x="375086" y="4580546"/>
             <a:ext cx="1219200" cy="1219200"/>
           </a:xfrm>
           <a:prstGeom prst="rect">
@@ -16407,7 +15803,7 @@
         </p:blipFill>
         <p:spPr>
           <a:xfrm>
-            <a:off x="304800" y="4779000"/>
+            <a:off x="355657" y="3046830"/>
             <a:ext cx="1219200" cy="1219200"/>
           </a:xfrm>
           <a:prstGeom prst="rect">
@@ -16438,7 +15834,7 @@
         </p:blipFill>
         <p:spPr>
           <a:xfrm>
-            <a:off x="1942572" y="373743"/>
+            <a:off x="2065943" y="219000"/>
             <a:ext cx="1219200" cy="1219200"/>
           </a:xfrm>
           <a:prstGeom prst="rect">
@@ -16469,7 +15865,7 @@
         </p:blipFill>
         <p:spPr>
           <a:xfrm>
-            <a:off x="2020000" y="1907514"/>
+            <a:off x="2065943" y="3100200"/>
             <a:ext cx="1219200" cy="1219200"/>
           </a:xfrm>
           <a:prstGeom prst="rect">
@@ -16500,7 +15896,7 @@
         </p:blipFill>
         <p:spPr>
           <a:xfrm>
-            <a:off x="1838629" y="3400200"/>
+            <a:off x="1974058" y="1670372"/>
             <a:ext cx="1219200" cy="1219200"/>
           </a:xfrm>
           <a:prstGeom prst="rect">
@@ -16531,7 +15927,7 @@
         </p:blipFill>
         <p:spPr>
           <a:xfrm>
-            <a:off x="1976400" y="4787771"/>
+            <a:off x="2030971" y="4594343"/>
             <a:ext cx="1219200" cy="1219200"/>
           </a:xfrm>
           <a:prstGeom prst="rect">
@@ -16562,7 +15958,7 @@
         </p:blipFill>
         <p:spPr>
           <a:xfrm>
-            <a:off x="3580515" y="2022400"/>
+            <a:off x="3834343" y="219000"/>
             <a:ext cx="1219200" cy="1219200"/>
           </a:xfrm>
           <a:prstGeom prst="rect">
@@ -16593,7 +15989,7 @@
         </p:blipFill>
         <p:spPr>
           <a:xfrm>
-            <a:off x="3580515" y="373743"/>
+            <a:off x="3939743" y="4580546"/>
             <a:ext cx="1219200" cy="1219200"/>
           </a:xfrm>
           <a:prstGeom prst="rect">
@@ -16624,7 +16020,7 @@
         </p:blipFill>
         <p:spPr>
           <a:xfrm>
-            <a:off x="3517486" y="3400200"/>
+            <a:off x="3894857" y="1708115"/>
             <a:ext cx="1219200" cy="1219200"/>
           </a:xfrm>
           <a:prstGeom prst="rect">
@@ -16655,7 +16051,7 @@
         </p:blipFill>
         <p:spPr>
           <a:xfrm>
-            <a:off x="3580515" y="4742285"/>
+            <a:off x="3941886" y="3046830"/>
             <a:ext cx="1219200" cy="1219200"/>
           </a:xfrm>
           <a:prstGeom prst="rect">
@@ -16686,7 +16082,7 @@
         </p:blipFill>
         <p:spPr>
           <a:xfrm>
-            <a:off x="5476972" y="3584256"/>
+            <a:off x="5571372" y="1767343"/>
             <a:ext cx="1219200" cy="1219200"/>
           </a:xfrm>
           <a:prstGeom prst="rect">
@@ -16717,7 +16113,7 @@
         </p:blipFill>
         <p:spPr>
           <a:xfrm>
-            <a:off x="5476972" y="458658"/>
+            <a:off x="5602743" y="293914"/>
             <a:ext cx="1219200" cy="1219200"/>
           </a:xfrm>
           <a:prstGeom prst="rect">
@@ -16748,7 +16144,7 @@
         </p:blipFill>
         <p:spPr>
           <a:xfrm>
-            <a:off x="5476972" y="2021457"/>
+            <a:off x="5571372" y="3240772"/>
             <a:ext cx="1219200" cy="1219200"/>
           </a:xfrm>
           <a:prstGeom prst="rect">
@@ -16779,7 +16175,7 @@
         </p:blipFill>
         <p:spPr>
           <a:xfrm>
-            <a:off x="5476972" y="4909800"/>
+            <a:off x="7117200" y="388543"/>
             <a:ext cx="1219200" cy="1219200"/>
           </a:xfrm>
           <a:prstGeom prst="rect">
@@ -16810,7 +16206,7 @@
         </p:blipFill>
         <p:spPr>
           <a:xfrm>
-            <a:off x="7291771" y="505572"/>
+            <a:off x="7211944" y="1819487"/>
             <a:ext cx="1219200" cy="1219200"/>
           </a:xfrm>
           <a:prstGeom prst="rect">
@@ -16841,7 +16237,7 @@
         </p:blipFill>
         <p:spPr>
           <a:xfrm>
-            <a:off x="7373429" y="2021457"/>
+            <a:off x="5624857" y="4609800"/>
             <a:ext cx="1219200" cy="1219200"/>
           </a:xfrm>
           <a:prstGeom prst="rect">
@@ -16872,7 +16268,7 @@
         </p:blipFill>
         <p:spPr>
           <a:xfrm>
-            <a:off x="7496971" y="4953456"/>
+            <a:off x="7284514" y="3295545"/>
             <a:ext cx="1219200" cy="1219200"/>
           </a:xfrm>
           <a:prstGeom prst="rect">
@@ -16903,7 +16299,7 @@
         </p:blipFill>
         <p:spPr>
           <a:xfrm>
-            <a:off x="7357257" y="3584256"/>
+            <a:off x="7309971" y="4675172"/>
             <a:ext cx="1219200" cy="1219200"/>
           </a:xfrm>
           <a:prstGeom prst="rect">
@@ -16934,7 +16330,7 @@
         </p:blipFill>
         <p:spPr>
           <a:xfrm>
-            <a:off x="9106570" y="505572"/>
+            <a:off x="8636400" y="399829"/>
             <a:ext cx="1219200" cy="1219200"/>
           </a:xfrm>
           <a:prstGeom prst="rect">
@@ -16965,7 +16361,162 @@
         </p:blipFill>
         <p:spPr>
           <a:xfrm>
-            <a:off x="9106570" y="2021457"/>
+            <a:off x="10392629" y="488915"/>
+            <a:ext cx="1219200" cy="1219200"/>
+          </a:xfrm>
+          <a:prstGeom prst="rect">
+            <a:avLst/>
+          </a:prstGeom>
+        </p:spPr>
+      </p:pic>
+      <p:pic>
+        <p:nvPicPr>
+          <p:cNvPr id="24" name="Picture 23"/>
+          <p:cNvPicPr>
+            <a:picLocks noChangeAspect="1"/>
+          </p:cNvPicPr>
+          <p:nvPr/>
+        </p:nvPicPr>
+        <p:blipFill>
+          <a:blip r:embed="rId24">
+            <a:lum bright="70000" contrast="-70000"/>
+            <a:extLst>
+              <a:ext uri="{28A0092B-C50C-407E-A947-70E740481C1C}">
+                <a14:useLocalDpi xmlns:a14="http://schemas.microsoft.com/office/drawing/2010/main" val="0"/>
+              </a:ext>
+            </a:extLst>
+          </a:blip>
+          <a:stretch>
+            <a:fillRect/>
+          </a:stretch>
+        </p:blipFill>
+        <p:spPr>
+          <a:xfrm>
+            <a:off x="8731257" y="1827630"/>
+            <a:ext cx="1219200" cy="1219200"/>
+          </a:xfrm>
+          <a:prstGeom prst="rect">
+            <a:avLst/>
+          </a:prstGeom>
+        </p:spPr>
+      </p:pic>
+      <p:pic>
+        <p:nvPicPr>
+          <p:cNvPr id="25" name="Picture 24"/>
+          <p:cNvPicPr>
+            <a:picLocks noChangeAspect="1"/>
+          </p:cNvPicPr>
+          <p:nvPr/>
+        </p:nvPicPr>
+        <p:blipFill>
+          <a:blip r:embed="rId25">
+            <a:lum bright="70000" contrast="-70000"/>
+            <a:extLst>
+              <a:ext uri="{28A0092B-C50C-407E-A947-70E740481C1C}">
+                <a14:useLocalDpi xmlns:a14="http://schemas.microsoft.com/office/drawing/2010/main" val="0"/>
+              </a:ext>
+            </a:extLst>
+          </a:blip>
+          <a:stretch>
+            <a:fillRect/>
+          </a:stretch>
+        </p:blipFill>
+        <p:spPr>
+          <a:xfrm>
+            <a:off x="8784057" y="4774428"/>
+            <a:ext cx="1219200" cy="1219200"/>
+          </a:xfrm>
+          <a:prstGeom prst="rect">
+            <a:avLst/>
+          </a:prstGeom>
+        </p:spPr>
+      </p:pic>
+      <p:pic>
+        <p:nvPicPr>
+          <p:cNvPr id="26" name="Picture 25"/>
+          <p:cNvPicPr>
+            <a:picLocks noChangeAspect="1"/>
+          </p:cNvPicPr>
+          <p:nvPr/>
+        </p:nvPicPr>
+        <p:blipFill>
+          <a:blip r:embed="rId26">
+            <a:lum bright="70000" contrast="-70000"/>
+            <a:extLst>
+              <a:ext uri="{28A0092B-C50C-407E-A947-70E740481C1C}">
+                <a14:useLocalDpi xmlns:a14="http://schemas.microsoft.com/office/drawing/2010/main" val="0"/>
+              </a:ext>
+            </a:extLst>
+          </a:blip>
+          <a:stretch>
+            <a:fillRect/>
+          </a:stretch>
+        </p:blipFill>
+        <p:spPr>
+          <a:xfrm>
+            <a:off x="10396399" y="3390600"/>
+            <a:ext cx="1219200" cy="1219200"/>
+          </a:xfrm>
+          <a:prstGeom prst="rect">
+            <a:avLst/>
+          </a:prstGeom>
+        </p:spPr>
+      </p:pic>
+      <p:pic>
+        <p:nvPicPr>
+          <p:cNvPr id="27" name="Picture 26"/>
+          <p:cNvPicPr>
+            <a:picLocks noChangeAspect="1"/>
+          </p:cNvPicPr>
+          <p:nvPr/>
+        </p:nvPicPr>
+        <p:blipFill>
+          <a:blip r:embed="rId27">
+            <a:lum bright="70000" contrast="-70000"/>
+            <a:extLst>
+              <a:ext uri="{28A0092B-C50C-407E-A947-70E740481C1C}">
+                <a14:useLocalDpi xmlns:a14="http://schemas.microsoft.com/office/drawing/2010/main" val="0"/>
+              </a:ext>
+            </a:extLst>
+          </a:blip>
+          <a:stretch>
+            <a:fillRect/>
+          </a:stretch>
+        </p:blipFill>
+        <p:spPr>
+          <a:xfrm>
+            <a:off x="10349658" y="2076345"/>
+            <a:ext cx="1219200" cy="1219200"/>
+          </a:xfrm>
+          <a:prstGeom prst="rect">
+            <a:avLst/>
+          </a:prstGeom>
+        </p:spPr>
+      </p:pic>
+      <p:pic>
+        <p:nvPicPr>
+          <p:cNvPr id="28" name="Picture 27"/>
+          <p:cNvPicPr>
+            <a:picLocks noChangeAspect="1"/>
+          </p:cNvPicPr>
+          <p:nvPr/>
+        </p:nvPicPr>
+        <p:blipFill>
+          <a:blip r:embed="rId28">
+            <a:lum bright="70000" contrast="-70000"/>
+            <a:extLst>
+              <a:ext uri="{28A0092B-C50C-407E-A947-70E740481C1C}">
+                <a14:useLocalDpi xmlns:a14="http://schemas.microsoft.com/office/drawing/2010/main" val="0"/>
+              </a:ext>
+            </a:extLst>
+          </a:blip>
+          <a:stretch>
+            <a:fillRect/>
+          </a:stretch>
+        </p:blipFill>
+        <p:spPr>
+          <a:xfrm>
+            <a:off x="8773943" y="3438915"/>
             <a:ext cx="1219200" cy="1219200"/>
           </a:xfrm>
           <a:prstGeom prst="rect">
@@ -16976,7 +16527,7 @@
     </p:spTree>
     <p:extLst>
       <p:ext uri="{BB962C8B-B14F-4D97-AF65-F5344CB8AC3E}">
-        <p14:creationId xmlns:p14="http://schemas.microsoft.com/office/powerpoint/2010/main" val="3555470181"/>
+        <p14:creationId xmlns:p14="http://schemas.microsoft.com/office/powerpoint/2010/main" val="214978686"/>
       </p:ext>
     </p:extLst>
   </p:cSld>
@@ -17026,7 +16577,7 @@
         </p:blipFill>
         <p:spPr>
           <a:xfrm>
-            <a:off x="4100286" y="3807714"/>
+            <a:off x="304800" y="373743"/>
             <a:ext cx="1219200" cy="1219200"/>
           </a:xfrm>
           <a:prstGeom prst="rect">
@@ -17057,7 +16608,7 @@
         </p:blipFill>
         <p:spPr>
           <a:xfrm>
-            <a:off x="2281228" y="3807714"/>
+            <a:off x="304800" y="2022400"/>
             <a:ext cx="1219200" cy="1219200"/>
           </a:xfrm>
           <a:prstGeom prst="rect">
@@ -17088,7 +16639,7 @@
         </p:blipFill>
         <p:spPr>
           <a:xfrm>
-            <a:off x="2392514" y="2715457"/>
+            <a:off x="304800" y="3400200"/>
             <a:ext cx="1219200" cy="1219200"/>
           </a:xfrm>
           <a:prstGeom prst="rect">
@@ -17119,7 +16670,7 @@
         </p:blipFill>
         <p:spPr>
           <a:xfrm>
-            <a:off x="2392514" y="1496257"/>
+            <a:off x="304800" y="4779000"/>
             <a:ext cx="1219200" cy="1219200"/>
           </a:xfrm>
           <a:prstGeom prst="rect">
@@ -17150,7 +16701,7 @@
         </p:blipFill>
         <p:spPr>
           <a:xfrm>
-            <a:off x="2392514" y="277057"/>
+            <a:off x="1942572" y="373743"/>
             <a:ext cx="1219200" cy="1219200"/>
           </a:xfrm>
           <a:prstGeom prst="rect">
@@ -17181,7 +16732,7 @@
         </p:blipFill>
         <p:spPr>
           <a:xfrm>
-            <a:off x="295257" y="3874257"/>
+            <a:off x="2020000" y="1907514"/>
             <a:ext cx="1219200" cy="1219200"/>
           </a:xfrm>
           <a:prstGeom prst="rect">
@@ -17212,7 +16763,7 @@
         </p:blipFill>
         <p:spPr>
           <a:xfrm>
-            <a:off x="295257" y="2601800"/>
+            <a:off x="1838629" y="3400200"/>
             <a:ext cx="1219200" cy="1219200"/>
           </a:xfrm>
           <a:prstGeom prst="rect">
@@ -17243,7 +16794,7 @@
         </p:blipFill>
         <p:spPr>
           <a:xfrm>
-            <a:off x="295257" y="1435857"/>
+            <a:off x="1976400" y="4787771"/>
             <a:ext cx="1219200" cy="1219200"/>
           </a:xfrm>
           <a:prstGeom prst="rect">
@@ -17274,7 +16825,7 @@
         </p:blipFill>
         <p:spPr>
           <a:xfrm>
-            <a:off x="198514" y="216657"/>
+            <a:off x="3580515" y="2022400"/>
             <a:ext cx="1219200" cy="1219200"/>
           </a:xfrm>
           <a:prstGeom prst="rect">
@@ -17292,27 +16843,21 @@
         </p:nvPicPr>
         <p:blipFill>
           <a:blip r:embed="rId11">
-            <a:duotone>
-              <a:schemeClr val="accent1">
-                <a:shade val="45000"/>
-                <a:satMod val="135000"/>
-              </a:schemeClr>
-              <a:prstClr val="white"/>
-            </a:duotone>
-            <a:extLst>
-              <a:ext uri="{28A0092B-C50C-407E-A947-70E740481C1C}">
-                <a14:useLocalDpi xmlns:a14="http://schemas.microsoft.com/office/drawing/2010/main" val="0"/>
-              </a:ext>
-            </a:extLst>
-          </a:blip>
-          <a:stretch>
-            <a:fillRect/>
-          </a:stretch>
-        </p:blipFill>
-        <p:spPr>
-          <a:xfrm>
-            <a:off x="9520058" y="331344"/>
-            <a:ext cx="512108" cy="774259"/>
+            <a:lum bright="70000" contrast="-70000"/>
+            <a:extLst>
+              <a:ext uri="{28A0092B-C50C-407E-A947-70E740481C1C}">
+                <a14:useLocalDpi xmlns:a14="http://schemas.microsoft.com/office/drawing/2010/main" val="0"/>
+              </a:ext>
+            </a:extLst>
+          </a:blip>
+          <a:stretch>
+            <a:fillRect/>
+          </a:stretch>
+        </p:blipFill>
+        <p:spPr>
+          <a:xfrm>
+            <a:off x="3580515" y="373743"/>
+            <a:ext cx="1219200" cy="1219200"/>
           </a:xfrm>
           <a:prstGeom prst="rect">
             <a:avLst/>
@@ -17329,27 +16874,21 @@
         </p:nvPicPr>
         <p:blipFill>
           <a:blip r:embed="rId12">
-            <a:duotone>
-              <a:schemeClr val="accent1">
-                <a:shade val="45000"/>
-                <a:satMod val="135000"/>
-              </a:schemeClr>
-              <a:prstClr val="white"/>
-            </a:duotone>
-            <a:extLst>
-              <a:ext uri="{28A0092B-C50C-407E-A947-70E740481C1C}">
-                <a14:useLocalDpi xmlns:a14="http://schemas.microsoft.com/office/drawing/2010/main" val="0"/>
-              </a:ext>
-            </a:extLst>
-          </a:blip>
-          <a:stretch>
-            <a:fillRect/>
-          </a:stretch>
-        </p:blipFill>
-        <p:spPr>
-          <a:xfrm>
-            <a:off x="8598753" y="336487"/>
-            <a:ext cx="542591" cy="804742"/>
+            <a:lum bright="70000" contrast="-70000"/>
+            <a:extLst>
+              <a:ext uri="{28A0092B-C50C-407E-A947-70E740481C1C}">
+                <a14:useLocalDpi xmlns:a14="http://schemas.microsoft.com/office/drawing/2010/main" val="0"/>
+              </a:ext>
+            </a:extLst>
+          </a:blip>
+          <a:stretch>
+            <a:fillRect/>
+          </a:stretch>
+        </p:blipFill>
+        <p:spPr>
+          <a:xfrm>
+            <a:off x="3517486" y="3400200"/>
+            <a:ext cx="1219200" cy="1219200"/>
           </a:xfrm>
           <a:prstGeom prst="rect">
             <a:avLst/>
@@ -17366,27 +16905,21 @@
         </p:nvPicPr>
         <p:blipFill>
           <a:blip r:embed="rId13">
-            <a:duotone>
-              <a:schemeClr val="accent1">
-                <a:shade val="45000"/>
-                <a:satMod val="135000"/>
-              </a:schemeClr>
-              <a:prstClr val="white"/>
-            </a:duotone>
-            <a:extLst>
-              <a:ext uri="{28A0092B-C50C-407E-A947-70E740481C1C}">
-                <a14:useLocalDpi xmlns:a14="http://schemas.microsoft.com/office/drawing/2010/main" val="0"/>
-              </a:ext>
-            </a:extLst>
-          </a:blip>
-          <a:stretch>
-            <a:fillRect/>
-          </a:stretch>
-        </p:blipFill>
-        <p:spPr>
-          <a:xfrm>
-            <a:off x="7457454" y="339349"/>
-            <a:ext cx="859611" cy="731583"/>
+            <a:lum bright="70000" contrast="-70000"/>
+            <a:extLst>
+              <a:ext uri="{28A0092B-C50C-407E-A947-70E740481C1C}">
+                <a14:useLocalDpi xmlns:a14="http://schemas.microsoft.com/office/drawing/2010/main" val="0"/>
+              </a:ext>
+            </a:extLst>
+          </a:blip>
+          <a:stretch>
+            <a:fillRect/>
+          </a:stretch>
+        </p:blipFill>
+        <p:spPr>
+          <a:xfrm>
+            <a:off x="3580515" y="4742285"/>
+            <a:ext cx="1219200" cy="1219200"/>
           </a:xfrm>
           <a:prstGeom prst="rect">
             <a:avLst/>
@@ -17403,27 +16936,21 @@
         </p:nvPicPr>
         <p:blipFill>
           <a:blip r:embed="rId14">
-            <a:duotone>
-              <a:schemeClr val="accent1">
-                <a:shade val="45000"/>
-                <a:satMod val="135000"/>
-              </a:schemeClr>
-              <a:prstClr val="white"/>
-            </a:duotone>
-            <a:extLst>
-              <a:ext uri="{28A0092B-C50C-407E-A947-70E740481C1C}">
-                <a14:useLocalDpi xmlns:a14="http://schemas.microsoft.com/office/drawing/2010/main" val="0"/>
-              </a:ext>
-            </a:extLst>
-          </a:blip>
-          <a:stretch>
-            <a:fillRect/>
-          </a:stretch>
-        </p:blipFill>
-        <p:spPr>
-          <a:xfrm>
-            <a:off x="4373809" y="277057"/>
-            <a:ext cx="1194920" cy="792549"/>
+            <a:lum bright="70000" contrast="-70000"/>
+            <a:extLst>
+              <a:ext uri="{28A0092B-C50C-407E-A947-70E740481C1C}">
+                <a14:useLocalDpi xmlns:a14="http://schemas.microsoft.com/office/drawing/2010/main" val="0"/>
+              </a:ext>
+            </a:extLst>
+          </a:blip>
+          <a:stretch>
+            <a:fillRect/>
+          </a:stretch>
+        </p:blipFill>
+        <p:spPr>
+          <a:xfrm>
+            <a:off x="5476972" y="3584256"/>
+            <a:ext cx="1219200" cy="1219200"/>
           </a:xfrm>
           <a:prstGeom prst="rect">
             <a:avLst/>
@@ -17440,27 +16967,21 @@
         </p:nvPicPr>
         <p:blipFill>
           <a:blip r:embed="rId15">
-            <a:duotone>
-              <a:schemeClr val="accent1">
-                <a:shade val="45000"/>
-                <a:satMod val="135000"/>
-              </a:schemeClr>
-              <a:prstClr val="white"/>
-            </a:duotone>
-            <a:extLst>
-              <a:ext uri="{28A0092B-C50C-407E-A947-70E740481C1C}">
-                <a14:useLocalDpi xmlns:a14="http://schemas.microsoft.com/office/drawing/2010/main" val="0"/>
-              </a:ext>
-            </a:extLst>
-          </a:blip>
-          <a:stretch>
-            <a:fillRect/>
-          </a:stretch>
-        </p:blipFill>
-        <p:spPr>
-          <a:xfrm>
-            <a:off x="6087455" y="273695"/>
-            <a:ext cx="938865" cy="938865"/>
+            <a:lum bright="70000" contrast="-70000"/>
+            <a:extLst>
+              <a:ext uri="{28A0092B-C50C-407E-A947-70E740481C1C}">
+                <a14:useLocalDpi xmlns:a14="http://schemas.microsoft.com/office/drawing/2010/main" val="0"/>
+              </a:ext>
+            </a:extLst>
+          </a:blip>
+          <a:stretch>
+            <a:fillRect/>
+          </a:stretch>
+        </p:blipFill>
+        <p:spPr>
+          <a:xfrm>
+            <a:off x="5476972" y="458658"/>
+            <a:ext cx="1219200" cy="1219200"/>
           </a:xfrm>
           <a:prstGeom prst="rect">
             <a:avLst/>
@@ -17477,27 +16998,238 @@
         </p:nvPicPr>
         <p:blipFill>
           <a:blip r:embed="rId16">
-            <a:duotone>
-              <a:schemeClr val="accent1">
-                <a:shade val="45000"/>
-                <a:satMod val="135000"/>
-              </a:schemeClr>
-              <a:prstClr val="white"/>
-            </a:duotone>
-            <a:extLst>
-              <a:ext uri="{28A0092B-C50C-407E-A947-70E740481C1C}">
-                <a14:useLocalDpi xmlns:a14="http://schemas.microsoft.com/office/drawing/2010/main" val="0"/>
-              </a:ext>
-            </a:extLst>
-          </a:blip>
-          <a:stretch>
-            <a:fillRect/>
-          </a:stretch>
-        </p:blipFill>
-        <p:spPr>
-          <a:xfrm>
-            <a:off x="10509543" y="342916"/>
-            <a:ext cx="408467" cy="755970"/>
+            <a:lum bright="70000" contrast="-70000"/>
+            <a:extLst>
+              <a:ext uri="{28A0092B-C50C-407E-A947-70E740481C1C}">
+                <a14:useLocalDpi xmlns:a14="http://schemas.microsoft.com/office/drawing/2010/main" val="0"/>
+              </a:ext>
+            </a:extLst>
+          </a:blip>
+          <a:stretch>
+            <a:fillRect/>
+          </a:stretch>
+        </p:blipFill>
+        <p:spPr>
+          <a:xfrm>
+            <a:off x="5476972" y="2021457"/>
+            <a:ext cx="1219200" cy="1219200"/>
+          </a:xfrm>
+          <a:prstGeom prst="rect">
+            <a:avLst/>
+          </a:prstGeom>
+        </p:spPr>
+      </p:pic>
+      <p:pic>
+        <p:nvPicPr>
+          <p:cNvPr id="17" name="Picture 16"/>
+          <p:cNvPicPr>
+            <a:picLocks noChangeAspect="1"/>
+          </p:cNvPicPr>
+          <p:nvPr/>
+        </p:nvPicPr>
+        <p:blipFill>
+          <a:blip r:embed="rId17">
+            <a:lum bright="70000" contrast="-70000"/>
+            <a:extLst>
+              <a:ext uri="{28A0092B-C50C-407E-A947-70E740481C1C}">
+                <a14:useLocalDpi xmlns:a14="http://schemas.microsoft.com/office/drawing/2010/main" val="0"/>
+              </a:ext>
+            </a:extLst>
+          </a:blip>
+          <a:stretch>
+            <a:fillRect/>
+          </a:stretch>
+        </p:blipFill>
+        <p:spPr>
+          <a:xfrm>
+            <a:off x="5476972" y="4909800"/>
+            <a:ext cx="1219200" cy="1219200"/>
+          </a:xfrm>
+          <a:prstGeom prst="rect">
+            <a:avLst/>
+          </a:prstGeom>
+        </p:spPr>
+      </p:pic>
+      <p:pic>
+        <p:nvPicPr>
+          <p:cNvPr id="18" name="Picture 17"/>
+          <p:cNvPicPr>
+            <a:picLocks noChangeAspect="1"/>
+          </p:cNvPicPr>
+          <p:nvPr/>
+        </p:nvPicPr>
+        <p:blipFill>
+          <a:blip r:embed="rId18">
+            <a:lum bright="70000" contrast="-70000"/>
+            <a:extLst>
+              <a:ext uri="{28A0092B-C50C-407E-A947-70E740481C1C}">
+                <a14:useLocalDpi xmlns:a14="http://schemas.microsoft.com/office/drawing/2010/main" val="0"/>
+              </a:ext>
+            </a:extLst>
+          </a:blip>
+          <a:stretch>
+            <a:fillRect/>
+          </a:stretch>
+        </p:blipFill>
+        <p:spPr>
+          <a:xfrm>
+            <a:off x="7291771" y="505572"/>
+            <a:ext cx="1219200" cy="1219200"/>
+          </a:xfrm>
+          <a:prstGeom prst="rect">
+            <a:avLst/>
+          </a:prstGeom>
+        </p:spPr>
+      </p:pic>
+      <p:pic>
+        <p:nvPicPr>
+          <p:cNvPr id="19" name="Picture 18"/>
+          <p:cNvPicPr>
+            <a:picLocks noChangeAspect="1"/>
+          </p:cNvPicPr>
+          <p:nvPr/>
+        </p:nvPicPr>
+        <p:blipFill>
+          <a:blip r:embed="rId19">
+            <a:lum bright="70000" contrast="-70000"/>
+            <a:extLst>
+              <a:ext uri="{28A0092B-C50C-407E-A947-70E740481C1C}">
+                <a14:useLocalDpi xmlns:a14="http://schemas.microsoft.com/office/drawing/2010/main" val="0"/>
+              </a:ext>
+            </a:extLst>
+          </a:blip>
+          <a:stretch>
+            <a:fillRect/>
+          </a:stretch>
+        </p:blipFill>
+        <p:spPr>
+          <a:xfrm>
+            <a:off x="7373429" y="2021457"/>
+            <a:ext cx="1219200" cy="1219200"/>
+          </a:xfrm>
+          <a:prstGeom prst="rect">
+            <a:avLst/>
+          </a:prstGeom>
+        </p:spPr>
+      </p:pic>
+      <p:pic>
+        <p:nvPicPr>
+          <p:cNvPr id="20" name="Picture 19"/>
+          <p:cNvPicPr>
+            <a:picLocks noChangeAspect="1"/>
+          </p:cNvPicPr>
+          <p:nvPr/>
+        </p:nvPicPr>
+        <p:blipFill>
+          <a:blip r:embed="rId20">
+            <a:lum bright="70000" contrast="-70000"/>
+            <a:extLst>
+              <a:ext uri="{28A0092B-C50C-407E-A947-70E740481C1C}">
+                <a14:useLocalDpi xmlns:a14="http://schemas.microsoft.com/office/drawing/2010/main" val="0"/>
+              </a:ext>
+            </a:extLst>
+          </a:blip>
+          <a:stretch>
+            <a:fillRect/>
+          </a:stretch>
+        </p:blipFill>
+        <p:spPr>
+          <a:xfrm>
+            <a:off x="7496971" y="4953456"/>
+            <a:ext cx="1219200" cy="1219200"/>
+          </a:xfrm>
+          <a:prstGeom prst="rect">
+            <a:avLst/>
+          </a:prstGeom>
+        </p:spPr>
+      </p:pic>
+      <p:pic>
+        <p:nvPicPr>
+          <p:cNvPr id="21" name="Picture 20"/>
+          <p:cNvPicPr>
+            <a:picLocks noChangeAspect="1"/>
+          </p:cNvPicPr>
+          <p:nvPr/>
+        </p:nvPicPr>
+        <p:blipFill>
+          <a:blip r:embed="rId21">
+            <a:lum bright="70000" contrast="-70000"/>
+            <a:extLst>
+              <a:ext uri="{28A0092B-C50C-407E-A947-70E740481C1C}">
+                <a14:useLocalDpi xmlns:a14="http://schemas.microsoft.com/office/drawing/2010/main" val="0"/>
+              </a:ext>
+            </a:extLst>
+          </a:blip>
+          <a:stretch>
+            <a:fillRect/>
+          </a:stretch>
+        </p:blipFill>
+        <p:spPr>
+          <a:xfrm>
+            <a:off x="7357257" y="3584256"/>
+            <a:ext cx="1219200" cy="1219200"/>
+          </a:xfrm>
+          <a:prstGeom prst="rect">
+            <a:avLst/>
+          </a:prstGeom>
+        </p:spPr>
+      </p:pic>
+      <p:pic>
+        <p:nvPicPr>
+          <p:cNvPr id="22" name="Picture 21"/>
+          <p:cNvPicPr>
+            <a:picLocks noChangeAspect="1"/>
+          </p:cNvPicPr>
+          <p:nvPr/>
+        </p:nvPicPr>
+        <p:blipFill>
+          <a:blip r:embed="rId22">
+            <a:lum bright="70000" contrast="-70000"/>
+            <a:extLst>
+              <a:ext uri="{28A0092B-C50C-407E-A947-70E740481C1C}">
+                <a14:useLocalDpi xmlns:a14="http://schemas.microsoft.com/office/drawing/2010/main" val="0"/>
+              </a:ext>
+            </a:extLst>
+          </a:blip>
+          <a:stretch>
+            <a:fillRect/>
+          </a:stretch>
+        </p:blipFill>
+        <p:spPr>
+          <a:xfrm>
+            <a:off x="9106570" y="505572"/>
+            <a:ext cx="1219200" cy="1219200"/>
+          </a:xfrm>
+          <a:prstGeom prst="rect">
+            <a:avLst/>
+          </a:prstGeom>
+        </p:spPr>
+      </p:pic>
+      <p:pic>
+        <p:nvPicPr>
+          <p:cNvPr id="23" name="Picture 22"/>
+          <p:cNvPicPr>
+            <a:picLocks noChangeAspect="1"/>
+          </p:cNvPicPr>
+          <p:nvPr/>
+        </p:nvPicPr>
+        <p:blipFill>
+          <a:blip r:embed="rId23">
+            <a:lum bright="70000" contrast="-70000"/>
+            <a:extLst>
+              <a:ext uri="{28A0092B-C50C-407E-A947-70E740481C1C}">
+                <a14:useLocalDpi xmlns:a14="http://schemas.microsoft.com/office/drawing/2010/main" val="0"/>
+              </a:ext>
+            </a:extLst>
+          </a:blip>
+          <a:stretch>
+            <a:fillRect/>
+          </a:stretch>
+        </p:blipFill>
+        <p:spPr>
+          <a:xfrm>
+            <a:off x="9106570" y="2021457"/>
+            <a:ext cx="1219200" cy="1219200"/>
           </a:xfrm>
           <a:prstGeom prst="rect">
             <a:avLst/>
@@ -17507,7 +17239,7 @@
     </p:spTree>
     <p:extLst>
       <p:ext uri="{BB962C8B-B14F-4D97-AF65-F5344CB8AC3E}">
-        <p14:creationId xmlns:p14="http://schemas.microsoft.com/office/powerpoint/2010/main" val="3152775509"/>
+        <p14:creationId xmlns:p14="http://schemas.microsoft.com/office/powerpoint/2010/main" val="3555470181"/>
       </p:ext>
     </p:extLst>
   </p:cSld>
@@ -17605,6 +17337,537 @@
     <p:extLst>
       <p:ext uri="{BB962C8B-B14F-4D97-AF65-F5344CB8AC3E}">
         <p14:creationId xmlns:p14="http://schemas.microsoft.com/office/powerpoint/2010/main" val="25685017"/>
+      </p:ext>
+    </p:extLst>
+  </p:cSld>
+  <p:clrMapOvr>
+    <a:masterClrMapping/>
+  </p:clrMapOvr>
+</p:sld>
+</file>
+
+<file path=ppt/slides/slide40.xml><?xml version="1.0" encoding="utf-8"?>
+<p:sld xmlns:a="http://schemas.openxmlformats.org/drawingml/2006/main" xmlns:r="http://schemas.openxmlformats.org/officeDocument/2006/relationships" xmlns:p="http://schemas.openxmlformats.org/presentationml/2006/main" show="0">
+  <p:cSld>
+    <p:spTree>
+      <p:nvGrpSpPr>
+        <p:cNvPr id="1" name=""/>
+        <p:cNvGrpSpPr/>
+        <p:nvPr/>
+      </p:nvGrpSpPr>
+      <p:grpSpPr>
+        <a:xfrm>
+          <a:off x="0" y="0"/>
+          <a:ext cx="0" cy="0"/>
+          <a:chOff x="0" y="0"/>
+          <a:chExt cx="0" cy="0"/>
+        </a:xfrm>
+      </p:grpSpPr>
+      <p:pic>
+        <p:nvPicPr>
+          <p:cNvPr id="2" name="Picture 1"/>
+          <p:cNvPicPr>
+            <a:picLocks noChangeAspect="1"/>
+          </p:cNvPicPr>
+          <p:nvPr/>
+        </p:nvPicPr>
+        <p:blipFill>
+          <a:blip r:embed="rId2">
+            <a:lum bright="70000" contrast="-70000"/>
+            <a:extLst>
+              <a:ext uri="{28A0092B-C50C-407E-A947-70E740481C1C}">
+                <a14:useLocalDpi xmlns:a14="http://schemas.microsoft.com/office/drawing/2010/main" val="0"/>
+              </a:ext>
+            </a:extLst>
+          </a:blip>
+          <a:stretch>
+            <a:fillRect/>
+          </a:stretch>
+        </p:blipFill>
+        <p:spPr>
+          <a:xfrm>
+            <a:off x="4100286" y="3807714"/>
+            <a:ext cx="1219200" cy="1219200"/>
+          </a:xfrm>
+          <a:prstGeom prst="rect">
+            <a:avLst/>
+          </a:prstGeom>
+        </p:spPr>
+      </p:pic>
+      <p:pic>
+        <p:nvPicPr>
+          <p:cNvPr id="3" name="Picture 2"/>
+          <p:cNvPicPr>
+            <a:picLocks noChangeAspect="1"/>
+          </p:cNvPicPr>
+          <p:nvPr/>
+        </p:nvPicPr>
+        <p:blipFill>
+          <a:blip r:embed="rId3">
+            <a:lum bright="70000" contrast="-70000"/>
+            <a:extLst>
+              <a:ext uri="{28A0092B-C50C-407E-A947-70E740481C1C}">
+                <a14:useLocalDpi xmlns:a14="http://schemas.microsoft.com/office/drawing/2010/main" val="0"/>
+              </a:ext>
+            </a:extLst>
+          </a:blip>
+          <a:stretch>
+            <a:fillRect/>
+          </a:stretch>
+        </p:blipFill>
+        <p:spPr>
+          <a:xfrm>
+            <a:off x="2281228" y="3807714"/>
+            <a:ext cx="1219200" cy="1219200"/>
+          </a:xfrm>
+          <a:prstGeom prst="rect">
+            <a:avLst/>
+          </a:prstGeom>
+        </p:spPr>
+      </p:pic>
+      <p:pic>
+        <p:nvPicPr>
+          <p:cNvPr id="4" name="Picture 3"/>
+          <p:cNvPicPr>
+            <a:picLocks noChangeAspect="1"/>
+          </p:cNvPicPr>
+          <p:nvPr/>
+        </p:nvPicPr>
+        <p:blipFill>
+          <a:blip r:embed="rId4">
+            <a:lum bright="70000" contrast="-70000"/>
+            <a:extLst>
+              <a:ext uri="{28A0092B-C50C-407E-A947-70E740481C1C}">
+                <a14:useLocalDpi xmlns:a14="http://schemas.microsoft.com/office/drawing/2010/main" val="0"/>
+              </a:ext>
+            </a:extLst>
+          </a:blip>
+          <a:stretch>
+            <a:fillRect/>
+          </a:stretch>
+        </p:blipFill>
+        <p:spPr>
+          <a:xfrm>
+            <a:off x="2392514" y="2715457"/>
+            <a:ext cx="1219200" cy="1219200"/>
+          </a:xfrm>
+          <a:prstGeom prst="rect">
+            <a:avLst/>
+          </a:prstGeom>
+        </p:spPr>
+      </p:pic>
+      <p:pic>
+        <p:nvPicPr>
+          <p:cNvPr id="5" name="Picture 4"/>
+          <p:cNvPicPr>
+            <a:picLocks noChangeAspect="1"/>
+          </p:cNvPicPr>
+          <p:nvPr/>
+        </p:nvPicPr>
+        <p:blipFill>
+          <a:blip r:embed="rId5">
+            <a:lum bright="70000" contrast="-70000"/>
+            <a:extLst>
+              <a:ext uri="{28A0092B-C50C-407E-A947-70E740481C1C}">
+                <a14:useLocalDpi xmlns:a14="http://schemas.microsoft.com/office/drawing/2010/main" val="0"/>
+              </a:ext>
+            </a:extLst>
+          </a:blip>
+          <a:stretch>
+            <a:fillRect/>
+          </a:stretch>
+        </p:blipFill>
+        <p:spPr>
+          <a:xfrm>
+            <a:off x="2392514" y="1496257"/>
+            <a:ext cx="1219200" cy="1219200"/>
+          </a:xfrm>
+          <a:prstGeom prst="rect">
+            <a:avLst/>
+          </a:prstGeom>
+        </p:spPr>
+      </p:pic>
+      <p:pic>
+        <p:nvPicPr>
+          <p:cNvPr id="6" name="Picture 5"/>
+          <p:cNvPicPr>
+            <a:picLocks noChangeAspect="1"/>
+          </p:cNvPicPr>
+          <p:nvPr/>
+        </p:nvPicPr>
+        <p:blipFill>
+          <a:blip r:embed="rId6">
+            <a:lum bright="70000" contrast="-70000"/>
+            <a:extLst>
+              <a:ext uri="{28A0092B-C50C-407E-A947-70E740481C1C}">
+                <a14:useLocalDpi xmlns:a14="http://schemas.microsoft.com/office/drawing/2010/main" val="0"/>
+              </a:ext>
+            </a:extLst>
+          </a:blip>
+          <a:stretch>
+            <a:fillRect/>
+          </a:stretch>
+        </p:blipFill>
+        <p:spPr>
+          <a:xfrm>
+            <a:off x="2392514" y="277057"/>
+            <a:ext cx="1219200" cy="1219200"/>
+          </a:xfrm>
+          <a:prstGeom prst="rect">
+            <a:avLst/>
+          </a:prstGeom>
+        </p:spPr>
+      </p:pic>
+      <p:pic>
+        <p:nvPicPr>
+          <p:cNvPr id="7" name="Picture 6"/>
+          <p:cNvPicPr>
+            <a:picLocks noChangeAspect="1"/>
+          </p:cNvPicPr>
+          <p:nvPr/>
+        </p:nvPicPr>
+        <p:blipFill>
+          <a:blip r:embed="rId7">
+            <a:lum bright="70000" contrast="-70000"/>
+            <a:extLst>
+              <a:ext uri="{28A0092B-C50C-407E-A947-70E740481C1C}">
+                <a14:useLocalDpi xmlns:a14="http://schemas.microsoft.com/office/drawing/2010/main" val="0"/>
+              </a:ext>
+            </a:extLst>
+          </a:blip>
+          <a:stretch>
+            <a:fillRect/>
+          </a:stretch>
+        </p:blipFill>
+        <p:spPr>
+          <a:xfrm>
+            <a:off x="295257" y="3874257"/>
+            <a:ext cx="1219200" cy="1219200"/>
+          </a:xfrm>
+          <a:prstGeom prst="rect">
+            <a:avLst/>
+          </a:prstGeom>
+        </p:spPr>
+      </p:pic>
+      <p:pic>
+        <p:nvPicPr>
+          <p:cNvPr id="8" name="Picture 7"/>
+          <p:cNvPicPr>
+            <a:picLocks noChangeAspect="1"/>
+          </p:cNvPicPr>
+          <p:nvPr/>
+        </p:nvPicPr>
+        <p:blipFill>
+          <a:blip r:embed="rId8">
+            <a:lum bright="70000" contrast="-70000"/>
+            <a:extLst>
+              <a:ext uri="{28A0092B-C50C-407E-A947-70E740481C1C}">
+                <a14:useLocalDpi xmlns:a14="http://schemas.microsoft.com/office/drawing/2010/main" val="0"/>
+              </a:ext>
+            </a:extLst>
+          </a:blip>
+          <a:stretch>
+            <a:fillRect/>
+          </a:stretch>
+        </p:blipFill>
+        <p:spPr>
+          <a:xfrm>
+            <a:off x="295257" y="2601800"/>
+            <a:ext cx="1219200" cy="1219200"/>
+          </a:xfrm>
+          <a:prstGeom prst="rect">
+            <a:avLst/>
+          </a:prstGeom>
+        </p:spPr>
+      </p:pic>
+      <p:pic>
+        <p:nvPicPr>
+          <p:cNvPr id="9" name="Picture 8"/>
+          <p:cNvPicPr>
+            <a:picLocks noChangeAspect="1"/>
+          </p:cNvPicPr>
+          <p:nvPr/>
+        </p:nvPicPr>
+        <p:blipFill>
+          <a:blip r:embed="rId9">
+            <a:lum bright="70000" contrast="-70000"/>
+            <a:extLst>
+              <a:ext uri="{28A0092B-C50C-407E-A947-70E740481C1C}">
+                <a14:useLocalDpi xmlns:a14="http://schemas.microsoft.com/office/drawing/2010/main" val="0"/>
+              </a:ext>
+            </a:extLst>
+          </a:blip>
+          <a:stretch>
+            <a:fillRect/>
+          </a:stretch>
+        </p:blipFill>
+        <p:spPr>
+          <a:xfrm>
+            <a:off x="295257" y="1435857"/>
+            <a:ext cx="1219200" cy="1219200"/>
+          </a:xfrm>
+          <a:prstGeom prst="rect">
+            <a:avLst/>
+          </a:prstGeom>
+        </p:spPr>
+      </p:pic>
+      <p:pic>
+        <p:nvPicPr>
+          <p:cNvPr id="10" name="Picture 9"/>
+          <p:cNvPicPr>
+            <a:picLocks noChangeAspect="1"/>
+          </p:cNvPicPr>
+          <p:nvPr/>
+        </p:nvPicPr>
+        <p:blipFill>
+          <a:blip r:embed="rId10">
+            <a:lum bright="70000" contrast="-70000"/>
+            <a:extLst>
+              <a:ext uri="{28A0092B-C50C-407E-A947-70E740481C1C}">
+                <a14:useLocalDpi xmlns:a14="http://schemas.microsoft.com/office/drawing/2010/main" val="0"/>
+              </a:ext>
+            </a:extLst>
+          </a:blip>
+          <a:stretch>
+            <a:fillRect/>
+          </a:stretch>
+        </p:blipFill>
+        <p:spPr>
+          <a:xfrm>
+            <a:off x="198514" y="216657"/>
+            <a:ext cx="1219200" cy="1219200"/>
+          </a:xfrm>
+          <a:prstGeom prst="rect">
+            <a:avLst/>
+          </a:prstGeom>
+        </p:spPr>
+      </p:pic>
+      <p:pic>
+        <p:nvPicPr>
+          <p:cNvPr id="11" name="Picture 10"/>
+          <p:cNvPicPr>
+            <a:picLocks noChangeAspect="1"/>
+          </p:cNvPicPr>
+          <p:nvPr/>
+        </p:nvPicPr>
+        <p:blipFill>
+          <a:blip r:embed="rId11">
+            <a:duotone>
+              <a:schemeClr val="accent1">
+                <a:shade val="45000"/>
+                <a:satMod val="135000"/>
+              </a:schemeClr>
+              <a:prstClr val="white"/>
+            </a:duotone>
+            <a:extLst>
+              <a:ext uri="{28A0092B-C50C-407E-A947-70E740481C1C}">
+                <a14:useLocalDpi xmlns:a14="http://schemas.microsoft.com/office/drawing/2010/main" val="0"/>
+              </a:ext>
+            </a:extLst>
+          </a:blip>
+          <a:stretch>
+            <a:fillRect/>
+          </a:stretch>
+        </p:blipFill>
+        <p:spPr>
+          <a:xfrm>
+            <a:off x="9520058" y="331344"/>
+            <a:ext cx="512108" cy="774259"/>
+          </a:xfrm>
+          <a:prstGeom prst="rect">
+            <a:avLst/>
+          </a:prstGeom>
+        </p:spPr>
+      </p:pic>
+      <p:pic>
+        <p:nvPicPr>
+          <p:cNvPr id="12" name="Picture 11"/>
+          <p:cNvPicPr>
+            <a:picLocks noChangeAspect="1"/>
+          </p:cNvPicPr>
+          <p:nvPr/>
+        </p:nvPicPr>
+        <p:blipFill>
+          <a:blip r:embed="rId12">
+            <a:duotone>
+              <a:schemeClr val="accent1">
+                <a:shade val="45000"/>
+                <a:satMod val="135000"/>
+              </a:schemeClr>
+              <a:prstClr val="white"/>
+            </a:duotone>
+            <a:extLst>
+              <a:ext uri="{28A0092B-C50C-407E-A947-70E740481C1C}">
+                <a14:useLocalDpi xmlns:a14="http://schemas.microsoft.com/office/drawing/2010/main" val="0"/>
+              </a:ext>
+            </a:extLst>
+          </a:blip>
+          <a:stretch>
+            <a:fillRect/>
+          </a:stretch>
+        </p:blipFill>
+        <p:spPr>
+          <a:xfrm>
+            <a:off x="8598753" y="336487"/>
+            <a:ext cx="542591" cy="804742"/>
+          </a:xfrm>
+          <a:prstGeom prst="rect">
+            <a:avLst/>
+          </a:prstGeom>
+        </p:spPr>
+      </p:pic>
+      <p:pic>
+        <p:nvPicPr>
+          <p:cNvPr id="13" name="Picture 12"/>
+          <p:cNvPicPr>
+            <a:picLocks noChangeAspect="1"/>
+          </p:cNvPicPr>
+          <p:nvPr/>
+        </p:nvPicPr>
+        <p:blipFill>
+          <a:blip r:embed="rId13">
+            <a:duotone>
+              <a:schemeClr val="accent1">
+                <a:shade val="45000"/>
+                <a:satMod val="135000"/>
+              </a:schemeClr>
+              <a:prstClr val="white"/>
+            </a:duotone>
+            <a:extLst>
+              <a:ext uri="{28A0092B-C50C-407E-A947-70E740481C1C}">
+                <a14:useLocalDpi xmlns:a14="http://schemas.microsoft.com/office/drawing/2010/main" val="0"/>
+              </a:ext>
+            </a:extLst>
+          </a:blip>
+          <a:stretch>
+            <a:fillRect/>
+          </a:stretch>
+        </p:blipFill>
+        <p:spPr>
+          <a:xfrm>
+            <a:off x="7457454" y="339349"/>
+            <a:ext cx="859611" cy="731583"/>
+          </a:xfrm>
+          <a:prstGeom prst="rect">
+            <a:avLst/>
+          </a:prstGeom>
+        </p:spPr>
+      </p:pic>
+      <p:pic>
+        <p:nvPicPr>
+          <p:cNvPr id="14" name="Picture 13"/>
+          <p:cNvPicPr>
+            <a:picLocks noChangeAspect="1"/>
+          </p:cNvPicPr>
+          <p:nvPr/>
+        </p:nvPicPr>
+        <p:blipFill>
+          <a:blip r:embed="rId14">
+            <a:duotone>
+              <a:schemeClr val="accent1">
+                <a:shade val="45000"/>
+                <a:satMod val="135000"/>
+              </a:schemeClr>
+              <a:prstClr val="white"/>
+            </a:duotone>
+            <a:extLst>
+              <a:ext uri="{28A0092B-C50C-407E-A947-70E740481C1C}">
+                <a14:useLocalDpi xmlns:a14="http://schemas.microsoft.com/office/drawing/2010/main" val="0"/>
+              </a:ext>
+            </a:extLst>
+          </a:blip>
+          <a:stretch>
+            <a:fillRect/>
+          </a:stretch>
+        </p:blipFill>
+        <p:spPr>
+          <a:xfrm>
+            <a:off x="4373809" y="277057"/>
+            <a:ext cx="1194920" cy="792549"/>
+          </a:xfrm>
+          <a:prstGeom prst="rect">
+            <a:avLst/>
+          </a:prstGeom>
+        </p:spPr>
+      </p:pic>
+      <p:pic>
+        <p:nvPicPr>
+          <p:cNvPr id="15" name="Picture 14"/>
+          <p:cNvPicPr>
+            <a:picLocks noChangeAspect="1"/>
+          </p:cNvPicPr>
+          <p:nvPr/>
+        </p:nvPicPr>
+        <p:blipFill>
+          <a:blip r:embed="rId15">
+            <a:duotone>
+              <a:schemeClr val="accent1">
+                <a:shade val="45000"/>
+                <a:satMod val="135000"/>
+              </a:schemeClr>
+              <a:prstClr val="white"/>
+            </a:duotone>
+            <a:extLst>
+              <a:ext uri="{28A0092B-C50C-407E-A947-70E740481C1C}">
+                <a14:useLocalDpi xmlns:a14="http://schemas.microsoft.com/office/drawing/2010/main" val="0"/>
+              </a:ext>
+            </a:extLst>
+          </a:blip>
+          <a:stretch>
+            <a:fillRect/>
+          </a:stretch>
+        </p:blipFill>
+        <p:spPr>
+          <a:xfrm>
+            <a:off x="6087455" y="273695"/>
+            <a:ext cx="938865" cy="938865"/>
+          </a:xfrm>
+          <a:prstGeom prst="rect">
+            <a:avLst/>
+          </a:prstGeom>
+        </p:spPr>
+      </p:pic>
+      <p:pic>
+        <p:nvPicPr>
+          <p:cNvPr id="16" name="Picture 15"/>
+          <p:cNvPicPr>
+            <a:picLocks noChangeAspect="1"/>
+          </p:cNvPicPr>
+          <p:nvPr/>
+        </p:nvPicPr>
+        <p:blipFill>
+          <a:blip r:embed="rId16">
+            <a:duotone>
+              <a:schemeClr val="accent1">
+                <a:shade val="45000"/>
+                <a:satMod val="135000"/>
+              </a:schemeClr>
+              <a:prstClr val="white"/>
+            </a:duotone>
+            <a:extLst>
+              <a:ext uri="{28A0092B-C50C-407E-A947-70E740481C1C}">
+                <a14:useLocalDpi xmlns:a14="http://schemas.microsoft.com/office/drawing/2010/main" val="0"/>
+              </a:ext>
+            </a:extLst>
+          </a:blip>
+          <a:stretch>
+            <a:fillRect/>
+          </a:stretch>
+        </p:blipFill>
+        <p:spPr>
+          <a:xfrm>
+            <a:off x="10509543" y="342916"/>
+            <a:ext cx="408467" cy="755970"/>
+          </a:xfrm>
+          <a:prstGeom prst="rect">
+            <a:avLst/>
+          </a:prstGeom>
+        </p:spPr>
+      </p:pic>
+    </p:spTree>
+    <p:extLst>
+      <p:ext uri="{BB962C8B-B14F-4D97-AF65-F5344CB8AC3E}">
+        <p14:creationId xmlns:p14="http://schemas.microsoft.com/office/powerpoint/2010/main" val="3152775509"/>
       </p:ext>
     </p:extLst>
   </p:cSld>

--- a/MMS 2017 - Windows Upgrade Readiness.pptx
+++ b/MMS 2017 - Windows Upgrade Readiness.pptx
@@ -5,7 +5,7 @@
     <p:sldMasterId id="2147483648" r:id="rId1"/>
   </p:sldMasterIdLst>
   <p:notesMasterIdLst>
-    <p:notesMasterId r:id="rId42"/>
+    <p:notesMasterId r:id="rId44"/>
   </p:notesMasterIdLst>
   <p:sldIdLst>
     <p:sldId id="256" r:id="rId2"/>
@@ -27,27 +27,29 @@
     <p:sldId id="296" r:id="rId18"/>
     <p:sldId id="287" r:id="rId19"/>
     <p:sldId id="294" r:id="rId20"/>
-    <p:sldId id="286" r:id="rId21"/>
-    <p:sldId id="295" r:id="rId22"/>
-    <p:sldId id="259" r:id="rId23"/>
-    <p:sldId id="279" r:id="rId24"/>
-    <p:sldId id="260" r:id="rId25"/>
-    <p:sldId id="278" r:id="rId26"/>
-    <p:sldId id="262" r:id="rId27"/>
-    <p:sldId id="263" r:id="rId28"/>
-    <p:sldId id="264" r:id="rId29"/>
-    <p:sldId id="265" r:id="rId30"/>
-    <p:sldId id="266" r:id="rId31"/>
-    <p:sldId id="267" r:id="rId32"/>
-    <p:sldId id="268" r:id="rId33"/>
-    <p:sldId id="269" r:id="rId34"/>
-    <p:sldId id="270" r:id="rId35"/>
-    <p:sldId id="271" r:id="rId36"/>
-    <p:sldId id="272" r:id="rId37"/>
-    <p:sldId id="273" r:id="rId38"/>
-    <p:sldId id="274" r:id="rId39"/>
-    <p:sldId id="275" r:id="rId40"/>
-    <p:sldId id="276" r:id="rId41"/>
+    <p:sldId id="302" r:id="rId21"/>
+    <p:sldId id="286" r:id="rId22"/>
+    <p:sldId id="295" r:id="rId23"/>
+    <p:sldId id="301" r:id="rId24"/>
+    <p:sldId id="259" r:id="rId25"/>
+    <p:sldId id="279" r:id="rId26"/>
+    <p:sldId id="260" r:id="rId27"/>
+    <p:sldId id="278" r:id="rId28"/>
+    <p:sldId id="262" r:id="rId29"/>
+    <p:sldId id="263" r:id="rId30"/>
+    <p:sldId id="264" r:id="rId31"/>
+    <p:sldId id="265" r:id="rId32"/>
+    <p:sldId id="266" r:id="rId33"/>
+    <p:sldId id="267" r:id="rId34"/>
+    <p:sldId id="268" r:id="rId35"/>
+    <p:sldId id="269" r:id="rId36"/>
+    <p:sldId id="270" r:id="rId37"/>
+    <p:sldId id="271" r:id="rId38"/>
+    <p:sldId id="272" r:id="rId39"/>
+    <p:sldId id="273" r:id="rId40"/>
+    <p:sldId id="274" r:id="rId41"/>
+    <p:sldId id="275" r:id="rId42"/>
+    <p:sldId id="276" r:id="rId43"/>
   </p:sldIdLst>
   <p:sldSz cx="12192000" cy="6858000"/>
   <p:notesSz cx="6858000" cy="9144000"/>
@@ -174,8 +176,10 @@
             <p14:sldId id="296"/>
             <p14:sldId id="287"/>
             <p14:sldId id="294"/>
+            <p14:sldId id="302"/>
             <p14:sldId id="286"/>
             <p14:sldId id="295"/>
+            <p14:sldId id="301"/>
           </p14:sldIdLst>
         </p14:section>
         <p14:section name="Closing" id="{49CB15AC-FD56-4AAC-8B8A-68CF2CB85A39}">
@@ -700,6 +704,48 @@
               <a:t>I THINK this is a comprehensive list of application issues.</a:t>
             </a:r>
           </a:p>
+          <a:p>
+            <a:endParaRPr lang="en-US" dirty="0"/>
+          </a:p>
+          <a:p>
+            <a:r>
+              <a:rPr lang="en-US" sz="1200" b="0" i="0" kern="1200" dirty="0">
+                <a:solidFill>
+                  <a:schemeClr val="tx1"/>
+                </a:solidFill>
+                <a:effectLst/>
+                <a:latin typeface="+mn-lt"/>
+                <a:ea typeface="+mn-ea"/>
+                <a:cs typeface="+mn-cs"/>
+              </a:rPr>
+              <a:t>Type=</a:t>
+            </a:r>
+            <a:r>
+              <a:rPr lang="en-US" sz="1200" b="0" i="0" kern="1200" dirty="0" err="1">
+                <a:solidFill>
+                  <a:schemeClr val="tx1"/>
+                </a:solidFill>
+                <a:effectLst/>
+                <a:latin typeface="+mn-lt"/>
+                <a:ea typeface="+mn-ea"/>
+                <a:cs typeface="+mn-cs"/>
+              </a:rPr>
+              <a:t>UAApp</a:t>
+            </a:r>
+            <a:r>
+              <a:rPr lang="en-US" sz="1200" b="0" i="0" kern="1200" dirty="0">
+                <a:solidFill>
+                  <a:schemeClr val="tx1"/>
+                </a:solidFill>
+                <a:effectLst/>
+                <a:latin typeface="+mn-lt"/>
+                <a:ea typeface="+mn-ea"/>
+                <a:cs typeface="+mn-cs"/>
+              </a:rPr>
+              <a:t> | measure count() by Issue</a:t>
+            </a:r>
+            <a:endParaRPr lang="en-US" dirty="0"/>
+          </a:p>
         </p:txBody>
       </p:sp>
       <p:sp>
@@ -1485,11 +1531,11 @@
           <a:p>
             <a:r>
               <a:rPr lang="en-US" dirty="0"/>
-              <a:t>If</a:t>
+              <a:t>The app owner</a:t>
             </a:r>
             <a:r>
               <a:rPr lang="en-US" baseline="0" dirty="0"/>
-              <a:t> you want to look at a migration project as a time breakdown, application packaging and rationalization should be take 90% of your time.  The task sequence or deployment method is easy, its been done a thousand times by a thousand different people.  You WILL figure out whatever you need to do deploy the actual operating system.  Trust me when I say that is the easy part.   </a:t>
+              <a:t> is important here.  Yu don’t own the application, only its deployment.  Get an app owner to validate and QA it.</a:t>
             </a:r>
             <a:endParaRPr lang="en-US" dirty="0"/>
           </a:p>
@@ -1521,7 +1567,7 @@
     </p:spTree>
     <p:extLst>
       <p:ext uri="{BB962C8B-B14F-4D97-AF65-F5344CB8AC3E}">
-        <p14:creationId xmlns:p14="http://schemas.microsoft.com/office/powerpoint/2010/main" val="1806650894"/>
+        <p14:creationId xmlns:p14="http://schemas.microsoft.com/office/powerpoint/2010/main" val="1267583450"/>
       </p:ext>
     </p:extLst>
   </p:cSld>
@@ -1577,23 +1623,11 @@
           <a:p>
             <a:r>
               <a:rPr lang="en-US" dirty="0"/>
-              <a:t>All the </a:t>
-            </a:r>
-            <a:r>
-              <a:rPr lang="en-US" dirty="0" err="1"/>
-              <a:t>powershell</a:t>
-            </a:r>
-            <a:r>
-              <a:rPr lang="en-US" dirty="0"/>
-              <a:t> is</a:t>
+              <a:t>If</a:t>
             </a:r>
             <a:r>
               <a:rPr lang="en-US" baseline="0" dirty="0"/>
-              <a:t> really just another way to report or display data.  The power is being able to use that data </a:t>
-            </a:r>
-            <a:r>
-              <a:rPr lang="en-US" baseline="0"/>
-              <a:t>and integrate.  </a:t>
+              <a:t> you want to look at a migration project as a time breakdown, application packaging and rationalization should be take 90% of your time.  The task sequence or deployment method is easy, its been done a thousand times by a thousand different people.  You WILL figure out whatever you need to do deploy the actual operating system.  Trust me when I say that is the easy part.   </a:t>
             </a:r>
             <a:endParaRPr lang="en-US" dirty="0"/>
           </a:p>
@@ -1625,7 +1659,7 @@
     </p:spTree>
     <p:extLst>
       <p:ext uri="{BB962C8B-B14F-4D97-AF65-F5344CB8AC3E}">
-        <p14:creationId xmlns:p14="http://schemas.microsoft.com/office/powerpoint/2010/main" val="1498763631"/>
+        <p14:creationId xmlns:p14="http://schemas.microsoft.com/office/powerpoint/2010/main" val="1806650894"/>
       </p:ext>
     </p:extLst>
   </p:cSld>
@@ -1791,6 +1825,214 @@
     <p:extLst>
       <p:ext uri="{BB962C8B-B14F-4D97-AF65-F5344CB8AC3E}">
         <p14:creationId xmlns:p14="http://schemas.microsoft.com/office/powerpoint/2010/main" val="1476037109"/>
+      </p:ext>
+    </p:extLst>
+  </p:cSld>
+  <p:clrMapOvr>
+    <a:masterClrMapping/>
+  </p:clrMapOvr>
+</p:notes>
+</file>
+
+<file path=ppt/notesSlides/notesSlide20.xml><?xml version="1.0" encoding="utf-8"?>
+<p:notes xmlns:a="http://schemas.openxmlformats.org/drawingml/2006/main" xmlns:r="http://schemas.openxmlformats.org/officeDocument/2006/relationships" xmlns:p="http://schemas.openxmlformats.org/presentationml/2006/main">
+  <p:cSld>
+    <p:spTree>
+      <p:nvGrpSpPr>
+        <p:cNvPr id="1" name=""/>
+        <p:cNvGrpSpPr/>
+        <p:nvPr/>
+      </p:nvGrpSpPr>
+      <p:grpSpPr>
+        <a:xfrm>
+          <a:off x="0" y="0"/>
+          <a:ext cx="0" cy="0"/>
+          <a:chOff x="0" y="0"/>
+          <a:chExt cx="0" cy="0"/>
+        </a:xfrm>
+      </p:grpSpPr>
+      <p:sp>
+        <p:nvSpPr>
+          <p:cNvPr id="2" name="Slide Image Placeholder 1"/>
+          <p:cNvSpPr>
+            <a:spLocks noGrp="1" noRot="1" noChangeAspect="1"/>
+          </p:cNvSpPr>
+          <p:nvPr>
+            <p:ph type="sldImg"/>
+          </p:nvPr>
+        </p:nvSpPr>
+        <p:spPr/>
+      </p:sp>
+      <p:sp>
+        <p:nvSpPr>
+          <p:cNvPr id="3" name="Notes Placeholder 2"/>
+          <p:cNvSpPr>
+            <a:spLocks noGrp="1"/>
+          </p:cNvSpPr>
+          <p:nvPr>
+            <p:ph type="body" idx="1"/>
+          </p:nvPr>
+        </p:nvSpPr>
+        <p:spPr/>
+        <p:txBody>
+          <a:bodyPr/>
+          <a:lstStyle/>
+          <a:p>
+            <a:r>
+              <a:rPr lang="en-US" dirty="0"/>
+              <a:t>All the </a:t>
+            </a:r>
+            <a:r>
+              <a:rPr lang="en-US" dirty="0" err="1"/>
+              <a:t>powershell</a:t>
+            </a:r>
+            <a:r>
+              <a:rPr lang="en-US" dirty="0"/>
+              <a:t> is</a:t>
+            </a:r>
+            <a:r>
+              <a:rPr lang="en-US" baseline="0" dirty="0"/>
+              <a:t> really just another way to report or display data.  The power is being able to use that data </a:t>
+            </a:r>
+            <a:r>
+              <a:rPr lang="en-US" baseline="0"/>
+              <a:t>and integrate.  </a:t>
+            </a:r>
+            <a:endParaRPr lang="en-US" dirty="0"/>
+          </a:p>
+        </p:txBody>
+      </p:sp>
+      <p:sp>
+        <p:nvSpPr>
+          <p:cNvPr id="4" name="Slide Number Placeholder 3"/>
+          <p:cNvSpPr>
+            <a:spLocks noGrp="1"/>
+          </p:cNvSpPr>
+          <p:nvPr>
+            <p:ph type="sldNum" sz="quarter" idx="10"/>
+          </p:nvPr>
+        </p:nvSpPr>
+        <p:spPr/>
+        <p:txBody>
+          <a:bodyPr/>
+          <a:lstStyle/>
+          <a:p>
+            <a:fld id="{6AD7C417-D302-4BDC-AE7D-6A9679C5A3F5}" type="slidenum">
+              <a:rPr lang="en-US" smtClean="0"/>
+              <a:t>22</a:t>
+            </a:fld>
+            <a:endParaRPr lang="en-US"/>
+          </a:p>
+        </p:txBody>
+      </p:sp>
+    </p:spTree>
+    <p:extLst>
+      <p:ext uri="{BB962C8B-B14F-4D97-AF65-F5344CB8AC3E}">
+        <p14:creationId xmlns:p14="http://schemas.microsoft.com/office/powerpoint/2010/main" val="1498763631"/>
+      </p:ext>
+    </p:extLst>
+  </p:cSld>
+  <p:clrMapOvr>
+    <a:masterClrMapping/>
+  </p:clrMapOvr>
+</p:notes>
+</file>
+
+<file path=ppt/notesSlides/notesSlide21.xml><?xml version="1.0" encoding="utf-8"?>
+<p:notes xmlns:a="http://schemas.openxmlformats.org/drawingml/2006/main" xmlns:r="http://schemas.openxmlformats.org/officeDocument/2006/relationships" xmlns:p="http://schemas.openxmlformats.org/presentationml/2006/main">
+  <p:cSld>
+    <p:spTree>
+      <p:nvGrpSpPr>
+        <p:cNvPr id="1" name=""/>
+        <p:cNvGrpSpPr/>
+        <p:nvPr/>
+      </p:nvGrpSpPr>
+      <p:grpSpPr>
+        <a:xfrm>
+          <a:off x="0" y="0"/>
+          <a:ext cx="0" cy="0"/>
+          <a:chOff x="0" y="0"/>
+          <a:chExt cx="0" cy="0"/>
+        </a:xfrm>
+      </p:grpSpPr>
+      <p:sp>
+        <p:nvSpPr>
+          <p:cNvPr id="2" name="Slide Image Placeholder 1"/>
+          <p:cNvSpPr>
+            <a:spLocks noGrp="1" noRot="1" noChangeAspect="1"/>
+          </p:cNvSpPr>
+          <p:nvPr>
+            <p:ph type="sldImg"/>
+          </p:nvPr>
+        </p:nvSpPr>
+        <p:spPr/>
+      </p:sp>
+      <p:sp>
+        <p:nvSpPr>
+          <p:cNvPr id="3" name="Notes Placeholder 2"/>
+          <p:cNvSpPr>
+            <a:spLocks noGrp="1"/>
+          </p:cNvSpPr>
+          <p:nvPr>
+            <p:ph type="body" idx="1"/>
+          </p:nvPr>
+        </p:nvSpPr>
+        <p:spPr/>
+        <p:txBody>
+          <a:bodyPr/>
+          <a:lstStyle/>
+          <a:p>
+            <a:r>
+              <a:rPr lang="en-US" dirty="0"/>
+              <a:t>All the </a:t>
+            </a:r>
+            <a:r>
+              <a:rPr lang="en-US" dirty="0" err="1"/>
+              <a:t>powershell</a:t>
+            </a:r>
+            <a:r>
+              <a:rPr lang="en-US" dirty="0"/>
+              <a:t> is</a:t>
+            </a:r>
+            <a:r>
+              <a:rPr lang="en-US" baseline="0" dirty="0"/>
+              <a:t> really just another way to report or display data.  The power is being able to use that data </a:t>
+            </a:r>
+            <a:r>
+              <a:rPr lang="en-US" baseline="0"/>
+              <a:t>and integrate.  </a:t>
+            </a:r>
+            <a:endParaRPr lang="en-US" dirty="0"/>
+          </a:p>
+        </p:txBody>
+      </p:sp>
+      <p:sp>
+        <p:nvSpPr>
+          <p:cNvPr id="4" name="Slide Number Placeholder 3"/>
+          <p:cNvSpPr>
+            <a:spLocks noGrp="1"/>
+          </p:cNvSpPr>
+          <p:nvPr>
+            <p:ph type="sldNum" sz="quarter" idx="10"/>
+          </p:nvPr>
+        </p:nvSpPr>
+        <p:spPr/>
+        <p:txBody>
+          <a:bodyPr/>
+          <a:lstStyle/>
+          <a:p>
+            <a:fld id="{6AD7C417-D302-4BDC-AE7D-6A9679C5A3F5}" type="slidenum">
+              <a:rPr lang="en-US" smtClean="0"/>
+              <a:t>23</a:t>
+            </a:fld>
+            <a:endParaRPr lang="en-US"/>
+          </a:p>
+        </p:txBody>
+      </p:sp>
+    </p:spTree>
+    <p:extLst>
+      <p:ext uri="{BB962C8B-B14F-4D97-AF65-F5344CB8AC3E}">
+        <p14:creationId xmlns:p14="http://schemas.microsoft.com/office/powerpoint/2010/main" val="2463998485"/>
       </p:ext>
     </p:extLst>
   </p:cSld>
@@ -7684,10 +7926,6 @@
           </a:p>
           <a:p>
             <a:pPr lvl="1"/>
-            <a:endParaRPr lang="en-US" dirty="0"/>
-          </a:p>
-          <a:p>
-            <a:pPr lvl="1"/>
             <a:r>
               <a:rPr lang="en-US" dirty="0"/>
               <a:t>Does it get everything?  YES</a:t>
@@ -7699,7 +7937,15 @@
             </a:pPr>
             <a:r>
               <a:rPr lang="en-US" dirty="0"/>
-              <a:t>	Prove it!</a:t>
+              <a:t>	Prove it!	Analyzing </a:t>
+            </a:r>
+            <a:r>
+              <a:rPr lang="en-US" dirty="0" err="1"/>
+              <a:t>ConfigMgr</a:t>
+            </a:r>
+            <a:r>
+              <a:rPr lang="en-US" dirty="0"/>
+              <a:t> Installed Applications vs. Windows Upgrade Readiness showed 	shocking accuracy.  </a:t>
             </a:r>
           </a:p>
           <a:p>
@@ -7708,15 +7954,7 @@
             </a:pPr>
             <a:r>
               <a:rPr lang="en-US" dirty="0"/>
-              <a:t>	Analyzing </a:t>
-            </a:r>
-            <a:r>
-              <a:rPr lang="en-US" dirty="0" err="1"/>
-              <a:t>ConfigMgr</a:t>
-            </a:r>
-            <a:r>
-              <a:rPr lang="en-US" dirty="0"/>
-              <a:t> Installed Applications vs. Windows Upgrade Readiness showed shocking 	accuracy.  </a:t>
+              <a:t>	Security Updates are not included in WU</a:t>
             </a:r>
           </a:p>
           <a:p>
@@ -7725,7 +7963,7 @@
             </a:pPr>
             <a:r>
               <a:rPr lang="en-US" dirty="0"/>
-              <a:t>	Security Updates are not included in WU</a:t>
+              <a:t>	Microsoft Office, NI and other app suites shows as one item in WU.</a:t>
             </a:r>
           </a:p>
           <a:p>
@@ -7734,34 +7972,16 @@
             </a:pPr>
             <a:r>
               <a:rPr lang="en-US" dirty="0"/>
-              <a:t>	Microsoft Office shows only one time.</a:t>
-            </a:r>
-          </a:p>
-          <a:p>
-            <a:pPr marL="457200" lvl="1" indent="0">
-              <a:buNone/>
-            </a:pPr>
-            <a:r>
-              <a:rPr lang="en-US" dirty="0"/>
-              <a:t>	Windows </a:t>
-            </a:r>
-            <a:r>
-              <a:rPr lang="en-US" dirty="0" err="1"/>
-              <a:t>Updgrade</a:t>
-            </a:r>
-            <a:r>
-              <a:rPr lang="en-US" dirty="0"/>
-              <a:t> Readiness may finds things that </a:t>
+              <a:t>	Windows Upgrade Readiness may finds things that </a:t>
             </a:r>
             <a:r>
               <a:rPr lang="en-US" dirty="0" err="1"/>
               <a:t>ConfigMgr</a:t>
             </a:r>
             <a:r>
-              <a:rPr lang="en-US"/>
+              <a:rPr lang="en-US" dirty="0"/>
               <a:t> did not.  </a:t>
             </a:r>
-            <a:endParaRPr lang="en-US" dirty="0"/>
           </a:p>
           <a:p>
             <a:pPr lvl="1"/>
@@ -7872,6 +8092,30 @@
           </a:prstGeom>
         </p:spPr>
       </p:pic>
+      <p:pic>
+        <p:nvPicPr>
+          <p:cNvPr id="4" name="Picture 3"/>
+          <p:cNvPicPr>
+            <a:picLocks noChangeAspect="1"/>
+          </p:cNvPicPr>
+          <p:nvPr/>
+        </p:nvPicPr>
+        <p:blipFill>
+          <a:blip r:embed="rId4"/>
+          <a:stretch>
+            <a:fillRect/>
+          </a:stretch>
+        </p:blipFill>
+        <p:spPr>
+          <a:xfrm>
+            <a:off x="4928679" y="3005847"/>
+            <a:ext cx="5798239" cy="593387"/>
+          </a:xfrm>
+          <a:prstGeom prst="rect">
+            <a:avLst/>
+          </a:prstGeom>
+        </p:spPr>
+      </p:pic>
     </p:spTree>
     <p:extLst>
       <p:ext uri="{BB962C8B-B14F-4D97-AF65-F5344CB8AC3E}">
@@ -9197,7 +9441,7 @@
       </p:grpSpPr>
       <p:sp>
         <p:nvSpPr>
-          <p:cNvPr id="4" name="Title 3"/>
+          <p:cNvPr id="2" name="Title 1"/>
           <p:cNvSpPr>
             <a:spLocks noGrp="1"/>
           </p:cNvSpPr>
@@ -9212,19 +9456,19 @@
           <a:p>
             <a:r>
               <a:rPr lang="en-US" dirty="0"/>
-              <a:t>PowerShell and Automation</a:t>
+              <a:t>Query Notes</a:t>
             </a:r>
           </a:p>
         </p:txBody>
       </p:sp>
       <p:sp>
         <p:nvSpPr>
-          <p:cNvPr id="5" name="Text Placeholder 4"/>
+          <p:cNvPr id="3" name="Content Placeholder 2"/>
           <p:cNvSpPr>
             <a:spLocks noGrp="1"/>
           </p:cNvSpPr>
           <p:nvPr>
-            <p:ph type="body" idx="1"/>
+            <p:ph idx="1"/>
           </p:nvPr>
         </p:nvSpPr>
         <p:spPr/>
@@ -9232,17 +9476,120 @@
           <a:bodyPr/>
           <a:lstStyle/>
           <a:p>
-            <a:r>
-              <a:rPr lang="en-US" dirty="0"/>
-              <a:t>The way to get extra credit on your migration project.</a:t>
-            </a:r>
+            <a:pPr marL="1371600" lvl="3" indent="0">
+              <a:buNone/>
+            </a:pPr>
+            <a:endParaRPr lang="en-US" dirty="0"/>
+          </a:p>
+          <a:p>
+            <a:pPr marL="1371600" lvl="3" indent="0">
+              <a:buNone/>
+            </a:pPr>
+            <a:r>
+              <a:rPr lang="en-US" dirty="0"/>
+              <a:t>Have more than 5000 apps? Append “| Skip 5000” to your query to get items 5,001 – 10,000</a:t>
+            </a:r>
+          </a:p>
+          <a:p>
+            <a:pPr marL="1371600" lvl="3" indent="0">
+              <a:buNone/>
+            </a:pPr>
+            <a:endParaRPr lang="en-US" dirty="0"/>
+          </a:p>
+          <a:p>
+            <a:pPr marL="1371600" lvl="3" indent="0">
+              <a:buNone/>
+            </a:pPr>
+            <a:r>
+              <a:rPr lang="en-US" dirty="0"/>
+              <a:t>Using | Measure will only return 5000 items, even in the console…  </a:t>
+            </a:r>
+          </a:p>
+          <a:p>
+            <a:pPr marL="1371600" lvl="3" indent="0">
+              <a:buNone/>
+            </a:pPr>
+            <a:r>
+              <a:rPr lang="en-US" dirty="0"/>
+              <a:t>	[query] | measure count() by </a:t>
+            </a:r>
+            <a:r>
+              <a:rPr lang="en-US" dirty="0" err="1"/>
+              <a:t>AppName</a:t>
+            </a:r>
+            <a:r>
+              <a:rPr lang="en-US" dirty="0"/>
+              <a:t> | skip 5000 </a:t>
+            </a:r>
+          </a:p>
+          <a:p>
+            <a:pPr marL="1371600" lvl="3" indent="0">
+              <a:buNone/>
+            </a:pPr>
+            <a:r>
+              <a:rPr lang="en-US" dirty="0"/>
+              <a:t>	will return 0 records.</a:t>
+            </a:r>
+          </a:p>
+          <a:p>
+            <a:pPr marL="1371600" lvl="3" indent="0">
+              <a:buNone/>
+            </a:pPr>
+            <a:endParaRPr lang="en-US" dirty="0"/>
+          </a:p>
+          <a:p>
+            <a:pPr marL="1371600" lvl="3" indent="0">
+              <a:buNone/>
+            </a:pPr>
+            <a:r>
+              <a:rPr lang="en-US" dirty="0"/>
+              <a:t>You can use wildcards.  i.e. </a:t>
+            </a:r>
+            <a:r>
+              <a:rPr lang="en-US" dirty="0" err="1"/>
+              <a:t>AppName</a:t>
+            </a:r>
+            <a:r>
+              <a:rPr lang="en-US" dirty="0"/>
+              <a:t> = *Adobe*</a:t>
+            </a:r>
+          </a:p>
+          <a:p>
+            <a:pPr marL="1371600" lvl="3" indent="0">
+              <a:buNone/>
+            </a:pPr>
+            <a:endParaRPr lang="en-US" dirty="0"/>
           </a:p>
         </p:txBody>
       </p:sp>
+      <p:pic>
+        <p:nvPicPr>
+          <p:cNvPr id="5" name="Picture 4"/>
+          <p:cNvPicPr>
+            <a:picLocks noChangeAspect="1"/>
+          </p:cNvPicPr>
+          <p:nvPr/>
+        </p:nvPicPr>
+        <p:blipFill>
+          <a:blip r:embed="rId3"/>
+          <a:stretch>
+            <a:fillRect/>
+          </a:stretch>
+        </p:blipFill>
+        <p:spPr>
+          <a:xfrm>
+            <a:off x="2114246" y="4011647"/>
+            <a:ext cx="4733925" cy="819150"/>
+          </a:xfrm>
+          <a:prstGeom prst="rect">
+            <a:avLst/>
+          </a:prstGeom>
+        </p:spPr>
+      </p:pic>
     </p:spTree>
     <p:extLst>
       <p:ext uri="{BB962C8B-B14F-4D97-AF65-F5344CB8AC3E}">
-        <p14:creationId xmlns:p14="http://schemas.microsoft.com/office/powerpoint/2010/main" val="4025223944"/>
+        <p14:creationId xmlns:p14="http://schemas.microsoft.com/office/powerpoint/2010/main" val="1387224317"/>
       </p:ext>
     </p:extLst>
   </p:cSld>
@@ -9271,6 +9618,80 @@
       </p:grpSpPr>
       <p:sp>
         <p:nvSpPr>
+          <p:cNvPr id="4" name="Title 3"/>
+          <p:cNvSpPr>
+            <a:spLocks noGrp="1"/>
+          </p:cNvSpPr>
+          <p:nvPr>
+            <p:ph type="title"/>
+          </p:nvPr>
+        </p:nvSpPr>
+        <p:spPr/>
+        <p:txBody>
+          <a:bodyPr/>
+          <a:lstStyle/>
+          <a:p>
+            <a:r>
+              <a:rPr lang="en-US" dirty="0"/>
+              <a:t>PowerShell and Automation</a:t>
+            </a:r>
+          </a:p>
+        </p:txBody>
+      </p:sp>
+      <p:sp>
+        <p:nvSpPr>
+          <p:cNvPr id="5" name="Text Placeholder 4"/>
+          <p:cNvSpPr>
+            <a:spLocks noGrp="1"/>
+          </p:cNvSpPr>
+          <p:nvPr>
+            <p:ph type="body" idx="1"/>
+          </p:nvPr>
+        </p:nvSpPr>
+        <p:spPr/>
+        <p:txBody>
+          <a:bodyPr/>
+          <a:lstStyle/>
+          <a:p>
+            <a:r>
+              <a:rPr lang="en-US" dirty="0"/>
+              <a:t>The way to get extra credit on your migration project.</a:t>
+            </a:r>
+          </a:p>
+        </p:txBody>
+      </p:sp>
+    </p:spTree>
+    <p:extLst>
+      <p:ext uri="{BB962C8B-B14F-4D97-AF65-F5344CB8AC3E}">
+        <p14:creationId xmlns:p14="http://schemas.microsoft.com/office/powerpoint/2010/main" val="4025223944"/>
+      </p:ext>
+    </p:extLst>
+  </p:cSld>
+  <p:clrMapOvr>
+    <a:masterClrMapping/>
+  </p:clrMapOvr>
+</p:sld>
+</file>
+
+<file path=ppt/slides/slide22.xml><?xml version="1.0" encoding="utf-8"?>
+<p:sld xmlns:a="http://schemas.openxmlformats.org/drawingml/2006/main" xmlns:r="http://schemas.openxmlformats.org/officeDocument/2006/relationships" xmlns:p="http://schemas.openxmlformats.org/presentationml/2006/main">
+  <p:cSld>
+    <p:spTree>
+      <p:nvGrpSpPr>
+        <p:cNvPr id="1" name=""/>
+        <p:cNvGrpSpPr/>
+        <p:nvPr/>
+      </p:nvGrpSpPr>
+      <p:grpSpPr>
+        <a:xfrm>
+          <a:off x="0" y="0"/>
+          <a:ext cx="0" cy="0"/>
+          <a:chOff x="0" y="0"/>
+          <a:chExt cx="0" cy="0"/>
+        </a:xfrm>
+      </p:grpSpPr>
+      <p:sp>
+        <p:nvSpPr>
           <p:cNvPr id="2" name="Title 1"/>
           <p:cNvSpPr>
             <a:spLocks noGrp="1"/>
@@ -9389,7 +9810,98 @@
 </p:sld>
 </file>
 
-<file path=ppt/slides/slide22.xml><?xml version="1.0" encoding="utf-8"?>
+<file path=ppt/slides/slide23.xml><?xml version="1.0" encoding="utf-8"?>
+<p:sld xmlns:a="http://schemas.openxmlformats.org/drawingml/2006/main" xmlns:r="http://schemas.openxmlformats.org/officeDocument/2006/relationships" xmlns:p="http://schemas.openxmlformats.org/presentationml/2006/main">
+  <p:cSld>
+    <p:spTree>
+      <p:nvGrpSpPr>
+        <p:cNvPr id="1" name=""/>
+        <p:cNvGrpSpPr/>
+        <p:nvPr/>
+      </p:nvGrpSpPr>
+      <p:grpSpPr>
+        <a:xfrm>
+          <a:off x="0" y="0"/>
+          <a:ext cx="0" cy="0"/>
+          <a:chOff x="0" y="0"/>
+          <a:chExt cx="0" cy="0"/>
+        </a:xfrm>
+      </p:grpSpPr>
+      <p:sp>
+        <p:nvSpPr>
+          <p:cNvPr id="2" name="Title 1"/>
+          <p:cNvSpPr>
+            <a:spLocks noGrp="1"/>
+          </p:cNvSpPr>
+          <p:nvPr>
+            <p:ph type="title"/>
+          </p:nvPr>
+        </p:nvSpPr>
+        <p:spPr/>
+        <p:txBody>
+          <a:bodyPr/>
+          <a:lstStyle/>
+          <a:p>
+            <a:r>
+              <a:rPr lang="en-US" dirty="0"/>
+              <a:t>PowerShell</a:t>
+            </a:r>
+          </a:p>
+        </p:txBody>
+      </p:sp>
+      <p:sp>
+        <p:nvSpPr>
+          <p:cNvPr id="3" name="Content Placeholder 2"/>
+          <p:cNvSpPr>
+            <a:spLocks noGrp="1"/>
+          </p:cNvSpPr>
+          <p:nvPr>
+            <p:ph idx="1"/>
+          </p:nvPr>
+        </p:nvSpPr>
+        <p:spPr/>
+        <p:txBody>
+          <a:bodyPr/>
+          <a:lstStyle/>
+          <a:p>
+            <a:pPr marL="457200" lvl="1" indent="0">
+              <a:buNone/>
+            </a:pPr>
+            <a:r>
+              <a:rPr lang="en-US" dirty="0"/>
+              <a:t>5000 item limits, even in </a:t>
+            </a:r>
+            <a:r>
+              <a:rPr lang="en-US" dirty="0" err="1"/>
+              <a:t>powershell</a:t>
+            </a:r>
+            <a:r>
+              <a:rPr lang="en-US" dirty="0"/>
+              <a:t>.</a:t>
+            </a:r>
+          </a:p>
+          <a:p>
+            <a:pPr marL="457200" lvl="1" indent="0">
+              <a:buNone/>
+            </a:pPr>
+            <a:endParaRPr lang="en-US" dirty="0"/>
+          </a:p>
+        </p:txBody>
+      </p:sp>
+    </p:spTree>
+    <p:extLst>
+      <p:ext uri="{BB962C8B-B14F-4D97-AF65-F5344CB8AC3E}">
+        <p14:creationId xmlns:p14="http://schemas.microsoft.com/office/powerpoint/2010/main" val="3111545283"/>
+      </p:ext>
+    </p:extLst>
+  </p:cSld>
+  <p:clrMapOvr>
+    <a:masterClrMapping/>
+  </p:clrMapOvr>
+</p:sld>
+</file>
+
+<file path=ppt/slides/slide24.xml><?xml version="1.0" encoding="utf-8"?>
 <p:sld xmlns:a="http://schemas.openxmlformats.org/drawingml/2006/main" xmlns:r="http://schemas.openxmlformats.org/officeDocument/2006/relationships" xmlns:p="http://schemas.openxmlformats.org/presentationml/2006/main">
   <p:cSld>
     <p:spTree>
@@ -9419,7 +9931,7 @@
 </p:sld>
 </file>
 
-<file path=ppt/slides/slide23.xml><?xml version="1.0" encoding="utf-8"?>
+<file path=ppt/slides/slide25.xml><?xml version="1.0" encoding="utf-8"?>
 <p:sld xmlns:a="http://schemas.openxmlformats.org/drawingml/2006/main" xmlns:r="http://schemas.openxmlformats.org/officeDocument/2006/relationships" xmlns:p="http://schemas.openxmlformats.org/presentationml/2006/main">
   <p:cSld>
     <p:spTree>
@@ -9516,178 +10028,6 @@
     <p:extLst>
       <p:ext uri="{BB962C8B-B14F-4D97-AF65-F5344CB8AC3E}">
         <p14:creationId xmlns:p14="http://schemas.microsoft.com/office/powerpoint/2010/main" val="525927402"/>
-      </p:ext>
-    </p:extLst>
-  </p:cSld>
-  <p:clrMapOvr>
-    <a:masterClrMapping/>
-  </p:clrMapOvr>
-</p:sld>
-</file>
-
-<file path=ppt/slides/slide24.xml><?xml version="1.0" encoding="utf-8"?>
-<p:sld xmlns:a="http://schemas.openxmlformats.org/drawingml/2006/main" xmlns:r="http://schemas.openxmlformats.org/officeDocument/2006/relationships" xmlns:p="http://schemas.openxmlformats.org/presentationml/2006/main" show="0">
-  <p:cSld>
-    <p:spTree>
-      <p:nvGrpSpPr>
-        <p:cNvPr id="1" name=""/>
-        <p:cNvGrpSpPr/>
-        <p:nvPr/>
-      </p:nvGrpSpPr>
-      <p:grpSpPr>
-        <a:xfrm>
-          <a:off x="0" y="0"/>
-          <a:ext cx="0" cy="0"/>
-          <a:chOff x="0" y="0"/>
-          <a:chExt cx="0" cy="0"/>
-        </a:xfrm>
-      </p:grpSpPr>
-      <p:sp>
-        <p:nvSpPr>
-          <p:cNvPr id="4" name="Title 3"/>
-          <p:cNvSpPr>
-            <a:spLocks noGrp="1"/>
-          </p:cNvSpPr>
-          <p:nvPr>
-            <p:ph type="title"/>
-          </p:nvPr>
-        </p:nvSpPr>
-        <p:spPr/>
-        <p:txBody>
-          <a:bodyPr/>
-          <a:lstStyle/>
-          <a:p>
-            <a:r>
-              <a:rPr lang="en-US" dirty="0"/>
-              <a:t>Section Header</a:t>
-            </a:r>
-          </a:p>
-        </p:txBody>
-      </p:sp>
-      <p:sp>
-        <p:nvSpPr>
-          <p:cNvPr id="5" name="Text Placeholder 4"/>
-          <p:cNvSpPr>
-            <a:spLocks noGrp="1"/>
-          </p:cNvSpPr>
-          <p:nvPr>
-            <p:ph type="body" idx="1"/>
-          </p:nvPr>
-        </p:nvSpPr>
-        <p:spPr/>
-        <p:txBody>
-          <a:bodyPr/>
-          <a:lstStyle/>
-          <a:p>
-            <a:r>
-              <a:rPr lang="en-US" dirty="0"/>
-              <a:t>This is the next section</a:t>
-            </a:r>
-          </a:p>
-        </p:txBody>
-      </p:sp>
-    </p:spTree>
-    <p:extLst>
-      <p:ext uri="{BB962C8B-B14F-4D97-AF65-F5344CB8AC3E}">
-        <p14:creationId xmlns:p14="http://schemas.microsoft.com/office/powerpoint/2010/main" val="1657553323"/>
-      </p:ext>
-    </p:extLst>
-  </p:cSld>
-  <p:clrMapOvr>
-    <a:masterClrMapping/>
-  </p:clrMapOvr>
-</p:sld>
-</file>
-
-<file path=ppt/slides/slide25.xml><?xml version="1.0" encoding="utf-8"?>
-<p:sld xmlns:a="http://schemas.openxmlformats.org/drawingml/2006/main" xmlns:r="http://schemas.openxmlformats.org/officeDocument/2006/relationships" xmlns:p="http://schemas.openxmlformats.org/presentationml/2006/main" show="0">
-  <p:cSld>
-    <p:spTree>
-      <p:nvGrpSpPr>
-        <p:cNvPr id="1" name=""/>
-        <p:cNvGrpSpPr/>
-        <p:nvPr/>
-      </p:nvGrpSpPr>
-      <p:grpSpPr>
-        <a:xfrm>
-          <a:off x="0" y="0"/>
-          <a:ext cx="0" cy="0"/>
-          <a:chOff x="0" y="0"/>
-          <a:chExt cx="0" cy="0"/>
-        </a:xfrm>
-      </p:grpSpPr>
-      <p:sp>
-        <p:nvSpPr>
-          <p:cNvPr id="2" name="Title 1"/>
-          <p:cNvSpPr>
-            <a:spLocks noGrp="1"/>
-          </p:cNvSpPr>
-          <p:nvPr>
-            <p:ph type="title"/>
-          </p:nvPr>
-        </p:nvSpPr>
-        <p:spPr/>
-        <p:txBody>
-          <a:bodyPr/>
-          <a:lstStyle/>
-          <a:p>
-            <a:r>
-              <a:rPr lang="en-US" dirty="0"/>
-              <a:t>Title</a:t>
-            </a:r>
-          </a:p>
-        </p:txBody>
-      </p:sp>
-      <p:sp>
-        <p:nvSpPr>
-          <p:cNvPr id="3" name="Content Placeholder 2"/>
-          <p:cNvSpPr>
-            <a:spLocks noGrp="1"/>
-          </p:cNvSpPr>
-          <p:nvPr>
-            <p:ph idx="1"/>
-          </p:nvPr>
-        </p:nvSpPr>
-        <p:spPr/>
-        <p:txBody>
-          <a:bodyPr/>
-          <a:lstStyle/>
-          <a:p>
-            <a:r>
-              <a:rPr lang="en-US" dirty="0"/>
-              <a:t>Line1</a:t>
-            </a:r>
-          </a:p>
-          <a:p>
-            <a:pPr lvl="1"/>
-            <a:r>
-              <a:rPr lang="en-US" dirty="0"/>
-              <a:t>Bullet Level 1</a:t>
-            </a:r>
-          </a:p>
-          <a:p>
-            <a:pPr lvl="2"/>
-            <a:r>
-              <a:rPr lang="en-US" dirty="0"/>
-              <a:t>Bullet Level 2</a:t>
-            </a:r>
-          </a:p>
-          <a:p>
-            <a:pPr lvl="3"/>
-            <a:r>
-              <a:rPr lang="en-US" dirty="0"/>
-              <a:t>Bullet Level 3</a:t>
-            </a:r>
-          </a:p>
-          <a:p>
-            <a:endParaRPr lang="en-US" dirty="0"/>
-          </a:p>
-        </p:txBody>
-      </p:sp>
-    </p:spTree>
-    <p:extLst>
-      <p:ext uri="{BB962C8B-B14F-4D97-AF65-F5344CB8AC3E}">
-        <p14:creationId xmlns:p14="http://schemas.microsoft.com/office/powerpoint/2010/main" val="912164160"/>
       </p:ext>
     </p:extLst>
   </p:cSld>
@@ -9731,19 +10071,19 @@
           <a:p>
             <a:r>
               <a:rPr lang="en-US" dirty="0"/>
-              <a:t>Title</a:t>
+              <a:t>Section Header</a:t>
             </a:r>
           </a:p>
         </p:txBody>
       </p:sp>
       <p:sp>
         <p:nvSpPr>
-          <p:cNvPr id="5" name="Content Placeholder 4"/>
+          <p:cNvPr id="5" name="Text Placeholder 4"/>
           <p:cNvSpPr>
             <a:spLocks noGrp="1"/>
           </p:cNvSpPr>
           <p:nvPr>
-            <p:ph idx="1"/>
+            <p:ph type="body" idx="1"/>
           </p:nvPr>
         </p:nvSpPr>
         <p:spPr/>
@@ -9753,7 +10093,7 @@
           <a:p>
             <a:r>
               <a:rPr lang="en-US" dirty="0"/>
-              <a:t>Code</a:t>
+              <a:t>This is the next section</a:t>
             </a:r>
           </a:p>
         </p:txBody>
@@ -9761,7 +10101,7 @@
     </p:spTree>
     <p:extLst>
       <p:ext uri="{BB962C8B-B14F-4D97-AF65-F5344CB8AC3E}">
-        <p14:creationId xmlns:p14="http://schemas.microsoft.com/office/powerpoint/2010/main" val="1895725814"/>
+        <p14:creationId xmlns:p14="http://schemas.microsoft.com/office/powerpoint/2010/main" val="1657553323"/>
       </p:ext>
     </p:extLst>
   </p:cSld>
@@ -9790,7 +10130,29 @@
       </p:grpSpPr>
       <p:sp>
         <p:nvSpPr>
-          <p:cNvPr id="4" name="Content Placeholder 3"/>
+          <p:cNvPr id="2" name="Title 1"/>
+          <p:cNvSpPr>
+            <a:spLocks noGrp="1"/>
+          </p:cNvSpPr>
+          <p:nvPr>
+            <p:ph type="title"/>
+          </p:nvPr>
+        </p:nvSpPr>
+        <p:spPr/>
+        <p:txBody>
+          <a:bodyPr/>
+          <a:lstStyle/>
+          <a:p>
+            <a:r>
+              <a:rPr lang="en-US" dirty="0"/>
+              <a:t>Title</a:t>
+            </a:r>
+          </a:p>
+        </p:txBody>
+      </p:sp>
+      <p:sp>
+        <p:nvSpPr>
+          <p:cNvPr id="3" name="Content Placeholder 2"/>
           <p:cNvSpPr>
             <a:spLocks noGrp="1"/>
           </p:cNvSpPr>
@@ -9805,36 +10167,39 @@
           <a:p>
             <a:r>
               <a:rPr lang="en-US" dirty="0"/>
-              <a:t>Text Only with Border</a:t>
+              <a:t>Line1</a:t>
             </a:r>
           </a:p>
           <a:p>
             <a:pPr lvl="1"/>
             <a:r>
               <a:rPr lang="en-US" dirty="0"/>
-              <a:t>Level 1</a:t>
+              <a:t>Bullet Level 1</a:t>
             </a:r>
           </a:p>
           <a:p>
             <a:pPr lvl="2"/>
             <a:r>
               <a:rPr lang="en-US" dirty="0"/>
-              <a:t>Level 2 </a:t>
+              <a:t>Bullet Level 2</a:t>
             </a:r>
           </a:p>
           <a:p>
             <a:pPr lvl="3"/>
             <a:r>
               <a:rPr lang="en-US" dirty="0"/>
-              <a:t>Level 3</a:t>
-            </a:r>
+              <a:t>Bullet Level 3</a:t>
+            </a:r>
+          </a:p>
+          <a:p>
+            <a:endParaRPr lang="en-US" dirty="0"/>
           </a:p>
         </p:txBody>
       </p:sp>
     </p:spTree>
     <p:extLst>
       <p:ext uri="{BB962C8B-B14F-4D97-AF65-F5344CB8AC3E}">
-        <p14:creationId xmlns:p14="http://schemas.microsoft.com/office/powerpoint/2010/main" val="659284950"/>
+        <p14:creationId xmlns:p14="http://schemas.microsoft.com/office/powerpoint/2010/main" val="912164160"/>
       </p:ext>
     </p:extLst>
   </p:cSld>
@@ -9863,7 +10228,29 @@
       </p:grpSpPr>
       <p:sp>
         <p:nvSpPr>
-          <p:cNvPr id="3" name="Content Placeholder 2"/>
+          <p:cNvPr id="4" name="Title 3"/>
+          <p:cNvSpPr>
+            <a:spLocks noGrp="1"/>
+          </p:cNvSpPr>
+          <p:nvPr>
+            <p:ph type="title"/>
+          </p:nvPr>
+        </p:nvSpPr>
+        <p:spPr/>
+        <p:txBody>
+          <a:bodyPr/>
+          <a:lstStyle/>
+          <a:p>
+            <a:r>
+              <a:rPr lang="en-US" dirty="0"/>
+              <a:t>Title</a:t>
+            </a:r>
+          </a:p>
+        </p:txBody>
+      </p:sp>
+      <p:sp>
+        <p:nvSpPr>
+          <p:cNvPr id="5" name="Content Placeholder 4"/>
           <p:cNvSpPr>
             <a:spLocks noGrp="1"/>
           </p:cNvSpPr>
@@ -9878,28 +10265,7 @@
           <a:p>
             <a:r>
               <a:rPr lang="en-US" dirty="0"/>
-              <a:t>Text Only (Red)</a:t>
-            </a:r>
-          </a:p>
-          <a:p>
-            <a:pPr lvl="1"/>
-            <a:r>
-              <a:rPr lang="en-US" dirty="0"/>
-              <a:t>Level 1</a:t>
-            </a:r>
-          </a:p>
-          <a:p>
-            <a:pPr lvl="2"/>
-            <a:r>
-              <a:rPr lang="en-US" dirty="0"/>
-              <a:t>Level 2</a:t>
-            </a:r>
-          </a:p>
-          <a:p>
-            <a:pPr lvl="3"/>
-            <a:r>
-              <a:rPr lang="en-US" dirty="0"/>
-              <a:t>Level 3</a:t>
+              <a:t>Code</a:t>
             </a:r>
           </a:p>
         </p:txBody>
@@ -9907,7 +10273,7 @@
     </p:spTree>
     <p:extLst>
       <p:ext uri="{BB962C8B-B14F-4D97-AF65-F5344CB8AC3E}">
-        <p14:creationId xmlns:p14="http://schemas.microsoft.com/office/powerpoint/2010/main" val="2094311673"/>
+        <p14:creationId xmlns:p14="http://schemas.microsoft.com/office/powerpoint/2010/main" val="1895725814"/>
       </p:ext>
     </p:extLst>
   </p:cSld>
@@ -9936,34 +10302,12 @@
       </p:grpSpPr>
       <p:sp>
         <p:nvSpPr>
-          <p:cNvPr id="3" name="Title 2"/>
-          <p:cNvSpPr>
-            <a:spLocks noGrp="1"/>
-          </p:cNvSpPr>
-          <p:nvPr>
-            <p:ph type="title"/>
-          </p:nvPr>
-        </p:nvSpPr>
-        <p:spPr/>
-        <p:txBody>
-          <a:bodyPr/>
-          <a:lstStyle/>
-          <a:p>
-            <a:r>
-              <a:rPr lang="en-US" dirty="0"/>
-              <a:t>Title</a:t>
-            </a:r>
-          </a:p>
-        </p:txBody>
-      </p:sp>
-      <p:sp>
-        <p:nvSpPr>
           <p:cNvPr id="4" name="Content Placeholder 3"/>
           <p:cNvSpPr>
             <a:spLocks noGrp="1"/>
           </p:cNvSpPr>
           <p:nvPr>
-            <p:ph sz="half" idx="1"/>
+            <p:ph idx="1"/>
           </p:nvPr>
         </p:nvSpPr>
         <p:spPr/>
@@ -9973,7 +10317,7 @@
           <a:p>
             <a:r>
               <a:rPr lang="en-US" dirty="0"/>
-              <a:t>Text 1</a:t>
+              <a:t>Text Only with Border</a:t>
             </a:r>
           </a:p>
           <a:p>
@@ -9987,7 +10331,7 @@
             <a:pPr lvl="2"/>
             <a:r>
               <a:rPr lang="en-US" dirty="0"/>
-              <a:t>Level 2</a:t>
+              <a:t>Level 2 </a:t>
             </a:r>
           </a:p>
           <a:p>
@@ -9996,62 +10340,13 @@
               <a:rPr lang="en-US" dirty="0"/>
               <a:t>Level 3</a:t>
             </a:r>
-          </a:p>
-          <a:p>
-            <a:endParaRPr lang="en-US" dirty="0"/>
-          </a:p>
-        </p:txBody>
-      </p:sp>
-      <p:sp>
-        <p:nvSpPr>
-          <p:cNvPr id="5" name="Content Placeholder 4"/>
-          <p:cNvSpPr>
-            <a:spLocks noGrp="1"/>
-          </p:cNvSpPr>
-          <p:nvPr>
-            <p:ph sz="half" idx="2"/>
-          </p:nvPr>
-        </p:nvSpPr>
-        <p:spPr/>
-        <p:txBody>
-          <a:bodyPr/>
-          <a:lstStyle/>
-          <a:p>
-            <a:r>
-              <a:rPr lang="en-US" dirty="0"/>
-              <a:t>Text 2</a:t>
-            </a:r>
-          </a:p>
-          <a:p>
-            <a:pPr lvl="1"/>
-            <a:r>
-              <a:rPr lang="en-US" dirty="0"/>
-              <a:t>Level 1</a:t>
-            </a:r>
-          </a:p>
-          <a:p>
-            <a:pPr lvl="2"/>
-            <a:r>
-              <a:rPr lang="en-US" dirty="0"/>
-              <a:t>Level 2</a:t>
-            </a:r>
-          </a:p>
-          <a:p>
-            <a:pPr lvl="3"/>
-            <a:r>
-              <a:rPr lang="en-US" dirty="0"/>
-              <a:t>Level 3</a:t>
-            </a:r>
-          </a:p>
-          <a:p>
-            <a:endParaRPr lang="en-US" dirty="0"/>
           </a:p>
         </p:txBody>
       </p:sp>
     </p:spTree>
     <p:extLst>
       <p:ext uri="{BB962C8B-B14F-4D97-AF65-F5344CB8AC3E}">
-        <p14:creationId xmlns:p14="http://schemas.microsoft.com/office/powerpoint/2010/main" val="2554539812"/>
+        <p14:creationId xmlns:p14="http://schemas.microsoft.com/office/powerpoint/2010/main" val="659284950"/>
       </p:ext>
     </p:extLst>
   </p:cSld>
@@ -10157,12 +10452,12 @@
       </p:grpSpPr>
       <p:sp>
         <p:nvSpPr>
-          <p:cNvPr id="6" name="Text Placeholder 5"/>
+          <p:cNvPr id="3" name="Content Placeholder 2"/>
           <p:cNvSpPr>
             <a:spLocks noGrp="1"/>
           </p:cNvSpPr>
           <p:nvPr>
-            <p:ph type="body" idx="1"/>
+            <p:ph idx="1"/>
           </p:nvPr>
         </p:nvSpPr>
         <p:spPr/>
@@ -10172,29 +10467,7 @@
           <a:p>
             <a:r>
               <a:rPr lang="en-US" dirty="0"/>
-              <a:t>Section 1</a:t>
-            </a:r>
-          </a:p>
-        </p:txBody>
-      </p:sp>
-      <p:sp>
-        <p:nvSpPr>
-          <p:cNvPr id="7" name="Content Placeholder 6"/>
-          <p:cNvSpPr>
-            <a:spLocks noGrp="1"/>
-          </p:cNvSpPr>
-          <p:nvPr>
-            <p:ph sz="half" idx="2"/>
-          </p:nvPr>
-        </p:nvSpPr>
-        <p:spPr/>
-        <p:txBody>
-          <a:bodyPr/>
-          <a:lstStyle/>
-          <a:p>
-            <a:r>
-              <a:rPr lang="en-US" dirty="0"/>
-              <a:t>Text</a:t>
+              <a:t>Text Only (Red)</a:t>
             </a:r>
           </a:p>
           <a:p>
@@ -10216,99 +10489,6 @@
             <a:r>
               <a:rPr lang="en-US" dirty="0"/>
               <a:t>Level 3</a:t>
-            </a:r>
-          </a:p>
-          <a:p>
-            <a:endParaRPr lang="en-US" dirty="0"/>
-          </a:p>
-        </p:txBody>
-      </p:sp>
-      <p:sp>
-        <p:nvSpPr>
-          <p:cNvPr id="8" name="Text Placeholder 7"/>
-          <p:cNvSpPr>
-            <a:spLocks noGrp="1"/>
-          </p:cNvSpPr>
-          <p:nvPr>
-            <p:ph type="body" sz="quarter" idx="3"/>
-          </p:nvPr>
-        </p:nvSpPr>
-        <p:spPr/>
-        <p:txBody>
-          <a:bodyPr/>
-          <a:lstStyle/>
-          <a:p>
-            <a:r>
-              <a:rPr lang="en-US" dirty="0"/>
-              <a:t>Section 2</a:t>
-            </a:r>
-          </a:p>
-        </p:txBody>
-      </p:sp>
-      <p:sp>
-        <p:nvSpPr>
-          <p:cNvPr id="9" name="Content Placeholder 8"/>
-          <p:cNvSpPr>
-            <a:spLocks noGrp="1"/>
-          </p:cNvSpPr>
-          <p:nvPr>
-            <p:ph sz="quarter" idx="4"/>
-          </p:nvPr>
-        </p:nvSpPr>
-        <p:spPr/>
-        <p:txBody>
-          <a:bodyPr/>
-          <a:lstStyle/>
-          <a:p>
-            <a:r>
-              <a:rPr lang="en-US" dirty="0"/>
-              <a:t>Text</a:t>
-            </a:r>
-          </a:p>
-          <a:p>
-            <a:pPr lvl="1"/>
-            <a:r>
-              <a:rPr lang="en-US" dirty="0"/>
-              <a:t>Level 1</a:t>
-            </a:r>
-          </a:p>
-          <a:p>
-            <a:pPr lvl="2"/>
-            <a:r>
-              <a:rPr lang="en-US" dirty="0"/>
-              <a:t>Level 2</a:t>
-            </a:r>
-          </a:p>
-          <a:p>
-            <a:pPr lvl="3"/>
-            <a:r>
-              <a:rPr lang="en-US" dirty="0"/>
-              <a:t>Level 3</a:t>
-            </a:r>
-          </a:p>
-          <a:p>
-            <a:endParaRPr lang="en-US" dirty="0"/>
-          </a:p>
-        </p:txBody>
-      </p:sp>
-      <p:sp>
-        <p:nvSpPr>
-          <p:cNvPr id="5" name="Title 4"/>
-          <p:cNvSpPr>
-            <a:spLocks noGrp="1"/>
-          </p:cNvSpPr>
-          <p:nvPr>
-            <p:ph type="title"/>
-          </p:nvPr>
-        </p:nvSpPr>
-        <p:spPr/>
-        <p:txBody>
-          <a:bodyPr/>
-          <a:lstStyle/>
-          <a:p>
-            <a:r>
-              <a:rPr lang="en-US" dirty="0"/>
-              <a:t>Title</a:t>
             </a:r>
           </a:p>
         </p:txBody>
@@ -10316,7 +10496,7 @@
     </p:spTree>
     <p:extLst>
       <p:ext uri="{BB962C8B-B14F-4D97-AF65-F5344CB8AC3E}">
-        <p14:creationId xmlns:p14="http://schemas.microsoft.com/office/powerpoint/2010/main" val="3003455065"/>
+        <p14:creationId xmlns:p14="http://schemas.microsoft.com/office/powerpoint/2010/main" val="2094311673"/>
       </p:ext>
     </p:extLst>
   </p:cSld>
@@ -10345,12 +10525,12 @@
       </p:grpSpPr>
       <p:sp>
         <p:nvSpPr>
-          <p:cNvPr id="7" name="Text Placeholder 6"/>
+          <p:cNvPr id="3" name="Title 2"/>
           <p:cNvSpPr>
             <a:spLocks noGrp="1"/>
           </p:cNvSpPr>
           <p:nvPr>
-            <p:ph type="body" idx="1"/>
+            <p:ph type="title"/>
           </p:nvPr>
         </p:nvSpPr>
         <p:spPr/>
@@ -10360,15 +10540,107 @@
           <a:p>
             <a:r>
               <a:rPr lang="en-US" dirty="0"/>
-              <a:t>Demo Title</a:t>
-            </a:r>
+              <a:t>Title</a:t>
+            </a:r>
+          </a:p>
+        </p:txBody>
+      </p:sp>
+      <p:sp>
+        <p:nvSpPr>
+          <p:cNvPr id="4" name="Content Placeholder 3"/>
+          <p:cNvSpPr>
+            <a:spLocks noGrp="1"/>
+          </p:cNvSpPr>
+          <p:nvPr>
+            <p:ph sz="half" idx="1"/>
+          </p:nvPr>
+        </p:nvSpPr>
+        <p:spPr/>
+        <p:txBody>
+          <a:bodyPr/>
+          <a:lstStyle/>
+          <a:p>
+            <a:r>
+              <a:rPr lang="en-US" dirty="0"/>
+              <a:t>Text 1</a:t>
+            </a:r>
+          </a:p>
+          <a:p>
+            <a:pPr lvl="1"/>
+            <a:r>
+              <a:rPr lang="en-US" dirty="0"/>
+              <a:t>Level 1</a:t>
+            </a:r>
+          </a:p>
+          <a:p>
+            <a:pPr lvl="2"/>
+            <a:r>
+              <a:rPr lang="en-US" dirty="0"/>
+              <a:t>Level 2</a:t>
+            </a:r>
+          </a:p>
+          <a:p>
+            <a:pPr lvl="3"/>
+            <a:r>
+              <a:rPr lang="en-US" dirty="0"/>
+              <a:t>Level 3</a:t>
+            </a:r>
+          </a:p>
+          <a:p>
+            <a:endParaRPr lang="en-US" dirty="0"/>
+          </a:p>
+        </p:txBody>
+      </p:sp>
+      <p:sp>
+        <p:nvSpPr>
+          <p:cNvPr id="5" name="Content Placeholder 4"/>
+          <p:cNvSpPr>
+            <a:spLocks noGrp="1"/>
+          </p:cNvSpPr>
+          <p:nvPr>
+            <p:ph sz="half" idx="2"/>
+          </p:nvPr>
+        </p:nvSpPr>
+        <p:spPr/>
+        <p:txBody>
+          <a:bodyPr/>
+          <a:lstStyle/>
+          <a:p>
+            <a:r>
+              <a:rPr lang="en-US" dirty="0"/>
+              <a:t>Text 2</a:t>
+            </a:r>
+          </a:p>
+          <a:p>
+            <a:pPr lvl="1"/>
+            <a:r>
+              <a:rPr lang="en-US" dirty="0"/>
+              <a:t>Level 1</a:t>
+            </a:r>
+          </a:p>
+          <a:p>
+            <a:pPr lvl="2"/>
+            <a:r>
+              <a:rPr lang="en-US" dirty="0"/>
+              <a:t>Level 2</a:t>
+            </a:r>
+          </a:p>
+          <a:p>
+            <a:pPr lvl="3"/>
+            <a:r>
+              <a:rPr lang="en-US" dirty="0"/>
+              <a:t>Level 3</a:t>
+            </a:r>
+          </a:p>
+          <a:p>
+            <a:endParaRPr lang="en-US" dirty="0"/>
           </a:p>
         </p:txBody>
       </p:sp>
     </p:spTree>
     <p:extLst>
       <p:ext uri="{BB962C8B-B14F-4D97-AF65-F5344CB8AC3E}">
-        <p14:creationId xmlns:p14="http://schemas.microsoft.com/office/powerpoint/2010/main" val="3216050713"/>
+        <p14:creationId xmlns:p14="http://schemas.microsoft.com/office/powerpoint/2010/main" val="2554539812"/>
       </p:ext>
     </p:extLst>
   </p:cSld>
@@ -10395,875 +10667,168 @@
           <a:chExt cx="0" cy="0"/>
         </a:xfrm>
       </p:grpSpPr>
-      <p:pic>
-        <p:nvPicPr>
-          <p:cNvPr id="11" name="Picture 10"/>
-          <p:cNvPicPr>
-            <a:picLocks noChangeAspect="1"/>
-          </p:cNvPicPr>
-          <p:nvPr/>
-        </p:nvPicPr>
-        <p:blipFill>
-          <a:blip r:embed="rId2">
-            <a:extLst>
-              <a:ext uri="{28A0092B-C50C-407E-A947-70E740481C1C}">
-                <a14:useLocalDpi xmlns:a14="http://schemas.microsoft.com/office/drawing/2010/main" val="0"/>
-              </a:ext>
-            </a:extLst>
-          </a:blip>
-          <a:stretch>
-            <a:fillRect/>
-          </a:stretch>
-        </p:blipFill>
-        <p:spPr>
-          <a:xfrm>
-            <a:off x="2207458" y="453313"/>
-            <a:ext cx="457200" cy="457200"/>
-          </a:xfrm>
-          <a:prstGeom prst="rect">
-            <a:avLst/>
-          </a:prstGeom>
-        </p:spPr>
-      </p:pic>
-      <p:pic>
-        <p:nvPicPr>
-          <p:cNvPr id="12" name="Picture 11"/>
-          <p:cNvPicPr>
-            <a:picLocks noChangeAspect="1"/>
-          </p:cNvPicPr>
-          <p:nvPr/>
-        </p:nvPicPr>
-        <p:blipFill>
-          <a:blip r:embed="rId3">
-            <a:extLst>
-              <a:ext uri="{28A0092B-C50C-407E-A947-70E740481C1C}">
-                <a14:useLocalDpi xmlns:a14="http://schemas.microsoft.com/office/drawing/2010/main" val="0"/>
-              </a:ext>
-            </a:extLst>
-          </a:blip>
-          <a:stretch>
-            <a:fillRect/>
-          </a:stretch>
-        </p:blipFill>
-        <p:spPr>
-          <a:xfrm>
-            <a:off x="1294229" y="453399"/>
-            <a:ext cx="457200" cy="457200"/>
-          </a:xfrm>
-          <a:prstGeom prst="rect">
-            <a:avLst/>
-          </a:prstGeom>
-        </p:spPr>
-      </p:pic>
-      <p:pic>
-        <p:nvPicPr>
-          <p:cNvPr id="13" name="Picture 12"/>
-          <p:cNvPicPr>
-            <a:picLocks noChangeAspect="1"/>
-          </p:cNvPicPr>
-          <p:nvPr/>
-        </p:nvPicPr>
-        <p:blipFill>
-          <a:blip r:embed="rId4">
-            <a:extLst>
-              <a:ext uri="{28A0092B-C50C-407E-A947-70E740481C1C}">
-                <a14:useLocalDpi xmlns:a14="http://schemas.microsoft.com/office/drawing/2010/main" val="0"/>
-              </a:ext>
-            </a:extLst>
-          </a:blip>
-          <a:stretch>
-            <a:fillRect/>
-          </a:stretch>
-        </p:blipFill>
-        <p:spPr>
-          <a:xfrm>
-            <a:off x="381000" y="453399"/>
-            <a:ext cx="457200" cy="457200"/>
-          </a:xfrm>
-          <a:prstGeom prst="rect">
-            <a:avLst/>
-          </a:prstGeom>
-        </p:spPr>
-      </p:pic>
-      <p:pic>
-        <p:nvPicPr>
-          <p:cNvPr id="15" name="Picture 14"/>
-          <p:cNvPicPr>
-            <a:picLocks noChangeAspect="1"/>
-          </p:cNvPicPr>
-          <p:nvPr/>
-        </p:nvPicPr>
-        <p:blipFill>
-          <a:blip r:embed="rId5">
-            <a:lum bright="70000" contrast="-70000"/>
-            <a:extLst>
-              <a:ext uri="{28A0092B-C50C-407E-A947-70E740481C1C}">
-                <a14:useLocalDpi xmlns:a14="http://schemas.microsoft.com/office/drawing/2010/main" val="0"/>
-              </a:ext>
-            </a:extLst>
-          </a:blip>
-          <a:stretch>
-            <a:fillRect/>
-          </a:stretch>
-        </p:blipFill>
-        <p:spPr>
-          <a:xfrm>
-            <a:off x="303629" y="1070428"/>
-            <a:ext cx="1219200" cy="1219200"/>
-          </a:xfrm>
-          <a:prstGeom prst="rect">
-            <a:avLst/>
-          </a:prstGeom>
-        </p:spPr>
-      </p:pic>
-      <p:pic>
-        <p:nvPicPr>
-          <p:cNvPr id="279" name="Picture 278"/>
-          <p:cNvPicPr>
-            <a:picLocks noChangeAspect="1"/>
-          </p:cNvPicPr>
-          <p:nvPr/>
-        </p:nvPicPr>
-        <p:blipFill>
-          <a:blip r:embed="rId6">
-            <a:lum bright="70000" contrast="-70000"/>
-            <a:extLst>
-              <a:ext uri="{28A0092B-C50C-407E-A947-70E740481C1C}">
-                <a14:useLocalDpi xmlns:a14="http://schemas.microsoft.com/office/drawing/2010/main" val="0"/>
-              </a:ext>
-            </a:extLst>
-          </a:blip>
-          <a:stretch>
-            <a:fillRect/>
-          </a:stretch>
-        </p:blipFill>
-        <p:spPr>
-          <a:xfrm>
-            <a:off x="2950029" y="1070428"/>
-            <a:ext cx="1219200" cy="1219200"/>
-          </a:xfrm>
-          <a:prstGeom prst="rect">
-            <a:avLst/>
-          </a:prstGeom>
-        </p:spPr>
-      </p:pic>
-      <p:pic>
-        <p:nvPicPr>
-          <p:cNvPr id="280" name="Picture 279"/>
-          <p:cNvPicPr>
-            <a:picLocks noChangeAspect="1"/>
-          </p:cNvPicPr>
-          <p:nvPr/>
-        </p:nvPicPr>
-        <p:blipFill>
-          <a:blip r:embed="rId7">
-            <a:lum bright="70000" contrast="-70000"/>
-            <a:extLst>
-              <a:ext uri="{28A0092B-C50C-407E-A947-70E740481C1C}">
-                <a14:useLocalDpi xmlns:a14="http://schemas.microsoft.com/office/drawing/2010/main" val="0"/>
-              </a:ext>
-            </a:extLst>
-          </a:blip>
-          <a:stretch>
-            <a:fillRect/>
-          </a:stretch>
-        </p:blipFill>
-        <p:spPr>
-          <a:xfrm>
-            <a:off x="1626829" y="1070428"/>
-            <a:ext cx="1219200" cy="1219200"/>
-          </a:xfrm>
-          <a:prstGeom prst="rect">
-            <a:avLst/>
-          </a:prstGeom>
-        </p:spPr>
-      </p:pic>
-      <p:pic>
-        <p:nvPicPr>
-          <p:cNvPr id="281" name="Picture 280"/>
-          <p:cNvPicPr>
-            <a:picLocks noChangeAspect="1"/>
-          </p:cNvPicPr>
-          <p:nvPr/>
-        </p:nvPicPr>
-        <p:blipFill>
-          <a:blip r:embed="rId8">
-            <a:lum bright="70000" contrast="-70000"/>
-            <a:extLst>
-              <a:ext uri="{28A0092B-C50C-407E-A947-70E740481C1C}">
-                <a14:useLocalDpi xmlns:a14="http://schemas.microsoft.com/office/drawing/2010/main" val="0"/>
-              </a:ext>
-            </a:extLst>
-          </a:blip>
-          <a:stretch>
-            <a:fillRect/>
-          </a:stretch>
-        </p:blipFill>
-        <p:spPr>
-          <a:xfrm>
-            <a:off x="5596429" y="1107999"/>
-            <a:ext cx="1219200" cy="1219200"/>
-          </a:xfrm>
-          <a:prstGeom prst="rect">
-            <a:avLst/>
-          </a:prstGeom>
-        </p:spPr>
-      </p:pic>
-      <p:pic>
-        <p:nvPicPr>
-          <p:cNvPr id="282" name="Picture 281"/>
-          <p:cNvPicPr>
-            <a:picLocks noChangeAspect="1"/>
-          </p:cNvPicPr>
-          <p:nvPr/>
-        </p:nvPicPr>
-        <p:blipFill>
-          <a:blip r:embed="rId9">
-            <a:lum bright="70000" contrast="-70000"/>
-            <a:extLst>
-              <a:ext uri="{28A0092B-C50C-407E-A947-70E740481C1C}">
-                <a14:useLocalDpi xmlns:a14="http://schemas.microsoft.com/office/drawing/2010/main" val="0"/>
-              </a:ext>
-            </a:extLst>
-          </a:blip>
-          <a:stretch>
-            <a:fillRect/>
-          </a:stretch>
-        </p:blipFill>
-        <p:spPr>
-          <a:xfrm>
-            <a:off x="4273229" y="1070428"/>
-            <a:ext cx="1219200" cy="1219200"/>
-          </a:xfrm>
-          <a:prstGeom prst="rect">
-            <a:avLst/>
-          </a:prstGeom>
-        </p:spPr>
-      </p:pic>
-      <p:pic>
-        <p:nvPicPr>
-          <p:cNvPr id="283" name="Picture 282"/>
-          <p:cNvPicPr>
-            <a:picLocks noChangeAspect="1"/>
-          </p:cNvPicPr>
-          <p:nvPr/>
-        </p:nvPicPr>
-        <p:blipFill>
-          <a:blip r:embed="rId10">
-            <a:lum bright="70000" contrast="-70000"/>
-            <a:extLst>
-              <a:ext uri="{28A0092B-C50C-407E-A947-70E740481C1C}">
-                <a14:useLocalDpi xmlns:a14="http://schemas.microsoft.com/office/drawing/2010/main" val="0"/>
-              </a:ext>
-            </a:extLst>
-          </a:blip>
-          <a:stretch>
-            <a:fillRect/>
-          </a:stretch>
-        </p:blipFill>
-        <p:spPr>
-          <a:xfrm>
-            <a:off x="6919629" y="1107999"/>
-            <a:ext cx="1219200" cy="1219200"/>
-          </a:xfrm>
-          <a:prstGeom prst="rect">
-            <a:avLst/>
-          </a:prstGeom>
-        </p:spPr>
-      </p:pic>
-      <p:pic>
-        <p:nvPicPr>
-          <p:cNvPr id="284" name="Picture 283"/>
-          <p:cNvPicPr>
-            <a:picLocks noChangeAspect="1"/>
-          </p:cNvPicPr>
-          <p:nvPr/>
-        </p:nvPicPr>
-        <p:blipFill>
-          <a:blip r:embed="rId11">
-            <a:lum bright="70000" contrast="-70000"/>
-            <a:extLst>
-              <a:ext uri="{28A0092B-C50C-407E-A947-70E740481C1C}">
-                <a14:useLocalDpi xmlns:a14="http://schemas.microsoft.com/office/drawing/2010/main" val="0"/>
-              </a:ext>
-            </a:extLst>
-          </a:blip>
-          <a:stretch>
-            <a:fillRect/>
-          </a:stretch>
-        </p:blipFill>
-        <p:spPr>
-          <a:xfrm>
-            <a:off x="9105600" y="1070428"/>
-            <a:ext cx="1219200" cy="1219200"/>
-          </a:xfrm>
-          <a:prstGeom prst="rect">
-            <a:avLst/>
-          </a:prstGeom>
-        </p:spPr>
-      </p:pic>
-      <p:pic>
-        <p:nvPicPr>
-          <p:cNvPr id="285" name="Picture 284"/>
-          <p:cNvPicPr>
-            <a:picLocks noChangeAspect="1"/>
-          </p:cNvPicPr>
-          <p:nvPr/>
-        </p:nvPicPr>
-        <p:blipFill>
-          <a:blip r:embed="rId12">
-            <a:lum bright="70000" contrast="-70000"/>
-            <a:extLst>
-              <a:ext uri="{28A0092B-C50C-407E-A947-70E740481C1C}">
-                <a14:useLocalDpi xmlns:a14="http://schemas.microsoft.com/office/drawing/2010/main" val="0"/>
-              </a:ext>
-            </a:extLst>
-          </a:blip>
-          <a:stretch>
-            <a:fillRect/>
-          </a:stretch>
-        </p:blipFill>
-        <p:spPr>
-          <a:xfrm>
-            <a:off x="7988286" y="1070428"/>
-            <a:ext cx="1219200" cy="1219200"/>
-          </a:xfrm>
-          <a:prstGeom prst="rect">
-            <a:avLst/>
-          </a:prstGeom>
-        </p:spPr>
-      </p:pic>
-      <p:pic>
-        <p:nvPicPr>
-          <p:cNvPr id="286" name="Picture 285"/>
-          <p:cNvPicPr>
-            <a:picLocks noChangeAspect="1"/>
-          </p:cNvPicPr>
-          <p:nvPr/>
-        </p:nvPicPr>
-        <p:blipFill>
-          <a:blip r:embed="rId13">
-            <a:lum bright="70000" contrast="-70000"/>
-            <a:extLst>
-              <a:ext uri="{28A0092B-C50C-407E-A947-70E740481C1C}">
-                <a14:useLocalDpi xmlns:a14="http://schemas.microsoft.com/office/drawing/2010/main" val="0"/>
-              </a:ext>
-            </a:extLst>
-          </a:blip>
-          <a:stretch>
-            <a:fillRect/>
-          </a:stretch>
-        </p:blipFill>
-        <p:spPr>
-          <a:xfrm>
-            <a:off x="303629" y="2185742"/>
-            <a:ext cx="1219200" cy="1219200"/>
-          </a:xfrm>
-          <a:prstGeom prst="rect">
-            <a:avLst/>
-          </a:prstGeom>
-        </p:spPr>
-      </p:pic>
-      <p:pic>
-        <p:nvPicPr>
-          <p:cNvPr id="287" name="Picture 286"/>
-          <p:cNvPicPr>
-            <a:picLocks noChangeAspect="1"/>
-          </p:cNvPicPr>
-          <p:nvPr/>
-        </p:nvPicPr>
-        <p:blipFill>
-          <a:blip r:embed="rId14">
-            <a:lum bright="70000" contrast="-70000"/>
-            <a:extLst>
-              <a:ext uri="{28A0092B-C50C-407E-A947-70E740481C1C}">
-                <a14:useLocalDpi xmlns:a14="http://schemas.microsoft.com/office/drawing/2010/main" val="0"/>
-              </a:ext>
-            </a:extLst>
-          </a:blip>
-          <a:stretch>
-            <a:fillRect/>
-          </a:stretch>
-        </p:blipFill>
-        <p:spPr>
-          <a:xfrm>
-            <a:off x="10484143" y="1070428"/>
-            <a:ext cx="1219200" cy="1219200"/>
-          </a:xfrm>
-          <a:prstGeom prst="rect">
-            <a:avLst/>
-          </a:prstGeom>
-        </p:spPr>
-      </p:pic>
-      <p:pic>
-        <p:nvPicPr>
-          <p:cNvPr id="288" name="Picture 287"/>
-          <p:cNvPicPr>
-            <a:picLocks noChangeAspect="1"/>
-          </p:cNvPicPr>
-          <p:nvPr/>
-        </p:nvPicPr>
-        <p:blipFill>
-          <a:blip r:embed="rId15">
-            <a:lum bright="70000" contrast="-70000"/>
-            <a:extLst>
-              <a:ext uri="{28A0092B-C50C-407E-A947-70E740481C1C}">
-                <a14:useLocalDpi xmlns:a14="http://schemas.microsoft.com/office/drawing/2010/main" val="0"/>
-              </a:ext>
-            </a:extLst>
-          </a:blip>
-          <a:stretch>
-            <a:fillRect/>
-          </a:stretch>
-        </p:blipFill>
-        <p:spPr>
-          <a:xfrm>
-            <a:off x="2923629" y="2421599"/>
-            <a:ext cx="1219200" cy="1219200"/>
-          </a:xfrm>
-          <a:prstGeom prst="rect">
-            <a:avLst/>
-          </a:prstGeom>
-        </p:spPr>
-      </p:pic>
-      <p:pic>
-        <p:nvPicPr>
-          <p:cNvPr id="289" name="Picture 288"/>
-          <p:cNvPicPr>
-            <a:picLocks noChangeAspect="1"/>
-          </p:cNvPicPr>
-          <p:nvPr/>
-        </p:nvPicPr>
-        <p:blipFill>
-          <a:blip r:embed="rId16">
-            <a:lum bright="70000" contrast="-70000"/>
-            <a:extLst>
-              <a:ext uri="{28A0092B-C50C-407E-A947-70E740481C1C}">
-                <a14:useLocalDpi xmlns:a14="http://schemas.microsoft.com/office/drawing/2010/main" val="0"/>
-              </a:ext>
-            </a:extLst>
-          </a:blip>
-          <a:stretch>
-            <a:fillRect/>
-          </a:stretch>
-        </p:blipFill>
-        <p:spPr>
-          <a:xfrm>
-            <a:off x="4273229" y="2454485"/>
-            <a:ext cx="1219200" cy="1219200"/>
-          </a:xfrm>
-          <a:prstGeom prst="rect">
-            <a:avLst/>
-          </a:prstGeom>
-        </p:spPr>
-      </p:pic>
-      <p:pic>
-        <p:nvPicPr>
-          <p:cNvPr id="290" name="Picture 289"/>
-          <p:cNvPicPr>
-            <a:picLocks noChangeAspect="1"/>
-          </p:cNvPicPr>
-          <p:nvPr/>
-        </p:nvPicPr>
-        <p:blipFill>
-          <a:blip r:embed="rId17">
-            <a:lum bright="70000" contrast="-70000"/>
-            <a:extLst>
-              <a:ext uri="{28A0092B-C50C-407E-A947-70E740481C1C}">
-                <a14:useLocalDpi xmlns:a14="http://schemas.microsoft.com/office/drawing/2010/main" val="0"/>
-              </a:ext>
-            </a:extLst>
-          </a:blip>
-          <a:stretch>
-            <a:fillRect/>
-          </a:stretch>
-        </p:blipFill>
-        <p:spPr>
-          <a:xfrm>
-            <a:off x="1704429" y="2421599"/>
-            <a:ext cx="1219200" cy="1219200"/>
-          </a:xfrm>
-          <a:prstGeom prst="rect">
-            <a:avLst/>
-          </a:prstGeom>
-        </p:spPr>
-      </p:pic>
-      <p:pic>
-        <p:nvPicPr>
-          <p:cNvPr id="291" name="Picture 290"/>
-          <p:cNvPicPr>
-            <a:picLocks noChangeAspect="1"/>
-          </p:cNvPicPr>
-          <p:nvPr/>
-        </p:nvPicPr>
-        <p:blipFill>
-          <a:blip r:embed="rId18">
-            <a:lum bright="70000" contrast="-70000"/>
-            <a:extLst>
-              <a:ext uri="{28A0092B-C50C-407E-A947-70E740481C1C}">
-                <a14:useLocalDpi xmlns:a14="http://schemas.microsoft.com/office/drawing/2010/main" val="0"/>
-              </a:ext>
-            </a:extLst>
-          </a:blip>
-          <a:stretch>
-            <a:fillRect/>
-          </a:stretch>
-        </p:blipFill>
-        <p:spPr>
-          <a:xfrm>
-            <a:off x="6976800" y="2439628"/>
-            <a:ext cx="1219200" cy="1219200"/>
-          </a:xfrm>
-          <a:prstGeom prst="rect">
-            <a:avLst/>
-          </a:prstGeom>
-        </p:spPr>
-      </p:pic>
-      <p:pic>
-        <p:nvPicPr>
-          <p:cNvPr id="292" name="Picture 291"/>
-          <p:cNvPicPr>
-            <a:picLocks noChangeAspect="1"/>
-          </p:cNvPicPr>
-          <p:nvPr/>
-        </p:nvPicPr>
-        <p:blipFill>
-          <a:blip r:embed="rId19">
-            <a:lum bright="70000" contrast="-70000"/>
-            <a:extLst>
-              <a:ext uri="{28A0092B-C50C-407E-A947-70E740481C1C}">
-                <a14:useLocalDpi xmlns:a14="http://schemas.microsoft.com/office/drawing/2010/main" val="0"/>
-              </a:ext>
-            </a:extLst>
-          </a:blip>
-          <a:stretch>
-            <a:fillRect/>
-          </a:stretch>
-        </p:blipFill>
-        <p:spPr>
-          <a:xfrm>
-            <a:off x="5622829" y="2454485"/>
-            <a:ext cx="1219200" cy="1219200"/>
-          </a:xfrm>
-          <a:prstGeom prst="rect">
-            <a:avLst/>
-          </a:prstGeom>
-        </p:spPr>
-      </p:pic>
-      <p:pic>
-        <p:nvPicPr>
-          <p:cNvPr id="293" name="Picture 292"/>
-          <p:cNvPicPr>
-            <a:picLocks noChangeAspect="1"/>
-          </p:cNvPicPr>
-          <p:nvPr/>
-        </p:nvPicPr>
-        <p:blipFill>
-          <a:blip r:embed="rId20">
-            <a:lum bright="70000" contrast="-70000"/>
-            <a:extLst>
-              <a:ext uri="{28A0092B-C50C-407E-A947-70E740481C1C}">
-                <a14:useLocalDpi xmlns:a14="http://schemas.microsoft.com/office/drawing/2010/main" val="0"/>
-              </a:ext>
-            </a:extLst>
-          </a:blip>
-          <a:stretch>
-            <a:fillRect/>
-          </a:stretch>
-        </p:blipFill>
-        <p:spPr>
-          <a:xfrm>
-            <a:off x="8336400" y="2534314"/>
-            <a:ext cx="1219200" cy="1219200"/>
-          </a:xfrm>
-          <a:prstGeom prst="rect">
-            <a:avLst/>
-          </a:prstGeom>
-        </p:spPr>
-      </p:pic>
-      <p:pic>
-        <p:nvPicPr>
-          <p:cNvPr id="294" name="Picture 293"/>
-          <p:cNvPicPr>
-            <a:picLocks noChangeAspect="1"/>
-          </p:cNvPicPr>
-          <p:nvPr/>
-        </p:nvPicPr>
-        <p:blipFill>
-          <a:blip r:embed="rId21">
-            <a:lum bright="70000" contrast="-70000"/>
-            <a:extLst>
-              <a:ext uri="{28A0092B-C50C-407E-A947-70E740481C1C}">
-                <a14:useLocalDpi xmlns:a14="http://schemas.microsoft.com/office/drawing/2010/main" val="0"/>
-              </a:ext>
-            </a:extLst>
-          </a:blip>
-          <a:stretch>
-            <a:fillRect/>
-          </a:stretch>
-        </p:blipFill>
-        <p:spPr>
-          <a:xfrm>
-            <a:off x="1522829" y="3910656"/>
-            <a:ext cx="1219200" cy="1219200"/>
-          </a:xfrm>
-          <a:prstGeom prst="rect">
-            <a:avLst/>
-          </a:prstGeom>
-        </p:spPr>
-      </p:pic>
-      <p:pic>
-        <p:nvPicPr>
-          <p:cNvPr id="295" name="Picture 294"/>
-          <p:cNvPicPr>
-            <a:picLocks noChangeAspect="1"/>
-          </p:cNvPicPr>
-          <p:nvPr/>
-        </p:nvPicPr>
-        <p:blipFill>
-          <a:blip r:embed="rId22">
-            <a:lum bright="70000" contrast="-70000"/>
-            <a:extLst>
-              <a:ext uri="{28A0092B-C50C-407E-A947-70E740481C1C}">
-                <a14:useLocalDpi xmlns:a14="http://schemas.microsoft.com/office/drawing/2010/main" val="0"/>
-              </a:ext>
-            </a:extLst>
-          </a:blip>
-          <a:stretch>
-            <a:fillRect/>
-          </a:stretch>
-        </p:blipFill>
-        <p:spPr>
-          <a:xfrm>
-            <a:off x="303629" y="4021971"/>
-            <a:ext cx="1219200" cy="1219200"/>
-          </a:xfrm>
-          <a:prstGeom prst="rect">
-            <a:avLst/>
-          </a:prstGeom>
-        </p:spPr>
-      </p:pic>
-      <p:pic>
-        <p:nvPicPr>
-          <p:cNvPr id="296" name="Picture 295"/>
-          <p:cNvPicPr>
-            <a:picLocks noChangeAspect="1"/>
-          </p:cNvPicPr>
-          <p:nvPr/>
-        </p:nvPicPr>
-        <p:blipFill>
-          <a:blip r:embed="rId23">
-            <a:lum bright="70000" contrast="-70000"/>
-            <a:extLst>
-              <a:ext uri="{28A0092B-C50C-407E-A947-70E740481C1C}">
-                <a14:useLocalDpi xmlns:a14="http://schemas.microsoft.com/office/drawing/2010/main" val="0"/>
-              </a:ext>
-            </a:extLst>
-          </a:blip>
-          <a:stretch>
-            <a:fillRect/>
-          </a:stretch>
-        </p:blipFill>
-        <p:spPr>
-          <a:xfrm>
-            <a:off x="9762315" y="2534314"/>
-            <a:ext cx="1219200" cy="1219200"/>
-          </a:xfrm>
-          <a:prstGeom prst="rect">
-            <a:avLst/>
-          </a:prstGeom>
-        </p:spPr>
-      </p:pic>
-      <p:pic>
-        <p:nvPicPr>
-          <p:cNvPr id="297" name="Picture 296"/>
-          <p:cNvPicPr>
-            <a:picLocks noChangeAspect="1"/>
-          </p:cNvPicPr>
-          <p:nvPr/>
-        </p:nvPicPr>
-        <p:blipFill>
-          <a:blip r:embed="rId24">
-            <a:lum bright="70000" contrast="-70000"/>
-            <a:extLst>
-              <a:ext uri="{28A0092B-C50C-407E-A947-70E740481C1C}">
-                <a14:useLocalDpi xmlns:a14="http://schemas.microsoft.com/office/drawing/2010/main" val="0"/>
-              </a:ext>
-            </a:extLst>
-          </a:blip>
-          <a:stretch>
-            <a:fillRect/>
-          </a:stretch>
-        </p:blipFill>
-        <p:spPr>
-          <a:xfrm>
-            <a:off x="5998771" y="4004171"/>
-            <a:ext cx="1219200" cy="1219200"/>
-          </a:xfrm>
-          <a:prstGeom prst="rect">
-            <a:avLst/>
-          </a:prstGeom>
-        </p:spPr>
-      </p:pic>
-      <p:pic>
-        <p:nvPicPr>
-          <p:cNvPr id="298" name="Picture 297"/>
-          <p:cNvPicPr>
-            <a:picLocks noChangeAspect="1"/>
-          </p:cNvPicPr>
-          <p:nvPr/>
-        </p:nvPicPr>
-        <p:blipFill>
-          <a:blip r:embed="rId25">
-            <a:lum bright="70000" contrast="-70000"/>
-            <a:extLst>
-              <a:ext uri="{28A0092B-C50C-407E-A947-70E740481C1C}">
-                <a14:useLocalDpi xmlns:a14="http://schemas.microsoft.com/office/drawing/2010/main" val="0"/>
-              </a:ext>
-            </a:extLst>
-          </a:blip>
-          <a:stretch>
-            <a:fillRect/>
-          </a:stretch>
-        </p:blipFill>
-        <p:spPr>
-          <a:xfrm>
-            <a:off x="4526400" y="4021971"/>
-            <a:ext cx="1219200" cy="1219200"/>
-          </a:xfrm>
-          <a:prstGeom prst="rect">
-            <a:avLst/>
-          </a:prstGeom>
-        </p:spPr>
-      </p:pic>
-      <p:pic>
-        <p:nvPicPr>
-          <p:cNvPr id="299" name="Picture 298"/>
-          <p:cNvPicPr>
-            <a:picLocks noChangeAspect="1"/>
-          </p:cNvPicPr>
-          <p:nvPr/>
-        </p:nvPicPr>
-        <p:blipFill>
-          <a:blip r:embed="rId26">
-            <a:lum bright="70000" contrast="-70000"/>
-            <a:extLst>
-              <a:ext uri="{28A0092B-C50C-407E-A947-70E740481C1C}">
-                <a14:useLocalDpi xmlns:a14="http://schemas.microsoft.com/office/drawing/2010/main" val="0"/>
-              </a:ext>
-            </a:extLst>
-          </a:blip>
-          <a:stretch>
-            <a:fillRect/>
-          </a:stretch>
-        </p:blipFill>
-        <p:spPr>
-          <a:xfrm>
-            <a:off x="3054029" y="4021971"/>
-            <a:ext cx="1219200" cy="1219200"/>
-          </a:xfrm>
-          <a:prstGeom prst="rect">
-            <a:avLst/>
-          </a:prstGeom>
-        </p:spPr>
-      </p:pic>
-      <p:pic>
-        <p:nvPicPr>
-          <p:cNvPr id="300" name="Picture 299"/>
-          <p:cNvPicPr>
-            <a:picLocks noChangeAspect="1"/>
-          </p:cNvPicPr>
-          <p:nvPr/>
-        </p:nvPicPr>
-        <p:blipFill>
-          <a:blip r:embed="rId27">
-            <a:lum bright="70000" contrast="-70000"/>
-            <a:extLst>
-              <a:ext uri="{28A0092B-C50C-407E-A947-70E740481C1C}">
-                <a14:useLocalDpi xmlns:a14="http://schemas.microsoft.com/office/drawing/2010/main" val="0"/>
-              </a:ext>
-            </a:extLst>
-          </a:blip>
-          <a:stretch>
-            <a:fillRect/>
-          </a:stretch>
-        </p:blipFill>
-        <p:spPr>
-          <a:xfrm>
-            <a:off x="10221542" y="4145971"/>
-            <a:ext cx="1219200" cy="1219200"/>
-          </a:xfrm>
-          <a:prstGeom prst="rect">
-            <a:avLst/>
-          </a:prstGeom>
-        </p:spPr>
-      </p:pic>
-      <p:pic>
-        <p:nvPicPr>
-          <p:cNvPr id="301" name="Picture 300"/>
-          <p:cNvPicPr>
-            <a:picLocks noChangeAspect="1"/>
-          </p:cNvPicPr>
-          <p:nvPr/>
-        </p:nvPicPr>
-        <p:blipFill>
-          <a:blip r:embed="rId28">
-            <a:lum bright="70000" contrast="-70000"/>
-            <a:extLst>
-              <a:ext uri="{28A0092B-C50C-407E-A947-70E740481C1C}">
-                <a14:useLocalDpi xmlns:a14="http://schemas.microsoft.com/office/drawing/2010/main" val="0"/>
-              </a:ext>
-            </a:extLst>
-          </a:blip>
-          <a:stretch>
-            <a:fillRect/>
-          </a:stretch>
-        </p:blipFill>
-        <p:spPr>
-          <a:xfrm>
-            <a:off x="8858971" y="4120114"/>
-            <a:ext cx="1219200" cy="1219200"/>
-          </a:xfrm>
-          <a:prstGeom prst="rect">
-            <a:avLst/>
-          </a:prstGeom>
-        </p:spPr>
-      </p:pic>
-      <p:pic>
-        <p:nvPicPr>
-          <p:cNvPr id="302" name="Picture 301"/>
-          <p:cNvPicPr>
-            <a:picLocks noChangeAspect="1"/>
-          </p:cNvPicPr>
-          <p:nvPr/>
-        </p:nvPicPr>
-        <p:blipFill>
-          <a:blip r:embed="rId29">
-            <a:lum bright="70000" contrast="-70000"/>
-            <a:extLst>
-              <a:ext uri="{28A0092B-C50C-407E-A947-70E740481C1C}">
-                <a14:useLocalDpi xmlns:a14="http://schemas.microsoft.com/office/drawing/2010/main" val="0"/>
-              </a:ext>
-            </a:extLst>
-          </a:blip>
-          <a:stretch>
-            <a:fillRect/>
-          </a:stretch>
-        </p:blipFill>
-        <p:spPr>
-          <a:xfrm>
-            <a:off x="7471142" y="4120114"/>
-            <a:ext cx="1219200" cy="1219200"/>
-          </a:xfrm>
-          <a:prstGeom prst="rect">
-            <a:avLst/>
-          </a:prstGeom>
-        </p:spPr>
-      </p:pic>
+      <p:sp>
+        <p:nvSpPr>
+          <p:cNvPr id="6" name="Text Placeholder 5"/>
+          <p:cNvSpPr>
+            <a:spLocks noGrp="1"/>
+          </p:cNvSpPr>
+          <p:nvPr>
+            <p:ph type="body" idx="1"/>
+          </p:nvPr>
+        </p:nvSpPr>
+        <p:spPr/>
+        <p:txBody>
+          <a:bodyPr/>
+          <a:lstStyle/>
+          <a:p>
+            <a:r>
+              <a:rPr lang="en-US" dirty="0"/>
+              <a:t>Section 1</a:t>
+            </a:r>
+          </a:p>
+        </p:txBody>
+      </p:sp>
+      <p:sp>
+        <p:nvSpPr>
+          <p:cNvPr id="7" name="Content Placeholder 6"/>
+          <p:cNvSpPr>
+            <a:spLocks noGrp="1"/>
+          </p:cNvSpPr>
+          <p:nvPr>
+            <p:ph sz="half" idx="2"/>
+          </p:nvPr>
+        </p:nvSpPr>
+        <p:spPr/>
+        <p:txBody>
+          <a:bodyPr/>
+          <a:lstStyle/>
+          <a:p>
+            <a:r>
+              <a:rPr lang="en-US" dirty="0"/>
+              <a:t>Text</a:t>
+            </a:r>
+          </a:p>
+          <a:p>
+            <a:pPr lvl="1"/>
+            <a:r>
+              <a:rPr lang="en-US" dirty="0"/>
+              <a:t>Level 1</a:t>
+            </a:r>
+          </a:p>
+          <a:p>
+            <a:pPr lvl="2"/>
+            <a:r>
+              <a:rPr lang="en-US" dirty="0"/>
+              <a:t>Level 2</a:t>
+            </a:r>
+          </a:p>
+          <a:p>
+            <a:pPr lvl="3"/>
+            <a:r>
+              <a:rPr lang="en-US" dirty="0"/>
+              <a:t>Level 3</a:t>
+            </a:r>
+          </a:p>
+          <a:p>
+            <a:endParaRPr lang="en-US" dirty="0"/>
+          </a:p>
+        </p:txBody>
+      </p:sp>
+      <p:sp>
+        <p:nvSpPr>
+          <p:cNvPr id="8" name="Text Placeholder 7"/>
+          <p:cNvSpPr>
+            <a:spLocks noGrp="1"/>
+          </p:cNvSpPr>
+          <p:nvPr>
+            <p:ph type="body" sz="quarter" idx="3"/>
+          </p:nvPr>
+        </p:nvSpPr>
+        <p:spPr/>
+        <p:txBody>
+          <a:bodyPr/>
+          <a:lstStyle/>
+          <a:p>
+            <a:r>
+              <a:rPr lang="en-US" dirty="0"/>
+              <a:t>Section 2</a:t>
+            </a:r>
+          </a:p>
+        </p:txBody>
+      </p:sp>
+      <p:sp>
+        <p:nvSpPr>
+          <p:cNvPr id="9" name="Content Placeholder 8"/>
+          <p:cNvSpPr>
+            <a:spLocks noGrp="1"/>
+          </p:cNvSpPr>
+          <p:nvPr>
+            <p:ph sz="quarter" idx="4"/>
+          </p:nvPr>
+        </p:nvSpPr>
+        <p:spPr/>
+        <p:txBody>
+          <a:bodyPr/>
+          <a:lstStyle/>
+          <a:p>
+            <a:r>
+              <a:rPr lang="en-US" dirty="0"/>
+              <a:t>Text</a:t>
+            </a:r>
+          </a:p>
+          <a:p>
+            <a:pPr lvl="1"/>
+            <a:r>
+              <a:rPr lang="en-US" dirty="0"/>
+              <a:t>Level 1</a:t>
+            </a:r>
+          </a:p>
+          <a:p>
+            <a:pPr lvl="2"/>
+            <a:r>
+              <a:rPr lang="en-US" dirty="0"/>
+              <a:t>Level 2</a:t>
+            </a:r>
+          </a:p>
+          <a:p>
+            <a:pPr lvl="3"/>
+            <a:r>
+              <a:rPr lang="en-US" dirty="0"/>
+              <a:t>Level 3</a:t>
+            </a:r>
+          </a:p>
+          <a:p>
+            <a:endParaRPr lang="en-US" dirty="0"/>
+          </a:p>
+        </p:txBody>
+      </p:sp>
+      <p:sp>
+        <p:nvSpPr>
+          <p:cNvPr id="5" name="Title 4"/>
+          <p:cNvSpPr>
+            <a:spLocks noGrp="1"/>
+          </p:cNvSpPr>
+          <p:nvPr>
+            <p:ph type="title"/>
+          </p:nvPr>
+        </p:nvSpPr>
+        <p:spPr/>
+        <p:txBody>
+          <a:bodyPr/>
+          <a:lstStyle/>
+          <a:p>
+            <a:r>
+              <a:rPr lang="en-US" dirty="0"/>
+              <a:t>Title</a:t>
+            </a:r>
+          </a:p>
+        </p:txBody>
+      </p:sp>
     </p:spTree>
     <p:extLst>
       <p:ext uri="{BB962C8B-B14F-4D97-AF65-F5344CB8AC3E}">
-        <p14:creationId xmlns:p14="http://schemas.microsoft.com/office/powerpoint/2010/main" val="2451305448"/>
+        <p14:creationId xmlns:p14="http://schemas.microsoft.com/office/powerpoint/2010/main" val="3003455065"/>
       </p:ext>
     </p:extLst>
   </p:cSld>
@@ -11290,909 +10855,32 @@
           <a:chExt cx="0" cy="0"/>
         </a:xfrm>
       </p:grpSpPr>
-      <p:pic>
-        <p:nvPicPr>
-          <p:cNvPr id="2" name="Picture 1"/>
-          <p:cNvPicPr>
-            <a:picLocks noChangeAspect="1"/>
-          </p:cNvPicPr>
-          <p:nvPr/>
-        </p:nvPicPr>
-        <p:blipFill>
-          <a:blip r:embed="rId2">
-            <a:lum bright="70000" contrast="-70000"/>
-            <a:extLst>
-              <a:ext uri="{28A0092B-C50C-407E-A947-70E740481C1C}">
-                <a14:useLocalDpi xmlns:a14="http://schemas.microsoft.com/office/drawing/2010/main" val="0"/>
-              </a:ext>
-            </a:extLst>
-          </a:blip>
-          <a:stretch>
-            <a:fillRect/>
-          </a:stretch>
-        </p:blipFill>
-        <p:spPr>
-          <a:xfrm>
-            <a:off x="322686" y="250829"/>
-            <a:ext cx="1219200" cy="1219200"/>
-          </a:xfrm>
-          <a:prstGeom prst="rect">
-            <a:avLst/>
-          </a:prstGeom>
-        </p:spPr>
-      </p:pic>
-      <p:pic>
-        <p:nvPicPr>
-          <p:cNvPr id="3" name="Picture 2"/>
-          <p:cNvPicPr>
-            <a:picLocks noChangeAspect="1"/>
-          </p:cNvPicPr>
-          <p:nvPr/>
-        </p:nvPicPr>
-        <p:blipFill>
-          <a:blip r:embed="rId3">
-            <a:lum bright="70000" contrast="-70000"/>
-            <a:extLst>
-              <a:ext uri="{28A0092B-C50C-407E-A947-70E740481C1C}">
-                <a14:useLocalDpi xmlns:a14="http://schemas.microsoft.com/office/drawing/2010/main" val="0"/>
-              </a:ext>
-            </a:extLst>
-          </a:blip>
-          <a:stretch>
-            <a:fillRect/>
-          </a:stretch>
-        </p:blipFill>
-        <p:spPr>
-          <a:xfrm>
-            <a:off x="1841371" y="306486"/>
-            <a:ext cx="1219200" cy="1219200"/>
-          </a:xfrm>
-          <a:prstGeom prst="rect">
-            <a:avLst/>
-          </a:prstGeom>
-        </p:spPr>
-      </p:pic>
-      <p:pic>
-        <p:nvPicPr>
-          <p:cNvPr id="4" name="Picture 3"/>
-          <p:cNvPicPr>
-            <a:picLocks noChangeAspect="1"/>
-          </p:cNvPicPr>
-          <p:nvPr/>
-        </p:nvPicPr>
-        <p:blipFill>
-          <a:blip r:embed="rId4">
-            <a:lum bright="70000" contrast="-70000"/>
-            <a:extLst>
-              <a:ext uri="{28A0092B-C50C-407E-A947-70E740481C1C}">
-                <a14:useLocalDpi xmlns:a14="http://schemas.microsoft.com/office/drawing/2010/main" val="0"/>
-              </a:ext>
-            </a:extLst>
-          </a:blip>
-          <a:stretch>
-            <a:fillRect/>
-          </a:stretch>
-        </p:blipFill>
-        <p:spPr>
-          <a:xfrm>
-            <a:off x="3360056" y="250829"/>
-            <a:ext cx="1219200" cy="1219200"/>
-          </a:xfrm>
-          <a:prstGeom prst="rect">
-            <a:avLst/>
-          </a:prstGeom>
-        </p:spPr>
-      </p:pic>
-      <p:pic>
-        <p:nvPicPr>
-          <p:cNvPr id="5" name="Picture 4"/>
-          <p:cNvPicPr>
-            <a:picLocks noChangeAspect="1"/>
-          </p:cNvPicPr>
-          <p:nvPr/>
-        </p:nvPicPr>
-        <p:blipFill>
-          <a:blip r:embed="rId5">
-            <a:lum bright="70000" contrast="-70000"/>
-            <a:extLst>
-              <a:ext uri="{28A0092B-C50C-407E-A947-70E740481C1C}">
-                <a14:useLocalDpi xmlns:a14="http://schemas.microsoft.com/office/drawing/2010/main" val="0"/>
-              </a:ext>
-            </a:extLst>
-          </a:blip>
-          <a:stretch>
-            <a:fillRect/>
-          </a:stretch>
-        </p:blipFill>
-        <p:spPr>
-          <a:xfrm>
-            <a:off x="4878741" y="249715"/>
-            <a:ext cx="1219200" cy="1219200"/>
-          </a:xfrm>
-          <a:prstGeom prst="rect">
-            <a:avLst/>
-          </a:prstGeom>
-        </p:spPr>
-      </p:pic>
-      <p:pic>
-        <p:nvPicPr>
-          <p:cNvPr id="6" name="Picture 5"/>
-          <p:cNvPicPr>
-            <a:picLocks noChangeAspect="1"/>
-          </p:cNvPicPr>
-          <p:nvPr/>
-        </p:nvPicPr>
-        <p:blipFill>
-          <a:blip r:embed="rId6">
-            <a:lum bright="70000" contrast="-70000"/>
-            <a:extLst>
-              <a:ext uri="{28A0092B-C50C-407E-A947-70E740481C1C}">
-                <a14:useLocalDpi xmlns:a14="http://schemas.microsoft.com/office/drawing/2010/main" val="0"/>
-              </a:ext>
-            </a:extLst>
-          </a:blip>
-          <a:stretch>
-            <a:fillRect/>
-          </a:stretch>
-        </p:blipFill>
-        <p:spPr>
-          <a:xfrm>
-            <a:off x="7736400" y="249715"/>
-            <a:ext cx="1219200" cy="1219200"/>
-          </a:xfrm>
-          <a:prstGeom prst="rect">
-            <a:avLst/>
-          </a:prstGeom>
-        </p:spPr>
-      </p:pic>
-      <p:pic>
-        <p:nvPicPr>
-          <p:cNvPr id="7" name="Picture 6"/>
-          <p:cNvPicPr>
-            <a:picLocks noChangeAspect="1"/>
-          </p:cNvPicPr>
-          <p:nvPr/>
-        </p:nvPicPr>
-        <p:blipFill>
-          <a:blip r:embed="rId7">
-            <a:lum bright="70000" contrast="-70000"/>
-            <a:extLst>
-              <a:ext uri="{28A0092B-C50C-407E-A947-70E740481C1C}">
-                <a14:useLocalDpi xmlns:a14="http://schemas.microsoft.com/office/drawing/2010/main" val="0"/>
-              </a:ext>
-            </a:extLst>
-          </a:blip>
-          <a:stretch>
-            <a:fillRect/>
-          </a:stretch>
-        </p:blipFill>
-        <p:spPr>
-          <a:xfrm>
-            <a:off x="6396057" y="249715"/>
-            <a:ext cx="1219200" cy="1219200"/>
-          </a:xfrm>
-          <a:prstGeom prst="rect">
-            <a:avLst/>
-          </a:prstGeom>
-        </p:spPr>
-      </p:pic>
-      <p:pic>
-        <p:nvPicPr>
-          <p:cNvPr id="8" name="Picture 7"/>
-          <p:cNvPicPr>
-            <a:picLocks noChangeAspect="1"/>
-          </p:cNvPicPr>
-          <p:nvPr/>
-        </p:nvPicPr>
-        <p:blipFill>
-          <a:blip r:embed="rId8">
-            <a:lum bright="70000" contrast="-70000"/>
-            <a:extLst>
-              <a:ext uri="{28A0092B-C50C-407E-A947-70E740481C1C}">
-                <a14:useLocalDpi xmlns:a14="http://schemas.microsoft.com/office/drawing/2010/main" val="0"/>
-              </a:ext>
-            </a:extLst>
-          </a:blip>
-          <a:stretch>
-            <a:fillRect/>
-          </a:stretch>
-        </p:blipFill>
-        <p:spPr>
-          <a:xfrm>
-            <a:off x="322686" y="1525686"/>
-            <a:ext cx="1219200" cy="1219200"/>
-          </a:xfrm>
-          <a:prstGeom prst="rect">
-            <a:avLst/>
-          </a:prstGeom>
-        </p:spPr>
-      </p:pic>
-      <p:pic>
-        <p:nvPicPr>
-          <p:cNvPr id="9" name="Picture 8"/>
-          <p:cNvPicPr>
-            <a:picLocks noChangeAspect="1"/>
-          </p:cNvPicPr>
-          <p:nvPr/>
-        </p:nvPicPr>
-        <p:blipFill>
-          <a:blip r:embed="rId9">
-            <a:lum bright="70000" contrast="-70000"/>
-            <a:extLst>
-              <a:ext uri="{28A0092B-C50C-407E-A947-70E740481C1C}">
-                <a14:useLocalDpi xmlns:a14="http://schemas.microsoft.com/office/drawing/2010/main" val="0"/>
-              </a:ext>
-            </a:extLst>
-          </a:blip>
-          <a:stretch>
-            <a:fillRect/>
-          </a:stretch>
-        </p:blipFill>
-        <p:spPr>
-          <a:xfrm>
-            <a:off x="9120229" y="275315"/>
-            <a:ext cx="1219200" cy="1219200"/>
-          </a:xfrm>
-          <a:prstGeom prst="rect">
-            <a:avLst/>
-          </a:prstGeom>
-        </p:spPr>
-      </p:pic>
-      <p:pic>
-        <p:nvPicPr>
-          <p:cNvPr id="10" name="Picture 9"/>
-          <p:cNvPicPr>
-            <a:picLocks noChangeAspect="1"/>
-          </p:cNvPicPr>
-          <p:nvPr/>
-        </p:nvPicPr>
-        <p:blipFill>
-          <a:blip r:embed="rId10">
-            <a:lum bright="70000" contrast="-70000"/>
-            <a:extLst>
-              <a:ext uri="{28A0092B-C50C-407E-A947-70E740481C1C}">
-                <a14:useLocalDpi xmlns:a14="http://schemas.microsoft.com/office/drawing/2010/main" val="0"/>
-              </a:ext>
-            </a:extLst>
-          </a:blip>
-          <a:stretch>
-            <a:fillRect/>
-          </a:stretch>
-        </p:blipFill>
-        <p:spPr>
-          <a:xfrm>
-            <a:off x="10460572" y="306486"/>
-            <a:ext cx="1219200" cy="1219200"/>
-          </a:xfrm>
-          <a:prstGeom prst="rect">
-            <a:avLst/>
-          </a:prstGeom>
-        </p:spPr>
-      </p:pic>
-      <p:pic>
-        <p:nvPicPr>
-          <p:cNvPr id="11" name="Picture 10"/>
-          <p:cNvPicPr>
-            <a:picLocks noChangeAspect="1"/>
-          </p:cNvPicPr>
-          <p:nvPr/>
-        </p:nvPicPr>
-        <p:blipFill>
-          <a:blip r:embed="rId11">
-            <a:lum bright="70000" contrast="-70000"/>
-            <a:extLst>
-              <a:ext uri="{28A0092B-C50C-407E-A947-70E740481C1C}">
-                <a14:useLocalDpi xmlns:a14="http://schemas.microsoft.com/office/drawing/2010/main" val="0"/>
-              </a:ext>
-            </a:extLst>
-          </a:blip>
-          <a:stretch>
-            <a:fillRect/>
-          </a:stretch>
-        </p:blipFill>
-        <p:spPr>
-          <a:xfrm>
-            <a:off x="3179485" y="1494515"/>
-            <a:ext cx="1219200" cy="1219200"/>
-          </a:xfrm>
-          <a:prstGeom prst="rect">
-            <a:avLst/>
-          </a:prstGeom>
-        </p:spPr>
-      </p:pic>
-      <p:pic>
-        <p:nvPicPr>
-          <p:cNvPr id="12" name="Picture 11"/>
-          <p:cNvPicPr>
-            <a:picLocks noChangeAspect="1"/>
-          </p:cNvPicPr>
-          <p:nvPr/>
-        </p:nvPicPr>
-        <p:blipFill>
-          <a:blip r:embed="rId12">
-            <a:lum bright="70000" contrast="-70000"/>
-            <a:extLst>
-              <a:ext uri="{28A0092B-C50C-407E-A947-70E740481C1C}">
-                <a14:useLocalDpi xmlns:a14="http://schemas.microsoft.com/office/drawing/2010/main" val="0"/>
-              </a:ext>
-            </a:extLst>
-          </a:blip>
-          <a:stretch>
-            <a:fillRect/>
-          </a:stretch>
-        </p:blipFill>
-        <p:spPr>
-          <a:xfrm>
-            <a:off x="1841371" y="1525686"/>
-            <a:ext cx="1219200" cy="1219200"/>
-          </a:xfrm>
-          <a:prstGeom prst="rect">
-            <a:avLst/>
-          </a:prstGeom>
-        </p:spPr>
-      </p:pic>
-      <p:pic>
-        <p:nvPicPr>
-          <p:cNvPr id="13" name="Picture 12"/>
-          <p:cNvPicPr>
-            <a:picLocks noChangeAspect="1"/>
-          </p:cNvPicPr>
-          <p:nvPr/>
-        </p:nvPicPr>
-        <p:blipFill>
-          <a:blip r:embed="rId13">
-            <a:lum bright="70000" contrast="-70000"/>
-            <a:extLst>
-              <a:ext uri="{28A0092B-C50C-407E-A947-70E740481C1C}">
-                <a14:useLocalDpi xmlns:a14="http://schemas.microsoft.com/office/drawing/2010/main" val="0"/>
-              </a:ext>
-            </a:extLst>
-          </a:blip>
-          <a:stretch>
-            <a:fillRect/>
-          </a:stretch>
-        </p:blipFill>
-        <p:spPr>
-          <a:xfrm>
-            <a:off x="4728943" y="1468915"/>
-            <a:ext cx="1219200" cy="1219200"/>
-          </a:xfrm>
-          <a:prstGeom prst="rect">
-            <a:avLst/>
-          </a:prstGeom>
-        </p:spPr>
-      </p:pic>
-      <p:pic>
-        <p:nvPicPr>
-          <p:cNvPr id="14" name="Picture 13"/>
-          <p:cNvPicPr>
-            <a:picLocks noChangeAspect="1"/>
-          </p:cNvPicPr>
-          <p:nvPr/>
-        </p:nvPicPr>
-        <p:blipFill>
-          <a:blip r:embed="rId14">
-            <a:lum bright="70000" contrast="-70000"/>
-            <a:extLst>
-              <a:ext uri="{28A0092B-C50C-407E-A947-70E740481C1C}">
-                <a14:useLocalDpi xmlns:a14="http://schemas.microsoft.com/office/drawing/2010/main" val="0"/>
-              </a:ext>
-            </a:extLst>
-          </a:blip>
-          <a:stretch>
-            <a:fillRect/>
-          </a:stretch>
-        </p:blipFill>
-        <p:spPr>
-          <a:xfrm>
-            <a:off x="7809086" y="1525686"/>
-            <a:ext cx="1219200" cy="1219200"/>
-          </a:xfrm>
-          <a:prstGeom prst="rect">
-            <a:avLst/>
-          </a:prstGeom>
-        </p:spPr>
-      </p:pic>
-      <p:pic>
-        <p:nvPicPr>
-          <p:cNvPr id="15" name="Picture 14"/>
-          <p:cNvPicPr>
-            <a:picLocks noChangeAspect="1"/>
-          </p:cNvPicPr>
-          <p:nvPr/>
-        </p:nvPicPr>
-        <p:blipFill>
-          <a:blip r:embed="rId15">
-            <a:lum bright="70000" contrast="-70000"/>
-            <a:extLst>
-              <a:ext uri="{28A0092B-C50C-407E-A947-70E740481C1C}">
-                <a14:useLocalDpi xmlns:a14="http://schemas.microsoft.com/office/drawing/2010/main" val="0"/>
-              </a:ext>
-            </a:extLst>
-          </a:blip>
-          <a:stretch>
-            <a:fillRect/>
-          </a:stretch>
-        </p:blipFill>
-        <p:spPr>
-          <a:xfrm>
-            <a:off x="6376800" y="1525686"/>
-            <a:ext cx="1219200" cy="1219200"/>
-          </a:xfrm>
-          <a:prstGeom prst="rect">
-            <a:avLst/>
-          </a:prstGeom>
-        </p:spPr>
-      </p:pic>
-      <p:pic>
-        <p:nvPicPr>
-          <p:cNvPr id="16" name="Picture 15"/>
-          <p:cNvPicPr>
-            <a:picLocks noChangeAspect="1"/>
-          </p:cNvPicPr>
-          <p:nvPr/>
-        </p:nvPicPr>
-        <p:blipFill>
-          <a:blip r:embed="rId16">
-            <a:lum bright="70000" contrast="-70000"/>
-            <a:extLst>
-              <a:ext uri="{28A0092B-C50C-407E-A947-70E740481C1C}">
-                <a14:useLocalDpi xmlns:a14="http://schemas.microsoft.com/office/drawing/2010/main" val="0"/>
-              </a:ext>
-            </a:extLst>
-          </a:blip>
-          <a:stretch>
-            <a:fillRect/>
-          </a:stretch>
-        </p:blipFill>
-        <p:spPr>
-          <a:xfrm>
-            <a:off x="9237900" y="1525686"/>
-            <a:ext cx="1219200" cy="1219200"/>
-          </a:xfrm>
-          <a:prstGeom prst="rect">
-            <a:avLst/>
-          </a:prstGeom>
-        </p:spPr>
-      </p:pic>
-      <p:pic>
-        <p:nvPicPr>
-          <p:cNvPr id="17" name="Picture 16"/>
-          <p:cNvPicPr>
-            <a:picLocks noChangeAspect="1"/>
-          </p:cNvPicPr>
-          <p:nvPr/>
-        </p:nvPicPr>
-        <p:blipFill>
-          <a:blip r:embed="rId17">
-            <a:lum bright="70000" contrast="-70000"/>
-            <a:extLst>
-              <a:ext uri="{28A0092B-C50C-407E-A947-70E740481C1C}">
-                <a14:useLocalDpi xmlns:a14="http://schemas.microsoft.com/office/drawing/2010/main" val="0"/>
-              </a:ext>
-            </a:extLst>
-          </a:blip>
-          <a:stretch>
-            <a:fillRect/>
-          </a:stretch>
-        </p:blipFill>
-        <p:spPr>
-          <a:xfrm>
-            <a:off x="10404571" y="1519943"/>
-            <a:ext cx="1219200" cy="1219200"/>
-          </a:xfrm>
-          <a:prstGeom prst="rect">
-            <a:avLst/>
-          </a:prstGeom>
-        </p:spPr>
-      </p:pic>
-      <p:pic>
-        <p:nvPicPr>
-          <p:cNvPr id="18" name="Picture 17"/>
-          <p:cNvPicPr>
-            <a:picLocks noChangeAspect="1"/>
-          </p:cNvPicPr>
-          <p:nvPr/>
-        </p:nvPicPr>
-        <p:blipFill>
-          <a:blip r:embed="rId18">
-            <a:lum bright="70000" contrast="-70000"/>
-            <a:extLst>
-              <a:ext uri="{28A0092B-C50C-407E-A947-70E740481C1C}">
-                <a14:useLocalDpi xmlns:a14="http://schemas.microsoft.com/office/drawing/2010/main" val="0"/>
-              </a:ext>
-            </a:extLst>
-          </a:blip>
-          <a:stretch>
-            <a:fillRect/>
-          </a:stretch>
-        </p:blipFill>
-        <p:spPr>
-          <a:xfrm>
-            <a:off x="1841371" y="3030143"/>
-            <a:ext cx="1219200" cy="1219200"/>
-          </a:xfrm>
-          <a:prstGeom prst="rect">
-            <a:avLst/>
-          </a:prstGeom>
-        </p:spPr>
-      </p:pic>
-      <p:pic>
-        <p:nvPicPr>
-          <p:cNvPr id="19" name="Picture 18"/>
-          <p:cNvPicPr>
-            <a:picLocks noChangeAspect="1"/>
-          </p:cNvPicPr>
-          <p:nvPr/>
-        </p:nvPicPr>
-        <p:blipFill>
-          <a:blip r:embed="rId19">
-            <a:lum bright="70000" contrast="-70000"/>
-            <a:extLst>
-              <a:ext uri="{28A0092B-C50C-407E-A947-70E740481C1C}">
-                <a14:useLocalDpi xmlns:a14="http://schemas.microsoft.com/office/drawing/2010/main" val="0"/>
-              </a:ext>
-            </a:extLst>
-          </a:blip>
-          <a:stretch>
-            <a:fillRect/>
-          </a:stretch>
-        </p:blipFill>
-        <p:spPr>
-          <a:xfrm>
-            <a:off x="322686" y="3030143"/>
-            <a:ext cx="1219200" cy="1219200"/>
-          </a:xfrm>
-          <a:prstGeom prst="rect">
-            <a:avLst/>
-          </a:prstGeom>
-        </p:spPr>
-      </p:pic>
-      <p:pic>
-        <p:nvPicPr>
-          <p:cNvPr id="20" name="Picture 19"/>
-          <p:cNvPicPr>
-            <a:picLocks noChangeAspect="1"/>
-          </p:cNvPicPr>
-          <p:nvPr/>
-        </p:nvPicPr>
-        <p:blipFill>
-          <a:blip r:embed="rId20">
-            <a:lum bright="70000" contrast="-70000"/>
-            <a:extLst>
-              <a:ext uri="{28A0092B-C50C-407E-A947-70E740481C1C}">
-                <a14:useLocalDpi xmlns:a14="http://schemas.microsoft.com/office/drawing/2010/main" val="0"/>
-              </a:ext>
-            </a:extLst>
-          </a:blip>
-          <a:stretch>
-            <a:fillRect/>
-          </a:stretch>
-        </p:blipFill>
-        <p:spPr>
-          <a:xfrm>
-            <a:off x="4728943" y="3030143"/>
-            <a:ext cx="1219200" cy="1219200"/>
-          </a:xfrm>
-          <a:prstGeom prst="rect">
-            <a:avLst/>
-          </a:prstGeom>
-        </p:spPr>
-      </p:pic>
-      <p:pic>
-        <p:nvPicPr>
-          <p:cNvPr id="21" name="Picture 20"/>
-          <p:cNvPicPr>
-            <a:picLocks noChangeAspect="1"/>
-          </p:cNvPicPr>
-          <p:nvPr/>
-        </p:nvPicPr>
-        <p:blipFill>
-          <a:blip r:embed="rId21">
-            <a:lum bright="70000" contrast="-70000"/>
-            <a:extLst>
-              <a:ext uri="{28A0092B-C50C-407E-A947-70E740481C1C}">
-                <a14:useLocalDpi xmlns:a14="http://schemas.microsoft.com/office/drawing/2010/main" val="0"/>
-              </a:ext>
-            </a:extLst>
-          </a:blip>
-          <a:stretch>
-            <a:fillRect/>
-          </a:stretch>
-        </p:blipFill>
-        <p:spPr>
-          <a:xfrm>
-            <a:off x="3338570" y="3030143"/>
-            <a:ext cx="1219200" cy="1219200"/>
-          </a:xfrm>
-          <a:prstGeom prst="rect">
-            <a:avLst/>
-          </a:prstGeom>
-        </p:spPr>
-      </p:pic>
-      <p:pic>
-        <p:nvPicPr>
-          <p:cNvPr id="22" name="Picture 21"/>
-          <p:cNvPicPr>
-            <a:picLocks noChangeAspect="1"/>
-          </p:cNvPicPr>
-          <p:nvPr/>
-        </p:nvPicPr>
-        <p:blipFill>
-          <a:blip r:embed="rId22">
-            <a:lum bright="70000" contrast="-70000"/>
-            <a:extLst>
-              <a:ext uri="{28A0092B-C50C-407E-A947-70E740481C1C}">
-                <a14:useLocalDpi xmlns:a14="http://schemas.microsoft.com/office/drawing/2010/main" val="0"/>
-              </a:ext>
-            </a:extLst>
-          </a:blip>
-          <a:stretch>
-            <a:fillRect/>
-          </a:stretch>
-        </p:blipFill>
-        <p:spPr>
-          <a:xfrm>
-            <a:off x="1835343" y="4534600"/>
-            <a:ext cx="1219200" cy="1219200"/>
-          </a:xfrm>
-          <a:prstGeom prst="rect">
-            <a:avLst/>
-          </a:prstGeom>
-        </p:spPr>
-      </p:pic>
-      <p:pic>
-        <p:nvPicPr>
-          <p:cNvPr id="23" name="Picture 22"/>
-          <p:cNvPicPr>
-            <a:picLocks noChangeAspect="1"/>
-          </p:cNvPicPr>
-          <p:nvPr/>
-        </p:nvPicPr>
-        <p:blipFill>
-          <a:blip r:embed="rId23">
-            <a:lum bright="70000" contrast="-70000"/>
-            <a:extLst>
-              <a:ext uri="{28A0092B-C50C-407E-A947-70E740481C1C}">
-                <a14:useLocalDpi xmlns:a14="http://schemas.microsoft.com/office/drawing/2010/main" val="0"/>
-              </a:ext>
-            </a:extLst>
-          </a:blip>
-          <a:stretch>
-            <a:fillRect/>
-          </a:stretch>
-        </p:blipFill>
-        <p:spPr>
-          <a:xfrm>
-            <a:off x="322686" y="4534600"/>
-            <a:ext cx="1219200" cy="1219200"/>
-          </a:xfrm>
-          <a:prstGeom prst="rect">
-            <a:avLst/>
-          </a:prstGeom>
-        </p:spPr>
-      </p:pic>
-      <p:pic>
-        <p:nvPicPr>
-          <p:cNvPr id="24" name="Picture 23"/>
-          <p:cNvPicPr>
-            <a:picLocks noChangeAspect="1"/>
-          </p:cNvPicPr>
-          <p:nvPr/>
-        </p:nvPicPr>
-        <p:blipFill>
-          <a:blip r:embed="rId24">
-            <a:lum bright="70000" contrast="-70000"/>
-            <a:extLst>
-              <a:ext uri="{28A0092B-C50C-407E-A947-70E740481C1C}">
-                <a14:useLocalDpi xmlns:a14="http://schemas.microsoft.com/office/drawing/2010/main" val="0"/>
-              </a:ext>
-            </a:extLst>
-          </a:blip>
-          <a:stretch>
-            <a:fillRect/>
-          </a:stretch>
-        </p:blipFill>
-        <p:spPr>
-          <a:xfrm>
-            <a:off x="6376800" y="3162943"/>
-            <a:ext cx="1219200" cy="1219200"/>
-          </a:xfrm>
-          <a:prstGeom prst="rect">
-            <a:avLst/>
-          </a:prstGeom>
-        </p:spPr>
-      </p:pic>
-      <p:pic>
-        <p:nvPicPr>
-          <p:cNvPr id="25" name="Picture 24"/>
-          <p:cNvPicPr>
-            <a:picLocks noChangeAspect="1"/>
-          </p:cNvPicPr>
-          <p:nvPr/>
-        </p:nvPicPr>
-        <p:blipFill>
-          <a:blip r:embed="rId25">
-            <a:lum bright="70000" contrast="-70000"/>
-            <a:extLst>
-              <a:ext uri="{28A0092B-C50C-407E-A947-70E740481C1C}">
-                <a14:useLocalDpi xmlns:a14="http://schemas.microsoft.com/office/drawing/2010/main" val="0"/>
-              </a:ext>
-            </a:extLst>
-          </a:blip>
-          <a:stretch>
-            <a:fillRect/>
-          </a:stretch>
-        </p:blipFill>
-        <p:spPr>
-          <a:xfrm>
-            <a:off x="10404571" y="3109800"/>
-            <a:ext cx="1219200" cy="1219200"/>
-          </a:xfrm>
-          <a:prstGeom prst="rect">
-            <a:avLst/>
-          </a:prstGeom>
-        </p:spPr>
-      </p:pic>
-      <p:pic>
-        <p:nvPicPr>
-          <p:cNvPr id="26" name="Picture 25"/>
-          <p:cNvPicPr>
-            <a:picLocks noChangeAspect="1"/>
-          </p:cNvPicPr>
-          <p:nvPr/>
-        </p:nvPicPr>
-        <p:blipFill>
-          <a:blip r:embed="rId26">
-            <a:lum bright="70000" contrast="-70000"/>
-            <a:extLst>
-              <a:ext uri="{28A0092B-C50C-407E-A947-70E740481C1C}">
-                <a14:useLocalDpi xmlns:a14="http://schemas.microsoft.com/office/drawing/2010/main" val="0"/>
-              </a:ext>
-            </a:extLst>
-          </a:blip>
-          <a:stretch>
-            <a:fillRect/>
-          </a:stretch>
-        </p:blipFill>
-        <p:spPr>
-          <a:xfrm>
-            <a:off x="3338570" y="4534600"/>
-            <a:ext cx="1219200" cy="1219200"/>
-          </a:xfrm>
-          <a:prstGeom prst="rect">
-            <a:avLst/>
-          </a:prstGeom>
-        </p:spPr>
-      </p:pic>
-      <p:pic>
-        <p:nvPicPr>
-          <p:cNvPr id="27" name="Picture 26"/>
-          <p:cNvPicPr>
-            <a:picLocks noChangeAspect="1"/>
-          </p:cNvPicPr>
-          <p:nvPr/>
-        </p:nvPicPr>
-        <p:blipFill>
-          <a:blip r:embed="rId27">
-            <a:lum bright="70000" contrast="-70000"/>
-            <a:extLst>
-              <a:ext uri="{28A0092B-C50C-407E-A947-70E740481C1C}">
-                <a14:useLocalDpi xmlns:a14="http://schemas.microsoft.com/office/drawing/2010/main" val="0"/>
-              </a:ext>
-            </a:extLst>
-          </a:blip>
-          <a:stretch>
-            <a:fillRect/>
-          </a:stretch>
-        </p:blipFill>
-        <p:spPr>
-          <a:xfrm>
-            <a:off x="4831171" y="4560286"/>
-            <a:ext cx="1219200" cy="1219200"/>
-          </a:xfrm>
-          <a:prstGeom prst="rect">
-            <a:avLst/>
-          </a:prstGeom>
-        </p:spPr>
-      </p:pic>
-      <p:pic>
-        <p:nvPicPr>
-          <p:cNvPr id="28" name="Picture 27"/>
-          <p:cNvPicPr>
-            <a:picLocks noChangeAspect="1"/>
-          </p:cNvPicPr>
-          <p:nvPr/>
-        </p:nvPicPr>
-        <p:blipFill>
-          <a:blip r:embed="rId28">
-            <a:lum bright="70000" contrast="-70000"/>
-            <a:extLst>
-              <a:ext uri="{28A0092B-C50C-407E-A947-70E740481C1C}">
-                <a14:useLocalDpi xmlns:a14="http://schemas.microsoft.com/office/drawing/2010/main" val="0"/>
-              </a:ext>
-            </a:extLst>
-          </a:blip>
-          <a:stretch>
-            <a:fillRect/>
-          </a:stretch>
-        </p:blipFill>
-        <p:spPr>
-          <a:xfrm>
-            <a:off x="9028286" y="4560286"/>
-            <a:ext cx="1219200" cy="1219200"/>
-          </a:xfrm>
-          <a:prstGeom prst="rect">
-            <a:avLst/>
-          </a:prstGeom>
-        </p:spPr>
-      </p:pic>
-      <p:pic>
-        <p:nvPicPr>
-          <p:cNvPr id="29" name="Picture 28"/>
-          <p:cNvPicPr>
-            <a:picLocks noChangeAspect="1"/>
-          </p:cNvPicPr>
-          <p:nvPr/>
-        </p:nvPicPr>
-        <p:blipFill>
-          <a:blip r:embed="rId29">
-            <a:lum bright="70000" contrast="-70000"/>
-            <a:extLst>
-              <a:ext uri="{28A0092B-C50C-407E-A947-70E740481C1C}">
-                <a14:useLocalDpi xmlns:a14="http://schemas.microsoft.com/office/drawing/2010/main" val="0"/>
-              </a:ext>
-            </a:extLst>
-          </a:blip>
-          <a:stretch>
-            <a:fillRect/>
-          </a:stretch>
-        </p:blipFill>
-        <p:spPr>
-          <a:xfrm>
-            <a:off x="8955600" y="3315400"/>
-            <a:ext cx="1219200" cy="1219200"/>
-          </a:xfrm>
-          <a:prstGeom prst="rect">
-            <a:avLst/>
-          </a:prstGeom>
-        </p:spPr>
-      </p:pic>
-      <p:pic>
-        <p:nvPicPr>
-          <p:cNvPr id="30" name="Picture 29"/>
-          <p:cNvPicPr>
-            <a:picLocks noChangeAspect="1"/>
-          </p:cNvPicPr>
-          <p:nvPr/>
-        </p:nvPicPr>
-        <p:blipFill>
-          <a:blip r:embed="rId30">
-            <a:lum bright="70000" contrast="-70000"/>
-            <a:extLst>
-              <a:ext uri="{28A0092B-C50C-407E-A947-70E740481C1C}">
-                <a14:useLocalDpi xmlns:a14="http://schemas.microsoft.com/office/drawing/2010/main" val="0"/>
-              </a:ext>
-            </a:extLst>
-          </a:blip>
-          <a:stretch>
-            <a:fillRect/>
-          </a:stretch>
-        </p:blipFill>
-        <p:spPr>
-          <a:xfrm>
-            <a:off x="10457100" y="4534600"/>
-            <a:ext cx="1219200" cy="1219200"/>
-          </a:xfrm>
-          <a:prstGeom prst="rect">
-            <a:avLst/>
-          </a:prstGeom>
-        </p:spPr>
-      </p:pic>
+      <p:sp>
+        <p:nvSpPr>
+          <p:cNvPr id="7" name="Text Placeholder 6"/>
+          <p:cNvSpPr>
+            <a:spLocks noGrp="1"/>
+          </p:cNvSpPr>
+          <p:nvPr>
+            <p:ph type="body" idx="1"/>
+          </p:nvPr>
+        </p:nvSpPr>
+        <p:spPr/>
+        <p:txBody>
+          <a:bodyPr/>
+          <a:lstStyle/>
+          <a:p>
+            <a:r>
+              <a:rPr lang="en-US" dirty="0"/>
+              <a:t>Demo Title</a:t>
+            </a:r>
+          </a:p>
+        </p:txBody>
+      </p:sp>
     </p:spTree>
     <p:extLst>
       <p:ext uri="{BB962C8B-B14F-4D97-AF65-F5344CB8AC3E}">
-        <p14:creationId xmlns:p14="http://schemas.microsoft.com/office/powerpoint/2010/main" val="823657930"/>
+        <p14:creationId xmlns:p14="http://schemas.microsoft.com/office/powerpoint/2010/main" val="3216050713"/>
       </p:ext>
     </p:extLst>
   </p:cSld>
@@ -12221,7 +10909,7 @@
       </p:grpSpPr>
       <p:pic>
         <p:nvPicPr>
-          <p:cNvPr id="2" name="Picture 1"/>
+          <p:cNvPr id="11" name="Picture 10"/>
           <p:cNvPicPr>
             <a:picLocks noChangeAspect="1"/>
           </p:cNvPicPr>
@@ -12229,30 +10917,29 @@
         </p:nvPicPr>
         <p:blipFill>
           <a:blip r:embed="rId2">
-            <a:lum bright="70000" contrast="-70000"/>
-            <a:extLst>
-              <a:ext uri="{28A0092B-C50C-407E-A947-70E740481C1C}">
-                <a14:useLocalDpi xmlns:a14="http://schemas.microsoft.com/office/drawing/2010/main" val="0"/>
-              </a:ext>
-            </a:extLst>
-          </a:blip>
-          <a:stretch>
-            <a:fillRect/>
-          </a:stretch>
-        </p:blipFill>
-        <p:spPr>
-          <a:xfrm>
-            <a:off x="130628" y="359229"/>
-            <a:ext cx="1219200" cy="1219200"/>
-          </a:xfrm>
-          <a:prstGeom prst="rect">
-            <a:avLst/>
-          </a:prstGeom>
-        </p:spPr>
-      </p:pic>
-      <p:pic>
-        <p:nvPicPr>
-          <p:cNvPr id="3" name="Picture 2"/>
+            <a:extLst>
+              <a:ext uri="{28A0092B-C50C-407E-A947-70E740481C1C}">
+                <a14:useLocalDpi xmlns:a14="http://schemas.microsoft.com/office/drawing/2010/main" val="0"/>
+              </a:ext>
+            </a:extLst>
+          </a:blip>
+          <a:stretch>
+            <a:fillRect/>
+          </a:stretch>
+        </p:blipFill>
+        <p:spPr>
+          <a:xfrm>
+            <a:off x="2207458" y="453313"/>
+            <a:ext cx="457200" cy="457200"/>
+          </a:xfrm>
+          <a:prstGeom prst="rect">
+            <a:avLst/>
+          </a:prstGeom>
+        </p:spPr>
+      </p:pic>
+      <p:pic>
+        <p:nvPicPr>
+          <p:cNvPr id="12" name="Picture 11"/>
           <p:cNvPicPr>
             <a:picLocks noChangeAspect="1"/>
           </p:cNvPicPr>
@@ -12260,30 +10947,29 @@
         </p:nvPicPr>
         <p:blipFill>
           <a:blip r:embed="rId3">
-            <a:lum bright="70000" contrast="-70000"/>
-            <a:extLst>
-              <a:ext uri="{28A0092B-C50C-407E-A947-70E740481C1C}">
-                <a14:useLocalDpi xmlns:a14="http://schemas.microsoft.com/office/drawing/2010/main" val="0"/>
-              </a:ext>
-            </a:extLst>
-          </a:blip>
-          <a:stretch>
-            <a:fillRect/>
-          </a:stretch>
-        </p:blipFill>
-        <p:spPr>
-          <a:xfrm>
-            <a:off x="94399" y="4550571"/>
-            <a:ext cx="1219200" cy="1219200"/>
-          </a:xfrm>
-          <a:prstGeom prst="rect">
-            <a:avLst/>
-          </a:prstGeom>
-        </p:spPr>
-      </p:pic>
-      <p:pic>
-        <p:nvPicPr>
-          <p:cNvPr id="4" name="Picture 3"/>
+            <a:extLst>
+              <a:ext uri="{28A0092B-C50C-407E-A947-70E740481C1C}">
+                <a14:useLocalDpi xmlns:a14="http://schemas.microsoft.com/office/drawing/2010/main" val="0"/>
+              </a:ext>
+            </a:extLst>
+          </a:blip>
+          <a:stretch>
+            <a:fillRect/>
+          </a:stretch>
+        </p:blipFill>
+        <p:spPr>
+          <a:xfrm>
+            <a:off x="1294229" y="453399"/>
+            <a:ext cx="457200" cy="457200"/>
+          </a:xfrm>
+          <a:prstGeom prst="rect">
+            <a:avLst/>
+          </a:prstGeom>
+        </p:spPr>
+      </p:pic>
+      <p:pic>
+        <p:nvPicPr>
+          <p:cNvPr id="13" name="Picture 12"/>
           <p:cNvPicPr>
             <a:picLocks noChangeAspect="1"/>
           </p:cNvPicPr>
@@ -12291,30 +10977,29 @@
         </p:nvPicPr>
         <p:blipFill>
           <a:blip r:embed="rId4">
-            <a:lum bright="70000" contrast="-70000"/>
-            <a:extLst>
-              <a:ext uri="{28A0092B-C50C-407E-A947-70E740481C1C}">
-                <a14:useLocalDpi xmlns:a14="http://schemas.microsoft.com/office/drawing/2010/main" val="0"/>
-              </a:ext>
-            </a:extLst>
-          </a:blip>
-          <a:stretch>
-            <a:fillRect/>
-          </a:stretch>
-        </p:blipFill>
-        <p:spPr>
-          <a:xfrm>
-            <a:off x="94399" y="3153457"/>
-            <a:ext cx="1219200" cy="1219200"/>
-          </a:xfrm>
-          <a:prstGeom prst="rect">
-            <a:avLst/>
-          </a:prstGeom>
-        </p:spPr>
-      </p:pic>
-      <p:pic>
-        <p:nvPicPr>
-          <p:cNvPr id="5" name="Picture 4"/>
+            <a:extLst>
+              <a:ext uri="{28A0092B-C50C-407E-A947-70E740481C1C}">
+                <a14:useLocalDpi xmlns:a14="http://schemas.microsoft.com/office/drawing/2010/main" val="0"/>
+              </a:ext>
+            </a:extLst>
+          </a:blip>
+          <a:stretch>
+            <a:fillRect/>
+          </a:stretch>
+        </p:blipFill>
+        <p:spPr>
+          <a:xfrm>
+            <a:off x="381000" y="453399"/>
+            <a:ext cx="457200" cy="457200"/>
+          </a:xfrm>
+          <a:prstGeom prst="rect">
+            <a:avLst/>
+          </a:prstGeom>
+        </p:spPr>
+      </p:pic>
+      <p:pic>
+        <p:nvPicPr>
+          <p:cNvPr id="15" name="Picture 14"/>
           <p:cNvPicPr>
             <a:picLocks noChangeAspect="1"/>
           </p:cNvPicPr>
@@ -12335,17 +11020,17 @@
         </p:blipFill>
         <p:spPr>
           <a:xfrm>
-            <a:off x="94399" y="1756343"/>
-            <a:ext cx="1219200" cy="1219200"/>
-          </a:xfrm>
-          <a:prstGeom prst="rect">
-            <a:avLst/>
-          </a:prstGeom>
-        </p:spPr>
-      </p:pic>
-      <p:pic>
-        <p:nvPicPr>
-          <p:cNvPr id="6" name="Picture 5"/>
+            <a:off x="303629" y="1070428"/>
+            <a:ext cx="1219200" cy="1219200"/>
+          </a:xfrm>
+          <a:prstGeom prst="rect">
+            <a:avLst/>
+          </a:prstGeom>
+        </p:spPr>
+      </p:pic>
+      <p:pic>
+        <p:nvPicPr>
+          <p:cNvPr id="279" name="Picture 278"/>
           <p:cNvPicPr>
             <a:picLocks noChangeAspect="1"/>
           </p:cNvPicPr>
@@ -12366,17 +11051,17 @@
         </p:blipFill>
         <p:spPr>
           <a:xfrm>
-            <a:off x="1652285" y="359229"/>
-            <a:ext cx="1219200" cy="1219200"/>
-          </a:xfrm>
-          <a:prstGeom prst="rect">
-            <a:avLst/>
-          </a:prstGeom>
-        </p:spPr>
-      </p:pic>
-      <p:pic>
-        <p:nvPicPr>
-          <p:cNvPr id="7" name="Picture 6"/>
+            <a:off x="2950029" y="1070428"/>
+            <a:ext cx="1219200" cy="1219200"/>
+          </a:xfrm>
+          <a:prstGeom prst="rect">
+            <a:avLst/>
+          </a:prstGeom>
+        </p:spPr>
+      </p:pic>
+      <p:pic>
+        <p:nvPicPr>
+          <p:cNvPr id="280" name="Picture 279"/>
           <p:cNvPicPr>
             <a:picLocks noChangeAspect="1"/>
           </p:cNvPicPr>
@@ -12397,17 +11082,17 @@
         </p:blipFill>
         <p:spPr>
           <a:xfrm>
-            <a:off x="1652285" y="1756343"/>
-            <a:ext cx="1219200" cy="1219200"/>
-          </a:xfrm>
-          <a:prstGeom prst="rect">
-            <a:avLst/>
-          </a:prstGeom>
-        </p:spPr>
-      </p:pic>
-      <p:pic>
-        <p:nvPicPr>
-          <p:cNvPr id="8" name="Picture 7"/>
+            <a:off x="1626829" y="1070428"/>
+            <a:ext cx="1219200" cy="1219200"/>
+          </a:xfrm>
+          <a:prstGeom prst="rect">
+            <a:avLst/>
+          </a:prstGeom>
+        </p:spPr>
+      </p:pic>
+      <p:pic>
+        <p:nvPicPr>
+          <p:cNvPr id="281" name="Picture 280"/>
           <p:cNvPicPr>
             <a:picLocks noChangeAspect="1"/>
           </p:cNvPicPr>
@@ -12428,17 +11113,17 @@
         </p:blipFill>
         <p:spPr>
           <a:xfrm>
-            <a:off x="1652285" y="4550571"/>
-            <a:ext cx="1219200" cy="1219200"/>
-          </a:xfrm>
-          <a:prstGeom prst="rect">
-            <a:avLst/>
-          </a:prstGeom>
-        </p:spPr>
-      </p:pic>
-      <p:pic>
-        <p:nvPicPr>
-          <p:cNvPr id="9" name="Picture 8"/>
+            <a:off x="5596429" y="1107999"/>
+            <a:ext cx="1219200" cy="1219200"/>
+          </a:xfrm>
+          <a:prstGeom prst="rect">
+            <a:avLst/>
+          </a:prstGeom>
+        </p:spPr>
+      </p:pic>
+      <p:pic>
+        <p:nvPicPr>
+          <p:cNvPr id="282" name="Picture 281"/>
           <p:cNvPicPr>
             <a:picLocks noChangeAspect="1"/>
           </p:cNvPicPr>
@@ -12459,17 +11144,17 @@
         </p:blipFill>
         <p:spPr>
           <a:xfrm>
-            <a:off x="1613599" y="3153457"/>
-            <a:ext cx="1219200" cy="1219200"/>
-          </a:xfrm>
-          <a:prstGeom prst="rect">
-            <a:avLst/>
-          </a:prstGeom>
-        </p:spPr>
-      </p:pic>
-      <p:pic>
-        <p:nvPicPr>
-          <p:cNvPr id="10" name="Picture 9"/>
+            <a:off x="4273229" y="1070428"/>
+            <a:ext cx="1219200" cy="1219200"/>
+          </a:xfrm>
+          <a:prstGeom prst="rect">
+            <a:avLst/>
+          </a:prstGeom>
+        </p:spPr>
+      </p:pic>
+      <p:pic>
+        <p:nvPicPr>
+          <p:cNvPr id="283" name="Picture 282"/>
           <p:cNvPicPr>
             <a:picLocks noChangeAspect="1"/>
           </p:cNvPicPr>
@@ -12490,17 +11175,17 @@
         </p:blipFill>
         <p:spPr>
           <a:xfrm>
-            <a:off x="3173942" y="1813229"/>
-            <a:ext cx="1219200" cy="1219200"/>
-          </a:xfrm>
-          <a:prstGeom prst="rect">
-            <a:avLst/>
-          </a:prstGeom>
-        </p:spPr>
-      </p:pic>
-      <p:pic>
-        <p:nvPicPr>
-          <p:cNvPr id="11" name="Picture 10"/>
+            <a:off x="6919629" y="1107999"/>
+            <a:ext cx="1219200" cy="1219200"/>
+          </a:xfrm>
+          <a:prstGeom prst="rect">
+            <a:avLst/>
+          </a:prstGeom>
+        </p:spPr>
+      </p:pic>
+      <p:pic>
+        <p:nvPicPr>
+          <p:cNvPr id="284" name="Picture 283"/>
           <p:cNvPicPr>
             <a:picLocks noChangeAspect="1"/>
           </p:cNvPicPr>
@@ -12521,17 +11206,17 @@
         </p:blipFill>
         <p:spPr>
           <a:xfrm>
-            <a:off x="3173942" y="359229"/>
-            <a:ext cx="1219200" cy="1219200"/>
-          </a:xfrm>
-          <a:prstGeom prst="rect">
-            <a:avLst/>
-          </a:prstGeom>
-        </p:spPr>
-      </p:pic>
-      <p:pic>
-        <p:nvPicPr>
-          <p:cNvPr id="12" name="Picture 11"/>
+            <a:off x="9105600" y="1070428"/>
+            <a:ext cx="1219200" cy="1219200"/>
+          </a:xfrm>
+          <a:prstGeom prst="rect">
+            <a:avLst/>
+          </a:prstGeom>
+        </p:spPr>
+      </p:pic>
+      <p:pic>
+        <p:nvPicPr>
+          <p:cNvPr id="285" name="Picture 284"/>
           <p:cNvPicPr>
             <a:picLocks noChangeAspect="1"/>
           </p:cNvPicPr>
@@ -12552,17 +11237,17 @@
         </p:blipFill>
         <p:spPr>
           <a:xfrm>
-            <a:off x="3198342" y="3153457"/>
-            <a:ext cx="1219200" cy="1219200"/>
-          </a:xfrm>
-          <a:prstGeom prst="rect">
-            <a:avLst/>
-          </a:prstGeom>
-        </p:spPr>
-      </p:pic>
-      <p:pic>
-        <p:nvPicPr>
-          <p:cNvPr id="13" name="Picture 12"/>
+            <a:off x="7988286" y="1070428"/>
+            <a:ext cx="1219200" cy="1219200"/>
+          </a:xfrm>
+          <a:prstGeom prst="rect">
+            <a:avLst/>
+          </a:prstGeom>
+        </p:spPr>
+      </p:pic>
+      <p:pic>
+        <p:nvPicPr>
+          <p:cNvPr id="286" name="Picture 285"/>
           <p:cNvPicPr>
             <a:picLocks noChangeAspect="1"/>
           </p:cNvPicPr>
@@ -12583,17 +11268,17 @@
         </p:blipFill>
         <p:spPr>
           <a:xfrm>
-            <a:off x="3157485" y="4607457"/>
-            <a:ext cx="1219200" cy="1219200"/>
-          </a:xfrm>
-          <a:prstGeom prst="rect">
-            <a:avLst/>
-          </a:prstGeom>
-        </p:spPr>
-      </p:pic>
-      <p:pic>
-        <p:nvPicPr>
-          <p:cNvPr id="14" name="Picture 13"/>
+            <a:off x="303629" y="2185742"/>
+            <a:ext cx="1219200" cy="1219200"/>
+          </a:xfrm>
+          <a:prstGeom prst="rect">
+            <a:avLst/>
+          </a:prstGeom>
+        </p:spPr>
+      </p:pic>
+      <p:pic>
+        <p:nvPicPr>
+          <p:cNvPr id="287" name="Picture 286"/>
           <p:cNvPicPr>
             <a:picLocks noChangeAspect="1"/>
           </p:cNvPicPr>
@@ -12614,17 +11299,17 @@
         </p:blipFill>
         <p:spPr>
           <a:xfrm>
-            <a:off x="4695599" y="1756343"/>
-            <a:ext cx="1219200" cy="1219200"/>
-          </a:xfrm>
-          <a:prstGeom prst="rect">
-            <a:avLst/>
-          </a:prstGeom>
-        </p:spPr>
-      </p:pic>
-      <p:pic>
-        <p:nvPicPr>
-          <p:cNvPr id="15" name="Picture 14"/>
+            <a:off x="10484143" y="1070428"/>
+            <a:ext cx="1219200" cy="1219200"/>
+          </a:xfrm>
+          <a:prstGeom prst="rect">
+            <a:avLst/>
+          </a:prstGeom>
+        </p:spPr>
+      </p:pic>
+      <p:pic>
+        <p:nvPicPr>
+          <p:cNvPr id="288" name="Picture 287"/>
           <p:cNvPicPr>
             <a:picLocks noChangeAspect="1"/>
           </p:cNvPicPr>
@@ -12645,17 +11330,17 @@
         </p:blipFill>
         <p:spPr>
           <a:xfrm>
-            <a:off x="4727399" y="360686"/>
-            <a:ext cx="1219200" cy="1219200"/>
-          </a:xfrm>
-          <a:prstGeom prst="rect">
-            <a:avLst/>
-          </a:prstGeom>
-        </p:spPr>
-      </p:pic>
-      <p:pic>
-        <p:nvPicPr>
-          <p:cNvPr id="16" name="Picture 15"/>
+            <a:off x="2923629" y="2421599"/>
+            <a:ext cx="1219200" cy="1219200"/>
+          </a:xfrm>
+          <a:prstGeom prst="rect">
+            <a:avLst/>
+          </a:prstGeom>
+        </p:spPr>
+      </p:pic>
+      <p:pic>
+        <p:nvPicPr>
+          <p:cNvPr id="289" name="Picture 288"/>
           <p:cNvPicPr>
             <a:picLocks noChangeAspect="1"/>
           </p:cNvPicPr>
@@ -12676,17 +11361,17 @@
         </p:blipFill>
         <p:spPr>
           <a:xfrm>
-            <a:off x="6280856" y="359229"/>
-            <a:ext cx="1219200" cy="1219200"/>
-          </a:xfrm>
-          <a:prstGeom prst="rect">
-            <a:avLst/>
-          </a:prstGeom>
-        </p:spPr>
-      </p:pic>
-      <p:pic>
-        <p:nvPicPr>
-          <p:cNvPr id="17" name="Picture 16"/>
+            <a:off x="4273229" y="2454485"/>
+            <a:ext cx="1219200" cy="1219200"/>
+          </a:xfrm>
+          <a:prstGeom prst="rect">
+            <a:avLst/>
+          </a:prstGeom>
+        </p:spPr>
+      </p:pic>
+      <p:pic>
+        <p:nvPicPr>
+          <p:cNvPr id="290" name="Picture 289"/>
           <p:cNvPicPr>
             <a:picLocks noChangeAspect="1"/>
           </p:cNvPicPr>
@@ -12707,17 +11392,17 @@
         </p:blipFill>
         <p:spPr>
           <a:xfrm>
-            <a:off x="4783085" y="3247857"/>
-            <a:ext cx="1219200" cy="1219200"/>
-          </a:xfrm>
-          <a:prstGeom prst="rect">
-            <a:avLst/>
-          </a:prstGeom>
-        </p:spPr>
-      </p:pic>
-      <p:pic>
-        <p:nvPicPr>
-          <p:cNvPr id="18" name="Picture 17"/>
+            <a:off x="1704429" y="2421599"/>
+            <a:ext cx="1219200" cy="1219200"/>
+          </a:xfrm>
+          <a:prstGeom prst="rect">
+            <a:avLst/>
+          </a:prstGeom>
+        </p:spPr>
+      </p:pic>
+      <p:pic>
+        <p:nvPicPr>
+          <p:cNvPr id="291" name="Picture 290"/>
           <p:cNvPicPr>
             <a:picLocks noChangeAspect="1"/>
           </p:cNvPicPr>
@@ -12738,17 +11423,17 @@
         </p:blipFill>
         <p:spPr>
           <a:xfrm>
-            <a:off x="4826685" y="4643514"/>
-            <a:ext cx="1219200" cy="1219200"/>
-          </a:xfrm>
-          <a:prstGeom prst="rect">
-            <a:avLst/>
-          </a:prstGeom>
-        </p:spPr>
-      </p:pic>
-      <p:pic>
-        <p:nvPicPr>
-          <p:cNvPr id="19" name="Picture 18"/>
+            <a:off x="6976800" y="2439628"/>
+            <a:ext cx="1219200" cy="1219200"/>
+          </a:xfrm>
+          <a:prstGeom prst="rect">
+            <a:avLst/>
+          </a:prstGeom>
+        </p:spPr>
+      </p:pic>
+      <p:pic>
+        <p:nvPicPr>
+          <p:cNvPr id="292" name="Picture 291"/>
           <p:cNvPicPr>
             <a:picLocks noChangeAspect="1"/>
           </p:cNvPicPr>
@@ -12769,17 +11454,17 @@
         </p:blipFill>
         <p:spPr>
           <a:xfrm>
-            <a:off x="6280856" y="3247857"/>
-            <a:ext cx="1219200" cy="1219200"/>
-          </a:xfrm>
-          <a:prstGeom prst="rect">
-            <a:avLst/>
-          </a:prstGeom>
-        </p:spPr>
-      </p:pic>
-      <p:pic>
-        <p:nvPicPr>
-          <p:cNvPr id="20" name="Picture 19"/>
+            <a:off x="5622829" y="2454485"/>
+            <a:ext cx="1219200" cy="1219200"/>
+          </a:xfrm>
+          <a:prstGeom prst="rect">
+            <a:avLst/>
+          </a:prstGeom>
+        </p:spPr>
+      </p:pic>
+      <p:pic>
+        <p:nvPicPr>
+          <p:cNvPr id="293" name="Picture 292"/>
           <p:cNvPicPr>
             <a:picLocks noChangeAspect="1"/>
           </p:cNvPicPr>
@@ -12800,17 +11485,17 @@
         </p:blipFill>
         <p:spPr>
           <a:xfrm>
-            <a:off x="6217256" y="1813229"/>
-            <a:ext cx="1219200" cy="1219200"/>
-          </a:xfrm>
-          <a:prstGeom prst="rect">
-            <a:avLst/>
-          </a:prstGeom>
-        </p:spPr>
-      </p:pic>
-      <p:pic>
-        <p:nvPicPr>
-          <p:cNvPr id="21" name="Picture 20"/>
+            <a:off x="8336400" y="2534314"/>
+            <a:ext cx="1219200" cy="1219200"/>
+          </a:xfrm>
+          <a:prstGeom prst="rect">
+            <a:avLst/>
+          </a:prstGeom>
+        </p:spPr>
+      </p:pic>
+      <p:pic>
+        <p:nvPicPr>
+          <p:cNvPr id="294" name="Picture 293"/>
           <p:cNvPicPr>
             <a:picLocks noChangeAspect="1"/>
           </p:cNvPicPr>
@@ -12831,17 +11516,17 @@
         </p:blipFill>
         <p:spPr>
           <a:xfrm>
-            <a:off x="7804999" y="1938286"/>
-            <a:ext cx="1219200" cy="1219200"/>
-          </a:xfrm>
-          <a:prstGeom prst="rect">
-            <a:avLst/>
-          </a:prstGeom>
-        </p:spPr>
-      </p:pic>
-      <p:pic>
-        <p:nvPicPr>
-          <p:cNvPr id="22" name="Picture 21"/>
+            <a:off x="1522829" y="3910656"/>
+            <a:ext cx="1219200" cy="1219200"/>
+          </a:xfrm>
+          <a:prstGeom prst="rect">
+            <a:avLst/>
+          </a:prstGeom>
+        </p:spPr>
+      </p:pic>
+      <p:pic>
+        <p:nvPicPr>
+          <p:cNvPr id="295" name="Picture 294"/>
           <p:cNvPicPr>
             <a:picLocks noChangeAspect="1"/>
           </p:cNvPicPr>
@@ -12862,17 +11547,17 @@
         </p:blipFill>
         <p:spPr>
           <a:xfrm>
-            <a:off x="7804999" y="412829"/>
-            <a:ext cx="1219200" cy="1219200"/>
-          </a:xfrm>
-          <a:prstGeom prst="rect">
-            <a:avLst/>
-          </a:prstGeom>
-        </p:spPr>
-      </p:pic>
-      <p:pic>
-        <p:nvPicPr>
-          <p:cNvPr id="23" name="Picture 22"/>
+            <a:off x="303629" y="4021971"/>
+            <a:ext cx="1219200" cy="1219200"/>
+          </a:xfrm>
+          <a:prstGeom prst="rect">
+            <a:avLst/>
+          </a:prstGeom>
+        </p:spPr>
+      </p:pic>
+      <p:pic>
+        <p:nvPicPr>
+          <p:cNvPr id="296" name="Picture 295"/>
           <p:cNvPicPr>
             <a:picLocks noChangeAspect="1"/>
           </p:cNvPicPr>
@@ -12893,17 +11578,17 @@
         </p:blipFill>
         <p:spPr>
           <a:xfrm>
-            <a:off x="6280856" y="4607457"/>
-            <a:ext cx="1219200" cy="1219200"/>
-          </a:xfrm>
-          <a:prstGeom prst="rect">
-            <a:avLst/>
-          </a:prstGeom>
-        </p:spPr>
-      </p:pic>
-      <p:pic>
-        <p:nvPicPr>
-          <p:cNvPr id="24" name="Picture 23"/>
+            <a:off x="9762315" y="2534314"/>
+            <a:ext cx="1219200" cy="1219200"/>
+          </a:xfrm>
+          <a:prstGeom prst="rect">
+            <a:avLst/>
+          </a:prstGeom>
+        </p:spPr>
+      </p:pic>
+      <p:pic>
+        <p:nvPicPr>
+          <p:cNvPr id="297" name="Picture 296"/>
           <p:cNvPicPr>
             <a:picLocks noChangeAspect="1"/>
           </p:cNvPicPr>
@@ -12924,17 +11609,17 @@
         </p:blipFill>
         <p:spPr>
           <a:xfrm>
-            <a:off x="9324170" y="412829"/>
-            <a:ext cx="1219200" cy="1219200"/>
-          </a:xfrm>
-          <a:prstGeom prst="rect">
-            <a:avLst/>
-          </a:prstGeom>
-        </p:spPr>
-      </p:pic>
-      <p:pic>
-        <p:nvPicPr>
-          <p:cNvPr id="25" name="Picture 24"/>
+            <a:off x="5998771" y="4004171"/>
+            <a:ext cx="1219200" cy="1219200"/>
+          </a:xfrm>
+          <a:prstGeom prst="rect">
+            <a:avLst/>
+          </a:prstGeom>
+        </p:spPr>
+      </p:pic>
+      <p:pic>
+        <p:nvPicPr>
+          <p:cNvPr id="298" name="Picture 297"/>
           <p:cNvPicPr>
             <a:picLocks noChangeAspect="1"/>
           </p:cNvPicPr>
@@ -12955,17 +11640,17 @@
         </p:blipFill>
         <p:spPr>
           <a:xfrm>
-            <a:off x="7778627" y="3247857"/>
-            <a:ext cx="1219200" cy="1219200"/>
-          </a:xfrm>
-          <a:prstGeom prst="rect">
-            <a:avLst/>
-          </a:prstGeom>
-        </p:spPr>
-      </p:pic>
-      <p:pic>
-        <p:nvPicPr>
-          <p:cNvPr id="26" name="Picture 25"/>
+            <a:off x="4526400" y="4021971"/>
+            <a:ext cx="1219200" cy="1219200"/>
+          </a:xfrm>
+          <a:prstGeom prst="rect">
+            <a:avLst/>
+          </a:prstGeom>
+        </p:spPr>
+      </p:pic>
+      <p:pic>
+        <p:nvPicPr>
+          <p:cNvPr id="299" name="Picture 298"/>
           <p:cNvPicPr>
             <a:picLocks noChangeAspect="1"/>
           </p:cNvPicPr>
@@ -12986,17 +11671,17 @@
         </p:blipFill>
         <p:spPr>
           <a:xfrm>
-            <a:off x="7804999" y="4683628"/>
-            <a:ext cx="1219200" cy="1219200"/>
-          </a:xfrm>
-          <a:prstGeom prst="rect">
-            <a:avLst/>
-          </a:prstGeom>
-        </p:spPr>
-      </p:pic>
-      <p:pic>
-        <p:nvPicPr>
-          <p:cNvPr id="27" name="Picture 26"/>
+            <a:off x="3054029" y="4021971"/>
+            <a:ext cx="1219200" cy="1219200"/>
+          </a:xfrm>
+          <a:prstGeom prst="rect">
+            <a:avLst/>
+          </a:prstGeom>
+        </p:spPr>
+      </p:pic>
+      <p:pic>
+        <p:nvPicPr>
+          <p:cNvPr id="300" name="Picture 299"/>
           <p:cNvPicPr>
             <a:picLocks noChangeAspect="1"/>
           </p:cNvPicPr>
@@ -13017,17 +11702,17 @@
         </p:blipFill>
         <p:spPr>
           <a:xfrm>
-            <a:off x="9392742" y="3247857"/>
-            <a:ext cx="1219200" cy="1219200"/>
-          </a:xfrm>
-          <a:prstGeom prst="rect">
-            <a:avLst/>
-          </a:prstGeom>
-        </p:spPr>
-      </p:pic>
-      <p:pic>
-        <p:nvPicPr>
-          <p:cNvPr id="28" name="Picture 27"/>
+            <a:off x="10221542" y="4145971"/>
+            <a:ext cx="1219200" cy="1219200"/>
+          </a:xfrm>
+          <a:prstGeom prst="rect">
+            <a:avLst/>
+          </a:prstGeom>
+        </p:spPr>
+      </p:pic>
+      <p:pic>
+        <p:nvPicPr>
+          <p:cNvPr id="301" name="Picture 300"/>
           <p:cNvPicPr>
             <a:picLocks noChangeAspect="1"/>
           </p:cNvPicPr>
@@ -13048,7 +11733,38 @@
         </p:blipFill>
         <p:spPr>
           <a:xfrm>
-            <a:off x="9392742" y="1813229"/>
+            <a:off x="8858971" y="4120114"/>
+            <a:ext cx="1219200" cy="1219200"/>
+          </a:xfrm>
+          <a:prstGeom prst="rect">
+            <a:avLst/>
+          </a:prstGeom>
+        </p:spPr>
+      </p:pic>
+      <p:pic>
+        <p:nvPicPr>
+          <p:cNvPr id="302" name="Picture 301"/>
+          <p:cNvPicPr>
+            <a:picLocks noChangeAspect="1"/>
+          </p:cNvPicPr>
+          <p:nvPr/>
+        </p:nvPicPr>
+        <p:blipFill>
+          <a:blip r:embed="rId29">
+            <a:lum bright="70000" contrast="-70000"/>
+            <a:extLst>
+              <a:ext uri="{28A0092B-C50C-407E-A947-70E740481C1C}">
+                <a14:useLocalDpi xmlns:a14="http://schemas.microsoft.com/office/drawing/2010/main" val="0"/>
+              </a:ext>
+            </a:extLst>
+          </a:blip>
+          <a:stretch>
+            <a:fillRect/>
+          </a:stretch>
+        </p:blipFill>
+        <p:spPr>
+          <a:xfrm>
+            <a:off x="7471142" y="4120114"/>
             <a:ext cx="1219200" cy="1219200"/>
           </a:xfrm>
           <a:prstGeom prst="rect">
@@ -13059,7 +11775,7 @@
     </p:spTree>
     <p:extLst>
       <p:ext uri="{BB962C8B-B14F-4D97-AF65-F5344CB8AC3E}">
-        <p14:creationId xmlns:p14="http://schemas.microsoft.com/office/powerpoint/2010/main" val="3126433562"/>
+        <p14:creationId xmlns:p14="http://schemas.microsoft.com/office/powerpoint/2010/main" val="2451305448"/>
       </p:ext>
     </p:extLst>
   </p:cSld>
@@ -13109,7 +11825,7 @@
         </p:blipFill>
         <p:spPr>
           <a:xfrm>
-            <a:off x="643486" y="520286"/>
+            <a:off x="322686" y="250829"/>
             <a:ext cx="1219200" cy="1219200"/>
           </a:xfrm>
           <a:prstGeom prst="rect">
@@ -13140,7 +11856,7 @@
         </p:blipFill>
         <p:spPr>
           <a:xfrm>
-            <a:off x="654401" y="3364486"/>
+            <a:off x="1841371" y="306486"/>
             <a:ext cx="1219200" cy="1219200"/>
           </a:xfrm>
           <a:prstGeom prst="rect">
@@ -13171,7 +11887,7 @@
         </p:blipFill>
         <p:spPr>
           <a:xfrm>
-            <a:off x="571600" y="4830522"/>
+            <a:off x="3360056" y="250829"/>
             <a:ext cx="1219200" cy="1219200"/>
           </a:xfrm>
           <a:prstGeom prst="rect">
@@ -13202,7 +11918,7 @@
         </p:blipFill>
         <p:spPr>
           <a:xfrm>
-            <a:off x="2286800" y="4852844"/>
+            <a:off x="4878741" y="249715"/>
             <a:ext cx="1219200" cy="1219200"/>
           </a:xfrm>
           <a:prstGeom prst="rect">
@@ -13233,7 +11949,7 @@
         </p:blipFill>
         <p:spPr>
           <a:xfrm>
-            <a:off x="2155658" y="3397482"/>
+            <a:off x="7736400" y="249715"/>
             <a:ext cx="1219200" cy="1219200"/>
           </a:xfrm>
           <a:prstGeom prst="rect">
@@ -13264,7 +11980,7 @@
         </p:blipFill>
         <p:spPr>
           <a:xfrm>
-            <a:off x="2303086" y="1959441"/>
+            <a:off x="6396057" y="249715"/>
             <a:ext cx="1219200" cy="1219200"/>
           </a:xfrm>
           <a:prstGeom prst="rect">
@@ -13295,7 +12011,7 @@
         </p:blipFill>
         <p:spPr>
           <a:xfrm>
-            <a:off x="2303086" y="521400"/>
+            <a:off x="322686" y="1525686"/>
             <a:ext cx="1219200" cy="1219200"/>
           </a:xfrm>
           <a:prstGeom prst="rect">
@@ -13326,7 +12042,7 @@
         </p:blipFill>
         <p:spPr>
           <a:xfrm>
-            <a:off x="3878400" y="4868530"/>
+            <a:off x="9120229" y="275315"/>
             <a:ext cx="1219200" cy="1219200"/>
           </a:xfrm>
           <a:prstGeom prst="rect">
@@ -13357,7 +12073,7 @@
         </p:blipFill>
         <p:spPr>
           <a:xfrm>
-            <a:off x="3907314" y="3421143"/>
+            <a:off x="10460572" y="306486"/>
             <a:ext cx="1219200" cy="1219200"/>
           </a:xfrm>
           <a:prstGeom prst="rect">
@@ -13388,7 +12104,7 @@
         </p:blipFill>
         <p:spPr>
           <a:xfrm>
-            <a:off x="3907314" y="1750200"/>
+            <a:off x="3179485" y="1494515"/>
             <a:ext cx="1219200" cy="1219200"/>
           </a:xfrm>
           <a:prstGeom prst="rect">
@@ -13419,7 +12135,7 @@
         </p:blipFill>
         <p:spPr>
           <a:xfrm>
-            <a:off x="4074799" y="371400"/>
+            <a:off x="1841371" y="1525686"/>
             <a:ext cx="1219200" cy="1219200"/>
           </a:xfrm>
           <a:prstGeom prst="rect">
@@ -13450,7 +12166,7 @@
         </p:blipFill>
         <p:spPr>
           <a:xfrm>
-            <a:off x="5554400" y="4868530"/>
+            <a:off x="4728943" y="1468915"/>
             <a:ext cx="1219200" cy="1219200"/>
           </a:xfrm>
           <a:prstGeom prst="rect">
@@ -13481,7 +12197,7 @@
         </p:blipFill>
         <p:spPr>
           <a:xfrm>
-            <a:off x="5554400" y="3364486"/>
+            <a:off x="7809086" y="1525686"/>
             <a:ext cx="1219200" cy="1219200"/>
           </a:xfrm>
           <a:prstGeom prst="rect">
@@ -13512,7 +12228,7 @@
         </p:blipFill>
         <p:spPr>
           <a:xfrm>
-            <a:off x="5554400" y="1750200"/>
+            <a:off x="6376800" y="1525686"/>
             <a:ext cx="1219200" cy="1219200"/>
           </a:xfrm>
           <a:prstGeom prst="rect">
@@ -13543,7 +12259,7 @@
         </p:blipFill>
         <p:spPr>
           <a:xfrm>
-            <a:off x="5734399" y="361800"/>
+            <a:off x="9237900" y="1525686"/>
             <a:ext cx="1219200" cy="1219200"/>
           </a:xfrm>
           <a:prstGeom prst="rect">
@@ -13574,7 +12290,7 @@
         </p:blipFill>
         <p:spPr>
           <a:xfrm>
-            <a:off x="7228400" y="4868530"/>
+            <a:off x="10404571" y="1519943"/>
             <a:ext cx="1219200" cy="1219200"/>
           </a:xfrm>
           <a:prstGeom prst="rect">
@@ -13605,7 +12321,7 @@
         </p:blipFill>
         <p:spPr>
           <a:xfrm>
-            <a:off x="8984800" y="4872758"/>
+            <a:off x="1841371" y="3030143"/>
             <a:ext cx="1219200" cy="1219200"/>
           </a:xfrm>
           <a:prstGeom prst="rect">
@@ -13636,7 +12352,7 @@
         </p:blipFill>
         <p:spPr>
           <a:xfrm>
-            <a:off x="10576400" y="4872758"/>
+            <a:off x="322686" y="3030143"/>
             <a:ext cx="1219200" cy="1219200"/>
           </a:xfrm>
           <a:prstGeom prst="rect">
@@ -13667,7 +12383,7 @@
         </p:blipFill>
         <p:spPr>
           <a:xfrm>
-            <a:off x="7337714" y="3421143"/>
+            <a:off x="4728943" y="3030143"/>
             <a:ext cx="1219200" cy="1219200"/>
           </a:xfrm>
           <a:prstGeom prst="rect">
@@ -13698,7 +12414,7 @@
         </p:blipFill>
         <p:spPr>
           <a:xfrm>
-            <a:off x="7337714" y="1791156"/>
+            <a:off x="3338570" y="3030143"/>
             <a:ext cx="1219200" cy="1219200"/>
           </a:xfrm>
           <a:prstGeom prst="rect">
@@ -13729,7 +12445,7 @@
         </p:blipFill>
         <p:spPr>
           <a:xfrm>
-            <a:off x="7337714" y="435085"/>
+            <a:off x="1835343" y="4534600"/>
             <a:ext cx="1219200" cy="1219200"/>
           </a:xfrm>
           <a:prstGeom prst="rect">
@@ -13760,7 +12476,7 @@
         </p:blipFill>
         <p:spPr>
           <a:xfrm>
-            <a:off x="8953200" y="3384857"/>
+            <a:off x="322686" y="4534600"/>
             <a:ext cx="1219200" cy="1219200"/>
           </a:xfrm>
           <a:prstGeom prst="rect">
@@ -13791,7 +12507,7 @@
         </p:blipFill>
         <p:spPr>
           <a:xfrm>
-            <a:off x="8984800" y="1816042"/>
+            <a:off x="6376800" y="3162943"/>
             <a:ext cx="1219200" cy="1219200"/>
           </a:xfrm>
           <a:prstGeom prst="rect">
@@ -13822,7 +12538,7 @@
         </p:blipFill>
         <p:spPr>
           <a:xfrm>
-            <a:off x="10683085" y="3400200"/>
+            <a:off x="10404571" y="3109800"/>
             <a:ext cx="1219200" cy="1219200"/>
           </a:xfrm>
           <a:prstGeom prst="rect">
@@ -13853,7 +12569,7 @@
         </p:blipFill>
         <p:spPr>
           <a:xfrm>
-            <a:off x="8984800" y="326114"/>
+            <a:off x="3338570" y="4534600"/>
             <a:ext cx="1219200" cy="1219200"/>
           </a:xfrm>
           <a:prstGeom prst="rect">
@@ -13884,7 +12600,7 @@
         </p:blipFill>
         <p:spPr>
           <a:xfrm>
-            <a:off x="10504000" y="1927642"/>
+            <a:off x="4831171" y="4560286"/>
             <a:ext cx="1219200" cy="1219200"/>
           </a:xfrm>
           <a:prstGeom prst="rect">
@@ -13915,7 +12631,69 @@
         </p:blipFill>
         <p:spPr>
           <a:xfrm>
-            <a:off x="10504000" y="314828"/>
+            <a:off x="9028286" y="4560286"/>
+            <a:ext cx="1219200" cy="1219200"/>
+          </a:xfrm>
+          <a:prstGeom prst="rect">
+            <a:avLst/>
+          </a:prstGeom>
+        </p:spPr>
+      </p:pic>
+      <p:pic>
+        <p:nvPicPr>
+          <p:cNvPr id="29" name="Picture 28"/>
+          <p:cNvPicPr>
+            <a:picLocks noChangeAspect="1"/>
+          </p:cNvPicPr>
+          <p:nvPr/>
+        </p:nvPicPr>
+        <p:blipFill>
+          <a:blip r:embed="rId29">
+            <a:lum bright="70000" contrast="-70000"/>
+            <a:extLst>
+              <a:ext uri="{28A0092B-C50C-407E-A947-70E740481C1C}">
+                <a14:useLocalDpi xmlns:a14="http://schemas.microsoft.com/office/drawing/2010/main" val="0"/>
+              </a:ext>
+            </a:extLst>
+          </a:blip>
+          <a:stretch>
+            <a:fillRect/>
+          </a:stretch>
+        </p:blipFill>
+        <p:spPr>
+          <a:xfrm>
+            <a:off x="8955600" y="3315400"/>
+            <a:ext cx="1219200" cy="1219200"/>
+          </a:xfrm>
+          <a:prstGeom prst="rect">
+            <a:avLst/>
+          </a:prstGeom>
+        </p:spPr>
+      </p:pic>
+      <p:pic>
+        <p:nvPicPr>
+          <p:cNvPr id="30" name="Picture 29"/>
+          <p:cNvPicPr>
+            <a:picLocks noChangeAspect="1"/>
+          </p:cNvPicPr>
+          <p:nvPr/>
+        </p:nvPicPr>
+        <p:blipFill>
+          <a:blip r:embed="rId30">
+            <a:lum bright="70000" contrast="-70000"/>
+            <a:extLst>
+              <a:ext uri="{28A0092B-C50C-407E-A947-70E740481C1C}">
+                <a14:useLocalDpi xmlns:a14="http://schemas.microsoft.com/office/drawing/2010/main" val="0"/>
+              </a:ext>
+            </a:extLst>
+          </a:blip>
+          <a:stretch>
+            <a:fillRect/>
+          </a:stretch>
+        </p:blipFill>
+        <p:spPr>
+          <a:xfrm>
+            <a:off x="10457100" y="4534600"/>
             <a:ext cx="1219200" cy="1219200"/>
           </a:xfrm>
           <a:prstGeom prst="rect">
@@ -13926,7 +12704,7 @@
     </p:spTree>
     <p:extLst>
       <p:ext uri="{BB962C8B-B14F-4D97-AF65-F5344CB8AC3E}">
-        <p14:creationId xmlns:p14="http://schemas.microsoft.com/office/powerpoint/2010/main" val="399454265"/>
+        <p14:creationId xmlns:p14="http://schemas.microsoft.com/office/powerpoint/2010/main" val="823657930"/>
       </p:ext>
     </p:extLst>
   </p:cSld>
@@ -13976,7 +12754,7 @@
         </p:blipFill>
         <p:spPr>
           <a:xfrm>
-            <a:off x="166914" y="286715"/>
+            <a:off x="130628" y="359229"/>
             <a:ext cx="1219200" cy="1219200"/>
           </a:xfrm>
           <a:prstGeom prst="rect">
@@ -14007,7 +12785,7 @@
         </p:blipFill>
         <p:spPr>
           <a:xfrm>
-            <a:off x="166914" y="4395429"/>
+            <a:off x="94399" y="4550571"/>
             <a:ext cx="1219200" cy="1219200"/>
           </a:xfrm>
           <a:prstGeom prst="rect">
@@ -14038,7 +12816,7 @@
         </p:blipFill>
         <p:spPr>
           <a:xfrm>
-            <a:off x="166914" y="3069944"/>
+            <a:off x="94399" y="3153457"/>
             <a:ext cx="1219200" cy="1219200"/>
           </a:xfrm>
           <a:prstGeom prst="rect">
@@ -14069,7 +12847,7 @@
         </p:blipFill>
         <p:spPr>
           <a:xfrm>
-            <a:off x="254057" y="1744459"/>
+            <a:off x="94399" y="1756343"/>
             <a:ext cx="1219200" cy="1219200"/>
           </a:xfrm>
           <a:prstGeom prst="rect">
@@ -14100,7 +12878,7 @@
         </p:blipFill>
         <p:spPr>
           <a:xfrm>
-            <a:off x="2114343" y="1662173"/>
+            <a:off x="1652285" y="359229"/>
             <a:ext cx="1219200" cy="1219200"/>
           </a:xfrm>
           <a:prstGeom prst="rect">
@@ -14131,7 +12909,7 @@
         </p:blipFill>
         <p:spPr>
           <a:xfrm>
-            <a:off x="2114343" y="286715"/>
+            <a:off x="1652285" y="1756343"/>
             <a:ext cx="1219200" cy="1219200"/>
           </a:xfrm>
           <a:prstGeom prst="rect">
@@ -14162,7 +12940,7 @@
         </p:blipFill>
         <p:spPr>
           <a:xfrm>
-            <a:off x="2114343" y="3037631"/>
+            <a:off x="1652285" y="4550571"/>
             <a:ext cx="1219200" cy="1219200"/>
           </a:xfrm>
           <a:prstGeom prst="rect">
@@ -14193,7 +12971,7 @@
         </p:blipFill>
         <p:spPr>
           <a:xfrm>
-            <a:off x="3873029" y="286715"/>
+            <a:off x="1613599" y="3153457"/>
             <a:ext cx="1219200" cy="1219200"/>
           </a:xfrm>
           <a:prstGeom prst="rect">
@@ -14224,7 +13002,7 @@
         </p:blipFill>
         <p:spPr>
           <a:xfrm>
-            <a:off x="2040743" y="4414490"/>
+            <a:off x="3173942" y="1813229"/>
             <a:ext cx="1219200" cy="1219200"/>
           </a:xfrm>
           <a:prstGeom prst="rect">
@@ -14255,7 +13033,7 @@
         </p:blipFill>
         <p:spPr>
           <a:xfrm>
-            <a:off x="3733828" y="4505915"/>
+            <a:off x="3173942" y="359229"/>
             <a:ext cx="1219200" cy="1219200"/>
           </a:xfrm>
           <a:prstGeom prst="rect">
@@ -14286,7 +13064,7 @@
         </p:blipFill>
         <p:spPr>
           <a:xfrm>
-            <a:off x="3873029" y="1636715"/>
+            <a:off x="3198342" y="3153457"/>
             <a:ext cx="1219200" cy="1219200"/>
           </a:xfrm>
           <a:prstGeom prst="rect">
@@ -14317,7 +13095,7 @@
         </p:blipFill>
         <p:spPr>
           <a:xfrm>
-            <a:off x="3899200" y="3136715"/>
+            <a:off x="3157485" y="4607457"/>
             <a:ext cx="1219200" cy="1219200"/>
           </a:xfrm>
           <a:prstGeom prst="rect">
@@ -14348,7 +13126,7 @@
         </p:blipFill>
         <p:spPr>
           <a:xfrm>
-            <a:off x="7286457" y="286715"/>
+            <a:off x="4695599" y="1756343"/>
             <a:ext cx="1219200" cy="1219200"/>
           </a:xfrm>
           <a:prstGeom prst="rect">
@@ -14379,7 +13157,7 @@
         </p:blipFill>
         <p:spPr>
           <a:xfrm>
-            <a:off x="5634543" y="1636715"/>
+            <a:off x="4727399" y="360686"/>
             <a:ext cx="1219200" cy="1219200"/>
           </a:xfrm>
           <a:prstGeom prst="rect">
@@ -14410,7 +13188,7 @@
         </p:blipFill>
         <p:spPr>
           <a:xfrm>
-            <a:off x="10680457" y="3202203"/>
+            <a:off x="6280856" y="359229"/>
             <a:ext cx="1219200" cy="1219200"/>
           </a:xfrm>
           <a:prstGeom prst="rect">
@@ -14441,7 +13219,7 @@
         </p:blipFill>
         <p:spPr>
           <a:xfrm>
-            <a:off x="9215543" y="1744459"/>
+            <a:off x="4783085" y="3247857"/>
             <a:ext cx="1219200" cy="1219200"/>
           </a:xfrm>
           <a:prstGeom prst="rect">
@@ -14472,7 +13250,7 @@
         </p:blipFill>
         <p:spPr>
           <a:xfrm>
-            <a:off x="7396057" y="1805915"/>
+            <a:off x="4826685" y="4643514"/>
             <a:ext cx="1219200" cy="1219200"/>
           </a:xfrm>
           <a:prstGeom prst="rect">
@@ -14503,7 +13281,7 @@
         </p:blipFill>
         <p:spPr>
           <a:xfrm>
-            <a:off x="9167543" y="286715"/>
+            <a:off x="6280856" y="3247857"/>
             <a:ext cx="1219200" cy="1219200"/>
           </a:xfrm>
           <a:prstGeom prst="rect">
@@ -14534,7 +13312,7 @@
         </p:blipFill>
         <p:spPr>
           <a:xfrm>
-            <a:off x="10680457" y="1744459"/>
+            <a:off x="6217256" y="1813229"/>
             <a:ext cx="1219200" cy="1219200"/>
           </a:xfrm>
           <a:prstGeom prst="rect">
@@ -14565,7 +13343,7 @@
         </p:blipFill>
         <p:spPr>
           <a:xfrm>
-            <a:off x="10680457" y="286715"/>
+            <a:off x="7804999" y="1938286"/>
             <a:ext cx="1219200" cy="1219200"/>
           </a:xfrm>
           <a:prstGeom prst="rect">
@@ -14596,7 +13374,7 @@
         </p:blipFill>
         <p:spPr>
           <a:xfrm>
-            <a:off x="7396057" y="3202203"/>
+            <a:off x="7804999" y="412829"/>
             <a:ext cx="1219200" cy="1219200"/>
           </a:xfrm>
           <a:prstGeom prst="rect">
@@ -14627,7 +13405,7 @@
         </p:blipFill>
         <p:spPr>
           <a:xfrm>
-            <a:off x="9285314" y="3202203"/>
+            <a:off x="6280856" y="4607457"/>
             <a:ext cx="1219200" cy="1219200"/>
           </a:xfrm>
           <a:prstGeom prst="rect">
@@ -14658,7 +13436,7 @@
         </p:blipFill>
         <p:spPr>
           <a:xfrm>
-            <a:off x="7396057" y="4665515"/>
+            <a:off x="9324170" y="412829"/>
             <a:ext cx="1219200" cy="1219200"/>
           </a:xfrm>
           <a:prstGeom prst="rect">
@@ -14689,7 +13467,7 @@
         </p:blipFill>
         <p:spPr>
           <a:xfrm>
-            <a:off x="9279343" y="4665515"/>
+            <a:off x="7778627" y="3247857"/>
             <a:ext cx="1219200" cy="1219200"/>
           </a:xfrm>
           <a:prstGeom prst="rect">
@@ -14720,7 +13498,7 @@
         </p:blipFill>
         <p:spPr>
           <a:xfrm>
-            <a:off x="10694114" y="4665515"/>
+            <a:off x="7804999" y="4683628"/>
             <a:ext cx="1219200" cy="1219200"/>
           </a:xfrm>
           <a:prstGeom prst="rect">
@@ -14751,7 +13529,7 @@
         </p:blipFill>
         <p:spPr>
           <a:xfrm>
-            <a:off x="5634543" y="3176229"/>
+            <a:off x="9392742" y="3247857"/>
             <a:ext cx="1219200" cy="1219200"/>
           </a:xfrm>
           <a:prstGeom prst="rect">
@@ -14782,7 +13560,7 @@
         </p:blipFill>
         <p:spPr>
           <a:xfrm>
-            <a:off x="5634543" y="286715"/>
+            <a:off x="9392742" y="1813229"/>
             <a:ext cx="1219200" cy="1219200"/>
           </a:xfrm>
           <a:prstGeom prst="rect">
@@ -14793,7 +13571,7 @@
     </p:spTree>
     <p:extLst>
       <p:ext uri="{BB962C8B-B14F-4D97-AF65-F5344CB8AC3E}">
-        <p14:creationId xmlns:p14="http://schemas.microsoft.com/office/powerpoint/2010/main" val="3324423259"/>
+        <p14:creationId xmlns:p14="http://schemas.microsoft.com/office/powerpoint/2010/main" val="3126433562"/>
       </p:ext>
     </p:extLst>
   </p:cSld>
@@ -14843,7 +13621,7 @@
         </p:blipFill>
         <p:spPr>
           <a:xfrm>
-            <a:off x="2066300" y="4482743"/>
+            <a:off x="643486" y="520286"/>
             <a:ext cx="1219200" cy="1219200"/>
           </a:xfrm>
           <a:prstGeom prst="rect">
@@ -14874,7 +13652,7 @@
         </p:blipFill>
         <p:spPr>
           <a:xfrm>
-            <a:off x="3544387" y="3100200"/>
+            <a:off x="654401" y="3364486"/>
             <a:ext cx="1219200" cy="1219200"/>
           </a:xfrm>
           <a:prstGeom prst="rect">
@@ -14905,7 +13683,7 @@
         </p:blipFill>
         <p:spPr>
           <a:xfrm>
-            <a:off x="1959644" y="3077257"/>
+            <a:off x="571600" y="4830522"/>
             <a:ext cx="1219200" cy="1219200"/>
           </a:xfrm>
           <a:prstGeom prst="rect">
@@ -14936,7 +13714,7 @@
         </p:blipFill>
         <p:spPr>
           <a:xfrm>
-            <a:off x="220687" y="3077257"/>
+            <a:off x="2286800" y="4852844"/>
             <a:ext cx="1219200" cy="1219200"/>
           </a:xfrm>
           <a:prstGeom prst="rect">
@@ -14967,7 +13745,7 @@
         </p:blipFill>
         <p:spPr>
           <a:xfrm>
-            <a:off x="252087" y="4629000"/>
+            <a:off x="2155658" y="3397482"/>
             <a:ext cx="1219200" cy="1219200"/>
           </a:xfrm>
           <a:prstGeom prst="rect">
@@ -14998,7 +13776,7 @@
         </p:blipFill>
         <p:spPr>
           <a:xfrm>
-            <a:off x="1959644" y="1565771"/>
+            <a:off x="2303086" y="1959441"/>
             <a:ext cx="1219200" cy="1219200"/>
           </a:xfrm>
           <a:prstGeom prst="rect">
@@ -15029,7 +13807,7 @@
         </p:blipFill>
         <p:spPr>
           <a:xfrm>
-            <a:off x="3652987" y="4539457"/>
+            <a:off x="2303086" y="521400"/>
             <a:ext cx="1219200" cy="1219200"/>
           </a:xfrm>
           <a:prstGeom prst="rect">
@@ -15060,7 +13838,7 @@
         </p:blipFill>
         <p:spPr>
           <a:xfrm>
-            <a:off x="2066300" y="346571"/>
+            <a:off x="3878400" y="4868530"/>
             <a:ext cx="1219200" cy="1219200"/>
           </a:xfrm>
           <a:prstGeom prst="rect">
@@ -15091,7 +13869,7 @@
         </p:blipFill>
         <p:spPr>
           <a:xfrm>
-            <a:off x="5317644" y="358887"/>
+            <a:off x="3907314" y="3421143"/>
             <a:ext cx="1219200" cy="1219200"/>
           </a:xfrm>
           <a:prstGeom prst="rect">
@@ -15122,7 +13900,7 @@
         </p:blipFill>
         <p:spPr>
           <a:xfrm>
-            <a:off x="3638644" y="1685343"/>
+            <a:off x="3907314" y="1750200"/>
             <a:ext cx="1219200" cy="1219200"/>
           </a:xfrm>
           <a:prstGeom prst="rect">
@@ -15153,7 +13931,7 @@
         </p:blipFill>
         <p:spPr>
           <a:xfrm>
-            <a:off x="3638644" y="368315"/>
+            <a:off x="4074799" y="371400"/>
             <a:ext cx="1219200" cy="1219200"/>
           </a:xfrm>
           <a:prstGeom prst="rect">
@@ -15184,7 +13962,7 @@
         </p:blipFill>
         <p:spPr>
           <a:xfrm>
-            <a:off x="5317644" y="4609800"/>
+            <a:off x="5554400" y="4868530"/>
             <a:ext cx="1219200" cy="1219200"/>
           </a:xfrm>
           <a:prstGeom prst="rect">
@@ -15215,7 +13993,7 @@
         </p:blipFill>
         <p:spPr>
           <a:xfrm>
-            <a:off x="5317644" y="1823228"/>
+            <a:off x="5554400" y="3364486"/>
             <a:ext cx="1219200" cy="1219200"/>
           </a:xfrm>
           <a:prstGeom prst="rect">
@@ -15246,7 +14024,7 @@
         </p:blipFill>
         <p:spPr>
           <a:xfrm>
-            <a:off x="5317644" y="3208114"/>
+            <a:off x="5554400" y="1750200"/>
             <a:ext cx="1219200" cy="1219200"/>
           </a:xfrm>
           <a:prstGeom prst="rect">
@@ -15277,7 +14055,7 @@
         </p:blipFill>
         <p:spPr>
           <a:xfrm>
-            <a:off x="7078800" y="368315"/>
+            <a:off x="5734399" y="361800"/>
             <a:ext cx="1219200" cy="1219200"/>
           </a:xfrm>
           <a:prstGeom prst="rect">
@@ -15308,7 +14086,7 @@
         </p:blipFill>
         <p:spPr>
           <a:xfrm>
-            <a:off x="7129600" y="1793142"/>
+            <a:off x="7228400" y="4868530"/>
             <a:ext cx="1219200" cy="1219200"/>
           </a:xfrm>
           <a:prstGeom prst="rect">
@@ -15339,7 +14117,7 @@
         </p:blipFill>
         <p:spPr>
           <a:xfrm>
-            <a:off x="7129600" y="3320257"/>
+            <a:off x="8984800" y="4872758"/>
             <a:ext cx="1219200" cy="1219200"/>
           </a:xfrm>
           <a:prstGeom prst="rect">
@@ -15370,7 +14148,7 @@
         </p:blipFill>
         <p:spPr>
           <a:xfrm>
-            <a:off x="7192200" y="4609800"/>
+            <a:off x="10576400" y="4872758"/>
             <a:ext cx="1219200" cy="1219200"/>
           </a:xfrm>
           <a:prstGeom prst="rect">
@@ -15401,7 +14179,7 @@
         </p:blipFill>
         <p:spPr>
           <a:xfrm>
-            <a:off x="8757800" y="466143"/>
+            <a:off x="7337714" y="3421143"/>
             <a:ext cx="1219200" cy="1219200"/>
           </a:xfrm>
           <a:prstGeom prst="rect">
@@ -15432,7 +14210,7 @@
         </p:blipFill>
         <p:spPr>
           <a:xfrm>
-            <a:off x="8736429" y="3349857"/>
+            <a:off x="7337714" y="1791156"/>
             <a:ext cx="1219200" cy="1219200"/>
           </a:xfrm>
           <a:prstGeom prst="rect">
@@ -15463,7 +14241,7 @@
         </p:blipFill>
         <p:spPr>
           <a:xfrm>
-            <a:off x="8786400" y="1865429"/>
+            <a:off x="7337714" y="435085"/>
             <a:ext cx="1219200" cy="1219200"/>
           </a:xfrm>
           <a:prstGeom prst="rect">
@@ -15494,7 +14272,7 @@
         </p:blipFill>
         <p:spPr>
           <a:xfrm>
-            <a:off x="8729630" y="4750200"/>
+            <a:off x="8953200" y="3384857"/>
             <a:ext cx="1219200" cy="1219200"/>
           </a:xfrm>
           <a:prstGeom prst="rect">
@@ -15525,7 +14303,7 @@
         </p:blipFill>
         <p:spPr>
           <a:xfrm>
-            <a:off x="10436800" y="3320257"/>
+            <a:off x="8984800" y="1816042"/>
             <a:ext cx="1219200" cy="1219200"/>
           </a:xfrm>
           <a:prstGeom prst="rect">
@@ -15556,7 +14334,7 @@
         </p:blipFill>
         <p:spPr>
           <a:xfrm>
-            <a:off x="10525357" y="1988914"/>
+            <a:off x="10683085" y="3400200"/>
             <a:ext cx="1219200" cy="1219200"/>
           </a:xfrm>
           <a:prstGeom prst="rect">
@@ -15587,7 +14365,7 @@
         </p:blipFill>
         <p:spPr>
           <a:xfrm>
-            <a:off x="10436800" y="466143"/>
+            <a:off x="8984800" y="326114"/>
             <a:ext cx="1219200" cy="1219200"/>
           </a:xfrm>
           <a:prstGeom prst="rect">
@@ -15618,7 +14396,7 @@
         </p:blipFill>
         <p:spPr>
           <a:xfrm>
-            <a:off x="249658" y="1685343"/>
+            <a:off x="10504000" y="1927642"/>
             <a:ext cx="1219200" cy="1219200"/>
           </a:xfrm>
           <a:prstGeom prst="rect">
@@ -15649,7 +14427,7 @@
         </p:blipFill>
         <p:spPr>
           <a:xfrm>
-            <a:off x="249658" y="325857"/>
+            <a:off x="10504000" y="314828"/>
             <a:ext cx="1219200" cy="1219200"/>
           </a:xfrm>
           <a:prstGeom prst="rect">
@@ -15660,7 +14438,7 @@
     </p:spTree>
     <p:extLst>
       <p:ext uri="{BB962C8B-B14F-4D97-AF65-F5344CB8AC3E}">
-        <p14:creationId xmlns:p14="http://schemas.microsoft.com/office/powerpoint/2010/main" val="438152526"/>
+        <p14:creationId xmlns:p14="http://schemas.microsoft.com/office/powerpoint/2010/main" val="399454265"/>
       </p:ext>
     </p:extLst>
   </p:cSld>
@@ -15710,7 +14488,7 @@
         </p:blipFill>
         <p:spPr>
           <a:xfrm>
-            <a:off x="297543" y="293914"/>
+            <a:off x="166914" y="286715"/>
             <a:ext cx="1219200" cy="1219200"/>
           </a:xfrm>
           <a:prstGeom prst="rect">
@@ -15741,7 +14519,7 @@
         </p:blipFill>
         <p:spPr>
           <a:xfrm>
-            <a:off x="297543" y="1670372"/>
+            <a:off x="166914" y="4395429"/>
             <a:ext cx="1219200" cy="1219200"/>
           </a:xfrm>
           <a:prstGeom prst="rect">
@@ -15772,7 +14550,7 @@
         </p:blipFill>
         <p:spPr>
           <a:xfrm>
-            <a:off x="375086" y="4580546"/>
+            <a:off x="166914" y="3069944"/>
             <a:ext cx="1219200" cy="1219200"/>
           </a:xfrm>
           <a:prstGeom prst="rect">
@@ -15803,7 +14581,7 @@
         </p:blipFill>
         <p:spPr>
           <a:xfrm>
-            <a:off x="355657" y="3046830"/>
+            <a:off x="254057" y="1744459"/>
             <a:ext cx="1219200" cy="1219200"/>
           </a:xfrm>
           <a:prstGeom prst="rect">
@@ -15834,7 +14612,7 @@
         </p:blipFill>
         <p:spPr>
           <a:xfrm>
-            <a:off x="2065943" y="219000"/>
+            <a:off x="2114343" y="1662173"/>
             <a:ext cx="1219200" cy="1219200"/>
           </a:xfrm>
           <a:prstGeom prst="rect">
@@ -15865,7 +14643,7 @@
         </p:blipFill>
         <p:spPr>
           <a:xfrm>
-            <a:off x="2065943" y="3100200"/>
+            <a:off x="2114343" y="286715"/>
             <a:ext cx="1219200" cy="1219200"/>
           </a:xfrm>
           <a:prstGeom prst="rect">
@@ -15896,7 +14674,7 @@
         </p:blipFill>
         <p:spPr>
           <a:xfrm>
-            <a:off x="1974058" y="1670372"/>
+            <a:off x="2114343" y="3037631"/>
             <a:ext cx="1219200" cy="1219200"/>
           </a:xfrm>
           <a:prstGeom prst="rect">
@@ -15927,7 +14705,7 @@
         </p:blipFill>
         <p:spPr>
           <a:xfrm>
-            <a:off x="2030971" y="4594343"/>
+            <a:off x="3873029" y="286715"/>
             <a:ext cx="1219200" cy="1219200"/>
           </a:xfrm>
           <a:prstGeom prst="rect">
@@ -15958,7 +14736,7 @@
         </p:blipFill>
         <p:spPr>
           <a:xfrm>
-            <a:off x="3834343" y="219000"/>
+            <a:off x="2040743" y="4414490"/>
             <a:ext cx="1219200" cy="1219200"/>
           </a:xfrm>
           <a:prstGeom prst="rect">
@@ -15989,7 +14767,7 @@
         </p:blipFill>
         <p:spPr>
           <a:xfrm>
-            <a:off x="3939743" y="4580546"/>
+            <a:off x="3733828" y="4505915"/>
             <a:ext cx="1219200" cy="1219200"/>
           </a:xfrm>
           <a:prstGeom prst="rect">
@@ -16020,7 +14798,7 @@
         </p:blipFill>
         <p:spPr>
           <a:xfrm>
-            <a:off x="3894857" y="1708115"/>
+            <a:off x="3873029" y="1636715"/>
             <a:ext cx="1219200" cy="1219200"/>
           </a:xfrm>
           <a:prstGeom prst="rect">
@@ -16051,7 +14829,7 @@
         </p:blipFill>
         <p:spPr>
           <a:xfrm>
-            <a:off x="3941886" y="3046830"/>
+            <a:off x="3899200" y="3136715"/>
             <a:ext cx="1219200" cy="1219200"/>
           </a:xfrm>
           <a:prstGeom prst="rect">
@@ -16082,7 +14860,7 @@
         </p:blipFill>
         <p:spPr>
           <a:xfrm>
-            <a:off x="5571372" y="1767343"/>
+            <a:off x="7286457" y="286715"/>
             <a:ext cx="1219200" cy="1219200"/>
           </a:xfrm>
           <a:prstGeom prst="rect">
@@ -16113,7 +14891,7 @@
         </p:blipFill>
         <p:spPr>
           <a:xfrm>
-            <a:off x="5602743" y="293914"/>
+            <a:off x="5634543" y="1636715"/>
             <a:ext cx="1219200" cy="1219200"/>
           </a:xfrm>
           <a:prstGeom prst="rect">
@@ -16144,7 +14922,7 @@
         </p:blipFill>
         <p:spPr>
           <a:xfrm>
-            <a:off x="5571372" y="3240772"/>
+            <a:off x="10680457" y="3202203"/>
             <a:ext cx="1219200" cy="1219200"/>
           </a:xfrm>
           <a:prstGeom prst="rect">
@@ -16175,7 +14953,7 @@
         </p:blipFill>
         <p:spPr>
           <a:xfrm>
-            <a:off x="7117200" y="388543"/>
+            <a:off x="9215543" y="1744459"/>
             <a:ext cx="1219200" cy="1219200"/>
           </a:xfrm>
           <a:prstGeom prst="rect">
@@ -16206,7 +14984,7 @@
         </p:blipFill>
         <p:spPr>
           <a:xfrm>
-            <a:off x="7211944" y="1819487"/>
+            <a:off x="7396057" y="1805915"/>
             <a:ext cx="1219200" cy="1219200"/>
           </a:xfrm>
           <a:prstGeom prst="rect">
@@ -16237,7 +15015,7 @@
         </p:blipFill>
         <p:spPr>
           <a:xfrm>
-            <a:off x="5624857" y="4609800"/>
+            <a:off x="9167543" y="286715"/>
             <a:ext cx="1219200" cy="1219200"/>
           </a:xfrm>
           <a:prstGeom prst="rect">
@@ -16268,7 +15046,7 @@
         </p:blipFill>
         <p:spPr>
           <a:xfrm>
-            <a:off x="7284514" y="3295545"/>
+            <a:off x="10680457" y="1744459"/>
             <a:ext cx="1219200" cy="1219200"/>
           </a:xfrm>
           <a:prstGeom prst="rect">
@@ -16299,7 +15077,7 @@
         </p:blipFill>
         <p:spPr>
           <a:xfrm>
-            <a:off x="7309971" y="4675172"/>
+            <a:off x="10680457" y="286715"/>
             <a:ext cx="1219200" cy="1219200"/>
           </a:xfrm>
           <a:prstGeom prst="rect">
@@ -16330,7 +15108,7 @@
         </p:blipFill>
         <p:spPr>
           <a:xfrm>
-            <a:off x="8636400" y="399829"/>
+            <a:off x="7396057" y="3202203"/>
             <a:ext cx="1219200" cy="1219200"/>
           </a:xfrm>
           <a:prstGeom prst="rect">
@@ -16361,7 +15139,7 @@
         </p:blipFill>
         <p:spPr>
           <a:xfrm>
-            <a:off x="10392629" y="488915"/>
+            <a:off x="9285314" y="3202203"/>
             <a:ext cx="1219200" cy="1219200"/>
           </a:xfrm>
           <a:prstGeom prst="rect">
@@ -16392,7 +15170,7 @@
         </p:blipFill>
         <p:spPr>
           <a:xfrm>
-            <a:off x="8731257" y="1827630"/>
+            <a:off x="7396057" y="4665515"/>
             <a:ext cx="1219200" cy="1219200"/>
           </a:xfrm>
           <a:prstGeom prst="rect">
@@ -16423,7 +15201,7 @@
         </p:blipFill>
         <p:spPr>
           <a:xfrm>
-            <a:off x="8784057" y="4774428"/>
+            <a:off x="9279343" y="4665515"/>
             <a:ext cx="1219200" cy="1219200"/>
           </a:xfrm>
           <a:prstGeom prst="rect">
@@ -16454,7 +15232,7 @@
         </p:blipFill>
         <p:spPr>
           <a:xfrm>
-            <a:off x="10396399" y="3390600"/>
+            <a:off x="10694114" y="4665515"/>
             <a:ext cx="1219200" cy="1219200"/>
           </a:xfrm>
           <a:prstGeom prst="rect">
@@ -16485,7 +15263,7 @@
         </p:blipFill>
         <p:spPr>
           <a:xfrm>
-            <a:off x="10349658" y="2076345"/>
+            <a:off x="5634543" y="3176229"/>
             <a:ext cx="1219200" cy="1219200"/>
           </a:xfrm>
           <a:prstGeom prst="rect">
@@ -16516,7 +15294,7 @@
         </p:blipFill>
         <p:spPr>
           <a:xfrm>
-            <a:off x="8773943" y="3438915"/>
+            <a:off x="5634543" y="286715"/>
             <a:ext cx="1219200" cy="1219200"/>
           </a:xfrm>
           <a:prstGeom prst="rect">
@@ -16527,7 +15305,7 @@
     </p:spTree>
     <p:extLst>
       <p:ext uri="{BB962C8B-B14F-4D97-AF65-F5344CB8AC3E}">
-        <p14:creationId xmlns:p14="http://schemas.microsoft.com/office/powerpoint/2010/main" val="214978686"/>
+        <p14:creationId xmlns:p14="http://schemas.microsoft.com/office/powerpoint/2010/main" val="3324423259"/>
       </p:ext>
     </p:extLst>
   </p:cSld>
@@ -16577,7 +15355,7 @@
         </p:blipFill>
         <p:spPr>
           <a:xfrm>
-            <a:off x="304800" y="373743"/>
+            <a:off x="2066300" y="4482743"/>
             <a:ext cx="1219200" cy="1219200"/>
           </a:xfrm>
           <a:prstGeom prst="rect">
@@ -16608,7 +15386,7 @@
         </p:blipFill>
         <p:spPr>
           <a:xfrm>
-            <a:off x="304800" y="2022400"/>
+            <a:off x="3544387" y="3100200"/>
             <a:ext cx="1219200" cy="1219200"/>
           </a:xfrm>
           <a:prstGeom prst="rect">
@@ -16639,7 +15417,7 @@
         </p:blipFill>
         <p:spPr>
           <a:xfrm>
-            <a:off x="304800" y="3400200"/>
+            <a:off x="1959644" y="3077257"/>
             <a:ext cx="1219200" cy="1219200"/>
           </a:xfrm>
           <a:prstGeom prst="rect">
@@ -16670,7 +15448,7 @@
         </p:blipFill>
         <p:spPr>
           <a:xfrm>
-            <a:off x="304800" y="4779000"/>
+            <a:off x="220687" y="3077257"/>
             <a:ext cx="1219200" cy="1219200"/>
           </a:xfrm>
           <a:prstGeom prst="rect">
@@ -16701,7 +15479,7 @@
         </p:blipFill>
         <p:spPr>
           <a:xfrm>
-            <a:off x="1942572" y="373743"/>
+            <a:off x="252087" y="4629000"/>
             <a:ext cx="1219200" cy="1219200"/>
           </a:xfrm>
           <a:prstGeom prst="rect">
@@ -16732,7 +15510,7 @@
         </p:blipFill>
         <p:spPr>
           <a:xfrm>
-            <a:off x="2020000" y="1907514"/>
+            <a:off x="1959644" y="1565771"/>
             <a:ext cx="1219200" cy="1219200"/>
           </a:xfrm>
           <a:prstGeom prst="rect">
@@ -16763,7 +15541,7 @@
         </p:blipFill>
         <p:spPr>
           <a:xfrm>
-            <a:off x="1838629" y="3400200"/>
+            <a:off x="3652987" y="4539457"/>
             <a:ext cx="1219200" cy="1219200"/>
           </a:xfrm>
           <a:prstGeom prst="rect">
@@ -16794,7 +15572,7 @@
         </p:blipFill>
         <p:spPr>
           <a:xfrm>
-            <a:off x="1976400" y="4787771"/>
+            <a:off x="2066300" y="346571"/>
             <a:ext cx="1219200" cy="1219200"/>
           </a:xfrm>
           <a:prstGeom prst="rect">
@@ -16825,7 +15603,7 @@
         </p:blipFill>
         <p:spPr>
           <a:xfrm>
-            <a:off x="3580515" y="2022400"/>
+            <a:off x="5317644" y="358887"/>
             <a:ext cx="1219200" cy="1219200"/>
           </a:xfrm>
           <a:prstGeom prst="rect">
@@ -16856,7 +15634,7 @@
         </p:blipFill>
         <p:spPr>
           <a:xfrm>
-            <a:off x="3580515" y="373743"/>
+            <a:off x="3638644" y="1685343"/>
             <a:ext cx="1219200" cy="1219200"/>
           </a:xfrm>
           <a:prstGeom prst="rect">
@@ -16887,7 +15665,7 @@
         </p:blipFill>
         <p:spPr>
           <a:xfrm>
-            <a:off x="3517486" y="3400200"/>
+            <a:off x="3638644" y="368315"/>
             <a:ext cx="1219200" cy="1219200"/>
           </a:xfrm>
           <a:prstGeom prst="rect">
@@ -16918,7 +15696,7 @@
         </p:blipFill>
         <p:spPr>
           <a:xfrm>
-            <a:off x="3580515" y="4742285"/>
+            <a:off x="5317644" y="4609800"/>
             <a:ext cx="1219200" cy="1219200"/>
           </a:xfrm>
           <a:prstGeom prst="rect">
@@ -16949,7 +15727,7 @@
         </p:blipFill>
         <p:spPr>
           <a:xfrm>
-            <a:off x="5476972" y="3584256"/>
+            <a:off x="5317644" y="1823228"/>
             <a:ext cx="1219200" cy="1219200"/>
           </a:xfrm>
           <a:prstGeom prst="rect">
@@ -16980,7 +15758,7 @@
         </p:blipFill>
         <p:spPr>
           <a:xfrm>
-            <a:off x="5476972" y="458658"/>
+            <a:off x="5317644" y="3208114"/>
             <a:ext cx="1219200" cy="1219200"/>
           </a:xfrm>
           <a:prstGeom prst="rect">
@@ -17011,7 +15789,7 @@
         </p:blipFill>
         <p:spPr>
           <a:xfrm>
-            <a:off x="5476972" y="2021457"/>
+            <a:off x="7078800" y="368315"/>
             <a:ext cx="1219200" cy="1219200"/>
           </a:xfrm>
           <a:prstGeom prst="rect">
@@ -17042,7 +15820,7 @@
         </p:blipFill>
         <p:spPr>
           <a:xfrm>
-            <a:off x="5476972" y="4909800"/>
+            <a:off x="7129600" y="1793142"/>
             <a:ext cx="1219200" cy="1219200"/>
           </a:xfrm>
           <a:prstGeom prst="rect">
@@ -17073,7 +15851,7 @@
         </p:blipFill>
         <p:spPr>
           <a:xfrm>
-            <a:off x="7291771" y="505572"/>
+            <a:off x="7129600" y="3320257"/>
             <a:ext cx="1219200" cy="1219200"/>
           </a:xfrm>
           <a:prstGeom prst="rect">
@@ -17104,7 +15882,7 @@
         </p:blipFill>
         <p:spPr>
           <a:xfrm>
-            <a:off x="7373429" y="2021457"/>
+            <a:off x="7192200" y="4609800"/>
             <a:ext cx="1219200" cy="1219200"/>
           </a:xfrm>
           <a:prstGeom prst="rect">
@@ -17135,7 +15913,7 @@
         </p:blipFill>
         <p:spPr>
           <a:xfrm>
-            <a:off x="7496971" y="4953456"/>
+            <a:off x="8757800" y="466143"/>
             <a:ext cx="1219200" cy="1219200"/>
           </a:xfrm>
           <a:prstGeom prst="rect">
@@ -17166,7 +15944,7 @@
         </p:blipFill>
         <p:spPr>
           <a:xfrm>
-            <a:off x="7357257" y="3584256"/>
+            <a:off x="8736429" y="3349857"/>
             <a:ext cx="1219200" cy="1219200"/>
           </a:xfrm>
           <a:prstGeom prst="rect">
@@ -17197,7 +15975,7 @@
         </p:blipFill>
         <p:spPr>
           <a:xfrm>
-            <a:off x="9106570" y="505572"/>
+            <a:off x="8786400" y="1865429"/>
             <a:ext cx="1219200" cy="1219200"/>
           </a:xfrm>
           <a:prstGeom prst="rect">
@@ -17228,7 +16006,162 @@
         </p:blipFill>
         <p:spPr>
           <a:xfrm>
-            <a:off x="9106570" y="2021457"/>
+            <a:off x="8729630" y="4750200"/>
+            <a:ext cx="1219200" cy="1219200"/>
+          </a:xfrm>
+          <a:prstGeom prst="rect">
+            <a:avLst/>
+          </a:prstGeom>
+        </p:spPr>
+      </p:pic>
+      <p:pic>
+        <p:nvPicPr>
+          <p:cNvPr id="24" name="Picture 23"/>
+          <p:cNvPicPr>
+            <a:picLocks noChangeAspect="1"/>
+          </p:cNvPicPr>
+          <p:nvPr/>
+        </p:nvPicPr>
+        <p:blipFill>
+          <a:blip r:embed="rId24">
+            <a:lum bright="70000" contrast="-70000"/>
+            <a:extLst>
+              <a:ext uri="{28A0092B-C50C-407E-A947-70E740481C1C}">
+                <a14:useLocalDpi xmlns:a14="http://schemas.microsoft.com/office/drawing/2010/main" val="0"/>
+              </a:ext>
+            </a:extLst>
+          </a:blip>
+          <a:stretch>
+            <a:fillRect/>
+          </a:stretch>
+        </p:blipFill>
+        <p:spPr>
+          <a:xfrm>
+            <a:off x="10436800" y="3320257"/>
+            <a:ext cx="1219200" cy="1219200"/>
+          </a:xfrm>
+          <a:prstGeom prst="rect">
+            <a:avLst/>
+          </a:prstGeom>
+        </p:spPr>
+      </p:pic>
+      <p:pic>
+        <p:nvPicPr>
+          <p:cNvPr id="25" name="Picture 24"/>
+          <p:cNvPicPr>
+            <a:picLocks noChangeAspect="1"/>
+          </p:cNvPicPr>
+          <p:nvPr/>
+        </p:nvPicPr>
+        <p:blipFill>
+          <a:blip r:embed="rId25">
+            <a:lum bright="70000" contrast="-70000"/>
+            <a:extLst>
+              <a:ext uri="{28A0092B-C50C-407E-A947-70E740481C1C}">
+                <a14:useLocalDpi xmlns:a14="http://schemas.microsoft.com/office/drawing/2010/main" val="0"/>
+              </a:ext>
+            </a:extLst>
+          </a:blip>
+          <a:stretch>
+            <a:fillRect/>
+          </a:stretch>
+        </p:blipFill>
+        <p:spPr>
+          <a:xfrm>
+            <a:off x="10525357" y="1988914"/>
+            <a:ext cx="1219200" cy="1219200"/>
+          </a:xfrm>
+          <a:prstGeom prst="rect">
+            <a:avLst/>
+          </a:prstGeom>
+        </p:spPr>
+      </p:pic>
+      <p:pic>
+        <p:nvPicPr>
+          <p:cNvPr id="26" name="Picture 25"/>
+          <p:cNvPicPr>
+            <a:picLocks noChangeAspect="1"/>
+          </p:cNvPicPr>
+          <p:nvPr/>
+        </p:nvPicPr>
+        <p:blipFill>
+          <a:blip r:embed="rId26">
+            <a:lum bright="70000" contrast="-70000"/>
+            <a:extLst>
+              <a:ext uri="{28A0092B-C50C-407E-A947-70E740481C1C}">
+                <a14:useLocalDpi xmlns:a14="http://schemas.microsoft.com/office/drawing/2010/main" val="0"/>
+              </a:ext>
+            </a:extLst>
+          </a:blip>
+          <a:stretch>
+            <a:fillRect/>
+          </a:stretch>
+        </p:blipFill>
+        <p:spPr>
+          <a:xfrm>
+            <a:off x="10436800" y="466143"/>
+            <a:ext cx="1219200" cy="1219200"/>
+          </a:xfrm>
+          <a:prstGeom prst="rect">
+            <a:avLst/>
+          </a:prstGeom>
+        </p:spPr>
+      </p:pic>
+      <p:pic>
+        <p:nvPicPr>
+          <p:cNvPr id="27" name="Picture 26"/>
+          <p:cNvPicPr>
+            <a:picLocks noChangeAspect="1"/>
+          </p:cNvPicPr>
+          <p:nvPr/>
+        </p:nvPicPr>
+        <p:blipFill>
+          <a:blip r:embed="rId27">
+            <a:lum bright="70000" contrast="-70000"/>
+            <a:extLst>
+              <a:ext uri="{28A0092B-C50C-407E-A947-70E740481C1C}">
+                <a14:useLocalDpi xmlns:a14="http://schemas.microsoft.com/office/drawing/2010/main" val="0"/>
+              </a:ext>
+            </a:extLst>
+          </a:blip>
+          <a:stretch>
+            <a:fillRect/>
+          </a:stretch>
+        </p:blipFill>
+        <p:spPr>
+          <a:xfrm>
+            <a:off x="249658" y="1685343"/>
+            <a:ext cx="1219200" cy="1219200"/>
+          </a:xfrm>
+          <a:prstGeom prst="rect">
+            <a:avLst/>
+          </a:prstGeom>
+        </p:spPr>
+      </p:pic>
+      <p:pic>
+        <p:nvPicPr>
+          <p:cNvPr id="28" name="Picture 27"/>
+          <p:cNvPicPr>
+            <a:picLocks noChangeAspect="1"/>
+          </p:cNvPicPr>
+          <p:nvPr/>
+        </p:nvPicPr>
+        <p:blipFill>
+          <a:blip r:embed="rId28">
+            <a:lum bright="70000" contrast="-70000"/>
+            <a:extLst>
+              <a:ext uri="{28A0092B-C50C-407E-A947-70E740481C1C}">
+                <a14:useLocalDpi xmlns:a14="http://schemas.microsoft.com/office/drawing/2010/main" val="0"/>
+              </a:ext>
+            </a:extLst>
+          </a:blip>
+          <a:stretch>
+            <a:fillRect/>
+          </a:stretch>
+        </p:blipFill>
+        <p:spPr>
+          <a:xfrm>
+            <a:off x="249658" y="325857"/>
             <a:ext cx="1219200" cy="1219200"/>
           </a:xfrm>
           <a:prstGeom prst="rect">
@@ -17239,7 +16172,7 @@
     </p:spTree>
     <p:extLst>
       <p:ext uri="{BB962C8B-B14F-4D97-AF65-F5344CB8AC3E}">
-        <p14:creationId xmlns:p14="http://schemas.microsoft.com/office/powerpoint/2010/main" val="3555470181"/>
+        <p14:creationId xmlns:p14="http://schemas.microsoft.com/office/powerpoint/2010/main" val="438152526"/>
       </p:ext>
     </p:extLst>
   </p:cSld>
@@ -17347,6 +16280,1585 @@
 </file>
 
 <file path=ppt/slides/slide40.xml><?xml version="1.0" encoding="utf-8"?>
+<p:sld xmlns:a="http://schemas.openxmlformats.org/drawingml/2006/main" xmlns:r="http://schemas.openxmlformats.org/officeDocument/2006/relationships" xmlns:p="http://schemas.openxmlformats.org/presentationml/2006/main" show="0">
+  <p:cSld>
+    <p:spTree>
+      <p:nvGrpSpPr>
+        <p:cNvPr id="1" name=""/>
+        <p:cNvGrpSpPr/>
+        <p:nvPr/>
+      </p:nvGrpSpPr>
+      <p:grpSpPr>
+        <a:xfrm>
+          <a:off x="0" y="0"/>
+          <a:ext cx="0" cy="0"/>
+          <a:chOff x="0" y="0"/>
+          <a:chExt cx="0" cy="0"/>
+        </a:xfrm>
+      </p:grpSpPr>
+      <p:pic>
+        <p:nvPicPr>
+          <p:cNvPr id="2" name="Picture 1"/>
+          <p:cNvPicPr>
+            <a:picLocks noChangeAspect="1"/>
+          </p:cNvPicPr>
+          <p:nvPr/>
+        </p:nvPicPr>
+        <p:blipFill>
+          <a:blip r:embed="rId2">
+            <a:lum bright="70000" contrast="-70000"/>
+            <a:extLst>
+              <a:ext uri="{28A0092B-C50C-407E-A947-70E740481C1C}">
+                <a14:useLocalDpi xmlns:a14="http://schemas.microsoft.com/office/drawing/2010/main" val="0"/>
+              </a:ext>
+            </a:extLst>
+          </a:blip>
+          <a:stretch>
+            <a:fillRect/>
+          </a:stretch>
+        </p:blipFill>
+        <p:spPr>
+          <a:xfrm>
+            <a:off x="297543" y="293914"/>
+            <a:ext cx="1219200" cy="1219200"/>
+          </a:xfrm>
+          <a:prstGeom prst="rect">
+            <a:avLst/>
+          </a:prstGeom>
+        </p:spPr>
+      </p:pic>
+      <p:pic>
+        <p:nvPicPr>
+          <p:cNvPr id="3" name="Picture 2"/>
+          <p:cNvPicPr>
+            <a:picLocks noChangeAspect="1"/>
+          </p:cNvPicPr>
+          <p:nvPr/>
+        </p:nvPicPr>
+        <p:blipFill>
+          <a:blip r:embed="rId3">
+            <a:lum bright="70000" contrast="-70000"/>
+            <a:extLst>
+              <a:ext uri="{28A0092B-C50C-407E-A947-70E740481C1C}">
+                <a14:useLocalDpi xmlns:a14="http://schemas.microsoft.com/office/drawing/2010/main" val="0"/>
+              </a:ext>
+            </a:extLst>
+          </a:blip>
+          <a:stretch>
+            <a:fillRect/>
+          </a:stretch>
+        </p:blipFill>
+        <p:spPr>
+          <a:xfrm>
+            <a:off x="297543" y="1670372"/>
+            <a:ext cx="1219200" cy="1219200"/>
+          </a:xfrm>
+          <a:prstGeom prst="rect">
+            <a:avLst/>
+          </a:prstGeom>
+        </p:spPr>
+      </p:pic>
+      <p:pic>
+        <p:nvPicPr>
+          <p:cNvPr id="4" name="Picture 3"/>
+          <p:cNvPicPr>
+            <a:picLocks noChangeAspect="1"/>
+          </p:cNvPicPr>
+          <p:nvPr/>
+        </p:nvPicPr>
+        <p:blipFill>
+          <a:blip r:embed="rId4">
+            <a:lum bright="70000" contrast="-70000"/>
+            <a:extLst>
+              <a:ext uri="{28A0092B-C50C-407E-A947-70E740481C1C}">
+                <a14:useLocalDpi xmlns:a14="http://schemas.microsoft.com/office/drawing/2010/main" val="0"/>
+              </a:ext>
+            </a:extLst>
+          </a:blip>
+          <a:stretch>
+            <a:fillRect/>
+          </a:stretch>
+        </p:blipFill>
+        <p:spPr>
+          <a:xfrm>
+            <a:off x="375086" y="4580546"/>
+            <a:ext cx="1219200" cy="1219200"/>
+          </a:xfrm>
+          <a:prstGeom prst="rect">
+            <a:avLst/>
+          </a:prstGeom>
+        </p:spPr>
+      </p:pic>
+      <p:pic>
+        <p:nvPicPr>
+          <p:cNvPr id="5" name="Picture 4"/>
+          <p:cNvPicPr>
+            <a:picLocks noChangeAspect="1"/>
+          </p:cNvPicPr>
+          <p:nvPr/>
+        </p:nvPicPr>
+        <p:blipFill>
+          <a:blip r:embed="rId5">
+            <a:lum bright="70000" contrast="-70000"/>
+            <a:extLst>
+              <a:ext uri="{28A0092B-C50C-407E-A947-70E740481C1C}">
+                <a14:useLocalDpi xmlns:a14="http://schemas.microsoft.com/office/drawing/2010/main" val="0"/>
+              </a:ext>
+            </a:extLst>
+          </a:blip>
+          <a:stretch>
+            <a:fillRect/>
+          </a:stretch>
+        </p:blipFill>
+        <p:spPr>
+          <a:xfrm>
+            <a:off x="355657" y="3046830"/>
+            <a:ext cx="1219200" cy="1219200"/>
+          </a:xfrm>
+          <a:prstGeom prst="rect">
+            <a:avLst/>
+          </a:prstGeom>
+        </p:spPr>
+      </p:pic>
+      <p:pic>
+        <p:nvPicPr>
+          <p:cNvPr id="6" name="Picture 5"/>
+          <p:cNvPicPr>
+            <a:picLocks noChangeAspect="1"/>
+          </p:cNvPicPr>
+          <p:nvPr/>
+        </p:nvPicPr>
+        <p:blipFill>
+          <a:blip r:embed="rId6">
+            <a:lum bright="70000" contrast="-70000"/>
+            <a:extLst>
+              <a:ext uri="{28A0092B-C50C-407E-A947-70E740481C1C}">
+                <a14:useLocalDpi xmlns:a14="http://schemas.microsoft.com/office/drawing/2010/main" val="0"/>
+              </a:ext>
+            </a:extLst>
+          </a:blip>
+          <a:stretch>
+            <a:fillRect/>
+          </a:stretch>
+        </p:blipFill>
+        <p:spPr>
+          <a:xfrm>
+            <a:off x="2065943" y="219000"/>
+            <a:ext cx="1219200" cy="1219200"/>
+          </a:xfrm>
+          <a:prstGeom prst="rect">
+            <a:avLst/>
+          </a:prstGeom>
+        </p:spPr>
+      </p:pic>
+      <p:pic>
+        <p:nvPicPr>
+          <p:cNvPr id="7" name="Picture 6"/>
+          <p:cNvPicPr>
+            <a:picLocks noChangeAspect="1"/>
+          </p:cNvPicPr>
+          <p:nvPr/>
+        </p:nvPicPr>
+        <p:blipFill>
+          <a:blip r:embed="rId7">
+            <a:lum bright="70000" contrast="-70000"/>
+            <a:extLst>
+              <a:ext uri="{28A0092B-C50C-407E-A947-70E740481C1C}">
+                <a14:useLocalDpi xmlns:a14="http://schemas.microsoft.com/office/drawing/2010/main" val="0"/>
+              </a:ext>
+            </a:extLst>
+          </a:blip>
+          <a:stretch>
+            <a:fillRect/>
+          </a:stretch>
+        </p:blipFill>
+        <p:spPr>
+          <a:xfrm>
+            <a:off x="2065943" y="3100200"/>
+            <a:ext cx="1219200" cy="1219200"/>
+          </a:xfrm>
+          <a:prstGeom prst="rect">
+            <a:avLst/>
+          </a:prstGeom>
+        </p:spPr>
+      </p:pic>
+      <p:pic>
+        <p:nvPicPr>
+          <p:cNvPr id="8" name="Picture 7"/>
+          <p:cNvPicPr>
+            <a:picLocks noChangeAspect="1"/>
+          </p:cNvPicPr>
+          <p:nvPr/>
+        </p:nvPicPr>
+        <p:blipFill>
+          <a:blip r:embed="rId8">
+            <a:lum bright="70000" contrast="-70000"/>
+            <a:extLst>
+              <a:ext uri="{28A0092B-C50C-407E-A947-70E740481C1C}">
+                <a14:useLocalDpi xmlns:a14="http://schemas.microsoft.com/office/drawing/2010/main" val="0"/>
+              </a:ext>
+            </a:extLst>
+          </a:blip>
+          <a:stretch>
+            <a:fillRect/>
+          </a:stretch>
+        </p:blipFill>
+        <p:spPr>
+          <a:xfrm>
+            <a:off x="1974058" y="1670372"/>
+            <a:ext cx="1219200" cy="1219200"/>
+          </a:xfrm>
+          <a:prstGeom prst="rect">
+            <a:avLst/>
+          </a:prstGeom>
+        </p:spPr>
+      </p:pic>
+      <p:pic>
+        <p:nvPicPr>
+          <p:cNvPr id="9" name="Picture 8"/>
+          <p:cNvPicPr>
+            <a:picLocks noChangeAspect="1"/>
+          </p:cNvPicPr>
+          <p:nvPr/>
+        </p:nvPicPr>
+        <p:blipFill>
+          <a:blip r:embed="rId9">
+            <a:lum bright="70000" contrast="-70000"/>
+            <a:extLst>
+              <a:ext uri="{28A0092B-C50C-407E-A947-70E740481C1C}">
+                <a14:useLocalDpi xmlns:a14="http://schemas.microsoft.com/office/drawing/2010/main" val="0"/>
+              </a:ext>
+            </a:extLst>
+          </a:blip>
+          <a:stretch>
+            <a:fillRect/>
+          </a:stretch>
+        </p:blipFill>
+        <p:spPr>
+          <a:xfrm>
+            <a:off x="2030971" y="4594343"/>
+            <a:ext cx="1219200" cy="1219200"/>
+          </a:xfrm>
+          <a:prstGeom prst="rect">
+            <a:avLst/>
+          </a:prstGeom>
+        </p:spPr>
+      </p:pic>
+      <p:pic>
+        <p:nvPicPr>
+          <p:cNvPr id="10" name="Picture 9"/>
+          <p:cNvPicPr>
+            <a:picLocks noChangeAspect="1"/>
+          </p:cNvPicPr>
+          <p:nvPr/>
+        </p:nvPicPr>
+        <p:blipFill>
+          <a:blip r:embed="rId10">
+            <a:lum bright="70000" contrast="-70000"/>
+            <a:extLst>
+              <a:ext uri="{28A0092B-C50C-407E-A947-70E740481C1C}">
+                <a14:useLocalDpi xmlns:a14="http://schemas.microsoft.com/office/drawing/2010/main" val="0"/>
+              </a:ext>
+            </a:extLst>
+          </a:blip>
+          <a:stretch>
+            <a:fillRect/>
+          </a:stretch>
+        </p:blipFill>
+        <p:spPr>
+          <a:xfrm>
+            <a:off x="3834343" y="219000"/>
+            <a:ext cx="1219200" cy="1219200"/>
+          </a:xfrm>
+          <a:prstGeom prst="rect">
+            <a:avLst/>
+          </a:prstGeom>
+        </p:spPr>
+      </p:pic>
+      <p:pic>
+        <p:nvPicPr>
+          <p:cNvPr id="11" name="Picture 10"/>
+          <p:cNvPicPr>
+            <a:picLocks noChangeAspect="1"/>
+          </p:cNvPicPr>
+          <p:nvPr/>
+        </p:nvPicPr>
+        <p:blipFill>
+          <a:blip r:embed="rId11">
+            <a:lum bright="70000" contrast="-70000"/>
+            <a:extLst>
+              <a:ext uri="{28A0092B-C50C-407E-A947-70E740481C1C}">
+                <a14:useLocalDpi xmlns:a14="http://schemas.microsoft.com/office/drawing/2010/main" val="0"/>
+              </a:ext>
+            </a:extLst>
+          </a:blip>
+          <a:stretch>
+            <a:fillRect/>
+          </a:stretch>
+        </p:blipFill>
+        <p:spPr>
+          <a:xfrm>
+            <a:off x="3939743" y="4580546"/>
+            <a:ext cx="1219200" cy="1219200"/>
+          </a:xfrm>
+          <a:prstGeom prst="rect">
+            <a:avLst/>
+          </a:prstGeom>
+        </p:spPr>
+      </p:pic>
+      <p:pic>
+        <p:nvPicPr>
+          <p:cNvPr id="12" name="Picture 11"/>
+          <p:cNvPicPr>
+            <a:picLocks noChangeAspect="1"/>
+          </p:cNvPicPr>
+          <p:nvPr/>
+        </p:nvPicPr>
+        <p:blipFill>
+          <a:blip r:embed="rId12">
+            <a:lum bright="70000" contrast="-70000"/>
+            <a:extLst>
+              <a:ext uri="{28A0092B-C50C-407E-A947-70E740481C1C}">
+                <a14:useLocalDpi xmlns:a14="http://schemas.microsoft.com/office/drawing/2010/main" val="0"/>
+              </a:ext>
+            </a:extLst>
+          </a:blip>
+          <a:stretch>
+            <a:fillRect/>
+          </a:stretch>
+        </p:blipFill>
+        <p:spPr>
+          <a:xfrm>
+            <a:off x="3894857" y="1708115"/>
+            <a:ext cx="1219200" cy="1219200"/>
+          </a:xfrm>
+          <a:prstGeom prst="rect">
+            <a:avLst/>
+          </a:prstGeom>
+        </p:spPr>
+      </p:pic>
+      <p:pic>
+        <p:nvPicPr>
+          <p:cNvPr id="13" name="Picture 12"/>
+          <p:cNvPicPr>
+            <a:picLocks noChangeAspect="1"/>
+          </p:cNvPicPr>
+          <p:nvPr/>
+        </p:nvPicPr>
+        <p:blipFill>
+          <a:blip r:embed="rId13">
+            <a:lum bright="70000" contrast="-70000"/>
+            <a:extLst>
+              <a:ext uri="{28A0092B-C50C-407E-A947-70E740481C1C}">
+                <a14:useLocalDpi xmlns:a14="http://schemas.microsoft.com/office/drawing/2010/main" val="0"/>
+              </a:ext>
+            </a:extLst>
+          </a:blip>
+          <a:stretch>
+            <a:fillRect/>
+          </a:stretch>
+        </p:blipFill>
+        <p:spPr>
+          <a:xfrm>
+            <a:off x="3941886" y="3046830"/>
+            <a:ext cx="1219200" cy="1219200"/>
+          </a:xfrm>
+          <a:prstGeom prst="rect">
+            <a:avLst/>
+          </a:prstGeom>
+        </p:spPr>
+      </p:pic>
+      <p:pic>
+        <p:nvPicPr>
+          <p:cNvPr id="14" name="Picture 13"/>
+          <p:cNvPicPr>
+            <a:picLocks noChangeAspect="1"/>
+          </p:cNvPicPr>
+          <p:nvPr/>
+        </p:nvPicPr>
+        <p:blipFill>
+          <a:blip r:embed="rId14">
+            <a:lum bright="70000" contrast="-70000"/>
+            <a:extLst>
+              <a:ext uri="{28A0092B-C50C-407E-A947-70E740481C1C}">
+                <a14:useLocalDpi xmlns:a14="http://schemas.microsoft.com/office/drawing/2010/main" val="0"/>
+              </a:ext>
+            </a:extLst>
+          </a:blip>
+          <a:stretch>
+            <a:fillRect/>
+          </a:stretch>
+        </p:blipFill>
+        <p:spPr>
+          <a:xfrm>
+            <a:off x="5571372" y="1767343"/>
+            <a:ext cx="1219200" cy="1219200"/>
+          </a:xfrm>
+          <a:prstGeom prst="rect">
+            <a:avLst/>
+          </a:prstGeom>
+        </p:spPr>
+      </p:pic>
+      <p:pic>
+        <p:nvPicPr>
+          <p:cNvPr id="15" name="Picture 14"/>
+          <p:cNvPicPr>
+            <a:picLocks noChangeAspect="1"/>
+          </p:cNvPicPr>
+          <p:nvPr/>
+        </p:nvPicPr>
+        <p:blipFill>
+          <a:blip r:embed="rId15">
+            <a:lum bright="70000" contrast="-70000"/>
+            <a:extLst>
+              <a:ext uri="{28A0092B-C50C-407E-A947-70E740481C1C}">
+                <a14:useLocalDpi xmlns:a14="http://schemas.microsoft.com/office/drawing/2010/main" val="0"/>
+              </a:ext>
+            </a:extLst>
+          </a:blip>
+          <a:stretch>
+            <a:fillRect/>
+          </a:stretch>
+        </p:blipFill>
+        <p:spPr>
+          <a:xfrm>
+            <a:off x="5602743" y="293914"/>
+            <a:ext cx="1219200" cy="1219200"/>
+          </a:xfrm>
+          <a:prstGeom prst="rect">
+            <a:avLst/>
+          </a:prstGeom>
+        </p:spPr>
+      </p:pic>
+      <p:pic>
+        <p:nvPicPr>
+          <p:cNvPr id="16" name="Picture 15"/>
+          <p:cNvPicPr>
+            <a:picLocks noChangeAspect="1"/>
+          </p:cNvPicPr>
+          <p:nvPr/>
+        </p:nvPicPr>
+        <p:blipFill>
+          <a:blip r:embed="rId16">
+            <a:lum bright="70000" contrast="-70000"/>
+            <a:extLst>
+              <a:ext uri="{28A0092B-C50C-407E-A947-70E740481C1C}">
+                <a14:useLocalDpi xmlns:a14="http://schemas.microsoft.com/office/drawing/2010/main" val="0"/>
+              </a:ext>
+            </a:extLst>
+          </a:blip>
+          <a:stretch>
+            <a:fillRect/>
+          </a:stretch>
+        </p:blipFill>
+        <p:spPr>
+          <a:xfrm>
+            <a:off x="5571372" y="3240772"/>
+            <a:ext cx="1219200" cy="1219200"/>
+          </a:xfrm>
+          <a:prstGeom prst="rect">
+            <a:avLst/>
+          </a:prstGeom>
+        </p:spPr>
+      </p:pic>
+      <p:pic>
+        <p:nvPicPr>
+          <p:cNvPr id="17" name="Picture 16"/>
+          <p:cNvPicPr>
+            <a:picLocks noChangeAspect="1"/>
+          </p:cNvPicPr>
+          <p:nvPr/>
+        </p:nvPicPr>
+        <p:blipFill>
+          <a:blip r:embed="rId17">
+            <a:lum bright="70000" contrast="-70000"/>
+            <a:extLst>
+              <a:ext uri="{28A0092B-C50C-407E-A947-70E740481C1C}">
+                <a14:useLocalDpi xmlns:a14="http://schemas.microsoft.com/office/drawing/2010/main" val="0"/>
+              </a:ext>
+            </a:extLst>
+          </a:blip>
+          <a:stretch>
+            <a:fillRect/>
+          </a:stretch>
+        </p:blipFill>
+        <p:spPr>
+          <a:xfrm>
+            <a:off x="7117200" y="388543"/>
+            <a:ext cx="1219200" cy="1219200"/>
+          </a:xfrm>
+          <a:prstGeom prst="rect">
+            <a:avLst/>
+          </a:prstGeom>
+        </p:spPr>
+      </p:pic>
+      <p:pic>
+        <p:nvPicPr>
+          <p:cNvPr id="18" name="Picture 17"/>
+          <p:cNvPicPr>
+            <a:picLocks noChangeAspect="1"/>
+          </p:cNvPicPr>
+          <p:nvPr/>
+        </p:nvPicPr>
+        <p:blipFill>
+          <a:blip r:embed="rId18">
+            <a:lum bright="70000" contrast="-70000"/>
+            <a:extLst>
+              <a:ext uri="{28A0092B-C50C-407E-A947-70E740481C1C}">
+                <a14:useLocalDpi xmlns:a14="http://schemas.microsoft.com/office/drawing/2010/main" val="0"/>
+              </a:ext>
+            </a:extLst>
+          </a:blip>
+          <a:stretch>
+            <a:fillRect/>
+          </a:stretch>
+        </p:blipFill>
+        <p:spPr>
+          <a:xfrm>
+            <a:off x="7211944" y="1819487"/>
+            <a:ext cx="1219200" cy="1219200"/>
+          </a:xfrm>
+          <a:prstGeom prst="rect">
+            <a:avLst/>
+          </a:prstGeom>
+        </p:spPr>
+      </p:pic>
+      <p:pic>
+        <p:nvPicPr>
+          <p:cNvPr id="19" name="Picture 18"/>
+          <p:cNvPicPr>
+            <a:picLocks noChangeAspect="1"/>
+          </p:cNvPicPr>
+          <p:nvPr/>
+        </p:nvPicPr>
+        <p:blipFill>
+          <a:blip r:embed="rId19">
+            <a:lum bright="70000" contrast="-70000"/>
+            <a:extLst>
+              <a:ext uri="{28A0092B-C50C-407E-A947-70E740481C1C}">
+                <a14:useLocalDpi xmlns:a14="http://schemas.microsoft.com/office/drawing/2010/main" val="0"/>
+              </a:ext>
+            </a:extLst>
+          </a:blip>
+          <a:stretch>
+            <a:fillRect/>
+          </a:stretch>
+        </p:blipFill>
+        <p:spPr>
+          <a:xfrm>
+            <a:off x="5624857" y="4609800"/>
+            <a:ext cx="1219200" cy="1219200"/>
+          </a:xfrm>
+          <a:prstGeom prst="rect">
+            <a:avLst/>
+          </a:prstGeom>
+        </p:spPr>
+      </p:pic>
+      <p:pic>
+        <p:nvPicPr>
+          <p:cNvPr id="20" name="Picture 19"/>
+          <p:cNvPicPr>
+            <a:picLocks noChangeAspect="1"/>
+          </p:cNvPicPr>
+          <p:nvPr/>
+        </p:nvPicPr>
+        <p:blipFill>
+          <a:blip r:embed="rId20">
+            <a:lum bright="70000" contrast="-70000"/>
+            <a:extLst>
+              <a:ext uri="{28A0092B-C50C-407E-A947-70E740481C1C}">
+                <a14:useLocalDpi xmlns:a14="http://schemas.microsoft.com/office/drawing/2010/main" val="0"/>
+              </a:ext>
+            </a:extLst>
+          </a:blip>
+          <a:stretch>
+            <a:fillRect/>
+          </a:stretch>
+        </p:blipFill>
+        <p:spPr>
+          <a:xfrm>
+            <a:off x="7284514" y="3295545"/>
+            <a:ext cx="1219200" cy="1219200"/>
+          </a:xfrm>
+          <a:prstGeom prst="rect">
+            <a:avLst/>
+          </a:prstGeom>
+        </p:spPr>
+      </p:pic>
+      <p:pic>
+        <p:nvPicPr>
+          <p:cNvPr id="21" name="Picture 20"/>
+          <p:cNvPicPr>
+            <a:picLocks noChangeAspect="1"/>
+          </p:cNvPicPr>
+          <p:nvPr/>
+        </p:nvPicPr>
+        <p:blipFill>
+          <a:blip r:embed="rId21">
+            <a:lum bright="70000" contrast="-70000"/>
+            <a:extLst>
+              <a:ext uri="{28A0092B-C50C-407E-A947-70E740481C1C}">
+                <a14:useLocalDpi xmlns:a14="http://schemas.microsoft.com/office/drawing/2010/main" val="0"/>
+              </a:ext>
+            </a:extLst>
+          </a:blip>
+          <a:stretch>
+            <a:fillRect/>
+          </a:stretch>
+        </p:blipFill>
+        <p:spPr>
+          <a:xfrm>
+            <a:off x="7309971" y="4675172"/>
+            <a:ext cx="1219200" cy="1219200"/>
+          </a:xfrm>
+          <a:prstGeom prst="rect">
+            <a:avLst/>
+          </a:prstGeom>
+        </p:spPr>
+      </p:pic>
+      <p:pic>
+        <p:nvPicPr>
+          <p:cNvPr id="22" name="Picture 21"/>
+          <p:cNvPicPr>
+            <a:picLocks noChangeAspect="1"/>
+          </p:cNvPicPr>
+          <p:nvPr/>
+        </p:nvPicPr>
+        <p:blipFill>
+          <a:blip r:embed="rId22">
+            <a:lum bright="70000" contrast="-70000"/>
+            <a:extLst>
+              <a:ext uri="{28A0092B-C50C-407E-A947-70E740481C1C}">
+                <a14:useLocalDpi xmlns:a14="http://schemas.microsoft.com/office/drawing/2010/main" val="0"/>
+              </a:ext>
+            </a:extLst>
+          </a:blip>
+          <a:stretch>
+            <a:fillRect/>
+          </a:stretch>
+        </p:blipFill>
+        <p:spPr>
+          <a:xfrm>
+            <a:off x="8636400" y="399829"/>
+            <a:ext cx="1219200" cy="1219200"/>
+          </a:xfrm>
+          <a:prstGeom prst="rect">
+            <a:avLst/>
+          </a:prstGeom>
+        </p:spPr>
+      </p:pic>
+      <p:pic>
+        <p:nvPicPr>
+          <p:cNvPr id="23" name="Picture 22"/>
+          <p:cNvPicPr>
+            <a:picLocks noChangeAspect="1"/>
+          </p:cNvPicPr>
+          <p:nvPr/>
+        </p:nvPicPr>
+        <p:blipFill>
+          <a:blip r:embed="rId23">
+            <a:lum bright="70000" contrast="-70000"/>
+            <a:extLst>
+              <a:ext uri="{28A0092B-C50C-407E-A947-70E740481C1C}">
+                <a14:useLocalDpi xmlns:a14="http://schemas.microsoft.com/office/drawing/2010/main" val="0"/>
+              </a:ext>
+            </a:extLst>
+          </a:blip>
+          <a:stretch>
+            <a:fillRect/>
+          </a:stretch>
+        </p:blipFill>
+        <p:spPr>
+          <a:xfrm>
+            <a:off x="10392629" y="488915"/>
+            <a:ext cx="1219200" cy="1219200"/>
+          </a:xfrm>
+          <a:prstGeom prst="rect">
+            <a:avLst/>
+          </a:prstGeom>
+        </p:spPr>
+      </p:pic>
+      <p:pic>
+        <p:nvPicPr>
+          <p:cNvPr id="24" name="Picture 23"/>
+          <p:cNvPicPr>
+            <a:picLocks noChangeAspect="1"/>
+          </p:cNvPicPr>
+          <p:nvPr/>
+        </p:nvPicPr>
+        <p:blipFill>
+          <a:blip r:embed="rId24">
+            <a:lum bright="70000" contrast="-70000"/>
+            <a:extLst>
+              <a:ext uri="{28A0092B-C50C-407E-A947-70E740481C1C}">
+                <a14:useLocalDpi xmlns:a14="http://schemas.microsoft.com/office/drawing/2010/main" val="0"/>
+              </a:ext>
+            </a:extLst>
+          </a:blip>
+          <a:stretch>
+            <a:fillRect/>
+          </a:stretch>
+        </p:blipFill>
+        <p:spPr>
+          <a:xfrm>
+            <a:off x="8731257" y="1827630"/>
+            <a:ext cx="1219200" cy="1219200"/>
+          </a:xfrm>
+          <a:prstGeom prst="rect">
+            <a:avLst/>
+          </a:prstGeom>
+        </p:spPr>
+      </p:pic>
+      <p:pic>
+        <p:nvPicPr>
+          <p:cNvPr id="25" name="Picture 24"/>
+          <p:cNvPicPr>
+            <a:picLocks noChangeAspect="1"/>
+          </p:cNvPicPr>
+          <p:nvPr/>
+        </p:nvPicPr>
+        <p:blipFill>
+          <a:blip r:embed="rId25">
+            <a:lum bright="70000" contrast="-70000"/>
+            <a:extLst>
+              <a:ext uri="{28A0092B-C50C-407E-A947-70E740481C1C}">
+                <a14:useLocalDpi xmlns:a14="http://schemas.microsoft.com/office/drawing/2010/main" val="0"/>
+              </a:ext>
+            </a:extLst>
+          </a:blip>
+          <a:stretch>
+            <a:fillRect/>
+          </a:stretch>
+        </p:blipFill>
+        <p:spPr>
+          <a:xfrm>
+            <a:off x="8784057" y="4774428"/>
+            <a:ext cx="1219200" cy="1219200"/>
+          </a:xfrm>
+          <a:prstGeom prst="rect">
+            <a:avLst/>
+          </a:prstGeom>
+        </p:spPr>
+      </p:pic>
+      <p:pic>
+        <p:nvPicPr>
+          <p:cNvPr id="26" name="Picture 25"/>
+          <p:cNvPicPr>
+            <a:picLocks noChangeAspect="1"/>
+          </p:cNvPicPr>
+          <p:nvPr/>
+        </p:nvPicPr>
+        <p:blipFill>
+          <a:blip r:embed="rId26">
+            <a:lum bright="70000" contrast="-70000"/>
+            <a:extLst>
+              <a:ext uri="{28A0092B-C50C-407E-A947-70E740481C1C}">
+                <a14:useLocalDpi xmlns:a14="http://schemas.microsoft.com/office/drawing/2010/main" val="0"/>
+              </a:ext>
+            </a:extLst>
+          </a:blip>
+          <a:stretch>
+            <a:fillRect/>
+          </a:stretch>
+        </p:blipFill>
+        <p:spPr>
+          <a:xfrm>
+            <a:off x="10396399" y="3390600"/>
+            <a:ext cx="1219200" cy="1219200"/>
+          </a:xfrm>
+          <a:prstGeom prst="rect">
+            <a:avLst/>
+          </a:prstGeom>
+        </p:spPr>
+      </p:pic>
+      <p:pic>
+        <p:nvPicPr>
+          <p:cNvPr id="27" name="Picture 26"/>
+          <p:cNvPicPr>
+            <a:picLocks noChangeAspect="1"/>
+          </p:cNvPicPr>
+          <p:nvPr/>
+        </p:nvPicPr>
+        <p:blipFill>
+          <a:blip r:embed="rId27">
+            <a:lum bright="70000" contrast="-70000"/>
+            <a:extLst>
+              <a:ext uri="{28A0092B-C50C-407E-A947-70E740481C1C}">
+                <a14:useLocalDpi xmlns:a14="http://schemas.microsoft.com/office/drawing/2010/main" val="0"/>
+              </a:ext>
+            </a:extLst>
+          </a:blip>
+          <a:stretch>
+            <a:fillRect/>
+          </a:stretch>
+        </p:blipFill>
+        <p:spPr>
+          <a:xfrm>
+            <a:off x="10349658" y="2076345"/>
+            <a:ext cx="1219200" cy="1219200"/>
+          </a:xfrm>
+          <a:prstGeom prst="rect">
+            <a:avLst/>
+          </a:prstGeom>
+        </p:spPr>
+      </p:pic>
+      <p:pic>
+        <p:nvPicPr>
+          <p:cNvPr id="28" name="Picture 27"/>
+          <p:cNvPicPr>
+            <a:picLocks noChangeAspect="1"/>
+          </p:cNvPicPr>
+          <p:nvPr/>
+        </p:nvPicPr>
+        <p:blipFill>
+          <a:blip r:embed="rId28">
+            <a:lum bright="70000" contrast="-70000"/>
+            <a:extLst>
+              <a:ext uri="{28A0092B-C50C-407E-A947-70E740481C1C}">
+                <a14:useLocalDpi xmlns:a14="http://schemas.microsoft.com/office/drawing/2010/main" val="0"/>
+              </a:ext>
+            </a:extLst>
+          </a:blip>
+          <a:stretch>
+            <a:fillRect/>
+          </a:stretch>
+        </p:blipFill>
+        <p:spPr>
+          <a:xfrm>
+            <a:off x="8773943" y="3438915"/>
+            <a:ext cx="1219200" cy="1219200"/>
+          </a:xfrm>
+          <a:prstGeom prst="rect">
+            <a:avLst/>
+          </a:prstGeom>
+        </p:spPr>
+      </p:pic>
+    </p:spTree>
+    <p:extLst>
+      <p:ext uri="{BB962C8B-B14F-4D97-AF65-F5344CB8AC3E}">
+        <p14:creationId xmlns:p14="http://schemas.microsoft.com/office/powerpoint/2010/main" val="214978686"/>
+      </p:ext>
+    </p:extLst>
+  </p:cSld>
+  <p:clrMapOvr>
+    <a:masterClrMapping/>
+  </p:clrMapOvr>
+</p:sld>
+</file>
+
+<file path=ppt/slides/slide41.xml><?xml version="1.0" encoding="utf-8"?>
+<p:sld xmlns:a="http://schemas.openxmlformats.org/drawingml/2006/main" xmlns:r="http://schemas.openxmlformats.org/officeDocument/2006/relationships" xmlns:p="http://schemas.openxmlformats.org/presentationml/2006/main" show="0">
+  <p:cSld>
+    <p:spTree>
+      <p:nvGrpSpPr>
+        <p:cNvPr id="1" name=""/>
+        <p:cNvGrpSpPr/>
+        <p:nvPr/>
+      </p:nvGrpSpPr>
+      <p:grpSpPr>
+        <a:xfrm>
+          <a:off x="0" y="0"/>
+          <a:ext cx="0" cy="0"/>
+          <a:chOff x="0" y="0"/>
+          <a:chExt cx="0" cy="0"/>
+        </a:xfrm>
+      </p:grpSpPr>
+      <p:pic>
+        <p:nvPicPr>
+          <p:cNvPr id="2" name="Picture 1"/>
+          <p:cNvPicPr>
+            <a:picLocks noChangeAspect="1"/>
+          </p:cNvPicPr>
+          <p:nvPr/>
+        </p:nvPicPr>
+        <p:blipFill>
+          <a:blip r:embed="rId2">
+            <a:lum bright="70000" contrast="-70000"/>
+            <a:extLst>
+              <a:ext uri="{28A0092B-C50C-407E-A947-70E740481C1C}">
+                <a14:useLocalDpi xmlns:a14="http://schemas.microsoft.com/office/drawing/2010/main" val="0"/>
+              </a:ext>
+            </a:extLst>
+          </a:blip>
+          <a:stretch>
+            <a:fillRect/>
+          </a:stretch>
+        </p:blipFill>
+        <p:spPr>
+          <a:xfrm>
+            <a:off x="304800" y="373743"/>
+            <a:ext cx="1219200" cy="1219200"/>
+          </a:xfrm>
+          <a:prstGeom prst="rect">
+            <a:avLst/>
+          </a:prstGeom>
+        </p:spPr>
+      </p:pic>
+      <p:pic>
+        <p:nvPicPr>
+          <p:cNvPr id="3" name="Picture 2"/>
+          <p:cNvPicPr>
+            <a:picLocks noChangeAspect="1"/>
+          </p:cNvPicPr>
+          <p:nvPr/>
+        </p:nvPicPr>
+        <p:blipFill>
+          <a:blip r:embed="rId3">
+            <a:lum bright="70000" contrast="-70000"/>
+            <a:extLst>
+              <a:ext uri="{28A0092B-C50C-407E-A947-70E740481C1C}">
+                <a14:useLocalDpi xmlns:a14="http://schemas.microsoft.com/office/drawing/2010/main" val="0"/>
+              </a:ext>
+            </a:extLst>
+          </a:blip>
+          <a:stretch>
+            <a:fillRect/>
+          </a:stretch>
+        </p:blipFill>
+        <p:spPr>
+          <a:xfrm>
+            <a:off x="304800" y="2022400"/>
+            <a:ext cx="1219200" cy="1219200"/>
+          </a:xfrm>
+          <a:prstGeom prst="rect">
+            <a:avLst/>
+          </a:prstGeom>
+        </p:spPr>
+      </p:pic>
+      <p:pic>
+        <p:nvPicPr>
+          <p:cNvPr id="4" name="Picture 3"/>
+          <p:cNvPicPr>
+            <a:picLocks noChangeAspect="1"/>
+          </p:cNvPicPr>
+          <p:nvPr/>
+        </p:nvPicPr>
+        <p:blipFill>
+          <a:blip r:embed="rId4">
+            <a:lum bright="70000" contrast="-70000"/>
+            <a:extLst>
+              <a:ext uri="{28A0092B-C50C-407E-A947-70E740481C1C}">
+                <a14:useLocalDpi xmlns:a14="http://schemas.microsoft.com/office/drawing/2010/main" val="0"/>
+              </a:ext>
+            </a:extLst>
+          </a:blip>
+          <a:stretch>
+            <a:fillRect/>
+          </a:stretch>
+        </p:blipFill>
+        <p:spPr>
+          <a:xfrm>
+            <a:off x="304800" y="3400200"/>
+            <a:ext cx="1219200" cy="1219200"/>
+          </a:xfrm>
+          <a:prstGeom prst="rect">
+            <a:avLst/>
+          </a:prstGeom>
+        </p:spPr>
+      </p:pic>
+      <p:pic>
+        <p:nvPicPr>
+          <p:cNvPr id="5" name="Picture 4"/>
+          <p:cNvPicPr>
+            <a:picLocks noChangeAspect="1"/>
+          </p:cNvPicPr>
+          <p:nvPr/>
+        </p:nvPicPr>
+        <p:blipFill>
+          <a:blip r:embed="rId5">
+            <a:lum bright="70000" contrast="-70000"/>
+            <a:extLst>
+              <a:ext uri="{28A0092B-C50C-407E-A947-70E740481C1C}">
+                <a14:useLocalDpi xmlns:a14="http://schemas.microsoft.com/office/drawing/2010/main" val="0"/>
+              </a:ext>
+            </a:extLst>
+          </a:blip>
+          <a:stretch>
+            <a:fillRect/>
+          </a:stretch>
+        </p:blipFill>
+        <p:spPr>
+          <a:xfrm>
+            <a:off x="304800" y="4779000"/>
+            <a:ext cx="1219200" cy="1219200"/>
+          </a:xfrm>
+          <a:prstGeom prst="rect">
+            <a:avLst/>
+          </a:prstGeom>
+        </p:spPr>
+      </p:pic>
+      <p:pic>
+        <p:nvPicPr>
+          <p:cNvPr id="6" name="Picture 5"/>
+          <p:cNvPicPr>
+            <a:picLocks noChangeAspect="1"/>
+          </p:cNvPicPr>
+          <p:nvPr/>
+        </p:nvPicPr>
+        <p:blipFill>
+          <a:blip r:embed="rId6">
+            <a:lum bright="70000" contrast="-70000"/>
+            <a:extLst>
+              <a:ext uri="{28A0092B-C50C-407E-A947-70E740481C1C}">
+                <a14:useLocalDpi xmlns:a14="http://schemas.microsoft.com/office/drawing/2010/main" val="0"/>
+              </a:ext>
+            </a:extLst>
+          </a:blip>
+          <a:stretch>
+            <a:fillRect/>
+          </a:stretch>
+        </p:blipFill>
+        <p:spPr>
+          <a:xfrm>
+            <a:off x="1942572" y="373743"/>
+            <a:ext cx="1219200" cy="1219200"/>
+          </a:xfrm>
+          <a:prstGeom prst="rect">
+            <a:avLst/>
+          </a:prstGeom>
+        </p:spPr>
+      </p:pic>
+      <p:pic>
+        <p:nvPicPr>
+          <p:cNvPr id="7" name="Picture 6"/>
+          <p:cNvPicPr>
+            <a:picLocks noChangeAspect="1"/>
+          </p:cNvPicPr>
+          <p:nvPr/>
+        </p:nvPicPr>
+        <p:blipFill>
+          <a:blip r:embed="rId7">
+            <a:lum bright="70000" contrast="-70000"/>
+            <a:extLst>
+              <a:ext uri="{28A0092B-C50C-407E-A947-70E740481C1C}">
+                <a14:useLocalDpi xmlns:a14="http://schemas.microsoft.com/office/drawing/2010/main" val="0"/>
+              </a:ext>
+            </a:extLst>
+          </a:blip>
+          <a:stretch>
+            <a:fillRect/>
+          </a:stretch>
+        </p:blipFill>
+        <p:spPr>
+          <a:xfrm>
+            <a:off x="2020000" y="1907514"/>
+            <a:ext cx="1219200" cy="1219200"/>
+          </a:xfrm>
+          <a:prstGeom prst="rect">
+            <a:avLst/>
+          </a:prstGeom>
+        </p:spPr>
+      </p:pic>
+      <p:pic>
+        <p:nvPicPr>
+          <p:cNvPr id="8" name="Picture 7"/>
+          <p:cNvPicPr>
+            <a:picLocks noChangeAspect="1"/>
+          </p:cNvPicPr>
+          <p:nvPr/>
+        </p:nvPicPr>
+        <p:blipFill>
+          <a:blip r:embed="rId8">
+            <a:lum bright="70000" contrast="-70000"/>
+            <a:extLst>
+              <a:ext uri="{28A0092B-C50C-407E-A947-70E740481C1C}">
+                <a14:useLocalDpi xmlns:a14="http://schemas.microsoft.com/office/drawing/2010/main" val="0"/>
+              </a:ext>
+            </a:extLst>
+          </a:blip>
+          <a:stretch>
+            <a:fillRect/>
+          </a:stretch>
+        </p:blipFill>
+        <p:spPr>
+          <a:xfrm>
+            <a:off x="1838629" y="3400200"/>
+            <a:ext cx="1219200" cy="1219200"/>
+          </a:xfrm>
+          <a:prstGeom prst="rect">
+            <a:avLst/>
+          </a:prstGeom>
+        </p:spPr>
+      </p:pic>
+      <p:pic>
+        <p:nvPicPr>
+          <p:cNvPr id="9" name="Picture 8"/>
+          <p:cNvPicPr>
+            <a:picLocks noChangeAspect="1"/>
+          </p:cNvPicPr>
+          <p:nvPr/>
+        </p:nvPicPr>
+        <p:blipFill>
+          <a:blip r:embed="rId9">
+            <a:lum bright="70000" contrast="-70000"/>
+            <a:extLst>
+              <a:ext uri="{28A0092B-C50C-407E-A947-70E740481C1C}">
+                <a14:useLocalDpi xmlns:a14="http://schemas.microsoft.com/office/drawing/2010/main" val="0"/>
+              </a:ext>
+            </a:extLst>
+          </a:blip>
+          <a:stretch>
+            <a:fillRect/>
+          </a:stretch>
+        </p:blipFill>
+        <p:spPr>
+          <a:xfrm>
+            <a:off x="1976400" y="4787771"/>
+            <a:ext cx="1219200" cy="1219200"/>
+          </a:xfrm>
+          <a:prstGeom prst="rect">
+            <a:avLst/>
+          </a:prstGeom>
+        </p:spPr>
+      </p:pic>
+      <p:pic>
+        <p:nvPicPr>
+          <p:cNvPr id="10" name="Picture 9"/>
+          <p:cNvPicPr>
+            <a:picLocks noChangeAspect="1"/>
+          </p:cNvPicPr>
+          <p:nvPr/>
+        </p:nvPicPr>
+        <p:blipFill>
+          <a:blip r:embed="rId10">
+            <a:lum bright="70000" contrast="-70000"/>
+            <a:extLst>
+              <a:ext uri="{28A0092B-C50C-407E-A947-70E740481C1C}">
+                <a14:useLocalDpi xmlns:a14="http://schemas.microsoft.com/office/drawing/2010/main" val="0"/>
+              </a:ext>
+            </a:extLst>
+          </a:blip>
+          <a:stretch>
+            <a:fillRect/>
+          </a:stretch>
+        </p:blipFill>
+        <p:spPr>
+          <a:xfrm>
+            <a:off x="3580515" y="2022400"/>
+            <a:ext cx="1219200" cy="1219200"/>
+          </a:xfrm>
+          <a:prstGeom prst="rect">
+            <a:avLst/>
+          </a:prstGeom>
+        </p:spPr>
+      </p:pic>
+      <p:pic>
+        <p:nvPicPr>
+          <p:cNvPr id="11" name="Picture 10"/>
+          <p:cNvPicPr>
+            <a:picLocks noChangeAspect="1"/>
+          </p:cNvPicPr>
+          <p:nvPr/>
+        </p:nvPicPr>
+        <p:blipFill>
+          <a:blip r:embed="rId11">
+            <a:lum bright="70000" contrast="-70000"/>
+            <a:extLst>
+              <a:ext uri="{28A0092B-C50C-407E-A947-70E740481C1C}">
+                <a14:useLocalDpi xmlns:a14="http://schemas.microsoft.com/office/drawing/2010/main" val="0"/>
+              </a:ext>
+            </a:extLst>
+          </a:blip>
+          <a:stretch>
+            <a:fillRect/>
+          </a:stretch>
+        </p:blipFill>
+        <p:spPr>
+          <a:xfrm>
+            <a:off x="3580515" y="373743"/>
+            <a:ext cx="1219200" cy="1219200"/>
+          </a:xfrm>
+          <a:prstGeom prst="rect">
+            <a:avLst/>
+          </a:prstGeom>
+        </p:spPr>
+      </p:pic>
+      <p:pic>
+        <p:nvPicPr>
+          <p:cNvPr id="12" name="Picture 11"/>
+          <p:cNvPicPr>
+            <a:picLocks noChangeAspect="1"/>
+          </p:cNvPicPr>
+          <p:nvPr/>
+        </p:nvPicPr>
+        <p:blipFill>
+          <a:blip r:embed="rId12">
+            <a:lum bright="70000" contrast="-70000"/>
+            <a:extLst>
+              <a:ext uri="{28A0092B-C50C-407E-A947-70E740481C1C}">
+                <a14:useLocalDpi xmlns:a14="http://schemas.microsoft.com/office/drawing/2010/main" val="0"/>
+              </a:ext>
+            </a:extLst>
+          </a:blip>
+          <a:stretch>
+            <a:fillRect/>
+          </a:stretch>
+        </p:blipFill>
+        <p:spPr>
+          <a:xfrm>
+            <a:off x="3517486" y="3400200"/>
+            <a:ext cx="1219200" cy="1219200"/>
+          </a:xfrm>
+          <a:prstGeom prst="rect">
+            <a:avLst/>
+          </a:prstGeom>
+        </p:spPr>
+      </p:pic>
+      <p:pic>
+        <p:nvPicPr>
+          <p:cNvPr id="13" name="Picture 12"/>
+          <p:cNvPicPr>
+            <a:picLocks noChangeAspect="1"/>
+          </p:cNvPicPr>
+          <p:nvPr/>
+        </p:nvPicPr>
+        <p:blipFill>
+          <a:blip r:embed="rId13">
+            <a:lum bright="70000" contrast="-70000"/>
+            <a:extLst>
+              <a:ext uri="{28A0092B-C50C-407E-A947-70E740481C1C}">
+                <a14:useLocalDpi xmlns:a14="http://schemas.microsoft.com/office/drawing/2010/main" val="0"/>
+              </a:ext>
+            </a:extLst>
+          </a:blip>
+          <a:stretch>
+            <a:fillRect/>
+          </a:stretch>
+        </p:blipFill>
+        <p:spPr>
+          <a:xfrm>
+            <a:off x="3580515" y="4742285"/>
+            <a:ext cx="1219200" cy="1219200"/>
+          </a:xfrm>
+          <a:prstGeom prst="rect">
+            <a:avLst/>
+          </a:prstGeom>
+        </p:spPr>
+      </p:pic>
+      <p:pic>
+        <p:nvPicPr>
+          <p:cNvPr id="14" name="Picture 13"/>
+          <p:cNvPicPr>
+            <a:picLocks noChangeAspect="1"/>
+          </p:cNvPicPr>
+          <p:nvPr/>
+        </p:nvPicPr>
+        <p:blipFill>
+          <a:blip r:embed="rId14">
+            <a:lum bright="70000" contrast="-70000"/>
+            <a:extLst>
+              <a:ext uri="{28A0092B-C50C-407E-A947-70E740481C1C}">
+                <a14:useLocalDpi xmlns:a14="http://schemas.microsoft.com/office/drawing/2010/main" val="0"/>
+              </a:ext>
+            </a:extLst>
+          </a:blip>
+          <a:stretch>
+            <a:fillRect/>
+          </a:stretch>
+        </p:blipFill>
+        <p:spPr>
+          <a:xfrm>
+            <a:off x="5476972" y="3584256"/>
+            <a:ext cx="1219200" cy="1219200"/>
+          </a:xfrm>
+          <a:prstGeom prst="rect">
+            <a:avLst/>
+          </a:prstGeom>
+        </p:spPr>
+      </p:pic>
+      <p:pic>
+        <p:nvPicPr>
+          <p:cNvPr id="15" name="Picture 14"/>
+          <p:cNvPicPr>
+            <a:picLocks noChangeAspect="1"/>
+          </p:cNvPicPr>
+          <p:nvPr/>
+        </p:nvPicPr>
+        <p:blipFill>
+          <a:blip r:embed="rId15">
+            <a:lum bright="70000" contrast="-70000"/>
+            <a:extLst>
+              <a:ext uri="{28A0092B-C50C-407E-A947-70E740481C1C}">
+                <a14:useLocalDpi xmlns:a14="http://schemas.microsoft.com/office/drawing/2010/main" val="0"/>
+              </a:ext>
+            </a:extLst>
+          </a:blip>
+          <a:stretch>
+            <a:fillRect/>
+          </a:stretch>
+        </p:blipFill>
+        <p:spPr>
+          <a:xfrm>
+            <a:off x="5476972" y="458658"/>
+            <a:ext cx="1219200" cy="1219200"/>
+          </a:xfrm>
+          <a:prstGeom prst="rect">
+            <a:avLst/>
+          </a:prstGeom>
+        </p:spPr>
+      </p:pic>
+      <p:pic>
+        <p:nvPicPr>
+          <p:cNvPr id="16" name="Picture 15"/>
+          <p:cNvPicPr>
+            <a:picLocks noChangeAspect="1"/>
+          </p:cNvPicPr>
+          <p:nvPr/>
+        </p:nvPicPr>
+        <p:blipFill>
+          <a:blip r:embed="rId16">
+            <a:lum bright="70000" contrast="-70000"/>
+            <a:extLst>
+              <a:ext uri="{28A0092B-C50C-407E-A947-70E740481C1C}">
+                <a14:useLocalDpi xmlns:a14="http://schemas.microsoft.com/office/drawing/2010/main" val="0"/>
+              </a:ext>
+            </a:extLst>
+          </a:blip>
+          <a:stretch>
+            <a:fillRect/>
+          </a:stretch>
+        </p:blipFill>
+        <p:spPr>
+          <a:xfrm>
+            <a:off x="5476972" y="2021457"/>
+            <a:ext cx="1219200" cy="1219200"/>
+          </a:xfrm>
+          <a:prstGeom prst="rect">
+            <a:avLst/>
+          </a:prstGeom>
+        </p:spPr>
+      </p:pic>
+      <p:pic>
+        <p:nvPicPr>
+          <p:cNvPr id="17" name="Picture 16"/>
+          <p:cNvPicPr>
+            <a:picLocks noChangeAspect="1"/>
+          </p:cNvPicPr>
+          <p:nvPr/>
+        </p:nvPicPr>
+        <p:blipFill>
+          <a:blip r:embed="rId17">
+            <a:lum bright="70000" contrast="-70000"/>
+            <a:extLst>
+              <a:ext uri="{28A0092B-C50C-407E-A947-70E740481C1C}">
+                <a14:useLocalDpi xmlns:a14="http://schemas.microsoft.com/office/drawing/2010/main" val="0"/>
+              </a:ext>
+            </a:extLst>
+          </a:blip>
+          <a:stretch>
+            <a:fillRect/>
+          </a:stretch>
+        </p:blipFill>
+        <p:spPr>
+          <a:xfrm>
+            <a:off x="5476972" y="4909800"/>
+            <a:ext cx="1219200" cy="1219200"/>
+          </a:xfrm>
+          <a:prstGeom prst="rect">
+            <a:avLst/>
+          </a:prstGeom>
+        </p:spPr>
+      </p:pic>
+      <p:pic>
+        <p:nvPicPr>
+          <p:cNvPr id="18" name="Picture 17"/>
+          <p:cNvPicPr>
+            <a:picLocks noChangeAspect="1"/>
+          </p:cNvPicPr>
+          <p:nvPr/>
+        </p:nvPicPr>
+        <p:blipFill>
+          <a:blip r:embed="rId18">
+            <a:lum bright="70000" contrast="-70000"/>
+            <a:extLst>
+              <a:ext uri="{28A0092B-C50C-407E-A947-70E740481C1C}">
+                <a14:useLocalDpi xmlns:a14="http://schemas.microsoft.com/office/drawing/2010/main" val="0"/>
+              </a:ext>
+            </a:extLst>
+          </a:blip>
+          <a:stretch>
+            <a:fillRect/>
+          </a:stretch>
+        </p:blipFill>
+        <p:spPr>
+          <a:xfrm>
+            <a:off x="7291771" y="505572"/>
+            <a:ext cx="1219200" cy="1219200"/>
+          </a:xfrm>
+          <a:prstGeom prst="rect">
+            <a:avLst/>
+          </a:prstGeom>
+        </p:spPr>
+      </p:pic>
+      <p:pic>
+        <p:nvPicPr>
+          <p:cNvPr id="19" name="Picture 18"/>
+          <p:cNvPicPr>
+            <a:picLocks noChangeAspect="1"/>
+          </p:cNvPicPr>
+          <p:nvPr/>
+        </p:nvPicPr>
+        <p:blipFill>
+          <a:blip r:embed="rId19">
+            <a:lum bright="70000" contrast="-70000"/>
+            <a:extLst>
+              <a:ext uri="{28A0092B-C50C-407E-A947-70E740481C1C}">
+                <a14:useLocalDpi xmlns:a14="http://schemas.microsoft.com/office/drawing/2010/main" val="0"/>
+              </a:ext>
+            </a:extLst>
+          </a:blip>
+          <a:stretch>
+            <a:fillRect/>
+          </a:stretch>
+        </p:blipFill>
+        <p:spPr>
+          <a:xfrm>
+            <a:off x="7373429" y="2021457"/>
+            <a:ext cx="1219200" cy="1219200"/>
+          </a:xfrm>
+          <a:prstGeom prst="rect">
+            <a:avLst/>
+          </a:prstGeom>
+        </p:spPr>
+      </p:pic>
+      <p:pic>
+        <p:nvPicPr>
+          <p:cNvPr id="20" name="Picture 19"/>
+          <p:cNvPicPr>
+            <a:picLocks noChangeAspect="1"/>
+          </p:cNvPicPr>
+          <p:nvPr/>
+        </p:nvPicPr>
+        <p:blipFill>
+          <a:blip r:embed="rId20">
+            <a:lum bright="70000" contrast="-70000"/>
+            <a:extLst>
+              <a:ext uri="{28A0092B-C50C-407E-A947-70E740481C1C}">
+                <a14:useLocalDpi xmlns:a14="http://schemas.microsoft.com/office/drawing/2010/main" val="0"/>
+              </a:ext>
+            </a:extLst>
+          </a:blip>
+          <a:stretch>
+            <a:fillRect/>
+          </a:stretch>
+        </p:blipFill>
+        <p:spPr>
+          <a:xfrm>
+            <a:off x="7496971" y="4953456"/>
+            <a:ext cx="1219200" cy="1219200"/>
+          </a:xfrm>
+          <a:prstGeom prst="rect">
+            <a:avLst/>
+          </a:prstGeom>
+        </p:spPr>
+      </p:pic>
+      <p:pic>
+        <p:nvPicPr>
+          <p:cNvPr id="21" name="Picture 20"/>
+          <p:cNvPicPr>
+            <a:picLocks noChangeAspect="1"/>
+          </p:cNvPicPr>
+          <p:nvPr/>
+        </p:nvPicPr>
+        <p:blipFill>
+          <a:blip r:embed="rId21">
+            <a:lum bright="70000" contrast="-70000"/>
+            <a:extLst>
+              <a:ext uri="{28A0092B-C50C-407E-A947-70E740481C1C}">
+                <a14:useLocalDpi xmlns:a14="http://schemas.microsoft.com/office/drawing/2010/main" val="0"/>
+              </a:ext>
+            </a:extLst>
+          </a:blip>
+          <a:stretch>
+            <a:fillRect/>
+          </a:stretch>
+        </p:blipFill>
+        <p:spPr>
+          <a:xfrm>
+            <a:off x="7357257" y="3584256"/>
+            <a:ext cx="1219200" cy="1219200"/>
+          </a:xfrm>
+          <a:prstGeom prst="rect">
+            <a:avLst/>
+          </a:prstGeom>
+        </p:spPr>
+      </p:pic>
+      <p:pic>
+        <p:nvPicPr>
+          <p:cNvPr id="22" name="Picture 21"/>
+          <p:cNvPicPr>
+            <a:picLocks noChangeAspect="1"/>
+          </p:cNvPicPr>
+          <p:nvPr/>
+        </p:nvPicPr>
+        <p:blipFill>
+          <a:blip r:embed="rId22">
+            <a:lum bright="70000" contrast="-70000"/>
+            <a:extLst>
+              <a:ext uri="{28A0092B-C50C-407E-A947-70E740481C1C}">
+                <a14:useLocalDpi xmlns:a14="http://schemas.microsoft.com/office/drawing/2010/main" val="0"/>
+              </a:ext>
+            </a:extLst>
+          </a:blip>
+          <a:stretch>
+            <a:fillRect/>
+          </a:stretch>
+        </p:blipFill>
+        <p:spPr>
+          <a:xfrm>
+            <a:off x="9106570" y="505572"/>
+            <a:ext cx="1219200" cy="1219200"/>
+          </a:xfrm>
+          <a:prstGeom prst="rect">
+            <a:avLst/>
+          </a:prstGeom>
+        </p:spPr>
+      </p:pic>
+      <p:pic>
+        <p:nvPicPr>
+          <p:cNvPr id="23" name="Picture 22"/>
+          <p:cNvPicPr>
+            <a:picLocks noChangeAspect="1"/>
+          </p:cNvPicPr>
+          <p:nvPr/>
+        </p:nvPicPr>
+        <p:blipFill>
+          <a:blip r:embed="rId23">
+            <a:lum bright="70000" contrast="-70000"/>
+            <a:extLst>
+              <a:ext uri="{28A0092B-C50C-407E-A947-70E740481C1C}">
+                <a14:useLocalDpi xmlns:a14="http://schemas.microsoft.com/office/drawing/2010/main" val="0"/>
+              </a:ext>
+            </a:extLst>
+          </a:blip>
+          <a:stretch>
+            <a:fillRect/>
+          </a:stretch>
+        </p:blipFill>
+        <p:spPr>
+          <a:xfrm>
+            <a:off x="9106570" y="2021457"/>
+            <a:ext cx="1219200" cy="1219200"/>
+          </a:xfrm>
+          <a:prstGeom prst="rect">
+            <a:avLst/>
+          </a:prstGeom>
+        </p:spPr>
+      </p:pic>
+    </p:spTree>
+    <p:extLst>
+      <p:ext uri="{BB962C8B-B14F-4D97-AF65-F5344CB8AC3E}">
+        <p14:creationId xmlns:p14="http://schemas.microsoft.com/office/powerpoint/2010/main" val="3555470181"/>
+      </p:ext>
+    </p:extLst>
+  </p:cSld>
+  <p:clrMapOvr>
+    <a:masterClrMapping/>
+  </p:clrMapOvr>
+</p:sld>
+</file>
+
+<file path=ppt/slides/slide42.xml><?xml version="1.0" encoding="utf-8"?>
 <p:sld xmlns:a="http://schemas.openxmlformats.org/drawingml/2006/main" xmlns:r="http://schemas.openxmlformats.org/officeDocument/2006/relationships" xmlns:p="http://schemas.openxmlformats.org/presentationml/2006/main" show="0">
   <p:cSld>
     <p:spTree>

--- a/MMS 2017 - Windows Upgrade Readiness.pptx
+++ b/MMS 2017 - Windows Upgrade Readiness.pptx
@@ -304,7 +304,7 @@
           <a:p>
             <a:fld id="{5AC68C86-161C-47A6-9A61-C529F6A6AC98}" type="datetimeFigureOut">
               <a:rPr lang="en-US" smtClean="0"/>
-              <a:t>4/6/2017</a:t>
+              <a:t>4/10/2017</a:t>
             </a:fld>
             <a:endParaRPr lang="en-US"/>
           </a:p>
@@ -2368,6 +2368,11 @@
               <a:rPr lang="en-US" baseline="0" dirty="0"/>
               <a:t> deployment script and it can communicate to MS end points, you have enabled telemetry.  Even if you have a GPO in place to block it.</a:t>
             </a:r>
+          </a:p>
+          <a:p>
+            <a:endParaRPr lang="en-US" baseline="0" dirty="0"/>
+          </a:p>
+          <a:p>
             <a:endParaRPr lang="en-US" dirty="0"/>
           </a:p>
         </p:txBody>
@@ -2458,13 +2463,9 @@
             </a:r>
             <a:r>
               <a:rPr lang="en-US" baseline="0" dirty="0"/>
-              <a:t> to keep deploying them.  This is helpful if you plan on using this product, and why not keep using it?  Windows 10 will continue to need to </a:t>
-            </a:r>
-            <a:r>
-              <a:rPr lang="en-US" baseline="0"/>
-              <a:t>be serviced.</a:t>
-            </a:r>
-            <a:endParaRPr lang="en-US"/>
+              <a:t> to keep deploying them.  Definitely use an automated solution for this.  Keep patching, never stop patching.  This is helpful if you plan on using this product, and why not keep using it?  Windows 10 will continue to need to be serviced.</a:t>
+            </a:r>
+            <a:endParaRPr lang="en-US" dirty="0"/>
           </a:p>
           <a:p>
             <a:r>
@@ -2573,6 +2574,23 @@
               <a:rPr lang="en-US" baseline="0" dirty="0"/>
               <a:t> if needed, schedules the analytics to run monthly and run the analytics one time.  Logs can be seen in c:\windows\WUA\</a:t>
             </a:r>
+          </a:p>
+          <a:p>
+            <a:endParaRPr lang="en-US" baseline="0" dirty="0"/>
+          </a:p>
+          <a:p>
+            <a:r>
+              <a:rPr lang="en-US" baseline="0" dirty="0"/>
+              <a:t>Dirtiest script you will ever see.  This works, but there are more elegant ways to do it.  </a:t>
+            </a:r>
+            <a:r>
+              <a:rPr lang="en-US" baseline="0" dirty="0" err="1"/>
+              <a:t>ConfiMgr</a:t>
+            </a:r>
+            <a:r>
+              <a:rPr lang="en-US" baseline="0" dirty="0"/>
+              <a:t> Cis / baselines. Etc.</a:t>
+            </a:r>
             <a:endParaRPr lang="en-US" dirty="0"/>
           </a:p>
         </p:txBody>
@@ -2771,7 +2789,7 @@
             </a:r>
             <a:r>
               <a:rPr lang="en-US" baseline="0" dirty="0"/>
-              <a:t> your add/remove programs has custom strings in it, WU can handle that.  It determines what the actual application is independent of the Add Remove Programs.</a:t>
+              <a:t> your add/remove programs has custom strings in it, WU can handle that.  It determines what the actual application is independent of the Add Remove Programs.  This has pretty awesome implications and use cases. </a:t>
             </a:r>
             <a:endParaRPr lang="en-US" dirty="0"/>
           </a:p>
@@ -9301,22 +9319,19 @@
             <p:ph type="body" sz="quarter" idx="15"/>
           </p:nvPr>
         </p:nvSpPr>
-        <p:spPr/>
+        <p:spPr>
+          <a:xfrm>
+            <a:off x="575734" y="2845347"/>
+            <a:ext cx="5059228" cy="375110"/>
+          </a:xfrm>
+        </p:spPr>
         <p:txBody>
           <a:bodyPr/>
           <a:lstStyle/>
           <a:p>
             <a:r>
               <a:rPr lang="en-US" dirty="0"/>
-              <a:t>Microsoft MVP, </a:t>
-            </a:r>
-            <a:r>
-              <a:rPr lang="en-US" dirty="0" err="1"/>
-              <a:t>Entrprise</a:t>
-            </a:r>
-            <a:r>
-              <a:rPr lang="en-US" dirty="0"/>
-              <a:t> Mobility</a:t>
+              <a:t>Microsoft MVP, Enterprise Mobility</a:t>
             </a:r>
           </a:p>
         </p:txBody>
@@ -9338,7 +9353,7 @@
           <a:p>
             <a:r>
               <a:rPr lang="en-US" dirty="0"/>
-              <a:t>PowerShell Junky</a:t>
+              <a:t>PowerShell, Automation, Blog</a:t>
             </a:r>
           </a:p>
         </p:txBody>
@@ -9867,18 +9882,73 @@
             <a:pPr marL="457200" lvl="1" indent="0">
               <a:buNone/>
             </a:pPr>
-            <a:r>
-              <a:rPr lang="en-US" dirty="0"/>
-              <a:t>5000 item limits, even in </a:t>
-            </a:r>
-            <a:r>
-              <a:rPr lang="en-US" dirty="0" err="1"/>
-              <a:t>powershell</a:t>
-            </a:r>
-            <a:r>
-              <a:rPr lang="en-US" dirty="0"/>
-              <a:t>.</a:t>
-            </a:r>
+            <a:endParaRPr lang="en-US" dirty="0"/>
+          </a:p>
+          <a:p>
+            <a:pPr marL="457200" lvl="1" indent="0">
+              <a:buNone/>
+            </a:pPr>
+            <a:r>
+              <a:rPr lang="en-US" dirty="0"/>
+              <a:t>QUICK DEMOS</a:t>
+            </a:r>
+          </a:p>
+          <a:p>
+            <a:pPr marL="457200" lvl="1" indent="0">
+              <a:buNone/>
+            </a:pPr>
+            <a:endParaRPr lang="en-US" dirty="0"/>
+          </a:p>
+          <a:p>
+            <a:pPr marL="457200" lvl="1" indent="0">
+              <a:buNone/>
+            </a:pPr>
+            <a:r>
+              <a:rPr lang="en-US" dirty="0"/>
+              <a:t>5000 item limits, even in PowerShell.</a:t>
+            </a:r>
+          </a:p>
+          <a:p>
+            <a:pPr marL="457200" lvl="1" indent="0">
+              <a:buNone/>
+            </a:pPr>
+            <a:endParaRPr lang="en-US" dirty="0"/>
+          </a:p>
+          <a:p>
+            <a:pPr marL="457200" lvl="1" indent="0">
+              <a:buNone/>
+            </a:pPr>
+            <a:r>
+              <a:rPr lang="en-US" dirty="0"/>
+              <a:t>If you can navigate PowerShell, I think it’s easier to dissect the data than using OMS search queries…</a:t>
+            </a:r>
+          </a:p>
+          <a:p>
+            <a:pPr marL="457200" lvl="1" indent="0">
+              <a:buNone/>
+            </a:pPr>
+            <a:r>
+              <a:rPr lang="en-US" dirty="0"/>
+              <a:t>	or I am bad at OMS search queries.  </a:t>
+            </a:r>
+          </a:p>
+          <a:p>
+            <a:pPr marL="457200" lvl="1" indent="0">
+              <a:buNone/>
+            </a:pPr>
+            <a:endParaRPr lang="en-US" dirty="0"/>
+          </a:p>
+          <a:p>
+            <a:pPr marL="457200" lvl="1" indent="0">
+              <a:buNone/>
+            </a:pPr>
+            <a:endParaRPr lang="en-US" dirty="0"/>
+          </a:p>
+          <a:p>
+            <a:pPr marL="457200" lvl="1" indent="0">
+              <a:buNone/>
+            </a:pPr>
+            <a:endParaRPr lang="en-US" dirty="0"/>
           </a:p>
           <a:p>
             <a:pPr marL="457200" lvl="1" indent="0">

--- a/MMS 2017 - Windows Upgrade Readiness.pptx
+++ b/MMS 2017 - Windows Upgrade Readiness.pptx
@@ -5,7 +5,7 @@
     <p:sldMasterId id="2147483648" r:id="rId1"/>
   </p:sldMasterIdLst>
   <p:notesMasterIdLst>
-    <p:notesMasterId r:id="rId52"/>
+    <p:notesMasterId r:id="rId53"/>
   </p:notesMasterIdLst>
   <p:sldIdLst>
     <p:sldId id="256" r:id="rId2"/>
@@ -32,32 +32,33 @@
     <p:sldId id="309" r:id="rId23"/>
     <p:sldId id="310" r:id="rId24"/>
     <p:sldId id="289" r:id="rId25"/>
-    <p:sldId id="296" r:id="rId26"/>
-    <p:sldId id="287" r:id="rId27"/>
-    <p:sldId id="294" r:id="rId28"/>
-    <p:sldId id="302" r:id="rId29"/>
-    <p:sldId id="286" r:id="rId30"/>
-    <p:sldId id="295" r:id="rId31"/>
-    <p:sldId id="301" r:id="rId32"/>
-    <p:sldId id="259" r:id="rId33"/>
-    <p:sldId id="279" r:id="rId34"/>
-    <p:sldId id="260" r:id="rId35"/>
-    <p:sldId id="278" r:id="rId36"/>
-    <p:sldId id="262" r:id="rId37"/>
-    <p:sldId id="263" r:id="rId38"/>
-    <p:sldId id="264" r:id="rId39"/>
-    <p:sldId id="265" r:id="rId40"/>
-    <p:sldId id="266" r:id="rId41"/>
-    <p:sldId id="267" r:id="rId42"/>
-    <p:sldId id="268" r:id="rId43"/>
-    <p:sldId id="269" r:id="rId44"/>
-    <p:sldId id="270" r:id="rId45"/>
-    <p:sldId id="271" r:id="rId46"/>
-    <p:sldId id="272" r:id="rId47"/>
-    <p:sldId id="273" r:id="rId48"/>
-    <p:sldId id="274" r:id="rId49"/>
-    <p:sldId id="275" r:id="rId50"/>
-    <p:sldId id="276" r:id="rId51"/>
+    <p:sldId id="311" r:id="rId26"/>
+    <p:sldId id="296" r:id="rId27"/>
+    <p:sldId id="287" r:id="rId28"/>
+    <p:sldId id="294" r:id="rId29"/>
+    <p:sldId id="302" r:id="rId30"/>
+    <p:sldId id="286" r:id="rId31"/>
+    <p:sldId id="295" r:id="rId32"/>
+    <p:sldId id="301" r:id="rId33"/>
+    <p:sldId id="259" r:id="rId34"/>
+    <p:sldId id="279" r:id="rId35"/>
+    <p:sldId id="260" r:id="rId36"/>
+    <p:sldId id="278" r:id="rId37"/>
+    <p:sldId id="262" r:id="rId38"/>
+    <p:sldId id="263" r:id="rId39"/>
+    <p:sldId id="264" r:id="rId40"/>
+    <p:sldId id="265" r:id="rId41"/>
+    <p:sldId id="266" r:id="rId42"/>
+    <p:sldId id="267" r:id="rId43"/>
+    <p:sldId id="268" r:id="rId44"/>
+    <p:sldId id="269" r:id="rId45"/>
+    <p:sldId id="270" r:id="rId46"/>
+    <p:sldId id="271" r:id="rId47"/>
+    <p:sldId id="272" r:id="rId48"/>
+    <p:sldId id="273" r:id="rId49"/>
+    <p:sldId id="274" r:id="rId50"/>
+    <p:sldId id="275" r:id="rId51"/>
+    <p:sldId id="276" r:id="rId52"/>
   </p:sldIdLst>
   <p:sldSz cx="12192000" cy="6858000"/>
   <p:notesSz cx="6858000" cy="9144000"/>
@@ -189,6 +190,7 @@
             <p14:sldId id="309"/>
             <p14:sldId id="310"/>
             <p14:sldId id="289"/>
+            <p14:sldId id="311"/>
             <p14:sldId id="296"/>
             <p14:sldId id="287"/>
             <p14:sldId id="294"/>
@@ -320,7 +322,7 @@
           <a:p>
             <a:fld id="{5AC68C86-161C-47A6-9A61-C529F6A6AC98}" type="datetimeFigureOut">
               <a:rPr lang="en-US" smtClean="0"/>
-              <a:t>4/17/2017</a:t>
+              <a:t>4/18/2017</a:t>
             </a:fld>
             <a:endParaRPr lang="en-US"/>
           </a:p>
@@ -831,6 +833,12 @@
               <a:rPr lang="en-US" baseline="0" dirty="0"/>
               <a:t> your add/remove programs has custom strings in it, WU can handle that.  It determines what the actual application is independent of the Add Remove Programs.  This has pretty awesome implications and use cases. </a:t>
             </a:r>
+          </a:p>
+          <a:p>
+            <a:r>
+              <a:rPr lang="en-US" baseline="0" dirty="0"/>
+              <a:t>PowerShell examples coming up.</a:t>
+            </a:r>
             <a:endParaRPr lang="en-US" dirty="0"/>
           </a:p>
         </p:txBody>
@@ -1046,6 +1054,14 @@
           <a:p>
             <a:r>
               <a:rPr lang="en-US" dirty="0"/>
+              <a:t>There</a:t>
+            </a:r>
+            <a:r>
+              <a:rPr lang="en-US" baseline="0" dirty="0"/>
+              <a:t> is so much good data here.  </a:t>
+            </a:r>
+            <a:r>
+              <a:rPr lang="en-US" dirty="0"/>
               <a:t>When doing an</a:t>
             </a:r>
             <a:r>
@@ -1621,7 +1637,10 @@
           <a:bodyPr/>
           <a:lstStyle/>
           <a:p>
-            <a:endParaRPr lang="en-US" baseline="0" dirty="0"/>
+            <a:r>
+              <a:rPr lang="en-US" baseline="0" dirty="0"/>
+              <a:t>This is radical!!  Everyone hates this.</a:t>
+            </a:r>
           </a:p>
         </p:txBody>
       </p:sp>
@@ -1809,13 +1828,13 @@
           <a:p>
             <a:r>
               <a:rPr lang="en-US" baseline="0" dirty="0"/>
-              <a:t>This leads to problems with disconnected devices.</a:t>
+              <a:t>You cannot do an apply drivers step during this task sequence.  You have to stage the drivers first and then tell the where the cached drivers are.  This is useful if you can’t use the dynamic updates during the upgrade.</a:t>
             </a:r>
           </a:p>
           <a:p>
             <a:r>
               <a:rPr lang="en-US" baseline="0" dirty="0"/>
-              <a:t>This is useful if you can’t use the dynamic updates during the upgrade.</a:t>
+              <a:t>This leads to problems with disconnected devices. </a:t>
             </a:r>
           </a:p>
         </p:txBody>
@@ -2162,7 +2181,7 @@
     </p:spTree>
     <p:extLst>
       <p:ext uri="{BB962C8B-B14F-4D97-AF65-F5344CB8AC3E}">
-        <p14:creationId xmlns:p14="http://schemas.microsoft.com/office/powerpoint/2010/main" val="3465912176"/>
+        <p14:creationId xmlns:p14="http://schemas.microsoft.com/office/powerpoint/2010/main" val="1246873391"/>
       </p:ext>
     </p:extLst>
   </p:cSld>
@@ -2218,11 +2237,27 @@
           <a:p>
             <a:r>
               <a:rPr lang="en-US" dirty="0"/>
-              <a:t>If</a:t>
+              <a:t>Even the </a:t>
+            </a:r>
+            <a:r>
+              <a:rPr lang="en-US" dirty="0" err="1"/>
+              <a:t>wmi</a:t>
+            </a:r>
+            <a:r>
+              <a:rPr lang="en-US" dirty="0"/>
+              <a:t> class is sparse.  Just not a lot of stuff there.  Your</a:t>
             </a:r>
             <a:r>
               <a:rPr lang="en-US" baseline="0" dirty="0"/>
-              <a:t> you want to look at a migration project as a time breakdown, application packaging and rationalization should be take 90% of your time.  The task sequence or deployment method is easy, its been done a thousand times by a thousand different people.  You WILL figure out whatever you need to do deploy the actual operating system.  Trust me when I say that is the easy part.   </a:t>
+              <a:t> best bet is to use </a:t>
+            </a:r>
+            <a:r>
+              <a:rPr lang="en-US" baseline="0" dirty="0" err="1"/>
+              <a:t>powershell</a:t>
+            </a:r>
+            <a:r>
+              <a:rPr lang="en-US" baseline="0" dirty="0"/>
+              <a:t> to query WUA for devices according to whatever criteria you are looking for and then creating a collection with direct membership rules. Example, give me all devices that have an application or driver that will block the windows 10 upgrade.</a:t>
             </a:r>
             <a:endParaRPr lang="en-US" dirty="0"/>
           </a:p>
@@ -2254,7 +2289,7 @@
     </p:spTree>
     <p:extLst>
       <p:ext uri="{BB962C8B-B14F-4D97-AF65-F5344CB8AC3E}">
-        <p14:creationId xmlns:p14="http://schemas.microsoft.com/office/powerpoint/2010/main" val="793046230"/>
+        <p14:creationId xmlns:p14="http://schemas.microsoft.com/office/powerpoint/2010/main" val="3465912176"/>
       </p:ext>
     </p:extLst>
   </p:cSld>
@@ -2308,14 +2343,6 @@
           <a:bodyPr/>
           <a:lstStyle/>
           <a:p>
-            <a:r>
-              <a:rPr lang="en-US" dirty="0"/>
-              <a:t>The app owner</a:t>
-            </a:r>
-            <a:r>
-              <a:rPr lang="en-US" baseline="0" dirty="0"/>
-              <a:t> is important here.  Yu don’t own the application, only its deployment.  Get an app owner to validate and QA it.</a:t>
-            </a:r>
             <a:endParaRPr lang="en-US" dirty="0"/>
           </a:p>
         </p:txBody>
@@ -2346,7 +2373,7 @@
     </p:spTree>
     <p:extLst>
       <p:ext uri="{BB962C8B-B14F-4D97-AF65-F5344CB8AC3E}">
-        <p14:creationId xmlns:p14="http://schemas.microsoft.com/office/powerpoint/2010/main" val="3246521007"/>
+        <p14:creationId xmlns:p14="http://schemas.microsoft.com/office/powerpoint/2010/main" val="793046230"/>
       </p:ext>
     </p:extLst>
   </p:cSld>
@@ -2400,14 +2427,6 @@
           <a:bodyPr/>
           <a:lstStyle/>
           <a:p>
-            <a:r>
-              <a:rPr lang="en-US" dirty="0"/>
-              <a:t>The app owner</a:t>
-            </a:r>
-            <a:r>
-              <a:rPr lang="en-US" baseline="0" dirty="0"/>
-              <a:t> is important here.  Yu don’t own the application, only its deployment.  Get an app owner to validate and QA it.</a:t>
-            </a:r>
             <a:endParaRPr lang="en-US" dirty="0"/>
           </a:p>
         </p:txBody>
@@ -2438,7 +2457,7 @@
     </p:spTree>
     <p:extLst>
       <p:ext uri="{BB962C8B-B14F-4D97-AF65-F5344CB8AC3E}">
-        <p14:creationId xmlns:p14="http://schemas.microsoft.com/office/powerpoint/2010/main" val="1267583450"/>
+        <p14:creationId xmlns:p14="http://schemas.microsoft.com/office/powerpoint/2010/main" val="3246521007"/>
       </p:ext>
     </p:extLst>
   </p:cSld>
@@ -2493,12 +2512,8 @@
           <a:lstStyle/>
           <a:p>
             <a:r>
-              <a:rPr lang="en-US" dirty="0"/>
-              <a:t>If</a:t>
-            </a:r>
-            <a:r>
               <a:rPr lang="en-US" baseline="0" dirty="0"/>
-              <a:t> you want to look at a migration project as a time breakdown, application packaging and rationalization should be take 90% of your time.  The task sequence or deployment method is easy, its been done a thousand times by a thousand different people.  You WILL figure out whatever you need to do deploy the actual operating system.  Trust me when I say that is the easy part.   </a:t>
+              <a:t>The OMS query language is unique.  It isn’t SQL or WQL or really anything I have seen before, it is a language all it’s own.  And it is fairly new, so there isn’t a book written on it or anything.  But, luckily there isn’t much to it.</a:t>
             </a:r>
             <a:endParaRPr lang="en-US" dirty="0"/>
           </a:p>
@@ -2530,7 +2545,7 @@
     </p:spTree>
     <p:extLst>
       <p:ext uri="{BB962C8B-B14F-4D97-AF65-F5344CB8AC3E}">
-        <p14:creationId xmlns:p14="http://schemas.microsoft.com/office/powerpoint/2010/main" val="1806650894"/>
+        <p14:creationId xmlns:p14="http://schemas.microsoft.com/office/powerpoint/2010/main" val="1267583450"/>
       </p:ext>
     </p:extLst>
   </p:cSld>
@@ -2586,23 +2601,11 @@
           <a:p>
             <a:r>
               <a:rPr lang="en-US" dirty="0"/>
-              <a:t>All the </a:t>
-            </a:r>
-            <a:r>
-              <a:rPr lang="en-US" dirty="0" err="1"/>
-              <a:t>powershell</a:t>
-            </a:r>
-            <a:r>
-              <a:rPr lang="en-US" dirty="0"/>
-              <a:t> is</a:t>
+              <a:t>If</a:t>
             </a:r>
             <a:r>
               <a:rPr lang="en-US" baseline="0" dirty="0"/>
-              <a:t> really just another way to report or display data.  The power is being able to use that data </a:t>
-            </a:r>
-            <a:r>
-              <a:rPr lang="en-US" baseline="0"/>
-              <a:t>and integrate.  </a:t>
+              <a:t> you want to look at a migration project as a time breakdown, application packaging and rationalization should be take 90% of your time.  The task sequence or deployment method is easy, its been done a thousand times by a thousand different people.  You WILL figure out whatever you need to do deploy the actual operating system.  Trust me when I say that is the easy part.   </a:t>
             </a:r>
             <a:endParaRPr lang="en-US" dirty="0"/>
           </a:p>
@@ -2634,7 +2637,7 @@
     </p:spTree>
     <p:extLst>
       <p:ext uri="{BB962C8B-B14F-4D97-AF65-F5344CB8AC3E}">
-        <p14:creationId xmlns:p14="http://schemas.microsoft.com/office/powerpoint/2010/main" val="1498763631"/>
+        <p14:creationId xmlns:p14="http://schemas.microsoft.com/office/powerpoint/2010/main" val="1806650894"/>
       </p:ext>
     </p:extLst>
   </p:cSld>
@@ -2738,7 +2741,7 @@
     </p:spTree>
     <p:extLst>
       <p:ext uri="{BB962C8B-B14F-4D97-AF65-F5344CB8AC3E}">
-        <p14:creationId xmlns:p14="http://schemas.microsoft.com/office/powerpoint/2010/main" val="2463998485"/>
+        <p14:creationId xmlns:p14="http://schemas.microsoft.com/office/powerpoint/2010/main" val="1498763631"/>
       </p:ext>
     </p:extLst>
   </p:cSld>
@@ -2875,6 +2878,110 @@
     <p:extLst>
       <p:ext uri="{BB962C8B-B14F-4D97-AF65-F5344CB8AC3E}">
         <p14:creationId xmlns:p14="http://schemas.microsoft.com/office/powerpoint/2010/main" val="1476522474"/>
+      </p:ext>
+    </p:extLst>
+  </p:cSld>
+  <p:clrMapOvr>
+    <a:masterClrMapping/>
+  </p:clrMapOvr>
+</p:notes>
+</file>
+
+<file path=ppt/notesSlides/notesSlide30.xml><?xml version="1.0" encoding="utf-8"?>
+<p:notes xmlns:a="http://schemas.openxmlformats.org/drawingml/2006/main" xmlns:r="http://schemas.openxmlformats.org/officeDocument/2006/relationships" xmlns:p="http://schemas.openxmlformats.org/presentationml/2006/main">
+  <p:cSld>
+    <p:spTree>
+      <p:nvGrpSpPr>
+        <p:cNvPr id="1" name=""/>
+        <p:cNvGrpSpPr/>
+        <p:nvPr/>
+      </p:nvGrpSpPr>
+      <p:grpSpPr>
+        <a:xfrm>
+          <a:off x="0" y="0"/>
+          <a:ext cx="0" cy="0"/>
+          <a:chOff x="0" y="0"/>
+          <a:chExt cx="0" cy="0"/>
+        </a:xfrm>
+      </p:grpSpPr>
+      <p:sp>
+        <p:nvSpPr>
+          <p:cNvPr id="2" name="Slide Image Placeholder 1"/>
+          <p:cNvSpPr>
+            <a:spLocks noGrp="1" noRot="1" noChangeAspect="1"/>
+          </p:cNvSpPr>
+          <p:nvPr>
+            <p:ph type="sldImg"/>
+          </p:nvPr>
+        </p:nvSpPr>
+        <p:spPr/>
+      </p:sp>
+      <p:sp>
+        <p:nvSpPr>
+          <p:cNvPr id="3" name="Notes Placeholder 2"/>
+          <p:cNvSpPr>
+            <a:spLocks noGrp="1"/>
+          </p:cNvSpPr>
+          <p:nvPr>
+            <p:ph type="body" idx="1"/>
+          </p:nvPr>
+        </p:nvSpPr>
+        <p:spPr/>
+        <p:txBody>
+          <a:bodyPr/>
+          <a:lstStyle/>
+          <a:p>
+            <a:r>
+              <a:rPr lang="en-US" dirty="0"/>
+              <a:t>All the </a:t>
+            </a:r>
+            <a:r>
+              <a:rPr lang="en-US" dirty="0" err="1"/>
+              <a:t>powershell</a:t>
+            </a:r>
+            <a:r>
+              <a:rPr lang="en-US" dirty="0"/>
+              <a:t> is</a:t>
+            </a:r>
+            <a:r>
+              <a:rPr lang="en-US" baseline="0" dirty="0"/>
+              <a:t> really just another way to report or display data.  The power is being able to use that data </a:t>
+            </a:r>
+            <a:r>
+              <a:rPr lang="en-US" baseline="0"/>
+              <a:t>and integrate.  </a:t>
+            </a:r>
+            <a:endParaRPr lang="en-US" dirty="0"/>
+          </a:p>
+        </p:txBody>
+      </p:sp>
+      <p:sp>
+        <p:nvSpPr>
+          <p:cNvPr id="4" name="Slide Number Placeholder 3"/>
+          <p:cNvSpPr>
+            <a:spLocks noGrp="1"/>
+          </p:cNvSpPr>
+          <p:nvPr>
+            <p:ph type="sldNum" sz="quarter" idx="10"/>
+          </p:nvPr>
+        </p:nvSpPr>
+        <p:spPr/>
+        <p:txBody>
+          <a:bodyPr/>
+          <a:lstStyle/>
+          <a:p>
+            <a:fld id="{6AD7C417-D302-4BDC-AE7D-6A9679C5A3F5}" type="slidenum">
+              <a:rPr lang="en-US" smtClean="0"/>
+              <a:t>32</a:t>
+            </a:fld>
+            <a:endParaRPr lang="en-US"/>
+          </a:p>
+        </p:txBody>
+      </p:sp>
+    </p:spTree>
+    <p:extLst>
+      <p:ext uri="{BB962C8B-B14F-4D97-AF65-F5344CB8AC3E}">
+        <p14:creationId xmlns:p14="http://schemas.microsoft.com/office/powerpoint/2010/main" val="2463998485"/>
       </p:ext>
     </p:extLst>
   </p:cSld>
@@ -8731,7 +8838,7 @@
             <a:pPr lvl="1"/>
             <a:r>
               <a:rPr lang="en-US" dirty="0"/>
-              <a:t>How often to run?</a:t>
+              <a:t>How often to run? </a:t>
             </a:r>
           </a:p>
           <a:p>
@@ -9132,6 +9239,15 @@
             </a:r>
           </a:p>
           <a:p>
+            <a:pPr marL="457200" lvl="1" indent="0">
+              <a:buNone/>
+            </a:pPr>
+            <a:r>
+              <a:rPr lang="en-US" dirty="0"/>
+              <a:t>		(Or be more truthful)</a:t>
+            </a:r>
+          </a:p>
+          <a:p>
             <a:pPr lvl="1"/>
             <a:endParaRPr lang="en-US" dirty="0"/>
           </a:p>
@@ -9333,32 +9449,25 @@
           <a:p>
             <a:r>
               <a:rPr lang="en-US" dirty="0"/>
-              <a:t>So much good data to get here…</a:t>
+              <a:t>List of applications in the environment</a:t>
             </a:r>
           </a:p>
           <a:p>
             <a:pPr lvl="1"/>
             <a:r>
               <a:rPr lang="en-US" dirty="0"/>
-              <a:t>List of applications in the environment</a:t>
-            </a:r>
-          </a:p>
-          <a:p>
-            <a:pPr lvl="2"/>
-            <a:r>
-              <a:rPr lang="en-US" dirty="0"/>
               <a:t>Install Count</a:t>
             </a:r>
           </a:p>
           <a:p>
-            <a:pPr lvl="2"/>
+            <a:pPr lvl="1"/>
             <a:r>
               <a:rPr lang="en-US" dirty="0"/>
               <a:t>What devices have the applications</a:t>
             </a:r>
           </a:p>
           <a:p>
-            <a:pPr lvl="2"/>
+            <a:pPr lvl="1"/>
             <a:r>
               <a:rPr lang="en-US" dirty="0"/>
               <a:t>Detailed version information</a:t>
@@ -10875,116 +10984,17 @@
         <p:spPr/>
         <p:txBody>
           <a:bodyPr>
-            <a:normAutofit fontScale="92500" lnSpcReduction="20000"/>
+            <a:normAutofit/>
           </a:bodyPr>
           <a:lstStyle/>
           <a:p>
-            <a:r>
-              <a:rPr lang="en-US" dirty="0"/>
-              <a:t>Shows % of devices reporting telemetry</a:t>
-            </a:r>
-          </a:p>
-          <a:p>
             <a:endParaRPr lang="en-US" dirty="0"/>
           </a:p>
-          <a:p>
-            <a:r>
-              <a:rPr lang="en-US" dirty="0"/>
-              <a:t>WQL - Upgrade Analytics Status</a:t>
-            </a:r>
-          </a:p>
-          <a:p>
-            <a:pPr marL="0" indent="0">
-              <a:buNone/>
-            </a:pPr>
-            <a:endParaRPr lang="en-US" dirty="0"/>
-          </a:p>
-          <a:p>
-            <a:r>
-              <a:rPr lang="en-US" dirty="0"/>
-              <a:t>SQL View</a:t>
-            </a:r>
-          </a:p>
-          <a:p>
-            <a:pPr lvl="1"/>
-            <a:r>
-              <a:rPr lang="en-US" dirty="0" err="1"/>
-              <a:t>SMS_G_System_UAComputerStatus</a:t>
-            </a:r>
-            <a:endParaRPr lang="en-US" dirty="0"/>
-          </a:p>
-          <a:p>
-            <a:endParaRPr lang="en-US" dirty="0"/>
-          </a:p>
-          <a:p>
-            <a:r>
-              <a:rPr lang="en-US" dirty="0"/>
-              <a:t>Status – 4=failed</a:t>
-            </a:r>
-          </a:p>
-          <a:p>
-            <a:endParaRPr lang="en-US" dirty="0"/>
-          </a:p>
-          <a:p>
-            <a:endParaRPr lang="en-US" dirty="0"/>
-          </a:p>
-          <a:p>
-            <a:endParaRPr lang="en-US" dirty="0"/>
-          </a:p>
-          <a:p>
-            <a:pPr marL="0" indent="0">
-              <a:buNone/>
-            </a:pPr>
-            <a:r>
-              <a:rPr lang="en-US" dirty="0"/>
-              <a:t>select *  from  </a:t>
-            </a:r>
-            <a:r>
-              <a:rPr lang="en-US" dirty="0" err="1"/>
-              <a:t>SMS_R_System</a:t>
-            </a:r>
-            <a:r>
-              <a:rPr lang="en-US" dirty="0"/>
-              <a:t> inner join </a:t>
-            </a:r>
-            <a:r>
-              <a:rPr lang="en-US" dirty="0" err="1"/>
-              <a:t>SMS_G_System_UAComputerStatus</a:t>
-            </a:r>
-            <a:r>
-              <a:rPr lang="en-US" dirty="0"/>
-              <a:t> on </a:t>
-            </a:r>
-            <a:r>
-              <a:rPr lang="en-US" dirty="0" err="1"/>
-              <a:t>SMS_G_System_UAComputerStatus.ResourceId</a:t>
-            </a:r>
-            <a:r>
-              <a:rPr lang="en-US" dirty="0"/>
-              <a:t> = </a:t>
-            </a:r>
-            <a:r>
-              <a:rPr lang="en-US" dirty="0" err="1"/>
-              <a:t>SMS_R_System.ResourceId</a:t>
-            </a:r>
-            <a:r>
-              <a:rPr lang="en-US" dirty="0"/>
-              <a:t> where </a:t>
-            </a:r>
-            <a:r>
-              <a:rPr lang="en-US" dirty="0" err="1"/>
-              <a:t>SMS_G_System_UAComputerStatus.UpgradeAnalyticsStatus</a:t>
-            </a:r>
-            <a:r>
-              <a:rPr lang="en-US" dirty="0"/>
-              <a:t>="2"</a:t>
-            </a:r>
-          </a:p>
         </p:txBody>
       </p:sp>
       <p:pic>
         <p:nvPicPr>
-          <p:cNvPr id="4" name="Picture 3"/>
+          <p:cNvPr id="5" name="Picture 4"/>
           <p:cNvPicPr>
             <a:picLocks noChangeAspect="1"/>
           </p:cNvPicPr>
@@ -10998,8 +11008,8 @@
         </p:blipFill>
         <p:spPr>
           <a:xfrm>
-            <a:off x="6872678" y="1694658"/>
-            <a:ext cx="4709722" cy="2912783"/>
+            <a:off x="904875" y="1857375"/>
+            <a:ext cx="10382250" cy="3143250"/>
           </a:xfrm>
           <a:prstGeom prst="rect">
             <a:avLst/>
@@ -11009,7 +11019,7 @@
     </p:spTree>
     <p:extLst>
       <p:ext uri="{BB962C8B-B14F-4D97-AF65-F5344CB8AC3E}">
-        <p14:creationId xmlns:p14="http://schemas.microsoft.com/office/powerpoint/2010/main" val="463857322"/>
+        <p14:creationId xmlns:p14="http://schemas.microsoft.com/office/powerpoint/2010/main" val="2160272385"/>
       </p:ext>
     </p:extLst>
   </p:cSld>
@@ -11038,7 +11048,7 @@
       </p:grpSpPr>
       <p:sp>
         <p:nvSpPr>
-          <p:cNvPr id="4" name="Title 3"/>
+          <p:cNvPr id="2" name="Title 1"/>
           <p:cNvSpPr>
             <a:spLocks noGrp="1"/>
           </p:cNvSpPr>
@@ -11052,50 +11062,164 @@
           <a:lstStyle/>
           <a:p>
             <a:r>
-              <a:rPr lang="en-US" dirty="0"/>
-              <a:t>Queries</a:t>
+              <a:rPr lang="en-US" dirty="0" err="1"/>
+              <a:t>Configmgr</a:t>
+            </a:r>
+            <a:r>
+              <a:rPr lang="en-US" dirty="0"/>
+              <a:t> Integration	</a:t>
             </a:r>
           </a:p>
         </p:txBody>
       </p:sp>
       <p:sp>
         <p:nvSpPr>
-          <p:cNvPr id="5" name="Text Placeholder 4"/>
+          <p:cNvPr id="3" name="Content Placeholder 2"/>
           <p:cNvSpPr>
             <a:spLocks noGrp="1"/>
           </p:cNvSpPr>
           <p:nvPr>
-            <p:ph type="body" idx="1"/>
+            <p:ph idx="1"/>
           </p:nvPr>
         </p:nvSpPr>
         <p:spPr/>
         <p:txBody>
-          <a:bodyPr/>
+          <a:bodyPr>
+            <a:normAutofit fontScale="92500" lnSpcReduction="20000"/>
+          </a:bodyPr>
           <a:lstStyle/>
           <a:p>
             <a:r>
+              <a:rPr lang="en-US" dirty="0"/>
+              <a:t>Shows % of devices reporting telemetry</a:t>
+            </a:r>
+          </a:p>
+          <a:p>
+            <a:endParaRPr lang="en-US" dirty="0"/>
+          </a:p>
+          <a:p>
+            <a:r>
+              <a:rPr lang="en-US" dirty="0"/>
+              <a:t>WQL - Upgrade Analytics Status</a:t>
+            </a:r>
+          </a:p>
+          <a:p>
+            <a:pPr marL="0" indent="0">
+              <a:buNone/>
+            </a:pPr>
+            <a:endParaRPr lang="en-US" dirty="0"/>
+          </a:p>
+          <a:p>
+            <a:r>
+              <a:rPr lang="en-US" dirty="0"/>
+              <a:t>SQL View</a:t>
+            </a:r>
+          </a:p>
+          <a:p>
+            <a:pPr lvl="1"/>
+            <a:r>
               <a:rPr lang="en-US" dirty="0" err="1"/>
-              <a:t>CaSE</a:t>
-            </a:r>
-            <a:r>
-              <a:rPr lang="en-US" dirty="0"/>
-              <a:t> </a:t>
+              <a:t>SMS_G_System_UAComputerStatus</a:t>
+            </a:r>
+            <a:endParaRPr lang="en-US" dirty="0"/>
+          </a:p>
+          <a:p>
+            <a:endParaRPr lang="en-US" dirty="0"/>
+          </a:p>
+          <a:p>
+            <a:r>
+              <a:rPr lang="en-US" dirty="0"/>
+              <a:t>Status – 4=failed</a:t>
+            </a:r>
+          </a:p>
+          <a:p>
+            <a:endParaRPr lang="en-US" dirty="0"/>
+          </a:p>
+          <a:p>
+            <a:endParaRPr lang="en-US" dirty="0"/>
+          </a:p>
+          <a:p>
+            <a:endParaRPr lang="en-US" dirty="0"/>
+          </a:p>
+          <a:p>
+            <a:pPr marL="0" indent="0">
+              <a:buNone/>
+            </a:pPr>
+            <a:r>
+              <a:rPr lang="en-US" dirty="0"/>
+              <a:t>select *  from  </a:t>
             </a:r>
             <a:r>
               <a:rPr lang="en-US" dirty="0" err="1"/>
-              <a:t>sEnSiTiVE</a:t>
-            </a:r>
-            <a:r>
-              <a:rPr lang="en-US" dirty="0"/>
-              <a:t>!</a:t>
+              <a:t>SMS_R_System</a:t>
+            </a:r>
+            <a:r>
+              <a:rPr lang="en-US" dirty="0"/>
+              <a:t> inner join </a:t>
+            </a:r>
+            <a:r>
+              <a:rPr lang="en-US" dirty="0" err="1"/>
+              <a:t>SMS_G_System_UAComputerStatus</a:t>
+            </a:r>
+            <a:r>
+              <a:rPr lang="en-US" dirty="0"/>
+              <a:t> on </a:t>
+            </a:r>
+            <a:r>
+              <a:rPr lang="en-US" dirty="0" err="1"/>
+              <a:t>SMS_G_System_UAComputerStatus.ResourceId</a:t>
+            </a:r>
+            <a:r>
+              <a:rPr lang="en-US" dirty="0"/>
+              <a:t> = </a:t>
+            </a:r>
+            <a:r>
+              <a:rPr lang="en-US" dirty="0" err="1"/>
+              <a:t>SMS_R_System.ResourceId</a:t>
+            </a:r>
+            <a:r>
+              <a:rPr lang="en-US" dirty="0"/>
+              <a:t> where </a:t>
+            </a:r>
+            <a:r>
+              <a:rPr lang="en-US" dirty="0" err="1"/>
+              <a:t>SMS_G_System_UAComputerStatus.UpgradeAnalyticsStatus</a:t>
+            </a:r>
+            <a:r>
+              <a:rPr lang="en-US" dirty="0"/>
+              <a:t>="2"</a:t>
             </a:r>
           </a:p>
         </p:txBody>
       </p:sp>
+      <p:pic>
+        <p:nvPicPr>
+          <p:cNvPr id="4" name="Picture 3"/>
+          <p:cNvPicPr>
+            <a:picLocks noChangeAspect="1"/>
+          </p:cNvPicPr>
+          <p:nvPr/>
+        </p:nvPicPr>
+        <p:blipFill>
+          <a:blip r:embed="rId3"/>
+          <a:stretch>
+            <a:fillRect/>
+          </a:stretch>
+        </p:blipFill>
+        <p:spPr>
+          <a:xfrm>
+            <a:off x="6872678" y="1694658"/>
+            <a:ext cx="4709722" cy="2912783"/>
+          </a:xfrm>
+          <a:prstGeom prst="rect">
+            <a:avLst/>
+          </a:prstGeom>
+        </p:spPr>
+      </p:pic>
     </p:spTree>
     <p:extLst>
       <p:ext uri="{BB962C8B-B14F-4D97-AF65-F5344CB8AC3E}">
-        <p14:creationId xmlns:p14="http://schemas.microsoft.com/office/powerpoint/2010/main" val="3216903800"/>
+        <p14:creationId xmlns:p14="http://schemas.microsoft.com/office/powerpoint/2010/main" val="463857322"/>
       </p:ext>
     </p:extLst>
   </p:cSld>
@@ -11124,7 +11248,7 @@
       </p:grpSpPr>
       <p:sp>
         <p:nvSpPr>
-          <p:cNvPr id="2" name="Title 1"/>
+          <p:cNvPr id="4" name="Title 3"/>
           <p:cNvSpPr>
             <a:spLocks noGrp="1"/>
           </p:cNvSpPr>
@@ -11139,47 +11263,29 @@
           <a:p>
             <a:r>
               <a:rPr lang="en-US" dirty="0"/>
-              <a:t>Query Examples</a:t>
+              <a:t>Queries</a:t>
             </a:r>
           </a:p>
         </p:txBody>
       </p:sp>
       <p:sp>
         <p:nvSpPr>
-          <p:cNvPr id="3" name="Content Placeholder 2"/>
+          <p:cNvPr id="5" name="Text Placeholder 4"/>
           <p:cNvSpPr>
             <a:spLocks noGrp="1"/>
           </p:cNvSpPr>
           <p:nvPr>
-            <p:ph idx="1"/>
+            <p:ph type="body" idx="1"/>
           </p:nvPr>
         </p:nvSpPr>
         <p:spPr/>
         <p:txBody>
-          <a:bodyPr>
-            <a:normAutofit fontScale="85000" lnSpcReduction="10000"/>
-          </a:bodyPr>
+          <a:bodyPr/>
           <a:lstStyle/>
           <a:p>
-            <a:pPr marL="571500" lvl="1" indent="0">
-              <a:buNone/>
-            </a:pPr>
-            <a:r>
-              <a:rPr lang="en-US" dirty="0"/>
-              <a:t>Upgrade Issues with a specific device</a:t>
-            </a:r>
-          </a:p>
-          <a:p>
-            <a:pPr marL="571500" lvl="1" indent="0">
-              <a:buNone/>
-            </a:pPr>
-            <a:r>
-              <a:rPr lang="en-US" dirty="0"/>
-              <a:t>Computer=WIN7-05 Type=</a:t>
-            </a:r>
             <a:r>
               <a:rPr lang="en-US" dirty="0" err="1"/>
-              <a:t>UASysReqIssue</a:t>
+              <a:t>CaSE</a:t>
             </a:r>
             <a:r>
               <a:rPr lang="en-US" dirty="0"/>
@@ -11187,211 +11293,19 @@
             </a:r>
             <a:r>
               <a:rPr lang="en-US" dirty="0" err="1"/>
-              <a:t>UpgradeAssessment</a:t>
-            </a:r>
-            <a:r>
-              <a:rPr lang="en-US" dirty="0"/>
-              <a:t>!="Seamless upgrade" </a:t>
-            </a:r>
-            <a:r>
-              <a:rPr lang="en-US" dirty="0" err="1"/>
-              <a:t>UpgradeAssessment</a:t>
-            </a:r>
-            <a:r>
-              <a:rPr lang="en-US" dirty="0"/>
-              <a:t>!="No known issues“</a:t>
-            </a:r>
-          </a:p>
-          <a:p>
-            <a:pPr marL="571500" lvl="1" indent="0">
-              <a:buNone/>
-            </a:pPr>
-            <a:endParaRPr lang="en-US" dirty="0"/>
-          </a:p>
-          <a:p>
-            <a:pPr marL="571500" lvl="1" indent="0">
-              <a:buNone/>
-            </a:pPr>
-            <a:r>
-              <a:rPr lang="en-US" dirty="0"/>
-              <a:t>Install Counts of Applications</a:t>
-            </a:r>
-          </a:p>
-          <a:p>
-            <a:pPr marL="571500" lvl="1" indent="0">
-              <a:buNone/>
-            </a:pPr>
-            <a:r>
-              <a:rPr lang="en-US" dirty="0" err="1"/>
-              <a:t>UpgradeAssessment</a:t>
-            </a:r>
-            <a:r>
-              <a:rPr lang="en-US" dirty="0"/>
-              <a:t>="Attention needed" Type=</a:t>
-            </a:r>
-            <a:r>
-              <a:rPr lang="en-US" dirty="0" err="1"/>
-              <a:t>UAApp</a:t>
-            </a:r>
-            <a:r>
-              <a:rPr lang="en-US" dirty="0"/>
-              <a:t> </a:t>
-            </a:r>
-            <a:r>
-              <a:rPr lang="en-US" dirty="0" err="1"/>
-              <a:t>IsRollup</a:t>
-            </a:r>
-            <a:r>
-              <a:rPr lang="en-US" dirty="0"/>
-              <a:t>=true </a:t>
-            </a:r>
-            <a:r>
-              <a:rPr lang="en-US" dirty="0" err="1"/>
-              <a:t>RollupLevel</a:t>
-            </a:r>
-            <a:r>
-              <a:rPr lang="en-US" dirty="0"/>
-              <a:t>=Granular Issue &lt;&gt; "No known </a:t>
-            </a:r>
-            <a:r>
-              <a:rPr lang="en-US" dirty="0" err="1"/>
-              <a:t>i</a:t>
-            </a:r>
-            <a:endParaRPr lang="en-US" dirty="0"/>
-          </a:p>
-          <a:p>
-            <a:pPr marL="571500" lvl="1" indent="0">
-              <a:buNone/>
-            </a:pPr>
-            <a:r>
-              <a:rPr lang="en-US" dirty="0" err="1"/>
-              <a:t>ssues</a:t>
-            </a:r>
-            <a:r>
-              <a:rPr lang="en-US" dirty="0"/>
-              <a:t>" | measure count() by </a:t>
-            </a:r>
-            <a:r>
-              <a:rPr lang="en-US" dirty="0" err="1"/>
-              <a:t>AppName</a:t>
-            </a:r>
-            <a:endParaRPr lang="en-US" dirty="0"/>
-          </a:p>
-          <a:p>
-            <a:pPr marL="571500" lvl="1" indent="0">
-              <a:buNone/>
-            </a:pPr>
-            <a:endParaRPr lang="en-US" dirty="0"/>
-          </a:p>
-          <a:p>
-            <a:pPr marL="571500" lvl="1" indent="0">
-              <a:buNone/>
-            </a:pPr>
-            <a:r>
-              <a:rPr lang="en-US" dirty="0"/>
-              <a:t>Count of Issues</a:t>
-            </a:r>
-          </a:p>
-          <a:p>
-            <a:pPr marL="571500" lvl="1" indent="0">
-              <a:buNone/>
-            </a:pPr>
-            <a:r>
-              <a:rPr lang="en-US" dirty="0" err="1"/>
-              <a:t>UpgradeAssessment</a:t>
-            </a:r>
-            <a:r>
-              <a:rPr lang="en-US" dirty="0"/>
-              <a:t>="Attention needed" Type=</a:t>
-            </a:r>
-            <a:r>
-              <a:rPr lang="en-US" dirty="0" err="1"/>
-              <a:t>UAApp</a:t>
-            </a:r>
-            <a:r>
-              <a:rPr lang="en-US" dirty="0"/>
-              <a:t> </a:t>
-            </a:r>
-            <a:r>
-              <a:rPr lang="en-US" dirty="0" err="1"/>
-              <a:t>IsRollup</a:t>
-            </a:r>
-            <a:r>
-              <a:rPr lang="en-US" dirty="0"/>
-              <a:t>=true </a:t>
-            </a:r>
-            <a:r>
-              <a:rPr lang="en-US" dirty="0" err="1"/>
-              <a:t>RollupLevel</a:t>
-            </a:r>
-            <a:r>
-              <a:rPr lang="en-US" dirty="0"/>
-              <a:t>=Granular Issue &lt;&gt; "No known issues" | measure count() by Issue</a:t>
-            </a:r>
-          </a:p>
-          <a:p>
-            <a:pPr marL="571500" lvl="1" indent="0">
-              <a:buNone/>
-            </a:pPr>
-            <a:endParaRPr lang="en-US" dirty="0"/>
-          </a:p>
-          <a:p>
-            <a:pPr marL="571500" lvl="1" indent="0">
-              <a:buNone/>
-            </a:pPr>
-            <a:r>
-              <a:rPr lang="en-US" dirty="0"/>
-              <a:t>Apps Blocking Upgrades</a:t>
-            </a:r>
-          </a:p>
-          <a:p>
-            <a:pPr marL="571500" lvl="1" indent="0">
-              <a:buNone/>
-            </a:pPr>
-            <a:r>
-              <a:rPr lang="en-US" dirty="0" err="1"/>
-              <a:t>UpgradeAssessment</a:t>
-            </a:r>
-            <a:r>
-              <a:rPr lang="en-US" dirty="0"/>
-              <a:t>="Attention needed" Type=</a:t>
-            </a:r>
-            <a:r>
-              <a:rPr lang="en-US" dirty="0" err="1"/>
-              <a:t>UAApp</a:t>
-            </a:r>
-            <a:r>
-              <a:rPr lang="en-US" dirty="0"/>
-              <a:t> </a:t>
-            </a:r>
-            <a:r>
-              <a:rPr lang="en-US" dirty="0" err="1"/>
-              <a:t>IsRollup</a:t>
-            </a:r>
-            <a:r>
-              <a:rPr lang="en-US" dirty="0"/>
-              <a:t>=true </a:t>
-            </a:r>
-            <a:r>
-              <a:rPr lang="en-US" dirty="0" err="1"/>
-              <a:t>RollupLevel</a:t>
-            </a:r>
-            <a:r>
-              <a:rPr lang="en-US" dirty="0"/>
-              <a:t>=Granular Issue = "Blocking upgrade"  | measure count() by </a:t>
-            </a:r>
-            <a:r>
-              <a:rPr lang="en-US" dirty="0" err="1"/>
-              <a:t>AppName</a:t>
-            </a:r>
-            <a:endParaRPr lang="en-US" dirty="0"/>
+              <a:t>sEnSiTiVE</a:t>
+            </a:r>
+            <a:r>
+              <a:rPr lang="en-US" dirty="0"/>
+              <a:t>!</a:t>
+            </a:r>
           </a:p>
         </p:txBody>
       </p:sp>
     </p:spTree>
     <p:extLst>
       <p:ext uri="{BB962C8B-B14F-4D97-AF65-F5344CB8AC3E}">
-        <p14:creationId xmlns:p14="http://schemas.microsoft.com/office/powerpoint/2010/main" val="2748779231"/>
+        <p14:creationId xmlns:p14="http://schemas.microsoft.com/office/powerpoint/2010/main" val="3216903800"/>
       </p:ext>
     </p:extLst>
   </p:cSld>
@@ -11435,7 +11349,7 @@
           <a:p>
             <a:r>
               <a:rPr lang="en-US" dirty="0"/>
-              <a:t>Query Notes</a:t>
+              <a:t>Query Examples</a:t>
             </a:r>
           </a:p>
         </p:txBody>
@@ -11452,123 +11366,242 @@
         </p:nvSpPr>
         <p:spPr/>
         <p:txBody>
-          <a:bodyPr/>
+          <a:bodyPr>
+            <a:normAutofit fontScale="85000" lnSpcReduction="10000"/>
+          </a:bodyPr>
           <a:lstStyle/>
           <a:p>
-            <a:pPr marL="114300" indent="0">
+            <a:pPr marL="571500" lvl="1" indent="0">
               <a:buNone/>
             </a:pPr>
-            <a:endParaRPr lang="en-US" sz="1600" dirty="0"/>
-          </a:p>
-          <a:p>
-            <a:pPr marL="114300" indent="0">
+            <a:r>
+              <a:rPr lang="en-US" dirty="0"/>
+              <a:t>Upgrade Issues with a specific device</a:t>
+            </a:r>
+          </a:p>
+          <a:p>
+            <a:pPr marL="571500" lvl="1" indent="0">
               <a:buNone/>
             </a:pPr>
             <a:r>
-              <a:rPr lang="en-US" sz="1600" dirty="0"/>
-              <a:t>Have more than 5000 apps? Append “| Skip 5000” to your query to get items 5,001 – 10,000</a:t>
-            </a:r>
-          </a:p>
-          <a:p>
-            <a:pPr marL="114300" indent="0">
-              <a:buNone/>
-            </a:pPr>
-            <a:endParaRPr lang="en-US" sz="1600" dirty="0"/>
-          </a:p>
-          <a:p>
-            <a:pPr marL="114300" indent="0">
-              <a:buNone/>
-            </a:pPr>
-            <a:r>
-              <a:rPr lang="en-US" sz="1600" dirty="0"/>
-              <a:t>Using | Measure will only return 5000 items, even in the console…  </a:t>
-            </a:r>
-          </a:p>
-          <a:p>
-            <a:pPr marL="114300" indent="0">
-              <a:buNone/>
-            </a:pPr>
-            <a:r>
-              <a:rPr lang="en-US" sz="1600" dirty="0"/>
-              <a:t>	[query] | measure count() by </a:t>
-            </a:r>
-            <a:r>
-              <a:rPr lang="en-US" sz="1600" dirty="0" err="1"/>
-              <a:t>AppName</a:t>
-            </a:r>
-            <a:r>
-              <a:rPr lang="en-US" sz="1600" dirty="0"/>
-              <a:t> | skip 5000 </a:t>
-            </a:r>
-          </a:p>
-          <a:p>
-            <a:pPr marL="114300" indent="0">
-              <a:buNone/>
-            </a:pPr>
-            <a:r>
-              <a:rPr lang="en-US" sz="1600" dirty="0"/>
-              <a:t>	will return 0 records.</a:t>
-            </a:r>
-          </a:p>
-          <a:p>
-            <a:pPr marL="114300" indent="0">
-              <a:buNone/>
-            </a:pPr>
-            <a:endParaRPr lang="en-US" sz="1600" dirty="0"/>
-          </a:p>
-          <a:p>
-            <a:pPr marL="114300" indent="0">
-              <a:buNone/>
-            </a:pPr>
-            <a:r>
-              <a:rPr lang="en-US" sz="1600" dirty="0"/>
-              <a:t>You can use wildcards.  i.e. </a:t>
-            </a:r>
-            <a:r>
-              <a:rPr lang="en-US" sz="1600" dirty="0" err="1"/>
-              <a:t>AppName</a:t>
-            </a:r>
-            <a:r>
-              <a:rPr lang="en-US" sz="1600" dirty="0"/>
-              <a:t> = *Adobe*</a:t>
-            </a:r>
-          </a:p>
-          <a:p>
-            <a:pPr marL="1371600" lvl="3" indent="0">
+              <a:rPr lang="en-US" dirty="0"/>
+              <a:t>Computer=WIN7-05 Type=</a:t>
+            </a:r>
+            <a:r>
+              <a:rPr lang="en-US" dirty="0" err="1"/>
+              <a:t>UASysReqIssue</a:t>
+            </a:r>
+            <a:r>
+              <a:rPr lang="en-US" dirty="0"/>
+              <a:t> </a:t>
+            </a:r>
+            <a:r>
+              <a:rPr lang="en-US" dirty="0" err="1"/>
+              <a:t>UpgradeAssessment</a:t>
+            </a:r>
+            <a:r>
+              <a:rPr lang="en-US" dirty="0"/>
+              <a:t>!="Seamless upgrade" </a:t>
+            </a:r>
+            <a:r>
+              <a:rPr lang="en-US" dirty="0" err="1"/>
+              <a:t>UpgradeAssessment</a:t>
+            </a:r>
+            <a:r>
+              <a:rPr lang="en-US" dirty="0"/>
+              <a:t>!="No known issues“</a:t>
+            </a:r>
+          </a:p>
+          <a:p>
+            <a:pPr marL="571500" lvl="1" indent="0">
               <a:buNone/>
             </a:pPr>
             <a:endParaRPr lang="en-US" dirty="0"/>
           </a:p>
+          <a:p>
+            <a:pPr marL="571500" lvl="1" indent="0">
+              <a:buNone/>
+            </a:pPr>
+            <a:r>
+              <a:rPr lang="en-US" dirty="0"/>
+              <a:t>Install Counts of Applications</a:t>
+            </a:r>
+          </a:p>
+          <a:p>
+            <a:pPr marL="571500" lvl="1" indent="0">
+              <a:buNone/>
+            </a:pPr>
+            <a:r>
+              <a:rPr lang="en-US" dirty="0" err="1"/>
+              <a:t>UpgradeAssessment</a:t>
+            </a:r>
+            <a:r>
+              <a:rPr lang="en-US" dirty="0"/>
+              <a:t>="Attention needed" Type=</a:t>
+            </a:r>
+            <a:r>
+              <a:rPr lang="en-US" dirty="0" err="1"/>
+              <a:t>UAApp</a:t>
+            </a:r>
+            <a:r>
+              <a:rPr lang="en-US" dirty="0"/>
+              <a:t> </a:t>
+            </a:r>
+            <a:r>
+              <a:rPr lang="en-US" dirty="0" err="1"/>
+              <a:t>IsRollup</a:t>
+            </a:r>
+            <a:r>
+              <a:rPr lang="en-US" dirty="0"/>
+              <a:t>=true </a:t>
+            </a:r>
+            <a:r>
+              <a:rPr lang="en-US" dirty="0" err="1"/>
+              <a:t>RollupLevel</a:t>
+            </a:r>
+            <a:r>
+              <a:rPr lang="en-US" dirty="0"/>
+              <a:t>=Granular Issue &lt;&gt; "No known </a:t>
+            </a:r>
+            <a:r>
+              <a:rPr lang="en-US" dirty="0" err="1"/>
+              <a:t>i</a:t>
+            </a:r>
+            <a:endParaRPr lang="en-US" dirty="0"/>
+          </a:p>
+          <a:p>
+            <a:pPr marL="571500" lvl="1" indent="0">
+              <a:buNone/>
+            </a:pPr>
+            <a:r>
+              <a:rPr lang="en-US" dirty="0" err="1"/>
+              <a:t>ssues</a:t>
+            </a:r>
+            <a:r>
+              <a:rPr lang="en-US" dirty="0"/>
+              <a:t>" | measure count() by </a:t>
+            </a:r>
+            <a:r>
+              <a:rPr lang="en-US" dirty="0" err="1"/>
+              <a:t>AppName</a:t>
+            </a:r>
+            <a:endParaRPr lang="en-US" dirty="0"/>
+          </a:p>
+          <a:p>
+            <a:pPr marL="571500" lvl="1" indent="0">
+              <a:buNone/>
+            </a:pPr>
+            <a:endParaRPr lang="en-US" dirty="0"/>
+          </a:p>
+          <a:p>
+            <a:pPr marL="571500" lvl="1" indent="0">
+              <a:buNone/>
+            </a:pPr>
+            <a:r>
+              <a:rPr lang="en-US" dirty="0"/>
+              <a:t>Count of Issues</a:t>
+            </a:r>
+          </a:p>
+          <a:p>
+            <a:pPr marL="571500" lvl="1" indent="0">
+              <a:buNone/>
+            </a:pPr>
+            <a:r>
+              <a:rPr lang="en-US" dirty="0" err="1"/>
+              <a:t>UpgradeAssessment</a:t>
+            </a:r>
+            <a:r>
+              <a:rPr lang="en-US" dirty="0"/>
+              <a:t>="Attention needed" Type=</a:t>
+            </a:r>
+            <a:r>
+              <a:rPr lang="en-US" dirty="0" err="1"/>
+              <a:t>UAApp</a:t>
+            </a:r>
+            <a:r>
+              <a:rPr lang="en-US" dirty="0"/>
+              <a:t> </a:t>
+            </a:r>
+            <a:r>
+              <a:rPr lang="en-US" dirty="0" err="1"/>
+              <a:t>IsRollup</a:t>
+            </a:r>
+            <a:r>
+              <a:rPr lang="en-US" dirty="0"/>
+              <a:t>=true </a:t>
+            </a:r>
+            <a:r>
+              <a:rPr lang="en-US" dirty="0" err="1"/>
+              <a:t>RollupLevel</a:t>
+            </a:r>
+            <a:r>
+              <a:rPr lang="en-US" dirty="0"/>
+              <a:t>=Granular Issue &lt;&gt; "No known issues" | measure count() by Issue</a:t>
+            </a:r>
+          </a:p>
+          <a:p>
+            <a:pPr marL="571500" lvl="1" indent="0">
+              <a:buNone/>
+            </a:pPr>
+            <a:endParaRPr lang="en-US" dirty="0"/>
+          </a:p>
+          <a:p>
+            <a:pPr marL="571500" lvl="1" indent="0">
+              <a:buNone/>
+            </a:pPr>
+            <a:r>
+              <a:rPr lang="en-US" dirty="0"/>
+              <a:t>Apps Blocking Upgrades</a:t>
+            </a:r>
+          </a:p>
+          <a:p>
+            <a:pPr marL="571500" lvl="1" indent="0">
+              <a:buNone/>
+            </a:pPr>
+            <a:r>
+              <a:rPr lang="en-US" dirty="0" err="1"/>
+              <a:t>UpgradeAssessment</a:t>
+            </a:r>
+            <a:r>
+              <a:rPr lang="en-US" dirty="0"/>
+              <a:t>="Attention needed" Type=</a:t>
+            </a:r>
+            <a:r>
+              <a:rPr lang="en-US" dirty="0" err="1"/>
+              <a:t>UAApp</a:t>
+            </a:r>
+            <a:r>
+              <a:rPr lang="en-US" dirty="0"/>
+              <a:t> </a:t>
+            </a:r>
+            <a:r>
+              <a:rPr lang="en-US" dirty="0" err="1"/>
+              <a:t>IsRollup</a:t>
+            </a:r>
+            <a:r>
+              <a:rPr lang="en-US" dirty="0"/>
+              <a:t>=true </a:t>
+            </a:r>
+            <a:r>
+              <a:rPr lang="en-US" dirty="0" err="1"/>
+              <a:t>RollupLevel</a:t>
+            </a:r>
+            <a:r>
+              <a:rPr lang="en-US" dirty="0"/>
+              <a:t>=Granular Issue = "Blocking upgrade"  | measure count() by </a:t>
+            </a:r>
+            <a:r>
+              <a:rPr lang="en-US" dirty="0" err="1"/>
+              <a:t>AppName</a:t>
+            </a:r>
+            <a:endParaRPr lang="en-US" dirty="0"/>
+          </a:p>
         </p:txBody>
       </p:sp>
-      <p:pic>
-        <p:nvPicPr>
-          <p:cNvPr id="5" name="Picture 4"/>
-          <p:cNvPicPr>
-            <a:picLocks noChangeAspect="1"/>
-          </p:cNvPicPr>
-          <p:nvPr/>
-        </p:nvPicPr>
-        <p:blipFill>
-          <a:blip r:embed="rId3"/>
-          <a:stretch>
-            <a:fillRect/>
-          </a:stretch>
-        </p:blipFill>
-        <p:spPr>
-          <a:xfrm>
-            <a:off x="760008" y="4717702"/>
-            <a:ext cx="4733925" cy="819150"/>
-          </a:xfrm>
-          <a:prstGeom prst="rect">
-            <a:avLst/>
-          </a:prstGeom>
-        </p:spPr>
-      </p:pic>
     </p:spTree>
     <p:extLst>
       <p:ext uri="{BB962C8B-B14F-4D97-AF65-F5344CB8AC3E}">
-        <p14:creationId xmlns:p14="http://schemas.microsoft.com/office/powerpoint/2010/main" val="1387224317"/>
+        <p14:creationId xmlns:p14="http://schemas.microsoft.com/office/powerpoint/2010/main" val="2748779231"/>
       </p:ext>
     </p:extLst>
   </p:cSld>
@@ -11597,7 +11630,7 @@
       </p:grpSpPr>
       <p:sp>
         <p:nvSpPr>
-          <p:cNvPr id="4" name="Title 3"/>
+          <p:cNvPr id="2" name="Title 1"/>
           <p:cNvSpPr>
             <a:spLocks noGrp="1"/>
           </p:cNvSpPr>
@@ -11612,19 +11645,19 @@
           <a:p>
             <a:r>
               <a:rPr lang="en-US" dirty="0"/>
-              <a:t>PowerShell and Automation</a:t>
+              <a:t>Query Notes</a:t>
             </a:r>
           </a:p>
         </p:txBody>
       </p:sp>
       <p:sp>
         <p:nvSpPr>
-          <p:cNvPr id="5" name="Text Placeholder 4"/>
+          <p:cNvPr id="3" name="Content Placeholder 2"/>
           <p:cNvSpPr>
             <a:spLocks noGrp="1"/>
           </p:cNvSpPr>
           <p:nvPr>
-            <p:ph type="body" idx="1"/>
+            <p:ph idx="1"/>
           </p:nvPr>
         </p:nvSpPr>
         <p:spPr/>
@@ -11632,17 +11665,153 @@
           <a:bodyPr/>
           <a:lstStyle/>
           <a:p>
-            <a:r>
-              <a:rPr lang="en-US" dirty="0"/>
-              <a:t>The way to get extra credit on your migration project.</a:t>
-            </a:r>
+            <a:pPr marL="114300" indent="0">
+              <a:buNone/>
+            </a:pPr>
+            <a:endParaRPr lang="en-US" sz="1600" dirty="0"/>
+          </a:p>
+          <a:p>
+            <a:pPr marL="114300" indent="0">
+              <a:buNone/>
+            </a:pPr>
+            <a:r>
+              <a:rPr lang="en-US" sz="1600" dirty="0"/>
+              <a:t>Have more than 5000 apps? Append “| Skip 5000” to your query to get items 5,001 – 10,000</a:t>
+            </a:r>
+          </a:p>
+          <a:p>
+            <a:pPr marL="114300" indent="0">
+              <a:buNone/>
+            </a:pPr>
+            <a:endParaRPr lang="en-US" sz="1600" dirty="0"/>
+          </a:p>
+          <a:p>
+            <a:pPr marL="114300" indent="0">
+              <a:buNone/>
+            </a:pPr>
+            <a:r>
+              <a:rPr lang="en-US" sz="1600" dirty="0"/>
+              <a:t>Using | Measure will only return 5000 items, even in the console…  </a:t>
+            </a:r>
+          </a:p>
+          <a:p>
+            <a:pPr marL="114300" indent="0">
+              <a:buNone/>
+            </a:pPr>
+            <a:r>
+              <a:rPr lang="en-US" sz="1600" dirty="0"/>
+              <a:t>	[query] | measure count() by </a:t>
+            </a:r>
+            <a:r>
+              <a:rPr lang="en-US" sz="1600" dirty="0" err="1"/>
+              <a:t>AppName</a:t>
+            </a:r>
+            <a:r>
+              <a:rPr lang="en-US" sz="1600" dirty="0"/>
+              <a:t> | skip 5000 </a:t>
+            </a:r>
+          </a:p>
+          <a:p>
+            <a:pPr marL="114300" indent="0">
+              <a:buNone/>
+            </a:pPr>
+            <a:r>
+              <a:rPr lang="en-US" sz="1600" dirty="0"/>
+              <a:t>	will return 0 records.</a:t>
+            </a:r>
+          </a:p>
+          <a:p>
+            <a:pPr marL="114300" indent="0">
+              <a:buNone/>
+            </a:pPr>
+            <a:endParaRPr lang="en-US" sz="1600" dirty="0"/>
+          </a:p>
+          <a:p>
+            <a:pPr marL="114300" indent="0">
+              <a:buNone/>
+            </a:pPr>
+            <a:r>
+              <a:rPr lang="en-US" sz="1600" dirty="0"/>
+              <a:t>You can use wildcards.  i.e. </a:t>
+            </a:r>
+            <a:r>
+              <a:rPr lang="en-US" sz="1600" dirty="0" err="1"/>
+              <a:t>AppName</a:t>
+            </a:r>
+            <a:r>
+              <a:rPr lang="en-US" sz="1600" dirty="0"/>
+              <a:t> = *Adobe*</a:t>
+            </a:r>
+          </a:p>
+          <a:p>
+            <a:pPr marL="114300" indent="0">
+              <a:buNone/>
+            </a:pPr>
+            <a:endParaRPr lang="en-US" sz="1600" dirty="0"/>
+          </a:p>
+          <a:p>
+            <a:pPr marL="114300" indent="0">
+              <a:buNone/>
+            </a:pPr>
+            <a:endParaRPr lang="en-US" sz="1600" dirty="0"/>
+          </a:p>
+          <a:p>
+            <a:pPr marL="114300" indent="0">
+              <a:buNone/>
+            </a:pPr>
+            <a:endParaRPr lang="en-US" sz="1600" dirty="0"/>
+          </a:p>
+          <a:p>
+            <a:pPr marL="114300" indent="0">
+              <a:buNone/>
+            </a:pPr>
+            <a:r>
+              <a:rPr lang="en-US" sz="1600" dirty="0"/>
+              <a:t>Unsure of syntax or properties?  Autofill works pretty well on the webform.</a:t>
+            </a:r>
+          </a:p>
+          <a:p>
+            <a:pPr marL="114300" indent="0">
+              <a:buNone/>
+            </a:pPr>
+            <a:endParaRPr lang="en-US" sz="1600" dirty="0"/>
+          </a:p>
+          <a:p>
+            <a:pPr marL="1371600" lvl="3" indent="0">
+              <a:buNone/>
+            </a:pPr>
+            <a:endParaRPr lang="en-US" dirty="0"/>
           </a:p>
         </p:txBody>
       </p:sp>
+      <p:pic>
+        <p:nvPicPr>
+          <p:cNvPr id="5" name="Picture 4"/>
+          <p:cNvPicPr>
+            <a:picLocks noChangeAspect="1"/>
+          </p:cNvPicPr>
+          <p:nvPr/>
+        </p:nvPicPr>
+        <p:blipFill>
+          <a:blip r:embed="rId3"/>
+          <a:stretch>
+            <a:fillRect/>
+          </a:stretch>
+        </p:blipFill>
+        <p:spPr>
+          <a:xfrm>
+            <a:off x="760008" y="4301013"/>
+            <a:ext cx="4733925" cy="819150"/>
+          </a:xfrm>
+          <a:prstGeom prst="rect">
+            <a:avLst/>
+          </a:prstGeom>
+        </p:spPr>
+      </p:pic>
     </p:spTree>
     <p:extLst>
       <p:ext uri="{BB962C8B-B14F-4D97-AF65-F5344CB8AC3E}">
-        <p14:creationId xmlns:p14="http://schemas.microsoft.com/office/powerpoint/2010/main" val="4025223944"/>
+        <p14:creationId xmlns:p14="http://schemas.microsoft.com/office/powerpoint/2010/main" val="1387224317"/>
       </p:ext>
     </p:extLst>
   </p:cSld>
@@ -11748,7 +11917,7 @@
       </p:grpSpPr>
       <p:sp>
         <p:nvSpPr>
-          <p:cNvPr id="2" name="Title 1"/>
+          <p:cNvPr id="4" name="Title 3"/>
           <p:cNvSpPr>
             <a:spLocks noGrp="1"/>
           </p:cNvSpPr>
@@ -11763,19 +11932,19 @@
           <a:p>
             <a:r>
               <a:rPr lang="en-US" dirty="0"/>
-              <a:t>PowerShell</a:t>
+              <a:t>PowerShell and Automation</a:t>
             </a:r>
           </a:p>
         </p:txBody>
       </p:sp>
       <p:sp>
         <p:nvSpPr>
-          <p:cNvPr id="3" name="Content Placeholder 2"/>
+          <p:cNvPr id="5" name="Text Placeholder 4"/>
           <p:cNvSpPr>
             <a:spLocks noGrp="1"/>
           </p:cNvSpPr>
           <p:nvPr>
-            <p:ph idx="1"/>
+            <p:ph type="body" idx="1"/>
           </p:nvPr>
         </p:nvSpPr>
         <p:spPr/>
@@ -11785,78 +11954,15 @@
           <a:p>
             <a:r>
               <a:rPr lang="en-US" dirty="0"/>
-              <a:t>Requirements </a:t>
-            </a:r>
-          </a:p>
-          <a:p>
-            <a:pPr lvl="1"/>
-            <a:r>
-              <a:rPr lang="en-US" dirty="0"/>
-              <a:t>Read access to the Resource Group in Azure.</a:t>
-            </a:r>
-          </a:p>
-          <a:p>
-            <a:pPr lvl="1"/>
-            <a:r>
-              <a:rPr lang="en-US" dirty="0"/>
-              <a:t>OMS Search API PowerShell Module</a:t>
-            </a:r>
-          </a:p>
-          <a:p>
-            <a:pPr lvl="1"/>
-            <a:r>
-              <a:rPr lang="en-US" dirty="0"/>
-              <a:t>An organizational account!  Not a MS account.</a:t>
-            </a:r>
-          </a:p>
-          <a:p>
-            <a:pPr lvl="2"/>
-            <a:r>
-              <a:rPr lang="en-US" dirty="0"/>
-              <a:t>(Azure AD)</a:t>
-            </a:r>
-          </a:p>
-          <a:p>
-            <a:pPr marL="0" indent="0">
-              <a:buNone/>
-            </a:pPr>
-            <a:endParaRPr lang="en-US" dirty="0"/>
-          </a:p>
-          <a:p>
-            <a:pPr lvl="1"/>
-            <a:r>
-              <a:rPr lang="en-US" dirty="0"/>
-              <a:t>All the work is just Operation Insights queries, there is nothing Upgrade Readiness specific.</a:t>
-            </a:r>
-            <a:br>
-              <a:rPr lang="en-US" dirty="0"/>
-            </a:br>
-            <a:endParaRPr lang="en-US" dirty="0"/>
-          </a:p>
-          <a:p>
-            <a:pPr marL="457200" lvl="1" indent="0">
-              <a:buNone/>
-            </a:pPr>
-            <a:r>
-              <a:rPr lang="en-US" dirty="0">
-                <a:hlinkClick r:id="rId3"/>
-              </a:rPr>
-              <a:t>https://github.com/fredbainbridge/WindowsUpgradeReadiness</a:t>
-            </a:r>
-            <a:endParaRPr lang="en-US" dirty="0"/>
-          </a:p>
-          <a:p>
-            <a:pPr marL="457200" lvl="1" indent="0">
-              <a:buNone/>
-            </a:pPr>
-            <a:endParaRPr lang="en-US" dirty="0"/>
+              <a:t>The way to get extra credit on your migration project.</a:t>
+            </a:r>
           </a:p>
         </p:txBody>
       </p:sp>
     </p:spTree>
     <p:extLst>
       <p:ext uri="{BB962C8B-B14F-4D97-AF65-F5344CB8AC3E}">
-        <p14:creationId xmlns:p14="http://schemas.microsoft.com/office/powerpoint/2010/main" val="3759384893"/>
+        <p14:creationId xmlns:p14="http://schemas.microsoft.com/office/powerpoint/2010/main" val="4025223944"/>
       </p:ext>
     </p:extLst>
   </p:cSld>
@@ -11917,6 +12023,169 @@
         </p:nvSpPr>
         <p:spPr/>
         <p:txBody>
+          <a:bodyPr>
+            <a:normAutofit/>
+          </a:bodyPr>
+          <a:lstStyle/>
+          <a:p>
+            <a:r>
+              <a:rPr lang="en-US" dirty="0"/>
+              <a:t>Requirements </a:t>
+            </a:r>
+          </a:p>
+          <a:p>
+            <a:pPr lvl="1"/>
+            <a:r>
+              <a:rPr lang="en-US" dirty="0"/>
+              <a:t>Read access to the Resource Group in Azure.</a:t>
+            </a:r>
+          </a:p>
+          <a:p>
+            <a:pPr lvl="1"/>
+            <a:r>
+              <a:rPr lang="en-US" dirty="0"/>
+              <a:t>OMS Search API PowerShell Module</a:t>
+            </a:r>
+          </a:p>
+          <a:p>
+            <a:pPr lvl="1"/>
+            <a:r>
+              <a:rPr lang="en-US" dirty="0"/>
+              <a:t>An organizational account!  Not a MS account.</a:t>
+            </a:r>
+          </a:p>
+          <a:p>
+            <a:pPr lvl="2"/>
+            <a:r>
+              <a:rPr lang="en-US" dirty="0"/>
+              <a:t>(Azure AD)</a:t>
+            </a:r>
+          </a:p>
+          <a:p>
+            <a:pPr marL="0" indent="0">
+              <a:buNone/>
+            </a:pPr>
+            <a:endParaRPr lang="en-US" dirty="0"/>
+          </a:p>
+          <a:p>
+            <a:pPr lvl="1"/>
+            <a:r>
+              <a:rPr lang="en-US" dirty="0"/>
+              <a:t>All the work is just Operation Insights queries, there is nothing Upgrade Readiness specific.</a:t>
+            </a:r>
+            <a:br>
+              <a:rPr lang="en-US" dirty="0"/>
+            </a:br>
+            <a:endParaRPr lang="en-US" dirty="0"/>
+          </a:p>
+          <a:p>
+            <a:pPr marL="457200" lvl="1" indent="0">
+              <a:buNone/>
+            </a:pPr>
+            <a:r>
+              <a:rPr lang="en-US" dirty="0">
+                <a:hlinkClick r:id="rId3"/>
+              </a:rPr>
+              <a:t>https://github.com/fredbainbridge/WindowsUpgradeReadiness</a:t>
+            </a:r>
+            <a:endParaRPr lang="en-US" dirty="0"/>
+          </a:p>
+          <a:p>
+            <a:pPr marL="457200" lvl="1" indent="0">
+              <a:buNone/>
+            </a:pPr>
+            <a:endParaRPr lang="en-US" dirty="0"/>
+          </a:p>
+          <a:p>
+            <a:pPr marL="457200" lvl="1" indent="0">
+              <a:buNone/>
+            </a:pPr>
+            <a:r>
+              <a:rPr lang="en-US" dirty="0"/>
+              <a:t>Using the Search API does not expose any new ways to get data from OMS.  </a:t>
+            </a:r>
+          </a:p>
+          <a:p>
+            <a:pPr marL="457200" lvl="1" indent="0">
+              <a:buNone/>
+            </a:pPr>
+            <a:r>
+              <a:rPr lang="en-US" dirty="0"/>
+              <a:t>	Still 5000 record limits, etc.</a:t>
+            </a:r>
+          </a:p>
+          <a:p>
+            <a:pPr marL="457200" lvl="1" indent="0">
+              <a:buNone/>
+            </a:pPr>
+            <a:endParaRPr lang="en-US" dirty="0"/>
+          </a:p>
+        </p:txBody>
+      </p:sp>
+    </p:spTree>
+    <p:extLst>
+      <p:ext uri="{BB962C8B-B14F-4D97-AF65-F5344CB8AC3E}">
+        <p14:creationId xmlns:p14="http://schemas.microsoft.com/office/powerpoint/2010/main" val="3759384893"/>
+      </p:ext>
+    </p:extLst>
+  </p:cSld>
+  <p:clrMapOvr>
+    <a:masterClrMapping/>
+  </p:clrMapOvr>
+</p:sld>
+</file>
+
+<file path=ppt/slides/slide32.xml><?xml version="1.0" encoding="utf-8"?>
+<p:sld xmlns:a="http://schemas.openxmlformats.org/drawingml/2006/main" xmlns:r="http://schemas.openxmlformats.org/officeDocument/2006/relationships" xmlns:p="http://schemas.openxmlformats.org/presentationml/2006/main">
+  <p:cSld>
+    <p:spTree>
+      <p:nvGrpSpPr>
+        <p:cNvPr id="1" name=""/>
+        <p:cNvGrpSpPr/>
+        <p:nvPr/>
+      </p:nvGrpSpPr>
+      <p:grpSpPr>
+        <a:xfrm>
+          <a:off x="0" y="0"/>
+          <a:ext cx="0" cy="0"/>
+          <a:chOff x="0" y="0"/>
+          <a:chExt cx="0" cy="0"/>
+        </a:xfrm>
+      </p:grpSpPr>
+      <p:sp>
+        <p:nvSpPr>
+          <p:cNvPr id="2" name="Title 1"/>
+          <p:cNvSpPr>
+            <a:spLocks noGrp="1"/>
+          </p:cNvSpPr>
+          <p:nvPr>
+            <p:ph type="title"/>
+          </p:nvPr>
+        </p:nvSpPr>
+        <p:spPr/>
+        <p:txBody>
+          <a:bodyPr/>
+          <a:lstStyle/>
+          <a:p>
+            <a:r>
+              <a:rPr lang="en-US" dirty="0"/>
+              <a:t>PowerShell</a:t>
+            </a:r>
+          </a:p>
+        </p:txBody>
+      </p:sp>
+      <p:sp>
+        <p:nvSpPr>
+          <p:cNvPr id="3" name="Content Placeholder 2"/>
+          <p:cNvSpPr>
+            <a:spLocks noGrp="1"/>
+          </p:cNvSpPr>
+          <p:nvPr>
+            <p:ph idx="1"/>
+          </p:nvPr>
+        </p:nvSpPr>
+        <p:spPr/>
+        <p:txBody>
           <a:bodyPr/>
           <a:lstStyle/>
           <a:p>
@@ -12012,7 +12281,7 @@
 </p:sld>
 </file>
 
-<file path=ppt/slides/slide32.xml><?xml version="1.0" encoding="utf-8"?>
+<file path=ppt/slides/slide33.xml><?xml version="1.0" encoding="utf-8"?>
 <p:sld xmlns:a="http://schemas.openxmlformats.org/drawingml/2006/main" xmlns:r="http://schemas.openxmlformats.org/officeDocument/2006/relationships" xmlns:p="http://schemas.openxmlformats.org/presentationml/2006/main">
   <p:cSld>
     <p:spTree>
@@ -12042,7 +12311,7 @@
 </p:sld>
 </file>
 
-<file path=ppt/slides/slide33.xml><?xml version="1.0" encoding="utf-8"?>
+<file path=ppt/slides/slide34.xml><?xml version="1.0" encoding="utf-8"?>
 <p:sld xmlns:a="http://schemas.openxmlformats.org/drawingml/2006/main" xmlns:r="http://schemas.openxmlformats.org/officeDocument/2006/relationships" xmlns:p="http://schemas.openxmlformats.org/presentationml/2006/main">
   <p:cSld>
     <p:spTree>
@@ -12139,80 +12408,6 @@
     <p:extLst>
       <p:ext uri="{BB962C8B-B14F-4D97-AF65-F5344CB8AC3E}">
         <p14:creationId xmlns:p14="http://schemas.microsoft.com/office/powerpoint/2010/main" val="525927402"/>
-      </p:ext>
-    </p:extLst>
-  </p:cSld>
-  <p:clrMapOvr>
-    <a:masterClrMapping/>
-  </p:clrMapOvr>
-</p:sld>
-</file>
-
-<file path=ppt/slides/slide34.xml><?xml version="1.0" encoding="utf-8"?>
-<p:sld xmlns:a="http://schemas.openxmlformats.org/drawingml/2006/main" xmlns:r="http://schemas.openxmlformats.org/officeDocument/2006/relationships" xmlns:p="http://schemas.openxmlformats.org/presentationml/2006/main" show="0">
-  <p:cSld>
-    <p:spTree>
-      <p:nvGrpSpPr>
-        <p:cNvPr id="1" name=""/>
-        <p:cNvGrpSpPr/>
-        <p:nvPr/>
-      </p:nvGrpSpPr>
-      <p:grpSpPr>
-        <a:xfrm>
-          <a:off x="0" y="0"/>
-          <a:ext cx="0" cy="0"/>
-          <a:chOff x="0" y="0"/>
-          <a:chExt cx="0" cy="0"/>
-        </a:xfrm>
-      </p:grpSpPr>
-      <p:sp>
-        <p:nvSpPr>
-          <p:cNvPr id="4" name="Title 3"/>
-          <p:cNvSpPr>
-            <a:spLocks noGrp="1"/>
-          </p:cNvSpPr>
-          <p:nvPr>
-            <p:ph type="title"/>
-          </p:nvPr>
-        </p:nvSpPr>
-        <p:spPr/>
-        <p:txBody>
-          <a:bodyPr/>
-          <a:lstStyle/>
-          <a:p>
-            <a:r>
-              <a:rPr lang="en-US" dirty="0"/>
-              <a:t>Section Header</a:t>
-            </a:r>
-          </a:p>
-        </p:txBody>
-      </p:sp>
-      <p:sp>
-        <p:nvSpPr>
-          <p:cNvPr id="5" name="Text Placeholder 4"/>
-          <p:cNvSpPr>
-            <a:spLocks noGrp="1"/>
-          </p:cNvSpPr>
-          <p:nvPr>
-            <p:ph type="body" idx="1"/>
-          </p:nvPr>
-        </p:nvSpPr>
-        <p:spPr/>
-        <p:txBody>
-          <a:bodyPr/>
-          <a:lstStyle/>
-          <a:p>
-            <a:r>
-              <a:rPr lang="en-US" dirty="0"/>
-              <a:t>This is the next section</a:t>
-            </a:r>
-          </a:p>
-        </p:txBody>
-      </p:sp>
-    </p:spTree>
-    <p:extLst>
-      <p:ext uri="{BB962C8B-B14F-4D97-AF65-F5344CB8AC3E}">
-        <p14:creationId xmlns:p14="http://schemas.microsoft.com/office/powerpoint/2010/main" val="1657553323"/>
       </p:ext>
     </p:extLst>
   </p:cSld>
@@ -12241,7 +12436,7 @@
       </p:grpSpPr>
       <p:sp>
         <p:nvSpPr>
-          <p:cNvPr id="2" name="Title 1"/>
+          <p:cNvPr id="4" name="Title 3"/>
           <p:cNvSpPr>
             <a:spLocks noGrp="1"/>
           </p:cNvSpPr>
@@ -12256,19 +12451,19 @@
           <a:p>
             <a:r>
               <a:rPr lang="en-US" dirty="0"/>
-              <a:t>Title</a:t>
+              <a:t>Section Header</a:t>
             </a:r>
           </a:p>
         </p:txBody>
       </p:sp>
       <p:sp>
         <p:nvSpPr>
-          <p:cNvPr id="3" name="Content Placeholder 2"/>
+          <p:cNvPr id="5" name="Text Placeholder 4"/>
           <p:cNvSpPr>
             <a:spLocks noGrp="1"/>
           </p:cNvSpPr>
           <p:nvPr>
-            <p:ph idx="1"/>
+            <p:ph type="body" idx="1"/>
           </p:nvPr>
         </p:nvSpPr>
         <p:spPr/>
@@ -12278,39 +12473,15 @@
           <a:p>
             <a:r>
               <a:rPr lang="en-US" dirty="0"/>
-              <a:t>Line1</a:t>
-            </a:r>
-          </a:p>
-          <a:p>
-            <a:pPr lvl="1"/>
-            <a:r>
-              <a:rPr lang="en-US" dirty="0"/>
-              <a:t>Bullet Level 1</a:t>
-            </a:r>
-          </a:p>
-          <a:p>
-            <a:pPr lvl="2"/>
-            <a:r>
-              <a:rPr lang="en-US" dirty="0"/>
-              <a:t>Bullet Level 2</a:t>
-            </a:r>
-          </a:p>
-          <a:p>
-            <a:pPr lvl="3"/>
-            <a:r>
-              <a:rPr lang="en-US" dirty="0"/>
-              <a:t>Bullet Level 3</a:t>
-            </a:r>
-          </a:p>
-          <a:p>
-            <a:endParaRPr lang="en-US" dirty="0"/>
+              <a:t>This is the next section</a:t>
+            </a:r>
           </a:p>
         </p:txBody>
       </p:sp>
     </p:spTree>
     <p:extLst>
       <p:ext uri="{BB962C8B-B14F-4D97-AF65-F5344CB8AC3E}">
-        <p14:creationId xmlns:p14="http://schemas.microsoft.com/office/powerpoint/2010/main" val="912164160"/>
+        <p14:creationId xmlns:p14="http://schemas.microsoft.com/office/powerpoint/2010/main" val="1657553323"/>
       </p:ext>
     </p:extLst>
   </p:cSld>
@@ -12339,7 +12510,7 @@
       </p:grpSpPr>
       <p:sp>
         <p:nvSpPr>
-          <p:cNvPr id="4" name="Title 3"/>
+          <p:cNvPr id="2" name="Title 1"/>
           <p:cNvSpPr>
             <a:spLocks noGrp="1"/>
           </p:cNvSpPr>
@@ -12361,7 +12532,7 @@
       </p:sp>
       <p:sp>
         <p:nvSpPr>
-          <p:cNvPr id="5" name="Content Placeholder 4"/>
+          <p:cNvPr id="3" name="Content Placeholder 2"/>
           <p:cNvSpPr>
             <a:spLocks noGrp="1"/>
           </p:cNvSpPr>
@@ -12376,15 +12547,39 @@
           <a:p>
             <a:r>
               <a:rPr lang="en-US" dirty="0"/>
-              <a:t>Code</a:t>
-            </a:r>
+              <a:t>Line1</a:t>
+            </a:r>
+          </a:p>
+          <a:p>
+            <a:pPr lvl="1"/>
+            <a:r>
+              <a:rPr lang="en-US" dirty="0"/>
+              <a:t>Bullet Level 1</a:t>
+            </a:r>
+          </a:p>
+          <a:p>
+            <a:pPr lvl="2"/>
+            <a:r>
+              <a:rPr lang="en-US" dirty="0"/>
+              <a:t>Bullet Level 2</a:t>
+            </a:r>
+          </a:p>
+          <a:p>
+            <a:pPr lvl="3"/>
+            <a:r>
+              <a:rPr lang="en-US" dirty="0"/>
+              <a:t>Bullet Level 3</a:t>
+            </a:r>
+          </a:p>
+          <a:p>
+            <a:endParaRPr lang="en-US" dirty="0"/>
           </a:p>
         </p:txBody>
       </p:sp>
     </p:spTree>
     <p:extLst>
       <p:ext uri="{BB962C8B-B14F-4D97-AF65-F5344CB8AC3E}">
-        <p14:creationId xmlns:p14="http://schemas.microsoft.com/office/powerpoint/2010/main" val="1895725814"/>
+        <p14:creationId xmlns:p14="http://schemas.microsoft.com/office/powerpoint/2010/main" val="912164160"/>
       </p:ext>
     </p:extLst>
   </p:cSld>
@@ -12413,12 +12608,12 @@
       </p:grpSpPr>
       <p:sp>
         <p:nvSpPr>
-          <p:cNvPr id="4" name="Content Placeholder 3"/>
+          <p:cNvPr id="4" name="Title 3"/>
           <p:cNvSpPr>
             <a:spLocks noGrp="1"/>
           </p:cNvSpPr>
           <p:nvPr>
-            <p:ph idx="1"/>
+            <p:ph type="title"/>
           </p:nvPr>
         </p:nvSpPr>
         <p:spPr/>
@@ -12428,28 +12623,29 @@
           <a:p>
             <a:r>
               <a:rPr lang="en-US" dirty="0"/>
-              <a:t>Text Only with Border</a:t>
-            </a:r>
-          </a:p>
-          <a:p>
-            <a:pPr lvl="1"/>
-            <a:r>
-              <a:rPr lang="en-US" dirty="0"/>
-              <a:t>Level 1</a:t>
-            </a:r>
-          </a:p>
-          <a:p>
-            <a:pPr lvl="2"/>
-            <a:r>
-              <a:rPr lang="en-US" dirty="0"/>
-              <a:t>Level 2 </a:t>
-            </a:r>
-          </a:p>
-          <a:p>
-            <a:pPr lvl="3"/>
-            <a:r>
-              <a:rPr lang="en-US" dirty="0"/>
-              <a:t>Level 3</a:t>
+              <a:t>Title</a:t>
+            </a:r>
+          </a:p>
+        </p:txBody>
+      </p:sp>
+      <p:sp>
+        <p:nvSpPr>
+          <p:cNvPr id="5" name="Content Placeholder 4"/>
+          <p:cNvSpPr>
+            <a:spLocks noGrp="1"/>
+          </p:cNvSpPr>
+          <p:nvPr>
+            <p:ph idx="1"/>
+          </p:nvPr>
+        </p:nvSpPr>
+        <p:spPr/>
+        <p:txBody>
+          <a:bodyPr/>
+          <a:lstStyle/>
+          <a:p>
+            <a:r>
+              <a:rPr lang="en-US" dirty="0"/>
+              <a:t>Code</a:t>
             </a:r>
           </a:p>
         </p:txBody>
@@ -12457,7 +12653,7 @@
     </p:spTree>
     <p:extLst>
       <p:ext uri="{BB962C8B-B14F-4D97-AF65-F5344CB8AC3E}">
-        <p14:creationId xmlns:p14="http://schemas.microsoft.com/office/powerpoint/2010/main" val="659284950"/>
+        <p14:creationId xmlns:p14="http://schemas.microsoft.com/office/powerpoint/2010/main" val="1895725814"/>
       </p:ext>
     </p:extLst>
   </p:cSld>
@@ -12486,7 +12682,7 @@
       </p:grpSpPr>
       <p:sp>
         <p:nvSpPr>
-          <p:cNvPr id="3" name="Content Placeholder 2"/>
+          <p:cNvPr id="4" name="Content Placeholder 3"/>
           <p:cNvSpPr>
             <a:spLocks noGrp="1"/>
           </p:cNvSpPr>
@@ -12501,7 +12697,7 @@
           <a:p>
             <a:r>
               <a:rPr lang="en-US" dirty="0"/>
-              <a:t>Text Only (Red)</a:t>
+              <a:t>Text Only with Border</a:t>
             </a:r>
           </a:p>
           <a:p>
@@ -12515,7 +12711,7 @@
             <a:pPr lvl="2"/>
             <a:r>
               <a:rPr lang="en-US" dirty="0"/>
-              <a:t>Level 2</a:t>
+              <a:t>Level 2 </a:t>
             </a:r>
           </a:p>
           <a:p>
@@ -12530,7 +12726,7 @@
     </p:spTree>
     <p:extLst>
       <p:ext uri="{BB962C8B-B14F-4D97-AF65-F5344CB8AC3E}">
-        <p14:creationId xmlns:p14="http://schemas.microsoft.com/office/powerpoint/2010/main" val="2094311673"/>
+        <p14:creationId xmlns:p14="http://schemas.microsoft.com/office/powerpoint/2010/main" val="659284950"/>
       </p:ext>
     </p:extLst>
   </p:cSld>
@@ -12559,12 +12755,12 @@
       </p:grpSpPr>
       <p:sp>
         <p:nvSpPr>
-          <p:cNvPr id="3" name="Title 2"/>
+          <p:cNvPr id="3" name="Content Placeholder 2"/>
           <p:cNvSpPr>
             <a:spLocks noGrp="1"/>
           </p:cNvSpPr>
           <p:nvPr>
-            <p:ph type="title"/>
+            <p:ph idx="1"/>
           </p:nvPr>
         </p:nvSpPr>
         <p:spPr/>
@@ -12574,29 +12770,7 @@
           <a:p>
             <a:r>
               <a:rPr lang="en-US" dirty="0"/>
-              <a:t>Title</a:t>
-            </a:r>
-          </a:p>
-        </p:txBody>
-      </p:sp>
-      <p:sp>
-        <p:nvSpPr>
-          <p:cNvPr id="4" name="Content Placeholder 3"/>
-          <p:cNvSpPr>
-            <a:spLocks noGrp="1"/>
-          </p:cNvSpPr>
-          <p:nvPr>
-            <p:ph sz="half" idx="1"/>
-          </p:nvPr>
-        </p:nvSpPr>
-        <p:spPr/>
-        <p:txBody>
-          <a:bodyPr/>
-          <a:lstStyle/>
-          <a:p>
-            <a:r>
-              <a:rPr lang="en-US" dirty="0"/>
-              <a:t>Text 1</a:t>
+              <a:t>Text Only (Red)</a:t>
             </a:r>
           </a:p>
           <a:p>
@@ -12619,62 +12793,13 @@
               <a:rPr lang="en-US" dirty="0"/>
               <a:t>Level 3</a:t>
             </a:r>
-          </a:p>
-          <a:p>
-            <a:endParaRPr lang="en-US" dirty="0"/>
-          </a:p>
-        </p:txBody>
-      </p:sp>
-      <p:sp>
-        <p:nvSpPr>
-          <p:cNvPr id="5" name="Content Placeholder 4"/>
-          <p:cNvSpPr>
-            <a:spLocks noGrp="1"/>
-          </p:cNvSpPr>
-          <p:nvPr>
-            <p:ph sz="half" idx="2"/>
-          </p:nvPr>
-        </p:nvSpPr>
-        <p:spPr/>
-        <p:txBody>
-          <a:bodyPr/>
-          <a:lstStyle/>
-          <a:p>
-            <a:r>
-              <a:rPr lang="en-US" dirty="0"/>
-              <a:t>Text 2</a:t>
-            </a:r>
-          </a:p>
-          <a:p>
-            <a:pPr lvl="1"/>
-            <a:r>
-              <a:rPr lang="en-US" dirty="0"/>
-              <a:t>Level 1</a:t>
-            </a:r>
-          </a:p>
-          <a:p>
-            <a:pPr lvl="2"/>
-            <a:r>
-              <a:rPr lang="en-US" dirty="0"/>
-              <a:t>Level 2</a:t>
-            </a:r>
-          </a:p>
-          <a:p>
-            <a:pPr lvl="3"/>
-            <a:r>
-              <a:rPr lang="en-US" dirty="0"/>
-              <a:t>Level 3</a:t>
-            </a:r>
-          </a:p>
-          <a:p>
-            <a:endParaRPr lang="en-US" dirty="0"/>
           </a:p>
         </p:txBody>
       </p:sp>
     </p:spTree>
     <p:extLst>
       <p:ext uri="{BB962C8B-B14F-4D97-AF65-F5344CB8AC3E}">
-        <p14:creationId xmlns:p14="http://schemas.microsoft.com/office/powerpoint/2010/main" val="2554539812"/>
+        <p14:creationId xmlns:p14="http://schemas.microsoft.com/office/powerpoint/2010/main" val="2094311673"/>
       </p:ext>
     </p:extLst>
   </p:cSld>
@@ -12736,7 +12861,7 @@
         <p:spPr/>
         <p:txBody>
           <a:bodyPr>
-            <a:normAutofit fontScale="92500"/>
+            <a:normAutofit/>
           </a:bodyPr>
           <a:lstStyle/>
           <a:p>
@@ -12769,7 +12894,7 @@
             </a:pPr>
             <a:r>
               <a:rPr lang="en-US" sz="8800" dirty="0"/>
-              <a:t>IN PLACE UPGRADES WORK GREAT</a:t>
+              <a:t>IN PLACE UPGRADES WORK</a:t>
             </a:r>
           </a:p>
           <a:p>
@@ -12888,12 +13013,12 @@
       </p:grpSpPr>
       <p:sp>
         <p:nvSpPr>
-          <p:cNvPr id="6" name="Text Placeholder 5"/>
+          <p:cNvPr id="3" name="Title 2"/>
           <p:cNvSpPr>
             <a:spLocks noGrp="1"/>
           </p:cNvSpPr>
           <p:nvPr>
-            <p:ph type="body" idx="1"/>
+            <p:ph type="title"/>
           </p:nvPr>
         </p:nvSpPr>
         <p:spPr/>
@@ -12903,19 +13028,19 @@
           <a:p>
             <a:r>
               <a:rPr lang="en-US" dirty="0"/>
-              <a:t>Section 1</a:t>
+              <a:t>Title</a:t>
             </a:r>
           </a:p>
         </p:txBody>
       </p:sp>
       <p:sp>
         <p:nvSpPr>
-          <p:cNvPr id="7" name="Content Placeholder 6"/>
+          <p:cNvPr id="4" name="Content Placeholder 3"/>
           <p:cNvSpPr>
             <a:spLocks noGrp="1"/>
           </p:cNvSpPr>
           <p:nvPr>
-            <p:ph sz="half" idx="2"/>
+            <p:ph sz="half" idx="1"/>
           </p:nvPr>
         </p:nvSpPr>
         <p:spPr/>
@@ -12925,7 +13050,7 @@
           <a:p>
             <a:r>
               <a:rPr lang="en-US" dirty="0"/>
-              <a:t>Text</a:t>
+              <a:t>Text 1</a:t>
             </a:r>
           </a:p>
           <a:p>
@@ -12956,12 +13081,12 @@
       </p:sp>
       <p:sp>
         <p:nvSpPr>
-          <p:cNvPr id="8" name="Text Placeholder 7"/>
+          <p:cNvPr id="5" name="Content Placeholder 4"/>
           <p:cNvSpPr>
             <a:spLocks noGrp="1"/>
           </p:cNvSpPr>
           <p:nvPr>
-            <p:ph type="body" sz="quarter" idx="3"/>
+            <p:ph sz="half" idx="2"/>
           </p:nvPr>
         </p:nvSpPr>
         <p:spPr/>
@@ -12971,29 +13096,7 @@
           <a:p>
             <a:r>
               <a:rPr lang="en-US" dirty="0"/>
-              <a:t>Section 2</a:t>
-            </a:r>
-          </a:p>
-        </p:txBody>
-      </p:sp>
-      <p:sp>
-        <p:nvSpPr>
-          <p:cNvPr id="9" name="Content Placeholder 8"/>
-          <p:cNvSpPr>
-            <a:spLocks noGrp="1"/>
-          </p:cNvSpPr>
-          <p:nvPr>
-            <p:ph sz="quarter" idx="4"/>
-          </p:nvPr>
-        </p:nvSpPr>
-        <p:spPr/>
-        <p:txBody>
-          <a:bodyPr/>
-          <a:lstStyle/>
-          <a:p>
-            <a:r>
-              <a:rPr lang="en-US" dirty="0"/>
-              <a:t>Text</a:t>
+              <a:t>Text 2</a:t>
             </a:r>
           </a:p>
           <a:p>
@@ -13019,35 +13122,13 @@
           </a:p>
           <a:p>
             <a:endParaRPr lang="en-US" dirty="0"/>
-          </a:p>
-        </p:txBody>
-      </p:sp>
-      <p:sp>
-        <p:nvSpPr>
-          <p:cNvPr id="5" name="Title 4"/>
-          <p:cNvSpPr>
-            <a:spLocks noGrp="1"/>
-          </p:cNvSpPr>
-          <p:nvPr>
-            <p:ph type="title"/>
-          </p:nvPr>
-        </p:nvSpPr>
-        <p:spPr/>
-        <p:txBody>
-          <a:bodyPr/>
-          <a:lstStyle/>
-          <a:p>
-            <a:r>
-              <a:rPr lang="en-US" dirty="0"/>
-              <a:t>Title</a:t>
-            </a:r>
           </a:p>
         </p:txBody>
       </p:sp>
     </p:spTree>
     <p:extLst>
       <p:ext uri="{BB962C8B-B14F-4D97-AF65-F5344CB8AC3E}">
-        <p14:creationId xmlns:p14="http://schemas.microsoft.com/office/powerpoint/2010/main" val="3003455065"/>
+        <p14:creationId xmlns:p14="http://schemas.microsoft.com/office/powerpoint/2010/main" val="2554539812"/>
       </p:ext>
     </p:extLst>
   </p:cSld>
@@ -13076,7 +13157,7 @@
       </p:grpSpPr>
       <p:sp>
         <p:nvSpPr>
-          <p:cNvPr id="7" name="Text Placeholder 6"/>
+          <p:cNvPr id="6" name="Text Placeholder 5"/>
           <p:cNvSpPr>
             <a:spLocks noGrp="1"/>
           </p:cNvSpPr>
@@ -13091,7 +13172,143 @@
           <a:p>
             <a:r>
               <a:rPr lang="en-US" dirty="0"/>
-              <a:t>Demo Title</a:t>
+              <a:t>Section 1</a:t>
+            </a:r>
+          </a:p>
+        </p:txBody>
+      </p:sp>
+      <p:sp>
+        <p:nvSpPr>
+          <p:cNvPr id="7" name="Content Placeholder 6"/>
+          <p:cNvSpPr>
+            <a:spLocks noGrp="1"/>
+          </p:cNvSpPr>
+          <p:nvPr>
+            <p:ph sz="half" idx="2"/>
+          </p:nvPr>
+        </p:nvSpPr>
+        <p:spPr/>
+        <p:txBody>
+          <a:bodyPr/>
+          <a:lstStyle/>
+          <a:p>
+            <a:r>
+              <a:rPr lang="en-US" dirty="0"/>
+              <a:t>Text</a:t>
+            </a:r>
+          </a:p>
+          <a:p>
+            <a:pPr lvl="1"/>
+            <a:r>
+              <a:rPr lang="en-US" dirty="0"/>
+              <a:t>Level 1</a:t>
+            </a:r>
+          </a:p>
+          <a:p>
+            <a:pPr lvl="2"/>
+            <a:r>
+              <a:rPr lang="en-US" dirty="0"/>
+              <a:t>Level 2</a:t>
+            </a:r>
+          </a:p>
+          <a:p>
+            <a:pPr lvl="3"/>
+            <a:r>
+              <a:rPr lang="en-US" dirty="0"/>
+              <a:t>Level 3</a:t>
+            </a:r>
+          </a:p>
+          <a:p>
+            <a:endParaRPr lang="en-US" dirty="0"/>
+          </a:p>
+        </p:txBody>
+      </p:sp>
+      <p:sp>
+        <p:nvSpPr>
+          <p:cNvPr id="8" name="Text Placeholder 7"/>
+          <p:cNvSpPr>
+            <a:spLocks noGrp="1"/>
+          </p:cNvSpPr>
+          <p:nvPr>
+            <p:ph type="body" sz="quarter" idx="3"/>
+          </p:nvPr>
+        </p:nvSpPr>
+        <p:spPr/>
+        <p:txBody>
+          <a:bodyPr/>
+          <a:lstStyle/>
+          <a:p>
+            <a:r>
+              <a:rPr lang="en-US" dirty="0"/>
+              <a:t>Section 2</a:t>
+            </a:r>
+          </a:p>
+        </p:txBody>
+      </p:sp>
+      <p:sp>
+        <p:nvSpPr>
+          <p:cNvPr id="9" name="Content Placeholder 8"/>
+          <p:cNvSpPr>
+            <a:spLocks noGrp="1"/>
+          </p:cNvSpPr>
+          <p:nvPr>
+            <p:ph sz="quarter" idx="4"/>
+          </p:nvPr>
+        </p:nvSpPr>
+        <p:spPr/>
+        <p:txBody>
+          <a:bodyPr/>
+          <a:lstStyle/>
+          <a:p>
+            <a:r>
+              <a:rPr lang="en-US" dirty="0"/>
+              <a:t>Text</a:t>
+            </a:r>
+          </a:p>
+          <a:p>
+            <a:pPr lvl="1"/>
+            <a:r>
+              <a:rPr lang="en-US" dirty="0"/>
+              <a:t>Level 1</a:t>
+            </a:r>
+          </a:p>
+          <a:p>
+            <a:pPr lvl="2"/>
+            <a:r>
+              <a:rPr lang="en-US" dirty="0"/>
+              <a:t>Level 2</a:t>
+            </a:r>
+          </a:p>
+          <a:p>
+            <a:pPr lvl="3"/>
+            <a:r>
+              <a:rPr lang="en-US" dirty="0"/>
+              <a:t>Level 3</a:t>
+            </a:r>
+          </a:p>
+          <a:p>
+            <a:endParaRPr lang="en-US" dirty="0"/>
+          </a:p>
+        </p:txBody>
+      </p:sp>
+      <p:sp>
+        <p:nvSpPr>
+          <p:cNvPr id="5" name="Title 4"/>
+          <p:cNvSpPr>
+            <a:spLocks noGrp="1"/>
+          </p:cNvSpPr>
+          <p:nvPr>
+            <p:ph type="title"/>
+          </p:nvPr>
+        </p:nvSpPr>
+        <p:spPr/>
+        <p:txBody>
+          <a:bodyPr/>
+          <a:lstStyle/>
+          <a:p>
+            <a:r>
+              <a:rPr lang="en-US" dirty="0"/>
+              <a:t>Title</a:t>
             </a:r>
           </a:p>
         </p:txBody>
@@ -13099,7 +13316,7 @@
     </p:spTree>
     <p:extLst>
       <p:ext uri="{BB962C8B-B14F-4D97-AF65-F5344CB8AC3E}">
-        <p14:creationId xmlns:p14="http://schemas.microsoft.com/office/powerpoint/2010/main" val="3216050713"/>
+        <p14:creationId xmlns:p14="http://schemas.microsoft.com/office/powerpoint/2010/main" val="3003455065"/>
       </p:ext>
     </p:extLst>
   </p:cSld>
@@ -13126,875 +13343,32 @@
           <a:chExt cx="0" cy="0"/>
         </a:xfrm>
       </p:grpSpPr>
-      <p:pic>
-        <p:nvPicPr>
-          <p:cNvPr id="11" name="Picture 10"/>
-          <p:cNvPicPr>
-            <a:picLocks noChangeAspect="1"/>
-          </p:cNvPicPr>
-          <p:nvPr/>
-        </p:nvPicPr>
-        <p:blipFill>
-          <a:blip r:embed="rId2">
-            <a:extLst>
-              <a:ext uri="{28A0092B-C50C-407E-A947-70E740481C1C}">
-                <a14:useLocalDpi xmlns:a14="http://schemas.microsoft.com/office/drawing/2010/main" val="0"/>
-              </a:ext>
-            </a:extLst>
-          </a:blip>
-          <a:stretch>
-            <a:fillRect/>
-          </a:stretch>
-        </p:blipFill>
-        <p:spPr>
-          <a:xfrm>
-            <a:off x="2207458" y="453313"/>
-            <a:ext cx="457200" cy="457200"/>
-          </a:xfrm>
-          <a:prstGeom prst="rect">
-            <a:avLst/>
-          </a:prstGeom>
-        </p:spPr>
-      </p:pic>
-      <p:pic>
-        <p:nvPicPr>
-          <p:cNvPr id="12" name="Picture 11"/>
-          <p:cNvPicPr>
-            <a:picLocks noChangeAspect="1"/>
-          </p:cNvPicPr>
-          <p:nvPr/>
-        </p:nvPicPr>
-        <p:blipFill>
-          <a:blip r:embed="rId3">
-            <a:extLst>
-              <a:ext uri="{28A0092B-C50C-407E-A947-70E740481C1C}">
-                <a14:useLocalDpi xmlns:a14="http://schemas.microsoft.com/office/drawing/2010/main" val="0"/>
-              </a:ext>
-            </a:extLst>
-          </a:blip>
-          <a:stretch>
-            <a:fillRect/>
-          </a:stretch>
-        </p:blipFill>
-        <p:spPr>
-          <a:xfrm>
-            <a:off x="1294229" y="453399"/>
-            <a:ext cx="457200" cy="457200"/>
-          </a:xfrm>
-          <a:prstGeom prst="rect">
-            <a:avLst/>
-          </a:prstGeom>
-        </p:spPr>
-      </p:pic>
-      <p:pic>
-        <p:nvPicPr>
-          <p:cNvPr id="13" name="Picture 12"/>
-          <p:cNvPicPr>
-            <a:picLocks noChangeAspect="1"/>
-          </p:cNvPicPr>
-          <p:nvPr/>
-        </p:nvPicPr>
-        <p:blipFill>
-          <a:blip r:embed="rId4">
-            <a:extLst>
-              <a:ext uri="{28A0092B-C50C-407E-A947-70E740481C1C}">
-                <a14:useLocalDpi xmlns:a14="http://schemas.microsoft.com/office/drawing/2010/main" val="0"/>
-              </a:ext>
-            </a:extLst>
-          </a:blip>
-          <a:stretch>
-            <a:fillRect/>
-          </a:stretch>
-        </p:blipFill>
-        <p:spPr>
-          <a:xfrm>
-            <a:off x="381000" y="453399"/>
-            <a:ext cx="457200" cy="457200"/>
-          </a:xfrm>
-          <a:prstGeom prst="rect">
-            <a:avLst/>
-          </a:prstGeom>
-        </p:spPr>
-      </p:pic>
-      <p:pic>
-        <p:nvPicPr>
-          <p:cNvPr id="15" name="Picture 14"/>
-          <p:cNvPicPr>
-            <a:picLocks noChangeAspect="1"/>
-          </p:cNvPicPr>
-          <p:nvPr/>
-        </p:nvPicPr>
-        <p:blipFill>
-          <a:blip r:embed="rId5">
-            <a:lum bright="70000" contrast="-70000"/>
-            <a:extLst>
-              <a:ext uri="{28A0092B-C50C-407E-A947-70E740481C1C}">
-                <a14:useLocalDpi xmlns:a14="http://schemas.microsoft.com/office/drawing/2010/main" val="0"/>
-              </a:ext>
-            </a:extLst>
-          </a:blip>
-          <a:stretch>
-            <a:fillRect/>
-          </a:stretch>
-        </p:blipFill>
-        <p:spPr>
-          <a:xfrm>
-            <a:off x="303629" y="1070428"/>
-            <a:ext cx="1219200" cy="1219200"/>
-          </a:xfrm>
-          <a:prstGeom prst="rect">
-            <a:avLst/>
-          </a:prstGeom>
-        </p:spPr>
-      </p:pic>
-      <p:pic>
-        <p:nvPicPr>
-          <p:cNvPr id="279" name="Picture 278"/>
-          <p:cNvPicPr>
-            <a:picLocks noChangeAspect="1"/>
-          </p:cNvPicPr>
-          <p:nvPr/>
-        </p:nvPicPr>
-        <p:blipFill>
-          <a:blip r:embed="rId6">
-            <a:lum bright="70000" contrast="-70000"/>
-            <a:extLst>
-              <a:ext uri="{28A0092B-C50C-407E-A947-70E740481C1C}">
-                <a14:useLocalDpi xmlns:a14="http://schemas.microsoft.com/office/drawing/2010/main" val="0"/>
-              </a:ext>
-            </a:extLst>
-          </a:blip>
-          <a:stretch>
-            <a:fillRect/>
-          </a:stretch>
-        </p:blipFill>
-        <p:spPr>
-          <a:xfrm>
-            <a:off x="2950029" y="1070428"/>
-            <a:ext cx="1219200" cy="1219200"/>
-          </a:xfrm>
-          <a:prstGeom prst="rect">
-            <a:avLst/>
-          </a:prstGeom>
-        </p:spPr>
-      </p:pic>
-      <p:pic>
-        <p:nvPicPr>
-          <p:cNvPr id="280" name="Picture 279"/>
-          <p:cNvPicPr>
-            <a:picLocks noChangeAspect="1"/>
-          </p:cNvPicPr>
-          <p:nvPr/>
-        </p:nvPicPr>
-        <p:blipFill>
-          <a:blip r:embed="rId7">
-            <a:lum bright="70000" contrast="-70000"/>
-            <a:extLst>
-              <a:ext uri="{28A0092B-C50C-407E-A947-70E740481C1C}">
-                <a14:useLocalDpi xmlns:a14="http://schemas.microsoft.com/office/drawing/2010/main" val="0"/>
-              </a:ext>
-            </a:extLst>
-          </a:blip>
-          <a:stretch>
-            <a:fillRect/>
-          </a:stretch>
-        </p:blipFill>
-        <p:spPr>
-          <a:xfrm>
-            <a:off x="1626829" y="1070428"/>
-            <a:ext cx="1219200" cy="1219200"/>
-          </a:xfrm>
-          <a:prstGeom prst="rect">
-            <a:avLst/>
-          </a:prstGeom>
-        </p:spPr>
-      </p:pic>
-      <p:pic>
-        <p:nvPicPr>
-          <p:cNvPr id="281" name="Picture 280"/>
-          <p:cNvPicPr>
-            <a:picLocks noChangeAspect="1"/>
-          </p:cNvPicPr>
-          <p:nvPr/>
-        </p:nvPicPr>
-        <p:blipFill>
-          <a:blip r:embed="rId8">
-            <a:lum bright="70000" contrast="-70000"/>
-            <a:extLst>
-              <a:ext uri="{28A0092B-C50C-407E-A947-70E740481C1C}">
-                <a14:useLocalDpi xmlns:a14="http://schemas.microsoft.com/office/drawing/2010/main" val="0"/>
-              </a:ext>
-            </a:extLst>
-          </a:blip>
-          <a:stretch>
-            <a:fillRect/>
-          </a:stretch>
-        </p:blipFill>
-        <p:spPr>
-          <a:xfrm>
-            <a:off x="5596429" y="1107999"/>
-            <a:ext cx="1219200" cy="1219200"/>
-          </a:xfrm>
-          <a:prstGeom prst="rect">
-            <a:avLst/>
-          </a:prstGeom>
-        </p:spPr>
-      </p:pic>
-      <p:pic>
-        <p:nvPicPr>
-          <p:cNvPr id="282" name="Picture 281"/>
-          <p:cNvPicPr>
-            <a:picLocks noChangeAspect="1"/>
-          </p:cNvPicPr>
-          <p:nvPr/>
-        </p:nvPicPr>
-        <p:blipFill>
-          <a:blip r:embed="rId9">
-            <a:lum bright="70000" contrast="-70000"/>
-            <a:extLst>
-              <a:ext uri="{28A0092B-C50C-407E-A947-70E740481C1C}">
-                <a14:useLocalDpi xmlns:a14="http://schemas.microsoft.com/office/drawing/2010/main" val="0"/>
-              </a:ext>
-            </a:extLst>
-          </a:blip>
-          <a:stretch>
-            <a:fillRect/>
-          </a:stretch>
-        </p:blipFill>
-        <p:spPr>
-          <a:xfrm>
-            <a:off x="4273229" y="1070428"/>
-            <a:ext cx="1219200" cy="1219200"/>
-          </a:xfrm>
-          <a:prstGeom prst="rect">
-            <a:avLst/>
-          </a:prstGeom>
-        </p:spPr>
-      </p:pic>
-      <p:pic>
-        <p:nvPicPr>
-          <p:cNvPr id="283" name="Picture 282"/>
-          <p:cNvPicPr>
-            <a:picLocks noChangeAspect="1"/>
-          </p:cNvPicPr>
-          <p:nvPr/>
-        </p:nvPicPr>
-        <p:blipFill>
-          <a:blip r:embed="rId10">
-            <a:lum bright="70000" contrast="-70000"/>
-            <a:extLst>
-              <a:ext uri="{28A0092B-C50C-407E-A947-70E740481C1C}">
-                <a14:useLocalDpi xmlns:a14="http://schemas.microsoft.com/office/drawing/2010/main" val="0"/>
-              </a:ext>
-            </a:extLst>
-          </a:blip>
-          <a:stretch>
-            <a:fillRect/>
-          </a:stretch>
-        </p:blipFill>
-        <p:spPr>
-          <a:xfrm>
-            <a:off x="6919629" y="1107999"/>
-            <a:ext cx="1219200" cy="1219200"/>
-          </a:xfrm>
-          <a:prstGeom prst="rect">
-            <a:avLst/>
-          </a:prstGeom>
-        </p:spPr>
-      </p:pic>
-      <p:pic>
-        <p:nvPicPr>
-          <p:cNvPr id="284" name="Picture 283"/>
-          <p:cNvPicPr>
-            <a:picLocks noChangeAspect="1"/>
-          </p:cNvPicPr>
-          <p:nvPr/>
-        </p:nvPicPr>
-        <p:blipFill>
-          <a:blip r:embed="rId11">
-            <a:lum bright="70000" contrast="-70000"/>
-            <a:extLst>
-              <a:ext uri="{28A0092B-C50C-407E-A947-70E740481C1C}">
-                <a14:useLocalDpi xmlns:a14="http://schemas.microsoft.com/office/drawing/2010/main" val="0"/>
-              </a:ext>
-            </a:extLst>
-          </a:blip>
-          <a:stretch>
-            <a:fillRect/>
-          </a:stretch>
-        </p:blipFill>
-        <p:spPr>
-          <a:xfrm>
-            <a:off x="9105600" y="1070428"/>
-            <a:ext cx="1219200" cy="1219200"/>
-          </a:xfrm>
-          <a:prstGeom prst="rect">
-            <a:avLst/>
-          </a:prstGeom>
-        </p:spPr>
-      </p:pic>
-      <p:pic>
-        <p:nvPicPr>
-          <p:cNvPr id="285" name="Picture 284"/>
-          <p:cNvPicPr>
-            <a:picLocks noChangeAspect="1"/>
-          </p:cNvPicPr>
-          <p:nvPr/>
-        </p:nvPicPr>
-        <p:blipFill>
-          <a:blip r:embed="rId12">
-            <a:lum bright="70000" contrast="-70000"/>
-            <a:extLst>
-              <a:ext uri="{28A0092B-C50C-407E-A947-70E740481C1C}">
-                <a14:useLocalDpi xmlns:a14="http://schemas.microsoft.com/office/drawing/2010/main" val="0"/>
-              </a:ext>
-            </a:extLst>
-          </a:blip>
-          <a:stretch>
-            <a:fillRect/>
-          </a:stretch>
-        </p:blipFill>
-        <p:spPr>
-          <a:xfrm>
-            <a:off x="7988286" y="1070428"/>
-            <a:ext cx="1219200" cy="1219200"/>
-          </a:xfrm>
-          <a:prstGeom prst="rect">
-            <a:avLst/>
-          </a:prstGeom>
-        </p:spPr>
-      </p:pic>
-      <p:pic>
-        <p:nvPicPr>
-          <p:cNvPr id="286" name="Picture 285"/>
-          <p:cNvPicPr>
-            <a:picLocks noChangeAspect="1"/>
-          </p:cNvPicPr>
-          <p:nvPr/>
-        </p:nvPicPr>
-        <p:blipFill>
-          <a:blip r:embed="rId13">
-            <a:lum bright="70000" contrast="-70000"/>
-            <a:extLst>
-              <a:ext uri="{28A0092B-C50C-407E-A947-70E740481C1C}">
-                <a14:useLocalDpi xmlns:a14="http://schemas.microsoft.com/office/drawing/2010/main" val="0"/>
-              </a:ext>
-            </a:extLst>
-          </a:blip>
-          <a:stretch>
-            <a:fillRect/>
-          </a:stretch>
-        </p:blipFill>
-        <p:spPr>
-          <a:xfrm>
-            <a:off x="303629" y="2185742"/>
-            <a:ext cx="1219200" cy="1219200"/>
-          </a:xfrm>
-          <a:prstGeom prst="rect">
-            <a:avLst/>
-          </a:prstGeom>
-        </p:spPr>
-      </p:pic>
-      <p:pic>
-        <p:nvPicPr>
-          <p:cNvPr id="287" name="Picture 286"/>
-          <p:cNvPicPr>
-            <a:picLocks noChangeAspect="1"/>
-          </p:cNvPicPr>
-          <p:nvPr/>
-        </p:nvPicPr>
-        <p:blipFill>
-          <a:blip r:embed="rId14">
-            <a:lum bright="70000" contrast="-70000"/>
-            <a:extLst>
-              <a:ext uri="{28A0092B-C50C-407E-A947-70E740481C1C}">
-                <a14:useLocalDpi xmlns:a14="http://schemas.microsoft.com/office/drawing/2010/main" val="0"/>
-              </a:ext>
-            </a:extLst>
-          </a:blip>
-          <a:stretch>
-            <a:fillRect/>
-          </a:stretch>
-        </p:blipFill>
-        <p:spPr>
-          <a:xfrm>
-            <a:off x="10484143" y="1070428"/>
-            <a:ext cx="1219200" cy="1219200"/>
-          </a:xfrm>
-          <a:prstGeom prst="rect">
-            <a:avLst/>
-          </a:prstGeom>
-        </p:spPr>
-      </p:pic>
-      <p:pic>
-        <p:nvPicPr>
-          <p:cNvPr id="288" name="Picture 287"/>
-          <p:cNvPicPr>
-            <a:picLocks noChangeAspect="1"/>
-          </p:cNvPicPr>
-          <p:nvPr/>
-        </p:nvPicPr>
-        <p:blipFill>
-          <a:blip r:embed="rId15">
-            <a:lum bright="70000" contrast="-70000"/>
-            <a:extLst>
-              <a:ext uri="{28A0092B-C50C-407E-A947-70E740481C1C}">
-                <a14:useLocalDpi xmlns:a14="http://schemas.microsoft.com/office/drawing/2010/main" val="0"/>
-              </a:ext>
-            </a:extLst>
-          </a:blip>
-          <a:stretch>
-            <a:fillRect/>
-          </a:stretch>
-        </p:blipFill>
-        <p:spPr>
-          <a:xfrm>
-            <a:off x="2923629" y="2421599"/>
-            <a:ext cx="1219200" cy="1219200"/>
-          </a:xfrm>
-          <a:prstGeom prst="rect">
-            <a:avLst/>
-          </a:prstGeom>
-        </p:spPr>
-      </p:pic>
-      <p:pic>
-        <p:nvPicPr>
-          <p:cNvPr id="289" name="Picture 288"/>
-          <p:cNvPicPr>
-            <a:picLocks noChangeAspect="1"/>
-          </p:cNvPicPr>
-          <p:nvPr/>
-        </p:nvPicPr>
-        <p:blipFill>
-          <a:blip r:embed="rId16">
-            <a:lum bright="70000" contrast="-70000"/>
-            <a:extLst>
-              <a:ext uri="{28A0092B-C50C-407E-A947-70E740481C1C}">
-                <a14:useLocalDpi xmlns:a14="http://schemas.microsoft.com/office/drawing/2010/main" val="0"/>
-              </a:ext>
-            </a:extLst>
-          </a:blip>
-          <a:stretch>
-            <a:fillRect/>
-          </a:stretch>
-        </p:blipFill>
-        <p:spPr>
-          <a:xfrm>
-            <a:off x="4273229" y="2454485"/>
-            <a:ext cx="1219200" cy="1219200"/>
-          </a:xfrm>
-          <a:prstGeom prst="rect">
-            <a:avLst/>
-          </a:prstGeom>
-        </p:spPr>
-      </p:pic>
-      <p:pic>
-        <p:nvPicPr>
-          <p:cNvPr id="290" name="Picture 289"/>
-          <p:cNvPicPr>
-            <a:picLocks noChangeAspect="1"/>
-          </p:cNvPicPr>
-          <p:nvPr/>
-        </p:nvPicPr>
-        <p:blipFill>
-          <a:blip r:embed="rId17">
-            <a:lum bright="70000" contrast="-70000"/>
-            <a:extLst>
-              <a:ext uri="{28A0092B-C50C-407E-A947-70E740481C1C}">
-                <a14:useLocalDpi xmlns:a14="http://schemas.microsoft.com/office/drawing/2010/main" val="0"/>
-              </a:ext>
-            </a:extLst>
-          </a:blip>
-          <a:stretch>
-            <a:fillRect/>
-          </a:stretch>
-        </p:blipFill>
-        <p:spPr>
-          <a:xfrm>
-            <a:off x="1704429" y="2421599"/>
-            <a:ext cx="1219200" cy="1219200"/>
-          </a:xfrm>
-          <a:prstGeom prst="rect">
-            <a:avLst/>
-          </a:prstGeom>
-        </p:spPr>
-      </p:pic>
-      <p:pic>
-        <p:nvPicPr>
-          <p:cNvPr id="291" name="Picture 290"/>
-          <p:cNvPicPr>
-            <a:picLocks noChangeAspect="1"/>
-          </p:cNvPicPr>
-          <p:nvPr/>
-        </p:nvPicPr>
-        <p:blipFill>
-          <a:blip r:embed="rId18">
-            <a:lum bright="70000" contrast="-70000"/>
-            <a:extLst>
-              <a:ext uri="{28A0092B-C50C-407E-A947-70E740481C1C}">
-                <a14:useLocalDpi xmlns:a14="http://schemas.microsoft.com/office/drawing/2010/main" val="0"/>
-              </a:ext>
-            </a:extLst>
-          </a:blip>
-          <a:stretch>
-            <a:fillRect/>
-          </a:stretch>
-        </p:blipFill>
-        <p:spPr>
-          <a:xfrm>
-            <a:off x="6976800" y="2439628"/>
-            <a:ext cx="1219200" cy="1219200"/>
-          </a:xfrm>
-          <a:prstGeom prst="rect">
-            <a:avLst/>
-          </a:prstGeom>
-        </p:spPr>
-      </p:pic>
-      <p:pic>
-        <p:nvPicPr>
-          <p:cNvPr id="292" name="Picture 291"/>
-          <p:cNvPicPr>
-            <a:picLocks noChangeAspect="1"/>
-          </p:cNvPicPr>
-          <p:nvPr/>
-        </p:nvPicPr>
-        <p:blipFill>
-          <a:blip r:embed="rId19">
-            <a:lum bright="70000" contrast="-70000"/>
-            <a:extLst>
-              <a:ext uri="{28A0092B-C50C-407E-A947-70E740481C1C}">
-                <a14:useLocalDpi xmlns:a14="http://schemas.microsoft.com/office/drawing/2010/main" val="0"/>
-              </a:ext>
-            </a:extLst>
-          </a:blip>
-          <a:stretch>
-            <a:fillRect/>
-          </a:stretch>
-        </p:blipFill>
-        <p:spPr>
-          <a:xfrm>
-            <a:off x="5622829" y="2454485"/>
-            <a:ext cx="1219200" cy="1219200"/>
-          </a:xfrm>
-          <a:prstGeom prst="rect">
-            <a:avLst/>
-          </a:prstGeom>
-        </p:spPr>
-      </p:pic>
-      <p:pic>
-        <p:nvPicPr>
-          <p:cNvPr id="293" name="Picture 292"/>
-          <p:cNvPicPr>
-            <a:picLocks noChangeAspect="1"/>
-          </p:cNvPicPr>
-          <p:nvPr/>
-        </p:nvPicPr>
-        <p:blipFill>
-          <a:blip r:embed="rId20">
-            <a:lum bright="70000" contrast="-70000"/>
-            <a:extLst>
-              <a:ext uri="{28A0092B-C50C-407E-A947-70E740481C1C}">
-                <a14:useLocalDpi xmlns:a14="http://schemas.microsoft.com/office/drawing/2010/main" val="0"/>
-              </a:ext>
-            </a:extLst>
-          </a:blip>
-          <a:stretch>
-            <a:fillRect/>
-          </a:stretch>
-        </p:blipFill>
-        <p:spPr>
-          <a:xfrm>
-            <a:off x="8336400" y="2534314"/>
-            <a:ext cx="1219200" cy="1219200"/>
-          </a:xfrm>
-          <a:prstGeom prst="rect">
-            <a:avLst/>
-          </a:prstGeom>
-        </p:spPr>
-      </p:pic>
-      <p:pic>
-        <p:nvPicPr>
-          <p:cNvPr id="294" name="Picture 293"/>
-          <p:cNvPicPr>
-            <a:picLocks noChangeAspect="1"/>
-          </p:cNvPicPr>
-          <p:nvPr/>
-        </p:nvPicPr>
-        <p:blipFill>
-          <a:blip r:embed="rId21">
-            <a:lum bright="70000" contrast="-70000"/>
-            <a:extLst>
-              <a:ext uri="{28A0092B-C50C-407E-A947-70E740481C1C}">
-                <a14:useLocalDpi xmlns:a14="http://schemas.microsoft.com/office/drawing/2010/main" val="0"/>
-              </a:ext>
-            </a:extLst>
-          </a:blip>
-          <a:stretch>
-            <a:fillRect/>
-          </a:stretch>
-        </p:blipFill>
-        <p:spPr>
-          <a:xfrm>
-            <a:off x="1522829" y="3910656"/>
-            <a:ext cx="1219200" cy="1219200"/>
-          </a:xfrm>
-          <a:prstGeom prst="rect">
-            <a:avLst/>
-          </a:prstGeom>
-        </p:spPr>
-      </p:pic>
-      <p:pic>
-        <p:nvPicPr>
-          <p:cNvPr id="295" name="Picture 294"/>
-          <p:cNvPicPr>
-            <a:picLocks noChangeAspect="1"/>
-          </p:cNvPicPr>
-          <p:nvPr/>
-        </p:nvPicPr>
-        <p:blipFill>
-          <a:blip r:embed="rId22">
-            <a:lum bright="70000" contrast="-70000"/>
-            <a:extLst>
-              <a:ext uri="{28A0092B-C50C-407E-A947-70E740481C1C}">
-                <a14:useLocalDpi xmlns:a14="http://schemas.microsoft.com/office/drawing/2010/main" val="0"/>
-              </a:ext>
-            </a:extLst>
-          </a:blip>
-          <a:stretch>
-            <a:fillRect/>
-          </a:stretch>
-        </p:blipFill>
-        <p:spPr>
-          <a:xfrm>
-            <a:off x="303629" y="4021971"/>
-            <a:ext cx="1219200" cy="1219200"/>
-          </a:xfrm>
-          <a:prstGeom prst="rect">
-            <a:avLst/>
-          </a:prstGeom>
-        </p:spPr>
-      </p:pic>
-      <p:pic>
-        <p:nvPicPr>
-          <p:cNvPr id="296" name="Picture 295"/>
-          <p:cNvPicPr>
-            <a:picLocks noChangeAspect="1"/>
-          </p:cNvPicPr>
-          <p:nvPr/>
-        </p:nvPicPr>
-        <p:blipFill>
-          <a:blip r:embed="rId23">
-            <a:lum bright="70000" contrast="-70000"/>
-            <a:extLst>
-              <a:ext uri="{28A0092B-C50C-407E-A947-70E740481C1C}">
-                <a14:useLocalDpi xmlns:a14="http://schemas.microsoft.com/office/drawing/2010/main" val="0"/>
-              </a:ext>
-            </a:extLst>
-          </a:blip>
-          <a:stretch>
-            <a:fillRect/>
-          </a:stretch>
-        </p:blipFill>
-        <p:spPr>
-          <a:xfrm>
-            <a:off x="9762315" y="2534314"/>
-            <a:ext cx="1219200" cy="1219200"/>
-          </a:xfrm>
-          <a:prstGeom prst="rect">
-            <a:avLst/>
-          </a:prstGeom>
-        </p:spPr>
-      </p:pic>
-      <p:pic>
-        <p:nvPicPr>
-          <p:cNvPr id="297" name="Picture 296"/>
-          <p:cNvPicPr>
-            <a:picLocks noChangeAspect="1"/>
-          </p:cNvPicPr>
-          <p:nvPr/>
-        </p:nvPicPr>
-        <p:blipFill>
-          <a:blip r:embed="rId24">
-            <a:lum bright="70000" contrast="-70000"/>
-            <a:extLst>
-              <a:ext uri="{28A0092B-C50C-407E-A947-70E740481C1C}">
-                <a14:useLocalDpi xmlns:a14="http://schemas.microsoft.com/office/drawing/2010/main" val="0"/>
-              </a:ext>
-            </a:extLst>
-          </a:blip>
-          <a:stretch>
-            <a:fillRect/>
-          </a:stretch>
-        </p:blipFill>
-        <p:spPr>
-          <a:xfrm>
-            <a:off x="5998771" y="4004171"/>
-            <a:ext cx="1219200" cy="1219200"/>
-          </a:xfrm>
-          <a:prstGeom prst="rect">
-            <a:avLst/>
-          </a:prstGeom>
-        </p:spPr>
-      </p:pic>
-      <p:pic>
-        <p:nvPicPr>
-          <p:cNvPr id="298" name="Picture 297"/>
-          <p:cNvPicPr>
-            <a:picLocks noChangeAspect="1"/>
-          </p:cNvPicPr>
-          <p:nvPr/>
-        </p:nvPicPr>
-        <p:blipFill>
-          <a:blip r:embed="rId25">
-            <a:lum bright="70000" contrast="-70000"/>
-            <a:extLst>
-              <a:ext uri="{28A0092B-C50C-407E-A947-70E740481C1C}">
-                <a14:useLocalDpi xmlns:a14="http://schemas.microsoft.com/office/drawing/2010/main" val="0"/>
-              </a:ext>
-            </a:extLst>
-          </a:blip>
-          <a:stretch>
-            <a:fillRect/>
-          </a:stretch>
-        </p:blipFill>
-        <p:spPr>
-          <a:xfrm>
-            <a:off x="4526400" y="4021971"/>
-            <a:ext cx="1219200" cy="1219200"/>
-          </a:xfrm>
-          <a:prstGeom prst="rect">
-            <a:avLst/>
-          </a:prstGeom>
-        </p:spPr>
-      </p:pic>
-      <p:pic>
-        <p:nvPicPr>
-          <p:cNvPr id="299" name="Picture 298"/>
-          <p:cNvPicPr>
-            <a:picLocks noChangeAspect="1"/>
-          </p:cNvPicPr>
-          <p:nvPr/>
-        </p:nvPicPr>
-        <p:blipFill>
-          <a:blip r:embed="rId26">
-            <a:lum bright="70000" contrast="-70000"/>
-            <a:extLst>
-              <a:ext uri="{28A0092B-C50C-407E-A947-70E740481C1C}">
-                <a14:useLocalDpi xmlns:a14="http://schemas.microsoft.com/office/drawing/2010/main" val="0"/>
-              </a:ext>
-            </a:extLst>
-          </a:blip>
-          <a:stretch>
-            <a:fillRect/>
-          </a:stretch>
-        </p:blipFill>
-        <p:spPr>
-          <a:xfrm>
-            <a:off x="3054029" y="4021971"/>
-            <a:ext cx="1219200" cy="1219200"/>
-          </a:xfrm>
-          <a:prstGeom prst="rect">
-            <a:avLst/>
-          </a:prstGeom>
-        </p:spPr>
-      </p:pic>
-      <p:pic>
-        <p:nvPicPr>
-          <p:cNvPr id="300" name="Picture 299"/>
-          <p:cNvPicPr>
-            <a:picLocks noChangeAspect="1"/>
-          </p:cNvPicPr>
-          <p:nvPr/>
-        </p:nvPicPr>
-        <p:blipFill>
-          <a:blip r:embed="rId27">
-            <a:lum bright="70000" contrast="-70000"/>
-            <a:extLst>
-              <a:ext uri="{28A0092B-C50C-407E-A947-70E740481C1C}">
-                <a14:useLocalDpi xmlns:a14="http://schemas.microsoft.com/office/drawing/2010/main" val="0"/>
-              </a:ext>
-            </a:extLst>
-          </a:blip>
-          <a:stretch>
-            <a:fillRect/>
-          </a:stretch>
-        </p:blipFill>
-        <p:spPr>
-          <a:xfrm>
-            <a:off x="10221542" y="4145971"/>
-            <a:ext cx="1219200" cy="1219200"/>
-          </a:xfrm>
-          <a:prstGeom prst="rect">
-            <a:avLst/>
-          </a:prstGeom>
-        </p:spPr>
-      </p:pic>
-      <p:pic>
-        <p:nvPicPr>
-          <p:cNvPr id="301" name="Picture 300"/>
-          <p:cNvPicPr>
-            <a:picLocks noChangeAspect="1"/>
-          </p:cNvPicPr>
-          <p:nvPr/>
-        </p:nvPicPr>
-        <p:blipFill>
-          <a:blip r:embed="rId28">
-            <a:lum bright="70000" contrast="-70000"/>
-            <a:extLst>
-              <a:ext uri="{28A0092B-C50C-407E-A947-70E740481C1C}">
-                <a14:useLocalDpi xmlns:a14="http://schemas.microsoft.com/office/drawing/2010/main" val="0"/>
-              </a:ext>
-            </a:extLst>
-          </a:blip>
-          <a:stretch>
-            <a:fillRect/>
-          </a:stretch>
-        </p:blipFill>
-        <p:spPr>
-          <a:xfrm>
-            <a:off x="8858971" y="4120114"/>
-            <a:ext cx="1219200" cy="1219200"/>
-          </a:xfrm>
-          <a:prstGeom prst="rect">
-            <a:avLst/>
-          </a:prstGeom>
-        </p:spPr>
-      </p:pic>
-      <p:pic>
-        <p:nvPicPr>
-          <p:cNvPr id="302" name="Picture 301"/>
-          <p:cNvPicPr>
-            <a:picLocks noChangeAspect="1"/>
-          </p:cNvPicPr>
-          <p:nvPr/>
-        </p:nvPicPr>
-        <p:blipFill>
-          <a:blip r:embed="rId29">
-            <a:lum bright="70000" contrast="-70000"/>
-            <a:extLst>
-              <a:ext uri="{28A0092B-C50C-407E-A947-70E740481C1C}">
-                <a14:useLocalDpi xmlns:a14="http://schemas.microsoft.com/office/drawing/2010/main" val="0"/>
-              </a:ext>
-            </a:extLst>
-          </a:blip>
-          <a:stretch>
-            <a:fillRect/>
-          </a:stretch>
-        </p:blipFill>
-        <p:spPr>
-          <a:xfrm>
-            <a:off x="7471142" y="4120114"/>
-            <a:ext cx="1219200" cy="1219200"/>
-          </a:xfrm>
-          <a:prstGeom prst="rect">
-            <a:avLst/>
-          </a:prstGeom>
-        </p:spPr>
-      </p:pic>
+      <p:sp>
+        <p:nvSpPr>
+          <p:cNvPr id="7" name="Text Placeholder 6"/>
+          <p:cNvSpPr>
+            <a:spLocks noGrp="1"/>
+          </p:cNvSpPr>
+          <p:nvPr>
+            <p:ph type="body" idx="1"/>
+          </p:nvPr>
+        </p:nvSpPr>
+        <p:spPr/>
+        <p:txBody>
+          <a:bodyPr/>
+          <a:lstStyle/>
+          <a:p>
+            <a:r>
+              <a:rPr lang="en-US" dirty="0"/>
+              <a:t>Demo Title</a:t>
+            </a:r>
+          </a:p>
+        </p:txBody>
+      </p:sp>
     </p:spTree>
     <p:extLst>
       <p:ext uri="{BB962C8B-B14F-4D97-AF65-F5344CB8AC3E}">
-        <p14:creationId xmlns:p14="http://schemas.microsoft.com/office/powerpoint/2010/main" val="2451305448"/>
+        <p14:creationId xmlns:p14="http://schemas.microsoft.com/office/powerpoint/2010/main" val="3216050713"/>
       </p:ext>
     </p:extLst>
   </p:cSld>
@@ -14023,7 +13397,7 @@
       </p:grpSpPr>
       <p:pic>
         <p:nvPicPr>
-          <p:cNvPr id="2" name="Picture 1"/>
+          <p:cNvPr id="11" name="Picture 10"/>
           <p:cNvPicPr>
             <a:picLocks noChangeAspect="1"/>
           </p:cNvPicPr>
@@ -14031,30 +13405,29 @@
         </p:nvPicPr>
         <p:blipFill>
           <a:blip r:embed="rId2">
-            <a:lum bright="70000" contrast="-70000"/>
-            <a:extLst>
-              <a:ext uri="{28A0092B-C50C-407E-A947-70E740481C1C}">
-                <a14:useLocalDpi xmlns:a14="http://schemas.microsoft.com/office/drawing/2010/main" val="0"/>
-              </a:ext>
-            </a:extLst>
-          </a:blip>
-          <a:stretch>
-            <a:fillRect/>
-          </a:stretch>
-        </p:blipFill>
-        <p:spPr>
-          <a:xfrm>
-            <a:off x="322686" y="250829"/>
-            <a:ext cx="1219200" cy="1219200"/>
-          </a:xfrm>
-          <a:prstGeom prst="rect">
-            <a:avLst/>
-          </a:prstGeom>
-        </p:spPr>
-      </p:pic>
-      <p:pic>
-        <p:nvPicPr>
-          <p:cNvPr id="3" name="Picture 2"/>
+            <a:extLst>
+              <a:ext uri="{28A0092B-C50C-407E-A947-70E740481C1C}">
+                <a14:useLocalDpi xmlns:a14="http://schemas.microsoft.com/office/drawing/2010/main" val="0"/>
+              </a:ext>
+            </a:extLst>
+          </a:blip>
+          <a:stretch>
+            <a:fillRect/>
+          </a:stretch>
+        </p:blipFill>
+        <p:spPr>
+          <a:xfrm>
+            <a:off x="2207458" y="453313"/>
+            <a:ext cx="457200" cy="457200"/>
+          </a:xfrm>
+          <a:prstGeom prst="rect">
+            <a:avLst/>
+          </a:prstGeom>
+        </p:spPr>
+      </p:pic>
+      <p:pic>
+        <p:nvPicPr>
+          <p:cNvPr id="12" name="Picture 11"/>
           <p:cNvPicPr>
             <a:picLocks noChangeAspect="1"/>
           </p:cNvPicPr>
@@ -14062,30 +13435,29 @@
         </p:nvPicPr>
         <p:blipFill>
           <a:blip r:embed="rId3">
-            <a:lum bright="70000" contrast="-70000"/>
-            <a:extLst>
-              <a:ext uri="{28A0092B-C50C-407E-A947-70E740481C1C}">
-                <a14:useLocalDpi xmlns:a14="http://schemas.microsoft.com/office/drawing/2010/main" val="0"/>
-              </a:ext>
-            </a:extLst>
-          </a:blip>
-          <a:stretch>
-            <a:fillRect/>
-          </a:stretch>
-        </p:blipFill>
-        <p:spPr>
-          <a:xfrm>
-            <a:off x="1841371" y="306486"/>
-            <a:ext cx="1219200" cy="1219200"/>
-          </a:xfrm>
-          <a:prstGeom prst="rect">
-            <a:avLst/>
-          </a:prstGeom>
-        </p:spPr>
-      </p:pic>
-      <p:pic>
-        <p:nvPicPr>
-          <p:cNvPr id="4" name="Picture 3"/>
+            <a:extLst>
+              <a:ext uri="{28A0092B-C50C-407E-A947-70E740481C1C}">
+                <a14:useLocalDpi xmlns:a14="http://schemas.microsoft.com/office/drawing/2010/main" val="0"/>
+              </a:ext>
+            </a:extLst>
+          </a:blip>
+          <a:stretch>
+            <a:fillRect/>
+          </a:stretch>
+        </p:blipFill>
+        <p:spPr>
+          <a:xfrm>
+            <a:off x="1294229" y="453399"/>
+            <a:ext cx="457200" cy="457200"/>
+          </a:xfrm>
+          <a:prstGeom prst="rect">
+            <a:avLst/>
+          </a:prstGeom>
+        </p:spPr>
+      </p:pic>
+      <p:pic>
+        <p:nvPicPr>
+          <p:cNvPr id="13" name="Picture 12"/>
           <p:cNvPicPr>
             <a:picLocks noChangeAspect="1"/>
           </p:cNvPicPr>
@@ -14093,30 +13465,29 @@
         </p:nvPicPr>
         <p:blipFill>
           <a:blip r:embed="rId4">
-            <a:lum bright="70000" contrast="-70000"/>
-            <a:extLst>
-              <a:ext uri="{28A0092B-C50C-407E-A947-70E740481C1C}">
-                <a14:useLocalDpi xmlns:a14="http://schemas.microsoft.com/office/drawing/2010/main" val="0"/>
-              </a:ext>
-            </a:extLst>
-          </a:blip>
-          <a:stretch>
-            <a:fillRect/>
-          </a:stretch>
-        </p:blipFill>
-        <p:spPr>
-          <a:xfrm>
-            <a:off x="3360056" y="250829"/>
-            <a:ext cx="1219200" cy="1219200"/>
-          </a:xfrm>
-          <a:prstGeom prst="rect">
-            <a:avLst/>
-          </a:prstGeom>
-        </p:spPr>
-      </p:pic>
-      <p:pic>
-        <p:nvPicPr>
-          <p:cNvPr id="5" name="Picture 4"/>
+            <a:extLst>
+              <a:ext uri="{28A0092B-C50C-407E-A947-70E740481C1C}">
+                <a14:useLocalDpi xmlns:a14="http://schemas.microsoft.com/office/drawing/2010/main" val="0"/>
+              </a:ext>
+            </a:extLst>
+          </a:blip>
+          <a:stretch>
+            <a:fillRect/>
+          </a:stretch>
+        </p:blipFill>
+        <p:spPr>
+          <a:xfrm>
+            <a:off x="381000" y="453399"/>
+            <a:ext cx="457200" cy="457200"/>
+          </a:xfrm>
+          <a:prstGeom prst="rect">
+            <a:avLst/>
+          </a:prstGeom>
+        </p:spPr>
+      </p:pic>
+      <p:pic>
+        <p:nvPicPr>
+          <p:cNvPr id="15" name="Picture 14"/>
           <p:cNvPicPr>
             <a:picLocks noChangeAspect="1"/>
           </p:cNvPicPr>
@@ -14137,17 +13508,17 @@
         </p:blipFill>
         <p:spPr>
           <a:xfrm>
-            <a:off x="4878741" y="249715"/>
-            <a:ext cx="1219200" cy="1219200"/>
-          </a:xfrm>
-          <a:prstGeom prst="rect">
-            <a:avLst/>
-          </a:prstGeom>
-        </p:spPr>
-      </p:pic>
-      <p:pic>
-        <p:nvPicPr>
-          <p:cNvPr id="6" name="Picture 5"/>
+            <a:off x="303629" y="1070428"/>
+            <a:ext cx="1219200" cy="1219200"/>
+          </a:xfrm>
+          <a:prstGeom prst="rect">
+            <a:avLst/>
+          </a:prstGeom>
+        </p:spPr>
+      </p:pic>
+      <p:pic>
+        <p:nvPicPr>
+          <p:cNvPr id="279" name="Picture 278"/>
           <p:cNvPicPr>
             <a:picLocks noChangeAspect="1"/>
           </p:cNvPicPr>
@@ -14168,17 +13539,17 @@
         </p:blipFill>
         <p:spPr>
           <a:xfrm>
-            <a:off x="7736400" y="249715"/>
-            <a:ext cx="1219200" cy="1219200"/>
-          </a:xfrm>
-          <a:prstGeom prst="rect">
-            <a:avLst/>
-          </a:prstGeom>
-        </p:spPr>
-      </p:pic>
-      <p:pic>
-        <p:nvPicPr>
-          <p:cNvPr id="7" name="Picture 6"/>
+            <a:off x="2950029" y="1070428"/>
+            <a:ext cx="1219200" cy="1219200"/>
+          </a:xfrm>
+          <a:prstGeom prst="rect">
+            <a:avLst/>
+          </a:prstGeom>
+        </p:spPr>
+      </p:pic>
+      <p:pic>
+        <p:nvPicPr>
+          <p:cNvPr id="280" name="Picture 279"/>
           <p:cNvPicPr>
             <a:picLocks noChangeAspect="1"/>
           </p:cNvPicPr>
@@ -14199,17 +13570,17 @@
         </p:blipFill>
         <p:spPr>
           <a:xfrm>
-            <a:off x="6396057" y="249715"/>
-            <a:ext cx="1219200" cy="1219200"/>
-          </a:xfrm>
-          <a:prstGeom prst="rect">
-            <a:avLst/>
-          </a:prstGeom>
-        </p:spPr>
-      </p:pic>
-      <p:pic>
-        <p:nvPicPr>
-          <p:cNvPr id="8" name="Picture 7"/>
+            <a:off x="1626829" y="1070428"/>
+            <a:ext cx="1219200" cy="1219200"/>
+          </a:xfrm>
+          <a:prstGeom prst="rect">
+            <a:avLst/>
+          </a:prstGeom>
+        </p:spPr>
+      </p:pic>
+      <p:pic>
+        <p:nvPicPr>
+          <p:cNvPr id="281" name="Picture 280"/>
           <p:cNvPicPr>
             <a:picLocks noChangeAspect="1"/>
           </p:cNvPicPr>
@@ -14230,17 +13601,17 @@
         </p:blipFill>
         <p:spPr>
           <a:xfrm>
-            <a:off x="322686" y="1525686"/>
-            <a:ext cx="1219200" cy="1219200"/>
-          </a:xfrm>
-          <a:prstGeom prst="rect">
-            <a:avLst/>
-          </a:prstGeom>
-        </p:spPr>
-      </p:pic>
-      <p:pic>
-        <p:nvPicPr>
-          <p:cNvPr id="9" name="Picture 8"/>
+            <a:off x="5596429" y="1107999"/>
+            <a:ext cx="1219200" cy="1219200"/>
+          </a:xfrm>
+          <a:prstGeom prst="rect">
+            <a:avLst/>
+          </a:prstGeom>
+        </p:spPr>
+      </p:pic>
+      <p:pic>
+        <p:nvPicPr>
+          <p:cNvPr id="282" name="Picture 281"/>
           <p:cNvPicPr>
             <a:picLocks noChangeAspect="1"/>
           </p:cNvPicPr>
@@ -14261,17 +13632,17 @@
         </p:blipFill>
         <p:spPr>
           <a:xfrm>
-            <a:off x="9120229" y="275315"/>
-            <a:ext cx="1219200" cy="1219200"/>
-          </a:xfrm>
-          <a:prstGeom prst="rect">
-            <a:avLst/>
-          </a:prstGeom>
-        </p:spPr>
-      </p:pic>
-      <p:pic>
-        <p:nvPicPr>
-          <p:cNvPr id="10" name="Picture 9"/>
+            <a:off x="4273229" y="1070428"/>
+            <a:ext cx="1219200" cy="1219200"/>
+          </a:xfrm>
+          <a:prstGeom prst="rect">
+            <a:avLst/>
+          </a:prstGeom>
+        </p:spPr>
+      </p:pic>
+      <p:pic>
+        <p:nvPicPr>
+          <p:cNvPr id="283" name="Picture 282"/>
           <p:cNvPicPr>
             <a:picLocks noChangeAspect="1"/>
           </p:cNvPicPr>
@@ -14292,17 +13663,17 @@
         </p:blipFill>
         <p:spPr>
           <a:xfrm>
-            <a:off x="10460572" y="306486"/>
-            <a:ext cx="1219200" cy="1219200"/>
-          </a:xfrm>
-          <a:prstGeom prst="rect">
-            <a:avLst/>
-          </a:prstGeom>
-        </p:spPr>
-      </p:pic>
-      <p:pic>
-        <p:nvPicPr>
-          <p:cNvPr id="11" name="Picture 10"/>
+            <a:off x="6919629" y="1107999"/>
+            <a:ext cx="1219200" cy="1219200"/>
+          </a:xfrm>
+          <a:prstGeom prst="rect">
+            <a:avLst/>
+          </a:prstGeom>
+        </p:spPr>
+      </p:pic>
+      <p:pic>
+        <p:nvPicPr>
+          <p:cNvPr id="284" name="Picture 283"/>
           <p:cNvPicPr>
             <a:picLocks noChangeAspect="1"/>
           </p:cNvPicPr>
@@ -14323,17 +13694,17 @@
         </p:blipFill>
         <p:spPr>
           <a:xfrm>
-            <a:off x="3179485" y="1494515"/>
-            <a:ext cx="1219200" cy="1219200"/>
-          </a:xfrm>
-          <a:prstGeom prst="rect">
-            <a:avLst/>
-          </a:prstGeom>
-        </p:spPr>
-      </p:pic>
-      <p:pic>
-        <p:nvPicPr>
-          <p:cNvPr id="12" name="Picture 11"/>
+            <a:off x="9105600" y="1070428"/>
+            <a:ext cx="1219200" cy="1219200"/>
+          </a:xfrm>
+          <a:prstGeom prst="rect">
+            <a:avLst/>
+          </a:prstGeom>
+        </p:spPr>
+      </p:pic>
+      <p:pic>
+        <p:nvPicPr>
+          <p:cNvPr id="285" name="Picture 284"/>
           <p:cNvPicPr>
             <a:picLocks noChangeAspect="1"/>
           </p:cNvPicPr>
@@ -14354,17 +13725,17 @@
         </p:blipFill>
         <p:spPr>
           <a:xfrm>
-            <a:off x="1841371" y="1525686"/>
-            <a:ext cx="1219200" cy="1219200"/>
-          </a:xfrm>
-          <a:prstGeom prst="rect">
-            <a:avLst/>
-          </a:prstGeom>
-        </p:spPr>
-      </p:pic>
-      <p:pic>
-        <p:nvPicPr>
-          <p:cNvPr id="13" name="Picture 12"/>
+            <a:off x="7988286" y="1070428"/>
+            <a:ext cx="1219200" cy="1219200"/>
+          </a:xfrm>
+          <a:prstGeom prst="rect">
+            <a:avLst/>
+          </a:prstGeom>
+        </p:spPr>
+      </p:pic>
+      <p:pic>
+        <p:nvPicPr>
+          <p:cNvPr id="286" name="Picture 285"/>
           <p:cNvPicPr>
             <a:picLocks noChangeAspect="1"/>
           </p:cNvPicPr>
@@ -14385,17 +13756,17 @@
         </p:blipFill>
         <p:spPr>
           <a:xfrm>
-            <a:off x="4728943" y="1468915"/>
-            <a:ext cx="1219200" cy="1219200"/>
-          </a:xfrm>
-          <a:prstGeom prst="rect">
-            <a:avLst/>
-          </a:prstGeom>
-        </p:spPr>
-      </p:pic>
-      <p:pic>
-        <p:nvPicPr>
-          <p:cNvPr id="14" name="Picture 13"/>
+            <a:off x="303629" y="2185742"/>
+            <a:ext cx="1219200" cy="1219200"/>
+          </a:xfrm>
+          <a:prstGeom prst="rect">
+            <a:avLst/>
+          </a:prstGeom>
+        </p:spPr>
+      </p:pic>
+      <p:pic>
+        <p:nvPicPr>
+          <p:cNvPr id="287" name="Picture 286"/>
           <p:cNvPicPr>
             <a:picLocks noChangeAspect="1"/>
           </p:cNvPicPr>
@@ -14416,17 +13787,17 @@
         </p:blipFill>
         <p:spPr>
           <a:xfrm>
-            <a:off x="7809086" y="1525686"/>
-            <a:ext cx="1219200" cy="1219200"/>
-          </a:xfrm>
-          <a:prstGeom prst="rect">
-            <a:avLst/>
-          </a:prstGeom>
-        </p:spPr>
-      </p:pic>
-      <p:pic>
-        <p:nvPicPr>
-          <p:cNvPr id="15" name="Picture 14"/>
+            <a:off x="10484143" y="1070428"/>
+            <a:ext cx="1219200" cy="1219200"/>
+          </a:xfrm>
+          <a:prstGeom prst="rect">
+            <a:avLst/>
+          </a:prstGeom>
+        </p:spPr>
+      </p:pic>
+      <p:pic>
+        <p:nvPicPr>
+          <p:cNvPr id="288" name="Picture 287"/>
           <p:cNvPicPr>
             <a:picLocks noChangeAspect="1"/>
           </p:cNvPicPr>
@@ -14447,17 +13818,17 @@
         </p:blipFill>
         <p:spPr>
           <a:xfrm>
-            <a:off x="6376800" y="1525686"/>
-            <a:ext cx="1219200" cy="1219200"/>
-          </a:xfrm>
-          <a:prstGeom prst="rect">
-            <a:avLst/>
-          </a:prstGeom>
-        </p:spPr>
-      </p:pic>
-      <p:pic>
-        <p:nvPicPr>
-          <p:cNvPr id="16" name="Picture 15"/>
+            <a:off x="2923629" y="2421599"/>
+            <a:ext cx="1219200" cy="1219200"/>
+          </a:xfrm>
+          <a:prstGeom prst="rect">
+            <a:avLst/>
+          </a:prstGeom>
+        </p:spPr>
+      </p:pic>
+      <p:pic>
+        <p:nvPicPr>
+          <p:cNvPr id="289" name="Picture 288"/>
           <p:cNvPicPr>
             <a:picLocks noChangeAspect="1"/>
           </p:cNvPicPr>
@@ -14478,17 +13849,17 @@
         </p:blipFill>
         <p:spPr>
           <a:xfrm>
-            <a:off x="9237900" y="1525686"/>
-            <a:ext cx="1219200" cy="1219200"/>
-          </a:xfrm>
-          <a:prstGeom prst="rect">
-            <a:avLst/>
-          </a:prstGeom>
-        </p:spPr>
-      </p:pic>
-      <p:pic>
-        <p:nvPicPr>
-          <p:cNvPr id="17" name="Picture 16"/>
+            <a:off x="4273229" y="2454485"/>
+            <a:ext cx="1219200" cy="1219200"/>
+          </a:xfrm>
+          <a:prstGeom prst="rect">
+            <a:avLst/>
+          </a:prstGeom>
+        </p:spPr>
+      </p:pic>
+      <p:pic>
+        <p:nvPicPr>
+          <p:cNvPr id="290" name="Picture 289"/>
           <p:cNvPicPr>
             <a:picLocks noChangeAspect="1"/>
           </p:cNvPicPr>
@@ -14509,17 +13880,17 @@
         </p:blipFill>
         <p:spPr>
           <a:xfrm>
-            <a:off x="10404571" y="1519943"/>
-            <a:ext cx="1219200" cy="1219200"/>
-          </a:xfrm>
-          <a:prstGeom prst="rect">
-            <a:avLst/>
-          </a:prstGeom>
-        </p:spPr>
-      </p:pic>
-      <p:pic>
-        <p:nvPicPr>
-          <p:cNvPr id="18" name="Picture 17"/>
+            <a:off x="1704429" y="2421599"/>
+            <a:ext cx="1219200" cy="1219200"/>
+          </a:xfrm>
+          <a:prstGeom prst="rect">
+            <a:avLst/>
+          </a:prstGeom>
+        </p:spPr>
+      </p:pic>
+      <p:pic>
+        <p:nvPicPr>
+          <p:cNvPr id="291" name="Picture 290"/>
           <p:cNvPicPr>
             <a:picLocks noChangeAspect="1"/>
           </p:cNvPicPr>
@@ -14540,17 +13911,17 @@
         </p:blipFill>
         <p:spPr>
           <a:xfrm>
-            <a:off x="1841371" y="3030143"/>
-            <a:ext cx="1219200" cy="1219200"/>
-          </a:xfrm>
-          <a:prstGeom prst="rect">
-            <a:avLst/>
-          </a:prstGeom>
-        </p:spPr>
-      </p:pic>
-      <p:pic>
-        <p:nvPicPr>
-          <p:cNvPr id="19" name="Picture 18"/>
+            <a:off x="6976800" y="2439628"/>
+            <a:ext cx="1219200" cy="1219200"/>
+          </a:xfrm>
+          <a:prstGeom prst="rect">
+            <a:avLst/>
+          </a:prstGeom>
+        </p:spPr>
+      </p:pic>
+      <p:pic>
+        <p:nvPicPr>
+          <p:cNvPr id="292" name="Picture 291"/>
           <p:cNvPicPr>
             <a:picLocks noChangeAspect="1"/>
           </p:cNvPicPr>
@@ -14571,17 +13942,17 @@
         </p:blipFill>
         <p:spPr>
           <a:xfrm>
-            <a:off x="322686" y="3030143"/>
-            <a:ext cx="1219200" cy="1219200"/>
-          </a:xfrm>
-          <a:prstGeom prst="rect">
-            <a:avLst/>
-          </a:prstGeom>
-        </p:spPr>
-      </p:pic>
-      <p:pic>
-        <p:nvPicPr>
-          <p:cNvPr id="20" name="Picture 19"/>
+            <a:off x="5622829" y="2454485"/>
+            <a:ext cx="1219200" cy="1219200"/>
+          </a:xfrm>
+          <a:prstGeom prst="rect">
+            <a:avLst/>
+          </a:prstGeom>
+        </p:spPr>
+      </p:pic>
+      <p:pic>
+        <p:nvPicPr>
+          <p:cNvPr id="293" name="Picture 292"/>
           <p:cNvPicPr>
             <a:picLocks noChangeAspect="1"/>
           </p:cNvPicPr>
@@ -14602,17 +13973,17 @@
         </p:blipFill>
         <p:spPr>
           <a:xfrm>
-            <a:off x="4728943" y="3030143"/>
-            <a:ext cx="1219200" cy="1219200"/>
-          </a:xfrm>
-          <a:prstGeom prst="rect">
-            <a:avLst/>
-          </a:prstGeom>
-        </p:spPr>
-      </p:pic>
-      <p:pic>
-        <p:nvPicPr>
-          <p:cNvPr id="21" name="Picture 20"/>
+            <a:off x="8336400" y="2534314"/>
+            <a:ext cx="1219200" cy="1219200"/>
+          </a:xfrm>
+          <a:prstGeom prst="rect">
+            <a:avLst/>
+          </a:prstGeom>
+        </p:spPr>
+      </p:pic>
+      <p:pic>
+        <p:nvPicPr>
+          <p:cNvPr id="294" name="Picture 293"/>
           <p:cNvPicPr>
             <a:picLocks noChangeAspect="1"/>
           </p:cNvPicPr>
@@ -14633,17 +14004,17 @@
         </p:blipFill>
         <p:spPr>
           <a:xfrm>
-            <a:off x="3338570" y="3030143"/>
-            <a:ext cx="1219200" cy="1219200"/>
-          </a:xfrm>
-          <a:prstGeom prst="rect">
-            <a:avLst/>
-          </a:prstGeom>
-        </p:spPr>
-      </p:pic>
-      <p:pic>
-        <p:nvPicPr>
-          <p:cNvPr id="22" name="Picture 21"/>
+            <a:off x="1522829" y="3910656"/>
+            <a:ext cx="1219200" cy="1219200"/>
+          </a:xfrm>
+          <a:prstGeom prst="rect">
+            <a:avLst/>
+          </a:prstGeom>
+        </p:spPr>
+      </p:pic>
+      <p:pic>
+        <p:nvPicPr>
+          <p:cNvPr id="295" name="Picture 294"/>
           <p:cNvPicPr>
             <a:picLocks noChangeAspect="1"/>
           </p:cNvPicPr>
@@ -14664,17 +14035,17 @@
         </p:blipFill>
         <p:spPr>
           <a:xfrm>
-            <a:off x="1835343" y="4534600"/>
-            <a:ext cx="1219200" cy="1219200"/>
-          </a:xfrm>
-          <a:prstGeom prst="rect">
-            <a:avLst/>
-          </a:prstGeom>
-        </p:spPr>
-      </p:pic>
-      <p:pic>
-        <p:nvPicPr>
-          <p:cNvPr id="23" name="Picture 22"/>
+            <a:off x="303629" y="4021971"/>
+            <a:ext cx="1219200" cy="1219200"/>
+          </a:xfrm>
+          <a:prstGeom prst="rect">
+            <a:avLst/>
+          </a:prstGeom>
+        </p:spPr>
+      </p:pic>
+      <p:pic>
+        <p:nvPicPr>
+          <p:cNvPr id="296" name="Picture 295"/>
           <p:cNvPicPr>
             <a:picLocks noChangeAspect="1"/>
           </p:cNvPicPr>
@@ -14695,17 +14066,17 @@
         </p:blipFill>
         <p:spPr>
           <a:xfrm>
-            <a:off x="322686" y="4534600"/>
-            <a:ext cx="1219200" cy="1219200"/>
-          </a:xfrm>
-          <a:prstGeom prst="rect">
-            <a:avLst/>
-          </a:prstGeom>
-        </p:spPr>
-      </p:pic>
-      <p:pic>
-        <p:nvPicPr>
-          <p:cNvPr id="24" name="Picture 23"/>
+            <a:off x="9762315" y="2534314"/>
+            <a:ext cx="1219200" cy="1219200"/>
+          </a:xfrm>
+          <a:prstGeom prst="rect">
+            <a:avLst/>
+          </a:prstGeom>
+        </p:spPr>
+      </p:pic>
+      <p:pic>
+        <p:nvPicPr>
+          <p:cNvPr id="297" name="Picture 296"/>
           <p:cNvPicPr>
             <a:picLocks noChangeAspect="1"/>
           </p:cNvPicPr>
@@ -14726,17 +14097,17 @@
         </p:blipFill>
         <p:spPr>
           <a:xfrm>
-            <a:off x="6376800" y="3162943"/>
-            <a:ext cx="1219200" cy="1219200"/>
-          </a:xfrm>
-          <a:prstGeom prst="rect">
-            <a:avLst/>
-          </a:prstGeom>
-        </p:spPr>
-      </p:pic>
-      <p:pic>
-        <p:nvPicPr>
-          <p:cNvPr id="25" name="Picture 24"/>
+            <a:off x="5998771" y="4004171"/>
+            <a:ext cx="1219200" cy="1219200"/>
+          </a:xfrm>
+          <a:prstGeom prst="rect">
+            <a:avLst/>
+          </a:prstGeom>
+        </p:spPr>
+      </p:pic>
+      <p:pic>
+        <p:nvPicPr>
+          <p:cNvPr id="298" name="Picture 297"/>
           <p:cNvPicPr>
             <a:picLocks noChangeAspect="1"/>
           </p:cNvPicPr>
@@ -14757,17 +14128,17 @@
         </p:blipFill>
         <p:spPr>
           <a:xfrm>
-            <a:off x="10404571" y="3109800"/>
-            <a:ext cx="1219200" cy="1219200"/>
-          </a:xfrm>
-          <a:prstGeom prst="rect">
-            <a:avLst/>
-          </a:prstGeom>
-        </p:spPr>
-      </p:pic>
-      <p:pic>
-        <p:nvPicPr>
-          <p:cNvPr id="26" name="Picture 25"/>
+            <a:off x="4526400" y="4021971"/>
+            <a:ext cx="1219200" cy="1219200"/>
+          </a:xfrm>
+          <a:prstGeom prst="rect">
+            <a:avLst/>
+          </a:prstGeom>
+        </p:spPr>
+      </p:pic>
+      <p:pic>
+        <p:nvPicPr>
+          <p:cNvPr id="299" name="Picture 298"/>
           <p:cNvPicPr>
             <a:picLocks noChangeAspect="1"/>
           </p:cNvPicPr>
@@ -14788,17 +14159,17 @@
         </p:blipFill>
         <p:spPr>
           <a:xfrm>
-            <a:off x="3338570" y="4534600"/>
-            <a:ext cx="1219200" cy="1219200"/>
-          </a:xfrm>
-          <a:prstGeom prst="rect">
-            <a:avLst/>
-          </a:prstGeom>
-        </p:spPr>
-      </p:pic>
-      <p:pic>
-        <p:nvPicPr>
-          <p:cNvPr id="27" name="Picture 26"/>
+            <a:off x="3054029" y="4021971"/>
+            <a:ext cx="1219200" cy="1219200"/>
+          </a:xfrm>
+          <a:prstGeom prst="rect">
+            <a:avLst/>
+          </a:prstGeom>
+        </p:spPr>
+      </p:pic>
+      <p:pic>
+        <p:nvPicPr>
+          <p:cNvPr id="300" name="Picture 299"/>
           <p:cNvPicPr>
             <a:picLocks noChangeAspect="1"/>
           </p:cNvPicPr>
@@ -14819,17 +14190,17 @@
         </p:blipFill>
         <p:spPr>
           <a:xfrm>
-            <a:off x="4831171" y="4560286"/>
-            <a:ext cx="1219200" cy="1219200"/>
-          </a:xfrm>
-          <a:prstGeom prst="rect">
-            <a:avLst/>
-          </a:prstGeom>
-        </p:spPr>
-      </p:pic>
-      <p:pic>
-        <p:nvPicPr>
-          <p:cNvPr id="28" name="Picture 27"/>
+            <a:off x="10221542" y="4145971"/>
+            <a:ext cx="1219200" cy="1219200"/>
+          </a:xfrm>
+          <a:prstGeom prst="rect">
+            <a:avLst/>
+          </a:prstGeom>
+        </p:spPr>
+      </p:pic>
+      <p:pic>
+        <p:nvPicPr>
+          <p:cNvPr id="301" name="Picture 300"/>
           <p:cNvPicPr>
             <a:picLocks noChangeAspect="1"/>
           </p:cNvPicPr>
@@ -14850,17 +14221,17 @@
         </p:blipFill>
         <p:spPr>
           <a:xfrm>
-            <a:off x="9028286" y="4560286"/>
-            <a:ext cx="1219200" cy="1219200"/>
-          </a:xfrm>
-          <a:prstGeom prst="rect">
-            <a:avLst/>
-          </a:prstGeom>
-        </p:spPr>
-      </p:pic>
-      <p:pic>
-        <p:nvPicPr>
-          <p:cNvPr id="29" name="Picture 28"/>
+            <a:off x="8858971" y="4120114"/>
+            <a:ext cx="1219200" cy="1219200"/>
+          </a:xfrm>
+          <a:prstGeom prst="rect">
+            <a:avLst/>
+          </a:prstGeom>
+        </p:spPr>
+      </p:pic>
+      <p:pic>
+        <p:nvPicPr>
+          <p:cNvPr id="302" name="Picture 301"/>
           <p:cNvPicPr>
             <a:picLocks noChangeAspect="1"/>
           </p:cNvPicPr>
@@ -14881,38 +14252,7 @@
         </p:blipFill>
         <p:spPr>
           <a:xfrm>
-            <a:off x="8955600" y="3315400"/>
-            <a:ext cx="1219200" cy="1219200"/>
-          </a:xfrm>
-          <a:prstGeom prst="rect">
-            <a:avLst/>
-          </a:prstGeom>
-        </p:spPr>
-      </p:pic>
-      <p:pic>
-        <p:nvPicPr>
-          <p:cNvPr id="30" name="Picture 29"/>
-          <p:cNvPicPr>
-            <a:picLocks noChangeAspect="1"/>
-          </p:cNvPicPr>
-          <p:nvPr/>
-        </p:nvPicPr>
-        <p:blipFill>
-          <a:blip r:embed="rId30">
-            <a:lum bright="70000" contrast="-70000"/>
-            <a:extLst>
-              <a:ext uri="{28A0092B-C50C-407E-A947-70E740481C1C}">
-                <a14:useLocalDpi xmlns:a14="http://schemas.microsoft.com/office/drawing/2010/main" val="0"/>
-              </a:ext>
-            </a:extLst>
-          </a:blip>
-          <a:stretch>
-            <a:fillRect/>
-          </a:stretch>
-        </p:blipFill>
-        <p:spPr>
-          <a:xfrm>
-            <a:off x="10457100" y="4534600"/>
+            <a:off x="7471142" y="4120114"/>
             <a:ext cx="1219200" cy="1219200"/>
           </a:xfrm>
           <a:prstGeom prst="rect">
@@ -14923,7 +14263,7 @@
     </p:spTree>
     <p:extLst>
       <p:ext uri="{BB962C8B-B14F-4D97-AF65-F5344CB8AC3E}">
-        <p14:creationId xmlns:p14="http://schemas.microsoft.com/office/powerpoint/2010/main" val="823657930"/>
+        <p14:creationId xmlns:p14="http://schemas.microsoft.com/office/powerpoint/2010/main" val="2451305448"/>
       </p:ext>
     </p:extLst>
   </p:cSld>
@@ -14973,7 +14313,7 @@
         </p:blipFill>
         <p:spPr>
           <a:xfrm>
-            <a:off x="130628" y="359229"/>
+            <a:off x="322686" y="250829"/>
             <a:ext cx="1219200" cy="1219200"/>
           </a:xfrm>
           <a:prstGeom prst="rect">
@@ -15004,7 +14344,7 @@
         </p:blipFill>
         <p:spPr>
           <a:xfrm>
-            <a:off x="94399" y="4550571"/>
+            <a:off x="1841371" y="306486"/>
             <a:ext cx="1219200" cy="1219200"/>
           </a:xfrm>
           <a:prstGeom prst="rect">
@@ -15035,7 +14375,7 @@
         </p:blipFill>
         <p:spPr>
           <a:xfrm>
-            <a:off x="94399" y="3153457"/>
+            <a:off x="3360056" y="250829"/>
             <a:ext cx="1219200" cy="1219200"/>
           </a:xfrm>
           <a:prstGeom prst="rect">
@@ -15066,7 +14406,7 @@
         </p:blipFill>
         <p:spPr>
           <a:xfrm>
-            <a:off x="94399" y="1756343"/>
+            <a:off x="4878741" y="249715"/>
             <a:ext cx="1219200" cy="1219200"/>
           </a:xfrm>
           <a:prstGeom prst="rect">
@@ -15097,7 +14437,7 @@
         </p:blipFill>
         <p:spPr>
           <a:xfrm>
-            <a:off x="1652285" y="359229"/>
+            <a:off x="7736400" y="249715"/>
             <a:ext cx="1219200" cy="1219200"/>
           </a:xfrm>
           <a:prstGeom prst="rect">
@@ -15128,7 +14468,7 @@
         </p:blipFill>
         <p:spPr>
           <a:xfrm>
-            <a:off x="1652285" y="1756343"/>
+            <a:off x="6396057" y="249715"/>
             <a:ext cx="1219200" cy="1219200"/>
           </a:xfrm>
           <a:prstGeom prst="rect">
@@ -15159,7 +14499,7 @@
         </p:blipFill>
         <p:spPr>
           <a:xfrm>
-            <a:off x="1652285" y="4550571"/>
+            <a:off x="322686" y="1525686"/>
             <a:ext cx="1219200" cy="1219200"/>
           </a:xfrm>
           <a:prstGeom prst="rect">
@@ -15190,7 +14530,7 @@
         </p:blipFill>
         <p:spPr>
           <a:xfrm>
-            <a:off x="1613599" y="3153457"/>
+            <a:off x="9120229" y="275315"/>
             <a:ext cx="1219200" cy="1219200"/>
           </a:xfrm>
           <a:prstGeom prst="rect">
@@ -15221,7 +14561,7 @@
         </p:blipFill>
         <p:spPr>
           <a:xfrm>
-            <a:off x="3173942" y="1813229"/>
+            <a:off x="10460572" y="306486"/>
             <a:ext cx="1219200" cy="1219200"/>
           </a:xfrm>
           <a:prstGeom prst="rect">
@@ -15252,7 +14592,7 @@
         </p:blipFill>
         <p:spPr>
           <a:xfrm>
-            <a:off x="3173942" y="359229"/>
+            <a:off x="3179485" y="1494515"/>
             <a:ext cx="1219200" cy="1219200"/>
           </a:xfrm>
           <a:prstGeom prst="rect">
@@ -15283,7 +14623,7 @@
         </p:blipFill>
         <p:spPr>
           <a:xfrm>
-            <a:off x="3198342" y="3153457"/>
+            <a:off x="1841371" y="1525686"/>
             <a:ext cx="1219200" cy="1219200"/>
           </a:xfrm>
           <a:prstGeom prst="rect">
@@ -15314,7 +14654,7 @@
         </p:blipFill>
         <p:spPr>
           <a:xfrm>
-            <a:off x="3157485" y="4607457"/>
+            <a:off x="4728943" y="1468915"/>
             <a:ext cx="1219200" cy="1219200"/>
           </a:xfrm>
           <a:prstGeom prst="rect">
@@ -15345,7 +14685,7 @@
         </p:blipFill>
         <p:spPr>
           <a:xfrm>
-            <a:off x="4695599" y="1756343"/>
+            <a:off x="7809086" y="1525686"/>
             <a:ext cx="1219200" cy="1219200"/>
           </a:xfrm>
           <a:prstGeom prst="rect">
@@ -15376,7 +14716,7 @@
         </p:blipFill>
         <p:spPr>
           <a:xfrm>
-            <a:off x="4727399" y="360686"/>
+            <a:off x="6376800" y="1525686"/>
             <a:ext cx="1219200" cy="1219200"/>
           </a:xfrm>
           <a:prstGeom prst="rect">
@@ -15407,7 +14747,7 @@
         </p:blipFill>
         <p:spPr>
           <a:xfrm>
-            <a:off x="6280856" y="359229"/>
+            <a:off x="9237900" y="1525686"/>
             <a:ext cx="1219200" cy="1219200"/>
           </a:xfrm>
           <a:prstGeom prst="rect">
@@ -15438,7 +14778,7 @@
         </p:blipFill>
         <p:spPr>
           <a:xfrm>
-            <a:off x="4783085" y="3247857"/>
+            <a:off x="10404571" y="1519943"/>
             <a:ext cx="1219200" cy="1219200"/>
           </a:xfrm>
           <a:prstGeom prst="rect">
@@ -15469,7 +14809,7 @@
         </p:blipFill>
         <p:spPr>
           <a:xfrm>
-            <a:off x="4826685" y="4643514"/>
+            <a:off x="1841371" y="3030143"/>
             <a:ext cx="1219200" cy="1219200"/>
           </a:xfrm>
           <a:prstGeom prst="rect">
@@ -15500,7 +14840,7 @@
         </p:blipFill>
         <p:spPr>
           <a:xfrm>
-            <a:off x="6280856" y="3247857"/>
+            <a:off x="322686" y="3030143"/>
             <a:ext cx="1219200" cy="1219200"/>
           </a:xfrm>
           <a:prstGeom prst="rect">
@@ -15531,7 +14871,7 @@
         </p:blipFill>
         <p:spPr>
           <a:xfrm>
-            <a:off x="6217256" y="1813229"/>
+            <a:off x="4728943" y="3030143"/>
             <a:ext cx="1219200" cy="1219200"/>
           </a:xfrm>
           <a:prstGeom prst="rect">
@@ -15562,7 +14902,7 @@
         </p:blipFill>
         <p:spPr>
           <a:xfrm>
-            <a:off x="7804999" y="1938286"/>
+            <a:off x="3338570" y="3030143"/>
             <a:ext cx="1219200" cy="1219200"/>
           </a:xfrm>
           <a:prstGeom prst="rect">
@@ -15593,7 +14933,7 @@
         </p:blipFill>
         <p:spPr>
           <a:xfrm>
-            <a:off x="7804999" y="412829"/>
+            <a:off x="1835343" y="4534600"/>
             <a:ext cx="1219200" cy="1219200"/>
           </a:xfrm>
           <a:prstGeom prst="rect">
@@ -15624,7 +14964,7 @@
         </p:blipFill>
         <p:spPr>
           <a:xfrm>
-            <a:off x="6280856" y="4607457"/>
+            <a:off x="322686" y="4534600"/>
             <a:ext cx="1219200" cy="1219200"/>
           </a:xfrm>
           <a:prstGeom prst="rect">
@@ -15655,7 +14995,7 @@
         </p:blipFill>
         <p:spPr>
           <a:xfrm>
-            <a:off x="9324170" y="412829"/>
+            <a:off x="6376800" y="3162943"/>
             <a:ext cx="1219200" cy="1219200"/>
           </a:xfrm>
           <a:prstGeom prst="rect">
@@ -15686,7 +15026,7 @@
         </p:blipFill>
         <p:spPr>
           <a:xfrm>
-            <a:off x="7778627" y="3247857"/>
+            <a:off x="10404571" y="3109800"/>
             <a:ext cx="1219200" cy="1219200"/>
           </a:xfrm>
           <a:prstGeom prst="rect">
@@ -15717,7 +15057,7 @@
         </p:blipFill>
         <p:spPr>
           <a:xfrm>
-            <a:off x="7804999" y="4683628"/>
+            <a:off x="3338570" y="4534600"/>
             <a:ext cx="1219200" cy="1219200"/>
           </a:xfrm>
           <a:prstGeom prst="rect">
@@ -15748,7 +15088,7 @@
         </p:blipFill>
         <p:spPr>
           <a:xfrm>
-            <a:off x="9392742" y="3247857"/>
+            <a:off x="4831171" y="4560286"/>
             <a:ext cx="1219200" cy="1219200"/>
           </a:xfrm>
           <a:prstGeom prst="rect">
@@ -15779,7 +15119,69 @@
         </p:blipFill>
         <p:spPr>
           <a:xfrm>
-            <a:off x="9392742" y="1813229"/>
+            <a:off x="9028286" y="4560286"/>
+            <a:ext cx="1219200" cy="1219200"/>
+          </a:xfrm>
+          <a:prstGeom prst="rect">
+            <a:avLst/>
+          </a:prstGeom>
+        </p:spPr>
+      </p:pic>
+      <p:pic>
+        <p:nvPicPr>
+          <p:cNvPr id="29" name="Picture 28"/>
+          <p:cNvPicPr>
+            <a:picLocks noChangeAspect="1"/>
+          </p:cNvPicPr>
+          <p:nvPr/>
+        </p:nvPicPr>
+        <p:blipFill>
+          <a:blip r:embed="rId29">
+            <a:lum bright="70000" contrast="-70000"/>
+            <a:extLst>
+              <a:ext uri="{28A0092B-C50C-407E-A947-70E740481C1C}">
+                <a14:useLocalDpi xmlns:a14="http://schemas.microsoft.com/office/drawing/2010/main" val="0"/>
+              </a:ext>
+            </a:extLst>
+          </a:blip>
+          <a:stretch>
+            <a:fillRect/>
+          </a:stretch>
+        </p:blipFill>
+        <p:spPr>
+          <a:xfrm>
+            <a:off x="8955600" y="3315400"/>
+            <a:ext cx="1219200" cy="1219200"/>
+          </a:xfrm>
+          <a:prstGeom prst="rect">
+            <a:avLst/>
+          </a:prstGeom>
+        </p:spPr>
+      </p:pic>
+      <p:pic>
+        <p:nvPicPr>
+          <p:cNvPr id="30" name="Picture 29"/>
+          <p:cNvPicPr>
+            <a:picLocks noChangeAspect="1"/>
+          </p:cNvPicPr>
+          <p:nvPr/>
+        </p:nvPicPr>
+        <p:blipFill>
+          <a:blip r:embed="rId30">
+            <a:lum bright="70000" contrast="-70000"/>
+            <a:extLst>
+              <a:ext uri="{28A0092B-C50C-407E-A947-70E740481C1C}">
+                <a14:useLocalDpi xmlns:a14="http://schemas.microsoft.com/office/drawing/2010/main" val="0"/>
+              </a:ext>
+            </a:extLst>
+          </a:blip>
+          <a:stretch>
+            <a:fillRect/>
+          </a:stretch>
+        </p:blipFill>
+        <p:spPr>
+          <a:xfrm>
+            <a:off x="10457100" y="4534600"/>
             <a:ext cx="1219200" cy="1219200"/>
           </a:xfrm>
           <a:prstGeom prst="rect">
@@ -15790,7 +15192,7 @@
     </p:spTree>
     <p:extLst>
       <p:ext uri="{BB962C8B-B14F-4D97-AF65-F5344CB8AC3E}">
-        <p14:creationId xmlns:p14="http://schemas.microsoft.com/office/powerpoint/2010/main" val="3126433562"/>
+        <p14:creationId xmlns:p14="http://schemas.microsoft.com/office/powerpoint/2010/main" val="823657930"/>
       </p:ext>
     </p:extLst>
   </p:cSld>
@@ -15840,7 +15242,7 @@
         </p:blipFill>
         <p:spPr>
           <a:xfrm>
-            <a:off x="643486" y="520286"/>
+            <a:off x="130628" y="359229"/>
             <a:ext cx="1219200" cy="1219200"/>
           </a:xfrm>
           <a:prstGeom prst="rect">
@@ -15871,7 +15273,7 @@
         </p:blipFill>
         <p:spPr>
           <a:xfrm>
-            <a:off x="654401" y="3364486"/>
+            <a:off x="94399" y="4550571"/>
             <a:ext cx="1219200" cy="1219200"/>
           </a:xfrm>
           <a:prstGeom prst="rect">
@@ -15902,7 +15304,7 @@
         </p:blipFill>
         <p:spPr>
           <a:xfrm>
-            <a:off x="571600" y="4830522"/>
+            <a:off x="94399" y="3153457"/>
             <a:ext cx="1219200" cy="1219200"/>
           </a:xfrm>
           <a:prstGeom prst="rect">
@@ -15933,7 +15335,7 @@
         </p:blipFill>
         <p:spPr>
           <a:xfrm>
-            <a:off x="2286800" y="4852844"/>
+            <a:off x="94399" y="1756343"/>
             <a:ext cx="1219200" cy="1219200"/>
           </a:xfrm>
           <a:prstGeom prst="rect">
@@ -15964,7 +15366,7 @@
         </p:blipFill>
         <p:spPr>
           <a:xfrm>
-            <a:off x="2155658" y="3397482"/>
+            <a:off x="1652285" y="359229"/>
             <a:ext cx="1219200" cy="1219200"/>
           </a:xfrm>
           <a:prstGeom prst="rect">
@@ -15995,7 +15397,7 @@
         </p:blipFill>
         <p:spPr>
           <a:xfrm>
-            <a:off x="2303086" y="1959441"/>
+            <a:off x="1652285" y="1756343"/>
             <a:ext cx="1219200" cy="1219200"/>
           </a:xfrm>
           <a:prstGeom prst="rect">
@@ -16026,7 +15428,7 @@
         </p:blipFill>
         <p:spPr>
           <a:xfrm>
-            <a:off x="2303086" y="521400"/>
+            <a:off x="1652285" y="4550571"/>
             <a:ext cx="1219200" cy="1219200"/>
           </a:xfrm>
           <a:prstGeom prst="rect">
@@ -16057,7 +15459,7 @@
         </p:blipFill>
         <p:spPr>
           <a:xfrm>
-            <a:off x="3878400" y="4868530"/>
+            <a:off x="1613599" y="3153457"/>
             <a:ext cx="1219200" cy="1219200"/>
           </a:xfrm>
           <a:prstGeom prst="rect">
@@ -16088,7 +15490,7 @@
         </p:blipFill>
         <p:spPr>
           <a:xfrm>
-            <a:off x="3907314" y="3421143"/>
+            <a:off x="3173942" y="1813229"/>
             <a:ext cx="1219200" cy="1219200"/>
           </a:xfrm>
           <a:prstGeom prst="rect">
@@ -16119,7 +15521,7 @@
         </p:blipFill>
         <p:spPr>
           <a:xfrm>
-            <a:off x="3907314" y="1750200"/>
+            <a:off x="3173942" y="359229"/>
             <a:ext cx="1219200" cy="1219200"/>
           </a:xfrm>
           <a:prstGeom prst="rect">
@@ -16150,7 +15552,7 @@
         </p:blipFill>
         <p:spPr>
           <a:xfrm>
-            <a:off x="4074799" y="371400"/>
+            <a:off x="3198342" y="3153457"/>
             <a:ext cx="1219200" cy="1219200"/>
           </a:xfrm>
           <a:prstGeom prst="rect">
@@ -16181,7 +15583,7 @@
         </p:blipFill>
         <p:spPr>
           <a:xfrm>
-            <a:off x="5554400" y="4868530"/>
+            <a:off x="3157485" y="4607457"/>
             <a:ext cx="1219200" cy="1219200"/>
           </a:xfrm>
           <a:prstGeom prst="rect">
@@ -16212,7 +15614,7 @@
         </p:blipFill>
         <p:spPr>
           <a:xfrm>
-            <a:off x="5554400" y="3364486"/>
+            <a:off x="4695599" y="1756343"/>
             <a:ext cx="1219200" cy="1219200"/>
           </a:xfrm>
           <a:prstGeom prst="rect">
@@ -16243,7 +15645,7 @@
         </p:blipFill>
         <p:spPr>
           <a:xfrm>
-            <a:off x="5554400" y="1750200"/>
+            <a:off x="4727399" y="360686"/>
             <a:ext cx="1219200" cy="1219200"/>
           </a:xfrm>
           <a:prstGeom prst="rect">
@@ -16274,7 +15676,7 @@
         </p:blipFill>
         <p:spPr>
           <a:xfrm>
-            <a:off x="5734399" y="361800"/>
+            <a:off x="6280856" y="359229"/>
             <a:ext cx="1219200" cy="1219200"/>
           </a:xfrm>
           <a:prstGeom prst="rect">
@@ -16305,7 +15707,7 @@
         </p:blipFill>
         <p:spPr>
           <a:xfrm>
-            <a:off x="7228400" y="4868530"/>
+            <a:off x="4783085" y="3247857"/>
             <a:ext cx="1219200" cy="1219200"/>
           </a:xfrm>
           <a:prstGeom prst="rect">
@@ -16336,7 +15738,7 @@
         </p:blipFill>
         <p:spPr>
           <a:xfrm>
-            <a:off x="8984800" y="4872758"/>
+            <a:off x="4826685" y="4643514"/>
             <a:ext cx="1219200" cy="1219200"/>
           </a:xfrm>
           <a:prstGeom prst="rect">
@@ -16367,7 +15769,7 @@
         </p:blipFill>
         <p:spPr>
           <a:xfrm>
-            <a:off x="10576400" y="4872758"/>
+            <a:off x="6280856" y="3247857"/>
             <a:ext cx="1219200" cy="1219200"/>
           </a:xfrm>
           <a:prstGeom prst="rect">
@@ -16398,7 +15800,7 @@
         </p:blipFill>
         <p:spPr>
           <a:xfrm>
-            <a:off x="7337714" y="3421143"/>
+            <a:off x="6217256" y="1813229"/>
             <a:ext cx="1219200" cy="1219200"/>
           </a:xfrm>
           <a:prstGeom prst="rect">
@@ -16429,7 +15831,7 @@
         </p:blipFill>
         <p:spPr>
           <a:xfrm>
-            <a:off x="7337714" y="1791156"/>
+            <a:off x="7804999" y="1938286"/>
             <a:ext cx="1219200" cy="1219200"/>
           </a:xfrm>
           <a:prstGeom prst="rect">
@@ -16460,7 +15862,7 @@
         </p:blipFill>
         <p:spPr>
           <a:xfrm>
-            <a:off x="7337714" y="435085"/>
+            <a:off x="7804999" y="412829"/>
             <a:ext cx="1219200" cy="1219200"/>
           </a:xfrm>
           <a:prstGeom prst="rect">
@@ -16491,7 +15893,7 @@
         </p:blipFill>
         <p:spPr>
           <a:xfrm>
-            <a:off x="8953200" y="3384857"/>
+            <a:off x="6280856" y="4607457"/>
             <a:ext cx="1219200" cy="1219200"/>
           </a:xfrm>
           <a:prstGeom prst="rect">
@@ -16522,7 +15924,7 @@
         </p:blipFill>
         <p:spPr>
           <a:xfrm>
-            <a:off x="8984800" y="1816042"/>
+            <a:off x="9324170" y="412829"/>
             <a:ext cx="1219200" cy="1219200"/>
           </a:xfrm>
           <a:prstGeom prst="rect">
@@ -16553,7 +15955,7 @@
         </p:blipFill>
         <p:spPr>
           <a:xfrm>
-            <a:off x="10683085" y="3400200"/>
+            <a:off x="7778627" y="3247857"/>
             <a:ext cx="1219200" cy="1219200"/>
           </a:xfrm>
           <a:prstGeom prst="rect">
@@ -16584,7 +15986,7 @@
         </p:blipFill>
         <p:spPr>
           <a:xfrm>
-            <a:off x="8984800" y="326114"/>
+            <a:off x="7804999" y="4683628"/>
             <a:ext cx="1219200" cy="1219200"/>
           </a:xfrm>
           <a:prstGeom prst="rect">
@@ -16615,7 +16017,7 @@
         </p:blipFill>
         <p:spPr>
           <a:xfrm>
-            <a:off x="10504000" y="1927642"/>
+            <a:off x="9392742" y="3247857"/>
             <a:ext cx="1219200" cy="1219200"/>
           </a:xfrm>
           <a:prstGeom prst="rect">
@@ -16646,7 +16048,7 @@
         </p:blipFill>
         <p:spPr>
           <a:xfrm>
-            <a:off x="10504000" y="314828"/>
+            <a:off x="9392742" y="1813229"/>
             <a:ext cx="1219200" cy="1219200"/>
           </a:xfrm>
           <a:prstGeom prst="rect">
@@ -16657,7 +16059,7 @@
     </p:spTree>
     <p:extLst>
       <p:ext uri="{BB962C8B-B14F-4D97-AF65-F5344CB8AC3E}">
-        <p14:creationId xmlns:p14="http://schemas.microsoft.com/office/powerpoint/2010/main" val="399454265"/>
+        <p14:creationId xmlns:p14="http://schemas.microsoft.com/office/powerpoint/2010/main" val="3126433562"/>
       </p:ext>
     </p:extLst>
   </p:cSld>
@@ -16707,7 +16109,7 @@
         </p:blipFill>
         <p:spPr>
           <a:xfrm>
-            <a:off x="166914" y="286715"/>
+            <a:off x="643486" y="520286"/>
             <a:ext cx="1219200" cy="1219200"/>
           </a:xfrm>
           <a:prstGeom prst="rect">
@@ -16738,7 +16140,7 @@
         </p:blipFill>
         <p:spPr>
           <a:xfrm>
-            <a:off x="166914" y="4395429"/>
+            <a:off x="654401" y="3364486"/>
             <a:ext cx="1219200" cy="1219200"/>
           </a:xfrm>
           <a:prstGeom prst="rect">
@@ -16769,7 +16171,7 @@
         </p:blipFill>
         <p:spPr>
           <a:xfrm>
-            <a:off x="166914" y="3069944"/>
+            <a:off x="571600" y="4830522"/>
             <a:ext cx="1219200" cy="1219200"/>
           </a:xfrm>
           <a:prstGeom prst="rect">
@@ -16800,7 +16202,7 @@
         </p:blipFill>
         <p:spPr>
           <a:xfrm>
-            <a:off x="254057" y="1744459"/>
+            <a:off x="2286800" y="4852844"/>
             <a:ext cx="1219200" cy="1219200"/>
           </a:xfrm>
           <a:prstGeom prst="rect">
@@ -16831,7 +16233,7 @@
         </p:blipFill>
         <p:spPr>
           <a:xfrm>
-            <a:off x="2114343" y="1662173"/>
+            <a:off x="2155658" y="3397482"/>
             <a:ext cx="1219200" cy="1219200"/>
           </a:xfrm>
           <a:prstGeom prst="rect">
@@ -16862,7 +16264,7 @@
         </p:blipFill>
         <p:spPr>
           <a:xfrm>
-            <a:off x="2114343" y="286715"/>
+            <a:off x="2303086" y="1959441"/>
             <a:ext cx="1219200" cy="1219200"/>
           </a:xfrm>
           <a:prstGeom prst="rect">
@@ -16893,7 +16295,7 @@
         </p:blipFill>
         <p:spPr>
           <a:xfrm>
-            <a:off x="2114343" y="3037631"/>
+            <a:off x="2303086" y="521400"/>
             <a:ext cx="1219200" cy="1219200"/>
           </a:xfrm>
           <a:prstGeom prst="rect">
@@ -16924,7 +16326,7 @@
         </p:blipFill>
         <p:spPr>
           <a:xfrm>
-            <a:off x="3873029" y="286715"/>
+            <a:off x="3878400" y="4868530"/>
             <a:ext cx="1219200" cy="1219200"/>
           </a:xfrm>
           <a:prstGeom prst="rect">
@@ -16955,7 +16357,7 @@
         </p:blipFill>
         <p:spPr>
           <a:xfrm>
-            <a:off x="2040743" y="4414490"/>
+            <a:off x="3907314" y="3421143"/>
             <a:ext cx="1219200" cy="1219200"/>
           </a:xfrm>
           <a:prstGeom prst="rect">
@@ -16986,7 +16388,7 @@
         </p:blipFill>
         <p:spPr>
           <a:xfrm>
-            <a:off x="3733828" y="4505915"/>
+            <a:off x="3907314" y="1750200"/>
             <a:ext cx="1219200" cy="1219200"/>
           </a:xfrm>
           <a:prstGeom prst="rect">
@@ -17017,7 +16419,7 @@
         </p:blipFill>
         <p:spPr>
           <a:xfrm>
-            <a:off x="3873029" y="1636715"/>
+            <a:off x="4074799" y="371400"/>
             <a:ext cx="1219200" cy="1219200"/>
           </a:xfrm>
           <a:prstGeom prst="rect">
@@ -17048,7 +16450,7 @@
         </p:blipFill>
         <p:spPr>
           <a:xfrm>
-            <a:off x="3899200" y="3136715"/>
+            <a:off x="5554400" y="4868530"/>
             <a:ext cx="1219200" cy="1219200"/>
           </a:xfrm>
           <a:prstGeom prst="rect">
@@ -17079,7 +16481,7 @@
         </p:blipFill>
         <p:spPr>
           <a:xfrm>
-            <a:off x="7286457" y="286715"/>
+            <a:off x="5554400" y="3364486"/>
             <a:ext cx="1219200" cy="1219200"/>
           </a:xfrm>
           <a:prstGeom prst="rect">
@@ -17110,7 +16512,7 @@
         </p:blipFill>
         <p:spPr>
           <a:xfrm>
-            <a:off x="5634543" y="1636715"/>
+            <a:off x="5554400" y="1750200"/>
             <a:ext cx="1219200" cy="1219200"/>
           </a:xfrm>
           <a:prstGeom prst="rect">
@@ -17141,7 +16543,7 @@
         </p:blipFill>
         <p:spPr>
           <a:xfrm>
-            <a:off x="10680457" y="3202203"/>
+            <a:off x="5734399" y="361800"/>
             <a:ext cx="1219200" cy="1219200"/>
           </a:xfrm>
           <a:prstGeom prst="rect">
@@ -17172,7 +16574,7 @@
         </p:blipFill>
         <p:spPr>
           <a:xfrm>
-            <a:off x="9215543" y="1744459"/>
+            <a:off x="7228400" y="4868530"/>
             <a:ext cx="1219200" cy="1219200"/>
           </a:xfrm>
           <a:prstGeom prst="rect">
@@ -17203,7 +16605,7 @@
         </p:blipFill>
         <p:spPr>
           <a:xfrm>
-            <a:off x="7396057" y="1805915"/>
+            <a:off x="8984800" y="4872758"/>
             <a:ext cx="1219200" cy="1219200"/>
           </a:xfrm>
           <a:prstGeom prst="rect">
@@ -17234,7 +16636,7 @@
         </p:blipFill>
         <p:spPr>
           <a:xfrm>
-            <a:off x="9167543" y="286715"/>
+            <a:off x="10576400" y="4872758"/>
             <a:ext cx="1219200" cy="1219200"/>
           </a:xfrm>
           <a:prstGeom prst="rect">
@@ -17265,7 +16667,7 @@
         </p:blipFill>
         <p:spPr>
           <a:xfrm>
-            <a:off x="10680457" y="1744459"/>
+            <a:off x="7337714" y="3421143"/>
             <a:ext cx="1219200" cy="1219200"/>
           </a:xfrm>
           <a:prstGeom prst="rect">
@@ -17296,7 +16698,7 @@
         </p:blipFill>
         <p:spPr>
           <a:xfrm>
-            <a:off x="10680457" y="286715"/>
+            <a:off x="7337714" y="1791156"/>
             <a:ext cx="1219200" cy="1219200"/>
           </a:xfrm>
           <a:prstGeom prst="rect">
@@ -17327,7 +16729,7 @@
         </p:blipFill>
         <p:spPr>
           <a:xfrm>
-            <a:off x="7396057" y="3202203"/>
+            <a:off x="7337714" y="435085"/>
             <a:ext cx="1219200" cy="1219200"/>
           </a:xfrm>
           <a:prstGeom prst="rect">
@@ -17358,7 +16760,7 @@
         </p:blipFill>
         <p:spPr>
           <a:xfrm>
-            <a:off x="9285314" y="3202203"/>
+            <a:off x="8953200" y="3384857"/>
             <a:ext cx="1219200" cy="1219200"/>
           </a:xfrm>
           <a:prstGeom prst="rect">
@@ -17389,7 +16791,7 @@
         </p:blipFill>
         <p:spPr>
           <a:xfrm>
-            <a:off x="7396057" y="4665515"/>
+            <a:off x="8984800" y="1816042"/>
             <a:ext cx="1219200" cy="1219200"/>
           </a:xfrm>
           <a:prstGeom prst="rect">
@@ -17420,7 +16822,7 @@
         </p:blipFill>
         <p:spPr>
           <a:xfrm>
-            <a:off x="9279343" y="4665515"/>
+            <a:off x="10683085" y="3400200"/>
             <a:ext cx="1219200" cy="1219200"/>
           </a:xfrm>
           <a:prstGeom prst="rect">
@@ -17451,7 +16853,7 @@
         </p:blipFill>
         <p:spPr>
           <a:xfrm>
-            <a:off x="10694114" y="4665515"/>
+            <a:off x="8984800" y="326114"/>
             <a:ext cx="1219200" cy="1219200"/>
           </a:xfrm>
           <a:prstGeom prst="rect">
@@ -17482,7 +16884,7 @@
         </p:blipFill>
         <p:spPr>
           <a:xfrm>
-            <a:off x="5634543" y="3176229"/>
+            <a:off x="10504000" y="1927642"/>
             <a:ext cx="1219200" cy="1219200"/>
           </a:xfrm>
           <a:prstGeom prst="rect">
@@ -17513,7 +16915,7 @@
         </p:blipFill>
         <p:spPr>
           <a:xfrm>
-            <a:off x="5634543" y="286715"/>
+            <a:off x="10504000" y="314828"/>
             <a:ext cx="1219200" cy="1219200"/>
           </a:xfrm>
           <a:prstGeom prst="rect">
@@ -17524,7 +16926,7 @@
     </p:spTree>
     <p:extLst>
       <p:ext uri="{BB962C8B-B14F-4D97-AF65-F5344CB8AC3E}">
-        <p14:creationId xmlns:p14="http://schemas.microsoft.com/office/powerpoint/2010/main" val="3324423259"/>
+        <p14:creationId xmlns:p14="http://schemas.microsoft.com/office/powerpoint/2010/main" val="399454265"/>
       </p:ext>
     </p:extLst>
   </p:cSld>
@@ -17574,7 +16976,7 @@
         </p:blipFill>
         <p:spPr>
           <a:xfrm>
-            <a:off x="2066300" y="4482743"/>
+            <a:off x="166914" y="286715"/>
             <a:ext cx="1219200" cy="1219200"/>
           </a:xfrm>
           <a:prstGeom prst="rect">
@@ -17605,7 +17007,7 @@
         </p:blipFill>
         <p:spPr>
           <a:xfrm>
-            <a:off x="3544387" y="3100200"/>
+            <a:off x="166914" y="4395429"/>
             <a:ext cx="1219200" cy="1219200"/>
           </a:xfrm>
           <a:prstGeom prst="rect">
@@ -17636,7 +17038,7 @@
         </p:blipFill>
         <p:spPr>
           <a:xfrm>
-            <a:off x="1959644" y="3077257"/>
+            <a:off x="166914" y="3069944"/>
             <a:ext cx="1219200" cy="1219200"/>
           </a:xfrm>
           <a:prstGeom prst="rect">
@@ -17667,7 +17069,7 @@
         </p:blipFill>
         <p:spPr>
           <a:xfrm>
-            <a:off x="220687" y="3077257"/>
+            <a:off x="254057" y="1744459"/>
             <a:ext cx="1219200" cy="1219200"/>
           </a:xfrm>
           <a:prstGeom prst="rect">
@@ -17698,7 +17100,7 @@
         </p:blipFill>
         <p:spPr>
           <a:xfrm>
-            <a:off x="252087" y="4629000"/>
+            <a:off x="2114343" y="1662173"/>
             <a:ext cx="1219200" cy="1219200"/>
           </a:xfrm>
           <a:prstGeom prst="rect">
@@ -17729,7 +17131,7 @@
         </p:blipFill>
         <p:spPr>
           <a:xfrm>
-            <a:off x="1959644" y="1565771"/>
+            <a:off x="2114343" y="286715"/>
             <a:ext cx="1219200" cy="1219200"/>
           </a:xfrm>
           <a:prstGeom prst="rect">
@@ -17760,7 +17162,7 @@
         </p:blipFill>
         <p:spPr>
           <a:xfrm>
-            <a:off x="3652987" y="4539457"/>
+            <a:off x="2114343" y="3037631"/>
             <a:ext cx="1219200" cy="1219200"/>
           </a:xfrm>
           <a:prstGeom prst="rect">
@@ -17791,7 +17193,7 @@
         </p:blipFill>
         <p:spPr>
           <a:xfrm>
-            <a:off x="2066300" y="346571"/>
+            <a:off x="3873029" y="286715"/>
             <a:ext cx="1219200" cy="1219200"/>
           </a:xfrm>
           <a:prstGeom prst="rect">
@@ -17822,7 +17224,7 @@
         </p:blipFill>
         <p:spPr>
           <a:xfrm>
-            <a:off x="5317644" y="358887"/>
+            <a:off x="2040743" y="4414490"/>
             <a:ext cx="1219200" cy="1219200"/>
           </a:xfrm>
           <a:prstGeom prst="rect">
@@ -17853,7 +17255,7 @@
         </p:blipFill>
         <p:spPr>
           <a:xfrm>
-            <a:off x="3638644" y="1685343"/>
+            <a:off x="3733828" y="4505915"/>
             <a:ext cx="1219200" cy="1219200"/>
           </a:xfrm>
           <a:prstGeom prst="rect">
@@ -17884,7 +17286,7 @@
         </p:blipFill>
         <p:spPr>
           <a:xfrm>
-            <a:off x="3638644" y="368315"/>
+            <a:off x="3873029" y="1636715"/>
             <a:ext cx="1219200" cy="1219200"/>
           </a:xfrm>
           <a:prstGeom prst="rect">
@@ -17915,7 +17317,7 @@
         </p:blipFill>
         <p:spPr>
           <a:xfrm>
-            <a:off x="5317644" y="4609800"/>
+            <a:off x="3899200" y="3136715"/>
             <a:ext cx="1219200" cy="1219200"/>
           </a:xfrm>
           <a:prstGeom prst="rect">
@@ -17946,7 +17348,7 @@
         </p:blipFill>
         <p:spPr>
           <a:xfrm>
-            <a:off x="5317644" y="1823228"/>
+            <a:off x="7286457" y="286715"/>
             <a:ext cx="1219200" cy="1219200"/>
           </a:xfrm>
           <a:prstGeom prst="rect">
@@ -17977,7 +17379,7 @@
         </p:blipFill>
         <p:spPr>
           <a:xfrm>
-            <a:off x="5317644" y="3208114"/>
+            <a:off x="5634543" y="1636715"/>
             <a:ext cx="1219200" cy="1219200"/>
           </a:xfrm>
           <a:prstGeom prst="rect">
@@ -18008,7 +17410,7 @@
         </p:blipFill>
         <p:spPr>
           <a:xfrm>
-            <a:off x="7078800" y="368315"/>
+            <a:off x="10680457" y="3202203"/>
             <a:ext cx="1219200" cy="1219200"/>
           </a:xfrm>
           <a:prstGeom prst="rect">
@@ -18039,7 +17441,7 @@
         </p:blipFill>
         <p:spPr>
           <a:xfrm>
-            <a:off x="7129600" y="1793142"/>
+            <a:off x="9215543" y="1744459"/>
             <a:ext cx="1219200" cy="1219200"/>
           </a:xfrm>
           <a:prstGeom prst="rect">
@@ -18070,7 +17472,7 @@
         </p:blipFill>
         <p:spPr>
           <a:xfrm>
-            <a:off x="7129600" y="3320257"/>
+            <a:off x="7396057" y="1805915"/>
             <a:ext cx="1219200" cy="1219200"/>
           </a:xfrm>
           <a:prstGeom prst="rect">
@@ -18101,7 +17503,7 @@
         </p:blipFill>
         <p:spPr>
           <a:xfrm>
-            <a:off x="7192200" y="4609800"/>
+            <a:off x="9167543" y="286715"/>
             <a:ext cx="1219200" cy="1219200"/>
           </a:xfrm>
           <a:prstGeom prst="rect">
@@ -18132,7 +17534,7 @@
         </p:blipFill>
         <p:spPr>
           <a:xfrm>
-            <a:off x="8757800" y="466143"/>
+            <a:off x="10680457" y="1744459"/>
             <a:ext cx="1219200" cy="1219200"/>
           </a:xfrm>
           <a:prstGeom prst="rect">
@@ -18163,7 +17565,7 @@
         </p:blipFill>
         <p:spPr>
           <a:xfrm>
-            <a:off x="8736429" y="3349857"/>
+            <a:off x="10680457" y="286715"/>
             <a:ext cx="1219200" cy="1219200"/>
           </a:xfrm>
           <a:prstGeom prst="rect">
@@ -18194,7 +17596,7 @@
         </p:blipFill>
         <p:spPr>
           <a:xfrm>
-            <a:off x="8786400" y="1865429"/>
+            <a:off x="7396057" y="3202203"/>
             <a:ext cx="1219200" cy="1219200"/>
           </a:xfrm>
           <a:prstGeom prst="rect">
@@ -18225,7 +17627,7 @@
         </p:blipFill>
         <p:spPr>
           <a:xfrm>
-            <a:off x="8729630" y="4750200"/>
+            <a:off x="9285314" y="3202203"/>
             <a:ext cx="1219200" cy="1219200"/>
           </a:xfrm>
           <a:prstGeom prst="rect">
@@ -18256,7 +17658,7 @@
         </p:blipFill>
         <p:spPr>
           <a:xfrm>
-            <a:off x="10436800" y="3320257"/>
+            <a:off x="7396057" y="4665515"/>
             <a:ext cx="1219200" cy="1219200"/>
           </a:xfrm>
           <a:prstGeom prst="rect">
@@ -18287,7 +17689,7 @@
         </p:blipFill>
         <p:spPr>
           <a:xfrm>
-            <a:off x="10525357" y="1988914"/>
+            <a:off x="9279343" y="4665515"/>
             <a:ext cx="1219200" cy="1219200"/>
           </a:xfrm>
           <a:prstGeom prst="rect">
@@ -18318,7 +17720,7 @@
         </p:blipFill>
         <p:spPr>
           <a:xfrm>
-            <a:off x="10436800" y="466143"/>
+            <a:off x="10694114" y="4665515"/>
             <a:ext cx="1219200" cy="1219200"/>
           </a:xfrm>
           <a:prstGeom prst="rect">
@@ -18349,7 +17751,7 @@
         </p:blipFill>
         <p:spPr>
           <a:xfrm>
-            <a:off x="249658" y="1685343"/>
+            <a:off x="5634543" y="3176229"/>
             <a:ext cx="1219200" cy="1219200"/>
           </a:xfrm>
           <a:prstGeom prst="rect">
@@ -18380,7 +17782,7 @@
         </p:blipFill>
         <p:spPr>
           <a:xfrm>
-            <a:off x="249658" y="325857"/>
+            <a:off x="5634543" y="286715"/>
             <a:ext cx="1219200" cy="1219200"/>
           </a:xfrm>
           <a:prstGeom prst="rect">
@@ -18391,7 +17793,7 @@
     </p:spTree>
     <p:extLst>
       <p:ext uri="{BB962C8B-B14F-4D97-AF65-F5344CB8AC3E}">
-        <p14:creationId xmlns:p14="http://schemas.microsoft.com/office/powerpoint/2010/main" val="438152526"/>
+        <p14:creationId xmlns:p14="http://schemas.microsoft.com/office/powerpoint/2010/main" val="3324423259"/>
       </p:ext>
     </p:extLst>
   </p:cSld>
@@ -18441,7 +17843,7 @@
         </p:blipFill>
         <p:spPr>
           <a:xfrm>
-            <a:off x="297543" y="293914"/>
+            <a:off x="2066300" y="4482743"/>
             <a:ext cx="1219200" cy="1219200"/>
           </a:xfrm>
           <a:prstGeom prst="rect">
@@ -18472,7 +17874,7 @@
         </p:blipFill>
         <p:spPr>
           <a:xfrm>
-            <a:off x="297543" y="1670372"/>
+            <a:off x="3544387" y="3100200"/>
             <a:ext cx="1219200" cy="1219200"/>
           </a:xfrm>
           <a:prstGeom prst="rect">
@@ -18503,7 +17905,7 @@
         </p:blipFill>
         <p:spPr>
           <a:xfrm>
-            <a:off x="375086" y="4580546"/>
+            <a:off x="1959644" y="3077257"/>
             <a:ext cx="1219200" cy="1219200"/>
           </a:xfrm>
           <a:prstGeom prst="rect">
@@ -18534,7 +17936,7 @@
         </p:blipFill>
         <p:spPr>
           <a:xfrm>
-            <a:off x="355657" y="3046830"/>
+            <a:off x="220687" y="3077257"/>
             <a:ext cx="1219200" cy="1219200"/>
           </a:xfrm>
           <a:prstGeom prst="rect">
@@ -18565,7 +17967,7 @@
         </p:blipFill>
         <p:spPr>
           <a:xfrm>
-            <a:off x="2065943" y="219000"/>
+            <a:off x="252087" y="4629000"/>
             <a:ext cx="1219200" cy="1219200"/>
           </a:xfrm>
           <a:prstGeom prst="rect">
@@ -18596,7 +17998,7 @@
         </p:blipFill>
         <p:spPr>
           <a:xfrm>
-            <a:off x="2065943" y="3100200"/>
+            <a:off x="1959644" y="1565771"/>
             <a:ext cx="1219200" cy="1219200"/>
           </a:xfrm>
           <a:prstGeom prst="rect">
@@ -18627,7 +18029,7 @@
         </p:blipFill>
         <p:spPr>
           <a:xfrm>
-            <a:off x="1974058" y="1670372"/>
+            <a:off x="3652987" y="4539457"/>
             <a:ext cx="1219200" cy="1219200"/>
           </a:xfrm>
           <a:prstGeom prst="rect">
@@ -18658,7 +18060,7 @@
         </p:blipFill>
         <p:spPr>
           <a:xfrm>
-            <a:off x="2030971" y="4594343"/>
+            <a:off x="2066300" y="346571"/>
             <a:ext cx="1219200" cy="1219200"/>
           </a:xfrm>
           <a:prstGeom prst="rect">
@@ -18689,7 +18091,7 @@
         </p:blipFill>
         <p:spPr>
           <a:xfrm>
-            <a:off x="3834343" y="219000"/>
+            <a:off x="5317644" y="358887"/>
             <a:ext cx="1219200" cy="1219200"/>
           </a:xfrm>
           <a:prstGeom prst="rect">
@@ -18720,7 +18122,7 @@
         </p:blipFill>
         <p:spPr>
           <a:xfrm>
-            <a:off x="3939743" y="4580546"/>
+            <a:off x="3638644" y="1685343"/>
             <a:ext cx="1219200" cy="1219200"/>
           </a:xfrm>
           <a:prstGeom prst="rect">
@@ -18751,7 +18153,7 @@
         </p:blipFill>
         <p:spPr>
           <a:xfrm>
-            <a:off x="3894857" y="1708115"/>
+            <a:off x="3638644" y="368315"/>
             <a:ext cx="1219200" cy="1219200"/>
           </a:xfrm>
           <a:prstGeom prst="rect">
@@ -18782,7 +18184,7 @@
         </p:blipFill>
         <p:spPr>
           <a:xfrm>
-            <a:off x="3941886" y="3046830"/>
+            <a:off x="5317644" y="4609800"/>
             <a:ext cx="1219200" cy="1219200"/>
           </a:xfrm>
           <a:prstGeom prst="rect">
@@ -18813,7 +18215,7 @@
         </p:blipFill>
         <p:spPr>
           <a:xfrm>
-            <a:off x="5571372" y="1767343"/>
+            <a:off x="5317644" y="1823228"/>
             <a:ext cx="1219200" cy="1219200"/>
           </a:xfrm>
           <a:prstGeom prst="rect">
@@ -18844,7 +18246,7 @@
         </p:blipFill>
         <p:spPr>
           <a:xfrm>
-            <a:off x="5602743" y="293914"/>
+            <a:off x="5317644" y="3208114"/>
             <a:ext cx="1219200" cy="1219200"/>
           </a:xfrm>
           <a:prstGeom prst="rect">
@@ -18875,7 +18277,7 @@
         </p:blipFill>
         <p:spPr>
           <a:xfrm>
-            <a:off x="5571372" y="3240772"/>
+            <a:off x="7078800" y="368315"/>
             <a:ext cx="1219200" cy="1219200"/>
           </a:xfrm>
           <a:prstGeom prst="rect">
@@ -18906,7 +18308,7 @@
         </p:blipFill>
         <p:spPr>
           <a:xfrm>
-            <a:off x="7117200" y="388543"/>
+            <a:off x="7129600" y="1793142"/>
             <a:ext cx="1219200" cy="1219200"/>
           </a:xfrm>
           <a:prstGeom prst="rect">
@@ -18937,7 +18339,7 @@
         </p:blipFill>
         <p:spPr>
           <a:xfrm>
-            <a:off x="7211944" y="1819487"/>
+            <a:off x="7129600" y="3320257"/>
             <a:ext cx="1219200" cy="1219200"/>
           </a:xfrm>
           <a:prstGeom prst="rect">
@@ -18968,7 +18370,7 @@
         </p:blipFill>
         <p:spPr>
           <a:xfrm>
-            <a:off x="5624857" y="4609800"/>
+            <a:off x="7192200" y="4609800"/>
             <a:ext cx="1219200" cy="1219200"/>
           </a:xfrm>
           <a:prstGeom prst="rect">
@@ -18999,7 +18401,7 @@
         </p:blipFill>
         <p:spPr>
           <a:xfrm>
-            <a:off x="7284514" y="3295545"/>
+            <a:off x="8757800" y="466143"/>
             <a:ext cx="1219200" cy="1219200"/>
           </a:xfrm>
           <a:prstGeom prst="rect">
@@ -19030,7 +18432,7 @@
         </p:blipFill>
         <p:spPr>
           <a:xfrm>
-            <a:off x="7309971" y="4675172"/>
+            <a:off x="8736429" y="3349857"/>
             <a:ext cx="1219200" cy="1219200"/>
           </a:xfrm>
           <a:prstGeom prst="rect">
@@ -19061,7 +18463,7 @@
         </p:blipFill>
         <p:spPr>
           <a:xfrm>
-            <a:off x="8636400" y="399829"/>
+            <a:off x="8786400" y="1865429"/>
             <a:ext cx="1219200" cy="1219200"/>
           </a:xfrm>
           <a:prstGeom prst="rect">
@@ -19092,7 +18494,7 @@
         </p:blipFill>
         <p:spPr>
           <a:xfrm>
-            <a:off x="10392629" y="488915"/>
+            <a:off x="8729630" y="4750200"/>
             <a:ext cx="1219200" cy="1219200"/>
           </a:xfrm>
           <a:prstGeom prst="rect">
@@ -19123,7 +18525,7 @@
         </p:blipFill>
         <p:spPr>
           <a:xfrm>
-            <a:off x="8731257" y="1827630"/>
+            <a:off x="10436800" y="3320257"/>
             <a:ext cx="1219200" cy="1219200"/>
           </a:xfrm>
           <a:prstGeom prst="rect">
@@ -19154,7 +18556,7 @@
         </p:blipFill>
         <p:spPr>
           <a:xfrm>
-            <a:off x="8784057" y="4774428"/>
+            <a:off x="10525357" y="1988914"/>
             <a:ext cx="1219200" cy="1219200"/>
           </a:xfrm>
           <a:prstGeom prst="rect">
@@ -19185,7 +18587,7 @@
         </p:blipFill>
         <p:spPr>
           <a:xfrm>
-            <a:off x="10396399" y="3390600"/>
+            <a:off x="10436800" y="466143"/>
             <a:ext cx="1219200" cy="1219200"/>
           </a:xfrm>
           <a:prstGeom prst="rect">
@@ -19216,7 +18618,7 @@
         </p:blipFill>
         <p:spPr>
           <a:xfrm>
-            <a:off x="10349658" y="2076345"/>
+            <a:off x="249658" y="1685343"/>
             <a:ext cx="1219200" cy="1219200"/>
           </a:xfrm>
           <a:prstGeom prst="rect">
@@ -19247,7 +18649,7 @@
         </p:blipFill>
         <p:spPr>
           <a:xfrm>
-            <a:off x="8773943" y="3438915"/>
+            <a:off x="249658" y="325857"/>
             <a:ext cx="1219200" cy="1219200"/>
           </a:xfrm>
           <a:prstGeom prst="rect">
@@ -19258,7 +18660,7 @@
     </p:spTree>
     <p:extLst>
       <p:ext uri="{BB962C8B-B14F-4D97-AF65-F5344CB8AC3E}">
-        <p14:creationId xmlns:p14="http://schemas.microsoft.com/office/powerpoint/2010/main" val="214978686"/>
+        <p14:creationId xmlns:p14="http://schemas.microsoft.com/office/powerpoint/2010/main" val="438152526"/>
       </p:ext>
     </p:extLst>
   </p:cSld>
@@ -19308,7 +18710,7 @@
         </p:blipFill>
         <p:spPr>
           <a:xfrm>
-            <a:off x="304800" y="373743"/>
+            <a:off x="297543" y="293914"/>
             <a:ext cx="1219200" cy="1219200"/>
           </a:xfrm>
           <a:prstGeom prst="rect">
@@ -19339,7 +18741,7 @@
         </p:blipFill>
         <p:spPr>
           <a:xfrm>
-            <a:off x="304800" y="2022400"/>
+            <a:off x="297543" y="1670372"/>
             <a:ext cx="1219200" cy="1219200"/>
           </a:xfrm>
           <a:prstGeom prst="rect">
@@ -19370,7 +18772,7 @@
         </p:blipFill>
         <p:spPr>
           <a:xfrm>
-            <a:off x="304800" y="3400200"/>
+            <a:off x="375086" y="4580546"/>
             <a:ext cx="1219200" cy="1219200"/>
           </a:xfrm>
           <a:prstGeom prst="rect">
@@ -19401,7 +18803,7 @@
         </p:blipFill>
         <p:spPr>
           <a:xfrm>
-            <a:off x="304800" y="4779000"/>
+            <a:off x="355657" y="3046830"/>
             <a:ext cx="1219200" cy="1219200"/>
           </a:xfrm>
           <a:prstGeom prst="rect">
@@ -19432,7 +18834,7 @@
         </p:blipFill>
         <p:spPr>
           <a:xfrm>
-            <a:off x="1942572" y="373743"/>
+            <a:off x="2065943" y="219000"/>
             <a:ext cx="1219200" cy="1219200"/>
           </a:xfrm>
           <a:prstGeom prst="rect">
@@ -19463,7 +18865,7 @@
         </p:blipFill>
         <p:spPr>
           <a:xfrm>
-            <a:off x="2020000" y="1907514"/>
+            <a:off x="2065943" y="3100200"/>
             <a:ext cx="1219200" cy="1219200"/>
           </a:xfrm>
           <a:prstGeom prst="rect">
@@ -19494,7 +18896,7 @@
         </p:blipFill>
         <p:spPr>
           <a:xfrm>
-            <a:off x="1838629" y="3400200"/>
+            <a:off x="1974058" y="1670372"/>
             <a:ext cx="1219200" cy="1219200"/>
           </a:xfrm>
           <a:prstGeom prst="rect">
@@ -19525,7 +18927,7 @@
         </p:blipFill>
         <p:spPr>
           <a:xfrm>
-            <a:off x="1976400" y="4787771"/>
+            <a:off x="2030971" y="4594343"/>
             <a:ext cx="1219200" cy="1219200"/>
           </a:xfrm>
           <a:prstGeom prst="rect">
@@ -19556,7 +18958,7 @@
         </p:blipFill>
         <p:spPr>
           <a:xfrm>
-            <a:off x="3580515" y="2022400"/>
+            <a:off x="3834343" y="219000"/>
             <a:ext cx="1219200" cy="1219200"/>
           </a:xfrm>
           <a:prstGeom prst="rect">
@@ -19587,7 +18989,7 @@
         </p:blipFill>
         <p:spPr>
           <a:xfrm>
-            <a:off x="3580515" y="373743"/>
+            <a:off x="3939743" y="4580546"/>
             <a:ext cx="1219200" cy="1219200"/>
           </a:xfrm>
           <a:prstGeom prst="rect">
@@ -19618,7 +19020,7 @@
         </p:blipFill>
         <p:spPr>
           <a:xfrm>
-            <a:off x="3517486" y="3400200"/>
+            <a:off x="3894857" y="1708115"/>
             <a:ext cx="1219200" cy="1219200"/>
           </a:xfrm>
           <a:prstGeom prst="rect">
@@ -19649,7 +19051,7 @@
         </p:blipFill>
         <p:spPr>
           <a:xfrm>
-            <a:off x="3580515" y="4742285"/>
+            <a:off x="3941886" y="3046830"/>
             <a:ext cx="1219200" cy="1219200"/>
           </a:xfrm>
           <a:prstGeom prst="rect">
@@ -19680,7 +19082,7 @@
         </p:blipFill>
         <p:spPr>
           <a:xfrm>
-            <a:off x="5476972" y="3584256"/>
+            <a:off x="5571372" y="1767343"/>
             <a:ext cx="1219200" cy="1219200"/>
           </a:xfrm>
           <a:prstGeom prst="rect">
@@ -19711,7 +19113,7 @@
         </p:blipFill>
         <p:spPr>
           <a:xfrm>
-            <a:off x="5476972" y="458658"/>
+            <a:off x="5602743" y="293914"/>
             <a:ext cx="1219200" cy="1219200"/>
           </a:xfrm>
           <a:prstGeom prst="rect">
@@ -19742,7 +19144,7 @@
         </p:blipFill>
         <p:spPr>
           <a:xfrm>
-            <a:off x="5476972" y="2021457"/>
+            <a:off x="5571372" y="3240772"/>
             <a:ext cx="1219200" cy="1219200"/>
           </a:xfrm>
           <a:prstGeom prst="rect">
@@ -19773,7 +19175,7 @@
         </p:blipFill>
         <p:spPr>
           <a:xfrm>
-            <a:off x="5476972" y="4909800"/>
+            <a:off x="7117200" y="388543"/>
             <a:ext cx="1219200" cy="1219200"/>
           </a:xfrm>
           <a:prstGeom prst="rect">
@@ -19804,7 +19206,7 @@
         </p:blipFill>
         <p:spPr>
           <a:xfrm>
-            <a:off x="7291771" y="505572"/>
+            <a:off x="7211944" y="1819487"/>
             <a:ext cx="1219200" cy="1219200"/>
           </a:xfrm>
           <a:prstGeom prst="rect">
@@ -19835,7 +19237,7 @@
         </p:blipFill>
         <p:spPr>
           <a:xfrm>
-            <a:off x="7373429" y="2021457"/>
+            <a:off x="5624857" y="4609800"/>
             <a:ext cx="1219200" cy="1219200"/>
           </a:xfrm>
           <a:prstGeom prst="rect">
@@ -19866,7 +19268,7 @@
         </p:blipFill>
         <p:spPr>
           <a:xfrm>
-            <a:off x="7496971" y="4953456"/>
+            <a:off x="7284514" y="3295545"/>
             <a:ext cx="1219200" cy="1219200"/>
           </a:xfrm>
           <a:prstGeom prst="rect">
@@ -19897,7 +19299,7 @@
         </p:blipFill>
         <p:spPr>
           <a:xfrm>
-            <a:off x="7357257" y="3584256"/>
+            <a:off x="7309971" y="4675172"/>
             <a:ext cx="1219200" cy="1219200"/>
           </a:xfrm>
           <a:prstGeom prst="rect">
@@ -19928,7 +19330,7 @@
         </p:blipFill>
         <p:spPr>
           <a:xfrm>
-            <a:off x="9106570" y="505572"/>
+            <a:off x="8636400" y="399829"/>
             <a:ext cx="1219200" cy="1219200"/>
           </a:xfrm>
           <a:prstGeom prst="rect">
@@ -19959,7 +19361,162 @@
         </p:blipFill>
         <p:spPr>
           <a:xfrm>
-            <a:off x="9106570" y="2021457"/>
+            <a:off x="10392629" y="488915"/>
+            <a:ext cx="1219200" cy="1219200"/>
+          </a:xfrm>
+          <a:prstGeom prst="rect">
+            <a:avLst/>
+          </a:prstGeom>
+        </p:spPr>
+      </p:pic>
+      <p:pic>
+        <p:nvPicPr>
+          <p:cNvPr id="24" name="Picture 23"/>
+          <p:cNvPicPr>
+            <a:picLocks noChangeAspect="1"/>
+          </p:cNvPicPr>
+          <p:nvPr/>
+        </p:nvPicPr>
+        <p:blipFill>
+          <a:blip r:embed="rId24">
+            <a:lum bright="70000" contrast="-70000"/>
+            <a:extLst>
+              <a:ext uri="{28A0092B-C50C-407E-A947-70E740481C1C}">
+                <a14:useLocalDpi xmlns:a14="http://schemas.microsoft.com/office/drawing/2010/main" val="0"/>
+              </a:ext>
+            </a:extLst>
+          </a:blip>
+          <a:stretch>
+            <a:fillRect/>
+          </a:stretch>
+        </p:blipFill>
+        <p:spPr>
+          <a:xfrm>
+            <a:off x="8731257" y="1827630"/>
+            <a:ext cx="1219200" cy="1219200"/>
+          </a:xfrm>
+          <a:prstGeom prst="rect">
+            <a:avLst/>
+          </a:prstGeom>
+        </p:spPr>
+      </p:pic>
+      <p:pic>
+        <p:nvPicPr>
+          <p:cNvPr id="25" name="Picture 24"/>
+          <p:cNvPicPr>
+            <a:picLocks noChangeAspect="1"/>
+          </p:cNvPicPr>
+          <p:nvPr/>
+        </p:nvPicPr>
+        <p:blipFill>
+          <a:blip r:embed="rId25">
+            <a:lum bright="70000" contrast="-70000"/>
+            <a:extLst>
+              <a:ext uri="{28A0092B-C50C-407E-A947-70E740481C1C}">
+                <a14:useLocalDpi xmlns:a14="http://schemas.microsoft.com/office/drawing/2010/main" val="0"/>
+              </a:ext>
+            </a:extLst>
+          </a:blip>
+          <a:stretch>
+            <a:fillRect/>
+          </a:stretch>
+        </p:blipFill>
+        <p:spPr>
+          <a:xfrm>
+            <a:off x="8784057" y="4774428"/>
+            <a:ext cx="1219200" cy="1219200"/>
+          </a:xfrm>
+          <a:prstGeom prst="rect">
+            <a:avLst/>
+          </a:prstGeom>
+        </p:spPr>
+      </p:pic>
+      <p:pic>
+        <p:nvPicPr>
+          <p:cNvPr id="26" name="Picture 25"/>
+          <p:cNvPicPr>
+            <a:picLocks noChangeAspect="1"/>
+          </p:cNvPicPr>
+          <p:nvPr/>
+        </p:nvPicPr>
+        <p:blipFill>
+          <a:blip r:embed="rId26">
+            <a:lum bright="70000" contrast="-70000"/>
+            <a:extLst>
+              <a:ext uri="{28A0092B-C50C-407E-A947-70E740481C1C}">
+                <a14:useLocalDpi xmlns:a14="http://schemas.microsoft.com/office/drawing/2010/main" val="0"/>
+              </a:ext>
+            </a:extLst>
+          </a:blip>
+          <a:stretch>
+            <a:fillRect/>
+          </a:stretch>
+        </p:blipFill>
+        <p:spPr>
+          <a:xfrm>
+            <a:off x="10396399" y="3390600"/>
+            <a:ext cx="1219200" cy="1219200"/>
+          </a:xfrm>
+          <a:prstGeom prst="rect">
+            <a:avLst/>
+          </a:prstGeom>
+        </p:spPr>
+      </p:pic>
+      <p:pic>
+        <p:nvPicPr>
+          <p:cNvPr id="27" name="Picture 26"/>
+          <p:cNvPicPr>
+            <a:picLocks noChangeAspect="1"/>
+          </p:cNvPicPr>
+          <p:nvPr/>
+        </p:nvPicPr>
+        <p:blipFill>
+          <a:blip r:embed="rId27">
+            <a:lum bright="70000" contrast="-70000"/>
+            <a:extLst>
+              <a:ext uri="{28A0092B-C50C-407E-A947-70E740481C1C}">
+                <a14:useLocalDpi xmlns:a14="http://schemas.microsoft.com/office/drawing/2010/main" val="0"/>
+              </a:ext>
+            </a:extLst>
+          </a:blip>
+          <a:stretch>
+            <a:fillRect/>
+          </a:stretch>
+        </p:blipFill>
+        <p:spPr>
+          <a:xfrm>
+            <a:off x="10349658" y="2076345"/>
+            <a:ext cx="1219200" cy="1219200"/>
+          </a:xfrm>
+          <a:prstGeom prst="rect">
+            <a:avLst/>
+          </a:prstGeom>
+        </p:spPr>
+      </p:pic>
+      <p:pic>
+        <p:nvPicPr>
+          <p:cNvPr id="28" name="Picture 27"/>
+          <p:cNvPicPr>
+            <a:picLocks noChangeAspect="1"/>
+          </p:cNvPicPr>
+          <p:nvPr/>
+        </p:nvPicPr>
+        <p:blipFill>
+          <a:blip r:embed="rId28">
+            <a:lum bright="70000" contrast="-70000"/>
+            <a:extLst>
+              <a:ext uri="{28A0092B-C50C-407E-A947-70E740481C1C}">
+                <a14:useLocalDpi xmlns:a14="http://schemas.microsoft.com/office/drawing/2010/main" val="0"/>
+              </a:ext>
+            </a:extLst>
+          </a:blip>
+          <a:stretch>
+            <a:fillRect/>
+          </a:stretch>
+        </p:blipFill>
+        <p:spPr>
+          <a:xfrm>
+            <a:off x="8773943" y="3438915"/>
             <a:ext cx="1219200" cy="1219200"/>
           </a:xfrm>
           <a:prstGeom prst="rect">
@@ -19970,7 +19527,7 @@
     </p:spTree>
     <p:extLst>
       <p:ext uri="{BB962C8B-B14F-4D97-AF65-F5344CB8AC3E}">
-        <p14:creationId xmlns:p14="http://schemas.microsoft.com/office/powerpoint/2010/main" val="3555470181"/>
+        <p14:creationId xmlns:p14="http://schemas.microsoft.com/office/powerpoint/2010/main" val="214978686"/>
       </p:ext>
     </p:extLst>
   </p:cSld>
@@ -20120,6 +19677,718 @@
 </file>
 
 <file path=ppt/slides/slide50.xml><?xml version="1.0" encoding="utf-8"?>
+<p:sld xmlns:a="http://schemas.openxmlformats.org/drawingml/2006/main" xmlns:r="http://schemas.openxmlformats.org/officeDocument/2006/relationships" xmlns:p="http://schemas.openxmlformats.org/presentationml/2006/main" show="0">
+  <p:cSld>
+    <p:spTree>
+      <p:nvGrpSpPr>
+        <p:cNvPr id="1" name=""/>
+        <p:cNvGrpSpPr/>
+        <p:nvPr/>
+      </p:nvGrpSpPr>
+      <p:grpSpPr>
+        <a:xfrm>
+          <a:off x="0" y="0"/>
+          <a:ext cx="0" cy="0"/>
+          <a:chOff x="0" y="0"/>
+          <a:chExt cx="0" cy="0"/>
+        </a:xfrm>
+      </p:grpSpPr>
+      <p:pic>
+        <p:nvPicPr>
+          <p:cNvPr id="2" name="Picture 1"/>
+          <p:cNvPicPr>
+            <a:picLocks noChangeAspect="1"/>
+          </p:cNvPicPr>
+          <p:nvPr/>
+        </p:nvPicPr>
+        <p:blipFill>
+          <a:blip r:embed="rId2">
+            <a:lum bright="70000" contrast="-70000"/>
+            <a:extLst>
+              <a:ext uri="{28A0092B-C50C-407E-A947-70E740481C1C}">
+                <a14:useLocalDpi xmlns:a14="http://schemas.microsoft.com/office/drawing/2010/main" val="0"/>
+              </a:ext>
+            </a:extLst>
+          </a:blip>
+          <a:stretch>
+            <a:fillRect/>
+          </a:stretch>
+        </p:blipFill>
+        <p:spPr>
+          <a:xfrm>
+            <a:off x="304800" y="373743"/>
+            <a:ext cx="1219200" cy="1219200"/>
+          </a:xfrm>
+          <a:prstGeom prst="rect">
+            <a:avLst/>
+          </a:prstGeom>
+        </p:spPr>
+      </p:pic>
+      <p:pic>
+        <p:nvPicPr>
+          <p:cNvPr id="3" name="Picture 2"/>
+          <p:cNvPicPr>
+            <a:picLocks noChangeAspect="1"/>
+          </p:cNvPicPr>
+          <p:nvPr/>
+        </p:nvPicPr>
+        <p:blipFill>
+          <a:blip r:embed="rId3">
+            <a:lum bright="70000" contrast="-70000"/>
+            <a:extLst>
+              <a:ext uri="{28A0092B-C50C-407E-A947-70E740481C1C}">
+                <a14:useLocalDpi xmlns:a14="http://schemas.microsoft.com/office/drawing/2010/main" val="0"/>
+              </a:ext>
+            </a:extLst>
+          </a:blip>
+          <a:stretch>
+            <a:fillRect/>
+          </a:stretch>
+        </p:blipFill>
+        <p:spPr>
+          <a:xfrm>
+            <a:off x="304800" y="2022400"/>
+            <a:ext cx="1219200" cy="1219200"/>
+          </a:xfrm>
+          <a:prstGeom prst="rect">
+            <a:avLst/>
+          </a:prstGeom>
+        </p:spPr>
+      </p:pic>
+      <p:pic>
+        <p:nvPicPr>
+          <p:cNvPr id="4" name="Picture 3"/>
+          <p:cNvPicPr>
+            <a:picLocks noChangeAspect="1"/>
+          </p:cNvPicPr>
+          <p:nvPr/>
+        </p:nvPicPr>
+        <p:blipFill>
+          <a:blip r:embed="rId4">
+            <a:lum bright="70000" contrast="-70000"/>
+            <a:extLst>
+              <a:ext uri="{28A0092B-C50C-407E-A947-70E740481C1C}">
+                <a14:useLocalDpi xmlns:a14="http://schemas.microsoft.com/office/drawing/2010/main" val="0"/>
+              </a:ext>
+            </a:extLst>
+          </a:blip>
+          <a:stretch>
+            <a:fillRect/>
+          </a:stretch>
+        </p:blipFill>
+        <p:spPr>
+          <a:xfrm>
+            <a:off x="304800" y="3400200"/>
+            <a:ext cx="1219200" cy="1219200"/>
+          </a:xfrm>
+          <a:prstGeom prst="rect">
+            <a:avLst/>
+          </a:prstGeom>
+        </p:spPr>
+      </p:pic>
+      <p:pic>
+        <p:nvPicPr>
+          <p:cNvPr id="5" name="Picture 4"/>
+          <p:cNvPicPr>
+            <a:picLocks noChangeAspect="1"/>
+          </p:cNvPicPr>
+          <p:nvPr/>
+        </p:nvPicPr>
+        <p:blipFill>
+          <a:blip r:embed="rId5">
+            <a:lum bright="70000" contrast="-70000"/>
+            <a:extLst>
+              <a:ext uri="{28A0092B-C50C-407E-A947-70E740481C1C}">
+                <a14:useLocalDpi xmlns:a14="http://schemas.microsoft.com/office/drawing/2010/main" val="0"/>
+              </a:ext>
+            </a:extLst>
+          </a:blip>
+          <a:stretch>
+            <a:fillRect/>
+          </a:stretch>
+        </p:blipFill>
+        <p:spPr>
+          <a:xfrm>
+            <a:off x="304800" y="4779000"/>
+            <a:ext cx="1219200" cy="1219200"/>
+          </a:xfrm>
+          <a:prstGeom prst="rect">
+            <a:avLst/>
+          </a:prstGeom>
+        </p:spPr>
+      </p:pic>
+      <p:pic>
+        <p:nvPicPr>
+          <p:cNvPr id="6" name="Picture 5"/>
+          <p:cNvPicPr>
+            <a:picLocks noChangeAspect="1"/>
+          </p:cNvPicPr>
+          <p:nvPr/>
+        </p:nvPicPr>
+        <p:blipFill>
+          <a:blip r:embed="rId6">
+            <a:lum bright="70000" contrast="-70000"/>
+            <a:extLst>
+              <a:ext uri="{28A0092B-C50C-407E-A947-70E740481C1C}">
+                <a14:useLocalDpi xmlns:a14="http://schemas.microsoft.com/office/drawing/2010/main" val="0"/>
+              </a:ext>
+            </a:extLst>
+          </a:blip>
+          <a:stretch>
+            <a:fillRect/>
+          </a:stretch>
+        </p:blipFill>
+        <p:spPr>
+          <a:xfrm>
+            <a:off x="1942572" y="373743"/>
+            <a:ext cx="1219200" cy="1219200"/>
+          </a:xfrm>
+          <a:prstGeom prst="rect">
+            <a:avLst/>
+          </a:prstGeom>
+        </p:spPr>
+      </p:pic>
+      <p:pic>
+        <p:nvPicPr>
+          <p:cNvPr id="7" name="Picture 6"/>
+          <p:cNvPicPr>
+            <a:picLocks noChangeAspect="1"/>
+          </p:cNvPicPr>
+          <p:nvPr/>
+        </p:nvPicPr>
+        <p:blipFill>
+          <a:blip r:embed="rId7">
+            <a:lum bright="70000" contrast="-70000"/>
+            <a:extLst>
+              <a:ext uri="{28A0092B-C50C-407E-A947-70E740481C1C}">
+                <a14:useLocalDpi xmlns:a14="http://schemas.microsoft.com/office/drawing/2010/main" val="0"/>
+              </a:ext>
+            </a:extLst>
+          </a:blip>
+          <a:stretch>
+            <a:fillRect/>
+          </a:stretch>
+        </p:blipFill>
+        <p:spPr>
+          <a:xfrm>
+            <a:off x="2020000" y="1907514"/>
+            <a:ext cx="1219200" cy="1219200"/>
+          </a:xfrm>
+          <a:prstGeom prst="rect">
+            <a:avLst/>
+          </a:prstGeom>
+        </p:spPr>
+      </p:pic>
+      <p:pic>
+        <p:nvPicPr>
+          <p:cNvPr id="8" name="Picture 7"/>
+          <p:cNvPicPr>
+            <a:picLocks noChangeAspect="1"/>
+          </p:cNvPicPr>
+          <p:nvPr/>
+        </p:nvPicPr>
+        <p:blipFill>
+          <a:blip r:embed="rId8">
+            <a:lum bright="70000" contrast="-70000"/>
+            <a:extLst>
+              <a:ext uri="{28A0092B-C50C-407E-A947-70E740481C1C}">
+                <a14:useLocalDpi xmlns:a14="http://schemas.microsoft.com/office/drawing/2010/main" val="0"/>
+              </a:ext>
+            </a:extLst>
+          </a:blip>
+          <a:stretch>
+            <a:fillRect/>
+          </a:stretch>
+        </p:blipFill>
+        <p:spPr>
+          <a:xfrm>
+            <a:off x="1838629" y="3400200"/>
+            <a:ext cx="1219200" cy="1219200"/>
+          </a:xfrm>
+          <a:prstGeom prst="rect">
+            <a:avLst/>
+          </a:prstGeom>
+        </p:spPr>
+      </p:pic>
+      <p:pic>
+        <p:nvPicPr>
+          <p:cNvPr id="9" name="Picture 8"/>
+          <p:cNvPicPr>
+            <a:picLocks noChangeAspect="1"/>
+          </p:cNvPicPr>
+          <p:nvPr/>
+        </p:nvPicPr>
+        <p:blipFill>
+          <a:blip r:embed="rId9">
+            <a:lum bright="70000" contrast="-70000"/>
+            <a:extLst>
+              <a:ext uri="{28A0092B-C50C-407E-A947-70E740481C1C}">
+                <a14:useLocalDpi xmlns:a14="http://schemas.microsoft.com/office/drawing/2010/main" val="0"/>
+              </a:ext>
+            </a:extLst>
+          </a:blip>
+          <a:stretch>
+            <a:fillRect/>
+          </a:stretch>
+        </p:blipFill>
+        <p:spPr>
+          <a:xfrm>
+            <a:off x="1976400" y="4787771"/>
+            <a:ext cx="1219200" cy="1219200"/>
+          </a:xfrm>
+          <a:prstGeom prst="rect">
+            <a:avLst/>
+          </a:prstGeom>
+        </p:spPr>
+      </p:pic>
+      <p:pic>
+        <p:nvPicPr>
+          <p:cNvPr id="10" name="Picture 9"/>
+          <p:cNvPicPr>
+            <a:picLocks noChangeAspect="1"/>
+          </p:cNvPicPr>
+          <p:nvPr/>
+        </p:nvPicPr>
+        <p:blipFill>
+          <a:blip r:embed="rId10">
+            <a:lum bright="70000" contrast="-70000"/>
+            <a:extLst>
+              <a:ext uri="{28A0092B-C50C-407E-A947-70E740481C1C}">
+                <a14:useLocalDpi xmlns:a14="http://schemas.microsoft.com/office/drawing/2010/main" val="0"/>
+              </a:ext>
+            </a:extLst>
+          </a:blip>
+          <a:stretch>
+            <a:fillRect/>
+          </a:stretch>
+        </p:blipFill>
+        <p:spPr>
+          <a:xfrm>
+            <a:off x="3580515" y="2022400"/>
+            <a:ext cx="1219200" cy="1219200"/>
+          </a:xfrm>
+          <a:prstGeom prst="rect">
+            <a:avLst/>
+          </a:prstGeom>
+        </p:spPr>
+      </p:pic>
+      <p:pic>
+        <p:nvPicPr>
+          <p:cNvPr id="11" name="Picture 10"/>
+          <p:cNvPicPr>
+            <a:picLocks noChangeAspect="1"/>
+          </p:cNvPicPr>
+          <p:nvPr/>
+        </p:nvPicPr>
+        <p:blipFill>
+          <a:blip r:embed="rId11">
+            <a:lum bright="70000" contrast="-70000"/>
+            <a:extLst>
+              <a:ext uri="{28A0092B-C50C-407E-A947-70E740481C1C}">
+                <a14:useLocalDpi xmlns:a14="http://schemas.microsoft.com/office/drawing/2010/main" val="0"/>
+              </a:ext>
+            </a:extLst>
+          </a:blip>
+          <a:stretch>
+            <a:fillRect/>
+          </a:stretch>
+        </p:blipFill>
+        <p:spPr>
+          <a:xfrm>
+            <a:off x="3580515" y="373743"/>
+            <a:ext cx="1219200" cy="1219200"/>
+          </a:xfrm>
+          <a:prstGeom prst="rect">
+            <a:avLst/>
+          </a:prstGeom>
+        </p:spPr>
+      </p:pic>
+      <p:pic>
+        <p:nvPicPr>
+          <p:cNvPr id="12" name="Picture 11"/>
+          <p:cNvPicPr>
+            <a:picLocks noChangeAspect="1"/>
+          </p:cNvPicPr>
+          <p:nvPr/>
+        </p:nvPicPr>
+        <p:blipFill>
+          <a:blip r:embed="rId12">
+            <a:lum bright="70000" contrast="-70000"/>
+            <a:extLst>
+              <a:ext uri="{28A0092B-C50C-407E-A947-70E740481C1C}">
+                <a14:useLocalDpi xmlns:a14="http://schemas.microsoft.com/office/drawing/2010/main" val="0"/>
+              </a:ext>
+            </a:extLst>
+          </a:blip>
+          <a:stretch>
+            <a:fillRect/>
+          </a:stretch>
+        </p:blipFill>
+        <p:spPr>
+          <a:xfrm>
+            <a:off x="3517486" y="3400200"/>
+            <a:ext cx="1219200" cy="1219200"/>
+          </a:xfrm>
+          <a:prstGeom prst="rect">
+            <a:avLst/>
+          </a:prstGeom>
+        </p:spPr>
+      </p:pic>
+      <p:pic>
+        <p:nvPicPr>
+          <p:cNvPr id="13" name="Picture 12"/>
+          <p:cNvPicPr>
+            <a:picLocks noChangeAspect="1"/>
+          </p:cNvPicPr>
+          <p:nvPr/>
+        </p:nvPicPr>
+        <p:blipFill>
+          <a:blip r:embed="rId13">
+            <a:lum bright="70000" contrast="-70000"/>
+            <a:extLst>
+              <a:ext uri="{28A0092B-C50C-407E-A947-70E740481C1C}">
+                <a14:useLocalDpi xmlns:a14="http://schemas.microsoft.com/office/drawing/2010/main" val="0"/>
+              </a:ext>
+            </a:extLst>
+          </a:blip>
+          <a:stretch>
+            <a:fillRect/>
+          </a:stretch>
+        </p:blipFill>
+        <p:spPr>
+          <a:xfrm>
+            <a:off x="3580515" y="4742285"/>
+            <a:ext cx="1219200" cy="1219200"/>
+          </a:xfrm>
+          <a:prstGeom prst="rect">
+            <a:avLst/>
+          </a:prstGeom>
+        </p:spPr>
+      </p:pic>
+      <p:pic>
+        <p:nvPicPr>
+          <p:cNvPr id="14" name="Picture 13"/>
+          <p:cNvPicPr>
+            <a:picLocks noChangeAspect="1"/>
+          </p:cNvPicPr>
+          <p:nvPr/>
+        </p:nvPicPr>
+        <p:blipFill>
+          <a:blip r:embed="rId14">
+            <a:lum bright="70000" contrast="-70000"/>
+            <a:extLst>
+              <a:ext uri="{28A0092B-C50C-407E-A947-70E740481C1C}">
+                <a14:useLocalDpi xmlns:a14="http://schemas.microsoft.com/office/drawing/2010/main" val="0"/>
+              </a:ext>
+            </a:extLst>
+          </a:blip>
+          <a:stretch>
+            <a:fillRect/>
+          </a:stretch>
+        </p:blipFill>
+        <p:spPr>
+          <a:xfrm>
+            <a:off x="5476972" y="3584256"/>
+            <a:ext cx="1219200" cy="1219200"/>
+          </a:xfrm>
+          <a:prstGeom prst="rect">
+            <a:avLst/>
+          </a:prstGeom>
+        </p:spPr>
+      </p:pic>
+      <p:pic>
+        <p:nvPicPr>
+          <p:cNvPr id="15" name="Picture 14"/>
+          <p:cNvPicPr>
+            <a:picLocks noChangeAspect="1"/>
+          </p:cNvPicPr>
+          <p:nvPr/>
+        </p:nvPicPr>
+        <p:blipFill>
+          <a:blip r:embed="rId15">
+            <a:lum bright="70000" contrast="-70000"/>
+            <a:extLst>
+              <a:ext uri="{28A0092B-C50C-407E-A947-70E740481C1C}">
+                <a14:useLocalDpi xmlns:a14="http://schemas.microsoft.com/office/drawing/2010/main" val="0"/>
+              </a:ext>
+            </a:extLst>
+          </a:blip>
+          <a:stretch>
+            <a:fillRect/>
+          </a:stretch>
+        </p:blipFill>
+        <p:spPr>
+          <a:xfrm>
+            <a:off x="5476972" y="458658"/>
+            <a:ext cx="1219200" cy="1219200"/>
+          </a:xfrm>
+          <a:prstGeom prst="rect">
+            <a:avLst/>
+          </a:prstGeom>
+        </p:spPr>
+      </p:pic>
+      <p:pic>
+        <p:nvPicPr>
+          <p:cNvPr id="16" name="Picture 15"/>
+          <p:cNvPicPr>
+            <a:picLocks noChangeAspect="1"/>
+          </p:cNvPicPr>
+          <p:nvPr/>
+        </p:nvPicPr>
+        <p:blipFill>
+          <a:blip r:embed="rId16">
+            <a:lum bright="70000" contrast="-70000"/>
+            <a:extLst>
+              <a:ext uri="{28A0092B-C50C-407E-A947-70E740481C1C}">
+                <a14:useLocalDpi xmlns:a14="http://schemas.microsoft.com/office/drawing/2010/main" val="0"/>
+              </a:ext>
+            </a:extLst>
+          </a:blip>
+          <a:stretch>
+            <a:fillRect/>
+          </a:stretch>
+        </p:blipFill>
+        <p:spPr>
+          <a:xfrm>
+            <a:off x="5476972" y="2021457"/>
+            <a:ext cx="1219200" cy="1219200"/>
+          </a:xfrm>
+          <a:prstGeom prst="rect">
+            <a:avLst/>
+          </a:prstGeom>
+        </p:spPr>
+      </p:pic>
+      <p:pic>
+        <p:nvPicPr>
+          <p:cNvPr id="17" name="Picture 16"/>
+          <p:cNvPicPr>
+            <a:picLocks noChangeAspect="1"/>
+          </p:cNvPicPr>
+          <p:nvPr/>
+        </p:nvPicPr>
+        <p:blipFill>
+          <a:blip r:embed="rId17">
+            <a:lum bright="70000" contrast="-70000"/>
+            <a:extLst>
+              <a:ext uri="{28A0092B-C50C-407E-A947-70E740481C1C}">
+                <a14:useLocalDpi xmlns:a14="http://schemas.microsoft.com/office/drawing/2010/main" val="0"/>
+              </a:ext>
+            </a:extLst>
+          </a:blip>
+          <a:stretch>
+            <a:fillRect/>
+          </a:stretch>
+        </p:blipFill>
+        <p:spPr>
+          <a:xfrm>
+            <a:off x="5476972" y="4909800"/>
+            <a:ext cx="1219200" cy="1219200"/>
+          </a:xfrm>
+          <a:prstGeom prst="rect">
+            <a:avLst/>
+          </a:prstGeom>
+        </p:spPr>
+      </p:pic>
+      <p:pic>
+        <p:nvPicPr>
+          <p:cNvPr id="18" name="Picture 17"/>
+          <p:cNvPicPr>
+            <a:picLocks noChangeAspect="1"/>
+          </p:cNvPicPr>
+          <p:nvPr/>
+        </p:nvPicPr>
+        <p:blipFill>
+          <a:blip r:embed="rId18">
+            <a:lum bright="70000" contrast="-70000"/>
+            <a:extLst>
+              <a:ext uri="{28A0092B-C50C-407E-A947-70E740481C1C}">
+                <a14:useLocalDpi xmlns:a14="http://schemas.microsoft.com/office/drawing/2010/main" val="0"/>
+              </a:ext>
+            </a:extLst>
+          </a:blip>
+          <a:stretch>
+            <a:fillRect/>
+          </a:stretch>
+        </p:blipFill>
+        <p:spPr>
+          <a:xfrm>
+            <a:off x="7291771" y="505572"/>
+            <a:ext cx="1219200" cy="1219200"/>
+          </a:xfrm>
+          <a:prstGeom prst="rect">
+            <a:avLst/>
+          </a:prstGeom>
+        </p:spPr>
+      </p:pic>
+      <p:pic>
+        <p:nvPicPr>
+          <p:cNvPr id="19" name="Picture 18"/>
+          <p:cNvPicPr>
+            <a:picLocks noChangeAspect="1"/>
+          </p:cNvPicPr>
+          <p:nvPr/>
+        </p:nvPicPr>
+        <p:blipFill>
+          <a:blip r:embed="rId19">
+            <a:lum bright="70000" contrast="-70000"/>
+            <a:extLst>
+              <a:ext uri="{28A0092B-C50C-407E-A947-70E740481C1C}">
+                <a14:useLocalDpi xmlns:a14="http://schemas.microsoft.com/office/drawing/2010/main" val="0"/>
+              </a:ext>
+            </a:extLst>
+          </a:blip>
+          <a:stretch>
+            <a:fillRect/>
+          </a:stretch>
+        </p:blipFill>
+        <p:spPr>
+          <a:xfrm>
+            <a:off x="7373429" y="2021457"/>
+            <a:ext cx="1219200" cy="1219200"/>
+          </a:xfrm>
+          <a:prstGeom prst="rect">
+            <a:avLst/>
+          </a:prstGeom>
+        </p:spPr>
+      </p:pic>
+      <p:pic>
+        <p:nvPicPr>
+          <p:cNvPr id="20" name="Picture 19"/>
+          <p:cNvPicPr>
+            <a:picLocks noChangeAspect="1"/>
+          </p:cNvPicPr>
+          <p:nvPr/>
+        </p:nvPicPr>
+        <p:blipFill>
+          <a:blip r:embed="rId20">
+            <a:lum bright="70000" contrast="-70000"/>
+            <a:extLst>
+              <a:ext uri="{28A0092B-C50C-407E-A947-70E740481C1C}">
+                <a14:useLocalDpi xmlns:a14="http://schemas.microsoft.com/office/drawing/2010/main" val="0"/>
+              </a:ext>
+            </a:extLst>
+          </a:blip>
+          <a:stretch>
+            <a:fillRect/>
+          </a:stretch>
+        </p:blipFill>
+        <p:spPr>
+          <a:xfrm>
+            <a:off x="7496971" y="4953456"/>
+            <a:ext cx="1219200" cy="1219200"/>
+          </a:xfrm>
+          <a:prstGeom prst="rect">
+            <a:avLst/>
+          </a:prstGeom>
+        </p:spPr>
+      </p:pic>
+      <p:pic>
+        <p:nvPicPr>
+          <p:cNvPr id="21" name="Picture 20"/>
+          <p:cNvPicPr>
+            <a:picLocks noChangeAspect="1"/>
+          </p:cNvPicPr>
+          <p:nvPr/>
+        </p:nvPicPr>
+        <p:blipFill>
+          <a:blip r:embed="rId21">
+            <a:lum bright="70000" contrast="-70000"/>
+            <a:extLst>
+              <a:ext uri="{28A0092B-C50C-407E-A947-70E740481C1C}">
+                <a14:useLocalDpi xmlns:a14="http://schemas.microsoft.com/office/drawing/2010/main" val="0"/>
+              </a:ext>
+            </a:extLst>
+          </a:blip>
+          <a:stretch>
+            <a:fillRect/>
+          </a:stretch>
+        </p:blipFill>
+        <p:spPr>
+          <a:xfrm>
+            <a:off x="7357257" y="3584256"/>
+            <a:ext cx="1219200" cy="1219200"/>
+          </a:xfrm>
+          <a:prstGeom prst="rect">
+            <a:avLst/>
+          </a:prstGeom>
+        </p:spPr>
+      </p:pic>
+      <p:pic>
+        <p:nvPicPr>
+          <p:cNvPr id="22" name="Picture 21"/>
+          <p:cNvPicPr>
+            <a:picLocks noChangeAspect="1"/>
+          </p:cNvPicPr>
+          <p:nvPr/>
+        </p:nvPicPr>
+        <p:blipFill>
+          <a:blip r:embed="rId22">
+            <a:lum bright="70000" contrast="-70000"/>
+            <a:extLst>
+              <a:ext uri="{28A0092B-C50C-407E-A947-70E740481C1C}">
+                <a14:useLocalDpi xmlns:a14="http://schemas.microsoft.com/office/drawing/2010/main" val="0"/>
+              </a:ext>
+            </a:extLst>
+          </a:blip>
+          <a:stretch>
+            <a:fillRect/>
+          </a:stretch>
+        </p:blipFill>
+        <p:spPr>
+          <a:xfrm>
+            <a:off x="9106570" y="505572"/>
+            <a:ext cx="1219200" cy="1219200"/>
+          </a:xfrm>
+          <a:prstGeom prst="rect">
+            <a:avLst/>
+          </a:prstGeom>
+        </p:spPr>
+      </p:pic>
+      <p:pic>
+        <p:nvPicPr>
+          <p:cNvPr id="23" name="Picture 22"/>
+          <p:cNvPicPr>
+            <a:picLocks noChangeAspect="1"/>
+          </p:cNvPicPr>
+          <p:nvPr/>
+        </p:nvPicPr>
+        <p:blipFill>
+          <a:blip r:embed="rId23">
+            <a:lum bright="70000" contrast="-70000"/>
+            <a:extLst>
+              <a:ext uri="{28A0092B-C50C-407E-A947-70E740481C1C}">
+                <a14:useLocalDpi xmlns:a14="http://schemas.microsoft.com/office/drawing/2010/main" val="0"/>
+              </a:ext>
+            </a:extLst>
+          </a:blip>
+          <a:stretch>
+            <a:fillRect/>
+          </a:stretch>
+        </p:blipFill>
+        <p:spPr>
+          <a:xfrm>
+            <a:off x="9106570" y="2021457"/>
+            <a:ext cx="1219200" cy="1219200"/>
+          </a:xfrm>
+          <a:prstGeom prst="rect">
+            <a:avLst/>
+          </a:prstGeom>
+        </p:spPr>
+      </p:pic>
+    </p:spTree>
+    <p:extLst>
+      <p:ext uri="{BB962C8B-B14F-4D97-AF65-F5344CB8AC3E}">
+        <p14:creationId xmlns:p14="http://schemas.microsoft.com/office/powerpoint/2010/main" val="3555470181"/>
+      </p:ext>
+    </p:extLst>
+  </p:cSld>
+  <p:clrMapOvr>
+    <a:masterClrMapping/>
+  </p:clrMapOvr>
+</p:sld>
+</file>
+
+<file path=ppt/slides/slide51.xml><?xml version="1.0" encoding="utf-8"?>
 <p:sld xmlns:a="http://schemas.openxmlformats.org/drawingml/2006/main" xmlns:r="http://schemas.openxmlformats.org/officeDocument/2006/relationships" xmlns:p="http://schemas.openxmlformats.org/presentationml/2006/main" show="0">
   <p:cSld>
     <p:spTree>

--- a/MMS 2017 - Windows Upgrade Readiness.pptx
+++ b/MMS 2017 - Windows Upgrade Readiness.pptx
@@ -5,7 +5,7 @@
     <p:sldMasterId id="2147483648" r:id="rId1"/>
   </p:sldMasterIdLst>
   <p:notesMasterIdLst>
-    <p:notesMasterId r:id="rId53"/>
+    <p:notesMasterId r:id="rId54"/>
   </p:notesMasterIdLst>
   <p:sldIdLst>
     <p:sldId id="256" r:id="rId2"/>
@@ -37,28 +37,29 @@
     <p:sldId id="287" r:id="rId28"/>
     <p:sldId id="294" r:id="rId29"/>
     <p:sldId id="302" r:id="rId30"/>
-    <p:sldId id="286" r:id="rId31"/>
-    <p:sldId id="295" r:id="rId32"/>
-    <p:sldId id="301" r:id="rId33"/>
-    <p:sldId id="259" r:id="rId34"/>
-    <p:sldId id="279" r:id="rId35"/>
-    <p:sldId id="260" r:id="rId36"/>
-    <p:sldId id="278" r:id="rId37"/>
-    <p:sldId id="262" r:id="rId38"/>
-    <p:sldId id="263" r:id="rId39"/>
-    <p:sldId id="264" r:id="rId40"/>
-    <p:sldId id="265" r:id="rId41"/>
-    <p:sldId id="266" r:id="rId42"/>
-    <p:sldId id="267" r:id="rId43"/>
-    <p:sldId id="268" r:id="rId44"/>
-    <p:sldId id="269" r:id="rId45"/>
-    <p:sldId id="270" r:id="rId46"/>
-    <p:sldId id="271" r:id="rId47"/>
-    <p:sldId id="272" r:id="rId48"/>
-    <p:sldId id="273" r:id="rId49"/>
-    <p:sldId id="274" r:id="rId50"/>
-    <p:sldId id="275" r:id="rId51"/>
-    <p:sldId id="276" r:id="rId52"/>
+    <p:sldId id="312" r:id="rId31"/>
+    <p:sldId id="286" r:id="rId32"/>
+    <p:sldId id="295" r:id="rId33"/>
+    <p:sldId id="301" r:id="rId34"/>
+    <p:sldId id="259" r:id="rId35"/>
+    <p:sldId id="279" r:id="rId36"/>
+    <p:sldId id="260" r:id="rId37"/>
+    <p:sldId id="278" r:id="rId38"/>
+    <p:sldId id="262" r:id="rId39"/>
+    <p:sldId id="263" r:id="rId40"/>
+    <p:sldId id="264" r:id="rId41"/>
+    <p:sldId id="265" r:id="rId42"/>
+    <p:sldId id="266" r:id="rId43"/>
+    <p:sldId id="267" r:id="rId44"/>
+    <p:sldId id="268" r:id="rId45"/>
+    <p:sldId id="269" r:id="rId46"/>
+    <p:sldId id="270" r:id="rId47"/>
+    <p:sldId id="271" r:id="rId48"/>
+    <p:sldId id="272" r:id="rId49"/>
+    <p:sldId id="273" r:id="rId50"/>
+    <p:sldId id="274" r:id="rId51"/>
+    <p:sldId id="275" r:id="rId52"/>
+    <p:sldId id="276" r:id="rId53"/>
   </p:sldIdLst>
   <p:sldSz cx="12192000" cy="6858000"/>
   <p:notesSz cx="6858000" cy="9144000"/>
@@ -195,6 +196,7 @@
             <p14:sldId id="287"/>
             <p14:sldId id="294"/>
             <p14:sldId id="302"/>
+            <p14:sldId id="312"/>
             <p14:sldId id="286"/>
             <p14:sldId id="295"/>
             <p14:sldId id="301"/>
@@ -322,7 +324,7 @@
           <a:p>
             <a:fld id="{5AC68C86-161C-47A6-9A61-C529F6A6AC98}" type="datetimeFigureOut">
               <a:rPr lang="en-US" smtClean="0"/>
-              <a:t>4/18/2017</a:t>
+              <a:t>5/2/2017</a:t>
             </a:fld>
             <a:endParaRPr lang="en-US"/>
           </a:p>
@@ -1178,8 +1180,13 @@
             </a:r>
             <a:r>
               <a:rPr lang="en-US" baseline="0" dirty="0"/>
-              <a:t> field has the overall adoption rate and for some applications it has full version history with adoption rates.  This is VERY useful information.</a:t>
-            </a:r>
+              <a:t> field has the overall adoption rate and for some applications it has full version history with adoption rates.  This is VERY useful information</a:t>
+            </a:r>
+            <a:r>
+              <a:rPr lang="en-US" baseline="0" dirty="0" smtClean="0"/>
+              <a:t>.  This cannot be overstated.  This is a gold mine of information.</a:t>
+            </a:r>
+            <a:endParaRPr lang="en-US" baseline="0" dirty="0"/>
           </a:p>
           <a:p>
             <a:r>
@@ -1546,14 +1553,7 @@
           <a:bodyPr/>
           <a:lstStyle/>
           <a:p>
-            <a:r>
-              <a:rPr lang="en-US" dirty="0"/>
-              <a:t>The app owner</a:t>
-            </a:r>
-            <a:r>
-              <a:rPr lang="en-US" baseline="0" dirty="0"/>
-              <a:t> is important here.  Yu don’t own the application, only its deployment.  Get an app owner to validate and QA it.  Asking the app owner to validate has to be hardest job in the business.   You are essentially asking someone to carve out time for you when they have zero incentive to do it.  And they have a non-trivial risk associated with upgraded their applications… they may have non-trivial cost and security risks too.  This is a job best suited for a business analyst if you can have the resources.  Your problems here are non-technical.  Most very non-technical.  The path to success here is to be an annoying nag.  And have easily accessible test VMs.  This is hard work, plan accordingly!  </a:t>
-            </a:r>
+            <a:endParaRPr lang="en-US" baseline="0" dirty="0"/>
           </a:p>
         </p:txBody>
       </p:sp>
@@ -1639,8 +1639,13 @@
           <a:p>
             <a:r>
               <a:rPr lang="en-US" baseline="0" dirty="0"/>
-              <a:t>This is radical!!  Everyone hates this.</a:t>
-            </a:r>
+              <a:t>This is radical!!  Everyone hates this</a:t>
+            </a:r>
+            <a:r>
+              <a:rPr lang="en-US" baseline="0" dirty="0" smtClean="0"/>
+              <a:t>.  You are likely never going to be able to have the same level of complexity in your lab environment as exists in your production environment.  You can really smooth this out by using the dynamic updates steps   You can spend an entire summer tracking this one down, and you may never get it right…  my ask to you is at least TRY using dynamic updates, it has the potential to solve the majority of your driver issues during in place upgrades.  It is a little magical really.</a:t>
+            </a:r>
+            <a:endParaRPr lang="en-US" baseline="0" dirty="0"/>
           </a:p>
         </p:txBody>
       </p:sp>
@@ -1925,7 +1930,25 @@
             </a:r>
             <a:r>
               <a:rPr lang="en-US" baseline="0" dirty="0"/>
-              <a:t> is a lot of work and may not be a problem.  If you are not managing these devices today, maybe you can continue to not manage them.  The problems devices you are going to be running into here are specialty devices for the most part. The 1607 + latest CU has a pretty impressive library of drivers in it.</a:t>
+              <a:t> is a lot of work and may not be a problem.  If you are not managing these devices today, maybe you can continue to not manage them.  The problems devices you are going to be </a:t>
+            </a:r>
+            <a:r>
+              <a:rPr lang="en-US" baseline="0" dirty="0" smtClean="0"/>
+              <a:t>running </a:t>
+            </a:r>
+            <a:r>
+              <a:rPr lang="en-US" baseline="0" dirty="0"/>
+              <a:t>into here are specialty devices for the most part. The 1607 + latest CU has a pretty impressive library of drivers in it</a:t>
+            </a:r>
+            <a:r>
+              <a:rPr lang="en-US" baseline="0" dirty="0" smtClean="0"/>
+              <a:t>.</a:t>
+            </a:r>
+          </a:p>
+          <a:p>
+            <a:r>
+              <a:rPr lang="en-US" baseline="0" dirty="0" smtClean="0"/>
+              <a:t>Rebooting into windows PE works great if you devices are always connected, it gets a little harry with disconnected / remote laptops.  Just keep it simple where you can, using windows PE greatly increases the complexity.</a:t>
             </a:r>
             <a:endParaRPr lang="en-US" dirty="0"/>
           </a:p>
@@ -2600,12 +2623,8 @@
           <a:lstStyle/>
           <a:p>
             <a:r>
-              <a:rPr lang="en-US" dirty="0"/>
-              <a:t>If</a:t>
-            </a:r>
-            <a:r>
               <a:rPr lang="en-US" baseline="0" dirty="0"/>
-              <a:t> you want to look at a migration project as a time breakdown, application packaging and rationalization should be take 90% of your time.  The task sequence or deployment method is easy, its been done a thousand times by a thousand different people.  You WILL figure out whatever you need to do deploy the actual operating system.  Trust me when I say that is the easy part.   </a:t>
+              <a:t>The OMS query language is unique.  It isn’t SQL or WQL or really anything I have seen before, it is a language all it’s own.  And it is fairly new, so there isn’t a book written on it or anything.  But, luckily there isn’t much to it.</a:t>
             </a:r>
             <a:endParaRPr lang="en-US" dirty="0"/>
           </a:p>
@@ -2637,7 +2656,7 @@
     </p:spTree>
     <p:extLst>
       <p:ext uri="{BB962C8B-B14F-4D97-AF65-F5344CB8AC3E}">
-        <p14:creationId xmlns:p14="http://schemas.microsoft.com/office/powerpoint/2010/main" val="1806650894"/>
+        <p14:creationId xmlns:p14="http://schemas.microsoft.com/office/powerpoint/2010/main" val="3559294747"/>
       </p:ext>
     </p:extLst>
   </p:cSld>
@@ -2693,23 +2712,11 @@
           <a:p>
             <a:r>
               <a:rPr lang="en-US" dirty="0"/>
-              <a:t>All the </a:t>
-            </a:r>
-            <a:r>
-              <a:rPr lang="en-US" dirty="0" err="1"/>
-              <a:t>powershell</a:t>
-            </a:r>
-            <a:r>
-              <a:rPr lang="en-US" dirty="0"/>
-              <a:t> is</a:t>
+              <a:t>If</a:t>
             </a:r>
             <a:r>
               <a:rPr lang="en-US" baseline="0" dirty="0"/>
-              <a:t> really just another way to report or display data.  The power is being able to use that data </a:t>
-            </a:r>
-            <a:r>
-              <a:rPr lang="en-US" baseline="0"/>
-              <a:t>and integrate.  </a:t>
+              <a:t> you want to look at a migration project as a time breakdown, application packaging and rationalization should be take 90% of your time.  The task sequence or deployment method is easy, its been done a thousand times by a thousand different people.  You WILL figure out whatever you need to do deploy the actual operating system.  Trust me when I say that is the easy part.   </a:t>
             </a:r>
             <a:endParaRPr lang="en-US" dirty="0"/>
           </a:p>
@@ -2741,7 +2748,7 @@
     </p:spTree>
     <p:extLst>
       <p:ext uri="{BB962C8B-B14F-4D97-AF65-F5344CB8AC3E}">
-        <p14:creationId xmlns:p14="http://schemas.microsoft.com/office/powerpoint/2010/main" val="1498763631"/>
+        <p14:creationId xmlns:p14="http://schemas.microsoft.com/office/powerpoint/2010/main" val="1806650894"/>
       </p:ext>
     </p:extLst>
   </p:cSld>
@@ -2973,6 +2980,110 @@
             <a:fld id="{6AD7C417-D302-4BDC-AE7D-6A9679C5A3F5}" type="slidenum">
               <a:rPr lang="en-US" smtClean="0"/>
               <a:t>32</a:t>
+            </a:fld>
+            <a:endParaRPr lang="en-US"/>
+          </a:p>
+        </p:txBody>
+      </p:sp>
+    </p:spTree>
+    <p:extLst>
+      <p:ext uri="{BB962C8B-B14F-4D97-AF65-F5344CB8AC3E}">
+        <p14:creationId xmlns:p14="http://schemas.microsoft.com/office/powerpoint/2010/main" val="1498763631"/>
+      </p:ext>
+    </p:extLst>
+  </p:cSld>
+  <p:clrMapOvr>
+    <a:masterClrMapping/>
+  </p:clrMapOvr>
+</p:notes>
+</file>
+
+<file path=ppt/notesSlides/notesSlide31.xml><?xml version="1.0" encoding="utf-8"?>
+<p:notes xmlns:a="http://schemas.openxmlformats.org/drawingml/2006/main" xmlns:r="http://schemas.openxmlformats.org/officeDocument/2006/relationships" xmlns:p="http://schemas.openxmlformats.org/presentationml/2006/main">
+  <p:cSld>
+    <p:spTree>
+      <p:nvGrpSpPr>
+        <p:cNvPr id="1" name=""/>
+        <p:cNvGrpSpPr/>
+        <p:nvPr/>
+      </p:nvGrpSpPr>
+      <p:grpSpPr>
+        <a:xfrm>
+          <a:off x="0" y="0"/>
+          <a:ext cx="0" cy="0"/>
+          <a:chOff x="0" y="0"/>
+          <a:chExt cx="0" cy="0"/>
+        </a:xfrm>
+      </p:grpSpPr>
+      <p:sp>
+        <p:nvSpPr>
+          <p:cNvPr id="2" name="Slide Image Placeholder 1"/>
+          <p:cNvSpPr>
+            <a:spLocks noGrp="1" noRot="1" noChangeAspect="1"/>
+          </p:cNvSpPr>
+          <p:nvPr>
+            <p:ph type="sldImg"/>
+          </p:nvPr>
+        </p:nvSpPr>
+        <p:spPr/>
+      </p:sp>
+      <p:sp>
+        <p:nvSpPr>
+          <p:cNvPr id="3" name="Notes Placeholder 2"/>
+          <p:cNvSpPr>
+            <a:spLocks noGrp="1"/>
+          </p:cNvSpPr>
+          <p:nvPr>
+            <p:ph type="body" idx="1"/>
+          </p:nvPr>
+        </p:nvSpPr>
+        <p:spPr/>
+        <p:txBody>
+          <a:bodyPr/>
+          <a:lstStyle/>
+          <a:p>
+            <a:r>
+              <a:rPr lang="en-US" dirty="0"/>
+              <a:t>All the </a:t>
+            </a:r>
+            <a:r>
+              <a:rPr lang="en-US" dirty="0" err="1"/>
+              <a:t>powershell</a:t>
+            </a:r>
+            <a:r>
+              <a:rPr lang="en-US" dirty="0"/>
+              <a:t> is</a:t>
+            </a:r>
+            <a:r>
+              <a:rPr lang="en-US" baseline="0" dirty="0"/>
+              <a:t> really just another way to report or display data.  The power is being able to use that data </a:t>
+            </a:r>
+            <a:r>
+              <a:rPr lang="en-US" baseline="0"/>
+              <a:t>and integrate.  </a:t>
+            </a:r>
+            <a:endParaRPr lang="en-US" dirty="0"/>
+          </a:p>
+        </p:txBody>
+      </p:sp>
+      <p:sp>
+        <p:nvSpPr>
+          <p:cNvPr id="4" name="Slide Number Placeholder 3"/>
+          <p:cNvSpPr>
+            <a:spLocks noGrp="1"/>
+          </p:cNvSpPr>
+          <p:nvPr>
+            <p:ph type="sldNum" sz="quarter" idx="10"/>
+          </p:nvPr>
+        </p:nvSpPr>
+        <p:spPr/>
+        <p:txBody>
+          <a:bodyPr/>
+          <a:lstStyle/>
+          <a:p>
+            <a:fld id="{6AD7C417-D302-4BDC-AE7D-6A9679C5A3F5}" type="slidenum">
+              <a:rPr lang="en-US" smtClean="0"/>
+              <a:t>33</a:t>
             </a:fld>
             <a:endParaRPr lang="en-US"/>
           </a:p>
@@ -9209,8 +9320,13 @@
             </a:pPr>
             <a:r>
               <a:rPr lang="en-US" dirty="0"/>
-              <a:t>	Security Updates are not included in WU</a:t>
-            </a:r>
+              <a:t>	Security Updates are not included in </a:t>
+            </a:r>
+            <a:r>
+              <a:rPr lang="en-US" dirty="0" smtClean="0"/>
+              <a:t>WUR</a:t>
+            </a:r>
+            <a:endParaRPr lang="en-US" dirty="0"/>
           </a:p>
           <a:p>
             <a:pPr marL="457200" lvl="1" indent="0">
@@ -9348,8 +9464,8 @@
         </p:blipFill>
         <p:spPr>
           <a:xfrm>
-            <a:off x="1417299" y="1847850"/>
-            <a:ext cx="3228975" cy="3619500"/>
+            <a:off x="1417299" y="1608242"/>
+            <a:ext cx="4389735" cy="4920646"/>
           </a:xfrm>
           <a:prstGeom prst="rect">
             <a:avLst/>
@@ -9372,7 +9488,7 @@
         </p:blipFill>
         <p:spPr>
           <a:xfrm>
-            <a:off x="4928679" y="3005847"/>
+            <a:off x="5997458" y="3064213"/>
             <a:ext cx="5798239" cy="593387"/>
           </a:xfrm>
           <a:prstGeom prst="rect">
@@ -9511,8 +9627,8 @@
         </p:blipFill>
         <p:spPr>
           <a:xfrm>
-            <a:off x="1844299" y="4085459"/>
-            <a:ext cx="3093461" cy="1232013"/>
+            <a:off x="1179281" y="3669823"/>
+            <a:ext cx="7584709" cy="3020714"/>
           </a:xfrm>
           <a:prstGeom prst="rect">
             <a:avLst/>
@@ -10460,7 +10576,23 @@
             </a:pPr>
             <a:r>
               <a:rPr lang="en-US" dirty="0"/>
-              <a:t>This will use windows update to install updated drivers dynamically.</a:t>
+              <a:t>This will use </a:t>
+            </a:r>
+            <a:r>
+              <a:rPr lang="en-US" dirty="0" smtClean="0"/>
+              <a:t>Windows </a:t>
+            </a:r>
+            <a:r>
+              <a:rPr lang="en-US" dirty="0"/>
+              <a:t>U</a:t>
+            </a:r>
+            <a:r>
+              <a:rPr lang="en-US" dirty="0" smtClean="0"/>
+              <a:t>pdate </a:t>
+            </a:r>
+            <a:r>
+              <a:rPr lang="en-US" dirty="0"/>
+              <a:t>to install updated drivers dynamically.</a:t>
             </a:r>
           </a:p>
           <a:p>
@@ -10680,8 +10812,8 @@
         </p:blipFill>
         <p:spPr>
           <a:xfrm>
-            <a:off x="2360755" y="2311862"/>
-            <a:ext cx="3970599" cy="4106688"/>
+            <a:off x="2363190" y="2314380"/>
+            <a:ext cx="3968164" cy="4104170"/>
           </a:xfrm>
           <a:prstGeom prst="rect">
             <a:avLst/>
@@ -11700,7 +11832,15 @@
             </a:pPr>
             <a:r>
               <a:rPr lang="en-US" sz="1600" dirty="0"/>
-              <a:t>	[query] | measure count() by </a:t>
+              <a:t>	[query] | </a:t>
+            </a:r>
+            <a:r>
+              <a:rPr lang="en-US" sz="1600" dirty="0" smtClean="0"/>
+              <a:t>Measure </a:t>
+            </a:r>
+            <a:r>
+              <a:rPr lang="en-US" sz="1600" dirty="0"/>
+              <a:t>count() by </a:t>
             </a:r>
             <a:r>
               <a:rPr lang="en-US" sz="1600" dirty="0" err="1"/>
@@ -11917,7 +12057,7 @@
       </p:grpSpPr>
       <p:sp>
         <p:nvSpPr>
-          <p:cNvPr id="4" name="Title 3"/>
+          <p:cNvPr id="2" name="Title 1"/>
           <p:cNvSpPr>
             <a:spLocks noGrp="1"/>
           </p:cNvSpPr>
@@ -11932,19 +12072,24 @@
           <a:p>
             <a:r>
               <a:rPr lang="en-US" dirty="0"/>
-              <a:t>PowerShell and Automation</a:t>
-            </a:r>
+              <a:t>Query </a:t>
+            </a:r>
+            <a:r>
+              <a:rPr lang="en-US" dirty="0" smtClean="0"/>
+              <a:t>Builder</a:t>
+            </a:r>
+            <a:endParaRPr lang="en-US" dirty="0"/>
           </a:p>
         </p:txBody>
       </p:sp>
       <p:sp>
         <p:nvSpPr>
-          <p:cNvPr id="5" name="Text Placeholder 4"/>
+          <p:cNvPr id="3" name="Content Placeholder 2"/>
           <p:cNvSpPr>
             <a:spLocks noGrp="1"/>
           </p:cNvSpPr>
           <p:nvPr>
-            <p:ph type="body" idx="1"/>
+            <p:ph idx="1"/>
           </p:nvPr>
         </p:nvSpPr>
         <p:spPr/>
@@ -11952,17 +12097,111 @@
           <a:bodyPr/>
           <a:lstStyle/>
           <a:p>
-            <a:r>
-              <a:rPr lang="en-US" dirty="0"/>
-              <a:t>The way to get extra credit on your migration project.</a:t>
-            </a:r>
+            <a:pPr marL="114300" indent="0">
+              <a:buNone/>
+            </a:pPr>
+            <a:r>
+              <a:rPr lang="en-US" dirty="0" smtClean="0"/>
+              <a:t>The UI works well for building queries as well.</a:t>
+            </a:r>
+          </a:p>
+          <a:p>
+            <a:pPr marL="114300" indent="0">
+              <a:buNone/>
+            </a:pPr>
+            <a:endParaRPr lang="en-US" sz="1600" dirty="0" smtClean="0"/>
+          </a:p>
+          <a:p>
+            <a:pPr marL="114300" indent="0">
+              <a:buNone/>
+            </a:pPr>
+            <a:r>
+              <a:rPr lang="en-US" dirty="0"/>
+              <a:t>OMS query language starters</a:t>
+            </a:r>
+            <a:endParaRPr lang="en-US" dirty="0"/>
+          </a:p>
+          <a:p>
+            <a:pPr marL="114300" indent="0">
+              <a:buNone/>
+            </a:pPr>
+            <a:r>
+              <a:rPr lang="en-US" u="sng" dirty="0">
+                <a:hlinkClick r:id="rId3"/>
+              </a:rPr>
+              <a:t>https://blogs.technet.microsoft.com/msoms/2016/01/21/easy-microsoft-operations-management-suite-search-queries/</a:t>
+            </a:r>
+            <a:r>
+              <a:rPr lang="en-US" dirty="0"/>
+              <a:t> </a:t>
+            </a:r>
+            <a:endParaRPr lang="en-US" dirty="0" smtClean="0"/>
+          </a:p>
+          <a:p>
+            <a:pPr marL="114300" indent="0">
+              <a:buNone/>
+            </a:pPr>
+            <a:r>
+              <a:rPr lang="en-US" u="sng" dirty="0" smtClean="0">
+                <a:hlinkClick r:id="rId4"/>
+              </a:rPr>
+              <a:t>https</a:t>
+            </a:r>
+            <a:r>
+              <a:rPr lang="en-US" u="sng" dirty="0">
+                <a:hlinkClick r:id="rId4"/>
+              </a:rPr>
+              <a:t>://docs.microsoft.com/en-us/azure/log-analytics/log-analytics-log-searches</a:t>
+            </a:r>
+            <a:r>
+              <a:rPr lang="en-US" dirty="0"/>
+              <a:t>. </a:t>
+            </a:r>
+            <a:endParaRPr lang="en-US" dirty="0" smtClean="0"/>
+          </a:p>
+          <a:p>
+            <a:pPr marL="114300" indent="0">
+              <a:buNone/>
+            </a:pPr>
+            <a:endParaRPr lang="en-US" dirty="0" smtClean="0"/>
+          </a:p>
+          <a:p>
+            <a:pPr marL="114300" indent="0">
+              <a:buNone/>
+            </a:pPr>
+            <a:r>
+              <a:rPr lang="en-US" dirty="0" smtClean="0"/>
+              <a:t>There is a REST API as well. </a:t>
+            </a:r>
+          </a:p>
+          <a:p>
+            <a:pPr marL="114300" indent="0">
+              <a:buNone/>
+            </a:pPr>
+            <a:r>
+              <a:rPr lang="en-US" u="sng" dirty="0">
+                <a:hlinkClick r:id="rId5"/>
+              </a:rPr>
+              <a:t>https://docs.microsoft.com/en-us/azure/log-analytics/log-analytics-log-search-api</a:t>
+            </a:r>
+            <a:r>
+              <a:rPr lang="en-US" dirty="0"/>
+              <a:t>. </a:t>
+            </a:r>
+            <a:endParaRPr lang="en-US" sz="1600" dirty="0"/>
+          </a:p>
+          <a:p>
+            <a:pPr marL="1371600" lvl="3" indent="0">
+              <a:buNone/>
+            </a:pPr>
+            <a:endParaRPr lang="en-US" dirty="0"/>
           </a:p>
         </p:txBody>
       </p:sp>
     </p:spTree>
     <p:extLst>
       <p:ext uri="{BB962C8B-B14F-4D97-AF65-F5344CB8AC3E}">
-        <p14:creationId xmlns:p14="http://schemas.microsoft.com/office/powerpoint/2010/main" val="4025223944"/>
+        <p14:creationId xmlns:p14="http://schemas.microsoft.com/office/powerpoint/2010/main" val="2554799506"/>
       </p:ext>
     </p:extLst>
   </p:cSld>
@@ -11991,7 +12230,7 @@
       </p:grpSpPr>
       <p:sp>
         <p:nvSpPr>
-          <p:cNvPr id="2" name="Title 1"/>
+          <p:cNvPr id="4" name="Title 3"/>
           <p:cNvSpPr>
             <a:spLocks noGrp="1"/>
           </p:cNvSpPr>
@@ -12006,126 +12245,37 @@
           <a:p>
             <a:r>
               <a:rPr lang="en-US" dirty="0"/>
-              <a:t>PowerShell</a:t>
+              <a:t>PowerShell and Automation</a:t>
             </a:r>
           </a:p>
         </p:txBody>
       </p:sp>
       <p:sp>
         <p:nvSpPr>
-          <p:cNvPr id="3" name="Content Placeholder 2"/>
+          <p:cNvPr id="5" name="Text Placeholder 4"/>
           <p:cNvSpPr>
             <a:spLocks noGrp="1"/>
           </p:cNvSpPr>
           <p:nvPr>
-            <p:ph idx="1"/>
+            <p:ph type="body" idx="1"/>
           </p:nvPr>
         </p:nvSpPr>
         <p:spPr/>
         <p:txBody>
-          <a:bodyPr>
-            <a:normAutofit/>
-          </a:bodyPr>
+          <a:bodyPr/>
           <a:lstStyle/>
           <a:p>
             <a:r>
               <a:rPr lang="en-US" dirty="0"/>
-              <a:t>Requirements </a:t>
-            </a:r>
-          </a:p>
-          <a:p>
-            <a:pPr lvl="1"/>
-            <a:r>
-              <a:rPr lang="en-US" dirty="0"/>
-              <a:t>Read access to the Resource Group in Azure.</a:t>
-            </a:r>
-          </a:p>
-          <a:p>
-            <a:pPr lvl="1"/>
-            <a:r>
-              <a:rPr lang="en-US" dirty="0"/>
-              <a:t>OMS Search API PowerShell Module</a:t>
-            </a:r>
-          </a:p>
-          <a:p>
-            <a:pPr lvl="1"/>
-            <a:r>
-              <a:rPr lang="en-US" dirty="0"/>
-              <a:t>An organizational account!  Not a MS account.</a:t>
-            </a:r>
-          </a:p>
-          <a:p>
-            <a:pPr lvl="2"/>
-            <a:r>
-              <a:rPr lang="en-US" dirty="0"/>
-              <a:t>(Azure AD)</a:t>
-            </a:r>
-          </a:p>
-          <a:p>
-            <a:pPr marL="0" indent="0">
-              <a:buNone/>
-            </a:pPr>
-            <a:endParaRPr lang="en-US" dirty="0"/>
-          </a:p>
-          <a:p>
-            <a:pPr lvl="1"/>
-            <a:r>
-              <a:rPr lang="en-US" dirty="0"/>
-              <a:t>All the work is just Operation Insights queries, there is nothing Upgrade Readiness specific.</a:t>
-            </a:r>
-            <a:br>
-              <a:rPr lang="en-US" dirty="0"/>
-            </a:br>
-            <a:endParaRPr lang="en-US" dirty="0"/>
-          </a:p>
-          <a:p>
-            <a:pPr marL="457200" lvl="1" indent="0">
-              <a:buNone/>
-            </a:pPr>
-            <a:r>
-              <a:rPr lang="en-US" dirty="0">
-                <a:hlinkClick r:id="rId3"/>
-              </a:rPr>
-              <a:t>https://github.com/fredbainbridge/WindowsUpgradeReadiness</a:t>
-            </a:r>
-            <a:endParaRPr lang="en-US" dirty="0"/>
-          </a:p>
-          <a:p>
-            <a:pPr marL="457200" lvl="1" indent="0">
-              <a:buNone/>
-            </a:pPr>
-            <a:endParaRPr lang="en-US" dirty="0"/>
-          </a:p>
-          <a:p>
-            <a:pPr marL="457200" lvl="1" indent="0">
-              <a:buNone/>
-            </a:pPr>
-            <a:r>
-              <a:rPr lang="en-US" dirty="0"/>
-              <a:t>Using the Search API does not expose any new ways to get data from OMS.  </a:t>
-            </a:r>
-          </a:p>
-          <a:p>
-            <a:pPr marL="457200" lvl="1" indent="0">
-              <a:buNone/>
-            </a:pPr>
-            <a:r>
-              <a:rPr lang="en-US" dirty="0"/>
-              <a:t>	Still 5000 record limits, etc.</a:t>
-            </a:r>
-          </a:p>
-          <a:p>
-            <a:pPr marL="457200" lvl="1" indent="0">
-              <a:buNone/>
-            </a:pPr>
-            <a:endParaRPr lang="en-US" dirty="0"/>
+              <a:t>The way to get extra credit on your migration project.</a:t>
+            </a:r>
           </a:p>
         </p:txBody>
       </p:sp>
     </p:spTree>
     <p:extLst>
       <p:ext uri="{BB962C8B-B14F-4D97-AF65-F5344CB8AC3E}">
-        <p14:creationId xmlns:p14="http://schemas.microsoft.com/office/powerpoint/2010/main" val="3759384893"/>
+        <p14:creationId xmlns:p14="http://schemas.microsoft.com/office/powerpoint/2010/main" val="4025223944"/>
       </p:ext>
     </p:extLst>
   </p:cSld>
@@ -12186,6 +12336,169 @@
         </p:nvSpPr>
         <p:spPr/>
         <p:txBody>
+          <a:bodyPr>
+            <a:normAutofit/>
+          </a:bodyPr>
+          <a:lstStyle/>
+          <a:p>
+            <a:r>
+              <a:rPr lang="en-US" dirty="0"/>
+              <a:t>Requirements </a:t>
+            </a:r>
+          </a:p>
+          <a:p>
+            <a:pPr lvl="1"/>
+            <a:r>
+              <a:rPr lang="en-US" dirty="0"/>
+              <a:t>Read access to the Resource Group in Azure.</a:t>
+            </a:r>
+          </a:p>
+          <a:p>
+            <a:pPr lvl="1"/>
+            <a:r>
+              <a:rPr lang="en-US" dirty="0"/>
+              <a:t>OMS Search API PowerShell Module</a:t>
+            </a:r>
+          </a:p>
+          <a:p>
+            <a:pPr lvl="1"/>
+            <a:r>
+              <a:rPr lang="en-US" dirty="0"/>
+              <a:t>An organizational account!  Not a MS account.</a:t>
+            </a:r>
+          </a:p>
+          <a:p>
+            <a:pPr lvl="2"/>
+            <a:r>
+              <a:rPr lang="en-US" dirty="0"/>
+              <a:t>(Azure AD)</a:t>
+            </a:r>
+          </a:p>
+          <a:p>
+            <a:pPr marL="0" indent="0">
+              <a:buNone/>
+            </a:pPr>
+            <a:endParaRPr lang="en-US" dirty="0"/>
+          </a:p>
+          <a:p>
+            <a:pPr lvl="1"/>
+            <a:r>
+              <a:rPr lang="en-US" dirty="0"/>
+              <a:t>All the work is just Operation Insights queries, there is nothing Upgrade Readiness specific.</a:t>
+            </a:r>
+            <a:br>
+              <a:rPr lang="en-US" dirty="0"/>
+            </a:br>
+            <a:endParaRPr lang="en-US" dirty="0"/>
+          </a:p>
+          <a:p>
+            <a:pPr marL="457200" lvl="1" indent="0">
+              <a:buNone/>
+            </a:pPr>
+            <a:r>
+              <a:rPr lang="en-US" dirty="0">
+                <a:hlinkClick r:id="rId3"/>
+              </a:rPr>
+              <a:t>https://github.com/fredbainbridge/WindowsUpgradeReadiness</a:t>
+            </a:r>
+            <a:endParaRPr lang="en-US" dirty="0"/>
+          </a:p>
+          <a:p>
+            <a:pPr marL="457200" lvl="1" indent="0">
+              <a:buNone/>
+            </a:pPr>
+            <a:endParaRPr lang="en-US" dirty="0"/>
+          </a:p>
+          <a:p>
+            <a:pPr marL="457200" lvl="1" indent="0">
+              <a:buNone/>
+            </a:pPr>
+            <a:r>
+              <a:rPr lang="en-US" dirty="0"/>
+              <a:t>Using the Search API does not expose any new ways to get data from OMS.  </a:t>
+            </a:r>
+          </a:p>
+          <a:p>
+            <a:pPr marL="457200" lvl="1" indent="0">
+              <a:buNone/>
+            </a:pPr>
+            <a:r>
+              <a:rPr lang="en-US" dirty="0"/>
+              <a:t>	Still 5000 record limits, etc.</a:t>
+            </a:r>
+          </a:p>
+          <a:p>
+            <a:pPr marL="457200" lvl="1" indent="0">
+              <a:buNone/>
+            </a:pPr>
+            <a:endParaRPr lang="en-US" dirty="0"/>
+          </a:p>
+        </p:txBody>
+      </p:sp>
+    </p:spTree>
+    <p:extLst>
+      <p:ext uri="{BB962C8B-B14F-4D97-AF65-F5344CB8AC3E}">
+        <p14:creationId xmlns:p14="http://schemas.microsoft.com/office/powerpoint/2010/main" val="3759384893"/>
+      </p:ext>
+    </p:extLst>
+  </p:cSld>
+  <p:clrMapOvr>
+    <a:masterClrMapping/>
+  </p:clrMapOvr>
+</p:sld>
+</file>
+
+<file path=ppt/slides/slide33.xml><?xml version="1.0" encoding="utf-8"?>
+<p:sld xmlns:a="http://schemas.openxmlformats.org/drawingml/2006/main" xmlns:r="http://schemas.openxmlformats.org/officeDocument/2006/relationships" xmlns:p="http://schemas.openxmlformats.org/presentationml/2006/main">
+  <p:cSld>
+    <p:spTree>
+      <p:nvGrpSpPr>
+        <p:cNvPr id="1" name=""/>
+        <p:cNvGrpSpPr/>
+        <p:nvPr/>
+      </p:nvGrpSpPr>
+      <p:grpSpPr>
+        <a:xfrm>
+          <a:off x="0" y="0"/>
+          <a:ext cx="0" cy="0"/>
+          <a:chOff x="0" y="0"/>
+          <a:chExt cx="0" cy="0"/>
+        </a:xfrm>
+      </p:grpSpPr>
+      <p:sp>
+        <p:nvSpPr>
+          <p:cNvPr id="2" name="Title 1"/>
+          <p:cNvSpPr>
+            <a:spLocks noGrp="1"/>
+          </p:cNvSpPr>
+          <p:nvPr>
+            <p:ph type="title"/>
+          </p:nvPr>
+        </p:nvSpPr>
+        <p:spPr/>
+        <p:txBody>
+          <a:bodyPr/>
+          <a:lstStyle/>
+          <a:p>
+            <a:r>
+              <a:rPr lang="en-US" dirty="0"/>
+              <a:t>PowerShell</a:t>
+            </a:r>
+          </a:p>
+        </p:txBody>
+      </p:sp>
+      <p:sp>
+        <p:nvSpPr>
+          <p:cNvPr id="3" name="Content Placeholder 2"/>
+          <p:cNvSpPr>
+            <a:spLocks noGrp="1"/>
+          </p:cNvSpPr>
+          <p:nvPr>
+            <p:ph idx="1"/>
+          </p:nvPr>
+        </p:nvSpPr>
+        <p:spPr/>
+        <p:txBody>
           <a:bodyPr/>
           <a:lstStyle/>
           <a:p>
@@ -12281,7 +12594,7 @@
 </p:sld>
 </file>
 
-<file path=ppt/slides/slide33.xml><?xml version="1.0" encoding="utf-8"?>
+<file path=ppt/slides/slide34.xml><?xml version="1.0" encoding="utf-8"?>
 <p:sld xmlns:a="http://schemas.openxmlformats.org/drawingml/2006/main" xmlns:r="http://schemas.openxmlformats.org/officeDocument/2006/relationships" xmlns:p="http://schemas.openxmlformats.org/presentationml/2006/main">
   <p:cSld>
     <p:spTree>
@@ -12311,7 +12624,7 @@
 </p:sld>
 </file>
 
-<file path=ppt/slides/slide34.xml><?xml version="1.0" encoding="utf-8"?>
+<file path=ppt/slides/slide35.xml><?xml version="1.0" encoding="utf-8"?>
 <p:sld xmlns:a="http://schemas.openxmlformats.org/drawingml/2006/main" xmlns:r="http://schemas.openxmlformats.org/officeDocument/2006/relationships" xmlns:p="http://schemas.openxmlformats.org/presentationml/2006/main">
   <p:cSld>
     <p:spTree>
@@ -12408,80 +12721,6 @@
     <p:extLst>
       <p:ext uri="{BB962C8B-B14F-4D97-AF65-F5344CB8AC3E}">
         <p14:creationId xmlns:p14="http://schemas.microsoft.com/office/powerpoint/2010/main" val="525927402"/>
-      </p:ext>
-    </p:extLst>
-  </p:cSld>
-  <p:clrMapOvr>
-    <a:masterClrMapping/>
-  </p:clrMapOvr>
-</p:sld>
-</file>
-
-<file path=ppt/slides/slide35.xml><?xml version="1.0" encoding="utf-8"?>
-<p:sld xmlns:a="http://schemas.openxmlformats.org/drawingml/2006/main" xmlns:r="http://schemas.openxmlformats.org/officeDocument/2006/relationships" xmlns:p="http://schemas.openxmlformats.org/presentationml/2006/main" show="0">
-  <p:cSld>
-    <p:spTree>
-      <p:nvGrpSpPr>
-        <p:cNvPr id="1" name=""/>
-        <p:cNvGrpSpPr/>
-        <p:nvPr/>
-      </p:nvGrpSpPr>
-      <p:grpSpPr>
-        <a:xfrm>
-          <a:off x="0" y="0"/>
-          <a:ext cx="0" cy="0"/>
-          <a:chOff x="0" y="0"/>
-          <a:chExt cx="0" cy="0"/>
-        </a:xfrm>
-      </p:grpSpPr>
-      <p:sp>
-        <p:nvSpPr>
-          <p:cNvPr id="4" name="Title 3"/>
-          <p:cNvSpPr>
-            <a:spLocks noGrp="1"/>
-          </p:cNvSpPr>
-          <p:nvPr>
-            <p:ph type="title"/>
-          </p:nvPr>
-        </p:nvSpPr>
-        <p:spPr/>
-        <p:txBody>
-          <a:bodyPr/>
-          <a:lstStyle/>
-          <a:p>
-            <a:r>
-              <a:rPr lang="en-US" dirty="0"/>
-              <a:t>Section Header</a:t>
-            </a:r>
-          </a:p>
-        </p:txBody>
-      </p:sp>
-      <p:sp>
-        <p:nvSpPr>
-          <p:cNvPr id="5" name="Text Placeholder 4"/>
-          <p:cNvSpPr>
-            <a:spLocks noGrp="1"/>
-          </p:cNvSpPr>
-          <p:nvPr>
-            <p:ph type="body" idx="1"/>
-          </p:nvPr>
-        </p:nvSpPr>
-        <p:spPr/>
-        <p:txBody>
-          <a:bodyPr/>
-          <a:lstStyle/>
-          <a:p>
-            <a:r>
-              <a:rPr lang="en-US" dirty="0"/>
-              <a:t>This is the next section</a:t>
-            </a:r>
-          </a:p>
-        </p:txBody>
-      </p:sp>
-    </p:spTree>
-    <p:extLst>
-      <p:ext uri="{BB962C8B-B14F-4D97-AF65-F5344CB8AC3E}">
-        <p14:creationId xmlns:p14="http://schemas.microsoft.com/office/powerpoint/2010/main" val="1657553323"/>
       </p:ext>
     </p:extLst>
   </p:cSld>
@@ -12510,7 +12749,7 @@
       </p:grpSpPr>
       <p:sp>
         <p:nvSpPr>
-          <p:cNvPr id="2" name="Title 1"/>
+          <p:cNvPr id="4" name="Title 3"/>
           <p:cNvSpPr>
             <a:spLocks noGrp="1"/>
           </p:cNvSpPr>
@@ -12525,19 +12764,19 @@
           <a:p>
             <a:r>
               <a:rPr lang="en-US" dirty="0"/>
-              <a:t>Title</a:t>
+              <a:t>Section Header</a:t>
             </a:r>
           </a:p>
         </p:txBody>
       </p:sp>
       <p:sp>
         <p:nvSpPr>
-          <p:cNvPr id="3" name="Content Placeholder 2"/>
+          <p:cNvPr id="5" name="Text Placeholder 4"/>
           <p:cNvSpPr>
             <a:spLocks noGrp="1"/>
           </p:cNvSpPr>
           <p:nvPr>
-            <p:ph idx="1"/>
+            <p:ph type="body" idx="1"/>
           </p:nvPr>
         </p:nvSpPr>
         <p:spPr/>
@@ -12547,45 +12786,29 @@
           <a:p>
             <a:r>
               <a:rPr lang="en-US" dirty="0"/>
-              <a:t>Line1</a:t>
-            </a:r>
-          </a:p>
-          <a:p>
-            <a:pPr lvl="1"/>
-            <a:r>
-              <a:rPr lang="en-US" dirty="0"/>
-              <a:t>Bullet Level 1</a:t>
-            </a:r>
-          </a:p>
-          <a:p>
-            <a:pPr lvl="2"/>
-            <a:r>
-              <a:rPr lang="en-US" dirty="0"/>
-              <a:t>Bullet Level 2</a:t>
-            </a:r>
-          </a:p>
-          <a:p>
-            <a:pPr lvl="3"/>
-            <a:r>
-              <a:rPr lang="en-US" dirty="0"/>
-              <a:t>Bullet Level 3</a:t>
-            </a:r>
-          </a:p>
-          <a:p>
-            <a:endParaRPr lang="en-US" dirty="0"/>
+              <a:t>This is the next section</a:t>
+            </a:r>
           </a:p>
         </p:txBody>
       </p:sp>
     </p:spTree>
     <p:extLst>
       <p:ext uri="{BB962C8B-B14F-4D97-AF65-F5344CB8AC3E}">
-        <p14:creationId xmlns:p14="http://schemas.microsoft.com/office/powerpoint/2010/main" val="912164160"/>
+        <p14:creationId xmlns:p14="http://schemas.microsoft.com/office/powerpoint/2010/main" val="1657553323"/>
       </p:ext>
     </p:extLst>
   </p:cSld>
   <p:clrMapOvr>
     <a:masterClrMapping/>
   </p:clrMapOvr>
+  <mc:AlternateContent xmlns:mc="http://schemas.openxmlformats.org/markup-compatibility/2006">
+    <mc:Choice xmlns:p14="http://schemas.microsoft.com/office/powerpoint/2010/main" Requires="p14">
+      <p:transition spd="slow" p14:dur="2000"/>
+    </mc:Choice>
+    <mc:Fallback>
+      <p:transition spd="slow"/>
+    </mc:Fallback>
+  </mc:AlternateContent>
 </p:sld>
 </file>
 
@@ -12608,7 +12831,7 @@
       </p:grpSpPr>
       <p:sp>
         <p:nvSpPr>
-          <p:cNvPr id="4" name="Title 3"/>
+          <p:cNvPr id="2" name="Title 1"/>
           <p:cNvSpPr>
             <a:spLocks noGrp="1"/>
           </p:cNvSpPr>
@@ -12630,7 +12853,7 @@
       </p:sp>
       <p:sp>
         <p:nvSpPr>
-          <p:cNvPr id="5" name="Content Placeholder 4"/>
+          <p:cNvPr id="3" name="Content Placeholder 2"/>
           <p:cNvSpPr>
             <a:spLocks noGrp="1"/>
           </p:cNvSpPr>
@@ -12645,21 +12868,53 @@
           <a:p>
             <a:r>
               <a:rPr lang="en-US" dirty="0"/>
-              <a:t>Code</a:t>
-            </a:r>
+              <a:t>Line1</a:t>
+            </a:r>
+          </a:p>
+          <a:p>
+            <a:pPr lvl="1"/>
+            <a:r>
+              <a:rPr lang="en-US" dirty="0"/>
+              <a:t>Bullet Level 1</a:t>
+            </a:r>
+          </a:p>
+          <a:p>
+            <a:pPr lvl="2"/>
+            <a:r>
+              <a:rPr lang="en-US" dirty="0"/>
+              <a:t>Bullet Level 2</a:t>
+            </a:r>
+          </a:p>
+          <a:p>
+            <a:pPr lvl="3"/>
+            <a:r>
+              <a:rPr lang="en-US" dirty="0"/>
+              <a:t>Bullet Level 3</a:t>
+            </a:r>
+          </a:p>
+          <a:p>
+            <a:endParaRPr lang="en-US" dirty="0"/>
           </a:p>
         </p:txBody>
       </p:sp>
     </p:spTree>
     <p:extLst>
       <p:ext uri="{BB962C8B-B14F-4D97-AF65-F5344CB8AC3E}">
-        <p14:creationId xmlns:p14="http://schemas.microsoft.com/office/powerpoint/2010/main" val="1895725814"/>
+        <p14:creationId xmlns:p14="http://schemas.microsoft.com/office/powerpoint/2010/main" val="912164160"/>
       </p:ext>
     </p:extLst>
   </p:cSld>
   <p:clrMapOvr>
     <a:masterClrMapping/>
   </p:clrMapOvr>
+  <mc:AlternateContent xmlns:mc="http://schemas.openxmlformats.org/markup-compatibility/2006">
+    <mc:Choice xmlns:p14="http://schemas.microsoft.com/office/powerpoint/2010/main" Requires="p14">
+      <p:transition spd="slow" p14:dur="2000"/>
+    </mc:Choice>
+    <mc:Fallback>
+      <p:transition spd="slow"/>
+    </mc:Fallback>
+  </mc:AlternateContent>
 </p:sld>
 </file>
 
@@ -12682,12 +12937,12 @@
       </p:grpSpPr>
       <p:sp>
         <p:nvSpPr>
-          <p:cNvPr id="4" name="Content Placeholder 3"/>
+          <p:cNvPr id="4" name="Title 3"/>
           <p:cNvSpPr>
             <a:spLocks noGrp="1"/>
           </p:cNvSpPr>
           <p:nvPr>
-            <p:ph idx="1"/>
+            <p:ph type="title"/>
           </p:nvPr>
         </p:nvSpPr>
         <p:spPr/>
@@ -12697,28 +12952,29 @@
           <a:p>
             <a:r>
               <a:rPr lang="en-US" dirty="0"/>
-              <a:t>Text Only with Border</a:t>
-            </a:r>
-          </a:p>
-          <a:p>
-            <a:pPr lvl="1"/>
-            <a:r>
-              <a:rPr lang="en-US" dirty="0"/>
-              <a:t>Level 1</a:t>
-            </a:r>
-          </a:p>
-          <a:p>
-            <a:pPr lvl="2"/>
-            <a:r>
-              <a:rPr lang="en-US" dirty="0"/>
-              <a:t>Level 2 </a:t>
-            </a:r>
-          </a:p>
-          <a:p>
-            <a:pPr lvl="3"/>
-            <a:r>
-              <a:rPr lang="en-US" dirty="0"/>
-              <a:t>Level 3</a:t>
+              <a:t>Title</a:t>
+            </a:r>
+          </a:p>
+        </p:txBody>
+      </p:sp>
+      <p:sp>
+        <p:nvSpPr>
+          <p:cNvPr id="5" name="Content Placeholder 4"/>
+          <p:cNvSpPr>
+            <a:spLocks noGrp="1"/>
+          </p:cNvSpPr>
+          <p:nvPr>
+            <p:ph idx="1"/>
+          </p:nvPr>
+        </p:nvSpPr>
+        <p:spPr/>
+        <p:txBody>
+          <a:bodyPr/>
+          <a:lstStyle/>
+          <a:p>
+            <a:r>
+              <a:rPr lang="en-US" dirty="0"/>
+              <a:t>Code</a:t>
             </a:r>
           </a:p>
         </p:txBody>
@@ -12726,13 +12982,21 @@
     </p:spTree>
     <p:extLst>
       <p:ext uri="{BB962C8B-B14F-4D97-AF65-F5344CB8AC3E}">
-        <p14:creationId xmlns:p14="http://schemas.microsoft.com/office/powerpoint/2010/main" val="659284950"/>
+        <p14:creationId xmlns:p14="http://schemas.microsoft.com/office/powerpoint/2010/main" val="1895725814"/>
       </p:ext>
     </p:extLst>
   </p:cSld>
   <p:clrMapOvr>
     <a:masterClrMapping/>
   </p:clrMapOvr>
+  <mc:AlternateContent xmlns:mc="http://schemas.openxmlformats.org/markup-compatibility/2006">
+    <mc:Choice xmlns:p14="http://schemas.microsoft.com/office/powerpoint/2010/main" Requires="p14">
+      <p:transition spd="slow" p14:dur="2000"/>
+    </mc:Choice>
+    <mc:Fallback>
+      <p:transition spd="slow"/>
+    </mc:Fallback>
+  </mc:AlternateContent>
 </p:sld>
 </file>
 
@@ -12755,7 +13019,7 @@
       </p:grpSpPr>
       <p:sp>
         <p:nvSpPr>
-          <p:cNvPr id="3" name="Content Placeholder 2"/>
+          <p:cNvPr id="4" name="Content Placeholder 3"/>
           <p:cNvSpPr>
             <a:spLocks noGrp="1"/>
           </p:cNvSpPr>
@@ -12770,7 +13034,7 @@
           <a:p>
             <a:r>
               <a:rPr lang="en-US" dirty="0"/>
-              <a:t>Text Only (Red)</a:t>
+              <a:t>Text Only with Border</a:t>
             </a:r>
           </a:p>
           <a:p>
@@ -12784,7 +13048,7 @@
             <a:pPr lvl="2"/>
             <a:r>
               <a:rPr lang="en-US" dirty="0"/>
-              <a:t>Level 2</a:t>
+              <a:t>Level 2 </a:t>
             </a:r>
           </a:p>
           <a:p>
@@ -12799,13 +13063,21 @@
     </p:spTree>
     <p:extLst>
       <p:ext uri="{BB962C8B-B14F-4D97-AF65-F5344CB8AC3E}">
-        <p14:creationId xmlns:p14="http://schemas.microsoft.com/office/powerpoint/2010/main" val="2094311673"/>
+        <p14:creationId xmlns:p14="http://schemas.microsoft.com/office/powerpoint/2010/main" val="659284950"/>
       </p:ext>
     </p:extLst>
   </p:cSld>
   <p:clrMapOvr>
     <a:masterClrMapping/>
   </p:clrMapOvr>
+  <mc:AlternateContent xmlns:mc="http://schemas.openxmlformats.org/markup-compatibility/2006">
+    <mc:Choice xmlns:p14="http://schemas.microsoft.com/office/powerpoint/2010/main" Requires="p14">
+      <p:transition spd="slow" p14:dur="2000"/>
+    </mc:Choice>
+    <mc:Fallback>
+      <p:transition spd="slow"/>
+    </mc:Fallback>
+  </mc:AlternateContent>
 </p:sld>
 </file>
 
@@ -12881,8 +13153,13 @@
             <a:pPr lvl="1"/>
             <a:r>
               <a:rPr lang="en-US" dirty="0"/>
-              <a:t>Windows 10 servicing (i.e. 1511 to 1607)</a:t>
-            </a:r>
+              <a:t>Windows 10 servicing (i.e. 1511 to </a:t>
+            </a:r>
+            <a:r>
+              <a:rPr lang="en-US" dirty="0" smtClean="0"/>
+              <a:t>1703)</a:t>
+            </a:r>
+            <a:endParaRPr lang="en-US" dirty="0"/>
           </a:p>
           <a:p>
             <a:pPr lvl="1"/>
@@ -13013,12 +13290,12 @@
       </p:grpSpPr>
       <p:sp>
         <p:nvSpPr>
-          <p:cNvPr id="3" name="Title 2"/>
+          <p:cNvPr id="3" name="Content Placeholder 2"/>
           <p:cNvSpPr>
             <a:spLocks noGrp="1"/>
           </p:cNvSpPr>
           <p:nvPr>
-            <p:ph type="title"/>
+            <p:ph idx="1"/>
           </p:nvPr>
         </p:nvSpPr>
         <p:spPr/>
@@ -13028,29 +13305,7 @@
           <a:p>
             <a:r>
               <a:rPr lang="en-US" dirty="0"/>
-              <a:t>Title</a:t>
-            </a:r>
-          </a:p>
-        </p:txBody>
-      </p:sp>
-      <p:sp>
-        <p:nvSpPr>
-          <p:cNvPr id="4" name="Content Placeholder 3"/>
-          <p:cNvSpPr>
-            <a:spLocks noGrp="1"/>
-          </p:cNvSpPr>
-          <p:nvPr>
-            <p:ph sz="half" idx="1"/>
-          </p:nvPr>
-        </p:nvSpPr>
-        <p:spPr/>
-        <p:txBody>
-          <a:bodyPr/>
-          <a:lstStyle/>
-          <a:p>
-            <a:r>
-              <a:rPr lang="en-US" dirty="0"/>
-              <a:t>Text 1</a:t>
+              <a:t>Text Only (Red)</a:t>
             </a:r>
           </a:p>
           <a:p>
@@ -13073,68 +13328,27 @@
               <a:rPr lang="en-US" dirty="0"/>
               <a:t>Level 3</a:t>
             </a:r>
-          </a:p>
-          <a:p>
-            <a:endParaRPr lang="en-US" dirty="0"/>
-          </a:p>
-        </p:txBody>
-      </p:sp>
-      <p:sp>
-        <p:nvSpPr>
-          <p:cNvPr id="5" name="Content Placeholder 4"/>
-          <p:cNvSpPr>
-            <a:spLocks noGrp="1"/>
-          </p:cNvSpPr>
-          <p:nvPr>
-            <p:ph sz="half" idx="2"/>
-          </p:nvPr>
-        </p:nvSpPr>
-        <p:spPr/>
-        <p:txBody>
-          <a:bodyPr/>
-          <a:lstStyle/>
-          <a:p>
-            <a:r>
-              <a:rPr lang="en-US" dirty="0"/>
-              <a:t>Text 2</a:t>
-            </a:r>
-          </a:p>
-          <a:p>
-            <a:pPr lvl="1"/>
-            <a:r>
-              <a:rPr lang="en-US" dirty="0"/>
-              <a:t>Level 1</a:t>
-            </a:r>
-          </a:p>
-          <a:p>
-            <a:pPr lvl="2"/>
-            <a:r>
-              <a:rPr lang="en-US" dirty="0"/>
-              <a:t>Level 2</a:t>
-            </a:r>
-          </a:p>
-          <a:p>
-            <a:pPr lvl="3"/>
-            <a:r>
-              <a:rPr lang="en-US" dirty="0"/>
-              <a:t>Level 3</a:t>
-            </a:r>
-          </a:p>
-          <a:p>
-            <a:endParaRPr lang="en-US" dirty="0"/>
           </a:p>
         </p:txBody>
       </p:sp>
     </p:spTree>
     <p:extLst>
       <p:ext uri="{BB962C8B-B14F-4D97-AF65-F5344CB8AC3E}">
-        <p14:creationId xmlns:p14="http://schemas.microsoft.com/office/powerpoint/2010/main" val="2554539812"/>
+        <p14:creationId xmlns:p14="http://schemas.microsoft.com/office/powerpoint/2010/main" val="2094311673"/>
       </p:ext>
     </p:extLst>
   </p:cSld>
   <p:clrMapOvr>
     <a:masterClrMapping/>
   </p:clrMapOvr>
+  <mc:AlternateContent xmlns:mc="http://schemas.openxmlformats.org/markup-compatibility/2006">
+    <mc:Choice xmlns:p14="http://schemas.microsoft.com/office/powerpoint/2010/main" Requires="p14">
+      <p:transition spd="slow" p14:dur="2000"/>
+    </mc:Choice>
+    <mc:Fallback>
+      <p:transition spd="slow"/>
+    </mc:Fallback>
+  </mc:AlternateContent>
 </p:sld>
 </file>
 
@@ -13157,12 +13371,12 @@
       </p:grpSpPr>
       <p:sp>
         <p:nvSpPr>
-          <p:cNvPr id="6" name="Text Placeholder 5"/>
+          <p:cNvPr id="3" name="Title 2"/>
           <p:cNvSpPr>
             <a:spLocks noGrp="1"/>
           </p:cNvSpPr>
           <p:nvPr>
-            <p:ph type="body" idx="1"/>
+            <p:ph type="title"/>
           </p:nvPr>
         </p:nvSpPr>
         <p:spPr/>
@@ -13172,19 +13386,19 @@
           <a:p>
             <a:r>
               <a:rPr lang="en-US" dirty="0"/>
-              <a:t>Section 1</a:t>
+              <a:t>Title</a:t>
             </a:r>
           </a:p>
         </p:txBody>
       </p:sp>
       <p:sp>
         <p:nvSpPr>
-          <p:cNvPr id="7" name="Content Placeholder 6"/>
+          <p:cNvPr id="4" name="Content Placeholder 3"/>
           <p:cNvSpPr>
             <a:spLocks noGrp="1"/>
           </p:cNvSpPr>
           <p:nvPr>
-            <p:ph sz="half" idx="2"/>
+            <p:ph sz="half" idx="1"/>
           </p:nvPr>
         </p:nvSpPr>
         <p:spPr/>
@@ -13194,7 +13408,7 @@
           <a:p>
             <a:r>
               <a:rPr lang="en-US" dirty="0"/>
-              <a:t>Text</a:t>
+              <a:t>Text 1</a:t>
             </a:r>
           </a:p>
           <a:p>
@@ -13225,12 +13439,12 @@
       </p:sp>
       <p:sp>
         <p:nvSpPr>
-          <p:cNvPr id="8" name="Text Placeholder 7"/>
+          <p:cNvPr id="5" name="Content Placeholder 4"/>
           <p:cNvSpPr>
             <a:spLocks noGrp="1"/>
           </p:cNvSpPr>
           <p:nvPr>
-            <p:ph type="body" sz="quarter" idx="3"/>
+            <p:ph sz="half" idx="2"/>
           </p:nvPr>
         </p:nvSpPr>
         <p:spPr/>
@@ -13240,29 +13454,7 @@
           <a:p>
             <a:r>
               <a:rPr lang="en-US" dirty="0"/>
-              <a:t>Section 2</a:t>
-            </a:r>
-          </a:p>
-        </p:txBody>
-      </p:sp>
-      <p:sp>
-        <p:nvSpPr>
-          <p:cNvPr id="9" name="Content Placeholder 8"/>
-          <p:cNvSpPr>
-            <a:spLocks noGrp="1"/>
-          </p:cNvSpPr>
-          <p:nvPr>
-            <p:ph sz="quarter" idx="4"/>
-          </p:nvPr>
-        </p:nvSpPr>
-        <p:spPr/>
-        <p:txBody>
-          <a:bodyPr/>
-          <a:lstStyle/>
-          <a:p>
-            <a:r>
-              <a:rPr lang="en-US" dirty="0"/>
-              <a:t>Text</a:t>
+              <a:t>Text 2</a:t>
             </a:r>
           </a:p>
           <a:p>
@@ -13288,41 +13480,27 @@
           </a:p>
           <a:p>
             <a:endParaRPr lang="en-US" dirty="0"/>
-          </a:p>
-        </p:txBody>
-      </p:sp>
-      <p:sp>
-        <p:nvSpPr>
-          <p:cNvPr id="5" name="Title 4"/>
-          <p:cNvSpPr>
-            <a:spLocks noGrp="1"/>
-          </p:cNvSpPr>
-          <p:nvPr>
-            <p:ph type="title"/>
-          </p:nvPr>
-        </p:nvSpPr>
-        <p:spPr/>
-        <p:txBody>
-          <a:bodyPr/>
-          <a:lstStyle/>
-          <a:p>
-            <a:r>
-              <a:rPr lang="en-US" dirty="0"/>
-              <a:t>Title</a:t>
-            </a:r>
           </a:p>
         </p:txBody>
       </p:sp>
     </p:spTree>
     <p:extLst>
       <p:ext uri="{BB962C8B-B14F-4D97-AF65-F5344CB8AC3E}">
-        <p14:creationId xmlns:p14="http://schemas.microsoft.com/office/powerpoint/2010/main" val="3003455065"/>
+        <p14:creationId xmlns:p14="http://schemas.microsoft.com/office/powerpoint/2010/main" val="2554539812"/>
       </p:ext>
     </p:extLst>
   </p:cSld>
   <p:clrMapOvr>
     <a:masterClrMapping/>
   </p:clrMapOvr>
+  <mc:AlternateContent xmlns:mc="http://schemas.openxmlformats.org/markup-compatibility/2006">
+    <mc:Choice xmlns:p14="http://schemas.microsoft.com/office/powerpoint/2010/main" Requires="p14">
+      <p:transition spd="slow" p14:dur="2000"/>
+    </mc:Choice>
+    <mc:Fallback>
+      <p:transition spd="slow"/>
+    </mc:Fallback>
+  </mc:AlternateContent>
 </p:sld>
 </file>
 
@@ -13345,7 +13523,7 @@
       </p:grpSpPr>
       <p:sp>
         <p:nvSpPr>
-          <p:cNvPr id="7" name="Text Placeholder 6"/>
+          <p:cNvPr id="6" name="Text Placeholder 5"/>
           <p:cNvSpPr>
             <a:spLocks noGrp="1"/>
           </p:cNvSpPr>
@@ -13360,7 +13538,143 @@
           <a:p>
             <a:r>
               <a:rPr lang="en-US" dirty="0"/>
-              <a:t>Demo Title</a:t>
+              <a:t>Section 1</a:t>
+            </a:r>
+          </a:p>
+        </p:txBody>
+      </p:sp>
+      <p:sp>
+        <p:nvSpPr>
+          <p:cNvPr id="7" name="Content Placeholder 6"/>
+          <p:cNvSpPr>
+            <a:spLocks noGrp="1"/>
+          </p:cNvSpPr>
+          <p:nvPr>
+            <p:ph sz="half" idx="2"/>
+          </p:nvPr>
+        </p:nvSpPr>
+        <p:spPr/>
+        <p:txBody>
+          <a:bodyPr/>
+          <a:lstStyle/>
+          <a:p>
+            <a:r>
+              <a:rPr lang="en-US" dirty="0"/>
+              <a:t>Text</a:t>
+            </a:r>
+          </a:p>
+          <a:p>
+            <a:pPr lvl="1"/>
+            <a:r>
+              <a:rPr lang="en-US" dirty="0"/>
+              <a:t>Level 1</a:t>
+            </a:r>
+          </a:p>
+          <a:p>
+            <a:pPr lvl="2"/>
+            <a:r>
+              <a:rPr lang="en-US" dirty="0"/>
+              <a:t>Level 2</a:t>
+            </a:r>
+          </a:p>
+          <a:p>
+            <a:pPr lvl="3"/>
+            <a:r>
+              <a:rPr lang="en-US" dirty="0"/>
+              <a:t>Level 3</a:t>
+            </a:r>
+          </a:p>
+          <a:p>
+            <a:endParaRPr lang="en-US" dirty="0"/>
+          </a:p>
+        </p:txBody>
+      </p:sp>
+      <p:sp>
+        <p:nvSpPr>
+          <p:cNvPr id="8" name="Text Placeholder 7"/>
+          <p:cNvSpPr>
+            <a:spLocks noGrp="1"/>
+          </p:cNvSpPr>
+          <p:nvPr>
+            <p:ph type="body" sz="quarter" idx="3"/>
+          </p:nvPr>
+        </p:nvSpPr>
+        <p:spPr/>
+        <p:txBody>
+          <a:bodyPr/>
+          <a:lstStyle/>
+          <a:p>
+            <a:r>
+              <a:rPr lang="en-US" dirty="0"/>
+              <a:t>Section 2</a:t>
+            </a:r>
+          </a:p>
+        </p:txBody>
+      </p:sp>
+      <p:sp>
+        <p:nvSpPr>
+          <p:cNvPr id="9" name="Content Placeholder 8"/>
+          <p:cNvSpPr>
+            <a:spLocks noGrp="1"/>
+          </p:cNvSpPr>
+          <p:nvPr>
+            <p:ph sz="quarter" idx="4"/>
+          </p:nvPr>
+        </p:nvSpPr>
+        <p:spPr/>
+        <p:txBody>
+          <a:bodyPr/>
+          <a:lstStyle/>
+          <a:p>
+            <a:r>
+              <a:rPr lang="en-US" dirty="0"/>
+              <a:t>Text</a:t>
+            </a:r>
+          </a:p>
+          <a:p>
+            <a:pPr lvl="1"/>
+            <a:r>
+              <a:rPr lang="en-US" dirty="0"/>
+              <a:t>Level 1</a:t>
+            </a:r>
+          </a:p>
+          <a:p>
+            <a:pPr lvl="2"/>
+            <a:r>
+              <a:rPr lang="en-US" dirty="0"/>
+              <a:t>Level 2</a:t>
+            </a:r>
+          </a:p>
+          <a:p>
+            <a:pPr lvl="3"/>
+            <a:r>
+              <a:rPr lang="en-US" dirty="0"/>
+              <a:t>Level 3</a:t>
+            </a:r>
+          </a:p>
+          <a:p>
+            <a:endParaRPr lang="en-US" dirty="0"/>
+          </a:p>
+        </p:txBody>
+      </p:sp>
+      <p:sp>
+        <p:nvSpPr>
+          <p:cNvPr id="5" name="Title 4"/>
+          <p:cNvSpPr>
+            <a:spLocks noGrp="1"/>
+          </p:cNvSpPr>
+          <p:nvPr>
+            <p:ph type="title"/>
+          </p:nvPr>
+        </p:nvSpPr>
+        <p:spPr/>
+        <p:txBody>
+          <a:bodyPr/>
+          <a:lstStyle/>
+          <a:p>
+            <a:r>
+              <a:rPr lang="en-US" dirty="0"/>
+              <a:t>Title</a:t>
             </a:r>
           </a:p>
         </p:txBody>
@@ -13368,13 +13682,21 @@
     </p:spTree>
     <p:extLst>
       <p:ext uri="{BB962C8B-B14F-4D97-AF65-F5344CB8AC3E}">
-        <p14:creationId xmlns:p14="http://schemas.microsoft.com/office/powerpoint/2010/main" val="3216050713"/>
+        <p14:creationId xmlns:p14="http://schemas.microsoft.com/office/powerpoint/2010/main" val="3003455065"/>
       </p:ext>
     </p:extLst>
   </p:cSld>
   <p:clrMapOvr>
     <a:masterClrMapping/>
   </p:clrMapOvr>
+  <mc:AlternateContent xmlns:mc="http://schemas.openxmlformats.org/markup-compatibility/2006">
+    <mc:Choice xmlns:p14="http://schemas.microsoft.com/office/powerpoint/2010/main" Requires="p14">
+      <p:transition spd="slow" p14:dur="2000"/>
+    </mc:Choice>
+    <mc:Fallback>
+      <p:transition spd="slow"/>
+    </mc:Fallback>
+  </mc:AlternateContent>
 </p:sld>
 </file>
 
@@ -13395,881 +13717,46 @@
           <a:chExt cx="0" cy="0"/>
         </a:xfrm>
       </p:grpSpPr>
-      <p:pic>
-        <p:nvPicPr>
-          <p:cNvPr id="11" name="Picture 10"/>
-          <p:cNvPicPr>
-            <a:picLocks noChangeAspect="1"/>
-          </p:cNvPicPr>
-          <p:nvPr/>
-        </p:nvPicPr>
-        <p:blipFill>
-          <a:blip r:embed="rId2">
-            <a:extLst>
-              <a:ext uri="{28A0092B-C50C-407E-A947-70E740481C1C}">
-                <a14:useLocalDpi xmlns:a14="http://schemas.microsoft.com/office/drawing/2010/main" val="0"/>
-              </a:ext>
-            </a:extLst>
-          </a:blip>
-          <a:stretch>
-            <a:fillRect/>
-          </a:stretch>
-        </p:blipFill>
-        <p:spPr>
-          <a:xfrm>
-            <a:off x="2207458" y="453313"/>
-            <a:ext cx="457200" cy="457200"/>
-          </a:xfrm>
-          <a:prstGeom prst="rect">
-            <a:avLst/>
-          </a:prstGeom>
-        </p:spPr>
-      </p:pic>
-      <p:pic>
-        <p:nvPicPr>
-          <p:cNvPr id="12" name="Picture 11"/>
-          <p:cNvPicPr>
-            <a:picLocks noChangeAspect="1"/>
-          </p:cNvPicPr>
-          <p:nvPr/>
-        </p:nvPicPr>
-        <p:blipFill>
-          <a:blip r:embed="rId3">
-            <a:extLst>
-              <a:ext uri="{28A0092B-C50C-407E-A947-70E740481C1C}">
-                <a14:useLocalDpi xmlns:a14="http://schemas.microsoft.com/office/drawing/2010/main" val="0"/>
-              </a:ext>
-            </a:extLst>
-          </a:blip>
-          <a:stretch>
-            <a:fillRect/>
-          </a:stretch>
-        </p:blipFill>
-        <p:spPr>
-          <a:xfrm>
-            <a:off x="1294229" y="453399"/>
-            <a:ext cx="457200" cy="457200"/>
-          </a:xfrm>
-          <a:prstGeom prst="rect">
-            <a:avLst/>
-          </a:prstGeom>
-        </p:spPr>
-      </p:pic>
-      <p:pic>
-        <p:nvPicPr>
-          <p:cNvPr id="13" name="Picture 12"/>
-          <p:cNvPicPr>
-            <a:picLocks noChangeAspect="1"/>
-          </p:cNvPicPr>
-          <p:nvPr/>
-        </p:nvPicPr>
-        <p:blipFill>
-          <a:blip r:embed="rId4">
-            <a:extLst>
-              <a:ext uri="{28A0092B-C50C-407E-A947-70E740481C1C}">
-                <a14:useLocalDpi xmlns:a14="http://schemas.microsoft.com/office/drawing/2010/main" val="0"/>
-              </a:ext>
-            </a:extLst>
-          </a:blip>
-          <a:stretch>
-            <a:fillRect/>
-          </a:stretch>
-        </p:blipFill>
-        <p:spPr>
-          <a:xfrm>
-            <a:off x="381000" y="453399"/>
-            <a:ext cx="457200" cy="457200"/>
-          </a:xfrm>
-          <a:prstGeom prst="rect">
-            <a:avLst/>
-          </a:prstGeom>
-        </p:spPr>
-      </p:pic>
-      <p:pic>
-        <p:nvPicPr>
-          <p:cNvPr id="15" name="Picture 14"/>
-          <p:cNvPicPr>
-            <a:picLocks noChangeAspect="1"/>
-          </p:cNvPicPr>
-          <p:nvPr/>
-        </p:nvPicPr>
-        <p:blipFill>
-          <a:blip r:embed="rId5">
-            <a:lum bright="70000" contrast="-70000"/>
-            <a:extLst>
-              <a:ext uri="{28A0092B-C50C-407E-A947-70E740481C1C}">
-                <a14:useLocalDpi xmlns:a14="http://schemas.microsoft.com/office/drawing/2010/main" val="0"/>
-              </a:ext>
-            </a:extLst>
-          </a:blip>
-          <a:stretch>
-            <a:fillRect/>
-          </a:stretch>
-        </p:blipFill>
-        <p:spPr>
-          <a:xfrm>
-            <a:off x="303629" y="1070428"/>
-            <a:ext cx="1219200" cy="1219200"/>
-          </a:xfrm>
-          <a:prstGeom prst="rect">
-            <a:avLst/>
-          </a:prstGeom>
-        </p:spPr>
-      </p:pic>
-      <p:pic>
-        <p:nvPicPr>
-          <p:cNvPr id="279" name="Picture 278"/>
-          <p:cNvPicPr>
-            <a:picLocks noChangeAspect="1"/>
-          </p:cNvPicPr>
-          <p:nvPr/>
-        </p:nvPicPr>
-        <p:blipFill>
-          <a:blip r:embed="rId6">
-            <a:lum bright="70000" contrast="-70000"/>
-            <a:extLst>
-              <a:ext uri="{28A0092B-C50C-407E-A947-70E740481C1C}">
-                <a14:useLocalDpi xmlns:a14="http://schemas.microsoft.com/office/drawing/2010/main" val="0"/>
-              </a:ext>
-            </a:extLst>
-          </a:blip>
-          <a:stretch>
-            <a:fillRect/>
-          </a:stretch>
-        </p:blipFill>
-        <p:spPr>
-          <a:xfrm>
-            <a:off x="2950029" y="1070428"/>
-            <a:ext cx="1219200" cy="1219200"/>
-          </a:xfrm>
-          <a:prstGeom prst="rect">
-            <a:avLst/>
-          </a:prstGeom>
-        </p:spPr>
-      </p:pic>
-      <p:pic>
-        <p:nvPicPr>
-          <p:cNvPr id="280" name="Picture 279"/>
-          <p:cNvPicPr>
-            <a:picLocks noChangeAspect="1"/>
-          </p:cNvPicPr>
-          <p:nvPr/>
-        </p:nvPicPr>
-        <p:blipFill>
-          <a:blip r:embed="rId7">
-            <a:lum bright="70000" contrast="-70000"/>
-            <a:extLst>
-              <a:ext uri="{28A0092B-C50C-407E-A947-70E740481C1C}">
-                <a14:useLocalDpi xmlns:a14="http://schemas.microsoft.com/office/drawing/2010/main" val="0"/>
-              </a:ext>
-            </a:extLst>
-          </a:blip>
-          <a:stretch>
-            <a:fillRect/>
-          </a:stretch>
-        </p:blipFill>
-        <p:spPr>
-          <a:xfrm>
-            <a:off x="1626829" y="1070428"/>
-            <a:ext cx="1219200" cy="1219200"/>
-          </a:xfrm>
-          <a:prstGeom prst="rect">
-            <a:avLst/>
-          </a:prstGeom>
-        </p:spPr>
-      </p:pic>
-      <p:pic>
-        <p:nvPicPr>
-          <p:cNvPr id="281" name="Picture 280"/>
-          <p:cNvPicPr>
-            <a:picLocks noChangeAspect="1"/>
-          </p:cNvPicPr>
-          <p:nvPr/>
-        </p:nvPicPr>
-        <p:blipFill>
-          <a:blip r:embed="rId8">
-            <a:lum bright="70000" contrast="-70000"/>
-            <a:extLst>
-              <a:ext uri="{28A0092B-C50C-407E-A947-70E740481C1C}">
-                <a14:useLocalDpi xmlns:a14="http://schemas.microsoft.com/office/drawing/2010/main" val="0"/>
-              </a:ext>
-            </a:extLst>
-          </a:blip>
-          <a:stretch>
-            <a:fillRect/>
-          </a:stretch>
-        </p:blipFill>
-        <p:spPr>
-          <a:xfrm>
-            <a:off x="5596429" y="1107999"/>
-            <a:ext cx="1219200" cy="1219200"/>
-          </a:xfrm>
-          <a:prstGeom prst="rect">
-            <a:avLst/>
-          </a:prstGeom>
-        </p:spPr>
-      </p:pic>
-      <p:pic>
-        <p:nvPicPr>
-          <p:cNvPr id="282" name="Picture 281"/>
-          <p:cNvPicPr>
-            <a:picLocks noChangeAspect="1"/>
-          </p:cNvPicPr>
-          <p:nvPr/>
-        </p:nvPicPr>
-        <p:blipFill>
-          <a:blip r:embed="rId9">
-            <a:lum bright="70000" contrast="-70000"/>
-            <a:extLst>
-              <a:ext uri="{28A0092B-C50C-407E-A947-70E740481C1C}">
-                <a14:useLocalDpi xmlns:a14="http://schemas.microsoft.com/office/drawing/2010/main" val="0"/>
-              </a:ext>
-            </a:extLst>
-          </a:blip>
-          <a:stretch>
-            <a:fillRect/>
-          </a:stretch>
-        </p:blipFill>
-        <p:spPr>
-          <a:xfrm>
-            <a:off x="4273229" y="1070428"/>
-            <a:ext cx="1219200" cy="1219200"/>
-          </a:xfrm>
-          <a:prstGeom prst="rect">
-            <a:avLst/>
-          </a:prstGeom>
-        </p:spPr>
-      </p:pic>
-      <p:pic>
-        <p:nvPicPr>
-          <p:cNvPr id="283" name="Picture 282"/>
-          <p:cNvPicPr>
-            <a:picLocks noChangeAspect="1"/>
-          </p:cNvPicPr>
-          <p:nvPr/>
-        </p:nvPicPr>
-        <p:blipFill>
-          <a:blip r:embed="rId10">
-            <a:lum bright="70000" contrast="-70000"/>
-            <a:extLst>
-              <a:ext uri="{28A0092B-C50C-407E-A947-70E740481C1C}">
-                <a14:useLocalDpi xmlns:a14="http://schemas.microsoft.com/office/drawing/2010/main" val="0"/>
-              </a:ext>
-            </a:extLst>
-          </a:blip>
-          <a:stretch>
-            <a:fillRect/>
-          </a:stretch>
-        </p:blipFill>
-        <p:spPr>
-          <a:xfrm>
-            <a:off x="6919629" y="1107999"/>
-            <a:ext cx="1219200" cy="1219200"/>
-          </a:xfrm>
-          <a:prstGeom prst="rect">
-            <a:avLst/>
-          </a:prstGeom>
-        </p:spPr>
-      </p:pic>
-      <p:pic>
-        <p:nvPicPr>
-          <p:cNvPr id="284" name="Picture 283"/>
-          <p:cNvPicPr>
-            <a:picLocks noChangeAspect="1"/>
-          </p:cNvPicPr>
-          <p:nvPr/>
-        </p:nvPicPr>
-        <p:blipFill>
-          <a:blip r:embed="rId11">
-            <a:lum bright="70000" contrast="-70000"/>
-            <a:extLst>
-              <a:ext uri="{28A0092B-C50C-407E-A947-70E740481C1C}">
-                <a14:useLocalDpi xmlns:a14="http://schemas.microsoft.com/office/drawing/2010/main" val="0"/>
-              </a:ext>
-            </a:extLst>
-          </a:blip>
-          <a:stretch>
-            <a:fillRect/>
-          </a:stretch>
-        </p:blipFill>
-        <p:spPr>
-          <a:xfrm>
-            <a:off x="9105600" y="1070428"/>
-            <a:ext cx="1219200" cy="1219200"/>
-          </a:xfrm>
-          <a:prstGeom prst="rect">
-            <a:avLst/>
-          </a:prstGeom>
-        </p:spPr>
-      </p:pic>
-      <p:pic>
-        <p:nvPicPr>
-          <p:cNvPr id="285" name="Picture 284"/>
-          <p:cNvPicPr>
-            <a:picLocks noChangeAspect="1"/>
-          </p:cNvPicPr>
-          <p:nvPr/>
-        </p:nvPicPr>
-        <p:blipFill>
-          <a:blip r:embed="rId12">
-            <a:lum bright="70000" contrast="-70000"/>
-            <a:extLst>
-              <a:ext uri="{28A0092B-C50C-407E-A947-70E740481C1C}">
-                <a14:useLocalDpi xmlns:a14="http://schemas.microsoft.com/office/drawing/2010/main" val="0"/>
-              </a:ext>
-            </a:extLst>
-          </a:blip>
-          <a:stretch>
-            <a:fillRect/>
-          </a:stretch>
-        </p:blipFill>
-        <p:spPr>
-          <a:xfrm>
-            <a:off x="7988286" y="1070428"/>
-            <a:ext cx="1219200" cy="1219200"/>
-          </a:xfrm>
-          <a:prstGeom prst="rect">
-            <a:avLst/>
-          </a:prstGeom>
-        </p:spPr>
-      </p:pic>
-      <p:pic>
-        <p:nvPicPr>
-          <p:cNvPr id="286" name="Picture 285"/>
-          <p:cNvPicPr>
-            <a:picLocks noChangeAspect="1"/>
-          </p:cNvPicPr>
-          <p:nvPr/>
-        </p:nvPicPr>
-        <p:blipFill>
-          <a:blip r:embed="rId13">
-            <a:lum bright="70000" contrast="-70000"/>
-            <a:extLst>
-              <a:ext uri="{28A0092B-C50C-407E-A947-70E740481C1C}">
-                <a14:useLocalDpi xmlns:a14="http://schemas.microsoft.com/office/drawing/2010/main" val="0"/>
-              </a:ext>
-            </a:extLst>
-          </a:blip>
-          <a:stretch>
-            <a:fillRect/>
-          </a:stretch>
-        </p:blipFill>
-        <p:spPr>
-          <a:xfrm>
-            <a:off x="303629" y="2185742"/>
-            <a:ext cx="1219200" cy="1219200"/>
-          </a:xfrm>
-          <a:prstGeom prst="rect">
-            <a:avLst/>
-          </a:prstGeom>
-        </p:spPr>
-      </p:pic>
-      <p:pic>
-        <p:nvPicPr>
-          <p:cNvPr id="287" name="Picture 286"/>
-          <p:cNvPicPr>
-            <a:picLocks noChangeAspect="1"/>
-          </p:cNvPicPr>
-          <p:nvPr/>
-        </p:nvPicPr>
-        <p:blipFill>
-          <a:blip r:embed="rId14">
-            <a:lum bright="70000" contrast="-70000"/>
-            <a:extLst>
-              <a:ext uri="{28A0092B-C50C-407E-A947-70E740481C1C}">
-                <a14:useLocalDpi xmlns:a14="http://schemas.microsoft.com/office/drawing/2010/main" val="0"/>
-              </a:ext>
-            </a:extLst>
-          </a:blip>
-          <a:stretch>
-            <a:fillRect/>
-          </a:stretch>
-        </p:blipFill>
-        <p:spPr>
-          <a:xfrm>
-            <a:off x="10484143" y="1070428"/>
-            <a:ext cx="1219200" cy="1219200"/>
-          </a:xfrm>
-          <a:prstGeom prst="rect">
-            <a:avLst/>
-          </a:prstGeom>
-        </p:spPr>
-      </p:pic>
-      <p:pic>
-        <p:nvPicPr>
-          <p:cNvPr id="288" name="Picture 287"/>
-          <p:cNvPicPr>
-            <a:picLocks noChangeAspect="1"/>
-          </p:cNvPicPr>
-          <p:nvPr/>
-        </p:nvPicPr>
-        <p:blipFill>
-          <a:blip r:embed="rId15">
-            <a:lum bright="70000" contrast="-70000"/>
-            <a:extLst>
-              <a:ext uri="{28A0092B-C50C-407E-A947-70E740481C1C}">
-                <a14:useLocalDpi xmlns:a14="http://schemas.microsoft.com/office/drawing/2010/main" val="0"/>
-              </a:ext>
-            </a:extLst>
-          </a:blip>
-          <a:stretch>
-            <a:fillRect/>
-          </a:stretch>
-        </p:blipFill>
-        <p:spPr>
-          <a:xfrm>
-            <a:off x="2923629" y="2421599"/>
-            <a:ext cx="1219200" cy="1219200"/>
-          </a:xfrm>
-          <a:prstGeom prst="rect">
-            <a:avLst/>
-          </a:prstGeom>
-        </p:spPr>
-      </p:pic>
-      <p:pic>
-        <p:nvPicPr>
-          <p:cNvPr id="289" name="Picture 288"/>
-          <p:cNvPicPr>
-            <a:picLocks noChangeAspect="1"/>
-          </p:cNvPicPr>
-          <p:nvPr/>
-        </p:nvPicPr>
-        <p:blipFill>
-          <a:blip r:embed="rId16">
-            <a:lum bright="70000" contrast="-70000"/>
-            <a:extLst>
-              <a:ext uri="{28A0092B-C50C-407E-A947-70E740481C1C}">
-                <a14:useLocalDpi xmlns:a14="http://schemas.microsoft.com/office/drawing/2010/main" val="0"/>
-              </a:ext>
-            </a:extLst>
-          </a:blip>
-          <a:stretch>
-            <a:fillRect/>
-          </a:stretch>
-        </p:blipFill>
-        <p:spPr>
-          <a:xfrm>
-            <a:off x="4273229" y="2454485"/>
-            <a:ext cx="1219200" cy="1219200"/>
-          </a:xfrm>
-          <a:prstGeom prst="rect">
-            <a:avLst/>
-          </a:prstGeom>
-        </p:spPr>
-      </p:pic>
-      <p:pic>
-        <p:nvPicPr>
-          <p:cNvPr id="290" name="Picture 289"/>
-          <p:cNvPicPr>
-            <a:picLocks noChangeAspect="1"/>
-          </p:cNvPicPr>
-          <p:nvPr/>
-        </p:nvPicPr>
-        <p:blipFill>
-          <a:blip r:embed="rId17">
-            <a:lum bright="70000" contrast="-70000"/>
-            <a:extLst>
-              <a:ext uri="{28A0092B-C50C-407E-A947-70E740481C1C}">
-                <a14:useLocalDpi xmlns:a14="http://schemas.microsoft.com/office/drawing/2010/main" val="0"/>
-              </a:ext>
-            </a:extLst>
-          </a:blip>
-          <a:stretch>
-            <a:fillRect/>
-          </a:stretch>
-        </p:blipFill>
-        <p:spPr>
-          <a:xfrm>
-            <a:off x="1704429" y="2421599"/>
-            <a:ext cx="1219200" cy="1219200"/>
-          </a:xfrm>
-          <a:prstGeom prst="rect">
-            <a:avLst/>
-          </a:prstGeom>
-        </p:spPr>
-      </p:pic>
-      <p:pic>
-        <p:nvPicPr>
-          <p:cNvPr id="291" name="Picture 290"/>
-          <p:cNvPicPr>
-            <a:picLocks noChangeAspect="1"/>
-          </p:cNvPicPr>
-          <p:nvPr/>
-        </p:nvPicPr>
-        <p:blipFill>
-          <a:blip r:embed="rId18">
-            <a:lum bright="70000" contrast="-70000"/>
-            <a:extLst>
-              <a:ext uri="{28A0092B-C50C-407E-A947-70E740481C1C}">
-                <a14:useLocalDpi xmlns:a14="http://schemas.microsoft.com/office/drawing/2010/main" val="0"/>
-              </a:ext>
-            </a:extLst>
-          </a:blip>
-          <a:stretch>
-            <a:fillRect/>
-          </a:stretch>
-        </p:blipFill>
-        <p:spPr>
-          <a:xfrm>
-            <a:off x="6976800" y="2439628"/>
-            <a:ext cx="1219200" cy="1219200"/>
-          </a:xfrm>
-          <a:prstGeom prst="rect">
-            <a:avLst/>
-          </a:prstGeom>
-        </p:spPr>
-      </p:pic>
-      <p:pic>
-        <p:nvPicPr>
-          <p:cNvPr id="292" name="Picture 291"/>
-          <p:cNvPicPr>
-            <a:picLocks noChangeAspect="1"/>
-          </p:cNvPicPr>
-          <p:nvPr/>
-        </p:nvPicPr>
-        <p:blipFill>
-          <a:blip r:embed="rId19">
-            <a:lum bright="70000" contrast="-70000"/>
-            <a:extLst>
-              <a:ext uri="{28A0092B-C50C-407E-A947-70E740481C1C}">
-                <a14:useLocalDpi xmlns:a14="http://schemas.microsoft.com/office/drawing/2010/main" val="0"/>
-              </a:ext>
-            </a:extLst>
-          </a:blip>
-          <a:stretch>
-            <a:fillRect/>
-          </a:stretch>
-        </p:blipFill>
-        <p:spPr>
-          <a:xfrm>
-            <a:off x="5622829" y="2454485"/>
-            <a:ext cx="1219200" cy="1219200"/>
-          </a:xfrm>
-          <a:prstGeom prst="rect">
-            <a:avLst/>
-          </a:prstGeom>
-        </p:spPr>
-      </p:pic>
-      <p:pic>
-        <p:nvPicPr>
-          <p:cNvPr id="293" name="Picture 292"/>
-          <p:cNvPicPr>
-            <a:picLocks noChangeAspect="1"/>
-          </p:cNvPicPr>
-          <p:nvPr/>
-        </p:nvPicPr>
-        <p:blipFill>
-          <a:blip r:embed="rId20">
-            <a:lum bright="70000" contrast="-70000"/>
-            <a:extLst>
-              <a:ext uri="{28A0092B-C50C-407E-A947-70E740481C1C}">
-                <a14:useLocalDpi xmlns:a14="http://schemas.microsoft.com/office/drawing/2010/main" val="0"/>
-              </a:ext>
-            </a:extLst>
-          </a:blip>
-          <a:stretch>
-            <a:fillRect/>
-          </a:stretch>
-        </p:blipFill>
-        <p:spPr>
-          <a:xfrm>
-            <a:off x="8336400" y="2534314"/>
-            <a:ext cx="1219200" cy="1219200"/>
-          </a:xfrm>
-          <a:prstGeom prst="rect">
-            <a:avLst/>
-          </a:prstGeom>
-        </p:spPr>
-      </p:pic>
-      <p:pic>
-        <p:nvPicPr>
-          <p:cNvPr id="294" name="Picture 293"/>
-          <p:cNvPicPr>
-            <a:picLocks noChangeAspect="1"/>
-          </p:cNvPicPr>
-          <p:nvPr/>
-        </p:nvPicPr>
-        <p:blipFill>
-          <a:blip r:embed="rId21">
-            <a:lum bright="70000" contrast="-70000"/>
-            <a:extLst>
-              <a:ext uri="{28A0092B-C50C-407E-A947-70E740481C1C}">
-                <a14:useLocalDpi xmlns:a14="http://schemas.microsoft.com/office/drawing/2010/main" val="0"/>
-              </a:ext>
-            </a:extLst>
-          </a:blip>
-          <a:stretch>
-            <a:fillRect/>
-          </a:stretch>
-        </p:blipFill>
-        <p:spPr>
-          <a:xfrm>
-            <a:off x="1522829" y="3910656"/>
-            <a:ext cx="1219200" cy="1219200"/>
-          </a:xfrm>
-          <a:prstGeom prst="rect">
-            <a:avLst/>
-          </a:prstGeom>
-        </p:spPr>
-      </p:pic>
-      <p:pic>
-        <p:nvPicPr>
-          <p:cNvPr id="295" name="Picture 294"/>
-          <p:cNvPicPr>
-            <a:picLocks noChangeAspect="1"/>
-          </p:cNvPicPr>
-          <p:nvPr/>
-        </p:nvPicPr>
-        <p:blipFill>
-          <a:blip r:embed="rId22">
-            <a:lum bright="70000" contrast="-70000"/>
-            <a:extLst>
-              <a:ext uri="{28A0092B-C50C-407E-A947-70E740481C1C}">
-                <a14:useLocalDpi xmlns:a14="http://schemas.microsoft.com/office/drawing/2010/main" val="0"/>
-              </a:ext>
-            </a:extLst>
-          </a:blip>
-          <a:stretch>
-            <a:fillRect/>
-          </a:stretch>
-        </p:blipFill>
-        <p:spPr>
-          <a:xfrm>
-            <a:off x="303629" y="4021971"/>
-            <a:ext cx="1219200" cy="1219200"/>
-          </a:xfrm>
-          <a:prstGeom prst="rect">
-            <a:avLst/>
-          </a:prstGeom>
-        </p:spPr>
-      </p:pic>
-      <p:pic>
-        <p:nvPicPr>
-          <p:cNvPr id="296" name="Picture 295"/>
-          <p:cNvPicPr>
-            <a:picLocks noChangeAspect="1"/>
-          </p:cNvPicPr>
-          <p:nvPr/>
-        </p:nvPicPr>
-        <p:blipFill>
-          <a:blip r:embed="rId23">
-            <a:lum bright="70000" contrast="-70000"/>
-            <a:extLst>
-              <a:ext uri="{28A0092B-C50C-407E-A947-70E740481C1C}">
-                <a14:useLocalDpi xmlns:a14="http://schemas.microsoft.com/office/drawing/2010/main" val="0"/>
-              </a:ext>
-            </a:extLst>
-          </a:blip>
-          <a:stretch>
-            <a:fillRect/>
-          </a:stretch>
-        </p:blipFill>
-        <p:spPr>
-          <a:xfrm>
-            <a:off x="9762315" y="2534314"/>
-            <a:ext cx="1219200" cy="1219200"/>
-          </a:xfrm>
-          <a:prstGeom prst="rect">
-            <a:avLst/>
-          </a:prstGeom>
-        </p:spPr>
-      </p:pic>
-      <p:pic>
-        <p:nvPicPr>
-          <p:cNvPr id="297" name="Picture 296"/>
-          <p:cNvPicPr>
-            <a:picLocks noChangeAspect="1"/>
-          </p:cNvPicPr>
-          <p:nvPr/>
-        </p:nvPicPr>
-        <p:blipFill>
-          <a:blip r:embed="rId24">
-            <a:lum bright="70000" contrast="-70000"/>
-            <a:extLst>
-              <a:ext uri="{28A0092B-C50C-407E-A947-70E740481C1C}">
-                <a14:useLocalDpi xmlns:a14="http://schemas.microsoft.com/office/drawing/2010/main" val="0"/>
-              </a:ext>
-            </a:extLst>
-          </a:blip>
-          <a:stretch>
-            <a:fillRect/>
-          </a:stretch>
-        </p:blipFill>
-        <p:spPr>
-          <a:xfrm>
-            <a:off x="5998771" y="4004171"/>
-            <a:ext cx="1219200" cy="1219200"/>
-          </a:xfrm>
-          <a:prstGeom prst="rect">
-            <a:avLst/>
-          </a:prstGeom>
-        </p:spPr>
-      </p:pic>
-      <p:pic>
-        <p:nvPicPr>
-          <p:cNvPr id="298" name="Picture 297"/>
-          <p:cNvPicPr>
-            <a:picLocks noChangeAspect="1"/>
-          </p:cNvPicPr>
-          <p:nvPr/>
-        </p:nvPicPr>
-        <p:blipFill>
-          <a:blip r:embed="rId25">
-            <a:lum bright="70000" contrast="-70000"/>
-            <a:extLst>
-              <a:ext uri="{28A0092B-C50C-407E-A947-70E740481C1C}">
-                <a14:useLocalDpi xmlns:a14="http://schemas.microsoft.com/office/drawing/2010/main" val="0"/>
-              </a:ext>
-            </a:extLst>
-          </a:blip>
-          <a:stretch>
-            <a:fillRect/>
-          </a:stretch>
-        </p:blipFill>
-        <p:spPr>
-          <a:xfrm>
-            <a:off x="4526400" y="4021971"/>
-            <a:ext cx="1219200" cy="1219200"/>
-          </a:xfrm>
-          <a:prstGeom prst="rect">
-            <a:avLst/>
-          </a:prstGeom>
-        </p:spPr>
-      </p:pic>
-      <p:pic>
-        <p:nvPicPr>
-          <p:cNvPr id="299" name="Picture 298"/>
-          <p:cNvPicPr>
-            <a:picLocks noChangeAspect="1"/>
-          </p:cNvPicPr>
-          <p:nvPr/>
-        </p:nvPicPr>
-        <p:blipFill>
-          <a:blip r:embed="rId26">
-            <a:lum bright="70000" contrast="-70000"/>
-            <a:extLst>
-              <a:ext uri="{28A0092B-C50C-407E-A947-70E740481C1C}">
-                <a14:useLocalDpi xmlns:a14="http://schemas.microsoft.com/office/drawing/2010/main" val="0"/>
-              </a:ext>
-            </a:extLst>
-          </a:blip>
-          <a:stretch>
-            <a:fillRect/>
-          </a:stretch>
-        </p:blipFill>
-        <p:spPr>
-          <a:xfrm>
-            <a:off x="3054029" y="4021971"/>
-            <a:ext cx="1219200" cy="1219200"/>
-          </a:xfrm>
-          <a:prstGeom prst="rect">
-            <a:avLst/>
-          </a:prstGeom>
-        </p:spPr>
-      </p:pic>
-      <p:pic>
-        <p:nvPicPr>
-          <p:cNvPr id="300" name="Picture 299"/>
-          <p:cNvPicPr>
-            <a:picLocks noChangeAspect="1"/>
-          </p:cNvPicPr>
-          <p:nvPr/>
-        </p:nvPicPr>
-        <p:blipFill>
-          <a:blip r:embed="rId27">
-            <a:lum bright="70000" contrast="-70000"/>
-            <a:extLst>
-              <a:ext uri="{28A0092B-C50C-407E-A947-70E740481C1C}">
-                <a14:useLocalDpi xmlns:a14="http://schemas.microsoft.com/office/drawing/2010/main" val="0"/>
-              </a:ext>
-            </a:extLst>
-          </a:blip>
-          <a:stretch>
-            <a:fillRect/>
-          </a:stretch>
-        </p:blipFill>
-        <p:spPr>
-          <a:xfrm>
-            <a:off x="10221542" y="4145971"/>
-            <a:ext cx="1219200" cy="1219200"/>
-          </a:xfrm>
-          <a:prstGeom prst="rect">
-            <a:avLst/>
-          </a:prstGeom>
-        </p:spPr>
-      </p:pic>
-      <p:pic>
-        <p:nvPicPr>
-          <p:cNvPr id="301" name="Picture 300"/>
-          <p:cNvPicPr>
-            <a:picLocks noChangeAspect="1"/>
-          </p:cNvPicPr>
-          <p:nvPr/>
-        </p:nvPicPr>
-        <p:blipFill>
-          <a:blip r:embed="rId28">
-            <a:lum bright="70000" contrast="-70000"/>
-            <a:extLst>
-              <a:ext uri="{28A0092B-C50C-407E-A947-70E740481C1C}">
-                <a14:useLocalDpi xmlns:a14="http://schemas.microsoft.com/office/drawing/2010/main" val="0"/>
-              </a:ext>
-            </a:extLst>
-          </a:blip>
-          <a:stretch>
-            <a:fillRect/>
-          </a:stretch>
-        </p:blipFill>
-        <p:spPr>
-          <a:xfrm>
-            <a:off x="8858971" y="4120114"/>
-            <a:ext cx="1219200" cy="1219200"/>
-          </a:xfrm>
-          <a:prstGeom prst="rect">
-            <a:avLst/>
-          </a:prstGeom>
-        </p:spPr>
-      </p:pic>
-      <p:pic>
-        <p:nvPicPr>
-          <p:cNvPr id="302" name="Picture 301"/>
-          <p:cNvPicPr>
-            <a:picLocks noChangeAspect="1"/>
-          </p:cNvPicPr>
-          <p:nvPr/>
-        </p:nvPicPr>
-        <p:blipFill>
-          <a:blip r:embed="rId29">
-            <a:lum bright="70000" contrast="-70000"/>
-            <a:extLst>
-              <a:ext uri="{28A0092B-C50C-407E-A947-70E740481C1C}">
-                <a14:useLocalDpi xmlns:a14="http://schemas.microsoft.com/office/drawing/2010/main" val="0"/>
-              </a:ext>
-            </a:extLst>
-          </a:blip>
-          <a:stretch>
-            <a:fillRect/>
-          </a:stretch>
-        </p:blipFill>
-        <p:spPr>
-          <a:xfrm>
-            <a:off x="7471142" y="4120114"/>
-            <a:ext cx="1219200" cy="1219200"/>
-          </a:xfrm>
-          <a:prstGeom prst="rect">
-            <a:avLst/>
-          </a:prstGeom>
-        </p:spPr>
-      </p:pic>
+      <p:sp>
+        <p:nvSpPr>
+          <p:cNvPr id="7" name="Text Placeholder 6"/>
+          <p:cNvSpPr>
+            <a:spLocks noGrp="1"/>
+          </p:cNvSpPr>
+          <p:nvPr>
+            <p:ph type="body" idx="1"/>
+          </p:nvPr>
+        </p:nvSpPr>
+        <p:spPr/>
+        <p:txBody>
+          <a:bodyPr/>
+          <a:lstStyle/>
+          <a:p>
+            <a:r>
+              <a:rPr lang="en-US" dirty="0"/>
+              <a:t>Demo Title</a:t>
+            </a:r>
+          </a:p>
+        </p:txBody>
+      </p:sp>
     </p:spTree>
     <p:extLst>
       <p:ext uri="{BB962C8B-B14F-4D97-AF65-F5344CB8AC3E}">
-        <p14:creationId xmlns:p14="http://schemas.microsoft.com/office/powerpoint/2010/main" val="2451305448"/>
+        <p14:creationId xmlns:p14="http://schemas.microsoft.com/office/powerpoint/2010/main" val="3216050713"/>
       </p:ext>
     </p:extLst>
   </p:cSld>
   <p:clrMapOvr>
     <a:masterClrMapping/>
   </p:clrMapOvr>
+  <mc:AlternateContent xmlns:mc="http://schemas.openxmlformats.org/markup-compatibility/2006">
+    <mc:Choice xmlns:p14="http://schemas.microsoft.com/office/powerpoint/2010/main" Requires="p14">
+      <p:transition spd="slow" p14:dur="2000"/>
+    </mc:Choice>
+    <mc:Fallback>
+      <p:transition spd="slow"/>
+    </mc:Fallback>
+  </mc:AlternateContent>
 </p:sld>
 </file>
 
@@ -14292,7 +13779,7 @@
       </p:grpSpPr>
       <p:pic>
         <p:nvPicPr>
-          <p:cNvPr id="2" name="Picture 1"/>
+          <p:cNvPr id="11" name="Picture 10"/>
           <p:cNvPicPr>
             <a:picLocks noChangeAspect="1"/>
           </p:cNvPicPr>
@@ -14300,30 +13787,29 @@
         </p:nvPicPr>
         <p:blipFill>
           <a:blip r:embed="rId2">
-            <a:lum bright="70000" contrast="-70000"/>
-            <a:extLst>
-              <a:ext uri="{28A0092B-C50C-407E-A947-70E740481C1C}">
-                <a14:useLocalDpi xmlns:a14="http://schemas.microsoft.com/office/drawing/2010/main" val="0"/>
-              </a:ext>
-            </a:extLst>
-          </a:blip>
-          <a:stretch>
-            <a:fillRect/>
-          </a:stretch>
-        </p:blipFill>
-        <p:spPr>
-          <a:xfrm>
-            <a:off x="322686" y="250829"/>
-            <a:ext cx="1219200" cy="1219200"/>
-          </a:xfrm>
-          <a:prstGeom prst="rect">
-            <a:avLst/>
-          </a:prstGeom>
-        </p:spPr>
-      </p:pic>
-      <p:pic>
-        <p:nvPicPr>
-          <p:cNvPr id="3" name="Picture 2"/>
+            <a:extLst>
+              <a:ext uri="{28A0092B-C50C-407E-A947-70E740481C1C}">
+                <a14:useLocalDpi xmlns:a14="http://schemas.microsoft.com/office/drawing/2010/main" val="0"/>
+              </a:ext>
+            </a:extLst>
+          </a:blip>
+          <a:stretch>
+            <a:fillRect/>
+          </a:stretch>
+        </p:blipFill>
+        <p:spPr>
+          <a:xfrm>
+            <a:off x="2207458" y="453313"/>
+            <a:ext cx="457200" cy="457200"/>
+          </a:xfrm>
+          <a:prstGeom prst="rect">
+            <a:avLst/>
+          </a:prstGeom>
+        </p:spPr>
+      </p:pic>
+      <p:pic>
+        <p:nvPicPr>
+          <p:cNvPr id="12" name="Picture 11"/>
           <p:cNvPicPr>
             <a:picLocks noChangeAspect="1"/>
           </p:cNvPicPr>
@@ -14331,30 +13817,29 @@
         </p:nvPicPr>
         <p:blipFill>
           <a:blip r:embed="rId3">
-            <a:lum bright="70000" contrast="-70000"/>
-            <a:extLst>
-              <a:ext uri="{28A0092B-C50C-407E-A947-70E740481C1C}">
-                <a14:useLocalDpi xmlns:a14="http://schemas.microsoft.com/office/drawing/2010/main" val="0"/>
-              </a:ext>
-            </a:extLst>
-          </a:blip>
-          <a:stretch>
-            <a:fillRect/>
-          </a:stretch>
-        </p:blipFill>
-        <p:spPr>
-          <a:xfrm>
-            <a:off x="1841371" y="306486"/>
-            <a:ext cx="1219200" cy="1219200"/>
-          </a:xfrm>
-          <a:prstGeom prst="rect">
-            <a:avLst/>
-          </a:prstGeom>
-        </p:spPr>
-      </p:pic>
-      <p:pic>
-        <p:nvPicPr>
-          <p:cNvPr id="4" name="Picture 3"/>
+            <a:extLst>
+              <a:ext uri="{28A0092B-C50C-407E-A947-70E740481C1C}">
+                <a14:useLocalDpi xmlns:a14="http://schemas.microsoft.com/office/drawing/2010/main" val="0"/>
+              </a:ext>
+            </a:extLst>
+          </a:blip>
+          <a:stretch>
+            <a:fillRect/>
+          </a:stretch>
+        </p:blipFill>
+        <p:spPr>
+          <a:xfrm>
+            <a:off x="1294229" y="453399"/>
+            <a:ext cx="457200" cy="457200"/>
+          </a:xfrm>
+          <a:prstGeom prst="rect">
+            <a:avLst/>
+          </a:prstGeom>
+        </p:spPr>
+      </p:pic>
+      <p:pic>
+        <p:nvPicPr>
+          <p:cNvPr id="13" name="Picture 12"/>
           <p:cNvPicPr>
             <a:picLocks noChangeAspect="1"/>
           </p:cNvPicPr>
@@ -14362,30 +13847,29 @@
         </p:nvPicPr>
         <p:blipFill>
           <a:blip r:embed="rId4">
-            <a:lum bright="70000" contrast="-70000"/>
-            <a:extLst>
-              <a:ext uri="{28A0092B-C50C-407E-A947-70E740481C1C}">
-                <a14:useLocalDpi xmlns:a14="http://schemas.microsoft.com/office/drawing/2010/main" val="0"/>
-              </a:ext>
-            </a:extLst>
-          </a:blip>
-          <a:stretch>
-            <a:fillRect/>
-          </a:stretch>
-        </p:blipFill>
-        <p:spPr>
-          <a:xfrm>
-            <a:off x="3360056" y="250829"/>
-            <a:ext cx="1219200" cy="1219200"/>
-          </a:xfrm>
-          <a:prstGeom prst="rect">
-            <a:avLst/>
-          </a:prstGeom>
-        </p:spPr>
-      </p:pic>
-      <p:pic>
-        <p:nvPicPr>
-          <p:cNvPr id="5" name="Picture 4"/>
+            <a:extLst>
+              <a:ext uri="{28A0092B-C50C-407E-A947-70E740481C1C}">
+                <a14:useLocalDpi xmlns:a14="http://schemas.microsoft.com/office/drawing/2010/main" val="0"/>
+              </a:ext>
+            </a:extLst>
+          </a:blip>
+          <a:stretch>
+            <a:fillRect/>
+          </a:stretch>
+        </p:blipFill>
+        <p:spPr>
+          <a:xfrm>
+            <a:off x="381000" y="453399"/>
+            <a:ext cx="457200" cy="457200"/>
+          </a:xfrm>
+          <a:prstGeom prst="rect">
+            <a:avLst/>
+          </a:prstGeom>
+        </p:spPr>
+      </p:pic>
+      <p:pic>
+        <p:nvPicPr>
+          <p:cNvPr id="15" name="Picture 14"/>
           <p:cNvPicPr>
             <a:picLocks noChangeAspect="1"/>
           </p:cNvPicPr>
@@ -14406,7 +13890,7 @@
         </p:blipFill>
         <p:spPr>
           <a:xfrm>
-            <a:off x="4878741" y="249715"/>
+            <a:off x="303629" y="1070428"/>
             <a:ext cx="1219200" cy="1219200"/>
           </a:xfrm>
           <a:prstGeom prst="rect">
@@ -14416,7 +13900,7 @@
       </p:pic>
       <p:pic>
         <p:nvPicPr>
-          <p:cNvPr id="6" name="Picture 5"/>
+          <p:cNvPr id="279" name="Picture 278"/>
           <p:cNvPicPr>
             <a:picLocks noChangeAspect="1"/>
           </p:cNvPicPr>
@@ -14437,7 +13921,7 @@
         </p:blipFill>
         <p:spPr>
           <a:xfrm>
-            <a:off x="7736400" y="249715"/>
+            <a:off x="2950029" y="1070428"/>
             <a:ext cx="1219200" cy="1219200"/>
           </a:xfrm>
           <a:prstGeom prst="rect">
@@ -14447,7 +13931,7 @@
       </p:pic>
       <p:pic>
         <p:nvPicPr>
-          <p:cNvPr id="7" name="Picture 6"/>
+          <p:cNvPr id="280" name="Picture 279"/>
           <p:cNvPicPr>
             <a:picLocks noChangeAspect="1"/>
           </p:cNvPicPr>
@@ -14468,7 +13952,7 @@
         </p:blipFill>
         <p:spPr>
           <a:xfrm>
-            <a:off x="6396057" y="249715"/>
+            <a:off x="1626829" y="1070428"/>
             <a:ext cx="1219200" cy="1219200"/>
           </a:xfrm>
           <a:prstGeom prst="rect">
@@ -14478,7 +13962,7 @@
       </p:pic>
       <p:pic>
         <p:nvPicPr>
-          <p:cNvPr id="8" name="Picture 7"/>
+          <p:cNvPr id="281" name="Picture 280"/>
           <p:cNvPicPr>
             <a:picLocks noChangeAspect="1"/>
           </p:cNvPicPr>
@@ -14499,7 +13983,7 @@
         </p:blipFill>
         <p:spPr>
           <a:xfrm>
-            <a:off x="322686" y="1525686"/>
+            <a:off x="5596429" y="1107999"/>
             <a:ext cx="1219200" cy="1219200"/>
           </a:xfrm>
           <a:prstGeom prst="rect">
@@ -14509,7 +13993,7 @@
       </p:pic>
       <p:pic>
         <p:nvPicPr>
-          <p:cNvPr id="9" name="Picture 8"/>
+          <p:cNvPr id="282" name="Picture 281"/>
           <p:cNvPicPr>
             <a:picLocks noChangeAspect="1"/>
           </p:cNvPicPr>
@@ -14530,7 +14014,7 @@
         </p:blipFill>
         <p:spPr>
           <a:xfrm>
-            <a:off x="9120229" y="275315"/>
+            <a:off x="4273229" y="1070428"/>
             <a:ext cx="1219200" cy="1219200"/>
           </a:xfrm>
           <a:prstGeom prst="rect">
@@ -14540,7 +14024,7 @@
       </p:pic>
       <p:pic>
         <p:nvPicPr>
-          <p:cNvPr id="10" name="Picture 9"/>
+          <p:cNvPr id="283" name="Picture 282"/>
           <p:cNvPicPr>
             <a:picLocks noChangeAspect="1"/>
           </p:cNvPicPr>
@@ -14561,7 +14045,7 @@
         </p:blipFill>
         <p:spPr>
           <a:xfrm>
-            <a:off x="10460572" y="306486"/>
+            <a:off x="6919629" y="1107999"/>
             <a:ext cx="1219200" cy="1219200"/>
           </a:xfrm>
           <a:prstGeom prst="rect">
@@ -14571,7 +14055,7 @@
       </p:pic>
       <p:pic>
         <p:nvPicPr>
-          <p:cNvPr id="11" name="Picture 10"/>
+          <p:cNvPr id="284" name="Picture 283"/>
           <p:cNvPicPr>
             <a:picLocks noChangeAspect="1"/>
           </p:cNvPicPr>
@@ -14592,7 +14076,7 @@
         </p:blipFill>
         <p:spPr>
           <a:xfrm>
-            <a:off x="3179485" y="1494515"/>
+            <a:off x="9105600" y="1070428"/>
             <a:ext cx="1219200" cy="1219200"/>
           </a:xfrm>
           <a:prstGeom prst="rect">
@@ -14602,7 +14086,7 @@
       </p:pic>
       <p:pic>
         <p:nvPicPr>
-          <p:cNvPr id="12" name="Picture 11"/>
+          <p:cNvPr id="285" name="Picture 284"/>
           <p:cNvPicPr>
             <a:picLocks noChangeAspect="1"/>
           </p:cNvPicPr>
@@ -14623,7 +14107,7 @@
         </p:blipFill>
         <p:spPr>
           <a:xfrm>
-            <a:off x="1841371" y="1525686"/>
+            <a:off x="7988286" y="1070428"/>
             <a:ext cx="1219200" cy="1219200"/>
           </a:xfrm>
           <a:prstGeom prst="rect">
@@ -14633,7 +14117,7 @@
       </p:pic>
       <p:pic>
         <p:nvPicPr>
-          <p:cNvPr id="13" name="Picture 12"/>
+          <p:cNvPr id="286" name="Picture 285"/>
           <p:cNvPicPr>
             <a:picLocks noChangeAspect="1"/>
           </p:cNvPicPr>
@@ -14654,7 +14138,7 @@
         </p:blipFill>
         <p:spPr>
           <a:xfrm>
-            <a:off x="4728943" y="1468915"/>
+            <a:off x="303629" y="2185742"/>
             <a:ext cx="1219200" cy="1219200"/>
           </a:xfrm>
           <a:prstGeom prst="rect">
@@ -14664,7 +14148,7 @@
       </p:pic>
       <p:pic>
         <p:nvPicPr>
-          <p:cNvPr id="14" name="Picture 13"/>
+          <p:cNvPr id="287" name="Picture 286"/>
           <p:cNvPicPr>
             <a:picLocks noChangeAspect="1"/>
           </p:cNvPicPr>
@@ -14685,7 +14169,7 @@
         </p:blipFill>
         <p:spPr>
           <a:xfrm>
-            <a:off x="7809086" y="1525686"/>
+            <a:off x="10484143" y="1070428"/>
             <a:ext cx="1219200" cy="1219200"/>
           </a:xfrm>
           <a:prstGeom prst="rect">
@@ -14695,7 +14179,7 @@
       </p:pic>
       <p:pic>
         <p:nvPicPr>
-          <p:cNvPr id="15" name="Picture 14"/>
+          <p:cNvPr id="288" name="Picture 287"/>
           <p:cNvPicPr>
             <a:picLocks noChangeAspect="1"/>
           </p:cNvPicPr>
@@ -14716,7 +14200,7 @@
         </p:blipFill>
         <p:spPr>
           <a:xfrm>
-            <a:off x="6376800" y="1525686"/>
+            <a:off x="2923629" y="2421599"/>
             <a:ext cx="1219200" cy="1219200"/>
           </a:xfrm>
           <a:prstGeom prst="rect">
@@ -14726,7 +14210,7 @@
       </p:pic>
       <p:pic>
         <p:nvPicPr>
-          <p:cNvPr id="16" name="Picture 15"/>
+          <p:cNvPr id="289" name="Picture 288"/>
           <p:cNvPicPr>
             <a:picLocks noChangeAspect="1"/>
           </p:cNvPicPr>
@@ -14747,7 +14231,7 @@
         </p:blipFill>
         <p:spPr>
           <a:xfrm>
-            <a:off x="9237900" y="1525686"/>
+            <a:off x="4273229" y="2454485"/>
             <a:ext cx="1219200" cy="1219200"/>
           </a:xfrm>
           <a:prstGeom prst="rect">
@@ -14757,7 +14241,7 @@
       </p:pic>
       <p:pic>
         <p:nvPicPr>
-          <p:cNvPr id="17" name="Picture 16"/>
+          <p:cNvPr id="290" name="Picture 289"/>
           <p:cNvPicPr>
             <a:picLocks noChangeAspect="1"/>
           </p:cNvPicPr>
@@ -14778,7 +14262,7 @@
         </p:blipFill>
         <p:spPr>
           <a:xfrm>
-            <a:off x="10404571" y="1519943"/>
+            <a:off x="1704429" y="2421599"/>
             <a:ext cx="1219200" cy="1219200"/>
           </a:xfrm>
           <a:prstGeom prst="rect">
@@ -14788,7 +14272,7 @@
       </p:pic>
       <p:pic>
         <p:nvPicPr>
-          <p:cNvPr id="18" name="Picture 17"/>
+          <p:cNvPr id="291" name="Picture 290"/>
           <p:cNvPicPr>
             <a:picLocks noChangeAspect="1"/>
           </p:cNvPicPr>
@@ -14809,7 +14293,7 @@
         </p:blipFill>
         <p:spPr>
           <a:xfrm>
-            <a:off x="1841371" y="3030143"/>
+            <a:off x="6976800" y="2439628"/>
             <a:ext cx="1219200" cy="1219200"/>
           </a:xfrm>
           <a:prstGeom prst="rect">
@@ -14819,7 +14303,7 @@
       </p:pic>
       <p:pic>
         <p:nvPicPr>
-          <p:cNvPr id="19" name="Picture 18"/>
+          <p:cNvPr id="292" name="Picture 291"/>
           <p:cNvPicPr>
             <a:picLocks noChangeAspect="1"/>
           </p:cNvPicPr>
@@ -14840,7 +14324,7 @@
         </p:blipFill>
         <p:spPr>
           <a:xfrm>
-            <a:off x="322686" y="3030143"/>
+            <a:off x="5622829" y="2454485"/>
             <a:ext cx="1219200" cy="1219200"/>
           </a:xfrm>
           <a:prstGeom prst="rect">
@@ -14850,7 +14334,7 @@
       </p:pic>
       <p:pic>
         <p:nvPicPr>
-          <p:cNvPr id="20" name="Picture 19"/>
+          <p:cNvPr id="293" name="Picture 292"/>
           <p:cNvPicPr>
             <a:picLocks noChangeAspect="1"/>
           </p:cNvPicPr>
@@ -14871,7 +14355,7 @@
         </p:blipFill>
         <p:spPr>
           <a:xfrm>
-            <a:off x="4728943" y="3030143"/>
+            <a:off x="8336400" y="2534314"/>
             <a:ext cx="1219200" cy="1219200"/>
           </a:xfrm>
           <a:prstGeom prst="rect">
@@ -14881,7 +14365,7 @@
       </p:pic>
       <p:pic>
         <p:nvPicPr>
-          <p:cNvPr id="21" name="Picture 20"/>
+          <p:cNvPr id="294" name="Picture 293"/>
           <p:cNvPicPr>
             <a:picLocks noChangeAspect="1"/>
           </p:cNvPicPr>
@@ -14902,7 +14386,7 @@
         </p:blipFill>
         <p:spPr>
           <a:xfrm>
-            <a:off x="3338570" y="3030143"/>
+            <a:off x="1522829" y="3910656"/>
             <a:ext cx="1219200" cy="1219200"/>
           </a:xfrm>
           <a:prstGeom prst="rect">
@@ -14912,7 +14396,7 @@
       </p:pic>
       <p:pic>
         <p:nvPicPr>
-          <p:cNvPr id="22" name="Picture 21"/>
+          <p:cNvPr id="295" name="Picture 294"/>
           <p:cNvPicPr>
             <a:picLocks noChangeAspect="1"/>
           </p:cNvPicPr>
@@ -14933,7 +14417,7 @@
         </p:blipFill>
         <p:spPr>
           <a:xfrm>
-            <a:off x="1835343" y="4534600"/>
+            <a:off x="303629" y="4021971"/>
             <a:ext cx="1219200" cy="1219200"/>
           </a:xfrm>
           <a:prstGeom prst="rect">
@@ -14943,7 +14427,7 @@
       </p:pic>
       <p:pic>
         <p:nvPicPr>
-          <p:cNvPr id="23" name="Picture 22"/>
+          <p:cNvPr id="296" name="Picture 295"/>
           <p:cNvPicPr>
             <a:picLocks noChangeAspect="1"/>
           </p:cNvPicPr>
@@ -14964,7 +14448,7 @@
         </p:blipFill>
         <p:spPr>
           <a:xfrm>
-            <a:off x="322686" y="4534600"/>
+            <a:off x="9762315" y="2534314"/>
             <a:ext cx="1219200" cy="1219200"/>
           </a:xfrm>
           <a:prstGeom prst="rect">
@@ -14974,7 +14458,7 @@
       </p:pic>
       <p:pic>
         <p:nvPicPr>
-          <p:cNvPr id="24" name="Picture 23"/>
+          <p:cNvPr id="297" name="Picture 296"/>
           <p:cNvPicPr>
             <a:picLocks noChangeAspect="1"/>
           </p:cNvPicPr>
@@ -14995,7 +14479,7 @@
         </p:blipFill>
         <p:spPr>
           <a:xfrm>
-            <a:off x="6376800" y="3162943"/>
+            <a:off x="5998771" y="4004171"/>
             <a:ext cx="1219200" cy="1219200"/>
           </a:xfrm>
           <a:prstGeom prst="rect">
@@ -15005,7 +14489,7 @@
       </p:pic>
       <p:pic>
         <p:nvPicPr>
-          <p:cNvPr id="25" name="Picture 24"/>
+          <p:cNvPr id="298" name="Picture 297"/>
           <p:cNvPicPr>
             <a:picLocks noChangeAspect="1"/>
           </p:cNvPicPr>
@@ -15026,7 +14510,7 @@
         </p:blipFill>
         <p:spPr>
           <a:xfrm>
-            <a:off x="10404571" y="3109800"/>
+            <a:off x="4526400" y="4021971"/>
             <a:ext cx="1219200" cy="1219200"/>
           </a:xfrm>
           <a:prstGeom prst="rect">
@@ -15036,7 +14520,7 @@
       </p:pic>
       <p:pic>
         <p:nvPicPr>
-          <p:cNvPr id="26" name="Picture 25"/>
+          <p:cNvPr id="299" name="Picture 298"/>
           <p:cNvPicPr>
             <a:picLocks noChangeAspect="1"/>
           </p:cNvPicPr>
@@ -15057,7 +14541,7 @@
         </p:blipFill>
         <p:spPr>
           <a:xfrm>
-            <a:off x="3338570" y="4534600"/>
+            <a:off x="3054029" y="4021971"/>
             <a:ext cx="1219200" cy="1219200"/>
           </a:xfrm>
           <a:prstGeom prst="rect">
@@ -15067,7 +14551,7 @@
       </p:pic>
       <p:pic>
         <p:nvPicPr>
-          <p:cNvPr id="27" name="Picture 26"/>
+          <p:cNvPr id="300" name="Picture 299"/>
           <p:cNvPicPr>
             <a:picLocks noChangeAspect="1"/>
           </p:cNvPicPr>
@@ -15088,7 +14572,7 @@
         </p:blipFill>
         <p:spPr>
           <a:xfrm>
-            <a:off x="4831171" y="4560286"/>
+            <a:off x="10221542" y="4145971"/>
             <a:ext cx="1219200" cy="1219200"/>
           </a:xfrm>
           <a:prstGeom prst="rect">
@@ -15098,7 +14582,7 @@
       </p:pic>
       <p:pic>
         <p:nvPicPr>
-          <p:cNvPr id="28" name="Picture 27"/>
+          <p:cNvPr id="301" name="Picture 300"/>
           <p:cNvPicPr>
             <a:picLocks noChangeAspect="1"/>
           </p:cNvPicPr>
@@ -15119,7 +14603,7 @@
         </p:blipFill>
         <p:spPr>
           <a:xfrm>
-            <a:off x="9028286" y="4560286"/>
+            <a:off x="8858971" y="4120114"/>
             <a:ext cx="1219200" cy="1219200"/>
           </a:xfrm>
           <a:prstGeom prst="rect">
@@ -15129,7 +14613,7 @@
       </p:pic>
       <p:pic>
         <p:nvPicPr>
-          <p:cNvPr id="29" name="Picture 28"/>
+          <p:cNvPr id="302" name="Picture 301"/>
           <p:cNvPicPr>
             <a:picLocks noChangeAspect="1"/>
           </p:cNvPicPr>
@@ -15150,38 +14634,7 @@
         </p:blipFill>
         <p:spPr>
           <a:xfrm>
-            <a:off x="8955600" y="3315400"/>
-            <a:ext cx="1219200" cy="1219200"/>
-          </a:xfrm>
-          <a:prstGeom prst="rect">
-            <a:avLst/>
-          </a:prstGeom>
-        </p:spPr>
-      </p:pic>
-      <p:pic>
-        <p:nvPicPr>
-          <p:cNvPr id="30" name="Picture 29"/>
-          <p:cNvPicPr>
-            <a:picLocks noChangeAspect="1"/>
-          </p:cNvPicPr>
-          <p:nvPr/>
-        </p:nvPicPr>
-        <p:blipFill>
-          <a:blip r:embed="rId30">
-            <a:lum bright="70000" contrast="-70000"/>
-            <a:extLst>
-              <a:ext uri="{28A0092B-C50C-407E-A947-70E740481C1C}">
-                <a14:useLocalDpi xmlns:a14="http://schemas.microsoft.com/office/drawing/2010/main" val="0"/>
-              </a:ext>
-            </a:extLst>
-          </a:blip>
-          <a:stretch>
-            <a:fillRect/>
-          </a:stretch>
-        </p:blipFill>
-        <p:spPr>
-          <a:xfrm>
-            <a:off x="10457100" y="4534600"/>
+            <a:off x="7471142" y="4120114"/>
             <a:ext cx="1219200" cy="1219200"/>
           </a:xfrm>
           <a:prstGeom prst="rect">
@@ -15192,13 +14645,21 @@
     </p:spTree>
     <p:extLst>
       <p:ext uri="{BB962C8B-B14F-4D97-AF65-F5344CB8AC3E}">
-        <p14:creationId xmlns:p14="http://schemas.microsoft.com/office/powerpoint/2010/main" val="823657930"/>
+        <p14:creationId xmlns:p14="http://schemas.microsoft.com/office/powerpoint/2010/main" val="2451305448"/>
       </p:ext>
     </p:extLst>
   </p:cSld>
   <p:clrMapOvr>
     <a:masterClrMapping/>
   </p:clrMapOvr>
+  <mc:AlternateContent xmlns:mc="http://schemas.openxmlformats.org/markup-compatibility/2006">
+    <mc:Choice xmlns:p14="http://schemas.microsoft.com/office/powerpoint/2010/main" Requires="p14">
+      <p:transition spd="slow" p14:dur="2000"/>
+    </mc:Choice>
+    <mc:Fallback>
+      <p:transition spd="slow"/>
+    </mc:Fallback>
+  </mc:AlternateContent>
 </p:sld>
 </file>
 
@@ -15242,7 +14703,7 @@
         </p:blipFill>
         <p:spPr>
           <a:xfrm>
-            <a:off x="130628" y="359229"/>
+            <a:off x="322686" y="250829"/>
             <a:ext cx="1219200" cy="1219200"/>
           </a:xfrm>
           <a:prstGeom prst="rect">
@@ -15273,7 +14734,7 @@
         </p:blipFill>
         <p:spPr>
           <a:xfrm>
-            <a:off x="94399" y="4550571"/>
+            <a:off x="1841371" y="306486"/>
             <a:ext cx="1219200" cy="1219200"/>
           </a:xfrm>
           <a:prstGeom prst="rect">
@@ -15304,7 +14765,7 @@
         </p:blipFill>
         <p:spPr>
           <a:xfrm>
-            <a:off x="94399" y="3153457"/>
+            <a:off x="3360056" y="250829"/>
             <a:ext cx="1219200" cy="1219200"/>
           </a:xfrm>
           <a:prstGeom prst="rect">
@@ -15335,7 +14796,7 @@
         </p:blipFill>
         <p:spPr>
           <a:xfrm>
-            <a:off x="94399" y="1756343"/>
+            <a:off x="4878741" y="249715"/>
             <a:ext cx="1219200" cy="1219200"/>
           </a:xfrm>
           <a:prstGeom prst="rect">
@@ -15366,7 +14827,7 @@
         </p:blipFill>
         <p:spPr>
           <a:xfrm>
-            <a:off x="1652285" y="359229"/>
+            <a:off x="7736400" y="249715"/>
             <a:ext cx="1219200" cy="1219200"/>
           </a:xfrm>
           <a:prstGeom prst="rect">
@@ -15397,7 +14858,7 @@
         </p:blipFill>
         <p:spPr>
           <a:xfrm>
-            <a:off x="1652285" y="1756343"/>
+            <a:off x="6396057" y="249715"/>
             <a:ext cx="1219200" cy="1219200"/>
           </a:xfrm>
           <a:prstGeom prst="rect">
@@ -15428,7 +14889,7 @@
         </p:blipFill>
         <p:spPr>
           <a:xfrm>
-            <a:off x="1652285" y="4550571"/>
+            <a:off x="322686" y="1525686"/>
             <a:ext cx="1219200" cy="1219200"/>
           </a:xfrm>
           <a:prstGeom prst="rect">
@@ -15459,7 +14920,7 @@
         </p:blipFill>
         <p:spPr>
           <a:xfrm>
-            <a:off x="1613599" y="3153457"/>
+            <a:off x="9120229" y="275315"/>
             <a:ext cx="1219200" cy="1219200"/>
           </a:xfrm>
           <a:prstGeom prst="rect">
@@ -15490,7 +14951,7 @@
         </p:blipFill>
         <p:spPr>
           <a:xfrm>
-            <a:off x="3173942" y="1813229"/>
+            <a:off x="10460572" y="306486"/>
             <a:ext cx="1219200" cy="1219200"/>
           </a:xfrm>
           <a:prstGeom prst="rect">
@@ -15521,7 +14982,7 @@
         </p:blipFill>
         <p:spPr>
           <a:xfrm>
-            <a:off x="3173942" y="359229"/>
+            <a:off x="3179485" y="1494515"/>
             <a:ext cx="1219200" cy="1219200"/>
           </a:xfrm>
           <a:prstGeom prst="rect">
@@ -15552,7 +15013,7 @@
         </p:blipFill>
         <p:spPr>
           <a:xfrm>
-            <a:off x="3198342" y="3153457"/>
+            <a:off x="1841371" y="1525686"/>
             <a:ext cx="1219200" cy="1219200"/>
           </a:xfrm>
           <a:prstGeom prst="rect">
@@ -15583,7 +15044,7 @@
         </p:blipFill>
         <p:spPr>
           <a:xfrm>
-            <a:off x="3157485" y="4607457"/>
+            <a:off x="4728943" y="1468915"/>
             <a:ext cx="1219200" cy="1219200"/>
           </a:xfrm>
           <a:prstGeom prst="rect">
@@ -15614,7 +15075,7 @@
         </p:blipFill>
         <p:spPr>
           <a:xfrm>
-            <a:off x="4695599" y="1756343"/>
+            <a:off x="7809086" y="1525686"/>
             <a:ext cx="1219200" cy="1219200"/>
           </a:xfrm>
           <a:prstGeom prst="rect">
@@ -15645,7 +15106,7 @@
         </p:blipFill>
         <p:spPr>
           <a:xfrm>
-            <a:off x="4727399" y="360686"/>
+            <a:off x="6376800" y="1525686"/>
             <a:ext cx="1219200" cy="1219200"/>
           </a:xfrm>
           <a:prstGeom prst="rect">
@@ -15676,7 +15137,7 @@
         </p:blipFill>
         <p:spPr>
           <a:xfrm>
-            <a:off x="6280856" y="359229"/>
+            <a:off x="9237900" y="1525686"/>
             <a:ext cx="1219200" cy="1219200"/>
           </a:xfrm>
           <a:prstGeom prst="rect">
@@ -15707,7 +15168,7 @@
         </p:blipFill>
         <p:spPr>
           <a:xfrm>
-            <a:off x="4783085" y="3247857"/>
+            <a:off x="10404571" y="1519943"/>
             <a:ext cx="1219200" cy="1219200"/>
           </a:xfrm>
           <a:prstGeom prst="rect">
@@ -15738,7 +15199,7 @@
         </p:blipFill>
         <p:spPr>
           <a:xfrm>
-            <a:off x="4826685" y="4643514"/>
+            <a:off x="1841371" y="3030143"/>
             <a:ext cx="1219200" cy="1219200"/>
           </a:xfrm>
           <a:prstGeom prst="rect">
@@ -15769,7 +15230,7 @@
         </p:blipFill>
         <p:spPr>
           <a:xfrm>
-            <a:off x="6280856" y="3247857"/>
+            <a:off x="322686" y="3030143"/>
             <a:ext cx="1219200" cy="1219200"/>
           </a:xfrm>
           <a:prstGeom prst="rect">
@@ -15800,7 +15261,7 @@
         </p:blipFill>
         <p:spPr>
           <a:xfrm>
-            <a:off x="6217256" y="1813229"/>
+            <a:off x="4728943" y="3030143"/>
             <a:ext cx="1219200" cy="1219200"/>
           </a:xfrm>
           <a:prstGeom prst="rect">
@@ -15831,7 +15292,7 @@
         </p:blipFill>
         <p:spPr>
           <a:xfrm>
-            <a:off x="7804999" y="1938286"/>
+            <a:off x="3338570" y="3030143"/>
             <a:ext cx="1219200" cy="1219200"/>
           </a:xfrm>
           <a:prstGeom prst="rect">
@@ -15862,7 +15323,7 @@
         </p:blipFill>
         <p:spPr>
           <a:xfrm>
-            <a:off x="7804999" y="412829"/>
+            <a:off x="1835343" y="4534600"/>
             <a:ext cx="1219200" cy="1219200"/>
           </a:xfrm>
           <a:prstGeom prst="rect">
@@ -15893,7 +15354,7 @@
         </p:blipFill>
         <p:spPr>
           <a:xfrm>
-            <a:off x="6280856" y="4607457"/>
+            <a:off x="322686" y="4534600"/>
             <a:ext cx="1219200" cy="1219200"/>
           </a:xfrm>
           <a:prstGeom prst="rect">
@@ -15924,7 +15385,7 @@
         </p:blipFill>
         <p:spPr>
           <a:xfrm>
-            <a:off x="9324170" y="412829"/>
+            <a:off x="6376800" y="3162943"/>
             <a:ext cx="1219200" cy="1219200"/>
           </a:xfrm>
           <a:prstGeom prst="rect">
@@ -15955,7 +15416,7 @@
         </p:blipFill>
         <p:spPr>
           <a:xfrm>
-            <a:off x="7778627" y="3247857"/>
+            <a:off x="10404571" y="3109800"/>
             <a:ext cx="1219200" cy="1219200"/>
           </a:xfrm>
           <a:prstGeom prst="rect">
@@ -15986,7 +15447,7 @@
         </p:blipFill>
         <p:spPr>
           <a:xfrm>
-            <a:off x="7804999" y="4683628"/>
+            <a:off x="3338570" y="4534600"/>
             <a:ext cx="1219200" cy="1219200"/>
           </a:xfrm>
           <a:prstGeom prst="rect">
@@ -16017,7 +15478,7 @@
         </p:blipFill>
         <p:spPr>
           <a:xfrm>
-            <a:off x="9392742" y="3247857"/>
+            <a:off x="4831171" y="4560286"/>
             <a:ext cx="1219200" cy="1219200"/>
           </a:xfrm>
           <a:prstGeom prst="rect">
@@ -16048,7 +15509,69 @@
         </p:blipFill>
         <p:spPr>
           <a:xfrm>
-            <a:off x="9392742" y="1813229"/>
+            <a:off x="9028286" y="4560286"/>
+            <a:ext cx="1219200" cy="1219200"/>
+          </a:xfrm>
+          <a:prstGeom prst="rect">
+            <a:avLst/>
+          </a:prstGeom>
+        </p:spPr>
+      </p:pic>
+      <p:pic>
+        <p:nvPicPr>
+          <p:cNvPr id="29" name="Picture 28"/>
+          <p:cNvPicPr>
+            <a:picLocks noChangeAspect="1"/>
+          </p:cNvPicPr>
+          <p:nvPr/>
+        </p:nvPicPr>
+        <p:blipFill>
+          <a:blip r:embed="rId29">
+            <a:lum bright="70000" contrast="-70000"/>
+            <a:extLst>
+              <a:ext uri="{28A0092B-C50C-407E-A947-70E740481C1C}">
+                <a14:useLocalDpi xmlns:a14="http://schemas.microsoft.com/office/drawing/2010/main" val="0"/>
+              </a:ext>
+            </a:extLst>
+          </a:blip>
+          <a:stretch>
+            <a:fillRect/>
+          </a:stretch>
+        </p:blipFill>
+        <p:spPr>
+          <a:xfrm>
+            <a:off x="8955600" y="3315400"/>
+            <a:ext cx="1219200" cy="1219200"/>
+          </a:xfrm>
+          <a:prstGeom prst="rect">
+            <a:avLst/>
+          </a:prstGeom>
+        </p:spPr>
+      </p:pic>
+      <p:pic>
+        <p:nvPicPr>
+          <p:cNvPr id="30" name="Picture 29"/>
+          <p:cNvPicPr>
+            <a:picLocks noChangeAspect="1"/>
+          </p:cNvPicPr>
+          <p:nvPr/>
+        </p:nvPicPr>
+        <p:blipFill>
+          <a:blip r:embed="rId30">
+            <a:lum bright="70000" contrast="-70000"/>
+            <a:extLst>
+              <a:ext uri="{28A0092B-C50C-407E-A947-70E740481C1C}">
+                <a14:useLocalDpi xmlns:a14="http://schemas.microsoft.com/office/drawing/2010/main" val="0"/>
+              </a:ext>
+            </a:extLst>
+          </a:blip>
+          <a:stretch>
+            <a:fillRect/>
+          </a:stretch>
+        </p:blipFill>
+        <p:spPr>
+          <a:xfrm>
+            <a:off x="10457100" y="4534600"/>
             <a:ext cx="1219200" cy="1219200"/>
           </a:xfrm>
           <a:prstGeom prst="rect">
@@ -16059,13 +15582,21 @@
     </p:spTree>
     <p:extLst>
       <p:ext uri="{BB962C8B-B14F-4D97-AF65-F5344CB8AC3E}">
-        <p14:creationId xmlns:p14="http://schemas.microsoft.com/office/powerpoint/2010/main" val="3126433562"/>
+        <p14:creationId xmlns:p14="http://schemas.microsoft.com/office/powerpoint/2010/main" val="823657930"/>
       </p:ext>
     </p:extLst>
   </p:cSld>
   <p:clrMapOvr>
     <a:masterClrMapping/>
   </p:clrMapOvr>
+  <mc:AlternateContent xmlns:mc="http://schemas.openxmlformats.org/markup-compatibility/2006">
+    <mc:Choice xmlns:p14="http://schemas.microsoft.com/office/powerpoint/2010/main" Requires="p14">
+      <p:transition spd="slow" p14:dur="2000"/>
+    </mc:Choice>
+    <mc:Fallback>
+      <p:transition spd="slow"/>
+    </mc:Fallback>
+  </mc:AlternateContent>
 </p:sld>
 </file>
 
@@ -16109,7 +15640,7 @@
         </p:blipFill>
         <p:spPr>
           <a:xfrm>
-            <a:off x="643486" y="520286"/>
+            <a:off x="130628" y="359229"/>
             <a:ext cx="1219200" cy="1219200"/>
           </a:xfrm>
           <a:prstGeom prst="rect">
@@ -16140,7 +15671,7 @@
         </p:blipFill>
         <p:spPr>
           <a:xfrm>
-            <a:off x="654401" y="3364486"/>
+            <a:off x="94399" y="4550571"/>
             <a:ext cx="1219200" cy="1219200"/>
           </a:xfrm>
           <a:prstGeom prst="rect">
@@ -16171,7 +15702,7 @@
         </p:blipFill>
         <p:spPr>
           <a:xfrm>
-            <a:off x="571600" y="4830522"/>
+            <a:off x="94399" y="3153457"/>
             <a:ext cx="1219200" cy="1219200"/>
           </a:xfrm>
           <a:prstGeom prst="rect">
@@ -16202,7 +15733,7 @@
         </p:blipFill>
         <p:spPr>
           <a:xfrm>
-            <a:off x="2286800" y="4852844"/>
+            <a:off x="94399" y="1756343"/>
             <a:ext cx="1219200" cy="1219200"/>
           </a:xfrm>
           <a:prstGeom prst="rect">
@@ -16233,7 +15764,7 @@
         </p:blipFill>
         <p:spPr>
           <a:xfrm>
-            <a:off x="2155658" y="3397482"/>
+            <a:off x="1652285" y="359229"/>
             <a:ext cx="1219200" cy="1219200"/>
           </a:xfrm>
           <a:prstGeom prst="rect">
@@ -16264,7 +15795,7 @@
         </p:blipFill>
         <p:spPr>
           <a:xfrm>
-            <a:off x="2303086" y="1959441"/>
+            <a:off x="1652285" y="1756343"/>
             <a:ext cx="1219200" cy="1219200"/>
           </a:xfrm>
           <a:prstGeom prst="rect">
@@ -16295,7 +15826,7 @@
         </p:blipFill>
         <p:spPr>
           <a:xfrm>
-            <a:off x="2303086" y="521400"/>
+            <a:off x="1652285" y="4550571"/>
             <a:ext cx="1219200" cy="1219200"/>
           </a:xfrm>
           <a:prstGeom prst="rect">
@@ -16326,7 +15857,7 @@
         </p:blipFill>
         <p:spPr>
           <a:xfrm>
-            <a:off x="3878400" y="4868530"/>
+            <a:off x="1613599" y="3153457"/>
             <a:ext cx="1219200" cy="1219200"/>
           </a:xfrm>
           <a:prstGeom prst="rect">
@@ -16357,7 +15888,7 @@
         </p:blipFill>
         <p:spPr>
           <a:xfrm>
-            <a:off x="3907314" y="3421143"/>
+            <a:off x="3173942" y="1813229"/>
             <a:ext cx="1219200" cy="1219200"/>
           </a:xfrm>
           <a:prstGeom prst="rect">
@@ -16388,7 +15919,7 @@
         </p:blipFill>
         <p:spPr>
           <a:xfrm>
-            <a:off x="3907314" y="1750200"/>
+            <a:off x="3173942" y="359229"/>
             <a:ext cx="1219200" cy="1219200"/>
           </a:xfrm>
           <a:prstGeom prst="rect">
@@ -16419,7 +15950,7 @@
         </p:blipFill>
         <p:spPr>
           <a:xfrm>
-            <a:off x="4074799" y="371400"/>
+            <a:off x="3198342" y="3153457"/>
             <a:ext cx="1219200" cy="1219200"/>
           </a:xfrm>
           <a:prstGeom prst="rect">
@@ -16450,7 +15981,7 @@
         </p:blipFill>
         <p:spPr>
           <a:xfrm>
-            <a:off x="5554400" y="4868530"/>
+            <a:off x="3157485" y="4607457"/>
             <a:ext cx="1219200" cy="1219200"/>
           </a:xfrm>
           <a:prstGeom prst="rect">
@@ -16481,7 +16012,7 @@
         </p:blipFill>
         <p:spPr>
           <a:xfrm>
-            <a:off x="5554400" y="3364486"/>
+            <a:off x="4695599" y="1756343"/>
             <a:ext cx="1219200" cy="1219200"/>
           </a:xfrm>
           <a:prstGeom prst="rect">
@@ -16512,7 +16043,7 @@
         </p:blipFill>
         <p:spPr>
           <a:xfrm>
-            <a:off x="5554400" y="1750200"/>
+            <a:off x="4727399" y="360686"/>
             <a:ext cx="1219200" cy="1219200"/>
           </a:xfrm>
           <a:prstGeom prst="rect">
@@ -16543,7 +16074,7 @@
         </p:blipFill>
         <p:spPr>
           <a:xfrm>
-            <a:off x="5734399" y="361800"/>
+            <a:off x="6280856" y="359229"/>
             <a:ext cx="1219200" cy="1219200"/>
           </a:xfrm>
           <a:prstGeom prst="rect">
@@ -16574,7 +16105,7 @@
         </p:blipFill>
         <p:spPr>
           <a:xfrm>
-            <a:off x="7228400" y="4868530"/>
+            <a:off x="4783085" y="3247857"/>
             <a:ext cx="1219200" cy="1219200"/>
           </a:xfrm>
           <a:prstGeom prst="rect">
@@ -16605,7 +16136,7 @@
         </p:blipFill>
         <p:spPr>
           <a:xfrm>
-            <a:off x="8984800" y="4872758"/>
+            <a:off x="4826685" y="4643514"/>
             <a:ext cx="1219200" cy="1219200"/>
           </a:xfrm>
           <a:prstGeom prst="rect">
@@ -16636,7 +16167,7 @@
         </p:blipFill>
         <p:spPr>
           <a:xfrm>
-            <a:off x="10576400" y="4872758"/>
+            <a:off x="6280856" y="3247857"/>
             <a:ext cx="1219200" cy="1219200"/>
           </a:xfrm>
           <a:prstGeom prst="rect">
@@ -16667,7 +16198,7 @@
         </p:blipFill>
         <p:spPr>
           <a:xfrm>
-            <a:off x="7337714" y="3421143"/>
+            <a:off x="6217256" y="1813229"/>
             <a:ext cx="1219200" cy="1219200"/>
           </a:xfrm>
           <a:prstGeom prst="rect">
@@ -16698,7 +16229,7 @@
         </p:blipFill>
         <p:spPr>
           <a:xfrm>
-            <a:off x="7337714" y="1791156"/>
+            <a:off x="7804999" y="1938286"/>
             <a:ext cx="1219200" cy="1219200"/>
           </a:xfrm>
           <a:prstGeom prst="rect">
@@ -16729,7 +16260,7 @@
         </p:blipFill>
         <p:spPr>
           <a:xfrm>
-            <a:off x="7337714" y="435085"/>
+            <a:off x="7804999" y="412829"/>
             <a:ext cx="1219200" cy="1219200"/>
           </a:xfrm>
           <a:prstGeom prst="rect">
@@ -16760,7 +16291,7 @@
         </p:blipFill>
         <p:spPr>
           <a:xfrm>
-            <a:off x="8953200" y="3384857"/>
+            <a:off x="6280856" y="4607457"/>
             <a:ext cx="1219200" cy="1219200"/>
           </a:xfrm>
           <a:prstGeom prst="rect">
@@ -16791,7 +16322,7 @@
         </p:blipFill>
         <p:spPr>
           <a:xfrm>
-            <a:off x="8984800" y="1816042"/>
+            <a:off x="9324170" y="412829"/>
             <a:ext cx="1219200" cy="1219200"/>
           </a:xfrm>
           <a:prstGeom prst="rect">
@@ -16822,7 +16353,7 @@
         </p:blipFill>
         <p:spPr>
           <a:xfrm>
-            <a:off x="10683085" y="3400200"/>
+            <a:off x="7778627" y="3247857"/>
             <a:ext cx="1219200" cy="1219200"/>
           </a:xfrm>
           <a:prstGeom prst="rect">
@@ -16853,7 +16384,7 @@
         </p:blipFill>
         <p:spPr>
           <a:xfrm>
-            <a:off x="8984800" y="326114"/>
+            <a:off x="7804999" y="4683628"/>
             <a:ext cx="1219200" cy="1219200"/>
           </a:xfrm>
           <a:prstGeom prst="rect">
@@ -16884,7 +16415,7 @@
         </p:blipFill>
         <p:spPr>
           <a:xfrm>
-            <a:off x="10504000" y="1927642"/>
+            <a:off x="9392742" y="3247857"/>
             <a:ext cx="1219200" cy="1219200"/>
           </a:xfrm>
           <a:prstGeom prst="rect">
@@ -16915,7 +16446,7 @@
         </p:blipFill>
         <p:spPr>
           <a:xfrm>
-            <a:off x="10504000" y="314828"/>
+            <a:off x="9392742" y="1813229"/>
             <a:ext cx="1219200" cy="1219200"/>
           </a:xfrm>
           <a:prstGeom prst="rect">
@@ -16926,13 +16457,21 @@
     </p:spTree>
     <p:extLst>
       <p:ext uri="{BB962C8B-B14F-4D97-AF65-F5344CB8AC3E}">
-        <p14:creationId xmlns:p14="http://schemas.microsoft.com/office/powerpoint/2010/main" val="399454265"/>
+        <p14:creationId xmlns:p14="http://schemas.microsoft.com/office/powerpoint/2010/main" val="3126433562"/>
       </p:ext>
     </p:extLst>
   </p:cSld>
   <p:clrMapOvr>
     <a:masterClrMapping/>
   </p:clrMapOvr>
+  <mc:AlternateContent xmlns:mc="http://schemas.openxmlformats.org/markup-compatibility/2006">
+    <mc:Choice xmlns:p14="http://schemas.microsoft.com/office/powerpoint/2010/main" Requires="p14">
+      <p:transition spd="slow" p14:dur="2000"/>
+    </mc:Choice>
+    <mc:Fallback>
+      <p:transition spd="slow"/>
+    </mc:Fallback>
+  </mc:AlternateContent>
 </p:sld>
 </file>
 
@@ -16976,7 +16515,7 @@
         </p:blipFill>
         <p:spPr>
           <a:xfrm>
-            <a:off x="166914" y="286715"/>
+            <a:off x="643486" y="520286"/>
             <a:ext cx="1219200" cy="1219200"/>
           </a:xfrm>
           <a:prstGeom prst="rect">
@@ -17007,7 +16546,7 @@
         </p:blipFill>
         <p:spPr>
           <a:xfrm>
-            <a:off x="166914" y="4395429"/>
+            <a:off x="654401" y="3364486"/>
             <a:ext cx="1219200" cy="1219200"/>
           </a:xfrm>
           <a:prstGeom prst="rect">
@@ -17038,7 +16577,7 @@
         </p:blipFill>
         <p:spPr>
           <a:xfrm>
-            <a:off x="166914" y="3069944"/>
+            <a:off x="571600" y="4830522"/>
             <a:ext cx="1219200" cy="1219200"/>
           </a:xfrm>
           <a:prstGeom prst="rect">
@@ -17069,7 +16608,7 @@
         </p:blipFill>
         <p:spPr>
           <a:xfrm>
-            <a:off x="254057" y="1744459"/>
+            <a:off x="2286800" y="4852844"/>
             <a:ext cx="1219200" cy="1219200"/>
           </a:xfrm>
           <a:prstGeom prst="rect">
@@ -17100,7 +16639,7 @@
         </p:blipFill>
         <p:spPr>
           <a:xfrm>
-            <a:off x="2114343" y="1662173"/>
+            <a:off x="2155658" y="3397482"/>
             <a:ext cx="1219200" cy="1219200"/>
           </a:xfrm>
           <a:prstGeom prst="rect">
@@ -17131,7 +16670,7 @@
         </p:blipFill>
         <p:spPr>
           <a:xfrm>
-            <a:off x="2114343" y="286715"/>
+            <a:off x="2303086" y="1959441"/>
             <a:ext cx="1219200" cy="1219200"/>
           </a:xfrm>
           <a:prstGeom prst="rect">
@@ -17162,7 +16701,7 @@
         </p:blipFill>
         <p:spPr>
           <a:xfrm>
-            <a:off x="2114343" y="3037631"/>
+            <a:off x="2303086" y="521400"/>
             <a:ext cx="1219200" cy="1219200"/>
           </a:xfrm>
           <a:prstGeom prst="rect">
@@ -17193,7 +16732,7 @@
         </p:blipFill>
         <p:spPr>
           <a:xfrm>
-            <a:off x="3873029" y="286715"/>
+            <a:off x="3878400" y="4868530"/>
             <a:ext cx="1219200" cy="1219200"/>
           </a:xfrm>
           <a:prstGeom prst="rect">
@@ -17224,7 +16763,7 @@
         </p:blipFill>
         <p:spPr>
           <a:xfrm>
-            <a:off x="2040743" y="4414490"/>
+            <a:off x="3907314" y="3421143"/>
             <a:ext cx="1219200" cy="1219200"/>
           </a:xfrm>
           <a:prstGeom prst="rect">
@@ -17255,7 +16794,7 @@
         </p:blipFill>
         <p:spPr>
           <a:xfrm>
-            <a:off x="3733828" y="4505915"/>
+            <a:off x="3907314" y="1750200"/>
             <a:ext cx="1219200" cy="1219200"/>
           </a:xfrm>
           <a:prstGeom prst="rect">
@@ -17286,7 +16825,7 @@
         </p:blipFill>
         <p:spPr>
           <a:xfrm>
-            <a:off x="3873029" y="1636715"/>
+            <a:off x="4074799" y="371400"/>
             <a:ext cx="1219200" cy="1219200"/>
           </a:xfrm>
           <a:prstGeom prst="rect">
@@ -17317,7 +16856,7 @@
         </p:blipFill>
         <p:spPr>
           <a:xfrm>
-            <a:off x="3899200" y="3136715"/>
+            <a:off x="5554400" y="4868530"/>
             <a:ext cx="1219200" cy="1219200"/>
           </a:xfrm>
           <a:prstGeom prst="rect">
@@ -17348,7 +16887,7 @@
         </p:blipFill>
         <p:spPr>
           <a:xfrm>
-            <a:off x="7286457" y="286715"/>
+            <a:off x="5554400" y="3364486"/>
             <a:ext cx="1219200" cy="1219200"/>
           </a:xfrm>
           <a:prstGeom prst="rect">
@@ -17379,7 +16918,7 @@
         </p:blipFill>
         <p:spPr>
           <a:xfrm>
-            <a:off x="5634543" y="1636715"/>
+            <a:off x="5554400" y="1750200"/>
             <a:ext cx="1219200" cy="1219200"/>
           </a:xfrm>
           <a:prstGeom prst="rect">
@@ -17410,7 +16949,7 @@
         </p:blipFill>
         <p:spPr>
           <a:xfrm>
-            <a:off x="10680457" y="3202203"/>
+            <a:off x="5734399" y="361800"/>
             <a:ext cx="1219200" cy="1219200"/>
           </a:xfrm>
           <a:prstGeom prst="rect">
@@ -17441,7 +16980,7 @@
         </p:blipFill>
         <p:spPr>
           <a:xfrm>
-            <a:off x="9215543" y="1744459"/>
+            <a:off x="7228400" y="4868530"/>
             <a:ext cx="1219200" cy="1219200"/>
           </a:xfrm>
           <a:prstGeom prst="rect">
@@ -17472,7 +17011,7 @@
         </p:blipFill>
         <p:spPr>
           <a:xfrm>
-            <a:off x="7396057" y="1805915"/>
+            <a:off x="8984800" y="4872758"/>
             <a:ext cx="1219200" cy="1219200"/>
           </a:xfrm>
           <a:prstGeom prst="rect">
@@ -17503,7 +17042,7 @@
         </p:blipFill>
         <p:spPr>
           <a:xfrm>
-            <a:off x="9167543" y="286715"/>
+            <a:off x="10576400" y="4872758"/>
             <a:ext cx="1219200" cy="1219200"/>
           </a:xfrm>
           <a:prstGeom prst="rect">
@@ -17534,7 +17073,7 @@
         </p:blipFill>
         <p:spPr>
           <a:xfrm>
-            <a:off x="10680457" y="1744459"/>
+            <a:off x="7337714" y="3421143"/>
             <a:ext cx="1219200" cy="1219200"/>
           </a:xfrm>
           <a:prstGeom prst="rect">
@@ -17565,7 +17104,7 @@
         </p:blipFill>
         <p:spPr>
           <a:xfrm>
-            <a:off x="10680457" y="286715"/>
+            <a:off x="7337714" y="1791156"/>
             <a:ext cx="1219200" cy="1219200"/>
           </a:xfrm>
           <a:prstGeom prst="rect">
@@ -17596,7 +17135,7 @@
         </p:blipFill>
         <p:spPr>
           <a:xfrm>
-            <a:off x="7396057" y="3202203"/>
+            <a:off x="7337714" y="435085"/>
             <a:ext cx="1219200" cy="1219200"/>
           </a:xfrm>
           <a:prstGeom prst="rect">
@@ -17627,7 +17166,7 @@
         </p:blipFill>
         <p:spPr>
           <a:xfrm>
-            <a:off x="9285314" y="3202203"/>
+            <a:off x="8953200" y="3384857"/>
             <a:ext cx="1219200" cy="1219200"/>
           </a:xfrm>
           <a:prstGeom prst="rect">
@@ -17658,7 +17197,7 @@
         </p:blipFill>
         <p:spPr>
           <a:xfrm>
-            <a:off x="7396057" y="4665515"/>
+            <a:off x="8984800" y="1816042"/>
             <a:ext cx="1219200" cy="1219200"/>
           </a:xfrm>
           <a:prstGeom prst="rect">
@@ -17689,7 +17228,7 @@
         </p:blipFill>
         <p:spPr>
           <a:xfrm>
-            <a:off x="9279343" y="4665515"/>
+            <a:off x="10683085" y="3400200"/>
             <a:ext cx="1219200" cy="1219200"/>
           </a:xfrm>
           <a:prstGeom prst="rect">
@@ -17720,7 +17259,7 @@
         </p:blipFill>
         <p:spPr>
           <a:xfrm>
-            <a:off x="10694114" y="4665515"/>
+            <a:off x="8984800" y="326114"/>
             <a:ext cx="1219200" cy="1219200"/>
           </a:xfrm>
           <a:prstGeom prst="rect">
@@ -17751,7 +17290,7 @@
         </p:blipFill>
         <p:spPr>
           <a:xfrm>
-            <a:off x="5634543" y="3176229"/>
+            <a:off x="10504000" y="1927642"/>
             <a:ext cx="1219200" cy="1219200"/>
           </a:xfrm>
           <a:prstGeom prst="rect">
@@ -17782,7 +17321,7 @@
         </p:blipFill>
         <p:spPr>
           <a:xfrm>
-            <a:off x="5634543" y="286715"/>
+            <a:off x="10504000" y="314828"/>
             <a:ext cx="1219200" cy="1219200"/>
           </a:xfrm>
           <a:prstGeom prst="rect">
@@ -17793,13 +17332,21 @@
     </p:spTree>
     <p:extLst>
       <p:ext uri="{BB962C8B-B14F-4D97-AF65-F5344CB8AC3E}">
-        <p14:creationId xmlns:p14="http://schemas.microsoft.com/office/powerpoint/2010/main" val="3324423259"/>
+        <p14:creationId xmlns:p14="http://schemas.microsoft.com/office/powerpoint/2010/main" val="399454265"/>
       </p:ext>
     </p:extLst>
   </p:cSld>
   <p:clrMapOvr>
     <a:masterClrMapping/>
   </p:clrMapOvr>
+  <mc:AlternateContent xmlns:mc="http://schemas.openxmlformats.org/markup-compatibility/2006">
+    <mc:Choice xmlns:p14="http://schemas.microsoft.com/office/powerpoint/2010/main" Requires="p14">
+      <p:transition spd="slow" p14:dur="2000"/>
+    </mc:Choice>
+    <mc:Fallback>
+      <p:transition spd="slow"/>
+    </mc:Fallback>
+  </mc:AlternateContent>
 </p:sld>
 </file>
 
@@ -17843,7 +17390,7 @@
         </p:blipFill>
         <p:spPr>
           <a:xfrm>
-            <a:off x="2066300" y="4482743"/>
+            <a:off x="166914" y="286715"/>
             <a:ext cx="1219200" cy="1219200"/>
           </a:xfrm>
           <a:prstGeom prst="rect">
@@ -17874,7 +17421,7 @@
         </p:blipFill>
         <p:spPr>
           <a:xfrm>
-            <a:off x="3544387" y="3100200"/>
+            <a:off x="166914" y="4395429"/>
             <a:ext cx="1219200" cy="1219200"/>
           </a:xfrm>
           <a:prstGeom prst="rect">
@@ -17905,7 +17452,7 @@
         </p:blipFill>
         <p:spPr>
           <a:xfrm>
-            <a:off x="1959644" y="3077257"/>
+            <a:off x="166914" y="3069944"/>
             <a:ext cx="1219200" cy="1219200"/>
           </a:xfrm>
           <a:prstGeom prst="rect">
@@ -17936,7 +17483,7 @@
         </p:blipFill>
         <p:spPr>
           <a:xfrm>
-            <a:off x="220687" y="3077257"/>
+            <a:off x="254057" y="1744459"/>
             <a:ext cx="1219200" cy="1219200"/>
           </a:xfrm>
           <a:prstGeom prst="rect">
@@ -17967,7 +17514,7 @@
         </p:blipFill>
         <p:spPr>
           <a:xfrm>
-            <a:off x="252087" y="4629000"/>
+            <a:off x="2114343" y="1662173"/>
             <a:ext cx="1219200" cy="1219200"/>
           </a:xfrm>
           <a:prstGeom prst="rect">
@@ -17998,7 +17545,7 @@
         </p:blipFill>
         <p:spPr>
           <a:xfrm>
-            <a:off x="1959644" y="1565771"/>
+            <a:off x="2114343" y="286715"/>
             <a:ext cx="1219200" cy="1219200"/>
           </a:xfrm>
           <a:prstGeom prst="rect">
@@ -18029,7 +17576,7 @@
         </p:blipFill>
         <p:spPr>
           <a:xfrm>
-            <a:off x="3652987" y="4539457"/>
+            <a:off x="2114343" y="3037631"/>
             <a:ext cx="1219200" cy="1219200"/>
           </a:xfrm>
           <a:prstGeom prst="rect">
@@ -18060,7 +17607,7 @@
         </p:blipFill>
         <p:spPr>
           <a:xfrm>
-            <a:off x="2066300" y="346571"/>
+            <a:off x="3873029" y="286715"/>
             <a:ext cx="1219200" cy="1219200"/>
           </a:xfrm>
           <a:prstGeom prst="rect">
@@ -18091,7 +17638,7 @@
         </p:blipFill>
         <p:spPr>
           <a:xfrm>
-            <a:off x="5317644" y="358887"/>
+            <a:off x="2040743" y="4414490"/>
             <a:ext cx="1219200" cy="1219200"/>
           </a:xfrm>
           <a:prstGeom prst="rect">
@@ -18122,7 +17669,7 @@
         </p:blipFill>
         <p:spPr>
           <a:xfrm>
-            <a:off x="3638644" y="1685343"/>
+            <a:off x="3733828" y="4505915"/>
             <a:ext cx="1219200" cy="1219200"/>
           </a:xfrm>
           <a:prstGeom prst="rect">
@@ -18153,7 +17700,7 @@
         </p:blipFill>
         <p:spPr>
           <a:xfrm>
-            <a:off x="3638644" y="368315"/>
+            <a:off x="3873029" y="1636715"/>
             <a:ext cx="1219200" cy="1219200"/>
           </a:xfrm>
           <a:prstGeom prst="rect">
@@ -18184,7 +17731,7 @@
         </p:blipFill>
         <p:spPr>
           <a:xfrm>
-            <a:off x="5317644" y="4609800"/>
+            <a:off x="3899200" y="3136715"/>
             <a:ext cx="1219200" cy="1219200"/>
           </a:xfrm>
           <a:prstGeom prst="rect">
@@ -18215,7 +17762,7 @@
         </p:blipFill>
         <p:spPr>
           <a:xfrm>
-            <a:off x="5317644" y="1823228"/>
+            <a:off x="7286457" y="286715"/>
             <a:ext cx="1219200" cy="1219200"/>
           </a:xfrm>
           <a:prstGeom prst="rect">
@@ -18246,7 +17793,7 @@
         </p:blipFill>
         <p:spPr>
           <a:xfrm>
-            <a:off x="5317644" y="3208114"/>
+            <a:off x="5634543" y="1636715"/>
             <a:ext cx="1219200" cy="1219200"/>
           </a:xfrm>
           <a:prstGeom prst="rect">
@@ -18277,7 +17824,7 @@
         </p:blipFill>
         <p:spPr>
           <a:xfrm>
-            <a:off x="7078800" y="368315"/>
+            <a:off x="10680457" y="3202203"/>
             <a:ext cx="1219200" cy="1219200"/>
           </a:xfrm>
           <a:prstGeom prst="rect">
@@ -18308,7 +17855,7 @@
         </p:blipFill>
         <p:spPr>
           <a:xfrm>
-            <a:off x="7129600" y="1793142"/>
+            <a:off x="9215543" y="1744459"/>
             <a:ext cx="1219200" cy="1219200"/>
           </a:xfrm>
           <a:prstGeom prst="rect">
@@ -18339,7 +17886,7 @@
         </p:blipFill>
         <p:spPr>
           <a:xfrm>
-            <a:off x="7129600" y="3320257"/>
+            <a:off x="7396057" y="1805915"/>
             <a:ext cx="1219200" cy="1219200"/>
           </a:xfrm>
           <a:prstGeom prst="rect">
@@ -18370,7 +17917,7 @@
         </p:blipFill>
         <p:spPr>
           <a:xfrm>
-            <a:off x="7192200" y="4609800"/>
+            <a:off x="9167543" y="286715"/>
             <a:ext cx="1219200" cy="1219200"/>
           </a:xfrm>
           <a:prstGeom prst="rect">
@@ -18401,7 +17948,7 @@
         </p:blipFill>
         <p:spPr>
           <a:xfrm>
-            <a:off x="8757800" y="466143"/>
+            <a:off x="10680457" y="1744459"/>
             <a:ext cx="1219200" cy="1219200"/>
           </a:xfrm>
           <a:prstGeom prst="rect">
@@ -18432,7 +17979,7 @@
         </p:blipFill>
         <p:spPr>
           <a:xfrm>
-            <a:off x="8736429" y="3349857"/>
+            <a:off x="10680457" y="286715"/>
             <a:ext cx="1219200" cy="1219200"/>
           </a:xfrm>
           <a:prstGeom prst="rect">
@@ -18463,7 +18010,7 @@
         </p:blipFill>
         <p:spPr>
           <a:xfrm>
-            <a:off x="8786400" y="1865429"/>
+            <a:off x="7396057" y="3202203"/>
             <a:ext cx="1219200" cy="1219200"/>
           </a:xfrm>
           <a:prstGeom prst="rect">
@@ -18494,7 +18041,7 @@
         </p:blipFill>
         <p:spPr>
           <a:xfrm>
-            <a:off x="8729630" y="4750200"/>
+            <a:off x="9285314" y="3202203"/>
             <a:ext cx="1219200" cy="1219200"/>
           </a:xfrm>
           <a:prstGeom prst="rect">
@@ -18525,7 +18072,7 @@
         </p:blipFill>
         <p:spPr>
           <a:xfrm>
-            <a:off x="10436800" y="3320257"/>
+            <a:off x="7396057" y="4665515"/>
             <a:ext cx="1219200" cy="1219200"/>
           </a:xfrm>
           <a:prstGeom prst="rect">
@@ -18556,7 +18103,7 @@
         </p:blipFill>
         <p:spPr>
           <a:xfrm>
-            <a:off x="10525357" y="1988914"/>
+            <a:off x="9279343" y="4665515"/>
             <a:ext cx="1219200" cy="1219200"/>
           </a:xfrm>
           <a:prstGeom prst="rect">
@@ -18587,7 +18134,7 @@
         </p:blipFill>
         <p:spPr>
           <a:xfrm>
-            <a:off x="10436800" y="466143"/>
+            <a:off x="10694114" y="4665515"/>
             <a:ext cx="1219200" cy="1219200"/>
           </a:xfrm>
           <a:prstGeom prst="rect">
@@ -18618,7 +18165,7 @@
         </p:blipFill>
         <p:spPr>
           <a:xfrm>
-            <a:off x="249658" y="1685343"/>
+            <a:off x="5634543" y="3176229"/>
             <a:ext cx="1219200" cy="1219200"/>
           </a:xfrm>
           <a:prstGeom prst="rect">
@@ -18649,7 +18196,7 @@
         </p:blipFill>
         <p:spPr>
           <a:xfrm>
-            <a:off x="249658" y="325857"/>
+            <a:off x="5634543" y="286715"/>
             <a:ext cx="1219200" cy="1219200"/>
           </a:xfrm>
           <a:prstGeom prst="rect">
@@ -18660,13 +18207,21 @@
     </p:spTree>
     <p:extLst>
       <p:ext uri="{BB962C8B-B14F-4D97-AF65-F5344CB8AC3E}">
-        <p14:creationId xmlns:p14="http://schemas.microsoft.com/office/powerpoint/2010/main" val="438152526"/>
+        <p14:creationId xmlns:p14="http://schemas.microsoft.com/office/powerpoint/2010/main" val="3324423259"/>
       </p:ext>
     </p:extLst>
   </p:cSld>
   <p:clrMapOvr>
     <a:masterClrMapping/>
   </p:clrMapOvr>
+  <mc:AlternateContent xmlns:mc="http://schemas.openxmlformats.org/markup-compatibility/2006">
+    <mc:Choice xmlns:p14="http://schemas.microsoft.com/office/powerpoint/2010/main" Requires="p14">
+      <p:transition spd="slow" p14:dur="2000"/>
+    </mc:Choice>
+    <mc:Fallback>
+      <p:transition spd="slow"/>
+    </mc:Fallback>
+  </mc:AlternateContent>
 </p:sld>
 </file>
 
@@ -18710,7 +18265,7 @@
         </p:blipFill>
         <p:spPr>
           <a:xfrm>
-            <a:off x="297543" y="293914"/>
+            <a:off x="2066300" y="4482743"/>
             <a:ext cx="1219200" cy="1219200"/>
           </a:xfrm>
           <a:prstGeom prst="rect">
@@ -18741,7 +18296,7 @@
         </p:blipFill>
         <p:spPr>
           <a:xfrm>
-            <a:off x="297543" y="1670372"/>
+            <a:off x="3544387" y="3100200"/>
             <a:ext cx="1219200" cy="1219200"/>
           </a:xfrm>
           <a:prstGeom prst="rect">
@@ -18772,7 +18327,7 @@
         </p:blipFill>
         <p:spPr>
           <a:xfrm>
-            <a:off x="375086" y="4580546"/>
+            <a:off x="1959644" y="3077257"/>
             <a:ext cx="1219200" cy="1219200"/>
           </a:xfrm>
           <a:prstGeom prst="rect">
@@ -18803,7 +18358,7 @@
         </p:blipFill>
         <p:spPr>
           <a:xfrm>
-            <a:off x="355657" y="3046830"/>
+            <a:off x="220687" y="3077257"/>
             <a:ext cx="1219200" cy="1219200"/>
           </a:xfrm>
           <a:prstGeom prst="rect">
@@ -18834,7 +18389,7 @@
         </p:blipFill>
         <p:spPr>
           <a:xfrm>
-            <a:off x="2065943" y="219000"/>
+            <a:off x="252087" y="4629000"/>
             <a:ext cx="1219200" cy="1219200"/>
           </a:xfrm>
           <a:prstGeom prst="rect">
@@ -18865,7 +18420,7 @@
         </p:blipFill>
         <p:spPr>
           <a:xfrm>
-            <a:off x="2065943" y="3100200"/>
+            <a:off x="1959644" y="1565771"/>
             <a:ext cx="1219200" cy="1219200"/>
           </a:xfrm>
           <a:prstGeom prst="rect">
@@ -18896,7 +18451,7 @@
         </p:blipFill>
         <p:spPr>
           <a:xfrm>
-            <a:off x="1974058" y="1670372"/>
+            <a:off x="3652987" y="4539457"/>
             <a:ext cx="1219200" cy="1219200"/>
           </a:xfrm>
           <a:prstGeom prst="rect">
@@ -18927,7 +18482,7 @@
         </p:blipFill>
         <p:spPr>
           <a:xfrm>
-            <a:off x="2030971" y="4594343"/>
+            <a:off x="2066300" y="346571"/>
             <a:ext cx="1219200" cy="1219200"/>
           </a:xfrm>
           <a:prstGeom prst="rect">
@@ -18958,7 +18513,7 @@
         </p:blipFill>
         <p:spPr>
           <a:xfrm>
-            <a:off x="3834343" y="219000"/>
+            <a:off x="5317644" y="358887"/>
             <a:ext cx="1219200" cy="1219200"/>
           </a:xfrm>
           <a:prstGeom prst="rect">
@@ -18989,7 +18544,7 @@
         </p:blipFill>
         <p:spPr>
           <a:xfrm>
-            <a:off x="3939743" y="4580546"/>
+            <a:off x="3638644" y="1685343"/>
             <a:ext cx="1219200" cy="1219200"/>
           </a:xfrm>
           <a:prstGeom prst="rect">
@@ -19020,7 +18575,7 @@
         </p:blipFill>
         <p:spPr>
           <a:xfrm>
-            <a:off x="3894857" y="1708115"/>
+            <a:off x="3638644" y="368315"/>
             <a:ext cx="1219200" cy="1219200"/>
           </a:xfrm>
           <a:prstGeom prst="rect">
@@ -19051,7 +18606,7 @@
         </p:blipFill>
         <p:spPr>
           <a:xfrm>
-            <a:off x="3941886" y="3046830"/>
+            <a:off x="5317644" y="4609800"/>
             <a:ext cx="1219200" cy="1219200"/>
           </a:xfrm>
           <a:prstGeom prst="rect">
@@ -19082,7 +18637,7 @@
         </p:blipFill>
         <p:spPr>
           <a:xfrm>
-            <a:off x="5571372" y="1767343"/>
+            <a:off x="5317644" y="1823228"/>
             <a:ext cx="1219200" cy="1219200"/>
           </a:xfrm>
           <a:prstGeom prst="rect">
@@ -19113,7 +18668,7 @@
         </p:blipFill>
         <p:spPr>
           <a:xfrm>
-            <a:off x="5602743" y="293914"/>
+            <a:off x="5317644" y="3208114"/>
             <a:ext cx="1219200" cy="1219200"/>
           </a:xfrm>
           <a:prstGeom prst="rect">
@@ -19144,7 +18699,7 @@
         </p:blipFill>
         <p:spPr>
           <a:xfrm>
-            <a:off x="5571372" y="3240772"/>
+            <a:off x="7078800" y="368315"/>
             <a:ext cx="1219200" cy="1219200"/>
           </a:xfrm>
           <a:prstGeom prst="rect">
@@ -19175,7 +18730,7 @@
         </p:blipFill>
         <p:spPr>
           <a:xfrm>
-            <a:off x="7117200" y="388543"/>
+            <a:off x="7129600" y="1793142"/>
             <a:ext cx="1219200" cy="1219200"/>
           </a:xfrm>
           <a:prstGeom prst="rect">
@@ -19206,7 +18761,7 @@
         </p:blipFill>
         <p:spPr>
           <a:xfrm>
-            <a:off x="7211944" y="1819487"/>
+            <a:off x="7129600" y="3320257"/>
             <a:ext cx="1219200" cy="1219200"/>
           </a:xfrm>
           <a:prstGeom prst="rect">
@@ -19237,7 +18792,7 @@
         </p:blipFill>
         <p:spPr>
           <a:xfrm>
-            <a:off x="5624857" y="4609800"/>
+            <a:off x="7192200" y="4609800"/>
             <a:ext cx="1219200" cy="1219200"/>
           </a:xfrm>
           <a:prstGeom prst="rect">
@@ -19268,7 +18823,7 @@
         </p:blipFill>
         <p:spPr>
           <a:xfrm>
-            <a:off x="7284514" y="3295545"/>
+            <a:off x="8757800" y="466143"/>
             <a:ext cx="1219200" cy="1219200"/>
           </a:xfrm>
           <a:prstGeom prst="rect">
@@ -19299,7 +18854,7 @@
         </p:blipFill>
         <p:spPr>
           <a:xfrm>
-            <a:off x="7309971" y="4675172"/>
+            <a:off x="8736429" y="3349857"/>
             <a:ext cx="1219200" cy="1219200"/>
           </a:xfrm>
           <a:prstGeom prst="rect">
@@ -19330,7 +18885,7 @@
         </p:blipFill>
         <p:spPr>
           <a:xfrm>
-            <a:off x="8636400" y="399829"/>
+            <a:off x="8786400" y="1865429"/>
             <a:ext cx="1219200" cy="1219200"/>
           </a:xfrm>
           <a:prstGeom prst="rect">
@@ -19361,7 +18916,7 @@
         </p:blipFill>
         <p:spPr>
           <a:xfrm>
-            <a:off x="10392629" y="488915"/>
+            <a:off x="8729630" y="4750200"/>
             <a:ext cx="1219200" cy="1219200"/>
           </a:xfrm>
           <a:prstGeom prst="rect">
@@ -19392,7 +18947,7 @@
         </p:blipFill>
         <p:spPr>
           <a:xfrm>
-            <a:off x="8731257" y="1827630"/>
+            <a:off x="10436800" y="3320257"/>
             <a:ext cx="1219200" cy="1219200"/>
           </a:xfrm>
           <a:prstGeom prst="rect">
@@ -19423,7 +18978,7 @@
         </p:blipFill>
         <p:spPr>
           <a:xfrm>
-            <a:off x="8784057" y="4774428"/>
+            <a:off x="10525357" y="1988914"/>
             <a:ext cx="1219200" cy="1219200"/>
           </a:xfrm>
           <a:prstGeom prst="rect">
@@ -19454,7 +19009,7 @@
         </p:blipFill>
         <p:spPr>
           <a:xfrm>
-            <a:off x="10396399" y="3390600"/>
+            <a:off x="10436800" y="466143"/>
             <a:ext cx="1219200" cy="1219200"/>
           </a:xfrm>
           <a:prstGeom prst="rect">
@@ -19485,7 +19040,7 @@
         </p:blipFill>
         <p:spPr>
           <a:xfrm>
-            <a:off x="10349658" y="2076345"/>
+            <a:off x="249658" y="1685343"/>
             <a:ext cx="1219200" cy="1219200"/>
           </a:xfrm>
           <a:prstGeom prst="rect">
@@ -19516,7 +19071,7 @@
         </p:blipFill>
         <p:spPr>
           <a:xfrm>
-            <a:off x="8773943" y="3438915"/>
+            <a:off x="249658" y="325857"/>
             <a:ext cx="1219200" cy="1219200"/>
           </a:xfrm>
           <a:prstGeom prst="rect">
@@ -19527,13 +19082,21 @@
     </p:spTree>
     <p:extLst>
       <p:ext uri="{BB962C8B-B14F-4D97-AF65-F5344CB8AC3E}">
-        <p14:creationId xmlns:p14="http://schemas.microsoft.com/office/powerpoint/2010/main" val="214978686"/>
+        <p14:creationId xmlns:p14="http://schemas.microsoft.com/office/powerpoint/2010/main" val="438152526"/>
       </p:ext>
     </p:extLst>
   </p:cSld>
   <p:clrMapOvr>
     <a:masterClrMapping/>
   </p:clrMapOvr>
+  <mc:AlternateContent xmlns:mc="http://schemas.openxmlformats.org/markup-compatibility/2006">
+    <mc:Choice xmlns:p14="http://schemas.microsoft.com/office/powerpoint/2010/main" Requires="p14">
+      <p:transition spd="slow" p14:dur="2000"/>
+    </mc:Choice>
+    <mc:Fallback>
+      <p:transition spd="slow"/>
+    </mc:Fallback>
+  </mc:AlternateContent>
 </p:sld>
 </file>
 
@@ -19603,21 +19166,34 @@
             <a:pPr lvl="1"/>
             <a:r>
               <a:rPr lang="en-US" dirty="0"/>
-              <a:t>Drivers do not persist</a:t>
-            </a:r>
-          </a:p>
-          <a:p>
-            <a:r>
-              <a:rPr lang="en-US" dirty="0"/>
-              <a:t>Use the latest Win10 CU!  </a:t>
-            </a:r>
-            <a:r>
-              <a:rPr lang="en-US" dirty="0" err="1"/>
-              <a:t>ConfigMgr</a:t>
-            </a:r>
-            <a:r>
-              <a:rPr lang="en-US" dirty="0"/>
-              <a:t> Offline servicing is helpful here.</a:t>
+              <a:t>Drivers </a:t>
+            </a:r>
+            <a:r>
+              <a:rPr lang="en-US" dirty="0" smtClean="0"/>
+              <a:t>for disconnected devices do </a:t>
+            </a:r>
+            <a:r>
+              <a:rPr lang="en-US" dirty="0"/>
+              <a:t>not </a:t>
+            </a:r>
+            <a:r>
+              <a:rPr lang="en-US" dirty="0" smtClean="0"/>
+              <a:t>persist.</a:t>
+            </a:r>
+            <a:endParaRPr lang="en-US" dirty="0"/>
+          </a:p>
+          <a:p>
+            <a:r>
+              <a:rPr lang="en-US" dirty="0"/>
+              <a:t>Use the latest Win10 CU!  ConfigMgr </a:t>
+            </a:r>
+            <a:r>
+              <a:rPr lang="en-US" dirty="0" smtClean="0"/>
+              <a:t>offline </a:t>
+            </a:r>
+            <a:r>
+              <a:rPr lang="en-US" dirty="0"/>
+              <a:t>servicing is helpful here.</a:t>
             </a:r>
           </a:p>
           <a:p>
@@ -19716,7 +19292,7 @@
         </p:blipFill>
         <p:spPr>
           <a:xfrm>
-            <a:off x="304800" y="373743"/>
+            <a:off x="297543" y="293914"/>
             <a:ext cx="1219200" cy="1219200"/>
           </a:xfrm>
           <a:prstGeom prst="rect">
@@ -19747,7 +19323,7 @@
         </p:blipFill>
         <p:spPr>
           <a:xfrm>
-            <a:off x="304800" y="2022400"/>
+            <a:off x="297543" y="1670372"/>
             <a:ext cx="1219200" cy="1219200"/>
           </a:xfrm>
           <a:prstGeom prst="rect">
@@ -19778,7 +19354,7 @@
         </p:blipFill>
         <p:spPr>
           <a:xfrm>
-            <a:off x="304800" y="3400200"/>
+            <a:off x="375086" y="4580546"/>
             <a:ext cx="1219200" cy="1219200"/>
           </a:xfrm>
           <a:prstGeom prst="rect">
@@ -19809,7 +19385,7 @@
         </p:blipFill>
         <p:spPr>
           <a:xfrm>
-            <a:off x="304800" y="4779000"/>
+            <a:off x="355657" y="3046830"/>
             <a:ext cx="1219200" cy="1219200"/>
           </a:xfrm>
           <a:prstGeom prst="rect">
@@ -19840,7 +19416,7 @@
         </p:blipFill>
         <p:spPr>
           <a:xfrm>
-            <a:off x="1942572" y="373743"/>
+            <a:off x="2065943" y="219000"/>
             <a:ext cx="1219200" cy="1219200"/>
           </a:xfrm>
           <a:prstGeom prst="rect">
@@ -19871,7 +19447,7 @@
         </p:blipFill>
         <p:spPr>
           <a:xfrm>
-            <a:off x="2020000" y="1907514"/>
+            <a:off x="2065943" y="3100200"/>
             <a:ext cx="1219200" cy="1219200"/>
           </a:xfrm>
           <a:prstGeom prst="rect">
@@ -19902,7 +19478,7 @@
         </p:blipFill>
         <p:spPr>
           <a:xfrm>
-            <a:off x="1838629" y="3400200"/>
+            <a:off x="1974058" y="1670372"/>
             <a:ext cx="1219200" cy="1219200"/>
           </a:xfrm>
           <a:prstGeom prst="rect">
@@ -19933,7 +19509,7 @@
         </p:blipFill>
         <p:spPr>
           <a:xfrm>
-            <a:off x="1976400" y="4787771"/>
+            <a:off x="2030971" y="4594343"/>
             <a:ext cx="1219200" cy="1219200"/>
           </a:xfrm>
           <a:prstGeom prst="rect">
@@ -19964,7 +19540,7 @@
         </p:blipFill>
         <p:spPr>
           <a:xfrm>
-            <a:off x="3580515" y="2022400"/>
+            <a:off x="3834343" y="219000"/>
             <a:ext cx="1219200" cy="1219200"/>
           </a:xfrm>
           <a:prstGeom prst="rect">
@@ -19995,7 +19571,7 @@
         </p:blipFill>
         <p:spPr>
           <a:xfrm>
-            <a:off x="3580515" y="373743"/>
+            <a:off x="3939743" y="4580546"/>
             <a:ext cx="1219200" cy="1219200"/>
           </a:xfrm>
           <a:prstGeom prst="rect">
@@ -20026,7 +19602,7 @@
         </p:blipFill>
         <p:spPr>
           <a:xfrm>
-            <a:off x="3517486" y="3400200"/>
+            <a:off x="3894857" y="1708115"/>
             <a:ext cx="1219200" cy="1219200"/>
           </a:xfrm>
           <a:prstGeom prst="rect">
@@ -20057,7 +19633,7 @@
         </p:blipFill>
         <p:spPr>
           <a:xfrm>
-            <a:off x="3580515" y="4742285"/>
+            <a:off x="3941886" y="3046830"/>
             <a:ext cx="1219200" cy="1219200"/>
           </a:xfrm>
           <a:prstGeom prst="rect">
@@ -20088,7 +19664,7 @@
         </p:blipFill>
         <p:spPr>
           <a:xfrm>
-            <a:off x="5476972" y="3584256"/>
+            <a:off x="5571372" y="1767343"/>
             <a:ext cx="1219200" cy="1219200"/>
           </a:xfrm>
           <a:prstGeom prst="rect">
@@ -20119,7 +19695,7 @@
         </p:blipFill>
         <p:spPr>
           <a:xfrm>
-            <a:off x="5476972" y="458658"/>
+            <a:off x="5602743" y="293914"/>
             <a:ext cx="1219200" cy="1219200"/>
           </a:xfrm>
           <a:prstGeom prst="rect">
@@ -20150,7 +19726,7 @@
         </p:blipFill>
         <p:spPr>
           <a:xfrm>
-            <a:off x="5476972" y="2021457"/>
+            <a:off x="5571372" y="3240772"/>
             <a:ext cx="1219200" cy="1219200"/>
           </a:xfrm>
           <a:prstGeom prst="rect">
@@ -20181,7 +19757,7 @@
         </p:blipFill>
         <p:spPr>
           <a:xfrm>
-            <a:off x="5476972" y="4909800"/>
+            <a:off x="7117200" y="388543"/>
             <a:ext cx="1219200" cy="1219200"/>
           </a:xfrm>
           <a:prstGeom prst="rect">
@@ -20212,7 +19788,7 @@
         </p:blipFill>
         <p:spPr>
           <a:xfrm>
-            <a:off x="7291771" y="505572"/>
+            <a:off x="7211944" y="1819487"/>
             <a:ext cx="1219200" cy="1219200"/>
           </a:xfrm>
           <a:prstGeom prst="rect">
@@ -20243,7 +19819,7 @@
         </p:blipFill>
         <p:spPr>
           <a:xfrm>
-            <a:off x="7373429" y="2021457"/>
+            <a:off x="5624857" y="4609800"/>
             <a:ext cx="1219200" cy="1219200"/>
           </a:xfrm>
           <a:prstGeom prst="rect">
@@ -20274,7 +19850,7 @@
         </p:blipFill>
         <p:spPr>
           <a:xfrm>
-            <a:off x="7496971" y="4953456"/>
+            <a:off x="7284514" y="3295545"/>
             <a:ext cx="1219200" cy="1219200"/>
           </a:xfrm>
           <a:prstGeom prst="rect">
@@ -20305,7 +19881,7 @@
         </p:blipFill>
         <p:spPr>
           <a:xfrm>
-            <a:off x="7357257" y="3584256"/>
+            <a:off x="7309971" y="4675172"/>
             <a:ext cx="1219200" cy="1219200"/>
           </a:xfrm>
           <a:prstGeom prst="rect">
@@ -20336,7 +19912,7 @@
         </p:blipFill>
         <p:spPr>
           <a:xfrm>
-            <a:off x="9106570" y="505572"/>
+            <a:off x="8636400" y="399829"/>
             <a:ext cx="1219200" cy="1219200"/>
           </a:xfrm>
           <a:prstGeom prst="rect">
@@ -20367,7 +19943,162 @@
         </p:blipFill>
         <p:spPr>
           <a:xfrm>
-            <a:off x="9106570" y="2021457"/>
+            <a:off x="10392629" y="488915"/>
+            <a:ext cx="1219200" cy="1219200"/>
+          </a:xfrm>
+          <a:prstGeom prst="rect">
+            <a:avLst/>
+          </a:prstGeom>
+        </p:spPr>
+      </p:pic>
+      <p:pic>
+        <p:nvPicPr>
+          <p:cNvPr id="24" name="Picture 23"/>
+          <p:cNvPicPr>
+            <a:picLocks noChangeAspect="1"/>
+          </p:cNvPicPr>
+          <p:nvPr/>
+        </p:nvPicPr>
+        <p:blipFill>
+          <a:blip r:embed="rId24">
+            <a:lum bright="70000" contrast="-70000"/>
+            <a:extLst>
+              <a:ext uri="{28A0092B-C50C-407E-A947-70E740481C1C}">
+                <a14:useLocalDpi xmlns:a14="http://schemas.microsoft.com/office/drawing/2010/main" val="0"/>
+              </a:ext>
+            </a:extLst>
+          </a:blip>
+          <a:stretch>
+            <a:fillRect/>
+          </a:stretch>
+        </p:blipFill>
+        <p:spPr>
+          <a:xfrm>
+            <a:off x="8731257" y="1827630"/>
+            <a:ext cx="1219200" cy="1219200"/>
+          </a:xfrm>
+          <a:prstGeom prst="rect">
+            <a:avLst/>
+          </a:prstGeom>
+        </p:spPr>
+      </p:pic>
+      <p:pic>
+        <p:nvPicPr>
+          <p:cNvPr id="25" name="Picture 24"/>
+          <p:cNvPicPr>
+            <a:picLocks noChangeAspect="1"/>
+          </p:cNvPicPr>
+          <p:nvPr/>
+        </p:nvPicPr>
+        <p:blipFill>
+          <a:blip r:embed="rId25">
+            <a:lum bright="70000" contrast="-70000"/>
+            <a:extLst>
+              <a:ext uri="{28A0092B-C50C-407E-A947-70E740481C1C}">
+                <a14:useLocalDpi xmlns:a14="http://schemas.microsoft.com/office/drawing/2010/main" val="0"/>
+              </a:ext>
+            </a:extLst>
+          </a:blip>
+          <a:stretch>
+            <a:fillRect/>
+          </a:stretch>
+        </p:blipFill>
+        <p:spPr>
+          <a:xfrm>
+            <a:off x="8784057" y="4774428"/>
+            <a:ext cx="1219200" cy="1219200"/>
+          </a:xfrm>
+          <a:prstGeom prst="rect">
+            <a:avLst/>
+          </a:prstGeom>
+        </p:spPr>
+      </p:pic>
+      <p:pic>
+        <p:nvPicPr>
+          <p:cNvPr id="26" name="Picture 25"/>
+          <p:cNvPicPr>
+            <a:picLocks noChangeAspect="1"/>
+          </p:cNvPicPr>
+          <p:nvPr/>
+        </p:nvPicPr>
+        <p:blipFill>
+          <a:blip r:embed="rId26">
+            <a:lum bright="70000" contrast="-70000"/>
+            <a:extLst>
+              <a:ext uri="{28A0092B-C50C-407E-A947-70E740481C1C}">
+                <a14:useLocalDpi xmlns:a14="http://schemas.microsoft.com/office/drawing/2010/main" val="0"/>
+              </a:ext>
+            </a:extLst>
+          </a:blip>
+          <a:stretch>
+            <a:fillRect/>
+          </a:stretch>
+        </p:blipFill>
+        <p:spPr>
+          <a:xfrm>
+            <a:off x="10396399" y="3390600"/>
+            <a:ext cx="1219200" cy="1219200"/>
+          </a:xfrm>
+          <a:prstGeom prst="rect">
+            <a:avLst/>
+          </a:prstGeom>
+        </p:spPr>
+      </p:pic>
+      <p:pic>
+        <p:nvPicPr>
+          <p:cNvPr id="27" name="Picture 26"/>
+          <p:cNvPicPr>
+            <a:picLocks noChangeAspect="1"/>
+          </p:cNvPicPr>
+          <p:nvPr/>
+        </p:nvPicPr>
+        <p:blipFill>
+          <a:blip r:embed="rId27">
+            <a:lum bright="70000" contrast="-70000"/>
+            <a:extLst>
+              <a:ext uri="{28A0092B-C50C-407E-A947-70E740481C1C}">
+                <a14:useLocalDpi xmlns:a14="http://schemas.microsoft.com/office/drawing/2010/main" val="0"/>
+              </a:ext>
+            </a:extLst>
+          </a:blip>
+          <a:stretch>
+            <a:fillRect/>
+          </a:stretch>
+        </p:blipFill>
+        <p:spPr>
+          <a:xfrm>
+            <a:off x="10349658" y="2076345"/>
+            <a:ext cx="1219200" cy="1219200"/>
+          </a:xfrm>
+          <a:prstGeom prst="rect">
+            <a:avLst/>
+          </a:prstGeom>
+        </p:spPr>
+      </p:pic>
+      <p:pic>
+        <p:nvPicPr>
+          <p:cNvPr id="28" name="Picture 27"/>
+          <p:cNvPicPr>
+            <a:picLocks noChangeAspect="1"/>
+          </p:cNvPicPr>
+          <p:nvPr/>
+        </p:nvPicPr>
+        <p:blipFill>
+          <a:blip r:embed="rId28">
+            <a:lum bright="70000" contrast="-70000"/>
+            <a:extLst>
+              <a:ext uri="{28A0092B-C50C-407E-A947-70E740481C1C}">
+                <a14:useLocalDpi xmlns:a14="http://schemas.microsoft.com/office/drawing/2010/main" val="0"/>
+              </a:ext>
+            </a:extLst>
+          </a:blip>
+          <a:stretch>
+            <a:fillRect/>
+          </a:stretch>
+        </p:blipFill>
+        <p:spPr>
+          <a:xfrm>
+            <a:off x="8773943" y="3438915"/>
             <a:ext cx="1219200" cy="1219200"/>
           </a:xfrm>
           <a:prstGeom prst="rect">
@@ -20378,13 +20109,21 @@
     </p:spTree>
     <p:extLst>
       <p:ext uri="{BB962C8B-B14F-4D97-AF65-F5344CB8AC3E}">
-        <p14:creationId xmlns:p14="http://schemas.microsoft.com/office/powerpoint/2010/main" val="3555470181"/>
+        <p14:creationId xmlns:p14="http://schemas.microsoft.com/office/powerpoint/2010/main" val="214978686"/>
       </p:ext>
     </p:extLst>
   </p:cSld>
   <p:clrMapOvr>
     <a:masterClrMapping/>
   </p:clrMapOvr>
+  <mc:AlternateContent xmlns:mc="http://schemas.openxmlformats.org/markup-compatibility/2006">
+    <mc:Choice xmlns:p14="http://schemas.microsoft.com/office/powerpoint/2010/main" Requires="p14">
+      <p:transition spd="slow" p14:dur="2000"/>
+    </mc:Choice>
+    <mc:Fallback>
+      <p:transition spd="slow"/>
+    </mc:Fallback>
+  </mc:AlternateContent>
 </p:sld>
 </file>
 
@@ -20428,6 +20167,726 @@
         </p:blipFill>
         <p:spPr>
           <a:xfrm>
+            <a:off x="304800" y="373743"/>
+            <a:ext cx="1219200" cy="1219200"/>
+          </a:xfrm>
+          <a:prstGeom prst="rect">
+            <a:avLst/>
+          </a:prstGeom>
+        </p:spPr>
+      </p:pic>
+      <p:pic>
+        <p:nvPicPr>
+          <p:cNvPr id="3" name="Picture 2"/>
+          <p:cNvPicPr>
+            <a:picLocks noChangeAspect="1"/>
+          </p:cNvPicPr>
+          <p:nvPr/>
+        </p:nvPicPr>
+        <p:blipFill>
+          <a:blip r:embed="rId3">
+            <a:lum bright="70000" contrast="-70000"/>
+            <a:extLst>
+              <a:ext uri="{28A0092B-C50C-407E-A947-70E740481C1C}">
+                <a14:useLocalDpi xmlns:a14="http://schemas.microsoft.com/office/drawing/2010/main" val="0"/>
+              </a:ext>
+            </a:extLst>
+          </a:blip>
+          <a:stretch>
+            <a:fillRect/>
+          </a:stretch>
+        </p:blipFill>
+        <p:spPr>
+          <a:xfrm>
+            <a:off x="304800" y="2022400"/>
+            <a:ext cx="1219200" cy="1219200"/>
+          </a:xfrm>
+          <a:prstGeom prst="rect">
+            <a:avLst/>
+          </a:prstGeom>
+        </p:spPr>
+      </p:pic>
+      <p:pic>
+        <p:nvPicPr>
+          <p:cNvPr id="4" name="Picture 3"/>
+          <p:cNvPicPr>
+            <a:picLocks noChangeAspect="1"/>
+          </p:cNvPicPr>
+          <p:nvPr/>
+        </p:nvPicPr>
+        <p:blipFill>
+          <a:blip r:embed="rId4">
+            <a:lum bright="70000" contrast="-70000"/>
+            <a:extLst>
+              <a:ext uri="{28A0092B-C50C-407E-A947-70E740481C1C}">
+                <a14:useLocalDpi xmlns:a14="http://schemas.microsoft.com/office/drawing/2010/main" val="0"/>
+              </a:ext>
+            </a:extLst>
+          </a:blip>
+          <a:stretch>
+            <a:fillRect/>
+          </a:stretch>
+        </p:blipFill>
+        <p:spPr>
+          <a:xfrm>
+            <a:off x="304800" y="3400200"/>
+            <a:ext cx="1219200" cy="1219200"/>
+          </a:xfrm>
+          <a:prstGeom prst="rect">
+            <a:avLst/>
+          </a:prstGeom>
+        </p:spPr>
+      </p:pic>
+      <p:pic>
+        <p:nvPicPr>
+          <p:cNvPr id="5" name="Picture 4"/>
+          <p:cNvPicPr>
+            <a:picLocks noChangeAspect="1"/>
+          </p:cNvPicPr>
+          <p:nvPr/>
+        </p:nvPicPr>
+        <p:blipFill>
+          <a:blip r:embed="rId5">
+            <a:lum bright="70000" contrast="-70000"/>
+            <a:extLst>
+              <a:ext uri="{28A0092B-C50C-407E-A947-70E740481C1C}">
+                <a14:useLocalDpi xmlns:a14="http://schemas.microsoft.com/office/drawing/2010/main" val="0"/>
+              </a:ext>
+            </a:extLst>
+          </a:blip>
+          <a:stretch>
+            <a:fillRect/>
+          </a:stretch>
+        </p:blipFill>
+        <p:spPr>
+          <a:xfrm>
+            <a:off x="304800" y="4779000"/>
+            <a:ext cx="1219200" cy="1219200"/>
+          </a:xfrm>
+          <a:prstGeom prst="rect">
+            <a:avLst/>
+          </a:prstGeom>
+        </p:spPr>
+      </p:pic>
+      <p:pic>
+        <p:nvPicPr>
+          <p:cNvPr id="6" name="Picture 5"/>
+          <p:cNvPicPr>
+            <a:picLocks noChangeAspect="1"/>
+          </p:cNvPicPr>
+          <p:nvPr/>
+        </p:nvPicPr>
+        <p:blipFill>
+          <a:blip r:embed="rId6">
+            <a:lum bright="70000" contrast="-70000"/>
+            <a:extLst>
+              <a:ext uri="{28A0092B-C50C-407E-A947-70E740481C1C}">
+                <a14:useLocalDpi xmlns:a14="http://schemas.microsoft.com/office/drawing/2010/main" val="0"/>
+              </a:ext>
+            </a:extLst>
+          </a:blip>
+          <a:stretch>
+            <a:fillRect/>
+          </a:stretch>
+        </p:blipFill>
+        <p:spPr>
+          <a:xfrm>
+            <a:off x="1942572" y="373743"/>
+            <a:ext cx="1219200" cy="1219200"/>
+          </a:xfrm>
+          <a:prstGeom prst="rect">
+            <a:avLst/>
+          </a:prstGeom>
+        </p:spPr>
+      </p:pic>
+      <p:pic>
+        <p:nvPicPr>
+          <p:cNvPr id="7" name="Picture 6"/>
+          <p:cNvPicPr>
+            <a:picLocks noChangeAspect="1"/>
+          </p:cNvPicPr>
+          <p:nvPr/>
+        </p:nvPicPr>
+        <p:blipFill>
+          <a:blip r:embed="rId7">
+            <a:lum bright="70000" contrast="-70000"/>
+            <a:extLst>
+              <a:ext uri="{28A0092B-C50C-407E-A947-70E740481C1C}">
+                <a14:useLocalDpi xmlns:a14="http://schemas.microsoft.com/office/drawing/2010/main" val="0"/>
+              </a:ext>
+            </a:extLst>
+          </a:blip>
+          <a:stretch>
+            <a:fillRect/>
+          </a:stretch>
+        </p:blipFill>
+        <p:spPr>
+          <a:xfrm>
+            <a:off x="2020000" y="1907514"/>
+            <a:ext cx="1219200" cy="1219200"/>
+          </a:xfrm>
+          <a:prstGeom prst="rect">
+            <a:avLst/>
+          </a:prstGeom>
+        </p:spPr>
+      </p:pic>
+      <p:pic>
+        <p:nvPicPr>
+          <p:cNvPr id="8" name="Picture 7"/>
+          <p:cNvPicPr>
+            <a:picLocks noChangeAspect="1"/>
+          </p:cNvPicPr>
+          <p:nvPr/>
+        </p:nvPicPr>
+        <p:blipFill>
+          <a:blip r:embed="rId8">
+            <a:lum bright="70000" contrast="-70000"/>
+            <a:extLst>
+              <a:ext uri="{28A0092B-C50C-407E-A947-70E740481C1C}">
+                <a14:useLocalDpi xmlns:a14="http://schemas.microsoft.com/office/drawing/2010/main" val="0"/>
+              </a:ext>
+            </a:extLst>
+          </a:blip>
+          <a:stretch>
+            <a:fillRect/>
+          </a:stretch>
+        </p:blipFill>
+        <p:spPr>
+          <a:xfrm>
+            <a:off x="1838629" y="3400200"/>
+            <a:ext cx="1219200" cy="1219200"/>
+          </a:xfrm>
+          <a:prstGeom prst="rect">
+            <a:avLst/>
+          </a:prstGeom>
+        </p:spPr>
+      </p:pic>
+      <p:pic>
+        <p:nvPicPr>
+          <p:cNvPr id="9" name="Picture 8"/>
+          <p:cNvPicPr>
+            <a:picLocks noChangeAspect="1"/>
+          </p:cNvPicPr>
+          <p:nvPr/>
+        </p:nvPicPr>
+        <p:blipFill>
+          <a:blip r:embed="rId9">
+            <a:lum bright="70000" contrast="-70000"/>
+            <a:extLst>
+              <a:ext uri="{28A0092B-C50C-407E-A947-70E740481C1C}">
+                <a14:useLocalDpi xmlns:a14="http://schemas.microsoft.com/office/drawing/2010/main" val="0"/>
+              </a:ext>
+            </a:extLst>
+          </a:blip>
+          <a:stretch>
+            <a:fillRect/>
+          </a:stretch>
+        </p:blipFill>
+        <p:spPr>
+          <a:xfrm>
+            <a:off x="1976400" y="4787771"/>
+            <a:ext cx="1219200" cy="1219200"/>
+          </a:xfrm>
+          <a:prstGeom prst="rect">
+            <a:avLst/>
+          </a:prstGeom>
+        </p:spPr>
+      </p:pic>
+      <p:pic>
+        <p:nvPicPr>
+          <p:cNvPr id="10" name="Picture 9"/>
+          <p:cNvPicPr>
+            <a:picLocks noChangeAspect="1"/>
+          </p:cNvPicPr>
+          <p:nvPr/>
+        </p:nvPicPr>
+        <p:blipFill>
+          <a:blip r:embed="rId10">
+            <a:lum bright="70000" contrast="-70000"/>
+            <a:extLst>
+              <a:ext uri="{28A0092B-C50C-407E-A947-70E740481C1C}">
+                <a14:useLocalDpi xmlns:a14="http://schemas.microsoft.com/office/drawing/2010/main" val="0"/>
+              </a:ext>
+            </a:extLst>
+          </a:blip>
+          <a:stretch>
+            <a:fillRect/>
+          </a:stretch>
+        </p:blipFill>
+        <p:spPr>
+          <a:xfrm>
+            <a:off x="3580515" y="2022400"/>
+            <a:ext cx="1219200" cy="1219200"/>
+          </a:xfrm>
+          <a:prstGeom prst="rect">
+            <a:avLst/>
+          </a:prstGeom>
+        </p:spPr>
+      </p:pic>
+      <p:pic>
+        <p:nvPicPr>
+          <p:cNvPr id="11" name="Picture 10"/>
+          <p:cNvPicPr>
+            <a:picLocks noChangeAspect="1"/>
+          </p:cNvPicPr>
+          <p:nvPr/>
+        </p:nvPicPr>
+        <p:blipFill>
+          <a:blip r:embed="rId11">
+            <a:lum bright="70000" contrast="-70000"/>
+            <a:extLst>
+              <a:ext uri="{28A0092B-C50C-407E-A947-70E740481C1C}">
+                <a14:useLocalDpi xmlns:a14="http://schemas.microsoft.com/office/drawing/2010/main" val="0"/>
+              </a:ext>
+            </a:extLst>
+          </a:blip>
+          <a:stretch>
+            <a:fillRect/>
+          </a:stretch>
+        </p:blipFill>
+        <p:spPr>
+          <a:xfrm>
+            <a:off x="3580515" y="373743"/>
+            <a:ext cx="1219200" cy="1219200"/>
+          </a:xfrm>
+          <a:prstGeom prst="rect">
+            <a:avLst/>
+          </a:prstGeom>
+        </p:spPr>
+      </p:pic>
+      <p:pic>
+        <p:nvPicPr>
+          <p:cNvPr id="12" name="Picture 11"/>
+          <p:cNvPicPr>
+            <a:picLocks noChangeAspect="1"/>
+          </p:cNvPicPr>
+          <p:nvPr/>
+        </p:nvPicPr>
+        <p:blipFill>
+          <a:blip r:embed="rId12">
+            <a:lum bright="70000" contrast="-70000"/>
+            <a:extLst>
+              <a:ext uri="{28A0092B-C50C-407E-A947-70E740481C1C}">
+                <a14:useLocalDpi xmlns:a14="http://schemas.microsoft.com/office/drawing/2010/main" val="0"/>
+              </a:ext>
+            </a:extLst>
+          </a:blip>
+          <a:stretch>
+            <a:fillRect/>
+          </a:stretch>
+        </p:blipFill>
+        <p:spPr>
+          <a:xfrm>
+            <a:off x="3517486" y="3400200"/>
+            <a:ext cx="1219200" cy="1219200"/>
+          </a:xfrm>
+          <a:prstGeom prst="rect">
+            <a:avLst/>
+          </a:prstGeom>
+        </p:spPr>
+      </p:pic>
+      <p:pic>
+        <p:nvPicPr>
+          <p:cNvPr id="13" name="Picture 12"/>
+          <p:cNvPicPr>
+            <a:picLocks noChangeAspect="1"/>
+          </p:cNvPicPr>
+          <p:nvPr/>
+        </p:nvPicPr>
+        <p:blipFill>
+          <a:blip r:embed="rId13">
+            <a:lum bright="70000" contrast="-70000"/>
+            <a:extLst>
+              <a:ext uri="{28A0092B-C50C-407E-A947-70E740481C1C}">
+                <a14:useLocalDpi xmlns:a14="http://schemas.microsoft.com/office/drawing/2010/main" val="0"/>
+              </a:ext>
+            </a:extLst>
+          </a:blip>
+          <a:stretch>
+            <a:fillRect/>
+          </a:stretch>
+        </p:blipFill>
+        <p:spPr>
+          <a:xfrm>
+            <a:off x="3580515" y="4742285"/>
+            <a:ext cx="1219200" cy="1219200"/>
+          </a:xfrm>
+          <a:prstGeom prst="rect">
+            <a:avLst/>
+          </a:prstGeom>
+        </p:spPr>
+      </p:pic>
+      <p:pic>
+        <p:nvPicPr>
+          <p:cNvPr id="14" name="Picture 13"/>
+          <p:cNvPicPr>
+            <a:picLocks noChangeAspect="1"/>
+          </p:cNvPicPr>
+          <p:nvPr/>
+        </p:nvPicPr>
+        <p:blipFill>
+          <a:blip r:embed="rId14">
+            <a:lum bright="70000" contrast="-70000"/>
+            <a:extLst>
+              <a:ext uri="{28A0092B-C50C-407E-A947-70E740481C1C}">
+                <a14:useLocalDpi xmlns:a14="http://schemas.microsoft.com/office/drawing/2010/main" val="0"/>
+              </a:ext>
+            </a:extLst>
+          </a:blip>
+          <a:stretch>
+            <a:fillRect/>
+          </a:stretch>
+        </p:blipFill>
+        <p:spPr>
+          <a:xfrm>
+            <a:off x="5476972" y="3584256"/>
+            <a:ext cx="1219200" cy="1219200"/>
+          </a:xfrm>
+          <a:prstGeom prst="rect">
+            <a:avLst/>
+          </a:prstGeom>
+        </p:spPr>
+      </p:pic>
+      <p:pic>
+        <p:nvPicPr>
+          <p:cNvPr id="15" name="Picture 14"/>
+          <p:cNvPicPr>
+            <a:picLocks noChangeAspect="1"/>
+          </p:cNvPicPr>
+          <p:nvPr/>
+        </p:nvPicPr>
+        <p:blipFill>
+          <a:blip r:embed="rId15">
+            <a:lum bright="70000" contrast="-70000"/>
+            <a:extLst>
+              <a:ext uri="{28A0092B-C50C-407E-A947-70E740481C1C}">
+                <a14:useLocalDpi xmlns:a14="http://schemas.microsoft.com/office/drawing/2010/main" val="0"/>
+              </a:ext>
+            </a:extLst>
+          </a:blip>
+          <a:stretch>
+            <a:fillRect/>
+          </a:stretch>
+        </p:blipFill>
+        <p:spPr>
+          <a:xfrm>
+            <a:off x="5476972" y="458658"/>
+            <a:ext cx="1219200" cy="1219200"/>
+          </a:xfrm>
+          <a:prstGeom prst="rect">
+            <a:avLst/>
+          </a:prstGeom>
+        </p:spPr>
+      </p:pic>
+      <p:pic>
+        <p:nvPicPr>
+          <p:cNvPr id="16" name="Picture 15"/>
+          <p:cNvPicPr>
+            <a:picLocks noChangeAspect="1"/>
+          </p:cNvPicPr>
+          <p:nvPr/>
+        </p:nvPicPr>
+        <p:blipFill>
+          <a:blip r:embed="rId16">
+            <a:lum bright="70000" contrast="-70000"/>
+            <a:extLst>
+              <a:ext uri="{28A0092B-C50C-407E-A947-70E740481C1C}">
+                <a14:useLocalDpi xmlns:a14="http://schemas.microsoft.com/office/drawing/2010/main" val="0"/>
+              </a:ext>
+            </a:extLst>
+          </a:blip>
+          <a:stretch>
+            <a:fillRect/>
+          </a:stretch>
+        </p:blipFill>
+        <p:spPr>
+          <a:xfrm>
+            <a:off x="5476972" y="2021457"/>
+            <a:ext cx="1219200" cy="1219200"/>
+          </a:xfrm>
+          <a:prstGeom prst="rect">
+            <a:avLst/>
+          </a:prstGeom>
+        </p:spPr>
+      </p:pic>
+      <p:pic>
+        <p:nvPicPr>
+          <p:cNvPr id="17" name="Picture 16"/>
+          <p:cNvPicPr>
+            <a:picLocks noChangeAspect="1"/>
+          </p:cNvPicPr>
+          <p:nvPr/>
+        </p:nvPicPr>
+        <p:blipFill>
+          <a:blip r:embed="rId17">
+            <a:lum bright="70000" contrast="-70000"/>
+            <a:extLst>
+              <a:ext uri="{28A0092B-C50C-407E-A947-70E740481C1C}">
+                <a14:useLocalDpi xmlns:a14="http://schemas.microsoft.com/office/drawing/2010/main" val="0"/>
+              </a:ext>
+            </a:extLst>
+          </a:blip>
+          <a:stretch>
+            <a:fillRect/>
+          </a:stretch>
+        </p:blipFill>
+        <p:spPr>
+          <a:xfrm>
+            <a:off x="5476972" y="4909800"/>
+            <a:ext cx="1219200" cy="1219200"/>
+          </a:xfrm>
+          <a:prstGeom prst="rect">
+            <a:avLst/>
+          </a:prstGeom>
+        </p:spPr>
+      </p:pic>
+      <p:pic>
+        <p:nvPicPr>
+          <p:cNvPr id="18" name="Picture 17"/>
+          <p:cNvPicPr>
+            <a:picLocks noChangeAspect="1"/>
+          </p:cNvPicPr>
+          <p:nvPr/>
+        </p:nvPicPr>
+        <p:blipFill>
+          <a:blip r:embed="rId18">
+            <a:lum bright="70000" contrast="-70000"/>
+            <a:extLst>
+              <a:ext uri="{28A0092B-C50C-407E-A947-70E740481C1C}">
+                <a14:useLocalDpi xmlns:a14="http://schemas.microsoft.com/office/drawing/2010/main" val="0"/>
+              </a:ext>
+            </a:extLst>
+          </a:blip>
+          <a:stretch>
+            <a:fillRect/>
+          </a:stretch>
+        </p:blipFill>
+        <p:spPr>
+          <a:xfrm>
+            <a:off x="7291771" y="505572"/>
+            <a:ext cx="1219200" cy="1219200"/>
+          </a:xfrm>
+          <a:prstGeom prst="rect">
+            <a:avLst/>
+          </a:prstGeom>
+        </p:spPr>
+      </p:pic>
+      <p:pic>
+        <p:nvPicPr>
+          <p:cNvPr id="19" name="Picture 18"/>
+          <p:cNvPicPr>
+            <a:picLocks noChangeAspect="1"/>
+          </p:cNvPicPr>
+          <p:nvPr/>
+        </p:nvPicPr>
+        <p:blipFill>
+          <a:blip r:embed="rId19">
+            <a:lum bright="70000" contrast="-70000"/>
+            <a:extLst>
+              <a:ext uri="{28A0092B-C50C-407E-A947-70E740481C1C}">
+                <a14:useLocalDpi xmlns:a14="http://schemas.microsoft.com/office/drawing/2010/main" val="0"/>
+              </a:ext>
+            </a:extLst>
+          </a:blip>
+          <a:stretch>
+            <a:fillRect/>
+          </a:stretch>
+        </p:blipFill>
+        <p:spPr>
+          <a:xfrm>
+            <a:off x="7373429" y="2021457"/>
+            <a:ext cx="1219200" cy="1219200"/>
+          </a:xfrm>
+          <a:prstGeom prst="rect">
+            <a:avLst/>
+          </a:prstGeom>
+        </p:spPr>
+      </p:pic>
+      <p:pic>
+        <p:nvPicPr>
+          <p:cNvPr id="20" name="Picture 19"/>
+          <p:cNvPicPr>
+            <a:picLocks noChangeAspect="1"/>
+          </p:cNvPicPr>
+          <p:nvPr/>
+        </p:nvPicPr>
+        <p:blipFill>
+          <a:blip r:embed="rId20">
+            <a:lum bright="70000" contrast="-70000"/>
+            <a:extLst>
+              <a:ext uri="{28A0092B-C50C-407E-A947-70E740481C1C}">
+                <a14:useLocalDpi xmlns:a14="http://schemas.microsoft.com/office/drawing/2010/main" val="0"/>
+              </a:ext>
+            </a:extLst>
+          </a:blip>
+          <a:stretch>
+            <a:fillRect/>
+          </a:stretch>
+        </p:blipFill>
+        <p:spPr>
+          <a:xfrm>
+            <a:off x="7496971" y="4953456"/>
+            <a:ext cx="1219200" cy="1219200"/>
+          </a:xfrm>
+          <a:prstGeom prst="rect">
+            <a:avLst/>
+          </a:prstGeom>
+        </p:spPr>
+      </p:pic>
+      <p:pic>
+        <p:nvPicPr>
+          <p:cNvPr id="21" name="Picture 20"/>
+          <p:cNvPicPr>
+            <a:picLocks noChangeAspect="1"/>
+          </p:cNvPicPr>
+          <p:nvPr/>
+        </p:nvPicPr>
+        <p:blipFill>
+          <a:blip r:embed="rId21">
+            <a:lum bright="70000" contrast="-70000"/>
+            <a:extLst>
+              <a:ext uri="{28A0092B-C50C-407E-A947-70E740481C1C}">
+                <a14:useLocalDpi xmlns:a14="http://schemas.microsoft.com/office/drawing/2010/main" val="0"/>
+              </a:ext>
+            </a:extLst>
+          </a:blip>
+          <a:stretch>
+            <a:fillRect/>
+          </a:stretch>
+        </p:blipFill>
+        <p:spPr>
+          <a:xfrm>
+            <a:off x="7357257" y="3584256"/>
+            <a:ext cx="1219200" cy="1219200"/>
+          </a:xfrm>
+          <a:prstGeom prst="rect">
+            <a:avLst/>
+          </a:prstGeom>
+        </p:spPr>
+      </p:pic>
+      <p:pic>
+        <p:nvPicPr>
+          <p:cNvPr id="22" name="Picture 21"/>
+          <p:cNvPicPr>
+            <a:picLocks noChangeAspect="1"/>
+          </p:cNvPicPr>
+          <p:nvPr/>
+        </p:nvPicPr>
+        <p:blipFill>
+          <a:blip r:embed="rId22">
+            <a:lum bright="70000" contrast="-70000"/>
+            <a:extLst>
+              <a:ext uri="{28A0092B-C50C-407E-A947-70E740481C1C}">
+                <a14:useLocalDpi xmlns:a14="http://schemas.microsoft.com/office/drawing/2010/main" val="0"/>
+              </a:ext>
+            </a:extLst>
+          </a:blip>
+          <a:stretch>
+            <a:fillRect/>
+          </a:stretch>
+        </p:blipFill>
+        <p:spPr>
+          <a:xfrm>
+            <a:off x="9106570" y="505572"/>
+            <a:ext cx="1219200" cy="1219200"/>
+          </a:xfrm>
+          <a:prstGeom prst="rect">
+            <a:avLst/>
+          </a:prstGeom>
+        </p:spPr>
+      </p:pic>
+      <p:pic>
+        <p:nvPicPr>
+          <p:cNvPr id="23" name="Picture 22"/>
+          <p:cNvPicPr>
+            <a:picLocks noChangeAspect="1"/>
+          </p:cNvPicPr>
+          <p:nvPr/>
+        </p:nvPicPr>
+        <p:blipFill>
+          <a:blip r:embed="rId23">
+            <a:lum bright="70000" contrast="-70000"/>
+            <a:extLst>
+              <a:ext uri="{28A0092B-C50C-407E-A947-70E740481C1C}">
+                <a14:useLocalDpi xmlns:a14="http://schemas.microsoft.com/office/drawing/2010/main" val="0"/>
+              </a:ext>
+            </a:extLst>
+          </a:blip>
+          <a:stretch>
+            <a:fillRect/>
+          </a:stretch>
+        </p:blipFill>
+        <p:spPr>
+          <a:xfrm>
+            <a:off x="9106570" y="2021457"/>
+            <a:ext cx="1219200" cy="1219200"/>
+          </a:xfrm>
+          <a:prstGeom prst="rect">
+            <a:avLst/>
+          </a:prstGeom>
+        </p:spPr>
+      </p:pic>
+    </p:spTree>
+    <p:extLst>
+      <p:ext uri="{BB962C8B-B14F-4D97-AF65-F5344CB8AC3E}">
+        <p14:creationId xmlns:p14="http://schemas.microsoft.com/office/powerpoint/2010/main" val="3555470181"/>
+      </p:ext>
+    </p:extLst>
+  </p:cSld>
+  <p:clrMapOvr>
+    <a:masterClrMapping/>
+  </p:clrMapOvr>
+  <mc:AlternateContent xmlns:mc="http://schemas.openxmlformats.org/markup-compatibility/2006">
+    <mc:Choice xmlns:p14="http://schemas.microsoft.com/office/powerpoint/2010/main" Requires="p14">
+      <p:transition spd="slow" p14:dur="2000"/>
+    </mc:Choice>
+    <mc:Fallback>
+      <p:transition spd="slow"/>
+    </mc:Fallback>
+  </mc:AlternateContent>
+</p:sld>
+</file>
+
+<file path=ppt/slides/slide52.xml><?xml version="1.0" encoding="utf-8"?>
+<p:sld xmlns:a="http://schemas.openxmlformats.org/drawingml/2006/main" xmlns:r="http://schemas.openxmlformats.org/officeDocument/2006/relationships" xmlns:p="http://schemas.openxmlformats.org/presentationml/2006/main" show="0">
+  <p:cSld>
+    <p:spTree>
+      <p:nvGrpSpPr>
+        <p:cNvPr id="1" name=""/>
+        <p:cNvGrpSpPr/>
+        <p:nvPr/>
+      </p:nvGrpSpPr>
+      <p:grpSpPr>
+        <a:xfrm>
+          <a:off x="0" y="0"/>
+          <a:ext cx="0" cy="0"/>
+          <a:chOff x="0" y="0"/>
+          <a:chExt cx="0" cy="0"/>
+        </a:xfrm>
+      </p:grpSpPr>
+      <p:pic>
+        <p:nvPicPr>
+          <p:cNvPr id="2" name="Picture 1"/>
+          <p:cNvPicPr>
+            <a:picLocks noChangeAspect="1"/>
+          </p:cNvPicPr>
+          <p:nvPr/>
+        </p:nvPicPr>
+        <p:blipFill>
+          <a:blip r:embed="rId2">
+            <a:lum bright="70000" contrast="-70000"/>
+            <a:extLst>
+              <a:ext uri="{28A0092B-C50C-407E-A947-70E740481C1C}">
+                <a14:useLocalDpi xmlns:a14="http://schemas.microsoft.com/office/drawing/2010/main" val="0"/>
+              </a:ext>
+            </a:extLst>
+          </a:blip>
+          <a:stretch>
+            <a:fillRect/>
+          </a:stretch>
+        </p:blipFill>
+        <p:spPr>
+          <a:xfrm>
             <a:off x="4100286" y="3807714"/>
             <a:ext cx="1219200" cy="1219200"/>
           </a:xfrm>
@@ -20916,6 +21375,14 @@
   <p:clrMapOvr>
     <a:masterClrMapping/>
   </p:clrMapOvr>
+  <mc:AlternateContent xmlns:mc="http://schemas.openxmlformats.org/markup-compatibility/2006">
+    <mc:Choice xmlns:p14="http://schemas.microsoft.com/office/powerpoint/2010/main" Requires="p14">
+      <p:transition spd="slow" p14:dur="2000"/>
+    </mc:Choice>
+    <mc:Fallback>
+      <p:transition spd="slow"/>
+    </mc:Fallback>
+  </mc:AlternateContent>
 </p:sld>
 </file>
 
@@ -21083,10 +21550,40 @@
             </a:r>
           </a:p>
           <a:p>
-            <a:r>
-              <a:rPr lang="en-US" dirty="0"/>
-              <a:t>Log Analytics / Operational Insight Workspace</a:t>
-            </a:r>
+            <a:endParaRPr lang="en-US" dirty="0" smtClean="0"/>
+          </a:p>
+          <a:p>
+            <a:r>
+              <a:rPr lang="en-US" dirty="0" smtClean="0"/>
+              <a:t>Log </a:t>
+            </a:r>
+            <a:r>
+              <a:rPr lang="en-US" dirty="0"/>
+              <a:t>Analytics / Operational Insight </a:t>
+            </a:r>
+            <a:r>
+              <a:rPr lang="en-US" dirty="0" smtClean="0"/>
+              <a:t>Workspace</a:t>
+            </a:r>
+          </a:p>
+          <a:p>
+            <a:endParaRPr lang="en-US" dirty="0" smtClean="0"/>
+          </a:p>
+          <a:p>
+            <a:r>
+              <a:rPr lang="en-US" dirty="0" smtClean="0"/>
+              <a:t>The storage and usage is free.</a:t>
+            </a:r>
+          </a:p>
+          <a:p>
+            <a:endParaRPr lang="en-US" dirty="0" smtClean="0"/>
+          </a:p>
+          <a:p>
+            <a:r>
+              <a:rPr lang="en-US" dirty="0" smtClean="0"/>
+              <a:t>Data is retained free for 7 days.  </a:t>
+            </a:r>
+            <a:endParaRPr lang="en-US" dirty="0"/>
           </a:p>
           <a:p>
             <a:endParaRPr lang="en-US" dirty="0"/>
@@ -21116,8 +21613,8 @@
         </p:blipFill>
         <p:spPr>
           <a:xfrm>
-            <a:off x="1036494" y="2590800"/>
-            <a:ext cx="3850374" cy="3158403"/>
+            <a:off x="6679294" y="1460664"/>
+            <a:ext cx="5356519" cy="4393871"/>
           </a:xfrm>
           <a:prstGeom prst="rect">
             <a:avLst/>
@@ -21231,7 +21728,7 @@
       </p:sp>
       <p:pic>
         <p:nvPicPr>
-          <p:cNvPr id="5" name="Picture 4"/>
+          <p:cNvPr id="6" name="Picture 5"/>
           <p:cNvPicPr>
             <a:picLocks noChangeAspect="1"/>
           </p:cNvPicPr>
@@ -21245,8 +21742,8 @@
         </p:blipFill>
         <p:spPr>
           <a:xfrm>
-            <a:off x="987765" y="3539484"/>
-            <a:ext cx="4124562" cy="2225786"/>
+            <a:off x="1033772" y="3657600"/>
+            <a:ext cx="4400550" cy="2543175"/>
           </a:xfrm>
           <a:prstGeom prst="rect">
             <a:avLst/>

--- a/MMS 2017 - Windows Upgrade Readiness.pptx
+++ b/MMS 2017 - Windows Upgrade Readiness.pptx
@@ -5,7 +5,7 @@
     <p:sldMasterId id="2147483648" r:id="rId1"/>
   </p:sldMasterIdLst>
   <p:notesMasterIdLst>
-    <p:notesMasterId r:id="rId54"/>
+    <p:notesMasterId r:id="rId55"/>
   </p:notesMasterIdLst>
   <p:sldIdLst>
     <p:sldId id="256" r:id="rId2"/>
@@ -41,25 +41,26 @@
     <p:sldId id="286" r:id="rId32"/>
     <p:sldId id="295" r:id="rId33"/>
     <p:sldId id="301" r:id="rId34"/>
-    <p:sldId id="259" r:id="rId35"/>
-    <p:sldId id="279" r:id="rId36"/>
-    <p:sldId id="260" r:id="rId37"/>
-    <p:sldId id="278" r:id="rId38"/>
-    <p:sldId id="262" r:id="rId39"/>
-    <p:sldId id="263" r:id="rId40"/>
-    <p:sldId id="264" r:id="rId41"/>
-    <p:sldId id="265" r:id="rId42"/>
-    <p:sldId id="266" r:id="rId43"/>
-    <p:sldId id="267" r:id="rId44"/>
-    <p:sldId id="268" r:id="rId45"/>
-    <p:sldId id="269" r:id="rId46"/>
-    <p:sldId id="270" r:id="rId47"/>
-    <p:sldId id="271" r:id="rId48"/>
-    <p:sldId id="272" r:id="rId49"/>
-    <p:sldId id="273" r:id="rId50"/>
-    <p:sldId id="274" r:id="rId51"/>
-    <p:sldId id="275" r:id="rId52"/>
-    <p:sldId id="276" r:id="rId53"/>
+    <p:sldId id="313" r:id="rId35"/>
+    <p:sldId id="259" r:id="rId36"/>
+    <p:sldId id="279" r:id="rId37"/>
+    <p:sldId id="260" r:id="rId38"/>
+    <p:sldId id="278" r:id="rId39"/>
+    <p:sldId id="262" r:id="rId40"/>
+    <p:sldId id="263" r:id="rId41"/>
+    <p:sldId id="264" r:id="rId42"/>
+    <p:sldId id="265" r:id="rId43"/>
+    <p:sldId id="266" r:id="rId44"/>
+    <p:sldId id="267" r:id="rId45"/>
+    <p:sldId id="268" r:id="rId46"/>
+    <p:sldId id="269" r:id="rId47"/>
+    <p:sldId id="270" r:id="rId48"/>
+    <p:sldId id="271" r:id="rId49"/>
+    <p:sldId id="272" r:id="rId50"/>
+    <p:sldId id="273" r:id="rId51"/>
+    <p:sldId id="274" r:id="rId52"/>
+    <p:sldId id="275" r:id="rId53"/>
+    <p:sldId id="276" r:id="rId54"/>
   </p:sldIdLst>
   <p:sldSz cx="12192000" cy="6858000"/>
   <p:notesSz cx="6858000" cy="9144000"/>
@@ -200,6 +201,7 @@
             <p14:sldId id="286"/>
             <p14:sldId id="295"/>
             <p14:sldId id="301"/>
+            <p14:sldId id="313"/>
           </p14:sldIdLst>
         </p14:section>
         <p14:section name="Closing" id="{49CB15AC-FD56-4AAC-8B8A-68CF2CB85A39}">
@@ -324,7 +326,7 @@
           <a:p>
             <a:fld id="{5AC68C86-161C-47A6-9A61-C529F6A6AC98}" type="datetimeFigureOut">
               <a:rPr lang="en-US" smtClean="0"/>
-              <a:t>5/2/2017</a:t>
+              <a:t>5/9/2017</a:t>
             </a:fld>
             <a:endParaRPr lang="en-US"/>
           </a:p>
@@ -1930,7 +1932,15 @@
             </a:r>
             <a:r>
               <a:rPr lang="en-US" baseline="0" dirty="0"/>
-              <a:t> is a lot of work and may not be a problem.  If you are not managing these devices today, maybe you can continue to not manage them.  The problems devices you are going to be </a:t>
+              <a:t> is a lot of work and may not be a problem.  If you are not managing these devices today, maybe you can continue to not manage them.  The </a:t>
+            </a:r>
+            <a:r>
+              <a:rPr lang="en-US" baseline="0" dirty="0" smtClean="0"/>
+              <a:t>problem </a:t>
+            </a:r>
+            <a:r>
+              <a:rPr lang="en-US" baseline="0" dirty="0"/>
+              <a:t>devices you are going to be </a:t>
             </a:r>
             <a:r>
               <a:rPr lang="en-US" baseline="0" dirty="0" smtClean="0"/>
@@ -3093,6 +3103,110 @@
     <p:extLst>
       <p:ext uri="{BB962C8B-B14F-4D97-AF65-F5344CB8AC3E}">
         <p14:creationId xmlns:p14="http://schemas.microsoft.com/office/powerpoint/2010/main" val="2463998485"/>
+      </p:ext>
+    </p:extLst>
+  </p:cSld>
+  <p:clrMapOvr>
+    <a:masterClrMapping/>
+  </p:clrMapOvr>
+</p:notes>
+</file>
+
+<file path=ppt/notesSlides/notesSlide32.xml><?xml version="1.0" encoding="utf-8"?>
+<p:notes xmlns:a="http://schemas.openxmlformats.org/drawingml/2006/main" xmlns:r="http://schemas.openxmlformats.org/officeDocument/2006/relationships" xmlns:p="http://schemas.openxmlformats.org/presentationml/2006/main">
+  <p:cSld>
+    <p:spTree>
+      <p:nvGrpSpPr>
+        <p:cNvPr id="1" name=""/>
+        <p:cNvGrpSpPr/>
+        <p:nvPr/>
+      </p:nvGrpSpPr>
+      <p:grpSpPr>
+        <a:xfrm>
+          <a:off x="0" y="0"/>
+          <a:ext cx="0" cy="0"/>
+          <a:chOff x="0" y="0"/>
+          <a:chExt cx="0" cy="0"/>
+        </a:xfrm>
+      </p:grpSpPr>
+      <p:sp>
+        <p:nvSpPr>
+          <p:cNvPr id="2" name="Slide Image Placeholder 1"/>
+          <p:cNvSpPr>
+            <a:spLocks noGrp="1" noRot="1" noChangeAspect="1"/>
+          </p:cNvSpPr>
+          <p:nvPr>
+            <p:ph type="sldImg"/>
+          </p:nvPr>
+        </p:nvSpPr>
+        <p:spPr/>
+      </p:sp>
+      <p:sp>
+        <p:nvSpPr>
+          <p:cNvPr id="3" name="Notes Placeholder 2"/>
+          <p:cNvSpPr>
+            <a:spLocks noGrp="1"/>
+          </p:cNvSpPr>
+          <p:nvPr>
+            <p:ph type="body" idx="1"/>
+          </p:nvPr>
+        </p:nvSpPr>
+        <p:spPr/>
+        <p:txBody>
+          <a:bodyPr/>
+          <a:lstStyle/>
+          <a:p>
+            <a:r>
+              <a:rPr lang="en-US" dirty="0"/>
+              <a:t>All the </a:t>
+            </a:r>
+            <a:r>
+              <a:rPr lang="en-US" dirty="0" err="1"/>
+              <a:t>powershell</a:t>
+            </a:r>
+            <a:r>
+              <a:rPr lang="en-US" dirty="0"/>
+              <a:t> is</a:t>
+            </a:r>
+            <a:r>
+              <a:rPr lang="en-US" baseline="0" dirty="0"/>
+              <a:t> really just another way to report or display data.  The power is being able to use that data </a:t>
+            </a:r>
+            <a:r>
+              <a:rPr lang="en-US" baseline="0"/>
+              <a:t>and integrate.  </a:t>
+            </a:r>
+            <a:endParaRPr lang="en-US" dirty="0"/>
+          </a:p>
+        </p:txBody>
+      </p:sp>
+      <p:sp>
+        <p:nvSpPr>
+          <p:cNvPr id="4" name="Slide Number Placeholder 3"/>
+          <p:cNvSpPr>
+            <a:spLocks noGrp="1"/>
+          </p:cNvSpPr>
+          <p:nvPr>
+            <p:ph type="sldNum" sz="quarter" idx="10"/>
+          </p:nvPr>
+        </p:nvSpPr>
+        <p:spPr/>
+        <p:txBody>
+          <a:bodyPr/>
+          <a:lstStyle/>
+          <a:p>
+            <a:fld id="{6AD7C417-D302-4BDC-AE7D-6A9679C5A3F5}" type="slidenum">
+              <a:rPr lang="en-US" smtClean="0"/>
+              <a:t>34</a:t>
+            </a:fld>
+            <a:endParaRPr lang="en-US"/>
+          </a:p>
+        </p:txBody>
+      </p:sp>
+    </p:spTree>
+    <p:extLst>
+      <p:ext uri="{BB962C8B-B14F-4D97-AF65-F5344CB8AC3E}">
+        <p14:creationId xmlns:p14="http://schemas.microsoft.com/office/powerpoint/2010/main" val="4146655192"/>
       </p:ext>
     </p:extLst>
   </p:cSld>
@@ -10092,7 +10206,19 @@
             <a:pPr lvl="1"/>
             <a:r>
               <a:rPr lang="en-US" dirty="0"/>
-              <a:t>You can do this in task sequence as well. </a:t>
+              <a:t>You can do this in </a:t>
+            </a:r>
+            <a:r>
+              <a:rPr lang="en-US" dirty="0" smtClean="0"/>
+              <a:t>a </a:t>
+            </a:r>
+            <a:r>
+              <a:rPr lang="en-US" dirty="0" smtClean="0"/>
+              <a:t>task </a:t>
+            </a:r>
+            <a:r>
+              <a:rPr lang="en-US" dirty="0"/>
+              <a:t>sequence as well. </a:t>
             </a:r>
           </a:p>
           <a:p>
@@ -10526,7 +10652,7 @@
         <p:spPr>
           <a:xfrm>
             <a:off x="266218" y="1257300"/>
-            <a:ext cx="11316182" cy="4800600"/>
+            <a:ext cx="6763974" cy="4800600"/>
           </a:xfrm>
         </p:spPr>
         <p:txBody>
@@ -10652,8 +10778,8 @@
         </p:blipFill>
         <p:spPr>
           <a:xfrm>
-            <a:off x="8225801" y="2657716"/>
-            <a:ext cx="3819525" cy="4019550"/>
+            <a:off x="6852063" y="1212036"/>
+            <a:ext cx="5193264" cy="5465230"/>
           </a:xfrm>
           <a:prstGeom prst="rect">
             <a:avLst/>
@@ -12119,7 +12245,6 @@
               <a:rPr lang="en-US" dirty="0"/>
               <a:t>OMS query language starters</a:t>
             </a:r>
-            <a:endParaRPr lang="en-US" dirty="0"/>
           </a:p>
           <a:p>
             <a:pPr marL="114300" indent="0">
@@ -12611,10 +12736,132 @@
           <a:chExt cx="0" cy="0"/>
         </a:xfrm>
       </p:grpSpPr>
+      <p:sp>
+        <p:nvSpPr>
+          <p:cNvPr id="2" name="Title 1"/>
+          <p:cNvSpPr>
+            <a:spLocks noGrp="1"/>
+          </p:cNvSpPr>
+          <p:nvPr>
+            <p:ph type="title"/>
+          </p:nvPr>
+        </p:nvSpPr>
+        <p:spPr/>
+        <p:txBody>
+          <a:bodyPr/>
+          <a:lstStyle/>
+          <a:p>
+            <a:r>
+              <a:rPr lang="en-US" dirty="0" smtClean="0"/>
+              <a:t>Why Not?	</a:t>
+            </a:r>
+            <a:endParaRPr lang="en-US" dirty="0"/>
+          </a:p>
+        </p:txBody>
+      </p:sp>
+      <p:sp>
+        <p:nvSpPr>
+          <p:cNvPr id="3" name="Content Placeholder 2"/>
+          <p:cNvSpPr>
+            <a:spLocks noGrp="1"/>
+          </p:cNvSpPr>
+          <p:nvPr>
+            <p:ph idx="1"/>
+          </p:nvPr>
+        </p:nvSpPr>
+        <p:spPr/>
+        <p:txBody>
+          <a:bodyPr/>
+          <a:lstStyle/>
+          <a:p>
+            <a:pPr marL="457200" lvl="1" indent="0">
+              <a:buNone/>
+            </a:pPr>
+            <a:endParaRPr lang="en-US" dirty="0"/>
+          </a:p>
+          <a:p>
+            <a:pPr marL="457200" lvl="1" indent="0">
+              <a:buNone/>
+            </a:pPr>
+            <a:r>
+              <a:rPr lang="en-US" dirty="0" smtClean="0"/>
+              <a:t>This is a free tool that is being routinely </a:t>
+            </a:r>
+            <a:r>
+              <a:rPr lang="en-US" dirty="0" smtClean="0"/>
+              <a:t>maintained and improved.</a:t>
+            </a:r>
+          </a:p>
+          <a:p>
+            <a:pPr marL="457200" lvl="1" indent="0">
+              <a:buNone/>
+            </a:pPr>
+            <a:endParaRPr lang="en-US" dirty="0"/>
+          </a:p>
+          <a:p>
+            <a:pPr marL="457200" lvl="1" indent="0">
+              <a:buNone/>
+            </a:pPr>
+            <a:r>
+              <a:rPr lang="en-US" dirty="0" smtClean="0"/>
+              <a:t>This is a simple dataset without much “noise”.</a:t>
+            </a:r>
+          </a:p>
+          <a:p>
+            <a:pPr marL="457200" lvl="1" indent="0">
+              <a:buNone/>
+            </a:pPr>
+            <a:endParaRPr lang="en-US" dirty="0"/>
+          </a:p>
+          <a:p>
+            <a:pPr marL="457200" lvl="1" indent="0">
+              <a:buNone/>
+            </a:pPr>
+            <a:r>
+              <a:rPr lang="en-US" dirty="0" smtClean="0"/>
+              <a:t>It is free.</a:t>
+            </a:r>
+          </a:p>
+          <a:p>
+            <a:pPr marL="457200" lvl="1" indent="0">
+              <a:buNone/>
+            </a:pPr>
+            <a:endParaRPr lang="en-US" dirty="0" smtClean="0"/>
+          </a:p>
+          <a:p>
+            <a:pPr marL="457200" lvl="1" indent="0">
+              <a:buNone/>
+            </a:pPr>
+            <a:r>
+              <a:rPr lang="en-US" dirty="0" smtClean="0"/>
+              <a:t>Who isn’t going to use this?</a:t>
+            </a:r>
+            <a:endParaRPr lang="en-US" dirty="0"/>
+          </a:p>
+          <a:p>
+            <a:pPr marL="457200" lvl="1" indent="0">
+              <a:buNone/>
+            </a:pPr>
+            <a:endParaRPr lang="en-US" dirty="0"/>
+          </a:p>
+          <a:p>
+            <a:pPr marL="457200" lvl="1" indent="0">
+              <a:buNone/>
+            </a:pPr>
+            <a:endParaRPr lang="en-US" dirty="0"/>
+          </a:p>
+          <a:p>
+            <a:pPr marL="457200" lvl="1" indent="0">
+              <a:buNone/>
+            </a:pPr>
+            <a:endParaRPr lang="en-US" dirty="0"/>
+          </a:p>
+        </p:txBody>
+      </p:sp>
     </p:spTree>
     <p:extLst>
       <p:ext uri="{BB962C8B-B14F-4D97-AF65-F5344CB8AC3E}">
-        <p14:creationId xmlns:p14="http://schemas.microsoft.com/office/powerpoint/2010/main" val="4063178677"/>
+        <p14:creationId xmlns:p14="http://schemas.microsoft.com/office/powerpoint/2010/main" val="3124028043"/>
       </p:ext>
     </p:extLst>
   </p:cSld>
@@ -12641,6 +12888,36 @@
           <a:chExt cx="0" cy="0"/>
         </a:xfrm>
       </p:grpSpPr>
+    </p:spTree>
+    <p:extLst>
+      <p:ext uri="{BB962C8B-B14F-4D97-AF65-F5344CB8AC3E}">
+        <p14:creationId xmlns:p14="http://schemas.microsoft.com/office/powerpoint/2010/main" val="4063178677"/>
+      </p:ext>
+    </p:extLst>
+  </p:cSld>
+  <p:clrMapOvr>
+    <a:masterClrMapping/>
+  </p:clrMapOvr>
+</p:sld>
+</file>
+
+<file path=ppt/slides/slide36.xml><?xml version="1.0" encoding="utf-8"?>
+<p:sld xmlns:a="http://schemas.openxmlformats.org/drawingml/2006/main" xmlns:r="http://schemas.openxmlformats.org/officeDocument/2006/relationships" xmlns:p="http://schemas.openxmlformats.org/presentationml/2006/main">
+  <p:cSld>
+    <p:spTree>
+      <p:nvGrpSpPr>
+        <p:cNvPr id="1" name=""/>
+        <p:cNvGrpSpPr/>
+        <p:nvPr/>
+      </p:nvGrpSpPr>
+      <p:grpSpPr>
+        <a:xfrm>
+          <a:off x="0" y="0"/>
+          <a:ext cx="0" cy="0"/>
+          <a:chOff x="0" y="0"/>
+          <a:chExt cx="0" cy="0"/>
+        </a:xfrm>
+      </p:grpSpPr>
       <p:pic>
         <p:nvPicPr>
           <p:cNvPr id="6" name="Picture 5"/>
@@ -12727,88 +13004,6 @@
   <p:clrMapOvr>
     <a:masterClrMapping/>
   </p:clrMapOvr>
-</p:sld>
-</file>
-
-<file path=ppt/slides/slide36.xml><?xml version="1.0" encoding="utf-8"?>
-<p:sld xmlns:a="http://schemas.openxmlformats.org/drawingml/2006/main" xmlns:r="http://schemas.openxmlformats.org/officeDocument/2006/relationships" xmlns:p="http://schemas.openxmlformats.org/presentationml/2006/main" show="0">
-  <p:cSld>
-    <p:spTree>
-      <p:nvGrpSpPr>
-        <p:cNvPr id="1" name=""/>
-        <p:cNvGrpSpPr/>
-        <p:nvPr/>
-      </p:nvGrpSpPr>
-      <p:grpSpPr>
-        <a:xfrm>
-          <a:off x="0" y="0"/>
-          <a:ext cx="0" cy="0"/>
-          <a:chOff x="0" y="0"/>
-          <a:chExt cx="0" cy="0"/>
-        </a:xfrm>
-      </p:grpSpPr>
-      <p:sp>
-        <p:nvSpPr>
-          <p:cNvPr id="4" name="Title 3"/>
-          <p:cNvSpPr>
-            <a:spLocks noGrp="1"/>
-          </p:cNvSpPr>
-          <p:nvPr>
-            <p:ph type="title"/>
-          </p:nvPr>
-        </p:nvSpPr>
-        <p:spPr/>
-        <p:txBody>
-          <a:bodyPr/>
-          <a:lstStyle/>
-          <a:p>
-            <a:r>
-              <a:rPr lang="en-US" dirty="0"/>
-              <a:t>Section Header</a:t>
-            </a:r>
-          </a:p>
-        </p:txBody>
-      </p:sp>
-      <p:sp>
-        <p:nvSpPr>
-          <p:cNvPr id="5" name="Text Placeholder 4"/>
-          <p:cNvSpPr>
-            <a:spLocks noGrp="1"/>
-          </p:cNvSpPr>
-          <p:nvPr>
-            <p:ph type="body" idx="1"/>
-          </p:nvPr>
-        </p:nvSpPr>
-        <p:spPr/>
-        <p:txBody>
-          <a:bodyPr/>
-          <a:lstStyle/>
-          <a:p>
-            <a:r>
-              <a:rPr lang="en-US" dirty="0"/>
-              <a:t>This is the next section</a:t>
-            </a:r>
-          </a:p>
-        </p:txBody>
-      </p:sp>
-    </p:spTree>
-    <p:extLst>
-      <p:ext uri="{BB962C8B-B14F-4D97-AF65-F5344CB8AC3E}">
-        <p14:creationId xmlns:p14="http://schemas.microsoft.com/office/powerpoint/2010/main" val="1657553323"/>
-      </p:ext>
-    </p:extLst>
-  </p:cSld>
-  <p:clrMapOvr>
-    <a:masterClrMapping/>
-  </p:clrMapOvr>
-  <mc:AlternateContent xmlns:mc="http://schemas.openxmlformats.org/markup-compatibility/2006">
-    <mc:Choice xmlns:p14="http://schemas.microsoft.com/office/powerpoint/2010/main" Requires="p14">
-      <p:transition spd="slow" p14:dur="2000"/>
-    </mc:Choice>
-    <mc:Fallback>
-      <p:transition spd="slow"/>
-    </mc:Fallback>
-  </mc:AlternateContent>
 </p:sld>
 </file>
 
@@ -12831,7 +13026,7 @@
       </p:grpSpPr>
       <p:sp>
         <p:nvSpPr>
-          <p:cNvPr id="2" name="Title 1"/>
+          <p:cNvPr id="4" name="Title 3"/>
           <p:cNvSpPr>
             <a:spLocks noGrp="1"/>
           </p:cNvSpPr>
@@ -12846,19 +13041,19 @@
           <a:p>
             <a:r>
               <a:rPr lang="en-US" dirty="0"/>
-              <a:t>Title</a:t>
+              <a:t>Section Header</a:t>
             </a:r>
           </a:p>
         </p:txBody>
       </p:sp>
       <p:sp>
         <p:nvSpPr>
-          <p:cNvPr id="3" name="Content Placeholder 2"/>
+          <p:cNvPr id="5" name="Text Placeholder 4"/>
           <p:cNvSpPr>
             <a:spLocks noGrp="1"/>
           </p:cNvSpPr>
           <p:nvPr>
-            <p:ph idx="1"/>
+            <p:ph type="body" idx="1"/>
           </p:nvPr>
         </p:nvSpPr>
         <p:spPr/>
@@ -12868,50 +13063,26 @@
           <a:p>
             <a:r>
               <a:rPr lang="en-US" dirty="0"/>
-              <a:t>Line1</a:t>
-            </a:r>
-          </a:p>
-          <a:p>
-            <a:pPr lvl="1"/>
-            <a:r>
-              <a:rPr lang="en-US" dirty="0"/>
-              <a:t>Bullet Level 1</a:t>
-            </a:r>
-          </a:p>
-          <a:p>
-            <a:pPr lvl="2"/>
-            <a:r>
-              <a:rPr lang="en-US" dirty="0"/>
-              <a:t>Bullet Level 2</a:t>
-            </a:r>
-          </a:p>
-          <a:p>
-            <a:pPr lvl="3"/>
-            <a:r>
-              <a:rPr lang="en-US" dirty="0"/>
-              <a:t>Bullet Level 3</a:t>
-            </a:r>
-          </a:p>
-          <a:p>
-            <a:endParaRPr lang="en-US" dirty="0"/>
+              <a:t>This is the next section</a:t>
+            </a:r>
           </a:p>
         </p:txBody>
       </p:sp>
     </p:spTree>
     <p:extLst>
       <p:ext uri="{BB962C8B-B14F-4D97-AF65-F5344CB8AC3E}">
-        <p14:creationId xmlns:p14="http://schemas.microsoft.com/office/powerpoint/2010/main" val="912164160"/>
+        <p14:creationId xmlns:p14="http://schemas.microsoft.com/office/powerpoint/2010/main" val="1657553323"/>
       </p:ext>
     </p:extLst>
   </p:cSld>
   <p:clrMapOvr>
     <a:masterClrMapping/>
   </p:clrMapOvr>
-  <mc:AlternateContent xmlns:mc="http://schemas.openxmlformats.org/markup-compatibility/2006">
-    <mc:Choice xmlns:p14="http://schemas.microsoft.com/office/powerpoint/2010/main" Requires="p14">
+  <mc:AlternateContent xmlns:mc="http://schemas.openxmlformats.org/markup-compatibility/2006" xmlns:p14="http://schemas.microsoft.com/office/powerpoint/2010/main">
+    <mc:Choice Requires="p14">
       <p:transition spd="slow" p14:dur="2000"/>
     </mc:Choice>
-    <mc:Fallback>
+    <mc:Fallback xmlns="">
       <p:transition spd="slow"/>
     </mc:Fallback>
   </mc:AlternateContent>
@@ -12937,7 +13108,7 @@
       </p:grpSpPr>
       <p:sp>
         <p:nvSpPr>
-          <p:cNvPr id="4" name="Title 3"/>
+          <p:cNvPr id="2" name="Title 1"/>
           <p:cNvSpPr>
             <a:spLocks noGrp="1"/>
           </p:cNvSpPr>
@@ -12959,7 +13130,7 @@
       </p:sp>
       <p:sp>
         <p:nvSpPr>
-          <p:cNvPr id="5" name="Content Placeholder 4"/>
+          <p:cNvPr id="3" name="Content Placeholder 2"/>
           <p:cNvSpPr>
             <a:spLocks noGrp="1"/>
           </p:cNvSpPr>
@@ -12974,26 +13145,50 @@
           <a:p>
             <a:r>
               <a:rPr lang="en-US" dirty="0"/>
-              <a:t>Code</a:t>
-            </a:r>
+              <a:t>Line1</a:t>
+            </a:r>
+          </a:p>
+          <a:p>
+            <a:pPr lvl="1"/>
+            <a:r>
+              <a:rPr lang="en-US" dirty="0"/>
+              <a:t>Bullet Level 1</a:t>
+            </a:r>
+          </a:p>
+          <a:p>
+            <a:pPr lvl="2"/>
+            <a:r>
+              <a:rPr lang="en-US" dirty="0"/>
+              <a:t>Bullet Level 2</a:t>
+            </a:r>
+          </a:p>
+          <a:p>
+            <a:pPr lvl="3"/>
+            <a:r>
+              <a:rPr lang="en-US" dirty="0"/>
+              <a:t>Bullet Level 3</a:t>
+            </a:r>
+          </a:p>
+          <a:p>
+            <a:endParaRPr lang="en-US" dirty="0"/>
           </a:p>
         </p:txBody>
       </p:sp>
     </p:spTree>
     <p:extLst>
       <p:ext uri="{BB962C8B-B14F-4D97-AF65-F5344CB8AC3E}">
-        <p14:creationId xmlns:p14="http://schemas.microsoft.com/office/powerpoint/2010/main" val="1895725814"/>
+        <p14:creationId xmlns:p14="http://schemas.microsoft.com/office/powerpoint/2010/main" val="912164160"/>
       </p:ext>
     </p:extLst>
   </p:cSld>
   <p:clrMapOvr>
     <a:masterClrMapping/>
   </p:clrMapOvr>
-  <mc:AlternateContent xmlns:mc="http://schemas.openxmlformats.org/markup-compatibility/2006">
-    <mc:Choice xmlns:p14="http://schemas.microsoft.com/office/powerpoint/2010/main" Requires="p14">
+  <mc:AlternateContent xmlns:mc="http://schemas.openxmlformats.org/markup-compatibility/2006" xmlns:p14="http://schemas.microsoft.com/office/powerpoint/2010/main">
+    <mc:Choice Requires="p14">
       <p:transition spd="slow" p14:dur="2000"/>
     </mc:Choice>
-    <mc:Fallback>
+    <mc:Fallback xmlns="">
       <p:transition spd="slow"/>
     </mc:Fallback>
   </mc:AlternateContent>
@@ -13019,12 +13214,12 @@
       </p:grpSpPr>
       <p:sp>
         <p:nvSpPr>
-          <p:cNvPr id="4" name="Content Placeholder 3"/>
+          <p:cNvPr id="4" name="Title 3"/>
           <p:cNvSpPr>
             <a:spLocks noGrp="1"/>
           </p:cNvSpPr>
           <p:nvPr>
-            <p:ph idx="1"/>
+            <p:ph type="title"/>
           </p:nvPr>
         </p:nvSpPr>
         <p:spPr/>
@@ -13034,28 +13229,29 @@
           <a:p>
             <a:r>
               <a:rPr lang="en-US" dirty="0"/>
-              <a:t>Text Only with Border</a:t>
-            </a:r>
-          </a:p>
-          <a:p>
-            <a:pPr lvl="1"/>
-            <a:r>
-              <a:rPr lang="en-US" dirty="0"/>
-              <a:t>Level 1</a:t>
-            </a:r>
-          </a:p>
-          <a:p>
-            <a:pPr lvl="2"/>
-            <a:r>
-              <a:rPr lang="en-US" dirty="0"/>
-              <a:t>Level 2 </a:t>
-            </a:r>
-          </a:p>
-          <a:p>
-            <a:pPr lvl="3"/>
-            <a:r>
-              <a:rPr lang="en-US" dirty="0"/>
-              <a:t>Level 3</a:t>
+              <a:t>Title</a:t>
+            </a:r>
+          </a:p>
+        </p:txBody>
+      </p:sp>
+      <p:sp>
+        <p:nvSpPr>
+          <p:cNvPr id="5" name="Content Placeholder 4"/>
+          <p:cNvSpPr>
+            <a:spLocks noGrp="1"/>
+          </p:cNvSpPr>
+          <p:nvPr>
+            <p:ph idx="1"/>
+          </p:nvPr>
+        </p:nvSpPr>
+        <p:spPr/>
+        <p:txBody>
+          <a:bodyPr/>
+          <a:lstStyle/>
+          <a:p>
+            <a:r>
+              <a:rPr lang="en-US" dirty="0"/>
+              <a:t>Code</a:t>
             </a:r>
           </a:p>
         </p:txBody>
@@ -13063,18 +13259,18 @@
     </p:spTree>
     <p:extLst>
       <p:ext uri="{BB962C8B-B14F-4D97-AF65-F5344CB8AC3E}">
-        <p14:creationId xmlns:p14="http://schemas.microsoft.com/office/powerpoint/2010/main" val="659284950"/>
+        <p14:creationId xmlns:p14="http://schemas.microsoft.com/office/powerpoint/2010/main" val="1895725814"/>
       </p:ext>
     </p:extLst>
   </p:cSld>
   <p:clrMapOvr>
     <a:masterClrMapping/>
   </p:clrMapOvr>
-  <mc:AlternateContent xmlns:mc="http://schemas.openxmlformats.org/markup-compatibility/2006">
-    <mc:Choice xmlns:p14="http://schemas.microsoft.com/office/powerpoint/2010/main" Requires="p14">
+  <mc:AlternateContent xmlns:mc="http://schemas.openxmlformats.org/markup-compatibility/2006" xmlns:p14="http://schemas.microsoft.com/office/powerpoint/2010/main">
+    <mc:Choice Requires="p14">
       <p:transition spd="slow" p14:dur="2000"/>
     </mc:Choice>
-    <mc:Fallback>
+    <mc:Fallback xmlns="">
       <p:transition spd="slow"/>
     </mc:Fallback>
   </mc:AlternateContent>
@@ -13290,7 +13486,7 @@
       </p:grpSpPr>
       <p:sp>
         <p:nvSpPr>
-          <p:cNvPr id="3" name="Content Placeholder 2"/>
+          <p:cNvPr id="4" name="Content Placeholder 3"/>
           <p:cNvSpPr>
             <a:spLocks noGrp="1"/>
           </p:cNvSpPr>
@@ -13305,7 +13501,7 @@
           <a:p>
             <a:r>
               <a:rPr lang="en-US" dirty="0"/>
-              <a:t>Text Only (Red)</a:t>
+              <a:t>Text Only with Border</a:t>
             </a:r>
           </a:p>
           <a:p>
@@ -13319,7 +13515,7 @@
             <a:pPr lvl="2"/>
             <a:r>
               <a:rPr lang="en-US" dirty="0"/>
-              <a:t>Level 2</a:t>
+              <a:t>Level 2 </a:t>
             </a:r>
           </a:p>
           <a:p>
@@ -13334,18 +13530,18 @@
     </p:spTree>
     <p:extLst>
       <p:ext uri="{BB962C8B-B14F-4D97-AF65-F5344CB8AC3E}">
-        <p14:creationId xmlns:p14="http://schemas.microsoft.com/office/powerpoint/2010/main" val="2094311673"/>
+        <p14:creationId xmlns:p14="http://schemas.microsoft.com/office/powerpoint/2010/main" val="659284950"/>
       </p:ext>
     </p:extLst>
   </p:cSld>
   <p:clrMapOvr>
     <a:masterClrMapping/>
   </p:clrMapOvr>
-  <mc:AlternateContent xmlns:mc="http://schemas.openxmlformats.org/markup-compatibility/2006">
-    <mc:Choice xmlns:p14="http://schemas.microsoft.com/office/powerpoint/2010/main" Requires="p14">
+  <mc:AlternateContent xmlns:mc="http://schemas.openxmlformats.org/markup-compatibility/2006" xmlns:p14="http://schemas.microsoft.com/office/powerpoint/2010/main">
+    <mc:Choice Requires="p14">
       <p:transition spd="slow" p14:dur="2000"/>
     </mc:Choice>
-    <mc:Fallback>
+    <mc:Fallback xmlns="">
       <p:transition spd="slow"/>
     </mc:Fallback>
   </mc:AlternateContent>
@@ -13371,12 +13567,12 @@
       </p:grpSpPr>
       <p:sp>
         <p:nvSpPr>
-          <p:cNvPr id="3" name="Title 2"/>
+          <p:cNvPr id="3" name="Content Placeholder 2"/>
           <p:cNvSpPr>
             <a:spLocks noGrp="1"/>
           </p:cNvSpPr>
           <p:nvPr>
-            <p:ph type="title"/>
+            <p:ph idx="1"/>
           </p:nvPr>
         </p:nvSpPr>
         <p:spPr/>
@@ -13386,29 +13582,7 @@
           <a:p>
             <a:r>
               <a:rPr lang="en-US" dirty="0"/>
-              <a:t>Title</a:t>
-            </a:r>
-          </a:p>
-        </p:txBody>
-      </p:sp>
-      <p:sp>
-        <p:nvSpPr>
-          <p:cNvPr id="4" name="Content Placeholder 3"/>
-          <p:cNvSpPr>
-            <a:spLocks noGrp="1"/>
-          </p:cNvSpPr>
-          <p:nvPr>
-            <p:ph sz="half" idx="1"/>
-          </p:nvPr>
-        </p:nvSpPr>
-        <p:spPr/>
-        <p:txBody>
-          <a:bodyPr/>
-          <a:lstStyle/>
-          <a:p>
-            <a:r>
-              <a:rPr lang="en-US" dirty="0"/>
-              <a:t>Text 1</a:t>
+              <a:t>Text Only (Red)</a:t>
             </a:r>
           </a:p>
           <a:p>
@@ -13431,73 +13605,24 @@
               <a:rPr lang="en-US" dirty="0"/>
               <a:t>Level 3</a:t>
             </a:r>
-          </a:p>
-          <a:p>
-            <a:endParaRPr lang="en-US" dirty="0"/>
-          </a:p>
-        </p:txBody>
-      </p:sp>
-      <p:sp>
-        <p:nvSpPr>
-          <p:cNvPr id="5" name="Content Placeholder 4"/>
-          <p:cNvSpPr>
-            <a:spLocks noGrp="1"/>
-          </p:cNvSpPr>
-          <p:nvPr>
-            <p:ph sz="half" idx="2"/>
-          </p:nvPr>
-        </p:nvSpPr>
-        <p:spPr/>
-        <p:txBody>
-          <a:bodyPr/>
-          <a:lstStyle/>
-          <a:p>
-            <a:r>
-              <a:rPr lang="en-US" dirty="0"/>
-              <a:t>Text 2</a:t>
-            </a:r>
-          </a:p>
-          <a:p>
-            <a:pPr lvl="1"/>
-            <a:r>
-              <a:rPr lang="en-US" dirty="0"/>
-              <a:t>Level 1</a:t>
-            </a:r>
-          </a:p>
-          <a:p>
-            <a:pPr lvl="2"/>
-            <a:r>
-              <a:rPr lang="en-US" dirty="0"/>
-              <a:t>Level 2</a:t>
-            </a:r>
-          </a:p>
-          <a:p>
-            <a:pPr lvl="3"/>
-            <a:r>
-              <a:rPr lang="en-US" dirty="0"/>
-              <a:t>Level 3</a:t>
-            </a:r>
-          </a:p>
-          <a:p>
-            <a:endParaRPr lang="en-US" dirty="0"/>
           </a:p>
         </p:txBody>
       </p:sp>
     </p:spTree>
     <p:extLst>
       <p:ext uri="{BB962C8B-B14F-4D97-AF65-F5344CB8AC3E}">
-        <p14:creationId xmlns:p14="http://schemas.microsoft.com/office/powerpoint/2010/main" val="2554539812"/>
+        <p14:creationId xmlns:p14="http://schemas.microsoft.com/office/powerpoint/2010/main" val="2094311673"/>
       </p:ext>
     </p:extLst>
   </p:cSld>
   <p:clrMapOvr>
     <a:masterClrMapping/>
   </p:clrMapOvr>
-  <mc:AlternateContent xmlns:mc="http://schemas.openxmlformats.org/markup-compatibility/2006">
-    <mc:Choice xmlns:p14="http://schemas.microsoft.com/office/powerpoint/2010/main" Requires="p14">
+  <mc:AlternateContent xmlns:mc="http://schemas.openxmlformats.org/markup-compatibility/2006" xmlns:p14="http://schemas.microsoft.com/office/powerpoint/2010/main">
+    <mc:Choice Requires="p14">
       <p:transition spd="slow" p14:dur="2000"/>
     </mc:Choice>
-    <mc:Fallback>
+    <mc:Fallback xmlns="">
       <p:transition spd="slow"/>
     </mc:Fallback>
   </mc:AlternateContent>
@@ -13523,12 +13648,12 @@
       </p:grpSpPr>
       <p:sp>
         <p:nvSpPr>
-          <p:cNvPr id="6" name="Text Placeholder 5"/>
+          <p:cNvPr id="3" name="Title 2"/>
           <p:cNvSpPr>
             <a:spLocks noGrp="1"/>
           </p:cNvSpPr>
           <p:nvPr>
-            <p:ph type="body" idx="1"/>
+            <p:ph type="title"/>
           </p:nvPr>
         </p:nvSpPr>
         <p:spPr/>
@@ -13538,19 +13663,19 @@
           <a:p>
             <a:r>
               <a:rPr lang="en-US" dirty="0"/>
-              <a:t>Section 1</a:t>
+              <a:t>Title</a:t>
             </a:r>
           </a:p>
         </p:txBody>
       </p:sp>
       <p:sp>
         <p:nvSpPr>
-          <p:cNvPr id="7" name="Content Placeholder 6"/>
+          <p:cNvPr id="4" name="Content Placeholder 3"/>
           <p:cNvSpPr>
             <a:spLocks noGrp="1"/>
           </p:cNvSpPr>
           <p:nvPr>
-            <p:ph sz="half" idx="2"/>
+            <p:ph sz="half" idx="1"/>
           </p:nvPr>
         </p:nvSpPr>
         <p:spPr/>
@@ -13560,7 +13685,7 @@
           <a:p>
             <a:r>
               <a:rPr lang="en-US" dirty="0"/>
-              <a:t>Text</a:t>
+              <a:t>Text 1</a:t>
             </a:r>
           </a:p>
           <a:p>
@@ -13591,12 +13716,12 @@
       </p:sp>
       <p:sp>
         <p:nvSpPr>
-          <p:cNvPr id="8" name="Text Placeholder 7"/>
+          <p:cNvPr id="5" name="Content Placeholder 4"/>
           <p:cNvSpPr>
             <a:spLocks noGrp="1"/>
           </p:cNvSpPr>
           <p:nvPr>
-            <p:ph type="body" sz="quarter" idx="3"/>
+            <p:ph sz="half" idx="2"/>
           </p:nvPr>
         </p:nvSpPr>
         <p:spPr/>
@@ -13606,29 +13731,7 @@
           <a:p>
             <a:r>
               <a:rPr lang="en-US" dirty="0"/>
-              <a:t>Section 2</a:t>
-            </a:r>
-          </a:p>
-        </p:txBody>
-      </p:sp>
-      <p:sp>
-        <p:nvSpPr>
-          <p:cNvPr id="9" name="Content Placeholder 8"/>
-          <p:cNvSpPr>
-            <a:spLocks noGrp="1"/>
-          </p:cNvSpPr>
-          <p:nvPr>
-            <p:ph sz="quarter" idx="4"/>
-          </p:nvPr>
-        </p:nvSpPr>
-        <p:spPr/>
-        <p:txBody>
-          <a:bodyPr/>
-          <a:lstStyle/>
-          <a:p>
-            <a:r>
-              <a:rPr lang="en-US" dirty="0"/>
-              <a:t>Text</a:t>
+              <a:t>Text 2</a:t>
             </a:r>
           </a:p>
           <a:p>
@@ -13654,46 +13757,24 @@
           </a:p>
           <a:p>
             <a:endParaRPr lang="en-US" dirty="0"/>
-          </a:p>
-        </p:txBody>
-      </p:sp>
-      <p:sp>
-        <p:nvSpPr>
-          <p:cNvPr id="5" name="Title 4"/>
-          <p:cNvSpPr>
-            <a:spLocks noGrp="1"/>
-          </p:cNvSpPr>
-          <p:nvPr>
-            <p:ph type="title"/>
-          </p:nvPr>
-        </p:nvSpPr>
-        <p:spPr/>
-        <p:txBody>
-          <a:bodyPr/>
-          <a:lstStyle/>
-          <a:p>
-            <a:r>
-              <a:rPr lang="en-US" dirty="0"/>
-              <a:t>Title</a:t>
-            </a:r>
           </a:p>
         </p:txBody>
       </p:sp>
     </p:spTree>
     <p:extLst>
       <p:ext uri="{BB962C8B-B14F-4D97-AF65-F5344CB8AC3E}">
-        <p14:creationId xmlns:p14="http://schemas.microsoft.com/office/powerpoint/2010/main" val="3003455065"/>
+        <p14:creationId xmlns:p14="http://schemas.microsoft.com/office/powerpoint/2010/main" val="2554539812"/>
       </p:ext>
     </p:extLst>
   </p:cSld>
   <p:clrMapOvr>
     <a:masterClrMapping/>
   </p:clrMapOvr>
-  <mc:AlternateContent xmlns:mc="http://schemas.openxmlformats.org/markup-compatibility/2006">
-    <mc:Choice xmlns:p14="http://schemas.microsoft.com/office/powerpoint/2010/main" Requires="p14">
+  <mc:AlternateContent xmlns:mc="http://schemas.openxmlformats.org/markup-compatibility/2006" xmlns:p14="http://schemas.microsoft.com/office/powerpoint/2010/main">
+    <mc:Choice Requires="p14">
       <p:transition spd="slow" p14:dur="2000"/>
     </mc:Choice>
-    <mc:Fallback>
+    <mc:Fallback xmlns="">
       <p:transition spd="slow"/>
     </mc:Fallback>
   </mc:AlternateContent>
@@ -13719,7 +13800,7 @@
       </p:grpSpPr>
       <p:sp>
         <p:nvSpPr>
-          <p:cNvPr id="7" name="Text Placeholder 6"/>
+          <p:cNvPr id="6" name="Text Placeholder 5"/>
           <p:cNvSpPr>
             <a:spLocks noGrp="1"/>
           </p:cNvSpPr>
@@ -13734,7 +13815,143 @@
           <a:p>
             <a:r>
               <a:rPr lang="en-US" dirty="0"/>
-              <a:t>Demo Title</a:t>
+              <a:t>Section 1</a:t>
+            </a:r>
+          </a:p>
+        </p:txBody>
+      </p:sp>
+      <p:sp>
+        <p:nvSpPr>
+          <p:cNvPr id="7" name="Content Placeholder 6"/>
+          <p:cNvSpPr>
+            <a:spLocks noGrp="1"/>
+          </p:cNvSpPr>
+          <p:nvPr>
+            <p:ph sz="half" idx="2"/>
+          </p:nvPr>
+        </p:nvSpPr>
+        <p:spPr/>
+        <p:txBody>
+          <a:bodyPr/>
+          <a:lstStyle/>
+          <a:p>
+            <a:r>
+              <a:rPr lang="en-US" dirty="0"/>
+              <a:t>Text</a:t>
+            </a:r>
+          </a:p>
+          <a:p>
+            <a:pPr lvl="1"/>
+            <a:r>
+              <a:rPr lang="en-US" dirty="0"/>
+              <a:t>Level 1</a:t>
+            </a:r>
+          </a:p>
+          <a:p>
+            <a:pPr lvl="2"/>
+            <a:r>
+              <a:rPr lang="en-US" dirty="0"/>
+              <a:t>Level 2</a:t>
+            </a:r>
+          </a:p>
+          <a:p>
+            <a:pPr lvl="3"/>
+            <a:r>
+              <a:rPr lang="en-US" dirty="0"/>
+              <a:t>Level 3</a:t>
+            </a:r>
+          </a:p>
+          <a:p>
+            <a:endParaRPr lang="en-US" dirty="0"/>
+          </a:p>
+        </p:txBody>
+      </p:sp>
+      <p:sp>
+        <p:nvSpPr>
+          <p:cNvPr id="8" name="Text Placeholder 7"/>
+          <p:cNvSpPr>
+            <a:spLocks noGrp="1"/>
+          </p:cNvSpPr>
+          <p:nvPr>
+            <p:ph type="body" sz="quarter" idx="3"/>
+          </p:nvPr>
+        </p:nvSpPr>
+        <p:spPr/>
+        <p:txBody>
+          <a:bodyPr/>
+          <a:lstStyle/>
+          <a:p>
+            <a:r>
+              <a:rPr lang="en-US" dirty="0"/>
+              <a:t>Section 2</a:t>
+            </a:r>
+          </a:p>
+        </p:txBody>
+      </p:sp>
+      <p:sp>
+        <p:nvSpPr>
+          <p:cNvPr id="9" name="Content Placeholder 8"/>
+          <p:cNvSpPr>
+            <a:spLocks noGrp="1"/>
+          </p:cNvSpPr>
+          <p:nvPr>
+            <p:ph sz="quarter" idx="4"/>
+          </p:nvPr>
+        </p:nvSpPr>
+        <p:spPr/>
+        <p:txBody>
+          <a:bodyPr/>
+          <a:lstStyle/>
+          <a:p>
+            <a:r>
+              <a:rPr lang="en-US" dirty="0"/>
+              <a:t>Text</a:t>
+            </a:r>
+          </a:p>
+          <a:p>
+            <a:pPr lvl="1"/>
+            <a:r>
+              <a:rPr lang="en-US" dirty="0"/>
+              <a:t>Level 1</a:t>
+            </a:r>
+          </a:p>
+          <a:p>
+            <a:pPr lvl="2"/>
+            <a:r>
+              <a:rPr lang="en-US" dirty="0"/>
+              <a:t>Level 2</a:t>
+            </a:r>
+          </a:p>
+          <a:p>
+            <a:pPr lvl="3"/>
+            <a:r>
+              <a:rPr lang="en-US" dirty="0"/>
+              <a:t>Level 3</a:t>
+            </a:r>
+          </a:p>
+          <a:p>
+            <a:endParaRPr lang="en-US" dirty="0"/>
+          </a:p>
+        </p:txBody>
+      </p:sp>
+      <p:sp>
+        <p:nvSpPr>
+          <p:cNvPr id="5" name="Title 4"/>
+          <p:cNvSpPr>
+            <a:spLocks noGrp="1"/>
+          </p:cNvSpPr>
+          <p:nvPr>
+            <p:ph type="title"/>
+          </p:nvPr>
+        </p:nvSpPr>
+        <p:spPr/>
+        <p:txBody>
+          <a:bodyPr/>
+          <a:lstStyle/>
+          <a:p>
+            <a:r>
+              <a:rPr lang="en-US" dirty="0"/>
+              <a:t>Title</a:t>
             </a:r>
           </a:p>
         </p:txBody>
@@ -13742,18 +13959,18 @@
     </p:spTree>
     <p:extLst>
       <p:ext uri="{BB962C8B-B14F-4D97-AF65-F5344CB8AC3E}">
-        <p14:creationId xmlns:p14="http://schemas.microsoft.com/office/powerpoint/2010/main" val="3216050713"/>
+        <p14:creationId xmlns:p14="http://schemas.microsoft.com/office/powerpoint/2010/main" val="3003455065"/>
       </p:ext>
     </p:extLst>
   </p:cSld>
   <p:clrMapOvr>
     <a:masterClrMapping/>
   </p:clrMapOvr>
-  <mc:AlternateContent xmlns:mc="http://schemas.openxmlformats.org/markup-compatibility/2006">
-    <mc:Choice xmlns:p14="http://schemas.microsoft.com/office/powerpoint/2010/main" Requires="p14">
+  <mc:AlternateContent xmlns:mc="http://schemas.openxmlformats.org/markup-compatibility/2006" xmlns:p14="http://schemas.microsoft.com/office/powerpoint/2010/main">
+    <mc:Choice Requires="p14">
       <p:transition spd="slow" p14:dur="2000"/>
     </mc:Choice>
-    <mc:Fallback>
+    <mc:Fallback xmlns="">
       <p:transition spd="slow"/>
     </mc:Fallback>
   </mc:AlternateContent>
@@ -13777,886 +13994,43 @@
           <a:chExt cx="0" cy="0"/>
         </a:xfrm>
       </p:grpSpPr>
-      <p:pic>
-        <p:nvPicPr>
-          <p:cNvPr id="11" name="Picture 10"/>
-          <p:cNvPicPr>
-            <a:picLocks noChangeAspect="1"/>
-          </p:cNvPicPr>
-          <p:nvPr/>
-        </p:nvPicPr>
-        <p:blipFill>
-          <a:blip r:embed="rId2">
-            <a:extLst>
-              <a:ext uri="{28A0092B-C50C-407E-A947-70E740481C1C}">
-                <a14:useLocalDpi xmlns:a14="http://schemas.microsoft.com/office/drawing/2010/main" val="0"/>
-              </a:ext>
-            </a:extLst>
-          </a:blip>
-          <a:stretch>
-            <a:fillRect/>
-          </a:stretch>
-        </p:blipFill>
-        <p:spPr>
-          <a:xfrm>
-            <a:off x="2207458" y="453313"/>
-            <a:ext cx="457200" cy="457200"/>
-          </a:xfrm>
-          <a:prstGeom prst="rect">
-            <a:avLst/>
-          </a:prstGeom>
-        </p:spPr>
-      </p:pic>
-      <p:pic>
-        <p:nvPicPr>
-          <p:cNvPr id="12" name="Picture 11"/>
-          <p:cNvPicPr>
-            <a:picLocks noChangeAspect="1"/>
-          </p:cNvPicPr>
-          <p:nvPr/>
-        </p:nvPicPr>
-        <p:blipFill>
-          <a:blip r:embed="rId3">
-            <a:extLst>
-              <a:ext uri="{28A0092B-C50C-407E-A947-70E740481C1C}">
-                <a14:useLocalDpi xmlns:a14="http://schemas.microsoft.com/office/drawing/2010/main" val="0"/>
-              </a:ext>
-            </a:extLst>
-          </a:blip>
-          <a:stretch>
-            <a:fillRect/>
-          </a:stretch>
-        </p:blipFill>
-        <p:spPr>
-          <a:xfrm>
-            <a:off x="1294229" y="453399"/>
-            <a:ext cx="457200" cy="457200"/>
-          </a:xfrm>
-          <a:prstGeom prst="rect">
-            <a:avLst/>
-          </a:prstGeom>
-        </p:spPr>
-      </p:pic>
-      <p:pic>
-        <p:nvPicPr>
-          <p:cNvPr id="13" name="Picture 12"/>
-          <p:cNvPicPr>
-            <a:picLocks noChangeAspect="1"/>
-          </p:cNvPicPr>
-          <p:nvPr/>
-        </p:nvPicPr>
-        <p:blipFill>
-          <a:blip r:embed="rId4">
-            <a:extLst>
-              <a:ext uri="{28A0092B-C50C-407E-A947-70E740481C1C}">
-                <a14:useLocalDpi xmlns:a14="http://schemas.microsoft.com/office/drawing/2010/main" val="0"/>
-              </a:ext>
-            </a:extLst>
-          </a:blip>
-          <a:stretch>
-            <a:fillRect/>
-          </a:stretch>
-        </p:blipFill>
-        <p:spPr>
-          <a:xfrm>
-            <a:off x="381000" y="453399"/>
-            <a:ext cx="457200" cy="457200"/>
-          </a:xfrm>
-          <a:prstGeom prst="rect">
-            <a:avLst/>
-          </a:prstGeom>
-        </p:spPr>
-      </p:pic>
-      <p:pic>
-        <p:nvPicPr>
-          <p:cNvPr id="15" name="Picture 14"/>
-          <p:cNvPicPr>
-            <a:picLocks noChangeAspect="1"/>
-          </p:cNvPicPr>
-          <p:nvPr/>
-        </p:nvPicPr>
-        <p:blipFill>
-          <a:blip r:embed="rId5">
-            <a:lum bright="70000" contrast="-70000"/>
-            <a:extLst>
-              <a:ext uri="{28A0092B-C50C-407E-A947-70E740481C1C}">
-                <a14:useLocalDpi xmlns:a14="http://schemas.microsoft.com/office/drawing/2010/main" val="0"/>
-              </a:ext>
-            </a:extLst>
-          </a:blip>
-          <a:stretch>
-            <a:fillRect/>
-          </a:stretch>
-        </p:blipFill>
-        <p:spPr>
-          <a:xfrm>
-            <a:off x="303629" y="1070428"/>
-            <a:ext cx="1219200" cy="1219200"/>
-          </a:xfrm>
-          <a:prstGeom prst="rect">
-            <a:avLst/>
-          </a:prstGeom>
-        </p:spPr>
-      </p:pic>
-      <p:pic>
-        <p:nvPicPr>
-          <p:cNvPr id="279" name="Picture 278"/>
-          <p:cNvPicPr>
-            <a:picLocks noChangeAspect="1"/>
-          </p:cNvPicPr>
-          <p:nvPr/>
-        </p:nvPicPr>
-        <p:blipFill>
-          <a:blip r:embed="rId6">
-            <a:lum bright="70000" contrast="-70000"/>
-            <a:extLst>
-              <a:ext uri="{28A0092B-C50C-407E-A947-70E740481C1C}">
-                <a14:useLocalDpi xmlns:a14="http://schemas.microsoft.com/office/drawing/2010/main" val="0"/>
-              </a:ext>
-            </a:extLst>
-          </a:blip>
-          <a:stretch>
-            <a:fillRect/>
-          </a:stretch>
-        </p:blipFill>
-        <p:spPr>
-          <a:xfrm>
-            <a:off x="2950029" y="1070428"/>
-            <a:ext cx="1219200" cy="1219200"/>
-          </a:xfrm>
-          <a:prstGeom prst="rect">
-            <a:avLst/>
-          </a:prstGeom>
-        </p:spPr>
-      </p:pic>
-      <p:pic>
-        <p:nvPicPr>
-          <p:cNvPr id="280" name="Picture 279"/>
-          <p:cNvPicPr>
-            <a:picLocks noChangeAspect="1"/>
-          </p:cNvPicPr>
-          <p:nvPr/>
-        </p:nvPicPr>
-        <p:blipFill>
-          <a:blip r:embed="rId7">
-            <a:lum bright="70000" contrast="-70000"/>
-            <a:extLst>
-              <a:ext uri="{28A0092B-C50C-407E-A947-70E740481C1C}">
-                <a14:useLocalDpi xmlns:a14="http://schemas.microsoft.com/office/drawing/2010/main" val="0"/>
-              </a:ext>
-            </a:extLst>
-          </a:blip>
-          <a:stretch>
-            <a:fillRect/>
-          </a:stretch>
-        </p:blipFill>
-        <p:spPr>
-          <a:xfrm>
-            <a:off x="1626829" y="1070428"/>
-            <a:ext cx="1219200" cy="1219200"/>
-          </a:xfrm>
-          <a:prstGeom prst="rect">
-            <a:avLst/>
-          </a:prstGeom>
-        </p:spPr>
-      </p:pic>
-      <p:pic>
-        <p:nvPicPr>
-          <p:cNvPr id="281" name="Picture 280"/>
-          <p:cNvPicPr>
-            <a:picLocks noChangeAspect="1"/>
-          </p:cNvPicPr>
-          <p:nvPr/>
-        </p:nvPicPr>
-        <p:blipFill>
-          <a:blip r:embed="rId8">
-            <a:lum bright="70000" contrast="-70000"/>
-            <a:extLst>
-              <a:ext uri="{28A0092B-C50C-407E-A947-70E740481C1C}">
-                <a14:useLocalDpi xmlns:a14="http://schemas.microsoft.com/office/drawing/2010/main" val="0"/>
-              </a:ext>
-            </a:extLst>
-          </a:blip>
-          <a:stretch>
-            <a:fillRect/>
-          </a:stretch>
-        </p:blipFill>
-        <p:spPr>
-          <a:xfrm>
-            <a:off x="5596429" y="1107999"/>
-            <a:ext cx="1219200" cy="1219200"/>
-          </a:xfrm>
-          <a:prstGeom prst="rect">
-            <a:avLst/>
-          </a:prstGeom>
-        </p:spPr>
-      </p:pic>
-      <p:pic>
-        <p:nvPicPr>
-          <p:cNvPr id="282" name="Picture 281"/>
-          <p:cNvPicPr>
-            <a:picLocks noChangeAspect="1"/>
-          </p:cNvPicPr>
-          <p:nvPr/>
-        </p:nvPicPr>
-        <p:blipFill>
-          <a:blip r:embed="rId9">
-            <a:lum bright="70000" contrast="-70000"/>
-            <a:extLst>
-              <a:ext uri="{28A0092B-C50C-407E-A947-70E740481C1C}">
-                <a14:useLocalDpi xmlns:a14="http://schemas.microsoft.com/office/drawing/2010/main" val="0"/>
-              </a:ext>
-            </a:extLst>
-          </a:blip>
-          <a:stretch>
-            <a:fillRect/>
-          </a:stretch>
-        </p:blipFill>
-        <p:spPr>
-          <a:xfrm>
-            <a:off x="4273229" y="1070428"/>
-            <a:ext cx="1219200" cy="1219200"/>
-          </a:xfrm>
-          <a:prstGeom prst="rect">
-            <a:avLst/>
-          </a:prstGeom>
-        </p:spPr>
-      </p:pic>
-      <p:pic>
-        <p:nvPicPr>
-          <p:cNvPr id="283" name="Picture 282"/>
-          <p:cNvPicPr>
-            <a:picLocks noChangeAspect="1"/>
-          </p:cNvPicPr>
-          <p:nvPr/>
-        </p:nvPicPr>
-        <p:blipFill>
-          <a:blip r:embed="rId10">
-            <a:lum bright="70000" contrast="-70000"/>
-            <a:extLst>
-              <a:ext uri="{28A0092B-C50C-407E-A947-70E740481C1C}">
-                <a14:useLocalDpi xmlns:a14="http://schemas.microsoft.com/office/drawing/2010/main" val="0"/>
-              </a:ext>
-            </a:extLst>
-          </a:blip>
-          <a:stretch>
-            <a:fillRect/>
-          </a:stretch>
-        </p:blipFill>
-        <p:spPr>
-          <a:xfrm>
-            <a:off x="6919629" y="1107999"/>
-            <a:ext cx="1219200" cy="1219200"/>
-          </a:xfrm>
-          <a:prstGeom prst="rect">
-            <a:avLst/>
-          </a:prstGeom>
-        </p:spPr>
-      </p:pic>
-      <p:pic>
-        <p:nvPicPr>
-          <p:cNvPr id="284" name="Picture 283"/>
-          <p:cNvPicPr>
-            <a:picLocks noChangeAspect="1"/>
-          </p:cNvPicPr>
-          <p:nvPr/>
-        </p:nvPicPr>
-        <p:blipFill>
-          <a:blip r:embed="rId11">
-            <a:lum bright="70000" contrast="-70000"/>
-            <a:extLst>
-              <a:ext uri="{28A0092B-C50C-407E-A947-70E740481C1C}">
-                <a14:useLocalDpi xmlns:a14="http://schemas.microsoft.com/office/drawing/2010/main" val="0"/>
-              </a:ext>
-            </a:extLst>
-          </a:blip>
-          <a:stretch>
-            <a:fillRect/>
-          </a:stretch>
-        </p:blipFill>
-        <p:spPr>
-          <a:xfrm>
-            <a:off x="9105600" y="1070428"/>
-            <a:ext cx="1219200" cy="1219200"/>
-          </a:xfrm>
-          <a:prstGeom prst="rect">
-            <a:avLst/>
-          </a:prstGeom>
-        </p:spPr>
-      </p:pic>
-      <p:pic>
-        <p:nvPicPr>
-          <p:cNvPr id="285" name="Picture 284"/>
-          <p:cNvPicPr>
-            <a:picLocks noChangeAspect="1"/>
-          </p:cNvPicPr>
-          <p:nvPr/>
-        </p:nvPicPr>
-        <p:blipFill>
-          <a:blip r:embed="rId12">
-            <a:lum bright="70000" contrast="-70000"/>
-            <a:extLst>
-              <a:ext uri="{28A0092B-C50C-407E-A947-70E740481C1C}">
-                <a14:useLocalDpi xmlns:a14="http://schemas.microsoft.com/office/drawing/2010/main" val="0"/>
-              </a:ext>
-            </a:extLst>
-          </a:blip>
-          <a:stretch>
-            <a:fillRect/>
-          </a:stretch>
-        </p:blipFill>
-        <p:spPr>
-          <a:xfrm>
-            <a:off x="7988286" y="1070428"/>
-            <a:ext cx="1219200" cy="1219200"/>
-          </a:xfrm>
-          <a:prstGeom prst="rect">
-            <a:avLst/>
-          </a:prstGeom>
-        </p:spPr>
-      </p:pic>
-      <p:pic>
-        <p:nvPicPr>
-          <p:cNvPr id="286" name="Picture 285"/>
-          <p:cNvPicPr>
-            <a:picLocks noChangeAspect="1"/>
-          </p:cNvPicPr>
-          <p:nvPr/>
-        </p:nvPicPr>
-        <p:blipFill>
-          <a:blip r:embed="rId13">
-            <a:lum bright="70000" contrast="-70000"/>
-            <a:extLst>
-              <a:ext uri="{28A0092B-C50C-407E-A947-70E740481C1C}">
-                <a14:useLocalDpi xmlns:a14="http://schemas.microsoft.com/office/drawing/2010/main" val="0"/>
-              </a:ext>
-            </a:extLst>
-          </a:blip>
-          <a:stretch>
-            <a:fillRect/>
-          </a:stretch>
-        </p:blipFill>
-        <p:spPr>
-          <a:xfrm>
-            <a:off x="303629" y="2185742"/>
-            <a:ext cx="1219200" cy="1219200"/>
-          </a:xfrm>
-          <a:prstGeom prst="rect">
-            <a:avLst/>
-          </a:prstGeom>
-        </p:spPr>
-      </p:pic>
-      <p:pic>
-        <p:nvPicPr>
-          <p:cNvPr id="287" name="Picture 286"/>
-          <p:cNvPicPr>
-            <a:picLocks noChangeAspect="1"/>
-          </p:cNvPicPr>
-          <p:nvPr/>
-        </p:nvPicPr>
-        <p:blipFill>
-          <a:blip r:embed="rId14">
-            <a:lum bright="70000" contrast="-70000"/>
-            <a:extLst>
-              <a:ext uri="{28A0092B-C50C-407E-A947-70E740481C1C}">
-                <a14:useLocalDpi xmlns:a14="http://schemas.microsoft.com/office/drawing/2010/main" val="0"/>
-              </a:ext>
-            </a:extLst>
-          </a:blip>
-          <a:stretch>
-            <a:fillRect/>
-          </a:stretch>
-        </p:blipFill>
-        <p:spPr>
-          <a:xfrm>
-            <a:off x="10484143" y="1070428"/>
-            <a:ext cx="1219200" cy="1219200"/>
-          </a:xfrm>
-          <a:prstGeom prst="rect">
-            <a:avLst/>
-          </a:prstGeom>
-        </p:spPr>
-      </p:pic>
-      <p:pic>
-        <p:nvPicPr>
-          <p:cNvPr id="288" name="Picture 287"/>
-          <p:cNvPicPr>
-            <a:picLocks noChangeAspect="1"/>
-          </p:cNvPicPr>
-          <p:nvPr/>
-        </p:nvPicPr>
-        <p:blipFill>
-          <a:blip r:embed="rId15">
-            <a:lum bright="70000" contrast="-70000"/>
-            <a:extLst>
-              <a:ext uri="{28A0092B-C50C-407E-A947-70E740481C1C}">
-                <a14:useLocalDpi xmlns:a14="http://schemas.microsoft.com/office/drawing/2010/main" val="0"/>
-              </a:ext>
-            </a:extLst>
-          </a:blip>
-          <a:stretch>
-            <a:fillRect/>
-          </a:stretch>
-        </p:blipFill>
-        <p:spPr>
-          <a:xfrm>
-            <a:off x="2923629" y="2421599"/>
-            <a:ext cx="1219200" cy="1219200"/>
-          </a:xfrm>
-          <a:prstGeom prst="rect">
-            <a:avLst/>
-          </a:prstGeom>
-        </p:spPr>
-      </p:pic>
-      <p:pic>
-        <p:nvPicPr>
-          <p:cNvPr id="289" name="Picture 288"/>
-          <p:cNvPicPr>
-            <a:picLocks noChangeAspect="1"/>
-          </p:cNvPicPr>
-          <p:nvPr/>
-        </p:nvPicPr>
-        <p:blipFill>
-          <a:blip r:embed="rId16">
-            <a:lum bright="70000" contrast="-70000"/>
-            <a:extLst>
-              <a:ext uri="{28A0092B-C50C-407E-A947-70E740481C1C}">
-                <a14:useLocalDpi xmlns:a14="http://schemas.microsoft.com/office/drawing/2010/main" val="0"/>
-              </a:ext>
-            </a:extLst>
-          </a:blip>
-          <a:stretch>
-            <a:fillRect/>
-          </a:stretch>
-        </p:blipFill>
-        <p:spPr>
-          <a:xfrm>
-            <a:off x="4273229" y="2454485"/>
-            <a:ext cx="1219200" cy="1219200"/>
-          </a:xfrm>
-          <a:prstGeom prst="rect">
-            <a:avLst/>
-          </a:prstGeom>
-        </p:spPr>
-      </p:pic>
-      <p:pic>
-        <p:nvPicPr>
-          <p:cNvPr id="290" name="Picture 289"/>
-          <p:cNvPicPr>
-            <a:picLocks noChangeAspect="1"/>
-          </p:cNvPicPr>
-          <p:nvPr/>
-        </p:nvPicPr>
-        <p:blipFill>
-          <a:blip r:embed="rId17">
-            <a:lum bright="70000" contrast="-70000"/>
-            <a:extLst>
-              <a:ext uri="{28A0092B-C50C-407E-A947-70E740481C1C}">
-                <a14:useLocalDpi xmlns:a14="http://schemas.microsoft.com/office/drawing/2010/main" val="0"/>
-              </a:ext>
-            </a:extLst>
-          </a:blip>
-          <a:stretch>
-            <a:fillRect/>
-          </a:stretch>
-        </p:blipFill>
-        <p:spPr>
-          <a:xfrm>
-            <a:off x="1704429" y="2421599"/>
-            <a:ext cx="1219200" cy="1219200"/>
-          </a:xfrm>
-          <a:prstGeom prst="rect">
-            <a:avLst/>
-          </a:prstGeom>
-        </p:spPr>
-      </p:pic>
-      <p:pic>
-        <p:nvPicPr>
-          <p:cNvPr id="291" name="Picture 290"/>
-          <p:cNvPicPr>
-            <a:picLocks noChangeAspect="1"/>
-          </p:cNvPicPr>
-          <p:nvPr/>
-        </p:nvPicPr>
-        <p:blipFill>
-          <a:blip r:embed="rId18">
-            <a:lum bright="70000" contrast="-70000"/>
-            <a:extLst>
-              <a:ext uri="{28A0092B-C50C-407E-A947-70E740481C1C}">
-                <a14:useLocalDpi xmlns:a14="http://schemas.microsoft.com/office/drawing/2010/main" val="0"/>
-              </a:ext>
-            </a:extLst>
-          </a:blip>
-          <a:stretch>
-            <a:fillRect/>
-          </a:stretch>
-        </p:blipFill>
-        <p:spPr>
-          <a:xfrm>
-            <a:off x="6976800" y="2439628"/>
-            <a:ext cx="1219200" cy="1219200"/>
-          </a:xfrm>
-          <a:prstGeom prst="rect">
-            <a:avLst/>
-          </a:prstGeom>
-        </p:spPr>
-      </p:pic>
-      <p:pic>
-        <p:nvPicPr>
-          <p:cNvPr id="292" name="Picture 291"/>
-          <p:cNvPicPr>
-            <a:picLocks noChangeAspect="1"/>
-          </p:cNvPicPr>
-          <p:nvPr/>
-        </p:nvPicPr>
-        <p:blipFill>
-          <a:blip r:embed="rId19">
-            <a:lum bright="70000" contrast="-70000"/>
-            <a:extLst>
-              <a:ext uri="{28A0092B-C50C-407E-A947-70E740481C1C}">
-                <a14:useLocalDpi xmlns:a14="http://schemas.microsoft.com/office/drawing/2010/main" val="0"/>
-              </a:ext>
-            </a:extLst>
-          </a:blip>
-          <a:stretch>
-            <a:fillRect/>
-          </a:stretch>
-        </p:blipFill>
-        <p:spPr>
-          <a:xfrm>
-            <a:off x="5622829" y="2454485"/>
-            <a:ext cx="1219200" cy="1219200"/>
-          </a:xfrm>
-          <a:prstGeom prst="rect">
-            <a:avLst/>
-          </a:prstGeom>
-        </p:spPr>
-      </p:pic>
-      <p:pic>
-        <p:nvPicPr>
-          <p:cNvPr id="293" name="Picture 292"/>
-          <p:cNvPicPr>
-            <a:picLocks noChangeAspect="1"/>
-          </p:cNvPicPr>
-          <p:nvPr/>
-        </p:nvPicPr>
-        <p:blipFill>
-          <a:blip r:embed="rId20">
-            <a:lum bright="70000" contrast="-70000"/>
-            <a:extLst>
-              <a:ext uri="{28A0092B-C50C-407E-A947-70E740481C1C}">
-                <a14:useLocalDpi xmlns:a14="http://schemas.microsoft.com/office/drawing/2010/main" val="0"/>
-              </a:ext>
-            </a:extLst>
-          </a:blip>
-          <a:stretch>
-            <a:fillRect/>
-          </a:stretch>
-        </p:blipFill>
-        <p:spPr>
-          <a:xfrm>
-            <a:off x="8336400" y="2534314"/>
-            <a:ext cx="1219200" cy="1219200"/>
-          </a:xfrm>
-          <a:prstGeom prst="rect">
-            <a:avLst/>
-          </a:prstGeom>
-        </p:spPr>
-      </p:pic>
-      <p:pic>
-        <p:nvPicPr>
-          <p:cNvPr id="294" name="Picture 293"/>
-          <p:cNvPicPr>
-            <a:picLocks noChangeAspect="1"/>
-          </p:cNvPicPr>
-          <p:nvPr/>
-        </p:nvPicPr>
-        <p:blipFill>
-          <a:blip r:embed="rId21">
-            <a:lum bright="70000" contrast="-70000"/>
-            <a:extLst>
-              <a:ext uri="{28A0092B-C50C-407E-A947-70E740481C1C}">
-                <a14:useLocalDpi xmlns:a14="http://schemas.microsoft.com/office/drawing/2010/main" val="0"/>
-              </a:ext>
-            </a:extLst>
-          </a:blip>
-          <a:stretch>
-            <a:fillRect/>
-          </a:stretch>
-        </p:blipFill>
-        <p:spPr>
-          <a:xfrm>
-            <a:off x="1522829" y="3910656"/>
-            <a:ext cx="1219200" cy="1219200"/>
-          </a:xfrm>
-          <a:prstGeom prst="rect">
-            <a:avLst/>
-          </a:prstGeom>
-        </p:spPr>
-      </p:pic>
-      <p:pic>
-        <p:nvPicPr>
-          <p:cNvPr id="295" name="Picture 294"/>
-          <p:cNvPicPr>
-            <a:picLocks noChangeAspect="1"/>
-          </p:cNvPicPr>
-          <p:nvPr/>
-        </p:nvPicPr>
-        <p:blipFill>
-          <a:blip r:embed="rId22">
-            <a:lum bright="70000" contrast="-70000"/>
-            <a:extLst>
-              <a:ext uri="{28A0092B-C50C-407E-A947-70E740481C1C}">
-                <a14:useLocalDpi xmlns:a14="http://schemas.microsoft.com/office/drawing/2010/main" val="0"/>
-              </a:ext>
-            </a:extLst>
-          </a:blip>
-          <a:stretch>
-            <a:fillRect/>
-          </a:stretch>
-        </p:blipFill>
-        <p:spPr>
-          <a:xfrm>
-            <a:off x="303629" y="4021971"/>
-            <a:ext cx="1219200" cy="1219200"/>
-          </a:xfrm>
-          <a:prstGeom prst="rect">
-            <a:avLst/>
-          </a:prstGeom>
-        </p:spPr>
-      </p:pic>
-      <p:pic>
-        <p:nvPicPr>
-          <p:cNvPr id="296" name="Picture 295"/>
-          <p:cNvPicPr>
-            <a:picLocks noChangeAspect="1"/>
-          </p:cNvPicPr>
-          <p:nvPr/>
-        </p:nvPicPr>
-        <p:blipFill>
-          <a:blip r:embed="rId23">
-            <a:lum bright="70000" contrast="-70000"/>
-            <a:extLst>
-              <a:ext uri="{28A0092B-C50C-407E-A947-70E740481C1C}">
-                <a14:useLocalDpi xmlns:a14="http://schemas.microsoft.com/office/drawing/2010/main" val="0"/>
-              </a:ext>
-            </a:extLst>
-          </a:blip>
-          <a:stretch>
-            <a:fillRect/>
-          </a:stretch>
-        </p:blipFill>
-        <p:spPr>
-          <a:xfrm>
-            <a:off x="9762315" y="2534314"/>
-            <a:ext cx="1219200" cy="1219200"/>
-          </a:xfrm>
-          <a:prstGeom prst="rect">
-            <a:avLst/>
-          </a:prstGeom>
-        </p:spPr>
-      </p:pic>
-      <p:pic>
-        <p:nvPicPr>
-          <p:cNvPr id="297" name="Picture 296"/>
-          <p:cNvPicPr>
-            <a:picLocks noChangeAspect="1"/>
-          </p:cNvPicPr>
-          <p:nvPr/>
-        </p:nvPicPr>
-        <p:blipFill>
-          <a:blip r:embed="rId24">
-            <a:lum bright="70000" contrast="-70000"/>
-            <a:extLst>
-              <a:ext uri="{28A0092B-C50C-407E-A947-70E740481C1C}">
-                <a14:useLocalDpi xmlns:a14="http://schemas.microsoft.com/office/drawing/2010/main" val="0"/>
-              </a:ext>
-            </a:extLst>
-          </a:blip>
-          <a:stretch>
-            <a:fillRect/>
-          </a:stretch>
-        </p:blipFill>
-        <p:spPr>
-          <a:xfrm>
-            <a:off x="5998771" y="4004171"/>
-            <a:ext cx="1219200" cy="1219200"/>
-          </a:xfrm>
-          <a:prstGeom prst="rect">
-            <a:avLst/>
-          </a:prstGeom>
-        </p:spPr>
-      </p:pic>
-      <p:pic>
-        <p:nvPicPr>
-          <p:cNvPr id="298" name="Picture 297"/>
-          <p:cNvPicPr>
-            <a:picLocks noChangeAspect="1"/>
-          </p:cNvPicPr>
-          <p:nvPr/>
-        </p:nvPicPr>
-        <p:blipFill>
-          <a:blip r:embed="rId25">
-            <a:lum bright="70000" contrast="-70000"/>
-            <a:extLst>
-              <a:ext uri="{28A0092B-C50C-407E-A947-70E740481C1C}">
-                <a14:useLocalDpi xmlns:a14="http://schemas.microsoft.com/office/drawing/2010/main" val="0"/>
-              </a:ext>
-            </a:extLst>
-          </a:blip>
-          <a:stretch>
-            <a:fillRect/>
-          </a:stretch>
-        </p:blipFill>
-        <p:spPr>
-          <a:xfrm>
-            <a:off x="4526400" y="4021971"/>
-            <a:ext cx="1219200" cy="1219200"/>
-          </a:xfrm>
-          <a:prstGeom prst="rect">
-            <a:avLst/>
-          </a:prstGeom>
-        </p:spPr>
-      </p:pic>
-      <p:pic>
-        <p:nvPicPr>
-          <p:cNvPr id="299" name="Picture 298"/>
-          <p:cNvPicPr>
-            <a:picLocks noChangeAspect="1"/>
-          </p:cNvPicPr>
-          <p:nvPr/>
-        </p:nvPicPr>
-        <p:blipFill>
-          <a:blip r:embed="rId26">
-            <a:lum bright="70000" contrast="-70000"/>
-            <a:extLst>
-              <a:ext uri="{28A0092B-C50C-407E-A947-70E740481C1C}">
-                <a14:useLocalDpi xmlns:a14="http://schemas.microsoft.com/office/drawing/2010/main" val="0"/>
-              </a:ext>
-            </a:extLst>
-          </a:blip>
-          <a:stretch>
-            <a:fillRect/>
-          </a:stretch>
-        </p:blipFill>
-        <p:spPr>
-          <a:xfrm>
-            <a:off x="3054029" y="4021971"/>
-            <a:ext cx="1219200" cy="1219200"/>
-          </a:xfrm>
-          <a:prstGeom prst="rect">
-            <a:avLst/>
-          </a:prstGeom>
-        </p:spPr>
-      </p:pic>
-      <p:pic>
-        <p:nvPicPr>
-          <p:cNvPr id="300" name="Picture 299"/>
-          <p:cNvPicPr>
-            <a:picLocks noChangeAspect="1"/>
-          </p:cNvPicPr>
-          <p:nvPr/>
-        </p:nvPicPr>
-        <p:blipFill>
-          <a:blip r:embed="rId27">
-            <a:lum bright="70000" contrast="-70000"/>
-            <a:extLst>
-              <a:ext uri="{28A0092B-C50C-407E-A947-70E740481C1C}">
-                <a14:useLocalDpi xmlns:a14="http://schemas.microsoft.com/office/drawing/2010/main" val="0"/>
-              </a:ext>
-            </a:extLst>
-          </a:blip>
-          <a:stretch>
-            <a:fillRect/>
-          </a:stretch>
-        </p:blipFill>
-        <p:spPr>
-          <a:xfrm>
-            <a:off x="10221542" y="4145971"/>
-            <a:ext cx="1219200" cy="1219200"/>
-          </a:xfrm>
-          <a:prstGeom prst="rect">
-            <a:avLst/>
-          </a:prstGeom>
-        </p:spPr>
-      </p:pic>
-      <p:pic>
-        <p:nvPicPr>
-          <p:cNvPr id="301" name="Picture 300"/>
-          <p:cNvPicPr>
-            <a:picLocks noChangeAspect="1"/>
-          </p:cNvPicPr>
-          <p:nvPr/>
-        </p:nvPicPr>
-        <p:blipFill>
-          <a:blip r:embed="rId28">
-            <a:lum bright="70000" contrast="-70000"/>
-            <a:extLst>
-              <a:ext uri="{28A0092B-C50C-407E-A947-70E740481C1C}">
-                <a14:useLocalDpi xmlns:a14="http://schemas.microsoft.com/office/drawing/2010/main" val="0"/>
-              </a:ext>
-            </a:extLst>
-          </a:blip>
-          <a:stretch>
-            <a:fillRect/>
-          </a:stretch>
-        </p:blipFill>
-        <p:spPr>
-          <a:xfrm>
-            <a:off x="8858971" y="4120114"/>
-            <a:ext cx="1219200" cy="1219200"/>
-          </a:xfrm>
-          <a:prstGeom prst="rect">
-            <a:avLst/>
-          </a:prstGeom>
-        </p:spPr>
-      </p:pic>
-      <p:pic>
-        <p:nvPicPr>
-          <p:cNvPr id="302" name="Picture 301"/>
-          <p:cNvPicPr>
-            <a:picLocks noChangeAspect="1"/>
-          </p:cNvPicPr>
-          <p:nvPr/>
-        </p:nvPicPr>
-        <p:blipFill>
-          <a:blip r:embed="rId29">
-            <a:lum bright="70000" contrast="-70000"/>
-            <a:extLst>
-              <a:ext uri="{28A0092B-C50C-407E-A947-70E740481C1C}">
-                <a14:useLocalDpi xmlns:a14="http://schemas.microsoft.com/office/drawing/2010/main" val="0"/>
-              </a:ext>
-            </a:extLst>
-          </a:blip>
-          <a:stretch>
-            <a:fillRect/>
-          </a:stretch>
-        </p:blipFill>
-        <p:spPr>
-          <a:xfrm>
-            <a:off x="7471142" y="4120114"/>
-            <a:ext cx="1219200" cy="1219200"/>
-          </a:xfrm>
-          <a:prstGeom prst="rect">
-            <a:avLst/>
-          </a:prstGeom>
-        </p:spPr>
-      </p:pic>
+      <p:sp>
+        <p:nvSpPr>
+          <p:cNvPr id="7" name="Text Placeholder 6"/>
+          <p:cNvSpPr>
+            <a:spLocks noGrp="1"/>
+          </p:cNvSpPr>
+          <p:nvPr>
+            <p:ph type="body" idx="1"/>
+          </p:nvPr>
+        </p:nvSpPr>
+        <p:spPr/>
+        <p:txBody>
+          <a:bodyPr/>
+          <a:lstStyle/>
+          <a:p>
+            <a:r>
+              <a:rPr lang="en-US" dirty="0"/>
+              <a:t>Demo Title</a:t>
+            </a:r>
+          </a:p>
+        </p:txBody>
+      </p:sp>
     </p:spTree>
     <p:extLst>
       <p:ext uri="{BB962C8B-B14F-4D97-AF65-F5344CB8AC3E}">
-        <p14:creationId xmlns:p14="http://schemas.microsoft.com/office/powerpoint/2010/main" val="2451305448"/>
+        <p14:creationId xmlns:p14="http://schemas.microsoft.com/office/powerpoint/2010/main" val="3216050713"/>
       </p:ext>
     </p:extLst>
   </p:cSld>
   <p:clrMapOvr>
     <a:masterClrMapping/>
   </p:clrMapOvr>
-  <mc:AlternateContent xmlns:mc="http://schemas.openxmlformats.org/markup-compatibility/2006">
-    <mc:Choice xmlns:p14="http://schemas.microsoft.com/office/powerpoint/2010/main" Requires="p14">
+  <mc:AlternateContent xmlns:mc="http://schemas.openxmlformats.org/markup-compatibility/2006" xmlns:p14="http://schemas.microsoft.com/office/powerpoint/2010/main">
+    <mc:Choice Requires="p14">
       <p:transition spd="slow" p14:dur="2000"/>
     </mc:Choice>
-    <mc:Fallback>
+    <mc:Fallback xmlns="">
       <p:transition spd="slow"/>
     </mc:Fallback>
   </mc:AlternateContent>
@@ -14682,7 +14056,7 @@
       </p:grpSpPr>
       <p:pic>
         <p:nvPicPr>
-          <p:cNvPr id="2" name="Picture 1"/>
+          <p:cNvPr id="11" name="Picture 10"/>
           <p:cNvPicPr>
             <a:picLocks noChangeAspect="1"/>
           </p:cNvPicPr>
@@ -14690,30 +14064,29 @@
         </p:nvPicPr>
         <p:blipFill>
           <a:blip r:embed="rId2">
-            <a:lum bright="70000" contrast="-70000"/>
-            <a:extLst>
-              <a:ext uri="{28A0092B-C50C-407E-A947-70E740481C1C}">
-                <a14:useLocalDpi xmlns:a14="http://schemas.microsoft.com/office/drawing/2010/main" val="0"/>
-              </a:ext>
-            </a:extLst>
-          </a:blip>
-          <a:stretch>
-            <a:fillRect/>
-          </a:stretch>
-        </p:blipFill>
-        <p:spPr>
-          <a:xfrm>
-            <a:off x="322686" y="250829"/>
-            <a:ext cx="1219200" cy="1219200"/>
-          </a:xfrm>
-          <a:prstGeom prst="rect">
-            <a:avLst/>
-          </a:prstGeom>
-        </p:spPr>
-      </p:pic>
-      <p:pic>
-        <p:nvPicPr>
-          <p:cNvPr id="3" name="Picture 2"/>
+            <a:extLst>
+              <a:ext uri="{28A0092B-C50C-407E-A947-70E740481C1C}">
+                <a14:useLocalDpi xmlns:a14="http://schemas.microsoft.com/office/drawing/2010/main" val="0"/>
+              </a:ext>
+            </a:extLst>
+          </a:blip>
+          <a:stretch>
+            <a:fillRect/>
+          </a:stretch>
+        </p:blipFill>
+        <p:spPr>
+          <a:xfrm>
+            <a:off x="2207458" y="453313"/>
+            <a:ext cx="457200" cy="457200"/>
+          </a:xfrm>
+          <a:prstGeom prst="rect">
+            <a:avLst/>
+          </a:prstGeom>
+        </p:spPr>
+      </p:pic>
+      <p:pic>
+        <p:nvPicPr>
+          <p:cNvPr id="12" name="Picture 11"/>
           <p:cNvPicPr>
             <a:picLocks noChangeAspect="1"/>
           </p:cNvPicPr>
@@ -14721,30 +14094,29 @@
         </p:nvPicPr>
         <p:blipFill>
           <a:blip r:embed="rId3">
-            <a:lum bright="70000" contrast="-70000"/>
-            <a:extLst>
-              <a:ext uri="{28A0092B-C50C-407E-A947-70E740481C1C}">
-                <a14:useLocalDpi xmlns:a14="http://schemas.microsoft.com/office/drawing/2010/main" val="0"/>
-              </a:ext>
-            </a:extLst>
-          </a:blip>
-          <a:stretch>
-            <a:fillRect/>
-          </a:stretch>
-        </p:blipFill>
-        <p:spPr>
-          <a:xfrm>
-            <a:off x="1841371" y="306486"/>
-            <a:ext cx="1219200" cy="1219200"/>
-          </a:xfrm>
-          <a:prstGeom prst="rect">
-            <a:avLst/>
-          </a:prstGeom>
-        </p:spPr>
-      </p:pic>
-      <p:pic>
-        <p:nvPicPr>
-          <p:cNvPr id="4" name="Picture 3"/>
+            <a:extLst>
+              <a:ext uri="{28A0092B-C50C-407E-A947-70E740481C1C}">
+                <a14:useLocalDpi xmlns:a14="http://schemas.microsoft.com/office/drawing/2010/main" val="0"/>
+              </a:ext>
+            </a:extLst>
+          </a:blip>
+          <a:stretch>
+            <a:fillRect/>
+          </a:stretch>
+        </p:blipFill>
+        <p:spPr>
+          <a:xfrm>
+            <a:off x="1294229" y="453399"/>
+            <a:ext cx="457200" cy="457200"/>
+          </a:xfrm>
+          <a:prstGeom prst="rect">
+            <a:avLst/>
+          </a:prstGeom>
+        </p:spPr>
+      </p:pic>
+      <p:pic>
+        <p:nvPicPr>
+          <p:cNvPr id="13" name="Picture 12"/>
           <p:cNvPicPr>
             <a:picLocks noChangeAspect="1"/>
           </p:cNvPicPr>
@@ -14752,30 +14124,29 @@
         </p:nvPicPr>
         <p:blipFill>
           <a:blip r:embed="rId4">
-            <a:lum bright="70000" contrast="-70000"/>
-            <a:extLst>
-              <a:ext uri="{28A0092B-C50C-407E-A947-70E740481C1C}">
-                <a14:useLocalDpi xmlns:a14="http://schemas.microsoft.com/office/drawing/2010/main" val="0"/>
-              </a:ext>
-            </a:extLst>
-          </a:blip>
-          <a:stretch>
-            <a:fillRect/>
-          </a:stretch>
-        </p:blipFill>
-        <p:spPr>
-          <a:xfrm>
-            <a:off x="3360056" y="250829"/>
-            <a:ext cx="1219200" cy="1219200"/>
-          </a:xfrm>
-          <a:prstGeom prst="rect">
-            <a:avLst/>
-          </a:prstGeom>
-        </p:spPr>
-      </p:pic>
-      <p:pic>
-        <p:nvPicPr>
-          <p:cNvPr id="5" name="Picture 4"/>
+            <a:extLst>
+              <a:ext uri="{28A0092B-C50C-407E-A947-70E740481C1C}">
+                <a14:useLocalDpi xmlns:a14="http://schemas.microsoft.com/office/drawing/2010/main" val="0"/>
+              </a:ext>
+            </a:extLst>
+          </a:blip>
+          <a:stretch>
+            <a:fillRect/>
+          </a:stretch>
+        </p:blipFill>
+        <p:spPr>
+          <a:xfrm>
+            <a:off x="381000" y="453399"/>
+            <a:ext cx="457200" cy="457200"/>
+          </a:xfrm>
+          <a:prstGeom prst="rect">
+            <a:avLst/>
+          </a:prstGeom>
+        </p:spPr>
+      </p:pic>
+      <p:pic>
+        <p:nvPicPr>
+          <p:cNvPr id="15" name="Picture 14"/>
           <p:cNvPicPr>
             <a:picLocks noChangeAspect="1"/>
           </p:cNvPicPr>
@@ -14796,7 +14167,7 @@
         </p:blipFill>
         <p:spPr>
           <a:xfrm>
-            <a:off x="4878741" y="249715"/>
+            <a:off x="303629" y="1070428"/>
             <a:ext cx="1219200" cy="1219200"/>
           </a:xfrm>
           <a:prstGeom prst="rect">
@@ -14806,7 +14177,7 @@
       </p:pic>
       <p:pic>
         <p:nvPicPr>
-          <p:cNvPr id="6" name="Picture 5"/>
+          <p:cNvPr id="279" name="Picture 278"/>
           <p:cNvPicPr>
             <a:picLocks noChangeAspect="1"/>
           </p:cNvPicPr>
@@ -14827,7 +14198,7 @@
         </p:blipFill>
         <p:spPr>
           <a:xfrm>
-            <a:off x="7736400" y="249715"/>
+            <a:off x="2950029" y="1070428"/>
             <a:ext cx="1219200" cy="1219200"/>
           </a:xfrm>
           <a:prstGeom prst="rect">
@@ -14837,7 +14208,7 @@
       </p:pic>
       <p:pic>
         <p:nvPicPr>
-          <p:cNvPr id="7" name="Picture 6"/>
+          <p:cNvPr id="280" name="Picture 279"/>
           <p:cNvPicPr>
             <a:picLocks noChangeAspect="1"/>
           </p:cNvPicPr>
@@ -14858,7 +14229,7 @@
         </p:blipFill>
         <p:spPr>
           <a:xfrm>
-            <a:off x="6396057" y="249715"/>
+            <a:off x="1626829" y="1070428"/>
             <a:ext cx="1219200" cy="1219200"/>
           </a:xfrm>
           <a:prstGeom prst="rect">
@@ -14868,7 +14239,7 @@
       </p:pic>
       <p:pic>
         <p:nvPicPr>
-          <p:cNvPr id="8" name="Picture 7"/>
+          <p:cNvPr id="281" name="Picture 280"/>
           <p:cNvPicPr>
             <a:picLocks noChangeAspect="1"/>
           </p:cNvPicPr>
@@ -14889,7 +14260,7 @@
         </p:blipFill>
         <p:spPr>
           <a:xfrm>
-            <a:off x="322686" y="1525686"/>
+            <a:off x="5596429" y="1107999"/>
             <a:ext cx="1219200" cy="1219200"/>
           </a:xfrm>
           <a:prstGeom prst="rect">
@@ -14899,7 +14270,7 @@
       </p:pic>
       <p:pic>
         <p:nvPicPr>
-          <p:cNvPr id="9" name="Picture 8"/>
+          <p:cNvPr id="282" name="Picture 281"/>
           <p:cNvPicPr>
             <a:picLocks noChangeAspect="1"/>
           </p:cNvPicPr>
@@ -14920,7 +14291,7 @@
         </p:blipFill>
         <p:spPr>
           <a:xfrm>
-            <a:off x="9120229" y="275315"/>
+            <a:off x="4273229" y="1070428"/>
             <a:ext cx="1219200" cy="1219200"/>
           </a:xfrm>
           <a:prstGeom prst="rect">
@@ -14930,7 +14301,7 @@
       </p:pic>
       <p:pic>
         <p:nvPicPr>
-          <p:cNvPr id="10" name="Picture 9"/>
+          <p:cNvPr id="283" name="Picture 282"/>
           <p:cNvPicPr>
             <a:picLocks noChangeAspect="1"/>
           </p:cNvPicPr>
@@ -14951,7 +14322,7 @@
         </p:blipFill>
         <p:spPr>
           <a:xfrm>
-            <a:off x="10460572" y="306486"/>
+            <a:off x="6919629" y="1107999"/>
             <a:ext cx="1219200" cy="1219200"/>
           </a:xfrm>
           <a:prstGeom prst="rect">
@@ -14961,7 +14332,7 @@
       </p:pic>
       <p:pic>
         <p:nvPicPr>
-          <p:cNvPr id="11" name="Picture 10"/>
+          <p:cNvPr id="284" name="Picture 283"/>
           <p:cNvPicPr>
             <a:picLocks noChangeAspect="1"/>
           </p:cNvPicPr>
@@ -14982,7 +14353,7 @@
         </p:blipFill>
         <p:spPr>
           <a:xfrm>
-            <a:off x="3179485" y="1494515"/>
+            <a:off x="9105600" y="1070428"/>
             <a:ext cx="1219200" cy="1219200"/>
           </a:xfrm>
           <a:prstGeom prst="rect">
@@ -14992,7 +14363,7 @@
       </p:pic>
       <p:pic>
         <p:nvPicPr>
-          <p:cNvPr id="12" name="Picture 11"/>
+          <p:cNvPr id="285" name="Picture 284"/>
           <p:cNvPicPr>
             <a:picLocks noChangeAspect="1"/>
           </p:cNvPicPr>
@@ -15013,7 +14384,7 @@
         </p:blipFill>
         <p:spPr>
           <a:xfrm>
-            <a:off x="1841371" y="1525686"/>
+            <a:off x="7988286" y="1070428"/>
             <a:ext cx="1219200" cy="1219200"/>
           </a:xfrm>
           <a:prstGeom prst="rect">
@@ -15023,7 +14394,7 @@
       </p:pic>
       <p:pic>
         <p:nvPicPr>
-          <p:cNvPr id="13" name="Picture 12"/>
+          <p:cNvPr id="286" name="Picture 285"/>
           <p:cNvPicPr>
             <a:picLocks noChangeAspect="1"/>
           </p:cNvPicPr>
@@ -15044,7 +14415,7 @@
         </p:blipFill>
         <p:spPr>
           <a:xfrm>
-            <a:off x="4728943" y="1468915"/>
+            <a:off x="303629" y="2185742"/>
             <a:ext cx="1219200" cy="1219200"/>
           </a:xfrm>
           <a:prstGeom prst="rect">
@@ -15054,7 +14425,7 @@
       </p:pic>
       <p:pic>
         <p:nvPicPr>
-          <p:cNvPr id="14" name="Picture 13"/>
+          <p:cNvPr id="287" name="Picture 286"/>
           <p:cNvPicPr>
             <a:picLocks noChangeAspect="1"/>
           </p:cNvPicPr>
@@ -15075,7 +14446,7 @@
         </p:blipFill>
         <p:spPr>
           <a:xfrm>
-            <a:off x="7809086" y="1525686"/>
+            <a:off x="10484143" y="1070428"/>
             <a:ext cx="1219200" cy="1219200"/>
           </a:xfrm>
           <a:prstGeom prst="rect">
@@ -15085,7 +14456,7 @@
       </p:pic>
       <p:pic>
         <p:nvPicPr>
-          <p:cNvPr id="15" name="Picture 14"/>
+          <p:cNvPr id="288" name="Picture 287"/>
           <p:cNvPicPr>
             <a:picLocks noChangeAspect="1"/>
           </p:cNvPicPr>
@@ -15106,7 +14477,7 @@
         </p:blipFill>
         <p:spPr>
           <a:xfrm>
-            <a:off x="6376800" y="1525686"/>
+            <a:off x="2923629" y="2421599"/>
             <a:ext cx="1219200" cy="1219200"/>
           </a:xfrm>
           <a:prstGeom prst="rect">
@@ -15116,7 +14487,7 @@
       </p:pic>
       <p:pic>
         <p:nvPicPr>
-          <p:cNvPr id="16" name="Picture 15"/>
+          <p:cNvPr id="289" name="Picture 288"/>
           <p:cNvPicPr>
             <a:picLocks noChangeAspect="1"/>
           </p:cNvPicPr>
@@ -15137,7 +14508,7 @@
         </p:blipFill>
         <p:spPr>
           <a:xfrm>
-            <a:off x="9237900" y="1525686"/>
+            <a:off x="4273229" y="2454485"/>
             <a:ext cx="1219200" cy="1219200"/>
           </a:xfrm>
           <a:prstGeom prst="rect">
@@ -15147,7 +14518,7 @@
       </p:pic>
       <p:pic>
         <p:nvPicPr>
-          <p:cNvPr id="17" name="Picture 16"/>
+          <p:cNvPr id="290" name="Picture 289"/>
           <p:cNvPicPr>
             <a:picLocks noChangeAspect="1"/>
           </p:cNvPicPr>
@@ -15168,7 +14539,7 @@
         </p:blipFill>
         <p:spPr>
           <a:xfrm>
-            <a:off x="10404571" y="1519943"/>
+            <a:off x="1704429" y="2421599"/>
             <a:ext cx="1219200" cy="1219200"/>
           </a:xfrm>
           <a:prstGeom prst="rect">
@@ -15178,7 +14549,7 @@
       </p:pic>
       <p:pic>
         <p:nvPicPr>
-          <p:cNvPr id="18" name="Picture 17"/>
+          <p:cNvPr id="291" name="Picture 290"/>
           <p:cNvPicPr>
             <a:picLocks noChangeAspect="1"/>
           </p:cNvPicPr>
@@ -15199,7 +14570,7 @@
         </p:blipFill>
         <p:spPr>
           <a:xfrm>
-            <a:off x="1841371" y="3030143"/>
+            <a:off x="6976800" y="2439628"/>
             <a:ext cx="1219200" cy="1219200"/>
           </a:xfrm>
           <a:prstGeom prst="rect">
@@ -15209,7 +14580,7 @@
       </p:pic>
       <p:pic>
         <p:nvPicPr>
-          <p:cNvPr id="19" name="Picture 18"/>
+          <p:cNvPr id="292" name="Picture 291"/>
           <p:cNvPicPr>
             <a:picLocks noChangeAspect="1"/>
           </p:cNvPicPr>
@@ -15230,7 +14601,7 @@
         </p:blipFill>
         <p:spPr>
           <a:xfrm>
-            <a:off x="322686" y="3030143"/>
+            <a:off x="5622829" y="2454485"/>
             <a:ext cx="1219200" cy="1219200"/>
           </a:xfrm>
           <a:prstGeom prst="rect">
@@ -15240,7 +14611,7 @@
       </p:pic>
       <p:pic>
         <p:nvPicPr>
-          <p:cNvPr id="20" name="Picture 19"/>
+          <p:cNvPr id="293" name="Picture 292"/>
           <p:cNvPicPr>
             <a:picLocks noChangeAspect="1"/>
           </p:cNvPicPr>
@@ -15261,7 +14632,7 @@
         </p:blipFill>
         <p:spPr>
           <a:xfrm>
-            <a:off x="4728943" y="3030143"/>
+            <a:off x="8336400" y="2534314"/>
             <a:ext cx="1219200" cy="1219200"/>
           </a:xfrm>
           <a:prstGeom prst="rect">
@@ -15271,7 +14642,7 @@
       </p:pic>
       <p:pic>
         <p:nvPicPr>
-          <p:cNvPr id="21" name="Picture 20"/>
+          <p:cNvPr id="294" name="Picture 293"/>
           <p:cNvPicPr>
             <a:picLocks noChangeAspect="1"/>
           </p:cNvPicPr>
@@ -15292,7 +14663,7 @@
         </p:blipFill>
         <p:spPr>
           <a:xfrm>
-            <a:off x="3338570" y="3030143"/>
+            <a:off x="1522829" y="3910656"/>
             <a:ext cx="1219200" cy="1219200"/>
           </a:xfrm>
           <a:prstGeom prst="rect">
@@ -15302,7 +14673,7 @@
       </p:pic>
       <p:pic>
         <p:nvPicPr>
-          <p:cNvPr id="22" name="Picture 21"/>
+          <p:cNvPr id="295" name="Picture 294"/>
           <p:cNvPicPr>
             <a:picLocks noChangeAspect="1"/>
           </p:cNvPicPr>
@@ -15323,7 +14694,7 @@
         </p:blipFill>
         <p:spPr>
           <a:xfrm>
-            <a:off x="1835343" y="4534600"/>
+            <a:off x="303629" y="4021971"/>
             <a:ext cx="1219200" cy="1219200"/>
           </a:xfrm>
           <a:prstGeom prst="rect">
@@ -15333,7 +14704,7 @@
       </p:pic>
       <p:pic>
         <p:nvPicPr>
-          <p:cNvPr id="23" name="Picture 22"/>
+          <p:cNvPr id="296" name="Picture 295"/>
           <p:cNvPicPr>
             <a:picLocks noChangeAspect="1"/>
           </p:cNvPicPr>
@@ -15354,7 +14725,7 @@
         </p:blipFill>
         <p:spPr>
           <a:xfrm>
-            <a:off x="322686" y="4534600"/>
+            <a:off x="9762315" y="2534314"/>
             <a:ext cx="1219200" cy="1219200"/>
           </a:xfrm>
           <a:prstGeom prst="rect">
@@ -15364,7 +14735,7 @@
       </p:pic>
       <p:pic>
         <p:nvPicPr>
-          <p:cNvPr id="24" name="Picture 23"/>
+          <p:cNvPr id="297" name="Picture 296"/>
           <p:cNvPicPr>
             <a:picLocks noChangeAspect="1"/>
           </p:cNvPicPr>
@@ -15385,7 +14756,7 @@
         </p:blipFill>
         <p:spPr>
           <a:xfrm>
-            <a:off x="6376800" y="3162943"/>
+            <a:off x="5998771" y="4004171"/>
             <a:ext cx="1219200" cy="1219200"/>
           </a:xfrm>
           <a:prstGeom prst="rect">
@@ -15395,7 +14766,7 @@
       </p:pic>
       <p:pic>
         <p:nvPicPr>
-          <p:cNvPr id="25" name="Picture 24"/>
+          <p:cNvPr id="298" name="Picture 297"/>
           <p:cNvPicPr>
             <a:picLocks noChangeAspect="1"/>
           </p:cNvPicPr>
@@ -15416,7 +14787,7 @@
         </p:blipFill>
         <p:spPr>
           <a:xfrm>
-            <a:off x="10404571" y="3109800"/>
+            <a:off x="4526400" y="4021971"/>
             <a:ext cx="1219200" cy="1219200"/>
           </a:xfrm>
           <a:prstGeom prst="rect">
@@ -15426,7 +14797,7 @@
       </p:pic>
       <p:pic>
         <p:nvPicPr>
-          <p:cNvPr id="26" name="Picture 25"/>
+          <p:cNvPr id="299" name="Picture 298"/>
           <p:cNvPicPr>
             <a:picLocks noChangeAspect="1"/>
           </p:cNvPicPr>
@@ -15447,7 +14818,7 @@
         </p:blipFill>
         <p:spPr>
           <a:xfrm>
-            <a:off x="3338570" y="4534600"/>
+            <a:off x="3054029" y="4021971"/>
             <a:ext cx="1219200" cy="1219200"/>
           </a:xfrm>
           <a:prstGeom prst="rect">
@@ -15457,7 +14828,7 @@
       </p:pic>
       <p:pic>
         <p:nvPicPr>
-          <p:cNvPr id="27" name="Picture 26"/>
+          <p:cNvPr id="300" name="Picture 299"/>
           <p:cNvPicPr>
             <a:picLocks noChangeAspect="1"/>
           </p:cNvPicPr>
@@ -15478,7 +14849,7 @@
         </p:blipFill>
         <p:spPr>
           <a:xfrm>
-            <a:off x="4831171" y="4560286"/>
+            <a:off x="10221542" y="4145971"/>
             <a:ext cx="1219200" cy="1219200"/>
           </a:xfrm>
           <a:prstGeom prst="rect">
@@ -15488,7 +14859,7 @@
       </p:pic>
       <p:pic>
         <p:nvPicPr>
-          <p:cNvPr id="28" name="Picture 27"/>
+          <p:cNvPr id="301" name="Picture 300"/>
           <p:cNvPicPr>
             <a:picLocks noChangeAspect="1"/>
           </p:cNvPicPr>
@@ -15509,7 +14880,7 @@
         </p:blipFill>
         <p:spPr>
           <a:xfrm>
-            <a:off x="9028286" y="4560286"/>
+            <a:off x="8858971" y="4120114"/>
             <a:ext cx="1219200" cy="1219200"/>
           </a:xfrm>
           <a:prstGeom prst="rect">
@@ -15519,7 +14890,7 @@
       </p:pic>
       <p:pic>
         <p:nvPicPr>
-          <p:cNvPr id="29" name="Picture 28"/>
+          <p:cNvPr id="302" name="Picture 301"/>
           <p:cNvPicPr>
             <a:picLocks noChangeAspect="1"/>
           </p:cNvPicPr>
@@ -15540,38 +14911,7 @@
         </p:blipFill>
         <p:spPr>
           <a:xfrm>
-            <a:off x="8955600" y="3315400"/>
-            <a:ext cx="1219200" cy="1219200"/>
-          </a:xfrm>
-          <a:prstGeom prst="rect">
-            <a:avLst/>
-          </a:prstGeom>
-        </p:spPr>
-      </p:pic>
-      <p:pic>
-        <p:nvPicPr>
-          <p:cNvPr id="30" name="Picture 29"/>
-          <p:cNvPicPr>
-            <a:picLocks noChangeAspect="1"/>
-          </p:cNvPicPr>
-          <p:nvPr/>
-        </p:nvPicPr>
-        <p:blipFill>
-          <a:blip r:embed="rId30">
-            <a:lum bright="70000" contrast="-70000"/>
-            <a:extLst>
-              <a:ext uri="{28A0092B-C50C-407E-A947-70E740481C1C}">
-                <a14:useLocalDpi xmlns:a14="http://schemas.microsoft.com/office/drawing/2010/main" val="0"/>
-              </a:ext>
-            </a:extLst>
-          </a:blip>
-          <a:stretch>
-            <a:fillRect/>
-          </a:stretch>
-        </p:blipFill>
-        <p:spPr>
-          <a:xfrm>
-            <a:off x="10457100" y="4534600"/>
+            <a:off x="7471142" y="4120114"/>
             <a:ext cx="1219200" cy="1219200"/>
           </a:xfrm>
           <a:prstGeom prst="rect">
@@ -15582,18 +14922,18 @@
     </p:spTree>
     <p:extLst>
       <p:ext uri="{BB962C8B-B14F-4D97-AF65-F5344CB8AC3E}">
-        <p14:creationId xmlns:p14="http://schemas.microsoft.com/office/powerpoint/2010/main" val="823657930"/>
+        <p14:creationId xmlns:p14="http://schemas.microsoft.com/office/powerpoint/2010/main" val="2451305448"/>
       </p:ext>
     </p:extLst>
   </p:cSld>
   <p:clrMapOvr>
     <a:masterClrMapping/>
   </p:clrMapOvr>
-  <mc:AlternateContent xmlns:mc="http://schemas.openxmlformats.org/markup-compatibility/2006">
-    <mc:Choice xmlns:p14="http://schemas.microsoft.com/office/powerpoint/2010/main" Requires="p14">
+  <mc:AlternateContent xmlns:mc="http://schemas.openxmlformats.org/markup-compatibility/2006" xmlns:p14="http://schemas.microsoft.com/office/powerpoint/2010/main">
+    <mc:Choice Requires="p14">
       <p:transition spd="slow" p14:dur="2000"/>
     </mc:Choice>
-    <mc:Fallback>
+    <mc:Fallback xmlns="">
       <p:transition spd="slow"/>
     </mc:Fallback>
   </mc:AlternateContent>
@@ -15640,7 +14980,7 @@
         </p:blipFill>
         <p:spPr>
           <a:xfrm>
-            <a:off x="130628" y="359229"/>
+            <a:off x="322686" y="250829"/>
             <a:ext cx="1219200" cy="1219200"/>
           </a:xfrm>
           <a:prstGeom prst="rect">
@@ -15671,7 +15011,7 @@
         </p:blipFill>
         <p:spPr>
           <a:xfrm>
-            <a:off x="94399" y="4550571"/>
+            <a:off x="1841371" y="306486"/>
             <a:ext cx="1219200" cy="1219200"/>
           </a:xfrm>
           <a:prstGeom prst="rect">
@@ -15702,7 +15042,7 @@
         </p:blipFill>
         <p:spPr>
           <a:xfrm>
-            <a:off x="94399" y="3153457"/>
+            <a:off x="3360056" y="250829"/>
             <a:ext cx="1219200" cy="1219200"/>
           </a:xfrm>
           <a:prstGeom prst="rect">
@@ -15733,7 +15073,7 @@
         </p:blipFill>
         <p:spPr>
           <a:xfrm>
-            <a:off x="94399" y="1756343"/>
+            <a:off x="4878741" y="249715"/>
             <a:ext cx="1219200" cy="1219200"/>
           </a:xfrm>
           <a:prstGeom prst="rect">
@@ -15764,7 +15104,7 @@
         </p:blipFill>
         <p:spPr>
           <a:xfrm>
-            <a:off x="1652285" y="359229"/>
+            <a:off x="7736400" y="249715"/>
             <a:ext cx="1219200" cy="1219200"/>
           </a:xfrm>
           <a:prstGeom prst="rect">
@@ -15795,7 +15135,7 @@
         </p:blipFill>
         <p:spPr>
           <a:xfrm>
-            <a:off x="1652285" y="1756343"/>
+            <a:off x="6396057" y="249715"/>
             <a:ext cx="1219200" cy="1219200"/>
           </a:xfrm>
           <a:prstGeom prst="rect">
@@ -15826,7 +15166,7 @@
         </p:blipFill>
         <p:spPr>
           <a:xfrm>
-            <a:off x="1652285" y="4550571"/>
+            <a:off x="322686" y="1525686"/>
             <a:ext cx="1219200" cy="1219200"/>
           </a:xfrm>
           <a:prstGeom prst="rect">
@@ -15857,7 +15197,7 @@
         </p:blipFill>
         <p:spPr>
           <a:xfrm>
-            <a:off x="1613599" y="3153457"/>
+            <a:off x="9120229" y="275315"/>
             <a:ext cx="1219200" cy="1219200"/>
           </a:xfrm>
           <a:prstGeom prst="rect">
@@ -15888,7 +15228,7 @@
         </p:blipFill>
         <p:spPr>
           <a:xfrm>
-            <a:off x="3173942" y="1813229"/>
+            <a:off x="10460572" y="306486"/>
             <a:ext cx="1219200" cy="1219200"/>
           </a:xfrm>
           <a:prstGeom prst="rect">
@@ -15919,7 +15259,7 @@
         </p:blipFill>
         <p:spPr>
           <a:xfrm>
-            <a:off x="3173942" y="359229"/>
+            <a:off x="3179485" y="1494515"/>
             <a:ext cx="1219200" cy="1219200"/>
           </a:xfrm>
           <a:prstGeom prst="rect">
@@ -15950,7 +15290,7 @@
         </p:blipFill>
         <p:spPr>
           <a:xfrm>
-            <a:off x="3198342" y="3153457"/>
+            <a:off x="1841371" y="1525686"/>
             <a:ext cx="1219200" cy="1219200"/>
           </a:xfrm>
           <a:prstGeom prst="rect">
@@ -15981,7 +15321,7 @@
         </p:blipFill>
         <p:spPr>
           <a:xfrm>
-            <a:off x="3157485" y="4607457"/>
+            <a:off x="4728943" y="1468915"/>
             <a:ext cx="1219200" cy="1219200"/>
           </a:xfrm>
           <a:prstGeom prst="rect">
@@ -16012,7 +15352,7 @@
         </p:blipFill>
         <p:spPr>
           <a:xfrm>
-            <a:off x="4695599" y="1756343"/>
+            <a:off x="7809086" y="1525686"/>
             <a:ext cx="1219200" cy="1219200"/>
           </a:xfrm>
           <a:prstGeom prst="rect">
@@ -16043,7 +15383,7 @@
         </p:blipFill>
         <p:spPr>
           <a:xfrm>
-            <a:off x="4727399" y="360686"/>
+            <a:off x="6376800" y="1525686"/>
             <a:ext cx="1219200" cy="1219200"/>
           </a:xfrm>
           <a:prstGeom prst="rect">
@@ -16074,7 +15414,7 @@
         </p:blipFill>
         <p:spPr>
           <a:xfrm>
-            <a:off x="6280856" y="359229"/>
+            <a:off x="9237900" y="1525686"/>
             <a:ext cx="1219200" cy="1219200"/>
           </a:xfrm>
           <a:prstGeom prst="rect">
@@ -16105,7 +15445,7 @@
         </p:blipFill>
         <p:spPr>
           <a:xfrm>
-            <a:off x="4783085" y="3247857"/>
+            <a:off x="10404571" y="1519943"/>
             <a:ext cx="1219200" cy="1219200"/>
           </a:xfrm>
           <a:prstGeom prst="rect">
@@ -16136,7 +15476,7 @@
         </p:blipFill>
         <p:spPr>
           <a:xfrm>
-            <a:off x="4826685" y="4643514"/>
+            <a:off x="1841371" y="3030143"/>
             <a:ext cx="1219200" cy="1219200"/>
           </a:xfrm>
           <a:prstGeom prst="rect">
@@ -16167,7 +15507,7 @@
         </p:blipFill>
         <p:spPr>
           <a:xfrm>
-            <a:off x="6280856" y="3247857"/>
+            <a:off x="322686" y="3030143"/>
             <a:ext cx="1219200" cy="1219200"/>
           </a:xfrm>
           <a:prstGeom prst="rect">
@@ -16198,7 +15538,7 @@
         </p:blipFill>
         <p:spPr>
           <a:xfrm>
-            <a:off x="6217256" y="1813229"/>
+            <a:off x="4728943" y="3030143"/>
             <a:ext cx="1219200" cy="1219200"/>
           </a:xfrm>
           <a:prstGeom prst="rect">
@@ -16229,7 +15569,7 @@
         </p:blipFill>
         <p:spPr>
           <a:xfrm>
-            <a:off x="7804999" y="1938286"/>
+            <a:off x="3338570" y="3030143"/>
             <a:ext cx="1219200" cy="1219200"/>
           </a:xfrm>
           <a:prstGeom prst="rect">
@@ -16260,7 +15600,7 @@
         </p:blipFill>
         <p:spPr>
           <a:xfrm>
-            <a:off x="7804999" y="412829"/>
+            <a:off x="1835343" y="4534600"/>
             <a:ext cx="1219200" cy="1219200"/>
           </a:xfrm>
           <a:prstGeom prst="rect">
@@ -16291,7 +15631,7 @@
         </p:blipFill>
         <p:spPr>
           <a:xfrm>
-            <a:off x="6280856" y="4607457"/>
+            <a:off x="322686" y="4534600"/>
             <a:ext cx="1219200" cy="1219200"/>
           </a:xfrm>
           <a:prstGeom prst="rect">
@@ -16322,7 +15662,7 @@
         </p:blipFill>
         <p:spPr>
           <a:xfrm>
-            <a:off x="9324170" y="412829"/>
+            <a:off x="6376800" y="3162943"/>
             <a:ext cx="1219200" cy="1219200"/>
           </a:xfrm>
           <a:prstGeom prst="rect">
@@ -16353,7 +15693,7 @@
         </p:blipFill>
         <p:spPr>
           <a:xfrm>
-            <a:off x="7778627" y="3247857"/>
+            <a:off x="10404571" y="3109800"/>
             <a:ext cx="1219200" cy="1219200"/>
           </a:xfrm>
           <a:prstGeom prst="rect">
@@ -16384,7 +15724,7 @@
         </p:blipFill>
         <p:spPr>
           <a:xfrm>
-            <a:off x="7804999" y="4683628"/>
+            <a:off x="3338570" y="4534600"/>
             <a:ext cx="1219200" cy="1219200"/>
           </a:xfrm>
           <a:prstGeom prst="rect">
@@ -16415,7 +15755,7 @@
         </p:blipFill>
         <p:spPr>
           <a:xfrm>
-            <a:off x="9392742" y="3247857"/>
+            <a:off x="4831171" y="4560286"/>
             <a:ext cx="1219200" cy="1219200"/>
           </a:xfrm>
           <a:prstGeom prst="rect">
@@ -16446,7 +15786,69 @@
         </p:blipFill>
         <p:spPr>
           <a:xfrm>
-            <a:off x="9392742" y="1813229"/>
+            <a:off x="9028286" y="4560286"/>
+            <a:ext cx="1219200" cy="1219200"/>
+          </a:xfrm>
+          <a:prstGeom prst="rect">
+            <a:avLst/>
+          </a:prstGeom>
+        </p:spPr>
+      </p:pic>
+      <p:pic>
+        <p:nvPicPr>
+          <p:cNvPr id="29" name="Picture 28"/>
+          <p:cNvPicPr>
+            <a:picLocks noChangeAspect="1"/>
+          </p:cNvPicPr>
+          <p:nvPr/>
+        </p:nvPicPr>
+        <p:blipFill>
+          <a:blip r:embed="rId29">
+            <a:lum bright="70000" contrast="-70000"/>
+            <a:extLst>
+              <a:ext uri="{28A0092B-C50C-407E-A947-70E740481C1C}">
+                <a14:useLocalDpi xmlns:a14="http://schemas.microsoft.com/office/drawing/2010/main" val="0"/>
+              </a:ext>
+            </a:extLst>
+          </a:blip>
+          <a:stretch>
+            <a:fillRect/>
+          </a:stretch>
+        </p:blipFill>
+        <p:spPr>
+          <a:xfrm>
+            <a:off x="8955600" y="3315400"/>
+            <a:ext cx="1219200" cy="1219200"/>
+          </a:xfrm>
+          <a:prstGeom prst="rect">
+            <a:avLst/>
+          </a:prstGeom>
+        </p:spPr>
+      </p:pic>
+      <p:pic>
+        <p:nvPicPr>
+          <p:cNvPr id="30" name="Picture 29"/>
+          <p:cNvPicPr>
+            <a:picLocks noChangeAspect="1"/>
+          </p:cNvPicPr>
+          <p:nvPr/>
+        </p:nvPicPr>
+        <p:blipFill>
+          <a:blip r:embed="rId30">
+            <a:lum bright="70000" contrast="-70000"/>
+            <a:extLst>
+              <a:ext uri="{28A0092B-C50C-407E-A947-70E740481C1C}">
+                <a14:useLocalDpi xmlns:a14="http://schemas.microsoft.com/office/drawing/2010/main" val="0"/>
+              </a:ext>
+            </a:extLst>
+          </a:blip>
+          <a:stretch>
+            <a:fillRect/>
+          </a:stretch>
+        </p:blipFill>
+        <p:spPr>
+          <a:xfrm>
+            <a:off x="10457100" y="4534600"/>
             <a:ext cx="1219200" cy="1219200"/>
           </a:xfrm>
           <a:prstGeom prst="rect">
@@ -16457,18 +15859,18 @@
     </p:spTree>
     <p:extLst>
       <p:ext uri="{BB962C8B-B14F-4D97-AF65-F5344CB8AC3E}">
-        <p14:creationId xmlns:p14="http://schemas.microsoft.com/office/powerpoint/2010/main" val="3126433562"/>
+        <p14:creationId xmlns:p14="http://schemas.microsoft.com/office/powerpoint/2010/main" val="823657930"/>
       </p:ext>
     </p:extLst>
   </p:cSld>
   <p:clrMapOvr>
     <a:masterClrMapping/>
   </p:clrMapOvr>
-  <mc:AlternateContent xmlns:mc="http://schemas.openxmlformats.org/markup-compatibility/2006">
-    <mc:Choice xmlns:p14="http://schemas.microsoft.com/office/powerpoint/2010/main" Requires="p14">
+  <mc:AlternateContent xmlns:mc="http://schemas.openxmlformats.org/markup-compatibility/2006" xmlns:p14="http://schemas.microsoft.com/office/powerpoint/2010/main">
+    <mc:Choice Requires="p14">
       <p:transition spd="slow" p14:dur="2000"/>
     </mc:Choice>
-    <mc:Fallback>
+    <mc:Fallback xmlns="">
       <p:transition spd="slow"/>
     </mc:Fallback>
   </mc:AlternateContent>
@@ -16515,7 +15917,7 @@
         </p:blipFill>
         <p:spPr>
           <a:xfrm>
-            <a:off x="643486" y="520286"/>
+            <a:off x="130628" y="359229"/>
             <a:ext cx="1219200" cy="1219200"/>
           </a:xfrm>
           <a:prstGeom prst="rect">
@@ -16546,7 +15948,7 @@
         </p:blipFill>
         <p:spPr>
           <a:xfrm>
-            <a:off x="654401" y="3364486"/>
+            <a:off x="94399" y="4550571"/>
             <a:ext cx="1219200" cy="1219200"/>
           </a:xfrm>
           <a:prstGeom prst="rect">
@@ -16577,7 +15979,7 @@
         </p:blipFill>
         <p:spPr>
           <a:xfrm>
-            <a:off x="571600" y="4830522"/>
+            <a:off x="94399" y="3153457"/>
             <a:ext cx="1219200" cy="1219200"/>
           </a:xfrm>
           <a:prstGeom prst="rect">
@@ -16608,7 +16010,7 @@
         </p:blipFill>
         <p:spPr>
           <a:xfrm>
-            <a:off x="2286800" y="4852844"/>
+            <a:off x="94399" y="1756343"/>
             <a:ext cx="1219200" cy="1219200"/>
           </a:xfrm>
           <a:prstGeom prst="rect">
@@ -16639,7 +16041,7 @@
         </p:blipFill>
         <p:spPr>
           <a:xfrm>
-            <a:off x="2155658" y="3397482"/>
+            <a:off x="1652285" y="359229"/>
             <a:ext cx="1219200" cy="1219200"/>
           </a:xfrm>
           <a:prstGeom prst="rect">
@@ -16670,7 +16072,7 @@
         </p:blipFill>
         <p:spPr>
           <a:xfrm>
-            <a:off x="2303086" y="1959441"/>
+            <a:off x="1652285" y="1756343"/>
             <a:ext cx="1219200" cy="1219200"/>
           </a:xfrm>
           <a:prstGeom prst="rect">
@@ -16701,7 +16103,7 @@
         </p:blipFill>
         <p:spPr>
           <a:xfrm>
-            <a:off x="2303086" y="521400"/>
+            <a:off x="1652285" y="4550571"/>
             <a:ext cx="1219200" cy="1219200"/>
           </a:xfrm>
           <a:prstGeom prst="rect">
@@ -16732,7 +16134,7 @@
         </p:blipFill>
         <p:spPr>
           <a:xfrm>
-            <a:off x="3878400" y="4868530"/>
+            <a:off x="1613599" y="3153457"/>
             <a:ext cx="1219200" cy="1219200"/>
           </a:xfrm>
           <a:prstGeom prst="rect">
@@ -16763,7 +16165,7 @@
         </p:blipFill>
         <p:spPr>
           <a:xfrm>
-            <a:off x="3907314" y="3421143"/>
+            <a:off x="3173942" y="1813229"/>
             <a:ext cx="1219200" cy="1219200"/>
           </a:xfrm>
           <a:prstGeom prst="rect">
@@ -16794,7 +16196,7 @@
         </p:blipFill>
         <p:spPr>
           <a:xfrm>
-            <a:off x="3907314" y="1750200"/>
+            <a:off x="3173942" y="359229"/>
             <a:ext cx="1219200" cy="1219200"/>
           </a:xfrm>
           <a:prstGeom prst="rect">
@@ -16825,7 +16227,7 @@
         </p:blipFill>
         <p:spPr>
           <a:xfrm>
-            <a:off x="4074799" y="371400"/>
+            <a:off x="3198342" y="3153457"/>
             <a:ext cx="1219200" cy="1219200"/>
           </a:xfrm>
           <a:prstGeom prst="rect">
@@ -16856,7 +16258,7 @@
         </p:blipFill>
         <p:spPr>
           <a:xfrm>
-            <a:off x="5554400" y="4868530"/>
+            <a:off x="3157485" y="4607457"/>
             <a:ext cx="1219200" cy="1219200"/>
           </a:xfrm>
           <a:prstGeom prst="rect">
@@ -16887,7 +16289,7 @@
         </p:blipFill>
         <p:spPr>
           <a:xfrm>
-            <a:off x="5554400" y="3364486"/>
+            <a:off x="4695599" y="1756343"/>
             <a:ext cx="1219200" cy="1219200"/>
           </a:xfrm>
           <a:prstGeom prst="rect">
@@ -16918,7 +16320,7 @@
         </p:blipFill>
         <p:spPr>
           <a:xfrm>
-            <a:off x="5554400" y="1750200"/>
+            <a:off x="4727399" y="360686"/>
             <a:ext cx="1219200" cy="1219200"/>
           </a:xfrm>
           <a:prstGeom prst="rect">
@@ -16949,7 +16351,7 @@
         </p:blipFill>
         <p:spPr>
           <a:xfrm>
-            <a:off x="5734399" y="361800"/>
+            <a:off x="6280856" y="359229"/>
             <a:ext cx="1219200" cy="1219200"/>
           </a:xfrm>
           <a:prstGeom prst="rect">
@@ -16980,7 +16382,7 @@
         </p:blipFill>
         <p:spPr>
           <a:xfrm>
-            <a:off x="7228400" y="4868530"/>
+            <a:off x="4783085" y="3247857"/>
             <a:ext cx="1219200" cy="1219200"/>
           </a:xfrm>
           <a:prstGeom prst="rect">
@@ -17011,7 +16413,7 @@
         </p:blipFill>
         <p:spPr>
           <a:xfrm>
-            <a:off x="8984800" y="4872758"/>
+            <a:off x="4826685" y="4643514"/>
             <a:ext cx="1219200" cy="1219200"/>
           </a:xfrm>
           <a:prstGeom prst="rect">
@@ -17042,7 +16444,7 @@
         </p:blipFill>
         <p:spPr>
           <a:xfrm>
-            <a:off x="10576400" y="4872758"/>
+            <a:off x="6280856" y="3247857"/>
             <a:ext cx="1219200" cy="1219200"/>
           </a:xfrm>
           <a:prstGeom prst="rect">
@@ -17073,7 +16475,7 @@
         </p:blipFill>
         <p:spPr>
           <a:xfrm>
-            <a:off x="7337714" y="3421143"/>
+            <a:off x="6217256" y="1813229"/>
             <a:ext cx="1219200" cy="1219200"/>
           </a:xfrm>
           <a:prstGeom prst="rect">
@@ -17104,7 +16506,7 @@
         </p:blipFill>
         <p:spPr>
           <a:xfrm>
-            <a:off x="7337714" y="1791156"/>
+            <a:off x="7804999" y="1938286"/>
             <a:ext cx="1219200" cy="1219200"/>
           </a:xfrm>
           <a:prstGeom prst="rect">
@@ -17135,7 +16537,7 @@
         </p:blipFill>
         <p:spPr>
           <a:xfrm>
-            <a:off x="7337714" y="435085"/>
+            <a:off x="7804999" y="412829"/>
             <a:ext cx="1219200" cy="1219200"/>
           </a:xfrm>
           <a:prstGeom prst="rect">
@@ -17166,7 +16568,7 @@
         </p:blipFill>
         <p:spPr>
           <a:xfrm>
-            <a:off x="8953200" y="3384857"/>
+            <a:off x="6280856" y="4607457"/>
             <a:ext cx="1219200" cy="1219200"/>
           </a:xfrm>
           <a:prstGeom prst="rect">
@@ -17197,7 +16599,7 @@
         </p:blipFill>
         <p:spPr>
           <a:xfrm>
-            <a:off x="8984800" y="1816042"/>
+            <a:off x="9324170" y="412829"/>
             <a:ext cx="1219200" cy="1219200"/>
           </a:xfrm>
           <a:prstGeom prst="rect">
@@ -17228,7 +16630,7 @@
         </p:blipFill>
         <p:spPr>
           <a:xfrm>
-            <a:off x="10683085" y="3400200"/>
+            <a:off x="7778627" y="3247857"/>
             <a:ext cx="1219200" cy="1219200"/>
           </a:xfrm>
           <a:prstGeom prst="rect">
@@ -17259,7 +16661,7 @@
         </p:blipFill>
         <p:spPr>
           <a:xfrm>
-            <a:off x="8984800" y="326114"/>
+            <a:off x="7804999" y="4683628"/>
             <a:ext cx="1219200" cy="1219200"/>
           </a:xfrm>
           <a:prstGeom prst="rect">
@@ -17290,7 +16692,7 @@
         </p:blipFill>
         <p:spPr>
           <a:xfrm>
-            <a:off x="10504000" y="1927642"/>
+            <a:off x="9392742" y="3247857"/>
             <a:ext cx="1219200" cy="1219200"/>
           </a:xfrm>
           <a:prstGeom prst="rect">
@@ -17321,7 +16723,7 @@
         </p:blipFill>
         <p:spPr>
           <a:xfrm>
-            <a:off x="10504000" y="314828"/>
+            <a:off x="9392742" y="1813229"/>
             <a:ext cx="1219200" cy="1219200"/>
           </a:xfrm>
           <a:prstGeom prst="rect">
@@ -17332,18 +16734,18 @@
     </p:spTree>
     <p:extLst>
       <p:ext uri="{BB962C8B-B14F-4D97-AF65-F5344CB8AC3E}">
-        <p14:creationId xmlns:p14="http://schemas.microsoft.com/office/powerpoint/2010/main" val="399454265"/>
+        <p14:creationId xmlns:p14="http://schemas.microsoft.com/office/powerpoint/2010/main" val="3126433562"/>
       </p:ext>
     </p:extLst>
   </p:cSld>
   <p:clrMapOvr>
     <a:masterClrMapping/>
   </p:clrMapOvr>
-  <mc:AlternateContent xmlns:mc="http://schemas.openxmlformats.org/markup-compatibility/2006">
-    <mc:Choice xmlns:p14="http://schemas.microsoft.com/office/powerpoint/2010/main" Requires="p14">
+  <mc:AlternateContent xmlns:mc="http://schemas.openxmlformats.org/markup-compatibility/2006" xmlns:p14="http://schemas.microsoft.com/office/powerpoint/2010/main">
+    <mc:Choice Requires="p14">
       <p:transition spd="slow" p14:dur="2000"/>
     </mc:Choice>
-    <mc:Fallback>
+    <mc:Fallback xmlns="">
       <p:transition spd="slow"/>
     </mc:Fallback>
   </mc:AlternateContent>
@@ -17390,7 +16792,7 @@
         </p:blipFill>
         <p:spPr>
           <a:xfrm>
-            <a:off x="166914" y="286715"/>
+            <a:off x="643486" y="520286"/>
             <a:ext cx="1219200" cy="1219200"/>
           </a:xfrm>
           <a:prstGeom prst="rect">
@@ -17421,7 +16823,7 @@
         </p:blipFill>
         <p:spPr>
           <a:xfrm>
-            <a:off x="166914" y="4395429"/>
+            <a:off x="654401" y="3364486"/>
             <a:ext cx="1219200" cy="1219200"/>
           </a:xfrm>
           <a:prstGeom prst="rect">
@@ -17452,7 +16854,7 @@
         </p:blipFill>
         <p:spPr>
           <a:xfrm>
-            <a:off x="166914" y="3069944"/>
+            <a:off x="571600" y="4830522"/>
             <a:ext cx="1219200" cy="1219200"/>
           </a:xfrm>
           <a:prstGeom prst="rect">
@@ -17483,7 +16885,7 @@
         </p:blipFill>
         <p:spPr>
           <a:xfrm>
-            <a:off x="254057" y="1744459"/>
+            <a:off x="2286800" y="4852844"/>
             <a:ext cx="1219200" cy="1219200"/>
           </a:xfrm>
           <a:prstGeom prst="rect">
@@ -17514,7 +16916,7 @@
         </p:blipFill>
         <p:spPr>
           <a:xfrm>
-            <a:off x="2114343" y="1662173"/>
+            <a:off x="2155658" y="3397482"/>
             <a:ext cx="1219200" cy="1219200"/>
           </a:xfrm>
           <a:prstGeom prst="rect">
@@ -17545,7 +16947,7 @@
         </p:blipFill>
         <p:spPr>
           <a:xfrm>
-            <a:off x="2114343" y="286715"/>
+            <a:off x="2303086" y="1959441"/>
             <a:ext cx="1219200" cy="1219200"/>
           </a:xfrm>
           <a:prstGeom prst="rect">
@@ -17576,7 +16978,7 @@
         </p:blipFill>
         <p:spPr>
           <a:xfrm>
-            <a:off x="2114343" y="3037631"/>
+            <a:off x="2303086" y="521400"/>
             <a:ext cx="1219200" cy="1219200"/>
           </a:xfrm>
           <a:prstGeom prst="rect">
@@ -17607,7 +17009,7 @@
         </p:blipFill>
         <p:spPr>
           <a:xfrm>
-            <a:off x="3873029" y="286715"/>
+            <a:off x="3878400" y="4868530"/>
             <a:ext cx="1219200" cy="1219200"/>
           </a:xfrm>
           <a:prstGeom prst="rect">
@@ -17638,7 +17040,7 @@
         </p:blipFill>
         <p:spPr>
           <a:xfrm>
-            <a:off x="2040743" y="4414490"/>
+            <a:off x="3907314" y="3421143"/>
             <a:ext cx="1219200" cy="1219200"/>
           </a:xfrm>
           <a:prstGeom prst="rect">
@@ -17669,7 +17071,7 @@
         </p:blipFill>
         <p:spPr>
           <a:xfrm>
-            <a:off x="3733828" y="4505915"/>
+            <a:off x="3907314" y="1750200"/>
             <a:ext cx="1219200" cy="1219200"/>
           </a:xfrm>
           <a:prstGeom prst="rect">
@@ -17700,7 +17102,7 @@
         </p:blipFill>
         <p:spPr>
           <a:xfrm>
-            <a:off x="3873029" y="1636715"/>
+            <a:off x="4074799" y="371400"/>
             <a:ext cx="1219200" cy="1219200"/>
           </a:xfrm>
           <a:prstGeom prst="rect">
@@ -17731,7 +17133,7 @@
         </p:blipFill>
         <p:spPr>
           <a:xfrm>
-            <a:off x="3899200" y="3136715"/>
+            <a:off x="5554400" y="4868530"/>
             <a:ext cx="1219200" cy="1219200"/>
           </a:xfrm>
           <a:prstGeom prst="rect">
@@ -17762,7 +17164,7 @@
         </p:blipFill>
         <p:spPr>
           <a:xfrm>
-            <a:off x="7286457" y="286715"/>
+            <a:off x="5554400" y="3364486"/>
             <a:ext cx="1219200" cy="1219200"/>
           </a:xfrm>
           <a:prstGeom prst="rect">
@@ -17793,7 +17195,7 @@
         </p:blipFill>
         <p:spPr>
           <a:xfrm>
-            <a:off x="5634543" y="1636715"/>
+            <a:off x="5554400" y="1750200"/>
             <a:ext cx="1219200" cy="1219200"/>
           </a:xfrm>
           <a:prstGeom prst="rect">
@@ -17824,7 +17226,7 @@
         </p:blipFill>
         <p:spPr>
           <a:xfrm>
-            <a:off x="10680457" y="3202203"/>
+            <a:off x="5734399" y="361800"/>
             <a:ext cx="1219200" cy="1219200"/>
           </a:xfrm>
           <a:prstGeom prst="rect">
@@ -17855,7 +17257,7 @@
         </p:blipFill>
         <p:spPr>
           <a:xfrm>
-            <a:off x="9215543" y="1744459"/>
+            <a:off x="7228400" y="4868530"/>
             <a:ext cx="1219200" cy="1219200"/>
           </a:xfrm>
           <a:prstGeom prst="rect">
@@ -17886,7 +17288,7 @@
         </p:blipFill>
         <p:spPr>
           <a:xfrm>
-            <a:off x="7396057" y="1805915"/>
+            <a:off x="8984800" y="4872758"/>
             <a:ext cx="1219200" cy="1219200"/>
           </a:xfrm>
           <a:prstGeom prst="rect">
@@ -17917,7 +17319,7 @@
         </p:blipFill>
         <p:spPr>
           <a:xfrm>
-            <a:off x="9167543" y="286715"/>
+            <a:off x="10576400" y="4872758"/>
             <a:ext cx="1219200" cy="1219200"/>
           </a:xfrm>
           <a:prstGeom prst="rect">
@@ -17948,7 +17350,7 @@
         </p:blipFill>
         <p:spPr>
           <a:xfrm>
-            <a:off x="10680457" y="1744459"/>
+            <a:off x="7337714" y="3421143"/>
             <a:ext cx="1219200" cy="1219200"/>
           </a:xfrm>
           <a:prstGeom prst="rect">
@@ -17979,7 +17381,7 @@
         </p:blipFill>
         <p:spPr>
           <a:xfrm>
-            <a:off x="10680457" y="286715"/>
+            <a:off x="7337714" y="1791156"/>
             <a:ext cx="1219200" cy="1219200"/>
           </a:xfrm>
           <a:prstGeom prst="rect">
@@ -18010,7 +17412,7 @@
         </p:blipFill>
         <p:spPr>
           <a:xfrm>
-            <a:off x="7396057" y="3202203"/>
+            <a:off x="7337714" y="435085"/>
             <a:ext cx="1219200" cy="1219200"/>
           </a:xfrm>
           <a:prstGeom prst="rect">
@@ -18041,7 +17443,7 @@
         </p:blipFill>
         <p:spPr>
           <a:xfrm>
-            <a:off x="9285314" y="3202203"/>
+            <a:off x="8953200" y="3384857"/>
             <a:ext cx="1219200" cy="1219200"/>
           </a:xfrm>
           <a:prstGeom prst="rect">
@@ -18072,7 +17474,7 @@
         </p:blipFill>
         <p:spPr>
           <a:xfrm>
-            <a:off x="7396057" y="4665515"/>
+            <a:off x="8984800" y="1816042"/>
             <a:ext cx="1219200" cy="1219200"/>
           </a:xfrm>
           <a:prstGeom prst="rect">
@@ -18103,7 +17505,7 @@
         </p:blipFill>
         <p:spPr>
           <a:xfrm>
-            <a:off x="9279343" y="4665515"/>
+            <a:off x="10683085" y="3400200"/>
             <a:ext cx="1219200" cy="1219200"/>
           </a:xfrm>
           <a:prstGeom prst="rect">
@@ -18134,7 +17536,7 @@
         </p:blipFill>
         <p:spPr>
           <a:xfrm>
-            <a:off x="10694114" y="4665515"/>
+            <a:off x="8984800" y="326114"/>
             <a:ext cx="1219200" cy="1219200"/>
           </a:xfrm>
           <a:prstGeom prst="rect">
@@ -18165,7 +17567,7 @@
         </p:blipFill>
         <p:spPr>
           <a:xfrm>
-            <a:off x="5634543" y="3176229"/>
+            <a:off x="10504000" y="1927642"/>
             <a:ext cx="1219200" cy="1219200"/>
           </a:xfrm>
           <a:prstGeom prst="rect">
@@ -18196,7 +17598,7 @@
         </p:blipFill>
         <p:spPr>
           <a:xfrm>
-            <a:off x="5634543" y="286715"/>
+            <a:off x="10504000" y="314828"/>
             <a:ext cx="1219200" cy="1219200"/>
           </a:xfrm>
           <a:prstGeom prst="rect">
@@ -18207,18 +17609,18 @@
     </p:spTree>
     <p:extLst>
       <p:ext uri="{BB962C8B-B14F-4D97-AF65-F5344CB8AC3E}">
-        <p14:creationId xmlns:p14="http://schemas.microsoft.com/office/powerpoint/2010/main" val="3324423259"/>
+        <p14:creationId xmlns:p14="http://schemas.microsoft.com/office/powerpoint/2010/main" val="399454265"/>
       </p:ext>
     </p:extLst>
   </p:cSld>
   <p:clrMapOvr>
     <a:masterClrMapping/>
   </p:clrMapOvr>
-  <mc:AlternateContent xmlns:mc="http://schemas.openxmlformats.org/markup-compatibility/2006">
-    <mc:Choice xmlns:p14="http://schemas.microsoft.com/office/powerpoint/2010/main" Requires="p14">
+  <mc:AlternateContent xmlns:mc="http://schemas.openxmlformats.org/markup-compatibility/2006" xmlns:p14="http://schemas.microsoft.com/office/powerpoint/2010/main">
+    <mc:Choice Requires="p14">
       <p:transition spd="slow" p14:dur="2000"/>
     </mc:Choice>
-    <mc:Fallback>
+    <mc:Fallback xmlns="">
       <p:transition spd="slow"/>
     </mc:Fallback>
   </mc:AlternateContent>
@@ -18265,7 +17667,7 @@
         </p:blipFill>
         <p:spPr>
           <a:xfrm>
-            <a:off x="2066300" y="4482743"/>
+            <a:off x="166914" y="286715"/>
             <a:ext cx="1219200" cy="1219200"/>
           </a:xfrm>
           <a:prstGeom prst="rect">
@@ -18296,7 +17698,7 @@
         </p:blipFill>
         <p:spPr>
           <a:xfrm>
-            <a:off x="3544387" y="3100200"/>
+            <a:off x="166914" y="4395429"/>
             <a:ext cx="1219200" cy="1219200"/>
           </a:xfrm>
           <a:prstGeom prst="rect">
@@ -18327,7 +17729,7 @@
         </p:blipFill>
         <p:spPr>
           <a:xfrm>
-            <a:off x="1959644" y="3077257"/>
+            <a:off x="166914" y="3069944"/>
             <a:ext cx="1219200" cy="1219200"/>
           </a:xfrm>
           <a:prstGeom prst="rect">
@@ -18358,7 +17760,7 @@
         </p:blipFill>
         <p:spPr>
           <a:xfrm>
-            <a:off x="220687" y="3077257"/>
+            <a:off x="254057" y="1744459"/>
             <a:ext cx="1219200" cy="1219200"/>
           </a:xfrm>
           <a:prstGeom prst="rect">
@@ -18389,7 +17791,7 @@
         </p:blipFill>
         <p:spPr>
           <a:xfrm>
-            <a:off x="252087" y="4629000"/>
+            <a:off x="2114343" y="1662173"/>
             <a:ext cx="1219200" cy="1219200"/>
           </a:xfrm>
           <a:prstGeom prst="rect">
@@ -18420,7 +17822,7 @@
         </p:blipFill>
         <p:spPr>
           <a:xfrm>
-            <a:off x="1959644" y="1565771"/>
+            <a:off x="2114343" y="286715"/>
             <a:ext cx="1219200" cy="1219200"/>
           </a:xfrm>
           <a:prstGeom prst="rect">
@@ -18451,7 +17853,7 @@
         </p:blipFill>
         <p:spPr>
           <a:xfrm>
-            <a:off x="3652987" y="4539457"/>
+            <a:off x="2114343" y="3037631"/>
             <a:ext cx="1219200" cy="1219200"/>
           </a:xfrm>
           <a:prstGeom prst="rect">
@@ -18482,7 +17884,7 @@
         </p:blipFill>
         <p:spPr>
           <a:xfrm>
-            <a:off x="2066300" y="346571"/>
+            <a:off x="3873029" y="286715"/>
             <a:ext cx="1219200" cy="1219200"/>
           </a:xfrm>
           <a:prstGeom prst="rect">
@@ -18513,7 +17915,7 @@
         </p:blipFill>
         <p:spPr>
           <a:xfrm>
-            <a:off x="5317644" y="358887"/>
+            <a:off x="2040743" y="4414490"/>
             <a:ext cx="1219200" cy="1219200"/>
           </a:xfrm>
           <a:prstGeom prst="rect">
@@ -18544,7 +17946,7 @@
         </p:blipFill>
         <p:spPr>
           <a:xfrm>
-            <a:off x="3638644" y="1685343"/>
+            <a:off x="3733828" y="4505915"/>
             <a:ext cx="1219200" cy="1219200"/>
           </a:xfrm>
           <a:prstGeom prst="rect">
@@ -18575,7 +17977,7 @@
         </p:blipFill>
         <p:spPr>
           <a:xfrm>
-            <a:off x="3638644" y="368315"/>
+            <a:off x="3873029" y="1636715"/>
             <a:ext cx="1219200" cy="1219200"/>
           </a:xfrm>
           <a:prstGeom prst="rect">
@@ -18606,7 +18008,7 @@
         </p:blipFill>
         <p:spPr>
           <a:xfrm>
-            <a:off x="5317644" y="4609800"/>
+            <a:off x="3899200" y="3136715"/>
             <a:ext cx="1219200" cy="1219200"/>
           </a:xfrm>
           <a:prstGeom prst="rect">
@@ -18637,7 +18039,7 @@
         </p:blipFill>
         <p:spPr>
           <a:xfrm>
-            <a:off x="5317644" y="1823228"/>
+            <a:off x="7286457" y="286715"/>
             <a:ext cx="1219200" cy="1219200"/>
           </a:xfrm>
           <a:prstGeom prst="rect">
@@ -18668,7 +18070,7 @@
         </p:blipFill>
         <p:spPr>
           <a:xfrm>
-            <a:off x="5317644" y="3208114"/>
+            <a:off x="5634543" y="1636715"/>
             <a:ext cx="1219200" cy="1219200"/>
           </a:xfrm>
           <a:prstGeom prst="rect">
@@ -18699,7 +18101,7 @@
         </p:blipFill>
         <p:spPr>
           <a:xfrm>
-            <a:off x="7078800" y="368315"/>
+            <a:off x="10680457" y="3202203"/>
             <a:ext cx="1219200" cy="1219200"/>
           </a:xfrm>
           <a:prstGeom prst="rect">
@@ -18730,7 +18132,7 @@
         </p:blipFill>
         <p:spPr>
           <a:xfrm>
-            <a:off x="7129600" y="1793142"/>
+            <a:off x="9215543" y="1744459"/>
             <a:ext cx="1219200" cy="1219200"/>
           </a:xfrm>
           <a:prstGeom prst="rect">
@@ -18761,7 +18163,7 @@
         </p:blipFill>
         <p:spPr>
           <a:xfrm>
-            <a:off x="7129600" y="3320257"/>
+            <a:off x="7396057" y="1805915"/>
             <a:ext cx="1219200" cy="1219200"/>
           </a:xfrm>
           <a:prstGeom prst="rect">
@@ -18792,7 +18194,7 @@
         </p:blipFill>
         <p:spPr>
           <a:xfrm>
-            <a:off x="7192200" y="4609800"/>
+            <a:off x="9167543" y="286715"/>
             <a:ext cx="1219200" cy="1219200"/>
           </a:xfrm>
           <a:prstGeom prst="rect">
@@ -18823,7 +18225,7 @@
         </p:blipFill>
         <p:spPr>
           <a:xfrm>
-            <a:off x="8757800" y="466143"/>
+            <a:off x="10680457" y="1744459"/>
             <a:ext cx="1219200" cy="1219200"/>
           </a:xfrm>
           <a:prstGeom prst="rect">
@@ -18854,7 +18256,7 @@
         </p:blipFill>
         <p:spPr>
           <a:xfrm>
-            <a:off x="8736429" y="3349857"/>
+            <a:off x="10680457" y="286715"/>
             <a:ext cx="1219200" cy="1219200"/>
           </a:xfrm>
           <a:prstGeom prst="rect">
@@ -18885,7 +18287,7 @@
         </p:blipFill>
         <p:spPr>
           <a:xfrm>
-            <a:off x="8786400" y="1865429"/>
+            <a:off x="7396057" y="3202203"/>
             <a:ext cx="1219200" cy="1219200"/>
           </a:xfrm>
           <a:prstGeom prst="rect">
@@ -18916,7 +18318,7 @@
         </p:blipFill>
         <p:spPr>
           <a:xfrm>
-            <a:off x="8729630" y="4750200"/>
+            <a:off x="9285314" y="3202203"/>
             <a:ext cx="1219200" cy="1219200"/>
           </a:xfrm>
           <a:prstGeom prst="rect">
@@ -18947,7 +18349,7 @@
         </p:blipFill>
         <p:spPr>
           <a:xfrm>
-            <a:off x="10436800" y="3320257"/>
+            <a:off x="7396057" y="4665515"/>
             <a:ext cx="1219200" cy="1219200"/>
           </a:xfrm>
           <a:prstGeom prst="rect">
@@ -18978,7 +18380,7 @@
         </p:blipFill>
         <p:spPr>
           <a:xfrm>
-            <a:off x="10525357" y="1988914"/>
+            <a:off x="9279343" y="4665515"/>
             <a:ext cx="1219200" cy="1219200"/>
           </a:xfrm>
           <a:prstGeom prst="rect">
@@ -19009,7 +18411,7 @@
         </p:blipFill>
         <p:spPr>
           <a:xfrm>
-            <a:off x="10436800" y="466143"/>
+            <a:off x="10694114" y="4665515"/>
             <a:ext cx="1219200" cy="1219200"/>
           </a:xfrm>
           <a:prstGeom prst="rect">
@@ -19040,7 +18442,7 @@
         </p:blipFill>
         <p:spPr>
           <a:xfrm>
-            <a:off x="249658" y="1685343"/>
+            <a:off x="5634543" y="3176229"/>
             <a:ext cx="1219200" cy="1219200"/>
           </a:xfrm>
           <a:prstGeom prst="rect">
@@ -19071,7 +18473,7 @@
         </p:blipFill>
         <p:spPr>
           <a:xfrm>
-            <a:off x="249658" y="325857"/>
+            <a:off x="5634543" y="286715"/>
             <a:ext cx="1219200" cy="1219200"/>
           </a:xfrm>
           <a:prstGeom prst="rect">
@@ -19082,18 +18484,18 @@
     </p:spTree>
     <p:extLst>
       <p:ext uri="{BB962C8B-B14F-4D97-AF65-F5344CB8AC3E}">
-        <p14:creationId xmlns:p14="http://schemas.microsoft.com/office/powerpoint/2010/main" val="438152526"/>
+        <p14:creationId xmlns:p14="http://schemas.microsoft.com/office/powerpoint/2010/main" val="3324423259"/>
       </p:ext>
     </p:extLst>
   </p:cSld>
   <p:clrMapOvr>
     <a:masterClrMapping/>
   </p:clrMapOvr>
-  <mc:AlternateContent xmlns:mc="http://schemas.openxmlformats.org/markup-compatibility/2006">
-    <mc:Choice xmlns:p14="http://schemas.microsoft.com/office/powerpoint/2010/main" Requires="p14">
+  <mc:AlternateContent xmlns:mc="http://schemas.openxmlformats.org/markup-compatibility/2006" xmlns:p14="http://schemas.microsoft.com/office/powerpoint/2010/main">
+    <mc:Choice Requires="p14">
       <p:transition spd="slow" p14:dur="2000"/>
     </mc:Choice>
-    <mc:Fallback>
+    <mc:Fallback xmlns="">
       <p:transition spd="slow"/>
     </mc:Fallback>
   </mc:AlternateContent>
@@ -19292,7 +18694,7 @@
         </p:blipFill>
         <p:spPr>
           <a:xfrm>
-            <a:off x="297543" y="293914"/>
+            <a:off x="2066300" y="4482743"/>
             <a:ext cx="1219200" cy="1219200"/>
           </a:xfrm>
           <a:prstGeom prst="rect">
@@ -19323,7 +18725,7 @@
         </p:blipFill>
         <p:spPr>
           <a:xfrm>
-            <a:off x="297543" y="1670372"/>
+            <a:off x="3544387" y="3100200"/>
             <a:ext cx="1219200" cy="1219200"/>
           </a:xfrm>
           <a:prstGeom prst="rect">
@@ -19354,7 +18756,7 @@
         </p:blipFill>
         <p:spPr>
           <a:xfrm>
-            <a:off x="375086" y="4580546"/>
+            <a:off x="1959644" y="3077257"/>
             <a:ext cx="1219200" cy="1219200"/>
           </a:xfrm>
           <a:prstGeom prst="rect">
@@ -19385,7 +18787,7 @@
         </p:blipFill>
         <p:spPr>
           <a:xfrm>
-            <a:off x="355657" y="3046830"/>
+            <a:off x="220687" y="3077257"/>
             <a:ext cx="1219200" cy="1219200"/>
           </a:xfrm>
           <a:prstGeom prst="rect">
@@ -19416,7 +18818,7 @@
         </p:blipFill>
         <p:spPr>
           <a:xfrm>
-            <a:off x="2065943" y="219000"/>
+            <a:off x="252087" y="4629000"/>
             <a:ext cx="1219200" cy="1219200"/>
           </a:xfrm>
           <a:prstGeom prst="rect">
@@ -19447,7 +18849,7 @@
         </p:blipFill>
         <p:spPr>
           <a:xfrm>
-            <a:off x="2065943" y="3100200"/>
+            <a:off x="1959644" y="1565771"/>
             <a:ext cx="1219200" cy="1219200"/>
           </a:xfrm>
           <a:prstGeom prst="rect">
@@ -19478,7 +18880,7 @@
         </p:blipFill>
         <p:spPr>
           <a:xfrm>
-            <a:off x="1974058" y="1670372"/>
+            <a:off x="3652987" y="4539457"/>
             <a:ext cx="1219200" cy="1219200"/>
           </a:xfrm>
           <a:prstGeom prst="rect">
@@ -19509,7 +18911,7 @@
         </p:blipFill>
         <p:spPr>
           <a:xfrm>
-            <a:off x="2030971" y="4594343"/>
+            <a:off x="2066300" y="346571"/>
             <a:ext cx="1219200" cy="1219200"/>
           </a:xfrm>
           <a:prstGeom prst="rect">
@@ -19540,7 +18942,7 @@
         </p:blipFill>
         <p:spPr>
           <a:xfrm>
-            <a:off x="3834343" y="219000"/>
+            <a:off x="5317644" y="358887"/>
             <a:ext cx="1219200" cy="1219200"/>
           </a:xfrm>
           <a:prstGeom prst="rect">
@@ -19571,7 +18973,7 @@
         </p:blipFill>
         <p:spPr>
           <a:xfrm>
-            <a:off x="3939743" y="4580546"/>
+            <a:off x="3638644" y="1685343"/>
             <a:ext cx="1219200" cy="1219200"/>
           </a:xfrm>
           <a:prstGeom prst="rect">
@@ -19602,7 +19004,7 @@
         </p:blipFill>
         <p:spPr>
           <a:xfrm>
-            <a:off x="3894857" y="1708115"/>
+            <a:off x="3638644" y="368315"/>
             <a:ext cx="1219200" cy="1219200"/>
           </a:xfrm>
           <a:prstGeom prst="rect">
@@ -19633,7 +19035,7 @@
         </p:blipFill>
         <p:spPr>
           <a:xfrm>
-            <a:off x="3941886" y="3046830"/>
+            <a:off x="5317644" y="4609800"/>
             <a:ext cx="1219200" cy="1219200"/>
           </a:xfrm>
           <a:prstGeom prst="rect">
@@ -19664,7 +19066,7 @@
         </p:blipFill>
         <p:spPr>
           <a:xfrm>
-            <a:off x="5571372" y="1767343"/>
+            <a:off x="5317644" y="1823228"/>
             <a:ext cx="1219200" cy="1219200"/>
           </a:xfrm>
           <a:prstGeom prst="rect">
@@ -19695,7 +19097,7 @@
         </p:blipFill>
         <p:spPr>
           <a:xfrm>
-            <a:off x="5602743" y="293914"/>
+            <a:off x="5317644" y="3208114"/>
             <a:ext cx="1219200" cy="1219200"/>
           </a:xfrm>
           <a:prstGeom prst="rect">
@@ -19726,7 +19128,7 @@
         </p:blipFill>
         <p:spPr>
           <a:xfrm>
-            <a:off x="5571372" y="3240772"/>
+            <a:off x="7078800" y="368315"/>
             <a:ext cx="1219200" cy="1219200"/>
           </a:xfrm>
           <a:prstGeom prst="rect">
@@ -19757,7 +19159,7 @@
         </p:blipFill>
         <p:spPr>
           <a:xfrm>
-            <a:off x="7117200" y="388543"/>
+            <a:off x="7129600" y="1793142"/>
             <a:ext cx="1219200" cy="1219200"/>
           </a:xfrm>
           <a:prstGeom prst="rect">
@@ -19788,7 +19190,7 @@
         </p:blipFill>
         <p:spPr>
           <a:xfrm>
-            <a:off x="7211944" y="1819487"/>
+            <a:off x="7129600" y="3320257"/>
             <a:ext cx="1219200" cy="1219200"/>
           </a:xfrm>
           <a:prstGeom prst="rect">
@@ -19819,7 +19221,7 @@
         </p:blipFill>
         <p:spPr>
           <a:xfrm>
-            <a:off x="5624857" y="4609800"/>
+            <a:off x="7192200" y="4609800"/>
             <a:ext cx="1219200" cy="1219200"/>
           </a:xfrm>
           <a:prstGeom prst="rect">
@@ -19850,7 +19252,7 @@
         </p:blipFill>
         <p:spPr>
           <a:xfrm>
-            <a:off x="7284514" y="3295545"/>
+            <a:off x="8757800" y="466143"/>
             <a:ext cx="1219200" cy="1219200"/>
           </a:xfrm>
           <a:prstGeom prst="rect">
@@ -19881,7 +19283,7 @@
         </p:blipFill>
         <p:spPr>
           <a:xfrm>
-            <a:off x="7309971" y="4675172"/>
+            <a:off x="8736429" y="3349857"/>
             <a:ext cx="1219200" cy="1219200"/>
           </a:xfrm>
           <a:prstGeom prst="rect">
@@ -19912,7 +19314,7 @@
         </p:blipFill>
         <p:spPr>
           <a:xfrm>
-            <a:off x="8636400" y="399829"/>
+            <a:off x="8786400" y="1865429"/>
             <a:ext cx="1219200" cy="1219200"/>
           </a:xfrm>
           <a:prstGeom prst="rect">
@@ -19943,7 +19345,7 @@
         </p:blipFill>
         <p:spPr>
           <a:xfrm>
-            <a:off x="10392629" y="488915"/>
+            <a:off x="8729630" y="4750200"/>
             <a:ext cx="1219200" cy="1219200"/>
           </a:xfrm>
           <a:prstGeom prst="rect">
@@ -19974,7 +19376,7 @@
         </p:blipFill>
         <p:spPr>
           <a:xfrm>
-            <a:off x="8731257" y="1827630"/>
+            <a:off x="10436800" y="3320257"/>
             <a:ext cx="1219200" cy="1219200"/>
           </a:xfrm>
           <a:prstGeom prst="rect">
@@ -20005,7 +19407,7 @@
         </p:blipFill>
         <p:spPr>
           <a:xfrm>
-            <a:off x="8784057" y="4774428"/>
+            <a:off x="10525357" y="1988914"/>
             <a:ext cx="1219200" cy="1219200"/>
           </a:xfrm>
           <a:prstGeom prst="rect">
@@ -20036,7 +19438,7 @@
         </p:blipFill>
         <p:spPr>
           <a:xfrm>
-            <a:off x="10396399" y="3390600"/>
+            <a:off x="10436800" y="466143"/>
             <a:ext cx="1219200" cy="1219200"/>
           </a:xfrm>
           <a:prstGeom prst="rect">
@@ -20067,7 +19469,7 @@
         </p:blipFill>
         <p:spPr>
           <a:xfrm>
-            <a:off x="10349658" y="2076345"/>
+            <a:off x="249658" y="1685343"/>
             <a:ext cx="1219200" cy="1219200"/>
           </a:xfrm>
           <a:prstGeom prst="rect">
@@ -20098,7 +19500,7 @@
         </p:blipFill>
         <p:spPr>
           <a:xfrm>
-            <a:off x="8773943" y="3438915"/>
+            <a:off x="249658" y="325857"/>
             <a:ext cx="1219200" cy="1219200"/>
           </a:xfrm>
           <a:prstGeom prst="rect">
@@ -20109,18 +19511,18 @@
     </p:spTree>
     <p:extLst>
       <p:ext uri="{BB962C8B-B14F-4D97-AF65-F5344CB8AC3E}">
-        <p14:creationId xmlns:p14="http://schemas.microsoft.com/office/powerpoint/2010/main" val="214978686"/>
+        <p14:creationId xmlns:p14="http://schemas.microsoft.com/office/powerpoint/2010/main" val="438152526"/>
       </p:ext>
     </p:extLst>
   </p:cSld>
   <p:clrMapOvr>
     <a:masterClrMapping/>
   </p:clrMapOvr>
-  <mc:AlternateContent xmlns:mc="http://schemas.openxmlformats.org/markup-compatibility/2006">
-    <mc:Choice xmlns:p14="http://schemas.microsoft.com/office/powerpoint/2010/main" Requires="p14">
+  <mc:AlternateContent xmlns:mc="http://schemas.openxmlformats.org/markup-compatibility/2006" xmlns:p14="http://schemas.microsoft.com/office/powerpoint/2010/main">
+    <mc:Choice Requires="p14">
       <p:transition spd="slow" p14:dur="2000"/>
     </mc:Choice>
-    <mc:Fallback>
+    <mc:Fallback xmlns="">
       <p:transition spd="slow"/>
     </mc:Fallback>
   </mc:AlternateContent>
@@ -20167,7 +19569,7 @@
         </p:blipFill>
         <p:spPr>
           <a:xfrm>
-            <a:off x="304800" y="373743"/>
+            <a:off x="297543" y="293914"/>
             <a:ext cx="1219200" cy="1219200"/>
           </a:xfrm>
           <a:prstGeom prst="rect">
@@ -20198,7 +19600,7 @@
         </p:blipFill>
         <p:spPr>
           <a:xfrm>
-            <a:off x="304800" y="2022400"/>
+            <a:off x="297543" y="1670372"/>
             <a:ext cx="1219200" cy="1219200"/>
           </a:xfrm>
           <a:prstGeom prst="rect">
@@ -20229,7 +19631,7 @@
         </p:blipFill>
         <p:spPr>
           <a:xfrm>
-            <a:off x="304800" y="3400200"/>
+            <a:off x="375086" y="4580546"/>
             <a:ext cx="1219200" cy="1219200"/>
           </a:xfrm>
           <a:prstGeom prst="rect">
@@ -20260,7 +19662,7 @@
         </p:blipFill>
         <p:spPr>
           <a:xfrm>
-            <a:off x="304800" y="4779000"/>
+            <a:off x="355657" y="3046830"/>
             <a:ext cx="1219200" cy="1219200"/>
           </a:xfrm>
           <a:prstGeom prst="rect">
@@ -20291,7 +19693,7 @@
         </p:blipFill>
         <p:spPr>
           <a:xfrm>
-            <a:off x="1942572" y="373743"/>
+            <a:off x="2065943" y="219000"/>
             <a:ext cx="1219200" cy="1219200"/>
           </a:xfrm>
           <a:prstGeom prst="rect">
@@ -20322,7 +19724,7 @@
         </p:blipFill>
         <p:spPr>
           <a:xfrm>
-            <a:off x="2020000" y="1907514"/>
+            <a:off x="2065943" y="3100200"/>
             <a:ext cx="1219200" cy="1219200"/>
           </a:xfrm>
           <a:prstGeom prst="rect">
@@ -20353,7 +19755,7 @@
         </p:blipFill>
         <p:spPr>
           <a:xfrm>
-            <a:off x="1838629" y="3400200"/>
+            <a:off x="1974058" y="1670372"/>
             <a:ext cx="1219200" cy="1219200"/>
           </a:xfrm>
           <a:prstGeom prst="rect">
@@ -20384,7 +19786,7 @@
         </p:blipFill>
         <p:spPr>
           <a:xfrm>
-            <a:off x="1976400" y="4787771"/>
+            <a:off x="2030971" y="4594343"/>
             <a:ext cx="1219200" cy="1219200"/>
           </a:xfrm>
           <a:prstGeom prst="rect">
@@ -20415,7 +19817,7 @@
         </p:blipFill>
         <p:spPr>
           <a:xfrm>
-            <a:off x="3580515" y="2022400"/>
+            <a:off x="3834343" y="219000"/>
             <a:ext cx="1219200" cy="1219200"/>
           </a:xfrm>
           <a:prstGeom prst="rect">
@@ -20446,7 +19848,7 @@
         </p:blipFill>
         <p:spPr>
           <a:xfrm>
-            <a:off x="3580515" y="373743"/>
+            <a:off x="3939743" y="4580546"/>
             <a:ext cx="1219200" cy="1219200"/>
           </a:xfrm>
           <a:prstGeom prst="rect">
@@ -20477,7 +19879,7 @@
         </p:blipFill>
         <p:spPr>
           <a:xfrm>
-            <a:off x="3517486" y="3400200"/>
+            <a:off x="3894857" y="1708115"/>
             <a:ext cx="1219200" cy="1219200"/>
           </a:xfrm>
           <a:prstGeom prst="rect">
@@ -20508,7 +19910,7 @@
         </p:blipFill>
         <p:spPr>
           <a:xfrm>
-            <a:off x="3580515" y="4742285"/>
+            <a:off x="3941886" y="3046830"/>
             <a:ext cx="1219200" cy="1219200"/>
           </a:xfrm>
           <a:prstGeom prst="rect">
@@ -20539,7 +19941,7 @@
         </p:blipFill>
         <p:spPr>
           <a:xfrm>
-            <a:off x="5476972" y="3584256"/>
+            <a:off x="5571372" y="1767343"/>
             <a:ext cx="1219200" cy="1219200"/>
           </a:xfrm>
           <a:prstGeom prst="rect">
@@ -20570,7 +19972,7 @@
         </p:blipFill>
         <p:spPr>
           <a:xfrm>
-            <a:off x="5476972" y="458658"/>
+            <a:off x="5602743" y="293914"/>
             <a:ext cx="1219200" cy="1219200"/>
           </a:xfrm>
           <a:prstGeom prst="rect">
@@ -20601,7 +20003,7 @@
         </p:blipFill>
         <p:spPr>
           <a:xfrm>
-            <a:off x="5476972" y="2021457"/>
+            <a:off x="5571372" y="3240772"/>
             <a:ext cx="1219200" cy="1219200"/>
           </a:xfrm>
           <a:prstGeom prst="rect">
@@ -20632,7 +20034,7 @@
         </p:blipFill>
         <p:spPr>
           <a:xfrm>
-            <a:off x="5476972" y="4909800"/>
+            <a:off x="7117200" y="388543"/>
             <a:ext cx="1219200" cy="1219200"/>
           </a:xfrm>
           <a:prstGeom prst="rect">
@@ -20663,7 +20065,7 @@
         </p:blipFill>
         <p:spPr>
           <a:xfrm>
-            <a:off x="7291771" y="505572"/>
+            <a:off x="7211944" y="1819487"/>
             <a:ext cx="1219200" cy="1219200"/>
           </a:xfrm>
           <a:prstGeom prst="rect">
@@ -20694,7 +20096,7 @@
         </p:blipFill>
         <p:spPr>
           <a:xfrm>
-            <a:off x="7373429" y="2021457"/>
+            <a:off x="5624857" y="4609800"/>
             <a:ext cx="1219200" cy="1219200"/>
           </a:xfrm>
           <a:prstGeom prst="rect">
@@ -20725,7 +20127,7 @@
         </p:blipFill>
         <p:spPr>
           <a:xfrm>
-            <a:off x="7496971" y="4953456"/>
+            <a:off x="7284514" y="3295545"/>
             <a:ext cx="1219200" cy="1219200"/>
           </a:xfrm>
           <a:prstGeom prst="rect">
@@ -20756,7 +20158,7 @@
         </p:blipFill>
         <p:spPr>
           <a:xfrm>
-            <a:off x="7357257" y="3584256"/>
+            <a:off x="7309971" y="4675172"/>
             <a:ext cx="1219200" cy="1219200"/>
           </a:xfrm>
           <a:prstGeom prst="rect">
@@ -20787,7 +20189,7 @@
         </p:blipFill>
         <p:spPr>
           <a:xfrm>
-            <a:off x="9106570" y="505572"/>
+            <a:off x="8636400" y="399829"/>
             <a:ext cx="1219200" cy="1219200"/>
           </a:xfrm>
           <a:prstGeom prst="rect">
@@ -20818,7 +20220,162 @@
         </p:blipFill>
         <p:spPr>
           <a:xfrm>
-            <a:off x="9106570" y="2021457"/>
+            <a:off x="10392629" y="488915"/>
+            <a:ext cx="1219200" cy="1219200"/>
+          </a:xfrm>
+          <a:prstGeom prst="rect">
+            <a:avLst/>
+          </a:prstGeom>
+        </p:spPr>
+      </p:pic>
+      <p:pic>
+        <p:nvPicPr>
+          <p:cNvPr id="24" name="Picture 23"/>
+          <p:cNvPicPr>
+            <a:picLocks noChangeAspect="1"/>
+          </p:cNvPicPr>
+          <p:nvPr/>
+        </p:nvPicPr>
+        <p:blipFill>
+          <a:blip r:embed="rId24">
+            <a:lum bright="70000" contrast="-70000"/>
+            <a:extLst>
+              <a:ext uri="{28A0092B-C50C-407E-A947-70E740481C1C}">
+                <a14:useLocalDpi xmlns:a14="http://schemas.microsoft.com/office/drawing/2010/main" val="0"/>
+              </a:ext>
+            </a:extLst>
+          </a:blip>
+          <a:stretch>
+            <a:fillRect/>
+          </a:stretch>
+        </p:blipFill>
+        <p:spPr>
+          <a:xfrm>
+            <a:off x="8731257" y="1827630"/>
+            <a:ext cx="1219200" cy="1219200"/>
+          </a:xfrm>
+          <a:prstGeom prst="rect">
+            <a:avLst/>
+          </a:prstGeom>
+        </p:spPr>
+      </p:pic>
+      <p:pic>
+        <p:nvPicPr>
+          <p:cNvPr id="25" name="Picture 24"/>
+          <p:cNvPicPr>
+            <a:picLocks noChangeAspect="1"/>
+          </p:cNvPicPr>
+          <p:nvPr/>
+        </p:nvPicPr>
+        <p:blipFill>
+          <a:blip r:embed="rId25">
+            <a:lum bright="70000" contrast="-70000"/>
+            <a:extLst>
+              <a:ext uri="{28A0092B-C50C-407E-A947-70E740481C1C}">
+                <a14:useLocalDpi xmlns:a14="http://schemas.microsoft.com/office/drawing/2010/main" val="0"/>
+              </a:ext>
+            </a:extLst>
+          </a:blip>
+          <a:stretch>
+            <a:fillRect/>
+          </a:stretch>
+        </p:blipFill>
+        <p:spPr>
+          <a:xfrm>
+            <a:off x="8784057" y="4774428"/>
+            <a:ext cx="1219200" cy="1219200"/>
+          </a:xfrm>
+          <a:prstGeom prst="rect">
+            <a:avLst/>
+          </a:prstGeom>
+        </p:spPr>
+      </p:pic>
+      <p:pic>
+        <p:nvPicPr>
+          <p:cNvPr id="26" name="Picture 25"/>
+          <p:cNvPicPr>
+            <a:picLocks noChangeAspect="1"/>
+          </p:cNvPicPr>
+          <p:nvPr/>
+        </p:nvPicPr>
+        <p:blipFill>
+          <a:blip r:embed="rId26">
+            <a:lum bright="70000" contrast="-70000"/>
+            <a:extLst>
+              <a:ext uri="{28A0092B-C50C-407E-A947-70E740481C1C}">
+                <a14:useLocalDpi xmlns:a14="http://schemas.microsoft.com/office/drawing/2010/main" val="0"/>
+              </a:ext>
+            </a:extLst>
+          </a:blip>
+          <a:stretch>
+            <a:fillRect/>
+          </a:stretch>
+        </p:blipFill>
+        <p:spPr>
+          <a:xfrm>
+            <a:off x="10396399" y="3390600"/>
+            <a:ext cx="1219200" cy="1219200"/>
+          </a:xfrm>
+          <a:prstGeom prst="rect">
+            <a:avLst/>
+          </a:prstGeom>
+        </p:spPr>
+      </p:pic>
+      <p:pic>
+        <p:nvPicPr>
+          <p:cNvPr id="27" name="Picture 26"/>
+          <p:cNvPicPr>
+            <a:picLocks noChangeAspect="1"/>
+          </p:cNvPicPr>
+          <p:nvPr/>
+        </p:nvPicPr>
+        <p:blipFill>
+          <a:blip r:embed="rId27">
+            <a:lum bright="70000" contrast="-70000"/>
+            <a:extLst>
+              <a:ext uri="{28A0092B-C50C-407E-A947-70E740481C1C}">
+                <a14:useLocalDpi xmlns:a14="http://schemas.microsoft.com/office/drawing/2010/main" val="0"/>
+              </a:ext>
+            </a:extLst>
+          </a:blip>
+          <a:stretch>
+            <a:fillRect/>
+          </a:stretch>
+        </p:blipFill>
+        <p:spPr>
+          <a:xfrm>
+            <a:off x="10349658" y="2076345"/>
+            <a:ext cx="1219200" cy="1219200"/>
+          </a:xfrm>
+          <a:prstGeom prst="rect">
+            <a:avLst/>
+          </a:prstGeom>
+        </p:spPr>
+      </p:pic>
+      <p:pic>
+        <p:nvPicPr>
+          <p:cNvPr id="28" name="Picture 27"/>
+          <p:cNvPicPr>
+            <a:picLocks noChangeAspect="1"/>
+          </p:cNvPicPr>
+          <p:nvPr/>
+        </p:nvPicPr>
+        <p:blipFill>
+          <a:blip r:embed="rId28">
+            <a:lum bright="70000" contrast="-70000"/>
+            <a:extLst>
+              <a:ext uri="{28A0092B-C50C-407E-A947-70E740481C1C}">
+                <a14:useLocalDpi xmlns:a14="http://schemas.microsoft.com/office/drawing/2010/main" val="0"/>
+              </a:ext>
+            </a:extLst>
+          </a:blip>
+          <a:stretch>
+            <a:fillRect/>
+          </a:stretch>
+        </p:blipFill>
+        <p:spPr>
+          <a:xfrm>
+            <a:off x="8773943" y="3438915"/>
             <a:ext cx="1219200" cy="1219200"/>
           </a:xfrm>
           <a:prstGeom prst="rect">
@@ -20829,18 +20386,18 @@
     </p:spTree>
     <p:extLst>
       <p:ext uri="{BB962C8B-B14F-4D97-AF65-F5344CB8AC3E}">
-        <p14:creationId xmlns:p14="http://schemas.microsoft.com/office/powerpoint/2010/main" val="3555470181"/>
+        <p14:creationId xmlns:p14="http://schemas.microsoft.com/office/powerpoint/2010/main" val="214978686"/>
       </p:ext>
     </p:extLst>
   </p:cSld>
   <p:clrMapOvr>
     <a:masterClrMapping/>
   </p:clrMapOvr>
-  <mc:AlternateContent xmlns:mc="http://schemas.openxmlformats.org/markup-compatibility/2006">
-    <mc:Choice xmlns:p14="http://schemas.microsoft.com/office/powerpoint/2010/main" Requires="p14">
+  <mc:AlternateContent xmlns:mc="http://schemas.openxmlformats.org/markup-compatibility/2006" xmlns:p14="http://schemas.microsoft.com/office/powerpoint/2010/main">
+    <mc:Choice Requires="p14">
       <p:transition spd="slow" p14:dur="2000"/>
     </mc:Choice>
-    <mc:Fallback>
+    <mc:Fallback xmlns="">
       <p:transition spd="slow"/>
     </mc:Fallback>
   </mc:AlternateContent>
@@ -20887,6 +20444,726 @@
         </p:blipFill>
         <p:spPr>
           <a:xfrm>
+            <a:off x="304800" y="373743"/>
+            <a:ext cx="1219200" cy="1219200"/>
+          </a:xfrm>
+          <a:prstGeom prst="rect">
+            <a:avLst/>
+          </a:prstGeom>
+        </p:spPr>
+      </p:pic>
+      <p:pic>
+        <p:nvPicPr>
+          <p:cNvPr id="3" name="Picture 2"/>
+          <p:cNvPicPr>
+            <a:picLocks noChangeAspect="1"/>
+          </p:cNvPicPr>
+          <p:nvPr/>
+        </p:nvPicPr>
+        <p:blipFill>
+          <a:blip r:embed="rId3">
+            <a:lum bright="70000" contrast="-70000"/>
+            <a:extLst>
+              <a:ext uri="{28A0092B-C50C-407E-A947-70E740481C1C}">
+                <a14:useLocalDpi xmlns:a14="http://schemas.microsoft.com/office/drawing/2010/main" val="0"/>
+              </a:ext>
+            </a:extLst>
+          </a:blip>
+          <a:stretch>
+            <a:fillRect/>
+          </a:stretch>
+        </p:blipFill>
+        <p:spPr>
+          <a:xfrm>
+            <a:off x="304800" y="2022400"/>
+            <a:ext cx="1219200" cy="1219200"/>
+          </a:xfrm>
+          <a:prstGeom prst="rect">
+            <a:avLst/>
+          </a:prstGeom>
+        </p:spPr>
+      </p:pic>
+      <p:pic>
+        <p:nvPicPr>
+          <p:cNvPr id="4" name="Picture 3"/>
+          <p:cNvPicPr>
+            <a:picLocks noChangeAspect="1"/>
+          </p:cNvPicPr>
+          <p:nvPr/>
+        </p:nvPicPr>
+        <p:blipFill>
+          <a:blip r:embed="rId4">
+            <a:lum bright="70000" contrast="-70000"/>
+            <a:extLst>
+              <a:ext uri="{28A0092B-C50C-407E-A947-70E740481C1C}">
+                <a14:useLocalDpi xmlns:a14="http://schemas.microsoft.com/office/drawing/2010/main" val="0"/>
+              </a:ext>
+            </a:extLst>
+          </a:blip>
+          <a:stretch>
+            <a:fillRect/>
+          </a:stretch>
+        </p:blipFill>
+        <p:spPr>
+          <a:xfrm>
+            <a:off x="304800" y="3400200"/>
+            <a:ext cx="1219200" cy="1219200"/>
+          </a:xfrm>
+          <a:prstGeom prst="rect">
+            <a:avLst/>
+          </a:prstGeom>
+        </p:spPr>
+      </p:pic>
+      <p:pic>
+        <p:nvPicPr>
+          <p:cNvPr id="5" name="Picture 4"/>
+          <p:cNvPicPr>
+            <a:picLocks noChangeAspect="1"/>
+          </p:cNvPicPr>
+          <p:nvPr/>
+        </p:nvPicPr>
+        <p:blipFill>
+          <a:blip r:embed="rId5">
+            <a:lum bright="70000" contrast="-70000"/>
+            <a:extLst>
+              <a:ext uri="{28A0092B-C50C-407E-A947-70E740481C1C}">
+                <a14:useLocalDpi xmlns:a14="http://schemas.microsoft.com/office/drawing/2010/main" val="0"/>
+              </a:ext>
+            </a:extLst>
+          </a:blip>
+          <a:stretch>
+            <a:fillRect/>
+          </a:stretch>
+        </p:blipFill>
+        <p:spPr>
+          <a:xfrm>
+            <a:off x="304800" y="4779000"/>
+            <a:ext cx="1219200" cy="1219200"/>
+          </a:xfrm>
+          <a:prstGeom prst="rect">
+            <a:avLst/>
+          </a:prstGeom>
+        </p:spPr>
+      </p:pic>
+      <p:pic>
+        <p:nvPicPr>
+          <p:cNvPr id="6" name="Picture 5"/>
+          <p:cNvPicPr>
+            <a:picLocks noChangeAspect="1"/>
+          </p:cNvPicPr>
+          <p:nvPr/>
+        </p:nvPicPr>
+        <p:blipFill>
+          <a:blip r:embed="rId6">
+            <a:lum bright="70000" contrast="-70000"/>
+            <a:extLst>
+              <a:ext uri="{28A0092B-C50C-407E-A947-70E740481C1C}">
+                <a14:useLocalDpi xmlns:a14="http://schemas.microsoft.com/office/drawing/2010/main" val="0"/>
+              </a:ext>
+            </a:extLst>
+          </a:blip>
+          <a:stretch>
+            <a:fillRect/>
+          </a:stretch>
+        </p:blipFill>
+        <p:spPr>
+          <a:xfrm>
+            <a:off x="1942572" y="373743"/>
+            <a:ext cx="1219200" cy="1219200"/>
+          </a:xfrm>
+          <a:prstGeom prst="rect">
+            <a:avLst/>
+          </a:prstGeom>
+        </p:spPr>
+      </p:pic>
+      <p:pic>
+        <p:nvPicPr>
+          <p:cNvPr id="7" name="Picture 6"/>
+          <p:cNvPicPr>
+            <a:picLocks noChangeAspect="1"/>
+          </p:cNvPicPr>
+          <p:nvPr/>
+        </p:nvPicPr>
+        <p:blipFill>
+          <a:blip r:embed="rId7">
+            <a:lum bright="70000" contrast="-70000"/>
+            <a:extLst>
+              <a:ext uri="{28A0092B-C50C-407E-A947-70E740481C1C}">
+                <a14:useLocalDpi xmlns:a14="http://schemas.microsoft.com/office/drawing/2010/main" val="0"/>
+              </a:ext>
+            </a:extLst>
+          </a:blip>
+          <a:stretch>
+            <a:fillRect/>
+          </a:stretch>
+        </p:blipFill>
+        <p:spPr>
+          <a:xfrm>
+            <a:off x="2020000" y="1907514"/>
+            <a:ext cx="1219200" cy="1219200"/>
+          </a:xfrm>
+          <a:prstGeom prst="rect">
+            <a:avLst/>
+          </a:prstGeom>
+        </p:spPr>
+      </p:pic>
+      <p:pic>
+        <p:nvPicPr>
+          <p:cNvPr id="8" name="Picture 7"/>
+          <p:cNvPicPr>
+            <a:picLocks noChangeAspect="1"/>
+          </p:cNvPicPr>
+          <p:nvPr/>
+        </p:nvPicPr>
+        <p:blipFill>
+          <a:blip r:embed="rId8">
+            <a:lum bright="70000" contrast="-70000"/>
+            <a:extLst>
+              <a:ext uri="{28A0092B-C50C-407E-A947-70E740481C1C}">
+                <a14:useLocalDpi xmlns:a14="http://schemas.microsoft.com/office/drawing/2010/main" val="0"/>
+              </a:ext>
+            </a:extLst>
+          </a:blip>
+          <a:stretch>
+            <a:fillRect/>
+          </a:stretch>
+        </p:blipFill>
+        <p:spPr>
+          <a:xfrm>
+            <a:off x="1838629" y="3400200"/>
+            <a:ext cx="1219200" cy="1219200"/>
+          </a:xfrm>
+          <a:prstGeom prst="rect">
+            <a:avLst/>
+          </a:prstGeom>
+        </p:spPr>
+      </p:pic>
+      <p:pic>
+        <p:nvPicPr>
+          <p:cNvPr id="9" name="Picture 8"/>
+          <p:cNvPicPr>
+            <a:picLocks noChangeAspect="1"/>
+          </p:cNvPicPr>
+          <p:nvPr/>
+        </p:nvPicPr>
+        <p:blipFill>
+          <a:blip r:embed="rId9">
+            <a:lum bright="70000" contrast="-70000"/>
+            <a:extLst>
+              <a:ext uri="{28A0092B-C50C-407E-A947-70E740481C1C}">
+                <a14:useLocalDpi xmlns:a14="http://schemas.microsoft.com/office/drawing/2010/main" val="0"/>
+              </a:ext>
+            </a:extLst>
+          </a:blip>
+          <a:stretch>
+            <a:fillRect/>
+          </a:stretch>
+        </p:blipFill>
+        <p:spPr>
+          <a:xfrm>
+            <a:off x="1976400" y="4787771"/>
+            <a:ext cx="1219200" cy="1219200"/>
+          </a:xfrm>
+          <a:prstGeom prst="rect">
+            <a:avLst/>
+          </a:prstGeom>
+        </p:spPr>
+      </p:pic>
+      <p:pic>
+        <p:nvPicPr>
+          <p:cNvPr id="10" name="Picture 9"/>
+          <p:cNvPicPr>
+            <a:picLocks noChangeAspect="1"/>
+          </p:cNvPicPr>
+          <p:nvPr/>
+        </p:nvPicPr>
+        <p:blipFill>
+          <a:blip r:embed="rId10">
+            <a:lum bright="70000" contrast="-70000"/>
+            <a:extLst>
+              <a:ext uri="{28A0092B-C50C-407E-A947-70E740481C1C}">
+                <a14:useLocalDpi xmlns:a14="http://schemas.microsoft.com/office/drawing/2010/main" val="0"/>
+              </a:ext>
+            </a:extLst>
+          </a:blip>
+          <a:stretch>
+            <a:fillRect/>
+          </a:stretch>
+        </p:blipFill>
+        <p:spPr>
+          <a:xfrm>
+            <a:off x="3580515" y="2022400"/>
+            <a:ext cx="1219200" cy="1219200"/>
+          </a:xfrm>
+          <a:prstGeom prst="rect">
+            <a:avLst/>
+          </a:prstGeom>
+        </p:spPr>
+      </p:pic>
+      <p:pic>
+        <p:nvPicPr>
+          <p:cNvPr id="11" name="Picture 10"/>
+          <p:cNvPicPr>
+            <a:picLocks noChangeAspect="1"/>
+          </p:cNvPicPr>
+          <p:nvPr/>
+        </p:nvPicPr>
+        <p:blipFill>
+          <a:blip r:embed="rId11">
+            <a:lum bright="70000" contrast="-70000"/>
+            <a:extLst>
+              <a:ext uri="{28A0092B-C50C-407E-A947-70E740481C1C}">
+                <a14:useLocalDpi xmlns:a14="http://schemas.microsoft.com/office/drawing/2010/main" val="0"/>
+              </a:ext>
+            </a:extLst>
+          </a:blip>
+          <a:stretch>
+            <a:fillRect/>
+          </a:stretch>
+        </p:blipFill>
+        <p:spPr>
+          <a:xfrm>
+            <a:off x="3580515" y="373743"/>
+            <a:ext cx="1219200" cy="1219200"/>
+          </a:xfrm>
+          <a:prstGeom prst="rect">
+            <a:avLst/>
+          </a:prstGeom>
+        </p:spPr>
+      </p:pic>
+      <p:pic>
+        <p:nvPicPr>
+          <p:cNvPr id="12" name="Picture 11"/>
+          <p:cNvPicPr>
+            <a:picLocks noChangeAspect="1"/>
+          </p:cNvPicPr>
+          <p:nvPr/>
+        </p:nvPicPr>
+        <p:blipFill>
+          <a:blip r:embed="rId12">
+            <a:lum bright="70000" contrast="-70000"/>
+            <a:extLst>
+              <a:ext uri="{28A0092B-C50C-407E-A947-70E740481C1C}">
+                <a14:useLocalDpi xmlns:a14="http://schemas.microsoft.com/office/drawing/2010/main" val="0"/>
+              </a:ext>
+            </a:extLst>
+          </a:blip>
+          <a:stretch>
+            <a:fillRect/>
+          </a:stretch>
+        </p:blipFill>
+        <p:spPr>
+          <a:xfrm>
+            <a:off x="3517486" y="3400200"/>
+            <a:ext cx="1219200" cy="1219200"/>
+          </a:xfrm>
+          <a:prstGeom prst="rect">
+            <a:avLst/>
+          </a:prstGeom>
+        </p:spPr>
+      </p:pic>
+      <p:pic>
+        <p:nvPicPr>
+          <p:cNvPr id="13" name="Picture 12"/>
+          <p:cNvPicPr>
+            <a:picLocks noChangeAspect="1"/>
+          </p:cNvPicPr>
+          <p:nvPr/>
+        </p:nvPicPr>
+        <p:blipFill>
+          <a:blip r:embed="rId13">
+            <a:lum bright="70000" contrast="-70000"/>
+            <a:extLst>
+              <a:ext uri="{28A0092B-C50C-407E-A947-70E740481C1C}">
+                <a14:useLocalDpi xmlns:a14="http://schemas.microsoft.com/office/drawing/2010/main" val="0"/>
+              </a:ext>
+            </a:extLst>
+          </a:blip>
+          <a:stretch>
+            <a:fillRect/>
+          </a:stretch>
+        </p:blipFill>
+        <p:spPr>
+          <a:xfrm>
+            <a:off x="3580515" y="4742285"/>
+            <a:ext cx="1219200" cy="1219200"/>
+          </a:xfrm>
+          <a:prstGeom prst="rect">
+            <a:avLst/>
+          </a:prstGeom>
+        </p:spPr>
+      </p:pic>
+      <p:pic>
+        <p:nvPicPr>
+          <p:cNvPr id="14" name="Picture 13"/>
+          <p:cNvPicPr>
+            <a:picLocks noChangeAspect="1"/>
+          </p:cNvPicPr>
+          <p:nvPr/>
+        </p:nvPicPr>
+        <p:blipFill>
+          <a:blip r:embed="rId14">
+            <a:lum bright="70000" contrast="-70000"/>
+            <a:extLst>
+              <a:ext uri="{28A0092B-C50C-407E-A947-70E740481C1C}">
+                <a14:useLocalDpi xmlns:a14="http://schemas.microsoft.com/office/drawing/2010/main" val="0"/>
+              </a:ext>
+            </a:extLst>
+          </a:blip>
+          <a:stretch>
+            <a:fillRect/>
+          </a:stretch>
+        </p:blipFill>
+        <p:spPr>
+          <a:xfrm>
+            <a:off x="5476972" y="3584256"/>
+            <a:ext cx="1219200" cy="1219200"/>
+          </a:xfrm>
+          <a:prstGeom prst="rect">
+            <a:avLst/>
+          </a:prstGeom>
+        </p:spPr>
+      </p:pic>
+      <p:pic>
+        <p:nvPicPr>
+          <p:cNvPr id="15" name="Picture 14"/>
+          <p:cNvPicPr>
+            <a:picLocks noChangeAspect="1"/>
+          </p:cNvPicPr>
+          <p:nvPr/>
+        </p:nvPicPr>
+        <p:blipFill>
+          <a:blip r:embed="rId15">
+            <a:lum bright="70000" contrast="-70000"/>
+            <a:extLst>
+              <a:ext uri="{28A0092B-C50C-407E-A947-70E740481C1C}">
+                <a14:useLocalDpi xmlns:a14="http://schemas.microsoft.com/office/drawing/2010/main" val="0"/>
+              </a:ext>
+            </a:extLst>
+          </a:blip>
+          <a:stretch>
+            <a:fillRect/>
+          </a:stretch>
+        </p:blipFill>
+        <p:spPr>
+          <a:xfrm>
+            <a:off x="5476972" y="458658"/>
+            <a:ext cx="1219200" cy="1219200"/>
+          </a:xfrm>
+          <a:prstGeom prst="rect">
+            <a:avLst/>
+          </a:prstGeom>
+        </p:spPr>
+      </p:pic>
+      <p:pic>
+        <p:nvPicPr>
+          <p:cNvPr id="16" name="Picture 15"/>
+          <p:cNvPicPr>
+            <a:picLocks noChangeAspect="1"/>
+          </p:cNvPicPr>
+          <p:nvPr/>
+        </p:nvPicPr>
+        <p:blipFill>
+          <a:blip r:embed="rId16">
+            <a:lum bright="70000" contrast="-70000"/>
+            <a:extLst>
+              <a:ext uri="{28A0092B-C50C-407E-A947-70E740481C1C}">
+                <a14:useLocalDpi xmlns:a14="http://schemas.microsoft.com/office/drawing/2010/main" val="0"/>
+              </a:ext>
+            </a:extLst>
+          </a:blip>
+          <a:stretch>
+            <a:fillRect/>
+          </a:stretch>
+        </p:blipFill>
+        <p:spPr>
+          <a:xfrm>
+            <a:off x="5476972" y="2021457"/>
+            <a:ext cx="1219200" cy="1219200"/>
+          </a:xfrm>
+          <a:prstGeom prst="rect">
+            <a:avLst/>
+          </a:prstGeom>
+        </p:spPr>
+      </p:pic>
+      <p:pic>
+        <p:nvPicPr>
+          <p:cNvPr id="17" name="Picture 16"/>
+          <p:cNvPicPr>
+            <a:picLocks noChangeAspect="1"/>
+          </p:cNvPicPr>
+          <p:nvPr/>
+        </p:nvPicPr>
+        <p:blipFill>
+          <a:blip r:embed="rId17">
+            <a:lum bright="70000" contrast="-70000"/>
+            <a:extLst>
+              <a:ext uri="{28A0092B-C50C-407E-A947-70E740481C1C}">
+                <a14:useLocalDpi xmlns:a14="http://schemas.microsoft.com/office/drawing/2010/main" val="0"/>
+              </a:ext>
+            </a:extLst>
+          </a:blip>
+          <a:stretch>
+            <a:fillRect/>
+          </a:stretch>
+        </p:blipFill>
+        <p:spPr>
+          <a:xfrm>
+            <a:off x="5476972" y="4909800"/>
+            <a:ext cx="1219200" cy="1219200"/>
+          </a:xfrm>
+          <a:prstGeom prst="rect">
+            <a:avLst/>
+          </a:prstGeom>
+        </p:spPr>
+      </p:pic>
+      <p:pic>
+        <p:nvPicPr>
+          <p:cNvPr id="18" name="Picture 17"/>
+          <p:cNvPicPr>
+            <a:picLocks noChangeAspect="1"/>
+          </p:cNvPicPr>
+          <p:nvPr/>
+        </p:nvPicPr>
+        <p:blipFill>
+          <a:blip r:embed="rId18">
+            <a:lum bright="70000" contrast="-70000"/>
+            <a:extLst>
+              <a:ext uri="{28A0092B-C50C-407E-A947-70E740481C1C}">
+                <a14:useLocalDpi xmlns:a14="http://schemas.microsoft.com/office/drawing/2010/main" val="0"/>
+              </a:ext>
+            </a:extLst>
+          </a:blip>
+          <a:stretch>
+            <a:fillRect/>
+          </a:stretch>
+        </p:blipFill>
+        <p:spPr>
+          <a:xfrm>
+            <a:off x="7291771" y="505572"/>
+            <a:ext cx="1219200" cy="1219200"/>
+          </a:xfrm>
+          <a:prstGeom prst="rect">
+            <a:avLst/>
+          </a:prstGeom>
+        </p:spPr>
+      </p:pic>
+      <p:pic>
+        <p:nvPicPr>
+          <p:cNvPr id="19" name="Picture 18"/>
+          <p:cNvPicPr>
+            <a:picLocks noChangeAspect="1"/>
+          </p:cNvPicPr>
+          <p:nvPr/>
+        </p:nvPicPr>
+        <p:blipFill>
+          <a:blip r:embed="rId19">
+            <a:lum bright="70000" contrast="-70000"/>
+            <a:extLst>
+              <a:ext uri="{28A0092B-C50C-407E-A947-70E740481C1C}">
+                <a14:useLocalDpi xmlns:a14="http://schemas.microsoft.com/office/drawing/2010/main" val="0"/>
+              </a:ext>
+            </a:extLst>
+          </a:blip>
+          <a:stretch>
+            <a:fillRect/>
+          </a:stretch>
+        </p:blipFill>
+        <p:spPr>
+          <a:xfrm>
+            <a:off x="7373429" y="2021457"/>
+            <a:ext cx="1219200" cy="1219200"/>
+          </a:xfrm>
+          <a:prstGeom prst="rect">
+            <a:avLst/>
+          </a:prstGeom>
+        </p:spPr>
+      </p:pic>
+      <p:pic>
+        <p:nvPicPr>
+          <p:cNvPr id="20" name="Picture 19"/>
+          <p:cNvPicPr>
+            <a:picLocks noChangeAspect="1"/>
+          </p:cNvPicPr>
+          <p:nvPr/>
+        </p:nvPicPr>
+        <p:blipFill>
+          <a:blip r:embed="rId20">
+            <a:lum bright="70000" contrast="-70000"/>
+            <a:extLst>
+              <a:ext uri="{28A0092B-C50C-407E-A947-70E740481C1C}">
+                <a14:useLocalDpi xmlns:a14="http://schemas.microsoft.com/office/drawing/2010/main" val="0"/>
+              </a:ext>
+            </a:extLst>
+          </a:blip>
+          <a:stretch>
+            <a:fillRect/>
+          </a:stretch>
+        </p:blipFill>
+        <p:spPr>
+          <a:xfrm>
+            <a:off x="7496971" y="4953456"/>
+            <a:ext cx="1219200" cy="1219200"/>
+          </a:xfrm>
+          <a:prstGeom prst="rect">
+            <a:avLst/>
+          </a:prstGeom>
+        </p:spPr>
+      </p:pic>
+      <p:pic>
+        <p:nvPicPr>
+          <p:cNvPr id="21" name="Picture 20"/>
+          <p:cNvPicPr>
+            <a:picLocks noChangeAspect="1"/>
+          </p:cNvPicPr>
+          <p:nvPr/>
+        </p:nvPicPr>
+        <p:blipFill>
+          <a:blip r:embed="rId21">
+            <a:lum bright="70000" contrast="-70000"/>
+            <a:extLst>
+              <a:ext uri="{28A0092B-C50C-407E-A947-70E740481C1C}">
+                <a14:useLocalDpi xmlns:a14="http://schemas.microsoft.com/office/drawing/2010/main" val="0"/>
+              </a:ext>
+            </a:extLst>
+          </a:blip>
+          <a:stretch>
+            <a:fillRect/>
+          </a:stretch>
+        </p:blipFill>
+        <p:spPr>
+          <a:xfrm>
+            <a:off x="7357257" y="3584256"/>
+            <a:ext cx="1219200" cy="1219200"/>
+          </a:xfrm>
+          <a:prstGeom prst="rect">
+            <a:avLst/>
+          </a:prstGeom>
+        </p:spPr>
+      </p:pic>
+      <p:pic>
+        <p:nvPicPr>
+          <p:cNvPr id="22" name="Picture 21"/>
+          <p:cNvPicPr>
+            <a:picLocks noChangeAspect="1"/>
+          </p:cNvPicPr>
+          <p:nvPr/>
+        </p:nvPicPr>
+        <p:blipFill>
+          <a:blip r:embed="rId22">
+            <a:lum bright="70000" contrast="-70000"/>
+            <a:extLst>
+              <a:ext uri="{28A0092B-C50C-407E-A947-70E740481C1C}">
+                <a14:useLocalDpi xmlns:a14="http://schemas.microsoft.com/office/drawing/2010/main" val="0"/>
+              </a:ext>
+            </a:extLst>
+          </a:blip>
+          <a:stretch>
+            <a:fillRect/>
+          </a:stretch>
+        </p:blipFill>
+        <p:spPr>
+          <a:xfrm>
+            <a:off x="9106570" y="505572"/>
+            <a:ext cx="1219200" cy="1219200"/>
+          </a:xfrm>
+          <a:prstGeom prst="rect">
+            <a:avLst/>
+          </a:prstGeom>
+        </p:spPr>
+      </p:pic>
+      <p:pic>
+        <p:nvPicPr>
+          <p:cNvPr id="23" name="Picture 22"/>
+          <p:cNvPicPr>
+            <a:picLocks noChangeAspect="1"/>
+          </p:cNvPicPr>
+          <p:nvPr/>
+        </p:nvPicPr>
+        <p:blipFill>
+          <a:blip r:embed="rId23">
+            <a:lum bright="70000" contrast="-70000"/>
+            <a:extLst>
+              <a:ext uri="{28A0092B-C50C-407E-A947-70E740481C1C}">
+                <a14:useLocalDpi xmlns:a14="http://schemas.microsoft.com/office/drawing/2010/main" val="0"/>
+              </a:ext>
+            </a:extLst>
+          </a:blip>
+          <a:stretch>
+            <a:fillRect/>
+          </a:stretch>
+        </p:blipFill>
+        <p:spPr>
+          <a:xfrm>
+            <a:off x="9106570" y="2021457"/>
+            <a:ext cx="1219200" cy="1219200"/>
+          </a:xfrm>
+          <a:prstGeom prst="rect">
+            <a:avLst/>
+          </a:prstGeom>
+        </p:spPr>
+      </p:pic>
+    </p:spTree>
+    <p:extLst>
+      <p:ext uri="{BB962C8B-B14F-4D97-AF65-F5344CB8AC3E}">
+        <p14:creationId xmlns:p14="http://schemas.microsoft.com/office/powerpoint/2010/main" val="3555470181"/>
+      </p:ext>
+    </p:extLst>
+  </p:cSld>
+  <p:clrMapOvr>
+    <a:masterClrMapping/>
+  </p:clrMapOvr>
+  <mc:AlternateContent xmlns:mc="http://schemas.openxmlformats.org/markup-compatibility/2006" xmlns:p14="http://schemas.microsoft.com/office/powerpoint/2010/main">
+    <mc:Choice Requires="p14">
+      <p:transition spd="slow" p14:dur="2000"/>
+    </mc:Choice>
+    <mc:Fallback xmlns="">
+      <p:transition spd="slow"/>
+    </mc:Fallback>
+  </mc:AlternateContent>
+</p:sld>
+</file>
+
+<file path=ppt/slides/slide53.xml><?xml version="1.0" encoding="utf-8"?>
+<p:sld xmlns:a="http://schemas.openxmlformats.org/drawingml/2006/main" xmlns:r="http://schemas.openxmlformats.org/officeDocument/2006/relationships" xmlns:p="http://schemas.openxmlformats.org/presentationml/2006/main" show="0">
+  <p:cSld>
+    <p:spTree>
+      <p:nvGrpSpPr>
+        <p:cNvPr id="1" name=""/>
+        <p:cNvGrpSpPr/>
+        <p:nvPr/>
+      </p:nvGrpSpPr>
+      <p:grpSpPr>
+        <a:xfrm>
+          <a:off x="0" y="0"/>
+          <a:ext cx="0" cy="0"/>
+          <a:chOff x="0" y="0"/>
+          <a:chExt cx="0" cy="0"/>
+        </a:xfrm>
+      </p:grpSpPr>
+      <p:pic>
+        <p:nvPicPr>
+          <p:cNvPr id="2" name="Picture 1"/>
+          <p:cNvPicPr>
+            <a:picLocks noChangeAspect="1"/>
+          </p:cNvPicPr>
+          <p:nvPr/>
+        </p:nvPicPr>
+        <p:blipFill>
+          <a:blip r:embed="rId2">
+            <a:lum bright="70000" contrast="-70000"/>
+            <a:extLst>
+              <a:ext uri="{28A0092B-C50C-407E-A947-70E740481C1C}">
+                <a14:useLocalDpi xmlns:a14="http://schemas.microsoft.com/office/drawing/2010/main" val="0"/>
+              </a:ext>
+            </a:extLst>
+          </a:blip>
+          <a:stretch>
+            <a:fillRect/>
+          </a:stretch>
+        </p:blipFill>
+        <p:spPr>
+          <a:xfrm>
             <a:off x="4100286" y="3807714"/>
             <a:ext cx="1219200" cy="1219200"/>
           </a:xfrm>
@@ -21375,11 +21652,11 @@
   <p:clrMapOvr>
     <a:masterClrMapping/>
   </p:clrMapOvr>
-  <mc:AlternateContent xmlns:mc="http://schemas.openxmlformats.org/markup-compatibility/2006">
-    <mc:Choice xmlns:p14="http://schemas.microsoft.com/office/powerpoint/2010/main" Requires="p14">
+  <mc:AlternateContent xmlns:mc="http://schemas.openxmlformats.org/markup-compatibility/2006" xmlns:p14="http://schemas.microsoft.com/office/powerpoint/2010/main">
+    <mc:Choice Requires="p14">
       <p:transition spd="slow" p14:dur="2000"/>
     </mc:Choice>
-    <mc:Fallback>
+    <mc:Fallback xmlns="">
       <p:transition spd="slow"/>
     </mc:Fallback>
   </mc:AlternateContent>
@@ -21581,7 +21858,15 @@
           <a:p>
             <a:r>
               <a:rPr lang="en-US" dirty="0" smtClean="0"/>
-              <a:t>Data is retained free for 7 days.  </a:t>
+              <a:t>Data </a:t>
+            </a:r>
+            <a:r>
+              <a:rPr lang="en-US" dirty="0" smtClean="0"/>
+              <a:t>snapshots are </a:t>
+            </a:r>
+            <a:r>
+              <a:rPr lang="en-US" dirty="0" smtClean="0"/>
+              <a:t>retained free for 7 days.  </a:t>
             </a:r>
             <a:endParaRPr lang="en-US" dirty="0"/>
           </a:p>

--- a/MMS 2017 - Windows Upgrade Readiness.pptx
+++ b/MMS 2017 - Windows Upgrade Readiness.pptx
@@ -5,7 +5,7 @@
     <p:sldMasterId id="2147483648" r:id="rId1"/>
   </p:sldMasterIdLst>
   <p:notesMasterIdLst>
-    <p:notesMasterId r:id="rId55"/>
+    <p:notesMasterId r:id="rId56"/>
   </p:notesMasterIdLst>
   <p:sldIdLst>
     <p:sldId id="256" r:id="rId2"/>
@@ -27,40 +27,41 @@
     <p:sldId id="290" r:id="rId18"/>
     <p:sldId id="283" r:id="rId19"/>
     <p:sldId id="305" r:id="rId20"/>
-    <p:sldId id="307" r:id="rId21"/>
-    <p:sldId id="308" r:id="rId22"/>
-    <p:sldId id="309" r:id="rId23"/>
-    <p:sldId id="310" r:id="rId24"/>
-    <p:sldId id="289" r:id="rId25"/>
-    <p:sldId id="311" r:id="rId26"/>
-    <p:sldId id="296" r:id="rId27"/>
-    <p:sldId id="287" r:id="rId28"/>
-    <p:sldId id="294" r:id="rId29"/>
-    <p:sldId id="302" r:id="rId30"/>
-    <p:sldId id="312" r:id="rId31"/>
-    <p:sldId id="286" r:id="rId32"/>
-    <p:sldId id="295" r:id="rId33"/>
-    <p:sldId id="301" r:id="rId34"/>
-    <p:sldId id="313" r:id="rId35"/>
-    <p:sldId id="259" r:id="rId36"/>
-    <p:sldId id="279" r:id="rId37"/>
-    <p:sldId id="260" r:id="rId38"/>
-    <p:sldId id="278" r:id="rId39"/>
-    <p:sldId id="262" r:id="rId40"/>
-    <p:sldId id="263" r:id="rId41"/>
-    <p:sldId id="264" r:id="rId42"/>
-    <p:sldId id="265" r:id="rId43"/>
-    <p:sldId id="266" r:id="rId44"/>
-    <p:sldId id="267" r:id="rId45"/>
-    <p:sldId id="268" r:id="rId46"/>
-    <p:sldId id="269" r:id="rId47"/>
-    <p:sldId id="270" r:id="rId48"/>
-    <p:sldId id="271" r:id="rId49"/>
-    <p:sldId id="272" r:id="rId50"/>
-    <p:sldId id="273" r:id="rId51"/>
-    <p:sldId id="274" r:id="rId52"/>
-    <p:sldId id="275" r:id="rId53"/>
-    <p:sldId id="276" r:id="rId54"/>
+    <p:sldId id="314" r:id="rId21"/>
+    <p:sldId id="307" r:id="rId22"/>
+    <p:sldId id="308" r:id="rId23"/>
+    <p:sldId id="309" r:id="rId24"/>
+    <p:sldId id="310" r:id="rId25"/>
+    <p:sldId id="289" r:id="rId26"/>
+    <p:sldId id="311" r:id="rId27"/>
+    <p:sldId id="296" r:id="rId28"/>
+    <p:sldId id="287" r:id="rId29"/>
+    <p:sldId id="294" r:id="rId30"/>
+    <p:sldId id="302" r:id="rId31"/>
+    <p:sldId id="312" r:id="rId32"/>
+    <p:sldId id="286" r:id="rId33"/>
+    <p:sldId id="295" r:id="rId34"/>
+    <p:sldId id="301" r:id="rId35"/>
+    <p:sldId id="313" r:id="rId36"/>
+    <p:sldId id="259" r:id="rId37"/>
+    <p:sldId id="279" r:id="rId38"/>
+    <p:sldId id="260" r:id="rId39"/>
+    <p:sldId id="278" r:id="rId40"/>
+    <p:sldId id="262" r:id="rId41"/>
+    <p:sldId id="263" r:id="rId42"/>
+    <p:sldId id="264" r:id="rId43"/>
+    <p:sldId id="265" r:id="rId44"/>
+    <p:sldId id="266" r:id="rId45"/>
+    <p:sldId id="267" r:id="rId46"/>
+    <p:sldId id="268" r:id="rId47"/>
+    <p:sldId id="269" r:id="rId48"/>
+    <p:sldId id="270" r:id="rId49"/>
+    <p:sldId id="271" r:id="rId50"/>
+    <p:sldId id="272" r:id="rId51"/>
+    <p:sldId id="273" r:id="rId52"/>
+    <p:sldId id="274" r:id="rId53"/>
+    <p:sldId id="275" r:id="rId54"/>
+    <p:sldId id="276" r:id="rId55"/>
   </p:sldIdLst>
   <p:sldSz cx="12192000" cy="6858000"/>
   <p:notesSz cx="6858000" cy="9144000"/>
@@ -187,6 +188,7 @@
             <p14:sldId id="290"/>
             <p14:sldId id="283"/>
             <p14:sldId id="305"/>
+            <p14:sldId id="314"/>
             <p14:sldId id="307"/>
             <p14:sldId id="308"/>
             <p14:sldId id="309"/>
@@ -326,7 +328,7 @@
           <a:p>
             <a:fld id="{5AC68C86-161C-47A6-9A61-C529F6A6AC98}" type="datetimeFigureOut">
               <a:rPr lang="en-US" smtClean="0"/>
-              <a:t>5/9/2017</a:t>
+              <a:t>5/11/2017</a:t>
             </a:fld>
             <a:endParaRPr lang="en-US"/>
           </a:p>
@@ -1555,7 +1557,14 @@
           <a:bodyPr/>
           <a:lstStyle/>
           <a:p>
-            <a:endParaRPr lang="en-US" baseline="0" dirty="0"/>
+            <a:r>
+              <a:rPr lang="en-US" dirty="0"/>
+              <a:t>The app owner</a:t>
+            </a:r>
+            <a:r>
+              <a:rPr lang="en-US" baseline="0" dirty="0"/>
+              <a:t> is important here.  Yu don’t own the application, only its deployment.  Get an app owner to validate and QA it.  Asking the app owner to validate has to be hardest job in the business.   You are essentially asking someone to carve out time for you when they have zero incentive to do it.  And they have a non-trivial risk associated with upgraded their applications… they may have non-trivial cost and security risks too.  This is a job best suited for a business analyst if you can have the resources.  Your problems here are non-technical.  Most very non-technical.  The path to success here is to be an annoying nag.  And have easily accessible test VMs.  This is hard work, plan accordingly!  </a:t>
+            </a:r>
           </a:p>
         </p:txBody>
       </p:sp>
@@ -1585,7 +1594,7 @@
     </p:spTree>
     <p:extLst>
       <p:ext uri="{BB962C8B-B14F-4D97-AF65-F5344CB8AC3E}">
-        <p14:creationId xmlns:p14="http://schemas.microsoft.com/office/powerpoint/2010/main" val="2216122219"/>
+        <p14:creationId xmlns:p14="http://schemas.microsoft.com/office/powerpoint/2010/main" val="1617755786"/>
       </p:ext>
     </p:extLst>
   </p:cSld>
@@ -1639,14 +1648,6 @@
           <a:bodyPr/>
           <a:lstStyle/>
           <a:p>
-            <a:r>
-              <a:rPr lang="en-US" baseline="0" dirty="0"/>
-              <a:t>This is radical!!  Everyone hates this</a:t>
-            </a:r>
-            <a:r>
-              <a:rPr lang="en-US" baseline="0" dirty="0" smtClean="0"/>
-              <a:t>.  You are likely never going to be able to have the same level of complexity in your lab environment as exists in your production environment.  You can really smooth this out by using the dynamic updates steps   You can spend an entire summer tracking this one down, and you may never get it right…  my ask to you is at least TRY using dynamic updates, it has the potential to solve the majority of your driver issues during in place upgrades.  It is a little magical really.</a:t>
-            </a:r>
             <a:endParaRPr lang="en-US" baseline="0" dirty="0"/>
           </a:p>
         </p:txBody>
@@ -1677,7 +1678,7 @@
     </p:spTree>
     <p:extLst>
       <p:ext uri="{BB962C8B-B14F-4D97-AF65-F5344CB8AC3E}">
-        <p14:creationId xmlns:p14="http://schemas.microsoft.com/office/powerpoint/2010/main" val="2635123067"/>
+        <p14:creationId xmlns:p14="http://schemas.microsoft.com/office/powerpoint/2010/main" val="2216122219"/>
       </p:ext>
     </p:extLst>
   </p:cSld>
@@ -1835,14 +1836,13 @@
           <a:p>
             <a:r>
               <a:rPr lang="en-US" baseline="0" dirty="0"/>
-              <a:t>You cannot do an apply drivers step during this task sequence.  You have to stage the drivers first and then tell the where the cached drivers are.  This is useful if you can’t use the dynamic updates during the upgrade.</a:t>
-            </a:r>
-          </a:p>
-          <a:p>
-            <a:r>
-              <a:rPr lang="en-US" baseline="0" dirty="0"/>
-              <a:t>This leads to problems with disconnected devices. </a:t>
-            </a:r>
+              <a:t>This is radical!!  Everyone hates this</a:t>
+            </a:r>
+            <a:r>
+              <a:rPr lang="en-US" baseline="0" dirty="0" smtClean="0"/>
+              <a:t>.  You are likely never going to be able to have the same level of complexity in your lab environment as exists in your production environment.  You can really smooth this out by using the dynamic updates steps   You can spend an entire summer tracking this one down, and you may never get it right…  my ask to you is at least TRY using dynamic updates, it has the potential to solve the majority of your driver issues during in place upgrades.  It is a little magical really.</a:t>
+            </a:r>
+            <a:endParaRPr lang="en-US" baseline="0" dirty="0"/>
           </a:p>
         </p:txBody>
       </p:sp>
@@ -1872,7 +1872,7 @@
     </p:spTree>
     <p:extLst>
       <p:ext uri="{BB962C8B-B14F-4D97-AF65-F5344CB8AC3E}">
-        <p14:creationId xmlns:p14="http://schemas.microsoft.com/office/powerpoint/2010/main" val="4092845259"/>
+        <p14:creationId xmlns:p14="http://schemas.microsoft.com/office/powerpoint/2010/main" val="2635123067"/>
       </p:ext>
     </p:extLst>
   </p:cSld>
@@ -1927,40 +1927,15 @@
           <a:lstStyle/>
           <a:p>
             <a:r>
-              <a:rPr lang="en-US" dirty="0"/>
-              <a:t>This</a:t>
-            </a:r>
-            <a:r>
               <a:rPr lang="en-US" baseline="0" dirty="0"/>
-              <a:t> is a lot of work and may not be a problem.  If you are not managing these devices today, maybe you can continue to not manage them.  The </a:t>
-            </a:r>
-            <a:r>
-              <a:rPr lang="en-US" baseline="0" dirty="0" smtClean="0"/>
-              <a:t>problem </a:t>
-            </a:r>
+              <a:t>You cannot do an apply drivers step during this task sequence.  You have to stage the drivers first and then tell the where the cached drivers are.  This is useful if you can’t use the dynamic updates during the upgrade.</a:t>
+            </a:r>
+          </a:p>
+          <a:p>
             <a:r>
               <a:rPr lang="en-US" baseline="0" dirty="0"/>
-              <a:t>devices you are going to be </a:t>
-            </a:r>
-            <a:r>
-              <a:rPr lang="en-US" baseline="0" dirty="0" smtClean="0"/>
-              <a:t>running </a:t>
-            </a:r>
-            <a:r>
-              <a:rPr lang="en-US" baseline="0" dirty="0"/>
-              <a:t>into here are specialty devices for the most part. The 1607 + latest CU has a pretty impressive library of drivers in it</a:t>
-            </a:r>
-            <a:r>
-              <a:rPr lang="en-US" baseline="0" dirty="0" smtClean="0"/>
-              <a:t>.</a:t>
-            </a:r>
-          </a:p>
-          <a:p>
-            <a:r>
-              <a:rPr lang="en-US" baseline="0" dirty="0" smtClean="0"/>
-              <a:t>Rebooting into windows PE works great if you devices are always connected, it gets a little harry with disconnected / remote laptops.  Just keep it simple where you can, using windows PE greatly increases the complexity.</a:t>
-            </a:r>
-            <a:endParaRPr lang="en-US" dirty="0"/>
+              <a:t>This leads to problems with disconnected devices. </a:t>
+            </a:r>
           </a:p>
         </p:txBody>
       </p:sp>
@@ -1990,7 +1965,7 @@
     </p:spTree>
     <p:extLst>
       <p:ext uri="{BB962C8B-B14F-4D97-AF65-F5344CB8AC3E}">
-        <p14:creationId xmlns:p14="http://schemas.microsoft.com/office/powerpoint/2010/main" val="2718429469"/>
+        <p14:creationId xmlns:p14="http://schemas.microsoft.com/office/powerpoint/2010/main" val="4092845259"/>
       </p:ext>
     </p:extLst>
   </p:cSld>
@@ -2046,37 +2021,39 @@
           <a:p>
             <a:r>
               <a:rPr lang="en-US" dirty="0"/>
-              <a:t>Available</a:t>
+              <a:t>This</a:t>
             </a:r>
             <a:r>
               <a:rPr lang="en-US" baseline="0" dirty="0"/>
-              <a:t> in 1610.  Easy to integrate, can take days for information to show in the console.</a:t>
-            </a:r>
-          </a:p>
-          <a:p>
-            <a:endParaRPr lang="en-US" baseline="0" dirty="0"/>
-          </a:p>
-          <a:p>
+              <a:t> is a lot of work and may not be a problem.  If you are not managing these devices today, maybe you can continue to not manage them.  The </a:t>
+            </a:r>
+            <a:r>
+              <a:rPr lang="en-US" baseline="0" dirty="0" smtClean="0"/>
+              <a:t>problem </a:t>
+            </a:r>
             <a:r>
               <a:rPr lang="en-US" baseline="0" dirty="0"/>
-              <a:t>Use </a:t>
-            </a:r>
-            <a:r>
-              <a:rPr lang="en-US" baseline="0" dirty="0" err="1"/>
-              <a:t>configmgr</a:t>
+              <a:t>devices you are going to be </a:t>
+            </a:r>
+            <a:r>
+              <a:rPr lang="en-US" baseline="0" dirty="0" smtClean="0"/>
+              <a:t>running </a:t>
             </a:r>
             <a:r>
               <a:rPr lang="en-US" baseline="0" dirty="0"/>
-              <a:t> with windows readiness integration to further dissect your windows 10 upgrade eligible devices.  i.e. UEFI w/ </a:t>
-            </a:r>
-            <a:r>
-              <a:rPr lang="en-US" baseline="0" dirty="0" err="1"/>
-              <a:t>SecureBoot</a:t>
-            </a:r>
-            <a:r>
-              <a:rPr lang="en-US" baseline="0" dirty="0"/>
-              <a:t> and TPM AND ready according to Windows Readiness. </a:t>
-            </a:r>
+              <a:t>into here are specialty devices for the most part. The 1607 + latest CU has a pretty impressive library of drivers in it</a:t>
+            </a:r>
+            <a:r>
+              <a:rPr lang="en-US" baseline="0" dirty="0" smtClean="0"/>
+              <a:t>.</a:t>
+            </a:r>
+          </a:p>
+          <a:p>
+            <a:r>
+              <a:rPr lang="en-US" baseline="0" dirty="0" smtClean="0"/>
+              <a:t>Rebooting into windows PE works great if you devices are always connected, it gets a little harry with disconnected / remote laptops.  Just keep it simple where you can, using windows PE greatly increases the complexity.</a:t>
+            </a:r>
+            <a:endParaRPr lang="en-US" dirty="0"/>
           </a:p>
         </p:txBody>
       </p:sp>
@@ -2106,7 +2083,7 @@
     </p:spTree>
     <p:extLst>
       <p:ext uri="{BB962C8B-B14F-4D97-AF65-F5344CB8AC3E}">
-        <p14:creationId xmlns:p14="http://schemas.microsoft.com/office/powerpoint/2010/main" val="1504100041"/>
+        <p14:creationId xmlns:p14="http://schemas.microsoft.com/office/powerpoint/2010/main" val="2718429469"/>
       </p:ext>
     </p:extLst>
   </p:cSld>
@@ -2162,11 +2139,20 @@
           <a:p>
             <a:r>
               <a:rPr lang="en-US" dirty="0"/>
-              <a:t>There just simply isn’t a lot of data available</a:t>
+              <a:t>Available</a:t>
             </a:r>
             <a:r>
               <a:rPr lang="en-US" baseline="0" dirty="0"/>
-              <a:t> in the </a:t>
+              <a:t> in 1610.  Easy to integrate, can take days for information to show in the console.</a:t>
+            </a:r>
+          </a:p>
+          <a:p>
+            <a:endParaRPr lang="en-US" baseline="0" dirty="0"/>
+          </a:p>
+          <a:p>
+            <a:r>
+              <a:rPr lang="en-US" baseline="0" dirty="0"/>
+              <a:t>Use </a:t>
             </a:r>
             <a:r>
               <a:rPr lang="en-US" baseline="0" dirty="0" err="1"/>
@@ -2174,17 +2160,16 @@
             </a:r>
             <a:r>
               <a:rPr lang="en-US" baseline="0" dirty="0"/>
-              <a:t> integration other than the pretty dashboard and </a:t>
+              <a:t> with windows readiness integration to further dissect your windows 10 upgrade eligible devices.  i.e. UEFI w/ </a:t>
             </a:r>
             <a:r>
               <a:rPr lang="en-US" baseline="0" dirty="0" err="1"/>
-              <a:t>abililty</a:t>
+              <a:t>SecureBoot</a:t>
             </a:r>
             <a:r>
               <a:rPr lang="en-US" baseline="0" dirty="0"/>
-              <a:t> to create basic collections.</a:t>
-            </a:r>
-            <a:endParaRPr lang="en-US" dirty="0"/>
+              <a:t> and TPM AND ready according to Windows Readiness. </a:t>
+            </a:r>
           </a:p>
         </p:txBody>
       </p:sp>
@@ -2214,7 +2199,7 @@
     </p:spTree>
     <p:extLst>
       <p:ext uri="{BB962C8B-B14F-4D97-AF65-F5344CB8AC3E}">
-        <p14:creationId xmlns:p14="http://schemas.microsoft.com/office/powerpoint/2010/main" val="1246873391"/>
+        <p14:creationId xmlns:p14="http://schemas.microsoft.com/office/powerpoint/2010/main" val="1504100041"/>
       </p:ext>
     </p:extLst>
   </p:cSld>
@@ -2270,27 +2255,27 @@
           <a:p>
             <a:r>
               <a:rPr lang="en-US" dirty="0"/>
-              <a:t>Even the </a:t>
-            </a:r>
-            <a:r>
-              <a:rPr lang="en-US" dirty="0" err="1"/>
-              <a:t>wmi</a:t>
-            </a:r>
-            <a:r>
-              <a:rPr lang="en-US" dirty="0"/>
-              <a:t> class is sparse.  Just not a lot of stuff there.  Your</a:t>
+              <a:t>There just simply isn’t a lot of data available</a:t>
             </a:r>
             <a:r>
               <a:rPr lang="en-US" baseline="0" dirty="0"/>
-              <a:t> best bet is to use </a:t>
+              <a:t> in the </a:t>
             </a:r>
             <a:r>
               <a:rPr lang="en-US" baseline="0" dirty="0" err="1"/>
-              <a:t>powershell</a:t>
+              <a:t>configmgr</a:t>
             </a:r>
             <a:r>
               <a:rPr lang="en-US" baseline="0" dirty="0"/>
-              <a:t> to query WUA for devices according to whatever criteria you are looking for and then creating a collection with direct membership rules. Example, give me all devices that have an application or driver that will block the windows 10 upgrade.</a:t>
+              <a:t> integration other than the pretty dashboard and </a:t>
+            </a:r>
+            <a:r>
+              <a:rPr lang="en-US" baseline="0" dirty="0" err="1"/>
+              <a:t>abililty</a:t>
+            </a:r>
+            <a:r>
+              <a:rPr lang="en-US" baseline="0" dirty="0"/>
+              <a:t> to create basic collections.</a:t>
             </a:r>
             <a:endParaRPr lang="en-US" dirty="0"/>
           </a:p>
@@ -2322,7 +2307,7 @@
     </p:spTree>
     <p:extLst>
       <p:ext uri="{BB962C8B-B14F-4D97-AF65-F5344CB8AC3E}">
-        <p14:creationId xmlns:p14="http://schemas.microsoft.com/office/powerpoint/2010/main" val="3465912176"/>
+        <p14:creationId xmlns:p14="http://schemas.microsoft.com/office/powerpoint/2010/main" val="1246873391"/>
       </p:ext>
     </p:extLst>
   </p:cSld>
@@ -2376,6 +2361,30 @@
           <a:bodyPr/>
           <a:lstStyle/>
           <a:p>
+            <a:r>
+              <a:rPr lang="en-US" dirty="0"/>
+              <a:t>Even the </a:t>
+            </a:r>
+            <a:r>
+              <a:rPr lang="en-US" dirty="0" err="1"/>
+              <a:t>wmi</a:t>
+            </a:r>
+            <a:r>
+              <a:rPr lang="en-US" dirty="0"/>
+              <a:t> class is sparse.  Just not a lot of stuff there.  Your</a:t>
+            </a:r>
+            <a:r>
+              <a:rPr lang="en-US" baseline="0" dirty="0"/>
+              <a:t> best bet is to use </a:t>
+            </a:r>
+            <a:r>
+              <a:rPr lang="en-US" baseline="0" dirty="0" err="1"/>
+              <a:t>powershell</a:t>
+            </a:r>
+            <a:r>
+              <a:rPr lang="en-US" baseline="0" dirty="0"/>
+              <a:t> to query WUA for devices according to whatever criteria you are looking for and then creating a collection with direct membership rules. Example, give me all devices that have an application or driver that will block the windows 10 upgrade.</a:t>
+            </a:r>
             <a:endParaRPr lang="en-US" dirty="0"/>
           </a:p>
         </p:txBody>
@@ -2406,7 +2415,7 @@
     </p:spTree>
     <p:extLst>
       <p:ext uri="{BB962C8B-B14F-4D97-AF65-F5344CB8AC3E}">
-        <p14:creationId xmlns:p14="http://schemas.microsoft.com/office/powerpoint/2010/main" val="793046230"/>
+        <p14:creationId xmlns:p14="http://schemas.microsoft.com/office/powerpoint/2010/main" val="3465912176"/>
       </p:ext>
     </p:extLst>
   </p:cSld>
@@ -2490,7 +2499,7 @@
     </p:spTree>
     <p:extLst>
       <p:ext uri="{BB962C8B-B14F-4D97-AF65-F5344CB8AC3E}">
-        <p14:creationId xmlns:p14="http://schemas.microsoft.com/office/powerpoint/2010/main" val="3246521007"/>
+        <p14:creationId xmlns:p14="http://schemas.microsoft.com/office/powerpoint/2010/main" val="793046230"/>
       </p:ext>
     </p:extLst>
   </p:cSld>
@@ -2544,10 +2553,6 @@
           <a:bodyPr/>
           <a:lstStyle/>
           <a:p>
-            <a:r>
-              <a:rPr lang="en-US" baseline="0" dirty="0"/>
-              <a:t>The OMS query language is unique.  It isn’t SQL or WQL or really anything I have seen before, it is a language all it’s own.  And it is fairly new, so there isn’t a book written on it or anything.  But, luckily there isn’t much to it.</a:t>
-            </a:r>
             <a:endParaRPr lang="en-US" dirty="0"/>
           </a:p>
         </p:txBody>
@@ -2578,7 +2583,7 @@
     </p:spTree>
     <p:extLst>
       <p:ext uri="{BB962C8B-B14F-4D97-AF65-F5344CB8AC3E}">
-        <p14:creationId xmlns:p14="http://schemas.microsoft.com/office/powerpoint/2010/main" val="1267583450"/>
+        <p14:creationId xmlns:p14="http://schemas.microsoft.com/office/powerpoint/2010/main" val="3246521007"/>
       </p:ext>
     </p:extLst>
   </p:cSld>
@@ -2666,7 +2671,7 @@
     </p:spTree>
     <p:extLst>
       <p:ext uri="{BB962C8B-B14F-4D97-AF65-F5344CB8AC3E}">
-        <p14:creationId xmlns:p14="http://schemas.microsoft.com/office/powerpoint/2010/main" val="3559294747"/>
+        <p14:creationId xmlns:p14="http://schemas.microsoft.com/office/powerpoint/2010/main" val="1267583450"/>
       </p:ext>
     </p:extLst>
   </p:cSld>
@@ -2721,12 +2726,8 @@
           <a:lstStyle/>
           <a:p>
             <a:r>
-              <a:rPr lang="en-US" dirty="0"/>
-              <a:t>If</a:t>
-            </a:r>
-            <a:r>
               <a:rPr lang="en-US" baseline="0" dirty="0"/>
-              <a:t> you want to look at a migration project as a time breakdown, application packaging and rationalization should be take 90% of your time.  The task sequence or deployment method is easy, its been done a thousand times by a thousand different people.  You WILL figure out whatever you need to do deploy the actual operating system.  Trust me when I say that is the easy part.   </a:t>
+              <a:t>The OMS query language is unique.  It isn’t SQL or WQL or really anything I have seen before, it is a language all it’s own.  And it is fairly new, so there isn’t a book written on it or anything.  But, luckily there isn’t much to it.</a:t>
             </a:r>
             <a:endParaRPr lang="en-US" dirty="0"/>
           </a:p>
@@ -2758,7 +2759,7 @@
     </p:spTree>
     <p:extLst>
       <p:ext uri="{BB962C8B-B14F-4D97-AF65-F5344CB8AC3E}">
-        <p14:creationId xmlns:p14="http://schemas.microsoft.com/office/powerpoint/2010/main" val="1806650894"/>
+        <p14:creationId xmlns:p14="http://schemas.microsoft.com/office/powerpoint/2010/main" val="3559294747"/>
       </p:ext>
     </p:extLst>
   </p:cSld>
@@ -2950,23 +2951,11 @@
           <a:p>
             <a:r>
               <a:rPr lang="en-US" dirty="0"/>
-              <a:t>All the </a:t>
-            </a:r>
-            <a:r>
-              <a:rPr lang="en-US" dirty="0" err="1"/>
-              <a:t>powershell</a:t>
-            </a:r>
-            <a:r>
-              <a:rPr lang="en-US" dirty="0"/>
-              <a:t> is</a:t>
+              <a:t>If</a:t>
             </a:r>
             <a:r>
               <a:rPr lang="en-US" baseline="0" dirty="0"/>
-              <a:t> really just another way to report or display data.  The power is being able to use that data </a:t>
-            </a:r>
-            <a:r>
-              <a:rPr lang="en-US" baseline="0"/>
-              <a:t>and integrate.  </a:t>
+              <a:t> you want to look at a migration project as a time breakdown, application packaging and rationalization should be take 90% of your time.  The task sequence or deployment method is easy, its been done a thousand times by a thousand different people.  You WILL figure out whatever you need to do deploy the actual operating system.  Trust me when I say that is the easy part.   </a:t>
             </a:r>
             <a:endParaRPr lang="en-US" dirty="0"/>
           </a:p>
@@ -2998,7 +2987,7 @@
     </p:spTree>
     <p:extLst>
       <p:ext uri="{BB962C8B-B14F-4D97-AF65-F5344CB8AC3E}">
-        <p14:creationId xmlns:p14="http://schemas.microsoft.com/office/powerpoint/2010/main" val="1498763631"/>
+        <p14:creationId xmlns:p14="http://schemas.microsoft.com/office/powerpoint/2010/main" val="1806650894"/>
       </p:ext>
     </p:extLst>
   </p:cSld>
@@ -3102,7 +3091,7 @@
     </p:spTree>
     <p:extLst>
       <p:ext uri="{BB962C8B-B14F-4D97-AF65-F5344CB8AC3E}">
-        <p14:creationId xmlns:p14="http://schemas.microsoft.com/office/powerpoint/2010/main" val="2463998485"/>
+        <p14:creationId xmlns:p14="http://schemas.microsoft.com/office/powerpoint/2010/main" val="1498763631"/>
       </p:ext>
     </p:extLst>
   </p:cSld>
@@ -3198,6 +3187,110 @@
             <a:fld id="{6AD7C417-D302-4BDC-AE7D-6A9679C5A3F5}" type="slidenum">
               <a:rPr lang="en-US" smtClean="0"/>
               <a:t>34</a:t>
+            </a:fld>
+            <a:endParaRPr lang="en-US"/>
+          </a:p>
+        </p:txBody>
+      </p:sp>
+    </p:spTree>
+    <p:extLst>
+      <p:ext uri="{BB962C8B-B14F-4D97-AF65-F5344CB8AC3E}">
+        <p14:creationId xmlns:p14="http://schemas.microsoft.com/office/powerpoint/2010/main" val="2463998485"/>
+      </p:ext>
+    </p:extLst>
+  </p:cSld>
+  <p:clrMapOvr>
+    <a:masterClrMapping/>
+  </p:clrMapOvr>
+</p:notes>
+</file>
+
+<file path=ppt/notesSlides/notesSlide33.xml><?xml version="1.0" encoding="utf-8"?>
+<p:notes xmlns:a="http://schemas.openxmlformats.org/drawingml/2006/main" xmlns:r="http://schemas.openxmlformats.org/officeDocument/2006/relationships" xmlns:p="http://schemas.openxmlformats.org/presentationml/2006/main">
+  <p:cSld>
+    <p:spTree>
+      <p:nvGrpSpPr>
+        <p:cNvPr id="1" name=""/>
+        <p:cNvGrpSpPr/>
+        <p:nvPr/>
+      </p:nvGrpSpPr>
+      <p:grpSpPr>
+        <a:xfrm>
+          <a:off x="0" y="0"/>
+          <a:ext cx="0" cy="0"/>
+          <a:chOff x="0" y="0"/>
+          <a:chExt cx="0" cy="0"/>
+        </a:xfrm>
+      </p:grpSpPr>
+      <p:sp>
+        <p:nvSpPr>
+          <p:cNvPr id="2" name="Slide Image Placeholder 1"/>
+          <p:cNvSpPr>
+            <a:spLocks noGrp="1" noRot="1" noChangeAspect="1"/>
+          </p:cNvSpPr>
+          <p:nvPr>
+            <p:ph type="sldImg"/>
+          </p:nvPr>
+        </p:nvSpPr>
+        <p:spPr/>
+      </p:sp>
+      <p:sp>
+        <p:nvSpPr>
+          <p:cNvPr id="3" name="Notes Placeholder 2"/>
+          <p:cNvSpPr>
+            <a:spLocks noGrp="1"/>
+          </p:cNvSpPr>
+          <p:nvPr>
+            <p:ph type="body" idx="1"/>
+          </p:nvPr>
+        </p:nvSpPr>
+        <p:spPr/>
+        <p:txBody>
+          <a:bodyPr/>
+          <a:lstStyle/>
+          <a:p>
+            <a:r>
+              <a:rPr lang="en-US" dirty="0"/>
+              <a:t>All the </a:t>
+            </a:r>
+            <a:r>
+              <a:rPr lang="en-US" dirty="0" err="1"/>
+              <a:t>powershell</a:t>
+            </a:r>
+            <a:r>
+              <a:rPr lang="en-US" dirty="0"/>
+              <a:t> is</a:t>
+            </a:r>
+            <a:r>
+              <a:rPr lang="en-US" baseline="0" dirty="0"/>
+              <a:t> really just another way to report or display data.  The power is being able to use that data </a:t>
+            </a:r>
+            <a:r>
+              <a:rPr lang="en-US" baseline="0"/>
+              <a:t>and integrate.  </a:t>
+            </a:r>
+            <a:endParaRPr lang="en-US" dirty="0"/>
+          </a:p>
+        </p:txBody>
+      </p:sp>
+      <p:sp>
+        <p:nvSpPr>
+          <p:cNvPr id="4" name="Slide Number Placeholder 3"/>
+          <p:cNvSpPr>
+            <a:spLocks noGrp="1"/>
+          </p:cNvSpPr>
+          <p:nvPr>
+            <p:ph type="sldNum" sz="quarter" idx="10"/>
+          </p:nvPr>
+        </p:nvSpPr>
+        <p:spPr/>
+        <p:txBody>
+          <a:bodyPr/>
+          <a:lstStyle/>
+          <a:p>
+            <a:fld id="{6AD7C417-D302-4BDC-AE7D-6A9679C5A3F5}" type="slidenum">
+              <a:rPr lang="en-US" smtClean="0"/>
+              <a:t>35</a:t>
             </a:fld>
             <a:endParaRPr lang="en-US"/>
           </a:p>
@@ -10197,29 +10290,48 @@
           </a:p>
           <a:p>
             <a:pPr lvl="1"/>
-            <a:r>
-              <a:rPr lang="en-US" dirty="0"/>
-              <a:t>Resolution?  Identify devices with legacy installations and upgrade them before doing the in place upgrade.  You should be doing this anyway, now is a good time to start.</a:t>
-            </a:r>
+            <a:endParaRPr lang="en-US" dirty="0" smtClean="0"/>
           </a:p>
           <a:p>
             <a:pPr lvl="1"/>
             <a:r>
-              <a:rPr lang="en-US" dirty="0"/>
-              <a:t>You can do this in </a:t>
-            </a:r>
-            <a:r>
               <a:rPr lang="en-US" dirty="0" smtClean="0"/>
-              <a:t>a </a:t>
-            </a:r>
+              <a:t>Resolution</a:t>
+            </a:r>
+            <a:r>
+              <a:rPr lang="en-US" dirty="0"/>
+              <a:t>?  Identify devices with legacy installations and upgrade them before doing the in place upgrade.  You should be doing this anyway, now is a good time to start.</a:t>
+            </a:r>
+          </a:p>
+          <a:p>
+            <a:pPr lvl="1"/>
+            <a:endParaRPr lang="en-US" dirty="0" smtClean="0"/>
+          </a:p>
+          <a:p>
+            <a:pPr lvl="1"/>
             <a:r>
               <a:rPr lang="en-US" dirty="0" smtClean="0"/>
-              <a:t>task </a:t>
+              <a:t>You </a:t>
+            </a:r>
+            <a:r>
+              <a:rPr lang="en-US" dirty="0"/>
+              <a:t>can do this in </a:t>
+            </a:r>
+            <a:r>
+              <a:rPr lang="en-US" dirty="0" smtClean="0"/>
+              <a:t>a task </a:t>
             </a:r>
             <a:r>
               <a:rPr lang="en-US" dirty="0"/>
               <a:t>sequence as well. </a:t>
             </a:r>
+            <a:endParaRPr lang="en-US" dirty="0" smtClean="0"/>
+          </a:p>
+          <a:p>
+            <a:pPr marL="457200" lvl="1" indent="0">
+              <a:buNone/>
+            </a:pPr>
+            <a:endParaRPr lang="en-US" dirty="0"/>
           </a:p>
           <a:p>
             <a:pPr marL="457200" lvl="1" indent="0">
@@ -10535,9 +10647,22 @@
           <a:lstStyle/>
           <a:p>
             <a:r>
-              <a:rPr lang="en-US" dirty="0"/>
-              <a:t>Drivers and Task Sequences</a:t>
-            </a:r>
+              <a:rPr lang="en-US" dirty="0" smtClean="0"/>
+              <a:t>Display Link</a:t>
+            </a:r>
+            <a:r>
+              <a:rPr lang="en-US" dirty="0"/>
+              <a:t> </a:t>
+            </a:r>
+            <a:r>
+              <a:rPr lang="en-US" dirty="0" smtClean="0"/>
+              <a:t>And Bluetooth </a:t>
+            </a:r>
+            <a:r>
+              <a:rPr lang="en-US" dirty="0" smtClean="0"/>
+              <a:t>drivers</a:t>
+            </a:r>
+            <a:endParaRPr lang="en-US" dirty="0"/>
           </a:p>
         </p:txBody>
       </p:sp>
@@ -10556,41 +10681,106 @@
           <a:bodyPr/>
           <a:lstStyle/>
           <a:p>
+            <a:r>
+              <a:rPr lang="en-US" dirty="0" smtClean="0"/>
+              <a:t>Dealing with Display Link blockers</a:t>
+            </a:r>
+            <a:endParaRPr lang="en-US" dirty="0" smtClean="0">
+              <a:hlinkClick r:id="rId3"/>
+            </a:endParaRPr>
+          </a:p>
+          <a:p>
+            <a:pPr lvl="1"/>
+            <a:r>
+              <a:rPr lang="en-US" dirty="0" smtClean="0">
+                <a:hlinkClick r:id="rId3"/>
+              </a:rPr>
+              <a:t>http</a:t>
+            </a:r>
+            <a:r>
+              <a:rPr lang="en-US" dirty="0">
+                <a:hlinkClick r:id="rId3"/>
+              </a:rPr>
+              <a:t>://</a:t>
+            </a:r>
+            <a:r>
+              <a:rPr lang="en-US" dirty="0" smtClean="0">
+                <a:hlinkClick r:id="rId3"/>
+              </a:rPr>
+              <a:t>www.displaylink.com/downloads/corporate</a:t>
+            </a:r>
+            <a:endParaRPr lang="en-US" dirty="0" smtClean="0"/>
+          </a:p>
+          <a:p>
+            <a:pPr lvl="1"/>
+            <a:r>
+              <a:rPr lang="en-US" dirty="0">
+                <a:hlinkClick r:id="rId4"/>
+              </a:rPr>
+              <a:t>http://</a:t>
+            </a:r>
+            <a:r>
+              <a:rPr lang="en-US" dirty="0" smtClean="0">
+                <a:hlinkClick r:id="rId4"/>
+              </a:rPr>
+              <a:t>support.displaylink.com/knowledgebase/articles/607686</a:t>
+            </a:r>
+            <a:endParaRPr lang="en-US" dirty="0" smtClean="0"/>
+          </a:p>
+          <a:p>
+            <a:pPr lvl="1"/>
+            <a:endParaRPr lang="en-US" dirty="0" smtClean="0"/>
+          </a:p>
+          <a:p>
+            <a:pPr lvl="1"/>
+            <a:endParaRPr lang="en-US" dirty="0"/>
+          </a:p>
+          <a:p>
+            <a:r>
+              <a:rPr lang="en-US" dirty="0" smtClean="0"/>
+              <a:t>Dealing with Bluetooth blockers</a:t>
+            </a:r>
+          </a:p>
+          <a:p>
+            <a:pPr lvl="1"/>
+            <a:r>
+              <a:rPr lang="en-US" dirty="0" smtClean="0"/>
+              <a:t>Uninstall blocking versions during the sequence.  Look to registry for uninstall string.</a:t>
+            </a:r>
+          </a:p>
+          <a:p>
+            <a:pPr lvl="1"/>
+            <a:endParaRPr lang="en-US" dirty="0" smtClean="0"/>
+          </a:p>
+          <a:p>
+            <a:pPr lvl="1"/>
+            <a:endParaRPr lang="en-US" dirty="0"/>
+          </a:p>
+          <a:p>
+            <a:endParaRPr lang="en-US" dirty="0" smtClean="0"/>
+          </a:p>
+          <a:p>
+            <a:pPr lvl="1"/>
+            <a:endParaRPr lang="en-US" dirty="0" smtClean="0"/>
+          </a:p>
+          <a:p>
             <a:pPr marL="457200" lvl="1" indent="0">
               <a:buNone/>
             </a:pPr>
             <a:endParaRPr lang="en-US" dirty="0"/>
           </a:p>
+          <a:p>
+            <a:pPr marL="457200" lvl="1" indent="0">
+              <a:buNone/>
+            </a:pPr>
+            <a:endParaRPr lang="en-US" dirty="0"/>
+          </a:p>
         </p:txBody>
       </p:sp>
-      <p:pic>
-        <p:nvPicPr>
-          <p:cNvPr id="4" name="Picture 3"/>
-          <p:cNvPicPr>
-            <a:picLocks noChangeAspect="1"/>
-          </p:cNvPicPr>
-          <p:nvPr/>
-        </p:nvPicPr>
-        <p:blipFill>
-          <a:blip r:embed="rId3"/>
-          <a:stretch>
-            <a:fillRect/>
-          </a:stretch>
-        </p:blipFill>
-        <p:spPr>
-          <a:xfrm>
-            <a:off x="844951" y="1525123"/>
-            <a:ext cx="10670381" cy="4354815"/>
-          </a:xfrm>
-          <a:prstGeom prst="rect">
-            <a:avLst/>
-          </a:prstGeom>
-        </p:spPr>
-      </p:pic>
     </p:spTree>
     <p:extLst>
       <p:ext uri="{BB962C8B-B14F-4D97-AF65-F5344CB8AC3E}">
-        <p14:creationId xmlns:p14="http://schemas.microsoft.com/office/powerpoint/2010/main" val="1628382856"/>
+        <p14:creationId xmlns:p14="http://schemas.microsoft.com/office/powerpoint/2010/main" val="3065583371"/>
       </p:ext>
     </p:extLst>
   </p:cSld>
@@ -10634,7 +10824,7 @@
           <a:p>
             <a:r>
               <a:rPr lang="en-US" dirty="0"/>
-              <a:t>Incompatible Drivers Strategy </a:t>
+              <a:t>Drivers and Task Sequences</a:t>
             </a:r>
           </a:p>
         </p:txBody>
@@ -10649,111 +10839,10 @@
             <p:ph idx="1"/>
           </p:nvPr>
         </p:nvSpPr>
-        <p:spPr>
-          <a:xfrm>
-            <a:off x="266218" y="1257300"/>
-            <a:ext cx="6763974" cy="4800600"/>
-          </a:xfrm>
-        </p:spPr>
+        <p:spPr/>
         <p:txBody>
           <a:bodyPr/>
           <a:lstStyle/>
-          <a:p>
-            <a:pPr marL="0" indent="0">
-              <a:buNone/>
-            </a:pPr>
-            <a:r>
-              <a:rPr lang="en-US" dirty="0"/>
-              <a:t>Use Windows Update</a:t>
-            </a:r>
-          </a:p>
-          <a:p>
-            <a:r>
-              <a:rPr lang="en-US" dirty="0"/>
-              <a:t>Identify devices with only drivers issues that are resolved using Windows Update.</a:t>
-            </a:r>
-          </a:p>
-          <a:p>
-            <a:r>
-              <a:rPr lang="en-US" dirty="0"/>
-              <a:t>Create a </a:t>
-            </a:r>
-            <a:r>
-              <a:rPr lang="en-US" dirty="0" err="1"/>
-              <a:t>ConfigMgr</a:t>
-            </a:r>
-            <a:r>
-              <a:rPr lang="en-US" dirty="0"/>
-              <a:t> device collection of these with a collection variable.</a:t>
-            </a:r>
-          </a:p>
-          <a:p>
-            <a:r>
-              <a:rPr lang="en-US" dirty="0"/>
-              <a:t>Have Upgrade step in TS allow dynamic updates.</a:t>
-            </a:r>
-          </a:p>
-          <a:p>
-            <a:endParaRPr lang="en-US" dirty="0"/>
-          </a:p>
-          <a:p>
-            <a:pPr marL="0" indent="0">
-              <a:buNone/>
-            </a:pPr>
-            <a:r>
-              <a:rPr lang="en-US" dirty="0"/>
-              <a:t>This will use </a:t>
-            </a:r>
-            <a:r>
-              <a:rPr lang="en-US" dirty="0" smtClean="0"/>
-              <a:t>Windows </a:t>
-            </a:r>
-            <a:r>
-              <a:rPr lang="en-US" dirty="0"/>
-              <a:t>U</a:t>
-            </a:r>
-            <a:r>
-              <a:rPr lang="en-US" dirty="0" smtClean="0"/>
-              <a:t>pdate </a:t>
-            </a:r>
-            <a:r>
-              <a:rPr lang="en-US" dirty="0"/>
-              <a:t>to install updated drivers dynamically.</a:t>
-            </a:r>
-          </a:p>
-          <a:p>
-            <a:pPr marL="0" indent="0">
-              <a:buNone/>
-            </a:pPr>
-            <a:r>
-              <a:rPr lang="en-US" dirty="0"/>
-              <a:t>This is the easiest and best solution.</a:t>
-            </a:r>
-          </a:p>
-          <a:p>
-            <a:pPr marL="0" indent="0">
-              <a:buNone/>
-            </a:pPr>
-            <a:r>
-              <a:rPr lang="en-US" dirty="0"/>
-              <a:t>Not an easy sell…  (bummer)  </a:t>
-            </a:r>
-          </a:p>
-          <a:p>
-            <a:pPr marL="0" indent="0">
-              <a:buNone/>
-            </a:pPr>
-            <a:endParaRPr lang="en-US" dirty="0"/>
-          </a:p>
-          <a:p>
-            <a:pPr marL="0" indent="0">
-              <a:buNone/>
-            </a:pPr>
-            <a:endParaRPr lang="en-US" dirty="0"/>
-          </a:p>
-          <a:p>
-            <a:endParaRPr lang="en-US" dirty="0"/>
-          </a:p>
           <a:p>
             <a:pPr marL="457200" lvl="1" indent="0">
               <a:buNone/>
@@ -10764,7 +10853,7 @@
       </p:sp>
       <p:pic>
         <p:nvPicPr>
-          <p:cNvPr id="9" name="Picture 8"/>
+          <p:cNvPr id="4" name="Picture 3"/>
           <p:cNvPicPr>
             <a:picLocks noChangeAspect="1"/>
           </p:cNvPicPr>
@@ -10778,8 +10867,8 @@
         </p:blipFill>
         <p:spPr>
           <a:xfrm>
-            <a:off x="6852063" y="1212036"/>
-            <a:ext cx="5193264" cy="5465230"/>
+            <a:off x="844951" y="1525123"/>
+            <a:ext cx="10670381" cy="4354815"/>
           </a:xfrm>
           <a:prstGeom prst="rect">
             <a:avLst/>
@@ -10789,7 +10878,7 @@
     </p:spTree>
     <p:extLst>
       <p:ext uri="{BB962C8B-B14F-4D97-AF65-F5344CB8AC3E}">
-        <p14:creationId xmlns:p14="http://schemas.microsoft.com/office/powerpoint/2010/main" val="1125822967"/>
+        <p14:creationId xmlns:p14="http://schemas.microsoft.com/office/powerpoint/2010/main" val="1628382856"/>
       </p:ext>
     </p:extLst>
   </p:cSld>
@@ -10833,7 +10922,7 @@
           <a:p>
             <a:r>
               <a:rPr lang="en-US" dirty="0"/>
-              <a:t>Updating Drivers Strategy</a:t>
+              <a:t>Incompatible Drivers Strategy </a:t>
             </a:r>
           </a:p>
         </p:txBody>
@@ -10851,7 +10940,7 @@
         <p:spPr>
           <a:xfrm>
             <a:off x="266218" y="1257300"/>
-            <a:ext cx="11316182" cy="4800600"/>
+            <a:ext cx="6763974" cy="4800600"/>
           </a:xfrm>
         </p:spPr>
         <p:txBody>
@@ -10863,17 +10952,80 @@
             </a:pPr>
             <a:r>
               <a:rPr lang="en-US" dirty="0"/>
-              <a:t>Use Cached Drivers</a:t>
-            </a:r>
-          </a:p>
-          <a:p>
-            <a:r>
-              <a:rPr lang="en-US" dirty="0"/>
-              <a:t>Device must be attached during upgrade.</a:t>
+              <a:t>Use Windows Update</a:t>
+            </a:r>
+          </a:p>
+          <a:p>
+            <a:r>
+              <a:rPr lang="en-US" dirty="0"/>
+              <a:t>Identify devices with only drivers issues that are resolved using Windows Update.</a:t>
+            </a:r>
+          </a:p>
+          <a:p>
+            <a:r>
+              <a:rPr lang="en-US" dirty="0"/>
+              <a:t>Create a </a:t>
+            </a:r>
+            <a:r>
+              <a:rPr lang="en-US" dirty="0" err="1"/>
+              <a:t>ConfigMgr</a:t>
+            </a:r>
+            <a:r>
+              <a:rPr lang="en-US" dirty="0"/>
+              <a:t> device collection of these with a collection variable.</a:t>
+            </a:r>
+          </a:p>
+          <a:p>
+            <a:r>
+              <a:rPr lang="en-US" dirty="0"/>
+              <a:t>Have Upgrade step in TS allow dynamic updates.</a:t>
             </a:r>
           </a:p>
           <a:p>
             <a:endParaRPr lang="en-US" dirty="0"/>
+          </a:p>
+          <a:p>
+            <a:pPr marL="0" indent="0">
+              <a:buNone/>
+            </a:pPr>
+            <a:r>
+              <a:rPr lang="en-US" dirty="0"/>
+              <a:t>This will use </a:t>
+            </a:r>
+            <a:r>
+              <a:rPr lang="en-US" dirty="0" smtClean="0"/>
+              <a:t>Windows </a:t>
+            </a:r>
+            <a:r>
+              <a:rPr lang="en-US" dirty="0"/>
+              <a:t>U</a:t>
+            </a:r>
+            <a:r>
+              <a:rPr lang="en-US" dirty="0" smtClean="0"/>
+              <a:t>pdate </a:t>
+            </a:r>
+            <a:r>
+              <a:rPr lang="en-US" dirty="0"/>
+              <a:t>to install updated drivers dynamically.</a:t>
+            </a:r>
+          </a:p>
+          <a:p>
+            <a:pPr marL="0" indent="0">
+              <a:buNone/>
+            </a:pPr>
+            <a:r>
+              <a:rPr lang="en-US" dirty="0"/>
+              <a:t>This is the easiest and best solution.</a:t>
+            </a:r>
+          </a:p>
+          <a:p>
+            <a:pPr marL="0" indent="0">
+              <a:buNone/>
+            </a:pPr>
+            <a:r>
+              <a:rPr lang="en-US" dirty="0"/>
+              <a:t>Not an easy sell…  (bummer)  </a:t>
+            </a:r>
           </a:p>
           <a:p>
             <a:pPr marL="0" indent="0">
@@ -10900,7 +11052,7 @@
       </p:sp>
       <p:pic>
         <p:nvPicPr>
-          <p:cNvPr id="4" name="Picture 3"/>
+          <p:cNvPr id="9" name="Picture 8"/>
           <p:cNvPicPr>
             <a:picLocks noChangeAspect="1"/>
           </p:cNvPicPr>
@@ -10914,32 +11066,8 @@
         </p:blipFill>
         <p:spPr>
           <a:xfrm>
-            <a:off x="6544038" y="2311862"/>
-            <a:ext cx="3733800" cy="4086225"/>
-          </a:xfrm>
-          <a:prstGeom prst="rect">
-            <a:avLst/>
-          </a:prstGeom>
-        </p:spPr>
-      </p:pic>
-      <p:pic>
-        <p:nvPicPr>
-          <p:cNvPr id="5" name="Picture 4"/>
-          <p:cNvPicPr>
-            <a:picLocks noChangeAspect="1"/>
-          </p:cNvPicPr>
-          <p:nvPr/>
-        </p:nvPicPr>
-        <p:blipFill>
-          <a:blip r:embed="rId4"/>
-          <a:stretch>
-            <a:fillRect/>
-          </a:stretch>
-        </p:blipFill>
-        <p:spPr>
-          <a:xfrm>
-            <a:off x="2363190" y="2314380"/>
-            <a:ext cx="3968164" cy="4104170"/>
+            <a:off x="6852063" y="1212036"/>
+            <a:ext cx="5193264" cy="5465230"/>
           </a:xfrm>
           <a:prstGeom prst="rect">
             <a:avLst/>
@@ -10949,7 +11077,7 @@
     </p:spTree>
     <p:extLst>
       <p:ext uri="{BB962C8B-B14F-4D97-AF65-F5344CB8AC3E}">
-        <p14:creationId xmlns:p14="http://schemas.microsoft.com/office/powerpoint/2010/main" val="1473244445"/>
+        <p14:creationId xmlns:p14="http://schemas.microsoft.com/office/powerpoint/2010/main" val="1125822967"/>
       </p:ext>
     </p:extLst>
   </p:cSld>
@@ -10993,7 +11121,7 @@
           <a:p>
             <a:r>
               <a:rPr lang="en-US" dirty="0"/>
-              <a:t>Disconnected Peripheral Devices</a:t>
+              <a:t>Updating Drivers Strategy</a:t>
             </a:r>
           </a:p>
         </p:txBody>
@@ -11008,7 +11136,12 @@
             <p:ph idx="1"/>
           </p:nvPr>
         </p:nvSpPr>
-        <p:spPr/>
+        <p:spPr>
+          <a:xfrm>
+            <a:off x="266218" y="1257300"/>
+            <a:ext cx="11316182" cy="4800600"/>
+          </a:xfrm>
+        </p:spPr>
         <p:txBody>
           <a:bodyPr/>
           <a:lstStyle/>
@@ -11018,39 +11151,13 @@
             </a:pPr>
             <a:r>
               <a:rPr lang="en-US" dirty="0"/>
-              <a:t>Using DISM and Windows PE</a:t>
-            </a:r>
-          </a:p>
-          <a:p>
-            <a:r>
-              <a:rPr lang="en-US" dirty="0"/>
-              <a:t>Reboot the task sequence into Windows PE</a:t>
-            </a:r>
-          </a:p>
-          <a:p>
-            <a:r>
-              <a:rPr lang="en-US" dirty="0"/>
-              <a:t>Have a Run Command step that installs the steps using dism.exe</a:t>
-            </a:r>
-          </a:p>
-          <a:p>
-            <a:r>
-              <a:rPr lang="en-US" dirty="0"/>
-              <a:t>This will inject the driver regardless of if the device is present.</a:t>
-            </a:r>
-          </a:p>
-          <a:p>
-            <a:r>
-              <a:rPr lang="en-US" dirty="0"/>
-              <a:t>Be mindful of BitLocker \ 3</a:t>
-            </a:r>
-            <a:r>
-              <a:rPr lang="en-US" baseline="30000" dirty="0"/>
-              <a:t>rd</a:t>
-            </a:r>
-            <a:r>
-              <a:rPr lang="en-US" dirty="0"/>
-              <a:t> party encryption.</a:t>
+              <a:t>Use Cached Drivers</a:t>
+            </a:r>
+          </a:p>
+          <a:p>
+            <a:r>
+              <a:rPr lang="en-US" dirty="0"/>
+              <a:t>Device must be attached during upgrade.</a:t>
             </a:r>
           </a:p>
           <a:p>
@@ -11060,44 +11167,77 @@
             <a:pPr marL="0" indent="0">
               <a:buNone/>
             </a:pPr>
-            <a:endParaRPr lang="en-US" i="1" dirty="0"/>
+            <a:endParaRPr lang="en-US" dirty="0"/>
           </a:p>
           <a:p>
             <a:pPr marL="0" indent="0">
               <a:buNone/>
             </a:pPr>
-            <a:r>
-              <a:rPr lang="en-US" i="1" dirty="0"/>
-              <a:t>	</a:t>
-            </a:r>
-            <a:r>
-              <a:rPr lang="en-US" i="1" dirty="0" err="1"/>
-              <a:t>dism</a:t>
-            </a:r>
-            <a:r>
-              <a:rPr lang="en-US" i="1" dirty="0"/>
-              <a:t> /</a:t>
-            </a:r>
-            <a:r>
-              <a:rPr lang="en-US" i="1" dirty="0" err="1"/>
-              <a:t>Image:C</a:t>
-            </a:r>
-            <a:r>
-              <a:rPr lang="en-US" i="1" dirty="0"/>
-              <a:t>:\ /Add-Driver /Driver:.\ /</a:t>
-            </a:r>
-            <a:r>
-              <a:rPr lang="en-US" i="1" dirty="0" err="1"/>
-              <a:t>Recurse</a:t>
-            </a:r>
-            <a:endParaRPr lang="en-US" i="1" dirty="0"/>
+            <a:endParaRPr lang="en-US" dirty="0"/>
+          </a:p>
+          <a:p>
+            <a:endParaRPr lang="en-US" dirty="0"/>
+          </a:p>
+          <a:p>
+            <a:pPr marL="457200" lvl="1" indent="0">
+              <a:buNone/>
+            </a:pPr>
+            <a:endParaRPr lang="en-US" dirty="0"/>
           </a:p>
         </p:txBody>
       </p:sp>
+      <p:pic>
+        <p:nvPicPr>
+          <p:cNvPr id="4" name="Picture 3"/>
+          <p:cNvPicPr>
+            <a:picLocks noChangeAspect="1"/>
+          </p:cNvPicPr>
+          <p:nvPr/>
+        </p:nvPicPr>
+        <p:blipFill>
+          <a:blip r:embed="rId3"/>
+          <a:stretch>
+            <a:fillRect/>
+          </a:stretch>
+        </p:blipFill>
+        <p:spPr>
+          <a:xfrm>
+            <a:off x="6544038" y="2311862"/>
+            <a:ext cx="3733800" cy="4086225"/>
+          </a:xfrm>
+          <a:prstGeom prst="rect">
+            <a:avLst/>
+          </a:prstGeom>
+        </p:spPr>
+      </p:pic>
+      <p:pic>
+        <p:nvPicPr>
+          <p:cNvPr id="5" name="Picture 4"/>
+          <p:cNvPicPr>
+            <a:picLocks noChangeAspect="1"/>
+          </p:cNvPicPr>
+          <p:nvPr/>
+        </p:nvPicPr>
+        <p:blipFill>
+          <a:blip r:embed="rId4"/>
+          <a:stretch>
+            <a:fillRect/>
+          </a:stretch>
+        </p:blipFill>
+        <p:spPr>
+          <a:xfrm>
+            <a:off x="2363190" y="2314380"/>
+            <a:ext cx="3968164" cy="4104170"/>
+          </a:xfrm>
+          <a:prstGeom prst="rect">
+            <a:avLst/>
+          </a:prstGeom>
+        </p:spPr>
+      </p:pic>
     </p:spTree>
     <p:extLst>
       <p:ext uri="{BB962C8B-B14F-4D97-AF65-F5344CB8AC3E}">
-        <p14:creationId xmlns:p14="http://schemas.microsoft.com/office/powerpoint/2010/main" val="1547342214"/>
+        <p14:creationId xmlns:p14="http://schemas.microsoft.com/office/powerpoint/2010/main" val="1473244445"/>
       </p:ext>
     </p:extLst>
   </p:cSld>
@@ -11126,7 +11266,7 @@
       </p:grpSpPr>
       <p:sp>
         <p:nvSpPr>
-          <p:cNvPr id="4" name="Title 3"/>
+          <p:cNvPr id="2" name="Title 1"/>
           <p:cNvSpPr>
             <a:spLocks noGrp="1"/>
           </p:cNvSpPr>
@@ -11141,42 +11281,151 @@
           <a:p>
             <a:r>
               <a:rPr lang="en-US" dirty="0"/>
-              <a:t>ConfigMgr Integration</a:t>
+              <a:t>Disconnected Peripheral Devices</a:t>
             </a:r>
           </a:p>
         </p:txBody>
       </p:sp>
       <p:sp>
         <p:nvSpPr>
-          <p:cNvPr id="5" name="Text Placeholder 4"/>
+          <p:cNvPr id="3" name="Content Placeholder 2"/>
           <p:cNvSpPr>
             <a:spLocks noGrp="1"/>
           </p:cNvSpPr>
           <p:nvPr>
-            <p:ph type="body" idx="1"/>
-          </p:nvPr>
-        </p:nvSpPr>
-        <p:spPr>
-          <a:xfrm>
-            <a:off x="620966" y="4495800"/>
-            <a:ext cx="8609013" cy="1498600"/>
-          </a:xfrm>
-        </p:spPr>
+            <p:ph idx="1"/>
+          </p:nvPr>
+        </p:nvSpPr>
+        <p:spPr/>
         <p:txBody>
           <a:bodyPr/>
           <a:lstStyle/>
           <a:p>
-            <a:r>
-              <a:rPr lang="en-US" dirty="0"/>
-              <a:t>Simple yet useful integration.</a:t>
-            </a:r>
+            <a:pPr marL="0" indent="0">
+              <a:buNone/>
+            </a:pPr>
+            <a:r>
+              <a:rPr lang="en-US" dirty="0"/>
+              <a:t>Using DISM and Windows PE</a:t>
+            </a:r>
+          </a:p>
+          <a:p>
+            <a:r>
+              <a:rPr lang="en-US" dirty="0"/>
+              <a:t>Reboot the task sequence into Windows PE</a:t>
+            </a:r>
+          </a:p>
+          <a:p>
+            <a:r>
+              <a:rPr lang="en-US" dirty="0"/>
+              <a:t>Have a Run Command step that installs the steps using dism.exe</a:t>
+            </a:r>
+          </a:p>
+          <a:p>
+            <a:r>
+              <a:rPr lang="en-US" dirty="0"/>
+              <a:t>This will inject the driver regardless of if the device is present.</a:t>
+            </a:r>
+          </a:p>
+          <a:p>
+            <a:r>
+              <a:rPr lang="en-US" dirty="0"/>
+              <a:t>Be mindful of BitLocker \ 3</a:t>
+            </a:r>
+            <a:r>
+              <a:rPr lang="en-US" baseline="30000" dirty="0"/>
+              <a:t>rd</a:t>
+            </a:r>
+            <a:r>
+              <a:rPr lang="en-US" dirty="0"/>
+              <a:t> party encryption</a:t>
+            </a:r>
+            <a:r>
+              <a:rPr lang="en-US" dirty="0" smtClean="0"/>
+              <a:t>.</a:t>
+            </a:r>
+            <a:endParaRPr lang="en-US" i="1" dirty="0"/>
+          </a:p>
+          <a:p>
+            <a:pPr marL="0" indent="0">
+              <a:buNone/>
+            </a:pPr>
+            <a:r>
+              <a:rPr lang="en-US" i="1" dirty="0"/>
+              <a:t>	</a:t>
+            </a:r>
+            <a:r>
+              <a:rPr lang="en-US" i="1" dirty="0" err="1"/>
+              <a:t>dism</a:t>
+            </a:r>
+            <a:r>
+              <a:rPr lang="en-US" i="1" dirty="0"/>
+              <a:t> /</a:t>
+            </a:r>
+            <a:r>
+              <a:rPr lang="en-US" i="1" dirty="0" err="1"/>
+              <a:t>Image:C</a:t>
+            </a:r>
+            <a:r>
+              <a:rPr lang="en-US" i="1" dirty="0"/>
+              <a:t>:\ /Add-Driver /Driver:.\ /</a:t>
+            </a:r>
+            <a:r>
+              <a:rPr lang="en-US" i="1" dirty="0" err="1" smtClean="0"/>
+              <a:t>Recurse</a:t>
+            </a:r>
+            <a:endParaRPr lang="en-US" i="1" dirty="0" smtClean="0"/>
+          </a:p>
+          <a:p>
+            <a:pPr marL="0" indent="0">
+              <a:buNone/>
+            </a:pPr>
+            <a:endParaRPr lang="en-US" i="1" dirty="0"/>
+          </a:p>
+          <a:p>
+            <a:pPr marL="0" indent="0">
+              <a:buNone/>
+            </a:pPr>
+            <a:r>
+              <a:rPr lang="en-US" dirty="0" smtClean="0"/>
+              <a:t>Use PNPUtil.exe in </a:t>
+            </a:r>
+            <a:r>
+              <a:rPr lang="en-US" smtClean="0"/>
+              <a:t>the full O.S. </a:t>
+            </a:r>
+            <a:endParaRPr lang="en-US" dirty="0" smtClean="0"/>
+          </a:p>
+          <a:p>
+            <a:r>
+              <a:rPr lang="en-US" dirty="0" smtClean="0"/>
+              <a:t>Inject the driver into the Driver store.</a:t>
+            </a:r>
+          </a:p>
+          <a:p>
+            <a:pPr marL="457200" lvl="1" indent="0">
+              <a:buNone/>
+            </a:pPr>
+            <a:r>
+              <a:rPr lang="en-US" i="1" dirty="0"/>
+              <a:t>pnputil.exe –</a:t>
+            </a:r>
+            <a:r>
+              <a:rPr lang="en-US" i="1" dirty="0" err="1"/>
+              <a:t>i</a:t>
+            </a:r>
+            <a:r>
+              <a:rPr lang="en-US" i="1" dirty="0"/>
+              <a:t> –a dlidusb.inf</a:t>
+            </a:r>
+            <a:endParaRPr lang="en-US" i="1" dirty="0"/>
           </a:p>
         </p:txBody>
       </p:sp>
     </p:spTree>
     <p:extLst>
       <p:ext uri="{BB962C8B-B14F-4D97-AF65-F5344CB8AC3E}">
-        <p14:creationId xmlns:p14="http://schemas.microsoft.com/office/powerpoint/2010/main" val="3148029186"/>
+        <p14:creationId xmlns:p14="http://schemas.microsoft.com/office/powerpoint/2010/main" val="1547342214"/>
       </p:ext>
     </p:extLst>
   </p:cSld>
@@ -11205,7 +11454,7 @@
       </p:grpSpPr>
       <p:sp>
         <p:nvSpPr>
-          <p:cNvPr id="2" name="Title 1"/>
+          <p:cNvPr id="4" name="Title 3"/>
           <p:cNvSpPr>
             <a:spLocks noGrp="1"/>
           </p:cNvSpPr>
@@ -11219,65 +11468,43 @@
           <a:lstStyle/>
           <a:p>
             <a:r>
-              <a:rPr lang="en-US" dirty="0" err="1"/>
-              <a:t>Configmgr</a:t>
-            </a:r>
-            <a:r>
-              <a:rPr lang="en-US" dirty="0"/>
-              <a:t> Integration	</a:t>
+              <a:rPr lang="en-US" dirty="0"/>
+              <a:t>ConfigMgr Integration</a:t>
             </a:r>
           </a:p>
         </p:txBody>
       </p:sp>
       <p:sp>
         <p:nvSpPr>
-          <p:cNvPr id="3" name="Content Placeholder 2"/>
+          <p:cNvPr id="5" name="Text Placeholder 4"/>
           <p:cNvSpPr>
             <a:spLocks noGrp="1"/>
           </p:cNvSpPr>
           <p:nvPr>
-            <p:ph idx="1"/>
-          </p:nvPr>
-        </p:nvSpPr>
-        <p:spPr/>
+            <p:ph type="body" idx="1"/>
+          </p:nvPr>
+        </p:nvSpPr>
+        <p:spPr>
+          <a:xfrm>
+            <a:off x="620966" y="4495800"/>
+            <a:ext cx="8609013" cy="1498600"/>
+          </a:xfrm>
+        </p:spPr>
         <p:txBody>
-          <a:bodyPr>
-            <a:normAutofit/>
-          </a:bodyPr>
+          <a:bodyPr/>
           <a:lstStyle/>
           <a:p>
-            <a:endParaRPr lang="en-US" dirty="0"/>
+            <a:r>
+              <a:rPr lang="en-US" dirty="0"/>
+              <a:t>Simple yet useful integration.</a:t>
+            </a:r>
           </a:p>
         </p:txBody>
       </p:sp>
-      <p:pic>
-        <p:nvPicPr>
-          <p:cNvPr id="5" name="Picture 4"/>
-          <p:cNvPicPr>
-            <a:picLocks noChangeAspect="1"/>
-          </p:cNvPicPr>
-          <p:nvPr/>
-        </p:nvPicPr>
-        <p:blipFill>
-          <a:blip r:embed="rId3"/>
-          <a:stretch>
-            <a:fillRect/>
-          </a:stretch>
-        </p:blipFill>
-        <p:spPr>
-          <a:xfrm>
-            <a:off x="904875" y="1857375"/>
-            <a:ext cx="10382250" cy="3143250"/>
-          </a:xfrm>
-          <a:prstGeom prst="rect">
-            <a:avLst/>
-          </a:prstGeom>
-        </p:spPr>
-      </p:pic>
     </p:spTree>
     <p:extLst>
       <p:ext uri="{BB962C8B-B14F-4D97-AF65-F5344CB8AC3E}">
-        <p14:creationId xmlns:p14="http://schemas.microsoft.com/office/powerpoint/2010/main" val="2160272385"/>
+        <p14:creationId xmlns:p14="http://schemas.microsoft.com/office/powerpoint/2010/main" val="3148029186"/>
       </p:ext>
     </p:extLst>
   </p:cSld>
@@ -11343,116 +11570,17 @@
         <p:spPr/>
         <p:txBody>
           <a:bodyPr>
-            <a:normAutofit fontScale="92500" lnSpcReduction="20000"/>
+            <a:normAutofit/>
           </a:bodyPr>
           <a:lstStyle/>
           <a:p>
-            <a:r>
-              <a:rPr lang="en-US" dirty="0"/>
-              <a:t>Shows % of devices reporting telemetry</a:t>
-            </a:r>
-          </a:p>
-          <a:p>
             <a:endParaRPr lang="en-US" dirty="0"/>
           </a:p>
-          <a:p>
-            <a:r>
-              <a:rPr lang="en-US" dirty="0"/>
-              <a:t>WQL - Upgrade Analytics Status</a:t>
-            </a:r>
-          </a:p>
-          <a:p>
-            <a:pPr marL="0" indent="0">
-              <a:buNone/>
-            </a:pPr>
-            <a:endParaRPr lang="en-US" dirty="0"/>
-          </a:p>
-          <a:p>
-            <a:r>
-              <a:rPr lang="en-US" dirty="0"/>
-              <a:t>SQL View</a:t>
-            </a:r>
-          </a:p>
-          <a:p>
-            <a:pPr lvl="1"/>
-            <a:r>
-              <a:rPr lang="en-US" dirty="0" err="1"/>
-              <a:t>SMS_G_System_UAComputerStatus</a:t>
-            </a:r>
-            <a:endParaRPr lang="en-US" dirty="0"/>
-          </a:p>
-          <a:p>
-            <a:endParaRPr lang="en-US" dirty="0"/>
-          </a:p>
-          <a:p>
-            <a:r>
-              <a:rPr lang="en-US" dirty="0"/>
-              <a:t>Status – 4=failed</a:t>
-            </a:r>
-          </a:p>
-          <a:p>
-            <a:endParaRPr lang="en-US" dirty="0"/>
-          </a:p>
-          <a:p>
-            <a:endParaRPr lang="en-US" dirty="0"/>
-          </a:p>
-          <a:p>
-            <a:endParaRPr lang="en-US" dirty="0"/>
-          </a:p>
-          <a:p>
-            <a:pPr marL="0" indent="0">
-              <a:buNone/>
-            </a:pPr>
-            <a:r>
-              <a:rPr lang="en-US" dirty="0"/>
-              <a:t>select *  from  </a:t>
-            </a:r>
-            <a:r>
-              <a:rPr lang="en-US" dirty="0" err="1"/>
-              <a:t>SMS_R_System</a:t>
-            </a:r>
-            <a:r>
-              <a:rPr lang="en-US" dirty="0"/>
-              <a:t> inner join </a:t>
-            </a:r>
-            <a:r>
-              <a:rPr lang="en-US" dirty="0" err="1"/>
-              <a:t>SMS_G_System_UAComputerStatus</a:t>
-            </a:r>
-            <a:r>
-              <a:rPr lang="en-US" dirty="0"/>
-              <a:t> on </a:t>
-            </a:r>
-            <a:r>
-              <a:rPr lang="en-US" dirty="0" err="1"/>
-              <a:t>SMS_G_System_UAComputerStatus.ResourceId</a:t>
-            </a:r>
-            <a:r>
-              <a:rPr lang="en-US" dirty="0"/>
-              <a:t> = </a:t>
-            </a:r>
-            <a:r>
-              <a:rPr lang="en-US" dirty="0" err="1"/>
-              <a:t>SMS_R_System.ResourceId</a:t>
-            </a:r>
-            <a:r>
-              <a:rPr lang="en-US" dirty="0"/>
-              <a:t> where </a:t>
-            </a:r>
-            <a:r>
-              <a:rPr lang="en-US" dirty="0" err="1"/>
-              <a:t>SMS_G_System_UAComputerStatus.UpgradeAnalyticsStatus</a:t>
-            </a:r>
-            <a:r>
-              <a:rPr lang="en-US" dirty="0"/>
-              <a:t>="2"</a:t>
-            </a:r>
-          </a:p>
         </p:txBody>
       </p:sp>
       <p:pic>
         <p:nvPicPr>
-          <p:cNvPr id="4" name="Picture 3"/>
+          <p:cNvPr id="5" name="Picture 4"/>
           <p:cNvPicPr>
             <a:picLocks noChangeAspect="1"/>
           </p:cNvPicPr>
@@ -11466,8 +11594,8 @@
         </p:blipFill>
         <p:spPr>
           <a:xfrm>
-            <a:off x="6872678" y="1694658"/>
-            <a:ext cx="4709722" cy="2912783"/>
+            <a:off x="904875" y="1857375"/>
+            <a:ext cx="10382250" cy="3143250"/>
           </a:xfrm>
           <a:prstGeom prst="rect">
             <a:avLst/>
@@ -11477,7 +11605,7 @@
     </p:spTree>
     <p:extLst>
       <p:ext uri="{BB962C8B-B14F-4D97-AF65-F5344CB8AC3E}">
-        <p14:creationId xmlns:p14="http://schemas.microsoft.com/office/powerpoint/2010/main" val="463857322"/>
+        <p14:creationId xmlns:p14="http://schemas.microsoft.com/office/powerpoint/2010/main" val="2160272385"/>
       </p:ext>
     </p:extLst>
   </p:cSld>
@@ -11506,7 +11634,7 @@
       </p:grpSpPr>
       <p:sp>
         <p:nvSpPr>
-          <p:cNvPr id="4" name="Title 3"/>
+          <p:cNvPr id="2" name="Title 1"/>
           <p:cNvSpPr>
             <a:spLocks noGrp="1"/>
           </p:cNvSpPr>
@@ -11520,50 +11648,164 @@
           <a:lstStyle/>
           <a:p>
             <a:r>
-              <a:rPr lang="en-US" dirty="0"/>
-              <a:t>Queries</a:t>
+              <a:rPr lang="en-US" dirty="0" err="1"/>
+              <a:t>Configmgr</a:t>
+            </a:r>
+            <a:r>
+              <a:rPr lang="en-US" dirty="0"/>
+              <a:t> Integration	</a:t>
             </a:r>
           </a:p>
         </p:txBody>
       </p:sp>
       <p:sp>
         <p:nvSpPr>
-          <p:cNvPr id="5" name="Text Placeholder 4"/>
+          <p:cNvPr id="3" name="Content Placeholder 2"/>
           <p:cNvSpPr>
             <a:spLocks noGrp="1"/>
           </p:cNvSpPr>
           <p:nvPr>
-            <p:ph type="body" idx="1"/>
+            <p:ph idx="1"/>
           </p:nvPr>
         </p:nvSpPr>
         <p:spPr/>
         <p:txBody>
-          <a:bodyPr/>
+          <a:bodyPr>
+            <a:normAutofit fontScale="92500" lnSpcReduction="20000"/>
+          </a:bodyPr>
           <a:lstStyle/>
           <a:p>
             <a:r>
+              <a:rPr lang="en-US" dirty="0"/>
+              <a:t>Shows % of devices reporting telemetry</a:t>
+            </a:r>
+          </a:p>
+          <a:p>
+            <a:endParaRPr lang="en-US" dirty="0"/>
+          </a:p>
+          <a:p>
+            <a:r>
+              <a:rPr lang="en-US" dirty="0"/>
+              <a:t>WQL - Upgrade Analytics Status</a:t>
+            </a:r>
+          </a:p>
+          <a:p>
+            <a:pPr marL="0" indent="0">
+              <a:buNone/>
+            </a:pPr>
+            <a:endParaRPr lang="en-US" dirty="0"/>
+          </a:p>
+          <a:p>
+            <a:r>
+              <a:rPr lang="en-US" dirty="0"/>
+              <a:t>SQL View</a:t>
+            </a:r>
+          </a:p>
+          <a:p>
+            <a:pPr lvl="1"/>
+            <a:r>
               <a:rPr lang="en-US" dirty="0" err="1"/>
-              <a:t>CaSE</a:t>
-            </a:r>
-            <a:r>
-              <a:rPr lang="en-US" dirty="0"/>
-              <a:t> </a:t>
+              <a:t>SMS_G_System_UAComputerStatus</a:t>
+            </a:r>
+            <a:endParaRPr lang="en-US" dirty="0"/>
+          </a:p>
+          <a:p>
+            <a:endParaRPr lang="en-US" dirty="0"/>
+          </a:p>
+          <a:p>
+            <a:r>
+              <a:rPr lang="en-US" dirty="0"/>
+              <a:t>Status – 4=failed</a:t>
+            </a:r>
+          </a:p>
+          <a:p>
+            <a:endParaRPr lang="en-US" dirty="0"/>
+          </a:p>
+          <a:p>
+            <a:endParaRPr lang="en-US" dirty="0"/>
+          </a:p>
+          <a:p>
+            <a:endParaRPr lang="en-US" dirty="0"/>
+          </a:p>
+          <a:p>
+            <a:pPr marL="0" indent="0">
+              <a:buNone/>
+            </a:pPr>
+            <a:r>
+              <a:rPr lang="en-US" dirty="0"/>
+              <a:t>select *  from  </a:t>
             </a:r>
             <a:r>
               <a:rPr lang="en-US" dirty="0" err="1"/>
-              <a:t>sEnSiTiVE</a:t>
-            </a:r>
-            <a:r>
-              <a:rPr lang="en-US" dirty="0"/>
-              <a:t>!</a:t>
+              <a:t>SMS_R_System</a:t>
+            </a:r>
+            <a:r>
+              <a:rPr lang="en-US" dirty="0"/>
+              <a:t> inner join </a:t>
+            </a:r>
+            <a:r>
+              <a:rPr lang="en-US" dirty="0" err="1"/>
+              <a:t>SMS_G_System_UAComputerStatus</a:t>
+            </a:r>
+            <a:r>
+              <a:rPr lang="en-US" dirty="0"/>
+              <a:t> on </a:t>
+            </a:r>
+            <a:r>
+              <a:rPr lang="en-US" dirty="0" err="1"/>
+              <a:t>SMS_G_System_UAComputerStatus.ResourceId</a:t>
+            </a:r>
+            <a:r>
+              <a:rPr lang="en-US" dirty="0"/>
+              <a:t> = </a:t>
+            </a:r>
+            <a:r>
+              <a:rPr lang="en-US" dirty="0" err="1"/>
+              <a:t>SMS_R_System.ResourceId</a:t>
+            </a:r>
+            <a:r>
+              <a:rPr lang="en-US" dirty="0"/>
+              <a:t> where </a:t>
+            </a:r>
+            <a:r>
+              <a:rPr lang="en-US" dirty="0" err="1"/>
+              <a:t>SMS_G_System_UAComputerStatus.UpgradeAnalyticsStatus</a:t>
+            </a:r>
+            <a:r>
+              <a:rPr lang="en-US" dirty="0"/>
+              <a:t>="2"</a:t>
             </a:r>
           </a:p>
         </p:txBody>
       </p:sp>
+      <p:pic>
+        <p:nvPicPr>
+          <p:cNvPr id="4" name="Picture 3"/>
+          <p:cNvPicPr>
+            <a:picLocks noChangeAspect="1"/>
+          </p:cNvPicPr>
+          <p:nvPr/>
+        </p:nvPicPr>
+        <p:blipFill>
+          <a:blip r:embed="rId3"/>
+          <a:stretch>
+            <a:fillRect/>
+          </a:stretch>
+        </p:blipFill>
+        <p:spPr>
+          <a:xfrm>
+            <a:off x="6872678" y="1694658"/>
+            <a:ext cx="4709722" cy="2912783"/>
+          </a:xfrm>
+          <a:prstGeom prst="rect">
+            <a:avLst/>
+          </a:prstGeom>
+        </p:spPr>
+      </p:pic>
     </p:spTree>
     <p:extLst>
       <p:ext uri="{BB962C8B-B14F-4D97-AF65-F5344CB8AC3E}">
-        <p14:creationId xmlns:p14="http://schemas.microsoft.com/office/powerpoint/2010/main" val="3216903800"/>
+        <p14:creationId xmlns:p14="http://schemas.microsoft.com/office/powerpoint/2010/main" val="463857322"/>
       </p:ext>
     </p:extLst>
   </p:cSld>
@@ -11592,7 +11834,7 @@
       </p:grpSpPr>
       <p:sp>
         <p:nvSpPr>
-          <p:cNvPr id="2" name="Title 1"/>
+          <p:cNvPr id="4" name="Title 3"/>
           <p:cNvSpPr>
             <a:spLocks noGrp="1"/>
           </p:cNvSpPr>
@@ -11607,47 +11849,29 @@
           <a:p>
             <a:r>
               <a:rPr lang="en-US" dirty="0"/>
-              <a:t>Query Examples</a:t>
+              <a:t>Queries</a:t>
             </a:r>
           </a:p>
         </p:txBody>
       </p:sp>
       <p:sp>
         <p:nvSpPr>
-          <p:cNvPr id="3" name="Content Placeholder 2"/>
+          <p:cNvPr id="5" name="Text Placeholder 4"/>
           <p:cNvSpPr>
             <a:spLocks noGrp="1"/>
           </p:cNvSpPr>
           <p:nvPr>
-            <p:ph idx="1"/>
+            <p:ph type="body" idx="1"/>
           </p:nvPr>
         </p:nvSpPr>
         <p:spPr/>
         <p:txBody>
-          <a:bodyPr>
-            <a:normAutofit fontScale="85000" lnSpcReduction="10000"/>
-          </a:bodyPr>
+          <a:bodyPr/>
           <a:lstStyle/>
           <a:p>
-            <a:pPr marL="571500" lvl="1" indent="0">
-              <a:buNone/>
-            </a:pPr>
-            <a:r>
-              <a:rPr lang="en-US" dirty="0"/>
-              <a:t>Upgrade Issues with a specific device</a:t>
-            </a:r>
-          </a:p>
-          <a:p>
-            <a:pPr marL="571500" lvl="1" indent="0">
-              <a:buNone/>
-            </a:pPr>
-            <a:r>
-              <a:rPr lang="en-US" dirty="0"/>
-              <a:t>Computer=WIN7-05 Type=</a:t>
-            </a:r>
             <a:r>
               <a:rPr lang="en-US" dirty="0" err="1"/>
-              <a:t>UASysReqIssue</a:t>
+              <a:t>CaSE</a:t>
             </a:r>
             <a:r>
               <a:rPr lang="en-US" dirty="0"/>
@@ -11655,211 +11879,19 @@
             </a:r>
             <a:r>
               <a:rPr lang="en-US" dirty="0" err="1"/>
-              <a:t>UpgradeAssessment</a:t>
-            </a:r>
-            <a:r>
-              <a:rPr lang="en-US" dirty="0"/>
-              <a:t>!="Seamless upgrade" </a:t>
-            </a:r>
-            <a:r>
-              <a:rPr lang="en-US" dirty="0" err="1"/>
-              <a:t>UpgradeAssessment</a:t>
-            </a:r>
-            <a:r>
-              <a:rPr lang="en-US" dirty="0"/>
-              <a:t>!="No known issues“</a:t>
-            </a:r>
-          </a:p>
-          <a:p>
-            <a:pPr marL="571500" lvl="1" indent="0">
-              <a:buNone/>
-            </a:pPr>
-            <a:endParaRPr lang="en-US" dirty="0"/>
-          </a:p>
-          <a:p>
-            <a:pPr marL="571500" lvl="1" indent="0">
-              <a:buNone/>
-            </a:pPr>
-            <a:r>
-              <a:rPr lang="en-US" dirty="0"/>
-              <a:t>Install Counts of Applications</a:t>
-            </a:r>
-          </a:p>
-          <a:p>
-            <a:pPr marL="571500" lvl="1" indent="0">
-              <a:buNone/>
-            </a:pPr>
-            <a:r>
-              <a:rPr lang="en-US" dirty="0" err="1"/>
-              <a:t>UpgradeAssessment</a:t>
-            </a:r>
-            <a:r>
-              <a:rPr lang="en-US" dirty="0"/>
-              <a:t>="Attention needed" Type=</a:t>
-            </a:r>
-            <a:r>
-              <a:rPr lang="en-US" dirty="0" err="1"/>
-              <a:t>UAApp</a:t>
-            </a:r>
-            <a:r>
-              <a:rPr lang="en-US" dirty="0"/>
-              <a:t> </a:t>
-            </a:r>
-            <a:r>
-              <a:rPr lang="en-US" dirty="0" err="1"/>
-              <a:t>IsRollup</a:t>
-            </a:r>
-            <a:r>
-              <a:rPr lang="en-US" dirty="0"/>
-              <a:t>=true </a:t>
-            </a:r>
-            <a:r>
-              <a:rPr lang="en-US" dirty="0" err="1"/>
-              <a:t>RollupLevel</a:t>
-            </a:r>
-            <a:r>
-              <a:rPr lang="en-US" dirty="0"/>
-              <a:t>=Granular Issue &lt;&gt; "No known </a:t>
-            </a:r>
-            <a:r>
-              <a:rPr lang="en-US" dirty="0" err="1"/>
-              <a:t>i</a:t>
-            </a:r>
-            <a:endParaRPr lang="en-US" dirty="0"/>
-          </a:p>
-          <a:p>
-            <a:pPr marL="571500" lvl="1" indent="0">
-              <a:buNone/>
-            </a:pPr>
-            <a:r>
-              <a:rPr lang="en-US" dirty="0" err="1"/>
-              <a:t>ssues</a:t>
-            </a:r>
-            <a:r>
-              <a:rPr lang="en-US" dirty="0"/>
-              <a:t>" | measure count() by </a:t>
-            </a:r>
-            <a:r>
-              <a:rPr lang="en-US" dirty="0" err="1"/>
-              <a:t>AppName</a:t>
-            </a:r>
-            <a:endParaRPr lang="en-US" dirty="0"/>
-          </a:p>
-          <a:p>
-            <a:pPr marL="571500" lvl="1" indent="0">
-              <a:buNone/>
-            </a:pPr>
-            <a:endParaRPr lang="en-US" dirty="0"/>
-          </a:p>
-          <a:p>
-            <a:pPr marL="571500" lvl="1" indent="0">
-              <a:buNone/>
-            </a:pPr>
-            <a:r>
-              <a:rPr lang="en-US" dirty="0"/>
-              <a:t>Count of Issues</a:t>
-            </a:r>
-          </a:p>
-          <a:p>
-            <a:pPr marL="571500" lvl="1" indent="0">
-              <a:buNone/>
-            </a:pPr>
-            <a:r>
-              <a:rPr lang="en-US" dirty="0" err="1"/>
-              <a:t>UpgradeAssessment</a:t>
-            </a:r>
-            <a:r>
-              <a:rPr lang="en-US" dirty="0"/>
-              <a:t>="Attention needed" Type=</a:t>
-            </a:r>
-            <a:r>
-              <a:rPr lang="en-US" dirty="0" err="1"/>
-              <a:t>UAApp</a:t>
-            </a:r>
-            <a:r>
-              <a:rPr lang="en-US" dirty="0"/>
-              <a:t> </a:t>
-            </a:r>
-            <a:r>
-              <a:rPr lang="en-US" dirty="0" err="1"/>
-              <a:t>IsRollup</a:t>
-            </a:r>
-            <a:r>
-              <a:rPr lang="en-US" dirty="0"/>
-              <a:t>=true </a:t>
-            </a:r>
-            <a:r>
-              <a:rPr lang="en-US" dirty="0" err="1"/>
-              <a:t>RollupLevel</a:t>
-            </a:r>
-            <a:r>
-              <a:rPr lang="en-US" dirty="0"/>
-              <a:t>=Granular Issue &lt;&gt; "No known issues" | measure count() by Issue</a:t>
-            </a:r>
-          </a:p>
-          <a:p>
-            <a:pPr marL="571500" lvl="1" indent="0">
-              <a:buNone/>
-            </a:pPr>
-            <a:endParaRPr lang="en-US" dirty="0"/>
-          </a:p>
-          <a:p>
-            <a:pPr marL="571500" lvl="1" indent="0">
-              <a:buNone/>
-            </a:pPr>
-            <a:r>
-              <a:rPr lang="en-US" dirty="0"/>
-              <a:t>Apps Blocking Upgrades</a:t>
-            </a:r>
-          </a:p>
-          <a:p>
-            <a:pPr marL="571500" lvl="1" indent="0">
-              <a:buNone/>
-            </a:pPr>
-            <a:r>
-              <a:rPr lang="en-US" dirty="0" err="1"/>
-              <a:t>UpgradeAssessment</a:t>
-            </a:r>
-            <a:r>
-              <a:rPr lang="en-US" dirty="0"/>
-              <a:t>="Attention needed" Type=</a:t>
-            </a:r>
-            <a:r>
-              <a:rPr lang="en-US" dirty="0" err="1"/>
-              <a:t>UAApp</a:t>
-            </a:r>
-            <a:r>
-              <a:rPr lang="en-US" dirty="0"/>
-              <a:t> </a:t>
-            </a:r>
-            <a:r>
-              <a:rPr lang="en-US" dirty="0" err="1"/>
-              <a:t>IsRollup</a:t>
-            </a:r>
-            <a:r>
-              <a:rPr lang="en-US" dirty="0"/>
-              <a:t>=true </a:t>
-            </a:r>
-            <a:r>
-              <a:rPr lang="en-US" dirty="0" err="1"/>
-              <a:t>RollupLevel</a:t>
-            </a:r>
-            <a:r>
-              <a:rPr lang="en-US" dirty="0"/>
-              <a:t>=Granular Issue = "Blocking upgrade"  | measure count() by </a:t>
-            </a:r>
-            <a:r>
-              <a:rPr lang="en-US" dirty="0" err="1"/>
-              <a:t>AppName</a:t>
-            </a:r>
-            <a:endParaRPr lang="en-US" dirty="0"/>
+              <a:t>sEnSiTiVE</a:t>
+            </a:r>
+            <a:r>
+              <a:rPr lang="en-US" dirty="0"/>
+              <a:t>!</a:t>
+            </a:r>
           </a:p>
         </p:txBody>
       </p:sp>
     </p:spTree>
     <p:extLst>
       <p:ext uri="{BB962C8B-B14F-4D97-AF65-F5344CB8AC3E}">
-        <p14:creationId xmlns:p14="http://schemas.microsoft.com/office/powerpoint/2010/main" val="2748779231"/>
+        <p14:creationId xmlns:p14="http://schemas.microsoft.com/office/powerpoint/2010/main" val="3216903800"/>
       </p:ext>
     </p:extLst>
   </p:cSld>
@@ -11903,7 +11935,7 @@
           <a:p>
             <a:r>
               <a:rPr lang="en-US" dirty="0"/>
-              <a:t>Query Notes</a:t>
+              <a:t>Query Examples</a:t>
             </a:r>
           </a:p>
         </p:txBody>
@@ -11920,164 +11952,242 @@
         </p:nvSpPr>
         <p:spPr/>
         <p:txBody>
-          <a:bodyPr/>
+          <a:bodyPr>
+            <a:normAutofit fontScale="85000" lnSpcReduction="10000"/>
+          </a:bodyPr>
           <a:lstStyle/>
           <a:p>
-            <a:pPr marL="114300" indent="0">
+            <a:pPr marL="571500" lvl="1" indent="0">
               <a:buNone/>
             </a:pPr>
-            <a:endParaRPr lang="en-US" sz="1600" dirty="0"/>
-          </a:p>
-          <a:p>
-            <a:pPr marL="114300" indent="0">
+            <a:r>
+              <a:rPr lang="en-US" dirty="0"/>
+              <a:t>Upgrade Issues with a specific device</a:t>
+            </a:r>
+          </a:p>
+          <a:p>
+            <a:pPr marL="571500" lvl="1" indent="0">
               <a:buNone/>
             </a:pPr>
             <a:r>
-              <a:rPr lang="en-US" sz="1600" dirty="0"/>
-              <a:t>Have more than 5000 apps? Append “| Skip 5000” to your query to get items 5,001 – 10,000</a:t>
-            </a:r>
-          </a:p>
-          <a:p>
-            <a:pPr marL="114300" indent="0">
-              <a:buNone/>
-            </a:pPr>
-            <a:endParaRPr lang="en-US" sz="1600" dirty="0"/>
-          </a:p>
-          <a:p>
-            <a:pPr marL="114300" indent="0">
-              <a:buNone/>
-            </a:pPr>
-            <a:r>
-              <a:rPr lang="en-US" sz="1600" dirty="0"/>
-              <a:t>Using | Measure will only return 5000 items, even in the console…  </a:t>
-            </a:r>
-          </a:p>
-          <a:p>
-            <a:pPr marL="114300" indent="0">
-              <a:buNone/>
-            </a:pPr>
-            <a:r>
-              <a:rPr lang="en-US" sz="1600" dirty="0"/>
-              <a:t>	[query] | </a:t>
-            </a:r>
-            <a:r>
-              <a:rPr lang="en-US" sz="1600" dirty="0" smtClean="0"/>
-              <a:t>Measure </a:t>
-            </a:r>
-            <a:r>
-              <a:rPr lang="en-US" sz="1600" dirty="0"/>
-              <a:t>count() by </a:t>
-            </a:r>
-            <a:r>
-              <a:rPr lang="en-US" sz="1600" dirty="0" err="1"/>
-              <a:t>AppName</a:t>
-            </a:r>
-            <a:r>
-              <a:rPr lang="en-US" sz="1600" dirty="0"/>
-              <a:t> | skip 5000 </a:t>
-            </a:r>
-          </a:p>
-          <a:p>
-            <a:pPr marL="114300" indent="0">
-              <a:buNone/>
-            </a:pPr>
-            <a:r>
-              <a:rPr lang="en-US" sz="1600" dirty="0"/>
-              <a:t>	will return 0 records.</a:t>
-            </a:r>
-          </a:p>
-          <a:p>
-            <a:pPr marL="114300" indent="0">
-              <a:buNone/>
-            </a:pPr>
-            <a:endParaRPr lang="en-US" sz="1600" dirty="0"/>
-          </a:p>
-          <a:p>
-            <a:pPr marL="114300" indent="0">
-              <a:buNone/>
-            </a:pPr>
-            <a:r>
-              <a:rPr lang="en-US" sz="1600" dirty="0"/>
-              <a:t>You can use wildcards.  i.e. </a:t>
-            </a:r>
-            <a:r>
-              <a:rPr lang="en-US" sz="1600" dirty="0" err="1"/>
-              <a:t>AppName</a:t>
-            </a:r>
-            <a:r>
-              <a:rPr lang="en-US" sz="1600" dirty="0"/>
-              <a:t> = *Adobe*</a:t>
-            </a:r>
-          </a:p>
-          <a:p>
-            <a:pPr marL="114300" indent="0">
-              <a:buNone/>
-            </a:pPr>
-            <a:endParaRPr lang="en-US" sz="1600" dirty="0"/>
-          </a:p>
-          <a:p>
-            <a:pPr marL="114300" indent="0">
-              <a:buNone/>
-            </a:pPr>
-            <a:endParaRPr lang="en-US" sz="1600" dirty="0"/>
-          </a:p>
-          <a:p>
-            <a:pPr marL="114300" indent="0">
-              <a:buNone/>
-            </a:pPr>
-            <a:endParaRPr lang="en-US" sz="1600" dirty="0"/>
-          </a:p>
-          <a:p>
-            <a:pPr marL="114300" indent="0">
-              <a:buNone/>
-            </a:pPr>
-            <a:r>
-              <a:rPr lang="en-US" sz="1600" dirty="0"/>
-              <a:t>Unsure of syntax or properties?  Autofill works pretty well on the webform.</a:t>
-            </a:r>
-          </a:p>
-          <a:p>
-            <a:pPr marL="114300" indent="0">
-              <a:buNone/>
-            </a:pPr>
-            <a:endParaRPr lang="en-US" sz="1600" dirty="0"/>
-          </a:p>
-          <a:p>
-            <a:pPr marL="1371600" lvl="3" indent="0">
+              <a:rPr lang="en-US" dirty="0"/>
+              <a:t>Computer=WIN7-05 Type=</a:t>
+            </a:r>
+            <a:r>
+              <a:rPr lang="en-US" dirty="0" err="1"/>
+              <a:t>UASysReqIssue</a:t>
+            </a:r>
+            <a:r>
+              <a:rPr lang="en-US" dirty="0"/>
+              <a:t> </a:t>
+            </a:r>
+            <a:r>
+              <a:rPr lang="en-US" dirty="0" err="1"/>
+              <a:t>UpgradeAssessment</a:t>
+            </a:r>
+            <a:r>
+              <a:rPr lang="en-US" dirty="0"/>
+              <a:t>!="Seamless upgrade" </a:t>
+            </a:r>
+            <a:r>
+              <a:rPr lang="en-US" dirty="0" err="1"/>
+              <a:t>UpgradeAssessment</a:t>
+            </a:r>
+            <a:r>
+              <a:rPr lang="en-US" dirty="0"/>
+              <a:t>!="No known issues“</a:t>
+            </a:r>
+          </a:p>
+          <a:p>
+            <a:pPr marL="571500" lvl="1" indent="0">
               <a:buNone/>
             </a:pPr>
             <a:endParaRPr lang="en-US" dirty="0"/>
           </a:p>
+          <a:p>
+            <a:pPr marL="571500" lvl="1" indent="0">
+              <a:buNone/>
+            </a:pPr>
+            <a:r>
+              <a:rPr lang="en-US" dirty="0"/>
+              <a:t>Install Counts of Applications</a:t>
+            </a:r>
+          </a:p>
+          <a:p>
+            <a:pPr marL="571500" lvl="1" indent="0">
+              <a:buNone/>
+            </a:pPr>
+            <a:r>
+              <a:rPr lang="en-US" dirty="0" err="1"/>
+              <a:t>UpgradeAssessment</a:t>
+            </a:r>
+            <a:r>
+              <a:rPr lang="en-US" dirty="0"/>
+              <a:t>="Attention needed" Type=</a:t>
+            </a:r>
+            <a:r>
+              <a:rPr lang="en-US" dirty="0" err="1"/>
+              <a:t>UAApp</a:t>
+            </a:r>
+            <a:r>
+              <a:rPr lang="en-US" dirty="0"/>
+              <a:t> </a:t>
+            </a:r>
+            <a:r>
+              <a:rPr lang="en-US" dirty="0" err="1"/>
+              <a:t>IsRollup</a:t>
+            </a:r>
+            <a:r>
+              <a:rPr lang="en-US" dirty="0"/>
+              <a:t>=true </a:t>
+            </a:r>
+            <a:r>
+              <a:rPr lang="en-US" dirty="0" err="1"/>
+              <a:t>RollupLevel</a:t>
+            </a:r>
+            <a:r>
+              <a:rPr lang="en-US" dirty="0"/>
+              <a:t>=Granular Issue &lt;&gt; "No known </a:t>
+            </a:r>
+            <a:r>
+              <a:rPr lang="en-US" dirty="0" err="1"/>
+              <a:t>i</a:t>
+            </a:r>
+            <a:endParaRPr lang="en-US" dirty="0"/>
+          </a:p>
+          <a:p>
+            <a:pPr marL="571500" lvl="1" indent="0">
+              <a:buNone/>
+            </a:pPr>
+            <a:r>
+              <a:rPr lang="en-US" dirty="0" err="1"/>
+              <a:t>ssues</a:t>
+            </a:r>
+            <a:r>
+              <a:rPr lang="en-US" dirty="0"/>
+              <a:t>" | measure count() by </a:t>
+            </a:r>
+            <a:r>
+              <a:rPr lang="en-US" dirty="0" err="1"/>
+              <a:t>AppName</a:t>
+            </a:r>
+            <a:endParaRPr lang="en-US" dirty="0"/>
+          </a:p>
+          <a:p>
+            <a:pPr marL="571500" lvl="1" indent="0">
+              <a:buNone/>
+            </a:pPr>
+            <a:endParaRPr lang="en-US" dirty="0"/>
+          </a:p>
+          <a:p>
+            <a:pPr marL="571500" lvl="1" indent="0">
+              <a:buNone/>
+            </a:pPr>
+            <a:r>
+              <a:rPr lang="en-US" dirty="0"/>
+              <a:t>Count of Issues</a:t>
+            </a:r>
+          </a:p>
+          <a:p>
+            <a:pPr marL="571500" lvl="1" indent="0">
+              <a:buNone/>
+            </a:pPr>
+            <a:r>
+              <a:rPr lang="en-US" dirty="0" err="1"/>
+              <a:t>UpgradeAssessment</a:t>
+            </a:r>
+            <a:r>
+              <a:rPr lang="en-US" dirty="0"/>
+              <a:t>="Attention needed" Type=</a:t>
+            </a:r>
+            <a:r>
+              <a:rPr lang="en-US" dirty="0" err="1"/>
+              <a:t>UAApp</a:t>
+            </a:r>
+            <a:r>
+              <a:rPr lang="en-US" dirty="0"/>
+              <a:t> </a:t>
+            </a:r>
+            <a:r>
+              <a:rPr lang="en-US" dirty="0" err="1"/>
+              <a:t>IsRollup</a:t>
+            </a:r>
+            <a:r>
+              <a:rPr lang="en-US" dirty="0"/>
+              <a:t>=true </a:t>
+            </a:r>
+            <a:r>
+              <a:rPr lang="en-US" dirty="0" err="1"/>
+              <a:t>RollupLevel</a:t>
+            </a:r>
+            <a:r>
+              <a:rPr lang="en-US" dirty="0"/>
+              <a:t>=Granular Issue &lt;&gt; "No known issues" | measure count() by Issue</a:t>
+            </a:r>
+          </a:p>
+          <a:p>
+            <a:pPr marL="571500" lvl="1" indent="0">
+              <a:buNone/>
+            </a:pPr>
+            <a:endParaRPr lang="en-US" dirty="0"/>
+          </a:p>
+          <a:p>
+            <a:pPr marL="571500" lvl="1" indent="0">
+              <a:buNone/>
+            </a:pPr>
+            <a:r>
+              <a:rPr lang="en-US" dirty="0"/>
+              <a:t>Apps Blocking Upgrades</a:t>
+            </a:r>
+          </a:p>
+          <a:p>
+            <a:pPr marL="571500" lvl="1" indent="0">
+              <a:buNone/>
+            </a:pPr>
+            <a:r>
+              <a:rPr lang="en-US" dirty="0" err="1"/>
+              <a:t>UpgradeAssessment</a:t>
+            </a:r>
+            <a:r>
+              <a:rPr lang="en-US" dirty="0"/>
+              <a:t>="Attention needed" Type=</a:t>
+            </a:r>
+            <a:r>
+              <a:rPr lang="en-US" dirty="0" err="1"/>
+              <a:t>UAApp</a:t>
+            </a:r>
+            <a:r>
+              <a:rPr lang="en-US" dirty="0"/>
+              <a:t> </a:t>
+            </a:r>
+            <a:r>
+              <a:rPr lang="en-US" dirty="0" err="1"/>
+              <a:t>IsRollup</a:t>
+            </a:r>
+            <a:r>
+              <a:rPr lang="en-US" dirty="0"/>
+              <a:t>=true </a:t>
+            </a:r>
+            <a:r>
+              <a:rPr lang="en-US" dirty="0" err="1"/>
+              <a:t>RollupLevel</a:t>
+            </a:r>
+            <a:r>
+              <a:rPr lang="en-US" dirty="0"/>
+              <a:t>=Granular Issue = "Blocking upgrade"  | measure count() by </a:t>
+            </a:r>
+            <a:r>
+              <a:rPr lang="en-US" dirty="0" err="1"/>
+              <a:t>AppName</a:t>
+            </a:r>
+            <a:endParaRPr lang="en-US" dirty="0"/>
+          </a:p>
         </p:txBody>
       </p:sp>
-      <p:pic>
-        <p:nvPicPr>
-          <p:cNvPr id="5" name="Picture 4"/>
-          <p:cNvPicPr>
-            <a:picLocks noChangeAspect="1"/>
-          </p:cNvPicPr>
-          <p:nvPr/>
-        </p:nvPicPr>
-        <p:blipFill>
-          <a:blip r:embed="rId3"/>
-          <a:stretch>
-            <a:fillRect/>
-          </a:stretch>
-        </p:blipFill>
-        <p:spPr>
-          <a:xfrm>
-            <a:off x="760008" y="4301013"/>
-            <a:ext cx="4733925" cy="819150"/>
-          </a:xfrm>
-          <a:prstGeom prst="rect">
-            <a:avLst/>
-          </a:prstGeom>
-        </p:spPr>
-      </p:pic>
     </p:spTree>
     <p:extLst>
       <p:ext uri="{BB962C8B-B14F-4D97-AF65-F5344CB8AC3E}">
-        <p14:creationId xmlns:p14="http://schemas.microsoft.com/office/powerpoint/2010/main" val="1387224317"/>
+        <p14:creationId xmlns:p14="http://schemas.microsoft.com/office/powerpoint/2010/main" val="2748779231"/>
       </p:ext>
     </p:extLst>
   </p:cSld>
@@ -12198,13 +12308,8 @@
           <a:p>
             <a:r>
               <a:rPr lang="en-US" dirty="0"/>
-              <a:t>Query </a:t>
-            </a:r>
-            <a:r>
-              <a:rPr lang="en-US" dirty="0" smtClean="0"/>
-              <a:t>Builder</a:t>
-            </a:r>
-            <a:endParaRPr lang="en-US" dirty="0"/>
+              <a:t>Query Notes</a:t>
+            </a:r>
           </a:p>
         </p:txBody>
       </p:sp>
@@ -12226,93 +12331,120 @@
             <a:pPr marL="114300" indent="0">
               <a:buNone/>
             </a:pPr>
-            <a:r>
-              <a:rPr lang="en-US" dirty="0" smtClean="0"/>
-              <a:t>The UI works well for building queries as well.</a:t>
-            </a:r>
+            <a:endParaRPr lang="en-US" sz="1600" dirty="0"/>
           </a:p>
           <a:p>
             <a:pPr marL="114300" indent="0">
               <a:buNone/>
             </a:pPr>
-            <a:endParaRPr lang="en-US" sz="1600" dirty="0" smtClean="0"/>
+            <a:r>
+              <a:rPr lang="en-US" sz="1600" dirty="0"/>
+              <a:t>Have more than 5000 apps? Append “| Skip 5000” to your query to get items 5,001 – 10,000</a:t>
+            </a:r>
           </a:p>
           <a:p>
             <a:pPr marL="114300" indent="0">
               <a:buNone/>
             </a:pPr>
-            <a:r>
-              <a:rPr lang="en-US" dirty="0"/>
-              <a:t>OMS query language starters</a:t>
-            </a:r>
+            <a:endParaRPr lang="en-US" sz="1600" dirty="0"/>
           </a:p>
           <a:p>
             <a:pPr marL="114300" indent="0">
               <a:buNone/>
             </a:pPr>
             <a:r>
-              <a:rPr lang="en-US" u="sng" dirty="0">
-                <a:hlinkClick r:id="rId3"/>
-              </a:rPr>
-              <a:t>https://blogs.technet.microsoft.com/msoms/2016/01/21/easy-microsoft-operations-management-suite-search-queries/</a:t>
-            </a:r>
-            <a:r>
-              <a:rPr lang="en-US" dirty="0"/>
-              <a:t> </a:t>
-            </a:r>
-            <a:endParaRPr lang="en-US" dirty="0" smtClean="0"/>
+              <a:rPr lang="en-US" sz="1600" dirty="0"/>
+              <a:t>Using | Measure will only return 5000 items, even in the console…  </a:t>
+            </a:r>
           </a:p>
           <a:p>
             <a:pPr marL="114300" indent="0">
               <a:buNone/>
             </a:pPr>
             <a:r>
-              <a:rPr lang="en-US" u="sng" dirty="0" smtClean="0">
-                <a:hlinkClick r:id="rId4"/>
-              </a:rPr>
-              <a:t>https</a:t>
-            </a:r>
-            <a:r>
-              <a:rPr lang="en-US" u="sng" dirty="0">
-                <a:hlinkClick r:id="rId4"/>
-              </a:rPr>
-              <a:t>://docs.microsoft.com/en-us/azure/log-analytics/log-analytics-log-searches</a:t>
-            </a:r>
-            <a:r>
-              <a:rPr lang="en-US" dirty="0"/>
-              <a:t>. </a:t>
-            </a:r>
-            <a:endParaRPr lang="en-US" dirty="0" smtClean="0"/>
+              <a:rPr lang="en-US" sz="1600" dirty="0"/>
+              <a:t>	[query] | </a:t>
+            </a:r>
+            <a:r>
+              <a:rPr lang="en-US" sz="1600" dirty="0" smtClean="0"/>
+              <a:t>Measure </a:t>
+            </a:r>
+            <a:r>
+              <a:rPr lang="en-US" sz="1600" dirty="0"/>
+              <a:t>count() by </a:t>
+            </a:r>
+            <a:r>
+              <a:rPr lang="en-US" sz="1600" dirty="0" err="1"/>
+              <a:t>AppName</a:t>
+            </a:r>
+            <a:r>
+              <a:rPr lang="en-US" sz="1600" dirty="0"/>
+              <a:t> | skip 5000 </a:t>
+            </a:r>
           </a:p>
           <a:p>
             <a:pPr marL="114300" indent="0">
               <a:buNone/>
             </a:pPr>
-            <a:endParaRPr lang="en-US" dirty="0" smtClean="0"/>
+            <a:r>
+              <a:rPr lang="en-US" sz="1600" dirty="0"/>
+              <a:t>	will return 0 records.</a:t>
+            </a:r>
           </a:p>
           <a:p>
             <a:pPr marL="114300" indent="0">
               <a:buNone/>
             </a:pPr>
-            <a:r>
-              <a:rPr lang="en-US" dirty="0" smtClean="0"/>
-              <a:t>There is a REST API as well. </a:t>
-            </a:r>
+            <a:endParaRPr lang="en-US" sz="1600" dirty="0"/>
           </a:p>
           <a:p>
             <a:pPr marL="114300" indent="0">
               <a:buNone/>
             </a:pPr>
             <a:r>
-              <a:rPr lang="en-US" u="sng" dirty="0">
-                <a:hlinkClick r:id="rId5"/>
-              </a:rPr>
-              <a:t>https://docs.microsoft.com/en-us/azure/log-analytics/log-analytics-log-search-api</a:t>
-            </a:r>
-            <a:r>
-              <a:rPr lang="en-US" dirty="0"/>
-              <a:t>. </a:t>
-            </a:r>
+              <a:rPr lang="en-US" sz="1600" dirty="0"/>
+              <a:t>You can use wildcards.  i.e. </a:t>
+            </a:r>
+            <a:r>
+              <a:rPr lang="en-US" sz="1600" dirty="0" err="1"/>
+              <a:t>AppName</a:t>
+            </a:r>
+            <a:r>
+              <a:rPr lang="en-US" sz="1600" dirty="0"/>
+              <a:t> = *Adobe*</a:t>
+            </a:r>
+          </a:p>
+          <a:p>
+            <a:pPr marL="114300" indent="0">
+              <a:buNone/>
+            </a:pPr>
+            <a:endParaRPr lang="en-US" sz="1600" dirty="0"/>
+          </a:p>
+          <a:p>
+            <a:pPr marL="114300" indent="0">
+              <a:buNone/>
+            </a:pPr>
+            <a:endParaRPr lang="en-US" sz="1600" dirty="0"/>
+          </a:p>
+          <a:p>
+            <a:pPr marL="114300" indent="0">
+              <a:buNone/>
+            </a:pPr>
+            <a:endParaRPr lang="en-US" sz="1600" dirty="0"/>
+          </a:p>
+          <a:p>
+            <a:pPr marL="114300" indent="0">
+              <a:buNone/>
+            </a:pPr>
+            <a:r>
+              <a:rPr lang="en-US" sz="1600" dirty="0"/>
+              <a:t>Unsure of syntax or properties?  Autofill works pretty well on the webform.</a:t>
+            </a:r>
+          </a:p>
+          <a:p>
+            <a:pPr marL="114300" indent="0">
+              <a:buNone/>
+            </a:pPr>
             <a:endParaRPr lang="en-US" sz="1600" dirty="0"/>
           </a:p>
           <a:p>
@@ -12323,10 +12455,34 @@
           </a:p>
         </p:txBody>
       </p:sp>
+      <p:pic>
+        <p:nvPicPr>
+          <p:cNvPr id="5" name="Picture 4"/>
+          <p:cNvPicPr>
+            <a:picLocks noChangeAspect="1"/>
+          </p:cNvPicPr>
+          <p:nvPr/>
+        </p:nvPicPr>
+        <p:blipFill>
+          <a:blip r:embed="rId3"/>
+          <a:stretch>
+            <a:fillRect/>
+          </a:stretch>
+        </p:blipFill>
+        <p:spPr>
+          <a:xfrm>
+            <a:off x="760008" y="4301013"/>
+            <a:ext cx="4733925" cy="819150"/>
+          </a:xfrm>
+          <a:prstGeom prst="rect">
+            <a:avLst/>
+          </a:prstGeom>
+        </p:spPr>
+      </p:pic>
     </p:spTree>
     <p:extLst>
       <p:ext uri="{BB962C8B-B14F-4D97-AF65-F5344CB8AC3E}">
-        <p14:creationId xmlns:p14="http://schemas.microsoft.com/office/powerpoint/2010/main" val="2554799506"/>
+        <p14:creationId xmlns:p14="http://schemas.microsoft.com/office/powerpoint/2010/main" val="1387224317"/>
       </p:ext>
     </p:extLst>
   </p:cSld>
@@ -12355,7 +12511,7 @@
       </p:grpSpPr>
       <p:sp>
         <p:nvSpPr>
-          <p:cNvPr id="4" name="Title 3"/>
+          <p:cNvPr id="2" name="Title 1"/>
           <p:cNvSpPr>
             <a:spLocks noGrp="1"/>
           </p:cNvSpPr>
@@ -12370,19 +12526,24 @@
           <a:p>
             <a:r>
               <a:rPr lang="en-US" dirty="0"/>
-              <a:t>PowerShell and Automation</a:t>
-            </a:r>
+              <a:t>Query </a:t>
+            </a:r>
+            <a:r>
+              <a:rPr lang="en-US" dirty="0" smtClean="0"/>
+              <a:t>Builder</a:t>
+            </a:r>
+            <a:endParaRPr lang="en-US" dirty="0"/>
           </a:p>
         </p:txBody>
       </p:sp>
       <p:sp>
         <p:nvSpPr>
-          <p:cNvPr id="5" name="Text Placeholder 4"/>
+          <p:cNvPr id="3" name="Content Placeholder 2"/>
           <p:cNvSpPr>
             <a:spLocks noGrp="1"/>
           </p:cNvSpPr>
           <p:nvPr>
-            <p:ph type="body" idx="1"/>
+            <p:ph idx="1"/>
           </p:nvPr>
         </p:nvSpPr>
         <p:spPr/>
@@ -12390,17 +12551,110 @@
           <a:bodyPr/>
           <a:lstStyle/>
           <a:p>
-            <a:r>
-              <a:rPr lang="en-US" dirty="0"/>
-              <a:t>The way to get extra credit on your migration project.</a:t>
-            </a:r>
+            <a:pPr marL="114300" indent="0">
+              <a:buNone/>
+            </a:pPr>
+            <a:r>
+              <a:rPr lang="en-US" dirty="0" smtClean="0"/>
+              <a:t>The UI works well for building queries as well.</a:t>
+            </a:r>
+          </a:p>
+          <a:p>
+            <a:pPr marL="114300" indent="0">
+              <a:buNone/>
+            </a:pPr>
+            <a:endParaRPr lang="en-US" sz="1600" dirty="0" smtClean="0"/>
+          </a:p>
+          <a:p>
+            <a:pPr marL="114300" indent="0">
+              <a:buNone/>
+            </a:pPr>
+            <a:r>
+              <a:rPr lang="en-US" dirty="0"/>
+              <a:t>OMS query language starters</a:t>
+            </a:r>
+          </a:p>
+          <a:p>
+            <a:pPr marL="114300" indent="0">
+              <a:buNone/>
+            </a:pPr>
+            <a:r>
+              <a:rPr lang="en-US" u="sng" dirty="0">
+                <a:hlinkClick r:id="rId3"/>
+              </a:rPr>
+              <a:t>https://blogs.technet.microsoft.com/msoms/2016/01/21/easy-microsoft-operations-management-suite-search-queries/</a:t>
+            </a:r>
+            <a:r>
+              <a:rPr lang="en-US" dirty="0"/>
+              <a:t> </a:t>
+            </a:r>
+            <a:endParaRPr lang="en-US" dirty="0" smtClean="0"/>
+          </a:p>
+          <a:p>
+            <a:pPr marL="114300" indent="0">
+              <a:buNone/>
+            </a:pPr>
+            <a:r>
+              <a:rPr lang="en-US" u="sng" dirty="0" smtClean="0">
+                <a:hlinkClick r:id="rId4"/>
+              </a:rPr>
+              <a:t>https</a:t>
+            </a:r>
+            <a:r>
+              <a:rPr lang="en-US" u="sng" dirty="0">
+                <a:hlinkClick r:id="rId4"/>
+              </a:rPr>
+              <a:t>://docs.microsoft.com/en-us/azure/log-analytics/log-analytics-log-searches</a:t>
+            </a:r>
+            <a:r>
+              <a:rPr lang="en-US" dirty="0"/>
+              <a:t>. </a:t>
+            </a:r>
+            <a:endParaRPr lang="en-US" dirty="0" smtClean="0"/>
+          </a:p>
+          <a:p>
+            <a:pPr marL="114300" indent="0">
+              <a:buNone/>
+            </a:pPr>
+            <a:endParaRPr lang="en-US" dirty="0" smtClean="0"/>
+          </a:p>
+          <a:p>
+            <a:pPr marL="114300" indent="0">
+              <a:buNone/>
+            </a:pPr>
+            <a:r>
+              <a:rPr lang="en-US" dirty="0" smtClean="0"/>
+              <a:t>There is a REST API as well. </a:t>
+            </a:r>
+          </a:p>
+          <a:p>
+            <a:pPr marL="114300" indent="0">
+              <a:buNone/>
+            </a:pPr>
+            <a:r>
+              <a:rPr lang="en-US" u="sng" dirty="0">
+                <a:hlinkClick r:id="rId5"/>
+              </a:rPr>
+              <a:t>https://docs.microsoft.com/en-us/azure/log-analytics/log-analytics-log-search-api</a:t>
+            </a:r>
+            <a:r>
+              <a:rPr lang="en-US" dirty="0"/>
+              <a:t>. </a:t>
+            </a:r>
+            <a:endParaRPr lang="en-US" sz="1600" dirty="0"/>
+          </a:p>
+          <a:p>
+            <a:pPr marL="1371600" lvl="3" indent="0">
+              <a:buNone/>
+            </a:pPr>
+            <a:endParaRPr lang="en-US" dirty="0"/>
           </a:p>
         </p:txBody>
       </p:sp>
     </p:spTree>
     <p:extLst>
       <p:ext uri="{BB962C8B-B14F-4D97-AF65-F5344CB8AC3E}">
-        <p14:creationId xmlns:p14="http://schemas.microsoft.com/office/powerpoint/2010/main" val="4025223944"/>
+        <p14:creationId xmlns:p14="http://schemas.microsoft.com/office/powerpoint/2010/main" val="2554799506"/>
       </p:ext>
     </p:extLst>
   </p:cSld>
@@ -12429,7 +12683,7 @@
       </p:grpSpPr>
       <p:sp>
         <p:nvSpPr>
-          <p:cNvPr id="2" name="Title 1"/>
+          <p:cNvPr id="4" name="Title 3"/>
           <p:cNvSpPr>
             <a:spLocks noGrp="1"/>
           </p:cNvSpPr>
@@ -12444,126 +12698,37 @@
           <a:p>
             <a:r>
               <a:rPr lang="en-US" dirty="0"/>
-              <a:t>PowerShell</a:t>
+              <a:t>PowerShell and Automation</a:t>
             </a:r>
           </a:p>
         </p:txBody>
       </p:sp>
       <p:sp>
         <p:nvSpPr>
-          <p:cNvPr id="3" name="Content Placeholder 2"/>
+          <p:cNvPr id="5" name="Text Placeholder 4"/>
           <p:cNvSpPr>
             <a:spLocks noGrp="1"/>
           </p:cNvSpPr>
           <p:nvPr>
-            <p:ph idx="1"/>
+            <p:ph type="body" idx="1"/>
           </p:nvPr>
         </p:nvSpPr>
         <p:spPr/>
         <p:txBody>
-          <a:bodyPr>
-            <a:normAutofit/>
-          </a:bodyPr>
+          <a:bodyPr/>
           <a:lstStyle/>
           <a:p>
             <a:r>
               <a:rPr lang="en-US" dirty="0"/>
-              <a:t>Requirements </a:t>
-            </a:r>
-          </a:p>
-          <a:p>
-            <a:pPr lvl="1"/>
-            <a:r>
-              <a:rPr lang="en-US" dirty="0"/>
-              <a:t>Read access to the Resource Group in Azure.</a:t>
-            </a:r>
-          </a:p>
-          <a:p>
-            <a:pPr lvl="1"/>
-            <a:r>
-              <a:rPr lang="en-US" dirty="0"/>
-              <a:t>OMS Search API PowerShell Module</a:t>
-            </a:r>
-          </a:p>
-          <a:p>
-            <a:pPr lvl="1"/>
-            <a:r>
-              <a:rPr lang="en-US" dirty="0"/>
-              <a:t>An organizational account!  Not a MS account.</a:t>
-            </a:r>
-          </a:p>
-          <a:p>
-            <a:pPr lvl="2"/>
-            <a:r>
-              <a:rPr lang="en-US" dirty="0"/>
-              <a:t>(Azure AD)</a:t>
-            </a:r>
-          </a:p>
-          <a:p>
-            <a:pPr marL="0" indent="0">
-              <a:buNone/>
-            </a:pPr>
-            <a:endParaRPr lang="en-US" dirty="0"/>
-          </a:p>
-          <a:p>
-            <a:pPr lvl="1"/>
-            <a:r>
-              <a:rPr lang="en-US" dirty="0"/>
-              <a:t>All the work is just Operation Insights queries, there is nothing Upgrade Readiness specific.</a:t>
-            </a:r>
-            <a:br>
-              <a:rPr lang="en-US" dirty="0"/>
-            </a:br>
-            <a:endParaRPr lang="en-US" dirty="0"/>
-          </a:p>
-          <a:p>
-            <a:pPr marL="457200" lvl="1" indent="0">
-              <a:buNone/>
-            </a:pPr>
-            <a:r>
-              <a:rPr lang="en-US" dirty="0">
-                <a:hlinkClick r:id="rId3"/>
-              </a:rPr>
-              <a:t>https://github.com/fredbainbridge/WindowsUpgradeReadiness</a:t>
-            </a:r>
-            <a:endParaRPr lang="en-US" dirty="0"/>
-          </a:p>
-          <a:p>
-            <a:pPr marL="457200" lvl="1" indent="0">
-              <a:buNone/>
-            </a:pPr>
-            <a:endParaRPr lang="en-US" dirty="0"/>
-          </a:p>
-          <a:p>
-            <a:pPr marL="457200" lvl="1" indent="0">
-              <a:buNone/>
-            </a:pPr>
-            <a:r>
-              <a:rPr lang="en-US" dirty="0"/>
-              <a:t>Using the Search API does not expose any new ways to get data from OMS.  </a:t>
-            </a:r>
-          </a:p>
-          <a:p>
-            <a:pPr marL="457200" lvl="1" indent="0">
-              <a:buNone/>
-            </a:pPr>
-            <a:r>
-              <a:rPr lang="en-US" dirty="0"/>
-              <a:t>	Still 5000 record limits, etc.</a:t>
-            </a:r>
-          </a:p>
-          <a:p>
-            <a:pPr marL="457200" lvl="1" indent="0">
-              <a:buNone/>
-            </a:pPr>
-            <a:endParaRPr lang="en-US" dirty="0"/>
+              <a:t>The way to get extra credit on your migration project.</a:t>
+            </a:r>
           </a:p>
         </p:txBody>
       </p:sp>
     </p:spTree>
     <p:extLst>
       <p:ext uri="{BB962C8B-B14F-4D97-AF65-F5344CB8AC3E}">
-        <p14:creationId xmlns:p14="http://schemas.microsoft.com/office/powerpoint/2010/main" val="3759384893"/>
+        <p14:creationId xmlns:p14="http://schemas.microsoft.com/office/powerpoint/2010/main" val="4025223944"/>
       </p:ext>
     </p:extLst>
   </p:cSld>
@@ -12624,8 +12789,73 @@
         </p:nvSpPr>
         <p:spPr/>
         <p:txBody>
-          <a:bodyPr/>
+          <a:bodyPr>
+            <a:normAutofit/>
+          </a:bodyPr>
           <a:lstStyle/>
+          <a:p>
+            <a:r>
+              <a:rPr lang="en-US" dirty="0"/>
+              <a:t>Requirements </a:t>
+            </a:r>
+          </a:p>
+          <a:p>
+            <a:pPr lvl="1"/>
+            <a:r>
+              <a:rPr lang="en-US" dirty="0"/>
+              <a:t>Read access to the Resource Group in Azure.</a:t>
+            </a:r>
+          </a:p>
+          <a:p>
+            <a:pPr lvl="1"/>
+            <a:r>
+              <a:rPr lang="en-US" dirty="0"/>
+              <a:t>OMS Search API PowerShell Module</a:t>
+            </a:r>
+          </a:p>
+          <a:p>
+            <a:pPr lvl="1"/>
+            <a:r>
+              <a:rPr lang="en-US" dirty="0"/>
+              <a:t>An organizational account!  Not a MS account.</a:t>
+            </a:r>
+          </a:p>
+          <a:p>
+            <a:pPr lvl="2"/>
+            <a:r>
+              <a:rPr lang="en-US" dirty="0"/>
+              <a:t>(Azure AD)</a:t>
+            </a:r>
+          </a:p>
+          <a:p>
+            <a:pPr marL="0" indent="0">
+              <a:buNone/>
+            </a:pPr>
+            <a:endParaRPr lang="en-US" dirty="0"/>
+          </a:p>
+          <a:p>
+            <a:pPr lvl="1"/>
+            <a:r>
+              <a:rPr lang="en-US" dirty="0"/>
+              <a:t>All the work is just Operation Insights queries, there is nothing Upgrade Readiness specific.</a:t>
+            </a:r>
+            <a:br>
+              <a:rPr lang="en-US" dirty="0"/>
+            </a:br>
+            <a:endParaRPr lang="en-US" dirty="0"/>
+          </a:p>
+          <a:p>
+            <a:pPr marL="457200" lvl="1" indent="0">
+              <a:buNone/>
+            </a:pPr>
+            <a:r>
+              <a:rPr lang="en-US" dirty="0">
+                <a:hlinkClick r:id="rId3"/>
+              </a:rPr>
+              <a:t>https://github.com/fredbainbridge/WindowsUpgradeReadiness</a:t>
+            </a:r>
+            <a:endParaRPr lang="en-US" dirty="0"/>
+          </a:p>
           <a:p>
             <a:pPr marL="457200" lvl="1" indent="0">
               <a:buNone/>
@@ -12638,7 +12868,16 @@
             </a:pPr>
             <a:r>
               <a:rPr lang="en-US" dirty="0"/>
-              <a:t>QUICK DEMOS</a:t>
+              <a:t>Using the Search API does not expose any new ways to get data from OMS.  </a:t>
+            </a:r>
+          </a:p>
+          <a:p>
+            <a:pPr marL="457200" lvl="1" indent="0">
+              <a:buNone/>
+            </a:pPr>
+            <a:r>
+              <a:rPr lang="en-US" dirty="0"/>
+              <a:t>	Still 5000 record limits, etc.</a:t>
             </a:r>
           </a:p>
           <a:p>
@@ -12647,69 +12886,12 @@
             </a:pPr>
             <a:endParaRPr lang="en-US" dirty="0"/>
           </a:p>
-          <a:p>
-            <a:pPr marL="457200" lvl="1" indent="0">
-              <a:buNone/>
-            </a:pPr>
-            <a:r>
-              <a:rPr lang="en-US" dirty="0"/>
-              <a:t>5000 item limits, even in PowerShell.</a:t>
-            </a:r>
-          </a:p>
-          <a:p>
-            <a:pPr marL="457200" lvl="1" indent="0">
-              <a:buNone/>
-            </a:pPr>
-            <a:endParaRPr lang="en-US" dirty="0"/>
-          </a:p>
-          <a:p>
-            <a:pPr marL="457200" lvl="1" indent="0">
-              <a:buNone/>
-            </a:pPr>
-            <a:r>
-              <a:rPr lang="en-US" dirty="0"/>
-              <a:t>If you can navigate PowerShell, I think it’s easier to dissect the data than using OMS search queries…</a:t>
-            </a:r>
-          </a:p>
-          <a:p>
-            <a:pPr marL="457200" lvl="1" indent="0">
-              <a:buNone/>
-            </a:pPr>
-            <a:r>
-              <a:rPr lang="en-US" dirty="0"/>
-              <a:t>	or I am bad at OMS search queries.  </a:t>
-            </a:r>
-          </a:p>
-          <a:p>
-            <a:pPr marL="457200" lvl="1" indent="0">
-              <a:buNone/>
-            </a:pPr>
-            <a:endParaRPr lang="en-US" dirty="0"/>
-          </a:p>
-          <a:p>
-            <a:pPr marL="457200" lvl="1" indent="0">
-              <a:buNone/>
-            </a:pPr>
-            <a:endParaRPr lang="en-US" dirty="0"/>
-          </a:p>
-          <a:p>
-            <a:pPr marL="457200" lvl="1" indent="0">
-              <a:buNone/>
-            </a:pPr>
-            <a:endParaRPr lang="en-US" dirty="0"/>
-          </a:p>
-          <a:p>
-            <a:pPr marL="457200" lvl="1" indent="0">
-              <a:buNone/>
-            </a:pPr>
-            <a:endParaRPr lang="en-US" dirty="0"/>
-          </a:p>
         </p:txBody>
       </p:sp>
     </p:spTree>
     <p:extLst>
       <p:ext uri="{BB962C8B-B14F-4D97-AF65-F5344CB8AC3E}">
-        <p14:creationId xmlns:p14="http://schemas.microsoft.com/office/powerpoint/2010/main" val="3111545283"/>
+        <p14:creationId xmlns:p14="http://schemas.microsoft.com/office/powerpoint/2010/main" val="3759384893"/>
       </p:ext>
     </p:extLst>
   </p:cSld>
@@ -12752,10 +12934,9 @@
           <a:lstStyle/>
           <a:p>
             <a:r>
-              <a:rPr lang="en-US" dirty="0" smtClean="0"/>
-              <a:t>Why Not?	</a:t>
-            </a:r>
-            <a:endParaRPr lang="en-US" dirty="0"/>
+              <a:rPr lang="en-US" dirty="0"/>
+              <a:t>PowerShell</a:t>
+            </a:r>
           </a:p>
         </p:txBody>
       </p:sp>
@@ -12784,12 +12965,155 @@
               <a:buNone/>
             </a:pPr>
             <a:r>
+              <a:rPr lang="en-US" dirty="0"/>
+              <a:t>QUICK DEMOS</a:t>
+            </a:r>
+          </a:p>
+          <a:p>
+            <a:pPr marL="457200" lvl="1" indent="0">
+              <a:buNone/>
+            </a:pPr>
+            <a:endParaRPr lang="en-US" dirty="0"/>
+          </a:p>
+          <a:p>
+            <a:pPr marL="457200" lvl="1" indent="0">
+              <a:buNone/>
+            </a:pPr>
+            <a:r>
+              <a:rPr lang="en-US" dirty="0"/>
+              <a:t>5000 item limits, even in PowerShell.</a:t>
+            </a:r>
+          </a:p>
+          <a:p>
+            <a:pPr marL="457200" lvl="1" indent="0">
+              <a:buNone/>
+            </a:pPr>
+            <a:endParaRPr lang="en-US" dirty="0"/>
+          </a:p>
+          <a:p>
+            <a:pPr marL="457200" lvl="1" indent="0">
+              <a:buNone/>
+            </a:pPr>
+            <a:r>
+              <a:rPr lang="en-US" dirty="0"/>
+              <a:t>If you can navigate PowerShell, I think it’s easier to dissect the data than using OMS search queries…</a:t>
+            </a:r>
+          </a:p>
+          <a:p>
+            <a:pPr marL="457200" lvl="1" indent="0">
+              <a:buNone/>
+            </a:pPr>
+            <a:r>
+              <a:rPr lang="en-US" dirty="0"/>
+              <a:t>	or I am bad at OMS search queries.  </a:t>
+            </a:r>
+          </a:p>
+          <a:p>
+            <a:pPr marL="457200" lvl="1" indent="0">
+              <a:buNone/>
+            </a:pPr>
+            <a:endParaRPr lang="en-US" dirty="0"/>
+          </a:p>
+          <a:p>
+            <a:pPr marL="457200" lvl="1" indent="0">
+              <a:buNone/>
+            </a:pPr>
+            <a:endParaRPr lang="en-US" dirty="0"/>
+          </a:p>
+          <a:p>
+            <a:pPr marL="457200" lvl="1" indent="0">
+              <a:buNone/>
+            </a:pPr>
+            <a:endParaRPr lang="en-US" dirty="0"/>
+          </a:p>
+          <a:p>
+            <a:pPr marL="457200" lvl="1" indent="0">
+              <a:buNone/>
+            </a:pPr>
+            <a:endParaRPr lang="en-US" dirty="0"/>
+          </a:p>
+        </p:txBody>
+      </p:sp>
+    </p:spTree>
+    <p:extLst>
+      <p:ext uri="{BB962C8B-B14F-4D97-AF65-F5344CB8AC3E}">
+        <p14:creationId xmlns:p14="http://schemas.microsoft.com/office/powerpoint/2010/main" val="3111545283"/>
+      </p:ext>
+    </p:extLst>
+  </p:cSld>
+  <p:clrMapOvr>
+    <a:masterClrMapping/>
+  </p:clrMapOvr>
+</p:sld>
+</file>
+
+<file path=ppt/slides/slide35.xml><?xml version="1.0" encoding="utf-8"?>
+<p:sld xmlns:a="http://schemas.openxmlformats.org/drawingml/2006/main" xmlns:r="http://schemas.openxmlformats.org/officeDocument/2006/relationships" xmlns:p="http://schemas.openxmlformats.org/presentationml/2006/main">
+  <p:cSld>
+    <p:spTree>
+      <p:nvGrpSpPr>
+        <p:cNvPr id="1" name=""/>
+        <p:cNvGrpSpPr/>
+        <p:nvPr/>
+      </p:nvGrpSpPr>
+      <p:grpSpPr>
+        <a:xfrm>
+          <a:off x="0" y="0"/>
+          <a:ext cx="0" cy="0"/>
+          <a:chOff x="0" y="0"/>
+          <a:chExt cx="0" cy="0"/>
+        </a:xfrm>
+      </p:grpSpPr>
+      <p:sp>
+        <p:nvSpPr>
+          <p:cNvPr id="2" name="Title 1"/>
+          <p:cNvSpPr>
+            <a:spLocks noGrp="1"/>
+          </p:cNvSpPr>
+          <p:nvPr>
+            <p:ph type="title"/>
+          </p:nvPr>
+        </p:nvSpPr>
+        <p:spPr/>
+        <p:txBody>
+          <a:bodyPr/>
+          <a:lstStyle/>
+          <a:p>
+            <a:r>
               <a:rPr lang="en-US" dirty="0" smtClean="0"/>
-              <a:t>This is a free tool that is being routinely </a:t>
-            </a:r>
+              <a:t>Why Not?	</a:t>
+            </a:r>
+            <a:endParaRPr lang="en-US" dirty="0"/>
+          </a:p>
+        </p:txBody>
+      </p:sp>
+      <p:sp>
+        <p:nvSpPr>
+          <p:cNvPr id="3" name="Content Placeholder 2"/>
+          <p:cNvSpPr>
+            <a:spLocks noGrp="1"/>
+          </p:cNvSpPr>
+          <p:nvPr>
+            <p:ph idx="1"/>
+          </p:nvPr>
+        </p:nvSpPr>
+        <p:spPr/>
+        <p:txBody>
+          <a:bodyPr/>
+          <a:lstStyle/>
+          <a:p>
+            <a:pPr marL="457200" lvl="1" indent="0">
+              <a:buNone/>
+            </a:pPr>
+            <a:endParaRPr lang="en-US" dirty="0"/>
+          </a:p>
+          <a:p>
+            <a:pPr marL="457200" lvl="1" indent="0">
+              <a:buNone/>
+            </a:pPr>
             <a:r>
               <a:rPr lang="en-US" dirty="0" smtClean="0"/>
-              <a:t>maintained and improved.</a:t>
+              <a:t>This is a free tool that is being routinely maintained and improved.</a:t>
             </a:r>
           </a:p>
           <a:p>
@@ -12871,7 +13195,7 @@
 </p:sld>
 </file>
 
-<file path=ppt/slides/slide35.xml><?xml version="1.0" encoding="utf-8"?>
+<file path=ppt/slides/slide36.xml><?xml version="1.0" encoding="utf-8"?>
 <p:sld xmlns:a="http://schemas.openxmlformats.org/drawingml/2006/main" xmlns:r="http://schemas.openxmlformats.org/officeDocument/2006/relationships" xmlns:p="http://schemas.openxmlformats.org/presentationml/2006/main">
   <p:cSld>
     <p:spTree>
@@ -12901,7 +13225,7 @@
 </p:sld>
 </file>
 
-<file path=ppt/slides/slide36.xml><?xml version="1.0" encoding="utf-8"?>
+<file path=ppt/slides/slide37.xml><?xml version="1.0" encoding="utf-8"?>
 <p:sld xmlns:a="http://schemas.openxmlformats.org/drawingml/2006/main" xmlns:r="http://schemas.openxmlformats.org/officeDocument/2006/relationships" xmlns:p="http://schemas.openxmlformats.org/presentationml/2006/main">
   <p:cSld>
     <p:spTree>
@@ -13004,88 +13328,6 @@
   <p:clrMapOvr>
     <a:masterClrMapping/>
   </p:clrMapOvr>
-</p:sld>
-</file>
-
-<file path=ppt/slides/slide37.xml><?xml version="1.0" encoding="utf-8"?>
-<p:sld xmlns:a="http://schemas.openxmlformats.org/drawingml/2006/main" xmlns:r="http://schemas.openxmlformats.org/officeDocument/2006/relationships" xmlns:p="http://schemas.openxmlformats.org/presentationml/2006/main" show="0">
-  <p:cSld>
-    <p:spTree>
-      <p:nvGrpSpPr>
-        <p:cNvPr id="1" name=""/>
-        <p:cNvGrpSpPr/>
-        <p:nvPr/>
-      </p:nvGrpSpPr>
-      <p:grpSpPr>
-        <a:xfrm>
-          <a:off x="0" y="0"/>
-          <a:ext cx="0" cy="0"/>
-          <a:chOff x="0" y="0"/>
-          <a:chExt cx="0" cy="0"/>
-        </a:xfrm>
-      </p:grpSpPr>
-      <p:sp>
-        <p:nvSpPr>
-          <p:cNvPr id="4" name="Title 3"/>
-          <p:cNvSpPr>
-            <a:spLocks noGrp="1"/>
-          </p:cNvSpPr>
-          <p:nvPr>
-            <p:ph type="title"/>
-          </p:nvPr>
-        </p:nvSpPr>
-        <p:spPr/>
-        <p:txBody>
-          <a:bodyPr/>
-          <a:lstStyle/>
-          <a:p>
-            <a:r>
-              <a:rPr lang="en-US" dirty="0"/>
-              <a:t>Section Header</a:t>
-            </a:r>
-          </a:p>
-        </p:txBody>
-      </p:sp>
-      <p:sp>
-        <p:nvSpPr>
-          <p:cNvPr id="5" name="Text Placeholder 4"/>
-          <p:cNvSpPr>
-            <a:spLocks noGrp="1"/>
-          </p:cNvSpPr>
-          <p:nvPr>
-            <p:ph type="body" idx="1"/>
-          </p:nvPr>
-        </p:nvSpPr>
-        <p:spPr/>
-        <p:txBody>
-          <a:bodyPr/>
-          <a:lstStyle/>
-          <a:p>
-            <a:r>
-              <a:rPr lang="en-US" dirty="0"/>
-              <a:t>This is the next section</a:t>
-            </a:r>
-          </a:p>
-        </p:txBody>
-      </p:sp>
-    </p:spTree>
-    <p:extLst>
-      <p:ext uri="{BB962C8B-B14F-4D97-AF65-F5344CB8AC3E}">
-        <p14:creationId xmlns:p14="http://schemas.microsoft.com/office/powerpoint/2010/main" val="1657553323"/>
-      </p:ext>
-    </p:extLst>
-  </p:cSld>
-  <p:clrMapOvr>
-    <a:masterClrMapping/>
-  </p:clrMapOvr>
-  <mc:AlternateContent xmlns:mc="http://schemas.openxmlformats.org/markup-compatibility/2006" xmlns:p14="http://schemas.microsoft.com/office/powerpoint/2010/main">
-    <mc:Choice Requires="p14">
-      <p:transition spd="slow" p14:dur="2000"/>
-    </mc:Choice>
-    <mc:Fallback xmlns="">
-      <p:transition spd="slow"/>
-    </mc:Fallback>
-  </mc:AlternateContent>
 </p:sld>
 </file>
 
@@ -13108,7 +13350,7 @@
       </p:grpSpPr>
       <p:sp>
         <p:nvSpPr>
-          <p:cNvPr id="2" name="Title 1"/>
+          <p:cNvPr id="4" name="Title 3"/>
           <p:cNvSpPr>
             <a:spLocks noGrp="1"/>
           </p:cNvSpPr>
@@ -13123,19 +13365,19 @@
           <a:p>
             <a:r>
               <a:rPr lang="en-US" dirty="0"/>
-              <a:t>Title</a:t>
+              <a:t>Section Header</a:t>
             </a:r>
           </a:p>
         </p:txBody>
       </p:sp>
       <p:sp>
         <p:nvSpPr>
-          <p:cNvPr id="3" name="Content Placeholder 2"/>
+          <p:cNvPr id="5" name="Text Placeholder 4"/>
           <p:cNvSpPr>
             <a:spLocks noGrp="1"/>
           </p:cNvSpPr>
           <p:nvPr>
-            <p:ph idx="1"/>
+            <p:ph type="body" idx="1"/>
           </p:nvPr>
         </p:nvSpPr>
         <p:spPr/>
@@ -13145,39 +13387,15 @@
           <a:p>
             <a:r>
               <a:rPr lang="en-US" dirty="0"/>
-              <a:t>Line1</a:t>
-            </a:r>
-          </a:p>
-          <a:p>
-            <a:pPr lvl="1"/>
-            <a:r>
-              <a:rPr lang="en-US" dirty="0"/>
-              <a:t>Bullet Level 1</a:t>
-            </a:r>
-          </a:p>
-          <a:p>
-            <a:pPr lvl="2"/>
-            <a:r>
-              <a:rPr lang="en-US" dirty="0"/>
-              <a:t>Bullet Level 2</a:t>
-            </a:r>
-          </a:p>
-          <a:p>
-            <a:pPr lvl="3"/>
-            <a:r>
-              <a:rPr lang="en-US" dirty="0"/>
-              <a:t>Bullet Level 3</a:t>
-            </a:r>
-          </a:p>
-          <a:p>
-            <a:endParaRPr lang="en-US" dirty="0"/>
+              <a:t>This is the next section</a:t>
+            </a:r>
           </a:p>
         </p:txBody>
       </p:sp>
     </p:spTree>
     <p:extLst>
       <p:ext uri="{BB962C8B-B14F-4D97-AF65-F5344CB8AC3E}">
-        <p14:creationId xmlns:p14="http://schemas.microsoft.com/office/powerpoint/2010/main" val="912164160"/>
+        <p14:creationId xmlns:p14="http://schemas.microsoft.com/office/powerpoint/2010/main" val="1657553323"/>
       </p:ext>
     </p:extLst>
   </p:cSld>
@@ -13214,7 +13432,7 @@
       </p:grpSpPr>
       <p:sp>
         <p:nvSpPr>
-          <p:cNvPr id="4" name="Title 3"/>
+          <p:cNvPr id="2" name="Title 1"/>
           <p:cNvSpPr>
             <a:spLocks noGrp="1"/>
           </p:cNvSpPr>
@@ -13236,7 +13454,7 @@
       </p:sp>
       <p:sp>
         <p:nvSpPr>
-          <p:cNvPr id="5" name="Content Placeholder 4"/>
+          <p:cNvPr id="3" name="Content Placeholder 2"/>
           <p:cNvSpPr>
             <a:spLocks noGrp="1"/>
           </p:cNvSpPr>
@@ -13251,15 +13469,39 @@
           <a:p>
             <a:r>
               <a:rPr lang="en-US" dirty="0"/>
-              <a:t>Code</a:t>
-            </a:r>
+              <a:t>Line1</a:t>
+            </a:r>
+          </a:p>
+          <a:p>
+            <a:pPr lvl="1"/>
+            <a:r>
+              <a:rPr lang="en-US" dirty="0"/>
+              <a:t>Bullet Level 1</a:t>
+            </a:r>
+          </a:p>
+          <a:p>
+            <a:pPr lvl="2"/>
+            <a:r>
+              <a:rPr lang="en-US" dirty="0"/>
+              <a:t>Bullet Level 2</a:t>
+            </a:r>
+          </a:p>
+          <a:p>
+            <a:pPr lvl="3"/>
+            <a:r>
+              <a:rPr lang="en-US" dirty="0"/>
+              <a:t>Bullet Level 3</a:t>
+            </a:r>
+          </a:p>
+          <a:p>
+            <a:endParaRPr lang="en-US" dirty="0"/>
           </a:p>
         </p:txBody>
       </p:sp>
     </p:spTree>
     <p:extLst>
       <p:ext uri="{BB962C8B-B14F-4D97-AF65-F5344CB8AC3E}">
-        <p14:creationId xmlns:p14="http://schemas.microsoft.com/office/powerpoint/2010/main" val="1895725814"/>
+        <p14:creationId xmlns:p14="http://schemas.microsoft.com/office/powerpoint/2010/main" val="912164160"/>
       </p:ext>
     </p:extLst>
   </p:cSld>
@@ -13486,12 +13728,12 @@
       </p:grpSpPr>
       <p:sp>
         <p:nvSpPr>
-          <p:cNvPr id="4" name="Content Placeholder 3"/>
+          <p:cNvPr id="4" name="Title 3"/>
           <p:cNvSpPr>
             <a:spLocks noGrp="1"/>
           </p:cNvSpPr>
           <p:nvPr>
-            <p:ph idx="1"/>
+            <p:ph type="title"/>
           </p:nvPr>
         </p:nvSpPr>
         <p:spPr/>
@@ -13501,28 +13743,29 @@
           <a:p>
             <a:r>
               <a:rPr lang="en-US" dirty="0"/>
-              <a:t>Text Only with Border</a:t>
-            </a:r>
-          </a:p>
-          <a:p>
-            <a:pPr lvl="1"/>
-            <a:r>
-              <a:rPr lang="en-US" dirty="0"/>
-              <a:t>Level 1</a:t>
-            </a:r>
-          </a:p>
-          <a:p>
-            <a:pPr lvl="2"/>
-            <a:r>
-              <a:rPr lang="en-US" dirty="0"/>
-              <a:t>Level 2 </a:t>
-            </a:r>
-          </a:p>
-          <a:p>
-            <a:pPr lvl="3"/>
-            <a:r>
-              <a:rPr lang="en-US" dirty="0"/>
-              <a:t>Level 3</a:t>
+              <a:t>Title</a:t>
+            </a:r>
+          </a:p>
+        </p:txBody>
+      </p:sp>
+      <p:sp>
+        <p:nvSpPr>
+          <p:cNvPr id="5" name="Content Placeholder 4"/>
+          <p:cNvSpPr>
+            <a:spLocks noGrp="1"/>
+          </p:cNvSpPr>
+          <p:nvPr>
+            <p:ph idx="1"/>
+          </p:nvPr>
+        </p:nvSpPr>
+        <p:spPr/>
+        <p:txBody>
+          <a:bodyPr/>
+          <a:lstStyle/>
+          <a:p>
+            <a:r>
+              <a:rPr lang="en-US" dirty="0"/>
+              <a:t>Code</a:t>
             </a:r>
           </a:p>
         </p:txBody>
@@ -13530,7 +13773,7 @@
     </p:spTree>
     <p:extLst>
       <p:ext uri="{BB962C8B-B14F-4D97-AF65-F5344CB8AC3E}">
-        <p14:creationId xmlns:p14="http://schemas.microsoft.com/office/powerpoint/2010/main" val="659284950"/>
+        <p14:creationId xmlns:p14="http://schemas.microsoft.com/office/powerpoint/2010/main" val="1895725814"/>
       </p:ext>
     </p:extLst>
   </p:cSld>
@@ -13567,7 +13810,7 @@
       </p:grpSpPr>
       <p:sp>
         <p:nvSpPr>
-          <p:cNvPr id="3" name="Content Placeholder 2"/>
+          <p:cNvPr id="4" name="Content Placeholder 3"/>
           <p:cNvSpPr>
             <a:spLocks noGrp="1"/>
           </p:cNvSpPr>
@@ -13582,7 +13825,7 @@
           <a:p>
             <a:r>
               <a:rPr lang="en-US" dirty="0"/>
-              <a:t>Text Only (Red)</a:t>
+              <a:t>Text Only with Border</a:t>
             </a:r>
           </a:p>
           <a:p>
@@ -13596,7 +13839,7 @@
             <a:pPr lvl="2"/>
             <a:r>
               <a:rPr lang="en-US" dirty="0"/>
-              <a:t>Level 2</a:t>
+              <a:t>Level 2 </a:t>
             </a:r>
           </a:p>
           <a:p>
@@ -13611,7 +13854,7 @@
     </p:spTree>
     <p:extLst>
       <p:ext uri="{BB962C8B-B14F-4D97-AF65-F5344CB8AC3E}">
-        <p14:creationId xmlns:p14="http://schemas.microsoft.com/office/powerpoint/2010/main" val="2094311673"/>
+        <p14:creationId xmlns:p14="http://schemas.microsoft.com/office/powerpoint/2010/main" val="659284950"/>
       </p:ext>
     </p:extLst>
   </p:cSld>
@@ -13648,12 +13891,12 @@
       </p:grpSpPr>
       <p:sp>
         <p:nvSpPr>
-          <p:cNvPr id="3" name="Title 2"/>
+          <p:cNvPr id="3" name="Content Placeholder 2"/>
           <p:cNvSpPr>
             <a:spLocks noGrp="1"/>
           </p:cNvSpPr>
           <p:nvPr>
-            <p:ph type="title"/>
+            <p:ph idx="1"/>
           </p:nvPr>
         </p:nvSpPr>
         <p:spPr/>
@@ -13663,29 +13906,7 @@
           <a:p>
             <a:r>
               <a:rPr lang="en-US" dirty="0"/>
-              <a:t>Title</a:t>
-            </a:r>
-          </a:p>
-        </p:txBody>
-      </p:sp>
-      <p:sp>
-        <p:nvSpPr>
-          <p:cNvPr id="4" name="Content Placeholder 3"/>
-          <p:cNvSpPr>
-            <a:spLocks noGrp="1"/>
-          </p:cNvSpPr>
-          <p:nvPr>
-            <p:ph sz="half" idx="1"/>
-          </p:nvPr>
-        </p:nvSpPr>
-        <p:spPr/>
-        <p:txBody>
-          <a:bodyPr/>
-          <a:lstStyle/>
-          <a:p>
-            <a:r>
-              <a:rPr lang="en-US" dirty="0"/>
-              <a:t>Text 1</a:t>
+              <a:t>Text Only (Red)</a:t>
             </a:r>
           </a:p>
           <a:p>
@@ -13708,62 +13929,13 @@
               <a:rPr lang="en-US" dirty="0"/>
               <a:t>Level 3</a:t>
             </a:r>
-          </a:p>
-          <a:p>
-            <a:endParaRPr lang="en-US" dirty="0"/>
-          </a:p>
-        </p:txBody>
-      </p:sp>
-      <p:sp>
-        <p:nvSpPr>
-          <p:cNvPr id="5" name="Content Placeholder 4"/>
-          <p:cNvSpPr>
-            <a:spLocks noGrp="1"/>
-          </p:cNvSpPr>
-          <p:nvPr>
-            <p:ph sz="half" idx="2"/>
-          </p:nvPr>
-        </p:nvSpPr>
-        <p:spPr/>
-        <p:txBody>
-          <a:bodyPr/>
-          <a:lstStyle/>
-          <a:p>
-            <a:r>
-              <a:rPr lang="en-US" dirty="0"/>
-              <a:t>Text 2</a:t>
-            </a:r>
-          </a:p>
-          <a:p>
-            <a:pPr lvl="1"/>
-            <a:r>
-              <a:rPr lang="en-US" dirty="0"/>
-              <a:t>Level 1</a:t>
-            </a:r>
-          </a:p>
-          <a:p>
-            <a:pPr lvl="2"/>
-            <a:r>
-              <a:rPr lang="en-US" dirty="0"/>
-              <a:t>Level 2</a:t>
-            </a:r>
-          </a:p>
-          <a:p>
-            <a:pPr lvl="3"/>
-            <a:r>
-              <a:rPr lang="en-US" dirty="0"/>
-              <a:t>Level 3</a:t>
-            </a:r>
-          </a:p>
-          <a:p>
-            <a:endParaRPr lang="en-US" dirty="0"/>
           </a:p>
         </p:txBody>
       </p:sp>
     </p:spTree>
     <p:extLst>
       <p:ext uri="{BB962C8B-B14F-4D97-AF65-F5344CB8AC3E}">
-        <p14:creationId xmlns:p14="http://schemas.microsoft.com/office/powerpoint/2010/main" val="2554539812"/>
+        <p14:creationId xmlns:p14="http://schemas.microsoft.com/office/powerpoint/2010/main" val="2094311673"/>
       </p:ext>
     </p:extLst>
   </p:cSld>
@@ -13800,12 +13972,12 @@
       </p:grpSpPr>
       <p:sp>
         <p:nvSpPr>
-          <p:cNvPr id="6" name="Text Placeholder 5"/>
+          <p:cNvPr id="3" name="Title 2"/>
           <p:cNvSpPr>
             <a:spLocks noGrp="1"/>
           </p:cNvSpPr>
           <p:nvPr>
-            <p:ph type="body" idx="1"/>
+            <p:ph type="title"/>
           </p:nvPr>
         </p:nvSpPr>
         <p:spPr/>
@@ -13815,19 +13987,19 @@
           <a:p>
             <a:r>
               <a:rPr lang="en-US" dirty="0"/>
-              <a:t>Section 1</a:t>
+              <a:t>Title</a:t>
             </a:r>
           </a:p>
         </p:txBody>
       </p:sp>
       <p:sp>
         <p:nvSpPr>
-          <p:cNvPr id="7" name="Content Placeholder 6"/>
+          <p:cNvPr id="4" name="Content Placeholder 3"/>
           <p:cNvSpPr>
             <a:spLocks noGrp="1"/>
           </p:cNvSpPr>
           <p:nvPr>
-            <p:ph sz="half" idx="2"/>
+            <p:ph sz="half" idx="1"/>
           </p:nvPr>
         </p:nvSpPr>
         <p:spPr/>
@@ -13837,7 +14009,7 @@
           <a:p>
             <a:r>
               <a:rPr lang="en-US" dirty="0"/>
-              <a:t>Text</a:t>
+              <a:t>Text 1</a:t>
             </a:r>
           </a:p>
           <a:p>
@@ -13868,12 +14040,12 @@
       </p:sp>
       <p:sp>
         <p:nvSpPr>
-          <p:cNvPr id="8" name="Text Placeholder 7"/>
+          <p:cNvPr id="5" name="Content Placeholder 4"/>
           <p:cNvSpPr>
             <a:spLocks noGrp="1"/>
           </p:cNvSpPr>
           <p:nvPr>
-            <p:ph type="body" sz="quarter" idx="3"/>
+            <p:ph sz="half" idx="2"/>
           </p:nvPr>
         </p:nvSpPr>
         <p:spPr/>
@@ -13883,29 +14055,7 @@
           <a:p>
             <a:r>
               <a:rPr lang="en-US" dirty="0"/>
-              <a:t>Section 2</a:t>
-            </a:r>
-          </a:p>
-        </p:txBody>
-      </p:sp>
-      <p:sp>
-        <p:nvSpPr>
-          <p:cNvPr id="9" name="Content Placeholder 8"/>
-          <p:cNvSpPr>
-            <a:spLocks noGrp="1"/>
-          </p:cNvSpPr>
-          <p:nvPr>
-            <p:ph sz="quarter" idx="4"/>
-          </p:nvPr>
-        </p:nvSpPr>
-        <p:spPr/>
-        <p:txBody>
-          <a:bodyPr/>
-          <a:lstStyle/>
-          <a:p>
-            <a:r>
-              <a:rPr lang="en-US" dirty="0"/>
-              <a:t>Text</a:t>
+              <a:t>Text 2</a:t>
             </a:r>
           </a:p>
           <a:p>
@@ -13931,35 +14081,13 @@
           </a:p>
           <a:p>
             <a:endParaRPr lang="en-US" dirty="0"/>
-          </a:p>
-        </p:txBody>
-      </p:sp>
-      <p:sp>
-        <p:nvSpPr>
-          <p:cNvPr id="5" name="Title 4"/>
-          <p:cNvSpPr>
-            <a:spLocks noGrp="1"/>
-          </p:cNvSpPr>
-          <p:nvPr>
-            <p:ph type="title"/>
-          </p:nvPr>
-        </p:nvSpPr>
-        <p:spPr/>
-        <p:txBody>
-          <a:bodyPr/>
-          <a:lstStyle/>
-          <a:p>
-            <a:r>
-              <a:rPr lang="en-US" dirty="0"/>
-              <a:t>Title</a:t>
-            </a:r>
           </a:p>
         </p:txBody>
       </p:sp>
     </p:spTree>
     <p:extLst>
       <p:ext uri="{BB962C8B-B14F-4D97-AF65-F5344CB8AC3E}">
-        <p14:creationId xmlns:p14="http://schemas.microsoft.com/office/powerpoint/2010/main" val="3003455065"/>
+        <p14:creationId xmlns:p14="http://schemas.microsoft.com/office/powerpoint/2010/main" val="2554539812"/>
       </p:ext>
     </p:extLst>
   </p:cSld>
@@ -13996,7 +14124,7 @@
       </p:grpSpPr>
       <p:sp>
         <p:nvSpPr>
-          <p:cNvPr id="7" name="Text Placeholder 6"/>
+          <p:cNvPr id="6" name="Text Placeholder 5"/>
           <p:cNvSpPr>
             <a:spLocks noGrp="1"/>
           </p:cNvSpPr>
@@ -14011,7 +14139,143 @@
           <a:p>
             <a:r>
               <a:rPr lang="en-US" dirty="0"/>
-              <a:t>Demo Title</a:t>
+              <a:t>Section 1</a:t>
+            </a:r>
+          </a:p>
+        </p:txBody>
+      </p:sp>
+      <p:sp>
+        <p:nvSpPr>
+          <p:cNvPr id="7" name="Content Placeholder 6"/>
+          <p:cNvSpPr>
+            <a:spLocks noGrp="1"/>
+          </p:cNvSpPr>
+          <p:nvPr>
+            <p:ph sz="half" idx="2"/>
+          </p:nvPr>
+        </p:nvSpPr>
+        <p:spPr/>
+        <p:txBody>
+          <a:bodyPr/>
+          <a:lstStyle/>
+          <a:p>
+            <a:r>
+              <a:rPr lang="en-US" dirty="0"/>
+              <a:t>Text</a:t>
+            </a:r>
+          </a:p>
+          <a:p>
+            <a:pPr lvl="1"/>
+            <a:r>
+              <a:rPr lang="en-US" dirty="0"/>
+              <a:t>Level 1</a:t>
+            </a:r>
+          </a:p>
+          <a:p>
+            <a:pPr lvl="2"/>
+            <a:r>
+              <a:rPr lang="en-US" dirty="0"/>
+              <a:t>Level 2</a:t>
+            </a:r>
+          </a:p>
+          <a:p>
+            <a:pPr lvl="3"/>
+            <a:r>
+              <a:rPr lang="en-US" dirty="0"/>
+              <a:t>Level 3</a:t>
+            </a:r>
+          </a:p>
+          <a:p>
+            <a:endParaRPr lang="en-US" dirty="0"/>
+          </a:p>
+        </p:txBody>
+      </p:sp>
+      <p:sp>
+        <p:nvSpPr>
+          <p:cNvPr id="8" name="Text Placeholder 7"/>
+          <p:cNvSpPr>
+            <a:spLocks noGrp="1"/>
+          </p:cNvSpPr>
+          <p:nvPr>
+            <p:ph type="body" sz="quarter" idx="3"/>
+          </p:nvPr>
+        </p:nvSpPr>
+        <p:spPr/>
+        <p:txBody>
+          <a:bodyPr/>
+          <a:lstStyle/>
+          <a:p>
+            <a:r>
+              <a:rPr lang="en-US" dirty="0"/>
+              <a:t>Section 2</a:t>
+            </a:r>
+          </a:p>
+        </p:txBody>
+      </p:sp>
+      <p:sp>
+        <p:nvSpPr>
+          <p:cNvPr id="9" name="Content Placeholder 8"/>
+          <p:cNvSpPr>
+            <a:spLocks noGrp="1"/>
+          </p:cNvSpPr>
+          <p:nvPr>
+            <p:ph sz="quarter" idx="4"/>
+          </p:nvPr>
+        </p:nvSpPr>
+        <p:spPr/>
+        <p:txBody>
+          <a:bodyPr/>
+          <a:lstStyle/>
+          <a:p>
+            <a:r>
+              <a:rPr lang="en-US" dirty="0"/>
+              <a:t>Text</a:t>
+            </a:r>
+          </a:p>
+          <a:p>
+            <a:pPr lvl="1"/>
+            <a:r>
+              <a:rPr lang="en-US" dirty="0"/>
+              <a:t>Level 1</a:t>
+            </a:r>
+          </a:p>
+          <a:p>
+            <a:pPr lvl="2"/>
+            <a:r>
+              <a:rPr lang="en-US" dirty="0"/>
+              <a:t>Level 2</a:t>
+            </a:r>
+          </a:p>
+          <a:p>
+            <a:pPr lvl="3"/>
+            <a:r>
+              <a:rPr lang="en-US" dirty="0"/>
+              <a:t>Level 3</a:t>
+            </a:r>
+          </a:p>
+          <a:p>
+            <a:endParaRPr lang="en-US" dirty="0"/>
+          </a:p>
+        </p:txBody>
+      </p:sp>
+      <p:sp>
+        <p:nvSpPr>
+          <p:cNvPr id="5" name="Title 4"/>
+          <p:cNvSpPr>
+            <a:spLocks noGrp="1"/>
+          </p:cNvSpPr>
+          <p:nvPr>
+            <p:ph type="title"/>
+          </p:nvPr>
+        </p:nvSpPr>
+        <p:spPr/>
+        <p:txBody>
+          <a:bodyPr/>
+          <a:lstStyle/>
+          <a:p>
+            <a:r>
+              <a:rPr lang="en-US" dirty="0"/>
+              <a:t>Title</a:t>
             </a:r>
           </a:p>
         </p:txBody>
@@ -14019,7 +14283,7 @@
     </p:spTree>
     <p:extLst>
       <p:ext uri="{BB962C8B-B14F-4D97-AF65-F5344CB8AC3E}">
-        <p14:creationId xmlns:p14="http://schemas.microsoft.com/office/powerpoint/2010/main" val="3216050713"/>
+        <p14:creationId xmlns:p14="http://schemas.microsoft.com/office/powerpoint/2010/main" val="3003455065"/>
       </p:ext>
     </p:extLst>
   </p:cSld>
@@ -14054,875 +14318,32 @@
           <a:chExt cx="0" cy="0"/>
         </a:xfrm>
       </p:grpSpPr>
-      <p:pic>
-        <p:nvPicPr>
-          <p:cNvPr id="11" name="Picture 10"/>
-          <p:cNvPicPr>
-            <a:picLocks noChangeAspect="1"/>
-          </p:cNvPicPr>
-          <p:nvPr/>
-        </p:nvPicPr>
-        <p:blipFill>
-          <a:blip r:embed="rId2">
-            <a:extLst>
-              <a:ext uri="{28A0092B-C50C-407E-A947-70E740481C1C}">
-                <a14:useLocalDpi xmlns:a14="http://schemas.microsoft.com/office/drawing/2010/main" val="0"/>
-              </a:ext>
-            </a:extLst>
-          </a:blip>
-          <a:stretch>
-            <a:fillRect/>
-          </a:stretch>
-        </p:blipFill>
-        <p:spPr>
-          <a:xfrm>
-            <a:off x="2207458" y="453313"/>
-            <a:ext cx="457200" cy="457200"/>
-          </a:xfrm>
-          <a:prstGeom prst="rect">
-            <a:avLst/>
-          </a:prstGeom>
-        </p:spPr>
-      </p:pic>
-      <p:pic>
-        <p:nvPicPr>
-          <p:cNvPr id="12" name="Picture 11"/>
-          <p:cNvPicPr>
-            <a:picLocks noChangeAspect="1"/>
-          </p:cNvPicPr>
-          <p:nvPr/>
-        </p:nvPicPr>
-        <p:blipFill>
-          <a:blip r:embed="rId3">
-            <a:extLst>
-              <a:ext uri="{28A0092B-C50C-407E-A947-70E740481C1C}">
-                <a14:useLocalDpi xmlns:a14="http://schemas.microsoft.com/office/drawing/2010/main" val="0"/>
-              </a:ext>
-            </a:extLst>
-          </a:blip>
-          <a:stretch>
-            <a:fillRect/>
-          </a:stretch>
-        </p:blipFill>
-        <p:spPr>
-          <a:xfrm>
-            <a:off x="1294229" y="453399"/>
-            <a:ext cx="457200" cy="457200"/>
-          </a:xfrm>
-          <a:prstGeom prst="rect">
-            <a:avLst/>
-          </a:prstGeom>
-        </p:spPr>
-      </p:pic>
-      <p:pic>
-        <p:nvPicPr>
-          <p:cNvPr id="13" name="Picture 12"/>
-          <p:cNvPicPr>
-            <a:picLocks noChangeAspect="1"/>
-          </p:cNvPicPr>
-          <p:nvPr/>
-        </p:nvPicPr>
-        <p:blipFill>
-          <a:blip r:embed="rId4">
-            <a:extLst>
-              <a:ext uri="{28A0092B-C50C-407E-A947-70E740481C1C}">
-                <a14:useLocalDpi xmlns:a14="http://schemas.microsoft.com/office/drawing/2010/main" val="0"/>
-              </a:ext>
-            </a:extLst>
-          </a:blip>
-          <a:stretch>
-            <a:fillRect/>
-          </a:stretch>
-        </p:blipFill>
-        <p:spPr>
-          <a:xfrm>
-            <a:off x="381000" y="453399"/>
-            <a:ext cx="457200" cy="457200"/>
-          </a:xfrm>
-          <a:prstGeom prst="rect">
-            <a:avLst/>
-          </a:prstGeom>
-        </p:spPr>
-      </p:pic>
-      <p:pic>
-        <p:nvPicPr>
-          <p:cNvPr id="15" name="Picture 14"/>
-          <p:cNvPicPr>
-            <a:picLocks noChangeAspect="1"/>
-          </p:cNvPicPr>
-          <p:nvPr/>
-        </p:nvPicPr>
-        <p:blipFill>
-          <a:blip r:embed="rId5">
-            <a:lum bright="70000" contrast="-70000"/>
-            <a:extLst>
-              <a:ext uri="{28A0092B-C50C-407E-A947-70E740481C1C}">
-                <a14:useLocalDpi xmlns:a14="http://schemas.microsoft.com/office/drawing/2010/main" val="0"/>
-              </a:ext>
-            </a:extLst>
-          </a:blip>
-          <a:stretch>
-            <a:fillRect/>
-          </a:stretch>
-        </p:blipFill>
-        <p:spPr>
-          <a:xfrm>
-            <a:off x="303629" y="1070428"/>
-            <a:ext cx="1219200" cy="1219200"/>
-          </a:xfrm>
-          <a:prstGeom prst="rect">
-            <a:avLst/>
-          </a:prstGeom>
-        </p:spPr>
-      </p:pic>
-      <p:pic>
-        <p:nvPicPr>
-          <p:cNvPr id="279" name="Picture 278"/>
-          <p:cNvPicPr>
-            <a:picLocks noChangeAspect="1"/>
-          </p:cNvPicPr>
-          <p:nvPr/>
-        </p:nvPicPr>
-        <p:blipFill>
-          <a:blip r:embed="rId6">
-            <a:lum bright="70000" contrast="-70000"/>
-            <a:extLst>
-              <a:ext uri="{28A0092B-C50C-407E-A947-70E740481C1C}">
-                <a14:useLocalDpi xmlns:a14="http://schemas.microsoft.com/office/drawing/2010/main" val="0"/>
-              </a:ext>
-            </a:extLst>
-          </a:blip>
-          <a:stretch>
-            <a:fillRect/>
-          </a:stretch>
-        </p:blipFill>
-        <p:spPr>
-          <a:xfrm>
-            <a:off x="2950029" y="1070428"/>
-            <a:ext cx="1219200" cy="1219200"/>
-          </a:xfrm>
-          <a:prstGeom prst="rect">
-            <a:avLst/>
-          </a:prstGeom>
-        </p:spPr>
-      </p:pic>
-      <p:pic>
-        <p:nvPicPr>
-          <p:cNvPr id="280" name="Picture 279"/>
-          <p:cNvPicPr>
-            <a:picLocks noChangeAspect="1"/>
-          </p:cNvPicPr>
-          <p:nvPr/>
-        </p:nvPicPr>
-        <p:blipFill>
-          <a:blip r:embed="rId7">
-            <a:lum bright="70000" contrast="-70000"/>
-            <a:extLst>
-              <a:ext uri="{28A0092B-C50C-407E-A947-70E740481C1C}">
-                <a14:useLocalDpi xmlns:a14="http://schemas.microsoft.com/office/drawing/2010/main" val="0"/>
-              </a:ext>
-            </a:extLst>
-          </a:blip>
-          <a:stretch>
-            <a:fillRect/>
-          </a:stretch>
-        </p:blipFill>
-        <p:spPr>
-          <a:xfrm>
-            <a:off x="1626829" y="1070428"/>
-            <a:ext cx="1219200" cy="1219200"/>
-          </a:xfrm>
-          <a:prstGeom prst="rect">
-            <a:avLst/>
-          </a:prstGeom>
-        </p:spPr>
-      </p:pic>
-      <p:pic>
-        <p:nvPicPr>
-          <p:cNvPr id="281" name="Picture 280"/>
-          <p:cNvPicPr>
-            <a:picLocks noChangeAspect="1"/>
-          </p:cNvPicPr>
-          <p:nvPr/>
-        </p:nvPicPr>
-        <p:blipFill>
-          <a:blip r:embed="rId8">
-            <a:lum bright="70000" contrast="-70000"/>
-            <a:extLst>
-              <a:ext uri="{28A0092B-C50C-407E-A947-70E740481C1C}">
-                <a14:useLocalDpi xmlns:a14="http://schemas.microsoft.com/office/drawing/2010/main" val="0"/>
-              </a:ext>
-            </a:extLst>
-          </a:blip>
-          <a:stretch>
-            <a:fillRect/>
-          </a:stretch>
-        </p:blipFill>
-        <p:spPr>
-          <a:xfrm>
-            <a:off x="5596429" y="1107999"/>
-            <a:ext cx="1219200" cy="1219200"/>
-          </a:xfrm>
-          <a:prstGeom prst="rect">
-            <a:avLst/>
-          </a:prstGeom>
-        </p:spPr>
-      </p:pic>
-      <p:pic>
-        <p:nvPicPr>
-          <p:cNvPr id="282" name="Picture 281"/>
-          <p:cNvPicPr>
-            <a:picLocks noChangeAspect="1"/>
-          </p:cNvPicPr>
-          <p:nvPr/>
-        </p:nvPicPr>
-        <p:blipFill>
-          <a:blip r:embed="rId9">
-            <a:lum bright="70000" contrast="-70000"/>
-            <a:extLst>
-              <a:ext uri="{28A0092B-C50C-407E-A947-70E740481C1C}">
-                <a14:useLocalDpi xmlns:a14="http://schemas.microsoft.com/office/drawing/2010/main" val="0"/>
-              </a:ext>
-            </a:extLst>
-          </a:blip>
-          <a:stretch>
-            <a:fillRect/>
-          </a:stretch>
-        </p:blipFill>
-        <p:spPr>
-          <a:xfrm>
-            <a:off x="4273229" y="1070428"/>
-            <a:ext cx="1219200" cy="1219200"/>
-          </a:xfrm>
-          <a:prstGeom prst="rect">
-            <a:avLst/>
-          </a:prstGeom>
-        </p:spPr>
-      </p:pic>
-      <p:pic>
-        <p:nvPicPr>
-          <p:cNvPr id="283" name="Picture 282"/>
-          <p:cNvPicPr>
-            <a:picLocks noChangeAspect="1"/>
-          </p:cNvPicPr>
-          <p:nvPr/>
-        </p:nvPicPr>
-        <p:blipFill>
-          <a:blip r:embed="rId10">
-            <a:lum bright="70000" contrast="-70000"/>
-            <a:extLst>
-              <a:ext uri="{28A0092B-C50C-407E-A947-70E740481C1C}">
-                <a14:useLocalDpi xmlns:a14="http://schemas.microsoft.com/office/drawing/2010/main" val="0"/>
-              </a:ext>
-            </a:extLst>
-          </a:blip>
-          <a:stretch>
-            <a:fillRect/>
-          </a:stretch>
-        </p:blipFill>
-        <p:spPr>
-          <a:xfrm>
-            <a:off x="6919629" y="1107999"/>
-            <a:ext cx="1219200" cy="1219200"/>
-          </a:xfrm>
-          <a:prstGeom prst="rect">
-            <a:avLst/>
-          </a:prstGeom>
-        </p:spPr>
-      </p:pic>
-      <p:pic>
-        <p:nvPicPr>
-          <p:cNvPr id="284" name="Picture 283"/>
-          <p:cNvPicPr>
-            <a:picLocks noChangeAspect="1"/>
-          </p:cNvPicPr>
-          <p:nvPr/>
-        </p:nvPicPr>
-        <p:blipFill>
-          <a:blip r:embed="rId11">
-            <a:lum bright="70000" contrast="-70000"/>
-            <a:extLst>
-              <a:ext uri="{28A0092B-C50C-407E-A947-70E740481C1C}">
-                <a14:useLocalDpi xmlns:a14="http://schemas.microsoft.com/office/drawing/2010/main" val="0"/>
-              </a:ext>
-            </a:extLst>
-          </a:blip>
-          <a:stretch>
-            <a:fillRect/>
-          </a:stretch>
-        </p:blipFill>
-        <p:spPr>
-          <a:xfrm>
-            <a:off x="9105600" y="1070428"/>
-            <a:ext cx="1219200" cy="1219200"/>
-          </a:xfrm>
-          <a:prstGeom prst="rect">
-            <a:avLst/>
-          </a:prstGeom>
-        </p:spPr>
-      </p:pic>
-      <p:pic>
-        <p:nvPicPr>
-          <p:cNvPr id="285" name="Picture 284"/>
-          <p:cNvPicPr>
-            <a:picLocks noChangeAspect="1"/>
-          </p:cNvPicPr>
-          <p:nvPr/>
-        </p:nvPicPr>
-        <p:blipFill>
-          <a:blip r:embed="rId12">
-            <a:lum bright="70000" contrast="-70000"/>
-            <a:extLst>
-              <a:ext uri="{28A0092B-C50C-407E-A947-70E740481C1C}">
-                <a14:useLocalDpi xmlns:a14="http://schemas.microsoft.com/office/drawing/2010/main" val="0"/>
-              </a:ext>
-            </a:extLst>
-          </a:blip>
-          <a:stretch>
-            <a:fillRect/>
-          </a:stretch>
-        </p:blipFill>
-        <p:spPr>
-          <a:xfrm>
-            <a:off x="7988286" y="1070428"/>
-            <a:ext cx="1219200" cy="1219200"/>
-          </a:xfrm>
-          <a:prstGeom prst="rect">
-            <a:avLst/>
-          </a:prstGeom>
-        </p:spPr>
-      </p:pic>
-      <p:pic>
-        <p:nvPicPr>
-          <p:cNvPr id="286" name="Picture 285"/>
-          <p:cNvPicPr>
-            <a:picLocks noChangeAspect="1"/>
-          </p:cNvPicPr>
-          <p:nvPr/>
-        </p:nvPicPr>
-        <p:blipFill>
-          <a:blip r:embed="rId13">
-            <a:lum bright="70000" contrast="-70000"/>
-            <a:extLst>
-              <a:ext uri="{28A0092B-C50C-407E-A947-70E740481C1C}">
-                <a14:useLocalDpi xmlns:a14="http://schemas.microsoft.com/office/drawing/2010/main" val="0"/>
-              </a:ext>
-            </a:extLst>
-          </a:blip>
-          <a:stretch>
-            <a:fillRect/>
-          </a:stretch>
-        </p:blipFill>
-        <p:spPr>
-          <a:xfrm>
-            <a:off x="303629" y="2185742"/>
-            <a:ext cx="1219200" cy="1219200"/>
-          </a:xfrm>
-          <a:prstGeom prst="rect">
-            <a:avLst/>
-          </a:prstGeom>
-        </p:spPr>
-      </p:pic>
-      <p:pic>
-        <p:nvPicPr>
-          <p:cNvPr id="287" name="Picture 286"/>
-          <p:cNvPicPr>
-            <a:picLocks noChangeAspect="1"/>
-          </p:cNvPicPr>
-          <p:nvPr/>
-        </p:nvPicPr>
-        <p:blipFill>
-          <a:blip r:embed="rId14">
-            <a:lum bright="70000" contrast="-70000"/>
-            <a:extLst>
-              <a:ext uri="{28A0092B-C50C-407E-A947-70E740481C1C}">
-                <a14:useLocalDpi xmlns:a14="http://schemas.microsoft.com/office/drawing/2010/main" val="0"/>
-              </a:ext>
-            </a:extLst>
-          </a:blip>
-          <a:stretch>
-            <a:fillRect/>
-          </a:stretch>
-        </p:blipFill>
-        <p:spPr>
-          <a:xfrm>
-            <a:off x="10484143" y="1070428"/>
-            <a:ext cx="1219200" cy="1219200"/>
-          </a:xfrm>
-          <a:prstGeom prst="rect">
-            <a:avLst/>
-          </a:prstGeom>
-        </p:spPr>
-      </p:pic>
-      <p:pic>
-        <p:nvPicPr>
-          <p:cNvPr id="288" name="Picture 287"/>
-          <p:cNvPicPr>
-            <a:picLocks noChangeAspect="1"/>
-          </p:cNvPicPr>
-          <p:nvPr/>
-        </p:nvPicPr>
-        <p:blipFill>
-          <a:blip r:embed="rId15">
-            <a:lum bright="70000" contrast="-70000"/>
-            <a:extLst>
-              <a:ext uri="{28A0092B-C50C-407E-A947-70E740481C1C}">
-                <a14:useLocalDpi xmlns:a14="http://schemas.microsoft.com/office/drawing/2010/main" val="0"/>
-              </a:ext>
-            </a:extLst>
-          </a:blip>
-          <a:stretch>
-            <a:fillRect/>
-          </a:stretch>
-        </p:blipFill>
-        <p:spPr>
-          <a:xfrm>
-            <a:off x="2923629" y="2421599"/>
-            <a:ext cx="1219200" cy="1219200"/>
-          </a:xfrm>
-          <a:prstGeom prst="rect">
-            <a:avLst/>
-          </a:prstGeom>
-        </p:spPr>
-      </p:pic>
-      <p:pic>
-        <p:nvPicPr>
-          <p:cNvPr id="289" name="Picture 288"/>
-          <p:cNvPicPr>
-            <a:picLocks noChangeAspect="1"/>
-          </p:cNvPicPr>
-          <p:nvPr/>
-        </p:nvPicPr>
-        <p:blipFill>
-          <a:blip r:embed="rId16">
-            <a:lum bright="70000" contrast="-70000"/>
-            <a:extLst>
-              <a:ext uri="{28A0092B-C50C-407E-A947-70E740481C1C}">
-                <a14:useLocalDpi xmlns:a14="http://schemas.microsoft.com/office/drawing/2010/main" val="0"/>
-              </a:ext>
-            </a:extLst>
-          </a:blip>
-          <a:stretch>
-            <a:fillRect/>
-          </a:stretch>
-        </p:blipFill>
-        <p:spPr>
-          <a:xfrm>
-            <a:off x="4273229" y="2454485"/>
-            <a:ext cx="1219200" cy="1219200"/>
-          </a:xfrm>
-          <a:prstGeom prst="rect">
-            <a:avLst/>
-          </a:prstGeom>
-        </p:spPr>
-      </p:pic>
-      <p:pic>
-        <p:nvPicPr>
-          <p:cNvPr id="290" name="Picture 289"/>
-          <p:cNvPicPr>
-            <a:picLocks noChangeAspect="1"/>
-          </p:cNvPicPr>
-          <p:nvPr/>
-        </p:nvPicPr>
-        <p:blipFill>
-          <a:blip r:embed="rId17">
-            <a:lum bright="70000" contrast="-70000"/>
-            <a:extLst>
-              <a:ext uri="{28A0092B-C50C-407E-A947-70E740481C1C}">
-                <a14:useLocalDpi xmlns:a14="http://schemas.microsoft.com/office/drawing/2010/main" val="0"/>
-              </a:ext>
-            </a:extLst>
-          </a:blip>
-          <a:stretch>
-            <a:fillRect/>
-          </a:stretch>
-        </p:blipFill>
-        <p:spPr>
-          <a:xfrm>
-            <a:off x="1704429" y="2421599"/>
-            <a:ext cx="1219200" cy="1219200"/>
-          </a:xfrm>
-          <a:prstGeom prst="rect">
-            <a:avLst/>
-          </a:prstGeom>
-        </p:spPr>
-      </p:pic>
-      <p:pic>
-        <p:nvPicPr>
-          <p:cNvPr id="291" name="Picture 290"/>
-          <p:cNvPicPr>
-            <a:picLocks noChangeAspect="1"/>
-          </p:cNvPicPr>
-          <p:nvPr/>
-        </p:nvPicPr>
-        <p:blipFill>
-          <a:blip r:embed="rId18">
-            <a:lum bright="70000" contrast="-70000"/>
-            <a:extLst>
-              <a:ext uri="{28A0092B-C50C-407E-A947-70E740481C1C}">
-                <a14:useLocalDpi xmlns:a14="http://schemas.microsoft.com/office/drawing/2010/main" val="0"/>
-              </a:ext>
-            </a:extLst>
-          </a:blip>
-          <a:stretch>
-            <a:fillRect/>
-          </a:stretch>
-        </p:blipFill>
-        <p:spPr>
-          <a:xfrm>
-            <a:off x="6976800" y="2439628"/>
-            <a:ext cx="1219200" cy="1219200"/>
-          </a:xfrm>
-          <a:prstGeom prst="rect">
-            <a:avLst/>
-          </a:prstGeom>
-        </p:spPr>
-      </p:pic>
-      <p:pic>
-        <p:nvPicPr>
-          <p:cNvPr id="292" name="Picture 291"/>
-          <p:cNvPicPr>
-            <a:picLocks noChangeAspect="1"/>
-          </p:cNvPicPr>
-          <p:nvPr/>
-        </p:nvPicPr>
-        <p:blipFill>
-          <a:blip r:embed="rId19">
-            <a:lum bright="70000" contrast="-70000"/>
-            <a:extLst>
-              <a:ext uri="{28A0092B-C50C-407E-A947-70E740481C1C}">
-                <a14:useLocalDpi xmlns:a14="http://schemas.microsoft.com/office/drawing/2010/main" val="0"/>
-              </a:ext>
-            </a:extLst>
-          </a:blip>
-          <a:stretch>
-            <a:fillRect/>
-          </a:stretch>
-        </p:blipFill>
-        <p:spPr>
-          <a:xfrm>
-            <a:off x="5622829" y="2454485"/>
-            <a:ext cx="1219200" cy="1219200"/>
-          </a:xfrm>
-          <a:prstGeom prst="rect">
-            <a:avLst/>
-          </a:prstGeom>
-        </p:spPr>
-      </p:pic>
-      <p:pic>
-        <p:nvPicPr>
-          <p:cNvPr id="293" name="Picture 292"/>
-          <p:cNvPicPr>
-            <a:picLocks noChangeAspect="1"/>
-          </p:cNvPicPr>
-          <p:nvPr/>
-        </p:nvPicPr>
-        <p:blipFill>
-          <a:blip r:embed="rId20">
-            <a:lum bright="70000" contrast="-70000"/>
-            <a:extLst>
-              <a:ext uri="{28A0092B-C50C-407E-A947-70E740481C1C}">
-                <a14:useLocalDpi xmlns:a14="http://schemas.microsoft.com/office/drawing/2010/main" val="0"/>
-              </a:ext>
-            </a:extLst>
-          </a:blip>
-          <a:stretch>
-            <a:fillRect/>
-          </a:stretch>
-        </p:blipFill>
-        <p:spPr>
-          <a:xfrm>
-            <a:off x="8336400" y="2534314"/>
-            <a:ext cx="1219200" cy="1219200"/>
-          </a:xfrm>
-          <a:prstGeom prst="rect">
-            <a:avLst/>
-          </a:prstGeom>
-        </p:spPr>
-      </p:pic>
-      <p:pic>
-        <p:nvPicPr>
-          <p:cNvPr id="294" name="Picture 293"/>
-          <p:cNvPicPr>
-            <a:picLocks noChangeAspect="1"/>
-          </p:cNvPicPr>
-          <p:nvPr/>
-        </p:nvPicPr>
-        <p:blipFill>
-          <a:blip r:embed="rId21">
-            <a:lum bright="70000" contrast="-70000"/>
-            <a:extLst>
-              <a:ext uri="{28A0092B-C50C-407E-A947-70E740481C1C}">
-                <a14:useLocalDpi xmlns:a14="http://schemas.microsoft.com/office/drawing/2010/main" val="0"/>
-              </a:ext>
-            </a:extLst>
-          </a:blip>
-          <a:stretch>
-            <a:fillRect/>
-          </a:stretch>
-        </p:blipFill>
-        <p:spPr>
-          <a:xfrm>
-            <a:off x="1522829" y="3910656"/>
-            <a:ext cx="1219200" cy="1219200"/>
-          </a:xfrm>
-          <a:prstGeom prst="rect">
-            <a:avLst/>
-          </a:prstGeom>
-        </p:spPr>
-      </p:pic>
-      <p:pic>
-        <p:nvPicPr>
-          <p:cNvPr id="295" name="Picture 294"/>
-          <p:cNvPicPr>
-            <a:picLocks noChangeAspect="1"/>
-          </p:cNvPicPr>
-          <p:nvPr/>
-        </p:nvPicPr>
-        <p:blipFill>
-          <a:blip r:embed="rId22">
-            <a:lum bright="70000" contrast="-70000"/>
-            <a:extLst>
-              <a:ext uri="{28A0092B-C50C-407E-A947-70E740481C1C}">
-                <a14:useLocalDpi xmlns:a14="http://schemas.microsoft.com/office/drawing/2010/main" val="0"/>
-              </a:ext>
-            </a:extLst>
-          </a:blip>
-          <a:stretch>
-            <a:fillRect/>
-          </a:stretch>
-        </p:blipFill>
-        <p:spPr>
-          <a:xfrm>
-            <a:off x="303629" y="4021971"/>
-            <a:ext cx="1219200" cy="1219200"/>
-          </a:xfrm>
-          <a:prstGeom prst="rect">
-            <a:avLst/>
-          </a:prstGeom>
-        </p:spPr>
-      </p:pic>
-      <p:pic>
-        <p:nvPicPr>
-          <p:cNvPr id="296" name="Picture 295"/>
-          <p:cNvPicPr>
-            <a:picLocks noChangeAspect="1"/>
-          </p:cNvPicPr>
-          <p:nvPr/>
-        </p:nvPicPr>
-        <p:blipFill>
-          <a:blip r:embed="rId23">
-            <a:lum bright="70000" contrast="-70000"/>
-            <a:extLst>
-              <a:ext uri="{28A0092B-C50C-407E-A947-70E740481C1C}">
-                <a14:useLocalDpi xmlns:a14="http://schemas.microsoft.com/office/drawing/2010/main" val="0"/>
-              </a:ext>
-            </a:extLst>
-          </a:blip>
-          <a:stretch>
-            <a:fillRect/>
-          </a:stretch>
-        </p:blipFill>
-        <p:spPr>
-          <a:xfrm>
-            <a:off x="9762315" y="2534314"/>
-            <a:ext cx="1219200" cy="1219200"/>
-          </a:xfrm>
-          <a:prstGeom prst="rect">
-            <a:avLst/>
-          </a:prstGeom>
-        </p:spPr>
-      </p:pic>
-      <p:pic>
-        <p:nvPicPr>
-          <p:cNvPr id="297" name="Picture 296"/>
-          <p:cNvPicPr>
-            <a:picLocks noChangeAspect="1"/>
-          </p:cNvPicPr>
-          <p:nvPr/>
-        </p:nvPicPr>
-        <p:blipFill>
-          <a:blip r:embed="rId24">
-            <a:lum bright="70000" contrast="-70000"/>
-            <a:extLst>
-              <a:ext uri="{28A0092B-C50C-407E-A947-70E740481C1C}">
-                <a14:useLocalDpi xmlns:a14="http://schemas.microsoft.com/office/drawing/2010/main" val="0"/>
-              </a:ext>
-            </a:extLst>
-          </a:blip>
-          <a:stretch>
-            <a:fillRect/>
-          </a:stretch>
-        </p:blipFill>
-        <p:spPr>
-          <a:xfrm>
-            <a:off x="5998771" y="4004171"/>
-            <a:ext cx="1219200" cy="1219200"/>
-          </a:xfrm>
-          <a:prstGeom prst="rect">
-            <a:avLst/>
-          </a:prstGeom>
-        </p:spPr>
-      </p:pic>
-      <p:pic>
-        <p:nvPicPr>
-          <p:cNvPr id="298" name="Picture 297"/>
-          <p:cNvPicPr>
-            <a:picLocks noChangeAspect="1"/>
-          </p:cNvPicPr>
-          <p:nvPr/>
-        </p:nvPicPr>
-        <p:blipFill>
-          <a:blip r:embed="rId25">
-            <a:lum bright="70000" contrast="-70000"/>
-            <a:extLst>
-              <a:ext uri="{28A0092B-C50C-407E-A947-70E740481C1C}">
-                <a14:useLocalDpi xmlns:a14="http://schemas.microsoft.com/office/drawing/2010/main" val="0"/>
-              </a:ext>
-            </a:extLst>
-          </a:blip>
-          <a:stretch>
-            <a:fillRect/>
-          </a:stretch>
-        </p:blipFill>
-        <p:spPr>
-          <a:xfrm>
-            <a:off x="4526400" y="4021971"/>
-            <a:ext cx="1219200" cy="1219200"/>
-          </a:xfrm>
-          <a:prstGeom prst="rect">
-            <a:avLst/>
-          </a:prstGeom>
-        </p:spPr>
-      </p:pic>
-      <p:pic>
-        <p:nvPicPr>
-          <p:cNvPr id="299" name="Picture 298"/>
-          <p:cNvPicPr>
-            <a:picLocks noChangeAspect="1"/>
-          </p:cNvPicPr>
-          <p:nvPr/>
-        </p:nvPicPr>
-        <p:blipFill>
-          <a:blip r:embed="rId26">
-            <a:lum bright="70000" contrast="-70000"/>
-            <a:extLst>
-              <a:ext uri="{28A0092B-C50C-407E-A947-70E740481C1C}">
-                <a14:useLocalDpi xmlns:a14="http://schemas.microsoft.com/office/drawing/2010/main" val="0"/>
-              </a:ext>
-            </a:extLst>
-          </a:blip>
-          <a:stretch>
-            <a:fillRect/>
-          </a:stretch>
-        </p:blipFill>
-        <p:spPr>
-          <a:xfrm>
-            <a:off x="3054029" y="4021971"/>
-            <a:ext cx="1219200" cy="1219200"/>
-          </a:xfrm>
-          <a:prstGeom prst="rect">
-            <a:avLst/>
-          </a:prstGeom>
-        </p:spPr>
-      </p:pic>
-      <p:pic>
-        <p:nvPicPr>
-          <p:cNvPr id="300" name="Picture 299"/>
-          <p:cNvPicPr>
-            <a:picLocks noChangeAspect="1"/>
-          </p:cNvPicPr>
-          <p:nvPr/>
-        </p:nvPicPr>
-        <p:blipFill>
-          <a:blip r:embed="rId27">
-            <a:lum bright="70000" contrast="-70000"/>
-            <a:extLst>
-              <a:ext uri="{28A0092B-C50C-407E-A947-70E740481C1C}">
-                <a14:useLocalDpi xmlns:a14="http://schemas.microsoft.com/office/drawing/2010/main" val="0"/>
-              </a:ext>
-            </a:extLst>
-          </a:blip>
-          <a:stretch>
-            <a:fillRect/>
-          </a:stretch>
-        </p:blipFill>
-        <p:spPr>
-          <a:xfrm>
-            <a:off x="10221542" y="4145971"/>
-            <a:ext cx="1219200" cy="1219200"/>
-          </a:xfrm>
-          <a:prstGeom prst="rect">
-            <a:avLst/>
-          </a:prstGeom>
-        </p:spPr>
-      </p:pic>
-      <p:pic>
-        <p:nvPicPr>
-          <p:cNvPr id="301" name="Picture 300"/>
-          <p:cNvPicPr>
-            <a:picLocks noChangeAspect="1"/>
-          </p:cNvPicPr>
-          <p:nvPr/>
-        </p:nvPicPr>
-        <p:blipFill>
-          <a:blip r:embed="rId28">
-            <a:lum bright="70000" contrast="-70000"/>
-            <a:extLst>
-              <a:ext uri="{28A0092B-C50C-407E-A947-70E740481C1C}">
-                <a14:useLocalDpi xmlns:a14="http://schemas.microsoft.com/office/drawing/2010/main" val="0"/>
-              </a:ext>
-            </a:extLst>
-          </a:blip>
-          <a:stretch>
-            <a:fillRect/>
-          </a:stretch>
-        </p:blipFill>
-        <p:spPr>
-          <a:xfrm>
-            <a:off x="8858971" y="4120114"/>
-            <a:ext cx="1219200" cy="1219200"/>
-          </a:xfrm>
-          <a:prstGeom prst="rect">
-            <a:avLst/>
-          </a:prstGeom>
-        </p:spPr>
-      </p:pic>
-      <p:pic>
-        <p:nvPicPr>
-          <p:cNvPr id="302" name="Picture 301"/>
-          <p:cNvPicPr>
-            <a:picLocks noChangeAspect="1"/>
-          </p:cNvPicPr>
-          <p:nvPr/>
-        </p:nvPicPr>
-        <p:blipFill>
-          <a:blip r:embed="rId29">
-            <a:lum bright="70000" contrast="-70000"/>
-            <a:extLst>
-              <a:ext uri="{28A0092B-C50C-407E-A947-70E740481C1C}">
-                <a14:useLocalDpi xmlns:a14="http://schemas.microsoft.com/office/drawing/2010/main" val="0"/>
-              </a:ext>
-            </a:extLst>
-          </a:blip>
-          <a:stretch>
-            <a:fillRect/>
-          </a:stretch>
-        </p:blipFill>
-        <p:spPr>
-          <a:xfrm>
-            <a:off x="7471142" y="4120114"/>
-            <a:ext cx="1219200" cy="1219200"/>
-          </a:xfrm>
-          <a:prstGeom prst="rect">
-            <a:avLst/>
-          </a:prstGeom>
-        </p:spPr>
-      </p:pic>
+      <p:sp>
+        <p:nvSpPr>
+          <p:cNvPr id="7" name="Text Placeholder 6"/>
+          <p:cNvSpPr>
+            <a:spLocks noGrp="1"/>
+          </p:cNvSpPr>
+          <p:nvPr>
+            <p:ph type="body" idx="1"/>
+          </p:nvPr>
+        </p:nvSpPr>
+        <p:spPr/>
+        <p:txBody>
+          <a:bodyPr/>
+          <a:lstStyle/>
+          <a:p>
+            <a:r>
+              <a:rPr lang="en-US" dirty="0"/>
+              <a:t>Demo Title</a:t>
+            </a:r>
+          </a:p>
+        </p:txBody>
+      </p:sp>
     </p:spTree>
     <p:extLst>
       <p:ext uri="{BB962C8B-B14F-4D97-AF65-F5344CB8AC3E}">
-        <p14:creationId xmlns:p14="http://schemas.microsoft.com/office/powerpoint/2010/main" val="2451305448"/>
+        <p14:creationId xmlns:p14="http://schemas.microsoft.com/office/powerpoint/2010/main" val="3216050713"/>
       </p:ext>
     </p:extLst>
   </p:cSld>
@@ -14959,7 +14380,7 @@
       </p:grpSpPr>
       <p:pic>
         <p:nvPicPr>
-          <p:cNvPr id="2" name="Picture 1"/>
+          <p:cNvPr id="11" name="Picture 10"/>
           <p:cNvPicPr>
             <a:picLocks noChangeAspect="1"/>
           </p:cNvPicPr>
@@ -14967,30 +14388,29 @@
         </p:nvPicPr>
         <p:blipFill>
           <a:blip r:embed="rId2">
-            <a:lum bright="70000" contrast="-70000"/>
-            <a:extLst>
-              <a:ext uri="{28A0092B-C50C-407E-A947-70E740481C1C}">
-                <a14:useLocalDpi xmlns:a14="http://schemas.microsoft.com/office/drawing/2010/main" val="0"/>
-              </a:ext>
-            </a:extLst>
-          </a:blip>
-          <a:stretch>
-            <a:fillRect/>
-          </a:stretch>
-        </p:blipFill>
-        <p:spPr>
-          <a:xfrm>
-            <a:off x="322686" y="250829"/>
-            <a:ext cx="1219200" cy="1219200"/>
-          </a:xfrm>
-          <a:prstGeom prst="rect">
-            <a:avLst/>
-          </a:prstGeom>
-        </p:spPr>
-      </p:pic>
-      <p:pic>
-        <p:nvPicPr>
-          <p:cNvPr id="3" name="Picture 2"/>
+            <a:extLst>
+              <a:ext uri="{28A0092B-C50C-407E-A947-70E740481C1C}">
+                <a14:useLocalDpi xmlns:a14="http://schemas.microsoft.com/office/drawing/2010/main" val="0"/>
+              </a:ext>
+            </a:extLst>
+          </a:blip>
+          <a:stretch>
+            <a:fillRect/>
+          </a:stretch>
+        </p:blipFill>
+        <p:spPr>
+          <a:xfrm>
+            <a:off x="2207458" y="453313"/>
+            <a:ext cx="457200" cy="457200"/>
+          </a:xfrm>
+          <a:prstGeom prst="rect">
+            <a:avLst/>
+          </a:prstGeom>
+        </p:spPr>
+      </p:pic>
+      <p:pic>
+        <p:nvPicPr>
+          <p:cNvPr id="12" name="Picture 11"/>
           <p:cNvPicPr>
             <a:picLocks noChangeAspect="1"/>
           </p:cNvPicPr>
@@ -14998,30 +14418,29 @@
         </p:nvPicPr>
         <p:blipFill>
           <a:blip r:embed="rId3">
-            <a:lum bright="70000" contrast="-70000"/>
-            <a:extLst>
-              <a:ext uri="{28A0092B-C50C-407E-A947-70E740481C1C}">
-                <a14:useLocalDpi xmlns:a14="http://schemas.microsoft.com/office/drawing/2010/main" val="0"/>
-              </a:ext>
-            </a:extLst>
-          </a:blip>
-          <a:stretch>
-            <a:fillRect/>
-          </a:stretch>
-        </p:blipFill>
-        <p:spPr>
-          <a:xfrm>
-            <a:off x="1841371" y="306486"/>
-            <a:ext cx="1219200" cy="1219200"/>
-          </a:xfrm>
-          <a:prstGeom prst="rect">
-            <a:avLst/>
-          </a:prstGeom>
-        </p:spPr>
-      </p:pic>
-      <p:pic>
-        <p:nvPicPr>
-          <p:cNvPr id="4" name="Picture 3"/>
+            <a:extLst>
+              <a:ext uri="{28A0092B-C50C-407E-A947-70E740481C1C}">
+                <a14:useLocalDpi xmlns:a14="http://schemas.microsoft.com/office/drawing/2010/main" val="0"/>
+              </a:ext>
+            </a:extLst>
+          </a:blip>
+          <a:stretch>
+            <a:fillRect/>
+          </a:stretch>
+        </p:blipFill>
+        <p:spPr>
+          <a:xfrm>
+            <a:off x="1294229" y="453399"/>
+            <a:ext cx="457200" cy="457200"/>
+          </a:xfrm>
+          <a:prstGeom prst="rect">
+            <a:avLst/>
+          </a:prstGeom>
+        </p:spPr>
+      </p:pic>
+      <p:pic>
+        <p:nvPicPr>
+          <p:cNvPr id="13" name="Picture 12"/>
           <p:cNvPicPr>
             <a:picLocks noChangeAspect="1"/>
           </p:cNvPicPr>
@@ -15029,30 +14448,29 @@
         </p:nvPicPr>
         <p:blipFill>
           <a:blip r:embed="rId4">
-            <a:lum bright="70000" contrast="-70000"/>
-            <a:extLst>
-              <a:ext uri="{28A0092B-C50C-407E-A947-70E740481C1C}">
-                <a14:useLocalDpi xmlns:a14="http://schemas.microsoft.com/office/drawing/2010/main" val="0"/>
-              </a:ext>
-            </a:extLst>
-          </a:blip>
-          <a:stretch>
-            <a:fillRect/>
-          </a:stretch>
-        </p:blipFill>
-        <p:spPr>
-          <a:xfrm>
-            <a:off x="3360056" y="250829"/>
-            <a:ext cx="1219200" cy="1219200"/>
-          </a:xfrm>
-          <a:prstGeom prst="rect">
-            <a:avLst/>
-          </a:prstGeom>
-        </p:spPr>
-      </p:pic>
-      <p:pic>
-        <p:nvPicPr>
-          <p:cNvPr id="5" name="Picture 4"/>
+            <a:extLst>
+              <a:ext uri="{28A0092B-C50C-407E-A947-70E740481C1C}">
+                <a14:useLocalDpi xmlns:a14="http://schemas.microsoft.com/office/drawing/2010/main" val="0"/>
+              </a:ext>
+            </a:extLst>
+          </a:blip>
+          <a:stretch>
+            <a:fillRect/>
+          </a:stretch>
+        </p:blipFill>
+        <p:spPr>
+          <a:xfrm>
+            <a:off x="381000" y="453399"/>
+            <a:ext cx="457200" cy="457200"/>
+          </a:xfrm>
+          <a:prstGeom prst="rect">
+            <a:avLst/>
+          </a:prstGeom>
+        </p:spPr>
+      </p:pic>
+      <p:pic>
+        <p:nvPicPr>
+          <p:cNvPr id="15" name="Picture 14"/>
           <p:cNvPicPr>
             <a:picLocks noChangeAspect="1"/>
           </p:cNvPicPr>
@@ -15073,7 +14491,7 @@
         </p:blipFill>
         <p:spPr>
           <a:xfrm>
-            <a:off x="4878741" y="249715"/>
+            <a:off x="303629" y="1070428"/>
             <a:ext cx="1219200" cy="1219200"/>
           </a:xfrm>
           <a:prstGeom prst="rect">
@@ -15083,7 +14501,7 @@
       </p:pic>
       <p:pic>
         <p:nvPicPr>
-          <p:cNvPr id="6" name="Picture 5"/>
+          <p:cNvPr id="279" name="Picture 278"/>
           <p:cNvPicPr>
             <a:picLocks noChangeAspect="1"/>
           </p:cNvPicPr>
@@ -15104,7 +14522,7 @@
         </p:blipFill>
         <p:spPr>
           <a:xfrm>
-            <a:off x="7736400" y="249715"/>
+            <a:off x="2950029" y="1070428"/>
             <a:ext cx="1219200" cy="1219200"/>
           </a:xfrm>
           <a:prstGeom prst="rect">
@@ -15114,7 +14532,7 @@
       </p:pic>
       <p:pic>
         <p:nvPicPr>
-          <p:cNvPr id="7" name="Picture 6"/>
+          <p:cNvPr id="280" name="Picture 279"/>
           <p:cNvPicPr>
             <a:picLocks noChangeAspect="1"/>
           </p:cNvPicPr>
@@ -15135,7 +14553,7 @@
         </p:blipFill>
         <p:spPr>
           <a:xfrm>
-            <a:off x="6396057" y="249715"/>
+            <a:off x="1626829" y="1070428"/>
             <a:ext cx="1219200" cy="1219200"/>
           </a:xfrm>
           <a:prstGeom prst="rect">
@@ -15145,7 +14563,7 @@
       </p:pic>
       <p:pic>
         <p:nvPicPr>
-          <p:cNvPr id="8" name="Picture 7"/>
+          <p:cNvPr id="281" name="Picture 280"/>
           <p:cNvPicPr>
             <a:picLocks noChangeAspect="1"/>
           </p:cNvPicPr>
@@ -15166,7 +14584,7 @@
         </p:blipFill>
         <p:spPr>
           <a:xfrm>
-            <a:off x="322686" y="1525686"/>
+            <a:off x="5596429" y="1107999"/>
             <a:ext cx="1219200" cy="1219200"/>
           </a:xfrm>
           <a:prstGeom prst="rect">
@@ -15176,7 +14594,7 @@
       </p:pic>
       <p:pic>
         <p:nvPicPr>
-          <p:cNvPr id="9" name="Picture 8"/>
+          <p:cNvPr id="282" name="Picture 281"/>
           <p:cNvPicPr>
             <a:picLocks noChangeAspect="1"/>
           </p:cNvPicPr>
@@ -15197,7 +14615,7 @@
         </p:blipFill>
         <p:spPr>
           <a:xfrm>
-            <a:off x="9120229" y="275315"/>
+            <a:off x="4273229" y="1070428"/>
             <a:ext cx="1219200" cy="1219200"/>
           </a:xfrm>
           <a:prstGeom prst="rect">
@@ -15207,7 +14625,7 @@
       </p:pic>
       <p:pic>
         <p:nvPicPr>
-          <p:cNvPr id="10" name="Picture 9"/>
+          <p:cNvPr id="283" name="Picture 282"/>
           <p:cNvPicPr>
             <a:picLocks noChangeAspect="1"/>
           </p:cNvPicPr>
@@ -15228,7 +14646,7 @@
         </p:blipFill>
         <p:spPr>
           <a:xfrm>
-            <a:off x="10460572" y="306486"/>
+            <a:off x="6919629" y="1107999"/>
             <a:ext cx="1219200" cy="1219200"/>
           </a:xfrm>
           <a:prstGeom prst="rect">
@@ -15238,7 +14656,7 @@
       </p:pic>
       <p:pic>
         <p:nvPicPr>
-          <p:cNvPr id="11" name="Picture 10"/>
+          <p:cNvPr id="284" name="Picture 283"/>
           <p:cNvPicPr>
             <a:picLocks noChangeAspect="1"/>
           </p:cNvPicPr>
@@ -15259,7 +14677,7 @@
         </p:blipFill>
         <p:spPr>
           <a:xfrm>
-            <a:off x="3179485" y="1494515"/>
+            <a:off x="9105600" y="1070428"/>
             <a:ext cx="1219200" cy="1219200"/>
           </a:xfrm>
           <a:prstGeom prst="rect">
@@ -15269,7 +14687,7 @@
       </p:pic>
       <p:pic>
         <p:nvPicPr>
-          <p:cNvPr id="12" name="Picture 11"/>
+          <p:cNvPr id="285" name="Picture 284"/>
           <p:cNvPicPr>
             <a:picLocks noChangeAspect="1"/>
           </p:cNvPicPr>
@@ -15290,7 +14708,7 @@
         </p:blipFill>
         <p:spPr>
           <a:xfrm>
-            <a:off x="1841371" y="1525686"/>
+            <a:off x="7988286" y="1070428"/>
             <a:ext cx="1219200" cy="1219200"/>
           </a:xfrm>
           <a:prstGeom prst="rect">
@@ -15300,7 +14718,7 @@
       </p:pic>
       <p:pic>
         <p:nvPicPr>
-          <p:cNvPr id="13" name="Picture 12"/>
+          <p:cNvPr id="286" name="Picture 285"/>
           <p:cNvPicPr>
             <a:picLocks noChangeAspect="1"/>
           </p:cNvPicPr>
@@ -15321,7 +14739,7 @@
         </p:blipFill>
         <p:spPr>
           <a:xfrm>
-            <a:off x="4728943" y="1468915"/>
+            <a:off x="303629" y="2185742"/>
             <a:ext cx="1219200" cy="1219200"/>
           </a:xfrm>
           <a:prstGeom prst="rect">
@@ -15331,7 +14749,7 @@
       </p:pic>
       <p:pic>
         <p:nvPicPr>
-          <p:cNvPr id="14" name="Picture 13"/>
+          <p:cNvPr id="287" name="Picture 286"/>
           <p:cNvPicPr>
             <a:picLocks noChangeAspect="1"/>
           </p:cNvPicPr>
@@ -15352,7 +14770,7 @@
         </p:blipFill>
         <p:spPr>
           <a:xfrm>
-            <a:off x="7809086" y="1525686"/>
+            <a:off x="10484143" y="1070428"/>
             <a:ext cx="1219200" cy="1219200"/>
           </a:xfrm>
           <a:prstGeom prst="rect">
@@ -15362,7 +14780,7 @@
       </p:pic>
       <p:pic>
         <p:nvPicPr>
-          <p:cNvPr id="15" name="Picture 14"/>
+          <p:cNvPr id="288" name="Picture 287"/>
           <p:cNvPicPr>
             <a:picLocks noChangeAspect="1"/>
           </p:cNvPicPr>
@@ -15383,7 +14801,7 @@
         </p:blipFill>
         <p:spPr>
           <a:xfrm>
-            <a:off x="6376800" y="1525686"/>
+            <a:off x="2923629" y="2421599"/>
             <a:ext cx="1219200" cy="1219200"/>
           </a:xfrm>
           <a:prstGeom prst="rect">
@@ -15393,7 +14811,7 @@
       </p:pic>
       <p:pic>
         <p:nvPicPr>
-          <p:cNvPr id="16" name="Picture 15"/>
+          <p:cNvPr id="289" name="Picture 288"/>
           <p:cNvPicPr>
             <a:picLocks noChangeAspect="1"/>
           </p:cNvPicPr>
@@ -15414,7 +14832,7 @@
         </p:blipFill>
         <p:spPr>
           <a:xfrm>
-            <a:off x="9237900" y="1525686"/>
+            <a:off x="4273229" y="2454485"/>
             <a:ext cx="1219200" cy="1219200"/>
           </a:xfrm>
           <a:prstGeom prst="rect">
@@ -15424,7 +14842,7 @@
       </p:pic>
       <p:pic>
         <p:nvPicPr>
-          <p:cNvPr id="17" name="Picture 16"/>
+          <p:cNvPr id="290" name="Picture 289"/>
           <p:cNvPicPr>
             <a:picLocks noChangeAspect="1"/>
           </p:cNvPicPr>
@@ -15445,7 +14863,7 @@
         </p:blipFill>
         <p:spPr>
           <a:xfrm>
-            <a:off x="10404571" y="1519943"/>
+            <a:off x="1704429" y="2421599"/>
             <a:ext cx="1219200" cy="1219200"/>
           </a:xfrm>
           <a:prstGeom prst="rect">
@@ -15455,7 +14873,7 @@
       </p:pic>
       <p:pic>
         <p:nvPicPr>
-          <p:cNvPr id="18" name="Picture 17"/>
+          <p:cNvPr id="291" name="Picture 290"/>
           <p:cNvPicPr>
             <a:picLocks noChangeAspect="1"/>
           </p:cNvPicPr>
@@ -15476,7 +14894,7 @@
         </p:blipFill>
         <p:spPr>
           <a:xfrm>
-            <a:off x="1841371" y="3030143"/>
+            <a:off x="6976800" y="2439628"/>
             <a:ext cx="1219200" cy="1219200"/>
           </a:xfrm>
           <a:prstGeom prst="rect">
@@ -15486,7 +14904,7 @@
       </p:pic>
       <p:pic>
         <p:nvPicPr>
-          <p:cNvPr id="19" name="Picture 18"/>
+          <p:cNvPr id="292" name="Picture 291"/>
           <p:cNvPicPr>
             <a:picLocks noChangeAspect="1"/>
           </p:cNvPicPr>
@@ -15507,7 +14925,7 @@
         </p:blipFill>
         <p:spPr>
           <a:xfrm>
-            <a:off x="322686" y="3030143"/>
+            <a:off x="5622829" y="2454485"/>
             <a:ext cx="1219200" cy="1219200"/>
           </a:xfrm>
           <a:prstGeom prst="rect">
@@ -15517,7 +14935,7 @@
       </p:pic>
       <p:pic>
         <p:nvPicPr>
-          <p:cNvPr id="20" name="Picture 19"/>
+          <p:cNvPr id="293" name="Picture 292"/>
           <p:cNvPicPr>
             <a:picLocks noChangeAspect="1"/>
           </p:cNvPicPr>
@@ -15538,7 +14956,7 @@
         </p:blipFill>
         <p:spPr>
           <a:xfrm>
-            <a:off x="4728943" y="3030143"/>
+            <a:off x="8336400" y="2534314"/>
             <a:ext cx="1219200" cy="1219200"/>
           </a:xfrm>
           <a:prstGeom prst="rect">
@@ -15548,7 +14966,7 @@
       </p:pic>
       <p:pic>
         <p:nvPicPr>
-          <p:cNvPr id="21" name="Picture 20"/>
+          <p:cNvPr id="294" name="Picture 293"/>
           <p:cNvPicPr>
             <a:picLocks noChangeAspect="1"/>
           </p:cNvPicPr>
@@ -15569,7 +14987,7 @@
         </p:blipFill>
         <p:spPr>
           <a:xfrm>
-            <a:off x="3338570" y="3030143"/>
+            <a:off x="1522829" y="3910656"/>
             <a:ext cx="1219200" cy="1219200"/>
           </a:xfrm>
           <a:prstGeom prst="rect">
@@ -15579,7 +14997,7 @@
       </p:pic>
       <p:pic>
         <p:nvPicPr>
-          <p:cNvPr id="22" name="Picture 21"/>
+          <p:cNvPr id="295" name="Picture 294"/>
           <p:cNvPicPr>
             <a:picLocks noChangeAspect="1"/>
           </p:cNvPicPr>
@@ -15600,7 +15018,7 @@
         </p:blipFill>
         <p:spPr>
           <a:xfrm>
-            <a:off x="1835343" y="4534600"/>
+            <a:off x="303629" y="4021971"/>
             <a:ext cx="1219200" cy="1219200"/>
           </a:xfrm>
           <a:prstGeom prst="rect">
@@ -15610,7 +15028,7 @@
       </p:pic>
       <p:pic>
         <p:nvPicPr>
-          <p:cNvPr id="23" name="Picture 22"/>
+          <p:cNvPr id="296" name="Picture 295"/>
           <p:cNvPicPr>
             <a:picLocks noChangeAspect="1"/>
           </p:cNvPicPr>
@@ -15631,7 +15049,7 @@
         </p:blipFill>
         <p:spPr>
           <a:xfrm>
-            <a:off x="322686" y="4534600"/>
+            <a:off x="9762315" y="2534314"/>
             <a:ext cx="1219200" cy="1219200"/>
           </a:xfrm>
           <a:prstGeom prst="rect">
@@ -15641,7 +15059,7 @@
       </p:pic>
       <p:pic>
         <p:nvPicPr>
-          <p:cNvPr id="24" name="Picture 23"/>
+          <p:cNvPr id="297" name="Picture 296"/>
           <p:cNvPicPr>
             <a:picLocks noChangeAspect="1"/>
           </p:cNvPicPr>
@@ -15662,7 +15080,7 @@
         </p:blipFill>
         <p:spPr>
           <a:xfrm>
-            <a:off x="6376800" y="3162943"/>
+            <a:off x="5998771" y="4004171"/>
             <a:ext cx="1219200" cy="1219200"/>
           </a:xfrm>
           <a:prstGeom prst="rect">
@@ -15672,7 +15090,7 @@
       </p:pic>
       <p:pic>
         <p:nvPicPr>
-          <p:cNvPr id="25" name="Picture 24"/>
+          <p:cNvPr id="298" name="Picture 297"/>
           <p:cNvPicPr>
             <a:picLocks noChangeAspect="1"/>
           </p:cNvPicPr>
@@ -15693,7 +15111,7 @@
         </p:blipFill>
         <p:spPr>
           <a:xfrm>
-            <a:off x="10404571" y="3109800"/>
+            <a:off x="4526400" y="4021971"/>
             <a:ext cx="1219200" cy="1219200"/>
           </a:xfrm>
           <a:prstGeom prst="rect">
@@ -15703,7 +15121,7 @@
       </p:pic>
       <p:pic>
         <p:nvPicPr>
-          <p:cNvPr id="26" name="Picture 25"/>
+          <p:cNvPr id="299" name="Picture 298"/>
           <p:cNvPicPr>
             <a:picLocks noChangeAspect="1"/>
           </p:cNvPicPr>
@@ -15724,7 +15142,7 @@
         </p:blipFill>
         <p:spPr>
           <a:xfrm>
-            <a:off x="3338570" y="4534600"/>
+            <a:off x="3054029" y="4021971"/>
             <a:ext cx="1219200" cy="1219200"/>
           </a:xfrm>
           <a:prstGeom prst="rect">
@@ -15734,7 +15152,7 @@
       </p:pic>
       <p:pic>
         <p:nvPicPr>
-          <p:cNvPr id="27" name="Picture 26"/>
+          <p:cNvPr id="300" name="Picture 299"/>
           <p:cNvPicPr>
             <a:picLocks noChangeAspect="1"/>
           </p:cNvPicPr>
@@ -15755,7 +15173,7 @@
         </p:blipFill>
         <p:spPr>
           <a:xfrm>
-            <a:off x="4831171" y="4560286"/>
+            <a:off x="10221542" y="4145971"/>
             <a:ext cx="1219200" cy="1219200"/>
           </a:xfrm>
           <a:prstGeom prst="rect">
@@ -15765,7 +15183,7 @@
       </p:pic>
       <p:pic>
         <p:nvPicPr>
-          <p:cNvPr id="28" name="Picture 27"/>
+          <p:cNvPr id="301" name="Picture 300"/>
           <p:cNvPicPr>
             <a:picLocks noChangeAspect="1"/>
           </p:cNvPicPr>
@@ -15786,7 +15204,7 @@
         </p:blipFill>
         <p:spPr>
           <a:xfrm>
-            <a:off x="9028286" y="4560286"/>
+            <a:off x="8858971" y="4120114"/>
             <a:ext cx="1219200" cy="1219200"/>
           </a:xfrm>
           <a:prstGeom prst="rect">
@@ -15796,7 +15214,7 @@
       </p:pic>
       <p:pic>
         <p:nvPicPr>
-          <p:cNvPr id="29" name="Picture 28"/>
+          <p:cNvPr id="302" name="Picture 301"/>
           <p:cNvPicPr>
             <a:picLocks noChangeAspect="1"/>
           </p:cNvPicPr>
@@ -15817,38 +15235,7 @@
         </p:blipFill>
         <p:spPr>
           <a:xfrm>
-            <a:off x="8955600" y="3315400"/>
-            <a:ext cx="1219200" cy="1219200"/>
-          </a:xfrm>
-          <a:prstGeom prst="rect">
-            <a:avLst/>
-          </a:prstGeom>
-        </p:spPr>
-      </p:pic>
-      <p:pic>
-        <p:nvPicPr>
-          <p:cNvPr id="30" name="Picture 29"/>
-          <p:cNvPicPr>
-            <a:picLocks noChangeAspect="1"/>
-          </p:cNvPicPr>
-          <p:nvPr/>
-        </p:nvPicPr>
-        <p:blipFill>
-          <a:blip r:embed="rId30">
-            <a:lum bright="70000" contrast="-70000"/>
-            <a:extLst>
-              <a:ext uri="{28A0092B-C50C-407E-A947-70E740481C1C}">
-                <a14:useLocalDpi xmlns:a14="http://schemas.microsoft.com/office/drawing/2010/main" val="0"/>
-              </a:ext>
-            </a:extLst>
-          </a:blip>
-          <a:stretch>
-            <a:fillRect/>
-          </a:stretch>
-        </p:blipFill>
-        <p:spPr>
-          <a:xfrm>
-            <a:off x="10457100" y="4534600"/>
+            <a:off x="7471142" y="4120114"/>
             <a:ext cx="1219200" cy="1219200"/>
           </a:xfrm>
           <a:prstGeom prst="rect">
@@ -15859,7 +15246,7 @@
     </p:spTree>
     <p:extLst>
       <p:ext uri="{BB962C8B-B14F-4D97-AF65-F5344CB8AC3E}">
-        <p14:creationId xmlns:p14="http://schemas.microsoft.com/office/powerpoint/2010/main" val="823657930"/>
+        <p14:creationId xmlns:p14="http://schemas.microsoft.com/office/powerpoint/2010/main" val="2451305448"/>
       </p:ext>
     </p:extLst>
   </p:cSld>
@@ -15917,7 +15304,7 @@
         </p:blipFill>
         <p:spPr>
           <a:xfrm>
-            <a:off x="130628" y="359229"/>
+            <a:off x="322686" y="250829"/>
             <a:ext cx="1219200" cy="1219200"/>
           </a:xfrm>
           <a:prstGeom prst="rect">
@@ -15948,7 +15335,7 @@
         </p:blipFill>
         <p:spPr>
           <a:xfrm>
-            <a:off x="94399" y="4550571"/>
+            <a:off x="1841371" y="306486"/>
             <a:ext cx="1219200" cy="1219200"/>
           </a:xfrm>
           <a:prstGeom prst="rect">
@@ -15979,7 +15366,7 @@
         </p:blipFill>
         <p:spPr>
           <a:xfrm>
-            <a:off x="94399" y="3153457"/>
+            <a:off x="3360056" y="250829"/>
             <a:ext cx="1219200" cy="1219200"/>
           </a:xfrm>
           <a:prstGeom prst="rect">
@@ -16010,7 +15397,7 @@
         </p:blipFill>
         <p:spPr>
           <a:xfrm>
-            <a:off x="94399" y="1756343"/>
+            <a:off x="4878741" y="249715"/>
             <a:ext cx="1219200" cy="1219200"/>
           </a:xfrm>
           <a:prstGeom prst="rect">
@@ -16041,7 +15428,7 @@
         </p:blipFill>
         <p:spPr>
           <a:xfrm>
-            <a:off x="1652285" y="359229"/>
+            <a:off x="7736400" y="249715"/>
             <a:ext cx="1219200" cy="1219200"/>
           </a:xfrm>
           <a:prstGeom prst="rect">
@@ -16072,7 +15459,7 @@
         </p:blipFill>
         <p:spPr>
           <a:xfrm>
-            <a:off x="1652285" y="1756343"/>
+            <a:off x="6396057" y="249715"/>
             <a:ext cx="1219200" cy="1219200"/>
           </a:xfrm>
           <a:prstGeom prst="rect">
@@ -16103,7 +15490,7 @@
         </p:blipFill>
         <p:spPr>
           <a:xfrm>
-            <a:off x="1652285" y="4550571"/>
+            <a:off x="322686" y="1525686"/>
             <a:ext cx="1219200" cy="1219200"/>
           </a:xfrm>
           <a:prstGeom prst="rect">
@@ -16134,7 +15521,7 @@
         </p:blipFill>
         <p:spPr>
           <a:xfrm>
-            <a:off x="1613599" y="3153457"/>
+            <a:off x="9120229" y="275315"/>
             <a:ext cx="1219200" cy="1219200"/>
           </a:xfrm>
           <a:prstGeom prst="rect">
@@ -16165,7 +15552,7 @@
         </p:blipFill>
         <p:spPr>
           <a:xfrm>
-            <a:off x="3173942" y="1813229"/>
+            <a:off x="10460572" y="306486"/>
             <a:ext cx="1219200" cy="1219200"/>
           </a:xfrm>
           <a:prstGeom prst="rect">
@@ -16196,7 +15583,7 @@
         </p:blipFill>
         <p:spPr>
           <a:xfrm>
-            <a:off x="3173942" y="359229"/>
+            <a:off x="3179485" y="1494515"/>
             <a:ext cx="1219200" cy="1219200"/>
           </a:xfrm>
           <a:prstGeom prst="rect">
@@ -16227,7 +15614,7 @@
         </p:blipFill>
         <p:spPr>
           <a:xfrm>
-            <a:off x="3198342" y="3153457"/>
+            <a:off x="1841371" y="1525686"/>
             <a:ext cx="1219200" cy="1219200"/>
           </a:xfrm>
           <a:prstGeom prst="rect">
@@ -16258,7 +15645,7 @@
         </p:blipFill>
         <p:spPr>
           <a:xfrm>
-            <a:off x="3157485" y="4607457"/>
+            <a:off x="4728943" y="1468915"/>
             <a:ext cx="1219200" cy="1219200"/>
           </a:xfrm>
           <a:prstGeom prst="rect">
@@ -16289,7 +15676,7 @@
         </p:blipFill>
         <p:spPr>
           <a:xfrm>
-            <a:off x="4695599" y="1756343"/>
+            <a:off x="7809086" y="1525686"/>
             <a:ext cx="1219200" cy="1219200"/>
           </a:xfrm>
           <a:prstGeom prst="rect">
@@ -16320,7 +15707,7 @@
         </p:blipFill>
         <p:spPr>
           <a:xfrm>
-            <a:off x="4727399" y="360686"/>
+            <a:off x="6376800" y="1525686"/>
             <a:ext cx="1219200" cy="1219200"/>
           </a:xfrm>
           <a:prstGeom prst="rect">
@@ -16351,7 +15738,7 @@
         </p:blipFill>
         <p:spPr>
           <a:xfrm>
-            <a:off x="6280856" y="359229"/>
+            <a:off x="9237900" y="1525686"/>
             <a:ext cx="1219200" cy="1219200"/>
           </a:xfrm>
           <a:prstGeom prst="rect">
@@ -16382,7 +15769,7 @@
         </p:blipFill>
         <p:spPr>
           <a:xfrm>
-            <a:off x="4783085" y="3247857"/>
+            <a:off x="10404571" y="1519943"/>
             <a:ext cx="1219200" cy="1219200"/>
           </a:xfrm>
           <a:prstGeom prst="rect">
@@ -16413,7 +15800,7 @@
         </p:blipFill>
         <p:spPr>
           <a:xfrm>
-            <a:off x="4826685" y="4643514"/>
+            <a:off x="1841371" y="3030143"/>
             <a:ext cx="1219200" cy="1219200"/>
           </a:xfrm>
           <a:prstGeom prst="rect">
@@ -16444,7 +15831,7 @@
         </p:blipFill>
         <p:spPr>
           <a:xfrm>
-            <a:off x="6280856" y="3247857"/>
+            <a:off x="322686" y="3030143"/>
             <a:ext cx="1219200" cy="1219200"/>
           </a:xfrm>
           <a:prstGeom prst="rect">
@@ -16475,7 +15862,7 @@
         </p:blipFill>
         <p:spPr>
           <a:xfrm>
-            <a:off x="6217256" y="1813229"/>
+            <a:off x="4728943" y="3030143"/>
             <a:ext cx="1219200" cy="1219200"/>
           </a:xfrm>
           <a:prstGeom prst="rect">
@@ -16506,7 +15893,7 @@
         </p:blipFill>
         <p:spPr>
           <a:xfrm>
-            <a:off x="7804999" y="1938286"/>
+            <a:off x="3338570" y="3030143"/>
             <a:ext cx="1219200" cy="1219200"/>
           </a:xfrm>
           <a:prstGeom prst="rect">
@@ -16537,7 +15924,7 @@
         </p:blipFill>
         <p:spPr>
           <a:xfrm>
-            <a:off x="7804999" y="412829"/>
+            <a:off x="1835343" y="4534600"/>
             <a:ext cx="1219200" cy="1219200"/>
           </a:xfrm>
           <a:prstGeom prst="rect">
@@ -16568,7 +15955,7 @@
         </p:blipFill>
         <p:spPr>
           <a:xfrm>
-            <a:off x="6280856" y="4607457"/>
+            <a:off x="322686" y="4534600"/>
             <a:ext cx="1219200" cy="1219200"/>
           </a:xfrm>
           <a:prstGeom prst="rect">
@@ -16599,7 +15986,7 @@
         </p:blipFill>
         <p:spPr>
           <a:xfrm>
-            <a:off x="9324170" y="412829"/>
+            <a:off x="6376800" y="3162943"/>
             <a:ext cx="1219200" cy="1219200"/>
           </a:xfrm>
           <a:prstGeom prst="rect">
@@ -16630,7 +16017,7 @@
         </p:blipFill>
         <p:spPr>
           <a:xfrm>
-            <a:off x="7778627" y="3247857"/>
+            <a:off x="10404571" y="3109800"/>
             <a:ext cx="1219200" cy="1219200"/>
           </a:xfrm>
           <a:prstGeom prst="rect">
@@ -16661,7 +16048,7 @@
         </p:blipFill>
         <p:spPr>
           <a:xfrm>
-            <a:off x="7804999" y="4683628"/>
+            <a:off x="3338570" y="4534600"/>
             <a:ext cx="1219200" cy="1219200"/>
           </a:xfrm>
           <a:prstGeom prst="rect">
@@ -16692,7 +16079,7 @@
         </p:blipFill>
         <p:spPr>
           <a:xfrm>
-            <a:off x="9392742" y="3247857"/>
+            <a:off x="4831171" y="4560286"/>
             <a:ext cx="1219200" cy="1219200"/>
           </a:xfrm>
           <a:prstGeom prst="rect">
@@ -16723,7 +16110,69 @@
         </p:blipFill>
         <p:spPr>
           <a:xfrm>
-            <a:off x="9392742" y="1813229"/>
+            <a:off x="9028286" y="4560286"/>
+            <a:ext cx="1219200" cy="1219200"/>
+          </a:xfrm>
+          <a:prstGeom prst="rect">
+            <a:avLst/>
+          </a:prstGeom>
+        </p:spPr>
+      </p:pic>
+      <p:pic>
+        <p:nvPicPr>
+          <p:cNvPr id="29" name="Picture 28"/>
+          <p:cNvPicPr>
+            <a:picLocks noChangeAspect="1"/>
+          </p:cNvPicPr>
+          <p:nvPr/>
+        </p:nvPicPr>
+        <p:blipFill>
+          <a:blip r:embed="rId29">
+            <a:lum bright="70000" contrast="-70000"/>
+            <a:extLst>
+              <a:ext uri="{28A0092B-C50C-407E-A947-70E740481C1C}">
+                <a14:useLocalDpi xmlns:a14="http://schemas.microsoft.com/office/drawing/2010/main" val="0"/>
+              </a:ext>
+            </a:extLst>
+          </a:blip>
+          <a:stretch>
+            <a:fillRect/>
+          </a:stretch>
+        </p:blipFill>
+        <p:spPr>
+          <a:xfrm>
+            <a:off x="8955600" y="3315400"/>
+            <a:ext cx="1219200" cy="1219200"/>
+          </a:xfrm>
+          <a:prstGeom prst="rect">
+            <a:avLst/>
+          </a:prstGeom>
+        </p:spPr>
+      </p:pic>
+      <p:pic>
+        <p:nvPicPr>
+          <p:cNvPr id="30" name="Picture 29"/>
+          <p:cNvPicPr>
+            <a:picLocks noChangeAspect="1"/>
+          </p:cNvPicPr>
+          <p:nvPr/>
+        </p:nvPicPr>
+        <p:blipFill>
+          <a:blip r:embed="rId30">
+            <a:lum bright="70000" contrast="-70000"/>
+            <a:extLst>
+              <a:ext uri="{28A0092B-C50C-407E-A947-70E740481C1C}">
+                <a14:useLocalDpi xmlns:a14="http://schemas.microsoft.com/office/drawing/2010/main" val="0"/>
+              </a:ext>
+            </a:extLst>
+          </a:blip>
+          <a:stretch>
+            <a:fillRect/>
+          </a:stretch>
+        </p:blipFill>
+        <p:spPr>
+          <a:xfrm>
+            <a:off x="10457100" y="4534600"/>
             <a:ext cx="1219200" cy="1219200"/>
           </a:xfrm>
           <a:prstGeom prst="rect">
@@ -16734,7 +16183,7 @@
     </p:spTree>
     <p:extLst>
       <p:ext uri="{BB962C8B-B14F-4D97-AF65-F5344CB8AC3E}">
-        <p14:creationId xmlns:p14="http://schemas.microsoft.com/office/powerpoint/2010/main" val="3126433562"/>
+        <p14:creationId xmlns:p14="http://schemas.microsoft.com/office/powerpoint/2010/main" val="823657930"/>
       </p:ext>
     </p:extLst>
   </p:cSld>
@@ -16792,7 +16241,7 @@
         </p:blipFill>
         <p:spPr>
           <a:xfrm>
-            <a:off x="643486" y="520286"/>
+            <a:off x="130628" y="359229"/>
             <a:ext cx="1219200" cy="1219200"/>
           </a:xfrm>
           <a:prstGeom prst="rect">
@@ -16823,7 +16272,7 @@
         </p:blipFill>
         <p:spPr>
           <a:xfrm>
-            <a:off x="654401" y="3364486"/>
+            <a:off x="94399" y="4550571"/>
             <a:ext cx="1219200" cy="1219200"/>
           </a:xfrm>
           <a:prstGeom prst="rect">
@@ -16854,7 +16303,7 @@
         </p:blipFill>
         <p:spPr>
           <a:xfrm>
-            <a:off x="571600" y="4830522"/>
+            <a:off x="94399" y="3153457"/>
             <a:ext cx="1219200" cy="1219200"/>
           </a:xfrm>
           <a:prstGeom prst="rect">
@@ -16885,7 +16334,7 @@
         </p:blipFill>
         <p:spPr>
           <a:xfrm>
-            <a:off x="2286800" y="4852844"/>
+            <a:off x="94399" y="1756343"/>
             <a:ext cx="1219200" cy="1219200"/>
           </a:xfrm>
           <a:prstGeom prst="rect">
@@ -16916,7 +16365,7 @@
         </p:blipFill>
         <p:spPr>
           <a:xfrm>
-            <a:off x="2155658" y="3397482"/>
+            <a:off x="1652285" y="359229"/>
             <a:ext cx="1219200" cy="1219200"/>
           </a:xfrm>
           <a:prstGeom prst="rect">
@@ -16947,7 +16396,7 @@
         </p:blipFill>
         <p:spPr>
           <a:xfrm>
-            <a:off x="2303086" y="1959441"/>
+            <a:off x="1652285" y="1756343"/>
             <a:ext cx="1219200" cy="1219200"/>
           </a:xfrm>
           <a:prstGeom prst="rect">
@@ -16978,7 +16427,7 @@
         </p:blipFill>
         <p:spPr>
           <a:xfrm>
-            <a:off x="2303086" y="521400"/>
+            <a:off x="1652285" y="4550571"/>
             <a:ext cx="1219200" cy="1219200"/>
           </a:xfrm>
           <a:prstGeom prst="rect">
@@ -17009,7 +16458,7 @@
         </p:blipFill>
         <p:spPr>
           <a:xfrm>
-            <a:off x="3878400" y="4868530"/>
+            <a:off x="1613599" y="3153457"/>
             <a:ext cx="1219200" cy="1219200"/>
           </a:xfrm>
           <a:prstGeom prst="rect">
@@ -17040,7 +16489,7 @@
         </p:blipFill>
         <p:spPr>
           <a:xfrm>
-            <a:off x="3907314" y="3421143"/>
+            <a:off x="3173942" y="1813229"/>
             <a:ext cx="1219200" cy="1219200"/>
           </a:xfrm>
           <a:prstGeom prst="rect">
@@ -17071,7 +16520,7 @@
         </p:blipFill>
         <p:spPr>
           <a:xfrm>
-            <a:off x="3907314" y="1750200"/>
+            <a:off x="3173942" y="359229"/>
             <a:ext cx="1219200" cy="1219200"/>
           </a:xfrm>
           <a:prstGeom prst="rect">
@@ -17102,7 +16551,7 @@
         </p:blipFill>
         <p:spPr>
           <a:xfrm>
-            <a:off x="4074799" y="371400"/>
+            <a:off x="3198342" y="3153457"/>
             <a:ext cx="1219200" cy="1219200"/>
           </a:xfrm>
           <a:prstGeom prst="rect">
@@ -17133,7 +16582,7 @@
         </p:blipFill>
         <p:spPr>
           <a:xfrm>
-            <a:off x="5554400" y="4868530"/>
+            <a:off x="3157485" y="4607457"/>
             <a:ext cx="1219200" cy="1219200"/>
           </a:xfrm>
           <a:prstGeom prst="rect">
@@ -17164,7 +16613,7 @@
         </p:blipFill>
         <p:spPr>
           <a:xfrm>
-            <a:off x="5554400" y="3364486"/>
+            <a:off x="4695599" y="1756343"/>
             <a:ext cx="1219200" cy="1219200"/>
           </a:xfrm>
           <a:prstGeom prst="rect">
@@ -17195,7 +16644,7 @@
         </p:blipFill>
         <p:spPr>
           <a:xfrm>
-            <a:off x="5554400" y="1750200"/>
+            <a:off x="4727399" y="360686"/>
             <a:ext cx="1219200" cy="1219200"/>
           </a:xfrm>
           <a:prstGeom prst="rect">
@@ -17226,7 +16675,7 @@
         </p:blipFill>
         <p:spPr>
           <a:xfrm>
-            <a:off x="5734399" y="361800"/>
+            <a:off x="6280856" y="359229"/>
             <a:ext cx="1219200" cy="1219200"/>
           </a:xfrm>
           <a:prstGeom prst="rect">
@@ -17257,7 +16706,7 @@
         </p:blipFill>
         <p:spPr>
           <a:xfrm>
-            <a:off x="7228400" y="4868530"/>
+            <a:off x="4783085" y="3247857"/>
             <a:ext cx="1219200" cy="1219200"/>
           </a:xfrm>
           <a:prstGeom prst="rect">
@@ -17288,7 +16737,7 @@
         </p:blipFill>
         <p:spPr>
           <a:xfrm>
-            <a:off x="8984800" y="4872758"/>
+            <a:off x="4826685" y="4643514"/>
             <a:ext cx="1219200" cy="1219200"/>
           </a:xfrm>
           <a:prstGeom prst="rect">
@@ -17319,7 +16768,7 @@
         </p:blipFill>
         <p:spPr>
           <a:xfrm>
-            <a:off x="10576400" y="4872758"/>
+            <a:off x="6280856" y="3247857"/>
             <a:ext cx="1219200" cy="1219200"/>
           </a:xfrm>
           <a:prstGeom prst="rect">
@@ -17350,7 +16799,7 @@
         </p:blipFill>
         <p:spPr>
           <a:xfrm>
-            <a:off x="7337714" y="3421143"/>
+            <a:off x="6217256" y="1813229"/>
             <a:ext cx="1219200" cy="1219200"/>
           </a:xfrm>
           <a:prstGeom prst="rect">
@@ -17381,7 +16830,7 @@
         </p:blipFill>
         <p:spPr>
           <a:xfrm>
-            <a:off x="7337714" y="1791156"/>
+            <a:off x="7804999" y="1938286"/>
             <a:ext cx="1219200" cy="1219200"/>
           </a:xfrm>
           <a:prstGeom prst="rect">
@@ -17412,7 +16861,7 @@
         </p:blipFill>
         <p:spPr>
           <a:xfrm>
-            <a:off x="7337714" y="435085"/>
+            <a:off x="7804999" y="412829"/>
             <a:ext cx="1219200" cy="1219200"/>
           </a:xfrm>
           <a:prstGeom prst="rect">
@@ -17443,7 +16892,7 @@
         </p:blipFill>
         <p:spPr>
           <a:xfrm>
-            <a:off x="8953200" y="3384857"/>
+            <a:off x="6280856" y="4607457"/>
             <a:ext cx="1219200" cy="1219200"/>
           </a:xfrm>
           <a:prstGeom prst="rect">
@@ -17474,7 +16923,7 @@
         </p:blipFill>
         <p:spPr>
           <a:xfrm>
-            <a:off x="8984800" y="1816042"/>
+            <a:off x="9324170" y="412829"/>
             <a:ext cx="1219200" cy="1219200"/>
           </a:xfrm>
           <a:prstGeom prst="rect">
@@ -17505,7 +16954,7 @@
         </p:blipFill>
         <p:spPr>
           <a:xfrm>
-            <a:off x="10683085" y="3400200"/>
+            <a:off x="7778627" y="3247857"/>
             <a:ext cx="1219200" cy="1219200"/>
           </a:xfrm>
           <a:prstGeom prst="rect">
@@ -17536,7 +16985,7 @@
         </p:blipFill>
         <p:spPr>
           <a:xfrm>
-            <a:off x="8984800" y="326114"/>
+            <a:off x="7804999" y="4683628"/>
             <a:ext cx="1219200" cy="1219200"/>
           </a:xfrm>
           <a:prstGeom prst="rect">
@@ -17567,7 +17016,7 @@
         </p:blipFill>
         <p:spPr>
           <a:xfrm>
-            <a:off x="10504000" y="1927642"/>
+            <a:off x="9392742" y="3247857"/>
             <a:ext cx="1219200" cy="1219200"/>
           </a:xfrm>
           <a:prstGeom prst="rect">
@@ -17598,7 +17047,7 @@
         </p:blipFill>
         <p:spPr>
           <a:xfrm>
-            <a:off x="10504000" y="314828"/>
+            <a:off x="9392742" y="1813229"/>
             <a:ext cx="1219200" cy="1219200"/>
           </a:xfrm>
           <a:prstGeom prst="rect">
@@ -17609,7 +17058,7 @@
     </p:spTree>
     <p:extLst>
       <p:ext uri="{BB962C8B-B14F-4D97-AF65-F5344CB8AC3E}">
-        <p14:creationId xmlns:p14="http://schemas.microsoft.com/office/powerpoint/2010/main" val="399454265"/>
+        <p14:creationId xmlns:p14="http://schemas.microsoft.com/office/powerpoint/2010/main" val="3126433562"/>
       </p:ext>
     </p:extLst>
   </p:cSld>
@@ -17667,7 +17116,7 @@
         </p:blipFill>
         <p:spPr>
           <a:xfrm>
-            <a:off x="166914" y="286715"/>
+            <a:off x="643486" y="520286"/>
             <a:ext cx="1219200" cy="1219200"/>
           </a:xfrm>
           <a:prstGeom prst="rect">
@@ -17698,7 +17147,7 @@
         </p:blipFill>
         <p:spPr>
           <a:xfrm>
-            <a:off x="166914" y="4395429"/>
+            <a:off x="654401" y="3364486"/>
             <a:ext cx="1219200" cy="1219200"/>
           </a:xfrm>
           <a:prstGeom prst="rect">
@@ -17729,7 +17178,7 @@
         </p:blipFill>
         <p:spPr>
           <a:xfrm>
-            <a:off x="166914" y="3069944"/>
+            <a:off x="571600" y="4830522"/>
             <a:ext cx="1219200" cy="1219200"/>
           </a:xfrm>
           <a:prstGeom prst="rect">
@@ -17760,7 +17209,7 @@
         </p:blipFill>
         <p:spPr>
           <a:xfrm>
-            <a:off x="254057" y="1744459"/>
+            <a:off x="2286800" y="4852844"/>
             <a:ext cx="1219200" cy="1219200"/>
           </a:xfrm>
           <a:prstGeom prst="rect">
@@ -17791,7 +17240,7 @@
         </p:blipFill>
         <p:spPr>
           <a:xfrm>
-            <a:off x="2114343" y="1662173"/>
+            <a:off x="2155658" y="3397482"/>
             <a:ext cx="1219200" cy="1219200"/>
           </a:xfrm>
           <a:prstGeom prst="rect">
@@ -17822,7 +17271,7 @@
         </p:blipFill>
         <p:spPr>
           <a:xfrm>
-            <a:off x="2114343" y="286715"/>
+            <a:off x="2303086" y="1959441"/>
             <a:ext cx="1219200" cy="1219200"/>
           </a:xfrm>
           <a:prstGeom prst="rect">
@@ -17853,7 +17302,7 @@
         </p:blipFill>
         <p:spPr>
           <a:xfrm>
-            <a:off x="2114343" y="3037631"/>
+            <a:off x="2303086" y="521400"/>
             <a:ext cx="1219200" cy="1219200"/>
           </a:xfrm>
           <a:prstGeom prst="rect">
@@ -17884,7 +17333,7 @@
         </p:blipFill>
         <p:spPr>
           <a:xfrm>
-            <a:off x="3873029" y="286715"/>
+            <a:off x="3878400" y="4868530"/>
             <a:ext cx="1219200" cy="1219200"/>
           </a:xfrm>
           <a:prstGeom prst="rect">
@@ -17915,7 +17364,7 @@
         </p:blipFill>
         <p:spPr>
           <a:xfrm>
-            <a:off x="2040743" y="4414490"/>
+            <a:off x="3907314" y="3421143"/>
             <a:ext cx="1219200" cy="1219200"/>
           </a:xfrm>
           <a:prstGeom prst="rect">
@@ -17946,7 +17395,7 @@
         </p:blipFill>
         <p:spPr>
           <a:xfrm>
-            <a:off x="3733828" y="4505915"/>
+            <a:off x="3907314" y="1750200"/>
             <a:ext cx="1219200" cy="1219200"/>
           </a:xfrm>
           <a:prstGeom prst="rect">
@@ -17977,7 +17426,7 @@
         </p:blipFill>
         <p:spPr>
           <a:xfrm>
-            <a:off x="3873029" y="1636715"/>
+            <a:off x="4074799" y="371400"/>
             <a:ext cx="1219200" cy="1219200"/>
           </a:xfrm>
           <a:prstGeom prst="rect">
@@ -18008,7 +17457,7 @@
         </p:blipFill>
         <p:spPr>
           <a:xfrm>
-            <a:off x="3899200" y="3136715"/>
+            <a:off x="5554400" y="4868530"/>
             <a:ext cx="1219200" cy="1219200"/>
           </a:xfrm>
           <a:prstGeom prst="rect">
@@ -18039,7 +17488,7 @@
         </p:blipFill>
         <p:spPr>
           <a:xfrm>
-            <a:off x="7286457" y="286715"/>
+            <a:off x="5554400" y="3364486"/>
             <a:ext cx="1219200" cy="1219200"/>
           </a:xfrm>
           <a:prstGeom prst="rect">
@@ -18070,7 +17519,7 @@
         </p:blipFill>
         <p:spPr>
           <a:xfrm>
-            <a:off x="5634543" y="1636715"/>
+            <a:off x="5554400" y="1750200"/>
             <a:ext cx="1219200" cy="1219200"/>
           </a:xfrm>
           <a:prstGeom prst="rect">
@@ -18101,7 +17550,7 @@
         </p:blipFill>
         <p:spPr>
           <a:xfrm>
-            <a:off x="10680457" y="3202203"/>
+            <a:off x="5734399" y="361800"/>
             <a:ext cx="1219200" cy="1219200"/>
           </a:xfrm>
           <a:prstGeom prst="rect">
@@ -18132,7 +17581,7 @@
         </p:blipFill>
         <p:spPr>
           <a:xfrm>
-            <a:off x="9215543" y="1744459"/>
+            <a:off x="7228400" y="4868530"/>
             <a:ext cx="1219200" cy="1219200"/>
           </a:xfrm>
           <a:prstGeom prst="rect">
@@ -18163,7 +17612,7 @@
         </p:blipFill>
         <p:spPr>
           <a:xfrm>
-            <a:off x="7396057" y="1805915"/>
+            <a:off x="8984800" y="4872758"/>
             <a:ext cx="1219200" cy="1219200"/>
           </a:xfrm>
           <a:prstGeom prst="rect">
@@ -18194,7 +17643,7 @@
         </p:blipFill>
         <p:spPr>
           <a:xfrm>
-            <a:off x="9167543" y="286715"/>
+            <a:off x="10576400" y="4872758"/>
             <a:ext cx="1219200" cy="1219200"/>
           </a:xfrm>
           <a:prstGeom prst="rect">
@@ -18225,7 +17674,7 @@
         </p:blipFill>
         <p:spPr>
           <a:xfrm>
-            <a:off x="10680457" y="1744459"/>
+            <a:off x="7337714" y="3421143"/>
             <a:ext cx="1219200" cy="1219200"/>
           </a:xfrm>
           <a:prstGeom prst="rect">
@@ -18256,7 +17705,7 @@
         </p:blipFill>
         <p:spPr>
           <a:xfrm>
-            <a:off x="10680457" y="286715"/>
+            <a:off x="7337714" y="1791156"/>
             <a:ext cx="1219200" cy="1219200"/>
           </a:xfrm>
           <a:prstGeom prst="rect">
@@ -18287,7 +17736,7 @@
         </p:blipFill>
         <p:spPr>
           <a:xfrm>
-            <a:off x="7396057" y="3202203"/>
+            <a:off x="7337714" y="435085"/>
             <a:ext cx="1219200" cy="1219200"/>
           </a:xfrm>
           <a:prstGeom prst="rect">
@@ -18318,7 +17767,7 @@
         </p:blipFill>
         <p:spPr>
           <a:xfrm>
-            <a:off x="9285314" y="3202203"/>
+            <a:off x="8953200" y="3384857"/>
             <a:ext cx="1219200" cy="1219200"/>
           </a:xfrm>
           <a:prstGeom prst="rect">
@@ -18349,7 +17798,7 @@
         </p:blipFill>
         <p:spPr>
           <a:xfrm>
-            <a:off x="7396057" y="4665515"/>
+            <a:off x="8984800" y="1816042"/>
             <a:ext cx="1219200" cy="1219200"/>
           </a:xfrm>
           <a:prstGeom prst="rect">
@@ -18380,7 +17829,7 @@
         </p:blipFill>
         <p:spPr>
           <a:xfrm>
-            <a:off x="9279343" y="4665515"/>
+            <a:off x="10683085" y="3400200"/>
             <a:ext cx="1219200" cy="1219200"/>
           </a:xfrm>
           <a:prstGeom prst="rect">
@@ -18411,7 +17860,7 @@
         </p:blipFill>
         <p:spPr>
           <a:xfrm>
-            <a:off x="10694114" y="4665515"/>
+            <a:off x="8984800" y="326114"/>
             <a:ext cx="1219200" cy="1219200"/>
           </a:xfrm>
           <a:prstGeom prst="rect">
@@ -18442,7 +17891,7 @@
         </p:blipFill>
         <p:spPr>
           <a:xfrm>
-            <a:off x="5634543" y="3176229"/>
+            <a:off x="10504000" y="1927642"/>
             <a:ext cx="1219200" cy="1219200"/>
           </a:xfrm>
           <a:prstGeom prst="rect">
@@ -18473,7 +17922,7 @@
         </p:blipFill>
         <p:spPr>
           <a:xfrm>
-            <a:off x="5634543" y="286715"/>
+            <a:off x="10504000" y="314828"/>
             <a:ext cx="1219200" cy="1219200"/>
           </a:xfrm>
           <a:prstGeom prst="rect">
@@ -18484,7 +17933,7 @@
     </p:spTree>
     <p:extLst>
       <p:ext uri="{BB962C8B-B14F-4D97-AF65-F5344CB8AC3E}">
-        <p14:creationId xmlns:p14="http://schemas.microsoft.com/office/powerpoint/2010/main" val="3324423259"/>
+        <p14:creationId xmlns:p14="http://schemas.microsoft.com/office/powerpoint/2010/main" val="399454265"/>
       </p:ext>
     </p:extLst>
   </p:cSld>
@@ -18694,7 +18143,7 @@
         </p:blipFill>
         <p:spPr>
           <a:xfrm>
-            <a:off x="2066300" y="4482743"/>
+            <a:off x="166914" y="286715"/>
             <a:ext cx="1219200" cy="1219200"/>
           </a:xfrm>
           <a:prstGeom prst="rect">
@@ -18725,7 +18174,7 @@
         </p:blipFill>
         <p:spPr>
           <a:xfrm>
-            <a:off x="3544387" y="3100200"/>
+            <a:off x="166914" y="4395429"/>
             <a:ext cx="1219200" cy="1219200"/>
           </a:xfrm>
           <a:prstGeom prst="rect">
@@ -18756,7 +18205,7 @@
         </p:blipFill>
         <p:spPr>
           <a:xfrm>
-            <a:off x="1959644" y="3077257"/>
+            <a:off x="166914" y="3069944"/>
             <a:ext cx="1219200" cy="1219200"/>
           </a:xfrm>
           <a:prstGeom prst="rect">
@@ -18787,7 +18236,7 @@
         </p:blipFill>
         <p:spPr>
           <a:xfrm>
-            <a:off x="220687" y="3077257"/>
+            <a:off x="254057" y="1744459"/>
             <a:ext cx="1219200" cy="1219200"/>
           </a:xfrm>
           <a:prstGeom prst="rect">
@@ -18818,7 +18267,7 @@
         </p:blipFill>
         <p:spPr>
           <a:xfrm>
-            <a:off x="252087" y="4629000"/>
+            <a:off x="2114343" y="1662173"/>
             <a:ext cx="1219200" cy="1219200"/>
           </a:xfrm>
           <a:prstGeom prst="rect">
@@ -18849,7 +18298,7 @@
         </p:blipFill>
         <p:spPr>
           <a:xfrm>
-            <a:off x="1959644" y="1565771"/>
+            <a:off x="2114343" y="286715"/>
             <a:ext cx="1219200" cy="1219200"/>
           </a:xfrm>
           <a:prstGeom prst="rect">
@@ -18880,7 +18329,7 @@
         </p:blipFill>
         <p:spPr>
           <a:xfrm>
-            <a:off x="3652987" y="4539457"/>
+            <a:off x="2114343" y="3037631"/>
             <a:ext cx="1219200" cy="1219200"/>
           </a:xfrm>
           <a:prstGeom prst="rect">
@@ -18911,7 +18360,7 @@
         </p:blipFill>
         <p:spPr>
           <a:xfrm>
-            <a:off x="2066300" y="346571"/>
+            <a:off x="3873029" y="286715"/>
             <a:ext cx="1219200" cy="1219200"/>
           </a:xfrm>
           <a:prstGeom prst="rect">
@@ -18942,7 +18391,7 @@
         </p:blipFill>
         <p:spPr>
           <a:xfrm>
-            <a:off x="5317644" y="358887"/>
+            <a:off x="2040743" y="4414490"/>
             <a:ext cx="1219200" cy="1219200"/>
           </a:xfrm>
           <a:prstGeom prst="rect">
@@ -18973,7 +18422,7 @@
         </p:blipFill>
         <p:spPr>
           <a:xfrm>
-            <a:off x="3638644" y="1685343"/>
+            <a:off x="3733828" y="4505915"/>
             <a:ext cx="1219200" cy="1219200"/>
           </a:xfrm>
           <a:prstGeom prst="rect">
@@ -19004,7 +18453,7 @@
         </p:blipFill>
         <p:spPr>
           <a:xfrm>
-            <a:off x="3638644" y="368315"/>
+            <a:off x="3873029" y="1636715"/>
             <a:ext cx="1219200" cy="1219200"/>
           </a:xfrm>
           <a:prstGeom prst="rect">
@@ -19035,7 +18484,7 @@
         </p:blipFill>
         <p:spPr>
           <a:xfrm>
-            <a:off x="5317644" y="4609800"/>
+            <a:off x="3899200" y="3136715"/>
             <a:ext cx="1219200" cy="1219200"/>
           </a:xfrm>
           <a:prstGeom prst="rect">
@@ -19066,7 +18515,7 @@
         </p:blipFill>
         <p:spPr>
           <a:xfrm>
-            <a:off x="5317644" y="1823228"/>
+            <a:off x="7286457" y="286715"/>
             <a:ext cx="1219200" cy="1219200"/>
           </a:xfrm>
           <a:prstGeom prst="rect">
@@ -19097,7 +18546,7 @@
         </p:blipFill>
         <p:spPr>
           <a:xfrm>
-            <a:off x="5317644" y="3208114"/>
+            <a:off x="5634543" y="1636715"/>
             <a:ext cx="1219200" cy="1219200"/>
           </a:xfrm>
           <a:prstGeom prst="rect">
@@ -19128,7 +18577,7 @@
         </p:blipFill>
         <p:spPr>
           <a:xfrm>
-            <a:off x="7078800" y="368315"/>
+            <a:off x="10680457" y="3202203"/>
             <a:ext cx="1219200" cy="1219200"/>
           </a:xfrm>
           <a:prstGeom prst="rect">
@@ -19159,7 +18608,7 @@
         </p:blipFill>
         <p:spPr>
           <a:xfrm>
-            <a:off x="7129600" y="1793142"/>
+            <a:off x="9215543" y="1744459"/>
             <a:ext cx="1219200" cy="1219200"/>
           </a:xfrm>
           <a:prstGeom prst="rect">
@@ -19190,7 +18639,7 @@
         </p:blipFill>
         <p:spPr>
           <a:xfrm>
-            <a:off x="7129600" y="3320257"/>
+            <a:off x="7396057" y="1805915"/>
             <a:ext cx="1219200" cy="1219200"/>
           </a:xfrm>
           <a:prstGeom prst="rect">
@@ -19221,7 +18670,7 @@
         </p:blipFill>
         <p:spPr>
           <a:xfrm>
-            <a:off x="7192200" y="4609800"/>
+            <a:off x="9167543" y="286715"/>
             <a:ext cx="1219200" cy="1219200"/>
           </a:xfrm>
           <a:prstGeom prst="rect">
@@ -19252,7 +18701,7 @@
         </p:blipFill>
         <p:spPr>
           <a:xfrm>
-            <a:off x="8757800" y="466143"/>
+            <a:off x="10680457" y="1744459"/>
             <a:ext cx="1219200" cy="1219200"/>
           </a:xfrm>
           <a:prstGeom prst="rect">
@@ -19283,7 +18732,7 @@
         </p:blipFill>
         <p:spPr>
           <a:xfrm>
-            <a:off x="8736429" y="3349857"/>
+            <a:off x="10680457" y="286715"/>
             <a:ext cx="1219200" cy="1219200"/>
           </a:xfrm>
           <a:prstGeom prst="rect">
@@ -19314,7 +18763,7 @@
         </p:blipFill>
         <p:spPr>
           <a:xfrm>
-            <a:off x="8786400" y="1865429"/>
+            <a:off x="7396057" y="3202203"/>
             <a:ext cx="1219200" cy="1219200"/>
           </a:xfrm>
           <a:prstGeom prst="rect">
@@ -19345,7 +18794,7 @@
         </p:blipFill>
         <p:spPr>
           <a:xfrm>
-            <a:off x="8729630" y="4750200"/>
+            <a:off x="9285314" y="3202203"/>
             <a:ext cx="1219200" cy="1219200"/>
           </a:xfrm>
           <a:prstGeom prst="rect">
@@ -19376,7 +18825,7 @@
         </p:blipFill>
         <p:spPr>
           <a:xfrm>
-            <a:off x="10436800" y="3320257"/>
+            <a:off x="7396057" y="4665515"/>
             <a:ext cx="1219200" cy="1219200"/>
           </a:xfrm>
           <a:prstGeom prst="rect">
@@ -19407,7 +18856,7 @@
         </p:blipFill>
         <p:spPr>
           <a:xfrm>
-            <a:off x="10525357" y="1988914"/>
+            <a:off x="9279343" y="4665515"/>
             <a:ext cx="1219200" cy="1219200"/>
           </a:xfrm>
           <a:prstGeom prst="rect">
@@ -19438,7 +18887,7 @@
         </p:blipFill>
         <p:spPr>
           <a:xfrm>
-            <a:off x="10436800" y="466143"/>
+            <a:off x="10694114" y="4665515"/>
             <a:ext cx="1219200" cy="1219200"/>
           </a:xfrm>
           <a:prstGeom prst="rect">
@@ -19469,7 +18918,7 @@
         </p:blipFill>
         <p:spPr>
           <a:xfrm>
-            <a:off x="249658" y="1685343"/>
+            <a:off x="5634543" y="3176229"/>
             <a:ext cx="1219200" cy="1219200"/>
           </a:xfrm>
           <a:prstGeom prst="rect">
@@ -19500,7 +18949,7 @@
         </p:blipFill>
         <p:spPr>
           <a:xfrm>
-            <a:off x="249658" y="325857"/>
+            <a:off x="5634543" y="286715"/>
             <a:ext cx="1219200" cy="1219200"/>
           </a:xfrm>
           <a:prstGeom prst="rect">
@@ -19511,7 +18960,7 @@
     </p:spTree>
     <p:extLst>
       <p:ext uri="{BB962C8B-B14F-4D97-AF65-F5344CB8AC3E}">
-        <p14:creationId xmlns:p14="http://schemas.microsoft.com/office/powerpoint/2010/main" val="438152526"/>
+        <p14:creationId xmlns:p14="http://schemas.microsoft.com/office/powerpoint/2010/main" val="3324423259"/>
       </p:ext>
     </p:extLst>
   </p:cSld>
@@ -19569,7 +19018,7 @@
         </p:blipFill>
         <p:spPr>
           <a:xfrm>
-            <a:off x="297543" y="293914"/>
+            <a:off x="2066300" y="4482743"/>
             <a:ext cx="1219200" cy="1219200"/>
           </a:xfrm>
           <a:prstGeom prst="rect">
@@ -19600,7 +19049,7 @@
         </p:blipFill>
         <p:spPr>
           <a:xfrm>
-            <a:off x="297543" y="1670372"/>
+            <a:off x="3544387" y="3100200"/>
             <a:ext cx="1219200" cy="1219200"/>
           </a:xfrm>
           <a:prstGeom prst="rect">
@@ -19631,7 +19080,7 @@
         </p:blipFill>
         <p:spPr>
           <a:xfrm>
-            <a:off x="375086" y="4580546"/>
+            <a:off x="1959644" y="3077257"/>
             <a:ext cx="1219200" cy="1219200"/>
           </a:xfrm>
           <a:prstGeom prst="rect">
@@ -19662,7 +19111,7 @@
         </p:blipFill>
         <p:spPr>
           <a:xfrm>
-            <a:off x="355657" y="3046830"/>
+            <a:off x="220687" y="3077257"/>
             <a:ext cx="1219200" cy="1219200"/>
           </a:xfrm>
           <a:prstGeom prst="rect">
@@ -19693,7 +19142,7 @@
         </p:blipFill>
         <p:spPr>
           <a:xfrm>
-            <a:off x="2065943" y="219000"/>
+            <a:off x="252087" y="4629000"/>
             <a:ext cx="1219200" cy="1219200"/>
           </a:xfrm>
           <a:prstGeom prst="rect">
@@ -19724,7 +19173,7 @@
         </p:blipFill>
         <p:spPr>
           <a:xfrm>
-            <a:off x="2065943" y="3100200"/>
+            <a:off x="1959644" y="1565771"/>
             <a:ext cx="1219200" cy="1219200"/>
           </a:xfrm>
           <a:prstGeom prst="rect">
@@ -19755,7 +19204,7 @@
         </p:blipFill>
         <p:spPr>
           <a:xfrm>
-            <a:off x="1974058" y="1670372"/>
+            <a:off x="3652987" y="4539457"/>
             <a:ext cx="1219200" cy="1219200"/>
           </a:xfrm>
           <a:prstGeom prst="rect">
@@ -19786,7 +19235,7 @@
         </p:blipFill>
         <p:spPr>
           <a:xfrm>
-            <a:off x="2030971" y="4594343"/>
+            <a:off x="2066300" y="346571"/>
             <a:ext cx="1219200" cy="1219200"/>
           </a:xfrm>
           <a:prstGeom prst="rect">
@@ -19817,7 +19266,7 @@
         </p:blipFill>
         <p:spPr>
           <a:xfrm>
-            <a:off x="3834343" y="219000"/>
+            <a:off x="5317644" y="358887"/>
             <a:ext cx="1219200" cy="1219200"/>
           </a:xfrm>
           <a:prstGeom prst="rect">
@@ -19848,7 +19297,7 @@
         </p:blipFill>
         <p:spPr>
           <a:xfrm>
-            <a:off x="3939743" y="4580546"/>
+            <a:off x="3638644" y="1685343"/>
             <a:ext cx="1219200" cy="1219200"/>
           </a:xfrm>
           <a:prstGeom prst="rect">
@@ -19879,7 +19328,7 @@
         </p:blipFill>
         <p:spPr>
           <a:xfrm>
-            <a:off x="3894857" y="1708115"/>
+            <a:off x="3638644" y="368315"/>
             <a:ext cx="1219200" cy="1219200"/>
           </a:xfrm>
           <a:prstGeom prst="rect">
@@ -19910,7 +19359,7 @@
         </p:blipFill>
         <p:spPr>
           <a:xfrm>
-            <a:off x="3941886" y="3046830"/>
+            <a:off x="5317644" y="4609800"/>
             <a:ext cx="1219200" cy="1219200"/>
           </a:xfrm>
           <a:prstGeom prst="rect">
@@ -19941,7 +19390,7 @@
         </p:blipFill>
         <p:spPr>
           <a:xfrm>
-            <a:off x="5571372" y="1767343"/>
+            <a:off x="5317644" y="1823228"/>
             <a:ext cx="1219200" cy="1219200"/>
           </a:xfrm>
           <a:prstGeom prst="rect">
@@ -19972,7 +19421,7 @@
         </p:blipFill>
         <p:spPr>
           <a:xfrm>
-            <a:off x="5602743" y="293914"/>
+            <a:off x="5317644" y="3208114"/>
             <a:ext cx="1219200" cy="1219200"/>
           </a:xfrm>
           <a:prstGeom prst="rect">
@@ -20003,7 +19452,7 @@
         </p:blipFill>
         <p:spPr>
           <a:xfrm>
-            <a:off x="5571372" y="3240772"/>
+            <a:off x="7078800" y="368315"/>
             <a:ext cx="1219200" cy="1219200"/>
           </a:xfrm>
           <a:prstGeom prst="rect">
@@ -20034,7 +19483,7 @@
         </p:blipFill>
         <p:spPr>
           <a:xfrm>
-            <a:off x="7117200" y="388543"/>
+            <a:off x="7129600" y="1793142"/>
             <a:ext cx="1219200" cy="1219200"/>
           </a:xfrm>
           <a:prstGeom prst="rect">
@@ -20065,7 +19514,7 @@
         </p:blipFill>
         <p:spPr>
           <a:xfrm>
-            <a:off x="7211944" y="1819487"/>
+            <a:off x="7129600" y="3320257"/>
             <a:ext cx="1219200" cy="1219200"/>
           </a:xfrm>
           <a:prstGeom prst="rect">
@@ -20096,7 +19545,7 @@
         </p:blipFill>
         <p:spPr>
           <a:xfrm>
-            <a:off x="5624857" y="4609800"/>
+            <a:off x="7192200" y="4609800"/>
             <a:ext cx="1219200" cy="1219200"/>
           </a:xfrm>
           <a:prstGeom prst="rect">
@@ -20127,7 +19576,7 @@
         </p:blipFill>
         <p:spPr>
           <a:xfrm>
-            <a:off x="7284514" y="3295545"/>
+            <a:off x="8757800" y="466143"/>
             <a:ext cx="1219200" cy="1219200"/>
           </a:xfrm>
           <a:prstGeom prst="rect">
@@ -20158,7 +19607,7 @@
         </p:blipFill>
         <p:spPr>
           <a:xfrm>
-            <a:off x="7309971" y="4675172"/>
+            <a:off x="8736429" y="3349857"/>
             <a:ext cx="1219200" cy="1219200"/>
           </a:xfrm>
           <a:prstGeom prst="rect">
@@ -20189,7 +19638,7 @@
         </p:blipFill>
         <p:spPr>
           <a:xfrm>
-            <a:off x="8636400" y="399829"/>
+            <a:off x="8786400" y="1865429"/>
             <a:ext cx="1219200" cy="1219200"/>
           </a:xfrm>
           <a:prstGeom prst="rect">
@@ -20220,7 +19669,7 @@
         </p:blipFill>
         <p:spPr>
           <a:xfrm>
-            <a:off x="10392629" y="488915"/>
+            <a:off x="8729630" y="4750200"/>
             <a:ext cx="1219200" cy="1219200"/>
           </a:xfrm>
           <a:prstGeom prst="rect">
@@ -20251,7 +19700,7 @@
         </p:blipFill>
         <p:spPr>
           <a:xfrm>
-            <a:off x="8731257" y="1827630"/>
+            <a:off x="10436800" y="3320257"/>
             <a:ext cx="1219200" cy="1219200"/>
           </a:xfrm>
           <a:prstGeom prst="rect">
@@ -20282,7 +19731,7 @@
         </p:blipFill>
         <p:spPr>
           <a:xfrm>
-            <a:off x="8784057" y="4774428"/>
+            <a:off x="10525357" y="1988914"/>
             <a:ext cx="1219200" cy="1219200"/>
           </a:xfrm>
           <a:prstGeom prst="rect">
@@ -20313,7 +19762,7 @@
         </p:blipFill>
         <p:spPr>
           <a:xfrm>
-            <a:off x="10396399" y="3390600"/>
+            <a:off x="10436800" y="466143"/>
             <a:ext cx="1219200" cy="1219200"/>
           </a:xfrm>
           <a:prstGeom prst="rect">
@@ -20344,7 +19793,7 @@
         </p:blipFill>
         <p:spPr>
           <a:xfrm>
-            <a:off x="10349658" y="2076345"/>
+            <a:off x="249658" y="1685343"/>
             <a:ext cx="1219200" cy="1219200"/>
           </a:xfrm>
           <a:prstGeom prst="rect">
@@ -20375,7 +19824,7 @@
         </p:blipFill>
         <p:spPr>
           <a:xfrm>
-            <a:off x="8773943" y="3438915"/>
+            <a:off x="249658" y="325857"/>
             <a:ext cx="1219200" cy="1219200"/>
           </a:xfrm>
           <a:prstGeom prst="rect">
@@ -20386,7 +19835,7 @@
     </p:spTree>
     <p:extLst>
       <p:ext uri="{BB962C8B-B14F-4D97-AF65-F5344CB8AC3E}">
-        <p14:creationId xmlns:p14="http://schemas.microsoft.com/office/powerpoint/2010/main" val="214978686"/>
+        <p14:creationId xmlns:p14="http://schemas.microsoft.com/office/powerpoint/2010/main" val="438152526"/>
       </p:ext>
     </p:extLst>
   </p:cSld>
@@ -20444,6 +19893,881 @@
         </p:blipFill>
         <p:spPr>
           <a:xfrm>
+            <a:off x="297543" y="293914"/>
+            <a:ext cx="1219200" cy="1219200"/>
+          </a:xfrm>
+          <a:prstGeom prst="rect">
+            <a:avLst/>
+          </a:prstGeom>
+        </p:spPr>
+      </p:pic>
+      <p:pic>
+        <p:nvPicPr>
+          <p:cNvPr id="3" name="Picture 2"/>
+          <p:cNvPicPr>
+            <a:picLocks noChangeAspect="1"/>
+          </p:cNvPicPr>
+          <p:nvPr/>
+        </p:nvPicPr>
+        <p:blipFill>
+          <a:blip r:embed="rId3">
+            <a:lum bright="70000" contrast="-70000"/>
+            <a:extLst>
+              <a:ext uri="{28A0092B-C50C-407E-A947-70E740481C1C}">
+                <a14:useLocalDpi xmlns:a14="http://schemas.microsoft.com/office/drawing/2010/main" val="0"/>
+              </a:ext>
+            </a:extLst>
+          </a:blip>
+          <a:stretch>
+            <a:fillRect/>
+          </a:stretch>
+        </p:blipFill>
+        <p:spPr>
+          <a:xfrm>
+            <a:off x="297543" y="1670372"/>
+            <a:ext cx="1219200" cy="1219200"/>
+          </a:xfrm>
+          <a:prstGeom prst="rect">
+            <a:avLst/>
+          </a:prstGeom>
+        </p:spPr>
+      </p:pic>
+      <p:pic>
+        <p:nvPicPr>
+          <p:cNvPr id="4" name="Picture 3"/>
+          <p:cNvPicPr>
+            <a:picLocks noChangeAspect="1"/>
+          </p:cNvPicPr>
+          <p:nvPr/>
+        </p:nvPicPr>
+        <p:blipFill>
+          <a:blip r:embed="rId4">
+            <a:lum bright="70000" contrast="-70000"/>
+            <a:extLst>
+              <a:ext uri="{28A0092B-C50C-407E-A947-70E740481C1C}">
+                <a14:useLocalDpi xmlns:a14="http://schemas.microsoft.com/office/drawing/2010/main" val="0"/>
+              </a:ext>
+            </a:extLst>
+          </a:blip>
+          <a:stretch>
+            <a:fillRect/>
+          </a:stretch>
+        </p:blipFill>
+        <p:spPr>
+          <a:xfrm>
+            <a:off x="375086" y="4580546"/>
+            <a:ext cx="1219200" cy="1219200"/>
+          </a:xfrm>
+          <a:prstGeom prst="rect">
+            <a:avLst/>
+          </a:prstGeom>
+        </p:spPr>
+      </p:pic>
+      <p:pic>
+        <p:nvPicPr>
+          <p:cNvPr id="5" name="Picture 4"/>
+          <p:cNvPicPr>
+            <a:picLocks noChangeAspect="1"/>
+          </p:cNvPicPr>
+          <p:nvPr/>
+        </p:nvPicPr>
+        <p:blipFill>
+          <a:blip r:embed="rId5">
+            <a:lum bright="70000" contrast="-70000"/>
+            <a:extLst>
+              <a:ext uri="{28A0092B-C50C-407E-A947-70E740481C1C}">
+                <a14:useLocalDpi xmlns:a14="http://schemas.microsoft.com/office/drawing/2010/main" val="0"/>
+              </a:ext>
+            </a:extLst>
+          </a:blip>
+          <a:stretch>
+            <a:fillRect/>
+          </a:stretch>
+        </p:blipFill>
+        <p:spPr>
+          <a:xfrm>
+            <a:off x="355657" y="3046830"/>
+            <a:ext cx="1219200" cy="1219200"/>
+          </a:xfrm>
+          <a:prstGeom prst="rect">
+            <a:avLst/>
+          </a:prstGeom>
+        </p:spPr>
+      </p:pic>
+      <p:pic>
+        <p:nvPicPr>
+          <p:cNvPr id="6" name="Picture 5"/>
+          <p:cNvPicPr>
+            <a:picLocks noChangeAspect="1"/>
+          </p:cNvPicPr>
+          <p:nvPr/>
+        </p:nvPicPr>
+        <p:blipFill>
+          <a:blip r:embed="rId6">
+            <a:lum bright="70000" contrast="-70000"/>
+            <a:extLst>
+              <a:ext uri="{28A0092B-C50C-407E-A947-70E740481C1C}">
+                <a14:useLocalDpi xmlns:a14="http://schemas.microsoft.com/office/drawing/2010/main" val="0"/>
+              </a:ext>
+            </a:extLst>
+          </a:blip>
+          <a:stretch>
+            <a:fillRect/>
+          </a:stretch>
+        </p:blipFill>
+        <p:spPr>
+          <a:xfrm>
+            <a:off x="2065943" y="219000"/>
+            <a:ext cx="1219200" cy="1219200"/>
+          </a:xfrm>
+          <a:prstGeom prst="rect">
+            <a:avLst/>
+          </a:prstGeom>
+        </p:spPr>
+      </p:pic>
+      <p:pic>
+        <p:nvPicPr>
+          <p:cNvPr id="7" name="Picture 6"/>
+          <p:cNvPicPr>
+            <a:picLocks noChangeAspect="1"/>
+          </p:cNvPicPr>
+          <p:nvPr/>
+        </p:nvPicPr>
+        <p:blipFill>
+          <a:blip r:embed="rId7">
+            <a:lum bright="70000" contrast="-70000"/>
+            <a:extLst>
+              <a:ext uri="{28A0092B-C50C-407E-A947-70E740481C1C}">
+                <a14:useLocalDpi xmlns:a14="http://schemas.microsoft.com/office/drawing/2010/main" val="0"/>
+              </a:ext>
+            </a:extLst>
+          </a:blip>
+          <a:stretch>
+            <a:fillRect/>
+          </a:stretch>
+        </p:blipFill>
+        <p:spPr>
+          <a:xfrm>
+            <a:off x="2065943" y="3100200"/>
+            <a:ext cx="1219200" cy="1219200"/>
+          </a:xfrm>
+          <a:prstGeom prst="rect">
+            <a:avLst/>
+          </a:prstGeom>
+        </p:spPr>
+      </p:pic>
+      <p:pic>
+        <p:nvPicPr>
+          <p:cNvPr id="8" name="Picture 7"/>
+          <p:cNvPicPr>
+            <a:picLocks noChangeAspect="1"/>
+          </p:cNvPicPr>
+          <p:nvPr/>
+        </p:nvPicPr>
+        <p:blipFill>
+          <a:blip r:embed="rId8">
+            <a:lum bright="70000" contrast="-70000"/>
+            <a:extLst>
+              <a:ext uri="{28A0092B-C50C-407E-A947-70E740481C1C}">
+                <a14:useLocalDpi xmlns:a14="http://schemas.microsoft.com/office/drawing/2010/main" val="0"/>
+              </a:ext>
+            </a:extLst>
+          </a:blip>
+          <a:stretch>
+            <a:fillRect/>
+          </a:stretch>
+        </p:blipFill>
+        <p:spPr>
+          <a:xfrm>
+            <a:off x="1974058" y="1670372"/>
+            <a:ext cx="1219200" cy="1219200"/>
+          </a:xfrm>
+          <a:prstGeom prst="rect">
+            <a:avLst/>
+          </a:prstGeom>
+        </p:spPr>
+      </p:pic>
+      <p:pic>
+        <p:nvPicPr>
+          <p:cNvPr id="9" name="Picture 8"/>
+          <p:cNvPicPr>
+            <a:picLocks noChangeAspect="1"/>
+          </p:cNvPicPr>
+          <p:nvPr/>
+        </p:nvPicPr>
+        <p:blipFill>
+          <a:blip r:embed="rId9">
+            <a:lum bright="70000" contrast="-70000"/>
+            <a:extLst>
+              <a:ext uri="{28A0092B-C50C-407E-A947-70E740481C1C}">
+                <a14:useLocalDpi xmlns:a14="http://schemas.microsoft.com/office/drawing/2010/main" val="0"/>
+              </a:ext>
+            </a:extLst>
+          </a:blip>
+          <a:stretch>
+            <a:fillRect/>
+          </a:stretch>
+        </p:blipFill>
+        <p:spPr>
+          <a:xfrm>
+            <a:off x="2030971" y="4594343"/>
+            <a:ext cx="1219200" cy="1219200"/>
+          </a:xfrm>
+          <a:prstGeom prst="rect">
+            <a:avLst/>
+          </a:prstGeom>
+        </p:spPr>
+      </p:pic>
+      <p:pic>
+        <p:nvPicPr>
+          <p:cNvPr id="10" name="Picture 9"/>
+          <p:cNvPicPr>
+            <a:picLocks noChangeAspect="1"/>
+          </p:cNvPicPr>
+          <p:nvPr/>
+        </p:nvPicPr>
+        <p:blipFill>
+          <a:blip r:embed="rId10">
+            <a:lum bright="70000" contrast="-70000"/>
+            <a:extLst>
+              <a:ext uri="{28A0092B-C50C-407E-A947-70E740481C1C}">
+                <a14:useLocalDpi xmlns:a14="http://schemas.microsoft.com/office/drawing/2010/main" val="0"/>
+              </a:ext>
+            </a:extLst>
+          </a:blip>
+          <a:stretch>
+            <a:fillRect/>
+          </a:stretch>
+        </p:blipFill>
+        <p:spPr>
+          <a:xfrm>
+            <a:off x="3834343" y="219000"/>
+            <a:ext cx="1219200" cy="1219200"/>
+          </a:xfrm>
+          <a:prstGeom prst="rect">
+            <a:avLst/>
+          </a:prstGeom>
+        </p:spPr>
+      </p:pic>
+      <p:pic>
+        <p:nvPicPr>
+          <p:cNvPr id="11" name="Picture 10"/>
+          <p:cNvPicPr>
+            <a:picLocks noChangeAspect="1"/>
+          </p:cNvPicPr>
+          <p:nvPr/>
+        </p:nvPicPr>
+        <p:blipFill>
+          <a:blip r:embed="rId11">
+            <a:lum bright="70000" contrast="-70000"/>
+            <a:extLst>
+              <a:ext uri="{28A0092B-C50C-407E-A947-70E740481C1C}">
+                <a14:useLocalDpi xmlns:a14="http://schemas.microsoft.com/office/drawing/2010/main" val="0"/>
+              </a:ext>
+            </a:extLst>
+          </a:blip>
+          <a:stretch>
+            <a:fillRect/>
+          </a:stretch>
+        </p:blipFill>
+        <p:spPr>
+          <a:xfrm>
+            <a:off x="3939743" y="4580546"/>
+            <a:ext cx="1219200" cy="1219200"/>
+          </a:xfrm>
+          <a:prstGeom prst="rect">
+            <a:avLst/>
+          </a:prstGeom>
+        </p:spPr>
+      </p:pic>
+      <p:pic>
+        <p:nvPicPr>
+          <p:cNvPr id="12" name="Picture 11"/>
+          <p:cNvPicPr>
+            <a:picLocks noChangeAspect="1"/>
+          </p:cNvPicPr>
+          <p:nvPr/>
+        </p:nvPicPr>
+        <p:blipFill>
+          <a:blip r:embed="rId12">
+            <a:lum bright="70000" contrast="-70000"/>
+            <a:extLst>
+              <a:ext uri="{28A0092B-C50C-407E-A947-70E740481C1C}">
+                <a14:useLocalDpi xmlns:a14="http://schemas.microsoft.com/office/drawing/2010/main" val="0"/>
+              </a:ext>
+            </a:extLst>
+          </a:blip>
+          <a:stretch>
+            <a:fillRect/>
+          </a:stretch>
+        </p:blipFill>
+        <p:spPr>
+          <a:xfrm>
+            <a:off x="3894857" y="1708115"/>
+            <a:ext cx="1219200" cy="1219200"/>
+          </a:xfrm>
+          <a:prstGeom prst="rect">
+            <a:avLst/>
+          </a:prstGeom>
+        </p:spPr>
+      </p:pic>
+      <p:pic>
+        <p:nvPicPr>
+          <p:cNvPr id="13" name="Picture 12"/>
+          <p:cNvPicPr>
+            <a:picLocks noChangeAspect="1"/>
+          </p:cNvPicPr>
+          <p:nvPr/>
+        </p:nvPicPr>
+        <p:blipFill>
+          <a:blip r:embed="rId13">
+            <a:lum bright="70000" contrast="-70000"/>
+            <a:extLst>
+              <a:ext uri="{28A0092B-C50C-407E-A947-70E740481C1C}">
+                <a14:useLocalDpi xmlns:a14="http://schemas.microsoft.com/office/drawing/2010/main" val="0"/>
+              </a:ext>
+            </a:extLst>
+          </a:blip>
+          <a:stretch>
+            <a:fillRect/>
+          </a:stretch>
+        </p:blipFill>
+        <p:spPr>
+          <a:xfrm>
+            <a:off x="3941886" y="3046830"/>
+            <a:ext cx="1219200" cy="1219200"/>
+          </a:xfrm>
+          <a:prstGeom prst="rect">
+            <a:avLst/>
+          </a:prstGeom>
+        </p:spPr>
+      </p:pic>
+      <p:pic>
+        <p:nvPicPr>
+          <p:cNvPr id="14" name="Picture 13"/>
+          <p:cNvPicPr>
+            <a:picLocks noChangeAspect="1"/>
+          </p:cNvPicPr>
+          <p:nvPr/>
+        </p:nvPicPr>
+        <p:blipFill>
+          <a:blip r:embed="rId14">
+            <a:lum bright="70000" contrast="-70000"/>
+            <a:extLst>
+              <a:ext uri="{28A0092B-C50C-407E-A947-70E740481C1C}">
+                <a14:useLocalDpi xmlns:a14="http://schemas.microsoft.com/office/drawing/2010/main" val="0"/>
+              </a:ext>
+            </a:extLst>
+          </a:blip>
+          <a:stretch>
+            <a:fillRect/>
+          </a:stretch>
+        </p:blipFill>
+        <p:spPr>
+          <a:xfrm>
+            <a:off x="5571372" y="1767343"/>
+            <a:ext cx="1219200" cy="1219200"/>
+          </a:xfrm>
+          <a:prstGeom prst="rect">
+            <a:avLst/>
+          </a:prstGeom>
+        </p:spPr>
+      </p:pic>
+      <p:pic>
+        <p:nvPicPr>
+          <p:cNvPr id="15" name="Picture 14"/>
+          <p:cNvPicPr>
+            <a:picLocks noChangeAspect="1"/>
+          </p:cNvPicPr>
+          <p:nvPr/>
+        </p:nvPicPr>
+        <p:blipFill>
+          <a:blip r:embed="rId15">
+            <a:lum bright="70000" contrast="-70000"/>
+            <a:extLst>
+              <a:ext uri="{28A0092B-C50C-407E-A947-70E740481C1C}">
+                <a14:useLocalDpi xmlns:a14="http://schemas.microsoft.com/office/drawing/2010/main" val="0"/>
+              </a:ext>
+            </a:extLst>
+          </a:blip>
+          <a:stretch>
+            <a:fillRect/>
+          </a:stretch>
+        </p:blipFill>
+        <p:spPr>
+          <a:xfrm>
+            <a:off x="5602743" y="293914"/>
+            <a:ext cx="1219200" cy="1219200"/>
+          </a:xfrm>
+          <a:prstGeom prst="rect">
+            <a:avLst/>
+          </a:prstGeom>
+        </p:spPr>
+      </p:pic>
+      <p:pic>
+        <p:nvPicPr>
+          <p:cNvPr id="16" name="Picture 15"/>
+          <p:cNvPicPr>
+            <a:picLocks noChangeAspect="1"/>
+          </p:cNvPicPr>
+          <p:nvPr/>
+        </p:nvPicPr>
+        <p:blipFill>
+          <a:blip r:embed="rId16">
+            <a:lum bright="70000" contrast="-70000"/>
+            <a:extLst>
+              <a:ext uri="{28A0092B-C50C-407E-A947-70E740481C1C}">
+                <a14:useLocalDpi xmlns:a14="http://schemas.microsoft.com/office/drawing/2010/main" val="0"/>
+              </a:ext>
+            </a:extLst>
+          </a:blip>
+          <a:stretch>
+            <a:fillRect/>
+          </a:stretch>
+        </p:blipFill>
+        <p:spPr>
+          <a:xfrm>
+            <a:off x="5571372" y="3240772"/>
+            <a:ext cx="1219200" cy="1219200"/>
+          </a:xfrm>
+          <a:prstGeom prst="rect">
+            <a:avLst/>
+          </a:prstGeom>
+        </p:spPr>
+      </p:pic>
+      <p:pic>
+        <p:nvPicPr>
+          <p:cNvPr id="17" name="Picture 16"/>
+          <p:cNvPicPr>
+            <a:picLocks noChangeAspect="1"/>
+          </p:cNvPicPr>
+          <p:nvPr/>
+        </p:nvPicPr>
+        <p:blipFill>
+          <a:blip r:embed="rId17">
+            <a:lum bright="70000" contrast="-70000"/>
+            <a:extLst>
+              <a:ext uri="{28A0092B-C50C-407E-A947-70E740481C1C}">
+                <a14:useLocalDpi xmlns:a14="http://schemas.microsoft.com/office/drawing/2010/main" val="0"/>
+              </a:ext>
+            </a:extLst>
+          </a:blip>
+          <a:stretch>
+            <a:fillRect/>
+          </a:stretch>
+        </p:blipFill>
+        <p:spPr>
+          <a:xfrm>
+            <a:off x="7117200" y="388543"/>
+            <a:ext cx="1219200" cy="1219200"/>
+          </a:xfrm>
+          <a:prstGeom prst="rect">
+            <a:avLst/>
+          </a:prstGeom>
+        </p:spPr>
+      </p:pic>
+      <p:pic>
+        <p:nvPicPr>
+          <p:cNvPr id="18" name="Picture 17"/>
+          <p:cNvPicPr>
+            <a:picLocks noChangeAspect="1"/>
+          </p:cNvPicPr>
+          <p:nvPr/>
+        </p:nvPicPr>
+        <p:blipFill>
+          <a:blip r:embed="rId18">
+            <a:lum bright="70000" contrast="-70000"/>
+            <a:extLst>
+              <a:ext uri="{28A0092B-C50C-407E-A947-70E740481C1C}">
+                <a14:useLocalDpi xmlns:a14="http://schemas.microsoft.com/office/drawing/2010/main" val="0"/>
+              </a:ext>
+            </a:extLst>
+          </a:blip>
+          <a:stretch>
+            <a:fillRect/>
+          </a:stretch>
+        </p:blipFill>
+        <p:spPr>
+          <a:xfrm>
+            <a:off x="7211944" y="1819487"/>
+            <a:ext cx="1219200" cy="1219200"/>
+          </a:xfrm>
+          <a:prstGeom prst="rect">
+            <a:avLst/>
+          </a:prstGeom>
+        </p:spPr>
+      </p:pic>
+      <p:pic>
+        <p:nvPicPr>
+          <p:cNvPr id="19" name="Picture 18"/>
+          <p:cNvPicPr>
+            <a:picLocks noChangeAspect="1"/>
+          </p:cNvPicPr>
+          <p:nvPr/>
+        </p:nvPicPr>
+        <p:blipFill>
+          <a:blip r:embed="rId19">
+            <a:lum bright="70000" contrast="-70000"/>
+            <a:extLst>
+              <a:ext uri="{28A0092B-C50C-407E-A947-70E740481C1C}">
+                <a14:useLocalDpi xmlns:a14="http://schemas.microsoft.com/office/drawing/2010/main" val="0"/>
+              </a:ext>
+            </a:extLst>
+          </a:blip>
+          <a:stretch>
+            <a:fillRect/>
+          </a:stretch>
+        </p:blipFill>
+        <p:spPr>
+          <a:xfrm>
+            <a:off x="5624857" y="4609800"/>
+            <a:ext cx="1219200" cy="1219200"/>
+          </a:xfrm>
+          <a:prstGeom prst="rect">
+            <a:avLst/>
+          </a:prstGeom>
+        </p:spPr>
+      </p:pic>
+      <p:pic>
+        <p:nvPicPr>
+          <p:cNvPr id="20" name="Picture 19"/>
+          <p:cNvPicPr>
+            <a:picLocks noChangeAspect="1"/>
+          </p:cNvPicPr>
+          <p:nvPr/>
+        </p:nvPicPr>
+        <p:blipFill>
+          <a:blip r:embed="rId20">
+            <a:lum bright="70000" contrast="-70000"/>
+            <a:extLst>
+              <a:ext uri="{28A0092B-C50C-407E-A947-70E740481C1C}">
+                <a14:useLocalDpi xmlns:a14="http://schemas.microsoft.com/office/drawing/2010/main" val="0"/>
+              </a:ext>
+            </a:extLst>
+          </a:blip>
+          <a:stretch>
+            <a:fillRect/>
+          </a:stretch>
+        </p:blipFill>
+        <p:spPr>
+          <a:xfrm>
+            <a:off x="7284514" y="3295545"/>
+            <a:ext cx="1219200" cy="1219200"/>
+          </a:xfrm>
+          <a:prstGeom prst="rect">
+            <a:avLst/>
+          </a:prstGeom>
+        </p:spPr>
+      </p:pic>
+      <p:pic>
+        <p:nvPicPr>
+          <p:cNvPr id="21" name="Picture 20"/>
+          <p:cNvPicPr>
+            <a:picLocks noChangeAspect="1"/>
+          </p:cNvPicPr>
+          <p:nvPr/>
+        </p:nvPicPr>
+        <p:blipFill>
+          <a:blip r:embed="rId21">
+            <a:lum bright="70000" contrast="-70000"/>
+            <a:extLst>
+              <a:ext uri="{28A0092B-C50C-407E-A947-70E740481C1C}">
+                <a14:useLocalDpi xmlns:a14="http://schemas.microsoft.com/office/drawing/2010/main" val="0"/>
+              </a:ext>
+            </a:extLst>
+          </a:blip>
+          <a:stretch>
+            <a:fillRect/>
+          </a:stretch>
+        </p:blipFill>
+        <p:spPr>
+          <a:xfrm>
+            <a:off x="7309971" y="4675172"/>
+            <a:ext cx="1219200" cy="1219200"/>
+          </a:xfrm>
+          <a:prstGeom prst="rect">
+            <a:avLst/>
+          </a:prstGeom>
+        </p:spPr>
+      </p:pic>
+      <p:pic>
+        <p:nvPicPr>
+          <p:cNvPr id="22" name="Picture 21"/>
+          <p:cNvPicPr>
+            <a:picLocks noChangeAspect="1"/>
+          </p:cNvPicPr>
+          <p:nvPr/>
+        </p:nvPicPr>
+        <p:blipFill>
+          <a:blip r:embed="rId22">
+            <a:lum bright="70000" contrast="-70000"/>
+            <a:extLst>
+              <a:ext uri="{28A0092B-C50C-407E-A947-70E740481C1C}">
+                <a14:useLocalDpi xmlns:a14="http://schemas.microsoft.com/office/drawing/2010/main" val="0"/>
+              </a:ext>
+            </a:extLst>
+          </a:blip>
+          <a:stretch>
+            <a:fillRect/>
+          </a:stretch>
+        </p:blipFill>
+        <p:spPr>
+          <a:xfrm>
+            <a:off x="8636400" y="399829"/>
+            <a:ext cx="1219200" cy="1219200"/>
+          </a:xfrm>
+          <a:prstGeom prst="rect">
+            <a:avLst/>
+          </a:prstGeom>
+        </p:spPr>
+      </p:pic>
+      <p:pic>
+        <p:nvPicPr>
+          <p:cNvPr id="23" name="Picture 22"/>
+          <p:cNvPicPr>
+            <a:picLocks noChangeAspect="1"/>
+          </p:cNvPicPr>
+          <p:nvPr/>
+        </p:nvPicPr>
+        <p:blipFill>
+          <a:blip r:embed="rId23">
+            <a:lum bright="70000" contrast="-70000"/>
+            <a:extLst>
+              <a:ext uri="{28A0092B-C50C-407E-A947-70E740481C1C}">
+                <a14:useLocalDpi xmlns:a14="http://schemas.microsoft.com/office/drawing/2010/main" val="0"/>
+              </a:ext>
+            </a:extLst>
+          </a:blip>
+          <a:stretch>
+            <a:fillRect/>
+          </a:stretch>
+        </p:blipFill>
+        <p:spPr>
+          <a:xfrm>
+            <a:off x="10392629" y="488915"/>
+            <a:ext cx="1219200" cy="1219200"/>
+          </a:xfrm>
+          <a:prstGeom prst="rect">
+            <a:avLst/>
+          </a:prstGeom>
+        </p:spPr>
+      </p:pic>
+      <p:pic>
+        <p:nvPicPr>
+          <p:cNvPr id="24" name="Picture 23"/>
+          <p:cNvPicPr>
+            <a:picLocks noChangeAspect="1"/>
+          </p:cNvPicPr>
+          <p:nvPr/>
+        </p:nvPicPr>
+        <p:blipFill>
+          <a:blip r:embed="rId24">
+            <a:lum bright="70000" contrast="-70000"/>
+            <a:extLst>
+              <a:ext uri="{28A0092B-C50C-407E-A947-70E740481C1C}">
+                <a14:useLocalDpi xmlns:a14="http://schemas.microsoft.com/office/drawing/2010/main" val="0"/>
+              </a:ext>
+            </a:extLst>
+          </a:blip>
+          <a:stretch>
+            <a:fillRect/>
+          </a:stretch>
+        </p:blipFill>
+        <p:spPr>
+          <a:xfrm>
+            <a:off x="8731257" y="1827630"/>
+            <a:ext cx="1219200" cy="1219200"/>
+          </a:xfrm>
+          <a:prstGeom prst="rect">
+            <a:avLst/>
+          </a:prstGeom>
+        </p:spPr>
+      </p:pic>
+      <p:pic>
+        <p:nvPicPr>
+          <p:cNvPr id="25" name="Picture 24"/>
+          <p:cNvPicPr>
+            <a:picLocks noChangeAspect="1"/>
+          </p:cNvPicPr>
+          <p:nvPr/>
+        </p:nvPicPr>
+        <p:blipFill>
+          <a:blip r:embed="rId25">
+            <a:lum bright="70000" contrast="-70000"/>
+            <a:extLst>
+              <a:ext uri="{28A0092B-C50C-407E-A947-70E740481C1C}">
+                <a14:useLocalDpi xmlns:a14="http://schemas.microsoft.com/office/drawing/2010/main" val="0"/>
+              </a:ext>
+            </a:extLst>
+          </a:blip>
+          <a:stretch>
+            <a:fillRect/>
+          </a:stretch>
+        </p:blipFill>
+        <p:spPr>
+          <a:xfrm>
+            <a:off x="8784057" y="4774428"/>
+            <a:ext cx="1219200" cy="1219200"/>
+          </a:xfrm>
+          <a:prstGeom prst="rect">
+            <a:avLst/>
+          </a:prstGeom>
+        </p:spPr>
+      </p:pic>
+      <p:pic>
+        <p:nvPicPr>
+          <p:cNvPr id="26" name="Picture 25"/>
+          <p:cNvPicPr>
+            <a:picLocks noChangeAspect="1"/>
+          </p:cNvPicPr>
+          <p:nvPr/>
+        </p:nvPicPr>
+        <p:blipFill>
+          <a:blip r:embed="rId26">
+            <a:lum bright="70000" contrast="-70000"/>
+            <a:extLst>
+              <a:ext uri="{28A0092B-C50C-407E-A947-70E740481C1C}">
+                <a14:useLocalDpi xmlns:a14="http://schemas.microsoft.com/office/drawing/2010/main" val="0"/>
+              </a:ext>
+            </a:extLst>
+          </a:blip>
+          <a:stretch>
+            <a:fillRect/>
+          </a:stretch>
+        </p:blipFill>
+        <p:spPr>
+          <a:xfrm>
+            <a:off x="10396399" y="3390600"/>
+            <a:ext cx="1219200" cy="1219200"/>
+          </a:xfrm>
+          <a:prstGeom prst="rect">
+            <a:avLst/>
+          </a:prstGeom>
+        </p:spPr>
+      </p:pic>
+      <p:pic>
+        <p:nvPicPr>
+          <p:cNvPr id="27" name="Picture 26"/>
+          <p:cNvPicPr>
+            <a:picLocks noChangeAspect="1"/>
+          </p:cNvPicPr>
+          <p:nvPr/>
+        </p:nvPicPr>
+        <p:blipFill>
+          <a:blip r:embed="rId27">
+            <a:lum bright="70000" contrast="-70000"/>
+            <a:extLst>
+              <a:ext uri="{28A0092B-C50C-407E-A947-70E740481C1C}">
+                <a14:useLocalDpi xmlns:a14="http://schemas.microsoft.com/office/drawing/2010/main" val="0"/>
+              </a:ext>
+            </a:extLst>
+          </a:blip>
+          <a:stretch>
+            <a:fillRect/>
+          </a:stretch>
+        </p:blipFill>
+        <p:spPr>
+          <a:xfrm>
+            <a:off x="10349658" y="2076345"/>
+            <a:ext cx="1219200" cy="1219200"/>
+          </a:xfrm>
+          <a:prstGeom prst="rect">
+            <a:avLst/>
+          </a:prstGeom>
+        </p:spPr>
+      </p:pic>
+      <p:pic>
+        <p:nvPicPr>
+          <p:cNvPr id="28" name="Picture 27"/>
+          <p:cNvPicPr>
+            <a:picLocks noChangeAspect="1"/>
+          </p:cNvPicPr>
+          <p:nvPr/>
+        </p:nvPicPr>
+        <p:blipFill>
+          <a:blip r:embed="rId28">
+            <a:lum bright="70000" contrast="-70000"/>
+            <a:extLst>
+              <a:ext uri="{28A0092B-C50C-407E-A947-70E740481C1C}">
+                <a14:useLocalDpi xmlns:a14="http://schemas.microsoft.com/office/drawing/2010/main" val="0"/>
+              </a:ext>
+            </a:extLst>
+          </a:blip>
+          <a:stretch>
+            <a:fillRect/>
+          </a:stretch>
+        </p:blipFill>
+        <p:spPr>
+          <a:xfrm>
+            <a:off x="8773943" y="3438915"/>
+            <a:ext cx="1219200" cy="1219200"/>
+          </a:xfrm>
+          <a:prstGeom prst="rect">
+            <a:avLst/>
+          </a:prstGeom>
+        </p:spPr>
+      </p:pic>
+    </p:spTree>
+    <p:extLst>
+      <p:ext uri="{BB962C8B-B14F-4D97-AF65-F5344CB8AC3E}">
+        <p14:creationId xmlns:p14="http://schemas.microsoft.com/office/powerpoint/2010/main" val="214978686"/>
+      </p:ext>
+    </p:extLst>
+  </p:cSld>
+  <p:clrMapOvr>
+    <a:masterClrMapping/>
+  </p:clrMapOvr>
+  <mc:AlternateContent xmlns:mc="http://schemas.openxmlformats.org/markup-compatibility/2006" xmlns:p14="http://schemas.microsoft.com/office/powerpoint/2010/main">
+    <mc:Choice Requires="p14">
+      <p:transition spd="slow" p14:dur="2000"/>
+    </mc:Choice>
+    <mc:Fallback xmlns="">
+      <p:transition spd="slow"/>
+    </mc:Fallback>
+  </mc:AlternateContent>
+</p:sld>
+</file>
+
+<file path=ppt/slides/slide53.xml><?xml version="1.0" encoding="utf-8"?>
+<p:sld xmlns:a="http://schemas.openxmlformats.org/drawingml/2006/main" xmlns:r="http://schemas.openxmlformats.org/officeDocument/2006/relationships" xmlns:p="http://schemas.openxmlformats.org/presentationml/2006/main" show="0">
+  <p:cSld>
+    <p:spTree>
+      <p:nvGrpSpPr>
+        <p:cNvPr id="1" name=""/>
+        <p:cNvGrpSpPr/>
+        <p:nvPr/>
+      </p:nvGrpSpPr>
+      <p:grpSpPr>
+        <a:xfrm>
+          <a:off x="0" y="0"/>
+          <a:ext cx="0" cy="0"/>
+          <a:chOff x="0" y="0"/>
+          <a:chExt cx="0" cy="0"/>
+        </a:xfrm>
+      </p:grpSpPr>
+      <p:pic>
+        <p:nvPicPr>
+          <p:cNvPr id="2" name="Picture 1"/>
+          <p:cNvPicPr>
+            <a:picLocks noChangeAspect="1"/>
+          </p:cNvPicPr>
+          <p:nvPr/>
+        </p:nvPicPr>
+        <p:blipFill>
+          <a:blip r:embed="rId2">
+            <a:lum bright="70000" contrast="-70000"/>
+            <a:extLst>
+              <a:ext uri="{28A0092B-C50C-407E-A947-70E740481C1C}">
+                <a14:useLocalDpi xmlns:a14="http://schemas.microsoft.com/office/drawing/2010/main" val="0"/>
+              </a:ext>
+            </a:extLst>
+          </a:blip>
+          <a:stretch>
+            <a:fillRect/>
+          </a:stretch>
+        </p:blipFill>
+        <p:spPr>
+          <a:xfrm>
             <a:off x="304800" y="373743"/>
             <a:ext cx="1219200" cy="1219200"/>
           </a:xfrm>
@@ -21124,7 +21448,7 @@
 </p:sld>
 </file>
 
-<file path=ppt/slides/slide53.xml><?xml version="1.0" encoding="utf-8"?>
+<file path=ppt/slides/slide54.xml><?xml version="1.0" encoding="utf-8"?>
 <p:sld xmlns:a="http://schemas.openxmlformats.org/drawingml/2006/main" xmlns:r="http://schemas.openxmlformats.org/officeDocument/2006/relationships" xmlns:p="http://schemas.openxmlformats.org/presentationml/2006/main" show="0">
   <p:cSld>
     <p:spTree>
@@ -21858,15 +22182,7 @@
           <a:p>
             <a:r>
               <a:rPr lang="en-US" dirty="0" smtClean="0"/>
-              <a:t>Data </a:t>
-            </a:r>
-            <a:r>
-              <a:rPr lang="en-US" dirty="0" smtClean="0"/>
-              <a:t>snapshots are </a:t>
-            </a:r>
-            <a:r>
-              <a:rPr lang="en-US" dirty="0" smtClean="0"/>
-              <a:t>retained free for 7 days.  </a:t>
+              <a:t>Data snapshots are retained free for 7 days.  </a:t>
             </a:r>
             <a:endParaRPr lang="en-US" dirty="0"/>
           </a:p>

--- a/MMS 2017 - Windows Upgrade Readiness.pptx
+++ b/MMS 2017 - Windows Upgrade Readiness.pptx
@@ -246,6 +246,10 @@
 </p:presentation>
 </file>
 
+<file path=ppt/revisionInfo.xml><?xml version="1.0" encoding="utf-8"?>
+<p1510:revInfo xmlns:a="http://schemas.openxmlformats.org/drawingml/2006/main" xmlns:r="http://schemas.openxmlformats.org/officeDocument/2006/relationships" xmlns:p1510="http://schemas.microsoft.com/office/powerpoint/2015/10/main"/>
+</file>
+
 <file path=ppt/notesMasters/notesMaster1.xml><?xml version="1.0" encoding="utf-8"?>
 <p:notesMaster xmlns:a="http://schemas.openxmlformats.org/drawingml/2006/main" xmlns:r="http://schemas.openxmlformats.org/officeDocument/2006/relationships" xmlns:p="http://schemas.openxmlformats.org/presentationml/2006/main">
   <p:cSld>
@@ -328,7 +332,7 @@
           <a:p>
             <a:fld id="{5AC68C86-161C-47A6-9A61-C529F6A6AC98}" type="datetimeFigureOut">
               <a:rPr lang="en-US" smtClean="0"/>
-              <a:t>5/11/2017</a:t>
+              <a:t>5/12/2017</a:t>
             </a:fld>
             <a:endParaRPr lang="en-US"/>
           </a:p>
@@ -1184,13 +1188,8 @@
             </a:r>
             <a:r>
               <a:rPr lang="en-US" baseline="0" dirty="0"/>
-              <a:t> field has the overall adoption rate and for some applications it has full version history with adoption rates.  This is VERY useful information</a:t>
-            </a:r>
-            <a:r>
-              <a:rPr lang="en-US" baseline="0" dirty="0" smtClean="0"/>
-              <a:t>.  This cannot be overstated.  This is a gold mine of information.</a:t>
-            </a:r>
-            <a:endParaRPr lang="en-US" baseline="0" dirty="0"/>
+              <a:t> field has the overall adoption rate and for some applications it has full version history with adoption rates.  This is VERY useful information.  This cannot be overstated.  This is a gold mine of information.</a:t>
+            </a:r>
           </a:p>
           <a:p>
             <a:r>
@@ -1836,13 +1835,8 @@
           <a:p>
             <a:r>
               <a:rPr lang="en-US" baseline="0" dirty="0"/>
-              <a:t>This is radical!!  Everyone hates this</a:t>
-            </a:r>
-            <a:r>
-              <a:rPr lang="en-US" baseline="0" dirty="0" smtClean="0"/>
-              <a:t>.  You are likely never going to be able to have the same level of complexity in your lab environment as exists in your production environment.  You can really smooth this out by using the dynamic updates steps   You can spend an entire summer tracking this one down, and you may never get it right…  my ask to you is at least TRY using dynamic updates, it has the potential to solve the majority of your driver issues during in place upgrades.  It is a little magical really.</a:t>
-            </a:r>
-            <a:endParaRPr lang="en-US" baseline="0" dirty="0"/>
+              <a:t>This is radical!!  Everyone hates this.  You are likely never going to be able to have the same level of complexity in your lab environment as exists in your production environment.  You can really smooth this out by using the dynamic updates steps   You can spend an entire summer tracking this one down, and you may never get it right…  my ask to you is at least TRY using dynamic updates, it has the potential to solve the majority of your driver issues during in place upgrades.  It is a little magical really.</a:t>
+            </a:r>
           </a:p>
         </p:txBody>
       </p:sp>
@@ -2025,32 +2019,12 @@
             </a:r>
             <a:r>
               <a:rPr lang="en-US" baseline="0" dirty="0"/>
-              <a:t> is a lot of work and may not be a problem.  If you are not managing these devices today, maybe you can continue to not manage them.  The </a:t>
-            </a:r>
-            <a:r>
-              <a:rPr lang="en-US" baseline="0" dirty="0" smtClean="0"/>
-              <a:t>problem </a:t>
-            </a:r>
+              <a:t> is a lot of work and may not be a problem.  If you are not managing these devices today, maybe you can continue to not manage them.  The problem devices you are going to be running into here are specialty devices for the most part. The 1607 + latest CU has a pretty impressive library of drivers in it.</a:t>
+            </a:r>
+          </a:p>
+          <a:p>
             <a:r>
               <a:rPr lang="en-US" baseline="0" dirty="0"/>
-              <a:t>devices you are going to be </a:t>
-            </a:r>
-            <a:r>
-              <a:rPr lang="en-US" baseline="0" dirty="0" smtClean="0"/>
-              <a:t>running </a:t>
-            </a:r>
-            <a:r>
-              <a:rPr lang="en-US" baseline="0" dirty="0"/>
-              <a:t>into here are specialty devices for the most part. The 1607 + latest CU has a pretty impressive library of drivers in it</a:t>
-            </a:r>
-            <a:r>
-              <a:rPr lang="en-US" baseline="0" dirty="0" smtClean="0"/>
-              <a:t>.</a:t>
-            </a:r>
-          </a:p>
-          <a:p>
-            <a:r>
-              <a:rPr lang="en-US" baseline="0" dirty="0" smtClean="0"/>
               <a:t>Rebooting into windows PE works great if you devices are always connected, it gets a little harry with disconnected / remote laptops.  Just keep it simple where you can, using windows PE greatly increases the complexity.</a:t>
             </a:r>
             <a:endParaRPr lang="en-US" dirty="0"/>
@@ -8970,19 +8944,28 @@
           <a:p>
             <a:r>
               <a:rPr lang="en-US" dirty="0"/>
-              <a:t>Presenter #2</a:t>
-            </a:r>
-          </a:p>
-          <a:p>
-            <a:r>
-              <a:rPr lang="en-US" dirty="0"/>
-              <a:t>Blog, e-mail address, title</a:t>
-            </a:r>
-          </a:p>
-          <a:p>
-            <a:r>
-              <a:rPr lang="en-US" dirty="0"/>
-              <a:t>Company</a:t>
+              <a:t>Steve Jesok</a:t>
+            </a:r>
+          </a:p>
+          <a:p>
+            <a:r>
+              <a:rPr lang="en-US" dirty="0">
+                <a:hlinkClick r:id="rId4"/>
+              </a:rPr>
+              <a:t>Jesok@mnscug.org</a:t>
+            </a:r>
+            <a:endParaRPr lang="en-US" dirty="0"/>
+          </a:p>
+          <a:p>
+            <a:r>
+              <a:rPr lang="en-US" dirty="0"/>
+              <a:t>Sr Design Engineer</a:t>
+            </a:r>
+          </a:p>
+          <a:p>
+            <a:r>
+              <a:rPr lang="en-US" dirty="0"/>
+              <a:t>Ameriprise</a:t>
             </a:r>
           </a:p>
         </p:txBody>
@@ -9527,13 +9510,8 @@
             </a:pPr>
             <a:r>
               <a:rPr lang="en-US" dirty="0"/>
-              <a:t>	Security Updates are not included in </a:t>
-            </a:r>
-            <a:r>
-              <a:rPr lang="en-US" dirty="0" smtClean="0"/>
-              <a:t>WUR</a:t>
-            </a:r>
-            <a:endParaRPr lang="en-US" dirty="0"/>
+              <a:t>	Security Updates are not included in WUR</a:t>
+            </a:r>
           </a:p>
           <a:p>
             <a:pPr marL="457200" lvl="1" indent="0">
@@ -10290,42 +10268,25 @@
           </a:p>
           <a:p>
             <a:pPr lvl="1"/>
-            <a:endParaRPr lang="en-US" dirty="0" smtClean="0"/>
+            <a:endParaRPr lang="en-US" dirty="0"/>
           </a:p>
           <a:p>
             <a:pPr lvl="1"/>
             <a:r>
-              <a:rPr lang="en-US" dirty="0" smtClean="0"/>
-              <a:t>Resolution</a:t>
-            </a:r>
-            <a:r>
-              <a:rPr lang="en-US" dirty="0"/>
-              <a:t>?  Identify devices with legacy installations and upgrade them before doing the in place upgrade.  You should be doing this anyway, now is a good time to start.</a:t>
+              <a:rPr lang="en-US" dirty="0"/>
+              <a:t>Resolution?  Identify devices with legacy installations and upgrade them before doing the in place upgrade.  You should be doing this anyway, now is a good time to start.</a:t>
             </a:r>
           </a:p>
           <a:p>
             <a:pPr lvl="1"/>
-            <a:endParaRPr lang="en-US" dirty="0" smtClean="0"/>
+            <a:endParaRPr lang="en-US" dirty="0"/>
           </a:p>
           <a:p>
             <a:pPr lvl="1"/>
             <a:r>
-              <a:rPr lang="en-US" dirty="0" smtClean="0"/>
-              <a:t>You </a:t>
-            </a:r>
-            <a:r>
-              <a:rPr lang="en-US" dirty="0"/>
-              <a:t>can do this in </a:t>
-            </a:r>
-            <a:r>
-              <a:rPr lang="en-US" dirty="0" smtClean="0"/>
-              <a:t>a task </a:t>
-            </a:r>
-            <a:r>
-              <a:rPr lang="en-US" dirty="0"/>
-              <a:t>sequence as well. </a:t>
-            </a:r>
-            <a:endParaRPr lang="en-US" dirty="0" smtClean="0"/>
+              <a:rPr lang="en-US" dirty="0"/>
+              <a:t>You can do this in a task sequence as well. </a:t>
+            </a:r>
           </a:p>
           <a:p>
             <a:pPr marL="457200" lvl="1" indent="0">
@@ -10388,8 +10349,13 @@
           <a:p>
             <a:r>
               <a:rPr lang="en-US" dirty="0"/>
-              <a:t>Twitter Handle</a:t>
-            </a:r>
+              <a:t>@</a:t>
+            </a:r>
+            <a:r>
+              <a:rPr lang="en-US" dirty="0" err="1"/>
+              <a:t>SteveJesok</a:t>
+            </a:r>
+            <a:endParaRPr lang="en-US" dirty="0"/>
           </a:p>
         </p:txBody>
       </p:sp>
@@ -10410,7 +10376,7 @@
           <a:p>
             <a:r>
               <a:rPr lang="en-US" dirty="0"/>
-              <a:t>Awards, accomplishments, etc.</a:t>
+              <a:t>IT Pro Community Guru</a:t>
             </a:r>
           </a:p>
         </p:txBody>
@@ -10432,7 +10398,7 @@
           <a:p>
             <a:r>
               <a:rPr lang="en-US" dirty="0"/>
-              <a:t>Experience</a:t>
+              <a:t>System Mgmt. &amp; Automation</a:t>
             </a:r>
           </a:p>
         </p:txBody>
@@ -10454,7 +10420,7 @@
           <a:p>
             <a:r>
               <a:rPr lang="en-US" dirty="0"/>
-              <a:t>Favorite something; e.g., food</a:t>
+              <a:t>Musician</a:t>
             </a:r>
           </a:p>
         </p:txBody>
@@ -10574,7 +10540,7 @@
           <a:p>
             <a:r>
               <a:rPr lang="en-US" dirty="0"/>
-              <a:t>Presenter Name 2</a:t>
+              <a:t>Steve Jesok</a:t>
             </a:r>
           </a:p>
         </p:txBody>
@@ -10647,22 +10613,9 @@
           <a:lstStyle/>
           <a:p>
             <a:r>
-              <a:rPr lang="en-US" dirty="0" smtClean="0"/>
-              <a:t>Display Link</a:t>
-            </a:r>
-            <a:r>
-              <a:rPr lang="en-US" dirty="0"/>
-              <a:t> </a:t>
-            </a:r>
-            <a:r>
-              <a:rPr lang="en-US" dirty="0" smtClean="0"/>
-              <a:t>And Bluetooth </a:t>
-            </a:r>
-            <a:r>
-              <a:rPr lang="en-US" dirty="0" smtClean="0"/>
-              <a:t>drivers</a:t>
-            </a:r>
-            <a:endParaRPr lang="en-US" dirty="0"/>
+              <a:rPr lang="en-US" dirty="0"/>
+              <a:t>Display Link And Bluetooth drivers</a:t>
+            </a:r>
           </a:p>
         </p:txBody>
       </p:sp>
@@ -10682,34 +10635,22 @@
           <a:lstStyle/>
           <a:p>
             <a:r>
-              <a:rPr lang="en-US" dirty="0" smtClean="0"/>
+              <a:rPr lang="en-US" dirty="0"/>
               <a:t>Dealing with Display Link blockers</a:t>
             </a:r>
-            <a:endParaRPr lang="en-US" dirty="0" smtClean="0">
+            <a:endParaRPr lang="en-US" dirty="0">
               <a:hlinkClick r:id="rId3"/>
             </a:endParaRPr>
           </a:p>
           <a:p>
             <a:pPr lvl="1"/>
-            <a:r>
-              <a:rPr lang="en-US" dirty="0" smtClean="0">
-                <a:hlinkClick r:id="rId3"/>
-              </a:rPr>
-              <a:t>http</a:t>
-            </a:r>
             <a:r>
               <a:rPr lang="en-US" dirty="0">
                 <a:hlinkClick r:id="rId3"/>
               </a:rPr>
-              <a:t>://</a:t>
-            </a:r>
-            <a:r>
-              <a:rPr lang="en-US" dirty="0" smtClean="0">
-                <a:hlinkClick r:id="rId3"/>
-              </a:rPr>
-              <a:t>www.displaylink.com/downloads/corporate</a:t>
-            </a:r>
-            <a:endParaRPr lang="en-US" dirty="0" smtClean="0"/>
+              <a:t>http://www.displaylink.com/downloads/corporate</a:t>
+            </a:r>
+            <a:endParaRPr lang="en-US" dirty="0"/>
           </a:p>
           <a:p>
             <a:pPr lvl="1"/>
@@ -10717,51 +10658,45 @@
               <a:rPr lang="en-US" dirty="0">
                 <a:hlinkClick r:id="rId4"/>
               </a:rPr>
-              <a:t>http://</a:t>
-            </a:r>
-            <a:r>
-              <a:rPr lang="en-US" dirty="0" smtClean="0">
-                <a:hlinkClick r:id="rId4"/>
-              </a:rPr>
-              <a:t>support.displaylink.com/knowledgebase/articles/607686</a:t>
-            </a:r>
-            <a:endParaRPr lang="en-US" dirty="0" smtClean="0"/>
-          </a:p>
-          <a:p>
-            <a:pPr lvl="1"/>
-            <a:endParaRPr lang="en-US" dirty="0" smtClean="0"/>
+              <a:t>http://support.displaylink.com/knowledgebase/articles/607686</a:t>
+            </a:r>
+            <a:endParaRPr lang="en-US" dirty="0"/>
           </a:p>
           <a:p>
             <a:pPr lvl="1"/>
             <a:endParaRPr lang="en-US" dirty="0"/>
           </a:p>
           <a:p>
-            <a:r>
-              <a:rPr lang="en-US" dirty="0" smtClean="0"/>
-              <a:t>Dealing with Bluetooth blockers</a:t>
-            </a:r>
-          </a:p>
-          <a:p>
-            <a:pPr lvl="1"/>
-            <a:r>
-              <a:rPr lang="en-US" dirty="0" smtClean="0"/>
-              <a:t>Uninstall blocking versions during the sequence.  Look to registry for uninstall string.</a:t>
-            </a:r>
-          </a:p>
-          <a:p>
-            <a:pPr lvl="1"/>
-            <a:endParaRPr lang="en-US" dirty="0" smtClean="0"/>
-          </a:p>
-          <a:p>
             <a:pPr lvl="1"/>
             <a:endParaRPr lang="en-US" dirty="0"/>
           </a:p>
           <a:p>
-            <a:endParaRPr lang="en-US" dirty="0" smtClean="0"/>
+            <a:r>
+              <a:rPr lang="en-US" dirty="0"/>
+              <a:t>Dealing with Bluetooth blockers</a:t>
+            </a:r>
           </a:p>
           <a:p>
             <a:pPr lvl="1"/>
-            <a:endParaRPr lang="en-US" dirty="0" smtClean="0"/>
+            <a:r>
+              <a:rPr lang="en-US" dirty="0"/>
+              <a:t>Uninstall blocking versions during the sequence.  Look to registry for uninstall string.</a:t>
+            </a:r>
+          </a:p>
+          <a:p>
+            <a:pPr lvl="1"/>
+            <a:endParaRPr lang="en-US" dirty="0"/>
+          </a:p>
+          <a:p>
+            <a:pPr lvl="1"/>
+            <a:endParaRPr lang="en-US" dirty="0"/>
+          </a:p>
+          <a:p>
+            <a:endParaRPr lang="en-US" dirty="0"/>
+          </a:p>
+          <a:p>
+            <a:pPr lvl="1"/>
+            <a:endParaRPr lang="en-US" dirty="0"/>
           </a:p>
           <a:p>
             <a:pPr marL="457200" lvl="1" indent="0">
@@ -10990,23 +10925,7 @@
             </a:pPr>
             <a:r>
               <a:rPr lang="en-US" dirty="0"/>
-              <a:t>This will use </a:t>
-            </a:r>
-            <a:r>
-              <a:rPr lang="en-US" dirty="0" smtClean="0"/>
-              <a:t>Windows </a:t>
-            </a:r>
-            <a:r>
-              <a:rPr lang="en-US" dirty="0"/>
-              <a:t>U</a:t>
-            </a:r>
-            <a:r>
-              <a:rPr lang="en-US" dirty="0" smtClean="0"/>
-              <a:t>pdate </a:t>
-            </a:r>
-            <a:r>
-              <a:rPr lang="en-US" dirty="0"/>
-              <a:t>to install updated drivers dynamically.</a:t>
+              <a:t>This will use Windows Update to install updated drivers dynamically.</a:t>
             </a:r>
           </a:p>
           <a:p>
@@ -11338,11 +11257,7 @@
             </a:r>
             <a:r>
               <a:rPr lang="en-US" dirty="0"/>
-              <a:t> party encryption</a:t>
-            </a:r>
-            <a:r>
-              <a:rPr lang="en-US" dirty="0" smtClean="0"/>
-              <a:t>.</a:t>
+              <a:t> party encryption.</a:t>
             </a:r>
             <a:endParaRPr lang="en-US" i="1" dirty="0"/>
           </a:p>
@@ -11371,10 +11286,10 @@
               <a:t>:\ /Add-Driver /Driver:.\ /</a:t>
             </a:r>
             <a:r>
-              <a:rPr lang="en-US" i="1" dirty="0" err="1" smtClean="0"/>
+              <a:rPr lang="en-US" i="1" dirty="0" err="1"/>
               <a:t>Recurse</a:t>
             </a:r>
-            <a:endParaRPr lang="en-US" i="1" dirty="0" smtClean="0"/>
+            <a:endParaRPr lang="en-US" i="1" dirty="0"/>
           </a:p>
           <a:p>
             <a:pPr marL="0" indent="0">
@@ -11387,18 +11302,18 @@
               <a:buNone/>
             </a:pPr>
             <a:r>
-              <a:rPr lang="en-US" dirty="0" smtClean="0"/>
+              <a:rPr lang="en-US" dirty="0"/>
               <a:t>Use PNPUtil.exe in </a:t>
             </a:r>
             <a:r>
-              <a:rPr lang="en-US" smtClean="0"/>
+              <a:rPr lang="en-US"/>
               <a:t>the full O.S. </a:t>
             </a:r>
-            <a:endParaRPr lang="en-US" dirty="0" smtClean="0"/>
-          </a:p>
-          <a:p>
-            <a:r>
-              <a:rPr lang="en-US" dirty="0" smtClean="0"/>
+            <a:endParaRPr lang="en-US" dirty="0"/>
+          </a:p>
+          <a:p>
+            <a:r>
+              <a:rPr lang="en-US" dirty="0"/>
               <a:t>Inject the driver into the Driver store.</a:t>
             </a:r>
           </a:p>
@@ -11418,7 +11333,6 @@
               <a:rPr lang="en-US" i="1" dirty="0"/>
               <a:t> –a dlidusb.inf</a:t>
             </a:r>
-            <a:endParaRPr lang="en-US" i="1" dirty="0"/>
           </a:p>
         </p:txBody>
       </p:sp>
@@ -12363,15 +12277,7 @@
             </a:pPr>
             <a:r>
               <a:rPr lang="en-US" sz="1600" dirty="0"/>
-              <a:t>	[query] | </a:t>
-            </a:r>
-            <a:r>
-              <a:rPr lang="en-US" sz="1600" dirty="0" smtClean="0"/>
-              <a:t>Measure </a:t>
-            </a:r>
-            <a:r>
-              <a:rPr lang="en-US" sz="1600" dirty="0"/>
-              <a:t>count() by </a:t>
+              <a:t>	[query] | Measure count() by </a:t>
             </a:r>
             <a:r>
               <a:rPr lang="en-US" sz="1600" dirty="0" err="1"/>
@@ -12526,13 +12432,8 @@
           <a:p>
             <a:r>
               <a:rPr lang="en-US" dirty="0"/>
-              <a:t>Query </a:t>
-            </a:r>
-            <a:r>
-              <a:rPr lang="en-US" dirty="0" smtClean="0"/>
-              <a:t>Builder</a:t>
-            </a:r>
-            <a:endParaRPr lang="en-US" dirty="0"/>
+              <a:t>Query Builder</a:t>
+            </a:r>
           </a:p>
         </p:txBody>
       </p:sp>
@@ -12555,7 +12456,7 @@
               <a:buNone/>
             </a:pPr>
             <a:r>
-              <a:rPr lang="en-US" dirty="0" smtClean="0"/>
+              <a:rPr lang="en-US" dirty="0"/>
               <a:t>The UI works well for building queries as well.</a:t>
             </a:r>
           </a:p>
@@ -12563,7 +12464,7 @@
             <a:pPr marL="114300" indent="0">
               <a:buNone/>
             </a:pPr>
-            <a:endParaRPr lang="en-US" sz="1600" dirty="0" smtClean="0"/>
+            <a:endParaRPr lang="en-US" sz="1600" dirty="0"/>
           </a:p>
           <a:p>
             <a:pPr marL="114300" indent="0">
@@ -12588,42 +12489,34 @@
               <a:rPr lang="en-US" dirty="0"/>
               <a:t> </a:t>
             </a:r>
-            <a:endParaRPr lang="en-US" dirty="0" smtClean="0"/>
           </a:p>
           <a:p>
             <a:pPr marL="114300" indent="0">
               <a:buNone/>
             </a:pPr>
             <a:r>
-              <a:rPr lang="en-US" u="sng" dirty="0" smtClean="0">
-                <a:hlinkClick r:id="rId4"/>
-              </a:rPr>
-              <a:t>https</a:t>
-            </a:r>
-            <a:r>
               <a:rPr lang="en-US" u="sng" dirty="0">
                 <a:hlinkClick r:id="rId4"/>
               </a:rPr>
-              <a:t>://docs.microsoft.com/en-us/azure/log-analytics/log-analytics-log-searches</a:t>
+              <a:t>https://docs.microsoft.com/en-us/azure/log-analytics/log-analytics-log-searches</a:t>
             </a:r>
             <a:r>
               <a:rPr lang="en-US" dirty="0"/>
               <a:t>. </a:t>
             </a:r>
-            <a:endParaRPr lang="en-US" dirty="0" smtClean="0"/>
           </a:p>
           <a:p>
             <a:pPr marL="114300" indent="0">
               <a:buNone/>
             </a:pPr>
-            <a:endParaRPr lang="en-US" dirty="0" smtClean="0"/>
+            <a:endParaRPr lang="en-US" dirty="0"/>
           </a:p>
           <a:p>
             <a:pPr marL="114300" indent="0">
               <a:buNone/>
             </a:pPr>
             <a:r>
-              <a:rPr lang="en-US" dirty="0" smtClean="0"/>
+              <a:rPr lang="en-US" dirty="0"/>
               <a:t>There is a REST API as well. </a:t>
             </a:r>
           </a:p>
@@ -13080,10 +12973,9 @@
           <a:lstStyle/>
           <a:p>
             <a:r>
-              <a:rPr lang="en-US" dirty="0" smtClean="0"/>
+              <a:rPr lang="en-US" dirty="0"/>
               <a:t>Why Not?	</a:t>
             </a:r>
-            <a:endParaRPr lang="en-US" dirty="0"/>
           </a:p>
         </p:txBody>
       </p:sp>
@@ -13112,7 +13004,7 @@
               <a:buNone/>
             </a:pPr>
             <a:r>
-              <a:rPr lang="en-US" dirty="0" smtClean="0"/>
+              <a:rPr lang="en-US" dirty="0"/>
               <a:t>This is a free tool that is being routinely maintained and improved.</a:t>
             </a:r>
           </a:p>
@@ -13127,7 +13019,7 @@
               <a:buNone/>
             </a:pPr>
             <a:r>
-              <a:rPr lang="en-US" dirty="0" smtClean="0"/>
+              <a:rPr lang="en-US" dirty="0"/>
               <a:t>This is a simple dataset without much “noise”.</a:t>
             </a:r>
           </a:p>
@@ -13142,7 +13034,7 @@
               <a:buNone/>
             </a:pPr>
             <a:r>
-              <a:rPr lang="en-US" dirty="0" smtClean="0"/>
+              <a:rPr lang="en-US" dirty="0"/>
               <a:t>It is free.</a:t>
             </a:r>
           </a:p>
@@ -13150,17 +13042,16 @@
             <a:pPr marL="457200" lvl="1" indent="0">
               <a:buNone/>
             </a:pPr>
-            <a:endParaRPr lang="en-US" dirty="0" smtClean="0"/>
+            <a:endParaRPr lang="en-US" dirty="0"/>
           </a:p>
           <a:p>
             <a:pPr marL="457200" lvl="1" indent="0">
               <a:buNone/>
             </a:pPr>
             <a:r>
-              <a:rPr lang="en-US" dirty="0" smtClean="0"/>
+              <a:rPr lang="en-US" dirty="0"/>
               <a:t>Who isn’t going to use this?</a:t>
             </a:r>
-            <a:endParaRPr lang="en-US" dirty="0"/>
           </a:p>
           <a:p>
             <a:pPr marL="457200" lvl="1" indent="0">
@@ -13402,14 +13293,6 @@
   <p:clrMapOvr>
     <a:masterClrMapping/>
   </p:clrMapOvr>
-  <mc:AlternateContent xmlns:mc="http://schemas.openxmlformats.org/markup-compatibility/2006" xmlns:p14="http://schemas.microsoft.com/office/powerpoint/2010/main">
-    <mc:Choice Requires="p14">
-      <p:transition spd="slow" p14:dur="2000"/>
-    </mc:Choice>
-    <mc:Fallback xmlns="">
-      <p:transition spd="slow"/>
-    </mc:Fallback>
-  </mc:AlternateContent>
 </p:sld>
 </file>
 
@@ -13508,14 +13391,6 @@
   <p:clrMapOvr>
     <a:masterClrMapping/>
   </p:clrMapOvr>
-  <mc:AlternateContent xmlns:mc="http://schemas.openxmlformats.org/markup-compatibility/2006" xmlns:p14="http://schemas.microsoft.com/office/powerpoint/2010/main">
-    <mc:Choice Requires="p14">
-      <p:transition spd="slow" p14:dur="2000"/>
-    </mc:Choice>
-    <mc:Fallback xmlns="">
-      <p:transition spd="slow"/>
-    </mc:Fallback>
-  </mc:AlternateContent>
 </p:sld>
 </file>
 
@@ -13591,13 +13466,8 @@
             <a:pPr lvl="1"/>
             <a:r>
               <a:rPr lang="en-US" dirty="0"/>
-              <a:t>Windows 10 servicing (i.e. 1511 to </a:t>
-            </a:r>
-            <a:r>
-              <a:rPr lang="en-US" dirty="0" smtClean="0"/>
-              <a:t>1703)</a:t>
-            </a:r>
-            <a:endParaRPr lang="en-US" dirty="0"/>
+              <a:t>Windows 10 servicing (i.e. 1511 to 1703)</a:t>
+            </a:r>
           </a:p>
           <a:p>
             <a:pPr lvl="1"/>
@@ -13780,14 +13650,6 @@
   <p:clrMapOvr>
     <a:masterClrMapping/>
   </p:clrMapOvr>
-  <mc:AlternateContent xmlns:mc="http://schemas.openxmlformats.org/markup-compatibility/2006" xmlns:p14="http://schemas.microsoft.com/office/powerpoint/2010/main">
-    <mc:Choice Requires="p14">
-      <p:transition spd="slow" p14:dur="2000"/>
-    </mc:Choice>
-    <mc:Fallback xmlns="">
-      <p:transition spd="slow"/>
-    </mc:Fallback>
-  </mc:AlternateContent>
 </p:sld>
 </file>
 
@@ -13861,14 +13723,6 @@
   <p:clrMapOvr>
     <a:masterClrMapping/>
   </p:clrMapOvr>
-  <mc:AlternateContent xmlns:mc="http://schemas.openxmlformats.org/markup-compatibility/2006" xmlns:p14="http://schemas.microsoft.com/office/powerpoint/2010/main">
-    <mc:Choice Requires="p14">
-      <p:transition spd="slow" p14:dur="2000"/>
-    </mc:Choice>
-    <mc:Fallback xmlns="">
-      <p:transition spd="slow"/>
-    </mc:Fallback>
-  </mc:AlternateContent>
 </p:sld>
 </file>
 
@@ -13942,14 +13796,6 @@
   <p:clrMapOvr>
     <a:masterClrMapping/>
   </p:clrMapOvr>
-  <mc:AlternateContent xmlns:mc="http://schemas.openxmlformats.org/markup-compatibility/2006" xmlns:p14="http://schemas.microsoft.com/office/powerpoint/2010/main">
-    <mc:Choice Requires="p14">
-      <p:transition spd="slow" p14:dur="2000"/>
-    </mc:Choice>
-    <mc:Fallback xmlns="">
-      <p:transition spd="slow"/>
-    </mc:Fallback>
-  </mc:AlternateContent>
 </p:sld>
 </file>
 
@@ -14094,14 +13940,6 @@
   <p:clrMapOvr>
     <a:masterClrMapping/>
   </p:clrMapOvr>
-  <mc:AlternateContent xmlns:mc="http://schemas.openxmlformats.org/markup-compatibility/2006" xmlns:p14="http://schemas.microsoft.com/office/powerpoint/2010/main">
-    <mc:Choice Requires="p14">
-      <p:transition spd="slow" p14:dur="2000"/>
-    </mc:Choice>
-    <mc:Fallback xmlns="">
-      <p:transition spd="slow"/>
-    </mc:Fallback>
-  </mc:AlternateContent>
 </p:sld>
 </file>
 
@@ -14290,14 +14128,6 @@
   <p:clrMapOvr>
     <a:masterClrMapping/>
   </p:clrMapOvr>
-  <mc:AlternateContent xmlns:mc="http://schemas.openxmlformats.org/markup-compatibility/2006" xmlns:p14="http://schemas.microsoft.com/office/powerpoint/2010/main">
-    <mc:Choice Requires="p14">
-      <p:transition spd="slow" p14:dur="2000"/>
-    </mc:Choice>
-    <mc:Fallback xmlns="">
-      <p:transition spd="slow"/>
-    </mc:Fallback>
-  </mc:AlternateContent>
 </p:sld>
 </file>
 
@@ -14350,14 +14180,6 @@
   <p:clrMapOvr>
     <a:masterClrMapping/>
   </p:clrMapOvr>
-  <mc:AlternateContent xmlns:mc="http://schemas.openxmlformats.org/markup-compatibility/2006" xmlns:p14="http://schemas.microsoft.com/office/powerpoint/2010/main">
-    <mc:Choice Requires="p14">
-      <p:transition spd="slow" p14:dur="2000"/>
-    </mc:Choice>
-    <mc:Fallback xmlns="">
-      <p:transition spd="slow"/>
-    </mc:Fallback>
-  </mc:AlternateContent>
 </p:sld>
 </file>
 
@@ -15253,14 +15075,6 @@
   <p:clrMapOvr>
     <a:masterClrMapping/>
   </p:clrMapOvr>
-  <mc:AlternateContent xmlns:mc="http://schemas.openxmlformats.org/markup-compatibility/2006" xmlns:p14="http://schemas.microsoft.com/office/powerpoint/2010/main">
-    <mc:Choice Requires="p14">
-      <p:transition spd="slow" p14:dur="2000"/>
-    </mc:Choice>
-    <mc:Fallback xmlns="">
-      <p:transition spd="slow"/>
-    </mc:Fallback>
-  </mc:AlternateContent>
 </p:sld>
 </file>
 
@@ -16190,14 +16004,6 @@
   <p:clrMapOvr>
     <a:masterClrMapping/>
   </p:clrMapOvr>
-  <mc:AlternateContent xmlns:mc="http://schemas.openxmlformats.org/markup-compatibility/2006" xmlns:p14="http://schemas.microsoft.com/office/powerpoint/2010/main">
-    <mc:Choice Requires="p14">
-      <p:transition spd="slow" p14:dur="2000"/>
-    </mc:Choice>
-    <mc:Fallback xmlns="">
-      <p:transition spd="slow"/>
-    </mc:Fallback>
-  </mc:AlternateContent>
 </p:sld>
 </file>
 
@@ -17065,14 +16871,6 @@
   <p:clrMapOvr>
     <a:masterClrMapping/>
   </p:clrMapOvr>
-  <mc:AlternateContent xmlns:mc="http://schemas.openxmlformats.org/markup-compatibility/2006" xmlns:p14="http://schemas.microsoft.com/office/powerpoint/2010/main">
-    <mc:Choice Requires="p14">
-      <p:transition spd="slow" p14:dur="2000"/>
-    </mc:Choice>
-    <mc:Fallback xmlns="">
-      <p:transition spd="slow"/>
-    </mc:Fallback>
-  </mc:AlternateContent>
 </p:sld>
 </file>
 
@@ -17940,14 +17738,6 @@
   <p:clrMapOvr>
     <a:masterClrMapping/>
   </p:clrMapOvr>
-  <mc:AlternateContent xmlns:mc="http://schemas.openxmlformats.org/markup-compatibility/2006" xmlns:p14="http://schemas.microsoft.com/office/powerpoint/2010/main">
-    <mc:Choice Requires="p14">
-      <p:transition spd="slow" p14:dur="2000"/>
-    </mc:Choice>
-    <mc:Fallback xmlns="">
-      <p:transition spd="slow"/>
-    </mc:Fallback>
-  </mc:AlternateContent>
 </p:sld>
 </file>
 
@@ -18017,34 +17807,13 @@
             <a:pPr lvl="1"/>
             <a:r>
               <a:rPr lang="en-US" dirty="0"/>
-              <a:t>Drivers </a:t>
-            </a:r>
-            <a:r>
-              <a:rPr lang="en-US" dirty="0" smtClean="0"/>
-              <a:t>for disconnected devices do </a:t>
-            </a:r>
-            <a:r>
-              <a:rPr lang="en-US" dirty="0"/>
-              <a:t>not </a:t>
-            </a:r>
-            <a:r>
-              <a:rPr lang="en-US" dirty="0" smtClean="0"/>
-              <a:t>persist.</a:t>
-            </a:r>
-            <a:endParaRPr lang="en-US" dirty="0"/>
-          </a:p>
-          <a:p>
-            <a:r>
-              <a:rPr lang="en-US" dirty="0"/>
-              <a:t>Use the latest Win10 CU!  ConfigMgr </a:t>
-            </a:r>
-            <a:r>
-              <a:rPr lang="en-US" dirty="0" smtClean="0"/>
-              <a:t>offline </a:t>
-            </a:r>
-            <a:r>
-              <a:rPr lang="en-US" dirty="0"/>
-              <a:t>servicing is helpful here.</a:t>
+              <a:t>Drivers for disconnected devices do not persist.</a:t>
+            </a:r>
+          </a:p>
+          <a:p>
+            <a:r>
+              <a:rPr lang="en-US" dirty="0"/>
+              <a:t>Use the latest Win10 CU!  ConfigMgr offline servicing is helpful here.</a:t>
             </a:r>
           </a:p>
           <a:p>
@@ -18967,14 +18736,6 @@
   <p:clrMapOvr>
     <a:masterClrMapping/>
   </p:clrMapOvr>
-  <mc:AlternateContent xmlns:mc="http://schemas.openxmlformats.org/markup-compatibility/2006" xmlns:p14="http://schemas.microsoft.com/office/powerpoint/2010/main">
-    <mc:Choice Requires="p14">
-      <p:transition spd="slow" p14:dur="2000"/>
-    </mc:Choice>
-    <mc:Fallback xmlns="">
-      <p:transition spd="slow"/>
-    </mc:Fallback>
-  </mc:AlternateContent>
 </p:sld>
 </file>
 
@@ -19842,14 +19603,6 @@
   <p:clrMapOvr>
     <a:masterClrMapping/>
   </p:clrMapOvr>
-  <mc:AlternateContent xmlns:mc="http://schemas.openxmlformats.org/markup-compatibility/2006" xmlns:p14="http://schemas.microsoft.com/office/powerpoint/2010/main">
-    <mc:Choice Requires="p14">
-      <p:transition spd="slow" p14:dur="2000"/>
-    </mc:Choice>
-    <mc:Fallback xmlns="">
-      <p:transition spd="slow"/>
-    </mc:Fallback>
-  </mc:AlternateContent>
 </p:sld>
 </file>
 
@@ -20717,14 +20470,6 @@
   <p:clrMapOvr>
     <a:masterClrMapping/>
   </p:clrMapOvr>
-  <mc:AlternateContent xmlns:mc="http://schemas.openxmlformats.org/markup-compatibility/2006" xmlns:p14="http://schemas.microsoft.com/office/powerpoint/2010/main">
-    <mc:Choice Requires="p14">
-      <p:transition spd="slow" p14:dur="2000"/>
-    </mc:Choice>
-    <mc:Fallback xmlns="">
-      <p:transition spd="slow"/>
-    </mc:Fallback>
-  </mc:AlternateContent>
 </p:sld>
 </file>
 
@@ -21437,14 +21182,6 @@
   <p:clrMapOvr>
     <a:masterClrMapping/>
   </p:clrMapOvr>
-  <mc:AlternateContent xmlns:mc="http://schemas.openxmlformats.org/markup-compatibility/2006" xmlns:p14="http://schemas.microsoft.com/office/powerpoint/2010/main">
-    <mc:Choice Requires="p14">
-      <p:transition spd="slow" p14:dur="2000"/>
-    </mc:Choice>
-    <mc:Fallback xmlns="">
-      <p:transition spd="slow"/>
-    </mc:Fallback>
-  </mc:AlternateContent>
 </p:sld>
 </file>
 
@@ -21976,14 +21713,6 @@
   <p:clrMapOvr>
     <a:masterClrMapping/>
   </p:clrMapOvr>
-  <mc:AlternateContent xmlns:mc="http://schemas.openxmlformats.org/markup-compatibility/2006" xmlns:p14="http://schemas.microsoft.com/office/powerpoint/2010/main">
-    <mc:Choice Requires="p14">
-      <p:transition spd="slow" p14:dur="2000"/>
-    </mc:Choice>
-    <mc:Fallback xmlns="">
-      <p:transition spd="slow"/>
-    </mc:Fallback>
-  </mc:AlternateContent>
 </p:sld>
 </file>
 
@@ -22151,40 +21880,31 @@
             </a:r>
           </a:p>
           <a:p>
-            <a:endParaRPr lang="en-US" dirty="0" smtClean="0"/>
-          </a:p>
-          <a:p>
-            <a:r>
-              <a:rPr lang="en-US" dirty="0" smtClean="0"/>
-              <a:t>Log </a:t>
-            </a:r>
-            <a:r>
-              <a:rPr lang="en-US" dirty="0"/>
-              <a:t>Analytics / Operational Insight </a:t>
-            </a:r>
-            <a:r>
-              <a:rPr lang="en-US" dirty="0" smtClean="0"/>
-              <a:t>Workspace</a:t>
-            </a:r>
-          </a:p>
-          <a:p>
-            <a:endParaRPr lang="en-US" dirty="0" smtClean="0"/>
-          </a:p>
-          <a:p>
-            <a:r>
-              <a:rPr lang="en-US" dirty="0" smtClean="0"/>
+            <a:endParaRPr lang="en-US" dirty="0"/>
+          </a:p>
+          <a:p>
+            <a:r>
+              <a:rPr lang="en-US" dirty="0"/>
+              <a:t>Log Analytics / Operational Insight Workspace</a:t>
+            </a:r>
+          </a:p>
+          <a:p>
+            <a:endParaRPr lang="en-US" dirty="0"/>
+          </a:p>
+          <a:p>
+            <a:r>
+              <a:rPr lang="en-US" dirty="0"/>
               <a:t>The storage and usage is free.</a:t>
             </a:r>
           </a:p>
           <a:p>
-            <a:endParaRPr lang="en-US" dirty="0" smtClean="0"/>
-          </a:p>
-          <a:p>
-            <a:r>
-              <a:rPr lang="en-US" dirty="0" smtClean="0"/>
+            <a:endParaRPr lang="en-US" dirty="0"/>
+          </a:p>
+          <a:p>
+            <a:r>
+              <a:rPr lang="en-US" dirty="0"/>
               <a:t>Data snapshots are retained free for 7 days.  </a:t>
             </a:r>
-            <a:endParaRPr lang="en-US" dirty="0"/>
           </a:p>
           <a:p>
             <a:endParaRPr lang="en-US" dirty="0"/>

--- a/MMS 2017 - Windows Upgrade Readiness.pptx
+++ b/MMS 2017 - Windows Upgrade Readiness.pptx
@@ -332,7 +332,7 @@
           <a:p>
             <a:fld id="{5AC68C86-161C-47A6-9A61-C529F6A6AC98}" type="datetimeFigureOut">
               <a:rPr lang="en-US" smtClean="0"/>
-              <a:t>5/12/2017</a:t>
+              <a:t>5/16/2017</a:t>
             </a:fld>
             <a:endParaRPr lang="en-US"/>
           </a:p>
@@ -11494,7 +11494,7 @@
       </p:sp>
       <p:pic>
         <p:nvPicPr>
-          <p:cNvPr id="5" name="Picture 4"/>
+          <p:cNvPr id="4" name="Picture 3"/>
           <p:cNvPicPr>
             <a:picLocks noChangeAspect="1"/>
           </p:cNvPicPr>
@@ -11508,8 +11508,8 @@
         </p:blipFill>
         <p:spPr>
           <a:xfrm>
-            <a:off x="904875" y="1857375"/>
-            <a:ext cx="10382250" cy="3143250"/>
+            <a:off x="1177159" y="2329449"/>
+            <a:ext cx="9942786" cy="2855591"/>
           </a:xfrm>
           <a:prstGeom prst="rect">
             <a:avLst/>
@@ -12167,14 +12167,121 @@
           <a:p>
             <a:r>
               <a:rPr lang="en-US" dirty="0"/>
-              <a:t>Forums, etc.</a:t>
+              <a:t>Forums, </a:t>
+            </a:r>
+            <a:r>
+              <a:rPr lang="en-US" dirty="0" err="1"/>
+              <a:t>reddit</a:t>
+            </a:r>
+            <a:r>
+              <a:rPr lang="en-US" dirty="0"/>
+              <a:t>, slack, etc.</a:t>
             </a:r>
           </a:p>
           <a:p>
             <a:endParaRPr lang="en-US" dirty="0"/>
           </a:p>
-        </p:txBody>
-      </p:sp>
+          <a:p>
+            <a:endParaRPr lang="en-US" dirty="0"/>
+          </a:p>
+        </p:txBody>
+      </p:sp>
+      <p:pic>
+        <p:nvPicPr>
+          <p:cNvPr id="3" name="Picture 2"/>
+          <p:cNvPicPr>
+            <a:picLocks noChangeAspect="1"/>
+          </p:cNvPicPr>
+          <p:nvPr/>
+        </p:nvPicPr>
+        <p:blipFill>
+          <a:blip r:embed="rId2"/>
+          <a:stretch>
+            <a:fillRect/>
+          </a:stretch>
+        </p:blipFill>
+        <p:spPr>
+          <a:xfrm>
+            <a:off x="7032569" y="1439261"/>
+            <a:ext cx="4086225" cy="952500"/>
+          </a:xfrm>
+          <a:prstGeom prst="rect">
+            <a:avLst/>
+          </a:prstGeom>
+        </p:spPr>
+      </p:pic>
+      <p:pic>
+        <p:nvPicPr>
+          <p:cNvPr id="5" name="Picture 4"/>
+          <p:cNvPicPr>
+            <a:picLocks noChangeAspect="1"/>
+          </p:cNvPicPr>
+          <p:nvPr/>
+        </p:nvPicPr>
+        <p:blipFill>
+          <a:blip r:embed="rId3"/>
+          <a:stretch>
+            <a:fillRect/>
+          </a:stretch>
+        </p:blipFill>
+        <p:spPr>
+          <a:xfrm>
+            <a:off x="7032569" y="2862913"/>
+            <a:ext cx="4297583" cy="1031420"/>
+          </a:xfrm>
+          <a:prstGeom prst="rect">
+            <a:avLst/>
+          </a:prstGeom>
+        </p:spPr>
+      </p:pic>
+      <p:pic>
+        <p:nvPicPr>
+          <p:cNvPr id="7" name="Picture 6"/>
+          <p:cNvPicPr>
+            <a:picLocks noChangeAspect="1"/>
+          </p:cNvPicPr>
+          <p:nvPr/>
+        </p:nvPicPr>
+        <p:blipFill>
+          <a:blip r:embed="rId4"/>
+          <a:stretch>
+            <a:fillRect/>
+          </a:stretch>
+        </p:blipFill>
+        <p:spPr>
+          <a:xfrm>
+            <a:off x="7032569" y="4365485"/>
+            <a:ext cx="4949219" cy="1042495"/>
+          </a:xfrm>
+          <a:prstGeom prst="rect">
+            <a:avLst/>
+          </a:prstGeom>
+        </p:spPr>
+      </p:pic>
+      <p:pic>
+        <p:nvPicPr>
+          <p:cNvPr id="8" name="Picture 7"/>
+          <p:cNvPicPr>
+            <a:picLocks noChangeAspect="1"/>
+          </p:cNvPicPr>
+          <p:nvPr/>
+        </p:nvPicPr>
+        <p:blipFill>
+          <a:blip r:embed="rId5"/>
+          <a:stretch>
+            <a:fillRect/>
+          </a:stretch>
+        </p:blipFill>
+        <p:spPr>
+          <a:xfrm>
+            <a:off x="7032857" y="5623356"/>
+            <a:ext cx="4549543" cy="905696"/>
+          </a:xfrm>
+          <a:prstGeom prst="rect">
+            <a:avLst/>
+          </a:prstGeom>
+        </p:spPr>
+      </p:pic>
     </p:spTree>
     <p:extLst>
       <p:ext uri="{BB962C8B-B14F-4D97-AF65-F5344CB8AC3E}">
@@ -21795,7 +21902,7 @@
           <a:p>
             <a:r>
               <a:rPr lang="en-US" dirty="0"/>
-              <a:t>mms2017XX@azurelab.org</a:t>
+              <a:t>mmsXX@azurelab.org</a:t>
             </a:r>
           </a:p>
         </p:txBody>
